--- a/outputs/06_diversity_partitioning/schema_partition.pptx
+++ b/outputs/06_diversity_partitioning/schema_partition.pptx
@@ -104,6 +104,11 @@
       </a:defRPr>
     </a:lvl9pPr>
   </p:defaultTextStyle>
+  <p:extLst>
+    <p:ext uri="{EFAFB233-063F-42B5-8137-9DF3F51BA10A}">
+      <p15:sldGuideLst xmlns:p15="http://schemas.microsoft.com/office/powerpoint/2012/main"/>
+    </p:ext>
+  </p:extLst>
 </p:presentation>
 </file>
 
@@ -238,7 +243,7 @@
           <a:p>
             <a:fld id="{1DD5E214-71AE-49E0-8511-3FE919ED9730}" type="datetimeFigureOut">
               <a:rPr lang="fr-FR" smtClean="0"/>
-              <a:t>27/04/2020</a:t>
+              <a:t>29/04/2020</a:t>
             </a:fld>
             <a:endParaRPr lang="fr-FR"/>
           </a:p>
@@ -408,7 +413,7 @@
           <a:p>
             <a:fld id="{1DD5E214-71AE-49E0-8511-3FE919ED9730}" type="datetimeFigureOut">
               <a:rPr lang="fr-FR" smtClean="0"/>
-              <a:t>27/04/2020</a:t>
+              <a:t>29/04/2020</a:t>
             </a:fld>
             <a:endParaRPr lang="fr-FR"/>
           </a:p>
@@ -588,7 +593,7 @@
           <a:p>
             <a:fld id="{1DD5E214-71AE-49E0-8511-3FE919ED9730}" type="datetimeFigureOut">
               <a:rPr lang="fr-FR" smtClean="0"/>
-              <a:t>27/04/2020</a:t>
+              <a:t>29/04/2020</a:t>
             </a:fld>
             <a:endParaRPr lang="fr-FR"/>
           </a:p>
@@ -758,7 +763,7 @@
           <a:p>
             <a:fld id="{1DD5E214-71AE-49E0-8511-3FE919ED9730}" type="datetimeFigureOut">
               <a:rPr lang="fr-FR" smtClean="0"/>
-              <a:t>27/04/2020</a:t>
+              <a:t>29/04/2020</a:t>
             </a:fld>
             <a:endParaRPr lang="fr-FR"/>
           </a:p>
@@ -1004,7 +1009,7 @@
           <a:p>
             <a:fld id="{1DD5E214-71AE-49E0-8511-3FE919ED9730}" type="datetimeFigureOut">
               <a:rPr lang="fr-FR" smtClean="0"/>
-              <a:t>27/04/2020</a:t>
+              <a:t>29/04/2020</a:t>
             </a:fld>
             <a:endParaRPr lang="fr-FR"/>
           </a:p>
@@ -1236,7 +1241,7 @@
           <a:p>
             <a:fld id="{1DD5E214-71AE-49E0-8511-3FE919ED9730}" type="datetimeFigureOut">
               <a:rPr lang="fr-FR" smtClean="0"/>
-              <a:t>27/04/2020</a:t>
+              <a:t>29/04/2020</a:t>
             </a:fld>
             <a:endParaRPr lang="fr-FR"/>
           </a:p>
@@ -1603,7 +1608,7 @@
           <a:p>
             <a:fld id="{1DD5E214-71AE-49E0-8511-3FE919ED9730}" type="datetimeFigureOut">
               <a:rPr lang="fr-FR" smtClean="0"/>
-              <a:t>27/04/2020</a:t>
+              <a:t>29/04/2020</a:t>
             </a:fld>
             <a:endParaRPr lang="fr-FR"/>
           </a:p>
@@ -1721,7 +1726,7 @@
           <a:p>
             <a:fld id="{1DD5E214-71AE-49E0-8511-3FE919ED9730}" type="datetimeFigureOut">
               <a:rPr lang="fr-FR" smtClean="0"/>
-              <a:t>27/04/2020</a:t>
+              <a:t>29/04/2020</a:t>
             </a:fld>
             <a:endParaRPr lang="fr-FR"/>
           </a:p>
@@ -1816,7 +1821,7 @@
           <a:p>
             <a:fld id="{1DD5E214-71AE-49E0-8511-3FE919ED9730}" type="datetimeFigureOut">
               <a:rPr lang="fr-FR" smtClean="0"/>
-              <a:t>27/04/2020</a:t>
+              <a:t>29/04/2020</a:t>
             </a:fld>
             <a:endParaRPr lang="fr-FR"/>
           </a:p>
@@ -2093,7 +2098,7 @@
           <a:p>
             <a:fld id="{1DD5E214-71AE-49E0-8511-3FE919ED9730}" type="datetimeFigureOut">
               <a:rPr lang="fr-FR" smtClean="0"/>
-              <a:t>27/04/2020</a:t>
+              <a:t>29/04/2020</a:t>
             </a:fld>
             <a:endParaRPr lang="fr-FR"/>
           </a:p>
@@ -2346,7 +2351,7 @@
           <a:p>
             <a:fld id="{1DD5E214-71AE-49E0-8511-3FE919ED9730}" type="datetimeFigureOut">
               <a:rPr lang="fr-FR" smtClean="0"/>
-              <a:t>27/04/2020</a:t>
+              <a:t>29/04/2020</a:t>
             </a:fld>
             <a:endParaRPr lang="fr-FR"/>
           </a:p>
@@ -2559,7 +2564,7 @@
           <a:p>
             <a:fld id="{1DD5E214-71AE-49E0-8511-3FE919ED9730}" type="datetimeFigureOut">
               <a:rPr lang="fr-FR" smtClean="0"/>
-              <a:t>27/04/2020</a:t>
+              <a:t>29/04/2020</a:t>
             </a:fld>
             <a:endParaRPr lang="fr-FR"/>
           </a:p>
@@ -2993,11 +2998,13 @@
               <a:avLst/>
             </a:prstGeom>
             <a:solidFill>
-              <a:schemeClr val="accent4">
-                <a:lumMod val="20000"/>
-                <a:lumOff val="80000"/>
-              </a:schemeClr>
+              <a:srgbClr val="EA907E"/>
             </a:solidFill>
+            <a:ln>
+              <a:solidFill>
+                <a:srgbClr val="C00000"/>
+              </a:solidFill>
+            </a:ln>
           </p:spPr>
           <p:style>
             <a:lnRef idx="2">
@@ -3037,6 +3044,13 @@
               <a:avLst/>
             </a:prstGeom>
             <a:noFill/>
+            <a:ln>
+              <a:solidFill>
+                <a:schemeClr val="accent5">
+                  <a:lumMod val="75000"/>
+                </a:schemeClr>
+              </a:solidFill>
+            </a:ln>
           </p:spPr>
           <p:style>
             <a:lnRef idx="1">
@@ -3076,50 +3090,6 @@
               <a:avLst/>
             </a:prstGeom>
             <a:solidFill>
-              <a:schemeClr val="accent6">
-                <a:lumMod val="20000"/>
-                <a:lumOff val="80000"/>
-              </a:schemeClr>
-            </a:solidFill>
-          </p:spPr>
-          <p:style>
-            <a:lnRef idx="2">
-              <a:schemeClr val="accent6"/>
-            </a:lnRef>
-            <a:fillRef idx="1">
-              <a:schemeClr val="lt1"/>
-            </a:fillRef>
-            <a:effectRef idx="0">
-              <a:schemeClr val="accent6"/>
-            </a:effectRef>
-            <a:fontRef idx="minor">
-              <a:schemeClr val="dk1"/>
-            </a:fontRef>
-          </p:style>
-          <p:txBody>
-            <a:bodyPr rtlCol="0" anchor="ctr"/>
-            <a:lstStyle/>
-            <a:p>
-              <a:pPr algn="ctr"/>
-              <a:endParaRPr lang="fr-FR"/>
-            </a:p>
-          </p:txBody>
-        </p:sp>
-        <p:sp>
-          <p:nvSpPr>
-            <p:cNvPr id="59" name="Ellipse 58"/>
-            <p:cNvSpPr/>
-            <p:nvPr/>
-          </p:nvSpPr>
-          <p:spPr>
-            <a:xfrm>
-              <a:off x="3598821" y="1878365"/>
-              <a:ext cx="1619792" cy="567746"/>
-            </a:xfrm>
-            <a:prstGeom prst="ellipse">
-              <a:avLst/>
-            </a:prstGeom>
-            <a:solidFill>
               <a:schemeClr val="accent1">
                 <a:lumMod val="20000"/>
                 <a:lumOff val="80000"/>
@@ -3151,6 +3121,50 @@
         </p:sp>
         <p:sp>
           <p:nvSpPr>
+            <p:cNvPr id="59" name="Ellipse 58"/>
+            <p:cNvSpPr/>
+            <p:nvPr/>
+          </p:nvSpPr>
+          <p:spPr>
+            <a:xfrm>
+              <a:off x="3598821" y="1878365"/>
+              <a:ext cx="1619792" cy="567746"/>
+            </a:xfrm>
+            <a:prstGeom prst="ellipse">
+              <a:avLst/>
+            </a:prstGeom>
+            <a:solidFill>
+              <a:schemeClr val="accent4">
+                <a:lumMod val="40000"/>
+                <a:lumOff val="60000"/>
+              </a:schemeClr>
+            </a:solidFill>
+          </p:spPr>
+          <p:style>
+            <a:lnRef idx="2">
+              <a:schemeClr val="accent4"/>
+            </a:lnRef>
+            <a:fillRef idx="1">
+              <a:schemeClr val="lt1"/>
+            </a:fillRef>
+            <a:effectRef idx="0">
+              <a:schemeClr val="accent4"/>
+            </a:effectRef>
+            <a:fontRef idx="minor">
+              <a:schemeClr val="dk1"/>
+            </a:fontRef>
+          </p:style>
+          <p:txBody>
+            <a:bodyPr rtlCol="0" anchor="ctr"/>
+            <a:lstStyle/>
+            <a:p>
+              <a:pPr algn="ctr"/>
+              <a:endParaRPr lang="fr-FR"/>
+            </a:p>
+          </p:txBody>
+        </p:sp>
+        <p:sp>
+          <p:nvSpPr>
             <p:cNvPr id="54" name="Ellipse 53"/>
             <p:cNvSpPr/>
             <p:nvPr/>
@@ -3164,11 +3178,18 @@
               <a:avLst/>
             </a:prstGeom>
             <a:solidFill>
-              <a:schemeClr val="accent2">
-                <a:lumMod val="20000"/>
-                <a:lumOff val="80000"/>
+              <a:schemeClr val="accent5">
+                <a:lumMod val="60000"/>
+                <a:lumOff val="40000"/>
               </a:schemeClr>
             </a:solidFill>
+            <a:ln>
+              <a:solidFill>
+                <a:schemeClr val="accent5">
+                  <a:lumMod val="75000"/>
+                </a:schemeClr>
+              </a:solidFill>
+            </a:ln>
           </p:spPr>
           <p:style>
             <a:lnRef idx="1">
@@ -3319,10 +3340,10 @@
                     <a:t>XX </a:t>
                   </a:r>
                   <a:r>
-                    <a:rPr lang="fr-FR" dirty="0" err="1" smtClean="0"/>
+                    <a:rPr lang="en-US" dirty="0" smtClean="0"/>
                     <a:t>MOTUs</a:t>
                   </a:r>
-                  <a:endParaRPr lang="fr-FR" dirty="0"/>
+                  <a:endParaRPr lang="en-US" dirty="0"/>
                 </a:p>
               </p:txBody>
             </p:sp>
@@ -3453,10 +3474,10 @@
                 <a:t>Western </a:t>
               </a:r>
               <a:r>
-                <a:rPr lang="fr-FR" dirty="0" err="1" smtClean="0"/>
+                <a:rPr lang="en-US" dirty="0" smtClean="0"/>
                 <a:t>Indian</a:t>
               </a:r>
-              <a:endParaRPr lang="fr-FR" dirty="0"/>
+              <a:endParaRPr lang="en-US" dirty="0"/>
             </a:p>
           </p:txBody>
         </p:sp>
@@ -3490,8 +3511,8 @@
             </a:p>
           </p:txBody>
         </p:sp>
-        <mc:AlternateContent xmlns:mc="http://schemas.openxmlformats.org/markup-compatibility/2006">
-          <mc:Choice xmlns:a14="http://schemas.microsoft.com/office/drawing/2010/main" Requires="a14">
+        <mc:AlternateContent xmlns:mc="http://schemas.openxmlformats.org/markup-compatibility/2006" xmlns:a14="http://schemas.microsoft.com/office/drawing/2010/main">
+          <mc:Choice Requires="a14">
             <p:sp>
               <p:nvSpPr>
                 <p:cNvPr id="9" name="ZoneTexte 8"/>
@@ -3576,7 +3597,7 @@
               </p:txBody>
             </p:sp>
           </mc:Choice>
-          <mc:Fallback>
+          <mc:Fallback xmlns="">
             <p:sp>
               <p:nvSpPr>
                 <p:cNvPr id="9" name="ZoneTexte 8"/>
@@ -3615,8 +3636,8 @@
             </p:sp>
           </mc:Fallback>
         </mc:AlternateContent>
-        <mc:AlternateContent xmlns:mc="http://schemas.openxmlformats.org/markup-compatibility/2006">
-          <mc:Choice xmlns:a14="http://schemas.microsoft.com/office/drawing/2010/main" Requires="a14">
+        <mc:AlternateContent xmlns:mc="http://schemas.openxmlformats.org/markup-compatibility/2006" xmlns:a14="http://schemas.microsoft.com/office/drawing/2010/main">
+          <mc:Choice Requires="a14">
             <p:sp>
               <p:nvSpPr>
                 <p:cNvPr id="10" name="ZoneTexte 9"/>
@@ -3705,7 +3726,7 @@
               </p:txBody>
             </p:sp>
           </mc:Choice>
-          <mc:Fallback>
+          <mc:Fallback xmlns="">
             <p:sp>
               <p:nvSpPr>
                 <p:cNvPr id="10" name="ZoneTexte 9"/>
@@ -3744,8 +3765,8 @@
             </p:sp>
           </mc:Fallback>
         </mc:AlternateContent>
-        <mc:AlternateContent xmlns:mc="http://schemas.openxmlformats.org/markup-compatibility/2006">
-          <mc:Choice xmlns:a14="http://schemas.microsoft.com/office/drawing/2010/main" Requires="a14">
+        <mc:AlternateContent xmlns:mc="http://schemas.openxmlformats.org/markup-compatibility/2006" xmlns:a14="http://schemas.microsoft.com/office/drawing/2010/main">
+          <mc:Choice Requires="a14">
             <p:sp>
               <p:nvSpPr>
                 <p:cNvPr id="11" name="ZoneTexte 10"/>
@@ -3830,7 +3851,7 @@
               </p:txBody>
             </p:sp>
           </mc:Choice>
-          <mc:Fallback>
+          <mc:Fallback xmlns="">
             <p:sp>
               <p:nvSpPr>
                 <p:cNvPr id="11" name="ZoneTexte 10"/>
@@ -3869,8 +3890,8 @@
             </p:sp>
           </mc:Fallback>
         </mc:AlternateContent>
-        <mc:AlternateContent xmlns:mc="http://schemas.openxmlformats.org/markup-compatibility/2006">
-          <mc:Choice xmlns:a14="http://schemas.microsoft.com/office/drawing/2010/main" Requires="a14">
+        <mc:AlternateContent xmlns:mc="http://schemas.openxmlformats.org/markup-compatibility/2006" xmlns:a14="http://schemas.microsoft.com/office/drawing/2010/main">
+          <mc:Choice Requires="a14">
             <p:sp>
               <p:nvSpPr>
                 <p:cNvPr id="12" name="ZoneTexte 11"/>
@@ -3955,7 +3976,7 @@
               </p:txBody>
             </p:sp>
           </mc:Choice>
-          <mc:Fallback>
+          <mc:Fallback xmlns="">
             <p:sp>
               <p:nvSpPr>
                 <p:cNvPr id="12" name="ZoneTexte 11"/>
@@ -3994,8 +4015,8 @@
             </p:sp>
           </mc:Fallback>
         </mc:AlternateContent>
-        <mc:AlternateContent xmlns:mc="http://schemas.openxmlformats.org/markup-compatibility/2006">
-          <mc:Choice xmlns:a14="http://schemas.microsoft.com/office/drawing/2010/main" Requires="a14">
+        <mc:AlternateContent xmlns:mc="http://schemas.openxmlformats.org/markup-compatibility/2006" xmlns:a14="http://schemas.microsoft.com/office/drawing/2010/main">
+          <mc:Choice Requires="a14">
             <p:sp>
               <p:nvSpPr>
                 <p:cNvPr id="13" name="ZoneTexte 12"/>
@@ -4138,7 +4159,7 @@
               </p:txBody>
             </p:sp>
           </mc:Choice>
-          <mc:Fallback>
+          <mc:Fallback xmlns="">
             <p:sp>
               <p:nvSpPr>
                 <p:cNvPr id="13" name="ZoneTexte 12"/>
@@ -4177,8 +4198,8 @@
             </p:sp>
           </mc:Fallback>
         </mc:AlternateContent>
-        <mc:AlternateContent xmlns:mc="http://schemas.openxmlformats.org/markup-compatibility/2006">
-          <mc:Choice xmlns:a14="http://schemas.microsoft.com/office/drawing/2010/main" Requires="a14">
+        <mc:AlternateContent xmlns:mc="http://schemas.openxmlformats.org/markup-compatibility/2006" xmlns:a14="http://schemas.microsoft.com/office/drawing/2010/main">
+          <mc:Choice Requires="a14">
             <p:sp>
               <p:nvSpPr>
                 <p:cNvPr id="14" name="ZoneTexte 13"/>
@@ -4321,7 +4342,7 @@
               </p:txBody>
             </p:sp>
           </mc:Choice>
-          <mc:Fallback>
+          <mc:Fallback xmlns="">
             <p:sp>
               <p:nvSpPr>
                 <p:cNvPr id="14" name="ZoneTexte 13"/>
@@ -4360,8 +4381,8 @@
             </p:sp>
           </mc:Fallback>
         </mc:AlternateContent>
-        <mc:AlternateContent xmlns:mc="http://schemas.openxmlformats.org/markup-compatibility/2006">
-          <mc:Choice xmlns:a14="http://schemas.microsoft.com/office/drawing/2010/main" Requires="a14">
+        <mc:AlternateContent xmlns:mc="http://schemas.openxmlformats.org/markup-compatibility/2006" xmlns:a14="http://schemas.microsoft.com/office/drawing/2010/main">
+          <mc:Choice Requires="a14">
             <p:sp>
               <p:nvSpPr>
                 <p:cNvPr id="15" name="ZoneTexte 14"/>
@@ -4504,7 +4525,7 @@
               </p:txBody>
             </p:sp>
           </mc:Choice>
-          <mc:Fallback>
+          <mc:Fallback xmlns="">
             <p:sp>
               <p:nvSpPr>
                 <p:cNvPr id="15" name="ZoneTexte 14"/>
@@ -4543,8 +4564,8 @@
             </p:sp>
           </mc:Fallback>
         </mc:AlternateContent>
-        <mc:AlternateContent xmlns:mc="http://schemas.openxmlformats.org/markup-compatibility/2006">
-          <mc:Choice xmlns:a14="http://schemas.microsoft.com/office/drawing/2010/main" Requires="a14">
+        <mc:AlternateContent xmlns:mc="http://schemas.openxmlformats.org/markup-compatibility/2006" xmlns:a14="http://schemas.microsoft.com/office/drawing/2010/main">
+          <mc:Choice Requires="a14">
             <p:sp>
               <p:nvSpPr>
                 <p:cNvPr id="16" name="ZoneTexte 15"/>
@@ -4687,7 +4708,7 @@
               </p:txBody>
             </p:sp>
           </mc:Choice>
-          <mc:Fallback>
+          <mc:Fallback xmlns="">
             <p:sp>
               <p:nvSpPr>
                 <p:cNvPr id="16" name="ZoneTexte 15"/>
@@ -4726,8 +4747,8 @@
             </p:sp>
           </mc:Fallback>
         </mc:AlternateContent>
-        <mc:AlternateContent xmlns:mc="http://schemas.openxmlformats.org/markup-compatibility/2006">
-          <mc:Choice xmlns:a14="http://schemas.microsoft.com/office/drawing/2010/main" Requires="a14">
+        <mc:AlternateContent xmlns:mc="http://schemas.openxmlformats.org/markup-compatibility/2006" xmlns:a14="http://schemas.microsoft.com/office/drawing/2010/main">
+          <mc:Choice Requires="a14">
             <p:sp>
               <p:nvSpPr>
                 <p:cNvPr id="17" name="ZoneTexte 16"/>
@@ -4810,15 +4831,7 @@
                         <a:srgbClr val="FF0000"/>
                       </a:solidFill>
                     </a:rPr>
-                    <a:t>= xx</a:t>
-                  </a:r>
-                  <a:r>
-                    <a:rPr lang="fr-FR" sz="2000" b="1" dirty="0" smtClean="0">
-                      <a:solidFill>
-                        <a:srgbClr val="FF0000"/>
-                      </a:solidFill>
-                    </a:rPr>
-                    <a:t>%</a:t>
+                    <a:t>= xx%</a:t>
                   </a:r>
                   <a:endParaRPr lang="fr-FR" sz="2000" b="1" dirty="0">
                     <a:solidFill>
@@ -4829,7 +4842,7 @@
               </p:txBody>
             </p:sp>
           </mc:Choice>
-          <mc:Fallback>
+          <mc:Fallback xmlns="">
             <p:sp>
               <p:nvSpPr>
                 <p:cNvPr id="17" name="ZoneTexte 16"/>
@@ -4868,8 +4881,8 @@
             </p:sp>
           </mc:Fallback>
         </mc:AlternateContent>
-        <mc:AlternateContent xmlns:mc="http://schemas.openxmlformats.org/markup-compatibility/2006">
-          <mc:Choice xmlns:a14="http://schemas.microsoft.com/office/drawing/2010/main" Requires="a14">
+        <mc:AlternateContent xmlns:mc="http://schemas.openxmlformats.org/markup-compatibility/2006" xmlns:a14="http://schemas.microsoft.com/office/drawing/2010/main">
+          <mc:Choice Requires="a14">
             <p:sp>
               <p:nvSpPr>
                 <p:cNvPr id="18" name="ZoneTexte 17"/>
@@ -4897,10 +4910,11 @@
                       <m:sSub>
                         <m:sSubPr>
                           <m:ctrlPr>
-                            <a:rPr lang="fr-FR" sz="2000" b="1">
+                            <a:rPr lang="fr-FR" sz="2000" b="1" i="1">
                               <a:solidFill>
                                 <a:srgbClr val="FF0000"/>
                               </a:solidFill>
+                              <a:latin typeface="Cambria Math" panose="02040503050406030204" pitchFamily="18" charset="0"/>
                             </a:rPr>
                           </m:ctrlPr>
                         </m:sSubPr>
@@ -4909,10 +4923,11 @@
                             <m:accPr>
                               <m:chr m:val="̅"/>
                               <m:ctrlPr>
-                                <a:rPr lang="fr-FR" sz="2000" b="1">
+                                <a:rPr lang="fr-FR" sz="2000" b="1" i="1">
                                   <a:solidFill>
                                     <a:srgbClr val="FF0000"/>
                                   </a:solidFill>
+                                  <a:latin typeface="Cambria Math" panose="02040503050406030204" pitchFamily="18" charset="0"/>
                                 </a:rPr>
                               </m:ctrlPr>
                             </m:accPr>
@@ -4922,6 +4937,7 @@
                                   <a:solidFill>
                                     <a:srgbClr val="FF0000"/>
                                   </a:solidFill>
+                                  <a:latin typeface="Cambria Math" panose="02040503050406030204" pitchFamily="18" charset="0"/>
                                 </a:rPr>
                                 <m:t>𝜷</m:t>
                               </m:r>
@@ -4934,6 +4950,7 @@
                               <a:solidFill>
                                 <a:srgbClr val="FF0000"/>
                               </a:solidFill>
+                              <a:latin typeface="Cambria Math" panose="02040503050406030204" pitchFamily="18" charset="0"/>
                             </a:rPr>
                             <m:t>𝒊𝒏𝒕𝒆𝒓</m:t>
                           </m:r>
@@ -4942,6 +4959,7 @@
                               <a:solidFill>
                                 <a:srgbClr val="FF0000"/>
                               </a:solidFill>
+                              <a:latin typeface="Cambria Math" panose="02040503050406030204" pitchFamily="18" charset="0"/>
                             </a:rPr>
                             <m:t>−</m:t>
                           </m:r>
@@ -4950,6 +4968,7 @@
                               <a:solidFill>
                                 <a:srgbClr val="FF0000"/>
                               </a:solidFill>
+                              <a:latin typeface="Cambria Math" panose="02040503050406030204" pitchFamily="18" charset="0"/>
                             </a:rPr>
                             <m:t>𝒔𝒕𝒂𝒕𝒊𝒐𝒏</m:t>
                           </m:r>
@@ -4971,15 +4990,7 @@
                         <a:srgbClr val="FF0000"/>
                       </a:solidFill>
                     </a:rPr>
-                    <a:t>xx</a:t>
-                  </a:r>
-                  <a:r>
-                    <a:rPr lang="fr-FR" sz="2000" b="1" dirty="0" smtClean="0">
-                      <a:solidFill>
-                        <a:srgbClr val="FF0000"/>
-                      </a:solidFill>
-                    </a:rPr>
-                    <a:t>%</a:t>
+                    <a:t>xx%</a:t>
                   </a:r>
                   <a:endParaRPr lang="fr-FR" sz="2000" b="1" dirty="0">
                     <a:solidFill>
@@ -4990,7 +5001,7 @@
               </p:txBody>
             </p:sp>
           </mc:Choice>
-          <mc:Fallback>
+          <mc:Fallback xmlns="">
             <p:sp>
               <p:nvSpPr>
                 <p:cNvPr id="18" name="ZoneTexte 17"/>
@@ -5029,8 +5040,8 @@
             </p:sp>
           </mc:Fallback>
         </mc:AlternateContent>
-        <mc:AlternateContent xmlns:mc="http://schemas.openxmlformats.org/markup-compatibility/2006">
-          <mc:Choice xmlns:a14="http://schemas.microsoft.com/office/drawing/2010/main" Requires="a14">
+        <mc:AlternateContent xmlns:mc="http://schemas.openxmlformats.org/markup-compatibility/2006" xmlns:a14="http://schemas.microsoft.com/office/drawing/2010/main">
+          <mc:Choice Requires="a14">
             <p:sp>
               <p:nvSpPr>
                 <p:cNvPr id="19" name="ZoneTexte 18"/>
@@ -5058,10 +5069,11 @@
                       <m:sSub>
                         <m:sSubPr>
                           <m:ctrlPr>
-                            <a:rPr lang="fr-FR" sz="2000" b="1" smtClean="0">
+                            <a:rPr lang="fr-FR" sz="2000" b="1" i="1" smtClean="0">
                               <a:solidFill>
                                 <a:srgbClr val="FF0000"/>
                               </a:solidFill>
+                              <a:latin typeface="Cambria Math" panose="02040503050406030204" pitchFamily="18" charset="0"/>
                             </a:rPr>
                           </m:ctrlPr>
                         </m:sSubPr>
@@ -5070,10 +5082,11 @@
                             <m:accPr>
                               <m:chr m:val="̅"/>
                               <m:ctrlPr>
-                                <a:rPr lang="fr-FR" sz="2000" b="1">
+                                <a:rPr lang="fr-FR" sz="2000" b="1" i="1">
                                   <a:solidFill>
                                     <a:srgbClr val="FF0000"/>
                                   </a:solidFill>
+                                  <a:latin typeface="Cambria Math" panose="02040503050406030204" pitchFamily="18" charset="0"/>
                                 </a:rPr>
                               </m:ctrlPr>
                             </m:accPr>
@@ -5083,6 +5096,7 @@
                                   <a:solidFill>
                                     <a:srgbClr val="FF0000"/>
                                   </a:solidFill>
+                                  <a:latin typeface="Cambria Math" panose="02040503050406030204" pitchFamily="18" charset="0"/>
                                 </a:rPr>
                                 <m:t>𝜷</m:t>
                               </m:r>
@@ -5095,6 +5109,7 @@
                               <a:solidFill>
                                 <a:srgbClr val="FF0000"/>
                               </a:solidFill>
+                              <a:latin typeface="Cambria Math" panose="02040503050406030204" pitchFamily="18" charset="0"/>
                             </a:rPr>
                             <m:t>𝒊𝒏𝒕𝒆𝒓</m:t>
                           </m:r>
@@ -5103,6 +5118,7 @@
                               <a:solidFill>
                                 <a:srgbClr val="FF0000"/>
                               </a:solidFill>
+                              <a:latin typeface="Cambria Math" panose="02040503050406030204" pitchFamily="18" charset="0"/>
                             </a:rPr>
                             <m:t>−</m:t>
                           </m:r>
@@ -5111,6 +5127,7 @@
                               <a:solidFill>
                                 <a:srgbClr val="FF0000"/>
                               </a:solidFill>
+                              <a:latin typeface="Cambria Math" panose="02040503050406030204" pitchFamily="18" charset="0"/>
                             </a:rPr>
                             <m:t>𝒔</m:t>
                           </m:r>
@@ -5141,15 +5158,7 @@
                         <a:srgbClr val="FF0000"/>
                       </a:solidFill>
                     </a:rPr>
-                    <a:t>xx</a:t>
-                  </a:r>
-                  <a:r>
-                    <a:rPr lang="fr-FR" sz="2000" b="1" dirty="0" smtClean="0">
-                      <a:solidFill>
-                        <a:srgbClr val="FF0000"/>
-                      </a:solidFill>
-                    </a:rPr>
-                    <a:t>%</a:t>
+                    <a:t>xx%</a:t>
                   </a:r>
                   <a:endParaRPr lang="fr-FR" sz="2000" b="1" dirty="0">
                     <a:solidFill>
@@ -5160,7 +5169,7 @@
               </p:txBody>
             </p:sp>
           </mc:Choice>
-          <mc:Fallback>
+          <mc:Fallback xmlns="">
             <p:sp>
               <p:nvSpPr>
                 <p:cNvPr id="19" name="ZoneTexte 18"/>
@@ -5631,8 +5640,8 @@
             </a:fontRef>
           </p:style>
         </p:cxnSp>
-        <mc:AlternateContent xmlns:mc="http://schemas.openxmlformats.org/markup-compatibility/2006">
-          <mc:Choice xmlns:a14="http://schemas.microsoft.com/office/drawing/2010/main" Requires="a14">
+        <mc:AlternateContent xmlns:mc="http://schemas.openxmlformats.org/markup-compatibility/2006" xmlns:a14="http://schemas.microsoft.com/office/drawing/2010/main">
+          <mc:Choice Requires="a14">
             <p:sp>
               <p:nvSpPr>
                 <p:cNvPr id="20" name="ZoneTexte 19"/>
@@ -5662,10 +5671,11 @@
                       <m:sSub>
                         <m:sSubPr>
                           <m:ctrlPr>
-                            <a:rPr lang="fr-FR" sz="2000" b="1" smtClean="0">
+                            <a:rPr lang="fr-FR" sz="2000" b="1" i="1" smtClean="0">
                               <a:solidFill>
                                 <a:srgbClr val="FF0000"/>
                               </a:solidFill>
+                              <a:latin typeface="Cambria Math" panose="02040503050406030204" pitchFamily="18" charset="0"/>
                             </a:rPr>
                           </m:ctrlPr>
                         </m:sSubPr>
@@ -5687,6 +5697,7 @@
                               <a:solidFill>
                                 <a:srgbClr val="FF0000"/>
                               </a:solidFill>
+                              <a:latin typeface="Cambria Math" panose="02040503050406030204" pitchFamily="18" charset="0"/>
                             </a:rPr>
                             <m:t>𝒊𝒏𝒕𝒆𝒓</m:t>
                           </m:r>
@@ -5695,6 +5706,7 @@
                               <a:solidFill>
                                 <a:srgbClr val="FF0000"/>
                               </a:solidFill>
+                              <a:latin typeface="Cambria Math" panose="02040503050406030204" pitchFamily="18" charset="0"/>
                             </a:rPr>
                             <m:t>−</m:t>
                           </m:r>
@@ -5725,15 +5737,7 @@
                         <a:srgbClr val="FF0000"/>
                       </a:solidFill>
                     </a:rPr>
-                    <a:t>xx</a:t>
-                  </a:r>
-                  <a:r>
-                    <a:rPr lang="fr-FR" sz="2000" b="1" dirty="0" smtClean="0">
-                      <a:solidFill>
-                        <a:srgbClr val="FF0000"/>
-                      </a:solidFill>
-                    </a:rPr>
-                    <a:t>%</a:t>
+                    <a:t>xx%</a:t>
                   </a:r>
                   <a:endParaRPr lang="fr-FR" sz="2000" b="1" dirty="0">
                     <a:solidFill>
@@ -5744,7 +5748,7 @@
               </p:txBody>
             </p:sp>
           </mc:Choice>
-          <mc:Fallback>
+          <mc:Fallback xmlns="">
             <p:sp>
               <p:nvSpPr>
                 <p:cNvPr id="20" name="ZoneTexte 19"/>
@@ -5801,13 +5805,13 @@
           </p:spPr>
           <p:style>
             <a:lnRef idx="2">
-              <a:schemeClr val="accent1"/>
+              <a:schemeClr val="accent4"/>
             </a:lnRef>
             <a:fillRef idx="1">
               <a:schemeClr val="lt1"/>
             </a:fillRef>
             <a:effectRef idx="0">
-              <a:schemeClr val="accent1"/>
+              <a:schemeClr val="accent4"/>
             </a:effectRef>
             <a:fontRef idx="minor">
               <a:schemeClr val="dk1"/>
@@ -5840,13 +5844,13 @@
           </p:spPr>
           <p:style>
             <a:lnRef idx="2">
-              <a:schemeClr val="accent6"/>
+              <a:schemeClr val="accent1"/>
             </a:lnRef>
             <a:fillRef idx="1">
               <a:schemeClr val="lt1"/>
             </a:fillRef>
             <a:effectRef idx="0">
-              <a:schemeClr val="accent6"/>
+              <a:schemeClr val="accent1"/>
             </a:effectRef>
             <a:fontRef idx="minor">
               <a:schemeClr val="dk1"/>
@@ -5876,6 +5880,11 @@
               <a:avLst/>
             </a:prstGeom>
             <a:noFill/>
+            <a:ln>
+              <a:solidFill>
+                <a:srgbClr val="C00000"/>
+              </a:solidFill>
+            </a:ln>
           </p:spPr>
           <p:style>
             <a:lnRef idx="2">
@@ -5915,6 +5924,13 @@
               <a:avLst/>
             </a:prstGeom>
             <a:noFill/>
+            <a:ln>
+              <a:solidFill>
+                <a:schemeClr val="accent5">
+                  <a:lumMod val="75000"/>
+                </a:schemeClr>
+              </a:solidFill>
+            </a:ln>
           </p:spPr>
           <p:style>
             <a:lnRef idx="1">
@@ -5957,13 +5973,13 @@
           </p:spPr>
           <p:style>
             <a:lnRef idx="2">
-              <a:schemeClr val="accent1"/>
+              <a:schemeClr val="accent4"/>
             </a:lnRef>
             <a:fillRef idx="1">
               <a:schemeClr val="lt1"/>
             </a:fillRef>
             <a:effectRef idx="0">
-              <a:schemeClr val="accent1"/>
+              <a:schemeClr val="accent4"/>
             </a:effectRef>
             <a:fontRef idx="minor">
               <a:schemeClr val="dk1"/>
@@ -5996,13 +6012,13 @@
           </p:spPr>
           <p:style>
             <a:lnRef idx="2">
-              <a:schemeClr val="accent6"/>
+              <a:schemeClr val="accent1"/>
             </a:lnRef>
             <a:fillRef idx="1">
               <a:schemeClr val="lt1"/>
             </a:fillRef>
             <a:effectRef idx="0">
-              <a:schemeClr val="accent6"/>
+              <a:schemeClr val="accent1"/>
             </a:effectRef>
             <a:fontRef idx="minor">
               <a:schemeClr val="dk1"/>
@@ -6032,6 +6048,11 @@
               <a:avLst/>
             </a:prstGeom>
             <a:noFill/>
+            <a:ln>
+              <a:solidFill>
+                <a:srgbClr val="C00000"/>
+              </a:solidFill>
+            </a:ln>
           </p:spPr>
           <p:style>
             <a:lnRef idx="2">
@@ -6065,7 +6086,7 @@
         </p:nvSpPr>
         <p:spPr>
           <a:xfrm>
-            <a:off x="431074" y="209006"/>
+            <a:off x="431074" y="182881"/>
             <a:ext cx="4526279" cy="400110"/>
           </a:xfrm>
           <a:prstGeom prst="rect">
@@ -6080,49 +6101,21 @@
           <a:lstStyle/>
           <a:p>
             <a:r>
-              <a:rPr lang="fr-FR" sz="2000" b="1" dirty="0" err="1" smtClean="0">
+              <a:rPr lang="en-US" sz="2000" b="1" dirty="0" smtClean="0">
                 <a:latin typeface="Times New Roman" panose="02020603050405020304" pitchFamily="18" charset="0"/>
                 <a:cs typeface="Times New Roman" panose="02020603050405020304" pitchFamily="18" charset="0"/>
               </a:rPr>
-              <a:t>Diversity</a:t>
+              <a:t>Diversity partitioning of MOTUs</a:t>
             </a:r>
-            <a:r>
-              <a:rPr lang="fr-FR" sz="2000" b="1" dirty="0" smtClean="0">
-                <a:latin typeface="Times New Roman" panose="02020603050405020304" pitchFamily="18" charset="0"/>
-                <a:cs typeface="Times New Roman" panose="02020603050405020304" pitchFamily="18" charset="0"/>
-              </a:rPr>
-              <a:t> </a:t>
-            </a:r>
-            <a:r>
-              <a:rPr lang="fr-FR" sz="2000" b="1" dirty="0" err="1" smtClean="0">
-                <a:latin typeface="Times New Roman" panose="02020603050405020304" pitchFamily="18" charset="0"/>
-                <a:cs typeface="Times New Roman" panose="02020603050405020304" pitchFamily="18" charset="0"/>
-              </a:rPr>
-              <a:t>partitioning</a:t>
-            </a:r>
-            <a:r>
-              <a:rPr lang="fr-FR" sz="2000" b="1" dirty="0" smtClean="0">
-                <a:latin typeface="Times New Roman" panose="02020603050405020304" pitchFamily="18" charset="0"/>
-                <a:cs typeface="Times New Roman" panose="02020603050405020304" pitchFamily="18" charset="0"/>
-              </a:rPr>
-              <a:t> of </a:t>
-            </a:r>
-            <a:r>
-              <a:rPr lang="fr-FR" sz="2000" b="1" dirty="0" err="1" smtClean="0">
-                <a:latin typeface="Times New Roman" panose="02020603050405020304" pitchFamily="18" charset="0"/>
-                <a:cs typeface="Times New Roman" panose="02020603050405020304" pitchFamily="18" charset="0"/>
-              </a:rPr>
-              <a:t>MOTUs</a:t>
-            </a:r>
-            <a:endParaRPr lang="fr-FR" sz="2000" b="1" dirty="0">
+            <a:endParaRPr lang="en-US" sz="2000" b="1" dirty="0">
               <a:latin typeface="Times New Roman" panose="02020603050405020304" pitchFamily="18" charset="0"/>
               <a:cs typeface="Times New Roman" panose="02020603050405020304" pitchFamily="18" charset="0"/>
             </a:endParaRPr>
           </a:p>
         </p:txBody>
       </p:sp>
-      <mc:AlternateContent xmlns:mc="http://schemas.openxmlformats.org/markup-compatibility/2006">
-        <mc:Choice xmlns:a14="http://schemas.microsoft.com/office/drawing/2010/main" Requires="a14">
+      <mc:AlternateContent xmlns:mc="http://schemas.openxmlformats.org/markup-compatibility/2006" xmlns:a14="http://schemas.microsoft.com/office/drawing/2010/main">
+        <mc:Choice Requires="a14">
           <p:sp>
             <p:nvSpPr>
               <p:cNvPr id="124" name="ZoneTexte 123"/>
@@ -6192,15 +6185,7 @@
                       <a:srgbClr val="FF0000"/>
                     </a:solidFill>
                   </a:rPr>
-                  <a:t> </a:t>
-                </a:r>
-                <a:r>
-                  <a:rPr lang="fr-FR" b="1" dirty="0" smtClean="0">
-                    <a:solidFill>
-                      <a:srgbClr val="FF0000"/>
-                    </a:solidFill>
-                  </a:rPr>
-                  <a:t>= </a:t>
+                  <a:t> = </a:t>
                 </a:r>
                 <a14:m>
                   <m:oMath xmlns:m="http://schemas.openxmlformats.org/officeDocument/2006/math">
@@ -6521,7 +6506,7 @@
             </p:txBody>
           </p:sp>
         </mc:Choice>
-        <mc:Fallback>
+        <mc:Fallback xmlns="">
           <p:sp>
             <p:nvSpPr>
               <p:cNvPr id="124" name="ZoneTexte 123"/>

--- a/outputs/06_diversity_partitioning/schema_partition.pptx
+++ b/outputs/06_diversity_partitioning/schema_partition.pptx
@@ -2,18 +2,18 @@
 <file path=ppt/presentation.xml><?xml version="1.0" encoding="utf-8"?>
 <p:presentation xmlns:a="http://schemas.openxmlformats.org/drawingml/2006/main" xmlns:r="http://schemas.openxmlformats.org/officeDocument/2006/relationships" xmlns:p="http://schemas.openxmlformats.org/presentationml/2006/main" saveSubsetFonts="1">
   <p:sldMasterIdLst>
-    <p:sldMasterId id="2147483648" r:id="rId1"/>
+    <p:sldMasterId id="2147483672" r:id="rId1"/>
   </p:sldMasterIdLst>
   <p:sldIdLst>
     <p:sldId id="256" r:id="rId2"/>
   </p:sldIdLst>
-  <p:sldSz cx="12192000" cy="6858000"/>
+  <p:sldSz cx="6858000" cy="9906000" type="A4"/>
   <p:notesSz cx="6858000" cy="9144000"/>
   <p:defaultTextStyle>
     <a:defPPr>
-      <a:defRPr lang="fr-FR"/>
+      <a:defRPr lang="en-US"/>
     </a:defPPr>
-    <a:lvl1pPr marL="0" algn="l" defTabSz="914400" rtl="0" eaLnBrk="1" latinLnBrk="0" hangingPunct="1">
+    <a:lvl1pPr marL="0" algn="l" defTabSz="457200" rtl="0" eaLnBrk="1" latinLnBrk="0" hangingPunct="1">
       <a:defRPr sz="1800" kern="1200">
         <a:solidFill>
           <a:schemeClr val="tx1"/>
@@ -23,7 +23,7 @@
         <a:cs typeface="+mn-cs"/>
       </a:defRPr>
     </a:lvl1pPr>
-    <a:lvl2pPr marL="457200" algn="l" defTabSz="914400" rtl="0" eaLnBrk="1" latinLnBrk="0" hangingPunct="1">
+    <a:lvl2pPr marL="457200" algn="l" defTabSz="457200" rtl="0" eaLnBrk="1" latinLnBrk="0" hangingPunct="1">
       <a:defRPr sz="1800" kern="1200">
         <a:solidFill>
           <a:schemeClr val="tx1"/>
@@ -33,7 +33,7 @@
         <a:cs typeface="+mn-cs"/>
       </a:defRPr>
     </a:lvl2pPr>
-    <a:lvl3pPr marL="914400" algn="l" defTabSz="914400" rtl="0" eaLnBrk="1" latinLnBrk="0" hangingPunct="1">
+    <a:lvl3pPr marL="914400" algn="l" defTabSz="457200" rtl="0" eaLnBrk="1" latinLnBrk="0" hangingPunct="1">
       <a:defRPr sz="1800" kern="1200">
         <a:solidFill>
           <a:schemeClr val="tx1"/>
@@ -43,7 +43,7 @@
         <a:cs typeface="+mn-cs"/>
       </a:defRPr>
     </a:lvl3pPr>
-    <a:lvl4pPr marL="1371600" algn="l" defTabSz="914400" rtl="0" eaLnBrk="1" latinLnBrk="0" hangingPunct="1">
+    <a:lvl4pPr marL="1371600" algn="l" defTabSz="457200" rtl="0" eaLnBrk="1" latinLnBrk="0" hangingPunct="1">
       <a:defRPr sz="1800" kern="1200">
         <a:solidFill>
           <a:schemeClr val="tx1"/>
@@ -53,7 +53,7 @@
         <a:cs typeface="+mn-cs"/>
       </a:defRPr>
     </a:lvl4pPr>
-    <a:lvl5pPr marL="1828800" algn="l" defTabSz="914400" rtl="0" eaLnBrk="1" latinLnBrk="0" hangingPunct="1">
+    <a:lvl5pPr marL="1828800" algn="l" defTabSz="457200" rtl="0" eaLnBrk="1" latinLnBrk="0" hangingPunct="1">
       <a:defRPr sz="1800" kern="1200">
         <a:solidFill>
           <a:schemeClr val="tx1"/>
@@ -63,7 +63,7 @@
         <a:cs typeface="+mn-cs"/>
       </a:defRPr>
     </a:lvl5pPr>
-    <a:lvl6pPr marL="2286000" algn="l" defTabSz="914400" rtl="0" eaLnBrk="1" latinLnBrk="0" hangingPunct="1">
+    <a:lvl6pPr marL="2286000" algn="l" defTabSz="457200" rtl="0" eaLnBrk="1" latinLnBrk="0" hangingPunct="1">
       <a:defRPr sz="1800" kern="1200">
         <a:solidFill>
           <a:schemeClr val="tx1"/>
@@ -73,7 +73,7 @@
         <a:cs typeface="+mn-cs"/>
       </a:defRPr>
     </a:lvl6pPr>
-    <a:lvl7pPr marL="2743200" algn="l" defTabSz="914400" rtl="0" eaLnBrk="1" latinLnBrk="0" hangingPunct="1">
+    <a:lvl7pPr marL="2743200" algn="l" defTabSz="457200" rtl="0" eaLnBrk="1" latinLnBrk="0" hangingPunct="1">
       <a:defRPr sz="1800" kern="1200">
         <a:solidFill>
           <a:schemeClr val="tx1"/>
@@ -83,7 +83,7 @@
         <a:cs typeface="+mn-cs"/>
       </a:defRPr>
     </a:lvl7pPr>
-    <a:lvl8pPr marL="3200400" algn="l" defTabSz="914400" rtl="0" eaLnBrk="1" latinLnBrk="0" hangingPunct="1">
+    <a:lvl8pPr marL="3200400" algn="l" defTabSz="457200" rtl="0" eaLnBrk="1" latinLnBrk="0" hangingPunct="1">
       <a:defRPr sz="1800" kern="1200">
         <a:solidFill>
           <a:schemeClr val="tx1"/>
@@ -93,7 +93,7 @@
         <a:cs typeface="+mn-cs"/>
       </a:defRPr>
     </a:lvl8pPr>
-    <a:lvl9pPr marL="3657600" algn="l" defTabSz="914400" rtl="0" eaLnBrk="1" latinLnBrk="0" hangingPunct="1">
+    <a:lvl9pPr marL="3657600" algn="l" defTabSz="457200" rtl="0" eaLnBrk="1" latinLnBrk="0" hangingPunct="1">
       <a:defRPr sz="1800" kern="1200">
         <a:solidFill>
           <a:schemeClr val="tx1"/>
@@ -131,7 +131,7 @@
       </p:grpSpPr>
       <p:sp>
         <p:nvSpPr>
-          <p:cNvPr id="2" name="Titre 1"/>
+          <p:cNvPr id="2" name="Title 1"/>
           <p:cNvSpPr>
             <a:spLocks noGrp="1"/>
           </p:cNvSpPr>
@@ -141,15 +141,15 @@
         </p:nvSpPr>
         <p:spPr>
           <a:xfrm>
-            <a:off x="1524000" y="1122363"/>
-            <a:ext cx="9144000" cy="2387600"/>
+            <a:off x="514350" y="1621191"/>
+            <a:ext cx="5829300" cy="3448756"/>
           </a:xfrm>
         </p:spPr>
         <p:txBody>
           <a:bodyPr anchor="b"/>
           <a:lstStyle>
             <a:lvl1pPr algn="ctr">
-              <a:defRPr sz="6000"/>
+              <a:defRPr sz="4500"/>
             </a:lvl1pPr>
           </a:lstStyle>
           <a:p>
@@ -157,13 +157,13 @@
               <a:rPr lang="fr-FR" smtClean="0"/>
               <a:t>Modifiez le style du titre</a:t>
             </a:r>
-            <a:endParaRPr lang="fr-FR"/>
+            <a:endParaRPr lang="en-US" dirty="0"/>
           </a:p>
         </p:txBody>
       </p:sp>
       <p:sp>
         <p:nvSpPr>
-          <p:cNvPr id="3" name="Sous-titre 2"/>
+          <p:cNvPr id="3" name="Subtitle 2"/>
           <p:cNvSpPr>
             <a:spLocks noGrp="1"/>
           </p:cNvSpPr>
@@ -173,8 +173,8 @@
         </p:nvSpPr>
         <p:spPr>
           <a:xfrm>
-            <a:off x="1524000" y="3602038"/>
-            <a:ext cx="9144000" cy="1655762"/>
+            <a:off x="857250" y="5202944"/>
+            <a:ext cx="5143500" cy="2391656"/>
           </a:xfrm>
         </p:spPr>
         <p:txBody>
@@ -182,39 +182,39 @@
           <a:lstStyle>
             <a:lvl1pPr marL="0" indent="0" algn="ctr">
               <a:buNone/>
-              <a:defRPr sz="2400"/>
+              <a:defRPr sz="1800"/>
             </a:lvl1pPr>
-            <a:lvl2pPr marL="457200" indent="0" algn="ctr">
+            <a:lvl2pPr marL="342900" indent="0" algn="ctr">
               <a:buNone/>
-              <a:defRPr sz="2000"/>
+              <a:defRPr sz="1500"/>
             </a:lvl2pPr>
-            <a:lvl3pPr marL="914400" indent="0" algn="ctr">
+            <a:lvl3pPr marL="685800" indent="0" algn="ctr">
               <a:buNone/>
-              <a:defRPr sz="1800"/>
+              <a:defRPr sz="1350"/>
             </a:lvl3pPr>
-            <a:lvl4pPr marL="1371600" indent="0" algn="ctr">
+            <a:lvl4pPr marL="1028700" indent="0" algn="ctr">
               <a:buNone/>
-              <a:defRPr sz="1600"/>
+              <a:defRPr sz="1200"/>
             </a:lvl4pPr>
-            <a:lvl5pPr marL="1828800" indent="0" algn="ctr">
+            <a:lvl5pPr marL="1371600" indent="0" algn="ctr">
               <a:buNone/>
-              <a:defRPr sz="1600"/>
+              <a:defRPr sz="1200"/>
             </a:lvl5pPr>
-            <a:lvl6pPr marL="2286000" indent="0" algn="ctr">
+            <a:lvl6pPr marL="1714500" indent="0" algn="ctr">
               <a:buNone/>
-              <a:defRPr sz="1600"/>
+              <a:defRPr sz="1200"/>
             </a:lvl6pPr>
-            <a:lvl7pPr marL="2743200" indent="0" algn="ctr">
+            <a:lvl7pPr marL="2057400" indent="0" algn="ctr">
               <a:buNone/>
-              <a:defRPr sz="1600"/>
+              <a:defRPr sz="1200"/>
             </a:lvl7pPr>
-            <a:lvl8pPr marL="3200400" indent="0" algn="ctr">
+            <a:lvl8pPr marL="2400300" indent="0" algn="ctr">
               <a:buNone/>
-              <a:defRPr sz="1600"/>
+              <a:defRPr sz="1200"/>
             </a:lvl8pPr>
-            <a:lvl9pPr marL="3657600" indent="0" algn="ctr">
+            <a:lvl9pPr marL="2743200" indent="0" algn="ctr">
               <a:buNone/>
-              <a:defRPr sz="1600"/>
+              <a:defRPr sz="1200"/>
             </a:lvl9pPr>
           </a:lstStyle>
           <a:p>
@@ -222,13 +222,13 @@
               <a:rPr lang="fr-FR" smtClean="0"/>
               <a:t>Modifier le style des sous-titres du masque</a:t>
             </a:r>
-            <a:endParaRPr lang="fr-FR"/>
+            <a:endParaRPr lang="en-US" dirty="0"/>
           </a:p>
         </p:txBody>
       </p:sp>
       <p:sp>
         <p:nvSpPr>
-          <p:cNvPr id="4" name="Espace réservé de la date 3"/>
+          <p:cNvPr id="4" name="Date Placeholder 3"/>
           <p:cNvSpPr>
             <a:spLocks noGrp="1"/>
           </p:cNvSpPr>
@@ -243,7 +243,7 @@
           <a:p>
             <a:fld id="{1DD5E214-71AE-49E0-8511-3FE919ED9730}" type="datetimeFigureOut">
               <a:rPr lang="fr-FR" smtClean="0"/>
-              <a:t>29/04/2020</a:t>
+              <a:t>30/04/2020</a:t>
             </a:fld>
             <a:endParaRPr lang="fr-FR"/>
           </a:p>
@@ -251,7 +251,7 @@
       </p:sp>
       <p:sp>
         <p:nvSpPr>
-          <p:cNvPr id="5" name="Espace réservé du pied de page 4"/>
+          <p:cNvPr id="5" name="Footer Placeholder 4"/>
           <p:cNvSpPr>
             <a:spLocks noGrp="1"/>
           </p:cNvSpPr>
@@ -270,7 +270,7 @@
       </p:sp>
       <p:sp>
         <p:nvSpPr>
-          <p:cNvPr id="6" name="Espace réservé du numéro de diapositive 5"/>
+          <p:cNvPr id="6" name="Slide Number Placeholder 5"/>
           <p:cNvSpPr>
             <a:spLocks noGrp="1"/>
           </p:cNvSpPr>
@@ -294,7 +294,7 @@
     </p:spTree>
     <p:extLst>
       <p:ext uri="{BB962C8B-B14F-4D97-AF65-F5344CB8AC3E}">
-        <p14:creationId xmlns:p14="http://schemas.microsoft.com/office/powerpoint/2010/main" val="958680299"/>
+        <p14:creationId xmlns:p14="http://schemas.microsoft.com/office/powerpoint/2010/main" val="1755092566"/>
       </p:ext>
     </p:extLst>
   </p:cSld>
@@ -323,7 +323,7 @@
       </p:grpSpPr>
       <p:sp>
         <p:nvSpPr>
-          <p:cNvPr id="2" name="Titre 1"/>
+          <p:cNvPr id="2" name="Title 1"/>
           <p:cNvSpPr>
             <a:spLocks noGrp="1"/>
           </p:cNvSpPr>
@@ -340,13 +340,13 @@
               <a:rPr lang="fr-FR" smtClean="0"/>
               <a:t>Modifiez le style du titre</a:t>
             </a:r>
-            <a:endParaRPr lang="fr-FR"/>
+            <a:endParaRPr lang="en-US" dirty="0"/>
           </a:p>
         </p:txBody>
       </p:sp>
       <p:sp>
         <p:nvSpPr>
-          <p:cNvPr id="3" name="Espace réservé du texte vertical 2"/>
+          <p:cNvPr id="3" name="Vertical Text Placeholder 2"/>
           <p:cNvSpPr>
             <a:spLocks noGrp="1"/>
           </p:cNvSpPr>
@@ -392,13 +392,13 @@
               <a:rPr lang="fr-FR" smtClean="0"/>
               <a:t>Cinquième niveau</a:t>
             </a:r>
-            <a:endParaRPr lang="fr-FR"/>
+            <a:endParaRPr lang="en-US" dirty="0"/>
           </a:p>
         </p:txBody>
       </p:sp>
       <p:sp>
         <p:nvSpPr>
-          <p:cNvPr id="4" name="Espace réservé de la date 3"/>
+          <p:cNvPr id="4" name="Date Placeholder 3"/>
           <p:cNvSpPr>
             <a:spLocks noGrp="1"/>
           </p:cNvSpPr>
@@ -413,7 +413,7 @@
           <a:p>
             <a:fld id="{1DD5E214-71AE-49E0-8511-3FE919ED9730}" type="datetimeFigureOut">
               <a:rPr lang="fr-FR" smtClean="0"/>
-              <a:t>29/04/2020</a:t>
+              <a:t>30/04/2020</a:t>
             </a:fld>
             <a:endParaRPr lang="fr-FR"/>
           </a:p>
@@ -421,7 +421,7 @@
       </p:sp>
       <p:sp>
         <p:nvSpPr>
-          <p:cNvPr id="5" name="Espace réservé du pied de page 4"/>
+          <p:cNvPr id="5" name="Footer Placeholder 4"/>
           <p:cNvSpPr>
             <a:spLocks noGrp="1"/>
           </p:cNvSpPr>
@@ -440,7 +440,7 @@
       </p:sp>
       <p:sp>
         <p:nvSpPr>
-          <p:cNvPr id="6" name="Espace réservé du numéro de diapositive 5"/>
+          <p:cNvPr id="6" name="Slide Number Placeholder 5"/>
           <p:cNvSpPr>
             <a:spLocks noGrp="1"/>
           </p:cNvSpPr>
@@ -464,7 +464,7 @@
     </p:spTree>
     <p:extLst>
       <p:ext uri="{BB962C8B-B14F-4D97-AF65-F5344CB8AC3E}">
-        <p14:creationId xmlns:p14="http://schemas.microsoft.com/office/powerpoint/2010/main" val="82330721"/>
+        <p14:creationId xmlns:p14="http://schemas.microsoft.com/office/powerpoint/2010/main" val="2781599001"/>
       </p:ext>
     </p:extLst>
   </p:cSld>
@@ -493,7 +493,7 @@
       </p:grpSpPr>
       <p:sp>
         <p:nvSpPr>
-          <p:cNvPr id="2" name="Titre vertical 1"/>
+          <p:cNvPr id="2" name="Vertical Title 1"/>
           <p:cNvSpPr>
             <a:spLocks noGrp="1"/>
           </p:cNvSpPr>
@@ -503,8 +503,8 @@
         </p:nvSpPr>
         <p:spPr>
           <a:xfrm>
-            <a:off x="8724900" y="365125"/>
-            <a:ext cx="2628900" cy="5811838"/>
+            <a:off x="4907757" y="527403"/>
+            <a:ext cx="1478756" cy="8394877"/>
           </a:xfrm>
         </p:spPr>
         <p:txBody>
@@ -515,13 +515,13 @@
               <a:rPr lang="fr-FR" smtClean="0"/>
               <a:t>Modifiez le style du titre</a:t>
             </a:r>
-            <a:endParaRPr lang="fr-FR"/>
+            <a:endParaRPr lang="en-US" dirty="0"/>
           </a:p>
         </p:txBody>
       </p:sp>
       <p:sp>
         <p:nvSpPr>
-          <p:cNvPr id="3" name="Espace réservé du texte vertical 2"/>
+          <p:cNvPr id="3" name="Vertical Text Placeholder 2"/>
           <p:cNvSpPr>
             <a:spLocks noGrp="1"/>
           </p:cNvSpPr>
@@ -531,8 +531,8 @@
         </p:nvSpPr>
         <p:spPr>
           <a:xfrm>
-            <a:off x="838200" y="365125"/>
-            <a:ext cx="7734300" cy="5811838"/>
+            <a:off x="471488" y="527403"/>
+            <a:ext cx="4350544" cy="8394877"/>
           </a:xfrm>
         </p:spPr>
         <p:txBody>
@@ -572,13 +572,13 @@
               <a:rPr lang="fr-FR" smtClean="0"/>
               <a:t>Cinquième niveau</a:t>
             </a:r>
-            <a:endParaRPr lang="fr-FR"/>
+            <a:endParaRPr lang="en-US" dirty="0"/>
           </a:p>
         </p:txBody>
       </p:sp>
       <p:sp>
         <p:nvSpPr>
-          <p:cNvPr id="4" name="Espace réservé de la date 3"/>
+          <p:cNvPr id="4" name="Date Placeholder 3"/>
           <p:cNvSpPr>
             <a:spLocks noGrp="1"/>
           </p:cNvSpPr>
@@ -593,7 +593,7 @@
           <a:p>
             <a:fld id="{1DD5E214-71AE-49E0-8511-3FE919ED9730}" type="datetimeFigureOut">
               <a:rPr lang="fr-FR" smtClean="0"/>
-              <a:t>29/04/2020</a:t>
+              <a:t>30/04/2020</a:t>
             </a:fld>
             <a:endParaRPr lang="fr-FR"/>
           </a:p>
@@ -601,7 +601,7 @@
       </p:sp>
       <p:sp>
         <p:nvSpPr>
-          <p:cNvPr id="5" name="Espace réservé du pied de page 4"/>
+          <p:cNvPr id="5" name="Footer Placeholder 4"/>
           <p:cNvSpPr>
             <a:spLocks noGrp="1"/>
           </p:cNvSpPr>
@@ -620,7 +620,7 @@
       </p:sp>
       <p:sp>
         <p:nvSpPr>
-          <p:cNvPr id="6" name="Espace réservé du numéro de diapositive 5"/>
+          <p:cNvPr id="6" name="Slide Number Placeholder 5"/>
           <p:cNvSpPr>
             <a:spLocks noGrp="1"/>
           </p:cNvSpPr>
@@ -644,7 +644,7 @@
     </p:spTree>
     <p:extLst>
       <p:ext uri="{BB962C8B-B14F-4D97-AF65-F5344CB8AC3E}">
-        <p14:creationId xmlns:p14="http://schemas.microsoft.com/office/powerpoint/2010/main" val="3866728449"/>
+        <p14:creationId xmlns:p14="http://schemas.microsoft.com/office/powerpoint/2010/main" val="2576402442"/>
       </p:ext>
     </p:extLst>
   </p:cSld>
@@ -673,7 +673,7 @@
       </p:grpSpPr>
       <p:sp>
         <p:nvSpPr>
-          <p:cNvPr id="2" name="Titre 1"/>
+          <p:cNvPr id="2" name="Title 1"/>
           <p:cNvSpPr>
             <a:spLocks noGrp="1"/>
           </p:cNvSpPr>
@@ -690,13 +690,13 @@
               <a:rPr lang="fr-FR" smtClean="0"/>
               <a:t>Modifiez le style du titre</a:t>
             </a:r>
-            <a:endParaRPr lang="fr-FR"/>
+            <a:endParaRPr lang="en-US" dirty="0"/>
           </a:p>
         </p:txBody>
       </p:sp>
       <p:sp>
         <p:nvSpPr>
-          <p:cNvPr id="3" name="Espace réservé du contenu 2"/>
+          <p:cNvPr id="3" name="Content Placeholder 2"/>
           <p:cNvSpPr>
             <a:spLocks noGrp="1"/>
           </p:cNvSpPr>
@@ -742,13 +742,13 @@
               <a:rPr lang="fr-FR" smtClean="0"/>
               <a:t>Cinquième niveau</a:t>
             </a:r>
-            <a:endParaRPr lang="fr-FR"/>
+            <a:endParaRPr lang="en-US" dirty="0"/>
           </a:p>
         </p:txBody>
       </p:sp>
       <p:sp>
         <p:nvSpPr>
-          <p:cNvPr id="4" name="Espace réservé de la date 3"/>
+          <p:cNvPr id="4" name="Date Placeholder 3"/>
           <p:cNvSpPr>
             <a:spLocks noGrp="1"/>
           </p:cNvSpPr>
@@ -763,7 +763,7 @@
           <a:p>
             <a:fld id="{1DD5E214-71AE-49E0-8511-3FE919ED9730}" type="datetimeFigureOut">
               <a:rPr lang="fr-FR" smtClean="0"/>
-              <a:t>29/04/2020</a:t>
+              <a:t>30/04/2020</a:t>
             </a:fld>
             <a:endParaRPr lang="fr-FR"/>
           </a:p>
@@ -771,7 +771,7 @@
       </p:sp>
       <p:sp>
         <p:nvSpPr>
-          <p:cNvPr id="5" name="Espace réservé du pied de page 4"/>
+          <p:cNvPr id="5" name="Footer Placeholder 4"/>
           <p:cNvSpPr>
             <a:spLocks noGrp="1"/>
           </p:cNvSpPr>
@@ -790,7 +790,7 @@
       </p:sp>
       <p:sp>
         <p:nvSpPr>
-          <p:cNvPr id="6" name="Espace réservé du numéro de diapositive 5"/>
+          <p:cNvPr id="6" name="Slide Number Placeholder 5"/>
           <p:cNvSpPr>
             <a:spLocks noGrp="1"/>
           </p:cNvSpPr>
@@ -814,7 +814,7 @@
     </p:spTree>
     <p:extLst>
       <p:ext uri="{BB962C8B-B14F-4D97-AF65-F5344CB8AC3E}">
-        <p14:creationId xmlns:p14="http://schemas.microsoft.com/office/powerpoint/2010/main" val="2837644235"/>
+        <p14:creationId xmlns:p14="http://schemas.microsoft.com/office/powerpoint/2010/main" val="239289982"/>
       </p:ext>
     </p:extLst>
   </p:cSld>
@@ -843,7 +843,7 @@
       </p:grpSpPr>
       <p:sp>
         <p:nvSpPr>
-          <p:cNvPr id="2" name="Titre 1"/>
+          <p:cNvPr id="2" name="Title 1"/>
           <p:cNvSpPr>
             <a:spLocks noGrp="1"/>
           </p:cNvSpPr>
@@ -853,15 +853,15 @@
         </p:nvSpPr>
         <p:spPr>
           <a:xfrm>
-            <a:off x="831850" y="1709738"/>
-            <a:ext cx="10515600" cy="2852737"/>
+            <a:off x="467916" y="2469624"/>
+            <a:ext cx="5915025" cy="4120620"/>
           </a:xfrm>
         </p:spPr>
         <p:txBody>
           <a:bodyPr anchor="b"/>
           <a:lstStyle>
             <a:lvl1pPr>
-              <a:defRPr sz="6000"/>
+              <a:defRPr sz="4500"/>
             </a:lvl1pPr>
           </a:lstStyle>
           <a:p>
@@ -869,13 +869,13 @@
               <a:rPr lang="fr-FR" smtClean="0"/>
               <a:t>Modifiez le style du titre</a:t>
             </a:r>
-            <a:endParaRPr lang="fr-FR"/>
+            <a:endParaRPr lang="en-US" dirty="0"/>
           </a:p>
         </p:txBody>
       </p:sp>
       <p:sp>
         <p:nvSpPr>
-          <p:cNvPr id="3" name="Espace réservé du texte 2"/>
+          <p:cNvPr id="3" name="Text Placeholder 2"/>
           <p:cNvSpPr>
             <a:spLocks noGrp="1"/>
           </p:cNvSpPr>
@@ -885,8 +885,8 @@
         </p:nvSpPr>
         <p:spPr>
           <a:xfrm>
-            <a:off x="831850" y="4589463"/>
-            <a:ext cx="10515600" cy="1500187"/>
+            <a:off x="467916" y="6629226"/>
+            <a:ext cx="5915025" cy="2166937"/>
           </a:xfrm>
         </p:spPr>
         <p:txBody>
@@ -894,17 +894,15 @@
           <a:lstStyle>
             <a:lvl1pPr marL="0" indent="0">
               <a:buNone/>
-              <a:defRPr sz="2400">
+              <a:defRPr sz="1800">
                 <a:solidFill>
-                  <a:schemeClr val="tx1">
-                    <a:tint val="75000"/>
-                  </a:schemeClr>
+                  <a:schemeClr val="tx1"/>
                 </a:solidFill>
               </a:defRPr>
             </a:lvl1pPr>
-            <a:lvl2pPr marL="457200" indent="0">
+            <a:lvl2pPr marL="342900" indent="0">
               <a:buNone/>
-              <a:defRPr sz="2000">
+              <a:defRPr sz="1500">
                 <a:solidFill>
                   <a:schemeClr val="tx1">
                     <a:tint val="75000"/>
@@ -912,9 +910,9 @@
                 </a:solidFill>
               </a:defRPr>
             </a:lvl2pPr>
-            <a:lvl3pPr marL="914400" indent="0">
+            <a:lvl3pPr marL="685800" indent="0">
               <a:buNone/>
-              <a:defRPr sz="1800">
+              <a:defRPr sz="1350">
                 <a:solidFill>
                   <a:schemeClr val="tx1">
                     <a:tint val="75000"/>
@@ -922,9 +920,9 @@
                 </a:solidFill>
               </a:defRPr>
             </a:lvl3pPr>
-            <a:lvl4pPr marL="1371600" indent="0">
+            <a:lvl4pPr marL="1028700" indent="0">
               <a:buNone/>
-              <a:defRPr sz="1600">
+              <a:defRPr sz="1200">
                 <a:solidFill>
                   <a:schemeClr val="tx1">
                     <a:tint val="75000"/>
@@ -932,9 +930,9 @@
                 </a:solidFill>
               </a:defRPr>
             </a:lvl4pPr>
-            <a:lvl5pPr marL="1828800" indent="0">
+            <a:lvl5pPr marL="1371600" indent="0">
               <a:buNone/>
-              <a:defRPr sz="1600">
+              <a:defRPr sz="1200">
                 <a:solidFill>
                   <a:schemeClr val="tx1">
                     <a:tint val="75000"/>
@@ -942,9 +940,9 @@
                 </a:solidFill>
               </a:defRPr>
             </a:lvl5pPr>
-            <a:lvl6pPr marL="2286000" indent="0">
+            <a:lvl6pPr marL="1714500" indent="0">
               <a:buNone/>
-              <a:defRPr sz="1600">
+              <a:defRPr sz="1200">
                 <a:solidFill>
                   <a:schemeClr val="tx1">
                     <a:tint val="75000"/>
@@ -952,9 +950,9 @@
                 </a:solidFill>
               </a:defRPr>
             </a:lvl6pPr>
-            <a:lvl7pPr marL="2743200" indent="0">
+            <a:lvl7pPr marL="2057400" indent="0">
               <a:buNone/>
-              <a:defRPr sz="1600">
+              <a:defRPr sz="1200">
                 <a:solidFill>
                   <a:schemeClr val="tx1">
                     <a:tint val="75000"/>
@@ -962,9 +960,9 @@
                 </a:solidFill>
               </a:defRPr>
             </a:lvl7pPr>
-            <a:lvl8pPr marL="3200400" indent="0">
+            <a:lvl8pPr marL="2400300" indent="0">
               <a:buNone/>
-              <a:defRPr sz="1600">
+              <a:defRPr sz="1200">
                 <a:solidFill>
                   <a:schemeClr val="tx1">
                     <a:tint val="75000"/>
@@ -972,9 +970,9 @@
                 </a:solidFill>
               </a:defRPr>
             </a:lvl8pPr>
-            <a:lvl9pPr marL="3657600" indent="0">
+            <a:lvl9pPr marL="2743200" indent="0">
               <a:buNone/>
-              <a:defRPr sz="1600">
+              <a:defRPr sz="1200">
                 <a:solidFill>
                   <a:schemeClr val="tx1">
                     <a:tint val="75000"/>
@@ -994,7 +992,7 @@
       </p:sp>
       <p:sp>
         <p:nvSpPr>
-          <p:cNvPr id="4" name="Espace réservé de la date 3"/>
+          <p:cNvPr id="4" name="Date Placeholder 3"/>
           <p:cNvSpPr>
             <a:spLocks noGrp="1"/>
           </p:cNvSpPr>
@@ -1009,7 +1007,7 @@
           <a:p>
             <a:fld id="{1DD5E214-71AE-49E0-8511-3FE919ED9730}" type="datetimeFigureOut">
               <a:rPr lang="fr-FR" smtClean="0"/>
-              <a:t>29/04/2020</a:t>
+              <a:t>30/04/2020</a:t>
             </a:fld>
             <a:endParaRPr lang="fr-FR"/>
           </a:p>
@@ -1017,7 +1015,7 @@
       </p:sp>
       <p:sp>
         <p:nvSpPr>
-          <p:cNvPr id="5" name="Espace réservé du pied de page 4"/>
+          <p:cNvPr id="5" name="Footer Placeholder 4"/>
           <p:cNvSpPr>
             <a:spLocks noGrp="1"/>
           </p:cNvSpPr>
@@ -1036,7 +1034,7 @@
       </p:sp>
       <p:sp>
         <p:nvSpPr>
-          <p:cNvPr id="6" name="Espace réservé du numéro de diapositive 5"/>
+          <p:cNvPr id="6" name="Slide Number Placeholder 5"/>
           <p:cNvSpPr>
             <a:spLocks noGrp="1"/>
           </p:cNvSpPr>
@@ -1060,7 +1058,7 @@
     </p:spTree>
     <p:extLst>
       <p:ext uri="{BB962C8B-B14F-4D97-AF65-F5344CB8AC3E}">
-        <p14:creationId xmlns:p14="http://schemas.microsoft.com/office/powerpoint/2010/main" val="3190555420"/>
+        <p14:creationId xmlns:p14="http://schemas.microsoft.com/office/powerpoint/2010/main" val="589550395"/>
       </p:ext>
     </p:extLst>
   </p:cSld>
@@ -1089,7 +1087,7 @@
       </p:grpSpPr>
       <p:sp>
         <p:nvSpPr>
-          <p:cNvPr id="2" name="Titre 1"/>
+          <p:cNvPr id="2" name="Title 1"/>
           <p:cNvSpPr>
             <a:spLocks noGrp="1"/>
           </p:cNvSpPr>
@@ -1106,13 +1104,13 @@
               <a:rPr lang="fr-FR" smtClean="0"/>
               <a:t>Modifiez le style du titre</a:t>
             </a:r>
-            <a:endParaRPr lang="fr-FR"/>
+            <a:endParaRPr lang="en-US" dirty="0"/>
           </a:p>
         </p:txBody>
       </p:sp>
       <p:sp>
         <p:nvSpPr>
-          <p:cNvPr id="3" name="Espace réservé du contenu 2"/>
+          <p:cNvPr id="3" name="Content Placeholder 2"/>
           <p:cNvSpPr>
             <a:spLocks noGrp="1"/>
           </p:cNvSpPr>
@@ -1122,8 +1120,8 @@
         </p:nvSpPr>
         <p:spPr>
           <a:xfrm>
-            <a:off x="838200" y="1825625"/>
-            <a:ext cx="5181600" cy="4351338"/>
+            <a:off x="471488" y="2637014"/>
+            <a:ext cx="2914650" cy="6285266"/>
           </a:xfrm>
         </p:spPr>
         <p:txBody>
@@ -1163,13 +1161,13 @@
               <a:rPr lang="fr-FR" smtClean="0"/>
               <a:t>Cinquième niveau</a:t>
             </a:r>
-            <a:endParaRPr lang="fr-FR"/>
+            <a:endParaRPr lang="en-US" dirty="0"/>
           </a:p>
         </p:txBody>
       </p:sp>
       <p:sp>
         <p:nvSpPr>
-          <p:cNvPr id="4" name="Espace réservé du contenu 3"/>
+          <p:cNvPr id="4" name="Content Placeholder 3"/>
           <p:cNvSpPr>
             <a:spLocks noGrp="1"/>
           </p:cNvSpPr>
@@ -1179,8 +1177,8 @@
         </p:nvSpPr>
         <p:spPr>
           <a:xfrm>
-            <a:off x="6172200" y="1825625"/>
-            <a:ext cx="5181600" cy="4351338"/>
+            <a:off x="3471863" y="2637014"/>
+            <a:ext cx="2914650" cy="6285266"/>
           </a:xfrm>
         </p:spPr>
         <p:txBody>
@@ -1220,13 +1218,13 @@
               <a:rPr lang="fr-FR" smtClean="0"/>
               <a:t>Cinquième niveau</a:t>
             </a:r>
-            <a:endParaRPr lang="fr-FR"/>
+            <a:endParaRPr lang="en-US" dirty="0"/>
           </a:p>
         </p:txBody>
       </p:sp>
       <p:sp>
         <p:nvSpPr>
-          <p:cNvPr id="5" name="Espace réservé de la date 4"/>
+          <p:cNvPr id="5" name="Date Placeholder 4"/>
           <p:cNvSpPr>
             <a:spLocks noGrp="1"/>
           </p:cNvSpPr>
@@ -1241,7 +1239,7 @@
           <a:p>
             <a:fld id="{1DD5E214-71AE-49E0-8511-3FE919ED9730}" type="datetimeFigureOut">
               <a:rPr lang="fr-FR" smtClean="0"/>
-              <a:t>29/04/2020</a:t>
+              <a:t>30/04/2020</a:t>
             </a:fld>
             <a:endParaRPr lang="fr-FR"/>
           </a:p>
@@ -1249,7 +1247,7 @@
       </p:sp>
       <p:sp>
         <p:nvSpPr>
-          <p:cNvPr id="6" name="Espace réservé du pied de page 5"/>
+          <p:cNvPr id="6" name="Footer Placeholder 5"/>
           <p:cNvSpPr>
             <a:spLocks noGrp="1"/>
           </p:cNvSpPr>
@@ -1268,7 +1266,7 @@
       </p:sp>
       <p:sp>
         <p:nvSpPr>
-          <p:cNvPr id="7" name="Espace réservé du numéro de diapositive 6"/>
+          <p:cNvPr id="7" name="Slide Number Placeholder 6"/>
           <p:cNvSpPr>
             <a:spLocks noGrp="1"/>
           </p:cNvSpPr>
@@ -1292,7 +1290,7 @@
     </p:spTree>
     <p:extLst>
       <p:ext uri="{BB962C8B-B14F-4D97-AF65-F5344CB8AC3E}">
-        <p14:creationId xmlns:p14="http://schemas.microsoft.com/office/powerpoint/2010/main" val="1281270152"/>
+        <p14:creationId xmlns:p14="http://schemas.microsoft.com/office/powerpoint/2010/main" val="3894653934"/>
       </p:ext>
     </p:extLst>
   </p:cSld>
@@ -1321,7 +1319,7 @@
       </p:grpSpPr>
       <p:sp>
         <p:nvSpPr>
-          <p:cNvPr id="2" name="Titre 1"/>
+          <p:cNvPr id="2" name="Title 1"/>
           <p:cNvSpPr>
             <a:spLocks noGrp="1"/>
           </p:cNvSpPr>
@@ -1331,8 +1329,8 @@
         </p:nvSpPr>
         <p:spPr>
           <a:xfrm>
-            <a:off x="839788" y="365125"/>
-            <a:ext cx="10515600" cy="1325563"/>
+            <a:off x="472381" y="527405"/>
+            <a:ext cx="5915025" cy="1914702"/>
           </a:xfrm>
         </p:spPr>
         <p:txBody>
@@ -1343,13 +1341,13 @@
               <a:rPr lang="fr-FR" smtClean="0"/>
               <a:t>Modifiez le style du titre</a:t>
             </a:r>
-            <a:endParaRPr lang="fr-FR"/>
+            <a:endParaRPr lang="en-US" dirty="0"/>
           </a:p>
         </p:txBody>
       </p:sp>
       <p:sp>
         <p:nvSpPr>
-          <p:cNvPr id="3" name="Espace réservé du texte 2"/>
+          <p:cNvPr id="3" name="Text Placeholder 2"/>
           <p:cNvSpPr>
             <a:spLocks noGrp="1"/>
           </p:cNvSpPr>
@@ -1359,8 +1357,8 @@
         </p:nvSpPr>
         <p:spPr>
           <a:xfrm>
-            <a:off x="839788" y="1681163"/>
-            <a:ext cx="5157787" cy="823912"/>
+            <a:off x="472381" y="2428347"/>
+            <a:ext cx="2901255" cy="1190095"/>
           </a:xfrm>
         </p:spPr>
         <p:txBody>
@@ -1368,39 +1366,39 @@
           <a:lstStyle>
             <a:lvl1pPr marL="0" indent="0">
               <a:buNone/>
-              <a:defRPr sz="2400" b="1"/>
+              <a:defRPr sz="1800" b="1"/>
             </a:lvl1pPr>
-            <a:lvl2pPr marL="457200" indent="0">
+            <a:lvl2pPr marL="342900" indent="0">
               <a:buNone/>
-              <a:defRPr sz="2000" b="1"/>
+              <a:defRPr sz="1500" b="1"/>
             </a:lvl2pPr>
-            <a:lvl3pPr marL="914400" indent="0">
+            <a:lvl3pPr marL="685800" indent="0">
               <a:buNone/>
-              <a:defRPr sz="1800" b="1"/>
+              <a:defRPr sz="1350" b="1"/>
             </a:lvl3pPr>
-            <a:lvl4pPr marL="1371600" indent="0">
+            <a:lvl4pPr marL="1028700" indent="0">
               <a:buNone/>
-              <a:defRPr sz="1600" b="1"/>
+              <a:defRPr sz="1200" b="1"/>
             </a:lvl4pPr>
-            <a:lvl5pPr marL="1828800" indent="0">
+            <a:lvl5pPr marL="1371600" indent="0">
               <a:buNone/>
-              <a:defRPr sz="1600" b="1"/>
+              <a:defRPr sz="1200" b="1"/>
             </a:lvl5pPr>
-            <a:lvl6pPr marL="2286000" indent="0">
+            <a:lvl6pPr marL="1714500" indent="0">
               <a:buNone/>
-              <a:defRPr sz="1600" b="1"/>
+              <a:defRPr sz="1200" b="1"/>
             </a:lvl6pPr>
-            <a:lvl7pPr marL="2743200" indent="0">
+            <a:lvl7pPr marL="2057400" indent="0">
               <a:buNone/>
-              <a:defRPr sz="1600" b="1"/>
+              <a:defRPr sz="1200" b="1"/>
             </a:lvl7pPr>
-            <a:lvl8pPr marL="3200400" indent="0">
+            <a:lvl8pPr marL="2400300" indent="0">
               <a:buNone/>
-              <a:defRPr sz="1600" b="1"/>
+              <a:defRPr sz="1200" b="1"/>
             </a:lvl8pPr>
-            <a:lvl9pPr marL="3657600" indent="0">
+            <a:lvl9pPr marL="2743200" indent="0">
               <a:buNone/>
-              <a:defRPr sz="1600" b="1"/>
+              <a:defRPr sz="1200" b="1"/>
             </a:lvl9pPr>
           </a:lstStyle>
           <a:p>
@@ -1414,7 +1412,7 @@
       </p:sp>
       <p:sp>
         <p:nvSpPr>
-          <p:cNvPr id="4" name="Espace réservé du contenu 3"/>
+          <p:cNvPr id="4" name="Content Placeholder 3"/>
           <p:cNvSpPr>
             <a:spLocks noGrp="1"/>
           </p:cNvSpPr>
@@ -1424,8 +1422,8 @@
         </p:nvSpPr>
         <p:spPr>
           <a:xfrm>
-            <a:off x="839788" y="2505075"/>
-            <a:ext cx="5157787" cy="3684588"/>
+            <a:off x="472381" y="3618442"/>
+            <a:ext cx="2901255" cy="5322183"/>
           </a:xfrm>
         </p:spPr>
         <p:txBody>
@@ -1465,13 +1463,13 @@
               <a:rPr lang="fr-FR" smtClean="0"/>
               <a:t>Cinquième niveau</a:t>
             </a:r>
-            <a:endParaRPr lang="fr-FR"/>
+            <a:endParaRPr lang="en-US" dirty="0"/>
           </a:p>
         </p:txBody>
       </p:sp>
       <p:sp>
         <p:nvSpPr>
-          <p:cNvPr id="5" name="Espace réservé du texte 4"/>
+          <p:cNvPr id="5" name="Text Placeholder 4"/>
           <p:cNvSpPr>
             <a:spLocks noGrp="1"/>
           </p:cNvSpPr>
@@ -1481,8 +1479,8 @@
         </p:nvSpPr>
         <p:spPr>
           <a:xfrm>
-            <a:off x="6172200" y="1681163"/>
-            <a:ext cx="5183188" cy="823912"/>
+            <a:off x="3471863" y="2428347"/>
+            <a:ext cx="2915543" cy="1190095"/>
           </a:xfrm>
         </p:spPr>
         <p:txBody>
@@ -1490,39 +1488,39 @@
           <a:lstStyle>
             <a:lvl1pPr marL="0" indent="0">
               <a:buNone/>
-              <a:defRPr sz="2400" b="1"/>
+              <a:defRPr sz="1800" b="1"/>
             </a:lvl1pPr>
-            <a:lvl2pPr marL="457200" indent="0">
+            <a:lvl2pPr marL="342900" indent="0">
               <a:buNone/>
-              <a:defRPr sz="2000" b="1"/>
+              <a:defRPr sz="1500" b="1"/>
             </a:lvl2pPr>
-            <a:lvl3pPr marL="914400" indent="0">
+            <a:lvl3pPr marL="685800" indent="0">
               <a:buNone/>
-              <a:defRPr sz="1800" b="1"/>
+              <a:defRPr sz="1350" b="1"/>
             </a:lvl3pPr>
-            <a:lvl4pPr marL="1371600" indent="0">
+            <a:lvl4pPr marL="1028700" indent="0">
               <a:buNone/>
-              <a:defRPr sz="1600" b="1"/>
+              <a:defRPr sz="1200" b="1"/>
             </a:lvl4pPr>
-            <a:lvl5pPr marL="1828800" indent="0">
+            <a:lvl5pPr marL="1371600" indent="0">
               <a:buNone/>
-              <a:defRPr sz="1600" b="1"/>
+              <a:defRPr sz="1200" b="1"/>
             </a:lvl5pPr>
-            <a:lvl6pPr marL="2286000" indent="0">
+            <a:lvl6pPr marL="1714500" indent="0">
               <a:buNone/>
-              <a:defRPr sz="1600" b="1"/>
+              <a:defRPr sz="1200" b="1"/>
             </a:lvl6pPr>
-            <a:lvl7pPr marL="2743200" indent="0">
+            <a:lvl7pPr marL="2057400" indent="0">
               <a:buNone/>
-              <a:defRPr sz="1600" b="1"/>
+              <a:defRPr sz="1200" b="1"/>
             </a:lvl7pPr>
-            <a:lvl8pPr marL="3200400" indent="0">
+            <a:lvl8pPr marL="2400300" indent="0">
               <a:buNone/>
-              <a:defRPr sz="1600" b="1"/>
+              <a:defRPr sz="1200" b="1"/>
             </a:lvl8pPr>
-            <a:lvl9pPr marL="3657600" indent="0">
+            <a:lvl9pPr marL="2743200" indent="0">
               <a:buNone/>
-              <a:defRPr sz="1600" b="1"/>
+              <a:defRPr sz="1200" b="1"/>
             </a:lvl9pPr>
           </a:lstStyle>
           <a:p>
@@ -1536,7 +1534,7 @@
       </p:sp>
       <p:sp>
         <p:nvSpPr>
-          <p:cNvPr id="6" name="Espace réservé du contenu 5"/>
+          <p:cNvPr id="6" name="Content Placeholder 5"/>
           <p:cNvSpPr>
             <a:spLocks noGrp="1"/>
           </p:cNvSpPr>
@@ -1546,8 +1544,8 @@
         </p:nvSpPr>
         <p:spPr>
           <a:xfrm>
-            <a:off x="6172200" y="2505075"/>
-            <a:ext cx="5183188" cy="3684588"/>
+            <a:off x="3471863" y="3618442"/>
+            <a:ext cx="2915543" cy="5322183"/>
           </a:xfrm>
         </p:spPr>
         <p:txBody>
@@ -1587,13 +1585,13 @@
               <a:rPr lang="fr-FR" smtClean="0"/>
               <a:t>Cinquième niveau</a:t>
             </a:r>
-            <a:endParaRPr lang="fr-FR"/>
+            <a:endParaRPr lang="en-US" dirty="0"/>
           </a:p>
         </p:txBody>
       </p:sp>
       <p:sp>
         <p:nvSpPr>
-          <p:cNvPr id="7" name="Espace réservé de la date 6"/>
+          <p:cNvPr id="7" name="Date Placeholder 6"/>
           <p:cNvSpPr>
             <a:spLocks noGrp="1"/>
           </p:cNvSpPr>
@@ -1608,7 +1606,7 @@
           <a:p>
             <a:fld id="{1DD5E214-71AE-49E0-8511-3FE919ED9730}" type="datetimeFigureOut">
               <a:rPr lang="fr-FR" smtClean="0"/>
-              <a:t>29/04/2020</a:t>
+              <a:t>30/04/2020</a:t>
             </a:fld>
             <a:endParaRPr lang="fr-FR"/>
           </a:p>
@@ -1616,7 +1614,7 @@
       </p:sp>
       <p:sp>
         <p:nvSpPr>
-          <p:cNvPr id="8" name="Espace réservé du pied de page 7"/>
+          <p:cNvPr id="8" name="Footer Placeholder 7"/>
           <p:cNvSpPr>
             <a:spLocks noGrp="1"/>
           </p:cNvSpPr>
@@ -1635,7 +1633,7 @@
       </p:sp>
       <p:sp>
         <p:nvSpPr>
-          <p:cNvPr id="9" name="Espace réservé du numéro de diapositive 8"/>
+          <p:cNvPr id="9" name="Slide Number Placeholder 8"/>
           <p:cNvSpPr>
             <a:spLocks noGrp="1"/>
           </p:cNvSpPr>
@@ -1659,7 +1657,7 @@
     </p:spTree>
     <p:extLst>
       <p:ext uri="{BB962C8B-B14F-4D97-AF65-F5344CB8AC3E}">
-        <p14:creationId xmlns:p14="http://schemas.microsoft.com/office/powerpoint/2010/main" val="227850779"/>
+        <p14:creationId xmlns:p14="http://schemas.microsoft.com/office/powerpoint/2010/main" val="3635023857"/>
       </p:ext>
     </p:extLst>
   </p:cSld>
@@ -1688,7 +1686,7 @@
       </p:grpSpPr>
       <p:sp>
         <p:nvSpPr>
-          <p:cNvPr id="2" name="Titre 1"/>
+          <p:cNvPr id="2" name="Title 1"/>
           <p:cNvSpPr>
             <a:spLocks noGrp="1"/>
           </p:cNvSpPr>
@@ -1705,13 +1703,13 @@
               <a:rPr lang="fr-FR" smtClean="0"/>
               <a:t>Modifiez le style du titre</a:t>
             </a:r>
-            <a:endParaRPr lang="fr-FR"/>
+            <a:endParaRPr lang="en-US" dirty="0"/>
           </a:p>
         </p:txBody>
       </p:sp>
       <p:sp>
         <p:nvSpPr>
-          <p:cNvPr id="3" name="Espace réservé de la date 2"/>
+          <p:cNvPr id="3" name="Date Placeholder 2"/>
           <p:cNvSpPr>
             <a:spLocks noGrp="1"/>
           </p:cNvSpPr>
@@ -1726,7 +1724,7 @@
           <a:p>
             <a:fld id="{1DD5E214-71AE-49E0-8511-3FE919ED9730}" type="datetimeFigureOut">
               <a:rPr lang="fr-FR" smtClean="0"/>
-              <a:t>29/04/2020</a:t>
+              <a:t>30/04/2020</a:t>
             </a:fld>
             <a:endParaRPr lang="fr-FR"/>
           </a:p>
@@ -1734,7 +1732,7 @@
       </p:sp>
       <p:sp>
         <p:nvSpPr>
-          <p:cNvPr id="4" name="Espace réservé du pied de page 3"/>
+          <p:cNvPr id="4" name="Footer Placeholder 3"/>
           <p:cNvSpPr>
             <a:spLocks noGrp="1"/>
           </p:cNvSpPr>
@@ -1753,7 +1751,7 @@
       </p:sp>
       <p:sp>
         <p:nvSpPr>
-          <p:cNvPr id="5" name="Espace réservé du numéro de diapositive 4"/>
+          <p:cNvPr id="5" name="Slide Number Placeholder 4"/>
           <p:cNvSpPr>
             <a:spLocks noGrp="1"/>
           </p:cNvSpPr>
@@ -1777,7 +1775,7 @@
     </p:spTree>
     <p:extLst>
       <p:ext uri="{BB962C8B-B14F-4D97-AF65-F5344CB8AC3E}">
-        <p14:creationId xmlns:p14="http://schemas.microsoft.com/office/powerpoint/2010/main" val="3088896589"/>
+        <p14:creationId xmlns:p14="http://schemas.microsoft.com/office/powerpoint/2010/main" val="3364504004"/>
       </p:ext>
     </p:extLst>
   </p:cSld>
@@ -1806,7 +1804,7 @@
       </p:grpSpPr>
       <p:sp>
         <p:nvSpPr>
-          <p:cNvPr id="2" name="Espace réservé de la date 1"/>
+          <p:cNvPr id="2" name="Date Placeholder 1"/>
           <p:cNvSpPr>
             <a:spLocks noGrp="1"/>
           </p:cNvSpPr>
@@ -1821,7 +1819,7 @@
           <a:p>
             <a:fld id="{1DD5E214-71AE-49E0-8511-3FE919ED9730}" type="datetimeFigureOut">
               <a:rPr lang="fr-FR" smtClean="0"/>
-              <a:t>29/04/2020</a:t>
+              <a:t>30/04/2020</a:t>
             </a:fld>
             <a:endParaRPr lang="fr-FR"/>
           </a:p>
@@ -1829,7 +1827,7 @@
       </p:sp>
       <p:sp>
         <p:nvSpPr>
-          <p:cNvPr id="3" name="Espace réservé du pied de page 2"/>
+          <p:cNvPr id="3" name="Footer Placeholder 2"/>
           <p:cNvSpPr>
             <a:spLocks noGrp="1"/>
           </p:cNvSpPr>
@@ -1848,7 +1846,7 @@
       </p:sp>
       <p:sp>
         <p:nvSpPr>
-          <p:cNvPr id="4" name="Espace réservé du numéro de diapositive 3"/>
+          <p:cNvPr id="4" name="Slide Number Placeholder 3"/>
           <p:cNvSpPr>
             <a:spLocks noGrp="1"/>
           </p:cNvSpPr>
@@ -1872,7 +1870,7 @@
     </p:spTree>
     <p:extLst>
       <p:ext uri="{BB962C8B-B14F-4D97-AF65-F5344CB8AC3E}">
-        <p14:creationId xmlns:p14="http://schemas.microsoft.com/office/powerpoint/2010/main" val="3289210636"/>
+        <p14:creationId xmlns:p14="http://schemas.microsoft.com/office/powerpoint/2010/main" val="3966017950"/>
       </p:ext>
     </p:extLst>
   </p:cSld>
@@ -1901,7 +1899,7 @@
       </p:grpSpPr>
       <p:sp>
         <p:nvSpPr>
-          <p:cNvPr id="2" name="Titre 1"/>
+          <p:cNvPr id="2" name="Title 1"/>
           <p:cNvSpPr>
             <a:spLocks noGrp="1"/>
           </p:cNvSpPr>
@@ -1911,15 +1909,15 @@
         </p:nvSpPr>
         <p:spPr>
           <a:xfrm>
-            <a:off x="839788" y="457200"/>
-            <a:ext cx="3932237" cy="1600200"/>
+            <a:off x="472381" y="660400"/>
+            <a:ext cx="2211884" cy="2311400"/>
           </a:xfrm>
         </p:spPr>
         <p:txBody>
           <a:bodyPr anchor="b"/>
           <a:lstStyle>
             <a:lvl1pPr>
-              <a:defRPr sz="3200"/>
+              <a:defRPr sz="2400"/>
             </a:lvl1pPr>
           </a:lstStyle>
           <a:p>
@@ -1927,13 +1925,13 @@
               <a:rPr lang="fr-FR" smtClean="0"/>
               <a:t>Modifiez le style du titre</a:t>
             </a:r>
-            <a:endParaRPr lang="fr-FR"/>
+            <a:endParaRPr lang="en-US" dirty="0"/>
           </a:p>
         </p:txBody>
       </p:sp>
       <p:sp>
         <p:nvSpPr>
-          <p:cNvPr id="3" name="Espace réservé du contenu 2"/>
+          <p:cNvPr id="3" name="Content Placeholder 2"/>
           <p:cNvSpPr>
             <a:spLocks noGrp="1"/>
           </p:cNvSpPr>
@@ -1943,39 +1941,39 @@
         </p:nvSpPr>
         <p:spPr>
           <a:xfrm>
-            <a:off x="5183188" y="987425"/>
-            <a:ext cx="6172200" cy="4873625"/>
+            <a:off x="2915543" y="1426283"/>
+            <a:ext cx="3471863" cy="7039681"/>
           </a:xfrm>
         </p:spPr>
         <p:txBody>
           <a:bodyPr/>
           <a:lstStyle>
             <a:lvl1pPr>
-              <a:defRPr sz="3200"/>
+              <a:defRPr sz="2400"/>
             </a:lvl1pPr>
             <a:lvl2pPr>
-              <a:defRPr sz="2800"/>
+              <a:defRPr sz="2100"/>
             </a:lvl2pPr>
             <a:lvl3pPr>
-              <a:defRPr sz="2400"/>
+              <a:defRPr sz="1800"/>
             </a:lvl3pPr>
             <a:lvl4pPr>
-              <a:defRPr sz="2000"/>
+              <a:defRPr sz="1500"/>
             </a:lvl4pPr>
             <a:lvl5pPr>
-              <a:defRPr sz="2000"/>
+              <a:defRPr sz="1500"/>
             </a:lvl5pPr>
             <a:lvl6pPr>
-              <a:defRPr sz="2000"/>
+              <a:defRPr sz="1500"/>
             </a:lvl6pPr>
             <a:lvl7pPr>
-              <a:defRPr sz="2000"/>
+              <a:defRPr sz="1500"/>
             </a:lvl7pPr>
             <a:lvl8pPr>
-              <a:defRPr sz="2000"/>
+              <a:defRPr sz="1500"/>
             </a:lvl8pPr>
             <a:lvl9pPr>
-              <a:defRPr sz="2000"/>
+              <a:defRPr sz="1500"/>
             </a:lvl9pPr>
           </a:lstStyle>
           <a:p>
@@ -2012,13 +2010,13 @@
               <a:rPr lang="fr-FR" smtClean="0"/>
               <a:t>Cinquième niveau</a:t>
             </a:r>
-            <a:endParaRPr lang="fr-FR"/>
+            <a:endParaRPr lang="en-US" dirty="0"/>
           </a:p>
         </p:txBody>
       </p:sp>
       <p:sp>
         <p:nvSpPr>
-          <p:cNvPr id="4" name="Espace réservé du texte 3"/>
+          <p:cNvPr id="4" name="Text Placeholder 3"/>
           <p:cNvSpPr>
             <a:spLocks noGrp="1"/>
           </p:cNvSpPr>
@@ -2028,8 +2026,8 @@
         </p:nvSpPr>
         <p:spPr>
           <a:xfrm>
-            <a:off x="839788" y="2057400"/>
-            <a:ext cx="3932237" cy="3811588"/>
+            <a:off x="472381" y="2971800"/>
+            <a:ext cx="2211884" cy="5505627"/>
           </a:xfrm>
         </p:spPr>
         <p:txBody>
@@ -2037,39 +2035,39 @@
           <a:lstStyle>
             <a:lvl1pPr marL="0" indent="0">
               <a:buNone/>
-              <a:defRPr sz="1600"/>
+              <a:defRPr sz="1200"/>
             </a:lvl1pPr>
-            <a:lvl2pPr marL="457200" indent="0">
+            <a:lvl2pPr marL="342900" indent="0">
               <a:buNone/>
-              <a:defRPr sz="1400"/>
+              <a:defRPr sz="1050"/>
             </a:lvl2pPr>
-            <a:lvl3pPr marL="914400" indent="0">
+            <a:lvl3pPr marL="685800" indent="0">
               <a:buNone/>
-              <a:defRPr sz="1200"/>
+              <a:defRPr sz="900"/>
             </a:lvl3pPr>
-            <a:lvl4pPr marL="1371600" indent="0">
+            <a:lvl4pPr marL="1028700" indent="0">
               <a:buNone/>
-              <a:defRPr sz="1000"/>
+              <a:defRPr sz="750"/>
             </a:lvl4pPr>
-            <a:lvl5pPr marL="1828800" indent="0">
+            <a:lvl5pPr marL="1371600" indent="0">
               <a:buNone/>
-              <a:defRPr sz="1000"/>
+              <a:defRPr sz="750"/>
             </a:lvl5pPr>
-            <a:lvl6pPr marL="2286000" indent="0">
+            <a:lvl6pPr marL="1714500" indent="0">
               <a:buNone/>
-              <a:defRPr sz="1000"/>
+              <a:defRPr sz="750"/>
             </a:lvl6pPr>
-            <a:lvl7pPr marL="2743200" indent="0">
+            <a:lvl7pPr marL="2057400" indent="0">
               <a:buNone/>
-              <a:defRPr sz="1000"/>
+              <a:defRPr sz="750"/>
             </a:lvl7pPr>
-            <a:lvl8pPr marL="3200400" indent="0">
+            <a:lvl8pPr marL="2400300" indent="0">
               <a:buNone/>
-              <a:defRPr sz="1000"/>
+              <a:defRPr sz="750"/>
             </a:lvl8pPr>
-            <a:lvl9pPr marL="3657600" indent="0">
+            <a:lvl9pPr marL="2743200" indent="0">
               <a:buNone/>
-              <a:defRPr sz="1000"/>
+              <a:defRPr sz="750"/>
             </a:lvl9pPr>
           </a:lstStyle>
           <a:p>
@@ -2083,7 +2081,7 @@
       </p:sp>
       <p:sp>
         <p:nvSpPr>
-          <p:cNvPr id="5" name="Espace réservé de la date 4"/>
+          <p:cNvPr id="5" name="Date Placeholder 4"/>
           <p:cNvSpPr>
             <a:spLocks noGrp="1"/>
           </p:cNvSpPr>
@@ -2098,7 +2096,7 @@
           <a:p>
             <a:fld id="{1DD5E214-71AE-49E0-8511-3FE919ED9730}" type="datetimeFigureOut">
               <a:rPr lang="fr-FR" smtClean="0"/>
-              <a:t>29/04/2020</a:t>
+              <a:t>30/04/2020</a:t>
             </a:fld>
             <a:endParaRPr lang="fr-FR"/>
           </a:p>
@@ -2106,7 +2104,7 @@
       </p:sp>
       <p:sp>
         <p:nvSpPr>
-          <p:cNvPr id="6" name="Espace réservé du pied de page 5"/>
+          <p:cNvPr id="6" name="Footer Placeholder 5"/>
           <p:cNvSpPr>
             <a:spLocks noGrp="1"/>
           </p:cNvSpPr>
@@ -2125,7 +2123,7 @@
       </p:sp>
       <p:sp>
         <p:nvSpPr>
-          <p:cNvPr id="7" name="Espace réservé du numéro de diapositive 6"/>
+          <p:cNvPr id="7" name="Slide Number Placeholder 6"/>
           <p:cNvSpPr>
             <a:spLocks noGrp="1"/>
           </p:cNvSpPr>
@@ -2149,7 +2147,7 @@
     </p:spTree>
     <p:extLst>
       <p:ext uri="{BB962C8B-B14F-4D97-AF65-F5344CB8AC3E}">
-        <p14:creationId xmlns:p14="http://schemas.microsoft.com/office/powerpoint/2010/main" val="2728154780"/>
+        <p14:creationId xmlns:p14="http://schemas.microsoft.com/office/powerpoint/2010/main" val="656862557"/>
       </p:ext>
     </p:extLst>
   </p:cSld>
@@ -2178,7 +2176,7 @@
       </p:grpSpPr>
       <p:sp>
         <p:nvSpPr>
-          <p:cNvPr id="2" name="Titre 1"/>
+          <p:cNvPr id="2" name="Title 1"/>
           <p:cNvSpPr>
             <a:spLocks noGrp="1"/>
           </p:cNvSpPr>
@@ -2188,15 +2186,15 @@
         </p:nvSpPr>
         <p:spPr>
           <a:xfrm>
-            <a:off x="839788" y="457200"/>
-            <a:ext cx="3932237" cy="1600200"/>
+            <a:off x="472381" y="660400"/>
+            <a:ext cx="2211884" cy="2311400"/>
           </a:xfrm>
         </p:spPr>
         <p:txBody>
           <a:bodyPr anchor="b"/>
           <a:lstStyle>
             <a:lvl1pPr>
-              <a:defRPr sz="3200"/>
+              <a:defRPr sz="2400"/>
             </a:lvl1pPr>
           </a:lstStyle>
           <a:p>
@@ -2204,15 +2202,15 @@
               <a:rPr lang="fr-FR" smtClean="0"/>
               <a:t>Modifiez le style du titre</a:t>
             </a:r>
-            <a:endParaRPr lang="fr-FR"/>
+            <a:endParaRPr lang="en-US" dirty="0"/>
           </a:p>
         </p:txBody>
       </p:sp>
       <p:sp>
         <p:nvSpPr>
-          <p:cNvPr id="3" name="Espace réservé pour une image  2"/>
+          <p:cNvPr id="3" name="Picture Placeholder 2"/>
           <p:cNvSpPr>
-            <a:spLocks noGrp="1"/>
+            <a:spLocks noGrp="1" noChangeAspect="1"/>
           </p:cNvSpPr>
           <p:nvPr>
             <p:ph type="pic" idx="1"/>
@@ -2220,58 +2218,62 @@
         </p:nvSpPr>
         <p:spPr>
           <a:xfrm>
-            <a:off x="5183188" y="987425"/>
-            <a:ext cx="6172200" cy="4873625"/>
+            <a:off x="2915543" y="1426283"/>
+            <a:ext cx="3471863" cy="7039681"/>
           </a:xfrm>
         </p:spPr>
         <p:txBody>
-          <a:bodyPr/>
+          <a:bodyPr anchor="t"/>
           <a:lstStyle>
             <a:lvl1pPr marL="0" indent="0">
               <a:buNone/>
-              <a:defRPr sz="3200"/>
+              <a:defRPr sz="2400"/>
             </a:lvl1pPr>
-            <a:lvl2pPr marL="457200" indent="0">
+            <a:lvl2pPr marL="342900" indent="0">
               <a:buNone/>
-              <a:defRPr sz="2800"/>
+              <a:defRPr sz="2100"/>
             </a:lvl2pPr>
-            <a:lvl3pPr marL="914400" indent="0">
+            <a:lvl3pPr marL="685800" indent="0">
               <a:buNone/>
-              <a:defRPr sz="2400"/>
+              <a:defRPr sz="1800"/>
             </a:lvl3pPr>
-            <a:lvl4pPr marL="1371600" indent="0">
+            <a:lvl4pPr marL="1028700" indent="0">
               <a:buNone/>
-              <a:defRPr sz="2000"/>
+              <a:defRPr sz="1500"/>
             </a:lvl4pPr>
-            <a:lvl5pPr marL="1828800" indent="0">
+            <a:lvl5pPr marL="1371600" indent="0">
               <a:buNone/>
-              <a:defRPr sz="2000"/>
+              <a:defRPr sz="1500"/>
             </a:lvl5pPr>
-            <a:lvl6pPr marL="2286000" indent="0">
+            <a:lvl6pPr marL="1714500" indent="0">
               <a:buNone/>
-              <a:defRPr sz="2000"/>
+              <a:defRPr sz="1500"/>
             </a:lvl6pPr>
-            <a:lvl7pPr marL="2743200" indent="0">
+            <a:lvl7pPr marL="2057400" indent="0">
               <a:buNone/>
-              <a:defRPr sz="2000"/>
+              <a:defRPr sz="1500"/>
             </a:lvl7pPr>
-            <a:lvl8pPr marL="3200400" indent="0">
+            <a:lvl8pPr marL="2400300" indent="0">
               <a:buNone/>
-              <a:defRPr sz="2000"/>
+              <a:defRPr sz="1500"/>
             </a:lvl8pPr>
-            <a:lvl9pPr marL="3657600" indent="0">
+            <a:lvl9pPr marL="2743200" indent="0">
               <a:buNone/>
-              <a:defRPr sz="2000"/>
+              <a:defRPr sz="1500"/>
             </a:lvl9pPr>
           </a:lstStyle>
           <a:p>
-            <a:endParaRPr lang="fr-FR"/>
+            <a:r>
+              <a:rPr lang="fr-FR" smtClean="0"/>
+              <a:t>Cliquez sur l'icône pour ajouter une image</a:t>
+            </a:r>
+            <a:endParaRPr lang="en-US" dirty="0"/>
           </a:p>
         </p:txBody>
       </p:sp>
       <p:sp>
         <p:nvSpPr>
-          <p:cNvPr id="4" name="Espace réservé du texte 3"/>
+          <p:cNvPr id="4" name="Text Placeholder 3"/>
           <p:cNvSpPr>
             <a:spLocks noGrp="1"/>
           </p:cNvSpPr>
@@ -2281,8 +2283,8 @@
         </p:nvSpPr>
         <p:spPr>
           <a:xfrm>
-            <a:off x="839788" y="2057400"/>
-            <a:ext cx="3932237" cy="3811588"/>
+            <a:off x="472381" y="2971800"/>
+            <a:ext cx="2211884" cy="5505627"/>
           </a:xfrm>
         </p:spPr>
         <p:txBody>
@@ -2290,39 +2292,39 @@
           <a:lstStyle>
             <a:lvl1pPr marL="0" indent="0">
               <a:buNone/>
-              <a:defRPr sz="1600"/>
+              <a:defRPr sz="1200"/>
             </a:lvl1pPr>
-            <a:lvl2pPr marL="457200" indent="0">
+            <a:lvl2pPr marL="342900" indent="0">
               <a:buNone/>
-              <a:defRPr sz="1400"/>
+              <a:defRPr sz="1050"/>
             </a:lvl2pPr>
-            <a:lvl3pPr marL="914400" indent="0">
+            <a:lvl3pPr marL="685800" indent="0">
               <a:buNone/>
-              <a:defRPr sz="1200"/>
+              <a:defRPr sz="900"/>
             </a:lvl3pPr>
-            <a:lvl4pPr marL="1371600" indent="0">
+            <a:lvl4pPr marL="1028700" indent="0">
               <a:buNone/>
-              <a:defRPr sz="1000"/>
+              <a:defRPr sz="750"/>
             </a:lvl4pPr>
-            <a:lvl5pPr marL="1828800" indent="0">
+            <a:lvl5pPr marL="1371600" indent="0">
               <a:buNone/>
-              <a:defRPr sz="1000"/>
+              <a:defRPr sz="750"/>
             </a:lvl5pPr>
-            <a:lvl6pPr marL="2286000" indent="0">
+            <a:lvl6pPr marL="1714500" indent="0">
               <a:buNone/>
-              <a:defRPr sz="1000"/>
+              <a:defRPr sz="750"/>
             </a:lvl6pPr>
-            <a:lvl7pPr marL="2743200" indent="0">
+            <a:lvl7pPr marL="2057400" indent="0">
               <a:buNone/>
-              <a:defRPr sz="1000"/>
+              <a:defRPr sz="750"/>
             </a:lvl7pPr>
-            <a:lvl8pPr marL="3200400" indent="0">
+            <a:lvl8pPr marL="2400300" indent="0">
               <a:buNone/>
-              <a:defRPr sz="1000"/>
+              <a:defRPr sz="750"/>
             </a:lvl8pPr>
-            <a:lvl9pPr marL="3657600" indent="0">
+            <a:lvl9pPr marL="2743200" indent="0">
               <a:buNone/>
-              <a:defRPr sz="1000"/>
+              <a:defRPr sz="750"/>
             </a:lvl9pPr>
           </a:lstStyle>
           <a:p>
@@ -2336,7 +2338,7 @@
       </p:sp>
       <p:sp>
         <p:nvSpPr>
-          <p:cNvPr id="5" name="Espace réservé de la date 4"/>
+          <p:cNvPr id="5" name="Date Placeholder 4"/>
           <p:cNvSpPr>
             <a:spLocks noGrp="1"/>
           </p:cNvSpPr>
@@ -2351,7 +2353,7 @@
           <a:p>
             <a:fld id="{1DD5E214-71AE-49E0-8511-3FE919ED9730}" type="datetimeFigureOut">
               <a:rPr lang="fr-FR" smtClean="0"/>
-              <a:t>29/04/2020</a:t>
+              <a:t>30/04/2020</a:t>
             </a:fld>
             <a:endParaRPr lang="fr-FR"/>
           </a:p>
@@ -2359,7 +2361,7 @@
       </p:sp>
       <p:sp>
         <p:nvSpPr>
-          <p:cNvPr id="6" name="Espace réservé du pied de page 5"/>
+          <p:cNvPr id="6" name="Footer Placeholder 5"/>
           <p:cNvSpPr>
             <a:spLocks noGrp="1"/>
           </p:cNvSpPr>
@@ -2378,7 +2380,7 @@
       </p:sp>
       <p:sp>
         <p:nvSpPr>
-          <p:cNvPr id="7" name="Espace réservé du numéro de diapositive 6"/>
+          <p:cNvPr id="7" name="Slide Number Placeholder 6"/>
           <p:cNvSpPr>
             <a:spLocks noGrp="1"/>
           </p:cNvSpPr>
@@ -2402,7 +2404,7 @@
     </p:spTree>
     <p:extLst>
       <p:ext uri="{BB962C8B-B14F-4D97-AF65-F5344CB8AC3E}">
-        <p14:creationId xmlns:p14="http://schemas.microsoft.com/office/powerpoint/2010/main" val="1521210664"/>
+        <p14:creationId xmlns:p14="http://schemas.microsoft.com/office/powerpoint/2010/main" val="1222270059"/>
       </p:ext>
     </p:extLst>
   </p:cSld>
@@ -2436,7 +2438,7 @@
       </p:grpSpPr>
       <p:sp>
         <p:nvSpPr>
-          <p:cNvPr id="2" name="Espace réservé du titre 1"/>
+          <p:cNvPr id="2" name="Title Placeholder 1"/>
           <p:cNvSpPr>
             <a:spLocks noGrp="1"/>
           </p:cNvSpPr>
@@ -2446,8 +2448,8 @@
         </p:nvSpPr>
         <p:spPr>
           <a:xfrm>
-            <a:off x="838200" y="365125"/>
-            <a:ext cx="10515600" cy="1325563"/>
+            <a:off x="471488" y="527405"/>
+            <a:ext cx="5915025" cy="1914702"/>
           </a:xfrm>
           <a:prstGeom prst="rect">
             <a:avLst/>
@@ -2463,13 +2465,13 @@
               <a:rPr lang="fr-FR" smtClean="0"/>
               <a:t>Modifiez le style du titre</a:t>
             </a:r>
-            <a:endParaRPr lang="fr-FR"/>
+            <a:endParaRPr lang="en-US" dirty="0"/>
           </a:p>
         </p:txBody>
       </p:sp>
       <p:sp>
         <p:nvSpPr>
-          <p:cNvPr id="3" name="Espace réservé du texte 2"/>
+          <p:cNvPr id="3" name="Text Placeholder 2"/>
           <p:cNvSpPr>
             <a:spLocks noGrp="1"/>
           </p:cNvSpPr>
@@ -2479,8 +2481,8 @@
         </p:nvSpPr>
         <p:spPr>
           <a:xfrm>
-            <a:off x="838200" y="1825625"/>
-            <a:ext cx="10515600" cy="4351338"/>
+            <a:off x="471488" y="2637014"/>
+            <a:ext cx="5915025" cy="6285266"/>
           </a:xfrm>
           <a:prstGeom prst="rect">
             <a:avLst/>
@@ -2525,13 +2527,13 @@
               <a:rPr lang="fr-FR" smtClean="0"/>
               <a:t>Cinquième niveau</a:t>
             </a:r>
-            <a:endParaRPr lang="fr-FR"/>
+            <a:endParaRPr lang="en-US" dirty="0"/>
           </a:p>
         </p:txBody>
       </p:sp>
       <p:sp>
         <p:nvSpPr>
-          <p:cNvPr id="4" name="Espace réservé de la date 3"/>
+          <p:cNvPr id="4" name="Date Placeholder 3"/>
           <p:cNvSpPr>
             <a:spLocks noGrp="1"/>
           </p:cNvSpPr>
@@ -2541,8 +2543,8 @@
         </p:nvSpPr>
         <p:spPr>
           <a:xfrm>
-            <a:off x="838200" y="6356350"/>
-            <a:ext cx="2743200" cy="365125"/>
+            <a:off x="471488" y="9181397"/>
+            <a:ext cx="1543050" cy="527403"/>
           </a:xfrm>
           <a:prstGeom prst="rect">
             <a:avLst/>
@@ -2552,7 +2554,7 @@
           <a:bodyPr vert="horz" lIns="91440" tIns="45720" rIns="91440" bIns="45720" rtlCol="0" anchor="ctr"/>
           <a:lstStyle>
             <a:lvl1pPr algn="l">
-              <a:defRPr sz="1200">
+              <a:defRPr sz="900">
                 <a:solidFill>
                   <a:schemeClr val="tx1">
                     <a:tint val="75000"/>
@@ -2564,7 +2566,7 @@
           <a:p>
             <a:fld id="{1DD5E214-71AE-49E0-8511-3FE919ED9730}" type="datetimeFigureOut">
               <a:rPr lang="fr-FR" smtClean="0"/>
-              <a:t>29/04/2020</a:t>
+              <a:t>30/04/2020</a:t>
             </a:fld>
             <a:endParaRPr lang="fr-FR"/>
           </a:p>
@@ -2572,7 +2574,7 @@
       </p:sp>
       <p:sp>
         <p:nvSpPr>
-          <p:cNvPr id="5" name="Espace réservé du pied de page 4"/>
+          <p:cNvPr id="5" name="Footer Placeholder 4"/>
           <p:cNvSpPr>
             <a:spLocks noGrp="1"/>
           </p:cNvSpPr>
@@ -2582,8 +2584,8 @@
         </p:nvSpPr>
         <p:spPr>
           <a:xfrm>
-            <a:off x="4038600" y="6356350"/>
-            <a:ext cx="4114800" cy="365125"/>
+            <a:off x="2271713" y="9181397"/>
+            <a:ext cx="2314575" cy="527403"/>
           </a:xfrm>
           <a:prstGeom prst="rect">
             <a:avLst/>
@@ -2593,7 +2595,7 @@
           <a:bodyPr vert="horz" lIns="91440" tIns="45720" rIns="91440" bIns="45720" rtlCol="0" anchor="ctr"/>
           <a:lstStyle>
             <a:lvl1pPr algn="ctr">
-              <a:defRPr sz="1200">
+              <a:defRPr sz="900">
                 <a:solidFill>
                   <a:schemeClr val="tx1">
                     <a:tint val="75000"/>
@@ -2609,7 +2611,7 @@
       </p:sp>
       <p:sp>
         <p:nvSpPr>
-          <p:cNvPr id="6" name="Espace réservé du numéro de diapositive 5"/>
+          <p:cNvPr id="6" name="Slide Number Placeholder 5"/>
           <p:cNvSpPr>
             <a:spLocks noGrp="1"/>
           </p:cNvSpPr>
@@ -2619,8 +2621,8 @@
         </p:nvSpPr>
         <p:spPr>
           <a:xfrm>
-            <a:off x="8610600" y="6356350"/>
-            <a:ext cx="2743200" cy="365125"/>
+            <a:off x="4843463" y="9181397"/>
+            <a:ext cx="1543050" cy="527403"/>
           </a:xfrm>
           <a:prstGeom prst="rect">
             <a:avLst/>
@@ -2630,7 +2632,7 @@
           <a:bodyPr vert="horz" lIns="91440" tIns="45720" rIns="91440" bIns="45720" rtlCol="0" anchor="ctr"/>
           <a:lstStyle>
             <a:lvl1pPr algn="r">
-              <a:defRPr sz="1200">
+              <a:defRPr sz="900">
                 <a:solidFill>
                   <a:schemeClr val="tx1">
                     <a:tint val="75000"/>
@@ -2651,27 +2653,27 @@
     </p:spTree>
     <p:extLst>
       <p:ext uri="{BB962C8B-B14F-4D97-AF65-F5344CB8AC3E}">
-        <p14:creationId xmlns:p14="http://schemas.microsoft.com/office/powerpoint/2010/main" val="3555070324"/>
+        <p14:creationId xmlns:p14="http://schemas.microsoft.com/office/powerpoint/2010/main" val="3076919400"/>
       </p:ext>
     </p:extLst>
   </p:cSld>
   <p:clrMap bg1="lt1" tx1="dk1" bg2="lt2" tx2="dk2" accent1="accent1" accent2="accent2" accent3="accent3" accent4="accent4" accent5="accent5" accent6="accent6" hlink="hlink" folHlink="folHlink"/>
   <p:sldLayoutIdLst>
-    <p:sldLayoutId id="2147483649" r:id="rId1"/>
-    <p:sldLayoutId id="2147483650" r:id="rId2"/>
-    <p:sldLayoutId id="2147483651" r:id="rId3"/>
-    <p:sldLayoutId id="2147483652" r:id="rId4"/>
-    <p:sldLayoutId id="2147483653" r:id="rId5"/>
-    <p:sldLayoutId id="2147483654" r:id="rId6"/>
-    <p:sldLayoutId id="2147483655" r:id="rId7"/>
-    <p:sldLayoutId id="2147483656" r:id="rId8"/>
-    <p:sldLayoutId id="2147483657" r:id="rId9"/>
-    <p:sldLayoutId id="2147483658" r:id="rId10"/>
-    <p:sldLayoutId id="2147483659" r:id="rId11"/>
+    <p:sldLayoutId id="2147483673" r:id="rId1"/>
+    <p:sldLayoutId id="2147483674" r:id="rId2"/>
+    <p:sldLayoutId id="2147483675" r:id="rId3"/>
+    <p:sldLayoutId id="2147483676" r:id="rId4"/>
+    <p:sldLayoutId id="2147483677" r:id="rId5"/>
+    <p:sldLayoutId id="2147483678" r:id="rId6"/>
+    <p:sldLayoutId id="2147483679" r:id="rId7"/>
+    <p:sldLayoutId id="2147483680" r:id="rId8"/>
+    <p:sldLayoutId id="2147483681" r:id="rId9"/>
+    <p:sldLayoutId id="2147483682" r:id="rId10"/>
+    <p:sldLayoutId id="2147483683" r:id="rId11"/>
   </p:sldLayoutIdLst>
   <p:txStyles>
     <p:titleStyle>
-      <a:lvl1pPr algn="l" defTabSz="914400" rtl="0" eaLnBrk="1" latinLnBrk="0" hangingPunct="1">
+      <a:lvl1pPr algn="l" defTabSz="685800" rtl="0" eaLnBrk="1" latinLnBrk="0" hangingPunct="1">
         <a:lnSpc>
           <a:spcPct val="90000"/>
         </a:lnSpc>
@@ -2679,7 +2681,7 @@
           <a:spcPct val="0"/>
         </a:spcBef>
         <a:buNone/>
-        <a:defRPr sz="4400" kern="1200">
+        <a:defRPr sz="3300" kern="1200">
           <a:solidFill>
             <a:schemeClr val="tx1"/>
           </a:solidFill>
@@ -2690,16 +2692,16 @@
       </a:lvl1pPr>
     </p:titleStyle>
     <p:bodyStyle>
-      <a:lvl1pPr marL="228600" indent="-228600" algn="l" defTabSz="914400" rtl="0" eaLnBrk="1" latinLnBrk="0" hangingPunct="1">
+      <a:lvl1pPr marL="171450" indent="-171450" algn="l" defTabSz="685800" rtl="0" eaLnBrk="1" latinLnBrk="0" hangingPunct="1">
         <a:lnSpc>
           <a:spcPct val="90000"/>
         </a:lnSpc>
         <a:spcBef>
-          <a:spcPts val="1000"/>
+          <a:spcPts val="750"/>
         </a:spcBef>
         <a:buFont typeface="Arial" panose="020B0604020202020204" pitchFamily="34" charset="0"/>
         <a:buChar char="•"/>
-        <a:defRPr sz="2800" kern="1200">
+        <a:defRPr sz="2100" kern="1200">
           <a:solidFill>
             <a:schemeClr val="tx1"/>
           </a:solidFill>
@@ -2708,48 +2710,12 @@
           <a:cs typeface="+mn-cs"/>
         </a:defRPr>
       </a:lvl1pPr>
-      <a:lvl2pPr marL="685800" indent="-228600" algn="l" defTabSz="914400" rtl="0" eaLnBrk="1" latinLnBrk="0" hangingPunct="1">
+      <a:lvl2pPr marL="514350" indent="-171450" algn="l" defTabSz="685800" rtl="0" eaLnBrk="1" latinLnBrk="0" hangingPunct="1">
         <a:lnSpc>
           <a:spcPct val="90000"/>
         </a:lnSpc>
         <a:spcBef>
-          <a:spcPts val="500"/>
-        </a:spcBef>
-        <a:buFont typeface="Arial" panose="020B0604020202020204" pitchFamily="34" charset="0"/>
-        <a:buChar char="•"/>
-        <a:defRPr sz="2400" kern="1200">
-          <a:solidFill>
-            <a:schemeClr val="tx1"/>
-          </a:solidFill>
-          <a:latin typeface="+mn-lt"/>
-          <a:ea typeface="+mn-ea"/>
-          <a:cs typeface="+mn-cs"/>
-        </a:defRPr>
-      </a:lvl2pPr>
-      <a:lvl3pPr marL="1143000" indent="-228600" algn="l" defTabSz="914400" rtl="0" eaLnBrk="1" latinLnBrk="0" hangingPunct="1">
-        <a:lnSpc>
-          <a:spcPct val="90000"/>
-        </a:lnSpc>
-        <a:spcBef>
-          <a:spcPts val="500"/>
-        </a:spcBef>
-        <a:buFont typeface="Arial" panose="020B0604020202020204" pitchFamily="34" charset="0"/>
-        <a:buChar char="•"/>
-        <a:defRPr sz="2000" kern="1200">
-          <a:solidFill>
-            <a:schemeClr val="tx1"/>
-          </a:solidFill>
-          <a:latin typeface="+mn-lt"/>
-          <a:ea typeface="+mn-ea"/>
-          <a:cs typeface="+mn-cs"/>
-        </a:defRPr>
-      </a:lvl3pPr>
-      <a:lvl4pPr marL="1600200" indent="-228600" algn="l" defTabSz="914400" rtl="0" eaLnBrk="1" latinLnBrk="0" hangingPunct="1">
-        <a:lnSpc>
-          <a:spcPct val="90000"/>
-        </a:lnSpc>
-        <a:spcBef>
-          <a:spcPts val="500"/>
+          <a:spcPts val="375"/>
         </a:spcBef>
         <a:buFont typeface="Arial" panose="020B0604020202020204" pitchFamily="34" charset="0"/>
         <a:buChar char="•"/>
@@ -2761,17 +2727,53 @@
           <a:ea typeface="+mn-ea"/>
           <a:cs typeface="+mn-cs"/>
         </a:defRPr>
-      </a:lvl4pPr>
-      <a:lvl5pPr marL="2057400" indent="-228600" algn="l" defTabSz="914400" rtl="0" eaLnBrk="1" latinLnBrk="0" hangingPunct="1">
+      </a:lvl2pPr>
+      <a:lvl3pPr marL="857250" indent="-171450" algn="l" defTabSz="685800" rtl="0" eaLnBrk="1" latinLnBrk="0" hangingPunct="1">
         <a:lnSpc>
           <a:spcPct val="90000"/>
         </a:lnSpc>
         <a:spcBef>
-          <a:spcPts val="500"/>
+          <a:spcPts val="375"/>
         </a:spcBef>
         <a:buFont typeface="Arial" panose="020B0604020202020204" pitchFamily="34" charset="0"/>
         <a:buChar char="•"/>
-        <a:defRPr sz="1800" kern="1200">
+        <a:defRPr sz="1500" kern="1200">
+          <a:solidFill>
+            <a:schemeClr val="tx1"/>
+          </a:solidFill>
+          <a:latin typeface="+mn-lt"/>
+          <a:ea typeface="+mn-ea"/>
+          <a:cs typeface="+mn-cs"/>
+        </a:defRPr>
+      </a:lvl3pPr>
+      <a:lvl4pPr marL="1200150" indent="-171450" algn="l" defTabSz="685800" rtl="0" eaLnBrk="1" latinLnBrk="0" hangingPunct="1">
+        <a:lnSpc>
+          <a:spcPct val="90000"/>
+        </a:lnSpc>
+        <a:spcBef>
+          <a:spcPts val="375"/>
+        </a:spcBef>
+        <a:buFont typeface="Arial" panose="020B0604020202020204" pitchFamily="34" charset="0"/>
+        <a:buChar char="•"/>
+        <a:defRPr sz="1350" kern="1200">
+          <a:solidFill>
+            <a:schemeClr val="tx1"/>
+          </a:solidFill>
+          <a:latin typeface="+mn-lt"/>
+          <a:ea typeface="+mn-ea"/>
+          <a:cs typeface="+mn-cs"/>
+        </a:defRPr>
+      </a:lvl4pPr>
+      <a:lvl5pPr marL="1543050" indent="-171450" algn="l" defTabSz="685800" rtl="0" eaLnBrk="1" latinLnBrk="0" hangingPunct="1">
+        <a:lnSpc>
+          <a:spcPct val="90000"/>
+        </a:lnSpc>
+        <a:spcBef>
+          <a:spcPts val="375"/>
+        </a:spcBef>
+        <a:buFont typeface="Arial" panose="020B0604020202020204" pitchFamily="34" charset="0"/>
+        <a:buChar char="•"/>
+        <a:defRPr sz="1350" kern="1200">
           <a:solidFill>
             <a:schemeClr val="tx1"/>
           </a:solidFill>
@@ -2780,16 +2782,16 @@
           <a:cs typeface="+mn-cs"/>
         </a:defRPr>
       </a:lvl5pPr>
-      <a:lvl6pPr marL="2514600" indent="-228600" algn="l" defTabSz="914400" rtl="0" eaLnBrk="1" latinLnBrk="0" hangingPunct="1">
+      <a:lvl6pPr marL="1885950" indent="-171450" algn="l" defTabSz="685800" rtl="0" eaLnBrk="1" latinLnBrk="0" hangingPunct="1">
         <a:lnSpc>
           <a:spcPct val="90000"/>
         </a:lnSpc>
         <a:spcBef>
-          <a:spcPts val="500"/>
+          <a:spcPts val="375"/>
         </a:spcBef>
         <a:buFont typeface="Arial" panose="020B0604020202020204" pitchFamily="34" charset="0"/>
         <a:buChar char="•"/>
-        <a:defRPr sz="1800" kern="1200">
+        <a:defRPr sz="1350" kern="1200">
           <a:solidFill>
             <a:schemeClr val="tx1"/>
           </a:solidFill>
@@ -2798,16 +2800,16 @@
           <a:cs typeface="+mn-cs"/>
         </a:defRPr>
       </a:lvl6pPr>
-      <a:lvl7pPr marL="2971800" indent="-228600" algn="l" defTabSz="914400" rtl="0" eaLnBrk="1" latinLnBrk="0" hangingPunct="1">
+      <a:lvl7pPr marL="2228850" indent="-171450" algn="l" defTabSz="685800" rtl="0" eaLnBrk="1" latinLnBrk="0" hangingPunct="1">
         <a:lnSpc>
           <a:spcPct val="90000"/>
         </a:lnSpc>
         <a:spcBef>
-          <a:spcPts val="500"/>
+          <a:spcPts val="375"/>
         </a:spcBef>
         <a:buFont typeface="Arial" panose="020B0604020202020204" pitchFamily="34" charset="0"/>
         <a:buChar char="•"/>
-        <a:defRPr sz="1800" kern="1200">
+        <a:defRPr sz="1350" kern="1200">
           <a:solidFill>
             <a:schemeClr val="tx1"/>
           </a:solidFill>
@@ -2816,16 +2818,16 @@
           <a:cs typeface="+mn-cs"/>
         </a:defRPr>
       </a:lvl7pPr>
-      <a:lvl8pPr marL="3429000" indent="-228600" algn="l" defTabSz="914400" rtl="0" eaLnBrk="1" latinLnBrk="0" hangingPunct="1">
+      <a:lvl8pPr marL="2571750" indent="-171450" algn="l" defTabSz="685800" rtl="0" eaLnBrk="1" latinLnBrk="0" hangingPunct="1">
         <a:lnSpc>
           <a:spcPct val="90000"/>
         </a:lnSpc>
         <a:spcBef>
-          <a:spcPts val="500"/>
+          <a:spcPts val="375"/>
         </a:spcBef>
         <a:buFont typeface="Arial" panose="020B0604020202020204" pitchFamily="34" charset="0"/>
         <a:buChar char="•"/>
-        <a:defRPr sz="1800" kern="1200">
+        <a:defRPr sz="1350" kern="1200">
           <a:solidFill>
             <a:schemeClr val="tx1"/>
           </a:solidFill>
@@ -2834,16 +2836,16 @@
           <a:cs typeface="+mn-cs"/>
         </a:defRPr>
       </a:lvl8pPr>
-      <a:lvl9pPr marL="3886200" indent="-228600" algn="l" defTabSz="914400" rtl="0" eaLnBrk="1" latinLnBrk="0" hangingPunct="1">
+      <a:lvl9pPr marL="2914650" indent="-171450" algn="l" defTabSz="685800" rtl="0" eaLnBrk="1" latinLnBrk="0" hangingPunct="1">
         <a:lnSpc>
           <a:spcPct val="90000"/>
         </a:lnSpc>
         <a:spcBef>
-          <a:spcPts val="500"/>
+          <a:spcPts val="375"/>
         </a:spcBef>
         <a:buFont typeface="Arial" panose="020B0604020202020204" pitchFamily="34" charset="0"/>
         <a:buChar char="•"/>
-        <a:defRPr sz="1800" kern="1200">
+        <a:defRPr sz="1350" kern="1200">
           <a:solidFill>
             <a:schemeClr val="tx1"/>
           </a:solidFill>
@@ -2855,10 +2857,10 @@
     </p:bodyStyle>
     <p:otherStyle>
       <a:defPPr>
-        <a:defRPr lang="fr-FR"/>
+        <a:defRPr lang="en-US"/>
       </a:defPPr>
-      <a:lvl1pPr marL="0" algn="l" defTabSz="914400" rtl="0" eaLnBrk="1" latinLnBrk="0" hangingPunct="1">
-        <a:defRPr sz="1800" kern="1200">
+      <a:lvl1pPr marL="0" algn="l" defTabSz="685800" rtl="0" eaLnBrk="1" latinLnBrk="0" hangingPunct="1">
+        <a:defRPr sz="1350" kern="1200">
           <a:solidFill>
             <a:schemeClr val="tx1"/>
           </a:solidFill>
@@ -2867,8 +2869,8 @@
           <a:cs typeface="+mn-cs"/>
         </a:defRPr>
       </a:lvl1pPr>
-      <a:lvl2pPr marL="457200" algn="l" defTabSz="914400" rtl="0" eaLnBrk="1" latinLnBrk="0" hangingPunct="1">
-        <a:defRPr sz="1800" kern="1200">
+      <a:lvl2pPr marL="342900" algn="l" defTabSz="685800" rtl="0" eaLnBrk="1" latinLnBrk="0" hangingPunct="1">
+        <a:defRPr sz="1350" kern="1200">
           <a:solidFill>
             <a:schemeClr val="tx1"/>
           </a:solidFill>
@@ -2877,8 +2879,8 @@
           <a:cs typeface="+mn-cs"/>
         </a:defRPr>
       </a:lvl2pPr>
-      <a:lvl3pPr marL="914400" algn="l" defTabSz="914400" rtl="0" eaLnBrk="1" latinLnBrk="0" hangingPunct="1">
-        <a:defRPr sz="1800" kern="1200">
+      <a:lvl3pPr marL="685800" algn="l" defTabSz="685800" rtl="0" eaLnBrk="1" latinLnBrk="0" hangingPunct="1">
+        <a:defRPr sz="1350" kern="1200">
           <a:solidFill>
             <a:schemeClr val="tx1"/>
           </a:solidFill>
@@ -2887,8 +2889,8 @@
           <a:cs typeface="+mn-cs"/>
         </a:defRPr>
       </a:lvl3pPr>
-      <a:lvl4pPr marL="1371600" algn="l" defTabSz="914400" rtl="0" eaLnBrk="1" latinLnBrk="0" hangingPunct="1">
-        <a:defRPr sz="1800" kern="1200">
+      <a:lvl4pPr marL="1028700" algn="l" defTabSz="685800" rtl="0" eaLnBrk="1" latinLnBrk="0" hangingPunct="1">
+        <a:defRPr sz="1350" kern="1200">
           <a:solidFill>
             <a:schemeClr val="tx1"/>
           </a:solidFill>
@@ -2897,8 +2899,8 @@
           <a:cs typeface="+mn-cs"/>
         </a:defRPr>
       </a:lvl4pPr>
-      <a:lvl5pPr marL="1828800" algn="l" defTabSz="914400" rtl="0" eaLnBrk="1" latinLnBrk="0" hangingPunct="1">
-        <a:defRPr sz="1800" kern="1200">
+      <a:lvl5pPr marL="1371600" algn="l" defTabSz="685800" rtl="0" eaLnBrk="1" latinLnBrk="0" hangingPunct="1">
+        <a:defRPr sz="1350" kern="1200">
           <a:solidFill>
             <a:schemeClr val="tx1"/>
           </a:solidFill>
@@ -2907,8 +2909,8 @@
           <a:cs typeface="+mn-cs"/>
         </a:defRPr>
       </a:lvl5pPr>
-      <a:lvl6pPr marL="2286000" algn="l" defTabSz="914400" rtl="0" eaLnBrk="1" latinLnBrk="0" hangingPunct="1">
-        <a:defRPr sz="1800" kern="1200">
+      <a:lvl6pPr marL="1714500" algn="l" defTabSz="685800" rtl="0" eaLnBrk="1" latinLnBrk="0" hangingPunct="1">
+        <a:defRPr sz="1350" kern="1200">
           <a:solidFill>
             <a:schemeClr val="tx1"/>
           </a:solidFill>
@@ -2917,8 +2919,8 @@
           <a:cs typeface="+mn-cs"/>
         </a:defRPr>
       </a:lvl6pPr>
-      <a:lvl7pPr marL="2743200" algn="l" defTabSz="914400" rtl="0" eaLnBrk="1" latinLnBrk="0" hangingPunct="1">
-        <a:defRPr sz="1800" kern="1200">
+      <a:lvl7pPr marL="2057400" algn="l" defTabSz="685800" rtl="0" eaLnBrk="1" latinLnBrk="0" hangingPunct="1">
+        <a:defRPr sz="1350" kern="1200">
           <a:solidFill>
             <a:schemeClr val="tx1"/>
           </a:solidFill>
@@ -2927,8 +2929,8 @@
           <a:cs typeface="+mn-cs"/>
         </a:defRPr>
       </a:lvl7pPr>
-      <a:lvl8pPr marL="3200400" algn="l" defTabSz="914400" rtl="0" eaLnBrk="1" latinLnBrk="0" hangingPunct="1">
-        <a:defRPr sz="1800" kern="1200">
+      <a:lvl8pPr marL="2400300" algn="l" defTabSz="685800" rtl="0" eaLnBrk="1" latinLnBrk="0" hangingPunct="1">
+        <a:defRPr sz="1350" kern="1200">
           <a:solidFill>
             <a:schemeClr val="tx1"/>
           </a:solidFill>
@@ -2937,8 +2939,8 @@
           <a:cs typeface="+mn-cs"/>
         </a:defRPr>
       </a:lvl8pPr>
-      <a:lvl9pPr marL="3657600" algn="l" defTabSz="914400" rtl="0" eaLnBrk="1" latinLnBrk="0" hangingPunct="1">
-        <a:defRPr sz="1800" kern="1200">
+      <a:lvl9pPr marL="2743200" algn="l" defTabSz="685800" rtl="0" eaLnBrk="1" latinLnBrk="0" hangingPunct="1">
+        <a:defRPr sz="1350" kern="1200">
           <a:solidFill>
             <a:schemeClr val="tx1"/>
           </a:solidFill>
@@ -2971,64 +2973,86 @@
       </p:grpSpPr>
       <p:grpSp>
         <p:nvGrpSpPr>
-          <p:cNvPr id="122" name="Groupe 121"/>
+          <p:cNvPr id="243" name="Groupe 242"/>
           <p:cNvGrpSpPr/>
           <p:nvPr/>
         </p:nvGrpSpPr>
         <p:grpSpPr>
           <a:xfrm>
-            <a:off x="672740" y="433959"/>
-            <a:ext cx="10502535" cy="6292132"/>
-            <a:chOff x="672740" y="159636"/>
-            <a:chExt cx="10502535" cy="6292132"/>
+            <a:off x="24431" y="468748"/>
+            <a:ext cx="6674123" cy="5889782"/>
+            <a:chOff x="24431" y="468748"/>
+            <a:chExt cx="6674123" cy="5889782"/>
           </a:xfrm>
         </p:grpSpPr>
-        <p:sp>
-          <p:nvSpPr>
-            <p:cNvPr id="86" name="Ellipse 85"/>
-            <p:cNvSpPr/>
+        <p:pic>
+          <p:nvPicPr>
+            <p:cNvPr id="221" name="Image 220"/>
+            <p:cNvPicPr>
+              <a:picLocks noChangeAspect="1"/>
+            </p:cNvPicPr>
             <p:nvPr/>
-          </p:nvSpPr>
+          </p:nvPicPr>
+          <p:blipFill rotWithShape="1">
+            <a:blip r:embed="rId2" cstate="print">
+              <a:extLst>
+                <a:ext uri="{28A0092B-C50C-407E-A947-70E740481C1C}">
+                  <a14:useLocalDpi xmlns:a14="http://schemas.microsoft.com/office/drawing/2010/main" val="0"/>
+                </a:ext>
+              </a:extLst>
+            </a:blip>
+            <a:srcRect l="21110" t="15040" r="3334" b="3059"/>
+            <a:stretch/>
+          </p:blipFill>
           <p:spPr>
             <a:xfrm>
-              <a:off x="9039500" y="1867953"/>
-              <a:ext cx="1943102" cy="578158"/>
+              <a:off x="4061920" y="1774839"/>
+              <a:ext cx="1230275" cy="943060"/>
             </a:xfrm>
-            <a:prstGeom prst="ellipse">
+            <a:prstGeom prst="rect">
               <a:avLst/>
             </a:prstGeom>
-            <a:solidFill>
-              <a:srgbClr val="EA907E"/>
-            </a:solidFill>
-            <a:ln>
+            <a:ln w="12700">
               <a:solidFill>
-                <a:srgbClr val="C00000"/>
+                <a:schemeClr val="accent1"/>
               </a:solidFill>
             </a:ln>
           </p:spPr>
-          <p:style>
-            <a:lnRef idx="2">
-              <a:schemeClr val="accent4"/>
-            </a:lnRef>
-            <a:fillRef idx="1">
-              <a:schemeClr val="lt1"/>
-            </a:fillRef>
-            <a:effectRef idx="0">
-              <a:schemeClr val="accent4"/>
-            </a:effectRef>
-            <a:fontRef idx="minor">
-              <a:schemeClr val="dk1"/>
-            </a:fontRef>
-          </p:style>
-          <p:txBody>
-            <a:bodyPr rtlCol="0" anchor="ctr"/>
-            <a:lstStyle/>
-            <a:p>
-              <a:pPr algn="ctr"/>
-              <a:endParaRPr lang="fr-FR"/>
-            </a:p>
-          </p:txBody>
-        </p:sp>
+        </p:pic>
+        <p:pic>
+          <p:nvPicPr>
+            <p:cNvPr id="216" name="Image 215"/>
+            <p:cNvPicPr>
+              <a:picLocks noChangeAspect="1"/>
+            </p:cNvPicPr>
+            <p:nvPr/>
+          </p:nvPicPr>
+          <p:blipFill rotWithShape="1">
+            <a:blip r:embed="rId3" cstate="print">
+              <a:extLst>
+                <a:ext uri="{28A0092B-C50C-407E-A947-70E740481C1C}">
+                  <a14:useLocalDpi xmlns:a14="http://schemas.microsoft.com/office/drawing/2010/main" val="0"/>
+                </a:ext>
+              </a:extLst>
+            </a:blip>
+            <a:srcRect l="9905" t="9509" r="9619" b="7083"/>
+            <a:stretch/>
+          </p:blipFill>
+          <p:spPr>
+            <a:xfrm>
+              <a:off x="2746492" y="1791536"/>
+              <a:ext cx="1264200" cy="926557"/>
+            </a:xfrm>
+            <a:prstGeom prst="rect">
+              <a:avLst/>
+            </a:prstGeom>
+            <a:ln w="12700">
+              <a:solidFill>
+                <a:schemeClr val="accent4"/>
+              </a:solidFill>
+            </a:ln>
+          </p:spPr>
+        </p:pic>
         <p:sp>
           <p:nvSpPr>
             <p:cNvPr id="77" name="Ellipse 76"/>
@@ -3037,8 +3061,8 @@
           </p:nvSpPr>
           <p:spPr>
             <a:xfrm>
-              <a:off x="920934" y="3311411"/>
-              <a:ext cx="1717762" cy="773864"/>
+              <a:off x="1575882" y="3182922"/>
+              <a:ext cx="937501" cy="437157"/>
             </a:xfrm>
             <a:prstGeom prst="ellipse">
               <a:avLst/>
@@ -3071,146 +3095,7 @@
             <a:lstStyle/>
             <a:p>
               <a:pPr algn="ctr"/>
-              <a:endParaRPr lang="fr-FR"/>
-            </a:p>
-          </p:txBody>
-        </p:sp>
-        <p:sp>
-          <p:nvSpPr>
-            <p:cNvPr id="66" name="Ellipse 65"/>
-            <p:cNvSpPr/>
-            <p:nvPr/>
-          </p:nvSpPr>
-          <p:spPr>
-            <a:xfrm>
-              <a:off x="6309364" y="1886347"/>
-              <a:ext cx="1619792" cy="567746"/>
-            </a:xfrm>
-            <a:prstGeom prst="ellipse">
-              <a:avLst/>
-            </a:prstGeom>
-            <a:solidFill>
-              <a:schemeClr val="accent1">
-                <a:lumMod val="20000"/>
-                <a:lumOff val="80000"/>
-              </a:schemeClr>
-            </a:solidFill>
-          </p:spPr>
-          <p:style>
-            <a:lnRef idx="2">
-              <a:schemeClr val="accent1"/>
-            </a:lnRef>
-            <a:fillRef idx="1">
-              <a:schemeClr val="lt1"/>
-            </a:fillRef>
-            <a:effectRef idx="0">
-              <a:schemeClr val="accent1"/>
-            </a:effectRef>
-            <a:fontRef idx="minor">
-              <a:schemeClr val="dk1"/>
-            </a:fontRef>
-          </p:style>
-          <p:txBody>
-            <a:bodyPr rtlCol="0" anchor="ctr"/>
-            <a:lstStyle/>
-            <a:p>
-              <a:pPr algn="ctr"/>
-              <a:endParaRPr lang="fr-FR"/>
-            </a:p>
-          </p:txBody>
-        </p:sp>
-        <p:sp>
-          <p:nvSpPr>
-            <p:cNvPr id="59" name="Ellipse 58"/>
-            <p:cNvSpPr/>
-            <p:nvPr/>
-          </p:nvSpPr>
-          <p:spPr>
-            <a:xfrm>
-              <a:off x="3598821" y="1878365"/>
-              <a:ext cx="1619792" cy="567746"/>
-            </a:xfrm>
-            <a:prstGeom prst="ellipse">
-              <a:avLst/>
-            </a:prstGeom>
-            <a:solidFill>
-              <a:schemeClr val="accent4">
-                <a:lumMod val="40000"/>
-                <a:lumOff val="60000"/>
-              </a:schemeClr>
-            </a:solidFill>
-          </p:spPr>
-          <p:style>
-            <a:lnRef idx="2">
-              <a:schemeClr val="accent4"/>
-            </a:lnRef>
-            <a:fillRef idx="1">
-              <a:schemeClr val="lt1"/>
-            </a:fillRef>
-            <a:effectRef idx="0">
-              <a:schemeClr val="accent4"/>
-            </a:effectRef>
-            <a:fontRef idx="minor">
-              <a:schemeClr val="dk1"/>
-            </a:fontRef>
-          </p:style>
-          <p:txBody>
-            <a:bodyPr rtlCol="0" anchor="ctr"/>
-            <a:lstStyle/>
-            <a:p>
-              <a:pPr algn="ctr"/>
-              <a:endParaRPr lang="fr-FR"/>
-            </a:p>
-          </p:txBody>
-        </p:sp>
-        <p:sp>
-          <p:nvSpPr>
-            <p:cNvPr id="54" name="Ellipse 53"/>
-            <p:cNvSpPr/>
-            <p:nvPr/>
-          </p:nvSpPr>
-          <p:spPr>
-            <a:xfrm>
-              <a:off x="979718" y="1881532"/>
-              <a:ext cx="1619792" cy="567746"/>
-            </a:xfrm>
-            <a:prstGeom prst="ellipse">
-              <a:avLst/>
-            </a:prstGeom>
-            <a:solidFill>
-              <a:schemeClr val="accent5">
-                <a:lumMod val="60000"/>
-                <a:lumOff val="40000"/>
-              </a:schemeClr>
-            </a:solidFill>
-            <a:ln>
-              <a:solidFill>
-                <a:schemeClr val="accent5">
-                  <a:lumMod val="75000"/>
-                </a:schemeClr>
-              </a:solidFill>
-            </a:ln>
-          </p:spPr>
-          <p:style>
-            <a:lnRef idx="1">
-              <a:schemeClr val="accent2"/>
-            </a:lnRef>
-            <a:fillRef idx="2">
-              <a:schemeClr val="accent2"/>
-            </a:fillRef>
-            <a:effectRef idx="1">
-              <a:schemeClr val="accent2"/>
-            </a:effectRef>
-            <a:fontRef idx="minor">
-              <a:schemeClr val="dk1"/>
-            </a:fontRef>
-          </p:style>
-          <p:txBody>
-            <a:bodyPr rtlCol="0" anchor="ctr"/>
-            <a:lstStyle/>
-            <a:p>
-              <a:pPr algn="ctr"/>
-              <a:endParaRPr lang="fr-FR"/>
+              <a:endParaRPr lang="fr-FR" sz="1013"/>
             </a:p>
           </p:txBody>
         </p:sp>
@@ -3222,8 +3107,8 @@
           </p:nvSpPr>
           <p:spPr>
             <a:xfrm>
-              <a:off x="4901838" y="159636"/>
-              <a:ext cx="1952898" cy="873686"/>
+              <a:off x="3518662" y="468748"/>
+              <a:ext cx="1065831" cy="493547"/>
             </a:xfrm>
             <a:prstGeom prst="ellipse">
               <a:avLst/>
@@ -3249,7 +3134,7 @@
             <a:lstStyle/>
             <a:p>
               <a:pPr algn="ctr"/>
-              <a:endParaRPr lang="fr-FR"/>
+              <a:endParaRPr lang="fr-FR" sz="1013"/>
             </a:p>
           </p:txBody>
         </p:sp>
@@ -3263,8 +3148,8 @@
               </p:nvSpPr>
               <p:spPr>
                 <a:xfrm>
-                  <a:off x="4728755" y="264897"/>
-                  <a:ext cx="2338251" cy="668901"/>
+                  <a:off x="3425472" y="518964"/>
+                  <a:ext cx="1276145" cy="419154"/>
                 </a:xfrm>
                 <a:prstGeom prst="rect">
                   <a:avLst/>
@@ -3283,7 +3168,7 @@
                       <m:sSub>
                         <m:sSubPr>
                           <m:ctrlPr>
-                            <a:rPr lang="fr-FR" b="1" i="1" smtClean="0">
+                            <a:rPr lang="fr-FR" sz="1013" b="1" i="1">
                               <a:solidFill>
                                 <a:srgbClr val="FF0000"/>
                               </a:solidFill>
@@ -3296,7 +3181,7 @@
                             <m:rPr>
                               <m:nor/>
                             </m:rPr>
-                            <a:rPr lang="el-GR" b="1" dirty="0" smtClean="0">
+                            <a:rPr lang="el-GR" sz="1013" b="1" dirty="0">
                               <a:solidFill>
                                 <a:srgbClr val="FF0000"/>
                               </a:solidFill>
@@ -3307,7 +3192,7 @@
                         </m:e>
                         <m:sub>
                           <m:r>
-                            <a:rPr lang="fr-FR" b="1" i="1" smtClean="0">
+                            <a:rPr lang="fr-FR" sz="1013" b="1" i="1">
                               <a:solidFill>
                                 <a:srgbClr val="FF0000"/>
                               </a:solidFill>
@@ -3320,14 +3205,14 @@
                     </m:oMath>
                   </a14:m>
                   <a:r>
-                    <a:rPr lang="fr-FR" b="1" dirty="0" smtClean="0">
+                    <a:rPr lang="fr-FR" sz="1013" b="1" dirty="0">
                       <a:solidFill>
                         <a:srgbClr val="FF0000"/>
                       </a:solidFill>
                     </a:rPr>
                     <a:t> =100%</a:t>
                   </a:r>
-                  <a:endParaRPr lang="fr-FR" b="1" dirty="0">
+                  <a:endParaRPr lang="fr-FR" sz="1013" b="1" dirty="0">
                     <a:solidFill>
                       <a:srgbClr val="FF0000"/>
                     </a:solidFill>
@@ -3336,14 +3221,14 @@
                 <a:p>
                   <a:pPr algn="ctr"/>
                   <a:r>
-                    <a:rPr lang="fr-FR" dirty="0" smtClean="0"/>
+                    <a:rPr lang="fr-FR" sz="1013" dirty="0"/>
                     <a:t>XX </a:t>
                   </a:r>
                   <a:r>
-                    <a:rPr lang="en-US" dirty="0" smtClean="0"/>
+                    <a:rPr lang="en-US" sz="1013" dirty="0"/>
                     <a:t>MOTUs</a:t>
                   </a:r>
-                  <a:endParaRPr lang="en-US" dirty="0"/>
+                  <a:endParaRPr lang="en-US" sz="1013" dirty="0"/>
                 </a:p>
               </p:txBody>
             </p:sp>
@@ -3359,16 +3244,16 @@
               </p:nvSpPr>
               <p:spPr>
                 <a:xfrm>
-                  <a:off x="4728755" y="264897"/>
-                  <a:ext cx="2338251" cy="668901"/>
+                  <a:off x="3425472" y="518964"/>
+                  <a:ext cx="1276145" cy="419154"/>
                 </a:xfrm>
                 <a:prstGeom prst="rect">
                   <a:avLst/>
                 </a:prstGeom>
                 <a:blipFill>
-                  <a:blip r:embed="rId2"/>
+                  <a:blip r:embed="rId4"/>
                   <a:stretch>
-                    <a:fillRect t="-3636" b="-13636"/>
+                    <a:fillRect b="-8696"/>
                   </a:stretch>
                 </a:blipFill>
               </p:spPr>
@@ -3395,8 +3280,8 @@
           </p:nvSpPr>
           <p:spPr>
             <a:xfrm>
-              <a:off x="1175660" y="1985554"/>
-              <a:ext cx="1240972" cy="369332"/>
+              <a:off x="1656086" y="1556444"/>
+              <a:ext cx="777092" cy="248209"/>
             </a:xfrm>
             <a:prstGeom prst="rect">
               <a:avLst/>
@@ -3410,10 +3295,10 @@
             <a:lstStyle/>
             <a:p>
               <a:r>
-                <a:rPr lang="fr-FR" dirty="0" smtClean="0"/>
+                <a:rPr lang="fr-FR" sz="1013" dirty="0"/>
                 <a:t>Caribbean</a:t>
               </a:r>
-              <a:endParaRPr lang="fr-FR" dirty="0"/>
+              <a:endParaRPr lang="fr-FR" sz="1013" dirty="0"/>
             </a:p>
           </p:txBody>
         </p:sp>
@@ -3425,8 +3310,8 @@
           </p:nvSpPr>
           <p:spPr>
             <a:xfrm>
-              <a:off x="3618413" y="1985554"/>
-              <a:ext cx="1593669" cy="369332"/>
+              <a:off x="2849127" y="1556443"/>
+              <a:ext cx="999888" cy="248209"/>
             </a:xfrm>
             <a:prstGeom prst="rect">
               <a:avLst/>
@@ -3440,10 +3325,10 @@
             <a:lstStyle/>
             <a:p>
               <a:r>
-                <a:rPr lang="fr-FR" dirty="0" smtClean="0"/>
+                <a:rPr lang="fr-FR" sz="1013" dirty="0"/>
                 <a:t>Central Pacific</a:t>
               </a:r>
-              <a:endParaRPr lang="fr-FR" dirty="0"/>
+              <a:endParaRPr lang="fr-FR" sz="1013" dirty="0"/>
             </a:p>
           </p:txBody>
         </p:sp>
@@ -3455,8 +3340,8 @@
           </p:nvSpPr>
           <p:spPr>
             <a:xfrm>
-              <a:off x="6309362" y="1985554"/>
-              <a:ext cx="1632857" cy="369332"/>
+              <a:off x="4250135" y="1548483"/>
+              <a:ext cx="998102" cy="248209"/>
             </a:xfrm>
             <a:prstGeom prst="rect">
               <a:avLst/>
@@ -3470,14 +3355,14 @@
             <a:lstStyle/>
             <a:p>
               <a:r>
-                <a:rPr lang="fr-FR" dirty="0" smtClean="0"/>
+                <a:rPr lang="fr-FR" sz="1013" dirty="0"/>
                 <a:t>Western </a:t>
               </a:r>
               <a:r>
-                <a:rPr lang="en-US" dirty="0" smtClean="0"/>
+                <a:rPr lang="en-US" sz="1013" dirty="0"/>
                 <a:t>Indian</a:t>
               </a:r>
-              <a:endParaRPr lang="en-US" dirty="0"/>
+              <a:endParaRPr lang="en-US" sz="1013" dirty="0"/>
             </a:p>
           </p:txBody>
         </p:sp>
@@ -3489,8 +3374,8 @@
           </p:nvSpPr>
           <p:spPr>
             <a:xfrm>
-              <a:off x="9039500" y="1985554"/>
-              <a:ext cx="2103120" cy="369332"/>
+              <a:off x="5412263" y="1551454"/>
+              <a:ext cx="1260837" cy="248209"/>
             </a:xfrm>
             <a:prstGeom prst="rect">
               <a:avLst/>
@@ -3504,15 +3389,15 @@
             <a:lstStyle/>
             <a:p>
               <a:r>
-                <a:rPr lang="fr-FR" dirty="0" smtClean="0"/>
+                <a:rPr lang="fr-FR" sz="1013" dirty="0"/>
                 <a:t>Central Indo-Pacific</a:t>
               </a:r>
-              <a:endParaRPr lang="fr-FR" dirty="0"/>
+              <a:endParaRPr lang="fr-FR" sz="1013" dirty="0"/>
             </a:p>
           </p:txBody>
         </p:sp>
-        <mc:AlternateContent xmlns:mc="http://schemas.openxmlformats.org/markup-compatibility/2006" xmlns:a14="http://schemas.microsoft.com/office/drawing/2010/main">
-          <mc:Choice Requires="a14">
+        <mc:AlternateContent xmlns:mc="http://schemas.openxmlformats.org/markup-compatibility/2006">
+          <mc:Choice xmlns:a14="http://schemas.microsoft.com/office/drawing/2010/main" Requires="a14">
             <p:sp>
               <p:nvSpPr>
                 <p:cNvPr id="9" name="ZoneTexte 8"/>
@@ -3521,8 +3406,8 @@
               </p:nvSpPr>
               <p:spPr>
                 <a:xfrm>
-                  <a:off x="783774" y="3304902"/>
-                  <a:ext cx="2024743" cy="668901"/>
+                  <a:off x="1501023" y="3150670"/>
+                  <a:ext cx="1105042" cy="404085"/>
                 </a:xfrm>
                 <a:prstGeom prst="rect">
                   <a:avLst/>
@@ -3537,7 +3422,7 @@
                 <a:p>
                   <a:pPr algn="ctr"/>
                   <a:r>
-                    <a:rPr lang="fr-FR" dirty="0" smtClean="0"/>
+                    <a:rPr lang="fr-FR" sz="1013" dirty="0"/>
                     <a:t>3 sites</a:t>
                   </a:r>
                 </a:p>
@@ -3548,7 +3433,7 @@
                       <m:sSub>
                         <m:sSubPr>
                           <m:ctrlPr>
-                            <a:rPr lang="fr-FR" i="1" smtClean="0">
+                            <a:rPr lang="fr-FR" sz="1013" i="1">
                               <a:latin typeface="Cambria Math" panose="02040503050406030204" pitchFamily="18" charset="0"/>
                             </a:rPr>
                           </m:ctrlPr>
@@ -3558,7 +3443,7 @@
                             <m:rPr>
                               <m:nor/>
                             </m:rPr>
-                            <a:rPr lang="el-GR" dirty="0">
+                            <a:rPr lang="el-GR" sz="1013" dirty="0">
                               <a:latin typeface="Cambria Math" panose="02040503050406030204" pitchFamily="18" charset="0"/>
                               <a:ea typeface="Cambria Math" panose="02040503050406030204" pitchFamily="18" charset="0"/>
                             </a:rPr>
@@ -3567,19 +3452,19 @@
                         </m:e>
                         <m:sub>
                           <m:r>
-                            <a:rPr lang="fr-FR" b="0" i="1" dirty="0" smtClean="0">
+                            <a:rPr lang="fr-FR" sz="1013" i="1" dirty="0">
                               <a:latin typeface="Cambria Math" panose="02040503050406030204" pitchFamily="18" charset="0"/>
                             </a:rPr>
                             <m:t>𝑖𝑛𝑡𝑒𝑟</m:t>
                           </m:r>
                           <m:r>
-                            <a:rPr lang="fr-FR" b="0" i="1" dirty="0" smtClean="0">
+                            <a:rPr lang="fr-FR" sz="1013" i="1" dirty="0">
                               <a:latin typeface="Cambria Math" panose="02040503050406030204" pitchFamily="18" charset="0"/>
                             </a:rPr>
                             <m:t>−</m:t>
                           </m:r>
                           <m:r>
-                            <a:rPr lang="fr-FR" b="0" i="1" dirty="0" smtClean="0">
+                            <a:rPr lang="fr-FR" sz="1013" i="1" dirty="0">
                               <a:latin typeface="Cambria Math" panose="02040503050406030204" pitchFamily="18" charset="0"/>
                             </a:rPr>
                             <m:t>𝑠𝑖𝑡𝑒</m:t>
@@ -3589,15 +3474,15 @@
                     </m:oMath>
                   </a14:m>
                   <a:r>
-                    <a:rPr lang="fr-FR" dirty="0" smtClean="0"/>
+                    <a:rPr lang="fr-FR" sz="1013" dirty="0"/>
                     <a:t>= xx%</a:t>
                   </a:r>
-                  <a:endParaRPr lang="fr-FR" dirty="0"/>
+                  <a:endParaRPr lang="fr-FR" sz="1013" dirty="0"/>
                 </a:p>
               </p:txBody>
             </p:sp>
           </mc:Choice>
-          <mc:Fallback xmlns="">
+          <mc:Fallback>
             <p:sp>
               <p:nvSpPr>
                 <p:cNvPr id="9" name="ZoneTexte 8"/>
@@ -3608,16 +3493,16 @@
               </p:nvSpPr>
               <p:spPr>
                 <a:xfrm>
-                  <a:off x="783774" y="3304902"/>
-                  <a:ext cx="2024743" cy="668901"/>
+                  <a:off x="1501023" y="3150670"/>
+                  <a:ext cx="1105042" cy="404085"/>
                 </a:xfrm>
                 <a:prstGeom prst="rect">
                   <a:avLst/>
                 </a:prstGeom>
                 <a:blipFill>
-                  <a:blip r:embed="rId3"/>
+                  <a:blip r:embed="rId5"/>
                   <a:stretch>
-                    <a:fillRect t="-4545" b="-10000"/>
+                    <a:fillRect b="-7576"/>
                   </a:stretch>
                 </a:blipFill>
               </p:spPr>
@@ -3636,8 +3521,8 @@
             </p:sp>
           </mc:Fallback>
         </mc:AlternateContent>
-        <mc:AlternateContent xmlns:mc="http://schemas.openxmlformats.org/markup-compatibility/2006" xmlns:a14="http://schemas.microsoft.com/office/drawing/2010/main">
-          <mc:Choice Requires="a14">
+        <mc:AlternateContent xmlns:mc="http://schemas.openxmlformats.org/markup-compatibility/2006">
+          <mc:Choice xmlns:a14="http://schemas.microsoft.com/office/drawing/2010/main" Requires="a14">
             <p:sp>
               <p:nvSpPr>
                 <p:cNvPr id="10" name="ZoneTexte 9"/>
@@ -3646,8 +3531,8 @@
               </p:nvSpPr>
               <p:spPr>
                 <a:xfrm>
-                  <a:off x="3402875" y="3304902"/>
-                  <a:ext cx="2024743" cy="646331"/>
+                  <a:off x="2816148" y="3179245"/>
+                  <a:ext cx="1105042" cy="404085"/>
                 </a:xfrm>
                 <a:prstGeom prst="rect">
                   <a:avLst/>
@@ -3662,12 +3547,8 @@
                 <a:p>
                   <a:pPr algn="ctr"/>
                   <a:r>
-                    <a:rPr lang="fr-FR" dirty="0"/>
-                    <a:t>1</a:t>
-                  </a:r>
-                  <a:r>
-                    <a:rPr lang="fr-FR" dirty="0" smtClean="0"/>
-                    <a:t> site</a:t>
+                    <a:rPr lang="fr-FR" sz="1013" dirty="0"/>
+                    <a:t>1 site</a:t>
                   </a:r>
                 </a:p>
                 <a:p>
@@ -3677,7 +3558,7 @@
                       <m:sSub>
                         <m:sSubPr>
                           <m:ctrlPr>
-                            <a:rPr lang="fr-FR" i="1" smtClean="0">
+                            <a:rPr lang="fr-FR" sz="1013" i="1">
                               <a:latin typeface="Cambria Math" panose="02040503050406030204" pitchFamily="18" charset="0"/>
                             </a:rPr>
                           </m:ctrlPr>
@@ -3687,7 +3568,7 @@
                             <m:rPr>
                               <m:nor/>
                             </m:rPr>
-                            <a:rPr lang="el-GR" dirty="0">
+                            <a:rPr lang="el-GR" sz="1013" dirty="0">
                               <a:latin typeface="Cambria Math" panose="02040503050406030204" pitchFamily="18" charset="0"/>
                               <a:ea typeface="Cambria Math" panose="02040503050406030204" pitchFamily="18" charset="0"/>
                             </a:rPr>
@@ -3696,19 +3577,19 @@
                         </m:e>
                         <m:sub>
                           <m:r>
-                            <a:rPr lang="fr-FR" b="0" i="1" dirty="0" smtClean="0">
+                            <a:rPr lang="fr-FR" sz="1013" i="1" dirty="0">
                               <a:latin typeface="Cambria Math" panose="02040503050406030204" pitchFamily="18" charset="0"/>
                             </a:rPr>
                             <m:t>𝑖𝑛𝑡𝑒𝑟</m:t>
                           </m:r>
                           <m:r>
-                            <a:rPr lang="fr-FR" b="0" i="1" dirty="0" smtClean="0">
+                            <a:rPr lang="fr-FR" sz="1013" i="1" dirty="0">
                               <a:latin typeface="Cambria Math" panose="02040503050406030204" pitchFamily="18" charset="0"/>
                             </a:rPr>
                             <m:t>−</m:t>
                           </m:r>
                           <m:r>
-                            <a:rPr lang="fr-FR" b="0" i="1" dirty="0" smtClean="0">
+                            <a:rPr lang="fr-FR" sz="1013" i="1" dirty="0">
                               <a:latin typeface="Cambria Math" panose="02040503050406030204" pitchFamily="18" charset="0"/>
                             </a:rPr>
                             <m:t>𝑠𝑖𝑡𝑒</m:t>
@@ -3718,15 +3599,15 @@
                     </m:oMath>
                   </a14:m>
                   <a:r>
-                    <a:rPr lang="fr-FR" dirty="0" smtClean="0"/>
+                    <a:rPr lang="fr-FR" sz="1013" dirty="0"/>
                     <a:t>= 0%</a:t>
                   </a:r>
-                  <a:endParaRPr lang="fr-FR" dirty="0"/>
+                  <a:endParaRPr lang="fr-FR" sz="1013" dirty="0"/>
                 </a:p>
               </p:txBody>
             </p:sp>
           </mc:Choice>
-          <mc:Fallback xmlns="">
+          <mc:Fallback>
             <p:sp>
               <p:nvSpPr>
                 <p:cNvPr id="10" name="ZoneTexte 9"/>
@@ -3737,16 +3618,16 @@
               </p:nvSpPr>
               <p:spPr>
                 <a:xfrm>
-                  <a:off x="3402875" y="3304902"/>
-                  <a:ext cx="2024743" cy="646331"/>
+                  <a:off x="2816148" y="3179245"/>
+                  <a:ext cx="1105042" cy="404085"/>
                 </a:xfrm>
                 <a:prstGeom prst="rect">
                   <a:avLst/>
                 </a:prstGeom>
                 <a:blipFill>
-                  <a:blip r:embed="rId4"/>
+                  <a:blip r:embed="rId6"/>
                   <a:stretch>
-                    <a:fillRect t="-4717" b="-14151"/>
+                    <a:fillRect b="-7576"/>
                   </a:stretch>
                 </a:blipFill>
               </p:spPr>
@@ -3765,8 +3646,8 @@
             </p:sp>
           </mc:Fallback>
         </mc:AlternateContent>
-        <mc:AlternateContent xmlns:mc="http://schemas.openxmlformats.org/markup-compatibility/2006" xmlns:a14="http://schemas.microsoft.com/office/drawing/2010/main">
-          <mc:Choice Requires="a14">
+        <mc:AlternateContent xmlns:mc="http://schemas.openxmlformats.org/markup-compatibility/2006">
+          <mc:Choice xmlns:a14="http://schemas.microsoft.com/office/drawing/2010/main" Requires="a14">
             <p:sp>
               <p:nvSpPr>
                 <p:cNvPr id="11" name="ZoneTexte 10"/>
@@ -3775,8 +3656,8 @@
               </p:nvSpPr>
               <p:spPr>
                 <a:xfrm>
-                  <a:off x="6113419" y="3304902"/>
-                  <a:ext cx="2024743" cy="646331"/>
+                  <a:off x="4200229" y="3141145"/>
+                  <a:ext cx="1105042" cy="404085"/>
                 </a:xfrm>
                 <a:prstGeom prst="rect">
                   <a:avLst/>
@@ -3791,7 +3672,7 @@
                 <a:p>
                   <a:pPr algn="ctr"/>
                   <a:r>
-                    <a:rPr lang="fr-FR" dirty="0" smtClean="0"/>
+                    <a:rPr lang="fr-FR" sz="1013" dirty="0"/>
                     <a:t>XX sites</a:t>
                   </a:r>
                 </a:p>
@@ -3802,7 +3683,7 @@
                       <m:sSub>
                         <m:sSubPr>
                           <m:ctrlPr>
-                            <a:rPr lang="fr-FR" i="1" smtClean="0">
+                            <a:rPr lang="fr-FR" sz="1013" i="1">
                               <a:latin typeface="Cambria Math" panose="02040503050406030204" pitchFamily="18" charset="0"/>
                             </a:rPr>
                           </m:ctrlPr>
@@ -3812,7 +3693,7 @@
                             <m:rPr>
                               <m:nor/>
                             </m:rPr>
-                            <a:rPr lang="el-GR" dirty="0">
+                            <a:rPr lang="el-GR" sz="1013" dirty="0">
                               <a:latin typeface="Cambria Math" panose="02040503050406030204" pitchFamily="18" charset="0"/>
                               <a:ea typeface="Cambria Math" panose="02040503050406030204" pitchFamily="18" charset="0"/>
                             </a:rPr>
@@ -3821,19 +3702,19 @@
                         </m:e>
                         <m:sub>
                           <m:r>
-                            <a:rPr lang="fr-FR" b="0" i="1" dirty="0" smtClean="0">
+                            <a:rPr lang="fr-FR" sz="1013" i="1" dirty="0">
                               <a:latin typeface="Cambria Math" panose="02040503050406030204" pitchFamily="18" charset="0"/>
                             </a:rPr>
                             <m:t>𝑖𝑛𝑡𝑒𝑟</m:t>
                           </m:r>
                           <m:r>
-                            <a:rPr lang="fr-FR" b="0" i="1" dirty="0" smtClean="0">
+                            <a:rPr lang="fr-FR" sz="1013" i="1" dirty="0">
                               <a:latin typeface="Cambria Math" panose="02040503050406030204" pitchFamily="18" charset="0"/>
                             </a:rPr>
                             <m:t>−</m:t>
                           </m:r>
                           <m:r>
-                            <a:rPr lang="fr-FR" b="0" i="1" dirty="0" smtClean="0">
+                            <a:rPr lang="fr-FR" sz="1013" i="1" dirty="0">
                               <a:latin typeface="Cambria Math" panose="02040503050406030204" pitchFamily="18" charset="0"/>
                             </a:rPr>
                             <m:t>𝑠𝑖𝑡𝑒</m:t>
@@ -3843,15 +3724,15 @@
                     </m:oMath>
                   </a14:m>
                   <a:r>
-                    <a:rPr lang="fr-FR" dirty="0" smtClean="0"/>
+                    <a:rPr lang="fr-FR" sz="1013" dirty="0"/>
                     <a:t>= xx%</a:t>
                   </a:r>
-                  <a:endParaRPr lang="fr-FR" dirty="0"/>
+                  <a:endParaRPr lang="fr-FR" sz="1013" dirty="0"/>
                 </a:p>
               </p:txBody>
             </p:sp>
           </mc:Choice>
-          <mc:Fallback xmlns="">
+          <mc:Fallback>
             <p:sp>
               <p:nvSpPr>
                 <p:cNvPr id="11" name="ZoneTexte 10"/>
@@ -3862,16 +3743,16 @@
               </p:nvSpPr>
               <p:spPr>
                 <a:xfrm>
-                  <a:off x="6113419" y="3304902"/>
-                  <a:ext cx="2024743" cy="646331"/>
+                  <a:off x="4200229" y="3141145"/>
+                  <a:ext cx="1105042" cy="404085"/>
                 </a:xfrm>
                 <a:prstGeom prst="rect">
                   <a:avLst/>
                 </a:prstGeom>
                 <a:blipFill>
-                  <a:blip r:embed="rId5"/>
+                  <a:blip r:embed="rId7"/>
                   <a:stretch>
-                    <a:fillRect t="-4717" b="-14151"/>
+                    <a:fillRect b="-7463"/>
                   </a:stretch>
                 </a:blipFill>
               </p:spPr>
@@ -3890,8 +3771,8 @@
             </p:sp>
           </mc:Fallback>
         </mc:AlternateContent>
-        <mc:AlternateContent xmlns:mc="http://schemas.openxmlformats.org/markup-compatibility/2006" xmlns:a14="http://schemas.microsoft.com/office/drawing/2010/main">
-          <mc:Choice Requires="a14">
+        <mc:AlternateContent xmlns:mc="http://schemas.openxmlformats.org/markup-compatibility/2006">
+          <mc:Choice xmlns:a14="http://schemas.microsoft.com/office/drawing/2010/main" Requires="a14">
             <p:sp>
               <p:nvSpPr>
                 <p:cNvPr id="12" name="ZoneTexte 11"/>
@@ -3900,8 +3781,8 @@
               </p:nvSpPr>
               <p:spPr>
                 <a:xfrm>
-                  <a:off x="9000310" y="3304901"/>
-                  <a:ext cx="2024743" cy="646331"/>
+                  <a:off x="5471005" y="3150670"/>
+                  <a:ext cx="1105042" cy="404085"/>
                 </a:xfrm>
                 <a:prstGeom prst="rect">
                   <a:avLst/>
@@ -3916,7 +3797,7 @@
                 <a:p>
                   <a:pPr algn="ctr"/>
                   <a:r>
-                    <a:rPr lang="fr-FR" dirty="0" smtClean="0"/>
+                    <a:rPr lang="fr-FR" sz="1013" dirty="0"/>
                     <a:t>11 sites</a:t>
                   </a:r>
                 </a:p>
@@ -3927,7 +3808,7 @@
                       <m:sSub>
                         <m:sSubPr>
                           <m:ctrlPr>
-                            <a:rPr lang="fr-FR" i="1" smtClean="0">
+                            <a:rPr lang="fr-FR" sz="1013" i="1">
                               <a:latin typeface="Cambria Math" panose="02040503050406030204" pitchFamily="18" charset="0"/>
                             </a:rPr>
                           </m:ctrlPr>
@@ -3937,7 +3818,7 @@
                             <m:rPr>
                               <m:nor/>
                             </m:rPr>
-                            <a:rPr lang="el-GR" dirty="0">
+                            <a:rPr lang="el-GR" sz="1013" dirty="0">
                               <a:latin typeface="Cambria Math" panose="02040503050406030204" pitchFamily="18" charset="0"/>
                               <a:ea typeface="Cambria Math" panose="02040503050406030204" pitchFamily="18" charset="0"/>
                             </a:rPr>
@@ -3946,19 +3827,19 @@
                         </m:e>
                         <m:sub>
                           <m:r>
-                            <a:rPr lang="fr-FR" b="0" i="1" dirty="0" smtClean="0">
+                            <a:rPr lang="fr-FR" sz="1013" i="1" dirty="0">
                               <a:latin typeface="Cambria Math" panose="02040503050406030204" pitchFamily="18" charset="0"/>
                             </a:rPr>
                             <m:t>𝑖𝑛𝑡𝑒𝑟</m:t>
                           </m:r>
                           <m:r>
-                            <a:rPr lang="fr-FR" b="0" i="1" dirty="0" smtClean="0">
+                            <a:rPr lang="fr-FR" sz="1013" i="1" dirty="0">
                               <a:latin typeface="Cambria Math" panose="02040503050406030204" pitchFamily="18" charset="0"/>
                             </a:rPr>
                             <m:t>−</m:t>
                           </m:r>
                           <m:r>
-                            <a:rPr lang="fr-FR" b="0" i="1" dirty="0" smtClean="0">
+                            <a:rPr lang="fr-FR" sz="1013" i="1" dirty="0">
                               <a:latin typeface="Cambria Math" panose="02040503050406030204" pitchFamily="18" charset="0"/>
                             </a:rPr>
                             <m:t>𝑠𝑖𝑡𝑒</m:t>
@@ -3968,15 +3849,15 @@
                     </m:oMath>
                   </a14:m>
                   <a:r>
-                    <a:rPr lang="fr-FR" dirty="0" smtClean="0"/>
+                    <a:rPr lang="fr-FR" sz="1013" dirty="0"/>
                     <a:t>= xx%</a:t>
                   </a:r>
-                  <a:endParaRPr lang="fr-FR" dirty="0"/>
+                  <a:endParaRPr lang="fr-FR" sz="1013" dirty="0"/>
                 </a:p>
               </p:txBody>
             </p:sp>
           </mc:Choice>
-          <mc:Fallback xmlns="">
+          <mc:Fallback>
             <p:sp>
               <p:nvSpPr>
                 <p:cNvPr id="12" name="ZoneTexte 11"/>
@@ -3987,16 +3868,16 @@
               </p:nvSpPr>
               <p:spPr>
                 <a:xfrm>
-                  <a:off x="9000310" y="3304901"/>
-                  <a:ext cx="2024743" cy="646331"/>
+                  <a:off x="5471005" y="3150670"/>
+                  <a:ext cx="1105042" cy="404085"/>
                 </a:xfrm>
                 <a:prstGeom prst="rect">
                   <a:avLst/>
                 </a:prstGeom>
                 <a:blipFill>
-                  <a:blip r:embed="rId6"/>
+                  <a:blip r:embed="rId8"/>
                   <a:stretch>
-                    <a:fillRect t="-4717" b="-14151"/>
+                    <a:fillRect b="-7576"/>
                   </a:stretch>
                 </a:blipFill>
               </p:spPr>
@@ -4015,8 +3896,8 @@
             </p:sp>
           </mc:Fallback>
         </mc:AlternateContent>
-        <mc:AlternateContent xmlns:mc="http://schemas.openxmlformats.org/markup-compatibility/2006" xmlns:a14="http://schemas.microsoft.com/office/drawing/2010/main">
-          <mc:Choice Requires="a14">
+        <mc:AlternateContent xmlns:mc="http://schemas.openxmlformats.org/markup-compatibility/2006">
+          <mc:Choice xmlns:a14="http://schemas.microsoft.com/office/drawing/2010/main" Requires="a14">
             <p:sp>
               <p:nvSpPr>
                 <p:cNvPr id="13" name="ZoneTexte 12"/>
@@ -4025,8 +3906,8 @@
               </p:nvSpPr>
               <p:spPr>
                 <a:xfrm>
-                  <a:off x="672740" y="4901252"/>
-                  <a:ext cx="2246810" cy="947760"/>
+                  <a:off x="1440425" y="4081026"/>
+                  <a:ext cx="1226239" cy="563488"/>
                 </a:xfrm>
                 <a:prstGeom prst="rect">
                   <a:avLst/>
@@ -4041,7 +3922,7 @@
                 <a:p>
                   <a:pPr algn="ctr"/>
                   <a:r>
-                    <a:rPr lang="fr-FR" dirty="0" smtClean="0"/>
+                    <a:rPr lang="fr-FR" sz="1013" dirty="0"/>
                     <a:t>31 stations</a:t>
                   </a:r>
                 </a:p>
@@ -4052,7 +3933,7 @@
                       <m:sSub>
                         <m:sSubPr>
                           <m:ctrlPr>
-                            <a:rPr lang="fr-FR" i="1" smtClean="0">
+                            <a:rPr lang="fr-FR" sz="1013" i="1">
                               <a:latin typeface="Cambria Math" panose="02040503050406030204" pitchFamily="18" charset="0"/>
                             </a:rPr>
                           </m:ctrlPr>
@@ -4062,14 +3943,14 @@
                             <m:accPr>
                               <m:chr m:val="̅"/>
                               <m:ctrlPr>
-                                <a:rPr lang="fr-FR" i="1" smtClean="0">
+                                <a:rPr lang="fr-FR" sz="1013" i="1">
                                   <a:latin typeface="Cambria Math" panose="02040503050406030204" pitchFamily="18" charset="0"/>
                                 </a:rPr>
                               </m:ctrlPr>
                             </m:accPr>
                             <m:e>
                               <m:r>
-                                <a:rPr lang="fr-FR" i="1" smtClean="0">
+                                <a:rPr lang="fr-FR" sz="1013" i="1">
                                   <a:latin typeface="Cambria Math" panose="02040503050406030204" pitchFamily="18" charset="0"/>
                                   <a:ea typeface="Cambria Math" panose="02040503050406030204" pitchFamily="18" charset="0"/>
                                 </a:rPr>
@@ -4080,19 +3961,19 @@
                         </m:e>
                         <m:sub>
                           <m:r>
-                            <a:rPr lang="fr-FR" b="0" i="1" dirty="0" smtClean="0">
+                            <a:rPr lang="fr-FR" sz="1013" i="1" dirty="0">
                               <a:latin typeface="Cambria Math" panose="02040503050406030204" pitchFamily="18" charset="0"/>
                             </a:rPr>
                             <m:t>𝑖𝑛𝑡𝑒𝑟</m:t>
                           </m:r>
                           <m:r>
-                            <a:rPr lang="fr-FR" b="0" i="1" dirty="0" smtClean="0">
+                            <a:rPr lang="fr-FR" sz="1013" i="1" dirty="0">
                               <a:latin typeface="Cambria Math" panose="02040503050406030204" pitchFamily="18" charset="0"/>
                             </a:rPr>
                             <m:t>−</m:t>
                           </m:r>
                           <m:r>
-                            <a:rPr lang="fr-FR" b="0" i="1" dirty="0" smtClean="0">
+                            <a:rPr lang="fr-FR" sz="1013" i="1" dirty="0">
                               <a:latin typeface="Cambria Math" panose="02040503050406030204" pitchFamily="18" charset="0"/>
                             </a:rPr>
                             <m:t>𝑠𝑡𝑎𝑡𝑖𝑜𝑛</m:t>
@@ -4102,7 +3983,7 @@
                     </m:oMath>
                   </a14:m>
                   <a:r>
-                    <a:rPr lang="fr-FR" dirty="0" smtClean="0"/>
+                    <a:rPr lang="fr-FR" sz="1013" dirty="0"/>
                     <a:t>=xx%</a:t>
                   </a:r>
                 </a:p>
@@ -4113,7 +3994,7 @@
                       <m:sSub>
                         <m:sSubPr>
                           <m:ctrlPr>
-                            <a:rPr lang="fr-FR" i="1" smtClean="0">
+                            <a:rPr lang="fr-FR" sz="1013" i="1">
                               <a:latin typeface="Cambria Math" panose="02040503050406030204" pitchFamily="18" charset="0"/>
                             </a:rPr>
                           </m:ctrlPr>
@@ -4123,14 +4004,14 @@
                             <m:accPr>
                               <m:chr m:val="̅"/>
                               <m:ctrlPr>
-                                <a:rPr lang="fr-FR" i="1" smtClean="0">
+                                <a:rPr lang="fr-FR" sz="1013" i="1">
                                   <a:latin typeface="Cambria Math" panose="02040503050406030204" pitchFamily="18" charset="0"/>
                                 </a:rPr>
                               </m:ctrlPr>
                             </m:accPr>
                             <m:e>
                               <m:r>
-                                <a:rPr lang="fr-FR" i="1" smtClean="0">
+                                <a:rPr lang="fr-FR" sz="1013" i="1">
                                   <a:latin typeface="Cambria Math" panose="02040503050406030204" pitchFamily="18" charset="0"/>
                                   <a:ea typeface="Cambria Math" panose="02040503050406030204" pitchFamily="18" charset="0"/>
                                 </a:rPr>
@@ -4141,7 +4022,7 @@
                         </m:e>
                         <m:sub>
                           <m:r>
-                            <a:rPr lang="fr-FR" b="0" i="1" dirty="0" smtClean="0">
+                            <a:rPr lang="fr-FR" sz="1013" i="1" dirty="0">
                               <a:latin typeface="Cambria Math" panose="02040503050406030204" pitchFamily="18" charset="0"/>
                             </a:rPr>
                             <m:t>𝑠𝑡𝑎𝑡𝑖𝑜𝑛</m:t>
@@ -4151,15 +4032,15 @@
                     </m:oMath>
                   </a14:m>
                   <a:r>
-                    <a:rPr lang="fr-FR" dirty="0" smtClean="0"/>
+                    <a:rPr lang="fr-FR" sz="1013" dirty="0"/>
                     <a:t>= xx%</a:t>
                   </a:r>
-                  <a:endParaRPr lang="fr-FR" dirty="0"/>
+                  <a:endParaRPr lang="fr-FR" sz="1013" dirty="0"/>
                 </a:p>
               </p:txBody>
             </p:sp>
           </mc:Choice>
-          <mc:Fallback xmlns="">
+          <mc:Fallback>
             <p:sp>
               <p:nvSpPr>
                 <p:cNvPr id="13" name="ZoneTexte 12"/>
@@ -4170,16 +4051,16 @@
               </p:nvSpPr>
               <p:spPr>
                 <a:xfrm>
-                  <a:off x="672740" y="4901252"/>
-                  <a:ext cx="2246810" cy="947760"/>
+                  <a:off x="1440425" y="4081026"/>
+                  <a:ext cx="1226239" cy="563488"/>
                 </a:xfrm>
                 <a:prstGeom prst="rect">
                   <a:avLst/>
                 </a:prstGeom>
                 <a:blipFill>
-                  <a:blip r:embed="rId7"/>
+                  <a:blip r:embed="rId9"/>
                   <a:stretch>
-                    <a:fillRect t="-3226" b="-7742"/>
+                    <a:fillRect b="-5376"/>
                   </a:stretch>
                 </a:blipFill>
               </p:spPr>
@@ -4198,8 +4079,8 @@
             </p:sp>
           </mc:Fallback>
         </mc:AlternateContent>
-        <mc:AlternateContent xmlns:mc="http://schemas.openxmlformats.org/markup-compatibility/2006" xmlns:a14="http://schemas.microsoft.com/office/drawing/2010/main">
-          <mc:Choice Requires="a14">
+        <mc:AlternateContent xmlns:mc="http://schemas.openxmlformats.org/markup-compatibility/2006">
+          <mc:Choice xmlns:a14="http://schemas.microsoft.com/office/drawing/2010/main" Requires="a14">
             <p:sp>
               <p:nvSpPr>
                 <p:cNvPr id="14" name="ZoneTexte 13"/>
@@ -4208,8 +4089,8 @@
               </p:nvSpPr>
               <p:spPr>
                 <a:xfrm>
-                  <a:off x="3278778" y="4901252"/>
-                  <a:ext cx="2246810" cy="947760"/>
+                  <a:off x="2748419" y="4081026"/>
+                  <a:ext cx="1226239" cy="563488"/>
                 </a:xfrm>
                 <a:prstGeom prst="rect">
                   <a:avLst/>
@@ -4224,7 +4105,7 @@
                 <a:p>
                   <a:pPr algn="ctr"/>
                   <a:r>
-                    <a:rPr lang="fr-FR" dirty="0" smtClean="0"/>
+                    <a:rPr lang="fr-FR" sz="1013" dirty="0"/>
                     <a:t>4 stations</a:t>
                   </a:r>
                 </a:p>
@@ -4235,7 +4116,7 @@
                       <m:sSub>
                         <m:sSubPr>
                           <m:ctrlPr>
-                            <a:rPr lang="fr-FR" i="1" smtClean="0">
+                            <a:rPr lang="fr-FR" sz="1013" i="1">
                               <a:latin typeface="Cambria Math" panose="02040503050406030204" pitchFamily="18" charset="0"/>
                             </a:rPr>
                           </m:ctrlPr>
@@ -4245,14 +4126,14 @@
                             <m:accPr>
                               <m:chr m:val="̅"/>
                               <m:ctrlPr>
-                                <a:rPr lang="fr-FR" i="1" smtClean="0">
+                                <a:rPr lang="fr-FR" sz="1013" i="1">
                                   <a:latin typeface="Cambria Math" panose="02040503050406030204" pitchFamily="18" charset="0"/>
                                 </a:rPr>
                               </m:ctrlPr>
                             </m:accPr>
                             <m:e>
                               <m:r>
-                                <a:rPr lang="fr-FR" i="1" smtClean="0">
+                                <a:rPr lang="fr-FR" sz="1013" i="1">
                                   <a:latin typeface="Cambria Math" panose="02040503050406030204" pitchFamily="18" charset="0"/>
                                   <a:ea typeface="Cambria Math" panose="02040503050406030204" pitchFamily="18" charset="0"/>
                                 </a:rPr>
@@ -4263,19 +4144,19 @@
                         </m:e>
                         <m:sub>
                           <m:r>
-                            <a:rPr lang="fr-FR" b="0" i="1" dirty="0" smtClean="0">
+                            <a:rPr lang="fr-FR" sz="1013" i="1" dirty="0">
                               <a:latin typeface="Cambria Math" panose="02040503050406030204" pitchFamily="18" charset="0"/>
                             </a:rPr>
                             <m:t>𝑖𝑛𝑡𝑒𝑟</m:t>
                           </m:r>
                           <m:r>
-                            <a:rPr lang="fr-FR" b="0" i="1" dirty="0" smtClean="0">
+                            <a:rPr lang="fr-FR" sz="1013" i="1" dirty="0">
                               <a:latin typeface="Cambria Math" panose="02040503050406030204" pitchFamily="18" charset="0"/>
                             </a:rPr>
                             <m:t>−</m:t>
                           </m:r>
                           <m:r>
-                            <a:rPr lang="fr-FR" b="0" i="1" dirty="0" smtClean="0">
+                            <a:rPr lang="fr-FR" sz="1013" i="1" dirty="0">
                               <a:latin typeface="Cambria Math" panose="02040503050406030204" pitchFamily="18" charset="0"/>
                             </a:rPr>
                             <m:t>𝑠𝑡𝑎𝑡𝑖𝑜𝑛</m:t>
@@ -4285,7 +4166,7 @@
                     </m:oMath>
                   </a14:m>
                   <a:r>
-                    <a:rPr lang="fr-FR" dirty="0" smtClean="0"/>
+                    <a:rPr lang="fr-FR" sz="1013" dirty="0"/>
                     <a:t>=xx%</a:t>
                   </a:r>
                 </a:p>
@@ -4296,7 +4177,7 @@
                       <m:sSub>
                         <m:sSubPr>
                           <m:ctrlPr>
-                            <a:rPr lang="fr-FR" i="1" smtClean="0">
+                            <a:rPr lang="fr-FR" sz="1013" i="1">
                               <a:latin typeface="Cambria Math" panose="02040503050406030204" pitchFamily="18" charset="0"/>
                             </a:rPr>
                           </m:ctrlPr>
@@ -4306,14 +4187,14 @@
                             <m:accPr>
                               <m:chr m:val="̅"/>
                               <m:ctrlPr>
-                                <a:rPr lang="fr-FR" i="1" smtClean="0">
+                                <a:rPr lang="fr-FR" sz="1013" i="1">
                                   <a:latin typeface="Cambria Math" panose="02040503050406030204" pitchFamily="18" charset="0"/>
                                 </a:rPr>
                               </m:ctrlPr>
                             </m:accPr>
                             <m:e>
                               <m:r>
-                                <a:rPr lang="fr-FR" i="1" smtClean="0">
+                                <a:rPr lang="fr-FR" sz="1013" i="1">
                                   <a:latin typeface="Cambria Math" panose="02040503050406030204" pitchFamily="18" charset="0"/>
                                   <a:ea typeface="Cambria Math" panose="02040503050406030204" pitchFamily="18" charset="0"/>
                                 </a:rPr>
@@ -4324,7 +4205,7 @@
                         </m:e>
                         <m:sub>
                           <m:r>
-                            <a:rPr lang="fr-FR" b="0" i="1" dirty="0" smtClean="0">
+                            <a:rPr lang="fr-FR" sz="1013" i="1" dirty="0">
                               <a:latin typeface="Cambria Math" panose="02040503050406030204" pitchFamily="18" charset="0"/>
                             </a:rPr>
                             <m:t>𝑠𝑡𝑎𝑡𝑖𝑜𝑛</m:t>
@@ -4334,15 +4215,15 @@
                     </m:oMath>
                   </a14:m>
                   <a:r>
-                    <a:rPr lang="fr-FR" dirty="0" smtClean="0"/>
+                    <a:rPr lang="fr-FR" sz="1013" dirty="0"/>
                     <a:t>= xx%</a:t>
                   </a:r>
-                  <a:endParaRPr lang="fr-FR" dirty="0"/>
+                  <a:endParaRPr lang="fr-FR" sz="1013" dirty="0"/>
                 </a:p>
               </p:txBody>
             </p:sp>
           </mc:Choice>
-          <mc:Fallback xmlns="">
+          <mc:Fallback>
             <p:sp>
               <p:nvSpPr>
                 <p:cNvPr id="14" name="ZoneTexte 13"/>
@@ -4353,16 +4234,16 @@
               </p:nvSpPr>
               <p:spPr>
                 <a:xfrm>
-                  <a:off x="3278778" y="4901252"/>
-                  <a:ext cx="2246810" cy="947760"/>
+                  <a:off x="2748419" y="4081026"/>
+                  <a:ext cx="1226239" cy="563488"/>
                 </a:xfrm>
                 <a:prstGeom prst="rect">
                   <a:avLst/>
                 </a:prstGeom>
                 <a:blipFill>
-                  <a:blip r:embed="rId8"/>
+                  <a:blip r:embed="rId10"/>
                   <a:stretch>
-                    <a:fillRect t="-3226" b="-7742"/>
+                    <a:fillRect b="-5376"/>
                   </a:stretch>
                 </a:blipFill>
               </p:spPr>
@@ -4381,8 +4262,8 @@
             </p:sp>
           </mc:Fallback>
         </mc:AlternateContent>
-        <mc:AlternateContent xmlns:mc="http://schemas.openxmlformats.org/markup-compatibility/2006" xmlns:a14="http://schemas.microsoft.com/office/drawing/2010/main">
-          <mc:Choice Requires="a14">
+        <mc:AlternateContent xmlns:mc="http://schemas.openxmlformats.org/markup-compatibility/2006">
+          <mc:Choice xmlns:a14="http://schemas.microsoft.com/office/drawing/2010/main" Requires="a14">
             <p:sp>
               <p:nvSpPr>
                 <p:cNvPr id="15" name="ZoneTexte 14"/>
@@ -4391,8 +4272,8 @@
               </p:nvSpPr>
               <p:spPr>
                 <a:xfrm>
-                  <a:off x="6015448" y="4901252"/>
-                  <a:ext cx="2246810" cy="947760"/>
+                  <a:off x="4127709" y="4081026"/>
+                  <a:ext cx="1226239" cy="563488"/>
                 </a:xfrm>
                 <a:prstGeom prst="rect">
                   <a:avLst/>
@@ -4407,7 +4288,7 @@
                 <a:p>
                   <a:pPr algn="ctr"/>
                   <a:r>
-                    <a:rPr lang="fr-FR" dirty="0" smtClean="0"/>
+                    <a:rPr lang="fr-FR" sz="1013" dirty="0"/>
                     <a:t>xx stations</a:t>
                   </a:r>
                 </a:p>
@@ -4418,7 +4299,7 @@
                       <m:sSub>
                         <m:sSubPr>
                           <m:ctrlPr>
-                            <a:rPr lang="fr-FR" i="1" smtClean="0">
+                            <a:rPr lang="fr-FR" sz="1013" i="1">
                               <a:latin typeface="Cambria Math" panose="02040503050406030204" pitchFamily="18" charset="0"/>
                             </a:rPr>
                           </m:ctrlPr>
@@ -4428,14 +4309,14 @@
                             <m:accPr>
                               <m:chr m:val="̅"/>
                               <m:ctrlPr>
-                                <a:rPr lang="fr-FR" i="1" smtClean="0">
+                                <a:rPr lang="fr-FR" sz="1013" i="1">
                                   <a:latin typeface="Cambria Math" panose="02040503050406030204" pitchFamily="18" charset="0"/>
                                 </a:rPr>
                               </m:ctrlPr>
                             </m:accPr>
                             <m:e>
                               <m:r>
-                                <a:rPr lang="fr-FR" i="1" smtClean="0">
+                                <a:rPr lang="fr-FR" sz="1013" i="1">
                                   <a:latin typeface="Cambria Math" panose="02040503050406030204" pitchFamily="18" charset="0"/>
                                   <a:ea typeface="Cambria Math" panose="02040503050406030204" pitchFamily="18" charset="0"/>
                                 </a:rPr>
@@ -4446,19 +4327,19 @@
                         </m:e>
                         <m:sub>
                           <m:r>
-                            <a:rPr lang="fr-FR" b="0" i="1" dirty="0" smtClean="0">
+                            <a:rPr lang="fr-FR" sz="1013" i="1" dirty="0">
                               <a:latin typeface="Cambria Math" panose="02040503050406030204" pitchFamily="18" charset="0"/>
                             </a:rPr>
                             <m:t>𝑖𝑛𝑡𝑒𝑟</m:t>
                           </m:r>
                           <m:r>
-                            <a:rPr lang="fr-FR" b="0" i="1" dirty="0" smtClean="0">
+                            <a:rPr lang="fr-FR" sz="1013" i="1" dirty="0">
                               <a:latin typeface="Cambria Math" panose="02040503050406030204" pitchFamily="18" charset="0"/>
                             </a:rPr>
                             <m:t>−</m:t>
                           </m:r>
                           <m:r>
-                            <a:rPr lang="fr-FR" b="0" i="1" dirty="0" smtClean="0">
+                            <a:rPr lang="fr-FR" sz="1013" i="1" dirty="0">
                               <a:latin typeface="Cambria Math" panose="02040503050406030204" pitchFamily="18" charset="0"/>
                             </a:rPr>
                             <m:t>𝑠𝑡𝑎𝑡𝑖𝑜𝑛</m:t>
@@ -4468,7 +4349,7 @@
                     </m:oMath>
                   </a14:m>
                   <a:r>
-                    <a:rPr lang="fr-FR" dirty="0" smtClean="0"/>
+                    <a:rPr lang="fr-FR" sz="1013" dirty="0"/>
                     <a:t>=xx%</a:t>
                   </a:r>
                 </a:p>
@@ -4479,7 +4360,7 @@
                       <m:sSub>
                         <m:sSubPr>
                           <m:ctrlPr>
-                            <a:rPr lang="fr-FR" i="1" smtClean="0">
+                            <a:rPr lang="fr-FR" sz="1013" i="1">
                               <a:latin typeface="Cambria Math" panose="02040503050406030204" pitchFamily="18" charset="0"/>
                             </a:rPr>
                           </m:ctrlPr>
@@ -4489,14 +4370,14 @@
                             <m:accPr>
                               <m:chr m:val="̅"/>
                               <m:ctrlPr>
-                                <a:rPr lang="fr-FR" i="1" smtClean="0">
+                                <a:rPr lang="fr-FR" sz="1013" i="1">
                                   <a:latin typeface="Cambria Math" panose="02040503050406030204" pitchFamily="18" charset="0"/>
                                 </a:rPr>
                               </m:ctrlPr>
                             </m:accPr>
                             <m:e>
                               <m:r>
-                                <a:rPr lang="fr-FR" i="1" smtClean="0">
+                                <a:rPr lang="fr-FR" sz="1013" i="1">
                                   <a:latin typeface="Cambria Math" panose="02040503050406030204" pitchFamily="18" charset="0"/>
                                   <a:ea typeface="Cambria Math" panose="02040503050406030204" pitchFamily="18" charset="0"/>
                                 </a:rPr>
@@ -4507,7 +4388,7 @@
                         </m:e>
                         <m:sub>
                           <m:r>
-                            <a:rPr lang="fr-FR" b="0" i="1" dirty="0" smtClean="0">
+                            <a:rPr lang="fr-FR" sz="1013" i="1" dirty="0">
                               <a:latin typeface="Cambria Math" panose="02040503050406030204" pitchFamily="18" charset="0"/>
                             </a:rPr>
                             <m:t>𝑠𝑡𝑎𝑡𝑖𝑜𝑛</m:t>
@@ -4517,15 +4398,15 @@
                     </m:oMath>
                   </a14:m>
                   <a:r>
-                    <a:rPr lang="fr-FR" dirty="0" smtClean="0"/>
+                    <a:rPr lang="fr-FR" sz="1013" dirty="0"/>
                     <a:t>= xx%</a:t>
                   </a:r>
-                  <a:endParaRPr lang="fr-FR" dirty="0"/>
+                  <a:endParaRPr lang="fr-FR" sz="1013" dirty="0"/>
                 </a:p>
               </p:txBody>
             </p:sp>
           </mc:Choice>
-          <mc:Fallback xmlns="">
+          <mc:Fallback>
             <p:sp>
               <p:nvSpPr>
                 <p:cNvPr id="15" name="ZoneTexte 14"/>
@@ -4536,16 +4417,16 @@
               </p:nvSpPr>
               <p:spPr>
                 <a:xfrm>
-                  <a:off x="6015448" y="4901252"/>
-                  <a:ext cx="2246810" cy="947760"/>
+                  <a:off x="4127709" y="4081026"/>
+                  <a:ext cx="1226239" cy="563488"/>
                 </a:xfrm>
                 <a:prstGeom prst="rect">
                   <a:avLst/>
                 </a:prstGeom>
                 <a:blipFill>
-                  <a:blip r:embed="rId9"/>
+                  <a:blip r:embed="rId11"/>
                   <a:stretch>
-                    <a:fillRect t="-3226" b="-7742"/>
+                    <a:fillRect b="-5376"/>
                   </a:stretch>
                 </a:blipFill>
               </p:spPr>
@@ -4564,8 +4445,8 @@
             </p:sp>
           </mc:Fallback>
         </mc:AlternateContent>
-        <mc:AlternateContent xmlns:mc="http://schemas.openxmlformats.org/markup-compatibility/2006" xmlns:a14="http://schemas.microsoft.com/office/drawing/2010/main">
-          <mc:Choice Requires="a14">
+        <mc:AlternateContent xmlns:mc="http://schemas.openxmlformats.org/markup-compatibility/2006">
+          <mc:Choice xmlns:a14="http://schemas.microsoft.com/office/drawing/2010/main" Requires="a14">
             <p:sp>
               <p:nvSpPr>
                 <p:cNvPr id="16" name="ZoneTexte 15"/>
@@ -4574,8 +4455,8 @@
               </p:nvSpPr>
               <p:spPr>
                 <a:xfrm>
-                  <a:off x="8928465" y="4901252"/>
-                  <a:ext cx="2246810" cy="947760"/>
+                  <a:off x="5431795" y="4081026"/>
+                  <a:ext cx="1226239" cy="563488"/>
                 </a:xfrm>
                 <a:prstGeom prst="rect">
                   <a:avLst/>
@@ -4590,7 +4471,7 @@
                 <a:p>
                   <a:pPr algn="ctr"/>
                   <a:r>
-                    <a:rPr lang="fr-FR" dirty="0" smtClean="0"/>
+                    <a:rPr lang="fr-FR" sz="1013" dirty="0"/>
                     <a:t>46 stations</a:t>
                   </a:r>
                 </a:p>
@@ -4601,7 +4482,7 @@
                       <m:sSub>
                         <m:sSubPr>
                           <m:ctrlPr>
-                            <a:rPr lang="fr-FR" i="1" smtClean="0">
+                            <a:rPr lang="fr-FR" sz="1013" i="1">
                               <a:latin typeface="Cambria Math" panose="02040503050406030204" pitchFamily="18" charset="0"/>
                             </a:rPr>
                           </m:ctrlPr>
@@ -4611,14 +4492,14 @@
                             <m:accPr>
                               <m:chr m:val="̅"/>
                               <m:ctrlPr>
-                                <a:rPr lang="fr-FR" i="1" smtClean="0">
+                                <a:rPr lang="fr-FR" sz="1013" i="1">
                                   <a:latin typeface="Cambria Math" panose="02040503050406030204" pitchFamily="18" charset="0"/>
                                 </a:rPr>
                               </m:ctrlPr>
                             </m:accPr>
                             <m:e>
                               <m:r>
-                                <a:rPr lang="fr-FR" i="1" smtClean="0">
+                                <a:rPr lang="fr-FR" sz="1013" i="1">
                                   <a:latin typeface="Cambria Math" panose="02040503050406030204" pitchFamily="18" charset="0"/>
                                   <a:ea typeface="Cambria Math" panose="02040503050406030204" pitchFamily="18" charset="0"/>
                                 </a:rPr>
@@ -4629,19 +4510,19 @@
                         </m:e>
                         <m:sub>
                           <m:r>
-                            <a:rPr lang="fr-FR" b="0" i="1" dirty="0" smtClean="0">
+                            <a:rPr lang="fr-FR" sz="1013" i="1" dirty="0">
                               <a:latin typeface="Cambria Math" panose="02040503050406030204" pitchFamily="18" charset="0"/>
                             </a:rPr>
                             <m:t>𝑖𝑛𝑡𝑒𝑟</m:t>
                           </m:r>
                           <m:r>
-                            <a:rPr lang="fr-FR" b="0" i="1" dirty="0" smtClean="0">
+                            <a:rPr lang="fr-FR" sz="1013" i="1" dirty="0">
                               <a:latin typeface="Cambria Math" panose="02040503050406030204" pitchFamily="18" charset="0"/>
                             </a:rPr>
                             <m:t>−</m:t>
                           </m:r>
                           <m:r>
-                            <a:rPr lang="fr-FR" b="0" i="1" dirty="0" smtClean="0">
+                            <a:rPr lang="fr-FR" sz="1013" i="1" dirty="0">
                               <a:latin typeface="Cambria Math" panose="02040503050406030204" pitchFamily="18" charset="0"/>
                             </a:rPr>
                             <m:t>𝑠𝑡𝑎𝑡𝑖𝑜𝑛</m:t>
@@ -4651,7 +4532,7 @@
                     </m:oMath>
                   </a14:m>
                   <a:r>
-                    <a:rPr lang="fr-FR" dirty="0" smtClean="0"/>
+                    <a:rPr lang="fr-FR" sz="1013" dirty="0"/>
                     <a:t>=xx%</a:t>
                   </a:r>
                 </a:p>
@@ -4662,7 +4543,7 @@
                       <m:sSub>
                         <m:sSubPr>
                           <m:ctrlPr>
-                            <a:rPr lang="fr-FR" i="1" smtClean="0">
+                            <a:rPr lang="fr-FR" sz="1013" i="1">
                               <a:latin typeface="Cambria Math" panose="02040503050406030204" pitchFamily="18" charset="0"/>
                             </a:rPr>
                           </m:ctrlPr>
@@ -4672,14 +4553,14 @@
                             <m:accPr>
                               <m:chr m:val="̅"/>
                               <m:ctrlPr>
-                                <a:rPr lang="fr-FR" i="1" smtClean="0">
+                                <a:rPr lang="fr-FR" sz="1013" i="1">
                                   <a:latin typeface="Cambria Math" panose="02040503050406030204" pitchFamily="18" charset="0"/>
                                 </a:rPr>
                               </m:ctrlPr>
                             </m:accPr>
                             <m:e>
                               <m:r>
-                                <a:rPr lang="fr-FR" i="1" smtClean="0">
+                                <a:rPr lang="fr-FR" sz="1013" i="1">
                                   <a:latin typeface="Cambria Math" panose="02040503050406030204" pitchFamily="18" charset="0"/>
                                   <a:ea typeface="Cambria Math" panose="02040503050406030204" pitchFamily="18" charset="0"/>
                                 </a:rPr>
@@ -4690,7 +4571,7 @@
                         </m:e>
                         <m:sub>
                           <m:r>
-                            <a:rPr lang="fr-FR" b="0" i="1" dirty="0" smtClean="0">
+                            <a:rPr lang="fr-FR" sz="1013" i="1" dirty="0">
                               <a:latin typeface="Cambria Math" panose="02040503050406030204" pitchFamily="18" charset="0"/>
                             </a:rPr>
                             <m:t>𝑠𝑡𝑎𝑡𝑖𝑜𝑛</m:t>
@@ -4700,15 +4581,15 @@
                     </m:oMath>
                   </a14:m>
                   <a:r>
-                    <a:rPr lang="fr-FR" dirty="0" smtClean="0"/>
+                    <a:rPr lang="fr-FR" sz="1013" dirty="0"/>
                     <a:t>= xx%</a:t>
                   </a:r>
-                  <a:endParaRPr lang="fr-FR" dirty="0"/>
+                  <a:endParaRPr lang="fr-FR" sz="1013" dirty="0"/>
                 </a:p>
               </p:txBody>
             </p:sp>
           </mc:Choice>
-          <mc:Fallback xmlns="">
+          <mc:Fallback>
             <p:sp>
               <p:nvSpPr>
                 <p:cNvPr id="16" name="ZoneTexte 15"/>
@@ -4719,16 +4600,16 @@
               </p:nvSpPr>
               <p:spPr>
                 <a:xfrm>
-                  <a:off x="8928465" y="4901252"/>
-                  <a:ext cx="2246810" cy="947760"/>
+                  <a:off x="5431795" y="4081026"/>
+                  <a:ext cx="1226239" cy="563488"/>
                 </a:xfrm>
                 <a:prstGeom prst="rect">
                   <a:avLst/>
                 </a:prstGeom>
                 <a:blipFill>
-                  <a:blip r:embed="rId10"/>
+                  <a:blip r:embed="rId12"/>
                   <a:stretch>
-                    <a:fillRect t="-3226" b="-7742"/>
+                    <a:fillRect b="-5376"/>
                   </a:stretch>
                 </a:blipFill>
               </p:spPr>
@@ -4747,8 +4628,8 @@
             </p:sp>
           </mc:Fallback>
         </mc:AlternateContent>
-        <mc:AlternateContent xmlns:mc="http://schemas.openxmlformats.org/markup-compatibility/2006" xmlns:a14="http://schemas.microsoft.com/office/drawing/2010/main">
-          <mc:Choice Requires="a14">
+        <mc:AlternateContent xmlns:mc="http://schemas.openxmlformats.org/markup-compatibility/2006">
+          <mc:Choice xmlns:a14="http://schemas.microsoft.com/office/drawing/2010/main" Requires="a14">
             <p:sp>
               <p:nvSpPr>
                 <p:cNvPr id="17" name="ZoneTexte 16"/>
@@ -4757,8 +4638,8 @@
               </p:nvSpPr>
               <p:spPr>
                 <a:xfrm>
-                  <a:off x="5159826" y="6051658"/>
-                  <a:ext cx="1933301" cy="400110"/>
+                  <a:off x="3534352" y="4721586"/>
+                  <a:ext cx="1055136" cy="265457"/>
                 </a:xfrm>
                 <a:prstGeom prst="rect">
                   <a:avLst/>
@@ -4776,7 +4657,7 @@
                       <m:sSub>
                         <m:sSubPr>
                           <m:ctrlPr>
-                            <a:rPr lang="fr-FR" sz="2000" b="1" i="1" smtClean="0">
+                            <a:rPr lang="fr-FR" sz="1125" b="1" i="1">
                               <a:solidFill>
                                 <a:srgbClr val="FF0000"/>
                               </a:solidFill>
@@ -4789,7 +4670,7 @@
                             <m:accPr>
                               <m:chr m:val="̅"/>
                               <m:ctrlPr>
-                                <a:rPr lang="fr-FR" sz="2000" b="1" i="1" smtClean="0">
+                                <a:rPr lang="fr-FR" sz="1125" b="1" i="1">
                                   <a:solidFill>
                                     <a:srgbClr val="FF0000"/>
                                   </a:solidFill>
@@ -4799,7 +4680,7 @@
                             </m:accPr>
                             <m:e>
                               <m:r>
-                                <a:rPr lang="fr-FR" sz="2000" b="1" i="1" smtClean="0">
+                                <a:rPr lang="fr-FR" sz="1125" b="1" i="1">
                                   <a:solidFill>
                                     <a:srgbClr val="FF0000"/>
                                   </a:solidFill>
@@ -4813,7 +4694,7 @@
                         </m:e>
                         <m:sub>
                           <m:r>
-                            <a:rPr lang="fr-FR" sz="2000" b="1" i="1" dirty="0" smtClean="0">
+                            <a:rPr lang="fr-FR" sz="1125" b="1" i="1" dirty="0">
                               <a:solidFill>
                                 <a:srgbClr val="FF0000"/>
                               </a:solidFill>
@@ -4826,14 +4707,14 @@
                     </m:oMath>
                   </a14:m>
                   <a:r>
-                    <a:rPr lang="fr-FR" sz="2000" b="1" dirty="0" smtClean="0">
+                    <a:rPr lang="fr-FR" sz="1125" b="1" dirty="0">
                       <a:solidFill>
                         <a:srgbClr val="FF0000"/>
                       </a:solidFill>
                     </a:rPr>
                     <a:t>= xx%</a:t>
                   </a:r>
-                  <a:endParaRPr lang="fr-FR" sz="2000" b="1" dirty="0">
+                  <a:endParaRPr lang="fr-FR" sz="1125" b="1" dirty="0">
                     <a:solidFill>
                       <a:srgbClr val="FF0000"/>
                     </a:solidFill>
@@ -4842,7 +4723,7 @@
               </p:txBody>
             </p:sp>
           </mc:Choice>
-          <mc:Fallback xmlns="">
+          <mc:Fallback>
             <p:sp>
               <p:nvSpPr>
                 <p:cNvPr id="17" name="ZoneTexte 16"/>
@@ -4853,16 +4734,16 @@
               </p:nvSpPr>
               <p:spPr>
                 <a:xfrm>
-                  <a:off x="5159826" y="6051658"/>
-                  <a:ext cx="1933301" cy="400110"/>
+                  <a:off x="3534352" y="4721586"/>
+                  <a:ext cx="1055136" cy="265457"/>
                 </a:xfrm>
                 <a:prstGeom prst="rect">
                   <a:avLst/>
                 </a:prstGeom>
                 <a:blipFill>
-                  <a:blip r:embed="rId11"/>
+                  <a:blip r:embed="rId13"/>
                   <a:stretch>
-                    <a:fillRect t="-9231" b="-27692"/>
+                    <a:fillRect b="-16279"/>
                   </a:stretch>
                 </a:blipFill>
               </p:spPr>
@@ -4881,8 +4762,8 @@
             </p:sp>
           </mc:Fallback>
         </mc:AlternateContent>
-        <mc:AlternateContent xmlns:mc="http://schemas.openxmlformats.org/markup-compatibility/2006" xmlns:a14="http://schemas.microsoft.com/office/drawing/2010/main">
-          <mc:Choice Requires="a14">
+        <mc:AlternateContent xmlns:mc="http://schemas.openxmlformats.org/markup-compatibility/2006">
+          <mc:Choice xmlns:a14="http://schemas.microsoft.com/office/drawing/2010/main" Requires="a14">
             <p:sp>
               <p:nvSpPr>
                 <p:cNvPr id="18" name="ZoneTexte 17"/>
@@ -4891,8 +4772,8 @@
               </p:nvSpPr>
               <p:spPr>
                 <a:xfrm>
-                  <a:off x="4754877" y="4329992"/>
-                  <a:ext cx="2743197" cy="407099"/>
+                  <a:off x="3451653" y="3691620"/>
+                  <a:ext cx="1497152" cy="269433"/>
                 </a:xfrm>
                 <a:prstGeom prst="rect">
                   <a:avLst/>
@@ -4910,7 +4791,7 @@
                       <m:sSub>
                         <m:sSubPr>
                           <m:ctrlPr>
-                            <a:rPr lang="fr-FR" sz="2000" b="1" i="1">
+                            <a:rPr lang="fr-FR" sz="1125" b="1" i="1">
                               <a:solidFill>
                                 <a:srgbClr val="FF0000"/>
                               </a:solidFill>
@@ -4923,7 +4804,7 @@
                             <m:accPr>
                               <m:chr m:val="̅"/>
                               <m:ctrlPr>
-                                <a:rPr lang="fr-FR" sz="2000" b="1" i="1">
+                                <a:rPr lang="fr-FR" sz="1125" b="1" i="1">
                                   <a:solidFill>
                                     <a:srgbClr val="FF0000"/>
                                   </a:solidFill>
@@ -4933,7 +4814,7 @@
                             </m:accPr>
                             <m:e>
                               <m:r>
-                                <a:rPr lang="fr-FR" sz="2000" b="1" i="1">
+                                <a:rPr lang="fr-FR" sz="1125" b="1" i="1">
                                   <a:solidFill>
                                     <a:srgbClr val="FF0000"/>
                                   </a:solidFill>
@@ -4946,7 +4827,7 @@
                         </m:e>
                         <m:sub>
                           <m:r>
-                            <a:rPr lang="fr-FR" sz="2000" b="1" i="1" dirty="0">
+                            <a:rPr lang="fr-FR" sz="1125" b="1" i="1" dirty="0">
                               <a:solidFill>
                                 <a:srgbClr val="FF0000"/>
                               </a:solidFill>
@@ -4955,7 +4836,7 @@
                             <m:t>𝒊𝒏𝒕𝒆𝒓</m:t>
                           </m:r>
                           <m:r>
-                            <a:rPr lang="fr-FR" sz="2000" b="1" dirty="0">
+                            <a:rPr lang="fr-FR" sz="1125" b="1" dirty="0">
                               <a:solidFill>
                                 <a:srgbClr val="FF0000"/>
                               </a:solidFill>
@@ -4964,7 +4845,7 @@
                             <m:t>−</m:t>
                           </m:r>
                           <m:r>
-                            <a:rPr lang="fr-FR" sz="2000" b="1" i="1" dirty="0">
+                            <a:rPr lang="fr-FR" sz="1125" b="1" i="1" dirty="0">
                               <a:solidFill>
                                 <a:srgbClr val="FF0000"/>
                               </a:solidFill>
@@ -4977,7 +4858,7 @@
                     </m:oMath>
                   </a14:m>
                   <a:r>
-                    <a:rPr lang="fr-FR" sz="2000" b="1" dirty="0">
+                    <a:rPr lang="fr-FR" sz="1125" b="1" dirty="0">
                       <a:solidFill>
                         <a:srgbClr val="FF0000"/>
                       </a:solidFill>
@@ -4985,14 +4866,14 @@
                     <a:t>= </a:t>
                   </a:r>
                   <a:r>
-                    <a:rPr lang="fr-FR" sz="2000" b="1" dirty="0" smtClean="0">
+                    <a:rPr lang="fr-FR" sz="1125" b="1" dirty="0">
                       <a:solidFill>
                         <a:srgbClr val="FF0000"/>
                       </a:solidFill>
                     </a:rPr>
                     <a:t>xx%</a:t>
                   </a:r>
-                  <a:endParaRPr lang="fr-FR" sz="2000" b="1" dirty="0">
+                  <a:endParaRPr lang="fr-FR" sz="1125" b="1" dirty="0">
                     <a:solidFill>
                       <a:srgbClr val="FF0000"/>
                     </a:solidFill>
@@ -5001,7 +4882,7 @@
               </p:txBody>
             </p:sp>
           </mc:Choice>
-          <mc:Fallback xmlns="">
+          <mc:Fallback>
             <p:sp>
               <p:nvSpPr>
                 <p:cNvPr id="18" name="ZoneTexte 17"/>
@@ -5012,16 +4893,16 @@
               </p:nvSpPr>
               <p:spPr>
                 <a:xfrm>
-                  <a:off x="4754877" y="4329992"/>
-                  <a:ext cx="2743197" cy="407099"/>
+                  <a:off x="3451653" y="3691620"/>
+                  <a:ext cx="1497152" cy="269433"/>
                 </a:xfrm>
                 <a:prstGeom prst="rect">
                   <a:avLst/>
                 </a:prstGeom>
                 <a:blipFill>
-                  <a:blip r:embed="rId12"/>
+                  <a:blip r:embed="rId14"/>
                   <a:stretch>
-                    <a:fillRect l="-889" t="-4478" b="-26866"/>
+                    <a:fillRect b="-15909"/>
                   </a:stretch>
                 </a:blipFill>
               </p:spPr>
@@ -5040,8 +4921,8 @@
             </p:sp>
           </mc:Fallback>
         </mc:AlternateContent>
-        <mc:AlternateContent xmlns:mc="http://schemas.openxmlformats.org/markup-compatibility/2006" xmlns:a14="http://schemas.microsoft.com/office/drawing/2010/main">
-          <mc:Choice Requires="a14">
+        <mc:AlternateContent xmlns:mc="http://schemas.openxmlformats.org/markup-compatibility/2006">
+          <mc:Choice xmlns:a14="http://schemas.microsoft.com/office/drawing/2010/main" Requires="a14">
             <p:sp>
               <p:nvSpPr>
                 <p:cNvPr id="19" name="ZoneTexte 18"/>
@@ -5050,8 +4931,8 @@
               </p:nvSpPr>
               <p:spPr>
                 <a:xfrm>
-                  <a:off x="4957353" y="2733642"/>
-                  <a:ext cx="2338250" cy="407099"/>
+                  <a:off x="3518662" y="2799598"/>
+                  <a:ext cx="1276144" cy="269433"/>
                 </a:xfrm>
                 <a:prstGeom prst="rect">
                   <a:avLst/>
@@ -5069,7 +4950,7 @@
                       <m:sSub>
                         <m:sSubPr>
                           <m:ctrlPr>
-                            <a:rPr lang="fr-FR" sz="2000" b="1" i="1" smtClean="0">
+                            <a:rPr lang="fr-FR" sz="1125" b="1" i="1">
                               <a:solidFill>
                                 <a:srgbClr val="FF0000"/>
                               </a:solidFill>
@@ -5082,7 +4963,7 @@
                             <m:accPr>
                               <m:chr m:val="̅"/>
                               <m:ctrlPr>
-                                <a:rPr lang="fr-FR" sz="2000" b="1" i="1">
+                                <a:rPr lang="fr-FR" sz="1125" b="1" i="1">
                                   <a:solidFill>
                                     <a:srgbClr val="FF0000"/>
                                   </a:solidFill>
@@ -5092,7 +4973,7 @@
                             </m:accPr>
                             <m:e>
                               <m:r>
-                                <a:rPr lang="fr-FR" sz="2000" b="1" i="1">
+                                <a:rPr lang="fr-FR" sz="1125" b="1" i="1">
                                   <a:solidFill>
                                     <a:srgbClr val="FF0000"/>
                                   </a:solidFill>
@@ -5105,7 +4986,7 @@
                         </m:e>
                         <m:sub>
                           <m:r>
-                            <a:rPr lang="fr-FR" sz="2000" b="1" i="1" dirty="0">
+                            <a:rPr lang="fr-FR" sz="1125" b="1" i="1" dirty="0">
                               <a:solidFill>
                                 <a:srgbClr val="FF0000"/>
                               </a:solidFill>
@@ -5114,7 +4995,7 @@
                             <m:t>𝒊𝒏𝒕𝒆𝒓</m:t>
                           </m:r>
                           <m:r>
-                            <a:rPr lang="fr-FR" sz="2000" b="1" dirty="0">
+                            <a:rPr lang="fr-FR" sz="1125" b="1" dirty="0">
                               <a:solidFill>
                                 <a:srgbClr val="FF0000"/>
                               </a:solidFill>
@@ -5123,7 +5004,7 @@
                             <m:t>−</m:t>
                           </m:r>
                           <m:r>
-                            <a:rPr lang="fr-FR" sz="2000" b="1" i="1" dirty="0">
+                            <a:rPr lang="fr-FR" sz="1125" b="1" i="1" dirty="0">
                               <a:solidFill>
                                 <a:srgbClr val="FF0000"/>
                               </a:solidFill>
@@ -5132,7 +5013,7 @@
                             <m:t>𝒔</m:t>
                           </m:r>
                           <m:r>
-                            <a:rPr lang="fr-FR" sz="2000" b="1" i="0" dirty="0" smtClean="0">
+                            <a:rPr lang="fr-FR" sz="1125" b="1" dirty="0">
                               <a:solidFill>
                                 <a:srgbClr val="FF0000"/>
                               </a:solidFill>
@@ -5145,7 +5026,7 @@
                     </m:oMath>
                   </a14:m>
                   <a:r>
-                    <a:rPr lang="fr-FR" sz="2000" b="1" dirty="0">
+                    <a:rPr lang="fr-FR" sz="1125" b="1" dirty="0">
                       <a:solidFill>
                         <a:srgbClr val="FF0000"/>
                       </a:solidFill>
@@ -5153,14 +5034,14 @@
                     <a:t>= </a:t>
                   </a:r>
                   <a:r>
-                    <a:rPr lang="fr-FR" sz="2000" b="1" dirty="0" smtClean="0">
+                    <a:rPr lang="fr-FR" sz="1125" b="1" dirty="0">
                       <a:solidFill>
                         <a:srgbClr val="FF0000"/>
                       </a:solidFill>
                     </a:rPr>
                     <a:t>xx%</a:t>
                   </a:r>
-                  <a:endParaRPr lang="fr-FR" sz="2000" b="1" dirty="0">
+                  <a:endParaRPr lang="fr-FR" sz="1125" b="1" dirty="0">
                     <a:solidFill>
                       <a:srgbClr val="FF0000"/>
                     </a:solidFill>
@@ -5169,7 +5050,7 @@
               </p:txBody>
             </p:sp>
           </mc:Choice>
-          <mc:Fallback xmlns="">
+          <mc:Fallback>
             <p:sp>
               <p:nvSpPr>
                 <p:cNvPr id="19" name="ZoneTexte 18"/>
@@ -5180,16 +5061,16 @@
               </p:nvSpPr>
               <p:spPr>
                 <a:xfrm>
-                  <a:off x="4957353" y="2733642"/>
-                  <a:ext cx="2338250" cy="407099"/>
+                  <a:off x="3518662" y="2799598"/>
+                  <a:ext cx="1276144" cy="269433"/>
                 </a:xfrm>
                 <a:prstGeom prst="rect">
                   <a:avLst/>
                 </a:prstGeom>
                 <a:blipFill>
-                  <a:blip r:embed="rId13"/>
+                  <a:blip r:embed="rId15"/>
                   <a:stretch>
-                    <a:fillRect l="-1042" t="-4478" b="-26866"/>
+                    <a:fillRect b="-15909"/>
                   </a:stretch>
                 </a:blipFill>
               </p:spPr>
@@ -5212,15 +5093,15 @@
           <p:nvCxnSpPr>
             <p:cNvPr id="22" name="Connecteur droit avec flèche 21"/>
             <p:cNvCxnSpPr>
-              <a:stCxn id="54" idx="4"/>
+              <a:stCxn id="201" idx="2"/>
               <a:endCxn id="9" idx="0"/>
             </p:cNvCxnSpPr>
             <p:nvPr/>
           </p:nvCxnSpPr>
           <p:spPr>
             <a:xfrm>
-              <a:off x="1789614" y="2449278"/>
-              <a:ext cx="6532" cy="855624"/>
+              <a:off x="2051478" y="2695236"/>
+              <a:ext cx="2066" cy="455434"/>
             </a:xfrm>
             <a:prstGeom prst="straightConnector1">
               <a:avLst/>
@@ -5248,15 +5129,15 @@
           <p:nvCxnSpPr>
             <p:cNvPr id="25" name="Connecteur droit avec flèche 24"/>
             <p:cNvCxnSpPr>
-              <a:stCxn id="59" idx="4"/>
+              <a:stCxn id="216" idx="2"/>
               <a:endCxn id="10" idx="0"/>
             </p:cNvCxnSpPr>
             <p:nvPr/>
           </p:nvCxnSpPr>
           <p:spPr>
-            <a:xfrm>
-              <a:off x="4408717" y="2446111"/>
-              <a:ext cx="6530" cy="858791"/>
+            <a:xfrm flipH="1">
+              <a:off x="3368669" y="2718093"/>
+              <a:ext cx="9923" cy="461152"/>
             </a:xfrm>
             <a:prstGeom prst="straightConnector1">
               <a:avLst/>
@@ -5284,15 +5165,14 @@
           <p:nvCxnSpPr>
             <p:cNvPr id="27" name="Connecteur droit avec flèche 26"/>
             <p:cNvCxnSpPr>
-              <a:stCxn id="66" idx="4"/>
-              <a:endCxn id="11" idx="0"/>
+              <a:stCxn id="221" idx="2"/>
             </p:cNvCxnSpPr>
             <p:nvPr/>
           </p:nvCxnSpPr>
           <p:spPr>
-            <a:xfrm>
-              <a:off x="7119260" y="2454093"/>
-              <a:ext cx="6531" cy="850809"/>
+            <a:xfrm flipH="1">
+              <a:off x="4665573" y="2717899"/>
+              <a:ext cx="11485" cy="423477"/>
             </a:xfrm>
             <a:prstGeom prst="straightConnector1">
               <a:avLst/>
@@ -5320,15 +5200,15 @@
           <p:nvCxnSpPr>
             <p:cNvPr id="29" name="Connecteur droit avec flèche 28"/>
             <p:cNvCxnSpPr>
-              <a:stCxn id="86" idx="4"/>
+              <a:stCxn id="231" idx="2"/>
               <a:endCxn id="85" idx="0"/>
             </p:cNvCxnSpPr>
             <p:nvPr/>
           </p:nvCxnSpPr>
           <p:spPr>
             <a:xfrm>
-              <a:off x="10011051" y="2446111"/>
-              <a:ext cx="1630" cy="861007"/>
+              <a:off x="6021489" y="2717899"/>
+              <a:ext cx="2037" cy="462598"/>
             </a:xfrm>
             <a:prstGeom prst="straightConnector1">
               <a:avLst/>
@@ -5363,8 +5243,8 @@
           </p:nvCxnSpPr>
           <p:spPr>
             <a:xfrm>
-              <a:off x="1779815" y="4085275"/>
-              <a:ext cx="1641" cy="789837"/>
+              <a:off x="2044632" y="3620079"/>
+              <a:ext cx="896" cy="446181"/>
             </a:xfrm>
             <a:prstGeom prst="straightConnector1">
               <a:avLst/>
@@ -5399,8 +5279,8 @@
           </p:nvCxnSpPr>
           <p:spPr>
             <a:xfrm>
-              <a:off x="4372800" y="4106914"/>
-              <a:ext cx="4899" cy="751722"/>
+              <a:off x="3345503" y="3632303"/>
+              <a:ext cx="2674" cy="424649"/>
             </a:xfrm>
             <a:prstGeom prst="straightConnector1">
               <a:avLst/>
@@ -5435,8 +5315,8 @@
           </p:nvCxnSpPr>
           <p:spPr>
             <a:xfrm>
-              <a:off x="7099662" y="4073985"/>
-              <a:ext cx="4899" cy="801127"/>
+              <a:off x="4738491" y="3613701"/>
+              <a:ext cx="2674" cy="452559"/>
             </a:xfrm>
             <a:prstGeom prst="straightConnector1">
               <a:avLst/>
@@ -5471,8 +5351,8 @@
           </p:nvCxnSpPr>
           <p:spPr>
             <a:xfrm>
-              <a:off x="10012681" y="4080982"/>
-              <a:ext cx="8155" cy="794130"/>
+              <a:off x="6023526" y="3617654"/>
+              <a:ext cx="4451" cy="448606"/>
             </a:xfrm>
             <a:prstGeom prst="straightConnector1">
               <a:avLst/>
@@ -5501,14 +5381,14 @@
             <p:cNvPr id="39" name="Connecteur droit avec flèche 38"/>
             <p:cNvCxnSpPr>
               <a:stCxn id="46" idx="4"/>
-              <a:endCxn id="54" idx="0"/>
+              <a:endCxn id="5" idx="0"/>
             </p:cNvCxnSpPr>
             <p:nvPr/>
           </p:nvCxnSpPr>
           <p:spPr>
             <a:xfrm flipH="1">
-              <a:off x="1789614" y="1033322"/>
-              <a:ext cx="4088673" cy="848210"/>
+              <a:off x="2044632" y="962295"/>
+              <a:ext cx="2006946" cy="594149"/>
             </a:xfrm>
             <a:prstGeom prst="straightConnector1">
               <a:avLst/>
@@ -5537,14 +5417,14 @@
             <p:cNvPr id="41" name="Connecteur droit avec flèche 40"/>
             <p:cNvCxnSpPr>
               <a:stCxn id="46" idx="4"/>
-              <a:endCxn id="59" idx="0"/>
+              <a:endCxn id="6" idx="0"/>
             </p:cNvCxnSpPr>
             <p:nvPr/>
           </p:nvCxnSpPr>
           <p:spPr>
             <a:xfrm flipH="1">
-              <a:off x="4408717" y="1033322"/>
-              <a:ext cx="1469570" cy="845043"/>
+              <a:off x="3349071" y="962295"/>
+              <a:ext cx="702507" cy="594148"/>
             </a:xfrm>
             <a:prstGeom prst="straightConnector1">
               <a:avLst/>
@@ -5573,14 +5453,14 @@
             <p:cNvPr id="43" name="Connecteur droit avec flèche 42"/>
             <p:cNvCxnSpPr>
               <a:stCxn id="46" idx="4"/>
-              <a:endCxn id="66" idx="0"/>
+              <a:endCxn id="7" idx="0"/>
             </p:cNvCxnSpPr>
             <p:nvPr/>
           </p:nvCxnSpPr>
           <p:spPr>
             <a:xfrm>
-              <a:off x="5878287" y="1033322"/>
-              <a:ext cx="1240973" cy="853025"/>
+              <a:off x="4051578" y="962295"/>
+              <a:ext cx="697608" cy="586188"/>
             </a:xfrm>
             <a:prstGeom prst="straightConnector1">
               <a:avLst/>
@@ -5609,14 +5489,14 @@
             <p:cNvPr id="45" name="Connecteur droit avec flèche 44"/>
             <p:cNvCxnSpPr>
               <a:stCxn id="46" idx="4"/>
-              <a:endCxn id="86" idx="0"/>
+              <a:endCxn id="8" idx="0"/>
             </p:cNvCxnSpPr>
             <p:nvPr/>
           </p:nvCxnSpPr>
           <p:spPr>
             <a:xfrm>
-              <a:off x="5878287" y="1033322"/>
-              <a:ext cx="4132764" cy="834631"/>
+              <a:off x="4051578" y="962295"/>
+              <a:ext cx="1991104" cy="589159"/>
             </a:xfrm>
             <a:prstGeom prst="straightConnector1">
               <a:avLst/>
@@ -5640,8 +5520,8 @@
             </a:fontRef>
           </p:style>
         </p:cxnSp>
-        <mc:AlternateContent xmlns:mc="http://schemas.openxmlformats.org/markup-compatibility/2006" xmlns:a14="http://schemas.microsoft.com/office/drawing/2010/main">
-          <mc:Choice Requires="a14">
+        <mc:AlternateContent xmlns:mc="http://schemas.openxmlformats.org/markup-compatibility/2006">
+          <mc:Choice xmlns:a14="http://schemas.microsoft.com/office/drawing/2010/main" Requires="a14">
             <p:sp>
               <p:nvSpPr>
                 <p:cNvPr id="20" name="ZoneTexte 19"/>
@@ -5650,8 +5530,8 @@
               </p:nvSpPr>
               <p:spPr>
                 <a:xfrm>
-                  <a:off x="4774472" y="1330197"/>
-                  <a:ext cx="2168438" cy="429285"/>
+                  <a:off x="3416833" y="1122550"/>
+                  <a:ext cx="1290174" cy="281872"/>
                 </a:xfrm>
                 <a:prstGeom prst="rect">
                   <a:avLst/>
@@ -5671,7 +5551,7 @@
                       <m:sSub>
                         <m:sSubPr>
                           <m:ctrlPr>
-                            <a:rPr lang="fr-FR" sz="2000" b="1" i="1" smtClean="0">
+                            <a:rPr lang="fr-FR" sz="1125" b="1" i="1">
                               <a:solidFill>
                                 <a:srgbClr val="FF0000"/>
                               </a:solidFill>
@@ -5681,7 +5561,7 @@
                         </m:sSubPr>
                         <m:e>
                           <m:r>
-                            <a:rPr lang="fr-FR" sz="2000" b="1" i="1" smtClean="0">
+                            <a:rPr lang="fr-FR" sz="1125" b="1" i="1">
                               <a:solidFill>
                                 <a:srgbClr val="FF0000"/>
                               </a:solidFill>
@@ -5693,7 +5573,7 @@
                         </m:e>
                         <m:sub>
                           <m:r>
-                            <a:rPr lang="fr-FR" sz="2000" b="1" i="1" dirty="0">
+                            <a:rPr lang="fr-FR" sz="1125" b="1" i="1" dirty="0">
                               <a:solidFill>
                                 <a:srgbClr val="FF0000"/>
                               </a:solidFill>
@@ -5702,7 +5582,7 @@
                             <m:t>𝒊𝒏𝒕𝒆𝒓</m:t>
                           </m:r>
                           <m:r>
-                            <a:rPr lang="fr-FR" sz="2000" b="1" dirty="0">
+                            <a:rPr lang="fr-FR" sz="1125" b="1" dirty="0">
                               <a:solidFill>
                                 <a:srgbClr val="FF0000"/>
                               </a:solidFill>
@@ -5711,7 +5591,7 @@
                             <m:t>−</m:t>
                           </m:r>
                           <m:r>
-                            <a:rPr lang="fr-FR" sz="2000" b="1" i="0" dirty="0" smtClean="0">
+                            <a:rPr lang="fr-FR" sz="1125" b="1" dirty="0">
                               <a:solidFill>
                                 <a:srgbClr val="FF0000"/>
                               </a:solidFill>
@@ -5724,7 +5604,7 @@
                     </m:oMath>
                   </a14:m>
                   <a:r>
-                    <a:rPr lang="fr-FR" sz="2000" b="1" dirty="0">
+                    <a:rPr lang="fr-FR" sz="1125" b="1" dirty="0">
                       <a:solidFill>
                         <a:srgbClr val="FF0000"/>
                       </a:solidFill>
@@ -5732,14 +5612,14 @@
                     <a:t>= </a:t>
                   </a:r>
                   <a:r>
-                    <a:rPr lang="fr-FR" sz="2000" b="1" dirty="0" smtClean="0">
+                    <a:rPr lang="fr-FR" sz="1125" b="1" dirty="0">
                       <a:solidFill>
                         <a:srgbClr val="FF0000"/>
                       </a:solidFill>
                     </a:rPr>
                     <a:t>xx%</a:t>
                   </a:r>
-                  <a:endParaRPr lang="fr-FR" sz="2000" b="1" dirty="0">
+                  <a:endParaRPr lang="fr-FR" sz="1125" b="1" dirty="0">
                     <a:solidFill>
                       <a:srgbClr val="FF0000"/>
                     </a:solidFill>
@@ -5748,7 +5628,7 @@
               </p:txBody>
             </p:sp>
           </mc:Choice>
-          <mc:Fallback xmlns="">
+          <mc:Fallback>
             <p:sp>
               <p:nvSpPr>
                 <p:cNvPr id="20" name="ZoneTexte 19"/>
@@ -5759,16 +5639,16 @@
               </p:nvSpPr>
               <p:spPr>
                 <a:xfrm>
-                  <a:off x="4774472" y="1330197"/>
-                  <a:ext cx="2168438" cy="429285"/>
+                  <a:off x="3416833" y="1122550"/>
+                  <a:ext cx="1290174" cy="281872"/>
                 </a:xfrm>
                 <a:prstGeom prst="rect">
                   <a:avLst/>
                 </a:prstGeom>
                 <a:blipFill>
-                  <a:blip r:embed="rId14"/>
+                  <a:blip r:embed="rId16"/>
                   <a:stretch>
-                    <a:fillRect l="-1124" t="-5634" r="-1404" b="-18310"/>
+                    <a:fillRect b="-8696"/>
                   </a:stretch>
                 </a:blipFill>
               </p:spPr>
@@ -5795,8 +5675,8 @@
           </p:nvSpPr>
           <p:spPr>
             <a:xfrm>
-              <a:off x="3513919" y="3333050"/>
-              <a:ext cx="1717762" cy="773864"/>
+              <a:off x="2876753" y="3195146"/>
+              <a:ext cx="937501" cy="437157"/>
             </a:xfrm>
             <a:prstGeom prst="ellipse">
               <a:avLst/>
@@ -5822,7 +5702,7 @@
             <a:lstStyle/>
             <a:p>
               <a:pPr algn="ctr"/>
-              <a:endParaRPr lang="fr-FR"/>
+              <a:endParaRPr lang="fr-FR" sz="1013"/>
             </a:p>
           </p:txBody>
         </p:sp>
@@ -5834,8 +5714,8 @@
           </p:nvSpPr>
           <p:spPr>
             <a:xfrm>
-              <a:off x="6240781" y="3300121"/>
-              <a:ext cx="1717762" cy="773864"/>
+              <a:off x="4269740" y="3176544"/>
+              <a:ext cx="937501" cy="437157"/>
             </a:xfrm>
             <a:prstGeom prst="ellipse">
               <a:avLst/>
@@ -5861,7 +5741,7 @@
             <a:lstStyle/>
             <a:p>
               <a:pPr algn="ctr"/>
-              <a:endParaRPr lang="fr-FR"/>
+              <a:endParaRPr lang="fr-FR" sz="1013"/>
             </a:p>
           </p:txBody>
         </p:sp>
@@ -5873,8 +5753,8 @@
           </p:nvSpPr>
           <p:spPr>
             <a:xfrm>
-              <a:off x="9153800" y="3307118"/>
-              <a:ext cx="1717762" cy="773864"/>
+              <a:off x="5554775" y="3180497"/>
+              <a:ext cx="937501" cy="437157"/>
             </a:xfrm>
             <a:prstGeom prst="ellipse">
               <a:avLst/>
@@ -5905,7 +5785,7 @@
             <a:lstStyle/>
             <a:p>
               <a:pPr algn="ctr"/>
-              <a:endParaRPr lang="fr-FR"/>
+              <a:endParaRPr lang="fr-FR" sz="1013"/>
             </a:p>
           </p:txBody>
         </p:sp>
@@ -5917,8 +5797,8 @@
           </p:nvSpPr>
           <p:spPr>
             <a:xfrm>
-              <a:off x="803377" y="4875112"/>
-              <a:ext cx="1956158" cy="1176546"/>
+              <a:off x="1511723" y="4066260"/>
+              <a:ext cx="1067611" cy="664633"/>
             </a:xfrm>
             <a:prstGeom prst="ellipse">
               <a:avLst/>
@@ -5951,7 +5831,7 @@
             <a:lstStyle/>
             <a:p>
               <a:pPr algn="ctr"/>
-              <a:endParaRPr lang="fr-FR"/>
+              <a:endParaRPr lang="fr-FR" sz="1013"/>
             </a:p>
           </p:txBody>
         </p:sp>
@@ -5963,8 +5843,8 @@
           </p:nvSpPr>
           <p:spPr>
             <a:xfrm>
-              <a:off x="3399620" y="4858636"/>
-              <a:ext cx="1956158" cy="1176546"/>
+              <a:off x="2814372" y="4056953"/>
+              <a:ext cx="1067611" cy="664633"/>
             </a:xfrm>
             <a:prstGeom prst="ellipse">
               <a:avLst/>
@@ -5990,7 +5870,7 @@
             <a:lstStyle/>
             <a:p>
               <a:pPr algn="ctr"/>
-              <a:endParaRPr lang="fr-FR"/>
+              <a:endParaRPr lang="fr-FR" sz="1013"/>
             </a:p>
           </p:txBody>
         </p:sp>
@@ -6002,8 +5882,8 @@
           </p:nvSpPr>
           <p:spPr>
             <a:xfrm>
-              <a:off x="6126482" y="4875112"/>
-              <a:ext cx="1956158" cy="1176546"/>
+              <a:off x="4207359" y="4066260"/>
+              <a:ext cx="1067611" cy="664633"/>
             </a:xfrm>
             <a:prstGeom prst="ellipse">
               <a:avLst/>
@@ -6029,7 +5909,7 @@
             <a:lstStyle/>
             <a:p>
               <a:pPr algn="ctr"/>
-              <a:endParaRPr lang="fr-FR"/>
+              <a:endParaRPr lang="fr-FR" sz="1013"/>
             </a:p>
           </p:txBody>
         </p:sp>
@@ -6041,8 +5921,8 @@
           </p:nvSpPr>
           <p:spPr>
             <a:xfrm>
-              <a:off x="9042757" y="4875112"/>
-              <a:ext cx="1956158" cy="1176546"/>
+              <a:off x="5494172" y="4066260"/>
+              <a:ext cx="1067611" cy="664633"/>
             </a:xfrm>
             <a:prstGeom prst="ellipse">
               <a:avLst/>
@@ -6073,478 +5953,760 @@
             <a:lstStyle/>
             <a:p>
               <a:pPr algn="ctr"/>
-              <a:endParaRPr lang="fr-FR"/>
+              <a:endParaRPr lang="fr-FR" sz="1013"/>
             </a:p>
           </p:txBody>
         </p:sp>
-      </p:grpSp>
-      <p:sp>
-        <p:nvSpPr>
-          <p:cNvPr id="123" name="ZoneTexte 122"/>
-          <p:cNvSpPr txBox="1"/>
-          <p:nvPr/>
-        </p:nvSpPr>
-        <p:spPr>
-          <a:xfrm>
-            <a:off x="431074" y="182881"/>
-            <a:ext cx="4526279" cy="400110"/>
-          </a:xfrm>
-          <a:prstGeom prst="rect">
-            <a:avLst/>
-          </a:prstGeom>
-          <a:noFill/>
-        </p:spPr>
-        <p:txBody>
-          <a:bodyPr wrap="square" rtlCol="0">
-            <a:spAutoFit/>
-          </a:bodyPr>
-          <a:lstStyle/>
-          <a:p>
-            <a:r>
-              <a:rPr lang="en-US" sz="2000" b="1" dirty="0" smtClean="0">
+        <p:sp>
+          <p:nvSpPr>
+            <p:cNvPr id="123" name="ZoneTexte 122"/>
+            <p:cNvSpPr txBox="1"/>
+            <p:nvPr/>
+          </p:nvSpPr>
+          <p:spPr>
+            <a:xfrm>
+              <a:off x="465771" y="714579"/>
+              <a:ext cx="2815332" cy="265457"/>
+            </a:xfrm>
+            <a:prstGeom prst="rect">
+              <a:avLst/>
+            </a:prstGeom>
+            <a:noFill/>
+          </p:spPr>
+          <p:txBody>
+            <a:bodyPr wrap="square" rtlCol="0">
+              <a:spAutoFit/>
+            </a:bodyPr>
+            <a:lstStyle/>
+            <a:p>
+              <a:pPr marL="214313" indent="-214313">
+                <a:buFont typeface="Arial" panose="020B0604020202020204" pitchFamily="34" charset="0"/>
+                <a:buChar char="•"/>
+              </a:pPr>
+              <a:r>
+                <a:rPr lang="en-US" sz="1125" b="1" dirty="0">
+                  <a:latin typeface="Times New Roman" panose="02020603050405020304" pitchFamily="18" charset="0"/>
+                  <a:cs typeface="Times New Roman" panose="02020603050405020304" pitchFamily="18" charset="0"/>
+                </a:rPr>
+                <a:t>Diversity partitioning of all MOTUs</a:t>
+              </a:r>
+              <a:endParaRPr lang="en-US" sz="1125" b="1" dirty="0">
                 <a:latin typeface="Times New Roman" panose="02020603050405020304" pitchFamily="18" charset="0"/>
                 <a:cs typeface="Times New Roman" panose="02020603050405020304" pitchFamily="18" charset="0"/>
-              </a:rPr>
-              <a:t>Diversity partitioning of MOTUs</a:t>
-            </a:r>
-            <a:endParaRPr lang="en-US" sz="2000" b="1" dirty="0">
-              <a:latin typeface="Times New Roman" panose="02020603050405020304" pitchFamily="18" charset="0"/>
-              <a:cs typeface="Times New Roman" panose="02020603050405020304" pitchFamily="18" charset="0"/>
-            </a:endParaRPr>
-          </a:p>
-        </p:txBody>
-      </p:sp>
-      <mc:AlternateContent xmlns:mc="http://schemas.openxmlformats.org/markup-compatibility/2006" xmlns:a14="http://schemas.microsoft.com/office/drawing/2010/main">
-        <mc:Choice Requires="a14">
-          <p:sp>
-            <p:nvSpPr>
-              <p:cNvPr id="124" name="ZoneTexte 123"/>
-              <p:cNvSpPr txBox="1"/>
-              <p:nvPr/>
-            </p:nvSpPr>
-            <p:spPr>
-              <a:xfrm>
-                <a:off x="7876907" y="252576"/>
-                <a:ext cx="2782387" cy="1238994"/>
-              </a:xfrm>
-              <a:prstGeom prst="rect">
-                <a:avLst/>
-              </a:prstGeom>
-              <a:noFill/>
-            </p:spPr>
-            <p:txBody>
-              <a:bodyPr wrap="square" rtlCol="0">
-                <a:spAutoFit/>
-              </a:bodyPr>
-              <a:lstStyle/>
-              <a:p>
-                <a14:m>
-                  <m:oMath xmlns:m="http://schemas.openxmlformats.org/officeDocument/2006/math">
-                    <m:sSub>
-                      <m:sSubPr>
-                        <m:ctrlPr>
-                          <a:rPr lang="fr-FR" b="1" i="1" smtClean="0">
-                            <a:solidFill>
-                              <a:srgbClr val="FF0000"/>
-                            </a:solidFill>
-                            <a:latin typeface="Cambria Math" panose="02040503050406030204" pitchFamily="18" charset="0"/>
-                          </a:rPr>
-                        </m:ctrlPr>
-                      </m:sSubPr>
-                      <m:e>
-                        <m:r>
-                          <m:rPr>
-                            <m:nor/>
-                          </m:rPr>
-                          <a:rPr lang="el-GR" b="1" dirty="0" smtClean="0">
-                            <a:solidFill>
-                              <a:srgbClr val="FF0000"/>
-                            </a:solidFill>
-                            <a:latin typeface="Sitka Text" panose="02000505000000020004" pitchFamily="2" charset="0"/>
-                          </a:rPr>
-                          <m:t>γ</m:t>
-                        </m:r>
-                      </m:e>
-                      <m:sub>
-                        <m:r>
-                          <a:rPr lang="fr-FR" b="1" i="1" smtClean="0">
-                            <a:solidFill>
-                              <a:srgbClr val="FF0000"/>
-                            </a:solidFill>
-                            <a:latin typeface="Cambria Math" panose="02040503050406030204" pitchFamily="18" charset="0"/>
-                          </a:rPr>
-                          <m:t>𝒈𝒍𝒐𝒃𝒂𝒍</m:t>
-                        </m:r>
-                      </m:sub>
-                    </m:sSub>
-                  </m:oMath>
-                </a14:m>
-                <a:r>
-                  <a:rPr lang="fr-FR" b="1" dirty="0" smtClean="0">
+              </a:endParaRPr>
+            </a:p>
+          </p:txBody>
+        </p:sp>
+        <mc:AlternateContent xmlns:mc="http://schemas.openxmlformats.org/markup-compatibility/2006">
+          <mc:Choice xmlns:a14="http://schemas.microsoft.com/office/drawing/2010/main" Requires="a14">
+            <p:sp>
+              <p:nvSpPr>
+                <p:cNvPr id="3" name="ZoneTexte 2"/>
+                <p:cNvSpPr txBox="1"/>
+                <p:nvPr/>
+              </p:nvSpPr>
+              <p:spPr>
+                <a:xfrm>
+                  <a:off x="356812" y="5346843"/>
+                  <a:ext cx="4817460" cy="1011687"/>
+                </a:xfrm>
+                <a:prstGeom prst="rect">
+                  <a:avLst/>
+                </a:prstGeom>
+                <a:noFill/>
+              </p:spPr>
+              <p:txBody>
+                <a:bodyPr wrap="square" rtlCol="0">
+                  <a:spAutoFit/>
+                </a:bodyPr>
+                <a:lstStyle/>
+                <a:p>
+                  <a:pPr marL="214313" indent="-214313">
+                    <a:lnSpc>
+                      <a:spcPct val="150000"/>
+                    </a:lnSpc>
+                    <a:buFont typeface="Arial" panose="020B0604020202020204" pitchFamily="34" charset="0"/>
+                    <a:buChar char="•"/>
+                  </a:pPr>
+                  <a:r>
+                    <a:rPr lang="en-US" sz="1050" b="1" dirty="0">
+                      <a:latin typeface="Times New Roman" panose="02020603050405020304" pitchFamily="18" charset="0"/>
+                      <a:cs typeface="Times New Roman" panose="02020603050405020304" pitchFamily="18" charset="0"/>
+                    </a:rPr>
+                    <a:t>Diversity partitioning of MOTUs from cryptobenthic families:</a:t>
+                  </a:r>
+                </a:p>
+                <a:p>
+                  <a:r>
+                    <a:rPr lang="en-US" sz="1050" b="1" dirty="0">
+                      <a:latin typeface="Times New Roman" panose="02020603050405020304" pitchFamily="18" charset="0"/>
+                      <a:cs typeface="Times New Roman" panose="02020603050405020304" pitchFamily="18" charset="0"/>
+                    </a:rPr>
+                    <a:t>	</a:t>
+                  </a:r>
+                  <a14:m>
+                    <m:oMath xmlns:m="http://schemas.openxmlformats.org/officeDocument/2006/math">
+                      <m:sSub>
+                        <m:sSubPr>
+                          <m:ctrlPr>
+                            <a:rPr lang="fr-FR" sz="1050" b="1" i="1">
+                              <a:latin typeface="Cambria Math" panose="02040503050406030204" pitchFamily="18" charset="0"/>
+                            </a:rPr>
+                          </m:ctrlPr>
+                        </m:sSubPr>
+                        <m:e>
+                          <m:r>
+                            <a:rPr lang="fr-FR" sz="1050" b="1" i="1">
+                              <a:latin typeface="Cambria Math" panose="02040503050406030204" pitchFamily="18" charset="0"/>
+                              <a:ea typeface="Cambria Math" panose="02040503050406030204" pitchFamily="18" charset="0"/>
+                            </a:rPr>
+                            <m:t>𝛃</m:t>
+                          </m:r>
+                        </m:e>
+                        <m:sub>
+                          <m:r>
+                            <a:rPr lang="fr-FR" sz="1050" b="1" i="1" dirty="0">
+                              <a:latin typeface="Cambria Math" panose="02040503050406030204" pitchFamily="18" charset="0"/>
+                            </a:rPr>
+                            <m:t>𝒊𝒏𝒕𝒆𝒓</m:t>
+                          </m:r>
+                          <m:r>
+                            <a:rPr lang="fr-FR" sz="1050" b="1" dirty="0">
+                              <a:latin typeface="Cambria Math" panose="02040503050406030204" pitchFamily="18" charset="0"/>
+                            </a:rPr>
+                            <m:t>−</m:t>
+                          </m:r>
+                          <m:r>
+                            <a:rPr lang="fr-FR" sz="1050" b="1" dirty="0">
+                              <a:latin typeface="Cambria Math" panose="02040503050406030204" pitchFamily="18" charset="0"/>
+                            </a:rPr>
+                            <m:t>𝐫𝐞𝐠𝐢𝐨𝐧</m:t>
+                          </m:r>
+                        </m:sub>
+                      </m:sSub>
+                    </m:oMath>
+                  </a14:m>
+                  <a:r>
+                    <a:rPr lang="fr-FR" sz="1050" b="1" dirty="0"/>
+                    <a:t>= xx</a:t>
+                  </a:r>
+                  <a:r>
+                    <a:rPr lang="fr-FR" sz="1050" b="1" dirty="0"/>
+                    <a:t>%,  </a:t>
+                  </a:r>
+                  <a14:m>
+                    <m:oMath xmlns:m="http://schemas.openxmlformats.org/officeDocument/2006/math">
+                      <m:sSub>
+                        <m:sSubPr>
+                          <m:ctrlPr>
+                            <a:rPr lang="fr-FR" sz="1050" b="1" i="1">
+                              <a:latin typeface="Cambria Math" panose="02040503050406030204" pitchFamily="18" charset="0"/>
+                            </a:rPr>
+                          </m:ctrlPr>
+                        </m:sSubPr>
+                        <m:e>
+                          <m:acc>
+                            <m:accPr>
+                              <m:chr m:val="̅"/>
+                              <m:ctrlPr>
+                                <a:rPr lang="fr-FR" sz="1050" b="1" i="1">
+                                  <a:latin typeface="Cambria Math" panose="02040503050406030204" pitchFamily="18" charset="0"/>
+                                </a:rPr>
+                              </m:ctrlPr>
+                            </m:accPr>
+                            <m:e>
+                              <m:r>
+                                <a:rPr lang="fr-FR" sz="1050" b="1" i="1">
+                                  <a:latin typeface="Cambria Math" panose="02040503050406030204" pitchFamily="18" charset="0"/>
+                                </a:rPr>
+                                <m:t>𝜷</m:t>
+                              </m:r>
+                            </m:e>
+                          </m:acc>
+                        </m:e>
+                        <m:sub>
+                          <m:r>
+                            <a:rPr lang="fr-FR" sz="1050" b="1" i="1" dirty="0">
+                              <a:latin typeface="Cambria Math" panose="02040503050406030204" pitchFamily="18" charset="0"/>
+                            </a:rPr>
+                            <m:t>𝒊𝒏𝒕𝒆𝒓</m:t>
+                          </m:r>
+                          <m:r>
+                            <a:rPr lang="fr-FR" sz="1050" b="1" dirty="0">
+                              <a:latin typeface="Cambria Math" panose="02040503050406030204" pitchFamily="18" charset="0"/>
+                            </a:rPr>
+                            <m:t>−</m:t>
+                          </m:r>
+                          <m:r>
+                            <a:rPr lang="fr-FR" sz="1050" b="1" i="1" dirty="0">
+                              <a:latin typeface="Cambria Math" panose="02040503050406030204" pitchFamily="18" charset="0"/>
+                            </a:rPr>
+                            <m:t>𝒔</m:t>
+                          </m:r>
+                          <m:r>
+                            <a:rPr lang="fr-FR" sz="1050" b="1" dirty="0">
+                              <a:latin typeface="Cambria Math" panose="02040503050406030204" pitchFamily="18" charset="0"/>
+                            </a:rPr>
+                            <m:t>𝐢𝐭𝐞</m:t>
+                          </m:r>
+                        </m:sub>
+                      </m:sSub>
+                    </m:oMath>
+                  </a14:m>
+                  <a:r>
+                    <a:rPr lang="fr-FR" sz="1050" b="1" dirty="0"/>
+                    <a:t>= xx</a:t>
+                  </a:r>
+                  <a:r>
+                    <a:rPr lang="fr-FR" sz="1050" b="1" dirty="0"/>
+                    <a:t>%,  </a:t>
+                  </a:r>
+                  <a14:m>
+                    <m:oMath xmlns:m="http://schemas.openxmlformats.org/officeDocument/2006/math">
+                      <m:sSub>
+                        <m:sSubPr>
+                          <m:ctrlPr>
+                            <a:rPr lang="fr-FR" sz="1050" b="1" i="1">
+                              <a:latin typeface="Cambria Math" panose="02040503050406030204" pitchFamily="18" charset="0"/>
+                            </a:rPr>
+                          </m:ctrlPr>
+                        </m:sSubPr>
+                        <m:e>
+                          <m:acc>
+                            <m:accPr>
+                              <m:chr m:val="̅"/>
+                              <m:ctrlPr>
+                                <a:rPr lang="fr-FR" sz="1050" b="1" i="1">
+                                  <a:latin typeface="Cambria Math" panose="02040503050406030204" pitchFamily="18" charset="0"/>
+                                </a:rPr>
+                              </m:ctrlPr>
+                            </m:accPr>
+                            <m:e>
+                              <m:r>
+                                <a:rPr lang="fr-FR" sz="1050" b="1" i="1">
+                                  <a:latin typeface="Cambria Math" panose="02040503050406030204" pitchFamily="18" charset="0"/>
+                                </a:rPr>
+                                <m:t>𝜷</m:t>
+                              </m:r>
+                            </m:e>
+                          </m:acc>
+                        </m:e>
+                        <m:sub>
+                          <m:r>
+                            <a:rPr lang="fr-FR" sz="1050" b="1" i="1" dirty="0">
+                              <a:latin typeface="Cambria Math" panose="02040503050406030204" pitchFamily="18" charset="0"/>
+                            </a:rPr>
+                            <m:t>𝒊𝒏𝒕𝒆𝒓</m:t>
+                          </m:r>
+                          <m:r>
+                            <a:rPr lang="fr-FR" sz="1050" b="1" dirty="0">
+                              <a:latin typeface="Cambria Math" panose="02040503050406030204" pitchFamily="18" charset="0"/>
+                            </a:rPr>
+                            <m:t>−</m:t>
+                          </m:r>
+                          <m:r>
+                            <a:rPr lang="fr-FR" sz="1050" b="1" i="1" dirty="0">
+                              <a:latin typeface="Cambria Math" panose="02040503050406030204" pitchFamily="18" charset="0"/>
+                            </a:rPr>
+                            <m:t>𝒔𝒕𝒂𝒕𝒊𝒐𝒏</m:t>
+                          </m:r>
+                        </m:sub>
+                      </m:sSub>
+                    </m:oMath>
+                  </a14:m>
+                  <a:r>
+                    <a:rPr lang="fr-FR" sz="1050" b="1" dirty="0"/>
+                    <a:t>= xx</a:t>
+                  </a:r>
+                  <a:r>
+                    <a:rPr lang="fr-FR" sz="1050" b="1" dirty="0"/>
+                    <a:t>%,  </a:t>
+                  </a:r>
+                  <a14:m>
+                    <m:oMath xmlns:m="http://schemas.openxmlformats.org/officeDocument/2006/math">
+                      <m:sSub>
+                        <m:sSubPr>
+                          <m:ctrlPr>
+                            <a:rPr lang="fr-FR" sz="1050" b="1" i="1">
+                              <a:latin typeface="Cambria Math" panose="02040503050406030204" pitchFamily="18" charset="0"/>
+                            </a:rPr>
+                          </m:ctrlPr>
+                        </m:sSubPr>
+                        <m:e>
+                          <m:acc>
+                            <m:accPr>
+                              <m:chr m:val="̅"/>
+                              <m:ctrlPr>
+                                <a:rPr lang="fr-FR" sz="1050" b="1" i="1">
+                                  <a:latin typeface="Cambria Math" panose="02040503050406030204" pitchFamily="18" charset="0"/>
+                                </a:rPr>
+                              </m:ctrlPr>
+                            </m:accPr>
+                            <m:e>
+                              <m:r>
+                                <a:rPr lang="fr-FR" sz="1050" b="1" i="1">
+                                  <a:latin typeface="Cambria Math" panose="02040503050406030204" pitchFamily="18" charset="0"/>
+                                  <a:ea typeface="Cambria Math" panose="02040503050406030204" pitchFamily="18" charset="0"/>
+                                </a:rPr>
+                                <m:t>𝜶</m:t>
+                              </m:r>
+                            </m:e>
+                          </m:acc>
+                        </m:e>
+                        <m:sub>
+                          <m:r>
+                            <a:rPr lang="fr-FR" sz="1050" b="1" i="1" dirty="0">
+                              <a:latin typeface="Cambria Math" panose="02040503050406030204" pitchFamily="18" charset="0"/>
+                            </a:rPr>
+                            <m:t>𝒔𝒕𝒂𝒕𝒊𝒐𝒏</m:t>
+                          </m:r>
+                        </m:sub>
+                      </m:sSub>
+                    </m:oMath>
+                  </a14:m>
+                  <a:r>
+                    <a:rPr lang="fr-FR" sz="1050" b="1" dirty="0"/>
+                    <a:t>= xx%</a:t>
+                  </a:r>
+                </a:p>
+                <a:p>
+                  <a:r>
+                    <a:rPr lang="fr-FR" sz="1050" b="1" dirty="0">
+                      <a:solidFill>
+                        <a:srgbClr val="FF0000"/>
+                      </a:solidFill>
+                    </a:rPr>
+                    <a:t> </a:t>
+                  </a:r>
+                  <a:endParaRPr lang="fr-FR" sz="1050" b="1" dirty="0">
                     <a:solidFill>
                       <a:srgbClr val="FF0000"/>
                     </a:solidFill>
-                  </a:rPr>
-                  <a:t> = </a:t>
-                </a:r>
-                <a14:m>
-                  <m:oMath xmlns:m="http://schemas.openxmlformats.org/officeDocument/2006/math">
-                    <m:sSub>
-                      <m:sSubPr>
-                        <m:ctrlPr>
-                          <a:rPr lang="fr-FR" b="1" i="1" smtClean="0">
-                            <a:solidFill>
-                              <a:srgbClr val="FF0000"/>
-                            </a:solidFill>
-                            <a:latin typeface="Cambria Math" panose="02040503050406030204" pitchFamily="18" charset="0"/>
-                          </a:rPr>
-                        </m:ctrlPr>
-                      </m:sSubPr>
-                      <m:e>
-                        <m:r>
-                          <a:rPr lang="fr-FR" b="1" i="1">
-                            <a:solidFill>
-                              <a:srgbClr val="FF0000"/>
-                            </a:solidFill>
-                            <a:latin typeface="Cambria Math" panose="02040503050406030204" pitchFamily="18" charset="0"/>
-                            <a:ea typeface="Cambria Math" panose="02040503050406030204" pitchFamily="18" charset="0"/>
-                          </a:rPr>
-                          <m:t>𝛃</m:t>
-                        </m:r>
-                      </m:e>
-                      <m:sub>
-                        <m:r>
-                          <a:rPr lang="fr-FR" b="1" i="1" dirty="0">
-                            <a:solidFill>
-                              <a:srgbClr val="FF0000"/>
-                            </a:solidFill>
-                            <a:latin typeface="Cambria Math" panose="02040503050406030204" pitchFamily="18" charset="0"/>
-                          </a:rPr>
-                          <m:t>𝒊𝒏𝒕𝒆𝒓</m:t>
-                        </m:r>
-                        <m:r>
-                          <a:rPr lang="fr-FR" b="1" dirty="0">
-                            <a:solidFill>
-                              <a:srgbClr val="FF0000"/>
-                            </a:solidFill>
-                            <a:latin typeface="Cambria Math" panose="02040503050406030204" pitchFamily="18" charset="0"/>
-                          </a:rPr>
-                          <m:t>−</m:t>
-                        </m:r>
-                        <m:r>
-                          <a:rPr lang="fr-FR" b="1" dirty="0">
-                            <a:solidFill>
-                              <a:srgbClr val="FF0000"/>
-                            </a:solidFill>
-                            <a:latin typeface="Cambria Math" panose="02040503050406030204" pitchFamily="18" charset="0"/>
-                          </a:rPr>
-                          <m:t>𝐫𝐞𝐠𝐢𝐨𝐧</m:t>
-                        </m:r>
-                      </m:sub>
-                    </m:sSub>
-                  </m:oMath>
-                </a14:m>
-                <a:r>
-                  <a:rPr lang="fr-FR" dirty="0" smtClean="0"/>
-                  <a:t> </a:t>
-                </a:r>
-                <a:r>
-                  <a:rPr lang="fr-FR" dirty="0" smtClean="0">
-                    <a:solidFill>
-                      <a:srgbClr val="FF0000"/>
-                    </a:solidFill>
-                  </a:rPr>
-                  <a:t>+</a:t>
-                </a:r>
-              </a:p>
-              <a:p>
-                <a:r>
-                  <a:rPr lang="fr-FR" b="1" dirty="0" smtClean="0">
-                    <a:solidFill>
-                      <a:srgbClr val="FF0000"/>
-                    </a:solidFill>
-                  </a:rPr>
-                  <a:t>	</a:t>
-                </a:r>
-                <a14:m>
-                  <m:oMath xmlns:m="http://schemas.openxmlformats.org/officeDocument/2006/math">
-                    <m:sSub>
-                      <m:sSubPr>
-                        <m:ctrlPr>
-                          <a:rPr lang="fr-FR" b="1" i="1">
-                            <a:solidFill>
-                              <a:srgbClr val="FF0000"/>
-                            </a:solidFill>
-                            <a:latin typeface="Cambria Math" panose="02040503050406030204" pitchFamily="18" charset="0"/>
-                          </a:rPr>
-                        </m:ctrlPr>
-                      </m:sSubPr>
-                      <m:e>
-                        <m:acc>
-                          <m:accPr>
-                            <m:chr m:val="̅"/>
-                            <m:ctrlPr>
-                              <a:rPr lang="fr-FR" b="1" i="1">
-                                <a:solidFill>
-                                  <a:srgbClr val="FF0000"/>
-                                </a:solidFill>
-                                <a:latin typeface="Cambria Math" panose="02040503050406030204" pitchFamily="18" charset="0"/>
-                              </a:rPr>
-                            </m:ctrlPr>
-                          </m:accPr>
-                          <m:e>
-                            <m:r>
-                              <a:rPr lang="fr-FR" b="1" i="1">
-                                <a:solidFill>
-                                  <a:srgbClr val="FF0000"/>
-                                </a:solidFill>
-                                <a:latin typeface="Cambria Math" panose="02040503050406030204" pitchFamily="18" charset="0"/>
-                              </a:rPr>
-                              <m:t>𝜷</m:t>
-                            </m:r>
-                          </m:e>
-                        </m:acc>
-                      </m:e>
-                      <m:sub>
-                        <m:r>
-                          <a:rPr lang="fr-FR" b="1" i="1" dirty="0">
-                            <a:solidFill>
-                              <a:srgbClr val="FF0000"/>
-                            </a:solidFill>
-                            <a:latin typeface="Cambria Math" panose="02040503050406030204" pitchFamily="18" charset="0"/>
-                          </a:rPr>
-                          <m:t>𝒊𝒏𝒕𝒆𝒓</m:t>
-                        </m:r>
-                        <m:r>
-                          <a:rPr lang="fr-FR" b="1" dirty="0">
-                            <a:solidFill>
-                              <a:srgbClr val="FF0000"/>
-                            </a:solidFill>
-                            <a:latin typeface="Cambria Math" panose="02040503050406030204" pitchFamily="18" charset="0"/>
-                          </a:rPr>
-                          <m:t>−</m:t>
-                        </m:r>
-                        <m:r>
-                          <a:rPr lang="fr-FR" b="1" i="1" dirty="0">
-                            <a:solidFill>
-                              <a:srgbClr val="FF0000"/>
-                            </a:solidFill>
-                            <a:latin typeface="Cambria Math" panose="02040503050406030204" pitchFamily="18" charset="0"/>
-                          </a:rPr>
-                          <m:t>𝒔</m:t>
-                        </m:r>
-                        <m:r>
-                          <a:rPr lang="fr-FR" b="1" dirty="0">
-                            <a:solidFill>
-                              <a:srgbClr val="FF0000"/>
-                            </a:solidFill>
-                            <a:latin typeface="Cambria Math" panose="02040503050406030204" pitchFamily="18" charset="0"/>
-                          </a:rPr>
-                          <m:t>𝐢𝐭𝐞</m:t>
-                        </m:r>
-                      </m:sub>
-                    </m:sSub>
-                  </m:oMath>
-                </a14:m>
-                <a:r>
-                  <a:rPr lang="fr-FR" dirty="0" smtClean="0">
-                    <a:solidFill>
-                      <a:srgbClr val="FF0000"/>
-                    </a:solidFill>
-                  </a:rPr>
-                  <a:t>+</a:t>
-                </a:r>
-              </a:p>
-              <a:p>
-                <a:r>
-                  <a:rPr lang="fr-FR" b="1" dirty="0" smtClean="0">
-                    <a:solidFill>
-                      <a:srgbClr val="FF0000"/>
-                    </a:solidFill>
-                  </a:rPr>
-                  <a:t>	</a:t>
-                </a:r>
-                <a14:m>
-                  <m:oMath xmlns:m="http://schemas.openxmlformats.org/officeDocument/2006/math">
-                    <m:sSub>
-                      <m:sSubPr>
-                        <m:ctrlPr>
-                          <a:rPr lang="fr-FR" b="1" i="1">
-                            <a:solidFill>
-                              <a:srgbClr val="FF0000"/>
-                            </a:solidFill>
-                            <a:latin typeface="Cambria Math" panose="02040503050406030204" pitchFamily="18" charset="0"/>
-                          </a:rPr>
-                        </m:ctrlPr>
-                      </m:sSubPr>
-                      <m:e>
-                        <m:acc>
-                          <m:accPr>
-                            <m:chr m:val="̅"/>
-                            <m:ctrlPr>
-                              <a:rPr lang="fr-FR" b="1" i="1">
-                                <a:solidFill>
-                                  <a:srgbClr val="FF0000"/>
-                                </a:solidFill>
-                                <a:latin typeface="Cambria Math" panose="02040503050406030204" pitchFamily="18" charset="0"/>
-                              </a:rPr>
-                            </m:ctrlPr>
-                          </m:accPr>
-                          <m:e>
-                            <m:r>
-                              <a:rPr lang="fr-FR" b="1" i="1">
-                                <a:solidFill>
-                                  <a:srgbClr val="FF0000"/>
-                                </a:solidFill>
-                                <a:latin typeface="Cambria Math" panose="02040503050406030204" pitchFamily="18" charset="0"/>
-                              </a:rPr>
-                              <m:t>𝜷</m:t>
-                            </m:r>
-                          </m:e>
-                        </m:acc>
-                      </m:e>
-                      <m:sub>
-                        <m:r>
-                          <a:rPr lang="fr-FR" b="1" i="1" dirty="0">
-                            <a:solidFill>
-                              <a:srgbClr val="FF0000"/>
-                            </a:solidFill>
-                            <a:latin typeface="Cambria Math" panose="02040503050406030204" pitchFamily="18" charset="0"/>
-                          </a:rPr>
-                          <m:t>𝒊𝒏𝒕𝒆𝒓</m:t>
-                        </m:r>
-                        <m:r>
-                          <a:rPr lang="fr-FR" b="1" dirty="0">
-                            <a:solidFill>
-                              <a:srgbClr val="FF0000"/>
-                            </a:solidFill>
-                            <a:latin typeface="Cambria Math" panose="02040503050406030204" pitchFamily="18" charset="0"/>
-                          </a:rPr>
-                          <m:t>−</m:t>
-                        </m:r>
-                        <m:r>
-                          <a:rPr lang="fr-FR" b="1" i="1" dirty="0">
-                            <a:solidFill>
-                              <a:srgbClr val="FF0000"/>
-                            </a:solidFill>
-                            <a:latin typeface="Cambria Math" panose="02040503050406030204" pitchFamily="18" charset="0"/>
-                          </a:rPr>
-                          <m:t>𝒔𝒕𝒂𝒕𝒊𝒐𝒏</m:t>
-                        </m:r>
-                      </m:sub>
-                    </m:sSub>
-                  </m:oMath>
-                </a14:m>
-                <a:r>
-                  <a:rPr lang="fr-FR" dirty="0" smtClean="0">
-                    <a:solidFill>
-                      <a:srgbClr val="FF0000"/>
-                    </a:solidFill>
-                  </a:rPr>
-                  <a:t>+	</a:t>
-                </a:r>
-                <a14:m>
-                  <m:oMath xmlns:m="http://schemas.openxmlformats.org/officeDocument/2006/math">
-                    <m:sSub>
-                      <m:sSubPr>
-                        <m:ctrlPr>
-                          <a:rPr lang="fr-FR" b="1" i="1">
-                            <a:solidFill>
-                              <a:srgbClr val="FF0000"/>
-                            </a:solidFill>
-                            <a:latin typeface="Cambria Math" panose="02040503050406030204" pitchFamily="18" charset="0"/>
-                          </a:rPr>
-                        </m:ctrlPr>
-                      </m:sSubPr>
-                      <m:e>
-                        <m:acc>
-                          <m:accPr>
-                            <m:chr m:val="̅"/>
-                            <m:ctrlPr>
-                              <a:rPr lang="fr-FR" b="1" i="1">
-                                <a:solidFill>
-                                  <a:srgbClr val="FF0000"/>
-                                </a:solidFill>
-                                <a:latin typeface="Cambria Math" panose="02040503050406030204" pitchFamily="18" charset="0"/>
-                              </a:rPr>
-                            </m:ctrlPr>
-                          </m:accPr>
-                          <m:e>
-                            <m:r>
-                              <a:rPr lang="fr-FR" b="1" i="1">
-                                <a:solidFill>
-                                  <a:srgbClr val="FF0000"/>
-                                </a:solidFill>
-                                <a:latin typeface="Cambria Math" panose="02040503050406030204" pitchFamily="18" charset="0"/>
-                                <a:ea typeface="Cambria Math" panose="02040503050406030204" pitchFamily="18" charset="0"/>
-                              </a:rPr>
-                              <m:t>𝜶</m:t>
-                            </m:r>
-                          </m:e>
-                        </m:acc>
-                      </m:e>
-                      <m:sub>
-                        <m:r>
-                          <a:rPr lang="fr-FR" b="1" i="1" dirty="0">
-                            <a:solidFill>
-                              <a:srgbClr val="FF0000"/>
-                            </a:solidFill>
-                            <a:latin typeface="Cambria Math" panose="02040503050406030204" pitchFamily="18" charset="0"/>
-                          </a:rPr>
-                          <m:t>𝒔𝒕𝒂𝒕𝒊𝒐𝒏</m:t>
-                        </m:r>
-                      </m:sub>
-                    </m:sSub>
-                  </m:oMath>
-                </a14:m>
-                <a:endParaRPr lang="fr-FR" dirty="0">
-                  <a:solidFill>
-                    <a:srgbClr val="FF0000"/>
-                  </a:solidFill>
-                </a:endParaRPr>
-              </a:p>
-            </p:txBody>
-          </p:sp>
-        </mc:Choice>
-        <mc:Fallback xmlns="">
-          <p:sp>
-            <p:nvSpPr>
-              <p:cNvPr id="124" name="ZoneTexte 123"/>
-              <p:cNvSpPr txBox="1">
-                <a:spLocks noRot="1" noChangeAspect="1" noMove="1" noResize="1" noEditPoints="1" noAdjustHandles="1" noChangeArrowheads="1" noChangeShapeType="1" noTextEdit="1"/>
-              </p:cNvSpPr>
-              <p:nvPr/>
-            </p:nvSpPr>
-            <p:spPr>
-              <a:xfrm>
-                <a:off x="7876907" y="252576"/>
-                <a:ext cx="2782387" cy="1238994"/>
-              </a:xfrm>
-              <a:prstGeom prst="rect">
-                <a:avLst/>
-              </a:prstGeom>
-              <a:blipFill>
-                <a:blip r:embed="rId15"/>
-                <a:stretch>
-                  <a:fillRect t="-1961"/>
-                </a:stretch>
-              </a:blipFill>
-            </p:spPr>
-            <p:txBody>
-              <a:bodyPr/>
-              <a:lstStyle/>
-              <a:p>
-                <a:r>
-                  <a:rPr lang="fr-FR">
-                    <a:noFill/>
-                  </a:rPr>
-                  <a:t> </a:t>
-                </a:r>
-              </a:p>
-            </p:txBody>
-          </p:sp>
-        </mc:Fallback>
-      </mc:AlternateContent>
+                  </a:endParaRPr>
+                </a:p>
+                <a:p>
+                  <a:pPr marL="214313" indent="-214313">
+                    <a:buFont typeface="Arial" panose="020B0604020202020204" pitchFamily="34" charset="0"/>
+                    <a:buChar char="•"/>
+                  </a:pPr>
+                  <a:r>
+                    <a:rPr lang="en-US" sz="1050" b="1" dirty="0">
+                      <a:latin typeface="Times New Roman" panose="02020603050405020304" pitchFamily="18" charset="0"/>
+                      <a:cs typeface="Times New Roman" panose="02020603050405020304" pitchFamily="18" charset="0"/>
+                    </a:rPr>
+                    <a:t>Diversity partitioning of MOTUs from pelagic families:</a:t>
+                  </a:r>
+                </a:p>
+                <a:p>
+                  <a:r>
+                    <a:rPr lang="en-US" sz="1050" b="1" dirty="0">
+                      <a:latin typeface="Times New Roman" panose="02020603050405020304" pitchFamily="18" charset="0"/>
+                      <a:cs typeface="Times New Roman" panose="02020603050405020304" pitchFamily="18" charset="0"/>
+                    </a:rPr>
+                    <a:t>	</a:t>
+                  </a:r>
+                  <a14:m>
+                    <m:oMath xmlns:m="http://schemas.openxmlformats.org/officeDocument/2006/math">
+                      <m:sSub>
+                        <m:sSubPr>
+                          <m:ctrlPr>
+                            <a:rPr lang="fr-FR" sz="1050" b="1" i="1">
+                              <a:latin typeface="Cambria Math" panose="02040503050406030204" pitchFamily="18" charset="0"/>
+                            </a:rPr>
+                          </m:ctrlPr>
+                        </m:sSubPr>
+                        <m:e>
+                          <m:r>
+                            <a:rPr lang="fr-FR" sz="1050" b="1" i="1">
+                              <a:latin typeface="Cambria Math" panose="02040503050406030204" pitchFamily="18" charset="0"/>
+                              <a:ea typeface="Cambria Math" panose="02040503050406030204" pitchFamily="18" charset="0"/>
+                            </a:rPr>
+                            <m:t>𝛃</m:t>
+                          </m:r>
+                        </m:e>
+                        <m:sub>
+                          <m:r>
+                            <a:rPr lang="fr-FR" sz="1050" b="1" i="1" dirty="0">
+                              <a:latin typeface="Cambria Math" panose="02040503050406030204" pitchFamily="18" charset="0"/>
+                            </a:rPr>
+                            <m:t>𝒊𝒏𝒕𝒆𝒓</m:t>
+                          </m:r>
+                          <m:r>
+                            <a:rPr lang="fr-FR" sz="1050" b="1" dirty="0">
+                              <a:latin typeface="Cambria Math" panose="02040503050406030204" pitchFamily="18" charset="0"/>
+                            </a:rPr>
+                            <m:t>−</m:t>
+                          </m:r>
+                          <m:r>
+                            <a:rPr lang="fr-FR" sz="1050" b="1" dirty="0">
+                              <a:latin typeface="Cambria Math" panose="02040503050406030204" pitchFamily="18" charset="0"/>
+                            </a:rPr>
+                            <m:t>𝐫𝐞𝐠𝐢𝐨𝐧</m:t>
+                          </m:r>
+                        </m:sub>
+                      </m:sSub>
+                    </m:oMath>
+                  </a14:m>
+                  <a:r>
+                    <a:rPr lang="fr-FR" sz="1050" b="1" dirty="0"/>
+                    <a:t>= xx</a:t>
+                  </a:r>
+                  <a:r>
+                    <a:rPr lang="fr-FR" sz="1050" b="1" dirty="0"/>
+                    <a:t>%,  </a:t>
+                  </a:r>
+                  <a14:m>
+                    <m:oMath xmlns:m="http://schemas.openxmlformats.org/officeDocument/2006/math">
+                      <m:sSub>
+                        <m:sSubPr>
+                          <m:ctrlPr>
+                            <a:rPr lang="fr-FR" sz="1050" b="1" i="1">
+                              <a:latin typeface="Cambria Math" panose="02040503050406030204" pitchFamily="18" charset="0"/>
+                            </a:rPr>
+                          </m:ctrlPr>
+                        </m:sSubPr>
+                        <m:e>
+                          <m:acc>
+                            <m:accPr>
+                              <m:chr m:val="̅"/>
+                              <m:ctrlPr>
+                                <a:rPr lang="fr-FR" sz="1050" b="1" i="1">
+                                  <a:latin typeface="Cambria Math" panose="02040503050406030204" pitchFamily="18" charset="0"/>
+                                </a:rPr>
+                              </m:ctrlPr>
+                            </m:accPr>
+                            <m:e>
+                              <m:r>
+                                <a:rPr lang="fr-FR" sz="1050" b="1" i="1">
+                                  <a:latin typeface="Cambria Math" panose="02040503050406030204" pitchFamily="18" charset="0"/>
+                                </a:rPr>
+                                <m:t>𝜷</m:t>
+                              </m:r>
+                            </m:e>
+                          </m:acc>
+                        </m:e>
+                        <m:sub>
+                          <m:r>
+                            <a:rPr lang="fr-FR" sz="1050" b="1" i="1" dirty="0">
+                              <a:latin typeface="Cambria Math" panose="02040503050406030204" pitchFamily="18" charset="0"/>
+                            </a:rPr>
+                            <m:t>𝒊𝒏𝒕𝒆𝒓</m:t>
+                          </m:r>
+                          <m:r>
+                            <a:rPr lang="fr-FR" sz="1050" b="1" dirty="0">
+                              <a:latin typeface="Cambria Math" panose="02040503050406030204" pitchFamily="18" charset="0"/>
+                            </a:rPr>
+                            <m:t>−</m:t>
+                          </m:r>
+                          <m:r>
+                            <a:rPr lang="fr-FR" sz="1050" b="1" i="1" dirty="0">
+                              <a:latin typeface="Cambria Math" panose="02040503050406030204" pitchFamily="18" charset="0"/>
+                            </a:rPr>
+                            <m:t>𝒔</m:t>
+                          </m:r>
+                          <m:r>
+                            <a:rPr lang="fr-FR" sz="1050" b="1" dirty="0">
+                              <a:latin typeface="Cambria Math" panose="02040503050406030204" pitchFamily="18" charset="0"/>
+                            </a:rPr>
+                            <m:t>𝐢𝐭𝐞</m:t>
+                          </m:r>
+                        </m:sub>
+                      </m:sSub>
+                    </m:oMath>
+                  </a14:m>
+                  <a:r>
+                    <a:rPr lang="fr-FR" sz="1050" b="1" dirty="0"/>
+                    <a:t>= xx</a:t>
+                  </a:r>
+                  <a:r>
+                    <a:rPr lang="fr-FR" sz="1050" b="1" dirty="0"/>
+                    <a:t>%,  </a:t>
+                  </a:r>
+                  <a14:m>
+                    <m:oMath xmlns:m="http://schemas.openxmlformats.org/officeDocument/2006/math">
+                      <m:sSub>
+                        <m:sSubPr>
+                          <m:ctrlPr>
+                            <a:rPr lang="fr-FR" sz="1050" b="1" i="1">
+                              <a:latin typeface="Cambria Math" panose="02040503050406030204" pitchFamily="18" charset="0"/>
+                            </a:rPr>
+                          </m:ctrlPr>
+                        </m:sSubPr>
+                        <m:e>
+                          <m:acc>
+                            <m:accPr>
+                              <m:chr m:val="̅"/>
+                              <m:ctrlPr>
+                                <a:rPr lang="fr-FR" sz="1050" b="1" i="1">
+                                  <a:latin typeface="Cambria Math" panose="02040503050406030204" pitchFamily="18" charset="0"/>
+                                </a:rPr>
+                              </m:ctrlPr>
+                            </m:accPr>
+                            <m:e>
+                              <m:r>
+                                <a:rPr lang="fr-FR" sz="1050" b="1" i="1">
+                                  <a:latin typeface="Cambria Math" panose="02040503050406030204" pitchFamily="18" charset="0"/>
+                                </a:rPr>
+                                <m:t>𝜷</m:t>
+                              </m:r>
+                            </m:e>
+                          </m:acc>
+                        </m:e>
+                        <m:sub>
+                          <m:r>
+                            <a:rPr lang="fr-FR" sz="1050" b="1" i="1" dirty="0">
+                              <a:latin typeface="Cambria Math" panose="02040503050406030204" pitchFamily="18" charset="0"/>
+                            </a:rPr>
+                            <m:t>𝒊𝒏𝒕𝒆𝒓</m:t>
+                          </m:r>
+                          <m:r>
+                            <a:rPr lang="fr-FR" sz="1050" b="1" dirty="0">
+                              <a:latin typeface="Cambria Math" panose="02040503050406030204" pitchFamily="18" charset="0"/>
+                            </a:rPr>
+                            <m:t>−</m:t>
+                          </m:r>
+                          <m:r>
+                            <a:rPr lang="fr-FR" sz="1050" b="1" i="1" dirty="0">
+                              <a:latin typeface="Cambria Math" panose="02040503050406030204" pitchFamily="18" charset="0"/>
+                            </a:rPr>
+                            <m:t>𝒔𝒕𝒂𝒕𝒊𝒐𝒏</m:t>
+                          </m:r>
+                        </m:sub>
+                      </m:sSub>
+                    </m:oMath>
+                  </a14:m>
+                  <a:r>
+                    <a:rPr lang="fr-FR" sz="1050" b="1" dirty="0"/>
+                    <a:t>= xx</a:t>
+                  </a:r>
+                  <a:r>
+                    <a:rPr lang="fr-FR" sz="1050" b="1" dirty="0"/>
+                    <a:t>%,  </a:t>
+                  </a:r>
+                  <a14:m>
+                    <m:oMath xmlns:m="http://schemas.openxmlformats.org/officeDocument/2006/math">
+                      <m:sSub>
+                        <m:sSubPr>
+                          <m:ctrlPr>
+                            <a:rPr lang="fr-FR" sz="1050" b="1" i="1">
+                              <a:latin typeface="Cambria Math" panose="02040503050406030204" pitchFamily="18" charset="0"/>
+                            </a:rPr>
+                          </m:ctrlPr>
+                        </m:sSubPr>
+                        <m:e>
+                          <m:acc>
+                            <m:accPr>
+                              <m:chr m:val="̅"/>
+                              <m:ctrlPr>
+                                <a:rPr lang="fr-FR" sz="1050" b="1" i="1">
+                                  <a:latin typeface="Cambria Math" panose="02040503050406030204" pitchFamily="18" charset="0"/>
+                                </a:rPr>
+                              </m:ctrlPr>
+                            </m:accPr>
+                            <m:e>
+                              <m:r>
+                                <a:rPr lang="fr-FR" sz="1050" b="1" i="1">
+                                  <a:latin typeface="Cambria Math" panose="02040503050406030204" pitchFamily="18" charset="0"/>
+                                  <a:ea typeface="Cambria Math" panose="02040503050406030204" pitchFamily="18" charset="0"/>
+                                </a:rPr>
+                                <m:t>𝜶</m:t>
+                              </m:r>
+                            </m:e>
+                          </m:acc>
+                        </m:e>
+                        <m:sub>
+                          <m:r>
+                            <a:rPr lang="fr-FR" sz="1050" b="1" i="1" dirty="0">
+                              <a:latin typeface="Cambria Math" panose="02040503050406030204" pitchFamily="18" charset="0"/>
+                            </a:rPr>
+                            <m:t>𝒔𝒕𝒂𝒕𝒊𝒐𝒏</m:t>
+                          </m:r>
+                        </m:sub>
+                      </m:sSub>
+                    </m:oMath>
+                  </a14:m>
+                  <a:r>
+                    <a:rPr lang="fr-FR" sz="1050" b="1" dirty="0"/>
+                    <a:t>= xx</a:t>
+                  </a:r>
+                  <a:r>
+                    <a:rPr lang="fr-FR" sz="1050" b="1" dirty="0"/>
+                    <a:t>%</a:t>
+                  </a:r>
+                  <a:endParaRPr lang="fr-FR" sz="1050" b="1" dirty="0"/>
+                </a:p>
+              </p:txBody>
+            </p:sp>
+          </mc:Choice>
+          <mc:Fallback>
+            <p:sp>
+              <p:nvSpPr>
+                <p:cNvPr id="3" name="ZoneTexte 2"/>
+                <p:cNvSpPr txBox="1">
+                  <a:spLocks noRot="1" noChangeAspect="1" noMove="1" noResize="1" noEditPoints="1" noAdjustHandles="1" noChangeArrowheads="1" noChangeShapeType="1" noTextEdit="1"/>
+                </p:cNvSpPr>
+                <p:nvPr/>
+              </p:nvSpPr>
+              <p:spPr>
+                <a:xfrm>
+                  <a:off x="356812" y="5346843"/>
+                  <a:ext cx="4817460" cy="1011687"/>
+                </a:xfrm>
+                <a:prstGeom prst="rect">
+                  <a:avLst/>
+                </a:prstGeom>
+                <a:blipFill>
+                  <a:blip r:embed="rId17"/>
+                  <a:stretch>
+                    <a:fillRect b="-1807"/>
+                  </a:stretch>
+                </a:blipFill>
+              </p:spPr>
+              <p:txBody>
+                <a:bodyPr/>
+                <a:lstStyle/>
+                <a:p>
+                  <a:r>
+                    <a:rPr lang="fr-FR">
+                      <a:noFill/>
+                    </a:rPr>
+                    <a:t> </a:t>
+                  </a:r>
+                </a:p>
+              </p:txBody>
+            </p:sp>
+          </mc:Fallback>
+        </mc:AlternateContent>
+        <p:pic>
+          <p:nvPicPr>
+            <p:cNvPr id="201" name="Image 200"/>
+            <p:cNvPicPr>
+              <a:picLocks noChangeAspect="1"/>
+            </p:cNvPicPr>
+            <p:nvPr/>
+          </p:nvPicPr>
+          <p:blipFill rotWithShape="1">
+            <a:blip r:embed="rId18" cstate="print">
+              <a:extLst>
+                <a:ext uri="{28A0092B-C50C-407E-A947-70E740481C1C}">
+                  <a14:useLocalDpi xmlns:a14="http://schemas.microsoft.com/office/drawing/2010/main" val="0"/>
+                </a:ext>
+              </a:extLst>
+            </a:blip>
+            <a:srcRect l="6868" t="7459" r="8395" b="8662"/>
+            <a:stretch/>
+          </p:blipFill>
+          <p:spPr>
+            <a:xfrm>
+              <a:off x="1414382" y="1803302"/>
+              <a:ext cx="1274191" cy="891934"/>
+            </a:xfrm>
+            <a:prstGeom prst="rect">
+              <a:avLst/>
+            </a:prstGeom>
+            <a:ln w="12700">
+              <a:solidFill>
+                <a:schemeClr val="accent1">
+                  <a:lumMod val="50000"/>
+                </a:schemeClr>
+              </a:solidFill>
+            </a:ln>
+          </p:spPr>
+        </p:pic>
+        <p:pic>
+          <p:nvPicPr>
+            <p:cNvPr id="202" name="Image 201"/>
+            <p:cNvPicPr>
+              <a:picLocks noChangeAspect="1"/>
+            </p:cNvPicPr>
+            <p:nvPr/>
+          </p:nvPicPr>
+          <p:blipFill>
+            <a:blip r:embed="rId19" cstate="print">
+              <a:extLst>
+                <a:ext uri="{28A0092B-C50C-407E-A947-70E740481C1C}">
+                  <a14:useLocalDpi xmlns:a14="http://schemas.microsoft.com/office/drawing/2010/main" val="0"/>
+                </a:ext>
+              </a:extLst>
+            </a:blip>
+            <a:stretch>
+              <a:fillRect/>
+            </a:stretch>
+          </p:blipFill>
+          <p:spPr>
+            <a:xfrm>
+              <a:off x="26094" y="3007428"/>
+              <a:ext cx="1267143" cy="832552"/>
+            </a:xfrm>
+            <a:prstGeom prst="rect">
+              <a:avLst/>
+            </a:prstGeom>
+          </p:spPr>
+        </p:pic>
+        <p:pic>
+          <p:nvPicPr>
+            <p:cNvPr id="203" name="Image 202"/>
+            <p:cNvPicPr>
+              <a:picLocks noChangeAspect="1"/>
+            </p:cNvPicPr>
+            <p:nvPr/>
+          </p:nvPicPr>
+          <p:blipFill rotWithShape="1">
+            <a:blip r:embed="rId20" cstate="print">
+              <a:extLst>
+                <a:ext uri="{28A0092B-C50C-407E-A947-70E740481C1C}">
+                  <a14:useLocalDpi xmlns:a14="http://schemas.microsoft.com/office/drawing/2010/main" val="0"/>
+                </a:ext>
+              </a:extLst>
+            </a:blip>
+            <a:srcRect b="7966"/>
+            <a:stretch/>
+          </p:blipFill>
+          <p:spPr>
+            <a:xfrm>
+              <a:off x="24431" y="3924978"/>
+              <a:ext cx="1270363" cy="876867"/>
+            </a:xfrm>
+            <a:prstGeom prst="rect">
+              <a:avLst/>
+            </a:prstGeom>
+          </p:spPr>
+        </p:pic>
+        <p:pic>
+          <p:nvPicPr>
+            <p:cNvPr id="231" name="Image 230"/>
+            <p:cNvPicPr>
+              <a:picLocks noChangeAspect="1"/>
+            </p:cNvPicPr>
+            <p:nvPr/>
+          </p:nvPicPr>
+          <p:blipFill rotWithShape="1">
+            <a:blip r:embed="rId21" cstate="print">
+              <a:extLst>
+                <a:ext uri="{28A0092B-C50C-407E-A947-70E740481C1C}">
+                  <a14:useLocalDpi xmlns:a14="http://schemas.microsoft.com/office/drawing/2010/main" val="0"/>
+                </a:ext>
+              </a:extLst>
+            </a:blip>
+            <a:srcRect l="2008" t="2783" r="1616" b="1849"/>
+            <a:stretch/>
+          </p:blipFill>
+          <p:spPr>
+            <a:xfrm>
+              <a:off x="5344423" y="1770327"/>
+              <a:ext cx="1354131" cy="947572"/>
+            </a:xfrm>
+            <a:prstGeom prst="rect">
+              <a:avLst/>
+            </a:prstGeom>
+            <a:ln w="12700">
+              <a:solidFill>
+                <a:srgbClr val="C00000"/>
+              </a:solidFill>
+            </a:ln>
+          </p:spPr>
+        </p:pic>
+      </p:grpSp>
     </p:spTree>
     <p:extLst>
       <p:ext uri="{BB962C8B-B14F-4D97-AF65-F5344CB8AC3E}">
@@ -6561,7 +6723,7 @@
 <file path=ppt/theme/theme1.xml><?xml version="1.0" encoding="utf-8"?>
 <a:theme xmlns:a="http://schemas.openxmlformats.org/drawingml/2006/main" name="Thème Office">
   <a:themeElements>
-    <a:clrScheme name="Office">
+    <a:clrScheme name="Thème Office">
       <a:dk1>
         <a:sysClr val="windowText" lastClr="000000"/>
       </a:dk1>
@@ -6599,7 +6761,7 @@
         <a:srgbClr val="954F72"/>
       </a:folHlink>
     </a:clrScheme>
-    <a:fontScheme name="Office">
+    <a:fontScheme name="Thème Office">
       <a:majorFont>
         <a:latin typeface="Calibri Light" panose="020F0302020204030204"/>
         <a:ea typeface=""/>
@@ -6671,7 +6833,7 @@
         <a:font script="Geor" typeface="Sylfaen"/>
       </a:minorFont>
     </a:fontScheme>
-    <a:fmtScheme name="Office">
+    <a:fmtScheme name="Thème Office">
       <a:fillStyleLst>
         <a:solidFill>
           <a:schemeClr val="phClr"/>

--- a/outputs/06_diversity_partitioning/schema_partition.pptx
+++ b/outputs/06_diversity_partitioning/schema_partition.pptx
@@ -243,7 +243,7 @@
           <a:p>
             <a:fld id="{1DD5E214-71AE-49E0-8511-3FE919ED9730}" type="datetimeFigureOut">
               <a:rPr lang="fr-FR" smtClean="0"/>
-              <a:t>30/04/2020</a:t>
+              <a:t>02/05/2020</a:t>
             </a:fld>
             <a:endParaRPr lang="fr-FR"/>
           </a:p>
@@ -413,7 +413,7 @@
           <a:p>
             <a:fld id="{1DD5E214-71AE-49E0-8511-3FE919ED9730}" type="datetimeFigureOut">
               <a:rPr lang="fr-FR" smtClean="0"/>
-              <a:t>30/04/2020</a:t>
+              <a:t>02/05/2020</a:t>
             </a:fld>
             <a:endParaRPr lang="fr-FR"/>
           </a:p>
@@ -593,7 +593,7 @@
           <a:p>
             <a:fld id="{1DD5E214-71AE-49E0-8511-3FE919ED9730}" type="datetimeFigureOut">
               <a:rPr lang="fr-FR" smtClean="0"/>
-              <a:t>30/04/2020</a:t>
+              <a:t>02/05/2020</a:t>
             </a:fld>
             <a:endParaRPr lang="fr-FR"/>
           </a:p>
@@ -763,7 +763,7 @@
           <a:p>
             <a:fld id="{1DD5E214-71AE-49E0-8511-3FE919ED9730}" type="datetimeFigureOut">
               <a:rPr lang="fr-FR" smtClean="0"/>
-              <a:t>30/04/2020</a:t>
+              <a:t>02/05/2020</a:t>
             </a:fld>
             <a:endParaRPr lang="fr-FR"/>
           </a:p>
@@ -1007,7 +1007,7 @@
           <a:p>
             <a:fld id="{1DD5E214-71AE-49E0-8511-3FE919ED9730}" type="datetimeFigureOut">
               <a:rPr lang="fr-FR" smtClean="0"/>
-              <a:t>30/04/2020</a:t>
+              <a:t>02/05/2020</a:t>
             </a:fld>
             <a:endParaRPr lang="fr-FR"/>
           </a:p>
@@ -1239,7 +1239,7 @@
           <a:p>
             <a:fld id="{1DD5E214-71AE-49E0-8511-3FE919ED9730}" type="datetimeFigureOut">
               <a:rPr lang="fr-FR" smtClean="0"/>
-              <a:t>30/04/2020</a:t>
+              <a:t>02/05/2020</a:t>
             </a:fld>
             <a:endParaRPr lang="fr-FR"/>
           </a:p>
@@ -1606,7 +1606,7 @@
           <a:p>
             <a:fld id="{1DD5E214-71AE-49E0-8511-3FE919ED9730}" type="datetimeFigureOut">
               <a:rPr lang="fr-FR" smtClean="0"/>
-              <a:t>30/04/2020</a:t>
+              <a:t>02/05/2020</a:t>
             </a:fld>
             <a:endParaRPr lang="fr-FR"/>
           </a:p>
@@ -1724,7 +1724,7 @@
           <a:p>
             <a:fld id="{1DD5E214-71AE-49E0-8511-3FE919ED9730}" type="datetimeFigureOut">
               <a:rPr lang="fr-FR" smtClean="0"/>
-              <a:t>30/04/2020</a:t>
+              <a:t>02/05/2020</a:t>
             </a:fld>
             <a:endParaRPr lang="fr-FR"/>
           </a:p>
@@ -1819,7 +1819,7 @@
           <a:p>
             <a:fld id="{1DD5E214-71AE-49E0-8511-3FE919ED9730}" type="datetimeFigureOut">
               <a:rPr lang="fr-FR" smtClean="0"/>
-              <a:t>30/04/2020</a:t>
+              <a:t>02/05/2020</a:t>
             </a:fld>
             <a:endParaRPr lang="fr-FR"/>
           </a:p>
@@ -2096,7 +2096,7 @@
           <a:p>
             <a:fld id="{1DD5E214-71AE-49E0-8511-3FE919ED9730}" type="datetimeFigureOut">
               <a:rPr lang="fr-FR" smtClean="0"/>
-              <a:t>30/04/2020</a:t>
+              <a:t>02/05/2020</a:t>
             </a:fld>
             <a:endParaRPr lang="fr-FR"/>
           </a:p>
@@ -2353,7 +2353,7 @@
           <a:p>
             <a:fld id="{1DD5E214-71AE-49E0-8511-3FE919ED9730}" type="datetimeFigureOut">
               <a:rPr lang="fr-FR" smtClean="0"/>
-              <a:t>30/04/2020</a:t>
+              <a:t>02/05/2020</a:t>
             </a:fld>
             <a:endParaRPr lang="fr-FR"/>
           </a:p>
@@ -2566,7 +2566,7 @@
           <a:p>
             <a:fld id="{1DD5E214-71AE-49E0-8511-3FE919ED9730}" type="datetimeFigureOut">
               <a:rPr lang="fr-FR" smtClean="0"/>
-              <a:t>30/04/2020</a:t>
+              <a:t>02/05/2020</a:t>
             </a:fld>
             <a:endParaRPr lang="fr-FR"/>
           </a:p>
@@ -2980,9 +2980,9 @@
         <p:grpSpPr>
           <a:xfrm>
             <a:off x="24431" y="468748"/>
-            <a:ext cx="6674123" cy="5889782"/>
+            <a:ext cx="6674123" cy="6551438"/>
             <a:chOff x="24431" y="468748"/>
-            <a:chExt cx="6674123" cy="5889782"/>
+            <a:chExt cx="6674123" cy="6551438"/>
           </a:xfrm>
         </p:grpSpPr>
         <p:pic>
@@ -3014,7 +3014,7 @@
             </a:prstGeom>
             <a:ln w="12700">
               <a:solidFill>
-                <a:schemeClr val="accent1"/>
+                <a:srgbClr val="008080"/>
               </a:solidFill>
             </a:ln>
           </p:spPr>
@@ -3048,7 +3048,7 @@
             </a:prstGeom>
             <a:ln w="12700">
               <a:solidFill>
-                <a:schemeClr val="accent4"/>
+                <a:srgbClr val="333300"/>
               </a:solidFill>
             </a:ln>
           </p:spPr>
@@ -3070,9 +3070,7 @@
             <a:noFill/>
             <a:ln>
               <a:solidFill>
-                <a:schemeClr val="accent5">
-                  <a:lumMod val="75000"/>
-                </a:schemeClr>
+                <a:srgbClr val="FF9900"/>
               </a:solidFill>
             </a:ln>
           </p:spPr>
@@ -3114,6 +3112,11 @@
               <a:avLst/>
             </a:prstGeom>
             <a:noFill/>
+            <a:ln>
+              <a:solidFill>
+                <a:schemeClr val="tx1"/>
+              </a:solidFill>
+            </a:ln>
           </p:spPr>
           <p:style>
             <a:lnRef idx="1">
@@ -3138,8 +3141,8 @@
             </a:p>
           </p:txBody>
         </p:sp>
-        <mc:AlternateContent xmlns:mc="http://schemas.openxmlformats.org/markup-compatibility/2006">
-          <mc:Choice xmlns:a14="http://schemas.microsoft.com/office/drawing/2010/main" Requires="a14">
+        <mc:AlternateContent xmlns:mc="http://schemas.openxmlformats.org/markup-compatibility/2006" xmlns:a14="http://schemas.microsoft.com/office/drawing/2010/main">
+          <mc:Choice Requires="a14">
             <p:sp>
               <p:nvSpPr>
                 <p:cNvPr id="4" name="ZoneTexte 3"/>
@@ -3212,11 +3215,6 @@
                     </a:rPr>
                     <a:t> =100%</a:t>
                   </a:r>
-                  <a:endParaRPr lang="fr-FR" sz="1013" b="1" dirty="0">
-                    <a:solidFill>
-                      <a:srgbClr val="FF0000"/>
-                    </a:solidFill>
-                  </a:endParaRPr>
                 </a:p>
                 <a:p>
                   <a:pPr algn="ctr"/>
@@ -3228,12 +3226,11 @@
                     <a:rPr lang="en-US" sz="1013" dirty="0"/>
                     <a:t>MOTUs</a:t>
                   </a:r>
-                  <a:endParaRPr lang="en-US" sz="1013" dirty="0"/>
                 </a:p>
               </p:txBody>
             </p:sp>
           </mc:Choice>
-          <mc:Fallback>
+          <mc:Fallback xmlns="">
             <p:sp>
               <p:nvSpPr>
                 <p:cNvPr id="4" name="ZoneTexte 3"/>
@@ -3298,7 +3295,6 @@
                 <a:rPr lang="fr-FR" sz="1013" dirty="0"/>
                 <a:t>Caribbean</a:t>
               </a:r>
-              <a:endParaRPr lang="fr-FR" sz="1013" dirty="0"/>
             </a:p>
           </p:txBody>
         </p:sp>
@@ -3328,7 +3324,6 @@
                 <a:rPr lang="fr-FR" sz="1013" dirty="0"/>
                 <a:t>Central Pacific</a:t>
               </a:r>
-              <a:endParaRPr lang="fr-FR" sz="1013" dirty="0"/>
             </a:p>
           </p:txBody>
         </p:sp>
@@ -3362,7 +3357,6 @@
                 <a:rPr lang="en-US" sz="1013" dirty="0"/>
                 <a:t>Indian</a:t>
               </a:r>
-              <a:endParaRPr lang="en-US" sz="1013" dirty="0"/>
             </a:p>
           </p:txBody>
         </p:sp>
@@ -3392,12 +3386,11 @@
                 <a:rPr lang="fr-FR" sz="1013" dirty="0"/>
                 <a:t>Central Indo-Pacific</a:t>
               </a:r>
-              <a:endParaRPr lang="fr-FR" sz="1013" dirty="0"/>
             </a:p>
           </p:txBody>
         </p:sp>
-        <mc:AlternateContent xmlns:mc="http://schemas.openxmlformats.org/markup-compatibility/2006">
-          <mc:Choice xmlns:a14="http://schemas.microsoft.com/office/drawing/2010/main" Requires="a14">
+        <mc:AlternateContent xmlns:mc="http://schemas.openxmlformats.org/markup-compatibility/2006" xmlns:a14="http://schemas.microsoft.com/office/drawing/2010/main">
+          <mc:Choice Requires="a14">
             <p:sp>
               <p:nvSpPr>
                 <p:cNvPr id="9" name="ZoneTexte 8"/>
@@ -3477,12 +3470,11 @@
                     <a:rPr lang="fr-FR" sz="1013" dirty="0"/>
                     <a:t>= xx%</a:t>
                   </a:r>
-                  <a:endParaRPr lang="fr-FR" sz="1013" dirty="0"/>
                 </a:p>
               </p:txBody>
             </p:sp>
           </mc:Choice>
-          <mc:Fallback>
+          <mc:Fallback xmlns="">
             <p:sp>
               <p:nvSpPr>
                 <p:cNvPr id="9" name="ZoneTexte 8"/>
@@ -3521,8 +3513,8 @@
             </p:sp>
           </mc:Fallback>
         </mc:AlternateContent>
-        <mc:AlternateContent xmlns:mc="http://schemas.openxmlformats.org/markup-compatibility/2006">
-          <mc:Choice xmlns:a14="http://schemas.microsoft.com/office/drawing/2010/main" Requires="a14">
+        <mc:AlternateContent xmlns:mc="http://schemas.openxmlformats.org/markup-compatibility/2006" xmlns:a14="http://schemas.microsoft.com/office/drawing/2010/main">
+          <mc:Choice Requires="a14">
             <p:sp>
               <p:nvSpPr>
                 <p:cNvPr id="10" name="ZoneTexte 9"/>
@@ -3602,12 +3594,11 @@
                     <a:rPr lang="fr-FR" sz="1013" dirty="0"/>
                     <a:t>= 0%</a:t>
                   </a:r>
-                  <a:endParaRPr lang="fr-FR" sz="1013" dirty="0"/>
                 </a:p>
               </p:txBody>
             </p:sp>
           </mc:Choice>
-          <mc:Fallback>
+          <mc:Fallback xmlns="">
             <p:sp>
               <p:nvSpPr>
                 <p:cNvPr id="10" name="ZoneTexte 9"/>
@@ -3646,8 +3637,8 @@
             </p:sp>
           </mc:Fallback>
         </mc:AlternateContent>
-        <mc:AlternateContent xmlns:mc="http://schemas.openxmlformats.org/markup-compatibility/2006">
-          <mc:Choice xmlns:a14="http://schemas.microsoft.com/office/drawing/2010/main" Requires="a14">
+        <mc:AlternateContent xmlns:mc="http://schemas.openxmlformats.org/markup-compatibility/2006" xmlns:a14="http://schemas.microsoft.com/office/drawing/2010/main">
+          <mc:Choice Requires="a14">
             <p:sp>
               <p:nvSpPr>
                 <p:cNvPr id="11" name="ZoneTexte 10"/>
@@ -3727,12 +3718,11 @@
                     <a:rPr lang="fr-FR" sz="1013" dirty="0"/>
                     <a:t>= xx%</a:t>
                   </a:r>
-                  <a:endParaRPr lang="fr-FR" sz="1013" dirty="0"/>
                 </a:p>
               </p:txBody>
             </p:sp>
           </mc:Choice>
-          <mc:Fallback>
+          <mc:Fallback xmlns="">
             <p:sp>
               <p:nvSpPr>
                 <p:cNvPr id="11" name="ZoneTexte 10"/>
@@ -3771,8 +3761,8 @@
             </p:sp>
           </mc:Fallback>
         </mc:AlternateContent>
-        <mc:AlternateContent xmlns:mc="http://schemas.openxmlformats.org/markup-compatibility/2006">
-          <mc:Choice xmlns:a14="http://schemas.microsoft.com/office/drawing/2010/main" Requires="a14">
+        <mc:AlternateContent xmlns:mc="http://schemas.openxmlformats.org/markup-compatibility/2006" xmlns:a14="http://schemas.microsoft.com/office/drawing/2010/main">
+          <mc:Choice Requires="a14">
             <p:sp>
               <p:nvSpPr>
                 <p:cNvPr id="12" name="ZoneTexte 11"/>
@@ -3852,12 +3842,11 @@
                     <a:rPr lang="fr-FR" sz="1013" dirty="0"/>
                     <a:t>= xx%</a:t>
                   </a:r>
-                  <a:endParaRPr lang="fr-FR" sz="1013" dirty="0"/>
                 </a:p>
               </p:txBody>
             </p:sp>
           </mc:Choice>
-          <mc:Fallback>
+          <mc:Fallback xmlns="">
             <p:sp>
               <p:nvSpPr>
                 <p:cNvPr id="12" name="ZoneTexte 11"/>
@@ -3896,8 +3885,8 @@
             </p:sp>
           </mc:Fallback>
         </mc:AlternateContent>
-        <mc:AlternateContent xmlns:mc="http://schemas.openxmlformats.org/markup-compatibility/2006">
-          <mc:Choice xmlns:a14="http://schemas.microsoft.com/office/drawing/2010/main" Requires="a14">
+        <mc:AlternateContent xmlns:mc="http://schemas.openxmlformats.org/markup-compatibility/2006" xmlns:a14="http://schemas.microsoft.com/office/drawing/2010/main">
+          <mc:Choice Requires="a14">
             <p:sp>
               <p:nvSpPr>
                 <p:cNvPr id="13" name="ZoneTexte 12"/>
@@ -4035,12 +4024,11 @@
                     <a:rPr lang="fr-FR" sz="1013" dirty="0"/>
                     <a:t>= xx%</a:t>
                   </a:r>
-                  <a:endParaRPr lang="fr-FR" sz="1013" dirty="0"/>
                 </a:p>
               </p:txBody>
             </p:sp>
           </mc:Choice>
-          <mc:Fallback>
+          <mc:Fallback xmlns="">
             <p:sp>
               <p:nvSpPr>
                 <p:cNvPr id="13" name="ZoneTexte 12"/>
@@ -4079,8 +4067,8 @@
             </p:sp>
           </mc:Fallback>
         </mc:AlternateContent>
-        <mc:AlternateContent xmlns:mc="http://schemas.openxmlformats.org/markup-compatibility/2006">
-          <mc:Choice xmlns:a14="http://schemas.microsoft.com/office/drawing/2010/main" Requires="a14">
+        <mc:AlternateContent xmlns:mc="http://schemas.openxmlformats.org/markup-compatibility/2006" xmlns:a14="http://schemas.microsoft.com/office/drawing/2010/main">
+          <mc:Choice Requires="a14">
             <p:sp>
               <p:nvSpPr>
                 <p:cNvPr id="14" name="ZoneTexte 13"/>
@@ -4218,12 +4206,11 @@
                     <a:rPr lang="fr-FR" sz="1013" dirty="0"/>
                     <a:t>= xx%</a:t>
                   </a:r>
-                  <a:endParaRPr lang="fr-FR" sz="1013" dirty="0"/>
                 </a:p>
               </p:txBody>
             </p:sp>
           </mc:Choice>
-          <mc:Fallback>
+          <mc:Fallback xmlns="">
             <p:sp>
               <p:nvSpPr>
                 <p:cNvPr id="14" name="ZoneTexte 13"/>
@@ -4262,8 +4249,8 @@
             </p:sp>
           </mc:Fallback>
         </mc:AlternateContent>
-        <mc:AlternateContent xmlns:mc="http://schemas.openxmlformats.org/markup-compatibility/2006">
-          <mc:Choice xmlns:a14="http://schemas.microsoft.com/office/drawing/2010/main" Requires="a14">
+        <mc:AlternateContent xmlns:mc="http://schemas.openxmlformats.org/markup-compatibility/2006" xmlns:a14="http://schemas.microsoft.com/office/drawing/2010/main">
+          <mc:Choice Requires="a14">
             <p:sp>
               <p:nvSpPr>
                 <p:cNvPr id="15" name="ZoneTexte 14"/>
@@ -4401,12 +4388,11 @@
                     <a:rPr lang="fr-FR" sz="1013" dirty="0"/>
                     <a:t>= xx%</a:t>
                   </a:r>
-                  <a:endParaRPr lang="fr-FR" sz="1013" dirty="0"/>
                 </a:p>
               </p:txBody>
             </p:sp>
           </mc:Choice>
-          <mc:Fallback>
+          <mc:Fallback xmlns="">
             <p:sp>
               <p:nvSpPr>
                 <p:cNvPr id="15" name="ZoneTexte 14"/>
@@ -4445,8 +4431,8 @@
             </p:sp>
           </mc:Fallback>
         </mc:AlternateContent>
-        <mc:AlternateContent xmlns:mc="http://schemas.openxmlformats.org/markup-compatibility/2006">
-          <mc:Choice xmlns:a14="http://schemas.microsoft.com/office/drawing/2010/main" Requires="a14">
+        <mc:AlternateContent xmlns:mc="http://schemas.openxmlformats.org/markup-compatibility/2006" xmlns:a14="http://schemas.microsoft.com/office/drawing/2010/main">
+          <mc:Choice Requires="a14">
             <p:sp>
               <p:nvSpPr>
                 <p:cNvPr id="16" name="ZoneTexte 15"/>
@@ -4584,12 +4570,11 @@
                     <a:rPr lang="fr-FR" sz="1013" dirty="0"/>
                     <a:t>= xx%</a:t>
                   </a:r>
-                  <a:endParaRPr lang="fr-FR" sz="1013" dirty="0"/>
                 </a:p>
               </p:txBody>
             </p:sp>
           </mc:Choice>
-          <mc:Fallback>
+          <mc:Fallback xmlns="">
             <p:sp>
               <p:nvSpPr>
                 <p:cNvPr id="16" name="ZoneTexte 15"/>
@@ -4628,8 +4613,8 @@
             </p:sp>
           </mc:Fallback>
         </mc:AlternateContent>
-        <mc:AlternateContent xmlns:mc="http://schemas.openxmlformats.org/markup-compatibility/2006">
-          <mc:Choice xmlns:a14="http://schemas.microsoft.com/office/drawing/2010/main" Requires="a14">
+        <mc:AlternateContent xmlns:mc="http://schemas.openxmlformats.org/markup-compatibility/2006" xmlns:a14="http://schemas.microsoft.com/office/drawing/2010/main">
+          <mc:Choice Requires="a14">
             <p:sp>
               <p:nvSpPr>
                 <p:cNvPr id="17" name="ZoneTexte 16"/>
@@ -4714,16 +4699,11 @@
                     </a:rPr>
                     <a:t>= xx%</a:t>
                   </a:r>
-                  <a:endParaRPr lang="fr-FR" sz="1125" b="1" dirty="0">
-                    <a:solidFill>
-                      <a:srgbClr val="FF0000"/>
-                    </a:solidFill>
-                  </a:endParaRPr>
                 </a:p>
               </p:txBody>
             </p:sp>
           </mc:Choice>
-          <mc:Fallback>
+          <mc:Fallback xmlns="">
             <p:sp>
               <p:nvSpPr>
                 <p:cNvPr id="17" name="ZoneTexte 16"/>
@@ -4762,8 +4742,8 @@
             </p:sp>
           </mc:Fallback>
         </mc:AlternateContent>
-        <mc:AlternateContent xmlns:mc="http://schemas.openxmlformats.org/markup-compatibility/2006">
-          <mc:Choice xmlns:a14="http://schemas.microsoft.com/office/drawing/2010/main" Requires="a14">
+        <mc:AlternateContent xmlns:mc="http://schemas.openxmlformats.org/markup-compatibility/2006" xmlns:a14="http://schemas.microsoft.com/office/drawing/2010/main">
+          <mc:Choice Requires="a14">
             <p:sp>
               <p:nvSpPr>
                 <p:cNvPr id="18" name="ZoneTexte 17"/>
@@ -4863,26 +4843,13 @@
                         <a:srgbClr val="FF0000"/>
                       </a:solidFill>
                     </a:rPr>
-                    <a:t>= </a:t>
+                    <a:t>= xx%</a:t>
                   </a:r>
-                  <a:r>
-                    <a:rPr lang="fr-FR" sz="1125" b="1" dirty="0">
-                      <a:solidFill>
-                        <a:srgbClr val="FF0000"/>
-                      </a:solidFill>
-                    </a:rPr>
-                    <a:t>xx%</a:t>
-                  </a:r>
-                  <a:endParaRPr lang="fr-FR" sz="1125" b="1" dirty="0">
-                    <a:solidFill>
-                      <a:srgbClr val="FF0000"/>
-                    </a:solidFill>
-                  </a:endParaRPr>
                 </a:p>
               </p:txBody>
             </p:sp>
           </mc:Choice>
-          <mc:Fallback>
+          <mc:Fallback xmlns="">
             <p:sp>
               <p:nvSpPr>
                 <p:cNvPr id="18" name="ZoneTexte 17"/>
@@ -4921,8 +4888,8 @@
             </p:sp>
           </mc:Fallback>
         </mc:AlternateContent>
-        <mc:AlternateContent xmlns:mc="http://schemas.openxmlformats.org/markup-compatibility/2006">
-          <mc:Choice xmlns:a14="http://schemas.microsoft.com/office/drawing/2010/main" Requires="a14">
+        <mc:AlternateContent xmlns:mc="http://schemas.openxmlformats.org/markup-compatibility/2006" xmlns:a14="http://schemas.microsoft.com/office/drawing/2010/main">
+          <mc:Choice Requires="a14">
             <p:sp>
               <p:nvSpPr>
                 <p:cNvPr id="19" name="ZoneTexte 18"/>
@@ -5031,26 +4998,13 @@
                         <a:srgbClr val="FF0000"/>
                       </a:solidFill>
                     </a:rPr>
-                    <a:t>= </a:t>
+                    <a:t>= xx%</a:t>
                   </a:r>
-                  <a:r>
-                    <a:rPr lang="fr-FR" sz="1125" b="1" dirty="0">
-                      <a:solidFill>
-                        <a:srgbClr val="FF0000"/>
-                      </a:solidFill>
-                    </a:rPr>
-                    <a:t>xx%</a:t>
-                  </a:r>
-                  <a:endParaRPr lang="fr-FR" sz="1125" b="1" dirty="0">
-                    <a:solidFill>
-                      <a:srgbClr val="FF0000"/>
-                    </a:solidFill>
-                  </a:endParaRPr>
                 </a:p>
               </p:txBody>
             </p:sp>
           </mc:Choice>
-          <mc:Fallback>
+          <mc:Fallback xmlns="">
             <p:sp>
               <p:nvSpPr>
                 <p:cNvPr id="19" name="ZoneTexte 18"/>
@@ -5520,8 +5474,8 @@
             </a:fontRef>
           </p:style>
         </p:cxnSp>
-        <mc:AlternateContent xmlns:mc="http://schemas.openxmlformats.org/markup-compatibility/2006">
-          <mc:Choice xmlns:a14="http://schemas.microsoft.com/office/drawing/2010/main" Requires="a14">
+        <mc:AlternateContent xmlns:mc="http://schemas.openxmlformats.org/markup-compatibility/2006" xmlns:a14="http://schemas.microsoft.com/office/drawing/2010/main">
+          <mc:Choice Requires="a14">
             <p:sp>
               <p:nvSpPr>
                 <p:cNvPr id="20" name="ZoneTexte 19"/>
@@ -5609,26 +5563,13 @@
                         <a:srgbClr val="FF0000"/>
                       </a:solidFill>
                     </a:rPr>
-                    <a:t>= </a:t>
+                    <a:t>= xx%</a:t>
                   </a:r>
-                  <a:r>
-                    <a:rPr lang="fr-FR" sz="1125" b="1" dirty="0">
-                      <a:solidFill>
-                        <a:srgbClr val="FF0000"/>
-                      </a:solidFill>
-                    </a:rPr>
-                    <a:t>xx%</a:t>
-                  </a:r>
-                  <a:endParaRPr lang="fr-FR" sz="1125" b="1" dirty="0">
-                    <a:solidFill>
-                      <a:srgbClr val="FF0000"/>
-                    </a:solidFill>
-                  </a:endParaRPr>
                 </a:p>
               </p:txBody>
             </p:sp>
           </mc:Choice>
-          <mc:Fallback>
+          <mc:Fallback xmlns="">
             <p:sp>
               <p:nvSpPr>
                 <p:cNvPr id="20" name="ZoneTexte 19"/>
@@ -5682,6 +5623,11 @@
               <a:avLst/>
             </a:prstGeom>
             <a:noFill/>
+            <a:ln>
+              <a:solidFill>
+                <a:srgbClr val="333300"/>
+              </a:solidFill>
+            </a:ln>
           </p:spPr>
           <p:style>
             <a:lnRef idx="2">
@@ -5721,6 +5667,11 @@
               <a:avLst/>
             </a:prstGeom>
             <a:noFill/>
+            <a:ln>
+              <a:solidFill>
+                <a:srgbClr val="008080"/>
+              </a:solidFill>
+            </a:ln>
           </p:spPr>
           <p:style>
             <a:lnRef idx="2">
@@ -5762,7 +5713,7 @@
             <a:noFill/>
             <a:ln>
               <a:solidFill>
-                <a:srgbClr val="C00000"/>
+                <a:srgbClr val="E4745E"/>
               </a:solidFill>
             </a:ln>
           </p:spPr>
@@ -5806,9 +5757,7 @@
             <a:noFill/>
             <a:ln>
               <a:solidFill>
-                <a:schemeClr val="accent5">
-                  <a:lumMod val="75000"/>
-                </a:schemeClr>
+                <a:srgbClr val="FF9900"/>
               </a:solidFill>
             </a:ln>
           </p:spPr>
@@ -5850,6 +5799,11 @@
               <a:avLst/>
             </a:prstGeom>
             <a:noFill/>
+            <a:ln>
+              <a:solidFill>
+                <a:srgbClr val="333300"/>
+              </a:solidFill>
+            </a:ln>
           </p:spPr>
           <p:style>
             <a:lnRef idx="2">
@@ -5889,6 +5843,11 @@
               <a:avLst/>
             </a:prstGeom>
             <a:noFill/>
+            <a:ln>
+              <a:solidFill>
+                <a:srgbClr val="008080"/>
+              </a:solidFill>
+            </a:ln>
           </p:spPr>
           <p:style>
             <a:lnRef idx="2">
@@ -5930,7 +5889,7 @@
             <a:noFill/>
             <a:ln>
               <a:solidFill>
-                <a:srgbClr val="C00000"/>
+                <a:srgbClr val="E4745E"/>
               </a:solidFill>
             </a:ln>
           </p:spPr>
@@ -5990,10 +5949,6 @@
                 </a:rPr>
                 <a:t>Diversity partitioning of all MOTUs</a:t>
               </a:r>
-              <a:endParaRPr lang="en-US" sz="1125" b="1" dirty="0">
-                <a:latin typeface="Times New Roman" panose="02020603050405020304" pitchFamily="18" charset="0"/>
-                <a:cs typeface="Times New Roman" panose="02020603050405020304" pitchFamily="18" charset="0"/>
-              </a:endParaRPr>
             </a:p>
           </p:txBody>
         </p:sp>
@@ -6008,7 +5963,7 @@
               <p:spPr>
                 <a:xfrm>
                   <a:off x="356812" y="5346843"/>
-                  <a:ext cx="4817460" cy="1011687"/>
+                  <a:ext cx="4817460" cy="1673343"/>
                 </a:xfrm>
                 <a:prstGeom prst="rect">
                   <a:avLst/>
@@ -6088,11 +6043,7 @@
                   </a14:m>
                   <a:r>
                     <a:rPr lang="fr-FR" sz="1050" b="1" dirty="0"/>
-                    <a:t>= xx</a:t>
-                  </a:r>
-                  <a:r>
-                    <a:rPr lang="fr-FR" sz="1050" b="1" dirty="0"/>
-                    <a:t>%,  </a:t>
+                    <a:t>= xx%,  </a:t>
                   </a:r>
                   <a14:m>
                     <m:oMath xmlns:m="http://schemas.openxmlformats.org/officeDocument/2006/math">
@@ -6155,11 +6106,7 @@
                   </a14:m>
                   <a:r>
                     <a:rPr lang="fr-FR" sz="1050" b="1" dirty="0"/>
-                    <a:t>= xx</a:t>
-                  </a:r>
-                  <a:r>
-                    <a:rPr lang="fr-FR" sz="1050" b="1" dirty="0"/>
-                    <a:t>%,  </a:t>
+                    <a:t>= xx%,  </a:t>
                   </a:r>
                   <a14:m>
                     <m:oMath xmlns:m="http://schemas.openxmlformats.org/officeDocument/2006/math">
@@ -6216,11 +6163,7 @@
                   </a14:m>
                   <a:r>
                     <a:rPr lang="fr-FR" sz="1050" b="1" dirty="0"/>
-                    <a:t>= xx</a:t>
-                  </a:r>
-                  <a:r>
-                    <a:rPr lang="fr-FR" sz="1050" b="1" dirty="0"/>
-                    <a:t>%,  </a:t>
+                    <a:t>= xx%,  </a:t>
                   </a:r>
                   <a14:m>
                     <m:oMath xmlns:m="http://schemas.openxmlformats.org/officeDocument/2006/math">
@@ -6278,11 +6221,6 @@
                     </a:rPr>
                     <a:t> </a:t>
                   </a:r>
-                  <a:endParaRPr lang="fr-FR" sz="1050" b="1" dirty="0">
-                    <a:solidFill>
-                      <a:srgbClr val="FF0000"/>
-                    </a:solidFill>
-                  </a:endParaRPr>
                 </a:p>
                 <a:p>
                   <a:pPr marL="214313" indent="-214313">
@@ -6349,11 +6287,7 @@
                   </a14:m>
                   <a:r>
                     <a:rPr lang="fr-FR" sz="1050" b="1" dirty="0"/>
-                    <a:t>= xx</a:t>
-                  </a:r>
-                  <a:r>
-                    <a:rPr lang="fr-FR" sz="1050" b="1" dirty="0"/>
-                    <a:t>%,  </a:t>
+                    <a:t>= xx%,  </a:t>
                   </a:r>
                   <a14:m>
                     <m:oMath xmlns:m="http://schemas.openxmlformats.org/officeDocument/2006/math">
@@ -6416,11 +6350,7 @@
                   </a14:m>
                   <a:r>
                     <a:rPr lang="fr-FR" sz="1050" b="1" dirty="0"/>
-                    <a:t>= xx</a:t>
-                  </a:r>
-                  <a:r>
-                    <a:rPr lang="fr-FR" sz="1050" b="1" dirty="0"/>
-                    <a:t>%,  </a:t>
+                    <a:t>= xx%,  </a:t>
                   </a:r>
                   <a14:m>
                     <m:oMath xmlns:m="http://schemas.openxmlformats.org/officeDocument/2006/math">
@@ -6477,11 +6407,7 @@
                   </a14:m>
                   <a:r>
                     <a:rPr lang="fr-FR" sz="1050" b="1" dirty="0"/>
-                    <a:t>= xx</a:t>
-                  </a:r>
-                  <a:r>
-                    <a:rPr lang="fr-FR" sz="1050" b="1" dirty="0"/>
-                    <a:t>%,  </a:t>
+                    <a:t>= xx%,  </a:t>
                   </a:r>
                   <a14:m>
                     <m:oMath xmlns:m="http://schemas.openxmlformats.org/officeDocument/2006/math">
@@ -6530,9 +6456,267 @@
                     <a:t>= xx</a:t>
                   </a:r>
                   <a:r>
+                    <a:rPr lang="fr-FR" sz="1050" b="1" dirty="0" smtClean="0"/>
+                    <a:t>%</a:t>
+                  </a:r>
+                </a:p>
+                <a:p>
+                  <a:endParaRPr lang="fr-FR" sz="1050" b="1" dirty="0" smtClean="0"/>
+                </a:p>
+                <a:p>
+                  <a:pPr marL="214313" indent="-214313">
+                    <a:buFont typeface="Arial" panose="020B0604020202020204" pitchFamily="34" charset="0"/>
+                    <a:buChar char="•"/>
+                  </a:pPr>
+                  <a:r>
+                    <a:rPr lang="en-US" sz="1050" b="1" dirty="0">
+                      <a:latin typeface="Times New Roman" panose="02020603050405020304" pitchFamily="18" charset="0"/>
+                      <a:cs typeface="Times New Roman" panose="02020603050405020304" pitchFamily="18" charset="0"/>
+                    </a:rPr>
+                    <a:t>Diversity partitioning of </a:t>
+                  </a:r>
+                  <a:r>
+                    <a:rPr lang="en-US" sz="1050" b="1" dirty="0" smtClean="0">
+                      <a:latin typeface="Times New Roman" panose="02020603050405020304" pitchFamily="18" charset="0"/>
+                      <a:cs typeface="Times New Roman" panose="02020603050405020304" pitchFamily="18" charset="0"/>
+                    </a:rPr>
+                    <a:t>MOTUs assigned to species:</a:t>
+                  </a:r>
+                  <a:endParaRPr lang="en-US" sz="1050" b="1" dirty="0">
+                    <a:latin typeface="Times New Roman" panose="02020603050405020304" pitchFamily="18" charset="0"/>
+                    <a:cs typeface="Times New Roman" panose="02020603050405020304" pitchFamily="18" charset="0"/>
+                  </a:endParaRPr>
+                </a:p>
+                <a:p>
+                  <a:r>
+                    <a:rPr lang="en-US" sz="1050" b="1" dirty="0">
+                      <a:latin typeface="Times New Roman" panose="02020603050405020304" pitchFamily="18" charset="0"/>
+                      <a:cs typeface="Times New Roman" panose="02020603050405020304" pitchFamily="18" charset="0"/>
+                    </a:rPr>
+                    <a:t>	</a:t>
+                  </a:r>
+                  <a14:m>
+                    <m:oMath xmlns:m="http://schemas.openxmlformats.org/officeDocument/2006/math">
+                      <m:sSub>
+                        <m:sSubPr>
+                          <m:ctrlPr>
+                            <a:rPr lang="fr-FR" sz="1050" b="1" i="1">
+                              <a:latin typeface="Cambria Math" panose="02040503050406030204" pitchFamily="18" charset="0"/>
+                            </a:rPr>
+                          </m:ctrlPr>
+                        </m:sSubPr>
+                        <m:e>
+                          <m:r>
+                            <a:rPr lang="fr-FR" sz="1050" b="1" i="1">
+                              <a:latin typeface="Cambria Math" panose="02040503050406030204" pitchFamily="18" charset="0"/>
+                              <a:ea typeface="Cambria Math" panose="02040503050406030204" pitchFamily="18" charset="0"/>
+                            </a:rPr>
+                            <m:t>𝛃</m:t>
+                          </m:r>
+                        </m:e>
+                        <m:sub>
+                          <m:r>
+                            <a:rPr lang="fr-FR" sz="1050" b="1" i="1" dirty="0">
+                              <a:latin typeface="Cambria Math" panose="02040503050406030204" pitchFamily="18" charset="0"/>
+                            </a:rPr>
+                            <m:t>𝒊𝒏𝒕𝒆𝒓</m:t>
+                          </m:r>
+                          <m:r>
+                            <a:rPr lang="fr-FR" sz="1050" b="1" dirty="0">
+                              <a:latin typeface="Cambria Math" panose="02040503050406030204" pitchFamily="18" charset="0"/>
+                            </a:rPr>
+                            <m:t>−</m:t>
+                          </m:r>
+                          <m:r>
+                            <a:rPr lang="fr-FR" sz="1050" b="1" dirty="0">
+                              <a:latin typeface="Cambria Math" panose="02040503050406030204" pitchFamily="18" charset="0"/>
+                            </a:rPr>
+                            <m:t>𝐫𝐞𝐠𝐢𝐨𝐧</m:t>
+                          </m:r>
+                        </m:sub>
+                      </m:sSub>
+                    </m:oMath>
+                  </a14:m>
+                  <a:r>
+                    <a:rPr lang="fr-FR" sz="1050" b="1" dirty="0"/>
+                    <a:t>= xx%,  </a:t>
+                  </a:r>
+                  <a14:m>
+                    <m:oMath xmlns:m="http://schemas.openxmlformats.org/officeDocument/2006/math">
+                      <m:sSub>
+                        <m:sSubPr>
+                          <m:ctrlPr>
+                            <a:rPr lang="fr-FR" sz="1050" b="1" i="1">
+                              <a:latin typeface="Cambria Math" panose="02040503050406030204" pitchFamily="18" charset="0"/>
+                            </a:rPr>
+                          </m:ctrlPr>
+                        </m:sSubPr>
+                        <m:e>
+                          <m:acc>
+                            <m:accPr>
+                              <m:chr m:val="̅"/>
+                              <m:ctrlPr>
+                                <a:rPr lang="fr-FR" sz="1050" b="1" i="1">
+                                  <a:latin typeface="Cambria Math" panose="02040503050406030204" pitchFamily="18" charset="0"/>
+                                </a:rPr>
+                              </m:ctrlPr>
+                            </m:accPr>
+                            <m:e>
+                              <m:r>
+                                <a:rPr lang="fr-FR" sz="1050" b="1" i="1">
+                                  <a:latin typeface="Cambria Math" panose="02040503050406030204" pitchFamily="18" charset="0"/>
+                                </a:rPr>
+                                <m:t>𝜷</m:t>
+                              </m:r>
+                            </m:e>
+                          </m:acc>
+                        </m:e>
+                        <m:sub>
+                          <m:r>
+                            <a:rPr lang="fr-FR" sz="1050" b="1" i="1" dirty="0">
+                              <a:latin typeface="Cambria Math" panose="02040503050406030204" pitchFamily="18" charset="0"/>
+                            </a:rPr>
+                            <m:t>𝒊𝒏𝒕𝒆𝒓</m:t>
+                          </m:r>
+                          <m:r>
+                            <a:rPr lang="fr-FR" sz="1050" b="1" dirty="0">
+                              <a:latin typeface="Cambria Math" panose="02040503050406030204" pitchFamily="18" charset="0"/>
+                            </a:rPr>
+                            <m:t>−</m:t>
+                          </m:r>
+                          <m:r>
+                            <a:rPr lang="fr-FR" sz="1050" b="1" i="1" dirty="0">
+                              <a:latin typeface="Cambria Math" panose="02040503050406030204" pitchFamily="18" charset="0"/>
+                            </a:rPr>
+                            <m:t>𝒔</m:t>
+                          </m:r>
+                          <m:r>
+                            <a:rPr lang="fr-FR" sz="1050" b="1" dirty="0">
+                              <a:latin typeface="Cambria Math" panose="02040503050406030204" pitchFamily="18" charset="0"/>
+                            </a:rPr>
+                            <m:t>𝐢𝐭𝐞</m:t>
+                          </m:r>
+                        </m:sub>
+                      </m:sSub>
+                    </m:oMath>
+                  </a14:m>
+                  <a:r>
+                    <a:rPr lang="fr-FR" sz="1050" b="1" dirty="0"/>
+                    <a:t>= xx%,  </a:t>
+                  </a:r>
+                  <a14:m>
+                    <m:oMath xmlns:m="http://schemas.openxmlformats.org/officeDocument/2006/math">
+                      <m:sSub>
+                        <m:sSubPr>
+                          <m:ctrlPr>
+                            <a:rPr lang="fr-FR" sz="1050" b="1" i="1">
+                              <a:latin typeface="Cambria Math" panose="02040503050406030204" pitchFamily="18" charset="0"/>
+                            </a:rPr>
+                          </m:ctrlPr>
+                        </m:sSubPr>
+                        <m:e>
+                          <m:acc>
+                            <m:accPr>
+                              <m:chr m:val="̅"/>
+                              <m:ctrlPr>
+                                <a:rPr lang="fr-FR" sz="1050" b="1" i="1">
+                                  <a:latin typeface="Cambria Math" panose="02040503050406030204" pitchFamily="18" charset="0"/>
+                                </a:rPr>
+                              </m:ctrlPr>
+                            </m:accPr>
+                            <m:e>
+                              <m:r>
+                                <a:rPr lang="fr-FR" sz="1050" b="1" i="1">
+                                  <a:latin typeface="Cambria Math" panose="02040503050406030204" pitchFamily="18" charset="0"/>
+                                </a:rPr>
+                                <m:t>𝜷</m:t>
+                              </m:r>
+                            </m:e>
+                          </m:acc>
+                        </m:e>
+                        <m:sub>
+                          <m:r>
+                            <a:rPr lang="fr-FR" sz="1050" b="1" i="1" dirty="0">
+                              <a:latin typeface="Cambria Math" panose="02040503050406030204" pitchFamily="18" charset="0"/>
+                            </a:rPr>
+                            <m:t>𝒊𝒏𝒕𝒆𝒓</m:t>
+                          </m:r>
+                          <m:r>
+                            <a:rPr lang="fr-FR" sz="1050" b="1" dirty="0">
+                              <a:latin typeface="Cambria Math" panose="02040503050406030204" pitchFamily="18" charset="0"/>
+                            </a:rPr>
+                            <m:t>−</m:t>
+                          </m:r>
+                          <m:r>
+                            <a:rPr lang="fr-FR" sz="1050" b="1" i="1" dirty="0">
+                              <a:latin typeface="Cambria Math" panose="02040503050406030204" pitchFamily="18" charset="0"/>
+                            </a:rPr>
+                            <m:t>𝒔𝒕𝒂𝒕𝒊𝒐𝒏</m:t>
+                          </m:r>
+                        </m:sub>
+                      </m:sSub>
+                    </m:oMath>
+                  </a14:m>
+                  <a:r>
+                    <a:rPr lang="fr-FR" sz="1050" b="1" dirty="0"/>
+                    <a:t>= xx%,  </a:t>
+                  </a:r>
+                  <a14:m>
+                    <m:oMath xmlns:m="http://schemas.openxmlformats.org/officeDocument/2006/math">
+                      <m:sSub>
+                        <m:sSubPr>
+                          <m:ctrlPr>
+                            <a:rPr lang="fr-FR" sz="1050" b="1" i="1">
+                              <a:latin typeface="Cambria Math" panose="02040503050406030204" pitchFamily="18" charset="0"/>
+                            </a:rPr>
+                          </m:ctrlPr>
+                        </m:sSubPr>
+                        <m:e>
+                          <m:acc>
+                            <m:accPr>
+                              <m:chr m:val="̅"/>
+                              <m:ctrlPr>
+                                <a:rPr lang="fr-FR" sz="1050" b="1" i="1">
+                                  <a:latin typeface="Cambria Math" panose="02040503050406030204" pitchFamily="18" charset="0"/>
+                                </a:rPr>
+                              </m:ctrlPr>
+                            </m:accPr>
+                            <m:e>
+                              <m:r>
+                                <a:rPr lang="fr-FR" sz="1050" b="1" i="1">
+                                  <a:latin typeface="Cambria Math" panose="02040503050406030204" pitchFamily="18" charset="0"/>
+                                  <a:ea typeface="Cambria Math" panose="02040503050406030204" pitchFamily="18" charset="0"/>
+                                </a:rPr>
+                                <m:t>𝜶</m:t>
+                              </m:r>
+                            </m:e>
+                          </m:acc>
+                        </m:e>
+                        <m:sub>
+                          <m:r>
+                            <a:rPr lang="fr-FR" sz="1050" b="1" i="1" dirty="0">
+                              <a:latin typeface="Cambria Math" panose="02040503050406030204" pitchFamily="18" charset="0"/>
+                            </a:rPr>
+                            <m:t>𝒔𝒕𝒂𝒕𝒊𝒐𝒏</m:t>
+                          </m:r>
+                        </m:sub>
+                      </m:sSub>
+                    </m:oMath>
+                  </a14:m>
+                  <a:r>
+                    <a:rPr lang="fr-FR" sz="1050" b="1" dirty="0"/>
+                    <a:t>= xx</a:t>
+                  </a:r>
+                  <a:r>
                     <a:rPr lang="fr-FR" sz="1050" b="1" dirty="0"/>
                     <a:t>%</a:t>
                   </a:r>
+                </a:p>
+                <a:p>
+                  <a:pPr marL="171450" indent="-171450">
+                    <a:buFont typeface="Arial" panose="020B0604020202020204" pitchFamily="34" charset="0"/>
+                    <a:buChar char="•"/>
+                  </a:pPr>
                   <a:endParaRPr lang="fr-FR" sz="1050" b="1" dirty="0"/>
                 </a:p>
               </p:txBody>
@@ -6550,7 +6734,7 @@
               <p:spPr>
                 <a:xfrm>
                   <a:off x="356812" y="5346843"/>
-                  <a:ext cx="4817460" cy="1011687"/>
+                  <a:ext cx="4817460" cy="1673343"/>
                 </a:xfrm>
                 <a:prstGeom prst="rect">
                   <a:avLst/>
@@ -6558,7 +6742,7 @@
                 <a:blipFill>
                   <a:blip r:embed="rId17"/>
                   <a:stretch>
-                    <a:fillRect b="-1807"/>
+                    <a:fillRect/>
                   </a:stretch>
                 </a:blipFill>
               </p:spPr>
@@ -6606,9 +6790,7 @@
             </a:prstGeom>
             <a:ln w="12700">
               <a:solidFill>
-                <a:schemeClr val="accent1">
-                  <a:lumMod val="50000"/>
-                </a:schemeClr>
+                <a:srgbClr val="FF9900"/>
               </a:solidFill>
             </a:ln>
           </p:spPr>
@@ -6701,7 +6883,7 @@
             </a:prstGeom>
             <a:ln w="12700">
               <a:solidFill>
-                <a:srgbClr val="C00000"/>
+                <a:srgbClr val="E4745E"/>
               </a:solidFill>
             </a:ln>
           </p:spPr>

--- a/outputs/06_diversity_partitioning/schema_partition.pptx
+++ b/outputs/06_diversity_partitioning/schema_partition.pptx
@@ -243,7 +243,7 @@
           <a:p>
             <a:fld id="{1DD5E214-71AE-49E0-8511-3FE919ED9730}" type="datetimeFigureOut">
               <a:rPr lang="fr-FR" smtClean="0"/>
-              <a:t>02/05/2020</a:t>
+              <a:t>04/05/2020</a:t>
             </a:fld>
             <a:endParaRPr lang="fr-FR"/>
           </a:p>
@@ -413,7 +413,7 @@
           <a:p>
             <a:fld id="{1DD5E214-71AE-49E0-8511-3FE919ED9730}" type="datetimeFigureOut">
               <a:rPr lang="fr-FR" smtClean="0"/>
-              <a:t>02/05/2020</a:t>
+              <a:t>04/05/2020</a:t>
             </a:fld>
             <a:endParaRPr lang="fr-FR"/>
           </a:p>
@@ -593,7 +593,7 @@
           <a:p>
             <a:fld id="{1DD5E214-71AE-49E0-8511-3FE919ED9730}" type="datetimeFigureOut">
               <a:rPr lang="fr-FR" smtClean="0"/>
-              <a:t>02/05/2020</a:t>
+              <a:t>04/05/2020</a:t>
             </a:fld>
             <a:endParaRPr lang="fr-FR"/>
           </a:p>
@@ -763,7 +763,7 @@
           <a:p>
             <a:fld id="{1DD5E214-71AE-49E0-8511-3FE919ED9730}" type="datetimeFigureOut">
               <a:rPr lang="fr-FR" smtClean="0"/>
-              <a:t>02/05/2020</a:t>
+              <a:t>04/05/2020</a:t>
             </a:fld>
             <a:endParaRPr lang="fr-FR"/>
           </a:p>
@@ -1007,7 +1007,7 @@
           <a:p>
             <a:fld id="{1DD5E214-71AE-49E0-8511-3FE919ED9730}" type="datetimeFigureOut">
               <a:rPr lang="fr-FR" smtClean="0"/>
-              <a:t>02/05/2020</a:t>
+              <a:t>04/05/2020</a:t>
             </a:fld>
             <a:endParaRPr lang="fr-FR"/>
           </a:p>
@@ -1239,7 +1239,7 @@
           <a:p>
             <a:fld id="{1DD5E214-71AE-49E0-8511-3FE919ED9730}" type="datetimeFigureOut">
               <a:rPr lang="fr-FR" smtClean="0"/>
-              <a:t>02/05/2020</a:t>
+              <a:t>04/05/2020</a:t>
             </a:fld>
             <a:endParaRPr lang="fr-FR"/>
           </a:p>
@@ -1606,7 +1606,7 @@
           <a:p>
             <a:fld id="{1DD5E214-71AE-49E0-8511-3FE919ED9730}" type="datetimeFigureOut">
               <a:rPr lang="fr-FR" smtClean="0"/>
-              <a:t>02/05/2020</a:t>
+              <a:t>04/05/2020</a:t>
             </a:fld>
             <a:endParaRPr lang="fr-FR"/>
           </a:p>
@@ -1724,7 +1724,7 @@
           <a:p>
             <a:fld id="{1DD5E214-71AE-49E0-8511-3FE919ED9730}" type="datetimeFigureOut">
               <a:rPr lang="fr-FR" smtClean="0"/>
-              <a:t>02/05/2020</a:t>
+              <a:t>04/05/2020</a:t>
             </a:fld>
             <a:endParaRPr lang="fr-FR"/>
           </a:p>
@@ -1819,7 +1819,7 @@
           <a:p>
             <a:fld id="{1DD5E214-71AE-49E0-8511-3FE919ED9730}" type="datetimeFigureOut">
               <a:rPr lang="fr-FR" smtClean="0"/>
-              <a:t>02/05/2020</a:t>
+              <a:t>04/05/2020</a:t>
             </a:fld>
             <a:endParaRPr lang="fr-FR"/>
           </a:p>
@@ -2096,7 +2096,7 @@
           <a:p>
             <a:fld id="{1DD5E214-71AE-49E0-8511-3FE919ED9730}" type="datetimeFigureOut">
               <a:rPr lang="fr-FR" smtClean="0"/>
-              <a:t>02/05/2020</a:t>
+              <a:t>04/05/2020</a:t>
             </a:fld>
             <a:endParaRPr lang="fr-FR"/>
           </a:p>
@@ -2353,7 +2353,7 @@
           <a:p>
             <a:fld id="{1DD5E214-71AE-49E0-8511-3FE919ED9730}" type="datetimeFigureOut">
               <a:rPr lang="fr-FR" smtClean="0"/>
-              <a:t>02/05/2020</a:t>
+              <a:t>04/05/2020</a:t>
             </a:fld>
             <a:endParaRPr lang="fr-FR"/>
           </a:p>
@@ -2566,7 +2566,7 @@
           <a:p>
             <a:fld id="{1DD5E214-71AE-49E0-8511-3FE919ED9730}" type="datetimeFigureOut">
               <a:rPr lang="fr-FR" smtClean="0"/>
-              <a:t>02/05/2020</a:t>
+              <a:t>04/05/2020</a:t>
             </a:fld>
             <a:endParaRPr lang="fr-FR"/>
           </a:p>
@@ -2979,10 +2979,10 @@
         </p:nvGrpSpPr>
         <p:grpSpPr>
           <a:xfrm>
-            <a:off x="24431" y="468748"/>
-            <a:ext cx="6674123" cy="6551438"/>
-            <a:chOff x="24431" y="468748"/>
-            <a:chExt cx="6674123" cy="6551438"/>
+            <a:off x="47112" y="468748"/>
+            <a:ext cx="6639106" cy="6551438"/>
+            <a:chOff x="36226" y="468748"/>
+            <a:chExt cx="6639106" cy="6551438"/>
           </a:xfrm>
         </p:grpSpPr>
         <p:pic>
@@ -2993,7 +2993,7 @@
             </p:cNvPicPr>
             <p:nvPr/>
           </p:nvPicPr>
-          <p:blipFill rotWithShape="1">
+          <p:blipFill>
             <a:blip r:embed="rId2" cstate="print">
               <a:extLst>
                 <a:ext uri="{28A0092B-C50C-407E-A947-70E740481C1C}">
@@ -3001,21 +3001,20 @@
                 </a:ext>
               </a:extLst>
             </a:blip>
-            <a:srcRect l="21110" t="15040" r="3334" b="3059"/>
-            <a:stretch/>
+            <a:stretch>
+              <a:fillRect/>
+            </a:stretch>
           </p:blipFill>
           <p:spPr>
             <a:xfrm>
-              <a:off x="4061920" y="1774839"/>
-              <a:ext cx="1230275" cy="943060"/>
+              <a:off x="4090850" y="1808517"/>
+              <a:ext cx="1255775" cy="893856"/>
             </a:xfrm>
             <a:prstGeom prst="rect">
               <a:avLst/>
             </a:prstGeom>
             <a:ln w="12700">
-              <a:solidFill>
-                <a:srgbClr val="008080"/>
-              </a:solidFill>
+              <a:noFill/>
             </a:ln>
           </p:spPr>
         </p:pic>
@@ -3027,7 +3026,7 @@
             </p:cNvPicPr>
             <p:nvPr/>
           </p:nvPicPr>
-          <p:blipFill rotWithShape="1">
+          <p:blipFill>
             <a:blip r:embed="rId3" cstate="print">
               <a:extLst>
                 <a:ext uri="{28A0092B-C50C-407E-A947-70E740481C1C}">
@@ -3035,21 +3034,20 @@
                 </a:ext>
               </a:extLst>
             </a:blip>
-            <a:srcRect l="9905" t="9509" r="9619" b="7083"/>
-            <a:stretch/>
+            <a:stretch>
+              <a:fillRect/>
+            </a:stretch>
           </p:blipFill>
           <p:spPr>
             <a:xfrm>
-              <a:off x="2746492" y="1791536"/>
-              <a:ext cx="1264200" cy="926557"/>
+              <a:off x="2746492" y="1806690"/>
+              <a:ext cx="1264200" cy="896248"/>
             </a:xfrm>
             <a:prstGeom prst="rect">
               <a:avLst/>
             </a:prstGeom>
             <a:ln w="12700">
-              <a:solidFill>
-                <a:srgbClr val="333300"/>
-              </a:solidFill>
+              <a:noFill/>
             </a:ln>
           </p:spPr>
         </p:pic>
@@ -3277,7 +3275,7 @@
           </p:nvSpPr>
           <p:spPr>
             <a:xfrm>
-              <a:off x="1656086" y="1556444"/>
+              <a:off x="1666818" y="1578245"/>
               <a:ext cx="777092" cy="248209"/>
             </a:xfrm>
             <a:prstGeom prst="rect">
@@ -3306,7 +3304,7 @@
           </p:nvSpPr>
           <p:spPr>
             <a:xfrm>
-              <a:off x="2849127" y="1556443"/>
+              <a:off x="2868725" y="1578245"/>
               <a:ext cx="999888" cy="248209"/>
             </a:xfrm>
             <a:prstGeom prst="rect">
@@ -3335,7 +3333,7 @@
           </p:nvSpPr>
           <p:spPr>
             <a:xfrm>
-              <a:off x="4250135" y="1548483"/>
+              <a:off x="4241246" y="1583651"/>
               <a:ext cx="998102" cy="248209"/>
             </a:xfrm>
             <a:prstGeom prst="rect">
@@ -3368,7 +3366,7 @@
           </p:nvSpPr>
           <p:spPr>
             <a:xfrm>
-              <a:off x="5412263" y="1551454"/>
+              <a:off x="5414495" y="1587567"/>
               <a:ext cx="1260837" cy="248209"/>
             </a:xfrm>
             <a:prstGeom prst="rect">
@@ -3637,8 +3635,8 @@
             </p:sp>
           </mc:Fallback>
         </mc:AlternateContent>
-        <mc:AlternateContent xmlns:mc="http://schemas.openxmlformats.org/markup-compatibility/2006" xmlns:a14="http://schemas.microsoft.com/office/drawing/2010/main">
-          <mc:Choice Requires="a14">
+        <mc:AlternateContent xmlns:mc="http://schemas.openxmlformats.org/markup-compatibility/2006">
+          <mc:Choice xmlns:a14="http://schemas.microsoft.com/office/drawing/2010/main" Requires="a14">
             <p:sp>
               <p:nvSpPr>
                 <p:cNvPr id="11" name="ZoneTexte 10"/>
@@ -3647,7 +3645,7 @@
               </p:nvSpPr>
               <p:spPr>
                 <a:xfrm>
-                  <a:off x="4200229" y="3141145"/>
+                  <a:off x="4189343" y="3141145"/>
                   <a:ext cx="1105042" cy="404085"/>
                 </a:xfrm>
                 <a:prstGeom prst="rect">
@@ -3722,7 +3720,7 @@
               </p:txBody>
             </p:sp>
           </mc:Choice>
-          <mc:Fallback xmlns="">
+          <mc:Fallback>
             <p:sp>
               <p:nvSpPr>
                 <p:cNvPr id="11" name="ZoneTexte 10"/>
@@ -3733,7 +3731,7 @@
               </p:nvSpPr>
               <p:spPr>
                 <a:xfrm>
-                  <a:off x="4200229" y="3141145"/>
+                  <a:off x="4189343" y="3141145"/>
                   <a:ext cx="1105042" cy="404085"/>
                 </a:xfrm>
                 <a:prstGeom prst="rect">
@@ -4249,8 +4247,8 @@
             </p:sp>
           </mc:Fallback>
         </mc:AlternateContent>
-        <mc:AlternateContent xmlns:mc="http://schemas.openxmlformats.org/markup-compatibility/2006" xmlns:a14="http://schemas.microsoft.com/office/drawing/2010/main">
-          <mc:Choice Requires="a14">
+        <mc:AlternateContent xmlns:mc="http://schemas.openxmlformats.org/markup-compatibility/2006">
+          <mc:Choice xmlns:a14="http://schemas.microsoft.com/office/drawing/2010/main" Requires="a14">
             <p:sp>
               <p:nvSpPr>
                 <p:cNvPr id="15" name="ZoneTexte 14"/>
@@ -4259,7 +4257,7 @@
               </p:nvSpPr>
               <p:spPr>
                 <a:xfrm>
-                  <a:off x="4127709" y="4081026"/>
+                  <a:off x="4116823" y="4081026"/>
                   <a:ext cx="1226239" cy="563488"/>
                 </a:xfrm>
                 <a:prstGeom prst="rect">
@@ -4392,7 +4390,7 @@
               </p:txBody>
             </p:sp>
           </mc:Choice>
-          <mc:Fallback xmlns="">
+          <mc:Fallback>
             <p:sp>
               <p:nvSpPr>
                 <p:cNvPr id="15" name="ZoneTexte 14"/>
@@ -4403,7 +4401,7 @@
               </p:nvSpPr>
               <p:spPr>
                 <a:xfrm>
-                  <a:off x="4127709" y="4081026"/>
+                  <a:off x="4116823" y="4081026"/>
                   <a:ext cx="1226239" cy="563488"/>
                 </a:xfrm>
                 <a:prstGeom prst="rect">
@@ -5120,13 +5118,14 @@
             <p:cNvPr id="27" name="Connecteur droit avec flèche 26"/>
             <p:cNvCxnSpPr>
               <a:stCxn id="221" idx="2"/>
+              <a:endCxn id="84" idx="0"/>
             </p:cNvCxnSpPr>
             <p:nvPr/>
           </p:nvCxnSpPr>
           <p:spPr>
-            <a:xfrm flipH="1">
-              <a:off x="4665573" y="2717899"/>
-              <a:ext cx="11485" cy="423477"/>
+            <a:xfrm>
+              <a:off x="4718738" y="2702373"/>
+              <a:ext cx="8867" cy="474171"/>
             </a:xfrm>
             <a:prstGeom prst="straightConnector1">
               <a:avLst/>
@@ -5160,9 +5159,9 @@
             <p:nvPr/>
           </p:nvCxnSpPr>
           <p:spPr>
-            <a:xfrm>
-              <a:off x="6021489" y="2717899"/>
-              <a:ext cx="2037" cy="462598"/>
+            <a:xfrm flipH="1">
+              <a:off x="6023526" y="2695236"/>
+              <a:ext cx="12151" cy="485261"/>
             </a:xfrm>
             <a:prstGeom prst="straightConnector1">
               <a:avLst/>
@@ -5269,7 +5268,7 @@
           </p:nvCxnSpPr>
           <p:spPr>
             <a:xfrm>
-              <a:off x="4738491" y="3613701"/>
+              <a:off x="4727605" y="3613701"/>
               <a:ext cx="2674" cy="452559"/>
             </a:xfrm>
             <a:prstGeom prst="straightConnector1">
@@ -5341,8 +5340,8 @@
           </p:nvCxnSpPr>
           <p:spPr>
             <a:xfrm flipH="1">
-              <a:off x="2044632" y="962295"/>
-              <a:ext cx="2006946" cy="594149"/>
+              <a:off x="2055364" y="962295"/>
+              <a:ext cx="1996214" cy="615950"/>
             </a:xfrm>
             <a:prstGeom prst="straightConnector1">
               <a:avLst/>
@@ -5377,8 +5376,8 @@
           </p:nvCxnSpPr>
           <p:spPr>
             <a:xfrm flipH="1">
-              <a:off x="3349071" y="962295"/>
-              <a:ext cx="702507" cy="594148"/>
+              <a:off x="3368669" y="962295"/>
+              <a:ext cx="682909" cy="615950"/>
             </a:xfrm>
             <a:prstGeom prst="straightConnector1">
               <a:avLst/>
@@ -5414,7 +5413,7 @@
           <p:spPr>
             <a:xfrm>
               <a:off x="4051578" y="962295"/>
-              <a:ext cx="697608" cy="586188"/>
+              <a:ext cx="688719" cy="621356"/>
             </a:xfrm>
             <a:prstGeom prst="straightConnector1">
               <a:avLst/>
@@ -5450,7 +5449,7 @@
           <p:spPr>
             <a:xfrm>
               <a:off x="4051578" y="962295"/>
-              <a:ext cx="1991104" cy="589159"/>
+              <a:ext cx="1993336" cy="625272"/>
             </a:xfrm>
             <a:prstGeom prst="straightConnector1">
               <a:avLst/>
@@ -5660,7 +5659,7 @@
           </p:nvSpPr>
           <p:spPr>
             <a:xfrm>
-              <a:off x="4269740" y="3176544"/>
+              <a:off x="4258854" y="3176544"/>
               <a:ext cx="937501" cy="437157"/>
             </a:xfrm>
             <a:prstGeom prst="ellipse">
@@ -5669,7 +5668,7 @@
             <a:noFill/>
             <a:ln>
               <a:solidFill>
-                <a:srgbClr val="008080"/>
+                <a:srgbClr val="EA907E"/>
               </a:solidFill>
             </a:ln>
           </p:spPr>
@@ -5713,7 +5712,7 @@
             <a:noFill/>
             <a:ln>
               <a:solidFill>
-                <a:srgbClr val="E4745E"/>
+                <a:srgbClr val="008080"/>
               </a:solidFill>
             </a:ln>
           </p:spPr>
@@ -5836,7 +5835,7 @@
           </p:nvSpPr>
           <p:spPr>
             <a:xfrm>
-              <a:off x="4207359" y="4066260"/>
+              <a:off x="4196473" y="4066260"/>
               <a:ext cx="1067611" cy="664633"/>
             </a:xfrm>
             <a:prstGeom prst="ellipse">
@@ -5845,7 +5844,7 @@
             <a:noFill/>
             <a:ln>
               <a:solidFill>
-                <a:srgbClr val="008080"/>
+                <a:srgbClr val="EA907E"/>
               </a:solidFill>
             </a:ln>
           </p:spPr>
@@ -5889,7 +5888,7 @@
             <a:noFill/>
             <a:ln>
               <a:solidFill>
-                <a:srgbClr val="E4745E"/>
+                <a:srgbClr val="008080"/>
               </a:solidFill>
             </a:ln>
           </p:spPr>
@@ -5952,8 +5951,8 @@
             </a:p>
           </p:txBody>
         </p:sp>
-        <mc:AlternateContent xmlns:mc="http://schemas.openxmlformats.org/markup-compatibility/2006">
-          <mc:Choice xmlns:a14="http://schemas.microsoft.com/office/drawing/2010/main" Requires="a14">
+        <mc:AlternateContent xmlns:mc="http://schemas.openxmlformats.org/markup-compatibility/2006" xmlns:a14="http://schemas.microsoft.com/office/drawing/2010/main">
+          <mc:Choice Requires="a14">
             <p:sp>
               <p:nvSpPr>
                 <p:cNvPr id="3" name="ZoneTexte 2"/>
@@ -6705,11 +6704,7 @@
                   </a14:m>
                   <a:r>
                     <a:rPr lang="fr-FR" sz="1050" b="1" dirty="0"/>
-                    <a:t>= xx</a:t>
-                  </a:r>
-                  <a:r>
-                    <a:rPr lang="fr-FR" sz="1050" b="1" dirty="0"/>
-                    <a:t>%</a:t>
+                    <a:t>= xx%</a:t>
                   </a:r>
                 </a:p>
                 <a:p>
@@ -6722,7 +6717,7 @@
               </p:txBody>
             </p:sp>
           </mc:Choice>
-          <mc:Fallback>
+          <mc:Fallback xmlns="">
             <p:sp>
               <p:nvSpPr>
                 <p:cNvPr id="3" name="ZoneTexte 2"/>
@@ -6769,7 +6764,7 @@
             </p:cNvPicPr>
             <p:nvPr/>
           </p:nvPicPr>
-          <p:blipFill rotWithShape="1">
+          <p:blipFill>
             <a:blip r:embed="rId18" cstate="print">
               <a:extLst>
                 <a:ext uri="{28A0092B-C50C-407E-A947-70E740481C1C}">
@@ -6777,21 +6772,20 @@
                 </a:ext>
               </a:extLst>
             </a:blip>
-            <a:srcRect l="6868" t="7459" r="8395" b="8662"/>
-            <a:stretch/>
+            <a:stretch>
+              <a:fillRect/>
+            </a:stretch>
           </p:blipFill>
           <p:spPr>
             <a:xfrm>
-              <a:off x="1414382" y="1803302"/>
-              <a:ext cx="1274191" cy="891934"/>
+              <a:off x="1425441" y="1803302"/>
+              <a:ext cx="1252073" cy="891934"/>
             </a:xfrm>
             <a:prstGeom prst="rect">
               <a:avLst/>
             </a:prstGeom>
             <a:ln w="12700">
-              <a:solidFill>
-                <a:srgbClr val="FF9900"/>
-              </a:solidFill>
+              <a:noFill/>
             </a:ln>
           </p:spPr>
         </p:pic>
@@ -6817,8 +6811,8 @@
           </p:blipFill>
           <p:spPr>
             <a:xfrm>
-              <a:off x="26094" y="3007428"/>
-              <a:ext cx="1267143" cy="832552"/>
+              <a:off x="36226" y="3026538"/>
+              <a:ext cx="1251359" cy="822181"/>
             </a:xfrm>
             <a:prstGeom prst="rect">
               <a:avLst/>
@@ -6833,7 +6827,7 @@
             </p:cNvPicPr>
             <p:nvPr/>
           </p:nvPicPr>
-          <p:blipFill rotWithShape="1">
+          <p:blipFill>
             <a:blip r:embed="rId20" cstate="print">
               <a:extLst>
                 <a:ext uri="{28A0092B-C50C-407E-A947-70E740481C1C}">
@@ -6841,13 +6835,14 @@
                 </a:ext>
               </a:extLst>
             </a:blip>
-            <a:srcRect b="7966"/>
-            <a:stretch/>
+            <a:stretch>
+              <a:fillRect/>
+            </a:stretch>
           </p:blipFill>
           <p:spPr>
             <a:xfrm>
-              <a:off x="24431" y="3924978"/>
-              <a:ext cx="1270363" cy="876867"/>
+              <a:off x="41624" y="3961052"/>
+              <a:ext cx="1251573" cy="938679"/>
             </a:xfrm>
             <a:prstGeom prst="rect">
               <a:avLst/>
@@ -6862,7 +6857,7 @@
             </p:cNvPicPr>
             <p:nvPr/>
           </p:nvPicPr>
-          <p:blipFill rotWithShape="1">
+          <p:blipFill>
             <a:blip r:embed="rId21" cstate="print">
               <a:extLst>
                 <a:ext uri="{28A0092B-C50C-407E-A947-70E740481C1C}">
@@ -6870,21 +6865,20 @@
                 </a:ext>
               </a:extLst>
             </a:blip>
-            <a:srcRect l="2008" t="2783" r="1616" b="1849"/>
-            <a:stretch/>
+            <a:stretch>
+              <a:fillRect/>
+            </a:stretch>
           </p:blipFill>
           <p:spPr>
             <a:xfrm>
-              <a:off x="5344423" y="1770327"/>
-              <a:ext cx="1354131" cy="947572"/>
+              <a:off x="5409140" y="1803302"/>
+              <a:ext cx="1253074" cy="891934"/>
             </a:xfrm>
             <a:prstGeom prst="rect">
               <a:avLst/>
             </a:prstGeom>
             <a:ln w="12700">
-              <a:solidFill>
-                <a:srgbClr val="E4745E"/>
-              </a:solidFill>
+              <a:noFill/>
             </a:ln>
           </p:spPr>
         </p:pic>

--- a/outputs/06_diversity_partitioning/schema_partition.pptx
+++ b/outputs/06_diversity_partitioning/schema_partition.pptx
@@ -243,7 +243,7 @@
           <a:p>
             <a:fld id="{1DD5E214-71AE-49E0-8511-3FE919ED9730}" type="datetimeFigureOut">
               <a:rPr lang="fr-FR" smtClean="0"/>
-              <a:t>04/05/2020</a:t>
+              <a:t>06/05/2020</a:t>
             </a:fld>
             <a:endParaRPr lang="fr-FR"/>
           </a:p>
@@ -413,7 +413,7 @@
           <a:p>
             <a:fld id="{1DD5E214-71AE-49E0-8511-3FE919ED9730}" type="datetimeFigureOut">
               <a:rPr lang="fr-FR" smtClean="0"/>
-              <a:t>04/05/2020</a:t>
+              <a:t>06/05/2020</a:t>
             </a:fld>
             <a:endParaRPr lang="fr-FR"/>
           </a:p>
@@ -593,7 +593,7 @@
           <a:p>
             <a:fld id="{1DD5E214-71AE-49E0-8511-3FE919ED9730}" type="datetimeFigureOut">
               <a:rPr lang="fr-FR" smtClean="0"/>
-              <a:t>04/05/2020</a:t>
+              <a:t>06/05/2020</a:t>
             </a:fld>
             <a:endParaRPr lang="fr-FR"/>
           </a:p>
@@ -763,7 +763,7 @@
           <a:p>
             <a:fld id="{1DD5E214-71AE-49E0-8511-3FE919ED9730}" type="datetimeFigureOut">
               <a:rPr lang="fr-FR" smtClean="0"/>
-              <a:t>04/05/2020</a:t>
+              <a:t>06/05/2020</a:t>
             </a:fld>
             <a:endParaRPr lang="fr-FR"/>
           </a:p>
@@ -1007,7 +1007,7 @@
           <a:p>
             <a:fld id="{1DD5E214-71AE-49E0-8511-3FE919ED9730}" type="datetimeFigureOut">
               <a:rPr lang="fr-FR" smtClean="0"/>
-              <a:t>04/05/2020</a:t>
+              <a:t>06/05/2020</a:t>
             </a:fld>
             <a:endParaRPr lang="fr-FR"/>
           </a:p>
@@ -1239,7 +1239,7 @@
           <a:p>
             <a:fld id="{1DD5E214-71AE-49E0-8511-3FE919ED9730}" type="datetimeFigureOut">
               <a:rPr lang="fr-FR" smtClean="0"/>
-              <a:t>04/05/2020</a:t>
+              <a:t>06/05/2020</a:t>
             </a:fld>
             <a:endParaRPr lang="fr-FR"/>
           </a:p>
@@ -1606,7 +1606,7 @@
           <a:p>
             <a:fld id="{1DD5E214-71AE-49E0-8511-3FE919ED9730}" type="datetimeFigureOut">
               <a:rPr lang="fr-FR" smtClean="0"/>
-              <a:t>04/05/2020</a:t>
+              <a:t>06/05/2020</a:t>
             </a:fld>
             <a:endParaRPr lang="fr-FR"/>
           </a:p>
@@ -1724,7 +1724,7 @@
           <a:p>
             <a:fld id="{1DD5E214-71AE-49E0-8511-3FE919ED9730}" type="datetimeFigureOut">
               <a:rPr lang="fr-FR" smtClean="0"/>
-              <a:t>04/05/2020</a:t>
+              <a:t>06/05/2020</a:t>
             </a:fld>
             <a:endParaRPr lang="fr-FR"/>
           </a:p>
@@ -1819,7 +1819,7 @@
           <a:p>
             <a:fld id="{1DD5E214-71AE-49E0-8511-3FE919ED9730}" type="datetimeFigureOut">
               <a:rPr lang="fr-FR" smtClean="0"/>
-              <a:t>04/05/2020</a:t>
+              <a:t>06/05/2020</a:t>
             </a:fld>
             <a:endParaRPr lang="fr-FR"/>
           </a:p>
@@ -2096,7 +2096,7 @@
           <a:p>
             <a:fld id="{1DD5E214-71AE-49E0-8511-3FE919ED9730}" type="datetimeFigureOut">
               <a:rPr lang="fr-FR" smtClean="0"/>
-              <a:t>04/05/2020</a:t>
+              <a:t>06/05/2020</a:t>
             </a:fld>
             <a:endParaRPr lang="fr-FR"/>
           </a:p>
@@ -2353,7 +2353,7 @@
           <a:p>
             <a:fld id="{1DD5E214-71AE-49E0-8511-3FE919ED9730}" type="datetimeFigureOut">
               <a:rPr lang="fr-FR" smtClean="0"/>
-              <a:t>04/05/2020</a:t>
+              <a:t>06/05/2020</a:t>
             </a:fld>
             <a:endParaRPr lang="fr-FR"/>
           </a:p>
@@ -2566,7 +2566,7 @@
           <a:p>
             <a:fld id="{1DD5E214-71AE-49E0-8511-3FE919ED9730}" type="datetimeFigureOut">
               <a:rPr lang="fr-FR" smtClean="0"/>
-              <a:t>04/05/2020</a:t>
+              <a:t>06/05/2020</a:t>
             </a:fld>
             <a:endParaRPr lang="fr-FR"/>
           </a:p>
@@ -2980,9 +2980,9 @@
         <p:grpSpPr>
           <a:xfrm>
             <a:off x="47112" y="468748"/>
-            <a:ext cx="6639106" cy="6551438"/>
+            <a:ext cx="6693321" cy="6551438"/>
             <a:chOff x="36226" y="468748"/>
-            <a:chExt cx="6639106" cy="6551438"/>
+            <a:chExt cx="6693321" cy="6551438"/>
           </a:xfrm>
         </p:grpSpPr>
         <p:pic>
@@ -3139,8 +3139,8 @@
             </a:p>
           </p:txBody>
         </p:sp>
-        <mc:AlternateContent xmlns:mc="http://schemas.openxmlformats.org/markup-compatibility/2006" xmlns:a14="http://schemas.microsoft.com/office/drawing/2010/main">
-          <mc:Choice Requires="a14">
+        <mc:AlternateContent xmlns:mc="http://schemas.openxmlformats.org/markup-compatibility/2006">
+          <mc:Choice xmlns:a14="http://schemas.microsoft.com/office/drawing/2010/main" Requires="a14">
             <p:sp>
               <p:nvSpPr>
                 <p:cNvPr id="4" name="ZoneTexte 3"/>
@@ -3217,8 +3217,8 @@
                 <a:p>
                   <a:pPr algn="ctr"/>
                   <a:r>
-                    <a:rPr lang="fr-FR" sz="1013" dirty="0"/>
-                    <a:t>XX </a:t>
+                    <a:rPr lang="fr-FR" sz="1013" dirty="0" smtClean="0"/>
+                    <a:t>1713 </a:t>
                   </a:r>
                   <a:r>
                     <a:rPr lang="en-US" sz="1013" dirty="0"/>
@@ -3228,7 +3228,7 @@
               </p:txBody>
             </p:sp>
           </mc:Choice>
-          <mc:Fallback xmlns="">
+          <mc:Fallback>
             <p:sp>
               <p:nvSpPr>
                 <p:cNvPr id="4" name="ZoneTexte 3"/>
@@ -3366,7 +3366,7 @@
           </p:nvSpPr>
           <p:spPr>
             <a:xfrm>
-              <a:off x="5414495" y="1587567"/>
+              <a:off x="5449331" y="1587567"/>
               <a:ext cx="1260837" cy="248209"/>
             </a:xfrm>
             <a:prstGeom prst="rect">
@@ -3387,8 +3387,8 @@
             </a:p>
           </p:txBody>
         </p:sp>
-        <mc:AlternateContent xmlns:mc="http://schemas.openxmlformats.org/markup-compatibility/2006" xmlns:a14="http://schemas.microsoft.com/office/drawing/2010/main">
-          <mc:Choice Requires="a14">
+        <mc:AlternateContent xmlns:mc="http://schemas.openxmlformats.org/markup-compatibility/2006">
+          <mc:Choice xmlns:a14="http://schemas.microsoft.com/office/drawing/2010/main" Requires="a14">
             <p:sp>
               <p:nvSpPr>
                 <p:cNvPr id="9" name="ZoneTexte 8"/>
@@ -3466,13 +3466,22 @@
                   </a14:m>
                   <a:r>
                     <a:rPr lang="fr-FR" sz="1013" dirty="0"/>
-                    <a:t>= xx%</a:t>
-                  </a:r>
+                    <a:t>= </a:t>
+                  </a:r>
+                  <a:r>
+                    <a:rPr lang="fr-FR" sz="1013" dirty="0" smtClean="0"/>
+                    <a:t>11</a:t>
+                  </a:r>
+                  <a:r>
+                    <a:rPr lang="fr-FR" sz="1013" dirty="0" smtClean="0"/>
+                    <a:t>%</a:t>
+                  </a:r>
+                  <a:endParaRPr lang="fr-FR" sz="1013" dirty="0"/>
                 </a:p>
               </p:txBody>
             </p:sp>
           </mc:Choice>
-          <mc:Fallback xmlns="">
+          <mc:Fallback>
             <p:sp>
               <p:nvSpPr>
                 <p:cNvPr id="9" name="ZoneTexte 8"/>
@@ -3662,7 +3671,15 @@
                   <a:pPr algn="ctr"/>
                   <a:r>
                     <a:rPr lang="fr-FR" sz="1013" dirty="0"/>
-                    <a:t>XX sites</a:t>
+                    <a:t>4</a:t>
+                  </a:r>
+                  <a:r>
+                    <a:rPr lang="fr-FR" sz="1013" dirty="0" smtClean="0"/>
+                    <a:t> </a:t>
+                  </a:r>
+                  <a:r>
+                    <a:rPr lang="fr-FR" sz="1013" dirty="0"/>
+                    <a:t>sites</a:t>
                   </a:r>
                 </a:p>
                 <a:p>
@@ -3714,8 +3731,17 @@
                   </a14:m>
                   <a:r>
                     <a:rPr lang="fr-FR" sz="1013" dirty="0"/>
-                    <a:t>= xx%</a:t>
-                  </a:r>
+                    <a:t>= </a:t>
+                  </a:r>
+                  <a:r>
+                    <a:rPr lang="fr-FR" sz="1013" dirty="0" smtClean="0"/>
+                    <a:t>11</a:t>
+                  </a:r>
+                  <a:r>
+                    <a:rPr lang="fr-FR" sz="1013" dirty="0" smtClean="0"/>
+                    <a:t>%</a:t>
+                  </a:r>
+                  <a:endParaRPr lang="fr-FR" sz="1013" dirty="0"/>
                 </a:p>
               </p:txBody>
             </p:sp>
@@ -3759,8 +3785,8 @@
             </p:sp>
           </mc:Fallback>
         </mc:AlternateContent>
-        <mc:AlternateContent xmlns:mc="http://schemas.openxmlformats.org/markup-compatibility/2006" xmlns:a14="http://schemas.microsoft.com/office/drawing/2010/main">
-          <mc:Choice Requires="a14">
+        <mc:AlternateContent xmlns:mc="http://schemas.openxmlformats.org/markup-compatibility/2006">
+          <mc:Choice xmlns:a14="http://schemas.microsoft.com/office/drawing/2010/main" Requires="a14">
             <p:sp>
               <p:nvSpPr>
                 <p:cNvPr id="12" name="ZoneTexte 11"/>
@@ -3769,7 +3795,7 @@
               </p:nvSpPr>
               <p:spPr>
                 <a:xfrm>
-                  <a:off x="5471005" y="3150670"/>
+                  <a:off x="5523259" y="3150670"/>
                   <a:ext cx="1105042" cy="404085"/>
                 </a:xfrm>
                 <a:prstGeom prst="rect">
@@ -3838,13 +3864,22 @@
                   </a14:m>
                   <a:r>
                     <a:rPr lang="fr-FR" sz="1013" dirty="0"/>
-                    <a:t>= xx%</a:t>
-                  </a:r>
+                    <a:t>= </a:t>
+                  </a:r>
+                  <a:r>
+                    <a:rPr lang="fr-FR" sz="1013" dirty="0" smtClean="0"/>
+                    <a:t>46</a:t>
+                  </a:r>
+                  <a:r>
+                    <a:rPr lang="fr-FR" sz="1013" dirty="0" smtClean="0"/>
+                    <a:t>%</a:t>
+                  </a:r>
+                  <a:endParaRPr lang="fr-FR" sz="1013" dirty="0"/>
                 </a:p>
               </p:txBody>
             </p:sp>
           </mc:Choice>
-          <mc:Fallback xmlns="">
+          <mc:Fallback>
             <p:sp>
               <p:nvSpPr>
                 <p:cNvPr id="12" name="ZoneTexte 11"/>
@@ -3855,7 +3890,7 @@
               </p:nvSpPr>
               <p:spPr>
                 <a:xfrm>
-                  <a:off x="5471005" y="3150670"/>
+                  <a:off x="5523259" y="3150670"/>
                   <a:ext cx="1105042" cy="404085"/>
                 </a:xfrm>
                 <a:prstGeom prst="rect">
@@ -3883,8 +3918,8 @@
             </p:sp>
           </mc:Fallback>
         </mc:AlternateContent>
-        <mc:AlternateContent xmlns:mc="http://schemas.openxmlformats.org/markup-compatibility/2006" xmlns:a14="http://schemas.microsoft.com/office/drawing/2010/main">
-          <mc:Choice Requires="a14">
+        <mc:AlternateContent xmlns:mc="http://schemas.openxmlformats.org/markup-compatibility/2006">
+          <mc:Choice xmlns:a14="http://schemas.microsoft.com/office/drawing/2010/main" Requires="a14">
             <p:sp>
               <p:nvSpPr>
                 <p:cNvPr id="13" name="ZoneTexte 12"/>
@@ -3893,8 +3928,8 @@
               </p:nvSpPr>
               <p:spPr>
                 <a:xfrm>
-                  <a:off x="1440425" y="4081026"/>
-                  <a:ext cx="1226239" cy="563488"/>
+                  <a:off x="1407683" y="4081026"/>
+                  <a:ext cx="1293817" cy="563488"/>
                 </a:xfrm>
                 <a:prstGeom prst="rect">
                   <a:avLst/>
@@ -3970,9 +4005,10 @@
                     </m:oMath>
                   </a14:m>
                   <a:r>
-                    <a:rPr lang="fr-FR" sz="1013" dirty="0"/>
-                    <a:t>=xx%</a:t>
-                  </a:r>
+                    <a:rPr lang="fr-FR" sz="1013" dirty="0" smtClean="0"/>
+                    <a:t>= 6.3%</a:t>
+                  </a:r>
+                  <a:endParaRPr lang="fr-FR" sz="1013" dirty="0"/>
                 </a:p>
                 <a:p>
                   <a:pPr algn="ctr"/>
@@ -4020,13 +4056,18 @@
                   </a14:m>
                   <a:r>
                     <a:rPr lang="fr-FR" sz="1013" dirty="0"/>
-                    <a:t>= xx%</a:t>
-                  </a:r>
+                    <a:t>= </a:t>
+                  </a:r>
+                  <a:r>
+                    <a:rPr lang="fr-FR" sz="1013" dirty="0" smtClean="0"/>
+                    <a:t>4.1%</a:t>
+                  </a:r>
+                  <a:endParaRPr lang="fr-FR" sz="1013" dirty="0"/>
                 </a:p>
               </p:txBody>
             </p:sp>
           </mc:Choice>
-          <mc:Fallback xmlns="">
+          <mc:Fallback>
             <p:sp>
               <p:nvSpPr>
                 <p:cNvPr id="13" name="ZoneTexte 12"/>
@@ -4037,8 +4078,8 @@
               </p:nvSpPr>
               <p:spPr>
                 <a:xfrm>
-                  <a:off x="1440425" y="4081026"/>
-                  <a:ext cx="1226239" cy="563488"/>
+                  <a:off x="1407683" y="4081026"/>
+                  <a:ext cx="1293817" cy="563488"/>
                 </a:xfrm>
                 <a:prstGeom prst="rect">
                   <a:avLst/>
@@ -4065,8 +4106,8 @@
             </p:sp>
           </mc:Fallback>
         </mc:AlternateContent>
-        <mc:AlternateContent xmlns:mc="http://schemas.openxmlformats.org/markup-compatibility/2006" xmlns:a14="http://schemas.microsoft.com/office/drawing/2010/main">
-          <mc:Choice Requires="a14">
+        <mc:AlternateContent xmlns:mc="http://schemas.openxmlformats.org/markup-compatibility/2006">
+          <mc:Choice xmlns:a14="http://schemas.microsoft.com/office/drawing/2010/main" Requires="a14">
             <p:sp>
               <p:nvSpPr>
                 <p:cNvPr id="14" name="ZoneTexte 13"/>
@@ -4075,8 +4116,8 @@
               </p:nvSpPr>
               <p:spPr>
                 <a:xfrm>
-                  <a:off x="2748419" y="4081026"/>
-                  <a:ext cx="1226239" cy="563488"/>
+                  <a:off x="2713583" y="4081026"/>
+                  <a:ext cx="1289426" cy="563488"/>
                 </a:xfrm>
                 <a:prstGeom prst="rect">
                   <a:avLst/>
@@ -4152,9 +4193,10 @@
                     </m:oMath>
                   </a14:m>
                   <a:r>
-                    <a:rPr lang="fr-FR" sz="1013" dirty="0"/>
-                    <a:t>=xx%</a:t>
-                  </a:r>
+                    <a:rPr lang="fr-FR" sz="1013" dirty="0" smtClean="0"/>
+                    <a:t>= 4.3%</a:t>
+                  </a:r>
+                  <a:endParaRPr lang="fr-FR" sz="1013" dirty="0"/>
                 </a:p>
                 <a:p>
                   <a:pPr algn="ctr"/>
@@ -4202,13 +4244,18 @@
                   </a14:m>
                   <a:r>
                     <a:rPr lang="fr-FR" sz="1013" dirty="0"/>
-                    <a:t>= xx%</a:t>
-                  </a:r>
+                    <a:t>= </a:t>
+                  </a:r>
+                  <a:r>
+                    <a:rPr lang="fr-FR" sz="1013" dirty="0" smtClean="0"/>
+                    <a:t>4.3%</a:t>
+                  </a:r>
+                  <a:endParaRPr lang="fr-FR" sz="1013" dirty="0"/>
                 </a:p>
               </p:txBody>
             </p:sp>
           </mc:Choice>
-          <mc:Fallback xmlns="">
+          <mc:Fallback>
             <p:sp>
               <p:nvSpPr>
                 <p:cNvPr id="14" name="ZoneTexte 13"/>
@@ -4219,8 +4266,8 @@
               </p:nvSpPr>
               <p:spPr>
                 <a:xfrm>
-                  <a:off x="2748419" y="4081026"/>
-                  <a:ext cx="1226239" cy="563488"/>
+                  <a:off x="2713583" y="4081026"/>
+                  <a:ext cx="1289426" cy="563488"/>
                 </a:xfrm>
                 <a:prstGeom prst="rect">
                   <a:avLst/>
@@ -4334,9 +4381,10 @@
                     </m:oMath>
                   </a14:m>
                   <a:r>
-                    <a:rPr lang="fr-FR" sz="1013" dirty="0"/>
-                    <a:t>=xx%</a:t>
-                  </a:r>
+                    <a:rPr lang="fr-FR" sz="1013" dirty="0" smtClean="0"/>
+                    <a:t>= 5%</a:t>
+                  </a:r>
+                  <a:endParaRPr lang="fr-FR" sz="1013" dirty="0"/>
                 </a:p>
                 <a:p>
                   <a:pPr algn="ctr"/>
@@ -4384,8 +4432,13 @@
                   </a14:m>
                   <a:r>
                     <a:rPr lang="fr-FR" sz="1013" dirty="0"/>
-                    <a:t>= xx%</a:t>
-                  </a:r>
+                    <a:t>= </a:t>
+                  </a:r>
+                  <a:r>
+                    <a:rPr lang="fr-FR" sz="1013" dirty="0" smtClean="0"/>
+                    <a:t>5%</a:t>
+                  </a:r>
+                  <a:endParaRPr lang="fr-FR" sz="1013" dirty="0"/>
                 </a:p>
               </p:txBody>
             </p:sp>
@@ -4429,8 +4482,8 @@
             </p:sp>
           </mc:Fallback>
         </mc:AlternateContent>
-        <mc:AlternateContent xmlns:mc="http://schemas.openxmlformats.org/markup-compatibility/2006" xmlns:a14="http://schemas.microsoft.com/office/drawing/2010/main">
-          <mc:Choice Requires="a14">
+        <mc:AlternateContent xmlns:mc="http://schemas.openxmlformats.org/markup-compatibility/2006">
+          <mc:Choice xmlns:a14="http://schemas.microsoft.com/office/drawing/2010/main" Requires="a14">
             <p:sp>
               <p:nvSpPr>
                 <p:cNvPr id="16" name="ZoneTexte 15"/>
@@ -4439,8 +4492,8 @@
               </p:nvSpPr>
               <p:spPr>
                 <a:xfrm>
-                  <a:off x="5431795" y="4081026"/>
-                  <a:ext cx="1226239" cy="563488"/>
+                  <a:off x="5405295" y="4081026"/>
+                  <a:ext cx="1324252" cy="563488"/>
                 </a:xfrm>
                 <a:prstGeom prst="rect">
                   <a:avLst/>
@@ -4516,9 +4569,10 @@
                     </m:oMath>
                   </a14:m>
                   <a:r>
-                    <a:rPr lang="fr-FR" sz="1013" dirty="0"/>
-                    <a:t>=xx%</a:t>
-                  </a:r>
+                    <a:rPr lang="fr-FR" sz="1013" dirty="0" smtClean="0"/>
+                    <a:t>= 10.6%</a:t>
+                  </a:r>
+                  <a:endParaRPr lang="fr-FR" sz="1013" dirty="0"/>
                 </a:p>
                 <a:p>
                   <a:pPr algn="ctr"/>
@@ -4566,13 +4620,18 @@
                   </a14:m>
                   <a:r>
                     <a:rPr lang="fr-FR" sz="1013" dirty="0"/>
-                    <a:t>= xx%</a:t>
-                  </a:r>
+                    <a:t>= </a:t>
+                  </a:r>
+                  <a:r>
+                    <a:rPr lang="fr-FR" sz="1013" dirty="0" smtClean="0"/>
+                    <a:t>7.3%</a:t>
+                  </a:r>
+                  <a:endParaRPr lang="fr-FR" sz="1013" dirty="0"/>
                 </a:p>
               </p:txBody>
             </p:sp>
           </mc:Choice>
-          <mc:Fallback xmlns="">
+          <mc:Fallback>
             <p:sp>
               <p:nvSpPr>
                 <p:cNvPr id="16" name="ZoneTexte 15"/>
@@ -4583,8 +4642,8 @@
               </p:nvSpPr>
               <p:spPr>
                 <a:xfrm>
-                  <a:off x="5431795" y="4081026"/>
-                  <a:ext cx="1226239" cy="563488"/>
+                  <a:off x="5405295" y="4081026"/>
+                  <a:ext cx="1324252" cy="563488"/>
                 </a:xfrm>
                 <a:prstGeom prst="rect">
                   <a:avLst/>
@@ -4611,8 +4670,8 @@
             </p:sp>
           </mc:Fallback>
         </mc:AlternateContent>
-        <mc:AlternateContent xmlns:mc="http://schemas.openxmlformats.org/markup-compatibility/2006" xmlns:a14="http://schemas.microsoft.com/office/drawing/2010/main">
-          <mc:Choice Requires="a14">
+        <mc:AlternateContent xmlns:mc="http://schemas.openxmlformats.org/markup-compatibility/2006">
+          <mc:Choice xmlns:a14="http://schemas.microsoft.com/office/drawing/2010/main" Requires="a14">
             <p:sp>
               <p:nvSpPr>
                 <p:cNvPr id="17" name="ZoneTexte 16"/>
@@ -4621,7 +4680,7 @@
               </p:nvSpPr>
               <p:spPr>
                 <a:xfrm>
-                  <a:off x="3534352" y="4721586"/>
+                  <a:off x="3535976" y="4709858"/>
                   <a:ext cx="1055136" cy="265457"/>
                 </a:xfrm>
                 <a:prstGeom prst="rect">
@@ -4695,13 +4754,26 @@
                         <a:srgbClr val="FF0000"/>
                       </a:solidFill>
                     </a:rPr>
-                    <a:t>= xx%</a:t>
-                  </a:r>
+                    <a:t>= </a:t>
+                  </a:r>
+                  <a:r>
+                    <a:rPr lang="fr-FR" sz="1125" b="1" dirty="0" smtClean="0">
+                      <a:solidFill>
+                        <a:srgbClr val="FF0000"/>
+                      </a:solidFill>
+                    </a:rPr>
+                    <a:t>5%</a:t>
+                  </a:r>
+                  <a:endParaRPr lang="fr-FR" sz="1125" b="1" dirty="0">
+                    <a:solidFill>
+                      <a:srgbClr val="FF0000"/>
+                    </a:solidFill>
+                  </a:endParaRPr>
                 </a:p>
               </p:txBody>
             </p:sp>
           </mc:Choice>
-          <mc:Fallback xmlns="">
+          <mc:Fallback>
             <p:sp>
               <p:nvSpPr>
                 <p:cNvPr id="17" name="ZoneTexte 16"/>
@@ -4712,7 +4784,7 @@
               </p:nvSpPr>
               <p:spPr>
                 <a:xfrm>
-                  <a:off x="3534352" y="4721586"/>
+                  <a:off x="3535976" y="4709858"/>
                   <a:ext cx="1055136" cy="265457"/>
                 </a:xfrm>
                 <a:prstGeom prst="rect">
@@ -4740,8 +4812,8 @@
             </p:sp>
           </mc:Fallback>
         </mc:AlternateContent>
-        <mc:AlternateContent xmlns:mc="http://schemas.openxmlformats.org/markup-compatibility/2006" xmlns:a14="http://schemas.microsoft.com/office/drawing/2010/main">
-          <mc:Choice Requires="a14">
+        <mc:AlternateContent xmlns:mc="http://schemas.openxmlformats.org/markup-compatibility/2006">
+          <mc:Choice xmlns:a14="http://schemas.microsoft.com/office/drawing/2010/main" Requires="a14">
             <p:sp>
               <p:nvSpPr>
                 <p:cNvPr id="18" name="ZoneTexte 17"/>
@@ -4750,7 +4822,7 @@
               </p:nvSpPr>
               <p:spPr>
                 <a:xfrm>
-                  <a:off x="3451653" y="3691620"/>
+                  <a:off x="3337489" y="3685425"/>
                   <a:ext cx="1497152" cy="269433"/>
                 </a:xfrm>
                 <a:prstGeom prst="rect">
@@ -4841,13 +4913,26 @@
                         <a:srgbClr val="FF0000"/>
                       </a:solidFill>
                     </a:rPr>
-                    <a:t>= xx%</a:t>
-                  </a:r>
+                    <a:t>= </a:t>
+                  </a:r>
+                  <a:r>
+                    <a:rPr lang="fr-FR" sz="1125" b="1" dirty="0" smtClean="0">
+                      <a:solidFill>
+                        <a:srgbClr val="FF0000"/>
+                      </a:solidFill>
+                    </a:rPr>
+                    <a:t>6.5%</a:t>
+                  </a:r>
+                  <a:endParaRPr lang="fr-FR" sz="1125" b="1" dirty="0">
+                    <a:solidFill>
+                      <a:srgbClr val="FF0000"/>
+                    </a:solidFill>
+                  </a:endParaRPr>
                 </a:p>
               </p:txBody>
             </p:sp>
           </mc:Choice>
-          <mc:Fallback xmlns="">
+          <mc:Fallback>
             <p:sp>
               <p:nvSpPr>
                 <p:cNvPr id="18" name="ZoneTexte 17"/>
@@ -4858,7 +4943,7 @@
               </p:nvSpPr>
               <p:spPr>
                 <a:xfrm>
-                  <a:off x="3451653" y="3691620"/>
+                  <a:off x="3337489" y="3685425"/>
                   <a:ext cx="1497152" cy="269433"/>
                 </a:xfrm>
                 <a:prstGeom prst="rect">
@@ -4886,8 +4971,8 @@
             </p:sp>
           </mc:Fallback>
         </mc:AlternateContent>
-        <mc:AlternateContent xmlns:mc="http://schemas.openxmlformats.org/markup-compatibility/2006" xmlns:a14="http://schemas.microsoft.com/office/drawing/2010/main">
-          <mc:Choice Requires="a14">
+        <mc:AlternateContent xmlns:mc="http://schemas.openxmlformats.org/markup-compatibility/2006">
+          <mc:Choice xmlns:a14="http://schemas.microsoft.com/office/drawing/2010/main" Requires="a14">
             <p:sp>
               <p:nvSpPr>
                 <p:cNvPr id="19" name="ZoneTexte 18"/>
@@ -4896,7 +4981,7 @@
               </p:nvSpPr>
               <p:spPr>
                 <a:xfrm>
-                  <a:off x="3518662" y="2799598"/>
+                  <a:off x="3448671" y="2791930"/>
                   <a:ext cx="1276144" cy="269433"/>
                 </a:xfrm>
                 <a:prstGeom prst="rect">
@@ -4996,13 +5081,26 @@
                         <a:srgbClr val="FF0000"/>
                       </a:solidFill>
                     </a:rPr>
-                    <a:t>= xx%</a:t>
-                  </a:r>
+                    <a:t>= </a:t>
+                  </a:r>
+                  <a:r>
+                    <a:rPr lang="fr-FR" sz="1125" b="1" dirty="0" smtClean="0">
+                      <a:solidFill>
+                        <a:srgbClr val="FF0000"/>
+                      </a:solidFill>
+                    </a:rPr>
+                    <a:t>17%</a:t>
+                  </a:r>
+                  <a:endParaRPr lang="fr-FR" sz="1125" b="1" dirty="0">
+                    <a:solidFill>
+                      <a:srgbClr val="FF0000"/>
+                    </a:solidFill>
+                  </a:endParaRPr>
                 </a:p>
               </p:txBody>
             </p:sp>
           </mc:Choice>
-          <mc:Fallback xmlns="">
+          <mc:Fallback>
             <p:sp>
               <p:nvSpPr>
                 <p:cNvPr id="19" name="ZoneTexte 18"/>
@@ -5013,7 +5111,7 @@
               </p:nvSpPr>
               <p:spPr>
                 <a:xfrm>
-                  <a:off x="3518662" y="2799598"/>
+                  <a:off x="3448671" y="2791930"/>
                   <a:ext cx="1276144" cy="269433"/>
                 </a:xfrm>
                 <a:prstGeom prst="rect">
@@ -5160,8 +5258,8 @@
           </p:nvCxnSpPr>
           <p:spPr>
             <a:xfrm flipH="1">
-              <a:off x="6023526" y="2695236"/>
-              <a:ext cx="12151" cy="485261"/>
+              <a:off x="6067071" y="2695236"/>
+              <a:ext cx="3442" cy="485261"/>
             </a:xfrm>
             <a:prstGeom prst="straightConnector1">
               <a:avLst/>
@@ -5304,44 +5402,8 @@
           </p:nvCxnSpPr>
           <p:spPr>
             <a:xfrm>
-              <a:off x="6023526" y="3617654"/>
-              <a:ext cx="4451" cy="448606"/>
-            </a:xfrm>
-            <a:prstGeom prst="straightConnector1">
-              <a:avLst/>
-            </a:prstGeom>
-            <a:ln>
-              <a:tailEnd type="triangle"/>
-            </a:ln>
-          </p:spPr>
-          <p:style>
-            <a:lnRef idx="1">
-              <a:schemeClr val="dk1"/>
-            </a:lnRef>
-            <a:fillRef idx="0">
-              <a:schemeClr val="dk1"/>
-            </a:fillRef>
-            <a:effectRef idx="0">
-              <a:schemeClr val="dk1"/>
-            </a:effectRef>
-            <a:fontRef idx="minor">
-              <a:schemeClr val="tx1"/>
-            </a:fontRef>
-          </p:style>
-        </p:cxnSp>
-        <p:cxnSp>
-          <p:nvCxnSpPr>
-            <p:cNvPr id="39" name="Connecteur droit avec flèche 38"/>
-            <p:cNvCxnSpPr>
-              <a:stCxn id="46" idx="4"/>
-              <a:endCxn id="5" idx="0"/>
-            </p:cNvCxnSpPr>
-            <p:nvPr/>
-          </p:nvCxnSpPr>
-          <p:spPr>
-            <a:xfrm flipH="1">
-              <a:off x="2055364" y="962295"/>
-              <a:ext cx="1996214" cy="615950"/>
+              <a:off x="6067071" y="3617654"/>
+              <a:ext cx="1771" cy="448606"/>
             </a:xfrm>
             <a:prstGeom prst="straightConnector1">
               <a:avLst/>
@@ -5437,44 +5499,8 @@
             </a:fontRef>
           </p:style>
         </p:cxnSp>
-        <p:cxnSp>
-          <p:nvCxnSpPr>
-            <p:cNvPr id="45" name="Connecteur droit avec flèche 44"/>
-            <p:cNvCxnSpPr>
-              <a:stCxn id="46" idx="4"/>
-              <a:endCxn id="8" idx="0"/>
-            </p:cNvCxnSpPr>
-            <p:nvPr/>
-          </p:nvCxnSpPr>
-          <p:spPr>
-            <a:xfrm>
-              <a:off x="4051578" y="962295"/>
-              <a:ext cx="1993336" cy="625272"/>
-            </a:xfrm>
-            <a:prstGeom prst="straightConnector1">
-              <a:avLst/>
-            </a:prstGeom>
-            <a:ln>
-              <a:tailEnd type="triangle"/>
-            </a:ln>
-          </p:spPr>
-          <p:style>
-            <a:lnRef idx="1">
-              <a:schemeClr val="dk1"/>
-            </a:lnRef>
-            <a:fillRef idx="0">
-              <a:schemeClr val="dk1"/>
-            </a:fillRef>
-            <a:effectRef idx="0">
-              <a:schemeClr val="dk1"/>
-            </a:effectRef>
-            <a:fontRef idx="minor">
-              <a:schemeClr val="tx1"/>
-            </a:fontRef>
-          </p:style>
-        </p:cxnSp>
-        <mc:AlternateContent xmlns:mc="http://schemas.openxmlformats.org/markup-compatibility/2006" xmlns:a14="http://schemas.microsoft.com/office/drawing/2010/main">
-          <mc:Choice Requires="a14">
+        <mc:AlternateContent xmlns:mc="http://schemas.openxmlformats.org/markup-compatibility/2006">
+          <mc:Choice xmlns:a14="http://schemas.microsoft.com/office/drawing/2010/main" Requires="a14">
             <p:sp>
               <p:nvSpPr>
                 <p:cNvPr id="20" name="ZoneTexte 19"/>
@@ -5483,8 +5509,8 @@
               </p:nvSpPr>
               <p:spPr>
                 <a:xfrm>
-                  <a:off x="3416833" y="1122550"/>
-                  <a:ext cx="1290174" cy="281872"/>
+                  <a:off x="3358261" y="1131092"/>
+                  <a:ext cx="1420514" cy="281872"/>
                 </a:xfrm>
                 <a:prstGeom prst="rect">
                   <a:avLst/>
@@ -5562,13 +5588,26 @@
                         <a:srgbClr val="FF0000"/>
                       </a:solidFill>
                     </a:rPr>
-                    <a:t>= xx%</a:t>
-                  </a:r>
+                    <a:t>= </a:t>
+                  </a:r>
+                  <a:r>
+                    <a:rPr lang="fr-FR" sz="1125" b="1" dirty="0" smtClean="0">
+                      <a:solidFill>
+                        <a:srgbClr val="FF0000"/>
+                      </a:solidFill>
+                    </a:rPr>
+                    <a:t>71.5%</a:t>
+                  </a:r>
+                  <a:endParaRPr lang="fr-FR" sz="1125" b="1" dirty="0">
+                    <a:solidFill>
+                      <a:srgbClr val="FF0000"/>
+                    </a:solidFill>
+                  </a:endParaRPr>
                 </a:p>
               </p:txBody>
             </p:sp>
           </mc:Choice>
-          <mc:Fallback xmlns="">
+          <mc:Fallback>
             <p:sp>
               <p:nvSpPr>
                 <p:cNvPr id="20" name="ZoneTexte 19"/>
@@ -5579,8 +5618,8 @@
               </p:nvSpPr>
               <p:spPr>
                 <a:xfrm>
-                  <a:off x="3416833" y="1122550"/>
-                  <a:ext cx="1290174" cy="281872"/>
+                  <a:off x="3358261" y="1131092"/>
+                  <a:ext cx="1420514" cy="281872"/>
                 </a:xfrm>
                 <a:prstGeom prst="rect">
                   <a:avLst/>
@@ -5703,7 +5742,7 @@
           </p:nvSpPr>
           <p:spPr>
             <a:xfrm>
-              <a:off x="5554775" y="3180497"/>
+              <a:off x="5598320" y="3180497"/>
               <a:ext cx="937501" cy="437157"/>
             </a:xfrm>
             <a:prstGeom prst="ellipse">
@@ -5880,7 +5919,7 @@
           <p:spPr>
             <a:xfrm>
               <a:off x="5494172" y="4066260"/>
-              <a:ext cx="1067611" cy="664633"/>
+              <a:ext cx="1149340" cy="664633"/>
             </a:xfrm>
             <a:prstGeom prst="ellipse">
               <a:avLst/>
@@ -5951,8 +5990,8 @@
             </a:p>
           </p:txBody>
         </p:sp>
-        <mc:AlternateContent xmlns:mc="http://schemas.openxmlformats.org/markup-compatibility/2006" xmlns:a14="http://schemas.microsoft.com/office/drawing/2010/main">
-          <mc:Choice Requires="a14">
+        <mc:AlternateContent xmlns:mc="http://schemas.openxmlformats.org/markup-compatibility/2006">
+          <mc:Choice xmlns:a14="http://schemas.microsoft.com/office/drawing/2010/main" Requires="a14">
             <p:sp>
               <p:nvSpPr>
                 <p:cNvPr id="3" name="ZoneTexte 2"/>
@@ -5962,7 +6001,7 @@
               <p:spPr>
                 <a:xfrm>
                   <a:off x="356812" y="5346843"/>
-                  <a:ext cx="4817460" cy="1673343"/>
+                  <a:ext cx="5241508" cy="1673343"/>
                 </a:xfrm>
                 <a:prstGeom prst="rect">
                   <a:avLst/>
@@ -6042,7 +6081,11 @@
                   </a14:m>
                   <a:r>
                     <a:rPr lang="fr-FR" sz="1050" b="1" dirty="0"/>
-                    <a:t>= xx%,  </a:t>
+                    <a:t>= </a:t>
+                  </a:r>
+                  <a:r>
+                    <a:rPr lang="fr-FR" sz="1050" b="1" dirty="0" smtClean="0"/>
+                    <a:t>74%,  </a:t>
                   </a:r>
                   <a14:m>
                     <m:oMath xmlns:m="http://schemas.openxmlformats.org/officeDocument/2006/math">
@@ -6105,7 +6148,11 @@
                   </a14:m>
                   <a:r>
                     <a:rPr lang="fr-FR" sz="1050" b="1" dirty="0"/>
-                    <a:t>= xx%,  </a:t>
+                    <a:t>= </a:t>
+                  </a:r>
+                  <a:r>
+                    <a:rPr lang="fr-FR" sz="1050" b="1" dirty="0" smtClean="0"/>
+                    <a:t>18%,  </a:t>
                   </a:r>
                   <a14:m>
                     <m:oMath xmlns:m="http://schemas.openxmlformats.org/officeDocument/2006/math">
@@ -6162,7 +6209,11 @@
                   </a14:m>
                   <a:r>
                     <a:rPr lang="fr-FR" sz="1050" b="1" dirty="0"/>
-                    <a:t>= xx%,  </a:t>
+                    <a:t>= </a:t>
+                  </a:r>
+                  <a:r>
+                    <a:rPr lang="fr-FR" sz="1050" b="1" dirty="0" smtClean="0"/>
+                    <a:t>4.5%,  </a:t>
                   </a:r>
                   <a14:m>
                     <m:oMath xmlns:m="http://schemas.openxmlformats.org/officeDocument/2006/math">
@@ -6208,8 +6259,13 @@
                   </a14:m>
                   <a:r>
                     <a:rPr lang="fr-FR" sz="1050" b="1" dirty="0"/>
-                    <a:t>= xx%</a:t>
-                  </a:r>
+                    <a:t>= </a:t>
+                  </a:r>
+                  <a:r>
+                    <a:rPr lang="fr-FR" sz="1050" b="1" dirty="0" smtClean="0"/>
+                    <a:t>3.5%</a:t>
+                  </a:r>
+                  <a:endParaRPr lang="fr-FR" sz="1050" b="1" dirty="0"/>
                 </a:p>
                 <a:p>
                   <a:r>
@@ -6286,7 +6342,11 @@
                   </a14:m>
                   <a:r>
                     <a:rPr lang="fr-FR" sz="1050" b="1" dirty="0"/>
-                    <a:t>= xx%,  </a:t>
+                    <a:t>= </a:t>
+                  </a:r>
+                  <a:r>
+                    <a:rPr lang="fr-FR" sz="1050" b="1" dirty="0" smtClean="0"/>
+                    <a:t>70.8%,  </a:t>
                   </a:r>
                   <a14:m>
                     <m:oMath xmlns:m="http://schemas.openxmlformats.org/officeDocument/2006/math">
@@ -6349,7 +6409,11 @@
                   </a14:m>
                   <a:r>
                     <a:rPr lang="fr-FR" sz="1050" b="1" dirty="0"/>
-                    <a:t>= xx%,  </a:t>
+                    <a:t>= </a:t>
+                  </a:r>
+                  <a:r>
+                    <a:rPr lang="fr-FR" sz="1050" b="1" dirty="0" smtClean="0"/>
+                    <a:t>15.8%,  </a:t>
                   </a:r>
                   <a14:m>
                     <m:oMath xmlns:m="http://schemas.openxmlformats.org/officeDocument/2006/math">
@@ -6406,7 +6470,11 @@
                   </a14:m>
                   <a:r>
                     <a:rPr lang="fr-FR" sz="1050" b="1" dirty="0"/>
-                    <a:t>= xx%,  </a:t>
+                    <a:t>= </a:t>
+                  </a:r>
+                  <a:r>
+                    <a:rPr lang="fr-FR" sz="1050" b="1" dirty="0" smtClean="0"/>
+                    <a:t>7.8%,  </a:t>
                   </a:r>
                   <a14:m>
                     <m:oMath xmlns:m="http://schemas.openxmlformats.org/officeDocument/2006/math">
@@ -6452,12 +6520,17 @@
                   </a14:m>
                   <a:r>
                     <a:rPr lang="fr-FR" sz="1050" b="1" dirty="0"/>
-                    <a:t>= xx</a:t>
+                    <a:t>= </a:t>
+                  </a:r>
+                  <a:r>
+                    <a:rPr lang="fr-FR" sz="1050" b="1" dirty="0" smtClean="0"/>
+                    <a:t>5.6</a:t>
                   </a:r>
                   <a:r>
                     <a:rPr lang="fr-FR" sz="1050" b="1" dirty="0" smtClean="0"/>
                     <a:t>%</a:t>
                   </a:r>
+                  <a:endParaRPr lang="fr-FR" sz="1050" b="1" dirty="0" smtClean="0"/>
                 </a:p>
                 <a:p>
                   <a:endParaRPr lang="fr-FR" sz="1050" b="1" dirty="0" smtClean="0"/>
@@ -6538,7 +6611,11 @@
                   </a14:m>
                   <a:r>
                     <a:rPr lang="fr-FR" sz="1050" b="1" dirty="0"/>
-                    <a:t>= xx%,  </a:t>
+                    <a:t>= </a:t>
+                  </a:r>
+                  <a:r>
+                    <a:rPr lang="fr-FR" sz="1050" b="1" dirty="0" smtClean="0"/>
+                    <a:t>68%,  </a:t>
                   </a:r>
                   <a14:m>
                     <m:oMath xmlns:m="http://schemas.openxmlformats.org/officeDocument/2006/math">
@@ -6601,7 +6678,11 @@
                   </a14:m>
                   <a:r>
                     <a:rPr lang="fr-FR" sz="1050" b="1" dirty="0"/>
-                    <a:t>= xx%,  </a:t>
+                    <a:t>= </a:t>
+                  </a:r>
+                  <a:r>
+                    <a:rPr lang="fr-FR" sz="1050" b="1" dirty="0" smtClean="0"/>
+                    <a:t>15.7%,  </a:t>
                   </a:r>
                   <a14:m>
                     <m:oMath xmlns:m="http://schemas.openxmlformats.org/officeDocument/2006/math">
@@ -6658,7 +6739,11 @@
                   </a14:m>
                   <a:r>
                     <a:rPr lang="fr-FR" sz="1050" b="1" dirty="0"/>
-                    <a:t>= xx%,  </a:t>
+                    <a:t>= </a:t>
+                  </a:r>
+                  <a:r>
+                    <a:rPr lang="fr-FR" sz="1050" b="1" dirty="0" smtClean="0"/>
+                    <a:t>8.3%,  </a:t>
                   </a:r>
                   <a14:m>
                     <m:oMath xmlns:m="http://schemas.openxmlformats.org/officeDocument/2006/math">
@@ -6704,8 +6789,13 @@
                   </a14:m>
                   <a:r>
                     <a:rPr lang="fr-FR" sz="1050" b="1" dirty="0"/>
-                    <a:t>= xx%</a:t>
-                  </a:r>
+                    <a:t>= </a:t>
+                  </a:r>
+                  <a:r>
+                    <a:rPr lang="fr-FR" sz="1050" b="1" dirty="0" smtClean="0"/>
+                    <a:t>8%</a:t>
+                  </a:r>
+                  <a:endParaRPr lang="fr-FR" sz="1050" b="1" dirty="0"/>
                 </a:p>
                 <a:p>
                   <a:pPr marL="171450" indent="-171450">
@@ -6717,7 +6807,7 @@
               </p:txBody>
             </p:sp>
           </mc:Choice>
-          <mc:Fallback xmlns="">
+          <mc:Fallback>
             <p:sp>
               <p:nvSpPr>
                 <p:cNvPr id="3" name="ZoneTexte 2"/>
@@ -6729,7 +6819,7 @@
               <p:spPr>
                 <a:xfrm>
                   <a:off x="356812" y="5346843"/>
-                  <a:ext cx="4817460" cy="1673343"/>
+                  <a:ext cx="5241508" cy="1673343"/>
                 </a:xfrm>
                 <a:prstGeom prst="rect">
                   <a:avLst/>
@@ -6871,7 +6961,7 @@
           </p:blipFill>
           <p:spPr>
             <a:xfrm>
-              <a:off x="5409140" y="1803302"/>
+              <a:off x="5443976" y="1803302"/>
               <a:ext cx="1253074" cy="891934"/>
             </a:xfrm>
             <a:prstGeom prst="rect">
@@ -6882,6 +6972,78 @@
             </a:ln>
           </p:spPr>
         </p:pic>
+        <p:cxnSp>
+          <p:nvCxnSpPr>
+            <p:cNvPr id="39" name="Connecteur droit avec flèche 38"/>
+            <p:cNvCxnSpPr>
+              <a:stCxn id="46" idx="4"/>
+              <a:endCxn id="5" idx="0"/>
+            </p:cNvCxnSpPr>
+            <p:nvPr/>
+          </p:nvCxnSpPr>
+          <p:spPr>
+            <a:xfrm flipH="1">
+              <a:off x="2055364" y="962295"/>
+              <a:ext cx="1996214" cy="615950"/>
+            </a:xfrm>
+            <a:prstGeom prst="straightConnector1">
+              <a:avLst/>
+            </a:prstGeom>
+            <a:ln>
+              <a:tailEnd type="triangle"/>
+            </a:ln>
+          </p:spPr>
+          <p:style>
+            <a:lnRef idx="1">
+              <a:schemeClr val="dk1"/>
+            </a:lnRef>
+            <a:fillRef idx="0">
+              <a:schemeClr val="dk1"/>
+            </a:fillRef>
+            <a:effectRef idx="0">
+              <a:schemeClr val="dk1"/>
+            </a:effectRef>
+            <a:fontRef idx="minor">
+              <a:schemeClr val="tx1"/>
+            </a:fontRef>
+          </p:style>
+        </p:cxnSp>
+        <p:cxnSp>
+          <p:nvCxnSpPr>
+            <p:cNvPr id="45" name="Connecteur droit avec flèche 44"/>
+            <p:cNvCxnSpPr>
+              <a:stCxn id="46" idx="4"/>
+              <a:endCxn id="8" idx="0"/>
+            </p:cNvCxnSpPr>
+            <p:nvPr/>
+          </p:nvCxnSpPr>
+          <p:spPr>
+            <a:xfrm>
+              <a:off x="4051578" y="962295"/>
+              <a:ext cx="2028172" cy="625272"/>
+            </a:xfrm>
+            <a:prstGeom prst="straightConnector1">
+              <a:avLst/>
+            </a:prstGeom>
+            <a:ln>
+              <a:tailEnd type="triangle"/>
+            </a:ln>
+          </p:spPr>
+          <p:style>
+            <a:lnRef idx="1">
+              <a:schemeClr val="dk1"/>
+            </a:lnRef>
+            <a:fillRef idx="0">
+              <a:schemeClr val="dk1"/>
+            </a:fillRef>
+            <a:effectRef idx="0">
+              <a:schemeClr val="dk1"/>
+            </a:effectRef>
+            <a:fontRef idx="minor">
+              <a:schemeClr val="tx1"/>
+            </a:fontRef>
+          </p:style>
+        </p:cxnSp>
       </p:grpSp>
     </p:spTree>
     <p:extLst>

--- a/outputs/06_diversity_partitioning/schema_partition.pptx
+++ b/outputs/06_diversity_partitioning/schema_partition.pptx
@@ -243,7 +243,7 @@
           <a:p>
             <a:fld id="{1DD5E214-71AE-49E0-8511-3FE919ED9730}" type="datetimeFigureOut">
               <a:rPr lang="fr-FR" smtClean="0"/>
-              <a:t>06/05/2020</a:t>
+              <a:t>07/05/2020</a:t>
             </a:fld>
             <a:endParaRPr lang="fr-FR"/>
           </a:p>
@@ -413,7 +413,7 @@
           <a:p>
             <a:fld id="{1DD5E214-71AE-49E0-8511-3FE919ED9730}" type="datetimeFigureOut">
               <a:rPr lang="fr-FR" smtClean="0"/>
-              <a:t>06/05/2020</a:t>
+              <a:t>07/05/2020</a:t>
             </a:fld>
             <a:endParaRPr lang="fr-FR"/>
           </a:p>
@@ -593,7 +593,7 @@
           <a:p>
             <a:fld id="{1DD5E214-71AE-49E0-8511-3FE919ED9730}" type="datetimeFigureOut">
               <a:rPr lang="fr-FR" smtClean="0"/>
-              <a:t>06/05/2020</a:t>
+              <a:t>07/05/2020</a:t>
             </a:fld>
             <a:endParaRPr lang="fr-FR"/>
           </a:p>
@@ -763,7 +763,7 @@
           <a:p>
             <a:fld id="{1DD5E214-71AE-49E0-8511-3FE919ED9730}" type="datetimeFigureOut">
               <a:rPr lang="fr-FR" smtClean="0"/>
-              <a:t>06/05/2020</a:t>
+              <a:t>07/05/2020</a:t>
             </a:fld>
             <a:endParaRPr lang="fr-FR"/>
           </a:p>
@@ -1007,7 +1007,7 @@
           <a:p>
             <a:fld id="{1DD5E214-71AE-49E0-8511-3FE919ED9730}" type="datetimeFigureOut">
               <a:rPr lang="fr-FR" smtClean="0"/>
-              <a:t>06/05/2020</a:t>
+              <a:t>07/05/2020</a:t>
             </a:fld>
             <a:endParaRPr lang="fr-FR"/>
           </a:p>
@@ -1239,7 +1239,7 @@
           <a:p>
             <a:fld id="{1DD5E214-71AE-49E0-8511-3FE919ED9730}" type="datetimeFigureOut">
               <a:rPr lang="fr-FR" smtClean="0"/>
-              <a:t>06/05/2020</a:t>
+              <a:t>07/05/2020</a:t>
             </a:fld>
             <a:endParaRPr lang="fr-FR"/>
           </a:p>
@@ -1606,7 +1606,7 @@
           <a:p>
             <a:fld id="{1DD5E214-71AE-49E0-8511-3FE919ED9730}" type="datetimeFigureOut">
               <a:rPr lang="fr-FR" smtClean="0"/>
-              <a:t>06/05/2020</a:t>
+              <a:t>07/05/2020</a:t>
             </a:fld>
             <a:endParaRPr lang="fr-FR"/>
           </a:p>
@@ -1724,7 +1724,7 @@
           <a:p>
             <a:fld id="{1DD5E214-71AE-49E0-8511-3FE919ED9730}" type="datetimeFigureOut">
               <a:rPr lang="fr-FR" smtClean="0"/>
-              <a:t>06/05/2020</a:t>
+              <a:t>07/05/2020</a:t>
             </a:fld>
             <a:endParaRPr lang="fr-FR"/>
           </a:p>
@@ -1819,7 +1819,7 @@
           <a:p>
             <a:fld id="{1DD5E214-71AE-49E0-8511-3FE919ED9730}" type="datetimeFigureOut">
               <a:rPr lang="fr-FR" smtClean="0"/>
-              <a:t>06/05/2020</a:t>
+              <a:t>07/05/2020</a:t>
             </a:fld>
             <a:endParaRPr lang="fr-FR"/>
           </a:p>
@@ -2096,7 +2096,7 @@
           <a:p>
             <a:fld id="{1DD5E214-71AE-49E0-8511-3FE919ED9730}" type="datetimeFigureOut">
               <a:rPr lang="fr-FR" smtClean="0"/>
-              <a:t>06/05/2020</a:t>
+              <a:t>07/05/2020</a:t>
             </a:fld>
             <a:endParaRPr lang="fr-FR"/>
           </a:p>
@@ -2353,7 +2353,7 @@
           <a:p>
             <a:fld id="{1DD5E214-71AE-49E0-8511-3FE919ED9730}" type="datetimeFigureOut">
               <a:rPr lang="fr-FR" smtClean="0"/>
-              <a:t>06/05/2020</a:t>
+              <a:t>07/05/2020</a:t>
             </a:fld>
             <a:endParaRPr lang="fr-FR"/>
           </a:p>
@@ -2566,7 +2566,7 @@
           <a:p>
             <a:fld id="{1DD5E214-71AE-49E0-8511-3FE919ED9730}" type="datetimeFigureOut">
               <a:rPr lang="fr-FR" smtClean="0"/>
-              <a:t>06/05/2020</a:t>
+              <a:t>07/05/2020</a:t>
             </a:fld>
             <a:endParaRPr lang="fr-FR"/>
           </a:p>
@@ -3139,8 +3139,8 @@
             </a:p>
           </p:txBody>
         </p:sp>
-        <mc:AlternateContent xmlns:mc="http://schemas.openxmlformats.org/markup-compatibility/2006">
-          <mc:Choice xmlns:a14="http://schemas.microsoft.com/office/drawing/2010/main" Requires="a14">
+        <mc:AlternateContent xmlns:mc="http://schemas.openxmlformats.org/markup-compatibility/2006" xmlns:a14="http://schemas.microsoft.com/office/drawing/2010/main">
+          <mc:Choice Requires="a14">
             <p:sp>
               <p:nvSpPr>
                 <p:cNvPr id="4" name="ZoneTexte 3"/>
@@ -3228,7 +3228,7 @@
               </p:txBody>
             </p:sp>
           </mc:Choice>
-          <mc:Fallback>
+          <mc:Fallback xmlns="">
             <p:sp>
               <p:nvSpPr>
                 <p:cNvPr id="4" name="ZoneTexte 3"/>
@@ -3348,8 +3348,8 @@
             <a:lstStyle/>
             <a:p>
               <a:r>
-                <a:rPr lang="fr-FR" sz="1013" dirty="0"/>
-                <a:t>Western </a:t>
+                <a:rPr lang="fr-FR" sz="1013" dirty="0" smtClean="0"/>
+                <a:t>West </a:t>
               </a:r>
               <a:r>
                 <a:rPr lang="en-US" sz="1013" dirty="0"/>
@@ -3387,8 +3387,8 @@
             </a:p>
           </p:txBody>
         </p:sp>
-        <mc:AlternateContent xmlns:mc="http://schemas.openxmlformats.org/markup-compatibility/2006">
-          <mc:Choice xmlns:a14="http://schemas.microsoft.com/office/drawing/2010/main" Requires="a14">
+        <mc:AlternateContent xmlns:mc="http://schemas.openxmlformats.org/markup-compatibility/2006" xmlns:a14="http://schemas.microsoft.com/office/drawing/2010/main">
+          <mc:Choice Requires="a14">
             <p:sp>
               <p:nvSpPr>
                 <p:cNvPr id="9" name="ZoneTexte 8"/>
@@ -3470,18 +3470,14 @@
                   </a:r>
                   <a:r>
                     <a:rPr lang="fr-FR" sz="1013" dirty="0" smtClean="0"/>
-                    <a:t>11</a:t>
-                  </a:r>
-                  <a:r>
-                    <a:rPr lang="fr-FR" sz="1013" dirty="0" smtClean="0"/>
-                    <a:t>%</a:t>
+                    <a:t>11%</a:t>
                   </a:r>
                   <a:endParaRPr lang="fr-FR" sz="1013" dirty="0"/>
                 </a:p>
               </p:txBody>
             </p:sp>
           </mc:Choice>
-          <mc:Fallback>
+          <mc:Fallback xmlns="">
             <p:sp>
               <p:nvSpPr>
                 <p:cNvPr id="9" name="ZoneTexte 8"/>
@@ -3644,8 +3640,8 @@
             </p:sp>
           </mc:Fallback>
         </mc:AlternateContent>
-        <mc:AlternateContent xmlns:mc="http://schemas.openxmlformats.org/markup-compatibility/2006">
-          <mc:Choice xmlns:a14="http://schemas.microsoft.com/office/drawing/2010/main" Requires="a14">
+        <mc:AlternateContent xmlns:mc="http://schemas.openxmlformats.org/markup-compatibility/2006" xmlns:a14="http://schemas.microsoft.com/office/drawing/2010/main">
+          <mc:Choice Requires="a14">
             <p:sp>
               <p:nvSpPr>
                 <p:cNvPr id="11" name="ZoneTexte 10"/>
@@ -3735,18 +3731,14 @@
                   </a:r>
                   <a:r>
                     <a:rPr lang="fr-FR" sz="1013" dirty="0" smtClean="0"/>
-                    <a:t>11</a:t>
-                  </a:r>
-                  <a:r>
-                    <a:rPr lang="fr-FR" sz="1013" dirty="0" smtClean="0"/>
-                    <a:t>%</a:t>
+                    <a:t>11%</a:t>
                   </a:r>
                   <a:endParaRPr lang="fr-FR" sz="1013" dirty="0"/>
                 </a:p>
               </p:txBody>
             </p:sp>
           </mc:Choice>
-          <mc:Fallback>
+          <mc:Fallback xmlns="">
             <p:sp>
               <p:nvSpPr>
                 <p:cNvPr id="11" name="ZoneTexte 10"/>
@@ -3785,8 +3777,8 @@
             </p:sp>
           </mc:Fallback>
         </mc:AlternateContent>
-        <mc:AlternateContent xmlns:mc="http://schemas.openxmlformats.org/markup-compatibility/2006">
-          <mc:Choice xmlns:a14="http://schemas.microsoft.com/office/drawing/2010/main" Requires="a14">
+        <mc:AlternateContent xmlns:mc="http://schemas.openxmlformats.org/markup-compatibility/2006" xmlns:a14="http://schemas.microsoft.com/office/drawing/2010/main">
+          <mc:Choice Requires="a14">
             <p:sp>
               <p:nvSpPr>
                 <p:cNvPr id="12" name="ZoneTexte 11"/>
@@ -3868,18 +3860,14 @@
                   </a:r>
                   <a:r>
                     <a:rPr lang="fr-FR" sz="1013" dirty="0" smtClean="0"/>
-                    <a:t>46</a:t>
-                  </a:r>
-                  <a:r>
-                    <a:rPr lang="fr-FR" sz="1013" dirty="0" smtClean="0"/>
-                    <a:t>%</a:t>
+                    <a:t>46%</a:t>
                   </a:r>
                   <a:endParaRPr lang="fr-FR" sz="1013" dirty="0"/>
                 </a:p>
               </p:txBody>
             </p:sp>
           </mc:Choice>
-          <mc:Fallback>
+          <mc:Fallback xmlns="">
             <p:sp>
               <p:nvSpPr>
                 <p:cNvPr id="12" name="ZoneTexte 11"/>
@@ -3918,8 +3906,8 @@
             </p:sp>
           </mc:Fallback>
         </mc:AlternateContent>
-        <mc:AlternateContent xmlns:mc="http://schemas.openxmlformats.org/markup-compatibility/2006">
-          <mc:Choice xmlns:a14="http://schemas.microsoft.com/office/drawing/2010/main" Requires="a14">
+        <mc:AlternateContent xmlns:mc="http://schemas.openxmlformats.org/markup-compatibility/2006" xmlns:a14="http://schemas.microsoft.com/office/drawing/2010/main">
+          <mc:Choice Requires="a14">
             <p:sp>
               <p:nvSpPr>
                 <p:cNvPr id="13" name="ZoneTexte 12"/>
@@ -4067,7 +4055,7 @@
               </p:txBody>
             </p:sp>
           </mc:Choice>
-          <mc:Fallback>
+          <mc:Fallback xmlns="">
             <p:sp>
               <p:nvSpPr>
                 <p:cNvPr id="13" name="ZoneTexte 12"/>
@@ -4106,8 +4094,8 @@
             </p:sp>
           </mc:Fallback>
         </mc:AlternateContent>
-        <mc:AlternateContent xmlns:mc="http://schemas.openxmlformats.org/markup-compatibility/2006">
-          <mc:Choice xmlns:a14="http://schemas.microsoft.com/office/drawing/2010/main" Requires="a14">
+        <mc:AlternateContent xmlns:mc="http://schemas.openxmlformats.org/markup-compatibility/2006" xmlns:a14="http://schemas.microsoft.com/office/drawing/2010/main">
+          <mc:Choice Requires="a14">
             <p:sp>
               <p:nvSpPr>
                 <p:cNvPr id="14" name="ZoneTexte 13"/>
@@ -4255,7 +4243,7 @@
               </p:txBody>
             </p:sp>
           </mc:Choice>
-          <mc:Fallback>
+          <mc:Fallback xmlns="">
             <p:sp>
               <p:nvSpPr>
                 <p:cNvPr id="14" name="ZoneTexte 13"/>
@@ -4320,8 +4308,12 @@
                 <a:p>
                   <a:pPr algn="ctr"/>
                   <a:r>
+                    <a:rPr lang="fr-FR" sz="1013" dirty="0" smtClean="0"/>
+                    <a:t>16 </a:t>
+                  </a:r>
+                  <a:r>
                     <a:rPr lang="fr-FR" sz="1013" dirty="0"/>
-                    <a:t>xx stations</a:t>
+                    <a:t>stations</a:t>
                   </a:r>
                 </a:p>
                 <a:p>
@@ -4482,8 +4474,8 @@
             </p:sp>
           </mc:Fallback>
         </mc:AlternateContent>
-        <mc:AlternateContent xmlns:mc="http://schemas.openxmlformats.org/markup-compatibility/2006">
-          <mc:Choice xmlns:a14="http://schemas.microsoft.com/office/drawing/2010/main" Requires="a14">
+        <mc:AlternateContent xmlns:mc="http://schemas.openxmlformats.org/markup-compatibility/2006" xmlns:a14="http://schemas.microsoft.com/office/drawing/2010/main">
+          <mc:Choice Requires="a14">
             <p:sp>
               <p:nvSpPr>
                 <p:cNvPr id="16" name="ZoneTexte 15"/>
@@ -4631,7 +4623,7 @@
               </p:txBody>
             </p:sp>
           </mc:Choice>
-          <mc:Fallback>
+          <mc:Fallback xmlns="">
             <p:sp>
               <p:nvSpPr>
                 <p:cNvPr id="16" name="ZoneTexte 15"/>
@@ -4670,8 +4662,8 @@
             </p:sp>
           </mc:Fallback>
         </mc:AlternateContent>
-        <mc:AlternateContent xmlns:mc="http://schemas.openxmlformats.org/markup-compatibility/2006">
-          <mc:Choice xmlns:a14="http://schemas.microsoft.com/office/drawing/2010/main" Requires="a14">
+        <mc:AlternateContent xmlns:mc="http://schemas.openxmlformats.org/markup-compatibility/2006" xmlns:a14="http://schemas.microsoft.com/office/drawing/2010/main">
+          <mc:Choice Requires="a14">
             <p:sp>
               <p:nvSpPr>
                 <p:cNvPr id="17" name="ZoneTexte 16"/>
@@ -4773,7 +4765,7 @@
               </p:txBody>
             </p:sp>
           </mc:Choice>
-          <mc:Fallback>
+          <mc:Fallback xmlns="">
             <p:sp>
               <p:nvSpPr>
                 <p:cNvPr id="17" name="ZoneTexte 16"/>
@@ -4812,8 +4804,8 @@
             </p:sp>
           </mc:Fallback>
         </mc:AlternateContent>
-        <mc:AlternateContent xmlns:mc="http://schemas.openxmlformats.org/markup-compatibility/2006">
-          <mc:Choice xmlns:a14="http://schemas.microsoft.com/office/drawing/2010/main" Requires="a14">
+        <mc:AlternateContent xmlns:mc="http://schemas.openxmlformats.org/markup-compatibility/2006" xmlns:a14="http://schemas.microsoft.com/office/drawing/2010/main">
+          <mc:Choice Requires="a14">
             <p:sp>
               <p:nvSpPr>
                 <p:cNvPr id="18" name="ZoneTexte 17"/>
@@ -4932,7 +4924,7 @@
               </p:txBody>
             </p:sp>
           </mc:Choice>
-          <mc:Fallback>
+          <mc:Fallback xmlns="">
             <p:sp>
               <p:nvSpPr>
                 <p:cNvPr id="18" name="ZoneTexte 17"/>
@@ -4971,8 +4963,8 @@
             </p:sp>
           </mc:Fallback>
         </mc:AlternateContent>
-        <mc:AlternateContent xmlns:mc="http://schemas.openxmlformats.org/markup-compatibility/2006">
-          <mc:Choice xmlns:a14="http://schemas.microsoft.com/office/drawing/2010/main" Requires="a14">
+        <mc:AlternateContent xmlns:mc="http://schemas.openxmlformats.org/markup-compatibility/2006" xmlns:a14="http://schemas.microsoft.com/office/drawing/2010/main">
+          <mc:Choice Requires="a14">
             <p:sp>
               <p:nvSpPr>
                 <p:cNvPr id="19" name="ZoneTexte 18"/>
@@ -5100,7 +5092,7 @@
               </p:txBody>
             </p:sp>
           </mc:Choice>
-          <mc:Fallback>
+          <mc:Fallback xmlns="">
             <p:sp>
               <p:nvSpPr>
                 <p:cNvPr id="19" name="ZoneTexte 18"/>
@@ -5294,8 +5286,8 @@
           </p:nvCxnSpPr>
           <p:spPr>
             <a:xfrm>
-              <a:off x="2044632" y="3620079"/>
-              <a:ext cx="896" cy="446181"/>
+              <a:off x="2044633" y="3620079"/>
+              <a:ext cx="133" cy="446181"/>
             </a:xfrm>
             <a:prstGeom prst="straightConnector1">
               <a:avLst/>
@@ -5330,8 +5322,8 @@
           </p:nvCxnSpPr>
           <p:spPr>
             <a:xfrm>
-              <a:off x="3345503" y="3632303"/>
-              <a:ext cx="2674" cy="424649"/>
+              <a:off x="3345504" y="3632303"/>
+              <a:ext cx="7529" cy="424650"/>
             </a:xfrm>
             <a:prstGeom prst="straightConnector1">
               <a:avLst/>
@@ -5403,7 +5395,7 @@
           <p:spPr>
             <a:xfrm>
               <a:off x="6067071" y="3617654"/>
-              <a:ext cx="1771" cy="448606"/>
+              <a:ext cx="6418" cy="448606"/>
             </a:xfrm>
             <a:prstGeom prst="straightConnector1">
               <a:avLst/>
@@ -5499,8 +5491,8 @@
             </a:fontRef>
           </p:style>
         </p:cxnSp>
-        <mc:AlternateContent xmlns:mc="http://schemas.openxmlformats.org/markup-compatibility/2006">
-          <mc:Choice xmlns:a14="http://schemas.microsoft.com/office/drawing/2010/main" Requires="a14">
+        <mc:AlternateContent xmlns:mc="http://schemas.openxmlformats.org/markup-compatibility/2006" xmlns:a14="http://schemas.microsoft.com/office/drawing/2010/main">
+          <mc:Choice Requires="a14">
             <p:sp>
               <p:nvSpPr>
                 <p:cNvPr id="20" name="ZoneTexte 19"/>
@@ -5607,7 +5599,7 @@
               </p:txBody>
             </p:sp>
           </mc:Choice>
-          <mc:Fallback>
+          <mc:Fallback xmlns="">
             <p:sp>
               <p:nvSpPr>
                 <p:cNvPr id="20" name="ZoneTexte 19"/>
@@ -5786,8 +5778,8 @@
           </p:nvSpPr>
           <p:spPr>
             <a:xfrm>
-              <a:off x="1511723" y="4066260"/>
-              <a:ext cx="1067611" cy="664633"/>
+              <a:off x="1504349" y="4066260"/>
+              <a:ext cx="1080834" cy="664633"/>
             </a:xfrm>
             <a:prstGeom prst="ellipse">
               <a:avLst/>
@@ -5830,8 +5822,8 @@
           </p:nvSpPr>
           <p:spPr>
             <a:xfrm>
-              <a:off x="2814372" y="4056953"/>
-              <a:ext cx="1067611" cy="664633"/>
+              <a:off x="2799624" y="4056953"/>
+              <a:ext cx="1106818" cy="664633"/>
             </a:xfrm>
             <a:prstGeom prst="ellipse">
               <a:avLst/>
@@ -5918,8 +5910,8 @@
           </p:nvSpPr>
           <p:spPr>
             <a:xfrm>
-              <a:off x="5494172" y="4066260"/>
-              <a:ext cx="1149340" cy="664633"/>
+              <a:off x="5472050" y="4066260"/>
+              <a:ext cx="1202878" cy="664633"/>
             </a:xfrm>
             <a:prstGeom prst="ellipse">
               <a:avLst/>
@@ -5990,8 +5982,8 @@
             </a:p>
           </p:txBody>
         </p:sp>
-        <mc:AlternateContent xmlns:mc="http://schemas.openxmlformats.org/markup-compatibility/2006">
-          <mc:Choice xmlns:a14="http://schemas.microsoft.com/office/drawing/2010/main" Requires="a14">
+        <mc:AlternateContent xmlns:mc="http://schemas.openxmlformats.org/markup-compatibility/2006" xmlns:a14="http://schemas.microsoft.com/office/drawing/2010/main">
+          <mc:Choice Requires="a14">
             <p:sp>
               <p:nvSpPr>
                 <p:cNvPr id="3" name="ZoneTexte 2"/>
@@ -6524,13 +6516,8 @@
                   </a:r>
                   <a:r>
                     <a:rPr lang="fr-FR" sz="1050" b="1" dirty="0" smtClean="0"/>
-                    <a:t>5.6</a:t>
-                  </a:r>
-                  <a:r>
-                    <a:rPr lang="fr-FR" sz="1050" b="1" dirty="0" smtClean="0"/>
-                    <a:t>%</a:t>
-                  </a:r>
-                  <a:endParaRPr lang="fr-FR" sz="1050" b="1" dirty="0" smtClean="0"/>
+                    <a:t>5.6%</a:t>
+                  </a:r>
                 </a:p>
                 <a:p>
                   <a:endParaRPr lang="fr-FR" sz="1050" b="1" dirty="0" smtClean="0"/>
@@ -6807,7 +6794,7 @@
               </p:txBody>
             </p:sp>
           </mc:Choice>
-          <mc:Fallback>
+          <mc:Fallback xmlns="">
             <p:sp>
               <p:nvSpPr>
                 <p:cNvPr id="3" name="ZoneTexte 2"/>

--- a/outputs/06_diversity_partitioning/schema_partition.pptx
+++ b/outputs/06_diversity_partitioning/schema_partition.pptx
@@ -243,7 +243,7 @@
           <a:p>
             <a:fld id="{1DD5E214-71AE-49E0-8511-3FE919ED9730}" type="datetimeFigureOut">
               <a:rPr lang="fr-FR" smtClean="0"/>
-              <a:t>07/05/2020</a:t>
+              <a:t>11/05/2020</a:t>
             </a:fld>
             <a:endParaRPr lang="fr-FR"/>
           </a:p>
@@ -413,7 +413,7 @@
           <a:p>
             <a:fld id="{1DD5E214-71AE-49E0-8511-3FE919ED9730}" type="datetimeFigureOut">
               <a:rPr lang="fr-FR" smtClean="0"/>
-              <a:t>07/05/2020</a:t>
+              <a:t>11/05/2020</a:t>
             </a:fld>
             <a:endParaRPr lang="fr-FR"/>
           </a:p>
@@ -593,7 +593,7 @@
           <a:p>
             <a:fld id="{1DD5E214-71AE-49E0-8511-3FE919ED9730}" type="datetimeFigureOut">
               <a:rPr lang="fr-FR" smtClean="0"/>
-              <a:t>07/05/2020</a:t>
+              <a:t>11/05/2020</a:t>
             </a:fld>
             <a:endParaRPr lang="fr-FR"/>
           </a:p>
@@ -763,7 +763,7 @@
           <a:p>
             <a:fld id="{1DD5E214-71AE-49E0-8511-3FE919ED9730}" type="datetimeFigureOut">
               <a:rPr lang="fr-FR" smtClean="0"/>
-              <a:t>07/05/2020</a:t>
+              <a:t>11/05/2020</a:t>
             </a:fld>
             <a:endParaRPr lang="fr-FR"/>
           </a:p>
@@ -1007,7 +1007,7 @@
           <a:p>
             <a:fld id="{1DD5E214-71AE-49E0-8511-3FE919ED9730}" type="datetimeFigureOut">
               <a:rPr lang="fr-FR" smtClean="0"/>
-              <a:t>07/05/2020</a:t>
+              <a:t>11/05/2020</a:t>
             </a:fld>
             <a:endParaRPr lang="fr-FR"/>
           </a:p>
@@ -1239,7 +1239,7 @@
           <a:p>
             <a:fld id="{1DD5E214-71AE-49E0-8511-3FE919ED9730}" type="datetimeFigureOut">
               <a:rPr lang="fr-FR" smtClean="0"/>
-              <a:t>07/05/2020</a:t>
+              <a:t>11/05/2020</a:t>
             </a:fld>
             <a:endParaRPr lang="fr-FR"/>
           </a:p>
@@ -1606,7 +1606,7 @@
           <a:p>
             <a:fld id="{1DD5E214-71AE-49E0-8511-3FE919ED9730}" type="datetimeFigureOut">
               <a:rPr lang="fr-FR" smtClean="0"/>
-              <a:t>07/05/2020</a:t>
+              <a:t>11/05/2020</a:t>
             </a:fld>
             <a:endParaRPr lang="fr-FR"/>
           </a:p>
@@ -1724,7 +1724,7 @@
           <a:p>
             <a:fld id="{1DD5E214-71AE-49E0-8511-3FE919ED9730}" type="datetimeFigureOut">
               <a:rPr lang="fr-FR" smtClean="0"/>
-              <a:t>07/05/2020</a:t>
+              <a:t>11/05/2020</a:t>
             </a:fld>
             <a:endParaRPr lang="fr-FR"/>
           </a:p>
@@ -1819,7 +1819,7 @@
           <a:p>
             <a:fld id="{1DD5E214-71AE-49E0-8511-3FE919ED9730}" type="datetimeFigureOut">
               <a:rPr lang="fr-FR" smtClean="0"/>
-              <a:t>07/05/2020</a:t>
+              <a:t>11/05/2020</a:t>
             </a:fld>
             <a:endParaRPr lang="fr-FR"/>
           </a:p>
@@ -2096,7 +2096,7 @@
           <a:p>
             <a:fld id="{1DD5E214-71AE-49E0-8511-3FE919ED9730}" type="datetimeFigureOut">
               <a:rPr lang="fr-FR" smtClean="0"/>
-              <a:t>07/05/2020</a:t>
+              <a:t>11/05/2020</a:t>
             </a:fld>
             <a:endParaRPr lang="fr-FR"/>
           </a:p>
@@ -2353,7 +2353,7 @@
           <a:p>
             <a:fld id="{1DD5E214-71AE-49E0-8511-3FE919ED9730}" type="datetimeFigureOut">
               <a:rPr lang="fr-FR" smtClean="0"/>
-              <a:t>07/05/2020</a:t>
+              <a:t>11/05/2020</a:t>
             </a:fld>
             <a:endParaRPr lang="fr-FR"/>
           </a:p>
@@ -2566,7 +2566,7 @@
           <a:p>
             <a:fld id="{1DD5E214-71AE-49E0-8511-3FE919ED9730}" type="datetimeFigureOut">
               <a:rPr lang="fr-FR" smtClean="0"/>
-              <a:t>07/05/2020</a:t>
+              <a:t>11/05/2020</a:t>
             </a:fld>
             <a:endParaRPr lang="fr-FR"/>
           </a:p>
@@ -2980,9 +2980,9 @@
         <p:grpSpPr>
           <a:xfrm>
             <a:off x="47112" y="468748"/>
-            <a:ext cx="6693321" cy="6551438"/>
+            <a:ext cx="6693321" cy="4506567"/>
             <a:chOff x="36226" y="468748"/>
-            <a:chExt cx="6693321" cy="6551438"/>
+            <a:chExt cx="6693321" cy="4506567"/>
           </a:xfrm>
         </p:grpSpPr>
         <p:pic>
@@ -3382,8 +3382,13 @@
             <a:p>
               <a:r>
                 <a:rPr lang="fr-FR" sz="1013" dirty="0"/>
-                <a:t>Central Indo-Pacific</a:t>
+                <a:t>Central </a:t>
               </a:r>
+              <a:r>
+                <a:rPr lang="fr-FR" sz="1013" dirty="0" err="1" smtClean="0"/>
+                <a:t>IndoPacific</a:t>
+              </a:r>
+              <a:endParaRPr lang="fr-FR" sz="1013" dirty="0"/>
             </a:p>
           </p:txBody>
         </p:sp>
@@ -4282,8 +4287,8 @@
             </p:sp>
           </mc:Fallback>
         </mc:AlternateContent>
-        <mc:AlternateContent xmlns:mc="http://schemas.openxmlformats.org/markup-compatibility/2006">
-          <mc:Choice xmlns:a14="http://schemas.microsoft.com/office/drawing/2010/main" Requires="a14">
+        <mc:AlternateContent xmlns:mc="http://schemas.openxmlformats.org/markup-compatibility/2006" xmlns:a14="http://schemas.microsoft.com/office/drawing/2010/main">
+          <mc:Choice Requires="a14">
             <p:sp>
               <p:nvSpPr>
                 <p:cNvPr id="15" name="ZoneTexte 14"/>
@@ -4435,7 +4440,7 @@
               </p:txBody>
             </p:sp>
           </mc:Choice>
-          <mc:Fallback>
+          <mc:Fallback xmlns="">
             <p:sp>
               <p:nvSpPr>
                 <p:cNvPr id="15" name="ZoneTexte 14"/>
@@ -5982,857 +5987,6 @@
             </a:p>
           </p:txBody>
         </p:sp>
-        <mc:AlternateContent xmlns:mc="http://schemas.openxmlformats.org/markup-compatibility/2006" xmlns:a14="http://schemas.microsoft.com/office/drawing/2010/main">
-          <mc:Choice Requires="a14">
-            <p:sp>
-              <p:nvSpPr>
-                <p:cNvPr id="3" name="ZoneTexte 2"/>
-                <p:cNvSpPr txBox="1"/>
-                <p:nvPr/>
-              </p:nvSpPr>
-              <p:spPr>
-                <a:xfrm>
-                  <a:off x="356812" y="5346843"/>
-                  <a:ext cx="5241508" cy="1673343"/>
-                </a:xfrm>
-                <a:prstGeom prst="rect">
-                  <a:avLst/>
-                </a:prstGeom>
-                <a:noFill/>
-              </p:spPr>
-              <p:txBody>
-                <a:bodyPr wrap="square" rtlCol="0">
-                  <a:spAutoFit/>
-                </a:bodyPr>
-                <a:lstStyle/>
-                <a:p>
-                  <a:pPr marL="214313" indent="-214313">
-                    <a:lnSpc>
-                      <a:spcPct val="150000"/>
-                    </a:lnSpc>
-                    <a:buFont typeface="Arial" panose="020B0604020202020204" pitchFamily="34" charset="0"/>
-                    <a:buChar char="•"/>
-                  </a:pPr>
-                  <a:r>
-                    <a:rPr lang="en-US" sz="1050" b="1" dirty="0">
-                      <a:latin typeface="Times New Roman" panose="02020603050405020304" pitchFamily="18" charset="0"/>
-                      <a:cs typeface="Times New Roman" panose="02020603050405020304" pitchFamily="18" charset="0"/>
-                    </a:rPr>
-                    <a:t>Diversity partitioning of MOTUs from cryptobenthic families:</a:t>
-                  </a:r>
-                </a:p>
-                <a:p>
-                  <a:r>
-                    <a:rPr lang="en-US" sz="1050" b="1" dirty="0">
-                      <a:latin typeface="Times New Roman" panose="02020603050405020304" pitchFamily="18" charset="0"/>
-                      <a:cs typeface="Times New Roman" panose="02020603050405020304" pitchFamily="18" charset="0"/>
-                    </a:rPr>
-                    <a:t>	</a:t>
-                  </a:r>
-                  <a14:m>
-                    <m:oMath xmlns:m="http://schemas.openxmlformats.org/officeDocument/2006/math">
-                      <m:sSub>
-                        <m:sSubPr>
-                          <m:ctrlPr>
-                            <a:rPr lang="fr-FR" sz="1050" b="1" i="1">
-                              <a:latin typeface="Cambria Math" panose="02040503050406030204" pitchFamily="18" charset="0"/>
-                            </a:rPr>
-                          </m:ctrlPr>
-                        </m:sSubPr>
-                        <m:e>
-                          <m:r>
-                            <a:rPr lang="fr-FR" sz="1050" b="1" i="1">
-                              <a:latin typeface="Cambria Math" panose="02040503050406030204" pitchFamily="18" charset="0"/>
-                              <a:ea typeface="Cambria Math" panose="02040503050406030204" pitchFamily="18" charset="0"/>
-                            </a:rPr>
-                            <m:t>𝛃</m:t>
-                          </m:r>
-                        </m:e>
-                        <m:sub>
-                          <m:r>
-                            <a:rPr lang="fr-FR" sz="1050" b="1" i="1" dirty="0">
-                              <a:latin typeface="Cambria Math" panose="02040503050406030204" pitchFamily="18" charset="0"/>
-                            </a:rPr>
-                            <m:t>𝒊𝒏𝒕𝒆𝒓</m:t>
-                          </m:r>
-                          <m:r>
-                            <a:rPr lang="fr-FR" sz="1050" b="1" dirty="0">
-                              <a:latin typeface="Cambria Math" panose="02040503050406030204" pitchFamily="18" charset="0"/>
-                            </a:rPr>
-                            <m:t>−</m:t>
-                          </m:r>
-                          <m:r>
-                            <a:rPr lang="fr-FR" sz="1050" b="1" dirty="0">
-                              <a:latin typeface="Cambria Math" panose="02040503050406030204" pitchFamily="18" charset="0"/>
-                            </a:rPr>
-                            <m:t>𝐫𝐞𝐠𝐢𝐨𝐧</m:t>
-                          </m:r>
-                        </m:sub>
-                      </m:sSub>
-                    </m:oMath>
-                  </a14:m>
-                  <a:r>
-                    <a:rPr lang="fr-FR" sz="1050" b="1" dirty="0"/>
-                    <a:t>= </a:t>
-                  </a:r>
-                  <a:r>
-                    <a:rPr lang="fr-FR" sz="1050" b="1" dirty="0" smtClean="0"/>
-                    <a:t>74%,  </a:t>
-                  </a:r>
-                  <a14:m>
-                    <m:oMath xmlns:m="http://schemas.openxmlformats.org/officeDocument/2006/math">
-                      <m:sSub>
-                        <m:sSubPr>
-                          <m:ctrlPr>
-                            <a:rPr lang="fr-FR" sz="1050" b="1" i="1">
-                              <a:latin typeface="Cambria Math" panose="02040503050406030204" pitchFamily="18" charset="0"/>
-                            </a:rPr>
-                          </m:ctrlPr>
-                        </m:sSubPr>
-                        <m:e>
-                          <m:acc>
-                            <m:accPr>
-                              <m:chr m:val="̅"/>
-                              <m:ctrlPr>
-                                <a:rPr lang="fr-FR" sz="1050" b="1" i="1">
-                                  <a:latin typeface="Cambria Math" panose="02040503050406030204" pitchFamily="18" charset="0"/>
-                                </a:rPr>
-                              </m:ctrlPr>
-                            </m:accPr>
-                            <m:e>
-                              <m:r>
-                                <a:rPr lang="fr-FR" sz="1050" b="1" i="1">
-                                  <a:latin typeface="Cambria Math" panose="02040503050406030204" pitchFamily="18" charset="0"/>
-                                </a:rPr>
-                                <m:t>𝜷</m:t>
-                              </m:r>
-                            </m:e>
-                          </m:acc>
-                        </m:e>
-                        <m:sub>
-                          <m:r>
-                            <a:rPr lang="fr-FR" sz="1050" b="1" i="1" dirty="0">
-                              <a:latin typeface="Cambria Math" panose="02040503050406030204" pitchFamily="18" charset="0"/>
-                            </a:rPr>
-                            <m:t>𝒊𝒏𝒕𝒆𝒓</m:t>
-                          </m:r>
-                          <m:r>
-                            <a:rPr lang="fr-FR" sz="1050" b="1" dirty="0">
-                              <a:latin typeface="Cambria Math" panose="02040503050406030204" pitchFamily="18" charset="0"/>
-                            </a:rPr>
-                            <m:t>−</m:t>
-                          </m:r>
-                          <m:r>
-                            <a:rPr lang="fr-FR" sz="1050" b="1" i="1" dirty="0">
-                              <a:latin typeface="Cambria Math" panose="02040503050406030204" pitchFamily="18" charset="0"/>
-                            </a:rPr>
-                            <m:t>𝒔</m:t>
-                          </m:r>
-                          <m:r>
-                            <a:rPr lang="fr-FR" sz="1050" b="1" dirty="0">
-                              <a:latin typeface="Cambria Math" panose="02040503050406030204" pitchFamily="18" charset="0"/>
-                            </a:rPr>
-                            <m:t>𝐢𝐭𝐞</m:t>
-                          </m:r>
-                        </m:sub>
-                      </m:sSub>
-                    </m:oMath>
-                  </a14:m>
-                  <a:r>
-                    <a:rPr lang="fr-FR" sz="1050" b="1" dirty="0"/>
-                    <a:t>= </a:t>
-                  </a:r>
-                  <a:r>
-                    <a:rPr lang="fr-FR" sz="1050" b="1" dirty="0" smtClean="0"/>
-                    <a:t>18%,  </a:t>
-                  </a:r>
-                  <a14:m>
-                    <m:oMath xmlns:m="http://schemas.openxmlformats.org/officeDocument/2006/math">
-                      <m:sSub>
-                        <m:sSubPr>
-                          <m:ctrlPr>
-                            <a:rPr lang="fr-FR" sz="1050" b="1" i="1">
-                              <a:latin typeface="Cambria Math" panose="02040503050406030204" pitchFamily="18" charset="0"/>
-                            </a:rPr>
-                          </m:ctrlPr>
-                        </m:sSubPr>
-                        <m:e>
-                          <m:acc>
-                            <m:accPr>
-                              <m:chr m:val="̅"/>
-                              <m:ctrlPr>
-                                <a:rPr lang="fr-FR" sz="1050" b="1" i="1">
-                                  <a:latin typeface="Cambria Math" panose="02040503050406030204" pitchFamily="18" charset="0"/>
-                                </a:rPr>
-                              </m:ctrlPr>
-                            </m:accPr>
-                            <m:e>
-                              <m:r>
-                                <a:rPr lang="fr-FR" sz="1050" b="1" i="1">
-                                  <a:latin typeface="Cambria Math" panose="02040503050406030204" pitchFamily="18" charset="0"/>
-                                </a:rPr>
-                                <m:t>𝜷</m:t>
-                              </m:r>
-                            </m:e>
-                          </m:acc>
-                        </m:e>
-                        <m:sub>
-                          <m:r>
-                            <a:rPr lang="fr-FR" sz="1050" b="1" i="1" dirty="0">
-                              <a:latin typeface="Cambria Math" panose="02040503050406030204" pitchFamily="18" charset="0"/>
-                            </a:rPr>
-                            <m:t>𝒊𝒏𝒕𝒆𝒓</m:t>
-                          </m:r>
-                          <m:r>
-                            <a:rPr lang="fr-FR" sz="1050" b="1" dirty="0">
-                              <a:latin typeface="Cambria Math" panose="02040503050406030204" pitchFamily="18" charset="0"/>
-                            </a:rPr>
-                            <m:t>−</m:t>
-                          </m:r>
-                          <m:r>
-                            <a:rPr lang="fr-FR" sz="1050" b="1" i="1" dirty="0">
-                              <a:latin typeface="Cambria Math" panose="02040503050406030204" pitchFamily="18" charset="0"/>
-                            </a:rPr>
-                            <m:t>𝒔𝒕𝒂𝒕𝒊𝒐𝒏</m:t>
-                          </m:r>
-                        </m:sub>
-                      </m:sSub>
-                    </m:oMath>
-                  </a14:m>
-                  <a:r>
-                    <a:rPr lang="fr-FR" sz="1050" b="1" dirty="0"/>
-                    <a:t>= </a:t>
-                  </a:r>
-                  <a:r>
-                    <a:rPr lang="fr-FR" sz="1050" b="1" dirty="0" smtClean="0"/>
-                    <a:t>4.5%,  </a:t>
-                  </a:r>
-                  <a14:m>
-                    <m:oMath xmlns:m="http://schemas.openxmlformats.org/officeDocument/2006/math">
-                      <m:sSub>
-                        <m:sSubPr>
-                          <m:ctrlPr>
-                            <a:rPr lang="fr-FR" sz="1050" b="1" i="1">
-                              <a:latin typeface="Cambria Math" panose="02040503050406030204" pitchFamily="18" charset="0"/>
-                            </a:rPr>
-                          </m:ctrlPr>
-                        </m:sSubPr>
-                        <m:e>
-                          <m:acc>
-                            <m:accPr>
-                              <m:chr m:val="̅"/>
-                              <m:ctrlPr>
-                                <a:rPr lang="fr-FR" sz="1050" b="1" i="1">
-                                  <a:latin typeface="Cambria Math" panose="02040503050406030204" pitchFamily="18" charset="0"/>
-                                </a:rPr>
-                              </m:ctrlPr>
-                            </m:accPr>
-                            <m:e>
-                              <m:r>
-                                <a:rPr lang="fr-FR" sz="1050" b="1" i="1">
-                                  <a:latin typeface="Cambria Math" panose="02040503050406030204" pitchFamily="18" charset="0"/>
-                                  <a:ea typeface="Cambria Math" panose="02040503050406030204" pitchFamily="18" charset="0"/>
-                                </a:rPr>
-                                <m:t>𝜶</m:t>
-                              </m:r>
-                            </m:e>
-                          </m:acc>
-                        </m:e>
-                        <m:sub>
-                          <m:r>
-                            <a:rPr lang="fr-FR" sz="1050" b="1" i="1" dirty="0">
-                              <a:latin typeface="Cambria Math" panose="02040503050406030204" pitchFamily="18" charset="0"/>
-                            </a:rPr>
-                            <m:t>𝒔𝒕𝒂𝒕𝒊𝒐𝒏</m:t>
-                          </m:r>
-                        </m:sub>
-                      </m:sSub>
-                    </m:oMath>
-                  </a14:m>
-                  <a:r>
-                    <a:rPr lang="fr-FR" sz="1050" b="1" dirty="0"/>
-                    <a:t>= </a:t>
-                  </a:r>
-                  <a:r>
-                    <a:rPr lang="fr-FR" sz="1050" b="1" dirty="0" smtClean="0"/>
-                    <a:t>3.5%</a:t>
-                  </a:r>
-                  <a:endParaRPr lang="fr-FR" sz="1050" b="1" dirty="0"/>
-                </a:p>
-                <a:p>
-                  <a:r>
-                    <a:rPr lang="fr-FR" sz="1050" b="1" dirty="0">
-                      <a:solidFill>
-                        <a:srgbClr val="FF0000"/>
-                      </a:solidFill>
-                    </a:rPr>
-                    <a:t> </a:t>
-                  </a:r>
-                </a:p>
-                <a:p>
-                  <a:pPr marL="214313" indent="-214313">
-                    <a:buFont typeface="Arial" panose="020B0604020202020204" pitchFamily="34" charset="0"/>
-                    <a:buChar char="•"/>
-                  </a:pPr>
-                  <a:r>
-                    <a:rPr lang="en-US" sz="1050" b="1" dirty="0">
-                      <a:latin typeface="Times New Roman" panose="02020603050405020304" pitchFamily="18" charset="0"/>
-                      <a:cs typeface="Times New Roman" panose="02020603050405020304" pitchFamily="18" charset="0"/>
-                    </a:rPr>
-                    <a:t>Diversity partitioning of MOTUs from pelagic families:</a:t>
-                  </a:r>
-                </a:p>
-                <a:p>
-                  <a:r>
-                    <a:rPr lang="en-US" sz="1050" b="1" dirty="0">
-                      <a:latin typeface="Times New Roman" panose="02020603050405020304" pitchFamily="18" charset="0"/>
-                      <a:cs typeface="Times New Roman" panose="02020603050405020304" pitchFamily="18" charset="0"/>
-                    </a:rPr>
-                    <a:t>	</a:t>
-                  </a:r>
-                  <a14:m>
-                    <m:oMath xmlns:m="http://schemas.openxmlformats.org/officeDocument/2006/math">
-                      <m:sSub>
-                        <m:sSubPr>
-                          <m:ctrlPr>
-                            <a:rPr lang="fr-FR" sz="1050" b="1" i="1">
-                              <a:latin typeface="Cambria Math" panose="02040503050406030204" pitchFamily="18" charset="0"/>
-                            </a:rPr>
-                          </m:ctrlPr>
-                        </m:sSubPr>
-                        <m:e>
-                          <m:r>
-                            <a:rPr lang="fr-FR" sz="1050" b="1" i="1">
-                              <a:latin typeface="Cambria Math" panose="02040503050406030204" pitchFamily="18" charset="0"/>
-                              <a:ea typeface="Cambria Math" panose="02040503050406030204" pitchFamily="18" charset="0"/>
-                            </a:rPr>
-                            <m:t>𝛃</m:t>
-                          </m:r>
-                        </m:e>
-                        <m:sub>
-                          <m:r>
-                            <a:rPr lang="fr-FR" sz="1050" b="1" i="1" dirty="0">
-                              <a:latin typeface="Cambria Math" panose="02040503050406030204" pitchFamily="18" charset="0"/>
-                            </a:rPr>
-                            <m:t>𝒊𝒏𝒕𝒆𝒓</m:t>
-                          </m:r>
-                          <m:r>
-                            <a:rPr lang="fr-FR" sz="1050" b="1" dirty="0">
-                              <a:latin typeface="Cambria Math" panose="02040503050406030204" pitchFamily="18" charset="0"/>
-                            </a:rPr>
-                            <m:t>−</m:t>
-                          </m:r>
-                          <m:r>
-                            <a:rPr lang="fr-FR" sz="1050" b="1" dirty="0">
-                              <a:latin typeface="Cambria Math" panose="02040503050406030204" pitchFamily="18" charset="0"/>
-                            </a:rPr>
-                            <m:t>𝐫𝐞𝐠𝐢𝐨𝐧</m:t>
-                          </m:r>
-                        </m:sub>
-                      </m:sSub>
-                    </m:oMath>
-                  </a14:m>
-                  <a:r>
-                    <a:rPr lang="fr-FR" sz="1050" b="1" dirty="0"/>
-                    <a:t>= </a:t>
-                  </a:r>
-                  <a:r>
-                    <a:rPr lang="fr-FR" sz="1050" b="1" dirty="0" smtClean="0"/>
-                    <a:t>70.8%,  </a:t>
-                  </a:r>
-                  <a14:m>
-                    <m:oMath xmlns:m="http://schemas.openxmlformats.org/officeDocument/2006/math">
-                      <m:sSub>
-                        <m:sSubPr>
-                          <m:ctrlPr>
-                            <a:rPr lang="fr-FR" sz="1050" b="1" i="1">
-                              <a:latin typeface="Cambria Math" panose="02040503050406030204" pitchFamily="18" charset="0"/>
-                            </a:rPr>
-                          </m:ctrlPr>
-                        </m:sSubPr>
-                        <m:e>
-                          <m:acc>
-                            <m:accPr>
-                              <m:chr m:val="̅"/>
-                              <m:ctrlPr>
-                                <a:rPr lang="fr-FR" sz="1050" b="1" i="1">
-                                  <a:latin typeface="Cambria Math" panose="02040503050406030204" pitchFamily="18" charset="0"/>
-                                </a:rPr>
-                              </m:ctrlPr>
-                            </m:accPr>
-                            <m:e>
-                              <m:r>
-                                <a:rPr lang="fr-FR" sz="1050" b="1" i="1">
-                                  <a:latin typeface="Cambria Math" panose="02040503050406030204" pitchFamily="18" charset="0"/>
-                                </a:rPr>
-                                <m:t>𝜷</m:t>
-                              </m:r>
-                            </m:e>
-                          </m:acc>
-                        </m:e>
-                        <m:sub>
-                          <m:r>
-                            <a:rPr lang="fr-FR" sz="1050" b="1" i="1" dirty="0">
-                              <a:latin typeface="Cambria Math" panose="02040503050406030204" pitchFamily="18" charset="0"/>
-                            </a:rPr>
-                            <m:t>𝒊𝒏𝒕𝒆𝒓</m:t>
-                          </m:r>
-                          <m:r>
-                            <a:rPr lang="fr-FR" sz="1050" b="1" dirty="0">
-                              <a:latin typeface="Cambria Math" panose="02040503050406030204" pitchFamily="18" charset="0"/>
-                            </a:rPr>
-                            <m:t>−</m:t>
-                          </m:r>
-                          <m:r>
-                            <a:rPr lang="fr-FR" sz="1050" b="1" i="1" dirty="0">
-                              <a:latin typeface="Cambria Math" panose="02040503050406030204" pitchFamily="18" charset="0"/>
-                            </a:rPr>
-                            <m:t>𝒔</m:t>
-                          </m:r>
-                          <m:r>
-                            <a:rPr lang="fr-FR" sz="1050" b="1" dirty="0">
-                              <a:latin typeface="Cambria Math" panose="02040503050406030204" pitchFamily="18" charset="0"/>
-                            </a:rPr>
-                            <m:t>𝐢𝐭𝐞</m:t>
-                          </m:r>
-                        </m:sub>
-                      </m:sSub>
-                    </m:oMath>
-                  </a14:m>
-                  <a:r>
-                    <a:rPr lang="fr-FR" sz="1050" b="1" dirty="0"/>
-                    <a:t>= </a:t>
-                  </a:r>
-                  <a:r>
-                    <a:rPr lang="fr-FR" sz="1050" b="1" dirty="0" smtClean="0"/>
-                    <a:t>15.8%,  </a:t>
-                  </a:r>
-                  <a14:m>
-                    <m:oMath xmlns:m="http://schemas.openxmlformats.org/officeDocument/2006/math">
-                      <m:sSub>
-                        <m:sSubPr>
-                          <m:ctrlPr>
-                            <a:rPr lang="fr-FR" sz="1050" b="1" i="1">
-                              <a:latin typeface="Cambria Math" panose="02040503050406030204" pitchFamily="18" charset="0"/>
-                            </a:rPr>
-                          </m:ctrlPr>
-                        </m:sSubPr>
-                        <m:e>
-                          <m:acc>
-                            <m:accPr>
-                              <m:chr m:val="̅"/>
-                              <m:ctrlPr>
-                                <a:rPr lang="fr-FR" sz="1050" b="1" i="1">
-                                  <a:latin typeface="Cambria Math" panose="02040503050406030204" pitchFamily="18" charset="0"/>
-                                </a:rPr>
-                              </m:ctrlPr>
-                            </m:accPr>
-                            <m:e>
-                              <m:r>
-                                <a:rPr lang="fr-FR" sz="1050" b="1" i="1">
-                                  <a:latin typeface="Cambria Math" panose="02040503050406030204" pitchFamily="18" charset="0"/>
-                                </a:rPr>
-                                <m:t>𝜷</m:t>
-                              </m:r>
-                            </m:e>
-                          </m:acc>
-                        </m:e>
-                        <m:sub>
-                          <m:r>
-                            <a:rPr lang="fr-FR" sz="1050" b="1" i="1" dirty="0">
-                              <a:latin typeface="Cambria Math" panose="02040503050406030204" pitchFamily="18" charset="0"/>
-                            </a:rPr>
-                            <m:t>𝒊𝒏𝒕𝒆𝒓</m:t>
-                          </m:r>
-                          <m:r>
-                            <a:rPr lang="fr-FR" sz="1050" b="1" dirty="0">
-                              <a:latin typeface="Cambria Math" panose="02040503050406030204" pitchFamily="18" charset="0"/>
-                            </a:rPr>
-                            <m:t>−</m:t>
-                          </m:r>
-                          <m:r>
-                            <a:rPr lang="fr-FR" sz="1050" b="1" i="1" dirty="0">
-                              <a:latin typeface="Cambria Math" panose="02040503050406030204" pitchFamily="18" charset="0"/>
-                            </a:rPr>
-                            <m:t>𝒔𝒕𝒂𝒕𝒊𝒐𝒏</m:t>
-                          </m:r>
-                        </m:sub>
-                      </m:sSub>
-                    </m:oMath>
-                  </a14:m>
-                  <a:r>
-                    <a:rPr lang="fr-FR" sz="1050" b="1" dirty="0"/>
-                    <a:t>= </a:t>
-                  </a:r>
-                  <a:r>
-                    <a:rPr lang="fr-FR" sz="1050" b="1" dirty="0" smtClean="0"/>
-                    <a:t>7.8%,  </a:t>
-                  </a:r>
-                  <a14:m>
-                    <m:oMath xmlns:m="http://schemas.openxmlformats.org/officeDocument/2006/math">
-                      <m:sSub>
-                        <m:sSubPr>
-                          <m:ctrlPr>
-                            <a:rPr lang="fr-FR" sz="1050" b="1" i="1">
-                              <a:latin typeface="Cambria Math" panose="02040503050406030204" pitchFamily="18" charset="0"/>
-                            </a:rPr>
-                          </m:ctrlPr>
-                        </m:sSubPr>
-                        <m:e>
-                          <m:acc>
-                            <m:accPr>
-                              <m:chr m:val="̅"/>
-                              <m:ctrlPr>
-                                <a:rPr lang="fr-FR" sz="1050" b="1" i="1">
-                                  <a:latin typeface="Cambria Math" panose="02040503050406030204" pitchFamily="18" charset="0"/>
-                                </a:rPr>
-                              </m:ctrlPr>
-                            </m:accPr>
-                            <m:e>
-                              <m:r>
-                                <a:rPr lang="fr-FR" sz="1050" b="1" i="1">
-                                  <a:latin typeface="Cambria Math" panose="02040503050406030204" pitchFamily="18" charset="0"/>
-                                  <a:ea typeface="Cambria Math" panose="02040503050406030204" pitchFamily="18" charset="0"/>
-                                </a:rPr>
-                                <m:t>𝜶</m:t>
-                              </m:r>
-                            </m:e>
-                          </m:acc>
-                        </m:e>
-                        <m:sub>
-                          <m:r>
-                            <a:rPr lang="fr-FR" sz="1050" b="1" i="1" dirty="0">
-                              <a:latin typeface="Cambria Math" panose="02040503050406030204" pitchFamily="18" charset="0"/>
-                            </a:rPr>
-                            <m:t>𝒔𝒕𝒂𝒕𝒊𝒐𝒏</m:t>
-                          </m:r>
-                        </m:sub>
-                      </m:sSub>
-                    </m:oMath>
-                  </a14:m>
-                  <a:r>
-                    <a:rPr lang="fr-FR" sz="1050" b="1" dirty="0"/>
-                    <a:t>= </a:t>
-                  </a:r>
-                  <a:r>
-                    <a:rPr lang="fr-FR" sz="1050" b="1" dirty="0" smtClean="0"/>
-                    <a:t>5.6%</a:t>
-                  </a:r>
-                </a:p>
-                <a:p>
-                  <a:endParaRPr lang="fr-FR" sz="1050" b="1" dirty="0" smtClean="0"/>
-                </a:p>
-                <a:p>
-                  <a:pPr marL="214313" indent="-214313">
-                    <a:buFont typeface="Arial" panose="020B0604020202020204" pitchFamily="34" charset="0"/>
-                    <a:buChar char="•"/>
-                  </a:pPr>
-                  <a:r>
-                    <a:rPr lang="en-US" sz="1050" b="1" dirty="0">
-                      <a:latin typeface="Times New Roman" panose="02020603050405020304" pitchFamily="18" charset="0"/>
-                      <a:cs typeface="Times New Roman" panose="02020603050405020304" pitchFamily="18" charset="0"/>
-                    </a:rPr>
-                    <a:t>Diversity partitioning of </a:t>
-                  </a:r>
-                  <a:r>
-                    <a:rPr lang="en-US" sz="1050" b="1" dirty="0" smtClean="0">
-                      <a:latin typeface="Times New Roman" panose="02020603050405020304" pitchFamily="18" charset="0"/>
-                      <a:cs typeface="Times New Roman" panose="02020603050405020304" pitchFamily="18" charset="0"/>
-                    </a:rPr>
-                    <a:t>MOTUs assigned to species:</a:t>
-                  </a:r>
-                  <a:endParaRPr lang="en-US" sz="1050" b="1" dirty="0">
-                    <a:latin typeface="Times New Roman" panose="02020603050405020304" pitchFamily="18" charset="0"/>
-                    <a:cs typeface="Times New Roman" panose="02020603050405020304" pitchFamily="18" charset="0"/>
-                  </a:endParaRPr>
-                </a:p>
-                <a:p>
-                  <a:r>
-                    <a:rPr lang="en-US" sz="1050" b="1" dirty="0">
-                      <a:latin typeface="Times New Roman" panose="02020603050405020304" pitchFamily="18" charset="0"/>
-                      <a:cs typeface="Times New Roman" panose="02020603050405020304" pitchFamily="18" charset="0"/>
-                    </a:rPr>
-                    <a:t>	</a:t>
-                  </a:r>
-                  <a14:m>
-                    <m:oMath xmlns:m="http://schemas.openxmlformats.org/officeDocument/2006/math">
-                      <m:sSub>
-                        <m:sSubPr>
-                          <m:ctrlPr>
-                            <a:rPr lang="fr-FR" sz="1050" b="1" i="1">
-                              <a:latin typeface="Cambria Math" panose="02040503050406030204" pitchFamily="18" charset="0"/>
-                            </a:rPr>
-                          </m:ctrlPr>
-                        </m:sSubPr>
-                        <m:e>
-                          <m:r>
-                            <a:rPr lang="fr-FR" sz="1050" b="1" i="1">
-                              <a:latin typeface="Cambria Math" panose="02040503050406030204" pitchFamily="18" charset="0"/>
-                              <a:ea typeface="Cambria Math" panose="02040503050406030204" pitchFamily="18" charset="0"/>
-                            </a:rPr>
-                            <m:t>𝛃</m:t>
-                          </m:r>
-                        </m:e>
-                        <m:sub>
-                          <m:r>
-                            <a:rPr lang="fr-FR" sz="1050" b="1" i="1" dirty="0">
-                              <a:latin typeface="Cambria Math" panose="02040503050406030204" pitchFamily="18" charset="0"/>
-                            </a:rPr>
-                            <m:t>𝒊𝒏𝒕𝒆𝒓</m:t>
-                          </m:r>
-                          <m:r>
-                            <a:rPr lang="fr-FR" sz="1050" b="1" dirty="0">
-                              <a:latin typeface="Cambria Math" panose="02040503050406030204" pitchFamily="18" charset="0"/>
-                            </a:rPr>
-                            <m:t>−</m:t>
-                          </m:r>
-                          <m:r>
-                            <a:rPr lang="fr-FR" sz="1050" b="1" dirty="0">
-                              <a:latin typeface="Cambria Math" panose="02040503050406030204" pitchFamily="18" charset="0"/>
-                            </a:rPr>
-                            <m:t>𝐫𝐞𝐠𝐢𝐨𝐧</m:t>
-                          </m:r>
-                        </m:sub>
-                      </m:sSub>
-                    </m:oMath>
-                  </a14:m>
-                  <a:r>
-                    <a:rPr lang="fr-FR" sz="1050" b="1" dirty="0"/>
-                    <a:t>= </a:t>
-                  </a:r>
-                  <a:r>
-                    <a:rPr lang="fr-FR" sz="1050" b="1" dirty="0" smtClean="0"/>
-                    <a:t>68%,  </a:t>
-                  </a:r>
-                  <a14:m>
-                    <m:oMath xmlns:m="http://schemas.openxmlformats.org/officeDocument/2006/math">
-                      <m:sSub>
-                        <m:sSubPr>
-                          <m:ctrlPr>
-                            <a:rPr lang="fr-FR" sz="1050" b="1" i="1">
-                              <a:latin typeface="Cambria Math" panose="02040503050406030204" pitchFamily="18" charset="0"/>
-                            </a:rPr>
-                          </m:ctrlPr>
-                        </m:sSubPr>
-                        <m:e>
-                          <m:acc>
-                            <m:accPr>
-                              <m:chr m:val="̅"/>
-                              <m:ctrlPr>
-                                <a:rPr lang="fr-FR" sz="1050" b="1" i="1">
-                                  <a:latin typeface="Cambria Math" panose="02040503050406030204" pitchFamily="18" charset="0"/>
-                                </a:rPr>
-                              </m:ctrlPr>
-                            </m:accPr>
-                            <m:e>
-                              <m:r>
-                                <a:rPr lang="fr-FR" sz="1050" b="1" i="1">
-                                  <a:latin typeface="Cambria Math" panose="02040503050406030204" pitchFamily="18" charset="0"/>
-                                </a:rPr>
-                                <m:t>𝜷</m:t>
-                              </m:r>
-                            </m:e>
-                          </m:acc>
-                        </m:e>
-                        <m:sub>
-                          <m:r>
-                            <a:rPr lang="fr-FR" sz="1050" b="1" i="1" dirty="0">
-                              <a:latin typeface="Cambria Math" panose="02040503050406030204" pitchFamily="18" charset="0"/>
-                            </a:rPr>
-                            <m:t>𝒊𝒏𝒕𝒆𝒓</m:t>
-                          </m:r>
-                          <m:r>
-                            <a:rPr lang="fr-FR" sz="1050" b="1" dirty="0">
-                              <a:latin typeface="Cambria Math" panose="02040503050406030204" pitchFamily="18" charset="0"/>
-                            </a:rPr>
-                            <m:t>−</m:t>
-                          </m:r>
-                          <m:r>
-                            <a:rPr lang="fr-FR" sz="1050" b="1" i="1" dirty="0">
-                              <a:latin typeface="Cambria Math" panose="02040503050406030204" pitchFamily="18" charset="0"/>
-                            </a:rPr>
-                            <m:t>𝒔</m:t>
-                          </m:r>
-                          <m:r>
-                            <a:rPr lang="fr-FR" sz="1050" b="1" dirty="0">
-                              <a:latin typeface="Cambria Math" panose="02040503050406030204" pitchFamily="18" charset="0"/>
-                            </a:rPr>
-                            <m:t>𝐢𝐭𝐞</m:t>
-                          </m:r>
-                        </m:sub>
-                      </m:sSub>
-                    </m:oMath>
-                  </a14:m>
-                  <a:r>
-                    <a:rPr lang="fr-FR" sz="1050" b="1" dirty="0"/>
-                    <a:t>= </a:t>
-                  </a:r>
-                  <a:r>
-                    <a:rPr lang="fr-FR" sz="1050" b="1" dirty="0" smtClean="0"/>
-                    <a:t>15.7%,  </a:t>
-                  </a:r>
-                  <a14:m>
-                    <m:oMath xmlns:m="http://schemas.openxmlformats.org/officeDocument/2006/math">
-                      <m:sSub>
-                        <m:sSubPr>
-                          <m:ctrlPr>
-                            <a:rPr lang="fr-FR" sz="1050" b="1" i="1">
-                              <a:latin typeface="Cambria Math" panose="02040503050406030204" pitchFamily="18" charset="0"/>
-                            </a:rPr>
-                          </m:ctrlPr>
-                        </m:sSubPr>
-                        <m:e>
-                          <m:acc>
-                            <m:accPr>
-                              <m:chr m:val="̅"/>
-                              <m:ctrlPr>
-                                <a:rPr lang="fr-FR" sz="1050" b="1" i="1">
-                                  <a:latin typeface="Cambria Math" panose="02040503050406030204" pitchFamily="18" charset="0"/>
-                                </a:rPr>
-                              </m:ctrlPr>
-                            </m:accPr>
-                            <m:e>
-                              <m:r>
-                                <a:rPr lang="fr-FR" sz="1050" b="1" i="1">
-                                  <a:latin typeface="Cambria Math" panose="02040503050406030204" pitchFamily="18" charset="0"/>
-                                </a:rPr>
-                                <m:t>𝜷</m:t>
-                              </m:r>
-                            </m:e>
-                          </m:acc>
-                        </m:e>
-                        <m:sub>
-                          <m:r>
-                            <a:rPr lang="fr-FR" sz="1050" b="1" i="1" dirty="0">
-                              <a:latin typeface="Cambria Math" panose="02040503050406030204" pitchFamily="18" charset="0"/>
-                            </a:rPr>
-                            <m:t>𝒊𝒏𝒕𝒆𝒓</m:t>
-                          </m:r>
-                          <m:r>
-                            <a:rPr lang="fr-FR" sz="1050" b="1" dirty="0">
-                              <a:latin typeface="Cambria Math" panose="02040503050406030204" pitchFamily="18" charset="0"/>
-                            </a:rPr>
-                            <m:t>−</m:t>
-                          </m:r>
-                          <m:r>
-                            <a:rPr lang="fr-FR" sz="1050" b="1" i="1" dirty="0">
-                              <a:latin typeface="Cambria Math" panose="02040503050406030204" pitchFamily="18" charset="0"/>
-                            </a:rPr>
-                            <m:t>𝒔𝒕𝒂𝒕𝒊𝒐𝒏</m:t>
-                          </m:r>
-                        </m:sub>
-                      </m:sSub>
-                    </m:oMath>
-                  </a14:m>
-                  <a:r>
-                    <a:rPr lang="fr-FR" sz="1050" b="1" dirty="0"/>
-                    <a:t>= </a:t>
-                  </a:r>
-                  <a:r>
-                    <a:rPr lang="fr-FR" sz="1050" b="1" dirty="0" smtClean="0"/>
-                    <a:t>8.3%,  </a:t>
-                  </a:r>
-                  <a14:m>
-                    <m:oMath xmlns:m="http://schemas.openxmlformats.org/officeDocument/2006/math">
-                      <m:sSub>
-                        <m:sSubPr>
-                          <m:ctrlPr>
-                            <a:rPr lang="fr-FR" sz="1050" b="1" i="1">
-                              <a:latin typeface="Cambria Math" panose="02040503050406030204" pitchFamily="18" charset="0"/>
-                            </a:rPr>
-                          </m:ctrlPr>
-                        </m:sSubPr>
-                        <m:e>
-                          <m:acc>
-                            <m:accPr>
-                              <m:chr m:val="̅"/>
-                              <m:ctrlPr>
-                                <a:rPr lang="fr-FR" sz="1050" b="1" i="1">
-                                  <a:latin typeface="Cambria Math" panose="02040503050406030204" pitchFamily="18" charset="0"/>
-                                </a:rPr>
-                              </m:ctrlPr>
-                            </m:accPr>
-                            <m:e>
-                              <m:r>
-                                <a:rPr lang="fr-FR" sz="1050" b="1" i="1">
-                                  <a:latin typeface="Cambria Math" panose="02040503050406030204" pitchFamily="18" charset="0"/>
-                                  <a:ea typeface="Cambria Math" panose="02040503050406030204" pitchFamily="18" charset="0"/>
-                                </a:rPr>
-                                <m:t>𝜶</m:t>
-                              </m:r>
-                            </m:e>
-                          </m:acc>
-                        </m:e>
-                        <m:sub>
-                          <m:r>
-                            <a:rPr lang="fr-FR" sz="1050" b="1" i="1" dirty="0">
-                              <a:latin typeface="Cambria Math" panose="02040503050406030204" pitchFamily="18" charset="0"/>
-                            </a:rPr>
-                            <m:t>𝒔𝒕𝒂𝒕𝒊𝒐𝒏</m:t>
-                          </m:r>
-                        </m:sub>
-                      </m:sSub>
-                    </m:oMath>
-                  </a14:m>
-                  <a:r>
-                    <a:rPr lang="fr-FR" sz="1050" b="1" dirty="0"/>
-                    <a:t>= </a:t>
-                  </a:r>
-                  <a:r>
-                    <a:rPr lang="fr-FR" sz="1050" b="1" dirty="0" smtClean="0"/>
-                    <a:t>8%</a:t>
-                  </a:r>
-                  <a:endParaRPr lang="fr-FR" sz="1050" b="1" dirty="0"/>
-                </a:p>
-                <a:p>
-                  <a:pPr marL="171450" indent="-171450">
-                    <a:buFont typeface="Arial" panose="020B0604020202020204" pitchFamily="34" charset="0"/>
-                    <a:buChar char="•"/>
-                  </a:pPr>
-                  <a:endParaRPr lang="fr-FR" sz="1050" b="1" dirty="0"/>
-                </a:p>
-              </p:txBody>
-            </p:sp>
-          </mc:Choice>
-          <mc:Fallback xmlns="">
-            <p:sp>
-              <p:nvSpPr>
-                <p:cNvPr id="3" name="ZoneTexte 2"/>
-                <p:cNvSpPr txBox="1">
-                  <a:spLocks noRot="1" noChangeAspect="1" noMove="1" noResize="1" noEditPoints="1" noAdjustHandles="1" noChangeArrowheads="1" noChangeShapeType="1" noTextEdit="1"/>
-                </p:cNvSpPr>
-                <p:nvPr/>
-              </p:nvSpPr>
-              <p:spPr>
-                <a:xfrm>
-                  <a:off x="356812" y="5346843"/>
-                  <a:ext cx="5241508" cy="1673343"/>
-                </a:xfrm>
-                <a:prstGeom prst="rect">
-                  <a:avLst/>
-                </a:prstGeom>
-                <a:blipFill>
-                  <a:blip r:embed="rId17"/>
-                  <a:stretch>
-                    <a:fillRect/>
-                  </a:stretch>
-                </a:blipFill>
-              </p:spPr>
-              <p:txBody>
-                <a:bodyPr/>
-                <a:lstStyle/>
-                <a:p>
-                  <a:r>
-                    <a:rPr lang="fr-FR">
-                      <a:noFill/>
-                    </a:rPr>
-                    <a:t> </a:t>
-                  </a:r>
-                </a:p>
-              </p:txBody>
-            </p:sp>
-          </mc:Fallback>
-        </mc:AlternateContent>
         <p:pic>
           <p:nvPicPr>
             <p:cNvPr id="201" name="Image 200"/>
@@ -6842,7 +5996,7 @@
             <p:nvPr/>
           </p:nvPicPr>
           <p:blipFill>
-            <a:blip r:embed="rId18" cstate="print">
+            <a:blip r:embed="rId17" cstate="print">
               <a:extLst>
                 <a:ext uri="{28A0092B-C50C-407E-A947-70E740481C1C}">
                   <a14:useLocalDpi xmlns:a14="http://schemas.microsoft.com/office/drawing/2010/main" val="0"/>
@@ -6875,7 +6029,7 @@
             <p:nvPr/>
           </p:nvPicPr>
           <p:blipFill>
-            <a:blip r:embed="rId19" cstate="print">
+            <a:blip r:embed="rId18" cstate="print">
               <a:extLst>
                 <a:ext uri="{28A0092B-C50C-407E-A947-70E740481C1C}">
                   <a14:useLocalDpi xmlns:a14="http://schemas.microsoft.com/office/drawing/2010/main" val="0"/>
@@ -6905,7 +6059,7 @@
             <p:nvPr/>
           </p:nvPicPr>
           <p:blipFill>
-            <a:blip r:embed="rId20" cstate="print">
+            <a:blip r:embed="rId19" cstate="print">
               <a:extLst>
                 <a:ext uri="{28A0092B-C50C-407E-A947-70E740481C1C}">
                   <a14:useLocalDpi xmlns:a14="http://schemas.microsoft.com/office/drawing/2010/main" val="0"/>
@@ -6935,7 +6089,7 @@
             <p:nvPr/>
           </p:nvPicPr>
           <p:blipFill>
-            <a:blip r:embed="rId21" cstate="print">
+            <a:blip r:embed="rId20" cstate="print">
               <a:extLst>
                 <a:ext uri="{28A0092B-C50C-407E-A947-70E740481C1C}">
                   <a14:useLocalDpi xmlns:a14="http://schemas.microsoft.com/office/drawing/2010/main" val="0"/>
@@ -7032,6 +6186,2997 @@
           </p:style>
         </p:cxnSp>
       </p:grpSp>
+      <mc:AlternateContent xmlns:mc="http://schemas.openxmlformats.org/markup-compatibility/2006">
+        <mc:Choice xmlns:a14="http://schemas.microsoft.com/office/drawing/2010/main" Requires="a14">
+          <p:graphicFrame>
+            <p:nvGraphicFramePr>
+              <p:cNvPr id="2" name="Tableau 1"/>
+              <p:cNvGraphicFramePr>
+                <a:graphicFrameLocks noGrp="1"/>
+              </p:cNvGraphicFramePr>
+              <p:nvPr>
+                <p:extLst>
+                  <p:ext uri="{D42A27DB-BD31-4B8C-83A1-F6EECF244321}">
+                    <p14:modId xmlns:p14="http://schemas.microsoft.com/office/powerpoint/2010/main" val="2247587491"/>
+                  </p:ext>
+                </p:extLst>
+              </p:nvPr>
+            </p:nvGraphicFramePr>
+            <p:xfrm>
+              <a:off x="584933" y="5382304"/>
+              <a:ext cx="5749247" cy="1296000"/>
+            </p:xfrm>
+            <a:graphic>
+              <a:graphicData uri="http://schemas.openxmlformats.org/drawingml/2006/table">
+                <a:tbl>
+                  <a:tblPr firstRow="1" bandRow="1">
+                    <a:tableStyleId>{5C22544A-7EE6-4342-B048-85BDC9FD1C3A}</a:tableStyleId>
+                  </a:tblPr>
+                  <a:tblGrid>
+                    <a:gridCol w="1944663">
+                      <a:extLst>
+                        <a:ext uri="{9D8B030D-6E8A-4147-A177-3AD203B41FA5}">
+                          <a16:colId xmlns:a16="http://schemas.microsoft.com/office/drawing/2014/main" val="1067048240"/>
+                        </a:ext>
+                      </a:extLst>
+                    </a:gridCol>
+                    <a:gridCol w="951146">
+                      <a:extLst>
+                        <a:ext uri="{9D8B030D-6E8A-4147-A177-3AD203B41FA5}">
+                          <a16:colId xmlns:a16="http://schemas.microsoft.com/office/drawing/2014/main" val="3084419488"/>
+                        </a:ext>
+                      </a:extLst>
+                    </a:gridCol>
+                    <a:gridCol w="951146">
+                      <a:extLst>
+                        <a:ext uri="{9D8B030D-6E8A-4147-A177-3AD203B41FA5}">
+                          <a16:colId xmlns:a16="http://schemas.microsoft.com/office/drawing/2014/main" val="3836093460"/>
+                        </a:ext>
+                      </a:extLst>
+                    </a:gridCol>
+                    <a:gridCol w="951146">
+                      <a:extLst>
+                        <a:ext uri="{9D8B030D-6E8A-4147-A177-3AD203B41FA5}">
+                          <a16:colId xmlns:a16="http://schemas.microsoft.com/office/drawing/2014/main" val="4109928961"/>
+                        </a:ext>
+                      </a:extLst>
+                    </a:gridCol>
+                    <a:gridCol w="951146">
+                      <a:extLst>
+                        <a:ext uri="{9D8B030D-6E8A-4147-A177-3AD203B41FA5}">
+                          <a16:colId xmlns:a16="http://schemas.microsoft.com/office/drawing/2014/main" val="2333253021"/>
+                        </a:ext>
+                      </a:extLst>
+                    </a:gridCol>
+                  </a:tblGrid>
+                  <a:tr h="324000">
+                    <a:tc>
+                      <a:txBody>
+                        <a:bodyPr/>
+                        <a:lstStyle/>
+                        <a:p>
+                          <a:endParaRPr lang="fr-FR" sz="1100" b="0" dirty="0">
+                            <a:solidFill>
+                              <a:schemeClr val="tx1"/>
+                            </a:solidFill>
+                          </a:endParaRPr>
+                        </a:p>
+                      </a:txBody>
+                      <a:tcPr anchor="ctr">
+                        <a:lnL w="12700" cap="flat" cmpd="sng" algn="ctr">
+                          <a:noFill/>
+                          <a:prstDash val="solid"/>
+                          <a:round/>
+                          <a:headEnd type="none" w="med" len="med"/>
+                          <a:tailEnd type="none" w="med" len="med"/>
+                        </a:lnL>
+                        <a:lnR w="3175" cap="flat" cmpd="sng" algn="ctr">
+                          <a:noFill/>
+                          <a:prstDash val="solid"/>
+                          <a:round/>
+                          <a:headEnd type="none" w="med" len="med"/>
+                          <a:tailEnd type="none" w="med" len="med"/>
+                        </a:lnR>
+                        <a:lnT w="12700" cap="flat" cmpd="sng" algn="ctr">
+                          <a:noFill/>
+                          <a:prstDash val="solid"/>
+                          <a:round/>
+                          <a:headEnd type="none" w="med" len="med"/>
+                          <a:tailEnd type="none" w="med" len="med"/>
+                        </a:lnT>
+                        <a:lnB w="3175" cap="flat" cmpd="sng" algn="ctr">
+                          <a:solidFill>
+                            <a:schemeClr val="tx1"/>
+                          </a:solidFill>
+                          <a:prstDash val="solid"/>
+                          <a:round/>
+                          <a:headEnd type="none" w="med" len="med"/>
+                          <a:tailEnd type="none" w="med" len="med"/>
+                        </a:lnB>
+                        <a:lnTlToBr w="12700" cmpd="sng">
+                          <a:noFill/>
+                          <a:prstDash val="solid"/>
+                        </a:lnTlToBr>
+                        <a:lnBlToTr w="12700" cmpd="sng">
+                          <a:noFill/>
+                          <a:prstDash val="solid"/>
+                        </a:lnBlToTr>
+                        <a:noFill/>
+                      </a:tcPr>
+                    </a:tc>
+                    <a:tc>
+                      <a:txBody>
+                        <a:bodyPr/>
+                        <a:lstStyle/>
+                        <a:p>
+                          <a14:m>
+                            <m:oMathPara xmlns:m="http://schemas.openxmlformats.org/officeDocument/2006/math">
+                              <m:oMathParaPr>
+                                <m:jc m:val="centerGroup"/>
+                              </m:oMathParaPr>
+                              <m:oMath xmlns:m="http://schemas.openxmlformats.org/officeDocument/2006/math">
+                                <m:sSub>
+                                  <m:sSubPr>
+                                    <m:ctrlPr>
+                                      <a:rPr lang="fr-FR" sz="1100" b="1" i="1" smtClean="0">
+                                        <a:solidFill>
+                                          <a:schemeClr val="tx1"/>
+                                        </a:solidFill>
+                                        <a:latin typeface="Cambria Math" panose="02040503050406030204" pitchFamily="18" charset="0"/>
+                                      </a:rPr>
+                                    </m:ctrlPr>
+                                  </m:sSubPr>
+                                  <m:e>
+                                    <m:r>
+                                      <a:rPr lang="fr-FR" sz="1100" b="1" i="1">
+                                        <a:solidFill>
+                                          <a:schemeClr val="tx1"/>
+                                        </a:solidFill>
+                                        <a:latin typeface="Cambria Math" panose="02040503050406030204" pitchFamily="18" charset="0"/>
+                                        <a:ea typeface="Cambria Math" panose="02040503050406030204" pitchFamily="18" charset="0"/>
+                                      </a:rPr>
+                                      <m:t>𝜷</m:t>
+                                    </m:r>
+                                  </m:e>
+                                  <m:sub>
+                                    <m:r>
+                                      <a:rPr lang="fr-FR" sz="1100" b="1" i="1" dirty="0">
+                                        <a:solidFill>
+                                          <a:schemeClr val="tx1"/>
+                                        </a:solidFill>
+                                        <a:latin typeface="Cambria Math" panose="02040503050406030204" pitchFamily="18" charset="0"/>
+                                      </a:rPr>
+                                      <m:t>𝒊𝒏𝒕𝒆𝒓</m:t>
+                                    </m:r>
+                                    <m:r>
+                                      <a:rPr lang="fr-FR" sz="1100" b="1" dirty="0">
+                                        <a:solidFill>
+                                          <a:schemeClr val="tx1"/>
+                                        </a:solidFill>
+                                        <a:latin typeface="Cambria Math" panose="02040503050406030204" pitchFamily="18" charset="0"/>
+                                      </a:rPr>
+                                      <m:t>−</m:t>
+                                    </m:r>
+                                    <m:r>
+                                      <a:rPr lang="fr-FR" sz="1100" b="1" i="1" dirty="0">
+                                        <a:solidFill>
+                                          <a:schemeClr val="tx1"/>
+                                        </a:solidFill>
+                                        <a:latin typeface="Cambria Math" panose="02040503050406030204" pitchFamily="18" charset="0"/>
+                                      </a:rPr>
+                                      <m:t>𝒓𝒆𝒈𝒊𝒐𝒏</m:t>
+                                    </m:r>
+                                  </m:sub>
+                                </m:sSub>
+                              </m:oMath>
+                            </m:oMathPara>
+                          </a14:m>
+                          <a:endParaRPr lang="fr-FR" sz="1100" b="1" dirty="0">
+                            <a:solidFill>
+                              <a:schemeClr val="tx1"/>
+                            </a:solidFill>
+                          </a:endParaRPr>
+                        </a:p>
+                      </a:txBody>
+                      <a:tcPr anchor="ctr">
+                        <a:lnL w="3175" cap="flat" cmpd="sng" algn="ctr">
+                          <a:noFill/>
+                          <a:prstDash val="solid"/>
+                          <a:round/>
+                          <a:headEnd type="none" w="med" len="med"/>
+                          <a:tailEnd type="none" w="med" len="med"/>
+                        </a:lnL>
+                        <a:lnR w="3175" cap="flat" cmpd="sng" algn="ctr">
+                          <a:noFill/>
+                          <a:prstDash val="solid"/>
+                          <a:round/>
+                          <a:headEnd type="none" w="med" len="med"/>
+                          <a:tailEnd type="none" w="med" len="med"/>
+                        </a:lnR>
+                        <a:lnT w="3175" cap="flat" cmpd="sng" algn="ctr">
+                          <a:noFill/>
+                          <a:prstDash val="solid"/>
+                          <a:round/>
+                          <a:headEnd type="none" w="med" len="med"/>
+                          <a:tailEnd type="none" w="med" len="med"/>
+                        </a:lnT>
+                        <a:lnB w="3175" cap="flat" cmpd="sng" algn="ctr">
+                          <a:solidFill>
+                            <a:schemeClr val="tx1"/>
+                          </a:solidFill>
+                          <a:prstDash val="solid"/>
+                          <a:round/>
+                          <a:headEnd type="none" w="med" len="med"/>
+                          <a:tailEnd type="none" w="med" len="med"/>
+                        </a:lnB>
+                        <a:lnTlToBr w="12700" cmpd="sng">
+                          <a:noFill/>
+                          <a:prstDash val="solid"/>
+                        </a:lnTlToBr>
+                        <a:lnBlToTr w="12700" cmpd="sng">
+                          <a:noFill/>
+                          <a:prstDash val="solid"/>
+                        </a:lnBlToTr>
+                        <a:noFill/>
+                      </a:tcPr>
+                    </a:tc>
+                    <a:tc>
+                      <a:txBody>
+                        <a:bodyPr/>
+                        <a:lstStyle/>
+                        <a:p>
+                          <a14:m>
+                            <m:oMathPara xmlns:m="http://schemas.openxmlformats.org/officeDocument/2006/math">
+                              <m:oMathParaPr>
+                                <m:jc m:val="centerGroup"/>
+                              </m:oMathParaPr>
+                              <m:oMath xmlns:m="http://schemas.openxmlformats.org/officeDocument/2006/math">
+                                <m:sSub>
+                                  <m:sSubPr>
+                                    <m:ctrlPr>
+                                      <a:rPr lang="fr-FR" sz="1100" b="1" i="1" smtClean="0">
+                                        <a:solidFill>
+                                          <a:schemeClr val="tx1"/>
+                                        </a:solidFill>
+                                        <a:latin typeface="Cambria Math" panose="02040503050406030204" pitchFamily="18" charset="0"/>
+                                      </a:rPr>
+                                    </m:ctrlPr>
+                                  </m:sSubPr>
+                                  <m:e>
+                                    <m:acc>
+                                      <m:accPr>
+                                        <m:chr m:val="̅"/>
+                                        <m:ctrlPr>
+                                          <a:rPr lang="fr-FR" sz="1100" b="1" i="1">
+                                            <a:solidFill>
+                                              <a:schemeClr val="tx1"/>
+                                            </a:solidFill>
+                                            <a:latin typeface="Cambria Math" panose="02040503050406030204" pitchFamily="18" charset="0"/>
+                                          </a:rPr>
+                                        </m:ctrlPr>
+                                      </m:accPr>
+                                      <m:e>
+                                        <m:r>
+                                          <a:rPr lang="fr-FR" sz="1100" b="1" i="1">
+                                            <a:solidFill>
+                                              <a:schemeClr val="tx1"/>
+                                            </a:solidFill>
+                                            <a:latin typeface="Cambria Math" panose="02040503050406030204" pitchFamily="18" charset="0"/>
+                                          </a:rPr>
+                                          <m:t>𝜷</m:t>
+                                        </m:r>
+                                      </m:e>
+                                    </m:acc>
+                                  </m:e>
+                                  <m:sub>
+                                    <m:r>
+                                      <a:rPr lang="fr-FR" sz="1100" b="1" i="1" dirty="0">
+                                        <a:solidFill>
+                                          <a:schemeClr val="tx1"/>
+                                        </a:solidFill>
+                                        <a:latin typeface="Cambria Math" panose="02040503050406030204" pitchFamily="18" charset="0"/>
+                                      </a:rPr>
+                                      <m:t>𝒊𝒏𝒕𝒆𝒓</m:t>
+                                    </m:r>
+                                    <m:r>
+                                      <a:rPr lang="fr-FR" sz="1100" b="1" dirty="0">
+                                        <a:solidFill>
+                                          <a:schemeClr val="tx1"/>
+                                        </a:solidFill>
+                                        <a:latin typeface="Cambria Math" panose="02040503050406030204" pitchFamily="18" charset="0"/>
+                                      </a:rPr>
+                                      <m:t>−</m:t>
+                                    </m:r>
+                                    <m:r>
+                                      <a:rPr lang="fr-FR" sz="1100" b="1" i="1" dirty="0">
+                                        <a:solidFill>
+                                          <a:schemeClr val="tx1"/>
+                                        </a:solidFill>
+                                        <a:latin typeface="Cambria Math" panose="02040503050406030204" pitchFamily="18" charset="0"/>
+                                      </a:rPr>
+                                      <m:t>𝒔𝒊𝒕𝒆</m:t>
+                                    </m:r>
+                                  </m:sub>
+                                </m:sSub>
+                              </m:oMath>
+                            </m:oMathPara>
+                          </a14:m>
+                          <a:endParaRPr lang="fr-FR" sz="1100" b="1" dirty="0">
+                            <a:solidFill>
+                              <a:schemeClr val="tx1"/>
+                            </a:solidFill>
+                          </a:endParaRPr>
+                        </a:p>
+                      </a:txBody>
+                      <a:tcPr anchor="ctr">
+                        <a:lnL w="3175" cap="flat" cmpd="sng" algn="ctr">
+                          <a:noFill/>
+                          <a:prstDash val="solid"/>
+                          <a:round/>
+                          <a:headEnd type="none" w="med" len="med"/>
+                          <a:tailEnd type="none" w="med" len="med"/>
+                        </a:lnL>
+                        <a:lnR w="3175" cap="flat" cmpd="sng" algn="ctr">
+                          <a:noFill/>
+                          <a:prstDash val="solid"/>
+                          <a:round/>
+                          <a:headEnd type="none" w="med" len="med"/>
+                          <a:tailEnd type="none" w="med" len="med"/>
+                        </a:lnR>
+                        <a:lnT w="3175" cap="flat" cmpd="sng" algn="ctr">
+                          <a:noFill/>
+                          <a:prstDash val="solid"/>
+                          <a:round/>
+                          <a:headEnd type="none" w="med" len="med"/>
+                          <a:tailEnd type="none" w="med" len="med"/>
+                        </a:lnT>
+                        <a:lnB w="3175" cap="flat" cmpd="sng" algn="ctr">
+                          <a:solidFill>
+                            <a:schemeClr val="tx1"/>
+                          </a:solidFill>
+                          <a:prstDash val="solid"/>
+                          <a:round/>
+                          <a:headEnd type="none" w="med" len="med"/>
+                          <a:tailEnd type="none" w="med" len="med"/>
+                        </a:lnB>
+                        <a:lnTlToBr w="12700" cmpd="sng">
+                          <a:noFill/>
+                          <a:prstDash val="solid"/>
+                        </a:lnTlToBr>
+                        <a:lnBlToTr w="12700" cmpd="sng">
+                          <a:noFill/>
+                          <a:prstDash val="solid"/>
+                        </a:lnBlToTr>
+                        <a:noFill/>
+                      </a:tcPr>
+                    </a:tc>
+                    <a:tc>
+                      <a:txBody>
+                        <a:bodyPr/>
+                        <a:lstStyle/>
+                        <a:p>
+                          <a14:m>
+                            <m:oMathPara xmlns:m="http://schemas.openxmlformats.org/officeDocument/2006/math">
+                              <m:oMathParaPr>
+                                <m:jc m:val="centerGroup"/>
+                              </m:oMathParaPr>
+                              <m:oMath xmlns:m="http://schemas.openxmlformats.org/officeDocument/2006/math">
+                                <m:sSub>
+                                  <m:sSubPr>
+                                    <m:ctrlPr>
+                                      <a:rPr lang="fr-FR" sz="1100" b="1" i="1" smtClean="0">
+                                        <a:solidFill>
+                                          <a:schemeClr val="tx1"/>
+                                        </a:solidFill>
+                                        <a:latin typeface="Cambria Math" panose="02040503050406030204" pitchFamily="18" charset="0"/>
+                                      </a:rPr>
+                                    </m:ctrlPr>
+                                  </m:sSubPr>
+                                  <m:e>
+                                    <m:acc>
+                                      <m:accPr>
+                                        <m:chr m:val="̅"/>
+                                        <m:ctrlPr>
+                                          <a:rPr lang="fr-FR" sz="1100" b="1" i="1">
+                                            <a:solidFill>
+                                              <a:schemeClr val="tx1"/>
+                                            </a:solidFill>
+                                            <a:latin typeface="Cambria Math" panose="02040503050406030204" pitchFamily="18" charset="0"/>
+                                          </a:rPr>
+                                        </m:ctrlPr>
+                                      </m:accPr>
+                                      <m:e>
+                                        <m:r>
+                                          <a:rPr lang="fr-FR" sz="1100" b="1" i="1">
+                                            <a:solidFill>
+                                              <a:schemeClr val="tx1"/>
+                                            </a:solidFill>
+                                            <a:latin typeface="Cambria Math" panose="02040503050406030204" pitchFamily="18" charset="0"/>
+                                          </a:rPr>
+                                          <m:t>𝜷</m:t>
+                                        </m:r>
+                                      </m:e>
+                                    </m:acc>
+                                  </m:e>
+                                  <m:sub>
+                                    <m:r>
+                                      <a:rPr lang="fr-FR" sz="1100" b="1" i="1" dirty="0">
+                                        <a:solidFill>
+                                          <a:schemeClr val="tx1"/>
+                                        </a:solidFill>
+                                        <a:latin typeface="Cambria Math" panose="02040503050406030204" pitchFamily="18" charset="0"/>
+                                      </a:rPr>
+                                      <m:t>𝒊𝒏𝒕𝒆𝒓</m:t>
+                                    </m:r>
+                                    <m:r>
+                                      <a:rPr lang="fr-FR" sz="1100" b="1" dirty="0">
+                                        <a:solidFill>
+                                          <a:schemeClr val="tx1"/>
+                                        </a:solidFill>
+                                        <a:latin typeface="Cambria Math" panose="02040503050406030204" pitchFamily="18" charset="0"/>
+                                      </a:rPr>
+                                      <m:t>−</m:t>
+                                    </m:r>
+                                    <m:r>
+                                      <a:rPr lang="fr-FR" sz="1100" b="1" i="1" dirty="0">
+                                        <a:solidFill>
+                                          <a:schemeClr val="tx1"/>
+                                        </a:solidFill>
+                                        <a:latin typeface="Cambria Math" panose="02040503050406030204" pitchFamily="18" charset="0"/>
+                                      </a:rPr>
+                                      <m:t>𝒔𝒕𝒂𝒕𝒊𝒐𝒏</m:t>
+                                    </m:r>
+                                  </m:sub>
+                                </m:sSub>
+                              </m:oMath>
+                            </m:oMathPara>
+                          </a14:m>
+                          <a:endParaRPr lang="fr-FR" sz="1100" b="1" dirty="0">
+                            <a:solidFill>
+                              <a:schemeClr val="tx1"/>
+                            </a:solidFill>
+                          </a:endParaRPr>
+                        </a:p>
+                      </a:txBody>
+                      <a:tcPr anchor="ctr">
+                        <a:lnL w="3175" cap="flat" cmpd="sng" algn="ctr">
+                          <a:noFill/>
+                          <a:prstDash val="solid"/>
+                          <a:round/>
+                          <a:headEnd type="none" w="med" len="med"/>
+                          <a:tailEnd type="none" w="med" len="med"/>
+                        </a:lnL>
+                        <a:lnR w="3175" cap="flat" cmpd="sng" algn="ctr">
+                          <a:noFill/>
+                          <a:prstDash val="solid"/>
+                          <a:round/>
+                          <a:headEnd type="none" w="med" len="med"/>
+                          <a:tailEnd type="none" w="med" len="med"/>
+                        </a:lnR>
+                        <a:lnT w="3175" cap="flat" cmpd="sng" algn="ctr">
+                          <a:noFill/>
+                          <a:prstDash val="solid"/>
+                          <a:round/>
+                          <a:headEnd type="none" w="med" len="med"/>
+                          <a:tailEnd type="none" w="med" len="med"/>
+                        </a:lnT>
+                        <a:lnB w="3175" cap="flat" cmpd="sng" algn="ctr">
+                          <a:solidFill>
+                            <a:schemeClr val="tx1"/>
+                          </a:solidFill>
+                          <a:prstDash val="solid"/>
+                          <a:round/>
+                          <a:headEnd type="none" w="med" len="med"/>
+                          <a:tailEnd type="none" w="med" len="med"/>
+                        </a:lnB>
+                        <a:lnTlToBr w="12700" cmpd="sng">
+                          <a:noFill/>
+                          <a:prstDash val="solid"/>
+                        </a:lnTlToBr>
+                        <a:lnBlToTr w="12700" cmpd="sng">
+                          <a:noFill/>
+                          <a:prstDash val="solid"/>
+                        </a:lnBlToTr>
+                        <a:noFill/>
+                      </a:tcPr>
+                    </a:tc>
+                    <a:tc>
+                      <a:txBody>
+                        <a:bodyPr/>
+                        <a:lstStyle/>
+                        <a:p>
+                          <a14:m>
+                            <m:oMathPara xmlns:m="http://schemas.openxmlformats.org/officeDocument/2006/math">
+                              <m:oMathParaPr>
+                                <m:jc m:val="centerGroup"/>
+                              </m:oMathParaPr>
+                              <m:oMath xmlns:m="http://schemas.openxmlformats.org/officeDocument/2006/math">
+                                <m:sSub>
+                                  <m:sSubPr>
+                                    <m:ctrlPr>
+                                      <a:rPr lang="fr-FR" sz="1100" b="1" i="1" smtClean="0">
+                                        <a:solidFill>
+                                          <a:schemeClr val="tx1"/>
+                                        </a:solidFill>
+                                        <a:latin typeface="Cambria Math" panose="02040503050406030204" pitchFamily="18" charset="0"/>
+                                      </a:rPr>
+                                    </m:ctrlPr>
+                                  </m:sSubPr>
+                                  <m:e>
+                                    <m:acc>
+                                      <m:accPr>
+                                        <m:chr m:val="̅"/>
+                                        <m:ctrlPr>
+                                          <a:rPr lang="fr-FR" sz="1100" b="1" i="1">
+                                            <a:solidFill>
+                                              <a:schemeClr val="tx1"/>
+                                            </a:solidFill>
+                                            <a:latin typeface="Cambria Math" panose="02040503050406030204" pitchFamily="18" charset="0"/>
+                                          </a:rPr>
+                                        </m:ctrlPr>
+                                      </m:accPr>
+                                      <m:e>
+                                        <m:r>
+                                          <a:rPr lang="fr-FR" sz="1100" b="1" i="1">
+                                            <a:solidFill>
+                                              <a:schemeClr val="tx1"/>
+                                            </a:solidFill>
+                                            <a:latin typeface="Cambria Math" panose="02040503050406030204" pitchFamily="18" charset="0"/>
+                                            <a:ea typeface="Cambria Math" panose="02040503050406030204" pitchFamily="18" charset="0"/>
+                                          </a:rPr>
+                                          <m:t>𝜶</m:t>
+                                        </m:r>
+                                      </m:e>
+                                    </m:acc>
+                                  </m:e>
+                                  <m:sub>
+                                    <m:r>
+                                      <a:rPr lang="fr-FR" sz="1100" b="1" i="1" dirty="0">
+                                        <a:solidFill>
+                                          <a:schemeClr val="tx1"/>
+                                        </a:solidFill>
+                                        <a:latin typeface="Cambria Math" panose="02040503050406030204" pitchFamily="18" charset="0"/>
+                                      </a:rPr>
+                                      <m:t>𝒔𝒕𝒂𝒕𝒊𝒐𝒏</m:t>
+                                    </m:r>
+                                  </m:sub>
+                                </m:sSub>
+                              </m:oMath>
+                            </m:oMathPara>
+                          </a14:m>
+                          <a:endParaRPr lang="fr-FR" sz="1100" b="1" dirty="0">
+                            <a:solidFill>
+                              <a:schemeClr val="tx1"/>
+                            </a:solidFill>
+                          </a:endParaRPr>
+                        </a:p>
+                      </a:txBody>
+                      <a:tcPr anchor="ctr">
+                        <a:lnL w="3175" cap="flat" cmpd="sng" algn="ctr">
+                          <a:noFill/>
+                          <a:prstDash val="solid"/>
+                          <a:round/>
+                          <a:headEnd type="none" w="med" len="med"/>
+                          <a:tailEnd type="none" w="med" len="med"/>
+                        </a:lnL>
+                        <a:lnR w="3175" cap="flat" cmpd="sng" algn="ctr">
+                          <a:noFill/>
+                          <a:prstDash val="solid"/>
+                          <a:round/>
+                          <a:headEnd type="none" w="med" len="med"/>
+                          <a:tailEnd type="none" w="med" len="med"/>
+                        </a:lnR>
+                        <a:lnT w="3175" cap="flat" cmpd="sng" algn="ctr">
+                          <a:noFill/>
+                          <a:prstDash val="solid"/>
+                          <a:round/>
+                          <a:headEnd type="none" w="med" len="med"/>
+                          <a:tailEnd type="none" w="med" len="med"/>
+                        </a:lnT>
+                        <a:lnB w="3175" cap="flat" cmpd="sng" algn="ctr">
+                          <a:solidFill>
+                            <a:schemeClr val="tx1"/>
+                          </a:solidFill>
+                          <a:prstDash val="solid"/>
+                          <a:round/>
+                          <a:headEnd type="none" w="med" len="med"/>
+                          <a:tailEnd type="none" w="med" len="med"/>
+                        </a:lnB>
+                        <a:lnTlToBr w="12700" cmpd="sng">
+                          <a:noFill/>
+                          <a:prstDash val="solid"/>
+                        </a:lnTlToBr>
+                        <a:lnBlToTr w="12700" cmpd="sng">
+                          <a:noFill/>
+                          <a:prstDash val="solid"/>
+                        </a:lnBlToTr>
+                        <a:noFill/>
+                      </a:tcPr>
+                    </a:tc>
+                    <a:extLst>
+                      <a:ext uri="{0D108BD9-81ED-4DB2-BD59-A6C34878D82A}">
+                        <a16:rowId xmlns:a16="http://schemas.microsoft.com/office/drawing/2014/main" val="3254895143"/>
+                      </a:ext>
+                    </a:extLst>
+                  </a:tr>
+                  <a:tr h="324000">
+                    <a:tc>
+                      <a:txBody>
+                        <a:bodyPr/>
+                        <a:lstStyle/>
+                        <a:p>
+                          <a:r>
+                            <a:rPr lang="en-US" sz="1100" b="1" dirty="0" smtClean="0">
+                              <a:latin typeface="Times New Roman" panose="02020603050405020304" pitchFamily="18" charset="0"/>
+                              <a:cs typeface="Times New Roman" panose="02020603050405020304" pitchFamily="18" charset="0"/>
+                            </a:rPr>
+                            <a:t>Cryptobenthic families</a:t>
+                          </a:r>
+                          <a:endParaRPr lang="fr-FR" sz="1100" b="1" dirty="0">
+                            <a:solidFill>
+                              <a:schemeClr val="tx1"/>
+                            </a:solidFill>
+                          </a:endParaRPr>
+                        </a:p>
+                      </a:txBody>
+                      <a:tcPr anchor="ctr">
+                        <a:lnL w="3175" cap="flat" cmpd="sng" algn="ctr">
+                          <a:noFill/>
+                          <a:prstDash val="solid"/>
+                          <a:round/>
+                          <a:headEnd type="none" w="med" len="med"/>
+                          <a:tailEnd type="none" w="med" len="med"/>
+                        </a:lnL>
+                        <a:lnR w="3175" cap="flat" cmpd="sng" algn="ctr">
+                          <a:noFill/>
+                          <a:prstDash val="solid"/>
+                          <a:round/>
+                          <a:headEnd type="none" w="med" len="med"/>
+                          <a:tailEnd type="none" w="med" len="med"/>
+                        </a:lnR>
+                        <a:lnT w="3175" cap="flat" cmpd="sng" algn="ctr">
+                          <a:solidFill>
+                            <a:schemeClr val="tx1"/>
+                          </a:solidFill>
+                          <a:prstDash val="solid"/>
+                          <a:round/>
+                          <a:headEnd type="none" w="med" len="med"/>
+                          <a:tailEnd type="none" w="med" len="med"/>
+                        </a:lnT>
+                        <a:lnB w="3175" cap="flat" cmpd="sng" algn="ctr">
+                          <a:noFill/>
+                          <a:prstDash val="solid"/>
+                          <a:round/>
+                          <a:headEnd type="none" w="med" len="med"/>
+                          <a:tailEnd type="none" w="med" len="med"/>
+                        </a:lnB>
+                        <a:lnTlToBr w="12700" cmpd="sng">
+                          <a:noFill/>
+                          <a:prstDash val="solid"/>
+                        </a:lnTlToBr>
+                        <a:lnBlToTr w="12700" cmpd="sng">
+                          <a:noFill/>
+                          <a:prstDash val="solid"/>
+                        </a:lnBlToTr>
+                        <a:noFill/>
+                      </a:tcPr>
+                    </a:tc>
+                    <a:tc>
+                      <a:txBody>
+                        <a:bodyPr/>
+                        <a:lstStyle/>
+                        <a:p>
+                          <a:pPr algn="ctr"/>
+                          <a:r>
+                            <a:rPr lang="fr-FR" sz="1100" b="0" kern="1200" dirty="0" smtClean="0">
+                              <a:solidFill>
+                                <a:schemeClr val="dk1"/>
+                              </a:solidFill>
+                              <a:latin typeface="Times New Roman" panose="02020603050405020304" pitchFamily="18" charset="0"/>
+                              <a:ea typeface="+mn-ea"/>
+                              <a:cs typeface="Times New Roman" panose="02020603050405020304" pitchFamily="18" charset="0"/>
+                            </a:rPr>
+                            <a:t>74%</a:t>
+                          </a:r>
+                          <a:endParaRPr lang="fr-FR" sz="1100" b="0" kern="1200" dirty="0">
+                            <a:solidFill>
+                              <a:schemeClr val="dk1"/>
+                            </a:solidFill>
+                            <a:latin typeface="Times New Roman" panose="02020603050405020304" pitchFamily="18" charset="0"/>
+                            <a:ea typeface="+mn-ea"/>
+                            <a:cs typeface="Times New Roman" panose="02020603050405020304" pitchFamily="18" charset="0"/>
+                          </a:endParaRPr>
+                        </a:p>
+                      </a:txBody>
+                      <a:tcPr anchor="ctr">
+                        <a:lnL w="3175" cap="flat" cmpd="sng" algn="ctr">
+                          <a:noFill/>
+                          <a:prstDash val="solid"/>
+                          <a:round/>
+                          <a:headEnd type="none" w="med" len="med"/>
+                          <a:tailEnd type="none" w="med" len="med"/>
+                        </a:lnL>
+                        <a:lnR w="3175" cap="flat" cmpd="sng" algn="ctr">
+                          <a:noFill/>
+                          <a:prstDash val="solid"/>
+                          <a:round/>
+                          <a:headEnd type="none" w="med" len="med"/>
+                          <a:tailEnd type="none" w="med" len="med"/>
+                        </a:lnR>
+                        <a:lnT w="3175" cap="flat" cmpd="sng" algn="ctr">
+                          <a:solidFill>
+                            <a:schemeClr val="tx1"/>
+                          </a:solidFill>
+                          <a:prstDash val="solid"/>
+                          <a:round/>
+                          <a:headEnd type="none" w="med" len="med"/>
+                          <a:tailEnd type="none" w="med" len="med"/>
+                        </a:lnT>
+                        <a:lnB w="3175" cap="flat" cmpd="sng" algn="ctr">
+                          <a:noFill/>
+                          <a:prstDash val="solid"/>
+                          <a:round/>
+                          <a:headEnd type="none" w="med" len="med"/>
+                          <a:tailEnd type="none" w="med" len="med"/>
+                        </a:lnB>
+                        <a:lnTlToBr w="12700" cmpd="sng">
+                          <a:noFill/>
+                          <a:prstDash val="solid"/>
+                        </a:lnTlToBr>
+                        <a:lnBlToTr w="12700" cmpd="sng">
+                          <a:noFill/>
+                          <a:prstDash val="solid"/>
+                        </a:lnBlToTr>
+                        <a:noFill/>
+                      </a:tcPr>
+                    </a:tc>
+                    <a:tc>
+                      <a:txBody>
+                        <a:bodyPr/>
+                        <a:lstStyle/>
+                        <a:p>
+                          <a:pPr algn="ctr"/>
+                          <a:r>
+                            <a:rPr lang="fr-FR" sz="1100" b="0" kern="1200" dirty="0" smtClean="0">
+                              <a:solidFill>
+                                <a:schemeClr val="dk1"/>
+                              </a:solidFill>
+                              <a:latin typeface="Times New Roman" panose="02020603050405020304" pitchFamily="18" charset="0"/>
+                              <a:ea typeface="+mn-ea"/>
+                              <a:cs typeface="Times New Roman" panose="02020603050405020304" pitchFamily="18" charset="0"/>
+                            </a:rPr>
+                            <a:t>18%</a:t>
+                          </a:r>
+                          <a:endParaRPr lang="fr-FR" sz="1100" b="0" kern="1200" dirty="0">
+                            <a:solidFill>
+                              <a:schemeClr val="dk1"/>
+                            </a:solidFill>
+                            <a:latin typeface="Times New Roman" panose="02020603050405020304" pitchFamily="18" charset="0"/>
+                            <a:ea typeface="+mn-ea"/>
+                            <a:cs typeface="Times New Roman" panose="02020603050405020304" pitchFamily="18" charset="0"/>
+                          </a:endParaRPr>
+                        </a:p>
+                      </a:txBody>
+                      <a:tcPr anchor="ctr">
+                        <a:lnL w="3175" cap="flat" cmpd="sng" algn="ctr">
+                          <a:noFill/>
+                          <a:prstDash val="solid"/>
+                          <a:round/>
+                          <a:headEnd type="none" w="med" len="med"/>
+                          <a:tailEnd type="none" w="med" len="med"/>
+                        </a:lnL>
+                        <a:lnR w="3175" cap="flat" cmpd="sng" algn="ctr">
+                          <a:noFill/>
+                          <a:prstDash val="solid"/>
+                          <a:round/>
+                          <a:headEnd type="none" w="med" len="med"/>
+                          <a:tailEnd type="none" w="med" len="med"/>
+                        </a:lnR>
+                        <a:lnT w="3175" cap="flat" cmpd="sng" algn="ctr">
+                          <a:solidFill>
+                            <a:schemeClr val="tx1"/>
+                          </a:solidFill>
+                          <a:prstDash val="solid"/>
+                          <a:round/>
+                          <a:headEnd type="none" w="med" len="med"/>
+                          <a:tailEnd type="none" w="med" len="med"/>
+                        </a:lnT>
+                        <a:lnB w="3175" cap="flat" cmpd="sng" algn="ctr">
+                          <a:noFill/>
+                          <a:prstDash val="solid"/>
+                          <a:round/>
+                          <a:headEnd type="none" w="med" len="med"/>
+                          <a:tailEnd type="none" w="med" len="med"/>
+                        </a:lnB>
+                        <a:lnTlToBr w="12700" cmpd="sng">
+                          <a:noFill/>
+                          <a:prstDash val="solid"/>
+                        </a:lnTlToBr>
+                        <a:lnBlToTr w="12700" cmpd="sng">
+                          <a:noFill/>
+                          <a:prstDash val="solid"/>
+                        </a:lnBlToTr>
+                        <a:noFill/>
+                      </a:tcPr>
+                    </a:tc>
+                    <a:tc>
+                      <a:txBody>
+                        <a:bodyPr/>
+                        <a:lstStyle/>
+                        <a:p>
+                          <a:pPr algn="ctr"/>
+                          <a:r>
+                            <a:rPr lang="fr-FR" sz="1100" b="0" kern="1200" dirty="0" smtClean="0">
+                              <a:solidFill>
+                                <a:schemeClr val="dk1"/>
+                              </a:solidFill>
+                              <a:latin typeface="Times New Roman" panose="02020603050405020304" pitchFamily="18" charset="0"/>
+                              <a:ea typeface="+mn-ea"/>
+                              <a:cs typeface="Times New Roman" panose="02020603050405020304" pitchFamily="18" charset="0"/>
+                            </a:rPr>
+                            <a:t>4.5%</a:t>
+                          </a:r>
+                          <a:endParaRPr lang="fr-FR" sz="1100" b="0" kern="1200" dirty="0">
+                            <a:solidFill>
+                              <a:schemeClr val="dk1"/>
+                            </a:solidFill>
+                            <a:latin typeface="Times New Roman" panose="02020603050405020304" pitchFamily="18" charset="0"/>
+                            <a:ea typeface="+mn-ea"/>
+                            <a:cs typeface="Times New Roman" panose="02020603050405020304" pitchFamily="18" charset="0"/>
+                          </a:endParaRPr>
+                        </a:p>
+                      </a:txBody>
+                      <a:tcPr anchor="ctr">
+                        <a:lnL w="3175" cap="flat" cmpd="sng" algn="ctr">
+                          <a:noFill/>
+                          <a:prstDash val="solid"/>
+                          <a:round/>
+                          <a:headEnd type="none" w="med" len="med"/>
+                          <a:tailEnd type="none" w="med" len="med"/>
+                        </a:lnL>
+                        <a:lnR w="3175" cap="flat" cmpd="sng" algn="ctr">
+                          <a:noFill/>
+                          <a:prstDash val="solid"/>
+                          <a:round/>
+                          <a:headEnd type="none" w="med" len="med"/>
+                          <a:tailEnd type="none" w="med" len="med"/>
+                        </a:lnR>
+                        <a:lnT w="3175" cap="flat" cmpd="sng" algn="ctr">
+                          <a:solidFill>
+                            <a:schemeClr val="tx1"/>
+                          </a:solidFill>
+                          <a:prstDash val="solid"/>
+                          <a:round/>
+                          <a:headEnd type="none" w="med" len="med"/>
+                          <a:tailEnd type="none" w="med" len="med"/>
+                        </a:lnT>
+                        <a:lnB w="3175" cap="flat" cmpd="sng" algn="ctr">
+                          <a:noFill/>
+                          <a:prstDash val="solid"/>
+                          <a:round/>
+                          <a:headEnd type="none" w="med" len="med"/>
+                          <a:tailEnd type="none" w="med" len="med"/>
+                        </a:lnB>
+                        <a:lnTlToBr w="12700" cmpd="sng">
+                          <a:noFill/>
+                          <a:prstDash val="solid"/>
+                        </a:lnTlToBr>
+                        <a:lnBlToTr w="12700" cmpd="sng">
+                          <a:noFill/>
+                          <a:prstDash val="solid"/>
+                        </a:lnBlToTr>
+                        <a:noFill/>
+                      </a:tcPr>
+                    </a:tc>
+                    <a:tc>
+                      <a:txBody>
+                        <a:bodyPr/>
+                        <a:lstStyle/>
+                        <a:p>
+                          <a:pPr algn="ctr"/>
+                          <a:r>
+                            <a:rPr lang="fr-FR" sz="1100" b="0" kern="1200" dirty="0" smtClean="0">
+                              <a:solidFill>
+                                <a:schemeClr val="dk1"/>
+                              </a:solidFill>
+                              <a:latin typeface="Times New Roman" panose="02020603050405020304" pitchFamily="18" charset="0"/>
+                              <a:ea typeface="+mn-ea"/>
+                              <a:cs typeface="Times New Roman" panose="02020603050405020304" pitchFamily="18" charset="0"/>
+                            </a:rPr>
+                            <a:t>3.5%</a:t>
+                          </a:r>
+                          <a:endParaRPr lang="fr-FR" sz="1100" b="0" kern="1200" dirty="0">
+                            <a:solidFill>
+                              <a:schemeClr val="dk1"/>
+                            </a:solidFill>
+                            <a:latin typeface="Times New Roman" panose="02020603050405020304" pitchFamily="18" charset="0"/>
+                            <a:ea typeface="+mn-ea"/>
+                            <a:cs typeface="Times New Roman" panose="02020603050405020304" pitchFamily="18" charset="0"/>
+                          </a:endParaRPr>
+                        </a:p>
+                      </a:txBody>
+                      <a:tcPr anchor="ctr">
+                        <a:lnL w="3175" cap="flat" cmpd="sng" algn="ctr">
+                          <a:noFill/>
+                          <a:prstDash val="solid"/>
+                          <a:round/>
+                          <a:headEnd type="none" w="med" len="med"/>
+                          <a:tailEnd type="none" w="med" len="med"/>
+                        </a:lnL>
+                        <a:lnR w="3175" cap="flat" cmpd="sng" algn="ctr">
+                          <a:noFill/>
+                          <a:prstDash val="solid"/>
+                          <a:round/>
+                          <a:headEnd type="none" w="med" len="med"/>
+                          <a:tailEnd type="none" w="med" len="med"/>
+                        </a:lnR>
+                        <a:lnT w="3175" cap="flat" cmpd="sng" algn="ctr">
+                          <a:solidFill>
+                            <a:schemeClr val="tx1"/>
+                          </a:solidFill>
+                          <a:prstDash val="solid"/>
+                          <a:round/>
+                          <a:headEnd type="none" w="med" len="med"/>
+                          <a:tailEnd type="none" w="med" len="med"/>
+                        </a:lnT>
+                        <a:lnB w="3175" cap="flat" cmpd="sng" algn="ctr">
+                          <a:noFill/>
+                          <a:prstDash val="solid"/>
+                          <a:round/>
+                          <a:headEnd type="none" w="med" len="med"/>
+                          <a:tailEnd type="none" w="med" len="med"/>
+                        </a:lnB>
+                        <a:lnTlToBr w="12700" cmpd="sng">
+                          <a:noFill/>
+                          <a:prstDash val="solid"/>
+                        </a:lnTlToBr>
+                        <a:lnBlToTr w="12700" cmpd="sng">
+                          <a:noFill/>
+                          <a:prstDash val="solid"/>
+                        </a:lnBlToTr>
+                        <a:noFill/>
+                      </a:tcPr>
+                    </a:tc>
+                    <a:extLst>
+                      <a:ext uri="{0D108BD9-81ED-4DB2-BD59-A6C34878D82A}">
+                        <a16:rowId xmlns:a16="http://schemas.microsoft.com/office/drawing/2014/main" val="901899567"/>
+                      </a:ext>
+                    </a:extLst>
+                  </a:tr>
+                  <a:tr h="324000">
+                    <a:tc>
+                      <a:txBody>
+                        <a:bodyPr/>
+                        <a:lstStyle/>
+                        <a:p>
+                          <a:r>
+                            <a:rPr lang="en-US" sz="1100" b="1" dirty="0" smtClean="0">
+                              <a:latin typeface="Times New Roman" panose="02020603050405020304" pitchFamily="18" charset="0"/>
+                              <a:cs typeface="Times New Roman" panose="02020603050405020304" pitchFamily="18" charset="0"/>
+                            </a:rPr>
+                            <a:t>Pelagic families</a:t>
+                          </a:r>
+                          <a:endParaRPr lang="fr-FR" sz="1100" b="1" dirty="0">
+                            <a:solidFill>
+                              <a:schemeClr val="tx1"/>
+                            </a:solidFill>
+                          </a:endParaRPr>
+                        </a:p>
+                      </a:txBody>
+                      <a:tcPr anchor="ctr">
+                        <a:lnL w="3175" cap="flat" cmpd="sng" algn="ctr">
+                          <a:noFill/>
+                          <a:prstDash val="solid"/>
+                          <a:round/>
+                          <a:headEnd type="none" w="med" len="med"/>
+                          <a:tailEnd type="none" w="med" len="med"/>
+                        </a:lnL>
+                        <a:lnR w="3175" cap="flat" cmpd="sng" algn="ctr">
+                          <a:noFill/>
+                          <a:prstDash val="solid"/>
+                          <a:round/>
+                          <a:headEnd type="none" w="med" len="med"/>
+                          <a:tailEnd type="none" w="med" len="med"/>
+                        </a:lnR>
+                        <a:lnT w="3175" cap="flat" cmpd="sng" algn="ctr">
+                          <a:noFill/>
+                          <a:prstDash val="solid"/>
+                          <a:round/>
+                          <a:headEnd type="none" w="med" len="med"/>
+                          <a:tailEnd type="none" w="med" len="med"/>
+                        </a:lnT>
+                        <a:lnB w="3175" cap="flat" cmpd="sng" algn="ctr">
+                          <a:noFill/>
+                          <a:prstDash val="solid"/>
+                          <a:round/>
+                          <a:headEnd type="none" w="med" len="med"/>
+                          <a:tailEnd type="none" w="med" len="med"/>
+                        </a:lnB>
+                        <a:lnTlToBr w="12700" cmpd="sng">
+                          <a:noFill/>
+                          <a:prstDash val="solid"/>
+                        </a:lnTlToBr>
+                        <a:lnBlToTr w="12700" cmpd="sng">
+                          <a:noFill/>
+                          <a:prstDash val="solid"/>
+                        </a:lnBlToTr>
+                        <a:noFill/>
+                      </a:tcPr>
+                    </a:tc>
+                    <a:tc>
+                      <a:txBody>
+                        <a:bodyPr/>
+                        <a:lstStyle/>
+                        <a:p>
+                          <a:pPr algn="ctr"/>
+                          <a:r>
+                            <a:rPr lang="fr-FR" sz="1100" b="0" kern="1200" dirty="0" smtClean="0">
+                              <a:solidFill>
+                                <a:schemeClr val="dk1"/>
+                              </a:solidFill>
+                              <a:latin typeface="Times New Roman" panose="02020603050405020304" pitchFamily="18" charset="0"/>
+                              <a:ea typeface="+mn-ea"/>
+                              <a:cs typeface="Times New Roman" panose="02020603050405020304" pitchFamily="18" charset="0"/>
+                            </a:rPr>
+                            <a:t>70.8%</a:t>
+                          </a:r>
+                          <a:endParaRPr lang="fr-FR" sz="1100" b="0" kern="1200" dirty="0">
+                            <a:solidFill>
+                              <a:schemeClr val="dk1"/>
+                            </a:solidFill>
+                            <a:latin typeface="Times New Roman" panose="02020603050405020304" pitchFamily="18" charset="0"/>
+                            <a:ea typeface="+mn-ea"/>
+                            <a:cs typeface="Times New Roman" panose="02020603050405020304" pitchFamily="18" charset="0"/>
+                          </a:endParaRPr>
+                        </a:p>
+                      </a:txBody>
+                      <a:tcPr anchor="ctr">
+                        <a:lnL w="3175" cap="flat" cmpd="sng" algn="ctr">
+                          <a:noFill/>
+                          <a:prstDash val="solid"/>
+                          <a:round/>
+                          <a:headEnd type="none" w="med" len="med"/>
+                          <a:tailEnd type="none" w="med" len="med"/>
+                        </a:lnL>
+                        <a:lnR w="3175" cap="flat" cmpd="sng" algn="ctr">
+                          <a:noFill/>
+                          <a:prstDash val="solid"/>
+                          <a:round/>
+                          <a:headEnd type="none" w="med" len="med"/>
+                          <a:tailEnd type="none" w="med" len="med"/>
+                        </a:lnR>
+                        <a:lnT w="3175" cap="flat" cmpd="sng" algn="ctr">
+                          <a:noFill/>
+                          <a:prstDash val="solid"/>
+                          <a:round/>
+                          <a:headEnd type="none" w="med" len="med"/>
+                          <a:tailEnd type="none" w="med" len="med"/>
+                        </a:lnT>
+                        <a:lnB w="3175" cap="flat" cmpd="sng" algn="ctr">
+                          <a:noFill/>
+                          <a:prstDash val="solid"/>
+                          <a:round/>
+                          <a:headEnd type="none" w="med" len="med"/>
+                          <a:tailEnd type="none" w="med" len="med"/>
+                        </a:lnB>
+                        <a:lnTlToBr w="12700" cmpd="sng">
+                          <a:noFill/>
+                          <a:prstDash val="solid"/>
+                        </a:lnTlToBr>
+                        <a:lnBlToTr w="12700" cmpd="sng">
+                          <a:noFill/>
+                          <a:prstDash val="solid"/>
+                        </a:lnBlToTr>
+                        <a:noFill/>
+                      </a:tcPr>
+                    </a:tc>
+                    <a:tc>
+                      <a:txBody>
+                        <a:bodyPr/>
+                        <a:lstStyle/>
+                        <a:p>
+                          <a:pPr algn="ctr"/>
+                          <a:r>
+                            <a:rPr lang="fr-FR" sz="1100" b="0" kern="1200" dirty="0" smtClean="0">
+                              <a:solidFill>
+                                <a:schemeClr val="dk1"/>
+                              </a:solidFill>
+                              <a:latin typeface="Times New Roman" panose="02020603050405020304" pitchFamily="18" charset="0"/>
+                              <a:ea typeface="+mn-ea"/>
+                              <a:cs typeface="Times New Roman" panose="02020603050405020304" pitchFamily="18" charset="0"/>
+                            </a:rPr>
+                            <a:t>15.8%</a:t>
+                          </a:r>
+                          <a:endParaRPr lang="fr-FR" sz="1100" b="0" kern="1200" dirty="0">
+                            <a:solidFill>
+                              <a:schemeClr val="dk1"/>
+                            </a:solidFill>
+                            <a:latin typeface="Times New Roman" panose="02020603050405020304" pitchFamily="18" charset="0"/>
+                            <a:ea typeface="+mn-ea"/>
+                            <a:cs typeface="Times New Roman" panose="02020603050405020304" pitchFamily="18" charset="0"/>
+                          </a:endParaRPr>
+                        </a:p>
+                      </a:txBody>
+                      <a:tcPr anchor="ctr">
+                        <a:lnL w="3175" cap="flat" cmpd="sng" algn="ctr">
+                          <a:noFill/>
+                          <a:prstDash val="solid"/>
+                          <a:round/>
+                          <a:headEnd type="none" w="med" len="med"/>
+                          <a:tailEnd type="none" w="med" len="med"/>
+                        </a:lnL>
+                        <a:lnR w="3175" cap="flat" cmpd="sng" algn="ctr">
+                          <a:noFill/>
+                          <a:prstDash val="solid"/>
+                          <a:round/>
+                          <a:headEnd type="none" w="med" len="med"/>
+                          <a:tailEnd type="none" w="med" len="med"/>
+                        </a:lnR>
+                        <a:lnT w="3175" cap="flat" cmpd="sng" algn="ctr">
+                          <a:noFill/>
+                          <a:prstDash val="solid"/>
+                          <a:round/>
+                          <a:headEnd type="none" w="med" len="med"/>
+                          <a:tailEnd type="none" w="med" len="med"/>
+                        </a:lnT>
+                        <a:lnB w="3175" cap="flat" cmpd="sng" algn="ctr">
+                          <a:noFill/>
+                          <a:prstDash val="solid"/>
+                          <a:round/>
+                          <a:headEnd type="none" w="med" len="med"/>
+                          <a:tailEnd type="none" w="med" len="med"/>
+                        </a:lnB>
+                        <a:lnTlToBr w="12700" cmpd="sng">
+                          <a:noFill/>
+                          <a:prstDash val="solid"/>
+                        </a:lnTlToBr>
+                        <a:lnBlToTr w="12700" cmpd="sng">
+                          <a:noFill/>
+                          <a:prstDash val="solid"/>
+                        </a:lnBlToTr>
+                        <a:noFill/>
+                      </a:tcPr>
+                    </a:tc>
+                    <a:tc>
+                      <a:txBody>
+                        <a:bodyPr/>
+                        <a:lstStyle/>
+                        <a:p>
+                          <a:pPr algn="ctr"/>
+                          <a:r>
+                            <a:rPr lang="fr-FR" sz="1100" b="0" kern="1200" dirty="0" smtClean="0">
+                              <a:solidFill>
+                                <a:schemeClr val="dk1"/>
+                              </a:solidFill>
+                              <a:latin typeface="Times New Roman" panose="02020603050405020304" pitchFamily="18" charset="0"/>
+                              <a:ea typeface="+mn-ea"/>
+                              <a:cs typeface="Times New Roman" panose="02020603050405020304" pitchFamily="18" charset="0"/>
+                            </a:rPr>
+                            <a:t>7.8%</a:t>
+                          </a:r>
+                          <a:endParaRPr lang="fr-FR" sz="1100" b="0" kern="1200" dirty="0">
+                            <a:solidFill>
+                              <a:schemeClr val="dk1"/>
+                            </a:solidFill>
+                            <a:latin typeface="Times New Roman" panose="02020603050405020304" pitchFamily="18" charset="0"/>
+                            <a:ea typeface="+mn-ea"/>
+                            <a:cs typeface="Times New Roman" panose="02020603050405020304" pitchFamily="18" charset="0"/>
+                          </a:endParaRPr>
+                        </a:p>
+                      </a:txBody>
+                      <a:tcPr anchor="ctr">
+                        <a:lnL w="3175" cap="flat" cmpd="sng" algn="ctr">
+                          <a:noFill/>
+                          <a:prstDash val="solid"/>
+                          <a:round/>
+                          <a:headEnd type="none" w="med" len="med"/>
+                          <a:tailEnd type="none" w="med" len="med"/>
+                        </a:lnL>
+                        <a:lnR w="3175" cap="flat" cmpd="sng" algn="ctr">
+                          <a:noFill/>
+                          <a:prstDash val="solid"/>
+                          <a:round/>
+                          <a:headEnd type="none" w="med" len="med"/>
+                          <a:tailEnd type="none" w="med" len="med"/>
+                        </a:lnR>
+                        <a:lnT w="3175" cap="flat" cmpd="sng" algn="ctr">
+                          <a:noFill/>
+                          <a:prstDash val="solid"/>
+                          <a:round/>
+                          <a:headEnd type="none" w="med" len="med"/>
+                          <a:tailEnd type="none" w="med" len="med"/>
+                        </a:lnT>
+                        <a:lnB w="3175" cap="flat" cmpd="sng" algn="ctr">
+                          <a:noFill/>
+                          <a:prstDash val="solid"/>
+                          <a:round/>
+                          <a:headEnd type="none" w="med" len="med"/>
+                          <a:tailEnd type="none" w="med" len="med"/>
+                        </a:lnB>
+                        <a:lnTlToBr w="12700" cmpd="sng">
+                          <a:noFill/>
+                          <a:prstDash val="solid"/>
+                        </a:lnTlToBr>
+                        <a:lnBlToTr w="12700" cmpd="sng">
+                          <a:noFill/>
+                          <a:prstDash val="solid"/>
+                        </a:lnBlToTr>
+                        <a:noFill/>
+                      </a:tcPr>
+                    </a:tc>
+                    <a:tc>
+                      <a:txBody>
+                        <a:bodyPr/>
+                        <a:lstStyle/>
+                        <a:p>
+                          <a:pPr algn="ctr"/>
+                          <a:r>
+                            <a:rPr lang="fr-FR" sz="1100" b="0" kern="1200" dirty="0" smtClean="0">
+                              <a:solidFill>
+                                <a:schemeClr val="dk1"/>
+                              </a:solidFill>
+                              <a:latin typeface="Times New Roman" panose="02020603050405020304" pitchFamily="18" charset="0"/>
+                              <a:ea typeface="+mn-ea"/>
+                              <a:cs typeface="Times New Roman" panose="02020603050405020304" pitchFamily="18" charset="0"/>
+                            </a:rPr>
+                            <a:t>5.6%</a:t>
+                          </a:r>
+                          <a:endParaRPr lang="fr-FR" sz="1100" b="0" kern="1200" dirty="0">
+                            <a:solidFill>
+                              <a:schemeClr val="dk1"/>
+                            </a:solidFill>
+                            <a:latin typeface="Times New Roman" panose="02020603050405020304" pitchFamily="18" charset="0"/>
+                            <a:ea typeface="+mn-ea"/>
+                            <a:cs typeface="Times New Roman" panose="02020603050405020304" pitchFamily="18" charset="0"/>
+                          </a:endParaRPr>
+                        </a:p>
+                      </a:txBody>
+                      <a:tcPr anchor="ctr">
+                        <a:lnL w="3175" cap="flat" cmpd="sng" algn="ctr">
+                          <a:noFill/>
+                          <a:prstDash val="solid"/>
+                          <a:round/>
+                          <a:headEnd type="none" w="med" len="med"/>
+                          <a:tailEnd type="none" w="med" len="med"/>
+                        </a:lnL>
+                        <a:lnR w="3175" cap="flat" cmpd="sng" algn="ctr">
+                          <a:noFill/>
+                          <a:prstDash val="solid"/>
+                          <a:round/>
+                          <a:headEnd type="none" w="med" len="med"/>
+                          <a:tailEnd type="none" w="med" len="med"/>
+                        </a:lnR>
+                        <a:lnT w="3175" cap="flat" cmpd="sng" algn="ctr">
+                          <a:noFill/>
+                          <a:prstDash val="solid"/>
+                          <a:round/>
+                          <a:headEnd type="none" w="med" len="med"/>
+                          <a:tailEnd type="none" w="med" len="med"/>
+                        </a:lnT>
+                        <a:lnB w="3175" cap="flat" cmpd="sng" algn="ctr">
+                          <a:noFill/>
+                          <a:prstDash val="solid"/>
+                          <a:round/>
+                          <a:headEnd type="none" w="med" len="med"/>
+                          <a:tailEnd type="none" w="med" len="med"/>
+                        </a:lnB>
+                        <a:lnTlToBr w="12700" cmpd="sng">
+                          <a:noFill/>
+                          <a:prstDash val="solid"/>
+                        </a:lnTlToBr>
+                        <a:lnBlToTr w="12700" cmpd="sng">
+                          <a:noFill/>
+                          <a:prstDash val="solid"/>
+                        </a:lnBlToTr>
+                        <a:noFill/>
+                      </a:tcPr>
+                    </a:tc>
+                    <a:extLst>
+                      <a:ext uri="{0D108BD9-81ED-4DB2-BD59-A6C34878D82A}">
+                        <a16:rowId xmlns:a16="http://schemas.microsoft.com/office/drawing/2014/main" val="4105435536"/>
+                      </a:ext>
+                    </a:extLst>
+                  </a:tr>
+                  <a:tr h="324000">
+                    <a:tc>
+                      <a:txBody>
+                        <a:bodyPr/>
+                        <a:lstStyle/>
+                        <a:p>
+                          <a:r>
+                            <a:rPr lang="en-US" sz="1100" b="1" dirty="0" smtClean="0">
+                              <a:latin typeface="Times New Roman" panose="02020603050405020304" pitchFamily="18" charset="0"/>
+                              <a:cs typeface="Times New Roman" panose="02020603050405020304" pitchFamily="18" charset="0"/>
+                            </a:rPr>
+                            <a:t>MOTUs assigned to species</a:t>
+                          </a:r>
+                          <a:endParaRPr lang="fr-FR" sz="1100" b="1" dirty="0">
+                            <a:solidFill>
+                              <a:schemeClr val="tx1"/>
+                            </a:solidFill>
+                          </a:endParaRPr>
+                        </a:p>
+                      </a:txBody>
+                      <a:tcPr anchor="ctr">
+                        <a:lnL w="3175" cap="flat" cmpd="sng" algn="ctr">
+                          <a:noFill/>
+                          <a:prstDash val="solid"/>
+                          <a:round/>
+                          <a:headEnd type="none" w="med" len="med"/>
+                          <a:tailEnd type="none" w="med" len="med"/>
+                        </a:lnL>
+                        <a:lnR w="3175" cap="flat" cmpd="sng" algn="ctr">
+                          <a:noFill/>
+                          <a:prstDash val="solid"/>
+                          <a:round/>
+                          <a:headEnd type="none" w="med" len="med"/>
+                          <a:tailEnd type="none" w="med" len="med"/>
+                        </a:lnR>
+                        <a:lnT w="3175" cap="flat" cmpd="sng" algn="ctr">
+                          <a:noFill/>
+                          <a:prstDash val="solid"/>
+                          <a:round/>
+                          <a:headEnd type="none" w="med" len="med"/>
+                          <a:tailEnd type="none" w="med" len="med"/>
+                        </a:lnT>
+                        <a:lnB w="3175" cap="flat" cmpd="sng" algn="ctr">
+                          <a:noFill/>
+                          <a:prstDash val="solid"/>
+                          <a:round/>
+                          <a:headEnd type="none" w="med" len="med"/>
+                          <a:tailEnd type="none" w="med" len="med"/>
+                        </a:lnB>
+                        <a:lnTlToBr w="12700" cmpd="sng">
+                          <a:noFill/>
+                          <a:prstDash val="solid"/>
+                        </a:lnTlToBr>
+                        <a:lnBlToTr w="12700" cmpd="sng">
+                          <a:noFill/>
+                          <a:prstDash val="solid"/>
+                        </a:lnBlToTr>
+                        <a:noFill/>
+                      </a:tcPr>
+                    </a:tc>
+                    <a:tc>
+                      <a:txBody>
+                        <a:bodyPr/>
+                        <a:lstStyle/>
+                        <a:p>
+                          <a:pPr algn="ctr"/>
+                          <a:r>
+                            <a:rPr lang="fr-FR" sz="1100" b="0" kern="1200" dirty="0" smtClean="0">
+                              <a:solidFill>
+                                <a:schemeClr val="dk1"/>
+                              </a:solidFill>
+                              <a:latin typeface="Times New Roman" panose="02020603050405020304" pitchFamily="18" charset="0"/>
+                              <a:ea typeface="+mn-ea"/>
+                              <a:cs typeface="Times New Roman" panose="02020603050405020304" pitchFamily="18" charset="0"/>
+                            </a:rPr>
+                            <a:t>68%</a:t>
+                          </a:r>
+                          <a:endParaRPr lang="fr-FR" sz="1100" b="0" kern="1200" dirty="0">
+                            <a:solidFill>
+                              <a:schemeClr val="dk1"/>
+                            </a:solidFill>
+                            <a:latin typeface="Times New Roman" panose="02020603050405020304" pitchFamily="18" charset="0"/>
+                            <a:ea typeface="+mn-ea"/>
+                            <a:cs typeface="Times New Roman" panose="02020603050405020304" pitchFamily="18" charset="0"/>
+                          </a:endParaRPr>
+                        </a:p>
+                      </a:txBody>
+                      <a:tcPr anchor="ctr">
+                        <a:lnL w="3175" cap="flat" cmpd="sng" algn="ctr">
+                          <a:noFill/>
+                          <a:prstDash val="solid"/>
+                          <a:round/>
+                          <a:headEnd type="none" w="med" len="med"/>
+                          <a:tailEnd type="none" w="med" len="med"/>
+                        </a:lnL>
+                        <a:lnR w="3175" cap="flat" cmpd="sng" algn="ctr">
+                          <a:noFill/>
+                          <a:prstDash val="solid"/>
+                          <a:round/>
+                          <a:headEnd type="none" w="med" len="med"/>
+                          <a:tailEnd type="none" w="med" len="med"/>
+                        </a:lnR>
+                        <a:lnT w="3175" cap="flat" cmpd="sng" algn="ctr">
+                          <a:noFill/>
+                          <a:prstDash val="solid"/>
+                          <a:round/>
+                          <a:headEnd type="none" w="med" len="med"/>
+                          <a:tailEnd type="none" w="med" len="med"/>
+                        </a:lnT>
+                        <a:lnB w="3175" cap="flat" cmpd="sng" algn="ctr">
+                          <a:noFill/>
+                          <a:prstDash val="solid"/>
+                          <a:round/>
+                          <a:headEnd type="none" w="med" len="med"/>
+                          <a:tailEnd type="none" w="med" len="med"/>
+                        </a:lnB>
+                        <a:lnTlToBr w="12700" cmpd="sng">
+                          <a:noFill/>
+                          <a:prstDash val="solid"/>
+                        </a:lnTlToBr>
+                        <a:lnBlToTr w="12700" cmpd="sng">
+                          <a:noFill/>
+                          <a:prstDash val="solid"/>
+                        </a:lnBlToTr>
+                        <a:noFill/>
+                      </a:tcPr>
+                    </a:tc>
+                    <a:tc>
+                      <a:txBody>
+                        <a:bodyPr/>
+                        <a:lstStyle/>
+                        <a:p>
+                          <a:pPr algn="ctr"/>
+                          <a:r>
+                            <a:rPr lang="fr-FR" sz="1100" b="0" kern="1200" dirty="0" smtClean="0">
+                              <a:solidFill>
+                                <a:schemeClr val="dk1"/>
+                              </a:solidFill>
+                              <a:latin typeface="Times New Roman" panose="02020603050405020304" pitchFamily="18" charset="0"/>
+                              <a:ea typeface="+mn-ea"/>
+                              <a:cs typeface="Times New Roman" panose="02020603050405020304" pitchFamily="18" charset="0"/>
+                            </a:rPr>
+                            <a:t>15.7%</a:t>
+                          </a:r>
+                          <a:endParaRPr lang="fr-FR" sz="1100" b="0" kern="1200" dirty="0">
+                            <a:solidFill>
+                              <a:schemeClr val="dk1"/>
+                            </a:solidFill>
+                            <a:latin typeface="Times New Roman" panose="02020603050405020304" pitchFamily="18" charset="0"/>
+                            <a:ea typeface="+mn-ea"/>
+                            <a:cs typeface="Times New Roman" panose="02020603050405020304" pitchFamily="18" charset="0"/>
+                          </a:endParaRPr>
+                        </a:p>
+                      </a:txBody>
+                      <a:tcPr anchor="ctr">
+                        <a:lnL w="3175" cap="flat" cmpd="sng" algn="ctr">
+                          <a:noFill/>
+                          <a:prstDash val="solid"/>
+                          <a:round/>
+                          <a:headEnd type="none" w="med" len="med"/>
+                          <a:tailEnd type="none" w="med" len="med"/>
+                        </a:lnL>
+                        <a:lnR w="3175" cap="flat" cmpd="sng" algn="ctr">
+                          <a:noFill/>
+                          <a:prstDash val="solid"/>
+                          <a:round/>
+                          <a:headEnd type="none" w="med" len="med"/>
+                          <a:tailEnd type="none" w="med" len="med"/>
+                        </a:lnR>
+                        <a:lnT w="3175" cap="flat" cmpd="sng" algn="ctr">
+                          <a:noFill/>
+                          <a:prstDash val="solid"/>
+                          <a:round/>
+                          <a:headEnd type="none" w="med" len="med"/>
+                          <a:tailEnd type="none" w="med" len="med"/>
+                        </a:lnT>
+                        <a:lnB w="3175" cap="flat" cmpd="sng" algn="ctr">
+                          <a:noFill/>
+                          <a:prstDash val="solid"/>
+                          <a:round/>
+                          <a:headEnd type="none" w="med" len="med"/>
+                          <a:tailEnd type="none" w="med" len="med"/>
+                        </a:lnB>
+                        <a:lnTlToBr w="12700" cmpd="sng">
+                          <a:noFill/>
+                          <a:prstDash val="solid"/>
+                        </a:lnTlToBr>
+                        <a:lnBlToTr w="12700" cmpd="sng">
+                          <a:noFill/>
+                          <a:prstDash val="solid"/>
+                        </a:lnBlToTr>
+                        <a:noFill/>
+                      </a:tcPr>
+                    </a:tc>
+                    <a:tc>
+                      <a:txBody>
+                        <a:bodyPr/>
+                        <a:lstStyle/>
+                        <a:p>
+                          <a:pPr algn="ctr"/>
+                          <a:r>
+                            <a:rPr lang="fr-FR" sz="1100" b="0" kern="1200" dirty="0" smtClean="0">
+                              <a:solidFill>
+                                <a:schemeClr val="dk1"/>
+                              </a:solidFill>
+                              <a:latin typeface="Times New Roman" panose="02020603050405020304" pitchFamily="18" charset="0"/>
+                              <a:ea typeface="+mn-ea"/>
+                              <a:cs typeface="Times New Roman" panose="02020603050405020304" pitchFamily="18" charset="0"/>
+                            </a:rPr>
+                            <a:t>8.3%</a:t>
+                          </a:r>
+                          <a:endParaRPr lang="fr-FR" sz="1100" b="0" kern="1200" dirty="0">
+                            <a:solidFill>
+                              <a:schemeClr val="dk1"/>
+                            </a:solidFill>
+                            <a:latin typeface="Times New Roman" panose="02020603050405020304" pitchFamily="18" charset="0"/>
+                            <a:ea typeface="+mn-ea"/>
+                            <a:cs typeface="Times New Roman" panose="02020603050405020304" pitchFamily="18" charset="0"/>
+                          </a:endParaRPr>
+                        </a:p>
+                      </a:txBody>
+                      <a:tcPr anchor="ctr">
+                        <a:lnL w="3175" cap="flat" cmpd="sng" algn="ctr">
+                          <a:noFill/>
+                          <a:prstDash val="solid"/>
+                          <a:round/>
+                          <a:headEnd type="none" w="med" len="med"/>
+                          <a:tailEnd type="none" w="med" len="med"/>
+                        </a:lnL>
+                        <a:lnR w="3175" cap="flat" cmpd="sng" algn="ctr">
+                          <a:noFill/>
+                          <a:prstDash val="solid"/>
+                          <a:round/>
+                          <a:headEnd type="none" w="med" len="med"/>
+                          <a:tailEnd type="none" w="med" len="med"/>
+                        </a:lnR>
+                        <a:lnT w="3175" cap="flat" cmpd="sng" algn="ctr">
+                          <a:noFill/>
+                          <a:prstDash val="solid"/>
+                          <a:round/>
+                          <a:headEnd type="none" w="med" len="med"/>
+                          <a:tailEnd type="none" w="med" len="med"/>
+                        </a:lnT>
+                        <a:lnB w="3175" cap="flat" cmpd="sng" algn="ctr">
+                          <a:noFill/>
+                          <a:prstDash val="solid"/>
+                          <a:round/>
+                          <a:headEnd type="none" w="med" len="med"/>
+                          <a:tailEnd type="none" w="med" len="med"/>
+                        </a:lnB>
+                        <a:lnTlToBr w="12700" cmpd="sng">
+                          <a:noFill/>
+                          <a:prstDash val="solid"/>
+                        </a:lnTlToBr>
+                        <a:lnBlToTr w="12700" cmpd="sng">
+                          <a:noFill/>
+                          <a:prstDash val="solid"/>
+                        </a:lnBlToTr>
+                        <a:noFill/>
+                      </a:tcPr>
+                    </a:tc>
+                    <a:tc>
+                      <a:txBody>
+                        <a:bodyPr/>
+                        <a:lstStyle/>
+                        <a:p>
+                          <a:pPr algn="ctr"/>
+                          <a:r>
+                            <a:rPr lang="fr-FR" sz="1100" b="0" kern="1200" dirty="0" smtClean="0">
+                              <a:solidFill>
+                                <a:schemeClr val="dk1"/>
+                              </a:solidFill>
+                              <a:latin typeface="Times New Roman" panose="02020603050405020304" pitchFamily="18" charset="0"/>
+                              <a:ea typeface="+mn-ea"/>
+                              <a:cs typeface="Times New Roman" panose="02020603050405020304" pitchFamily="18" charset="0"/>
+                            </a:rPr>
+                            <a:t>8%</a:t>
+                          </a:r>
+                          <a:endParaRPr lang="fr-FR" sz="1100" b="0" kern="1200" dirty="0">
+                            <a:solidFill>
+                              <a:schemeClr val="dk1"/>
+                            </a:solidFill>
+                            <a:latin typeface="Times New Roman" panose="02020603050405020304" pitchFamily="18" charset="0"/>
+                            <a:ea typeface="+mn-ea"/>
+                            <a:cs typeface="Times New Roman" panose="02020603050405020304" pitchFamily="18" charset="0"/>
+                          </a:endParaRPr>
+                        </a:p>
+                      </a:txBody>
+                      <a:tcPr anchor="ctr">
+                        <a:lnL w="3175" cap="flat" cmpd="sng" algn="ctr">
+                          <a:noFill/>
+                          <a:prstDash val="solid"/>
+                          <a:round/>
+                          <a:headEnd type="none" w="med" len="med"/>
+                          <a:tailEnd type="none" w="med" len="med"/>
+                        </a:lnL>
+                        <a:lnR w="3175" cap="flat" cmpd="sng" algn="ctr">
+                          <a:noFill/>
+                          <a:prstDash val="solid"/>
+                          <a:round/>
+                          <a:headEnd type="none" w="med" len="med"/>
+                          <a:tailEnd type="none" w="med" len="med"/>
+                        </a:lnR>
+                        <a:lnT w="3175" cap="flat" cmpd="sng" algn="ctr">
+                          <a:noFill/>
+                          <a:prstDash val="solid"/>
+                          <a:round/>
+                          <a:headEnd type="none" w="med" len="med"/>
+                          <a:tailEnd type="none" w="med" len="med"/>
+                        </a:lnT>
+                        <a:lnB w="3175" cap="flat" cmpd="sng" algn="ctr">
+                          <a:noFill/>
+                          <a:prstDash val="solid"/>
+                          <a:round/>
+                          <a:headEnd type="none" w="med" len="med"/>
+                          <a:tailEnd type="none" w="med" len="med"/>
+                        </a:lnB>
+                        <a:lnTlToBr w="12700" cmpd="sng">
+                          <a:noFill/>
+                          <a:prstDash val="solid"/>
+                        </a:lnTlToBr>
+                        <a:lnBlToTr w="12700" cmpd="sng">
+                          <a:noFill/>
+                          <a:prstDash val="solid"/>
+                        </a:lnBlToTr>
+                        <a:noFill/>
+                      </a:tcPr>
+                    </a:tc>
+                    <a:extLst>
+                      <a:ext uri="{0D108BD9-81ED-4DB2-BD59-A6C34878D82A}">
+                        <a16:rowId xmlns:a16="http://schemas.microsoft.com/office/drawing/2014/main" val="3060182616"/>
+                      </a:ext>
+                    </a:extLst>
+                  </a:tr>
+                </a:tbl>
+              </a:graphicData>
+            </a:graphic>
+          </p:graphicFrame>
+        </mc:Choice>
+        <mc:Fallback>
+          <p:graphicFrame>
+            <p:nvGraphicFramePr>
+              <p:cNvPr id="2" name="Tableau 1"/>
+              <p:cNvGraphicFramePr>
+                <a:graphicFrameLocks noGrp="1"/>
+              </p:cNvGraphicFramePr>
+              <p:nvPr>
+                <p:extLst>
+                  <p:ext uri="{D42A27DB-BD31-4B8C-83A1-F6EECF244321}">
+                    <p14:modId xmlns:p14="http://schemas.microsoft.com/office/powerpoint/2010/main" val="2247587491"/>
+                  </p:ext>
+                </p:extLst>
+              </p:nvPr>
+            </p:nvGraphicFramePr>
+            <p:xfrm>
+              <a:off x="584933" y="5382304"/>
+              <a:ext cx="5749247" cy="1296000"/>
+            </p:xfrm>
+            <a:graphic>
+              <a:graphicData uri="http://schemas.openxmlformats.org/drawingml/2006/table">
+                <a:tbl>
+                  <a:tblPr firstRow="1" bandRow="1">
+                    <a:tableStyleId>{5C22544A-7EE6-4342-B048-85BDC9FD1C3A}</a:tableStyleId>
+                  </a:tblPr>
+                  <a:tblGrid>
+                    <a:gridCol w="1944663">
+                      <a:extLst>
+                        <a:ext uri="{9D8B030D-6E8A-4147-A177-3AD203B41FA5}">
+                          <a16:colId xmlns:a16="http://schemas.microsoft.com/office/drawing/2014/main" val="1067048240"/>
+                        </a:ext>
+                      </a:extLst>
+                    </a:gridCol>
+                    <a:gridCol w="951146">
+                      <a:extLst>
+                        <a:ext uri="{9D8B030D-6E8A-4147-A177-3AD203B41FA5}">
+                          <a16:colId xmlns:a16="http://schemas.microsoft.com/office/drawing/2014/main" val="3084419488"/>
+                        </a:ext>
+                      </a:extLst>
+                    </a:gridCol>
+                    <a:gridCol w="951146">
+                      <a:extLst>
+                        <a:ext uri="{9D8B030D-6E8A-4147-A177-3AD203B41FA5}">
+                          <a16:colId xmlns:a16="http://schemas.microsoft.com/office/drawing/2014/main" val="3836093460"/>
+                        </a:ext>
+                      </a:extLst>
+                    </a:gridCol>
+                    <a:gridCol w="951146">
+                      <a:extLst>
+                        <a:ext uri="{9D8B030D-6E8A-4147-A177-3AD203B41FA5}">
+                          <a16:colId xmlns:a16="http://schemas.microsoft.com/office/drawing/2014/main" val="4109928961"/>
+                        </a:ext>
+                      </a:extLst>
+                    </a:gridCol>
+                    <a:gridCol w="951146">
+                      <a:extLst>
+                        <a:ext uri="{9D8B030D-6E8A-4147-A177-3AD203B41FA5}">
+                          <a16:colId xmlns:a16="http://schemas.microsoft.com/office/drawing/2014/main" val="2333253021"/>
+                        </a:ext>
+                      </a:extLst>
+                    </a:gridCol>
+                  </a:tblGrid>
+                  <a:tr h="324000">
+                    <a:tc>
+                      <a:txBody>
+                        <a:bodyPr/>
+                        <a:lstStyle/>
+                        <a:p>
+                          <a:endParaRPr lang="fr-FR" sz="1100" b="0" dirty="0">
+                            <a:solidFill>
+                              <a:schemeClr val="tx1"/>
+                            </a:solidFill>
+                          </a:endParaRPr>
+                        </a:p>
+                      </a:txBody>
+                      <a:tcPr anchor="ctr">
+                        <a:lnL w="12700" cap="flat" cmpd="sng" algn="ctr">
+                          <a:noFill/>
+                          <a:prstDash val="solid"/>
+                          <a:round/>
+                          <a:headEnd type="none" w="med" len="med"/>
+                          <a:tailEnd type="none" w="med" len="med"/>
+                        </a:lnL>
+                        <a:lnR w="3175" cap="flat" cmpd="sng" algn="ctr">
+                          <a:noFill/>
+                          <a:prstDash val="solid"/>
+                          <a:round/>
+                          <a:headEnd type="none" w="med" len="med"/>
+                          <a:tailEnd type="none" w="med" len="med"/>
+                        </a:lnR>
+                        <a:lnT w="12700" cap="flat" cmpd="sng" algn="ctr">
+                          <a:noFill/>
+                          <a:prstDash val="solid"/>
+                          <a:round/>
+                          <a:headEnd type="none" w="med" len="med"/>
+                          <a:tailEnd type="none" w="med" len="med"/>
+                        </a:lnT>
+                        <a:lnB w="3175" cap="flat" cmpd="sng" algn="ctr">
+                          <a:solidFill>
+                            <a:schemeClr val="tx1"/>
+                          </a:solidFill>
+                          <a:prstDash val="solid"/>
+                          <a:round/>
+                          <a:headEnd type="none" w="med" len="med"/>
+                          <a:tailEnd type="none" w="med" len="med"/>
+                        </a:lnB>
+                        <a:lnTlToBr w="12700" cmpd="sng">
+                          <a:noFill/>
+                          <a:prstDash val="solid"/>
+                        </a:lnTlToBr>
+                        <a:lnBlToTr w="12700" cmpd="sng">
+                          <a:noFill/>
+                          <a:prstDash val="solid"/>
+                        </a:lnBlToTr>
+                        <a:noFill/>
+                      </a:tcPr>
+                    </a:tc>
+                    <a:tc>
+                      <a:txBody>
+                        <a:bodyPr/>
+                        <a:lstStyle/>
+                        <a:p>
+                          <a:endParaRPr lang="fr-FR"/>
+                        </a:p>
+                      </a:txBody>
+                      <a:tcPr anchor="ctr">
+                        <a:lnL w="3175" cap="flat" cmpd="sng" algn="ctr">
+                          <a:noFill/>
+                          <a:prstDash val="solid"/>
+                          <a:round/>
+                          <a:headEnd type="none" w="med" len="med"/>
+                          <a:tailEnd type="none" w="med" len="med"/>
+                        </a:lnL>
+                        <a:lnR w="3175" cap="flat" cmpd="sng" algn="ctr">
+                          <a:noFill/>
+                          <a:prstDash val="solid"/>
+                          <a:round/>
+                          <a:headEnd type="none" w="med" len="med"/>
+                          <a:tailEnd type="none" w="med" len="med"/>
+                        </a:lnR>
+                        <a:lnT w="3175" cap="flat" cmpd="sng" algn="ctr">
+                          <a:noFill/>
+                          <a:prstDash val="solid"/>
+                          <a:round/>
+                          <a:headEnd type="none" w="med" len="med"/>
+                          <a:tailEnd type="none" w="med" len="med"/>
+                        </a:lnT>
+                        <a:lnB w="3175" cap="flat" cmpd="sng" algn="ctr">
+                          <a:solidFill>
+                            <a:schemeClr val="tx1"/>
+                          </a:solidFill>
+                          <a:prstDash val="solid"/>
+                          <a:round/>
+                          <a:headEnd type="none" w="med" len="med"/>
+                          <a:tailEnd type="none" w="med" len="med"/>
+                        </a:lnB>
+                        <a:lnTlToBr w="12700" cmpd="sng">
+                          <a:noFill/>
+                          <a:prstDash val="solid"/>
+                        </a:lnTlToBr>
+                        <a:lnBlToTr w="12700" cmpd="sng">
+                          <a:noFill/>
+                          <a:prstDash val="solid"/>
+                        </a:lnBlToTr>
+                        <a:blipFill>
+                          <a:blip r:embed="rId21"/>
+                          <a:stretch>
+                            <a:fillRect l="-205128" r="-300641" b="-300000"/>
+                          </a:stretch>
+                        </a:blipFill>
+                      </a:tcPr>
+                    </a:tc>
+                    <a:tc>
+                      <a:txBody>
+                        <a:bodyPr/>
+                        <a:lstStyle/>
+                        <a:p>
+                          <a:endParaRPr lang="fr-FR"/>
+                        </a:p>
+                      </a:txBody>
+                      <a:tcPr anchor="ctr">
+                        <a:lnL w="3175" cap="flat" cmpd="sng" algn="ctr">
+                          <a:noFill/>
+                          <a:prstDash val="solid"/>
+                          <a:round/>
+                          <a:headEnd type="none" w="med" len="med"/>
+                          <a:tailEnd type="none" w="med" len="med"/>
+                        </a:lnL>
+                        <a:lnR w="3175" cap="flat" cmpd="sng" algn="ctr">
+                          <a:noFill/>
+                          <a:prstDash val="solid"/>
+                          <a:round/>
+                          <a:headEnd type="none" w="med" len="med"/>
+                          <a:tailEnd type="none" w="med" len="med"/>
+                        </a:lnR>
+                        <a:lnT w="3175" cap="flat" cmpd="sng" algn="ctr">
+                          <a:noFill/>
+                          <a:prstDash val="solid"/>
+                          <a:round/>
+                          <a:headEnd type="none" w="med" len="med"/>
+                          <a:tailEnd type="none" w="med" len="med"/>
+                        </a:lnT>
+                        <a:lnB w="3175" cap="flat" cmpd="sng" algn="ctr">
+                          <a:solidFill>
+                            <a:schemeClr val="tx1"/>
+                          </a:solidFill>
+                          <a:prstDash val="solid"/>
+                          <a:round/>
+                          <a:headEnd type="none" w="med" len="med"/>
+                          <a:tailEnd type="none" w="med" len="med"/>
+                        </a:lnB>
+                        <a:lnTlToBr w="12700" cmpd="sng">
+                          <a:noFill/>
+                          <a:prstDash val="solid"/>
+                        </a:lnTlToBr>
+                        <a:lnBlToTr w="12700" cmpd="sng">
+                          <a:noFill/>
+                          <a:prstDash val="solid"/>
+                        </a:lnBlToTr>
+                        <a:blipFill>
+                          <a:blip r:embed="rId21"/>
+                          <a:stretch>
+                            <a:fillRect l="-305128" r="-200641" b="-300000"/>
+                          </a:stretch>
+                        </a:blipFill>
+                      </a:tcPr>
+                    </a:tc>
+                    <a:tc>
+                      <a:txBody>
+                        <a:bodyPr/>
+                        <a:lstStyle/>
+                        <a:p>
+                          <a:endParaRPr lang="fr-FR"/>
+                        </a:p>
+                      </a:txBody>
+                      <a:tcPr anchor="ctr">
+                        <a:lnL w="3175" cap="flat" cmpd="sng" algn="ctr">
+                          <a:noFill/>
+                          <a:prstDash val="solid"/>
+                          <a:round/>
+                          <a:headEnd type="none" w="med" len="med"/>
+                          <a:tailEnd type="none" w="med" len="med"/>
+                        </a:lnL>
+                        <a:lnR w="3175" cap="flat" cmpd="sng" algn="ctr">
+                          <a:noFill/>
+                          <a:prstDash val="solid"/>
+                          <a:round/>
+                          <a:headEnd type="none" w="med" len="med"/>
+                          <a:tailEnd type="none" w="med" len="med"/>
+                        </a:lnR>
+                        <a:lnT w="3175" cap="flat" cmpd="sng" algn="ctr">
+                          <a:noFill/>
+                          <a:prstDash val="solid"/>
+                          <a:round/>
+                          <a:headEnd type="none" w="med" len="med"/>
+                          <a:tailEnd type="none" w="med" len="med"/>
+                        </a:lnT>
+                        <a:lnB w="3175" cap="flat" cmpd="sng" algn="ctr">
+                          <a:solidFill>
+                            <a:schemeClr val="tx1"/>
+                          </a:solidFill>
+                          <a:prstDash val="solid"/>
+                          <a:round/>
+                          <a:headEnd type="none" w="med" len="med"/>
+                          <a:tailEnd type="none" w="med" len="med"/>
+                        </a:lnB>
+                        <a:lnTlToBr w="12700" cmpd="sng">
+                          <a:noFill/>
+                          <a:prstDash val="solid"/>
+                        </a:lnTlToBr>
+                        <a:lnBlToTr w="12700" cmpd="sng">
+                          <a:noFill/>
+                          <a:prstDash val="solid"/>
+                        </a:lnBlToTr>
+                        <a:blipFill>
+                          <a:blip r:embed="rId21"/>
+                          <a:stretch>
+                            <a:fillRect l="-402548" r="-99363" b="-300000"/>
+                          </a:stretch>
+                        </a:blipFill>
+                      </a:tcPr>
+                    </a:tc>
+                    <a:tc>
+                      <a:txBody>
+                        <a:bodyPr/>
+                        <a:lstStyle/>
+                        <a:p>
+                          <a:endParaRPr lang="fr-FR"/>
+                        </a:p>
+                      </a:txBody>
+                      <a:tcPr anchor="ctr">
+                        <a:lnL w="3175" cap="flat" cmpd="sng" algn="ctr">
+                          <a:noFill/>
+                          <a:prstDash val="solid"/>
+                          <a:round/>
+                          <a:headEnd type="none" w="med" len="med"/>
+                          <a:tailEnd type="none" w="med" len="med"/>
+                        </a:lnL>
+                        <a:lnR w="3175" cap="flat" cmpd="sng" algn="ctr">
+                          <a:noFill/>
+                          <a:prstDash val="solid"/>
+                          <a:round/>
+                          <a:headEnd type="none" w="med" len="med"/>
+                          <a:tailEnd type="none" w="med" len="med"/>
+                        </a:lnR>
+                        <a:lnT w="3175" cap="flat" cmpd="sng" algn="ctr">
+                          <a:noFill/>
+                          <a:prstDash val="solid"/>
+                          <a:round/>
+                          <a:headEnd type="none" w="med" len="med"/>
+                          <a:tailEnd type="none" w="med" len="med"/>
+                        </a:lnT>
+                        <a:lnB w="3175" cap="flat" cmpd="sng" algn="ctr">
+                          <a:solidFill>
+                            <a:schemeClr val="tx1"/>
+                          </a:solidFill>
+                          <a:prstDash val="solid"/>
+                          <a:round/>
+                          <a:headEnd type="none" w="med" len="med"/>
+                          <a:tailEnd type="none" w="med" len="med"/>
+                        </a:lnB>
+                        <a:lnTlToBr w="12700" cmpd="sng">
+                          <a:noFill/>
+                          <a:prstDash val="solid"/>
+                        </a:lnTlToBr>
+                        <a:lnBlToTr w="12700" cmpd="sng">
+                          <a:noFill/>
+                          <a:prstDash val="solid"/>
+                        </a:lnBlToTr>
+                        <a:blipFill>
+                          <a:blip r:embed="rId21"/>
+                          <a:stretch>
+                            <a:fillRect l="-505769" b="-300000"/>
+                          </a:stretch>
+                        </a:blipFill>
+                      </a:tcPr>
+                    </a:tc>
+                    <a:extLst>
+                      <a:ext uri="{0D108BD9-81ED-4DB2-BD59-A6C34878D82A}">
+                        <a16:rowId xmlns:a16="http://schemas.microsoft.com/office/drawing/2014/main" val="3254895143"/>
+                      </a:ext>
+                    </a:extLst>
+                  </a:tr>
+                  <a:tr h="324000">
+                    <a:tc>
+                      <a:txBody>
+                        <a:bodyPr/>
+                        <a:lstStyle/>
+                        <a:p>
+                          <a:r>
+                            <a:rPr lang="en-US" sz="1100" b="1" dirty="0" smtClean="0">
+                              <a:latin typeface="Times New Roman" panose="02020603050405020304" pitchFamily="18" charset="0"/>
+                              <a:cs typeface="Times New Roman" panose="02020603050405020304" pitchFamily="18" charset="0"/>
+                            </a:rPr>
+                            <a:t>Cryptobenthic families</a:t>
+                          </a:r>
+                          <a:endParaRPr lang="fr-FR" sz="1100" b="1" dirty="0">
+                            <a:solidFill>
+                              <a:schemeClr val="tx1"/>
+                            </a:solidFill>
+                          </a:endParaRPr>
+                        </a:p>
+                      </a:txBody>
+                      <a:tcPr anchor="ctr">
+                        <a:lnL w="3175" cap="flat" cmpd="sng" algn="ctr">
+                          <a:noFill/>
+                          <a:prstDash val="solid"/>
+                          <a:round/>
+                          <a:headEnd type="none" w="med" len="med"/>
+                          <a:tailEnd type="none" w="med" len="med"/>
+                        </a:lnL>
+                        <a:lnR w="3175" cap="flat" cmpd="sng" algn="ctr">
+                          <a:noFill/>
+                          <a:prstDash val="solid"/>
+                          <a:round/>
+                          <a:headEnd type="none" w="med" len="med"/>
+                          <a:tailEnd type="none" w="med" len="med"/>
+                        </a:lnR>
+                        <a:lnT w="3175" cap="flat" cmpd="sng" algn="ctr">
+                          <a:solidFill>
+                            <a:schemeClr val="tx1"/>
+                          </a:solidFill>
+                          <a:prstDash val="solid"/>
+                          <a:round/>
+                          <a:headEnd type="none" w="med" len="med"/>
+                          <a:tailEnd type="none" w="med" len="med"/>
+                        </a:lnT>
+                        <a:lnB w="3175" cap="flat" cmpd="sng" algn="ctr">
+                          <a:noFill/>
+                          <a:prstDash val="solid"/>
+                          <a:round/>
+                          <a:headEnd type="none" w="med" len="med"/>
+                          <a:tailEnd type="none" w="med" len="med"/>
+                        </a:lnB>
+                        <a:lnTlToBr w="12700" cmpd="sng">
+                          <a:noFill/>
+                          <a:prstDash val="solid"/>
+                        </a:lnTlToBr>
+                        <a:lnBlToTr w="12700" cmpd="sng">
+                          <a:noFill/>
+                          <a:prstDash val="solid"/>
+                        </a:lnBlToTr>
+                        <a:noFill/>
+                      </a:tcPr>
+                    </a:tc>
+                    <a:tc>
+                      <a:txBody>
+                        <a:bodyPr/>
+                        <a:lstStyle/>
+                        <a:p>
+                          <a:pPr algn="ctr"/>
+                          <a:r>
+                            <a:rPr lang="fr-FR" sz="1100" b="0" kern="1200" dirty="0" smtClean="0">
+                              <a:solidFill>
+                                <a:schemeClr val="dk1"/>
+                              </a:solidFill>
+                              <a:latin typeface="Times New Roman" panose="02020603050405020304" pitchFamily="18" charset="0"/>
+                              <a:ea typeface="+mn-ea"/>
+                              <a:cs typeface="Times New Roman" panose="02020603050405020304" pitchFamily="18" charset="0"/>
+                            </a:rPr>
+                            <a:t>74%</a:t>
+                          </a:r>
+                          <a:endParaRPr lang="fr-FR" sz="1100" b="0" kern="1200" dirty="0">
+                            <a:solidFill>
+                              <a:schemeClr val="dk1"/>
+                            </a:solidFill>
+                            <a:latin typeface="Times New Roman" panose="02020603050405020304" pitchFamily="18" charset="0"/>
+                            <a:ea typeface="+mn-ea"/>
+                            <a:cs typeface="Times New Roman" panose="02020603050405020304" pitchFamily="18" charset="0"/>
+                          </a:endParaRPr>
+                        </a:p>
+                      </a:txBody>
+                      <a:tcPr anchor="ctr">
+                        <a:lnL w="3175" cap="flat" cmpd="sng" algn="ctr">
+                          <a:noFill/>
+                          <a:prstDash val="solid"/>
+                          <a:round/>
+                          <a:headEnd type="none" w="med" len="med"/>
+                          <a:tailEnd type="none" w="med" len="med"/>
+                        </a:lnL>
+                        <a:lnR w="3175" cap="flat" cmpd="sng" algn="ctr">
+                          <a:noFill/>
+                          <a:prstDash val="solid"/>
+                          <a:round/>
+                          <a:headEnd type="none" w="med" len="med"/>
+                          <a:tailEnd type="none" w="med" len="med"/>
+                        </a:lnR>
+                        <a:lnT w="3175" cap="flat" cmpd="sng" algn="ctr">
+                          <a:solidFill>
+                            <a:schemeClr val="tx1"/>
+                          </a:solidFill>
+                          <a:prstDash val="solid"/>
+                          <a:round/>
+                          <a:headEnd type="none" w="med" len="med"/>
+                          <a:tailEnd type="none" w="med" len="med"/>
+                        </a:lnT>
+                        <a:lnB w="3175" cap="flat" cmpd="sng" algn="ctr">
+                          <a:noFill/>
+                          <a:prstDash val="solid"/>
+                          <a:round/>
+                          <a:headEnd type="none" w="med" len="med"/>
+                          <a:tailEnd type="none" w="med" len="med"/>
+                        </a:lnB>
+                        <a:lnTlToBr w="12700" cmpd="sng">
+                          <a:noFill/>
+                          <a:prstDash val="solid"/>
+                        </a:lnTlToBr>
+                        <a:lnBlToTr w="12700" cmpd="sng">
+                          <a:noFill/>
+                          <a:prstDash val="solid"/>
+                        </a:lnBlToTr>
+                        <a:noFill/>
+                      </a:tcPr>
+                    </a:tc>
+                    <a:tc>
+                      <a:txBody>
+                        <a:bodyPr/>
+                        <a:lstStyle/>
+                        <a:p>
+                          <a:pPr algn="ctr"/>
+                          <a:r>
+                            <a:rPr lang="fr-FR" sz="1100" b="0" kern="1200" dirty="0" smtClean="0">
+                              <a:solidFill>
+                                <a:schemeClr val="dk1"/>
+                              </a:solidFill>
+                              <a:latin typeface="Times New Roman" panose="02020603050405020304" pitchFamily="18" charset="0"/>
+                              <a:ea typeface="+mn-ea"/>
+                              <a:cs typeface="Times New Roman" panose="02020603050405020304" pitchFamily="18" charset="0"/>
+                            </a:rPr>
+                            <a:t>18%</a:t>
+                          </a:r>
+                          <a:endParaRPr lang="fr-FR" sz="1100" b="0" kern="1200" dirty="0">
+                            <a:solidFill>
+                              <a:schemeClr val="dk1"/>
+                            </a:solidFill>
+                            <a:latin typeface="Times New Roman" panose="02020603050405020304" pitchFamily="18" charset="0"/>
+                            <a:ea typeface="+mn-ea"/>
+                            <a:cs typeface="Times New Roman" panose="02020603050405020304" pitchFamily="18" charset="0"/>
+                          </a:endParaRPr>
+                        </a:p>
+                      </a:txBody>
+                      <a:tcPr anchor="ctr">
+                        <a:lnL w="3175" cap="flat" cmpd="sng" algn="ctr">
+                          <a:noFill/>
+                          <a:prstDash val="solid"/>
+                          <a:round/>
+                          <a:headEnd type="none" w="med" len="med"/>
+                          <a:tailEnd type="none" w="med" len="med"/>
+                        </a:lnL>
+                        <a:lnR w="3175" cap="flat" cmpd="sng" algn="ctr">
+                          <a:noFill/>
+                          <a:prstDash val="solid"/>
+                          <a:round/>
+                          <a:headEnd type="none" w="med" len="med"/>
+                          <a:tailEnd type="none" w="med" len="med"/>
+                        </a:lnR>
+                        <a:lnT w="3175" cap="flat" cmpd="sng" algn="ctr">
+                          <a:solidFill>
+                            <a:schemeClr val="tx1"/>
+                          </a:solidFill>
+                          <a:prstDash val="solid"/>
+                          <a:round/>
+                          <a:headEnd type="none" w="med" len="med"/>
+                          <a:tailEnd type="none" w="med" len="med"/>
+                        </a:lnT>
+                        <a:lnB w="3175" cap="flat" cmpd="sng" algn="ctr">
+                          <a:noFill/>
+                          <a:prstDash val="solid"/>
+                          <a:round/>
+                          <a:headEnd type="none" w="med" len="med"/>
+                          <a:tailEnd type="none" w="med" len="med"/>
+                        </a:lnB>
+                        <a:lnTlToBr w="12700" cmpd="sng">
+                          <a:noFill/>
+                          <a:prstDash val="solid"/>
+                        </a:lnTlToBr>
+                        <a:lnBlToTr w="12700" cmpd="sng">
+                          <a:noFill/>
+                          <a:prstDash val="solid"/>
+                        </a:lnBlToTr>
+                        <a:noFill/>
+                      </a:tcPr>
+                    </a:tc>
+                    <a:tc>
+                      <a:txBody>
+                        <a:bodyPr/>
+                        <a:lstStyle/>
+                        <a:p>
+                          <a:pPr algn="ctr"/>
+                          <a:r>
+                            <a:rPr lang="fr-FR" sz="1100" b="0" kern="1200" dirty="0" smtClean="0">
+                              <a:solidFill>
+                                <a:schemeClr val="dk1"/>
+                              </a:solidFill>
+                              <a:latin typeface="Times New Roman" panose="02020603050405020304" pitchFamily="18" charset="0"/>
+                              <a:ea typeface="+mn-ea"/>
+                              <a:cs typeface="Times New Roman" panose="02020603050405020304" pitchFamily="18" charset="0"/>
+                            </a:rPr>
+                            <a:t>4.5%</a:t>
+                          </a:r>
+                          <a:endParaRPr lang="fr-FR" sz="1100" b="0" kern="1200" dirty="0">
+                            <a:solidFill>
+                              <a:schemeClr val="dk1"/>
+                            </a:solidFill>
+                            <a:latin typeface="Times New Roman" panose="02020603050405020304" pitchFamily="18" charset="0"/>
+                            <a:ea typeface="+mn-ea"/>
+                            <a:cs typeface="Times New Roman" panose="02020603050405020304" pitchFamily="18" charset="0"/>
+                          </a:endParaRPr>
+                        </a:p>
+                      </a:txBody>
+                      <a:tcPr anchor="ctr">
+                        <a:lnL w="3175" cap="flat" cmpd="sng" algn="ctr">
+                          <a:noFill/>
+                          <a:prstDash val="solid"/>
+                          <a:round/>
+                          <a:headEnd type="none" w="med" len="med"/>
+                          <a:tailEnd type="none" w="med" len="med"/>
+                        </a:lnL>
+                        <a:lnR w="3175" cap="flat" cmpd="sng" algn="ctr">
+                          <a:noFill/>
+                          <a:prstDash val="solid"/>
+                          <a:round/>
+                          <a:headEnd type="none" w="med" len="med"/>
+                          <a:tailEnd type="none" w="med" len="med"/>
+                        </a:lnR>
+                        <a:lnT w="3175" cap="flat" cmpd="sng" algn="ctr">
+                          <a:solidFill>
+                            <a:schemeClr val="tx1"/>
+                          </a:solidFill>
+                          <a:prstDash val="solid"/>
+                          <a:round/>
+                          <a:headEnd type="none" w="med" len="med"/>
+                          <a:tailEnd type="none" w="med" len="med"/>
+                        </a:lnT>
+                        <a:lnB w="3175" cap="flat" cmpd="sng" algn="ctr">
+                          <a:noFill/>
+                          <a:prstDash val="solid"/>
+                          <a:round/>
+                          <a:headEnd type="none" w="med" len="med"/>
+                          <a:tailEnd type="none" w="med" len="med"/>
+                        </a:lnB>
+                        <a:lnTlToBr w="12700" cmpd="sng">
+                          <a:noFill/>
+                          <a:prstDash val="solid"/>
+                        </a:lnTlToBr>
+                        <a:lnBlToTr w="12700" cmpd="sng">
+                          <a:noFill/>
+                          <a:prstDash val="solid"/>
+                        </a:lnBlToTr>
+                        <a:noFill/>
+                      </a:tcPr>
+                    </a:tc>
+                    <a:tc>
+                      <a:txBody>
+                        <a:bodyPr/>
+                        <a:lstStyle/>
+                        <a:p>
+                          <a:pPr algn="ctr"/>
+                          <a:r>
+                            <a:rPr lang="fr-FR" sz="1100" b="0" kern="1200" dirty="0" smtClean="0">
+                              <a:solidFill>
+                                <a:schemeClr val="dk1"/>
+                              </a:solidFill>
+                              <a:latin typeface="Times New Roman" panose="02020603050405020304" pitchFamily="18" charset="0"/>
+                              <a:ea typeface="+mn-ea"/>
+                              <a:cs typeface="Times New Roman" panose="02020603050405020304" pitchFamily="18" charset="0"/>
+                            </a:rPr>
+                            <a:t>3.5%</a:t>
+                          </a:r>
+                          <a:endParaRPr lang="fr-FR" sz="1100" b="0" kern="1200" dirty="0">
+                            <a:solidFill>
+                              <a:schemeClr val="dk1"/>
+                            </a:solidFill>
+                            <a:latin typeface="Times New Roman" panose="02020603050405020304" pitchFamily="18" charset="0"/>
+                            <a:ea typeface="+mn-ea"/>
+                            <a:cs typeface="Times New Roman" panose="02020603050405020304" pitchFamily="18" charset="0"/>
+                          </a:endParaRPr>
+                        </a:p>
+                      </a:txBody>
+                      <a:tcPr anchor="ctr">
+                        <a:lnL w="3175" cap="flat" cmpd="sng" algn="ctr">
+                          <a:noFill/>
+                          <a:prstDash val="solid"/>
+                          <a:round/>
+                          <a:headEnd type="none" w="med" len="med"/>
+                          <a:tailEnd type="none" w="med" len="med"/>
+                        </a:lnL>
+                        <a:lnR w="3175" cap="flat" cmpd="sng" algn="ctr">
+                          <a:noFill/>
+                          <a:prstDash val="solid"/>
+                          <a:round/>
+                          <a:headEnd type="none" w="med" len="med"/>
+                          <a:tailEnd type="none" w="med" len="med"/>
+                        </a:lnR>
+                        <a:lnT w="3175" cap="flat" cmpd="sng" algn="ctr">
+                          <a:solidFill>
+                            <a:schemeClr val="tx1"/>
+                          </a:solidFill>
+                          <a:prstDash val="solid"/>
+                          <a:round/>
+                          <a:headEnd type="none" w="med" len="med"/>
+                          <a:tailEnd type="none" w="med" len="med"/>
+                        </a:lnT>
+                        <a:lnB w="3175" cap="flat" cmpd="sng" algn="ctr">
+                          <a:noFill/>
+                          <a:prstDash val="solid"/>
+                          <a:round/>
+                          <a:headEnd type="none" w="med" len="med"/>
+                          <a:tailEnd type="none" w="med" len="med"/>
+                        </a:lnB>
+                        <a:lnTlToBr w="12700" cmpd="sng">
+                          <a:noFill/>
+                          <a:prstDash val="solid"/>
+                        </a:lnTlToBr>
+                        <a:lnBlToTr w="12700" cmpd="sng">
+                          <a:noFill/>
+                          <a:prstDash val="solid"/>
+                        </a:lnBlToTr>
+                        <a:noFill/>
+                      </a:tcPr>
+                    </a:tc>
+                    <a:extLst>
+                      <a:ext uri="{0D108BD9-81ED-4DB2-BD59-A6C34878D82A}">
+                        <a16:rowId xmlns:a16="http://schemas.microsoft.com/office/drawing/2014/main" val="901899567"/>
+                      </a:ext>
+                    </a:extLst>
+                  </a:tr>
+                  <a:tr h="324000">
+                    <a:tc>
+                      <a:txBody>
+                        <a:bodyPr/>
+                        <a:lstStyle/>
+                        <a:p>
+                          <a:r>
+                            <a:rPr lang="en-US" sz="1100" b="1" dirty="0" smtClean="0">
+                              <a:latin typeface="Times New Roman" panose="02020603050405020304" pitchFamily="18" charset="0"/>
+                              <a:cs typeface="Times New Roman" panose="02020603050405020304" pitchFamily="18" charset="0"/>
+                            </a:rPr>
+                            <a:t>Pelagic families</a:t>
+                          </a:r>
+                          <a:endParaRPr lang="fr-FR" sz="1100" b="1" dirty="0">
+                            <a:solidFill>
+                              <a:schemeClr val="tx1"/>
+                            </a:solidFill>
+                          </a:endParaRPr>
+                        </a:p>
+                      </a:txBody>
+                      <a:tcPr anchor="ctr">
+                        <a:lnL w="3175" cap="flat" cmpd="sng" algn="ctr">
+                          <a:noFill/>
+                          <a:prstDash val="solid"/>
+                          <a:round/>
+                          <a:headEnd type="none" w="med" len="med"/>
+                          <a:tailEnd type="none" w="med" len="med"/>
+                        </a:lnL>
+                        <a:lnR w="3175" cap="flat" cmpd="sng" algn="ctr">
+                          <a:noFill/>
+                          <a:prstDash val="solid"/>
+                          <a:round/>
+                          <a:headEnd type="none" w="med" len="med"/>
+                          <a:tailEnd type="none" w="med" len="med"/>
+                        </a:lnR>
+                        <a:lnT w="3175" cap="flat" cmpd="sng" algn="ctr">
+                          <a:noFill/>
+                          <a:prstDash val="solid"/>
+                          <a:round/>
+                          <a:headEnd type="none" w="med" len="med"/>
+                          <a:tailEnd type="none" w="med" len="med"/>
+                        </a:lnT>
+                        <a:lnB w="3175" cap="flat" cmpd="sng" algn="ctr">
+                          <a:noFill/>
+                          <a:prstDash val="solid"/>
+                          <a:round/>
+                          <a:headEnd type="none" w="med" len="med"/>
+                          <a:tailEnd type="none" w="med" len="med"/>
+                        </a:lnB>
+                        <a:lnTlToBr w="12700" cmpd="sng">
+                          <a:noFill/>
+                          <a:prstDash val="solid"/>
+                        </a:lnTlToBr>
+                        <a:lnBlToTr w="12700" cmpd="sng">
+                          <a:noFill/>
+                          <a:prstDash val="solid"/>
+                        </a:lnBlToTr>
+                        <a:noFill/>
+                      </a:tcPr>
+                    </a:tc>
+                    <a:tc>
+                      <a:txBody>
+                        <a:bodyPr/>
+                        <a:lstStyle/>
+                        <a:p>
+                          <a:pPr algn="ctr"/>
+                          <a:r>
+                            <a:rPr lang="fr-FR" sz="1100" b="0" kern="1200" dirty="0" smtClean="0">
+                              <a:solidFill>
+                                <a:schemeClr val="dk1"/>
+                              </a:solidFill>
+                              <a:latin typeface="Times New Roman" panose="02020603050405020304" pitchFamily="18" charset="0"/>
+                              <a:ea typeface="+mn-ea"/>
+                              <a:cs typeface="Times New Roman" panose="02020603050405020304" pitchFamily="18" charset="0"/>
+                            </a:rPr>
+                            <a:t>70.8%</a:t>
+                          </a:r>
+                          <a:endParaRPr lang="fr-FR" sz="1100" b="0" kern="1200" dirty="0">
+                            <a:solidFill>
+                              <a:schemeClr val="dk1"/>
+                            </a:solidFill>
+                            <a:latin typeface="Times New Roman" panose="02020603050405020304" pitchFamily="18" charset="0"/>
+                            <a:ea typeface="+mn-ea"/>
+                            <a:cs typeface="Times New Roman" panose="02020603050405020304" pitchFamily="18" charset="0"/>
+                          </a:endParaRPr>
+                        </a:p>
+                      </a:txBody>
+                      <a:tcPr anchor="ctr">
+                        <a:lnL w="3175" cap="flat" cmpd="sng" algn="ctr">
+                          <a:noFill/>
+                          <a:prstDash val="solid"/>
+                          <a:round/>
+                          <a:headEnd type="none" w="med" len="med"/>
+                          <a:tailEnd type="none" w="med" len="med"/>
+                        </a:lnL>
+                        <a:lnR w="3175" cap="flat" cmpd="sng" algn="ctr">
+                          <a:noFill/>
+                          <a:prstDash val="solid"/>
+                          <a:round/>
+                          <a:headEnd type="none" w="med" len="med"/>
+                          <a:tailEnd type="none" w="med" len="med"/>
+                        </a:lnR>
+                        <a:lnT w="3175" cap="flat" cmpd="sng" algn="ctr">
+                          <a:noFill/>
+                          <a:prstDash val="solid"/>
+                          <a:round/>
+                          <a:headEnd type="none" w="med" len="med"/>
+                          <a:tailEnd type="none" w="med" len="med"/>
+                        </a:lnT>
+                        <a:lnB w="3175" cap="flat" cmpd="sng" algn="ctr">
+                          <a:noFill/>
+                          <a:prstDash val="solid"/>
+                          <a:round/>
+                          <a:headEnd type="none" w="med" len="med"/>
+                          <a:tailEnd type="none" w="med" len="med"/>
+                        </a:lnB>
+                        <a:lnTlToBr w="12700" cmpd="sng">
+                          <a:noFill/>
+                          <a:prstDash val="solid"/>
+                        </a:lnTlToBr>
+                        <a:lnBlToTr w="12700" cmpd="sng">
+                          <a:noFill/>
+                          <a:prstDash val="solid"/>
+                        </a:lnBlToTr>
+                        <a:noFill/>
+                      </a:tcPr>
+                    </a:tc>
+                    <a:tc>
+                      <a:txBody>
+                        <a:bodyPr/>
+                        <a:lstStyle/>
+                        <a:p>
+                          <a:pPr algn="ctr"/>
+                          <a:r>
+                            <a:rPr lang="fr-FR" sz="1100" b="0" kern="1200" dirty="0" smtClean="0">
+                              <a:solidFill>
+                                <a:schemeClr val="dk1"/>
+                              </a:solidFill>
+                              <a:latin typeface="Times New Roman" panose="02020603050405020304" pitchFamily="18" charset="0"/>
+                              <a:ea typeface="+mn-ea"/>
+                              <a:cs typeface="Times New Roman" panose="02020603050405020304" pitchFamily="18" charset="0"/>
+                            </a:rPr>
+                            <a:t>15.8%</a:t>
+                          </a:r>
+                          <a:endParaRPr lang="fr-FR" sz="1100" b="0" kern="1200" dirty="0">
+                            <a:solidFill>
+                              <a:schemeClr val="dk1"/>
+                            </a:solidFill>
+                            <a:latin typeface="Times New Roman" panose="02020603050405020304" pitchFamily="18" charset="0"/>
+                            <a:ea typeface="+mn-ea"/>
+                            <a:cs typeface="Times New Roman" panose="02020603050405020304" pitchFamily="18" charset="0"/>
+                          </a:endParaRPr>
+                        </a:p>
+                      </a:txBody>
+                      <a:tcPr anchor="ctr">
+                        <a:lnL w="3175" cap="flat" cmpd="sng" algn="ctr">
+                          <a:noFill/>
+                          <a:prstDash val="solid"/>
+                          <a:round/>
+                          <a:headEnd type="none" w="med" len="med"/>
+                          <a:tailEnd type="none" w="med" len="med"/>
+                        </a:lnL>
+                        <a:lnR w="3175" cap="flat" cmpd="sng" algn="ctr">
+                          <a:noFill/>
+                          <a:prstDash val="solid"/>
+                          <a:round/>
+                          <a:headEnd type="none" w="med" len="med"/>
+                          <a:tailEnd type="none" w="med" len="med"/>
+                        </a:lnR>
+                        <a:lnT w="3175" cap="flat" cmpd="sng" algn="ctr">
+                          <a:noFill/>
+                          <a:prstDash val="solid"/>
+                          <a:round/>
+                          <a:headEnd type="none" w="med" len="med"/>
+                          <a:tailEnd type="none" w="med" len="med"/>
+                        </a:lnT>
+                        <a:lnB w="3175" cap="flat" cmpd="sng" algn="ctr">
+                          <a:noFill/>
+                          <a:prstDash val="solid"/>
+                          <a:round/>
+                          <a:headEnd type="none" w="med" len="med"/>
+                          <a:tailEnd type="none" w="med" len="med"/>
+                        </a:lnB>
+                        <a:lnTlToBr w="12700" cmpd="sng">
+                          <a:noFill/>
+                          <a:prstDash val="solid"/>
+                        </a:lnTlToBr>
+                        <a:lnBlToTr w="12700" cmpd="sng">
+                          <a:noFill/>
+                          <a:prstDash val="solid"/>
+                        </a:lnBlToTr>
+                        <a:noFill/>
+                      </a:tcPr>
+                    </a:tc>
+                    <a:tc>
+                      <a:txBody>
+                        <a:bodyPr/>
+                        <a:lstStyle/>
+                        <a:p>
+                          <a:pPr algn="ctr"/>
+                          <a:r>
+                            <a:rPr lang="fr-FR" sz="1100" b="0" kern="1200" dirty="0" smtClean="0">
+                              <a:solidFill>
+                                <a:schemeClr val="dk1"/>
+                              </a:solidFill>
+                              <a:latin typeface="Times New Roman" panose="02020603050405020304" pitchFamily="18" charset="0"/>
+                              <a:ea typeface="+mn-ea"/>
+                              <a:cs typeface="Times New Roman" panose="02020603050405020304" pitchFamily="18" charset="0"/>
+                            </a:rPr>
+                            <a:t>7.8%</a:t>
+                          </a:r>
+                          <a:endParaRPr lang="fr-FR" sz="1100" b="0" kern="1200" dirty="0">
+                            <a:solidFill>
+                              <a:schemeClr val="dk1"/>
+                            </a:solidFill>
+                            <a:latin typeface="Times New Roman" panose="02020603050405020304" pitchFamily="18" charset="0"/>
+                            <a:ea typeface="+mn-ea"/>
+                            <a:cs typeface="Times New Roman" panose="02020603050405020304" pitchFamily="18" charset="0"/>
+                          </a:endParaRPr>
+                        </a:p>
+                      </a:txBody>
+                      <a:tcPr anchor="ctr">
+                        <a:lnL w="3175" cap="flat" cmpd="sng" algn="ctr">
+                          <a:noFill/>
+                          <a:prstDash val="solid"/>
+                          <a:round/>
+                          <a:headEnd type="none" w="med" len="med"/>
+                          <a:tailEnd type="none" w="med" len="med"/>
+                        </a:lnL>
+                        <a:lnR w="3175" cap="flat" cmpd="sng" algn="ctr">
+                          <a:noFill/>
+                          <a:prstDash val="solid"/>
+                          <a:round/>
+                          <a:headEnd type="none" w="med" len="med"/>
+                          <a:tailEnd type="none" w="med" len="med"/>
+                        </a:lnR>
+                        <a:lnT w="3175" cap="flat" cmpd="sng" algn="ctr">
+                          <a:noFill/>
+                          <a:prstDash val="solid"/>
+                          <a:round/>
+                          <a:headEnd type="none" w="med" len="med"/>
+                          <a:tailEnd type="none" w="med" len="med"/>
+                        </a:lnT>
+                        <a:lnB w="3175" cap="flat" cmpd="sng" algn="ctr">
+                          <a:noFill/>
+                          <a:prstDash val="solid"/>
+                          <a:round/>
+                          <a:headEnd type="none" w="med" len="med"/>
+                          <a:tailEnd type="none" w="med" len="med"/>
+                        </a:lnB>
+                        <a:lnTlToBr w="12700" cmpd="sng">
+                          <a:noFill/>
+                          <a:prstDash val="solid"/>
+                        </a:lnTlToBr>
+                        <a:lnBlToTr w="12700" cmpd="sng">
+                          <a:noFill/>
+                          <a:prstDash val="solid"/>
+                        </a:lnBlToTr>
+                        <a:noFill/>
+                      </a:tcPr>
+                    </a:tc>
+                    <a:tc>
+                      <a:txBody>
+                        <a:bodyPr/>
+                        <a:lstStyle/>
+                        <a:p>
+                          <a:pPr algn="ctr"/>
+                          <a:r>
+                            <a:rPr lang="fr-FR" sz="1100" b="0" kern="1200" dirty="0" smtClean="0">
+                              <a:solidFill>
+                                <a:schemeClr val="dk1"/>
+                              </a:solidFill>
+                              <a:latin typeface="Times New Roman" panose="02020603050405020304" pitchFamily="18" charset="0"/>
+                              <a:ea typeface="+mn-ea"/>
+                              <a:cs typeface="Times New Roman" panose="02020603050405020304" pitchFamily="18" charset="0"/>
+                            </a:rPr>
+                            <a:t>5.6%</a:t>
+                          </a:r>
+                          <a:endParaRPr lang="fr-FR" sz="1100" b="0" kern="1200" dirty="0">
+                            <a:solidFill>
+                              <a:schemeClr val="dk1"/>
+                            </a:solidFill>
+                            <a:latin typeface="Times New Roman" panose="02020603050405020304" pitchFamily="18" charset="0"/>
+                            <a:ea typeface="+mn-ea"/>
+                            <a:cs typeface="Times New Roman" panose="02020603050405020304" pitchFamily="18" charset="0"/>
+                          </a:endParaRPr>
+                        </a:p>
+                      </a:txBody>
+                      <a:tcPr anchor="ctr">
+                        <a:lnL w="3175" cap="flat" cmpd="sng" algn="ctr">
+                          <a:noFill/>
+                          <a:prstDash val="solid"/>
+                          <a:round/>
+                          <a:headEnd type="none" w="med" len="med"/>
+                          <a:tailEnd type="none" w="med" len="med"/>
+                        </a:lnL>
+                        <a:lnR w="3175" cap="flat" cmpd="sng" algn="ctr">
+                          <a:noFill/>
+                          <a:prstDash val="solid"/>
+                          <a:round/>
+                          <a:headEnd type="none" w="med" len="med"/>
+                          <a:tailEnd type="none" w="med" len="med"/>
+                        </a:lnR>
+                        <a:lnT w="3175" cap="flat" cmpd="sng" algn="ctr">
+                          <a:noFill/>
+                          <a:prstDash val="solid"/>
+                          <a:round/>
+                          <a:headEnd type="none" w="med" len="med"/>
+                          <a:tailEnd type="none" w="med" len="med"/>
+                        </a:lnT>
+                        <a:lnB w="3175" cap="flat" cmpd="sng" algn="ctr">
+                          <a:noFill/>
+                          <a:prstDash val="solid"/>
+                          <a:round/>
+                          <a:headEnd type="none" w="med" len="med"/>
+                          <a:tailEnd type="none" w="med" len="med"/>
+                        </a:lnB>
+                        <a:lnTlToBr w="12700" cmpd="sng">
+                          <a:noFill/>
+                          <a:prstDash val="solid"/>
+                        </a:lnTlToBr>
+                        <a:lnBlToTr w="12700" cmpd="sng">
+                          <a:noFill/>
+                          <a:prstDash val="solid"/>
+                        </a:lnBlToTr>
+                        <a:noFill/>
+                      </a:tcPr>
+                    </a:tc>
+                    <a:extLst>
+                      <a:ext uri="{0D108BD9-81ED-4DB2-BD59-A6C34878D82A}">
+                        <a16:rowId xmlns:a16="http://schemas.microsoft.com/office/drawing/2014/main" val="4105435536"/>
+                      </a:ext>
+                    </a:extLst>
+                  </a:tr>
+                  <a:tr h="324000">
+                    <a:tc>
+                      <a:txBody>
+                        <a:bodyPr/>
+                        <a:lstStyle/>
+                        <a:p>
+                          <a:r>
+                            <a:rPr lang="en-US" sz="1100" b="1" dirty="0" smtClean="0">
+                              <a:latin typeface="Times New Roman" panose="02020603050405020304" pitchFamily="18" charset="0"/>
+                              <a:cs typeface="Times New Roman" panose="02020603050405020304" pitchFamily="18" charset="0"/>
+                            </a:rPr>
+                            <a:t>MOTUs assigned to species</a:t>
+                          </a:r>
+                          <a:endParaRPr lang="fr-FR" sz="1100" b="1" dirty="0">
+                            <a:solidFill>
+                              <a:schemeClr val="tx1"/>
+                            </a:solidFill>
+                          </a:endParaRPr>
+                        </a:p>
+                      </a:txBody>
+                      <a:tcPr anchor="ctr">
+                        <a:lnL w="3175" cap="flat" cmpd="sng" algn="ctr">
+                          <a:noFill/>
+                          <a:prstDash val="solid"/>
+                          <a:round/>
+                          <a:headEnd type="none" w="med" len="med"/>
+                          <a:tailEnd type="none" w="med" len="med"/>
+                        </a:lnL>
+                        <a:lnR w="3175" cap="flat" cmpd="sng" algn="ctr">
+                          <a:noFill/>
+                          <a:prstDash val="solid"/>
+                          <a:round/>
+                          <a:headEnd type="none" w="med" len="med"/>
+                          <a:tailEnd type="none" w="med" len="med"/>
+                        </a:lnR>
+                        <a:lnT w="3175" cap="flat" cmpd="sng" algn="ctr">
+                          <a:noFill/>
+                          <a:prstDash val="solid"/>
+                          <a:round/>
+                          <a:headEnd type="none" w="med" len="med"/>
+                          <a:tailEnd type="none" w="med" len="med"/>
+                        </a:lnT>
+                        <a:lnB w="3175" cap="flat" cmpd="sng" algn="ctr">
+                          <a:noFill/>
+                          <a:prstDash val="solid"/>
+                          <a:round/>
+                          <a:headEnd type="none" w="med" len="med"/>
+                          <a:tailEnd type="none" w="med" len="med"/>
+                        </a:lnB>
+                        <a:lnTlToBr w="12700" cmpd="sng">
+                          <a:noFill/>
+                          <a:prstDash val="solid"/>
+                        </a:lnTlToBr>
+                        <a:lnBlToTr w="12700" cmpd="sng">
+                          <a:noFill/>
+                          <a:prstDash val="solid"/>
+                        </a:lnBlToTr>
+                        <a:noFill/>
+                      </a:tcPr>
+                    </a:tc>
+                    <a:tc>
+                      <a:txBody>
+                        <a:bodyPr/>
+                        <a:lstStyle/>
+                        <a:p>
+                          <a:pPr algn="ctr"/>
+                          <a:r>
+                            <a:rPr lang="fr-FR" sz="1100" b="0" kern="1200" dirty="0" smtClean="0">
+                              <a:solidFill>
+                                <a:schemeClr val="dk1"/>
+                              </a:solidFill>
+                              <a:latin typeface="Times New Roman" panose="02020603050405020304" pitchFamily="18" charset="0"/>
+                              <a:ea typeface="+mn-ea"/>
+                              <a:cs typeface="Times New Roman" panose="02020603050405020304" pitchFamily="18" charset="0"/>
+                            </a:rPr>
+                            <a:t>68%</a:t>
+                          </a:r>
+                          <a:endParaRPr lang="fr-FR" sz="1100" b="0" kern="1200" dirty="0">
+                            <a:solidFill>
+                              <a:schemeClr val="dk1"/>
+                            </a:solidFill>
+                            <a:latin typeface="Times New Roman" panose="02020603050405020304" pitchFamily="18" charset="0"/>
+                            <a:ea typeface="+mn-ea"/>
+                            <a:cs typeface="Times New Roman" panose="02020603050405020304" pitchFamily="18" charset="0"/>
+                          </a:endParaRPr>
+                        </a:p>
+                      </a:txBody>
+                      <a:tcPr anchor="ctr">
+                        <a:lnL w="3175" cap="flat" cmpd="sng" algn="ctr">
+                          <a:noFill/>
+                          <a:prstDash val="solid"/>
+                          <a:round/>
+                          <a:headEnd type="none" w="med" len="med"/>
+                          <a:tailEnd type="none" w="med" len="med"/>
+                        </a:lnL>
+                        <a:lnR w="3175" cap="flat" cmpd="sng" algn="ctr">
+                          <a:noFill/>
+                          <a:prstDash val="solid"/>
+                          <a:round/>
+                          <a:headEnd type="none" w="med" len="med"/>
+                          <a:tailEnd type="none" w="med" len="med"/>
+                        </a:lnR>
+                        <a:lnT w="3175" cap="flat" cmpd="sng" algn="ctr">
+                          <a:noFill/>
+                          <a:prstDash val="solid"/>
+                          <a:round/>
+                          <a:headEnd type="none" w="med" len="med"/>
+                          <a:tailEnd type="none" w="med" len="med"/>
+                        </a:lnT>
+                        <a:lnB w="3175" cap="flat" cmpd="sng" algn="ctr">
+                          <a:noFill/>
+                          <a:prstDash val="solid"/>
+                          <a:round/>
+                          <a:headEnd type="none" w="med" len="med"/>
+                          <a:tailEnd type="none" w="med" len="med"/>
+                        </a:lnB>
+                        <a:lnTlToBr w="12700" cmpd="sng">
+                          <a:noFill/>
+                          <a:prstDash val="solid"/>
+                        </a:lnTlToBr>
+                        <a:lnBlToTr w="12700" cmpd="sng">
+                          <a:noFill/>
+                          <a:prstDash val="solid"/>
+                        </a:lnBlToTr>
+                        <a:noFill/>
+                      </a:tcPr>
+                    </a:tc>
+                    <a:tc>
+                      <a:txBody>
+                        <a:bodyPr/>
+                        <a:lstStyle/>
+                        <a:p>
+                          <a:pPr algn="ctr"/>
+                          <a:r>
+                            <a:rPr lang="fr-FR" sz="1100" b="0" kern="1200" dirty="0" smtClean="0">
+                              <a:solidFill>
+                                <a:schemeClr val="dk1"/>
+                              </a:solidFill>
+                              <a:latin typeface="Times New Roman" panose="02020603050405020304" pitchFamily="18" charset="0"/>
+                              <a:ea typeface="+mn-ea"/>
+                              <a:cs typeface="Times New Roman" panose="02020603050405020304" pitchFamily="18" charset="0"/>
+                            </a:rPr>
+                            <a:t>15.7%</a:t>
+                          </a:r>
+                          <a:endParaRPr lang="fr-FR" sz="1100" b="0" kern="1200" dirty="0">
+                            <a:solidFill>
+                              <a:schemeClr val="dk1"/>
+                            </a:solidFill>
+                            <a:latin typeface="Times New Roman" panose="02020603050405020304" pitchFamily="18" charset="0"/>
+                            <a:ea typeface="+mn-ea"/>
+                            <a:cs typeface="Times New Roman" panose="02020603050405020304" pitchFamily="18" charset="0"/>
+                          </a:endParaRPr>
+                        </a:p>
+                      </a:txBody>
+                      <a:tcPr anchor="ctr">
+                        <a:lnL w="3175" cap="flat" cmpd="sng" algn="ctr">
+                          <a:noFill/>
+                          <a:prstDash val="solid"/>
+                          <a:round/>
+                          <a:headEnd type="none" w="med" len="med"/>
+                          <a:tailEnd type="none" w="med" len="med"/>
+                        </a:lnL>
+                        <a:lnR w="3175" cap="flat" cmpd="sng" algn="ctr">
+                          <a:noFill/>
+                          <a:prstDash val="solid"/>
+                          <a:round/>
+                          <a:headEnd type="none" w="med" len="med"/>
+                          <a:tailEnd type="none" w="med" len="med"/>
+                        </a:lnR>
+                        <a:lnT w="3175" cap="flat" cmpd="sng" algn="ctr">
+                          <a:noFill/>
+                          <a:prstDash val="solid"/>
+                          <a:round/>
+                          <a:headEnd type="none" w="med" len="med"/>
+                          <a:tailEnd type="none" w="med" len="med"/>
+                        </a:lnT>
+                        <a:lnB w="3175" cap="flat" cmpd="sng" algn="ctr">
+                          <a:noFill/>
+                          <a:prstDash val="solid"/>
+                          <a:round/>
+                          <a:headEnd type="none" w="med" len="med"/>
+                          <a:tailEnd type="none" w="med" len="med"/>
+                        </a:lnB>
+                        <a:lnTlToBr w="12700" cmpd="sng">
+                          <a:noFill/>
+                          <a:prstDash val="solid"/>
+                        </a:lnTlToBr>
+                        <a:lnBlToTr w="12700" cmpd="sng">
+                          <a:noFill/>
+                          <a:prstDash val="solid"/>
+                        </a:lnBlToTr>
+                        <a:noFill/>
+                      </a:tcPr>
+                    </a:tc>
+                    <a:tc>
+                      <a:txBody>
+                        <a:bodyPr/>
+                        <a:lstStyle/>
+                        <a:p>
+                          <a:pPr algn="ctr"/>
+                          <a:r>
+                            <a:rPr lang="fr-FR" sz="1100" b="0" kern="1200" dirty="0" smtClean="0">
+                              <a:solidFill>
+                                <a:schemeClr val="dk1"/>
+                              </a:solidFill>
+                              <a:latin typeface="Times New Roman" panose="02020603050405020304" pitchFamily="18" charset="0"/>
+                              <a:ea typeface="+mn-ea"/>
+                              <a:cs typeface="Times New Roman" panose="02020603050405020304" pitchFamily="18" charset="0"/>
+                            </a:rPr>
+                            <a:t>8.3%</a:t>
+                          </a:r>
+                          <a:endParaRPr lang="fr-FR" sz="1100" b="0" kern="1200" dirty="0">
+                            <a:solidFill>
+                              <a:schemeClr val="dk1"/>
+                            </a:solidFill>
+                            <a:latin typeface="Times New Roman" panose="02020603050405020304" pitchFamily="18" charset="0"/>
+                            <a:ea typeface="+mn-ea"/>
+                            <a:cs typeface="Times New Roman" panose="02020603050405020304" pitchFamily="18" charset="0"/>
+                          </a:endParaRPr>
+                        </a:p>
+                      </a:txBody>
+                      <a:tcPr anchor="ctr">
+                        <a:lnL w="3175" cap="flat" cmpd="sng" algn="ctr">
+                          <a:noFill/>
+                          <a:prstDash val="solid"/>
+                          <a:round/>
+                          <a:headEnd type="none" w="med" len="med"/>
+                          <a:tailEnd type="none" w="med" len="med"/>
+                        </a:lnL>
+                        <a:lnR w="3175" cap="flat" cmpd="sng" algn="ctr">
+                          <a:noFill/>
+                          <a:prstDash val="solid"/>
+                          <a:round/>
+                          <a:headEnd type="none" w="med" len="med"/>
+                          <a:tailEnd type="none" w="med" len="med"/>
+                        </a:lnR>
+                        <a:lnT w="3175" cap="flat" cmpd="sng" algn="ctr">
+                          <a:noFill/>
+                          <a:prstDash val="solid"/>
+                          <a:round/>
+                          <a:headEnd type="none" w="med" len="med"/>
+                          <a:tailEnd type="none" w="med" len="med"/>
+                        </a:lnT>
+                        <a:lnB w="3175" cap="flat" cmpd="sng" algn="ctr">
+                          <a:noFill/>
+                          <a:prstDash val="solid"/>
+                          <a:round/>
+                          <a:headEnd type="none" w="med" len="med"/>
+                          <a:tailEnd type="none" w="med" len="med"/>
+                        </a:lnB>
+                        <a:lnTlToBr w="12700" cmpd="sng">
+                          <a:noFill/>
+                          <a:prstDash val="solid"/>
+                        </a:lnTlToBr>
+                        <a:lnBlToTr w="12700" cmpd="sng">
+                          <a:noFill/>
+                          <a:prstDash val="solid"/>
+                        </a:lnBlToTr>
+                        <a:noFill/>
+                      </a:tcPr>
+                    </a:tc>
+                    <a:tc>
+                      <a:txBody>
+                        <a:bodyPr/>
+                        <a:lstStyle/>
+                        <a:p>
+                          <a:pPr algn="ctr"/>
+                          <a:r>
+                            <a:rPr lang="fr-FR" sz="1100" b="0" kern="1200" dirty="0" smtClean="0">
+                              <a:solidFill>
+                                <a:schemeClr val="dk1"/>
+                              </a:solidFill>
+                              <a:latin typeface="Times New Roman" panose="02020603050405020304" pitchFamily="18" charset="0"/>
+                              <a:ea typeface="+mn-ea"/>
+                              <a:cs typeface="Times New Roman" panose="02020603050405020304" pitchFamily="18" charset="0"/>
+                            </a:rPr>
+                            <a:t>8%</a:t>
+                          </a:r>
+                          <a:endParaRPr lang="fr-FR" sz="1100" b="0" kern="1200" dirty="0">
+                            <a:solidFill>
+                              <a:schemeClr val="dk1"/>
+                            </a:solidFill>
+                            <a:latin typeface="Times New Roman" panose="02020603050405020304" pitchFamily="18" charset="0"/>
+                            <a:ea typeface="+mn-ea"/>
+                            <a:cs typeface="Times New Roman" panose="02020603050405020304" pitchFamily="18" charset="0"/>
+                          </a:endParaRPr>
+                        </a:p>
+                      </a:txBody>
+                      <a:tcPr anchor="ctr">
+                        <a:lnL w="3175" cap="flat" cmpd="sng" algn="ctr">
+                          <a:noFill/>
+                          <a:prstDash val="solid"/>
+                          <a:round/>
+                          <a:headEnd type="none" w="med" len="med"/>
+                          <a:tailEnd type="none" w="med" len="med"/>
+                        </a:lnL>
+                        <a:lnR w="3175" cap="flat" cmpd="sng" algn="ctr">
+                          <a:noFill/>
+                          <a:prstDash val="solid"/>
+                          <a:round/>
+                          <a:headEnd type="none" w="med" len="med"/>
+                          <a:tailEnd type="none" w="med" len="med"/>
+                        </a:lnR>
+                        <a:lnT w="3175" cap="flat" cmpd="sng" algn="ctr">
+                          <a:noFill/>
+                          <a:prstDash val="solid"/>
+                          <a:round/>
+                          <a:headEnd type="none" w="med" len="med"/>
+                          <a:tailEnd type="none" w="med" len="med"/>
+                        </a:lnT>
+                        <a:lnB w="3175" cap="flat" cmpd="sng" algn="ctr">
+                          <a:noFill/>
+                          <a:prstDash val="solid"/>
+                          <a:round/>
+                          <a:headEnd type="none" w="med" len="med"/>
+                          <a:tailEnd type="none" w="med" len="med"/>
+                        </a:lnB>
+                        <a:lnTlToBr w="12700" cmpd="sng">
+                          <a:noFill/>
+                          <a:prstDash val="solid"/>
+                        </a:lnTlToBr>
+                        <a:lnBlToTr w="12700" cmpd="sng">
+                          <a:noFill/>
+                          <a:prstDash val="solid"/>
+                        </a:lnBlToTr>
+                        <a:noFill/>
+                      </a:tcPr>
+                    </a:tc>
+                    <a:extLst>
+                      <a:ext uri="{0D108BD9-81ED-4DB2-BD59-A6C34878D82A}">
+                        <a16:rowId xmlns:a16="http://schemas.microsoft.com/office/drawing/2014/main" val="3060182616"/>
+                      </a:ext>
+                    </a:extLst>
+                  </a:tr>
+                </a:tbl>
+              </a:graphicData>
+            </a:graphic>
+          </p:graphicFrame>
+        </mc:Fallback>
+      </mc:AlternateContent>
     </p:spTree>
     <p:extLst>
       <p:ext uri="{BB962C8B-B14F-4D97-AF65-F5344CB8AC3E}">

--- a/outputs/06_diversity_partitioning/schema_partition.pptx
+++ b/outputs/06_diversity_partitioning/schema_partition.pptx
@@ -2,13 +2,13 @@
 <file path=ppt/presentation.xml><?xml version="1.0" encoding="utf-8"?>
 <p:presentation xmlns:a="http://schemas.openxmlformats.org/drawingml/2006/main" xmlns:r="http://schemas.openxmlformats.org/officeDocument/2006/relationships" xmlns:p="http://schemas.openxmlformats.org/presentationml/2006/main" saveSubsetFonts="1">
   <p:sldMasterIdLst>
-    <p:sldMasterId id="2147483672" r:id="rId1"/>
+    <p:sldMasterId id="2147483684" r:id="rId1"/>
   </p:sldMasterIdLst>
   <p:sldIdLst>
     <p:sldId id="256" r:id="rId2"/>
   </p:sldIdLst>
-  <p:sldSz cx="6858000" cy="9906000" type="A4"/>
-  <p:notesSz cx="6858000" cy="9144000"/>
+  <p:sldSz cx="9906000" cy="6858000" type="A4"/>
+  <p:notesSz cx="9144000" cy="6858000"/>
   <p:defaultTextStyle>
     <a:defPPr>
       <a:defRPr lang="en-US"/>
@@ -141,15 +141,15 @@
         </p:nvSpPr>
         <p:spPr>
           <a:xfrm>
-            <a:off x="514350" y="1621191"/>
-            <a:ext cx="5829300" cy="3448756"/>
+            <a:off x="742950" y="1122363"/>
+            <a:ext cx="8420100" cy="2387600"/>
           </a:xfrm>
         </p:spPr>
         <p:txBody>
           <a:bodyPr anchor="b"/>
           <a:lstStyle>
             <a:lvl1pPr algn="ctr">
-              <a:defRPr sz="4500"/>
+              <a:defRPr sz="6000"/>
             </a:lvl1pPr>
           </a:lstStyle>
           <a:p>
@@ -173,8 +173,8 @@
         </p:nvSpPr>
         <p:spPr>
           <a:xfrm>
-            <a:off x="857250" y="5202944"/>
-            <a:ext cx="5143500" cy="2391656"/>
+            <a:off x="1238250" y="3602038"/>
+            <a:ext cx="7429500" cy="1655762"/>
           </a:xfrm>
         </p:spPr>
         <p:txBody>
@@ -182,39 +182,39 @@
           <a:lstStyle>
             <a:lvl1pPr marL="0" indent="0" algn="ctr">
               <a:buNone/>
+              <a:defRPr sz="2400"/>
+            </a:lvl1pPr>
+            <a:lvl2pPr marL="457200" indent="0" algn="ctr">
+              <a:buNone/>
+              <a:defRPr sz="2000"/>
+            </a:lvl2pPr>
+            <a:lvl3pPr marL="914400" indent="0" algn="ctr">
+              <a:buNone/>
               <a:defRPr sz="1800"/>
-            </a:lvl1pPr>
-            <a:lvl2pPr marL="342900" indent="0" algn="ctr">
+            </a:lvl3pPr>
+            <a:lvl4pPr marL="1371600" indent="0" algn="ctr">
               <a:buNone/>
-              <a:defRPr sz="1500"/>
-            </a:lvl2pPr>
-            <a:lvl3pPr marL="685800" indent="0" algn="ctr">
+              <a:defRPr sz="1600"/>
+            </a:lvl4pPr>
+            <a:lvl5pPr marL="1828800" indent="0" algn="ctr">
               <a:buNone/>
-              <a:defRPr sz="1350"/>
-            </a:lvl3pPr>
-            <a:lvl4pPr marL="1028700" indent="0" algn="ctr">
+              <a:defRPr sz="1600"/>
+            </a:lvl5pPr>
+            <a:lvl6pPr marL="2286000" indent="0" algn="ctr">
               <a:buNone/>
-              <a:defRPr sz="1200"/>
-            </a:lvl4pPr>
-            <a:lvl5pPr marL="1371600" indent="0" algn="ctr">
+              <a:defRPr sz="1600"/>
+            </a:lvl6pPr>
+            <a:lvl7pPr marL="2743200" indent="0" algn="ctr">
               <a:buNone/>
-              <a:defRPr sz="1200"/>
-            </a:lvl5pPr>
-            <a:lvl6pPr marL="1714500" indent="0" algn="ctr">
+              <a:defRPr sz="1600"/>
+            </a:lvl7pPr>
+            <a:lvl8pPr marL="3200400" indent="0" algn="ctr">
               <a:buNone/>
-              <a:defRPr sz="1200"/>
-            </a:lvl6pPr>
-            <a:lvl7pPr marL="2057400" indent="0" algn="ctr">
+              <a:defRPr sz="1600"/>
+            </a:lvl8pPr>
+            <a:lvl9pPr marL="3657600" indent="0" algn="ctr">
               <a:buNone/>
-              <a:defRPr sz="1200"/>
-            </a:lvl7pPr>
-            <a:lvl8pPr marL="2400300" indent="0" algn="ctr">
-              <a:buNone/>
-              <a:defRPr sz="1200"/>
-            </a:lvl8pPr>
-            <a:lvl9pPr marL="2743200" indent="0" algn="ctr">
-              <a:buNone/>
-              <a:defRPr sz="1200"/>
+              <a:defRPr sz="1600"/>
             </a:lvl9pPr>
           </a:lstStyle>
           <a:p>
@@ -243,7 +243,7 @@
           <a:p>
             <a:fld id="{1DD5E214-71AE-49E0-8511-3FE919ED9730}" type="datetimeFigureOut">
               <a:rPr lang="fr-FR" smtClean="0"/>
-              <a:t>11/05/2020</a:t>
+              <a:t>20/05/2020</a:t>
             </a:fld>
             <a:endParaRPr lang="fr-FR"/>
           </a:p>
@@ -294,7 +294,7 @@
     </p:spTree>
     <p:extLst>
       <p:ext uri="{BB962C8B-B14F-4D97-AF65-F5344CB8AC3E}">
-        <p14:creationId xmlns:p14="http://schemas.microsoft.com/office/powerpoint/2010/main" val="1755092566"/>
+        <p14:creationId xmlns:p14="http://schemas.microsoft.com/office/powerpoint/2010/main" val="1665166625"/>
       </p:ext>
     </p:extLst>
   </p:cSld>
@@ -413,7 +413,7 @@
           <a:p>
             <a:fld id="{1DD5E214-71AE-49E0-8511-3FE919ED9730}" type="datetimeFigureOut">
               <a:rPr lang="fr-FR" smtClean="0"/>
-              <a:t>11/05/2020</a:t>
+              <a:t>20/05/2020</a:t>
             </a:fld>
             <a:endParaRPr lang="fr-FR"/>
           </a:p>
@@ -464,7 +464,7 @@
     </p:spTree>
     <p:extLst>
       <p:ext uri="{BB962C8B-B14F-4D97-AF65-F5344CB8AC3E}">
-        <p14:creationId xmlns:p14="http://schemas.microsoft.com/office/powerpoint/2010/main" val="2781599001"/>
+        <p14:creationId xmlns:p14="http://schemas.microsoft.com/office/powerpoint/2010/main" val="4171262834"/>
       </p:ext>
     </p:extLst>
   </p:cSld>
@@ -503,8 +503,8 @@
         </p:nvSpPr>
         <p:spPr>
           <a:xfrm>
-            <a:off x="4907757" y="527403"/>
-            <a:ext cx="1478756" cy="8394877"/>
+            <a:off x="7088982" y="365125"/>
+            <a:ext cx="2135981" cy="5811838"/>
           </a:xfrm>
         </p:spPr>
         <p:txBody>
@@ -531,8 +531,8 @@
         </p:nvSpPr>
         <p:spPr>
           <a:xfrm>
-            <a:off x="471488" y="527403"/>
-            <a:ext cx="4350544" cy="8394877"/>
+            <a:off x="681038" y="365125"/>
+            <a:ext cx="6284119" cy="5811838"/>
           </a:xfrm>
         </p:spPr>
         <p:txBody>
@@ -593,7 +593,7 @@
           <a:p>
             <a:fld id="{1DD5E214-71AE-49E0-8511-3FE919ED9730}" type="datetimeFigureOut">
               <a:rPr lang="fr-FR" smtClean="0"/>
-              <a:t>11/05/2020</a:t>
+              <a:t>20/05/2020</a:t>
             </a:fld>
             <a:endParaRPr lang="fr-FR"/>
           </a:p>
@@ -644,7 +644,7 @@
     </p:spTree>
     <p:extLst>
       <p:ext uri="{BB962C8B-B14F-4D97-AF65-F5344CB8AC3E}">
-        <p14:creationId xmlns:p14="http://schemas.microsoft.com/office/powerpoint/2010/main" val="2576402442"/>
+        <p14:creationId xmlns:p14="http://schemas.microsoft.com/office/powerpoint/2010/main" val="105559057"/>
       </p:ext>
     </p:extLst>
   </p:cSld>
@@ -763,7 +763,7 @@
           <a:p>
             <a:fld id="{1DD5E214-71AE-49E0-8511-3FE919ED9730}" type="datetimeFigureOut">
               <a:rPr lang="fr-FR" smtClean="0"/>
-              <a:t>11/05/2020</a:t>
+              <a:t>20/05/2020</a:t>
             </a:fld>
             <a:endParaRPr lang="fr-FR"/>
           </a:p>
@@ -814,7 +814,7 @@
     </p:spTree>
     <p:extLst>
       <p:ext uri="{BB962C8B-B14F-4D97-AF65-F5344CB8AC3E}">
-        <p14:creationId xmlns:p14="http://schemas.microsoft.com/office/powerpoint/2010/main" val="239289982"/>
+        <p14:creationId xmlns:p14="http://schemas.microsoft.com/office/powerpoint/2010/main" val="695385686"/>
       </p:ext>
     </p:extLst>
   </p:cSld>
@@ -853,15 +853,15 @@
         </p:nvSpPr>
         <p:spPr>
           <a:xfrm>
-            <a:off x="467916" y="2469624"/>
-            <a:ext cx="5915025" cy="4120620"/>
+            <a:off x="675879" y="1709740"/>
+            <a:ext cx="8543925" cy="2852737"/>
           </a:xfrm>
         </p:spPr>
         <p:txBody>
           <a:bodyPr anchor="b"/>
           <a:lstStyle>
             <a:lvl1pPr>
-              <a:defRPr sz="4500"/>
+              <a:defRPr sz="6000"/>
             </a:lvl1pPr>
           </a:lstStyle>
           <a:p>
@@ -885,8 +885,8 @@
         </p:nvSpPr>
         <p:spPr>
           <a:xfrm>
-            <a:off x="467916" y="6629226"/>
-            <a:ext cx="5915025" cy="2166937"/>
+            <a:off x="675879" y="4589465"/>
+            <a:ext cx="8543925" cy="1500187"/>
           </a:xfrm>
         </p:spPr>
         <p:txBody>
@@ -894,15 +894,15 @@
           <a:lstStyle>
             <a:lvl1pPr marL="0" indent="0">
               <a:buNone/>
-              <a:defRPr sz="1800">
+              <a:defRPr sz="2400">
                 <a:solidFill>
                   <a:schemeClr val="tx1"/>
                 </a:solidFill>
               </a:defRPr>
             </a:lvl1pPr>
-            <a:lvl2pPr marL="342900" indent="0">
+            <a:lvl2pPr marL="457200" indent="0">
               <a:buNone/>
-              <a:defRPr sz="1500">
+              <a:defRPr sz="2000">
                 <a:solidFill>
                   <a:schemeClr val="tx1">
                     <a:tint val="75000"/>
@@ -910,9 +910,9 @@
                 </a:solidFill>
               </a:defRPr>
             </a:lvl2pPr>
-            <a:lvl3pPr marL="685800" indent="0">
+            <a:lvl3pPr marL="914400" indent="0">
               <a:buNone/>
-              <a:defRPr sz="1350">
+              <a:defRPr sz="1800">
                 <a:solidFill>
                   <a:schemeClr val="tx1">
                     <a:tint val="75000"/>
@@ -920,9 +920,9 @@
                 </a:solidFill>
               </a:defRPr>
             </a:lvl3pPr>
-            <a:lvl4pPr marL="1028700" indent="0">
+            <a:lvl4pPr marL="1371600" indent="0">
               <a:buNone/>
-              <a:defRPr sz="1200">
+              <a:defRPr sz="1600">
                 <a:solidFill>
                   <a:schemeClr val="tx1">
                     <a:tint val="75000"/>
@@ -930,9 +930,9 @@
                 </a:solidFill>
               </a:defRPr>
             </a:lvl4pPr>
-            <a:lvl5pPr marL="1371600" indent="0">
+            <a:lvl5pPr marL="1828800" indent="0">
               <a:buNone/>
-              <a:defRPr sz="1200">
+              <a:defRPr sz="1600">
                 <a:solidFill>
                   <a:schemeClr val="tx1">
                     <a:tint val="75000"/>
@@ -940,9 +940,9 @@
                 </a:solidFill>
               </a:defRPr>
             </a:lvl5pPr>
-            <a:lvl6pPr marL="1714500" indent="0">
+            <a:lvl6pPr marL="2286000" indent="0">
               <a:buNone/>
-              <a:defRPr sz="1200">
+              <a:defRPr sz="1600">
                 <a:solidFill>
                   <a:schemeClr val="tx1">
                     <a:tint val="75000"/>
@@ -950,9 +950,9 @@
                 </a:solidFill>
               </a:defRPr>
             </a:lvl6pPr>
-            <a:lvl7pPr marL="2057400" indent="0">
+            <a:lvl7pPr marL="2743200" indent="0">
               <a:buNone/>
-              <a:defRPr sz="1200">
+              <a:defRPr sz="1600">
                 <a:solidFill>
                   <a:schemeClr val="tx1">
                     <a:tint val="75000"/>
@@ -960,9 +960,9 @@
                 </a:solidFill>
               </a:defRPr>
             </a:lvl7pPr>
-            <a:lvl8pPr marL="2400300" indent="0">
+            <a:lvl8pPr marL="3200400" indent="0">
               <a:buNone/>
-              <a:defRPr sz="1200">
+              <a:defRPr sz="1600">
                 <a:solidFill>
                   <a:schemeClr val="tx1">
                     <a:tint val="75000"/>
@@ -970,9 +970,9 @@
                 </a:solidFill>
               </a:defRPr>
             </a:lvl8pPr>
-            <a:lvl9pPr marL="2743200" indent="0">
+            <a:lvl9pPr marL="3657600" indent="0">
               <a:buNone/>
-              <a:defRPr sz="1200">
+              <a:defRPr sz="1600">
                 <a:solidFill>
                   <a:schemeClr val="tx1">
                     <a:tint val="75000"/>
@@ -1007,7 +1007,7 @@
           <a:p>
             <a:fld id="{1DD5E214-71AE-49E0-8511-3FE919ED9730}" type="datetimeFigureOut">
               <a:rPr lang="fr-FR" smtClean="0"/>
-              <a:t>11/05/2020</a:t>
+              <a:t>20/05/2020</a:t>
             </a:fld>
             <a:endParaRPr lang="fr-FR"/>
           </a:p>
@@ -1058,7 +1058,7 @@
     </p:spTree>
     <p:extLst>
       <p:ext uri="{BB962C8B-B14F-4D97-AF65-F5344CB8AC3E}">
-        <p14:creationId xmlns:p14="http://schemas.microsoft.com/office/powerpoint/2010/main" val="589550395"/>
+        <p14:creationId xmlns:p14="http://schemas.microsoft.com/office/powerpoint/2010/main" val="2547565092"/>
       </p:ext>
     </p:extLst>
   </p:cSld>
@@ -1120,8 +1120,8 @@
         </p:nvSpPr>
         <p:spPr>
           <a:xfrm>
-            <a:off x="471488" y="2637014"/>
-            <a:ext cx="2914650" cy="6285266"/>
+            <a:off x="681038" y="1825625"/>
+            <a:ext cx="4210050" cy="4351338"/>
           </a:xfrm>
         </p:spPr>
         <p:txBody>
@@ -1177,8 +1177,8 @@
         </p:nvSpPr>
         <p:spPr>
           <a:xfrm>
-            <a:off x="3471863" y="2637014"/>
-            <a:ext cx="2914650" cy="6285266"/>
+            <a:off x="5014913" y="1825625"/>
+            <a:ext cx="4210050" cy="4351338"/>
           </a:xfrm>
         </p:spPr>
         <p:txBody>
@@ -1239,7 +1239,7 @@
           <a:p>
             <a:fld id="{1DD5E214-71AE-49E0-8511-3FE919ED9730}" type="datetimeFigureOut">
               <a:rPr lang="fr-FR" smtClean="0"/>
-              <a:t>11/05/2020</a:t>
+              <a:t>20/05/2020</a:t>
             </a:fld>
             <a:endParaRPr lang="fr-FR"/>
           </a:p>
@@ -1290,7 +1290,7 @@
     </p:spTree>
     <p:extLst>
       <p:ext uri="{BB962C8B-B14F-4D97-AF65-F5344CB8AC3E}">
-        <p14:creationId xmlns:p14="http://schemas.microsoft.com/office/powerpoint/2010/main" val="3894653934"/>
+        <p14:creationId xmlns:p14="http://schemas.microsoft.com/office/powerpoint/2010/main" val="2221656605"/>
       </p:ext>
     </p:extLst>
   </p:cSld>
@@ -1329,8 +1329,8 @@
         </p:nvSpPr>
         <p:spPr>
           <a:xfrm>
-            <a:off x="472381" y="527405"/>
-            <a:ext cx="5915025" cy="1914702"/>
+            <a:off x="682328" y="365127"/>
+            <a:ext cx="8543925" cy="1325563"/>
           </a:xfrm>
         </p:spPr>
         <p:txBody>
@@ -1357,8 +1357,8 @@
         </p:nvSpPr>
         <p:spPr>
           <a:xfrm>
-            <a:off x="472381" y="2428347"/>
-            <a:ext cx="2901255" cy="1190095"/>
+            <a:off x="682329" y="1681163"/>
+            <a:ext cx="4190702" cy="823912"/>
           </a:xfrm>
         </p:spPr>
         <p:txBody>
@@ -1366,39 +1366,39 @@
           <a:lstStyle>
             <a:lvl1pPr marL="0" indent="0">
               <a:buNone/>
+              <a:defRPr sz="2400" b="1"/>
+            </a:lvl1pPr>
+            <a:lvl2pPr marL="457200" indent="0">
+              <a:buNone/>
+              <a:defRPr sz="2000" b="1"/>
+            </a:lvl2pPr>
+            <a:lvl3pPr marL="914400" indent="0">
+              <a:buNone/>
               <a:defRPr sz="1800" b="1"/>
-            </a:lvl1pPr>
-            <a:lvl2pPr marL="342900" indent="0">
+            </a:lvl3pPr>
+            <a:lvl4pPr marL="1371600" indent="0">
               <a:buNone/>
-              <a:defRPr sz="1500" b="1"/>
-            </a:lvl2pPr>
-            <a:lvl3pPr marL="685800" indent="0">
+              <a:defRPr sz="1600" b="1"/>
+            </a:lvl4pPr>
+            <a:lvl5pPr marL="1828800" indent="0">
               <a:buNone/>
-              <a:defRPr sz="1350" b="1"/>
-            </a:lvl3pPr>
-            <a:lvl4pPr marL="1028700" indent="0">
+              <a:defRPr sz="1600" b="1"/>
+            </a:lvl5pPr>
+            <a:lvl6pPr marL="2286000" indent="0">
               <a:buNone/>
-              <a:defRPr sz="1200" b="1"/>
-            </a:lvl4pPr>
-            <a:lvl5pPr marL="1371600" indent="0">
+              <a:defRPr sz="1600" b="1"/>
+            </a:lvl6pPr>
+            <a:lvl7pPr marL="2743200" indent="0">
               <a:buNone/>
-              <a:defRPr sz="1200" b="1"/>
-            </a:lvl5pPr>
-            <a:lvl6pPr marL="1714500" indent="0">
+              <a:defRPr sz="1600" b="1"/>
+            </a:lvl7pPr>
+            <a:lvl8pPr marL="3200400" indent="0">
               <a:buNone/>
-              <a:defRPr sz="1200" b="1"/>
-            </a:lvl6pPr>
-            <a:lvl7pPr marL="2057400" indent="0">
+              <a:defRPr sz="1600" b="1"/>
+            </a:lvl8pPr>
+            <a:lvl9pPr marL="3657600" indent="0">
               <a:buNone/>
-              <a:defRPr sz="1200" b="1"/>
-            </a:lvl7pPr>
-            <a:lvl8pPr marL="2400300" indent="0">
-              <a:buNone/>
-              <a:defRPr sz="1200" b="1"/>
-            </a:lvl8pPr>
-            <a:lvl9pPr marL="2743200" indent="0">
-              <a:buNone/>
-              <a:defRPr sz="1200" b="1"/>
+              <a:defRPr sz="1600" b="1"/>
             </a:lvl9pPr>
           </a:lstStyle>
           <a:p>
@@ -1422,8 +1422,8 @@
         </p:nvSpPr>
         <p:spPr>
           <a:xfrm>
-            <a:off x="472381" y="3618442"/>
-            <a:ext cx="2901255" cy="5322183"/>
+            <a:off x="682329" y="2505075"/>
+            <a:ext cx="4190702" cy="3684588"/>
           </a:xfrm>
         </p:spPr>
         <p:txBody>
@@ -1479,8 +1479,8 @@
         </p:nvSpPr>
         <p:spPr>
           <a:xfrm>
-            <a:off x="3471863" y="2428347"/>
-            <a:ext cx="2915543" cy="1190095"/>
+            <a:off x="5014913" y="1681163"/>
+            <a:ext cx="4211340" cy="823912"/>
           </a:xfrm>
         </p:spPr>
         <p:txBody>
@@ -1488,39 +1488,39 @@
           <a:lstStyle>
             <a:lvl1pPr marL="0" indent="0">
               <a:buNone/>
+              <a:defRPr sz="2400" b="1"/>
+            </a:lvl1pPr>
+            <a:lvl2pPr marL="457200" indent="0">
+              <a:buNone/>
+              <a:defRPr sz="2000" b="1"/>
+            </a:lvl2pPr>
+            <a:lvl3pPr marL="914400" indent="0">
+              <a:buNone/>
               <a:defRPr sz="1800" b="1"/>
-            </a:lvl1pPr>
-            <a:lvl2pPr marL="342900" indent="0">
+            </a:lvl3pPr>
+            <a:lvl4pPr marL="1371600" indent="0">
               <a:buNone/>
-              <a:defRPr sz="1500" b="1"/>
-            </a:lvl2pPr>
-            <a:lvl3pPr marL="685800" indent="0">
+              <a:defRPr sz="1600" b="1"/>
+            </a:lvl4pPr>
+            <a:lvl5pPr marL="1828800" indent="0">
               <a:buNone/>
-              <a:defRPr sz="1350" b="1"/>
-            </a:lvl3pPr>
-            <a:lvl4pPr marL="1028700" indent="0">
+              <a:defRPr sz="1600" b="1"/>
+            </a:lvl5pPr>
+            <a:lvl6pPr marL="2286000" indent="0">
               <a:buNone/>
-              <a:defRPr sz="1200" b="1"/>
-            </a:lvl4pPr>
-            <a:lvl5pPr marL="1371600" indent="0">
+              <a:defRPr sz="1600" b="1"/>
+            </a:lvl6pPr>
+            <a:lvl7pPr marL="2743200" indent="0">
               <a:buNone/>
-              <a:defRPr sz="1200" b="1"/>
-            </a:lvl5pPr>
-            <a:lvl6pPr marL="1714500" indent="0">
+              <a:defRPr sz="1600" b="1"/>
+            </a:lvl7pPr>
+            <a:lvl8pPr marL="3200400" indent="0">
               <a:buNone/>
-              <a:defRPr sz="1200" b="1"/>
-            </a:lvl6pPr>
-            <a:lvl7pPr marL="2057400" indent="0">
+              <a:defRPr sz="1600" b="1"/>
+            </a:lvl8pPr>
+            <a:lvl9pPr marL="3657600" indent="0">
               <a:buNone/>
-              <a:defRPr sz="1200" b="1"/>
-            </a:lvl7pPr>
-            <a:lvl8pPr marL="2400300" indent="0">
-              <a:buNone/>
-              <a:defRPr sz="1200" b="1"/>
-            </a:lvl8pPr>
-            <a:lvl9pPr marL="2743200" indent="0">
-              <a:buNone/>
-              <a:defRPr sz="1200" b="1"/>
+              <a:defRPr sz="1600" b="1"/>
             </a:lvl9pPr>
           </a:lstStyle>
           <a:p>
@@ -1544,8 +1544,8 @@
         </p:nvSpPr>
         <p:spPr>
           <a:xfrm>
-            <a:off x="3471863" y="3618442"/>
-            <a:ext cx="2915543" cy="5322183"/>
+            <a:off x="5014913" y="2505075"/>
+            <a:ext cx="4211340" cy="3684588"/>
           </a:xfrm>
         </p:spPr>
         <p:txBody>
@@ -1606,7 +1606,7 @@
           <a:p>
             <a:fld id="{1DD5E214-71AE-49E0-8511-3FE919ED9730}" type="datetimeFigureOut">
               <a:rPr lang="fr-FR" smtClean="0"/>
-              <a:t>11/05/2020</a:t>
+              <a:t>20/05/2020</a:t>
             </a:fld>
             <a:endParaRPr lang="fr-FR"/>
           </a:p>
@@ -1657,7 +1657,7 @@
     </p:spTree>
     <p:extLst>
       <p:ext uri="{BB962C8B-B14F-4D97-AF65-F5344CB8AC3E}">
-        <p14:creationId xmlns:p14="http://schemas.microsoft.com/office/powerpoint/2010/main" val="3635023857"/>
+        <p14:creationId xmlns:p14="http://schemas.microsoft.com/office/powerpoint/2010/main" val="2663521246"/>
       </p:ext>
     </p:extLst>
   </p:cSld>
@@ -1724,7 +1724,7 @@
           <a:p>
             <a:fld id="{1DD5E214-71AE-49E0-8511-3FE919ED9730}" type="datetimeFigureOut">
               <a:rPr lang="fr-FR" smtClean="0"/>
-              <a:t>11/05/2020</a:t>
+              <a:t>20/05/2020</a:t>
             </a:fld>
             <a:endParaRPr lang="fr-FR"/>
           </a:p>
@@ -1775,7 +1775,7 @@
     </p:spTree>
     <p:extLst>
       <p:ext uri="{BB962C8B-B14F-4D97-AF65-F5344CB8AC3E}">
-        <p14:creationId xmlns:p14="http://schemas.microsoft.com/office/powerpoint/2010/main" val="3364504004"/>
+        <p14:creationId xmlns:p14="http://schemas.microsoft.com/office/powerpoint/2010/main" val="2209242122"/>
       </p:ext>
     </p:extLst>
   </p:cSld>
@@ -1819,7 +1819,7 @@
           <a:p>
             <a:fld id="{1DD5E214-71AE-49E0-8511-3FE919ED9730}" type="datetimeFigureOut">
               <a:rPr lang="fr-FR" smtClean="0"/>
-              <a:t>11/05/2020</a:t>
+              <a:t>20/05/2020</a:t>
             </a:fld>
             <a:endParaRPr lang="fr-FR"/>
           </a:p>
@@ -1870,7 +1870,7 @@
     </p:spTree>
     <p:extLst>
       <p:ext uri="{BB962C8B-B14F-4D97-AF65-F5344CB8AC3E}">
-        <p14:creationId xmlns:p14="http://schemas.microsoft.com/office/powerpoint/2010/main" val="3966017950"/>
+        <p14:creationId xmlns:p14="http://schemas.microsoft.com/office/powerpoint/2010/main" val="1911222520"/>
       </p:ext>
     </p:extLst>
   </p:cSld>
@@ -1909,15 +1909,15 @@
         </p:nvSpPr>
         <p:spPr>
           <a:xfrm>
-            <a:off x="472381" y="660400"/>
-            <a:ext cx="2211884" cy="2311400"/>
+            <a:off x="682328" y="457200"/>
+            <a:ext cx="3194943" cy="1600200"/>
           </a:xfrm>
         </p:spPr>
         <p:txBody>
           <a:bodyPr anchor="b"/>
           <a:lstStyle>
             <a:lvl1pPr>
-              <a:defRPr sz="2400"/>
+              <a:defRPr sz="3200"/>
             </a:lvl1pPr>
           </a:lstStyle>
           <a:p>
@@ -1941,39 +1941,39 @@
         </p:nvSpPr>
         <p:spPr>
           <a:xfrm>
-            <a:off x="2915543" y="1426283"/>
-            <a:ext cx="3471863" cy="7039681"/>
+            <a:off x="4211340" y="987427"/>
+            <a:ext cx="5014913" cy="4873625"/>
           </a:xfrm>
         </p:spPr>
         <p:txBody>
           <a:bodyPr/>
           <a:lstStyle>
             <a:lvl1pPr>
-              <a:defRPr sz="2400"/>
+              <a:defRPr sz="3200"/>
             </a:lvl1pPr>
             <a:lvl2pPr>
-              <a:defRPr sz="2100"/>
+              <a:defRPr sz="2800"/>
             </a:lvl2pPr>
             <a:lvl3pPr>
-              <a:defRPr sz="1800"/>
+              <a:defRPr sz="2400"/>
             </a:lvl3pPr>
             <a:lvl4pPr>
-              <a:defRPr sz="1500"/>
+              <a:defRPr sz="2000"/>
             </a:lvl4pPr>
             <a:lvl5pPr>
-              <a:defRPr sz="1500"/>
+              <a:defRPr sz="2000"/>
             </a:lvl5pPr>
             <a:lvl6pPr>
-              <a:defRPr sz="1500"/>
+              <a:defRPr sz="2000"/>
             </a:lvl6pPr>
             <a:lvl7pPr>
-              <a:defRPr sz="1500"/>
+              <a:defRPr sz="2000"/>
             </a:lvl7pPr>
             <a:lvl8pPr>
-              <a:defRPr sz="1500"/>
+              <a:defRPr sz="2000"/>
             </a:lvl8pPr>
             <a:lvl9pPr>
-              <a:defRPr sz="1500"/>
+              <a:defRPr sz="2000"/>
             </a:lvl9pPr>
           </a:lstStyle>
           <a:p>
@@ -2026,8 +2026,8 @@
         </p:nvSpPr>
         <p:spPr>
           <a:xfrm>
-            <a:off x="472381" y="2971800"/>
-            <a:ext cx="2211884" cy="5505627"/>
+            <a:off x="682328" y="2057400"/>
+            <a:ext cx="3194943" cy="3811588"/>
           </a:xfrm>
         </p:spPr>
         <p:txBody>
@@ -2035,39 +2035,39 @@
           <a:lstStyle>
             <a:lvl1pPr marL="0" indent="0">
               <a:buNone/>
+              <a:defRPr sz="1600"/>
+            </a:lvl1pPr>
+            <a:lvl2pPr marL="457200" indent="0">
+              <a:buNone/>
+              <a:defRPr sz="1400"/>
+            </a:lvl2pPr>
+            <a:lvl3pPr marL="914400" indent="0">
+              <a:buNone/>
               <a:defRPr sz="1200"/>
-            </a:lvl1pPr>
-            <a:lvl2pPr marL="342900" indent="0">
+            </a:lvl3pPr>
+            <a:lvl4pPr marL="1371600" indent="0">
               <a:buNone/>
-              <a:defRPr sz="1050"/>
-            </a:lvl2pPr>
-            <a:lvl3pPr marL="685800" indent="0">
+              <a:defRPr sz="1000"/>
+            </a:lvl4pPr>
+            <a:lvl5pPr marL="1828800" indent="0">
               <a:buNone/>
-              <a:defRPr sz="900"/>
-            </a:lvl3pPr>
-            <a:lvl4pPr marL="1028700" indent="0">
+              <a:defRPr sz="1000"/>
+            </a:lvl5pPr>
+            <a:lvl6pPr marL="2286000" indent="0">
               <a:buNone/>
-              <a:defRPr sz="750"/>
-            </a:lvl4pPr>
-            <a:lvl5pPr marL="1371600" indent="0">
+              <a:defRPr sz="1000"/>
+            </a:lvl6pPr>
+            <a:lvl7pPr marL="2743200" indent="0">
               <a:buNone/>
-              <a:defRPr sz="750"/>
-            </a:lvl5pPr>
-            <a:lvl6pPr marL="1714500" indent="0">
+              <a:defRPr sz="1000"/>
+            </a:lvl7pPr>
+            <a:lvl8pPr marL="3200400" indent="0">
               <a:buNone/>
-              <a:defRPr sz="750"/>
-            </a:lvl6pPr>
-            <a:lvl7pPr marL="2057400" indent="0">
+              <a:defRPr sz="1000"/>
+            </a:lvl8pPr>
+            <a:lvl9pPr marL="3657600" indent="0">
               <a:buNone/>
-              <a:defRPr sz="750"/>
-            </a:lvl7pPr>
-            <a:lvl8pPr marL="2400300" indent="0">
-              <a:buNone/>
-              <a:defRPr sz="750"/>
-            </a:lvl8pPr>
-            <a:lvl9pPr marL="2743200" indent="0">
-              <a:buNone/>
-              <a:defRPr sz="750"/>
+              <a:defRPr sz="1000"/>
             </a:lvl9pPr>
           </a:lstStyle>
           <a:p>
@@ -2096,7 +2096,7 @@
           <a:p>
             <a:fld id="{1DD5E214-71AE-49E0-8511-3FE919ED9730}" type="datetimeFigureOut">
               <a:rPr lang="fr-FR" smtClean="0"/>
-              <a:t>11/05/2020</a:t>
+              <a:t>20/05/2020</a:t>
             </a:fld>
             <a:endParaRPr lang="fr-FR"/>
           </a:p>
@@ -2147,7 +2147,7 @@
     </p:spTree>
     <p:extLst>
       <p:ext uri="{BB962C8B-B14F-4D97-AF65-F5344CB8AC3E}">
-        <p14:creationId xmlns:p14="http://schemas.microsoft.com/office/powerpoint/2010/main" val="656862557"/>
+        <p14:creationId xmlns:p14="http://schemas.microsoft.com/office/powerpoint/2010/main" val="3193540941"/>
       </p:ext>
     </p:extLst>
   </p:cSld>
@@ -2186,15 +2186,15 @@
         </p:nvSpPr>
         <p:spPr>
           <a:xfrm>
-            <a:off x="472381" y="660400"/>
-            <a:ext cx="2211884" cy="2311400"/>
+            <a:off x="682328" y="457200"/>
+            <a:ext cx="3194943" cy="1600200"/>
           </a:xfrm>
         </p:spPr>
         <p:txBody>
           <a:bodyPr anchor="b"/>
           <a:lstStyle>
             <a:lvl1pPr>
-              <a:defRPr sz="2400"/>
+              <a:defRPr sz="3200"/>
             </a:lvl1pPr>
           </a:lstStyle>
           <a:p>
@@ -2218,8 +2218,8 @@
         </p:nvSpPr>
         <p:spPr>
           <a:xfrm>
-            <a:off x="2915543" y="1426283"/>
-            <a:ext cx="3471863" cy="7039681"/>
+            <a:off x="4211340" y="987427"/>
+            <a:ext cx="5014913" cy="4873625"/>
           </a:xfrm>
         </p:spPr>
         <p:txBody>
@@ -2227,39 +2227,39 @@
           <a:lstStyle>
             <a:lvl1pPr marL="0" indent="0">
               <a:buNone/>
+              <a:defRPr sz="3200"/>
+            </a:lvl1pPr>
+            <a:lvl2pPr marL="457200" indent="0">
+              <a:buNone/>
+              <a:defRPr sz="2800"/>
+            </a:lvl2pPr>
+            <a:lvl3pPr marL="914400" indent="0">
+              <a:buNone/>
               <a:defRPr sz="2400"/>
-            </a:lvl1pPr>
-            <a:lvl2pPr marL="342900" indent="0">
+            </a:lvl3pPr>
+            <a:lvl4pPr marL="1371600" indent="0">
               <a:buNone/>
-              <a:defRPr sz="2100"/>
-            </a:lvl2pPr>
-            <a:lvl3pPr marL="685800" indent="0">
+              <a:defRPr sz="2000"/>
+            </a:lvl4pPr>
+            <a:lvl5pPr marL="1828800" indent="0">
               <a:buNone/>
-              <a:defRPr sz="1800"/>
-            </a:lvl3pPr>
-            <a:lvl4pPr marL="1028700" indent="0">
+              <a:defRPr sz="2000"/>
+            </a:lvl5pPr>
+            <a:lvl6pPr marL="2286000" indent="0">
               <a:buNone/>
-              <a:defRPr sz="1500"/>
-            </a:lvl4pPr>
-            <a:lvl5pPr marL="1371600" indent="0">
+              <a:defRPr sz="2000"/>
+            </a:lvl6pPr>
+            <a:lvl7pPr marL="2743200" indent="0">
               <a:buNone/>
-              <a:defRPr sz="1500"/>
-            </a:lvl5pPr>
-            <a:lvl6pPr marL="1714500" indent="0">
+              <a:defRPr sz="2000"/>
+            </a:lvl7pPr>
+            <a:lvl8pPr marL="3200400" indent="0">
               <a:buNone/>
-              <a:defRPr sz="1500"/>
-            </a:lvl6pPr>
-            <a:lvl7pPr marL="2057400" indent="0">
+              <a:defRPr sz="2000"/>
+            </a:lvl8pPr>
+            <a:lvl9pPr marL="3657600" indent="0">
               <a:buNone/>
-              <a:defRPr sz="1500"/>
-            </a:lvl7pPr>
-            <a:lvl8pPr marL="2400300" indent="0">
-              <a:buNone/>
-              <a:defRPr sz="1500"/>
-            </a:lvl8pPr>
-            <a:lvl9pPr marL="2743200" indent="0">
-              <a:buNone/>
-              <a:defRPr sz="1500"/>
+              <a:defRPr sz="2000"/>
             </a:lvl9pPr>
           </a:lstStyle>
           <a:p>
@@ -2283,8 +2283,8 @@
         </p:nvSpPr>
         <p:spPr>
           <a:xfrm>
-            <a:off x="472381" y="2971800"/>
-            <a:ext cx="2211884" cy="5505627"/>
+            <a:off x="682328" y="2057400"/>
+            <a:ext cx="3194943" cy="3811588"/>
           </a:xfrm>
         </p:spPr>
         <p:txBody>
@@ -2292,39 +2292,39 @@
           <a:lstStyle>
             <a:lvl1pPr marL="0" indent="0">
               <a:buNone/>
+              <a:defRPr sz="1600"/>
+            </a:lvl1pPr>
+            <a:lvl2pPr marL="457200" indent="0">
+              <a:buNone/>
+              <a:defRPr sz="1400"/>
+            </a:lvl2pPr>
+            <a:lvl3pPr marL="914400" indent="0">
+              <a:buNone/>
               <a:defRPr sz="1200"/>
-            </a:lvl1pPr>
-            <a:lvl2pPr marL="342900" indent="0">
+            </a:lvl3pPr>
+            <a:lvl4pPr marL="1371600" indent="0">
               <a:buNone/>
-              <a:defRPr sz="1050"/>
-            </a:lvl2pPr>
-            <a:lvl3pPr marL="685800" indent="0">
+              <a:defRPr sz="1000"/>
+            </a:lvl4pPr>
+            <a:lvl5pPr marL="1828800" indent="0">
               <a:buNone/>
-              <a:defRPr sz="900"/>
-            </a:lvl3pPr>
-            <a:lvl4pPr marL="1028700" indent="0">
+              <a:defRPr sz="1000"/>
+            </a:lvl5pPr>
+            <a:lvl6pPr marL="2286000" indent="0">
               <a:buNone/>
-              <a:defRPr sz="750"/>
-            </a:lvl4pPr>
-            <a:lvl5pPr marL="1371600" indent="0">
+              <a:defRPr sz="1000"/>
+            </a:lvl6pPr>
+            <a:lvl7pPr marL="2743200" indent="0">
               <a:buNone/>
-              <a:defRPr sz="750"/>
-            </a:lvl5pPr>
-            <a:lvl6pPr marL="1714500" indent="0">
+              <a:defRPr sz="1000"/>
+            </a:lvl7pPr>
+            <a:lvl8pPr marL="3200400" indent="0">
               <a:buNone/>
-              <a:defRPr sz="750"/>
-            </a:lvl6pPr>
-            <a:lvl7pPr marL="2057400" indent="0">
+              <a:defRPr sz="1000"/>
+            </a:lvl8pPr>
+            <a:lvl9pPr marL="3657600" indent="0">
               <a:buNone/>
-              <a:defRPr sz="750"/>
-            </a:lvl7pPr>
-            <a:lvl8pPr marL="2400300" indent="0">
-              <a:buNone/>
-              <a:defRPr sz="750"/>
-            </a:lvl8pPr>
-            <a:lvl9pPr marL="2743200" indent="0">
-              <a:buNone/>
-              <a:defRPr sz="750"/>
+              <a:defRPr sz="1000"/>
             </a:lvl9pPr>
           </a:lstStyle>
           <a:p>
@@ -2353,7 +2353,7 @@
           <a:p>
             <a:fld id="{1DD5E214-71AE-49E0-8511-3FE919ED9730}" type="datetimeFigureOut">
               <a:rPr lang="fr-FR" smtClean="0"/>
-              <a:t>11/05/2020</a:t>
+              <a:t>20/05/2020</a:t>
             </a:fld>
             <a:endParaRPr lang="fr-FR"/>
           </a:p>
@@ -2404,7 +2404,7 @@
     </p:spTree>
     <p:extLst>
       <p:ext uri="{BB962C8B-B14F-4D97-AF65-F5344CB8AC3E}">
-        <p14:creationId xmlns:p14="http://schemas.microsoft.com/office/powerpoint/2010/main" val="1222270059"/>
+        <p14:creationId xmlns:p14="http://schemas.microsoft.com/office/powerpoint/2010/main" val="826464329"/>
       </p:ext>
     </p:extLst>
   </p:cSld>
@@ -2448,8 +2448,8 @@
         </p:nvSpPr>
         <p:spPr>
           <a:xfrm>
-            <a:off x="471488" y="527405"/>
-            <a:ext cx="5915025" cy="1914702"/>
+            <a:off x="681038" y="365127"/>
+            <a:ext cx="8543925" cy="1325563"/>
           </a:xfrm>
           <a:prstGeom prst="rect">
             <a:avLst/>
@@ -2481,8 +2481,8 @@
         </p:nvSpPr>
         <p:spPr>
           <a:xfrm>
-            <a:off x="471488" y="2637014"/>
-            <a:ext cx="5915025" cy="6285266"/>
+            <a:off x="681038" y="1825625"/>
+            <a:ext cx="8543925" cy="4351338"/>
           </a:xfrm>
           <a:prstGeom prst="rect">
             <a:avLst/>
@@ -2543,8 +2543,8 @@
         </p:nvSpPr>
         <p:spPr>
           <a:xfrm>
-            <a:off x="471488" y="9181397"/>
-            <a:ext cx="1543050" cy="527403"/>
+            <a:off x="681038" y="6356352"/>
+            <a:ext cx="2228850" cy="365125"/>
           </a:xfrm>
           <a:prstGeom prst="rect">
             <a:avLst/>
@@ -2554,7 +2554,7 @@
           <a:bodyPr vert="horz" lIns="91440" tIns="45720" rIns="91440" bIns="45720" rtlCol="0" anchor="ctr"/>
           <a:lstStyle>
             <a:lvl1pPr algn="l">
-              <a:defRPr sz="900">
+              <a:defRPr sz="1200">
                 <a:solidFill>
                   <a:schemeClr val="tx1">
                     <a:tint val="75000"/>
@@ -2566,7 +2566,7 @@
           <a:p>
             <a:fld id="{1DD5E214-71AE-49E0-8511-3FE919ED9730}" type="datetimeFigureOut">
               <a:rPr lang="fr-FR" smtClean="0"/>
-              <a:t>11/05/2020</a:t>
+              <a:t>20/05/2020</a:t>
             </a:fld>
             <a:endParaRPr lang="fr-FR"/>
           </a:p>
@@ -2584,8 +2584,8 @@
         </p:nvSpPr>
         <p:spPr>
           <a:xfrm>
-            <a:off x="2271713" y="9181397"/>
-            <a:ext cx="2314575" cy="527403"/>
+            <a:off x="3281363" y="6356352"/>
+            <a:ext cx="3343275" cy="365125"/>
           </a:xfrm>
           <a:prstGeom prst="rect">
             <a:avLst/>
@@ -2595,7 +2595,7 @@
           <a:bodyPr vert="horz" lIns="91440" tIns="45720" rIns="91440" bIns="45720" rtlCol="0" anchor="ctr"/>
           <a:lstStyle>
             <a:lvl1pPr algn="ctr">
-              <a:defRPr sz="900">
+              <a:defRPr sz="1200">
                 <a:solidFill>
                   <a:schemeClr val="tx1">
                     <a:tint val="75000"/>
@@ -2621,8 +2621,8 @@
         </p:nvSpPr>
         <p:spPr>
           <a:xfrm>
-            <a:off x="4843463" y="9181397"/>
-            <a:ext cx="1543050" cy="527403"/>
+            <a:off x="6996113" y="6356352"/>
+            <a:ext cx="2228850" cy="365125"/>
           </a:xfrm>
           <a:prstGeom prst="rect">
             <a:avLst/>
@@ -2632,7 +2632,7 @@
           <a:bodyPr vert="horz" lIns="91440" tIns="45720" rIns="91440" bIns="45720" rtlCol="0" anchor="ctr"/>
           <a:lstStyle>
             <a:lvl1pPr algn="r">
-              <a:defRPr sz="900">
+              <a:defRPr sz="1200">
                 <a:solidFill>
                   <a:schemeClr val="tx1">
                     <a:tint val="75000"/>
@@ -2653,27 +2653,27 @@
     </p:spTree>
     <p:extLst>
       <p:ext uri="{BB962C8B-B14F-4D97-AF65-F5344CB8AC3E}">
-        <p14:creationId xmlns:p14="http://schemas.microsoft.com/office/powerpoint/2010/main" val="3076919400"/>
+        <p14:creationId xmlns:p14="http://schemas.microsoft.com/office/powerpoint/2010/main" val="472553560"/>
       </p:ext>
     </p:extLst>
   </p:cSld>
   <p:clrMap bg1="lt1" tx1="dk1" bg2="lt2" tx2="dk2" accent1="accent1" accent2="accent2" accent3="accent3" accent4="accent4" accent5="accent5" accent6="accent6" hlink="hlink" folHlink="folHlink"/>
   <p:sldLayoutIdLst>
-    <p:sldLayoutId id="2147483673" r:id="rId1"/>
-    <p:sldLayoutId id="2147483674" r:id="rId2"/>
-    <p:sldLayoutId id="2147483675" r:id="rId3"/>
-    <p:sldLayoutId id="2147483676" r:id="rId4"/>
-    <p:sldLayoutId id="2147483677" r:id="rId5"/>
-    <p:sldLayoutId id="2147483678" r:id="rId6"/>
-    <p:sldLayoutId id="2147483679" r:id="rId7"/>
-    <p:sldLayoutId id="2147483680" r:id="rId8"/>
-    <p:sldLayoutId id="2147483681" r:id="rId9"/>
-    <p:sldLayoutId id="2147483682" r:id="rId10"/>
-    <p:sldLayoutId id="2147483683" r:id="rId11"/>
+    <p:sldLayoutId id="2147483685" r:id="rId1"/>
+    <p:sldLayoutId id="2147483686" r:id="rId2"/>
+    <p:sldLayoutId id="2147483687" r:id="rId3"/>
+    <p:sldLayoutId id="2147483688" r:id="rId4"/>
+    <p:sldLayoutId id="2147483689" r:id="rId5"/>
+    <p:sldLayoutId id="2147483690" r:id="rId6"/>
+    <p:sldLayoutId id="2147483691" r:id="rId7"/>
+    <p:sldLayoutId id="2147483692" r:id="rId8"/>
+    <p:sldLayoutId id="2147483693" r:id="rId9"/>
+    <p:sldLayoutId id="2147483694" r:id="rId10"/>
+    <p:sldLayoutId id="2147483695" r:id="rId11"/>
   </p:sldLayoutIdLst>
   <p:txStyles>
     <p:titleStyle>
-      <a:lvl1pPr algn="l" defTabSz="685800" rtl="0" eaLnBrk="1" latinLnBrk="0" hangingPunct="1">
+      <a:lvl1pPr algn="l" defTabSz="914400" rtl="0" eaLnBrk="1" latinLnBrk="0" hangingPunct="1">
         <a:lnSpc>
           <a:spcPct val="90000"/>
         </a:lnSpc>
@@ -2681,7 +2681,7 @@
           <a:spcPct val="0"/>
         </a:spcBef>
         <a:buNone/>
-        <a:defRPr sz="3300" kern="1200">
+        <a:defRPr sz="4400" kern="1200">
           <a:solidFill>
             <a:schemeClr val="tx1"/>
           </a:solidFill>
@@ -2692,16 +2692,16 @@
       </a:lvl1pPr>
     </p:titleStyle>
     <p:bodyStyle>
-      <a:lvl1pPr marL="171450" indent="-171450" algn="l" defTabSz="685800" rtl="0" eaLnBrk="1" latinLnBrk="0" hangingPunct="1">
+      <a:lvl1pPr marL="228600" indent="-228600" algn="l" defTabSz="914400" rtl="0" eaLnBrk="1" latinLnBrk="0" hangingPunct="1">
         <a:lnSpc>
           <a:spcPct val="90000"/>
         </a:lnSpc>
         <a:spcBef>
-          <a:spcPts val="750"/>
+          <a:spcPts val="1000"/>
         </a:spcBef>
         <a:buFont typeface="Arial" panose="020B0604020202020204" pitchFamily="34" charset="0"/>
         <a:buChar char="•"/>
-        <a:defRPr sz="2100" kern="1200">
+        <a:defRPr sz="2800" kern="1200">
           <a:solidFill>
             <a:schemeClr val="tx1"/>
           </a:solidFill>
@@ -2710,12 +2710,48 @@
           <a:cs typeface="+mn-cs"/>
         </a:defRPr>
       </a:lvl1pPr>
-      <a:lvl2pPr marL="514350" indent="-171450" algn="l" defTabSz="685800" rtl="0" eaLnBrk="1" latinLnBrk="0" hangingPunct="1">
+      <a:lvl2pPr marL="685800" indent="-228600" algn="l" defTabSz="914400" rtl="0" eaLnBrk="1" latinLnBrk="0" hangingPunct="1">
         <a:lnSpc>
           <a:spcPct val="90000"/>
         </a:lnSpc>
         <a:spcBef>
-          <a:spcPts val="375"/>
+          <a:spcPts val="500"/>
+        </a:spcBef>
+        <a:buFont typeface="Arial" panose="020B0604020202020204" pitchFamily="34" charset="0"/>
+        <a:buChar char="•"/>
+        <a:defRPr sz="2400" kern="1200">
+          <a:solidFill>
+            <a:schemeClr val="tx1"/>
+          </a:solidFill>
+          <a:latin typeface="+mn-lt"/>
+          <a:ea typeface="+mn-ea"/>
+          <a:cs typeface="+mn-cs"/>
+        </a:defRPr>
+      </a:lvl2pPr>
+      <a:lvl3pPr marL="1143000" indent="-228600" algn="l" defTabSz="914400" rtl="0" eaLnBrk="1" latinLnBrk="0" hangingPunct="1">
+        <a:lnSpc>
+          <a:spcPct val="90000"/>
+        </a:lnSpc>
+        <a:spcBef>
+          <a:spcPts val="500"/>
+        </a:spcBef>
+        <a:buFont typeface="Arial" panose="020B0604020202020204" pitchFamily="34" charset="0"/>
+        <a:buChar char="•"/>
+        <a:defRPr sz="2000" kern="1200">
+          <a:solidFill>
+            <a:schemeClr val="tx1"/>
+          </a:solidFill>
+          <a:latin typeface="+mn-lt"/>
+          <a:ea typeface="+mn-ea"/>
+          <a:cs typeface="+mn-cs"/>
+        </a:defRPr>
+      </a:lvl3pPr>
+      <a:lvl4pPr marL="1600200" indent="-228600" algn="l" defTabSz="914400" rtl="0" eaLnBrk="1" latinLnBrk="0" hangingPunct="1">
+        <a:lnSpc>
+          <a:spcPct val="90000"/>
+        </a:lnSpc>
+        <a:spcBef>
+          <a:spcPts val="500"/>
         </a:spcBef>
         <a:buFont typeface="Arial" panose="020B0604020202020204" pitchFamily="34" charset="0"/>
         <a:buChar char="•"/>
@@ -2727,53 +2763,17 @@
           <a:ea typeface="+mn-ea"/>
           <a:cs typeface="+mn-cs"/>
         </a:defRPr>
-      </a:lvl2pPr>
-      <a:lvl3pPr marL="857250" indent="-171450" algn="l" defTabSz="685800" rtl="0" eaLnBrk="1" latinLnBrk="0" hangingPunct="1">
+      </a:lvl4pPr>
+      <a:lvl5pPr marL="2057400" indent="-228600" algn="l" defTabSz="914400" rtl="0" eaLnBrk="1" latinLnBrk="0" hangingPunct="1">
         <a:lnSpc>
           <a:spcPct val="90000"/>
         </a:lnSpc>
         <a:spcBef>
-          <a:spcPts val="375"/>
+          <a:spcPts val="500"/>
         </a:spcBef>
         <a:buFont typeface="Arial" panose="020B0604020202020204" pitchFamily="34" charset="0"/>
         <a:buChar char="•"/>
-        <a:defRPr sz="1500" kern="1200">
-          <a:solidFill>
-            <a:schemeClr val="tx1"/>
-          </a:solidFill>
-          <a:latin typeface="+mn-lt"/>
-          <a:ea typeface="+mn-ea"/>
-          <a:cs typeface="+mn-cs"/>
-        </a:defRPr>
-      </a:lvl3pPr>
-      <a:lvl4pPr marL="1200150" indent="-171450" algn="l" defTabSz="685800" rtl="0" eaLnBrk="1" latinLnBrk="0" hangingPunct="1">
-        <a:lnSpc>
-          <a:spcPct val="90000"/>
-        </a:lnSpc>
-        <a:spcBef>
-          <a:spcPts val="375"/>
-        </a:spcBef>
-        <a:buFont typeface="Arial" panose="020B0604020202020204" pitchFamily="34" charset="0"/>
-        <a:buChar char="•"/>
-        <a:defRPr sz="1350" kern="1200">
-          <a:solidFill>
-            <a:schemeClr val="tx1"/>
-          </a:solidFill>
-          <a:latin typeface="+mn-lt"/>
-          <a:ea typeface="+mn-ea"/>
-          <a:cs typeface="+mn-cs"/>
-        </a:defRPr>
-      </a:lvl4pPr>
-      <a:lvl5pPr marL="1543050" indent="-171450" algn="l" defTabSz="685800" rtl="0" eaLnBrk="1" latinLnBrk="0" hangingPunct="1">
-        <a:lnSpc>
-          <a:spcPct val="90000"/>
-        </a:lnSpc>
-        <a:spcBef>
-          <a:spcPts val="375"/>
-        </a:spcBef>
-        <a:buFont typeface="Arial" panose="020B0604020202020204" pitchFamily="34" charset="0"/>
-        <a:buChar char="•"/>
-        <a:defRPr sz="1350" kern="1200">
+        <a:defRPr sz="1800" kern="1200">
           <a:solidFill>
             <a:schemeClr val="tx1"/>
           </a:solidFill>
@@ -2782,16 +2782,16 @@
           <a:cs typeface="+mn-cs"/>
         </a:defRPr>
       </a:lvl5pPr>
-      <a:lvl6pPr marL="1885950" indent="-171450" algn="l" defTabSz="685800" rtl="0" eaLnBrk="1" latinLnBrk="0" hangingPunct="1">
+      <a:lvl6pPr marL="2514600" indent="-228600" algn="l" defTabSz="914400" rtl="0" eaLnBrk="1" latinLnBrk="0" hangingPunct="1">
         <a:lnSpc>
           <a:spcPct val="90000"/>
         </a:lnSpc>
         <a:spcBef>
-          <a:spcPts val="375"/>
+          <a:spcPts val="500"/>
         </a:spcBef>
         <a:buFont typeface="Arial" panose="020B0604020202020204" pitchFamily="34" charset="0"/>
         <a:buChar char="•"/>
-        <a:defRPr sz="1350" kern="1200">
+        <a:defRPr sz="1800" kern="1200">
           <a:solidFill>
             <a:schemeClr val="tx1"/>
           </a:solidFill>
@@ -2800,16 +2800,16 @@
           <a:cs typeface="+mn-cs"/>
         </a:defRPr>
       </a:lvl6pPr>
-      <a:lvl7pPr marL="2228850" indent="-171450" algn="l" defTabSz="685800" rtl="0" eaLnBrk="1" latinLnBrk="0" hangingPunct="1">
+      <a:lvl7pPr marL="2971800" indent="-228600" algn="l" defTabSz="914400" rtl="0" eaLnBrk="1" latinLnBrk="0" hangingPunct="1">
         <a:lnSpc>
           <a:spcPct val="90000"/>
         </a:lnSpc>
         <a:spcBef>
-          <a:spcPts val="375"/>
+          <a:spcPts val="500"/>
         </a:spcBef>
         <a:buFont typeface="Arial" panose="020B0604020202020204" pitchFamily="34" charset="0"/>
         <a:buChar char="•"/>
-        <a:defRPr sz="1350" kern="1200">
+        <a:defRPr sz="1800" kern="1200">
           <a:solidFill>
             <a:schemeClr val="tx1"/>
           </a:solidFill>
@@ -2818,16 +2818,16 @@
           <a:cs typeface="+mn-cs"/>
         </a:defRPr>
       </a:lvl7pPr>
-      <a:lvl8pPr marL="2571750" indent="-171450" algn="l" defTabSz="685800" rtl="0" eaLnBrk="1" latinLnBrk="0" hangingPunct="1">
+      <a:lvl8pPr marL="3429000" indent="-228600" algn="l" defTabSz="914400" rtl="0" eaLnBrk="1" latinLnBrk="0" hangingPunct="1">
         <a:lnSpc>
           <a:spcPct val="90000"/>
         </a:lnSpc>
         <a:spcBef>
-          <a:spcPts val="375"/>
+          <a:spcPts val="500"/>
         </a:spcBef>
         <a:buFont typeface="Arial" panose="020B0604020202020204" pitchFamily="34" charset="0"/>
         <a:buChar char="•"/>
-        <a:defRPr sz="1350" kern="1200">
+        <a:defRPr sz="1800" kern="1200">
           <a:solidFill>
             <a:schemeClr val="tx1"/>
           </a:solidFill>
@@ -2836,16 +2836,16 @@
           <a:cs typeface="+mn-cs"/>
         </a:defRPr>
       </a:lvl8pPr>
-      <a:lvl9pPr marL="2914650" indent="-171450" algn="l" defTabSz="685800" rtl="0" eaLnBrk="1" latinLnBrk="0" hangingPunct="1">
+      <a:lvl9pPr marL="3886200" indent="-228600" algn="l" defTabSz="914400" rtl="0" eaLnBrk="1" latinLnBrk="0" hangingPunct="1">
         <a:lnSpc>
           <a:spcPct val="90000"/>
         </a:lnSpc>
         <a:spcBef>
-          <a:spcPts val="375"/>
+          <a:spcPts val="500"/>
         </a:spcBef>
         <a:buFont typeface="Arial" panose="020B0604020202020204" pitchFamily="34" charset="0"/>
         <a:buChar char="•"/>
-        <a:defRPr sz="1350" kern="1200">
+        <a:defRPr sz="1800" kern="1200">
           <a:solidFill>
             <a:schemeClr val="tx1"/>
           </a:solidFill>
@@ -2859,8 +2859,8 @@
       <a:defPPr>
         <a:defRPr lang="en-US"/>
       </a:defPPr>
-      <a:lvl1pPr marL="0" algn="l" defTabSz="685800" rtl="0" eaLnBrk="1" latinLnBrk="0" hangingPunct="1">
-        <a:defRPr sz="1350" kern="1200">
+      <a:lvl1pPr marL="0" algn="l" defTabSz="914400" rtl="0" eaLnBrk="1" latinLnBrk="0" hangingPunct="1">
+        <a:defRPr sz="1800" kern="1200">
           <a:solidFill>
             <a:schemeClr val="tx1"/>
           </a:solidFill>
@@ -2869,8 +2869,8 @@
           <a:cs typeface="+mn-cs"/>
         </a:defRPr>
       </a:lvl1pPr>
-      <a:lvl2pPr marL="342900" algn="l" defTabSz="685800" rtl="0" eaLnBrk="1" latinLnBrk="0" hangingPunct="1">
-        <a:defRPr sz="1350" kern="1200">
+      <a:lvl2pPr marL="457200" algn="l" defTabSz="914400" rtl="0" eaLnBrk="1" latinLnBrk="0" hangingPunct="1">
+        <a:defRPr sz="1800" kern="1200">
           <a:solidFill>
             <a:schemeClr val="tx1"/>
           </a:solidFill>
@@ -2879,8 +2879,8 @@
           <a:cs typeface="+mn-cs"/>
         </a:defRPr>
       </a:lvl2pPr>
-      <a:lvl3pPr marL="685800" algn="l" defTabSz="685800" rtl="0" eaLnBrk="1" latinLnBrk="0" hangingPunct="1">
-        <a:defRPr sz="1350" kern="1200">
+      <a:lvl3pPr marL="914400" algn="l" defTabSz="914400" rtl="0" eaLnBrk="1" latinLnBrk="0" hangingPunct="1">
+        <a:defRPr sz="1800" kern="1200">
           <a:solidFill>
             <a:schemeClr val="tx1"/>
           </a:solidFill>
@@ -2889,8 +2889,8 @@
           <a:cs typeface="+mn-cs"/>
         </a:defRPr>
       </a:lvl3pPr>
-      <a:lvl4pPr marL="1028700" algn="l" defTabSz="685800" rtl="0" eaLnBrk="1" latinLnBrk="0" hangingPunct="1">
-        <a:defRPr sz="1350" kern="1200">
+      <a:lvl4pPr marL="1371600" algn="l" defTabSz="914400" rtl="0" eaLnBrk="1" latinLnBrk="0" hangingPunct="1">
+        <a:defRPr sz="1800" kern="1200">
           <a:solidFill>
             <a:schemeClr val="tx1"/>
           </a:solidFill>
@@ -2899,8 +2899,8 @@
           <a:cs typeface="+mn-cs"/>
         </a:defRPr>
       </a:lvl4pPr>
-      <a:lvl5pPr marL="1371600" algn="l" defTabSz="685800" rtl="0" eaLnBrk="1" latinLnBrk="0" hangingPunct="1">
-        <a:defRPr sz="1350" kern="1200">
+      <a:lvl5pPr marL="1828800" algn="l" defTabSz="914400" rtl="0" eaLnBrk="1" latinLnBrk="0" hangingPunct="1">
+        <a:defRPr sz="1800" kern="1200">
           <a:solidFill>
             <a:schemeClr val="tx1"/>
           </a:solidFill>
@@ -2909,8 +2909,8 @@
           <a:cs typeface="+mn-cs"/>
         </a:defRPr>
       </a:lvl5pPr>
-      <a:lvl6pPr marL="1714500" algn="l" defTabSz="685800" rtl="0" eaLnBrk="1" latinLnBrk="0" hangingPunct="1">
-        <a:defRPr sz="1350" kern="1200">
+      <a:lvl6pPr marL="2286000" algn="l" defTabSz="914400" rtl="0" eaLnBrk="1" latinLnBrk="0" hangingPunct="1">
+        <a:defRPr sz="1800" kern="1200">
           <a:solidFill>
             <a:schemeClr val="tx1"/>
           </a:solidFill>
@@ -2919,8 +2919,8 @@
           <a:cs typeface="+mn-cs"/>
         </a:defRPr>
       </a:lvl6pPr>
-      <a:lvl7pPr marL="2057400" algn="l" defTabSz="685800" rtl="0" eaLnBrk="1" latinLnBrk="0" hangingPunct="1">
-        <a:defRPr sz="1350" kern="1200">
+      <a:lvl7pPr marL="2743200" algn="l" defTabSz="914400" rtl="0" eaLnBrk="1" latinLnBrk="0" hangingPunct="1">
+        <a:defRPr sz="1800" kern="1200">
           <a:solidFill>
             <a:schemeClr val="tx1"/>
           </a:solidFill>
@@ -2929,8 +2929,8 @@
           <a:cs typeface="+mn-cs"/>
         </a:defRPr>
       </a:lvl7pPr>
-      <a:lvl8pPr marL="2400300" algn="l" defTabSz="685800" rtl="0" eaLnBrk="1" latinLnBrk="0" hangingPunct="1">
-        <a:defRPr sz="1350" kern="1200">
+      <a:lvl8pPr marL="3200400" algn="l" defTabSz="914400" rtl="0" eaLnBrk="1" latinLnBrk="0" hangingPunct="1">
+        <a:defRPr sz="1800" kern="1200">
           <a:solidFill>
             <a:schemeClr val="tx1"/>
           </a:solidFill>
@@ -2939,8 +2939,8 @@
           <a:cs typeface="+mn-cs"/>
         </a:defRPr>
       </a:lvl8pPr>
-      <a:lvl9pPr marL="2743200" algn="l" defTabSz="685800" rtl="0" eaLnBrk="1" latinLnBrk="0" hangingPunct="1">
-        <a:defRPr sz="1350" kern="1200">
+      <a:lvl9pPr marL="3657600" algn="l" defTabSz="914400" rtl="0" eaLnBrk="1" latinLnBrk="0" hangingPunct="1">
+        <a:defRPr sz="1800" kern="1200">
           <a:solidFill>
             <a:schemeClr val="tx1"/>
           </a:solidFill>
@@ -2979,10 +2979,10 @@
         </p:nvGrpSpPr>
         <p:grpSpPr>
           <a:xfrm>
-            <a:off x="47112" y="468748"/>
-            <a:ext cx="6693321" cy="4506567"/>
-            <a:chOff x="36226" y="468748"/>
-            <a:chExt cx="6693321" cy="4506567"/>
+            <a:off x="1447915" y="324518"/>
+            <a:ext cx="5847183" cy="3148391"/>
+            <a:chOff x="-1644787" y="468748"/>
+            <a:chExt cx="8445930" cy="4547676"/>
           </a:xfrm>
         </p:grpSpPr>
         <p:pic>
@@ -3059,16 +3059,16 @@
           </p:nvSpPr>
           <p:spPr>
             <a:xfrm>
-              <a:off x="1575882" y="3182922"/>
-              <a:ext cx="937501" cy="437157"/>
+              <a:off x="1529725" y="3182921"/>
+              <a:ext cx="1019783" cy="437157"/>
             </a:xfrm>
             <a:prstGeom prst="ellipse">
               <a:avLst/>
             </a:prstGeom>
             <a:noFill/>
-            <a:ln>
+            <a:ln w="12700">
               <a:solidFill>
-                <a:srgbClr val="FF9900"/>
+                <a:srgbClr val="E6A727"/>
               </a:solidFill>
             </a:ln>
           </p:spPr>
@@ -3091,7 +3091,7 @@
             <a:lstStyle/>
             <a:p>
               <a:pPr algn="ctr"/>
-              <a:endParaRPr lang="fr-FR" sz="1013"/>
+              <a:endParaRPr lang="fr-FR" sz="701"/>
             </a:p>
           </p:txBody>
         </p:sp>
@@ -3135,12 +3135,12 @@
             <a:lstStyle/>
             <a:p>
               <a:pPr algn="ctr"/>
-              <a:endParaRPr lang="fr-FR" sz="1013"/>
+              <a:endParaRPr lang="fr-FR" sz="701"/>
             </a:p>
           </p:txBody>
         </p:sp>
-        <mc:AlternateContent xmlns:mc="http://schemas.openxmlformats.org/markup-compatibility/2006" xmlns:a14="http://schemas.microsoft.com/office/drawing/2010/main">
-          <mc:Choice Requires="a14">
+        <mc:AlternateContent xmlns:mc="http://schemas.openxmlformats.org/markup-compatibility/2006">
+          <mc:Choice xmlns:a14="http://schemas.microsoft.com/office/drawing/2010/main" Requires="a14">
             <p:sp>
               <p:nvSpPr>
                 <p:cNvPr id="4" name="ZoneTexte 3"/>
@@ -3150,7 +3150,7 @@
               <p:spPr>
                 <a:xfrm>
                   <a:off x="3425472" y="518964"/>
-                  <a:ext cx="1276145" cy="419154"/>
+                  <a:ext cx="1276145" cy="459478"/>
                 </a:xfrm>
                 <a:prstGeom prst="rect">
                   <a:avLst/>
@@ -3169,7 +3169,7 @@
                       <m:sSub>
                         <m:sSubPr>
                           <m:ctrlPr>
-                            <a:rPr lang="fr-FR" sz="1013" b="1" i="1">
+                            <a:rPr lang="fr-FR" sz="701" b="1" i="1">
                               <a:solidFill>
                                 <a:srgbClr val="FF0000"/>
                               </a:solidFill>
@@ -3182,7 +3182,7 @@
                             <m:rPr>
                               <m:nor/>
                             </m:rPr>
-                            <a:rPr lang="el-GR" sz="1013" b="1" dirty="0">
+                            <a:rPr lang="el-GR" sz="701" b="1" dirty="0">
                               <a:solidFill>
                                 <a:srgbClr val="FF0000"/>
                               </a:solidFill>
@@ -3193,7 +3193,7 @@
                         </m:e>
                         <m:sub>
                           <m:r>
-                            <a:rPr lang="fr-FR" sz="1013" b="1" i="1">
+                            <a:rPr lang="fr-FR" sz="701" b="1" i="1">
                               <a:solidFill>
                                 <a:srgbClr val="FF0000"/>
                               </a:solidFill>
@@ -3206,7 +3206,7 @@
                     </m:oMath>
                   </a14:m>
                   <a:r>
-                    <a:rPr lang="fr-FR" sz="1013" b="1" dirty="0">
+                    <a:rPr lang="fr-FR" sz="701" b="1" dirty="0">
                       <a:solidFill>
                         <a:srgbClr val="FF0000"/>
                       </a:solidFill>
@@ -3217,18 +3217,18 @@
                 <a:p>
                   <a:pPr algn="ctr"/>
                   <a:r>
-                    <a:rPr lang="fr-FR" sz="1013" dirty="0" smtClean="0"/>
+                    <a:rPr lang="fr-FR" sz="701" dirty="0"/>
                     <a:t>1713 </a:t>
                   </a:r>
                   <a:r>
-                    <a:rPr lang="en-US" sz="1013" dirty="0"/>
+                    <a:rPr lang="en-US" sz="701" dirty="0"/>
                     <a:t>MOTUs</a:t>
                   </a:r>
                 </a:p>
               </p:txBody>
             </p:sp>
           </mc:Choice>
-          <mc:Fallback xmlns="">
+          <mc:Fallback>
             <p:sp>
               <p:nvSpPr>
                 <p:cNvPr id="4" name="ZoneTexte 3"/>
@@ -3240,7 +3240,7 @@
               <p:spPr>
                 <a:xfrm>
                   <a:off x="3425472" y="518964"/>
-                  <a:ext cx="1276145" cy="419154"/>
+                  <a:ext cx="1276145" cy="459478"/>
                 </a:xfrm>
                 <a:prstGeom prst="rect">
                   <a:avLst/>
@@ -3248,7 +3248,7 @@
                 <a:blipFill>
                   <a:blip r:embed="rId4"/>
                   <a:stretch>
-                    <a:fillRect b="-8696"/>
+                    <a:fillRect b="-3846"/>
                   </a:stretch>
                 </a:blipFill>
               </p:spPr>
@@ -3275,8 +3275,8 @@
           </p:nvSpPr>
           <p:spPr>
             <a:xfrm>
-              <a:off x="1666818" y="1578245"/>
-              <a:ext cx="777092" cy="248209"/>
+              <a:off x="1630462" y="1578245"/>
+              <a:ext cx="868027" cy="289153"/>
             </a:xfrm>
             <a:prstGeom prst="rect">
               <a:avLst/>
@@ -3290,7 +3290,7 @@
             <a:lstStyle/>
             <a:p>
               <a:r>
-                <a:rPr lang="fr-FR" sz="1013" dirty="0"/>
+                <a:rPr lang="fr-FR" sz="701" dirty="0"/>
                 <a:t>Caribbean</a:t>
               </a:r>
             </a:p>
@@ -3305,7 +3305,7 @@
           <p:spPr>
             <a:xfrm>
               <a:off x="2868725" y="1578245"/>
-              <a:ext cx="999888" cy="248209"/>
+              <a:ext cx="1085503" cy="289153"/>
             </a:xfrm>
             <a:prstGeom prst="rect">
               <a:avLst/>
@@ -3319,7 +3319,7 @@
             <a:lstStyle/>
             <a:p>
               <a:r>
-                <a:rPr lang="fr-FR" sz="1013" dirty="0"/>
+                <a:rPr lang="fr-FR" sz="701" dirty="0"/>
                 <a:t>Central Pacific</a:t>
               </a:r>
             </a:p>
@@ -3334,7 +3334,7 @@
           <p:spPr>
             <a:xfrm>
               <a:off x="4241246" y="1583651"/>
-              <a:ext cx="998102" cy="248209"/>
+              <a:ext cx="998102" cy="289153"/>
             </a:xfrm>
             <a:prstGeom prst="rect">
               <a:avLst/>
@@ -3348,11 +3348,11 @@
             <a:lstStyle/>
             <a:p>
               <a:r>
-                <a:rPr lang="fr-FR" sz="1013" dirty="0" smtClean="0"/>
+                <a:rPr lang="fr-FR" sz="701" dirty="0"/>
                 <a:t>West </a:t>
               </a:r>
               <a:r>
-                <a:rPr lang="en-US" sz="1013" dirty="0"/>
+                <a:rPr lang="en-US" sz="701" dirty="0"/>
                 <a:t>Indian</a:t>
               </a:r>
             </a:p>
@@ -3366,8 +3366,8 @@
           </p:nvSpPr>
           <p:spPr>
             <a:xfrm>
-              <a:off x="5449331" y="1587567"/>
-              <a:ext cx="1260837" cy="248209"/>
+              <a:off x="5449332" y="1587567"/>
+              <a:ext cx="1260837" cy="289153"/>
             </a:xfrm>
             <a:prstGeom prst="rect">
               <a:avLst/>
@@ -3381,19 +3381,19 @@
             <a:lstStyle/>
             <a:p>
               <a:r>
-                <a:rPr lang="fr-FR" sz="1013" dirty="0"/>
+                <a:rPr lang="fr-FR" sz="701" dirty="0"/>
                 <a:t>Central </a:t>
               </a:r>
               <a:r>
-                <a:rPr lang="fr-FR" sz="1013" dirty="0" err="1" smtClean="0"/>
+                <a:rPr lang="fr-FR" sz="701" dirty="0" err="1"/>
                 <a:t>IndoPacific</a:t>
               </a:r>
-              <a:endParaRPr lang="fr-FR" sz="1013" dirty="0"/>
+              <a:endParaRPr lang="fr-FR" sz="701" dirty="0"/>
             </a:p>
           </p:txBody>
         </p:sp>
-        <mc:AlternateContent xmlns:mc="http://schemas.openxmlformats.org/markup-compatibility/2006" xmlns:a14="http://schemas.microsoft.com/office/drawing/2010/main">
-          <mc:Choice Requires="a14">
+        <mc:AlternateContent xmlns:mc="http://schemas.openxmlformats.org/markup-compatibility/2006">
+          <mc:Choice xmlns:a14="http://schemas.microsoft.com/office/drawing/2010/main" Requires="a14">
             <p:sp>
               <p:nvSpPr>
                 <p:cNvPr id="9" name="ZoneTexte 8"/>
@@ -3402,8 +3402,8 @@
               </p:nvSpPr>
               <p:spPr>
                 <a:xfrm>
-                  <a:off x="1501023" y="3150670"/>
-                  <a:ext cx="1105042" cy="404085"/>
+                  <a:off x="1342163" y="3139754"/>
+                  <a:ext cx="1382124" cy="444937"/>
                 </a:xfrm>
                 <a:prstGeom prst="rect">
                   <a:avLst/>
@@ -3418,7 +3418,7 @@
                 <a:p>
                   <a:pPr algn="ctr"/>
                   <a:r>
-                    <a:rPr lang="fr-FR" sz="1013" dirty="0"/>
+                    <a:rPr lang="fr-FR" sz="701" dirty="0"/>
                     <a:t>3 sites</a:t>
                   </a:r>
                 </a:p>
@@ -3429,7 +3429,7 @@
                       <m:sSub>
                         <m:sSubPr>
                           <m:ctrlPr>
-                            <a:rPr lang="fr-FR" sz="1013" i="1">
+                            <a:rPr lang="fr-FR" sz="701" i="1">
                               <a:latin typeface="Cambria Math" panose="02040503050406030204" pitchFamily="18" charset="0"/>
                             </a:rPr>
                           </m:ctrlPr>
@@ -3439,7 +3439,7 @@
                             <m:rPr>
                               <m:nor/>
                             </m:rPr>
-                            <a:rPr lang="el-GR" sz="1013" dirty="0">
+                            <a:rPr lang="el-GR" sz="701" dirty="0">
                               <a:latin typeface="Cambria Math" panose="02040503050406030204" pitchFamily="18" charset="0"/>
                               <a:ea typeface="Cambria Math" panose="02040503050406030204" pitchFamily="18" charset="0"/>
                             </a:rPr>
@@ -3448,19 +3448,19 @@
                         </m:e>
                         <m:sub>
                           <m:r>
-                            <a:rPr lang="fr-FR" sz="1013" i="1" dirty="0">
+                            <a:rPr lang="fr-FR" sz="701" i="1" dirty="0">
                               <a:latin typeface="Cambria Math" panose="02040503050406030204" pitchFamily="18" charset="0"/>
                             </a:rPr>
                             <m:t>𝑖𝑛𝑡𝑒𝑟</m:t>
                           </m:r>
                           <m:r>
-                            <a:rPr lang="fr-FR" sz="1013" i="1" dirty="0">
+                            <a:rPr lang="fr-FR" sz="701" i="1" dirty="0">
                               <a:latin typeface="Cambria Math" panose="02040503050406030204" pitchFamily="18" charset="0"/>
                             </a:rPr>
                             <m:t>−</m:t>
                           </m:r>
                           <m:r>
-                            <a:rPr lang="fr-FR" sz="1013" i="1" dirty="0">
+                            <a:rPr lang="fr-FR" sz="701" i="1" dirty="0">
                               <a:latin typeface="Cambria Math" panose="02040503050406030204" pitchFamily="18" charset="0"/>
                             </a:rPr>
                             <m:t>𝑠𝑖𝑡𝑒</m:t>
@@ -3470,19 +3470,19 @@
                     </m:oMath>
                   </a14:m>
                   <a:r>
-                    <a:rPr lang="fr-FR" sz="1013" dirty="0"/>
+                    <a:rPr lang="fr-FR" sz="701" dirty="0"/>
                     <a:t>= </a:t>
                   </a:r>
                   <a:r>
-                    <a:rPr lang="fr-FR" sz="1013" dirty="0" smtClean="0"/>
+                    <a:rPr lang="fr-FR" sz="701" dirty="0"/>
                     <a:t>11%</a:t>
                   </a:r>
-                  <a:endParaRPr lang="fr-FR" sz="1013" dirty="0"/>
+                  <a:endParaRPr lang="fr-FR" sz="701" dirty="0"/>
                 </a:p>
               </p:txBody>
             </p:sp>
           </mc:Choice>
-          <mc:Fallback xmlns="">
+          <mc:Fallback>
             <p:sp>
               <p:nvSpPr>
                 <p:cNvPr id="9" name="ZoneTexte 8"/>
@@ -3493,8 +3493,8 @@
               </p:nvSpPr>
               <p:spPr>
                 <a:xfrm>
-                  <a:off x="1501023" y="3150670"/>
-                  <a:ext cx="1105042" cy="404085"/>
+                  <a:off x="1342163" y="3139754"/>
+                  <a:ext cx="1382124" cy="444937"/>
                 </a:xfrm>
                 <a:prstGeom prst="rect">
                   <a:avLst/>
@@ -3502,7 +3502,7 @@
                 <a:blipFill>
                   <a:blip r:embed="rId5"/>
                   <a:stretch>
-                    <a:fillRect b="-7576"/>
+                    <a:fillRect b="-4000"/>
                   </a:stretch>
                 </a:blipFill>
               </p:spPr>
@@ -3521,8 +3521,8 @@
             </p:sp>
           </mc:Fallback>
         </mc:AlternateContent>
-        <mc:AlternateContent xmlns:mc="http://schemas.openxmlformats.org/markup-compatibility/2006" xmlns:a14="http://schemas.microsoft.com/office/drawing/2010/main">
-          <mc:Choice Requires="a14">
+        <mc:AlternateContent xmlns:mc="http://schemas.openxmlformats.org/markup-compatibility/2006">
+          <mc:Choice xmlns:a14="http://schemas.microsoft.com/office/drawing/2010/main" Requires="a14">
             <p:sp>
               <p:nvSpPr>
                 <p:cNvPr id="10" name="ZoneTexte 9"/>
@@ -3531,8 +3531,8 @@
               </p:nvSpPr>
               <p:spPr>
                 <a:xfrm>
-                  <a:off x="2816148" y="3179245"/>
-                  <a:ext cx="1105042" cy="404085"/>
+                  <a:off x="2816149" y="3146498"/>
+                  <a:ext cx="1105042" cy="444937"/>
                 </a:xfrm>
                 <a:prstGeom prst="rect">
                   <a:avLst/>
@@ -3547,7 +3547,7 @@
                 <a:p>
                   <a:pPr algn="ctr"/>
                   <a:r>
-                    <a:rPr lang="fr-FR" sz="1013" dirty="0"/>
+                    <a:rPr lang="fr-FR" sz="701" dirty="0"/>
                     <a:t>1 site</a:t>
                   </a:r>
                 </a:p>
@@ -3558,7 +3558,7 @@
                       <m:sSub>
                         <m:sSubPr>
                           <m:ctrlPr>
-                            <a:rPr lang="fr-FR" sz="1013" i="1">
+                            <a:rPr lang="fr-FR" sz="701" i="1">
                               <a:latin typeface="Cambria Math" panose="02040503050406030204" pitchFamily="18" charset="0"/>
                             </a:rPr>
                           </m:ctrlPr>
@@ -3568,7 +3568,7 @@
                             <m:rPr>
                               <m:nor/>
                             </m:rPr>
-                            <a:rPr lang="el-GR" sz="1013" dirty="0">
+                            <a:rPr lang="el-GR" sz="701" dirty="0">
                               <a:latin typeface="Cambria Math" panose="02040503050406030204" pitchFamily="18" charset="0"/>
                               <a:ea typeface="Cambria Math" panose="02040503050406030204" pitchFamily="18" charset="0"/>
                             </a:rPr>
@@ -3577,19 +3577,19 @@
                         </m:e>
                         <m:sub>
                           <m:r>
-                            <a:rPr lang="fr-FR" sz="1013" i="1" dirty="0">
+                            <a:rPr lang="fr-FR" sz="701" i="1" dirty="0">
                               <a:latin typeface="Cambria Math" panose="02040503050406030204" pitchFamily="18" charset="0"/>
                             </a:rPr>
                             <m:t>𝑖𝑛𝑡𝑒𝑟</m:t>
                           </m:r>
                           <m:r>
-                            <a:rPr lang="fr-FR" sz="1013" i="1" dirty="0">
+                            <a:rPr lang="fr-FR" sz="701" i="1" dirty="0">
                               <a:latin typeface="Cambria Math" panose="02040503050406030204" pitchFamily="18" charset="0"/>
                             </a:rPr>
                             <m:t>−</m:t>
                           </m:r>
                           <m:r>
-                            <a:rPr lang="fr-FR" sz="1013" i="1" dirty="0">
+                            <a:rPr lang="fr-FR" sz="701" i="1" dirty="0">
                               <a:latin typeface="Cambria Math" panose="02040503050406030204" pitchFamily="18" charset="0"/>
                             </a:rPr>
                             <m:t>𝑠𝑖𝑡𝑒</m:t>
@@ -3599,14 +3599,14 @@
                     </m:oMath>
                   </a14:m>
                   <a:r>
-                    <a:rPr lang="fr-FR" sz="1013" dirty="0"/>
+                    <a:rPr lang="fr-FR" sz="701" dirty="0"/>
                     <a:t>= 0%</a:t>
                   </a:r>
                 </a:p>
               </p:txBody>
             </p:sp>
           </mc:Choice>
-          <mc:Fallback xmlns="">
+          <mc:Fallback>
             <p:sp>
               <p:nvSpPr>
                 <p:cNvPr id="10" name="ZoneTexte 9"/>
@@ -3617,8 +3617,8 @@
               </p:nvSpPr>
               <p:spPr>
                 <a:xfrm>
-                  <a:off x="2816148" y="3179245"/>
-                  <a:ext cx="1105042" cy="404085"/>
+                  <a:off x="2816149" y="3146498"/>
+                  <a:ext cx="1105042" cy="444937"/>
                 </a:xfrm>
                 <a:prstGeom prst="rect">
                   <a:avLst/>
@@ -3626,7 +3626,7 @@
                 <a:blipFill>
                   <a:blip r:embed="rId6"/>
                   <a:stretch>
-                    <a:fillRect b="-7576"/>
+                    <a:fillRect b="-1961"/>
                   </a:stretch>
                 </a:blipFill>
               </p:spPr>
@@ -3645,8 +3645,8 @@
             </p:sp>
           </mc:Fallback>
         </mc:AlternateContent>
-        <mc:AlternateContent xmlns:mc="http://schemas.openxmlformats.org/markup-compatibility/2006" xmlns:a14="http://schemas.microsoft.com/office/drawing/2010/main">
-          <mc:Choice Requires="a14">
+        <mc:AlternateContent xmlns:mc="http://schemas.openxmlformats.org/markup-compatibility/2006">
+          <mc:Choice xmlns:a14="http://schemas.microsoft.com/office/drawing/2010/main" Requires="a14">
             <p:sp>
               <p:nvSpPr>
                 <p:cNvPr id="11" name="ZoneTexte 10"/>
@@ -3655,8 +3655,8 @@
               </p:nvSpPr>
               <p:spPr>
                 <a:xfrm>
-                  <a:off x="4189343" y="3141145"/>
-                  <a:ext cx="1105042" cy="404085"/>
+                  <a:off x="4152414" y="3141145"/>
+                  <a:ext cx="1141970" cy="444937"/>
                 </a:xfrm>
                 <a:prstGeom prst="rect">
                   <a:avLst/>
@@ -3671,15 +3671,15 @@
                 <a:p>
                   <a:pPr algn="ctr"/>
                   <a:r>
-                    <a:rPr lang="fr-FR" sz="1013" dirty="0"/>
+                    <a:rPr lang="fr-FR" sz="701" dirty="0"/>
                     <a:t>4</a:t>
                   </a:r>
                   <a:r>
-                    <a:rPr lang="fr-FR" sz="1013" dirty="0" smtClean="0"/>
+                    <a:rPr lang="fr-FR" sz="701" dirty="0"/>
                     <a:t> </a:t>
                   </a:r>
                   <a:r>
-                    <a:rPr lang="fr-FR" sz="1013" dirty="0"/>
+                    <a:rPr lang="fr-FR" sz="701" dirty="0"/>
                     <a:t>sites</a:t>
                   </a:r>
                 </a:p>
@@ -3690,7 +3690,7 @@
                       <m:sSub>
                         <m:sSubPr>
                           <m:ctrlPr>
-                            <a:rPr lang="fr-FR" sz="1013" i="1">
+                            <a:rPr lang="fr-FR" sz="701" i="1">
                               <a:latin typeface="Cambria Math" panose="02040503050406030204" pitchFamily="18" charset="0"/>
                             </a:rPr>
                           </m:ctrlPr>
@@ -3700,7 +3700,7 @@
                             <m:rPr>
                               <m:nor/>
                             </m:rPr>
-                            <a:rPr lang="el-GR" sz="1013" dirty="0">
+                            <a:rPr lang="el-GR" sz="701" dirty="0">
                               <a:latin typeface="Cambria Math" panose="02040503050406030204" pitchFamily="18" charset="0"/>
                               <a:ea typeface="Cambria Math" panose="02040503050406030204" pitchFamily="18" charset="0"/>
                             </a:rPr>
@@ -3709,19 +3709,19 @@
                         </m:e>
                         <m:sub>
                           <m:r>
-                            <a:rPr lang="fr-FR" sz="1013" i="1" dirty="0">
+                            <a:rPr lang="fr-FR" sz="701" i="1" dirty="0">
                               <a:latin typeface="Cambria Math" panose="02040503050406030204" pitchFamily="18" charset="0"/>
                             </a:rPr>
                             <m:t>𝑖𝑛𝑡𝑒𝑟</m:t>
                           </m:r>
                           <m:r>
-                            <a:rPr lang="fr-FR" sz="1013" i="1" dirty="0">
+                            <a:rPr lang="fr-FR" sz="701" i="1" dirty="0">
                               <a:latin typeface="Cambria Math" panose="02040503050406030204" pitchFamily="18" charset="0"/>
                             </a:rPr>
                             <m:t>−</m:t>
                           </m:r>
                           <m:r>
-                            <a:rPr lang="fr-FR" sz="1013" i="1" dirty="0">
+                            <a:rPr lang="fr-FR" sz="701" i="1" dirty="0">
                               <a:latin typeface="Cambria Math" panose="02040503050406030204" pitchFamily="18" charset="0"/>
                             </a:rPr>
                             <m:t>𝑠𝑖𝑡𝑒</m:t>
@@ -3731,19 +3731,19 @@
                     </m:oMath>
                   </a14:m>
                   <a:r>
-                    <a:rPr lang="fr-FR" sz="1013" dirty="0"/>
+                    <a:rPr lang="fr-FR" sz="701" dirty="0"/>
                     <a:t>= </a:t>
                   </a:r>
                   <a:r>
-                    <a:rPr lang="fr-FR" sz="1013" dirty="0" smtClean="0"/>
+                    <a:rPr lang="fr-FR" sz="701" dirty="0"/>
                     <a:t>11%</a:t>
                   </a:r>
-                  <a:endParaRPr lang="fr-FR" sz="1013" dirty="0"/>
+                  <a:endParaRPr lang="fr-FR" sz="701" dirty="0"/>
                 </a:p>
               </p:txBody>
             </p:sp>
           </mc:Choice>
-          <mc:Fallback xmlns="">
+          <mc:Fallback>
             <p:sp>
               <p:nvSpPr>
                 <p:cNvPr id="11" name="ZoneTexte 10"/>
@@ -3754,8 +3754,8 @@
               </p:nvSpPr>
               <p:spPr>
                 <a:xfrm>
-                  <a:off x="4189343" y="3141145"/>
-                  <a:ext cx="1105042" cy="404085"/>
+                  <a:off x="4152414" y="3141145"/>
+                  <a:ext cx="1141970" cy="444937"/>
                 </a:xfrm>
                 <a:prstGeom prst="rect">
                   <a:avLst/>
@@ -3763,7 +3763,7 @@
                 <a:blipFill>
                   <a:blip r:embed="rId7"/>
                   <a:stretch>
-                    <a:fillRect b="-7463"/>
+                    <a:fillRect b="-4000"/>
                   </a:stretch>
                 </a:blipFill>
               </p:spPr>
@@ -3782,8 +3782,8 @@
             </p:sp>
           </mc:Fallback>
         </mc:AlternateContent>
-        <mc:AlternateContent xmlns:mc="http://schemas.openxmlformats.org/markup-compatibility/2006" xmlns:a14="http://schemas.microsoft.com/office/drawing/2010/main">
-          <mc:Choice Requires="a14">
+        <mc:AlternateContent xmlns:mc="http://schemas.openxmlformats.org/markup-compatibility/2006">
+          <mc:Choice xmlns:a14="http://schemas.microsoft.com/office/drawing/2010/main" Requires="a14">
             <p:sp>
               <p:nvSpPr>
                 <p:cNvPr id="12" name="ZoneTexte 11"/>
@@ -3792,8 +3792,8 @@
               </p:nvSpPr>
               <p:spPr>
                 <a:xfrm>
-                  <a:off x="5523259" y="3150670"/>
-                  <a:ext cx="1105042" cy="404085"/>
+                  <a:off x="5501427" y="3139754"/>
+                  <a:ext cx="1206289" cy="444937"/>
                 </a:xfrm>
                 <a:prstGeom prst="rect">
                   <a:avLst/>
@@ -3808,7 +3808,7 @@
                 <a:p>
                   <a:pPr algn="ctr"/>
                   <a:r>
-                    <a:rPr lang="fr-FR" sz="1013" dirty="0"/>
+                    <a:rPr lang="fr-FR" sz="701" dirty="0"/>
                     <a:t>11 sites</a:t>
                   </a:r>
                 </a:p>
@@ -3819,7 +3819,7 @@
                       <m:sSub>
                         <m:sSubPr>
                           <m:ctrlPr>
-                            <a:rPr lang="fr-FR" sz="1013" i="1">
+                            <a:rPr lang="fr-FR" sz="701" i="1">
                               <a:latin typeface="Cambria Math" panose="02040503050406030204" pitchFamily="18" charset="0"/>
                             </a:rPr>
                           </m:ctrlPr>
@@ -3829,7 +3829,7 @@
                             <m:rPr>
                               <m:nor/>
                             </m:rPr>
-                            <a:rPr lang="el-GR" sz="1013" dirty="0">
+                            <a:rPr lang="el-GR" sz="701" dirty="0">
                               <a:latin typeface="Cambria Math" panose="02040503050406030204" pitchFamily="18" charset="0"/>
                               <a:ea typeface="Cambria Math" panose="02040503050406030204" pitchFamily="18" charset="0"/>
                             </a:rPr>
@@ -3838,19 +3838,19 @@
                         </m:e>
                         <m:sub>
                           <m:r>
-                            <a:rPr lang="fr-FR" sz="1013" i="1" dirty="0">
+                            <a:rPr lang="fr-FR" sz="701" i="1" dirty="0">
                               <a:latin typeface="Cambria Math" panose="02040503050406030204" pitchFamily="18" charset="0"/>
                             </a:rPr>
                             <m:t>𝑖𝑛𝑡𝑒𝑟</m:t>
                           </m:r>
                           <m:r>
-                            <a:rPr lang="fr-FR" sz="1013" i="1" dirty="0">
+                            <a:rPr lang="fr-FR" sz="701" i="1" dirty="0">
                               <a:latin typeface="Cambria Math" panose="02040503050406030204" pitchFamily="18" charset="0"/>
                             </a:rPr>
                             <m:t>−</m:t>
                           </m:r>
                           <m:r>
-                            <a:rPr lang="fr-FR" sz="1013" i="1" dirty="0">
+                            <a:rPr lang="fr-FR" sz="701" i="1" dirty="0">
                               <a:latin typeface="Cambria Math" panose="02040503050406030204" pitchFamily="18" charset="0"/>
                             </a:rPr>
                             <m:t>𝑠𝑖𝑡𝑒</m:t>
@@ -3860,19 +3860,19 @@
                     </m:oMath>
                   </a14:m>
                   <a:r>
-                    <a:rPr lang="fr-FR" sz="1013" dirty="0"/>
+                    <a:rPr lang="fr-FR" sz="701" dirty="0"/>
                     <a:t>= </a:t>
                   </a:r>
                   <a:r>
-                    <a:rPr lang="fr-FR" sz="1013" dirty="0" smtClean="0"/>
+                    <a:rPr lang="fr-FR" sz="701" dirty="0"/>
                     <a:t>46%</a:t>
                   </a:r>
-                  <a:endParaRPr lang="fr-FR" sz="1013" dirty="0"/>
+                  <a:endParaRPr lang="fr-FR" sz="701" dirty="0"/>
                 </a:p>
               </p:txBody>
             </p:sp>
           </mc:Choice>
-          <mc:Fallback xmlns="">
+          <mc:Fallback>
             <p:sp>
               <p:nvSpPr>
                 <p:cNvPr id="12" name="ZoneTexte 11"/>
@@ -3883,8 +3883,8 @@
               </p:nvSpPr>
               <p:spPr>
                 <a:xfrm>
-                  <a:off x="5523259" y="3150670"/>
-                  <a:ext cx="1105042" cy="404085"/>
+                  <a:off x="5501427" y="3139754"/>
+                  <a:ext cx="1206289" cy="444937"/>
                 </a:xfrm>
                 <a:prstGeom prst="rect">
                   <a:avLst/>
@@ -3892,7 +3892,7 @@
                 <a:blipFill>
                   <a:blip r:embed="rId8"/>
                   <a:stretch>
-                    <a:fillRect b="-7576"/>
+                    <a:fillRect b="-4000"/>
                   </a:stretch>
                 </a:blipFill>
               </p:spPr>
@@ -3911,8 +3911,8 @@
             </p:sp>
           </mc:Fallback>
         </mc:AlternateContent>
-        <mc:AlternateContent xmlns:mc="http://schemas.openxmlformats.org/markup-compatibility/2006" xmlns:a14="http://schemas.microsoft.com/office/drawing/2010/main">
-          <mc:Choice Requires="a14">
+        <mc:AlternateContent xmlns:mc="http://schemas.openxmlformats.org/markup-compatibility/2006">
+          <mc:Choice xmlns:a14="http://schemas.microsoft.com/office/drawing/2010/main" Requires="a14">
             <p:sp>
               <p:nvSpPr>
                 <p:cNvPr id="13" name="ZoneTexte 12"/>
@@ -3921,8 +3921,8 @@
               </p:nvSpPr>
               <p:spPr>
                 <a:xfrm>
-                  <a:off x="1407683" y="4081026"/>
-                  <a:ext cx="1293817" cy="563488"/>
+                  <a:off x="1374911" y="4081026"/>
+                  <a:ext cx="1359336" cy="604332"/>
                 </a:xfrm>
                 <a:prstGeom prst="rect">
                   <a:avLst/>
@@ -3937,7 +3937,7 @@
                 <a:p>
                   <a:pPr algn="ctr"/>
                   <a:r>
-                    <a:rPr lang="fr-FR" sz="1013" dirty="0"/>
+                    <a:rPr lang="fr-FR" sz="701" dirty="0"/>
                     <a:t>31 stations</a:t>
                   </a:r>
                 </a:p>
@@ -3948,7 +3948,7 @@
                       <m:sSub>
                         <m:sSubPr>
                           <m:ctrlPr>
-                            <a:rPr lang="fr-FR" sz="1013" i="1">
+                            <a:rPr lang="fr-FR" sz="701" i="1">
                               <a:latin typeface="Cambria Math" panose="02040503050406030204" pitchFamily="18" charset="0"/>
                             </a:rPr>
                           </m:ctrlPr>
@@ -3958,14 +3958,14 @@
                             <m:accPr>
                               <m:chr m:val="̅"/>
                               <m:ctrlPr>
-                                <a:rPr lang="fr-FR" sz="1013" i="1">
+                                <a:rPr lang="fr-FR" sz="701" i="1">
                                   <a:latin typeface="Cambria Math" panose="02040503050406030204" pitchFamily="18" charset="0"/>
                                 </a:rPr>
                               </m:ctrlPr>
                             </m:accPr>
                             <m:e>
                               <m:r>
-                                <a:rPr lang="fr-FR" sz="1013" i="1">
+                                <a:rPr lang="fr-FR" sz="701" i="1">
                                   <a:latin typeface="Cambria Math" panose="02040503050406030204" pitchFamily="18" charset="0"/>
                                   <a:ea typeface="Cambria Math" panose="02040503050406030204" pitchFamily="18" charset="0"/>
                                 </a:rPr>
@@ -3976,19 +3976,19 @@
                         </m:e>
                         <m:sub>
                           <m:r>
-                            <a:rPr lang="fr-FR" sz="1013" i="1" dirty="0">
+                            <a:rPr lang="fr-FR" sz="701" i="1" dirty="0">
                               <a:latin typeface="Cambria Math" panose="02040503050406030204" pitchFamily="18" charset="0"/>
                             </a:rPr>
                             <m:t>𝑖𝑛𝑡𝑒𝑟</m:t>
                           </m:r>
                           <m:r>
-                            <a:rPr lang="fr-FR" sz="1013" i="1" dirty="0">
+                            <a:rPr lang="fr-FR" sz="701" i="1" dirty="0">
                               <a:latin typeface="Cambria Math" panose="02040503050406030204" pitchFamily="18" charset="0"/>
                             </a:rPr>
                             <m:t>−</m:t>
                           </m:r>
                           <m:r>
-                            <a:rPr lang="fr-FR" sz="1013" i="1" dirty="0">
+                            <a:rPr lang="fr-FR" sz="701" i="1" dirty="0">
                               <a:latin typeface="Cambria Math" panose="02040503050406030204" pitchFamily="18" charset="0"/>
                             </a:rPr>
                             <m:t>𝑠𝑡𝑎𝑡𝑖𝑜𝑛</m:t>
@@ -3998,10 +3998,10 @@
                     </m:oMath>
                   </a14:m>
                   <a:r>
-                    <a:rPr lang="fr-FR" sz="1013" dirty="0" smtClean="0"/>
+                    <a:rPr lang="fr-FR" sz="701" dirty="0"/>
                     <a:t>= 6.3%</a:t>
                   </a:r>
-                  <a:endParaRPr lang="fr-FR" sz="1013" dirty="0"/>
+                  <a:endParaRPr lang="fr-FR" sz="701" dirty="0"/>
                 </a:p>
                 <a:p>
                   <a:pPr algn="ctr"/>
@@ -4010,7 +4010,7 @@
                       <m:sSub>
                         <m:sSubPr>
                           <m:ctrlPr>
-                            <a:rPr lang="fr-FR" sz="1013" i="1">
+                            <a:rPr lang="fr-FR" sz="701" i="1">
                               <a:latin typeface="Cambria Math" panose="02040503050406030204" pitchFamily="18" charset="0"/>
                             </a:rPr>
                           </m:ctrlPr>
@@ -4020,14 +4020,14 @@
                             <m:accPr>
                               <m:chr m:val="̅"/>
                               <m:ctrlPr>
-                                <a:rPr lang="fr-FR" sz="1013" i="1">
+                                <a:rPr lang="fr-FR" sz="701" i="1">
                                   <a:latin typeface="Cambria Math" panose="02040503050406030204" pitchFamily="18" charset="0"/>
                                 </a:rPr>
                               </m:ctrlPr>
                             </m:accPr>
                             <m:e>
                               <m:r>
-                                <a:rPr lang="fr-FR" sz="1013" i="1">
+                                <a:rPr lang="fr-FR" sz="701" i="1">
                                   <a:latin typeface="Cambria Math" panose="02040503050406030204" pitchFamily="18" charset="0"/>
                                   <a:ea typeface="Cambria Math" panose="02040503050406030204" pitchFamily="18" charset="0"/>
                                 </a:rPr>
@@ -4038,7 +4038,7 @@
                         </m:e>
                         <m:sub>
                           <m:r>
-                            <a:rPr lang="fr-FR" sz="1013" i="1" dirty="0">
+                            <a:rPr lang="fr-FR" sz="701" i="1" dirty="0">
                               <a:latin typeface="Cambria Math" panose="02040503050406030204" pitchFamily="18" charset="0"/>
                             </a:rPr>
                             <m:t>𝑠𝑡𝑎𝑡𝑖𝑜𝑛</m:t>
@@ -4048,19 +4048,19 @@
                     </m:oMath>
                   </a14:m>
                   <a:r>
-                    <a:rPr lang="fr-FR" sz="1013" dirty="0"/>
+                    <a:rPr lang="fr-FR" sz="701" dirty="0"/>
                     <a:t>= </a:t>
                   </a:r>
                   <a:r>
-                    <a:rPr lang="fr-FR" sz="1013" dirty="0" smtClean="0"/>
+                    <a:rPr lang="fr-FR" sz="701" dirty="0"/>
                     <a:t>4.1%</a:t>
                   </a:r>
-                  <a:endParaRPr lang="fr-FR" sz="1013" dirty="0"/>
+                  <a:endParaRPr lang="fr-FR" sz="701" dirty="0"/>
                 </a:p>
               </p:txBody>
             </p:sp>
           </mc:Choice>
-          <mc:Fallback xmlns="">
+          <mc:Fallback>
             <p:sp>
               <p:nvSpPr>
                 <p:cNvPr id="13" name="ZoneTexte 12"/>
@@ -4071,8 +4071,8 @@
               </p:nvSpPr>
               <p:spPr>
                 <a:xfrm>
-                  <a:off x="1407683" y="4081026"/>
-                  <a:ext cx="1293817" cy="563488"/>
+                  <a:off x="1374911" y="4081026"/>
+                  <a:ext cx="1359336" cy="604332"/>
                 </a:xfrm>
                 <a:prstGeom prst="rect">
                   <a:avLst/>
@@ -4080,7 +4080,7 @@
                 <a:blipFill>
                   <a:blip r:embed="rId9"/>
                   <a:stretch>
-                    <a:fillRect b="-5376"/>
+                    <a:fillRect b="-1449"/>
                   </a:stretch>
                 </a:blipFill>
               </p:spPr>
@@ -4099,8 +4099,8 @@
             </p:sp>
           </mc:Fallback>
         </mc:AlternateContent>
-        <mc:AlternateContent xmlns:mc="http://schemas.openxmlformats.org/markup-compatibility/2006" xmlns:a14="http://schemas.microsoft.com/office/drawing/2010/main">
-          <mc:Choice Requires="a14">
+        <mc:AlternateContent xmlns:mc="http://schemas.openxmlformats.org/markup-compatibility/2006">
+          <mc:Choice xmlns:a14="http://schemas.microsoft.com/office/drawing/2010/main" Requires="a14">
             <p:sp>
               <p:nvSpPr>
                 <p:cNvPr id="14" name="ZoneTexte 13"/>
@@ -4109,8 +4109,8 @@
               </p:nvSpPr>
               <p:spPr>
                 <a:xfrm>
-                  <a:off x="2713583" y="4081026"/>
-                  <a:ext cx="1289426" cy="563488"/>
+                  <a:off x="2686664" y="4081026"/>
+                  <a:ext cx="1338177" cy="604332"/>
                 </a:xfrm>
                 <a:prstGeom prst="rect">
                   <a:avLst/>
@@ -4125,7 +4125,7 @@
                 <a:p>
                   <a:pPr algn="ctr"/>
                   <a:r>
-                    <a:rPr lang="fr-FR" sz="1013" dirty="0"/>
+                    <a:rPr lang="fr-FR" sz="701" dirty="0"/>
                     <a:t>4 stations</a:t>
                   </a:r>
                 </a:p>
@@ -4136,7 +4136,7 @@
                       <m:sSub>
                         <m:sSubPr>
                           <m:ctrlPr>
-                            <a:rPr lang="fr-FR" sz="1013" i="1">
+                            <a:rPr lang="fr-FR" sz="701" i="1">
                               <a:latin typeface="Cambria Math" panose="02040503050406030204" pitchFamily="18" charset="0"/>
                             </a:rPr>
                           </m:ctrlPr>
@@ -4146,14 +4146,14 @@
                             <m:accPr>
                               <m:chr m:val="̅"/>
                               <m:ctrlPr>
-                                <a:rPr lang="fr-FR" sz="1013" i="1">
+                                <a:rPr lang="fr-FR" sz="701" i="1">
                                   <a:latin typeface="Cambria Math" panose="02040503050406030204" pitchFamily="18" charset="0"/>
                                 </a:rPr>
                               </m:ctrlPr>
                             </m:accPr>
                             <m:e>
                               <m:r>
-                                <a:rPr lang="fr-FR" sz="1013" i="1">
+                                <a:rPr lang="fr-FR" sz="701" i="1">
                                   <a:latin typeface="Cambria Math" panose="02040503050406030204" pitchFamily="18" charset="0"/>
                                   <a:ea typeface="Cambria Math" panose="02040503050406030204" pitchFamily="18" charset="0"/>
                                 </a:rPr>
@@ -4164,19 +4164,19 @@
                         </m:e>
                         <m:sub>
                           <m:r>
-                            <a:rPr lang="fr-FR" sz="1013" i="1" dirty="0">
+                            <a:rPr lang="fr-FR" sz="701" i="1" dirty="0">
                               <a:latin typeface="Cambria Math" panose="02040503050406030204" pitchFamily="18" charset="0"/>
                             </a:rPr>
                             <m:t>𝑖𝑛𝑡𝑒𝑟</m:t>
                           </m:r>
                           <m:r>
-                            <a:rPr lang="fr-FR" sz="1013" i="1" dirty="0">
+                            <a:rPr lang="fr-FR" sz="701" i="1" dirty="0">
                               <a:latin typeface="Cambria Math" panose="02040503050406030204" pitchFamily="18" charset="0"/>
                             </a:rPr>
                             <m:t>−</m:t>
                           </m:r>
                           <m:r>
-                            <a:rPr lang="fr-FR" sz="1013" i="1" dirty="0">
+                            <a:rPr lang="fr-FR" sz="701" i="1" dirty="0">
                               <a:latin typeface="Cambria Math" panose="02040503050406030204" pitchFamily="18" charset="0"/>
                             </a:rPr>
                             <m:t>𝑠𝑡𝑎𝑡𝑖𝑜𝑛</m:t>
@@ -4186,10 +4186,10 @@
                     </m:oMath>
                   </a14:m>
                   <a:r>
-                    <a:rPr lang="fr-FR" sz="1013" dirty="0" smtClean="0"/>
+                    <a:rPr lang="fr-FR" sz="701" dirty="0"/>
                     <a:t>= 4.3%</a:t>
                   </a:r>
-                  <a:endParaRPr lang="fr-FR" sz="1013" dirty="0"/>
+                  <a:endParaRPr lang="fr-FR" sz="701" dirty="0"/>
                 </a:p>
                 <a:p>
                   <a:pPr algn="ctr"/>
@@ -4198,7 +4198,7 @@
                       <m:sSub>
                         <m:sSubPr>
                           <m:ctrlPr>
-                            <a:rPr lang="fr-FR" sz="1013" i="1">
+                            <a:rPr lang="fr-FR" sz="701" i="1">
                               <a:latin typeface="Cambria Math" panose="02040503050406030204" pitchFamily="18" charset="0"/>
                             </a:rPr>
                           </m:ctrlPr>
@@ -4208,14 +4208,14 @@
                             <m:accPr>
                               <m:chr m:val="̅"/>
                               <m:ctrlPr>
-                                <a:rPr lang="fr-FR" sz="1013" i="1">
+                                <a:rPr lang="fr-FR" sz="701" i="1">
                                   <a:latin typeface="Cambria Math" panose="02040503050406030204" pitchFamily="18" charset="0"/>
                                 </a:rPr>
                               </m:ctrlPr>
                             </m:accPr>
                             <m:e>
                               <m:r>
-                                <a:rPr lang="fr-FR" sz="1013" i="1">
+                                <a:rPr lang="fr-FR" sz="701" i="1">
                                   <a:latin typeface="Cambria Math" panose="02040503050406030204" pitchFamily="18" charset="0"/>
                                   <a:ea typeface="Cambria Math" panose="02040503050406030204" pitchFamily="18" charset="0"/>
                                 </a:rPr>
@@ -4226,7 +4226,7 @@
                         </m:e>
                         <m:sub>
                           <m:r>
-                            <a:rPr lang="fr-FR" sz="1013" i="1" dirty="0">
+                            <a:rPr lang="fr-FR" sz="701" i="1" dirty="0">
                               <a:latin typeface="Cambria Math" panose="02040503050406030204" pitchFamily="18" charset="0"/>
                             </a:rPr>
                             <m:t>𝑠𝑡𝑎𝑡𝑖𝑜𝑛</m:t>
@@ -4236,19 +4236,19 @@
                     </m:oMath>
                   </a14:m>
                   <a:r>
-                    <a:rPr lang="fr-FR" sz="1013" dirty="0"/>
+                    <a:rPr lang="fr-FR" sz="701" dirty="0"/>
                     <a:t>= </a:t>
                   </a:r>
                   <a:r>
-                    <a:rPr lang="fr-FR" sz="1013" dirty="0" smtClean="0"/>
+                    <a:rPr lang="fr-FR" sz="701" dirty="0"/>
                     <a:t>4.3%</a:t>
                   </a:r>
-                  <a:endParaRPr lang="fr-FR" sz="1013" dirty="0"/>
+                  <a:endParaRPr lang="fr-FR" sz="701" dirty="0"/>
                 </a:p>
               </p:txBody>
             </p:sp>
           </mc:Choice>
-          <mc:Fallback xmlns="">
+          <mc:Fallback>
             <p:sp>
               <p:nvSpPr>
                 <p:cNvPr id="14" name="ZoneTexte 13"/>
@@ -4259,8 +4259,8 @@
               </p:nvSpPr>
               <p:spPr>
                 <a:xfrm>
-                  <a:off x="2713583" y="4081026"/>
-                  <a:ext cx="1289426" cy="563488"/>
+                  <a:off x="2686664" y="4081026"/>
+                  <a:ext cx="1338177" cy="604332"/>
                 </a:xfrm>
                 <a:prstGeom prst="rect">
                   <a:avLst/>
@@ -4268,7 +4268,7 @@
                 <a:blipFill>
                   <a:blip r:embed="rId10"/>
                   <a:stretch>
-                    <a:fillRect b="-5376"/>
+                    <a:fillRect b="-1449"/>
                   </a:stretch>
                 </a:blipFill>
               </p:spPr>
@@ -4287,8 +4287,8 @@
             </p:sp>
           </mc:Fallback>
         </mc:AlternateContent>
-        <mc:AlternateContent xmlns:mc="http://schemas.openxmlformats.org/markup-compatibility/2006" xmlns:a14="http://schemas.microsoft.com/office/drawing/2010/main">
-          <mc:Choice Requires="a14">
+        <mc:AlternateContent xmlns:mc="http://schemas.openxmlformats.org/markup-compatibility/2006">
+          <mc:Choice xmlns:a14="http://schemas.microsoft.com/office/drawing/2010/main" Requires="a14">
             <p:sp>
               <p:nvSpPr>
                 <p:cNvPr id="15" name="ZoneTexte 14"/>
@@ -4298,7 +4298,7 @@
               <p:spPr>
                 <a:xfrm>
                   <a:off x="4116823" y="4081026"/>
-                  <a:ext cx="1226239" cy="563488"/>
+                  <a:ext cx="1283101" cy="604332"/>
                 </a:xfrm>
                 <a:prstGeom prst="rect">
                   <a:avLst/>
@@ -4313,11 +4313,11 @@
                 <a:p>
                   <a:pPr algn="ctr"/>
                   <a:r>
-                    <a:rPr lang="fr-FR" sz="1013" dirty="0" smtClean="0"/>
+                    <a:rPr lang="fr-FR" sz="701" dirty="0"/>
                     <a:t>16 </a:t>
                   </a:r>
                   <a:r>
-                    <a:rPr lang="fr-FR" sz="1013" dirty="0"/>
+                    <a:rPr lang="fr-FR" sz="701" dirty="0"/>
                     <a:t>stations</a:t>
                   </a:r>
                 </a:p>
@@ -4328,7 +4328,7 @@
                       <m:sSub>
                         <m:sSubPr>
                           <m:ctrlPr>
-                            <a:rPr lang="fr-FR" sz="1013" i="1">
+                            <a:rPr lang="fr-FR" sz="701" i="1">
                               <a:latin typeface="Cambria Math" panose="02040503050406030204" pitchFamily="18" charset="0"/>
                             </a:rPr>
                           </m:ctrlPr>
@@ -4338,14 +4338,14 @@
                             <m:accPr>
                               <m:chr m:val="̅"/>
                               <m:ctrlPr>
-                                <a:rPr lang="fr-FR" sz="1013" i="1">
+                                <a:rPr lang="fr-FR" sz="701" i="1">
                                   <a:latin typeface="Cambria Math" panose="02040503050406030204" pitchFamily="18" charset="0"/>
                                 </a:rPr>
                               </m:ctrlPr>
                             </m:accPr>
                             <m:e>
                               <m:r>
-                                <a:rPr lang="fr-FR" sz="1013" i="1">
+                                <a:rPr lang="fr-FR" sz="701" i="1">
                                   <a:latin typeface="Cambria Math" panose="02040503050406030204" pitchFamily="18" charset="0"/>
                                   <a:ea typeface="Cambria Math" panose="02040503050406030204" pitchFamily="18" charset="0"/>
                                 </a:rPr>
@@ -4356,19 +4356,19 @@
                         </m:e>
                         <m:sub>
                           <m:r>
-                            <a:rPr lang="fr-FR" sz="1013" i="1" dirty="0">
+                            <a:rPr lang="fr-FR" sz="701" i="1" dirty="0">
                               <a:latin typeface="Cambria Math" panose="02040503050406030204" pitchFamily="18" charset="0"/>
                             </a:rPr>
                             <m:t>𝑖𝑛𝑡𝑒𝑟</m:t>
                           </m:r>
                           <m:r>
-                            <a:rPr lang="fr-FR" sz="1013" i="1" dirty="0">
+                            <a:rPr lang="fr-FR" sz="701" i="1" dirty="0">
                               <a:latin typeface="Cambria Math" panose="02040503050406030204" pitchFamily="18" charset="0"/>
                             </a:rPr>
                             <m:t>−</m:t>
                           </m:r>
                           <m:r>
-                            <a:rPr lang="fr-FR" sz="1013" i="1" dirty="0">
+                            <a:rPr lang="fr-FR" sz="701" i="1" dirty="0">
                               <a:latin typeface="Cambria Math" panose="02040503050406030204" pitchFamily="18" charset="0"/>
                             </a:rPr>
                             <m:t>𝑠𝑡𝑎𝑡𝑖𝑜𝑛</m:t>
@@ -4378,10 +4378,10 @@
                     </m:oMath>
                   </a14:m>
                   <a:r>
-                    <a:rPr lang="fr-FR" sz="1013" dirty="0" smtClean="0"/>
+                    <a:rPr lang="fr-FR" sz="701" dirty="0"/>
                     <a:t>= 5%</a:t>
                   </a:r>
-                  <a:endParaRPr lang="fr-FR" sz="1013" dirty="0"/>
+                  <a:endParaRPr lang="fr-FR" sz="701" dirty="0"/>
                 </a:p>
                 <a:p>
                   <a:pPr algn="ctr"/>
@@ -4390,7 +4390,7 @@
                       <m:sSub>
                         <m:sSubPr>
                           <m:ctrlPr>
-                            <a:rPr lang="fr-FR" sz="1013" i="1">
+                            <a:rPr lang="fr-FR" sz="701" i="1">
                               <a:latin typeface="Cambria Math" panose="02040503050406030204" pitchFamily="18" charset="0"/>
                             </a:rPr>
                           </m:ctrlPr>
@@ -4400,14 +4400,14 @@
                             <m:accPr>
                               <m:chr m:val="̅"/>
                               <m:ctrlPr>
-                                <a:rPr lang="fr-FR" sz="1013" i="1">
+                                <a:rPr lang="fr-FR" sz="701" i="1">
                                   <a:latin typeface="Cambria Math" panose="02040503050406030204" pitchFamily="18" charset="0"/>
                                 </a:rPr>
                               </m:ctrlPr>
                             </m:accPr>
                             <m:e>
                               <m:r>
-                                <a:rPr lang="fr-FR" sz="1013" i="1">
+                                <a:rPr lang="fr-FR" sz="701" i="1">
                                   <a:latin typeface="Cambria Math" panose="02040503050406030204" pitchFamily="18" charset="0"/>
                                   <a:ea typeface="Cambria Math" panose="02040503050406030204" pitchFamily="18" charset="0"/>
                                 </a:rPr>
@@ -4418,7 +4418,7 @@
                         </m:e>
                         <m:sub>
                           <m:r>
-                            <a:rPr lang="fr-FR" sz="1013" i="1" dirty="0">
+                            <a:rPr lang="fr-FR" sz="701" i="1" dirty="0">
                               <a:latin typeface="Cambria Math" panose="02040503050406030204" pitchFamily="18" charset="0"/>
                             </a:rPr>
                             <m:t>𝑠𝑡𝑎𝑡𝑖𝑜𝑛</m:t>
@@ -4428,19 +4428,19 @@
                     </m:oMath>
                   </a14:m>
                   <a:r>
-                    <a:rPr lang="fr-FR" sz="1013" dirty="0"/>
+                    <a:rPr lang="fr-FR" sz="701" dirty="0"/>
                     <a:t>= </a:t>
                   </a:r>
                   <a:r>
-                    <a:rPr lang="fr-FR" sz="1013" dirty="0" smtClean="0"/>
+                    <a:rPr lang="fr-FR" sz="701" dirty="0"/>
                     <a:t>5%</a:t>
                   </a:r>
-                  <a:endParaRPr lang="fr-FR" sz="1013" dirty="0"/>
+                  <a:endParaRPr lang="fr-FR" sz="701" dirty="0"/>
                 </a:p>
               </p:txBody>
             </p:sp>
           </mc:Choice>
-          <mc:Fallback xmlns="">
+          <mc:Fallback>
             <p:sp>
               <p:nvSpPr>
                 <p:cNvPr id="15" name="ZoneTexte 14"/>
@@ -4452,7 +4452,7 @@
               <p:spPr>
                 <a:xfrm>
                   <a:off x="4116823" y="4081026"/>
-                  <a:ext cx="1226239" cy="563488"/>
+                  <a:ext cx="1283101" cy="604332"/>
                 </a:xfrm>
                 <a:prstGeom prst="rect">
                   <a:avLst/>
@@ -4460,7 +4460,7 @@
                 <a:blipFill>
                   <a:blip r:embed="rId11"/>
                   <a:stretch>
-                    <a:fillRect b="-5376"/>
+                    <a:fillRect b="-1449"/>
                   </a:stretch>
                 </a:blipFill>
               </p:spPr>
@@ -4479,8 +4479,8 @@
             </p:sp>
           </mc:Fallback>
         </mc:AlternateContent>
-        <mc:AlternateContent xmlns:mc="http://schemas.openxmlformats.org/markup-compatibility/2006" xmlns:a14="http://schemas.microsoft.com/office/drawing/2010/main">
-          <mc:Choice Requires="a14">
+        <mc:AlternateContent xmlns:mc="http://schemas.openxmlformats.org/markup-compatibility/2006">
+          <mc:Choice xmlns:a14="http://schemas.microsoft.com/office/drawing/2010/main" Requires="a14">
             <p:sp>
               <p:nvSpPr>
                 <p:cNvPr id="16" name="ZoneTexte 15"/>
@@ -4489,8 +4489,8 @@
               </p:nvSpPr>
               <p:spPr>
                 <a:xfrm>
-                  <a:off x="5405295" y="4081026"/>
-                  <a:ext cx="1324252" cy="563488"/>
+                  <a:off x="5390054" y="4095953"/>
+                  <a:ext cx="1411089" cy="604332"/>
                 </a:xfrm>
                 <a:prstGeom prst="rect">
                   <a:avLst/>
@@ -4505,7 +4505,7 @@
                 <a:p>
                   <a:pPr algn="ctr"/>
                   <a:r>
-                    <a:rPr lang="fr-FR" sz="1013" dirty="0"/>
+                    <a:rPr lang="fr-FR" sz="701" dirty="0"/>
                     <a:t>46 stations</a:t>
                   </a:r>
                 </a:p>
@@ -4516,7 +4516,7 @@
                       <m:sSub>
                         <m:sSubPr>
                           <m:ctrlPr>
-                            <a:rPr lang="fr-FR" sz="1013" i="1">
+                            <a:rPr lang="fr-FR" sz="701" i="1">
                               <a:latin typeface="Cambria Math" panose="02040503050406030204" pitchFamily="18" charset="0"/>
                             </a:rPr>
                           </m:ctrlPr>
@@ -4526,14 +4526,14 @@
                             <m:accPr>
                               <m:chr m:val="̅"/>
                               <m:ctrlPr>
-                                <a:rPr lang="fr-FR" sz="1013" i="1">
+                                <a:rPr lang="fr-FR" sz="701" i="1">
                                   <a:latin typeface="Cambria Math" panose="02040503050406030204" pitchFamily="18" charset="0"/>
                                 </a:rPr>
                               </m:ctrlPr>
                             </m:accPr>
                             <m:e>
                               <m:r>
-                                <a:rPr lang="fr-FR" sz="1013" i="1">
+                                <a:rPr lang="fr-FR" sz="701" i="1">
                                   <a:latin typeface="Cambria Math" panose="02040503050406030204" pitchFamily="18" charset="0"/>
                                   <a:ea typeface="Cambria Math" panose="02040503050406030204" pitchFamily="18" charset="0"/>
                                 </a:rPr>
@@ -4544,19 +4544,19 @@
                         </m:e>
                         <m:sub>
                           <m:r>
-                            <a:rPr lang="fr-FR" sz="1013" i="1" dirty="0">
+                            <a:rPr lang="fr-FR" sz="701" i="1" dirty="0">
                               <a:latin typeface="Cambria Math" panose="02040503050406030204" pitchFamily="18" charset="0"/>
                             </a:rPr>
                             <m:t>𝑖𝑛𝑡𝑒𝑟</m:t>
                           </m:r>
                           <m:r>
-                            <a:rPr lang="fr-FR" sz="1013" i="1" dirty="0">
+                            <a:rPr lang="fr-FR" sz="701" i="1" dirty="0">
                               <a:latin typeface="Cambria Math" panose="02040503050406030204" pitchFamily="18" charset="0"/>
                             </a:rPr>
                             <m:t>−</m:t>
                           </m:r>
                           <m:r>
-                            <a:rPr lang="fr-FR" sz="1013" i="1" dirty="0">
+                            <a:rPr lang="fr-FR" sz="701" i="1" dirty="0">
                               <a:latin typeface="Cambria Math" panose="02040503050406030204" pitchFamily="18" charset="0"/>
                             </a:rPr>
                             <m:t>𝑠𝑡𝑎𝑡𝑖𝑜𝑛</m:t>
@@ -4566,10 +4566,10 @@
                     </m:oMath>
                   </a14:m>
                   <a:r>
-                    <a:rPr lang="fr-FR" sz="1013" dirty="0" smtClean="0"/>
+                    <a:rPr lang="fr-FR" sz="701" dirty="0"/>
                     <a:t>= 10.6%</a:t>
                   </a:r>
-                  <a:endParaRPr lang="fr-FR" sz="1013" dirty="0"/>
+                  <a:endParaRPr lang="fr-FR" sz="701" dirty="0"/>
                 </a:p>
                 <a:p>
                   <a:pPr algn="ctr"/>
@@ -4578,7 +4578,7 @@
                       <m:sSub>
                         <m:sSubPr>
                           <m:ctrlPr>
-                            <a:rPr lang="fr-FR" sz="1013" i="1">
+                            <a:rPr lang="fr-FR" sz="701" i="1">
                               <a:latin typeface="Cambria Math" panose="02040503050406030204" pitchFamily="18" charset="0"/>
                             </a:rPr>
                           </m:ctrlPr>
@@ -4588,14 +4588,14 @@
                             <m:accPr>
                               <m:chr m:val="̅"/>
                               <m:ctrlPr>
-                                <a:rPr lang="fr-FR" sz="1013" i="1">
+                                <a:rPr lang="fr-FR" sz="701" i="1">
                                   <a:latin typeface="Cambria Math" panose="02040503050406030204" pitchFamily="18" charset="0"/>
                                 </a:rPr>
                               </m:ctrlPr>
                             </m:accPr>
                             <m:e>
                               <m:r>
-                                <a:rPr lang="fr-FR" sz="1013" i="1">
+                                <a:rPr lang="fr-FR" sz="701" i="1">
                                   <a:latin typeface="Cambria Math" panose="02040503050406030204" pitchFamily="18" charset="0"/>
                                   <a:ea typeface="Cambria Math" panose="02040503050406030204" pitchFamily="18" charset="0"/>
                                 </a:rPr>
@@ -4606,7 +4606,7 @@
                         </m:e>
                         <m:sub>
                           <m:r>
-                            <a:rPr lang="fr-FR" sz="1013" i="1" dirty="0">
+                            <a:rPr lang="fr-FR" sz="701" i="1" dirty="0">
                               <a:latin typeface="Cambria Math" panose="02040503050406030204" pitchFamily="18" charset="0"/>
                             </a:rPr>
                             <m:t>𝑠𝑡𝑎𝑡𝑖𝑜𝑛</m:t>
@@ -4616,19 +4616,19 @@
                     </m:oMath>
                   </a14:m>
                   <a:r>
-                    <a:rPr lang="fr-FR" sz="1013" dirty="0"/>
+                    <a:rPr lang="fr-FR" sz="701" dirty="0"/>
                     <a:t>= </a:t>
                   </a:r>
                   <a:r>
-                    <a:rPr lang="fr-FR" sz="1013" dirty="0" smtClean="0"/>
+                    <a:rPr lang="fr-FR" sz="701" dirty="0"/>
                     <a:t>7.3%</a:t>
                   </a:r>
-                  <a:endParaRPr lang="fr-FR" sz="1013" dirty="0"/>
+                  <a:endParaRPr lang="fr-FR" sz="701" dirty="0"/>
                 </a:p>
               </p:txBody>
             </p:sp>
           </mc:Choice>
-          <mc:Fallback xmlns="">
+          <mc:Fallback>
             <p:sp>
               <p:nvSpPr>
                 <p:cNvPr id="16" name="ZoneTexte 15"/>
@@ -4639,8 +4639,8 @@
               </p:nvSpPr>
               <p:spPr>
                 <a:xfrm>
-                  <a:off x="5405295" y="4081026"/>
-                  <a:ext cx="1324252" cy="563488"/>
+                  <a:off x="5390054" y="4095953"/>
+                  <a:ext cx="1411089" cy="604332"/>
                 </a:xfrm>
                 <a:prstGeom prst="rect">
                   <a:avLst/>
@@ -4648,7 +4648,7 @@
                 <a:blipFill>
                   <a:blip r:embed="rId12"/>
                   <a:stretch>
-                    <a:fillRect b="-5376"/>
+                    <a:fillRect b="-1449"/>
                   </a:stretch>
                 </a:blipFill>
               </p:spPr>
@@ -4667,8 +4667,8 @@
             </p:sp>
           </mc:Fallback>
         </mc:AlternateContent>
-        <mc:AlternateContent xmlns:mc="http://schemas.openxmlformats.org/markup-compatibility/2006" xmlns:a14="http://schemas.microsoft.com/office/drawing/2010/main">
-          <mc:Choice Requires="a14">
+        <mc:AlternateContent xmlns:mc="http://schemas.openxmlformats.org/markup-compatibility/2006">
+          <mc:Choice xmlns:a14="http://schemas.microsoft.com/office/drawing/2010/main" Requires="a14">
             <p:sp>
               <p:nvSpPr>
                 <p:cNvPr id="17" name="ZoneTexte 16"/>
@@ -4678,7 +4678,7 @@
               <p:spPr>
                 <a:xfrm>
                   <a:off x="3535976" y="4709858"/>
-                  <a:ext cx="1055136" cy="265457"/>
+                  <a:ext cx="1055136" cy="306566"/>
                 </a:xfrm>
                 <a:prstGeom prst="rect">
                   <a:avLst/>
@@ -4696,7 +4696,7 @@
                       <m:sSub>
                         <m:sSubPr>
                           <m:ctrlPr>
-                            <a:rPr lang="fr-FR" sz="1125" b="1" i="1">
+                            <a:rPr lang="fr-FR" sz="779" b="1" i="1">
                               <a:solidFill>
                                 <a:srgbClr val="FF0000"/>
                               </a:solidFill>
@@ -4709,7 +4709,7 @@
                             <m:accPr>
                               <m:chr m:val="̅"/>
                               <m:ctrlPr>
-                                <a:rPr lang="fr-FR" sz="1125" b="1" i="1">
+                                <a:rPr lang="fr-FR" sz="779" b="1" i="1">
                                   <a:solidFill>
                                     <a:srgbClr val="FF0000"/>
                                   </a:solidFill>
@@ -4719,7 +4719,7 @@
                             </m:accPr>
                             <m:e>
                               <m:r>
-                                <a:rPr lang="fr-FR" sz="1125" b="1" i="1">
+                                <a:rPr lang="fr-FR" sz="779" b="1" i="1">
                                   <a:solidFill>
                                     <a:srgbClr val="FF0000"/>
                                   </a:solidFill>
@@ -4733,7 +4733,7 @@
                         </m:e>
                         <m:sub>
                           <m:r>
-                            <a:rPr lang="fr-FR" sz="1125" b="1" i="1" dirty="0">
+                            <a:rPr lang="fr-FR" sz="779" b="1" i="1" dirty="0">
                               <a:solidFill>
                                 <a:srgbClr val="FF0000"/>
                               </a:solidFill>
@@ -4746,7 +4746,7 @@
                     </m:oMath>
                   </a14:m>
                   <a:r>
-                    <a:rPr lang="fr-FR" sz="1125" b="1" dirty="0">
+                    <a:rPr lang="fr-FR" sz="779" b="1" dirty="0">
                       <a:solidFill>
                         <a:srgbClr val="FF0000"/>
                       </a:solidFill>
@@ -4754,14 +4754,14 @@
                     <a:t>= </a:t>
                   </a:r>
                   <a:r>
-                    <a:rPr lang="fr-FR" sz="1125" b="1" dirty="0" smtClean="0">
+                    <a:rPr lang="fr-FR" sz="779" b="1" dirty="0">
                       <a:solidFill>
                         <a:srgbClr val="FF0000"/>
                       </a:solidFill>
                     </a:rPr>
                     <a:t>5%</a:t>
                   </a:r>
-                  <a:endParaRPr lang="fr-FR" sz="1125" b="1" dirty="0">
+                  <a:endParaRPr lang="fr-FR" sz="779" b="1" dirty="0">
                     <a:solidFill>
                       <a:srgbClr val="FF0000"/>
                     </a:solidFill>
@@ -4770,7 +4770,7 @@
               </p:txBody>
             </p:sp>
           </mc:Choice>
-          <mc:Fallback xmlns="">
+          <mc:Fallback>
             <p:sp>
               <p:nvSpPr>
                 <p:cNvPr id="17" name="ZoneTexte 16"/>
@@ -4782,7 +4782,7 @@
               <p:spPr>
                 <a:xfrm>
                   <a:off x="3535976" y="4709858"/>
-                  <a:ext cx="1055136" cy="265457"/>
+                  <a:ext cx="1055136" cy="306566"/>
                 </a:xfrm>
                 <a:prstGeom prst="rect">
                   <a:avLst/>
@@ -4790,7 +4790,7 @@
                 <a:blipFill>
                   <a:blip r:embed="rId13"/>
                   <a:stretch>
-                    <a:fillRect b="-16279"/>
+                    <a:fillRect b="-2857"/>
                   </a:stretch>
                 </a:blipFill>
               </p:spPr>
@@ -4809,8 +4809,8 @@
             </p:sp>
           </mc:Fallback>
         </mc:AlternateContent>
-        <mc:AlternateContent xmlns:mc="http://schemas.openxmlformats.org/markup-compatibility/2006" xmlns:a14="http://schemas.microsoft.com/office/drawing/2010/main">
-          <mc:Choice Requires="a14">
+        <mc:AlternateContent xmlns:mc="http://schemas.openxmlformats.org/markup-compatibility/2006">
+          <mc:Choice xmlns:a14="http://schemas.microsoft.com/office/drawing/2010/main" Requires="a14">
             <p:sp>
               <p:nvSpPr>
                 <p:cNvPr id="18" name="ZoneTexte 17"/>
@@ -4820,7 +4820,7 @@
               <p:spPr>
                 <a:xfrm>
                   <a:off x="3337489" y="3685425"/>
-                  <a:ext cx="1497152" cy="269433"/>
+                  <a:ext cx="1497152" cy="310548"/>
                 </a:xfrm>
                 <a:prstGeom prst="rect">
                   <a:avLst/>
@@ -4838,7 +4838,7 @@
                       <m:sSub>
                         <m:sSubPr>
                           <m:ctrlPr>
-                            <a:rPr lang="fr-FR" sz="1125" b="1" i="1">
+                            <a:rPr lang="fr-FR" sz="779" b="1" i="1">
                               <a:solidFill>
                                 <a:srgbClr val="FF0000"/>
                               </a:solidFill>
@@ -4851,7 +4851,7 @@
                             <m:accPr>
                               <m:chr m:val="̅"/>
                               <m:ctrlPr>
-                                <a:rPr lang="fr-FR" sz="1125" b="1" i="1">
+                                <a:rPr lang="fr-FR" sz="779" b="1" i="1">
                                   <a:solidFill>
                                     <a:srgbClr val="FF0000"/>
                                   </a:solidFill>
@@ -4861,7 +4861,7 @@
                             </m:accPr>
                             <m:e>
                               <m:r>
-                                <a:rPr lang="fr-FR" sz="1125" b="1" i="1">
+                                <a:rPr lang="fr-FR" sz="779" b="1" i="1">
                                   <a:solidFill>
                                     <a:srgbClr val="FF0000"/>
                                   </a:solidFill>
@@ -4874,7 +4874,7 @@
                         </m:e>
                         <m:sub>
                           <m:r>
-                            <a:rPr lang="fr-FR" sz="1125" b="1" i="1" dirty="0">
+                            <a:rPr lang="fr-FR" sz="779" b="1" i="1" dirty="0">
                               <a:solidFill>
                                 <a:srgbClr val="FF0000"/>
                               </a:solidFill>
@@ -4883,7 +4883,7 @@
                             <m:t>𝒊𝒏𝒕𝒆𝒓</m:t>
                           </m:r>
                           <m:r>
-                            <a:rPr lang="fr-FR" sz="1125" b="1" dirty="0">
+                            <a:rPr lang="fr-FR" sz="779" b="1" dirty="0">
                               <a:solidFill>
                                 <a:srgbClr val="FF0000"/>
                               </a:solidFill>
@@ -4892,7 +4892,7 @@
                             <m:t>−</m:t>
                           </m:r>
                           <m:r>
-                            <a:rPr lang="fr-FR" sz="1125" b="1" i="1" dirty="0">
+                            <a:rPr lang="fr-FR" sz="779" b="1" i="1" dirty="0">
                               <a:solidFill>
                                 <a:srgbClr val="FF0000"/>
                               </a:solidFill>
@@ -4905,7 +4905,7 @@
                     </m:oMath>
                   </a14:m>
                   <a:r>
-                    <a:rPr lang="fr-FR" sz="1125" b="1" dirty="0">
+                    <a:rPr lang="fr-FR" sz="779" b="1" dirty="0">
                       <a:solidFill>
                         <a:srgbClr val="FF0000"/>
                       </a:solidFill>
@@ -4913,14 +4913,14 @@
                     <a:t>= </a:t>
                   </a:r>
                   <a:r>
-                    <a:rPr lang="fr-FR" sz="1125" b="1" dirty="0" smtClean="0">
+                    <a:rPr lang="fr-FR" sz="779" b="1" dirty="0">
                       <a:solidFill>
                         <a:srgbClr val="FF0000"/>
                       </a:solidFill>
                     </a:rPr>
                     <a:t>6.5%</a:t>
                   </a:r>
-                  <a:endParaRPr lang="fr-FR" sz="1125" b="1" dirty="0">
+                  <a:endParaRPr lang="fr-FR" sz="779" b="1" dirty="0">
                     <a:solidFill>
                       <a:srgbClr val="FF0000"/>
                     </a:solidFill>
@@ -4929,7 +4929,7 @@
               </p:txBody>
             </p:sp>
           </mc:Choice>
-          <mc:Fallback xmlns="">
+          <mc:Fallback>
             <p:sp>
               <p:nvSpPr>
                 <p:cNvPr id="18" name="ZoneTexte 17"/>
@@ -4941,7 +4941,7 @@
               <p:spPr>
                 <a:xfrm>
                   <a:off x="3337489" y="3685425"/>
-                  <a:ext cx="1497152" cy="269433"/>
+                  <a:ext cx="1497152" cy="310548"/>
                 </a:xfrm>
                 <a:prstGeom prst="rect">
                   <a:avLst/>
@@ -4949,7 +4949,7 @@
                 <a:blipFill>
                   <a:blip r:embed="rId14"/>
                   <a:stretch>
-                    <a:fillRect b="-15909"/>
+                    <a:fillRect b="-5714"/>
                   </a:stretch>
                 </a:blipFill>
               </p:spPr>
@@ -4968,8 +4968,8 @@
             </p:sp>
           </mc:Fallback>
         </mc:AlternateContent>
-        <mc:AlternateContent xmlns:mc="http://schemas.openxmlformats.org/markup-compatibility/2006" xmlns:a14="http://schemas.microsoft.com/office/drawing/2010/main">
-          <mc:Choice Requires="a14">
+        <mc:AlternateContent xmlns:mc="http://schemas.openxmlformats.org/markup-compatibility/2006">
+          <mc:Choice xmlns:a14="http://schemas.microsoft.com/office/drawing/2010/main" Requires="a14">
             <p:sp>
               <p:nvSpPr>
                 <p:cNvPr id="19" name="ZoneTexte 18"/>
@@ -4979,7 +4979,7 @@
               <p:spPr>
                 <a:xfrm>
                   <a:off x="3448671" y="2791930"/>
-                  <a:ext cx="1276144" cy="269433"/>
+                  <a:ext cx="1276143" cy="310548"/>
                 </a:xfrm>
                 <a:prstGeom prst="rect">
                   <a:avLst/>
@@ -4997,7 +4997,7 @@
                       <m:sSub>
                         <m:sSubPr>
                           <m:ctrlPr>
-                            <a:rPr lang="fr-FR" sz="1125" b="1" i="1">
+                            <a:rPr lang="fr-FR" sz="779" b="1" i="1">
                               <a:solidFill>
                                 <a:srgbClr val="FF0000"/>
                               </a:solidFill>
@@ -5010,7 +5010,7 @@
                             <m:accPr>
                               <m:chr m:val="̅"/>
                               <m:ctrlPr>
-                                <a:rPr lang="fr-FR" sz="1125" b="1" i="1">
+                                <a:rPr lang="fr-FR" sz="779" b="1" i="1">
                                   <a:solidFill>
                                     <a:srgbClr val="FF0000"/>
                                   </a:solidFill>
@@ -5020,7 +5020,7 @@
                             </m:accPr>
                             <m:e>
                               <m:r>
-                                <a:rPr lang="fr-FR" sz="1125" b="1" i="1">
+                                <a:rPr lang="fr-FR" sz="779" b="1" i="1">
                                   <a:solidFill>
                                     <a:srgbClr val="FF0000"/>
                                   </a:solidFill>
@@ -5033,7 +5033,7 @@
                         </m:e>
                         <m:sub>
                           <m:r>
-                            <a:rPr lang="fr-FR" sz="1125" b="1" i="1" dirty="0">
+                            <a:rPr lang="fr-FR" sz="779" b="1" i="1" dirty="0">
                               <a:solidFill>
                                 <a:srgbClr val="FF0000"/>
                               </a:solidFill>
@@ -5042,7 +5042,7 @@
                             <m:t>𝒊𝒏𝒕𝒆𝒓</m:t>
                           </m:r>
                           <m:r>
-                            <a:rPr lang="fr-FR" sz="1125" b="1" dirty="0">
+                            <a:rPr lang="fr-FR" sz="779" b="1" dirty="0">
                               <a:solidFill>
                                 <a:srgbClr val="FF0000"/>
                               </a:solidFill>
@@ -5051,7 +5051,7 @@
                             <m:t>−</m:t>
                           </m:r>
                           <m:r>
-                            <a:rPr lang="fr-FR" sz="1125" b="1" i="1" dirty="0">
+                            <a:rPr lang="fr-FR" sz="779" b="1" i="1" dirty="0">
                               <a:solidFill>
                                 <a:srgbClr val="FF0000"/>
                               </a:solidFill>
@@ -5060,7 +5060,7 @@
                             <m:t>𝒔</m:t>
                           </m:r>
                           <m:r>
-                            <a:rPr lang="fr-FR" sz="1125" b="1" dirty="0">
+                            <a:rPr lang="fr-FR" sz="779" b="1" dirty="0">
                               <a:solidFill>
                                 <a:srgbClr val="FF0000"/>
                               </a:solidFill>
@@ -5073,7 +5073,7 @@
                     </m:oMath>
                   </a14:m>
                   <a:r>
-                    <a:rPr lang="fr-FR" sz="1125" b="1" dirty="0">
+                    <a:rPr lang="fr-FR" sz="779" b="1" dirty="0">
                       <a:solidFill>
                         <a:srgbClr val="FF0000"/>
                       </a:solidFill>
@@ -5081,14 +5081,14 @@
                     <a:t>= </a:t>
                   </a:r>
                   <a:r>
-                    <a:rPr lang="fr-FR" sz="1125" b="1" dirty="0" smtClean="0">
+                    <a:rPr lang="fr-FR" sz="779" b="1" dirty="0">
                       <a:solidFill>
                         <a:srgbClr val="FF0000"/>
                       </a:solidFill>
                     </a:rPr>
                     <a:t>17%</a:t>
                   </a:r>
-                  <a:endParaRPr lang="fr-FR" sz="1125" b="1" dirty="0">
+                  <a:endParaRPr lang="fr-FR" sz="779" b="1" dirty="0">
                     <a:solidFill>
                       <a:srgbClr val="FF0000"/>
                     </a:solidFill>
@@ -5097,7 +5097,7 @@
               </p:txBody>
             </p:sp>
           </mc:Choice>
-          <mc:Fallback xmlns="">
+          <mc:Fallback>
             <p:sp>
               <p:nvSpPr>
                 <p:cNvPr id="19" name="ZoneTexte 18"/>
@@ -5109,7 +5109,7 @@
               <p:spPr>
                 <a:xfrm>
                   <a:off x="3448671" y="2791930"/>
-                  <a:ext cx="1276144" cy="269433"/>
+                  <a:ext cx="1276143" cy="310548"/>
                 </a:xfrm>
                 <a:prstGeom prst="rect">
                   <a:avLst/>
@@ -5117,7 +5117,7 @@
                 <a:blipFill>
                   <a:blip r:embed="rId15"/>
                   <a:stretch>
-                    <a:fillRect b="-15909"/>
+                    <a:fillRect b="-8571"/>
                   </a:stretch>
                 </a:blipFill>
               </p:spPr>
@@ -5146,9 +5146,9 @@
             <p:nvPr/>
           </p:nvCxnSpPr>
           <p:spPr>
-            <a:xfrm>
-              <a:off x="2051478" y="2695236"/>
-              <a:ext cx="2066" cy="455434"/>
+            <a:xfrm flipH="1">
+              <a:off x="2033226" y="2695236"/>
+              <a:ext cx="7335" cy="444518"/>
             </a:xfrm>
             <a:prstGeom prst="straightConnector1">
               <a:avLst/>
@@ -5183,8 +5183,8 @@
           </p:nvCxnSpPr>
           <p:spPr>
             <a:xfrm flipH="1">
-              <a:off x="3368669" y="2718093"/>
-              <a:ext cx="9923" cy="461152"/>
+              <a:off x="3368670" y="2702938"/>
+              <a:ext cx="9922" cy="443560"/>
             </a:xfrm>
             <a:prstGeom prst="straightConnector1">
               <a:avLst/>
@@ -5219,8 +5219,8 @@
           </p:nvCxnSpPr>
           <p:spPr>
             <a:xfrm>
-              <a:off x="4718738" y="2702373"/>
-              <a:ext cx="8867" cy="474171"/>
+              <a:off x="4718739" y="2702372"/>
+              <a:ext cx="10348" cy="474172"/>
             </a:xfrm>
             <a:prstGeom prst="straightConnector1">
               <a:avLst/>
@@ -5254,9 +5254,9 @@
             <p:nvPr/>
           </p:nvCxnSpPr>
           <p:spPr>
-            <a:xfrm flipH="1">
-              <a:off x="6067071" y="2695236"/>
-              <a:ext cx="3442" cy="485261"/>
+            <a:xfrm>
+              <a:off x="6070513" y="2695236"/>
+              <a:ext cx="5885" cy="485261"/>
             </a:xfrm>
             <a:prstGeom prst="straightConnector1">
               <a:avLst/>
@@ -5291,8 +5291,8 @@
           </p:nvCxnSpPr>
           <p:spPr>
             <a:xfrm>
-              <a:off x="2044633" y="3620079"/>
-              <a:ext cx="133" cy="446181"/>
+              <a:off x="2039617" y="3620078"/>
+              <a:ext cx="5149" cy="446182"/>
             </a:xfrm>
             <a:prstGeom prst="straightConnector1">
               <a:avLst/>
@@ -5363,8 +5363,8 @@
           </p:nvCxnSpPr>
           <p:spPr>
             <a:xfrm>
-              <a:off x="4727605" y="3613701"/>
-              <a:ext cx="2674" cy="452559"/>
+              <a:off x="4729087" y="3613701"/>
+              <a:ext cx="1192" cy="452559"/>
             </a:xfrm>
             <a:prstGeom prst="straightConnector1">
               <a:avLst/>
@@ -5398,9 +5398,9 @@
             <p:nvPr/>
           </p:nvCxnSpPr>
           <p:spPr>
-            <a:xfrm>
-              <a:off x="6067071" y="3617654"/>
-              <a:ext cx="6418" cy="448606"/>
+            <a:xfrm flipH="1">
+              <a:off x="6073489" y="3617654"/>
+              <a:ext cx="2909" cy="448605"/>
             </a:xfrm>
             <a:prstGeom prst="straightConnector1">
               <a:avLst/>
@@ -5435,8 +5435,8 @@
           </p:nvCxnSpPr>
           <p:spPr>
             <a:xfrm flipH="1">
-              <a:off x="3368669" y="962295"/>
-              <a:ext cx="682909" cy="615950"/>
+              <a:off x="3411476" y="962294"/>
+              <a:ext cx="640101" cy="615950"/>
             </a:xfrm>
             <a:prstGeom prst="straightConnector1">
               <a:avLst/>
@@ -5471,8 +5471,8 @@
           </p:nvCxnSpPr>
           <p:spPr>
             <a:xfrm>
-              <a:off x="4051578" y="962295"/>
-              <a:ext cx="688719" cy="621356"/>
+              <a:off x="4051578" y="962294"/>
+              <a:ext cx="688720" cy="621357"/>
             </a:xfrm>
             <a:prstGeom prst="straightConnector1">
               <a:avLst/>
@@ -5496,8 +5496,8 @@
             </a:fontRef>
           </p:style>
         </p:cxnSp>
-        <mc:AlternateContent xmlns:mc="http://schemas.openxmlformats.org/markup-compatibility/2006" xmlns:a14="http://schemas.microsoft.com/office/drawing/2010/main">
-          <mc:Choice Requires="a14">
+        <mc:AlternateContent xmlns:mc="http://schemas.openxmlformats.org/markup-compatibility/2006">
+          <mc:Choice xmlns:a14="http://schemas.microsoft.com/office/drawing/2010/main" Requires="a14">
             <p:sp>
               <p:nvSpPr>
                 <p:cNvPr id="20" name="ZoneTexte 19"/>
@@ -5506,8 +5506,8 @@
               </p:nvSpPr>
               <p:spPr>
                 <a:xfrm>
-                  <a:off x="3358261" y="1131092"/>
-                  <a:ext cx="1420514" cy="281872"/>
+                  <a:off x="3281102" y="1131092"/>
+                  <a:ext cx="1497674" cy="323051"/>
                 </a:xfrm>
                 <a:prstGeom prst="rect">
                   <a:avLst/>
@@ -5527,7 +5527,7 @@
                       <m:sSub>
                         <m:sSubPr>
                           <m:ctrlPr>
-                            <a:rPr lang="fr-FR" sz="1125" b="1" i="1">
+                            <a:rPr lang="fr-FR" sz="779" b="1" i="1">
                               <a:solidFill>
                                 <a:srgbClr val="FF0000"/>
                               </a:solidFill>
@@ -5537,7 +5537,7 @@
                         </m:sSubPr>
                         <m:e>
                           <m:r>
-                            <a:rPr lang="fr-FR" sz="1125" b="1" i="1">
+                            <a:rPr lang="fr-FR" sz="779" b="1" i="1">
                               <a:solidFill>
                                 <a:srgbClr val="FF0000"/>
                               </a:solidFill>
@@ -5549,7 +5549,7 @@
                         </m:e>
                         <m:sub>
                           <m:r>
-                            <a:rPr lang="fr-FR" sz="1125" b="1" i="1" dirty="0">
+                            <a:rPr lang="fr-FR" sz="779" b="1" i="1" dirty="0">
                               <a:solidFill>
                                 <a:srgbClr val="FF0000"/>
                               </a:solidFill>
@@ -5558,7 +5558,7 @@
                             <m:t>𝒊𝒏𝒕𝒆𝒓</m:t>
                           </m:r>
                           <m:r>
-                            <a:rPr lang="fr-FR" sz="1125" b="1" dirty="0">
+                            <a:rPr lang="fr-FR" sz="779" b="1" dirty="0">
                               <a:solidFill>
                                 <a:srgbClr val="FF0000"/>
                               </a:solidFill>
@@ -5567,7 +5567,7 @@
                             <m:t>−</m:t>
                           </m:r>
                           <m:r>
-                            <a:rPr lang="fr-FR" sz="1125" b="1" dirty="0">
+                            <a:rPr lang="fr-FR" sz="779" b="1" dirty="0">
                               <a:solidFill>
                                 <a:srgbClr val="FF0000"/>
                               </a:solidFill>
@@ -5580,7 +5580,7 @@
                     </m:oMath>
                   </a14:m>
                   <a:r>
-                    <a:rPr lang="fr-FR" sz="1125" b="1" dirty="0">
+                    <a:rPr lang="fr-FR" sz="779" b="1" dirty="0">
                       <a:solidFill>
                         <a:srgbClr val="FF0000"/>
                       </a:solidFill>
@@ -5588,14 +5588,14 @@
                     <a:t>= </a:t>
                   </a:r>
                   <a:r>
-                    <a:rPr lang="fr-FR" sz="1125" b="1" dirty="0" smtClean="0">
+                    <a:rPr lang="fr-FR" sz="779" b="1" dirty="0">
                       <a:solidFill>
                         <a:srgbClr val="FF0000"/>
                       </a:solidFill>
                     </a:rPr>
                     <a:t>71.5%</a:t>
                   </a:r>
-                  <a:endParaRPr lang="fr-FR" sz="1125" b="1" dirty="0">
+                  <a:endParaRPr lang="fr-FR" sz="779" b="1" dirty="0">
                     <a:solidFill>
                       <a:srgbClr val="FF0000"/>
                     </a:solidFill>
@@ -5604,7 +5604,7 @@
               </p:txBody>
             </p:sp>
           </mc:Choice>
-          <mc:Fallback xmlns="">
+          <mc:Fallback>
             <p:sp>
               <p:nvSpPr>
                 <p:cNvPr id="20" name="ZoneTexte 19"/>
@@ -5615,8 +5615,8 @@
               </p:nvSpPr>
               <p:spPr>
                 <a:xfrm>
-                  <a:off x="3358261" y="1131092"/>
-                  <a:ext cx="1420514" cy="281872"/>
+                  <a:off x="3281102" y="1131092"/>
+                  <a:ext cx="1497674" cy="323051"/>
                 </a:xfrm>
                 <a:prstGeom prst="rect">
                   <a:avLst/>
@@ -5624,7 +5624,7 @@
                 <a:blipFill>
                   <a:blip r:embed="rId16"/>
                   <a:stretch>
-                    <a:fillRect b="-8696"/>
+                    <a:fillRect/>
                   </a:stretch>
                 </a:blipFill>
               </p:spPr>
@@ -5683,7 +5683,7 @@
             <a:lstStyle/>
             <a:p>
               <a:pPr algn="ctr"/>
-              <a:endParaRPr lang="fr-FR" sz="1013"/>
+              <a:endParaRPr lang="fr-FR" sz="701"/>
             </a:p>
           </p:txBody>
         </p:sp>
@@ -5695,8 +5695,8 @@
           </p:nvSpPr>
           <p:spPr>
             <a:xfrm>
-              <a:off x="4258854" y="3176544"/>
-              <a:ext cx="937501" cy="437157"/>
+              <a:off x="4194091" y="3176544"/>
+              <a:ext cx="1069992" cy="437157"/>
             </a:xfrm>
             <a:prstGeom prst="ellipse">
               <a:avLst/>
@@ -5727,7 +5727,7 @@
             <a:lstStyle/>
             <a:p>
               <a:pPr algn="ctr"/>
-              <a:endParaRPr lang="fr-FR" sz="1013"/>
+              <a:endParaRPr lang="fr-FR" sz="701"/>
             </a:p>
           </p:txBody>
         </p:sp>
@@ -5739,8 +5739,8 @@
           </p:nvSpPr>
           <p:spPr>
             <a:xfrm>
-              <a:off x="5598320" y="3180497"/>
-              <a:ext cx="937501" cy="437157"/>
+              <a:off x="5548767" y="3180498"/>
+              <a:ext cx="1055262" cy="437157"/>
             </a:xfrm>
             <a:prstGeom prst="ellipse">
               <a:avLst/>
@@ -5748,7 +5748,7 @@
             <a:noFill/>
             <a:ln>
               <a:solidFill>
-                <a:srgbClr val="008080"/>
+                <a:srgbClr val="769376"/>
               </a:solidFill>
             </a:ln>
           </p:spPr>
@@ -5771,7 +5771,7 @@
             <a:lstStyle/>
             <a:p>
               <a:pPr algn="ctr"/>
-              <a:endParaRPr lang="fr-FR" sz="1013"/>
+              <a:endParaRPr lang="fr-FR" sz="701"/>
             </a:p>
           </p:txBody>
         </p:sp>
@@ -5790,9 +5790,9 @@
               <a:avLst/>
             </a:prstGeom>
             <a:noFill/>
-            <a:ln>
+            <a:ln w="12700">
               <a:solidFill>
-                <a:srgbClr val="FF9900"/>
+                <a:srgbClr val="E6A727"/>
               </a:solidFill>
             </a:ln>
           </p:spPr>
@@ -5815,7 +5815,7 @@
             <a:lstStyle/>
             <a:p>
               <a:pPr algn="ctr"/>
-              <a:endParaRPr lang="fr-FR" sz="1013"/>
+              <a:endParaRPr lang="fr-FR" sz="701"/>
             </a:p>
           </p:txBody>
         </p:sp>
@@ -5859,7 +5859,7 @@
             <a:lstStyle/>
             <a:p>
               <a:pPr algn="ctr"/>
-              <a:endParaRPr lang="fr-FR" sz="1013"/>
+              <a:endParaRPr lang="fr-FR" sz="701"/>
             </a:p>
           </p:txBody>
         </p:sp>
@@ -5903,7 +5903,7 @@
             <a:lstStyle/>
             <a:p>
               <a:pPr algn="ctr"/>
-              <a:endParaRPr lang="fr-FR" sz="1013"/>
+              <a:endParaRPr lang="fr-FR" sz="701"/>
             </a:p>
           </p:txBody>
         </p:sp>
@@ -5924,7 +5924,7 @@
             <a:noFill/>
             <a:ln>
               <a:solidFill>
-                <a:srgbClr val="008080"/>
+                <a:srgbClr val="769376"/>
               </a:solidFill>
             </a:ln>
           </p:spPr>
@@ -5947,7 +5947,7 @@
             <a:lstStyle/>
             <a:p>
               <a:pPr algn="ctr"/>
-              <a:endParaRPr lang="fr-FR" sz="1013"/>
+              <a:endParaRPr lang="fr-FR" sz="701"/>
             </a:p>
           </p:txBody>
         </p:sp>
@@ -5960,7 +5960,7 @@
           <p:spPr>
             <a:xfrm>
               <a:off x="465771" y="714579"/>
-              <a:ext cx="2815332" cy="265457"/>
+              <a:ext cx="2815332" cy="306566"/>
             </a:xfrm>
             <a:prstGeom prst="rect">
               <a:avLst/>
@@ -5973,12 +5973,12 @@
             </a:bodyPr>
             <a:lstStyle/>
             <a:p>
-              <a:pPr marL="214313" indent="-214313">
+              <a:pPr marL="148369" indent="-148369">
                 <a:buFont typeface="Arial" panose="020B0604020202020204" pitchFamily="34" charset="0"/>
                 <a:buChar char="•"/>
               </a:pPr>
               <a:r>
-                <a:rPr lang="en-US" sz="1125" b="1" dirty="0">
+                <a:rPr lang="en-US" sz="779" b="1" dirty="0">
                   <a:latin typeface="Times New Roman" panose="02020603050405020304" pitchFamily="18" charset="0"/>
                   <a:cs typeface="Times New Roman" panose="02020603050405020304" pitchFamily="18" charset="0"/>
                 </a:rPr>
@@ -6009,7 +6009,7 @@
           </p:blipFill>
           <p:spPr>
             <a:xfrm>
-              <a:off x="1425441" y="1803302"/>
+              <a:off x="1414525" y="1803302"/>
               <a:ext cx="1252073" cy="891934"/>
             </a:xfrm>
             <a:prstGeom prst="rect">
@@ -6042,8 +6042,8 @@
           </p:blipFill>
           <p:spPr>
             <a:xfrm>
-              <a:off x="36226" y="3026538"/>
-              <a:ext cx="1251359" cy="822181"/>
+              <a:off x="-1644787" y="3026539"/>
+              <a:ext cx="1251360" cy="822181"/>
             </a:xfrm>
             <a:prstGeom prst="rect">
               <a:avLst/>
@@ -6072,7 +6072,7 @@
           </p:blipFill>
           <p:spPr>
             <a:xfrm>
-              <a:off x="41624" y="3961052"/>
+              <a:off x="-1639389" y="3961052"/>
               <a:ext cx="1251573" cy="938679"/>
             </a:xfrm>
             <a:prstGeom prst="rect">
@@ -6124,8 +6124,8 @@
           </p:nvCxnSpPr>
           <p:spPr>
             <a:xfrm flipH="1">
-              <a:off x="2055364" y="962295"/>
-              <a:ext cx="1996214" cy="615950"/>
+              <a:off x="2064476" y="962294"/>
+              <a:ext cx="1987102" cy="615950"/>
             </a:xfrm>
             <a:prstGeom prst="straightConnector1">
               <a:avLst/>
@@ -6160,8 +6160,8 @@
           </p:nvCxnSpPr>
           <p:spPr>
             <a:xfrm>
-              <a:off x="4051578" y="962295"/>
-              <a:ext cx="2028172" cy="625272"/>
+              <a:off x="4051578" y="962294"/>
+              <a:ext cx="2028173" cy="625273"/>
             </a:xfrm>
             <a:prstGeom prst="straightConnector1">
               <a:avLst/>
@@ -6203,8 +6203,8 @@
               </p:nvPr>
             </p:nvGraphicFramePr>
             <p:xfrm>
-              <a:off x="584933" y="5382304"/>
-              <a:ext cx="5749247" cy="1296000"/>
+              <a:off x="2984031" y="3726210"/>
+              <a:ext cx="3980249" cy="897232"/>
             </p:xfrm>
             <a:graphic>
               <a:graphicData uri="http://schemas.openxmlformats.org/drawingml/2006/table">
@@ -6213,35 +6213,35 @@
                     <a:tableStyleId>{5C22544A-7EE6-4342-B048-85BDC9FD1C3A}</a:tableStyleId>
                   </a:tblPr>
                   <a:tblGrid>
-                    <a:gridCol w="1944663">
+                    <a:gridCol w="1346305">
                       <a:extLst>
                         <a:ext uri="{9D8B030D-6E8A-4147-A177-3AD203B41FA5}">
                           <a16:colId xmlns:a16="http://schemas.microsoft.com/office/drawing/2014/main" val="1067048240"/>
                         </a:ext>
                       </a:extLst>
                     </a:gridCol>
-                    <a:gridCol w="951146">
+                    <a:gridCol w="658486">
                       <a:extLst>
                         <a:ext uri="{9D8B030D-6E8A-4147-A177-3AD203B41FA5}">
                           <a16:colId xmlns:a16="http://schemas.microsoft.com/office/drawing/2014/main" val="3084419488"/>
                         </a:ext>
                       </a:extLst>
                     </a:gridCol>
-                    <a:gridCol w="951146">
+                    <a:gridCol w="658486">
                       <a:extLst>
                         <a:ext uri="{9D8B030D-6E8A-4147-A177-3AD203B41FA5}">
                           <a16:colId xmlns:a16="http://schemas.microsoft.com/office/drawing/2014/main" val="3836093460"/>
                         </a:ext>
                       </a:extLst>
                     </a:gridCol>
-                    <a:gridCol w="951146">
+                    <a:gridCol w="658486">
                       <a:extLst>
                         <a:ext uri="{9D8B030D-6E8A-4147-A177-3AD203B41FA5}">
                           <a16:colId xmlns:a16="http://schemas.microsoft.com/office/drawing/2014/main" val="4109928961"/>
                         </a:ext>
                       </a:extLst>
                     </a:gridCol>
-                    <a:gridCol w="951146">
+                    <a:gridCol w="658486">
                       <a:extLst>
                         <a:ext uri="{9D8B030D-6E8A-4147-A177-3AD203B41FA5}">
                           <a16:colId xmlns:a16="http://schemas.microsoft.com/office/drawing/2014/main" val="2333253021"/>
@@ -6249,20 +6249,20 @@
                       </a:extLst>
                     </a:gridCol>
                   </a:tblGrid>
-                  <a:tr h="324000">
+                  <a:tr h="224308">
                     <a:tc>
                       <a:txBody>
                         <a:bodyPr/>
                         <a:lstStyle/>
                         <a:p>
-                          <a:endParaRPr lang="fr-FR" sz="1100" b="0" dirty="0">
+                          <a:endParaRPr lang="fr-FR" sz="800" b="0" dirty="0">
                             <a:solidFill>
                               <a:schemeClr val="tx1"/>
                             </a:solidFill>
                           </a:endParaRPr>
                         </a:p>
                       </a:txBody>
-                      <a:tcPr anchor="ctr">
+                      <a:tcPr marL="63305" marR="63305" marT="31652" marB="31652" anchor="ctr">
                         <a:lnL w="12700" cap="flat" cmpd="sng" algn="ctr">
                           <a:noFill/>
                           <a:prstDash val="solid"/>
@@ -6309,6 +6309,7 @@
                         <a:bodyPr/>
                         <a:lstStyle/>
                         <a:p>
+                          <a:pPr/>
                           <a14:m>
                             <m:oMathPara xmlns:m="http://schemas.openxmlformats.org/officeDocument/2006/math">
                               <m:oMathParaPr>
@@ -6318,7 +6319,7 @@
                                 <m:sSub>
                                   <m:sSubPr>
                                     <m:ctrlPr>
-                                      <a:rPr lang="fr-FR" sz="1100" b="1" i="1" smtClean="0">
+                                      <a:rPr lang="fr-FR" sz="800" b="1" i="1" smtClean="0">
                                         <a:solidFill>
                                           <a:schemeClr val="tx1"/>
                                         </a:solidFill>
@@ -6328,7 +6329,7 @@
                                   </m:sSubPr>
                                   <m:e>
                                     <m:r>
-                                      <a:rPr lang="fr-FR" sz="1100" b="1" i="1">
+                                      <a:rPr lang="fr-FR" sz="800" b="1" i="1">
                                         <a:solidFill>
                                           <a:schemeClr val="tx1"/>
                                         </a:solidFill>
@@ -6340,7 +6341,7 @@
                                   </m:e>
                                   <m:sub>
                                     <m:r>
-                                      <a:rPr lang="fr-FR" sz="1100" b="1" i="1" dirty="0">
+                                      <a:rPr lang="fr-FR" sz="800" b="1" i="1" dirty="0">
                                         <a:solidFill>
                                           <a:schemeClr val="tx1"/>
                                         </a:solidFill>
@@ -6349,7 +6350,7 @@
                                       <m:t>𝒊𝒏𝒕𝒆𝒓</m:t>
                                     </m:r>
                                     <m:r>
-                                      <a:rPr lang="fr-FR" sz="1100" b="1" dirty="0">
+                                      <a:rPr lang="fr-FR" sz="800" b="1" dirty="0">
                                         <a:solidFill>
                                           <a:schemeClr val="tx1"/>
                                         </a:solidFill>
@@ -6358,7 +6359,7 @@
                                       <m:t>−</m:t>
                                     </m:r>
                                     <m:r>
-                                      <a:rPr lang="fr-FR" sz="1100" b="1" i="1" dirty="0">
+                                      <a:rPr lang="fr-FR" sz="800" b="1" i="1" dirty="0">
                                         <a:solidFill>
                                           <a:schemeClr val="tx1"/>
                                         </a:solidFill>
@@ -6371,14 +6372,14 @@
                               </m:oMath>
                             </m:oMathPara>
                           </a14:m>
-                          <a:endParaRPr lang="fr-FR" sz="1100" b="1" dirty="0">
+                          <a:endParaRPr lang="fr-FR" sz="800" b="1" dirty="0">
                             <a:solidFill>
                               <a:schemeClr val="tx1"/>
                             </a:solidFill>
                           </a:endParaRPr>
                         </a:p>
                       </a:txBody>
-                      <a:tcPr anchor="ctr">
+                      <a:tcPr marL="63305" marR="63305" marT="31652" marB="31652" anchor="ctr">
                         <a:lnL w="3175" cap="flat" cmpd="sng" algn="ctr">
                           <a:noFill/>
                           <a:prstDash val="solid"/>
@@ -6425,6 +6426,7 @@
                         <a:bodyPr/>
                         <a:lstStyle/>
                         <a:p>
+                          <a:pPr/>
                           <a14:m>
                             <m:oMathPara xmlns:m="http://schemas.openxmlformats.org/officeDocument/2006/math">
                               <m:oMathParaPr>
@@ -6434,7 +6436,7 @@
                                 <m:sSub>
                                   <m:sSubPr>
                                     <m:ctrlPr>
-                                      <a:rPr lang="fr-FR" sz="1100" b="1" i="1" smtClean="0">
+                                      <a:rPr lang="fr-FR" sz="800" b="1" i="1" smtClean="0">
                                         <a:solidFill>
                                           <a:schemeClr val="tx1"/>
                                         </a:solidFill>
@@ -6447,7 +6449,7 @@
                                       <m:accPr>
                                         <m:chr m:val="̅"/>
                                         <m:ctrlPr>
-                                          <a:rPr lang="fr-FR" sz="1100" b="1" i="1">
+                                          <a:rPr lang="fr-FR" sz="800" b="1" i="1">
                                             <a:solidFill>
                                               <a:schemeClr val="tx1"/>
                                             </a:solidFill>
@@ -6457,7 +6459,7 @@
                                       </m:accPr>
                                       <m:e>
                                         <m:r>
-                                          <a:rPr lang="fr-FR" sz="1100" b="1" i="1">
+                                          <a:rPr lang="fr-FR" sz="800" b="1" i="1">
                                             <a:solidFill>
                                               <a:schemeClr val="tx1"/>
                                             </a:solidFill>
@@ -6470,7 +6472,7 @@
                                   </m:e>
                                   <m:sub>
                                     <m:r>
-                                      <a:rPr lang="fr-FR" sz="1100" b="1" i="1" dirty="0">
+                                      <a:rPr lang="fr-FR" sz="800" b="1" i="1" dirty="0">
                                         <a:solidFill>
                                           <a:schemeClr val="tx1"/>
                                         </a:solidFill>
@@ -6479,7 +6481,7 @@
                                       <m:t>𝒊𝒏𝒕𝒆𝒓</m:t>
                                     </m:r>
                                     <m:r>
-                                      <a:rPr lang="fr-FR" sz="1100" b="1" dirty="0">
+                                      <a:rPr lang="fr-FR" sz="800" b="1" dirty="0">
                                         <a:solidFill>
                                           <a:schemeClr val="tx1"/>
                                         </a:solidFill>
@@ -6488,7 +6490,7 @@
                                       <m:t>−</m:t>
                                     </m:r>
                                     <m:r>
-                                      <a:rPr lang="fr-FR" sz="1100" b="1" i="1" dirty="0">
+                                      <a:rPr lang="fr-FR" sz="800" b="1" i="1" dirty="0">
                                         <a:solidFill>
                                           <a:schemeClr val="tx1"/>
                                         </a:solidFill>
@@ -6501,14 +6503,14 @@
                               </m:oMath>
                             </m:oMathPara>
                           </a14:m>
-                          <a:endParaRPr lang="fr-FR" sz="1100" b="1" dirty="0">
+                          <a:endParaRPr lang="fr-FR" sz="800" b="1" dirty="0">
                             <a:solidFill>
                               <a:schemeClr val="tx1"/>
                             </a:solidFill>
                           </a:endParaRPr>
                         </a:p>
                       </a:txBody>
-                      <a:tcPr anchor="ctr">
+                      <a:tcPr marL="63305" marR="63305" marT="31652" marB="31652" anchor="ctr">
                         <a:lnL w="3175" cap="flat" cmpd="sng" algn="ctr">
                           <a:noFill/>
                           <a:prstDash val="solid"/>
@@ -6555,6 +6557,7 @@
                         <a:bodyPr/>
                         <a:lstStyle/>
                         <a:p>
+                          <a:pPr/>
                           <a14:m>
                             <m:oMathPara xmlns:m="http://schemas.openxmlformats.org/officeDocument/2006/math">
                               <m:oMathParaPr>
@@ -6564,7 +6567,7 @@
                                 <m:sSub>
                                   <m:sSubPr>
                                     <m:ctrlPr>
-                                      <a:rPr lang="fr-FR" sz="1100" b="1" i="1" smtClean="0">
+                                      <a:rPr lang="fr-FR" sz="800" b="1" i="1" smtClean="0">
                                         <a:solidFill>
                                           <a:schemeClr val="tx1"/>
                                         </a:solidFill>
@@ -6577,7 +6580,7 @@
                                       <m:accPr>
                                         <m:chr m:val="̅"/>
                                         <m:ctrlPr>
-                                          <a:rPr lang="fr-FR" sz="1100" b="1" i="1">
+                                          <a:rPr lang="fr-FR" sz="800" b="1" i="1">
                                             <a:solidFill>
                                               <a:schemeClr val="tx1"/>
                                             </a:solidFill>
@@ -6587,7 +6590,7 @@
                                       </m:accPr>
                                       <m:e>
                                         <m:r>
-                                          <a:rPr lang="fr-FR" sz="1100" b="1" i="1">
+                                          <a:rPr lang="fr-FR" sz="800" b="1" i="1">
                                             <a:solidFill>
                                               <a:schemeClr val="tx1"/>
                                             </a:solidFill>
@@ -6600,7 +6603,7 @@
                                   </m:e>
                                   <m:sub>
                                     <m:r>
-                                      <a:rPr lang="fr-FR" sz="1100" b="1" i="1" dirty="0">
+                                      <a:rPr lang="fr-FR" sz="800" b="1" i="1" dirty="0">
                                         <a:solidFill>
                                           <a:schemeClr val="tx1"/>
                                         </a:solidFill>
@@ -6609,7 +6612,7 @@
                                       <m:t>𝒊𝒏𝒕𝒆𝒓</m:t>
                                     </m:r>
                                     <m:r>
-                                      <a:rPr lang="fr-FR" sz="1100" b="1" dirty="0">
+                                      <a:rPr lang="fr-FR" sz="800" b="1" dirty="0">
                                         <a:solidFill>
                                           <a:schemeClr val="tx1"/>
                                         </a:solidFill>
@@ -6618,7 +6621,7 @@
                                       <m:t>−</m:t>
                                     </m:r>
                                     <m:r>
-                                      <a:rPr lang="fr-FR" sz="1100" b="1" i="1" dirty="0">
+                                      <a:rPr lang="fr-FR" sz="800" b="1" i="1" dirty="0">
                                         <a:solidFill>
                                           <a:schemeClr val="tx1"/>
                                         </a:solidFill>
@@ -6631,14 +6634,14 @@
                               </m:oMath>
                             </m:oMathPara>
                           </a14:m>
-                          <a:endParaRPr lang="fr-FR" sz="1100" b="1" dirty="0">
+                          <a:endParaRPr lang="fr-FR" sz="800" b="1" dirty="0">
                             <a:solidFill>
                               <a:schemeClr val="tx1"/>
                             </a:solidFill>
                           </a:endParaRPr>
                         </a:p>
                       </a:txBody>
-                      <a:tcPr anchor="ctr">
+                      <a:tcPr marL="63305" marR="63305" marT="31652" marB="31652" anchor="ctr">
                         <a:lnL w="3175" cap="flat" cmpd="sng" algn="ctr">
                           <a:noFill/>
                           <a:prstDash val="solid"/>
@@ -6685,6 +6688,7 @@
                         <a:bodyPr/>
                         <a:lstStyle/>
                         <a:p>
+                          <a:pPr/>
                           <a14:m>
                             <m:oMathPara xmlns:m="http://schemas.openxmlformats.org/officeDocument/2006/math">
                               <m:oMathParaPr>
@@ -6694,7 +6698,7 @@
                                 <m:sSub>
                                   <m:sSubPr>
                                     <m:ctrlPr>
-                                      <a:rPr lang="fr-FR" sz="1100" b="1" i="1" smtClean="0">
+                                      <a:rPr lang="fr-FR" sz="800" b="1" i="1" smtClean="0">
                                         <a:solidFill>
                                           <a:schemeClr val="tx1"/>
                                         </a:solidFill>
@@ -6707,7 +6711,7 @@
                                       <m:accPr>
                                         <m:chr m:val="̅"/>
                                         <m:ctrlPr>
-                                          <a:rPr lang="fr-FR" sz="1100" b="1" i="1">
+                                          <a:rPr lang="fr-FR" sz="800" b="1" i="1">
                                             <a:solidFill>
                                               <a:schemeClr val="tx1"/>
                                             </a:solidFill>
@@ -6717,7 +6721,7 @@
                                       </m:accPr>
                                       <m:e>
                                         <m:r>
-                                          <a:rPr lang="fr-FR" sz="1100" b="1" i="1">
+                                          <a:rPr lang="fr-FR" sz="800" b="1" i="1">
                                             <a:solidFill>
                                               <a:schemeClr val="tx1"/>
                                             </a:solidFill>
@@ -6731,7 +6735,7 @@
                                   </m:e>
                                   <m:sub>
                                     <m:r>
-                                      <a:rPr lang="fr-FR" sz="1100" b="1" i="1" dirty="0">
+                                      <a:rPr lang="fr-FR" sz="800" b="1" i="1" dirty="0">
                                         <a:solidFill>
                                           <a:schemeClr val="tx1"/>
                                         </a:solidFill>
@@ -6744,14 +6748,14 @@
                               </m:oMath>
                             </m:oMathPara>
                           </a14:m>
-                          <a:endParaRPr lang="fr-FR" sz="1100" b="1" dirty="0">
+                          <a:endParaRPr lang="fr-FR" sz="800" b="1" dirty="0">
                             <a:solidFill>
                               <a:schemeClr val="tx1"/>
                             </a:solidFill>
                           </a:endParaRPr>
                         </a:p>
                       </a:txBody>
-                      <a:tcPr anchor="ctr">
+                      <a:tcPr marL="63305" marR="63305" marT="31652" marB="31652" anchor="ctr">
                         <a:lnL w="3175" cap="flat" cmpd="sng" algn="ctr">
                           <a:noFill/>
                           <a:prstDash val="solid"/>
@@ -6799,27 +6803,27 @@
                       </a:ext>
                     </a:extLst>
                   </a:tr>
-                  <a:tr h="324000">
+                  <a:tr h="224308">
                     <a:tc>
                       <a:txBody>
                         <a:bodyPr/>
                         <a:lstStyle/>
                         <a:p>
                           <a:r>
-                            <a:rPr lang="en-US" sz="1100" b="1" dirty="0" smtClean="0">
+                            <a:rPr lang="en-US" sz="800" b="1" dirty="0" smtClean="0">
                               <a:latin typeface="Times New Roman" panose="02020603050405020304" pitchFamily="18" charset="0"/>
                               <a:cs typeface="Times New Roman" panose="02020603050405020304" pitchFamily="18" charset="0"/>
                             </a:rPr>
                             <a:t>Cryptobenthic families</a:t>
                           </a:r>
-                          <a:endParaRPr lang="fr-FR" sz="1100" b="1" dirty="0">
+                          <a:endParaRPr lang="fr-FR" sz="800" b="1" dirty="0">
                             <a:solidFill>
                               <a:schemeClr val="tx1"/>
                             </a:solidFill>
                           </a:endParaRPr>
                         </a:p>
                       </a:txBody>
-                      <a:tcPr anchor="ctr">
+                      <a:tcPr marL="63305" marR="63305" marT="31652" marB="31652" anchor="ctr">
                         <a:lnL w="3175" cap="flat" cmpd="sng" algn="ctr">
                           <a:noFill/>
                           <a:prstDash val="solid"/>
@@ -6868,7 +6872,7 @@
                         <a:p>
                           <a:pPr algn="ctr"/>
                           <a:r>
-                            <a:rPr lang="fr-FR" sz="1100" b="0" kern="1200" dirty="0" smtClean="0">
+                            <a:rPr lang="fr-FR" sz="800" b="0" kern="1200" dirty="0" smtClean="0">
                               <a:solidFill>
                                 <a:schemeClr val="dk1"/>
                               </a:solidFill>
@@ -6878,7 +6882,7 @@
                             </a:rPr>
                             <a:t>74%</a:t>
                           </a:r>
-                          <a:endParaRPr lang="fr-FR" sz="1100" b="0" kern="1200" dirty="0">
+                          <a:endParaRPr lang="fr-FR" sz="800" b="0" kern="1200" dirty="0">
                             <a:solidFill>
                               <a:schemeClr val="dk1"/>
                             </a:solidFill>
@@ -6888,7 +6892,7 @@
                           </a:endParaRPr>
                         </a:p>
                       </a:txBody>
-                      <a:tcPr anchor="ctr">
+                      <a:tcPr marL="63305" marR="63305" marT="31652" marB="31652" anchor="ctr">
                         <a:lnL w="3175" cap="flat" cmpd="sng" algn="ctr">
                           <a:noFill/>
                           <a:prstDash val="solid"/>
@@ -6937,7 +6941,7 @@
                         <a:p>
                           <a:pPr algn="ctr"/>
                           <a:r>
-                            <a:rPr lang="fr-FR" sz="1100" b="0" kern="1200" dirty="0" smtClean="0">
+                            <a:rPr lang="fr-FR" sz="800" b="0" kern="1200" dirty="0" smtClean="0">
                               <a:solidFill>
                                 <a:schemeClr val="dk1"/>
                               </a:solidFill>
@@ -6947,7 +6951,7 @@
                             </a:rPr>
                             <a:t>18%</a:t>
                           </a:r>
-                          <a:endParaRPr lang="fr-FR" sz="1100" b="0" kern="1200" dirty="0">
+                          <a:endParaRPr lang="fr-FR" sz="800" b="0" kern="1200" dirty="0">
                             <a:solidFill>
                               <a:schemeClr val="dk1"/>
                             </a:solidFill>
@@ -6957,7 +6961,7 @@
                           </a:endParaRPr>
                         </a:p>
                       </a:txBody>
-                      <a:tcPr anchor="ctr">
+                      <a:tcPr marL="63305" marR="63305" marT="31652" marB="31652" anchor="ctr">
                         <a:lnL w="3175" cap="flat" cmpd="sng" algn="ctr">
                           <a:noFill/>
                           <a:prstDash val="solid"/>
@@ -7006,7 +7010,7 @@
                         <a:p>
                           <a:pPr algn="ctr"/>
                           <a:r>
-                            <a:rPr lang="fr-FR" sz="1100" b="0" kern="1200" dirty="0" smtClean="0">
+                            <a:rPr lang="fr-FR" sz="800" b="0" kern="1200" dirty="0" smtClean="0">
                               <a:solidFill>
                                 <a:schemeClr val="dk1"/>
                               </a:solidFill>
@@ -7016,7 +7020,7 @@
                             </a:rPr>
                             <a:t>4.5%</a:t>
                           </a:r>
-                          <a:endParaRPr lang="fr-FR" sz="1100" b="0" kern="1200" dirty="0">
+                          <a:endParaRPr lang="fr-FR" sz="800" b="0" kern="1200" dirty="0">
                             <a:solidFill>
                               <a:schemeClr val="dk1"/>
                             </a:solidFill>
@@ -7026,7 +7030,7 @@
                           </a:endParaRPr>
                         </a:p>
                       </a:txBody>
-                      <a:tcPr anchor="ctr">
+                      <a:tcPr marL="63305" marR="63305" marT="31652" marB="31652" anchor="ctr">
                         <a:lnL w="3175" cap="flat" cmpd="sng" algn="ctr">
                           <a:noFill/>
                           <a:prstDash val="solid"/>
@@ -7075,7 +7079,7 @@
                         <a:p>
                           <a:pPr algn="ctr"/>
                           <a:r>
-                            <a:rPr lang="fr-FR" sz="1100" b="0" kern="1200" dirty="0" smtClean="0">
+                            <a:rPr lang="fr-FR" sz="800" b="0" kern="1200" dirty="0" smtClean="0">
                               <a:solidFill>
                                 <a:schemeClr val="dk1"/>
                               </a:solidFill>
@@ -7085,7 +7089,7 @@
                             </a:rPr>
                             <a:t>3.5%</a:t>
                           </a:r>
-                          <a:endParaRPr lang="fr-FR" sz="1100" b="0" kern="1200" dirty="0">
+                          <a:endParaRPr lang="fr-FR" sz="800" b="0" kern="1200" dirty="0">
                             <a:solidFill>
                               <a:schemeClr val="dk1"/>
                             </a:solidFill>
@@ -7095,7 +7099,7 @@
                           </a:endParaRPr>
                         </a:p>
                       </a:txBody>
-                      <a:tcPr anchor="ctr">
+                      <a:tcPr marL="63305" marR="63305" marT="31652" marB="31652" anchor="ctr">
                         <a:lnL w="3175" cap="flat" cmpd="sng" algn="ctr">
                           <a:noFill/>
                           <a:prstDash val="solid"/>
@@ -7143,27 +7147,27 @@
                       </a:ext>
                     </a:extLst>
                   </a:tr>
-                  <a:tr h="324000">
+                  <a:tr h="224308">
                     <a:tc>
                       <a:txBody>
                         <a:bodyPr/>
                         <a:lstStyle/>
                         <a:p>
                           <a:r>
-                            <a:rPr lang="en-US" sz="1100" b="1" dirty="0" smtClean="0">
+                            <a:rPr lang="en-US" sz="800" b="1" dirty="0" smtClean="0">
                               <a:latin typeface="Times New Roman" panose="02020603050405020304" pitchFamily="18" charset="0"/>
                               <a:cs typeface="Times New Roman" panose="02020603050405020304" pitchFamily="18" charset="0"/>
                             </a:rPr>
                             <a:t>Pelagic families</a:t>
                           </a:r>
-                          <a:endParaRPr lang="fr-FR" sz="1100" b="1" dirty="0">
+                          <a:endParaRPr lang="fr-FR" sz="800" b="1" dirty="0">
                             <a:solidFill>
                               <a:schemeClr val="tx1"/>
                             </a:solidFill>
                           </a:endParaRPr>
                         </a:p>
                       </a:txBody>
-                      <a:tcPr anchor="ctr">
+                      <a:tcPr marL="63305" marR="63305" marT="31652" marB="31652" anchor="ctr">
                         <a:lnL w="3175" cap="flat" cmpd="sng" algn="ctr">
                           <a:noFill/>
                           <a:prstDash val="solid"/>
@@ -7210,7 +7214,7 @@
                         <a:p>
                           <a:pPr algn="ctr"/>
                           <a:r>
-                            <a:rPr lang="fr-FR" sz="1100" b="0" kern="1200" dirty="0" smtClean="0">
+                            <a:rPr lang="fr-FR" sz="800" b="0" kern="1200" dirty="0" smtClean="0">
                               <a:solidFill>
                                 <a:schemeClr val="dk1"/>
                               </a:solidFill>
@@ -7220,7 +7224,7 @@
                             </a:rPr>
                             <a:t>70.8%</a:t>
                           </a:r>
-                          <a:endParaRPr lang="fr-FR" sz="1100" b="0" kern="1200" dirty="0">
+                          <a:endParaRPr lang="fr-FR" sz="800" b="0" kern="1200" dirty="0">
                             <a:solidFill>
                               <a:schemeClr val="dk1"/>
                             </a:solidFill>
@@ -7230,7 +7234,7 @@
                           </a:endParaRPr>
                         </a:p>
                       </a:txBody>
-                      <a:tcPr anchor="ctr">
+                      <a:tcPr marL="63305" marR="63305" marT="31652" marB="31652" anchor="ctr">
                         <a:lnL w="3175" cap="flat" cmpd="sng" algn="ctr">
                           <a:noFill/>
                           <a:prstDash val="solid"/>
@@ -7277,7 +7281,7 @@
                         <a:p>
                           <a:pPr algn="ctr"/>
                           <a:r>
-                            <a:rPr lang="fr-FR" sz="1100" b="0" kern="1200" dirty="0" smtClean="0">
+                            <a:rPr lang="fr-FR" sz="800" b="0" kern="1200" dirty="0" smtClean="0">
                               <a:solidFill>
                                 <a:schemeClr val="dk1"/>
                               </a:solidFill>
@@ -7287,7 +7291,7 @@
                             </a:rPr>
                             <a:t>15.8%</a:t>
                           </a:r>
-                          <a:endParaRPr lang="fr-FR" sz="1100" b="0" kern="1200" dirty="0">
+                          <a:endParaRPr lang="fr-FR" sz="800" b="0" kern="1200" dirty="0">
                             <a:solidFill>
                               <a:schemeClr val="dk1"/>
                             </a:solidFill>
@@ -7297,7 +7301,7 @@
                           </a:endParaRPr>
                         </a:p>
                       </a:txBody>
-                      <a:tcPr anchor="ctr">
+                      <a:tcPr marL="63305" marR="63305" marT="31652" marB="31652" anchor="ctr">
                         <a:lnL w="3175" cap="flat" cmpd="sng" algn="ctr">
                           <a:noFill/>
                           <a:prstDash val="solid"/>
@@ -7344,7 +7348,7 @@
                         <a:p>
                           <a:pPr algn="ctr"/>
                           <a:r>
-                            <a:rPr lang="fr-FR" sz="1100" b="0" kern="1200" dirty="0" smtClean="0">
+                            <a:rPr lang="fr-FR" sz="800" b="0" kern="1200" dirty="0" smtClean="0">
                               <a:solidFill>
                                 <a:schemeClr val="dk1"/>
                               </a:solidFill>
@@ -7354,7 +7358,7 @@
                             </a:rPr>
                             <a:t>7.8%</a:t>
                           </a:r>
-                          <a:endParaRPr lang="fr-FR" sz="1100" b="0" kern="1200" dirty="0">
+                          <a:endParaRPr lang="fr-FR" sz="800" b="0" kern="1200" dirty="0">
                             <a:solidFill>
                               <a:schemeClr val="dk1"/>
                             </a:solidFill>
@@ -7364,7 +7368,7 @@
                           </a:endParaRPr>
                         </a:p>
                       </a:txBody>
-                      <a:tcPr anchor="ctr">
+                      <a:tcPr marL="63305" marR="63305" marT="31652" marB="31652" anchor="ctr">
                         <a:lnL w="3175" cap="flat" cmpd="sng" algn="ctr">
                           <a:noFill/>
                           <a:prstDash val="solid"/>
@@ -7411,7 +7415,7 @@
                         <a:p>
                           <a:pPr algn="ctr"/>
                           <a:r>
-                            <a:rPr lang="fr-FR" sz="1100" b="0" kern="1200" dirty="0" smtClean="0">
+                            <a:rPr lang="fr-FR" sz="800" b="0" kern="1200" dirty="0" smtClean="0">
                               <a:solidFill>
                                 <a:schemeClr val="dk1"/>
                               </a:solidFill>
@@ -7421,7 +7425,7 @@
                             </a:rPr>
                             <a:t>5.6%</a:t>
                           </a:r>
-                          <a:endParaRPr lang="fr-FR" sz="1100" b="0" kern="1200" dirty="0">
+                          <a:endParaRPr lang="fr-FR" sz="800" b="0" kern="1200" dirty="0">
                             <a:solidFill>
                               <a:schemeClr val="dk1"/>
                             </a:solidFill>
@@ -7431,7 +7435,7 @@
                           </a:endParaRPr>
                         </a:p>
                       </a:txBody>
-                      <a:tcPr anchor="ctr">
+                      <a:tcPr marL="63305" marR="63305" marT="31652" marB="31652" anchor="ctr">
                         <a:lnL w="3175" cap="flat" cmpd="sng" algn="ctr">
                           <a:noFill/>
                           <a:prstDash val="solid"/>
@@ -7477,27 +7481,27 @@
                       </a:ext>
                     </a:extLst>
                   </a:tr>
-                  <a:tr h="324000">
+                  <a:tr h="224308">
                     <a:tc>
                       <a:txBody>
                         <a:bodyPr/>
                         <a:lstStyle/>
                         <a:p>
                           <a:r>
-                            <a:rPr lang="en-US" sz="1100" b="1" dirty="0" smtClean="0">
+                            <a:rPr lang="en-US" sz="800" b="1" dirty="0" smtClean="0">
                               <a:latin typeface="Times New Roman" panose="02020603050405020304" pitchFamily="18" charset="0"/>
                               <a:cs typeface="Times New Roman" panose="02020603050405020304" pitchFamily="18" charset="0"/>
                             </a:rPr>
                             <a:t>MOTUs assigned to species</a:t>
                           </a:r>
-                          <a:endParaRPr lang="fr-FR" sz="1100" b="1" dirty="0">
+                          <a:endParaRPr lang="fr-FR" sz="800" b="1" dirty="0">
                             <a:solidFill>
                               <a:schemeClr val="tx1"/>
                             </a:solidFill>
                           </a:endParaRPr>
                         </a:p>
                       </a:txBody>
-                      <a:tcPr anchor="ctr">
+                      <a:tcPr marL="63305" marR="63305" marT="31652" marB="31652" anchor="ctr">
                         <a:lnL w="3175" cap="flat" cmpd="sng" algn="ctr">
                           <a:noFill/>
                           <a:prstDash val="solid"/>
@@ -7544,7 +7548,7 @@
                         <a:p>
                           <a:pPr algn="ctr"/>
                           <a:r>
-                            <a:rPr lang="fr-FR" sz="1100" b="0" kern="1200" dirty="0" smtClean="0">
+                            <a:rPr lang="fr-FR" sz="800" b="0" kern="1200" dirty="0" smtClean="0">
                               <a:solidFill>
                                 <a:schemeClr val="dk1"/>
                               </a:solidFill>
@@ -7554,7 +7558,7 @@
                             </a:rPr>
                             <a:t>68%</a:t>
                           </a:r>
-                          <a:endParaRPr lang="fr-FR" sz="1100" b="0" kern="1200" dirty="0">
+                          <a:endParaRPr lang="fr-FR" sz="800" b="0" kern="1200" dirty="0">
                             <a:solidFill>
                               <a:schemeClr val="dk1"/>
                             </a:solidFill>
@@ -7564,7 +7568,7 @@
                           </a:endParaRPr>
                         </a:p>
                       </a:txBody>
-                      <a:tcPr anchor="ctr">
+                      <a:tcPr marL="63305" marR="63305" marT="31652" marB="31652" anchor="ctr">
                         <a:lnL w="3175" cap="flat" cmpd="sng" algn="ctr">
                           <a:noFill/>
                           <a:prstDash val="solid"/>
@@ -7611,7 +7615,7 @@
                         <a:p>
                           <a:pPr algn="ctr"/>
                           <a:r>
-                            <a:rPr lang="fr-FR" sz="1100" b="0" kern="1200" dirty="0" smtClean="0">
+                            <a:rPr lang="fr-FR" sz="800" b="0" kern="1200" dirty="0" smtClean="0">
                               <a:solidFill>
                                 <a:schemeClr val="dk1"/>
                               </a:solidFill>
@@ -7621,7 +7625,7 @@
                             </a:rPr>
                             <a:t>15.7%</a:t>
                           </a:r>
-                          <a:endParaRPr lang="fr-FR" sz="1100" b="0" kern="1200" dirty="0">
+                          <a:endParaRPr lang="fr-FR" sz="800" b="0" kern="1200" dirty="0">
                             <a:solidFill>
                               <a:schemeClr val="dk1"/>
                             </a:solidFill>
@@ -7631,7 +7635,7 @@
                           </a:endParaRPr>
                         </a:p>
                       </a:txBody>
-                      <a:tcPr anchor="ctr">
+                      <a:tcPr marL="63305" marR="63305" marT="31652" marB="31652" anchor="ctr">
                         <a:lnL w="3175" cap="flat" cmpd="sng" algn="ctr">
                           <a:noFill/>
                           <a:prstDash val="solid"/>
@@ -7678,7 +7682,7 @@
                         <a:p>
                           <a:pPr algn="ctr"/>
                           <a:r>
-                            <a:rPr lang="fr-FR" sz="1100" b="0" kern="1200" dirty="0" smtClean="0">
+                            <a:rPr lang="fr-FR" sz="800" b="0" kern="1200" dirty="0" smtClean="0">
                               <a:solidFill>
                                 <a:schemeClr val="dk1"/>
                               </a:solidFill>
@@ -7688,7 +7692,7 @@
                             </a:rPr>
                             <a:t>8.3%</a:t>
                           </a:r>
-                          <a:endParaRPr lang="fr-FR" sz="1100" b="0" kern="1200" dirty="0">
+                          <a:endParaRPr lang="fr-FR" sz="800" b="0" kern="1200" dirty="0">
                             <a:solidFill>
                               <a:schemeClr val="dk1"/>
                             </a:solidFill>
@@ -7698,7 +7702,7 @@
                           </a:endParaRPr>
                         </a:p>
                       </a:txBody>
-                      <a:tcPr anchor="ctr">
+                      <a:tcPr marL="63305" marR="63305" marT="31652" marB="31652" anchor="ctr">
                         <a:lnL w="3175" cap="flat" cmpd="sng" algn="ctr">
                           <a:noFill/>
                           <a:prstDash val="solid"/>
@@ -7745,7 +7749,7 @@
                         <a:p>
                           <a:pPr algn="ctr"/>
                           <a:r>
-                            <a:rPr lang="fr-FR" sz="1100" b="0" kern="1200" dirty="0" smtClean="0">
+                            <a:rPr lang="fr-FR" sz="800" b="0" kern="1200" dirty="0" smtClean="0">
                               <a:solidFill>
                                 <a:schemeClr val="dk1"/>
                               </a:solidFill>
@@ -7755,7 +7759,7 @@
                             </a:rPr>
                             <a:t>8%</a:t>
                           </a:r>
-                          <a:endParaRPr lang="fr-FR" sz="1100" b="0" kern="1200" dirty="0">
+                          <a:endParaRPr lang="fr-FR" sz="800" b="0" kern="1200" dirty="0">
                             <a:solidFill>
                               <a:schemeClr val="dk1"/>
                             </a:solidFill>
@@ -7765,7 +7769,7 @@
                           </a:endParaRPr>
                         </a:p>
                       </a:txBody>
-                      <a:tcPr anchor="ctr">
+                      <a:tcPr marL="63305" marR="63305" marT="31652" marB="31652" anchor="ctr">
                         <a:lnL w="3175" cap="flat" cmpd="sng" algn="ctr">
                           <a:noFill/>
                           <a:prstDash val="solid"/>
@@ -7832,8 +7836,8 @@
               </p:nvPr>
             </p:nvGraphicFramePr>
             <p:xfrm>
-              <a:off x="584933" y="5382304"/>
-              <a:ext cx="5749247" cy="1296000"/>
+              <a:off x="2984031" y="3726210"/>
+              <a:ext cx="3980249" cy="897232"/>
             </p:xfrm>
             <a:graphic>
               <a:graphicData uri="http://schemas.openxmlformats.org/drawingml/2006/table">
@@ -7842,35 +7846,35 @@
                     <a:tableStyleId>{5C22544A-7EE6-4342-B048-85BDC9FD1C3A}</a:tableStyleId>
                   </a:tblPr>
                   <a:tblGrid>
-                    <a:gridCol w="1944663">
+                    <a:gridCol w="1346305">
                       <a:extLst>
                         <a:ext uri="{9D8B030D-6E8A-4147-A177-3AD203B41FA5}">
                           <a16:colId xmlns:a16="http://schemas.microsoft.com/office/drawing/2014/main" val="1067048240"/>
                         </a:ext>
                       </a:extLst>
                     </a:gridCol>
-                    <a:gridCol w="951146">
+                    <a:gridCol w="658486">
                       <a:extLst>
                         <a:ext uri="{9D8B030D-6E8A-4147-A177-3AD203B41FA5}">
                           <a16:colId xmlns:a16="http://schemas.microsoft.com/office/drawing/2014/main" val="3084419488"/>
                         </a:ext>
                       </a:extLst>
                     </a:gridCol>
-                    <a:gridCol w="951146">
+                    <a:gridCol w="658486">
                       <a:extLst>
                         <a:ext uri="{9D8B030D-6E8A-4147-A177-3AD203B41FA5}">
                           <a16:colId xmlns:a16="http://schemas.microsoft.com/office/drawing/2014/main" val="3836093460"/>
                         </a:ext>
                       </a:extLst>
                     </a:gridCol>
-                    <a:gridCol w="951146">
+                    <a:gridCol w="658486">
                       <a:extLst>
                         <a:ext uri="{9D8B030D-6E8A-4147-A177-3AD203B41FA5}">
                           <a16:colId xmlns:a16="http://schemas.microsoft.com/office/drawing/2014/main" val="4109928961"/>
                         </a:ext>
                       </a:extLst>
                     </a:gridCol>
-                    <a:gridCol w="951146">
+                    <a:gridCol w="658486">
                       <a:extLst>
                         <a:ext uri="{9D8B030D-6E8A-4147-A177-3AD203B41FA5}">
                           <a16:colId xmlns:a16="http://schemas.microsoft.com/office/drawing/2014/main" val="2333253021"/>
@@ -7878,20 +7882,20 @@
                       </a:extLst>
                     </a:gridCol>
                   </a:tblGrid>
-                  <a:tr h="324000">
+                  <a:tr h="224308">
                     <a:tc>
                       <a:txBody>
                         <a:bodyPr/>
                         <a:lstStyle/>
                         <a:p>
-                          <a:endParaRPr lang="fr-FR" sz="1100" b="0" dirty="0">
+                          <a:endParaRPr lang="fr-FR" sz="800" b="0" dirty="0">
                             <a:solidFill>
                               <a:schemeClr val="tx1"/>
                             </a:solidFill>
                           </a:endParaRPr>
                         </a:p>
                       </a:txBody>
-                      <a:tcPr anchor="ctr">
+                      <a:tcPr marL="63305" marR="63305" marT="31652" marB="31652" anchor="ctr">
                         <a:lnL w="12700" cap="flat" cmpd="sng" algn="ctr">
                           <a:noFill/>
                           <a:prstDash val="solid"/>
@@ -7941,7 +7945,7 @@
                           <a:endParaRPr lang="fr-FR"/>
                         </a:p>
                       </a:txBody>
-                      <a:tcPr anchor="ctr">
+                      <a:tcPr marL="63305" marR="63305" marT="31652" marB="31652" anchor="ctr">
                         <a:lnL w="3175" cap="flat" cmpd="sng" algn="ctr">
                           <a:noFill/>
                           <a:prstDash val="solid"/>
@@ -7983,7 +7987,7 @@
                         <a:blipFill>
                           <a:blip r:embed="rId21"/>
                           <a:stretch>
-                            <a:fillRect l="-205128" r="-300641" b="-300000"/>
+                            <a:fillRect l="-204630" r="-300926" b="-305405"/>
                           </a:stretch>
                         </a:blipFill>
                       </a:tcPr>
@@ -7996,7 +8000,7 @@
                           <a:endParaRPr lang="fr-FR"/>
                         </a:p>
                       </a:txBody>
-                      <a:tcPr anchor="ctr">
+                      <a:tcPr marL="63305" marR="63305" marT="31652" marB="31652" anchor="ctr">
                         <a:lnL w="3175" cap="flat" cmpd="sng" algn="ctr">
                           <a:noFill/>
                           <a:prstDash val="solid"/>
@@ -8038,7 +8042,7 @@
                         <a:blipFill>
                           <a:blip r:embed="rId21"/>
                           <a:stretch>
-                            <a:fillRect l="-305128" r="-200641" b="-300000"/>
+                            <a:fillRect l="-301835" r="-198165" b="-305405"/>
                           </a:stretch>
                         </a:blipFill>
                       </a:tcPr>
@@ -8051,7 +8055,7 @@
                           <a:endParaRPr lang="fr-FR"/>
                         </a:p>
                       </a:txBody>
-                      <a:tcPr anchor="ctr">
+                      <a:tcPr marL="63305" marR="63305" marT="31652" marB="31652" anchor="ctr">
                         <a:lnL w="3175" cap="flat" cmpd="sng" algn="ctr">
                           <a:noFill/>
                           <a:prstDash val="solid"/>
@@ -8093,7 +8097,7 @@
                         <a:blipFill>
                           <a:blip r:embed="rId21"/>
                           <a:stretch>
-                            <a:fillRect l="-402548" r="-99363" b="-300000"/>
+                            <a:fillRect l="-405556" r="-100000" b="-305405"/>
                           </a:stretch>
                         </a:blipFill>
                       </a:tcPr>
@@ -8106,7 +8110,7 @@
                           <a:endParaRPr lang="fr-FR"/>
                         </a:p>
                       </a:txBody>
-                      <a:tcPr anchor="ctr">
+                      <a:tcPr marL="63305" marR="63305" marT="31652" marB="31652" anchor="ctr">
                         <a:lnL w="3175" cap="flat" cmpd="sng" algn="ctr">
                           <a:noFill/>
                           <a:prstDash val="solid"/>
@@ -8148,7 +8152,7 @@
                         <a:blipFill>
                           <a:blip r:embed="rId21"/>
                           <a:stretch>
-                            <a:fillRect l="-505769" b="-300000"/>
+                            <a:fillRect l="-505556" b="-305405"/>
                           </a:stretch>
                         </a:blipFill>
                       </a:tcPr>
@@ -8159,27 +8163,27 @@
                       </a:ext>
                     </a:extLst>
                   </a:tr>
-                  <a:tr h="324000">
+                  <a:tr h="224308">
                     <a:tc>
                       <a:txBody>
                         <a:bodyPr/>
                         <a:lstStyle/>
                         <a:p>
                           <a:r>
-                            <a:rPr lang="en-US" sz="1100" b="1" dirty="0" smtClean="0">
+                            <a:rPr lang="en-US" sz="800" b="1" dirty="0" smtClean="0">
                               <a:latin typeface="Times New Roman" panose="02020603050405020304" pitchFamily="18" charset="0"/>
                               <a:cs typeface="Times New Roman" panose="02020603050405020304" pitchFamily="18" charset="0"/>
                             </a:rPr>
                             <a:t>Cryptobenthic families</a:t>
                           </a:r>
-                          <a:endParaRPr lang="fr-FR" sz="1100" b="1" dirty="0">
+                          <a:endParaRPr lang="fr-FR" sz="800" b="1" dirty="0">
                             <a:solidFill>
                               <a:schemeClr val="tx1"/>
                             </a:solidFill>
                           </a:endParaRPr>
                         </a:p>
                       </a:txBody>
-                      <a:tcPr anchor="ctr">
+                      <a:tcPr marL="63305" marR="63305" marT="31652" marB="31652" anchor="ctr">
                         <a:lnL w="3175" cap="flat" cmpd="sng" algn="ctr">
                           <a:noFill/>
                           <a:prstDash val="solid"/>
@@ -8228,7 +8232,7 @@
                         <a:p>
                           <a:pPr algn="ctr"/>
                           <a:r>
-                            <a:rPr lang="fr-FR" sz="1100" b="0" kern="1200" dirty="0" smtClean="0">
+                            <a:rPr lang="fr-FR" sz="800" b="0" kern="1200" dirty="0" smtClean="0">
                               <a:solidFill>
                                 <a:schemeClr val="dk1"/>
                               </a:solidFill>
@@ -8238,7 +8242,7 @@
                             </a:rPr>
                             <a:t>74%</a:t>
                           </a:r>
-                          <a:endParaRPr lang="fr-FR" sz="1100" b="0" kern="1200" dirty="0">
+                          <a:endParaRPr lang="fr-FR" sz="800" b="0" kern="1200" dirty="0">
                             <a:solidFill>
                               <a:schemeClr val="dk1"/>
                             </a:solidFill>
@@ -8248,7 +8252,7 @@
                           </a:endParaRPr>
                         </a:p>
                       </a:txBody>
-                      <a:tcPr anchor="ctr">
+                      <a:tcPr marL="63305" marR="63305" marT="31652" marB="31652" anchor="ctr">
                         <a:lnL w="3175" cap="flat" cmpd="sng" algn="ctr">
                           <a:noFill/>
                           <a:prstDash val="solid"/>
@@ -8297,7 +8301,7 @@
                         <a:p>
                           <a:pPr algn="ctr"/>
                           <a:r>
-                            <a:rPr lang="fr-FR" sz="1100" b="0" kern="1200" dirty="0" smtClean="0">
+                            <a:rPr lang="fr-FR" sz="800" b="0" kern="1200" dirty="0" smtClean="0">
                               <a:solidFill>
                                 <a:schemeClr val="dk1"/>
                               </a:solidFill>
@@ -8307,7 +8311,7 @@
                             </a:rPr>
                             <a:t>18%</a:t>
                           </a:r>
-                          <a:endParaRPr lang="fr-FR" sz="1100" b="0" kern="1200" dirty="0">
+                          <a:endParaRPr lang="fr-FR" sz="800" b="0" kern="1200" dirty="0">
                             <a:solidFill>
                               <a:schemeClr val="dk1"/>
                             </a:solidFill>
@@ -8317,7 +8321,7 @@
                           </a:endParaRPr>
                         </a:p>
                       </a:txBody>
-                      <a:tcPr anchor="ctr">
+                      <a:tcPr marL="63305" marR="63305" marT="31652" marB="31652" anchor="ctr">
                         <a:lnL w="3175" cap="flat" cmpd="sng" algn="ctr">
                           <a:noFill/>
                           <a:prstDash val="solid"/>
@@ -8366,7 +8370,7 @@
                         <a:p>
                           <a:pPr algn="ctr"/>
                           <a:r>
-                            <a:rPr lang="fr-FR" sz="1100" b="0" kern="1200" dirty="0" smtClean="0">
+                            <a:rPr lang="fr-FR" sz="800" b="0" kern="1200" dirty="0" smtClean="0">
                               <a:solidFill>
                                 <a:schemeClr val="dk1"/>
                               </a:solidFill>
@@ -8376,7 +8380,7 @@
                             </a:rPr>
                             <a:t>4.5%</a:t>
                           </a:r>
-                          <a:endParaRPr lang="fr-FR" sz="1100" b="0" kern="1200" dirty="0">
+                          <a:endParaRPr lang="fr-FR" sz="800" b="0" kern="1200" dirty="0">
                             <a:solidFill>
                               <a:schemeClr val="dk1"/>
                             </a:solidFill>
@@ -8386,7 +8390,7 @@
                           </a:endParaRPr>
                         </a:p>
                       </a:txBody>
-                      <a:tcPr anchor="ctr">
+                      <a:tcPr marL="63305" marR="63305" marT="31652" marB="31652" anchor="ctr">
                         <a:lnL w="3175" cap="flat" cmpd="sng" algn="ctr">
                           <a:noFill/>
                           <a:prstDash val="solid"/>
@@ -8435,7 +8439,7 @@
                         <a:p>
                           <a:pPr algn="ctr"/>
                           <a:r>
-                            <a:rPr lang="fr-FR" sz="1100" b="0" kern="1200" dirty="0" smtClean="0">
+                            <a:rPr lang="fr-FR" sz="800" b="0" kern="1200" dirty="0" smtClean="0">
                               <a:solidFill>
                                 <a:schemeClr val="dk1"/>
                               </a:solidFill>
@@ -8445,7 +8449,7 @@
                             </a:rPr>
                             <a:t>3.5%</a:t>
                           </a:r>
-                          <a:endParaRPr lang="fr-FR" sz="1100" b="0" kern="1200" dirty="0">
+                          <a:endParaRPr lang="fr-FR" sz="800" b="0" kern="1200" dirty="0">
                             <a:solidFill>
                               <a:schemeClr val="dk1"/>
                             </a:solidFill>
@@ -8455,7 +8459,7 @@
                           </a:endParaRPr>
                         </a:p>
                       </a:txBody>
-                      <a:tcPr anchor="ctr">
+                      <a:tcPr marL="63305" marR="63305" marT="31652" marB="31652" anchor="ctr">
                         <a:lnL w="3175" cap="flat" cmpd="sng" algn="ctr">
                           <a:noFill/>
                           <a:prstDash val="solid"/>
@@ -8503,27 +8507,27 @@
                       </a:ext>
                     </a:extLst>
                   </a:tr>
-                  <a:tr h="324000">
+                  <a:tr h="224308">
                     <a:tc>
                       <a:txBody>
                         <a:bodyPr/>
                         <a:lstStyle/>
                         <a:p>
                           <a:r>
-                            <a:rPr lang="en-US" sz="1100" b="1" dirty="0" smtClean="0">
+                            <a:rPr lang="en-US" sz="800" b="1" dirty="0" smtClean="0">
                               <a:latin typeface="Times New Roman" panose="02020603050405020304" pitchFamily="18" charset="0"/>
                               <a:cs typeface="Times New Roman" panose="02020603050405020304" pitchFamily="18" charset="0"/>
                             </a:rPr>
                             <a:t>Pelagic families</a:t>
                           </a:r>
-                          <a:endParaRPr lang="fr-FR" sz="1100" b="1" dirty="0">
+                          <a:endParaRPr lang="fr-FR" sz="800" b="1" dirty="0">
                             <a:solidFill>
                               <a:schemeClr val="tx1"/>
                             </a:solidFill>
                           </a:endParaRPr>
                         </a:p>
                       </a:txBody>
-                      <a:tcPr anchor="ctr">
+                      <a:tcPr marL="63305" marR="63305" marT="31652" marB="31652" anchor="ctr">
                         <a:lnL w="3175" cap="flat" cmpd="sng" algn="ctr">
                           <a:noFill/>
                           <a:prstDash val="solid"/>
@@ -8570,7 +8574,7 @@
                         <a:p>
                           <a:pPr algn="ctr"/>
                           <a:r>
-                            <a:rPr lang="fr-FR" sz="1100" b="0" kern="1200" dirty="0" smtClean="0">
+                            <a:rPr lang="fr-FR" sz="800" b="0" kern="1200" dirty="0" smtClean="0">
                               <a:solidFill>
                                 <a:schemeClr val="dk1"/>
                               </a:solidFill>
@@ -8580,7 +8584,7 @@
                             </a:rPr>
                             <a:t>70.8%</a:t>
                           </a:r>
-                          <a:endParaRPr lang="fr-FR" sz="1100" b="0" kern="1200" dirty="0">
+                          <a:endParaRPr lang="fr-FR" sz="800" b="0" kern="1200" dirty="0">
                             <a:solidFill>
                               <a:schemeClr val="dk1"/>
                             </a:solidFill>
@@ -8590,7 +8594,7 @@
                           </a:endParaRPr>
                         </a:p>
                       </a:txBody>
-                      <a:tcPr anchor="ctr">
+                      <a:tcPr marL="63305" marR="63305" marT="31652" marB="31652" anchor="ctr">
                         <a:lnL w="3175" cap="flat" cmpd="sng" algn="ctr">
                           <a:noFill/>
                           <a:prstDash val="solid"/>
@@ -8637,7 +8641,7 @@
                         <a:p>
                           <a:pPr algn="ctr"/>
                           <a:r>
-                            <a:rPr lang="fr-FR" sz="1100" b="0" kern="1200" dirty="0" smtClean="0">
+                            <a:rPr lang="fr-FR" sz="800" b="0" kern="1200" dirty="0" smtClean="0">
                               <a:solidFill>
                                 <a:schemeClr val="dk1"/>
                               </a:solidFill>
@@ -8647,7 +8651,7 @@
                             </a:rPr>
                             <a:t>15.8%</a:t>
                           </a:r>
-                          <a:endParaRPr lang="fr-FR" sz="1100" b="0" kern="1200" dirty="0">
+                          <a:endParaRPr lang="fr-FR" sz="800" b="0" kern="1200" dirty="0">
                             <a:solidFill>
                               <a:schemeClr val="dk1"/>
                             </a:solidFill>
@@ -8657,7 +8661,7 @@
                           </a:endParaRPr>
                         </a:p>
                       </a:txBody>
-                      <a:tcPr anchor="ctr">
+                      <a:tcPr marL="63305" marR="63305" marT="31652" marB="31652" anchor="ctr">
                         <a:lnL w="3175" cap="flat" cmpd="sng" algn="ctr">
                           <a:noFill/>
                           <a:prstDash val="solid"/>
@@ -8704,7 +8708,7 @@
                         <a:p>
                           <a:pPr algn="ctr"/>
                           <a:r>
-                            <a:rPr lang="fr-FR" sz="1100" b="0" kern="1200" dirty="0" smtClean="0">
+                            <a:rPr lang="fr-FR" sz="800" b="0" kern="1200" dirty="0" smtClean="0">
                               <a:solidFill>
                                 <a:schemeClr val="dk1"/>
                               </a:solidFill>
@@ -8714,7 +8718,7 @@
                             </a:rPr>
                             <a:t>7.8%</a:t>
                           </a:r>
-                          <a:endParaRPr lang="fr-FR" sz="1100" b="0" kern="1200" dirty="0">
+                          <a:endParaRPr lang="fr-FR" sz="800" b="0" kern="1200" dirty="0">
                             <a:solidFill>
                               <a:schemeClr val="dk1"/>
                             </a:solidFill>
@@ -8724,7 +8728,7 @@
                           </a:endParaRPr>
                         </a:p>
                       </a:txBody>
-                      <a:tcPr anchor="ctr">
+                      <a:tcPr marL="63305" marR="63305" marT="31652" marB="31652" anchor="ctr">
                         <a:lnL w="3175" cap="flat" cmpd="sng" algn="ctr">
                           <a:noFill/>
                           <a:prstDash val="solid"/>
@@ -8771,7 +8775,7 @@
                         <a:p>
                           <a:pPr algn="ctr"/>
                           <a:r>
-                            <a:rPr lang="fr-FR" sz="1100" b="0" kern="1200" dirty="0" smtClean="0">
+                            <a:rPr lang="fr-FR" sz="800" b="0" kern="1200" dirty="0" smtClean="0">
                               <a:solidFill>
                                 <a:schemeClr val="dk1"/>
                               </a:solidFill>
@@ -8781,7 +8785,7 @@
                             </a:rPr>
                             <a:t>5.6%</a:t>
                           </a:r>
-                          <a:endParaRPr lang="fr-FR" sz="1100" b="0" kern="1200" dirty="0">
+                          <a:endParaRPr lang="fr-FR" sz="800" b="0" kern="1200" dirty="0">
                             <a:solidFill>
                               <a:schemeClr val="dk1"/>
                             </a:solidFill>
@@ -8791,7 +8795,7 @@
                           </a:endParaRPr>
                         </a:p>
                       </a:txBody>
-                      <a:tcPr anchor="ctr">
+                      <a:tcPr marL="63305" marR="63305" marT="31652" marB="31652" anchor="ctr">
                         <a:lnL w="3175" cap="flat" cmpd="sng" algn="ctr">
                           <a:noFill/>
                           <a:prstDash val="solid"/>
@@ -8837,27 +8841,27 @@
                       </a:ext>
                     </a:extLst>
                   </a:tr>
-                  <a:tr h="324000">
+                  <a:tr h="224308">
                     <a:tc>
                       <a:txBody>
                         <a:bodyPr/>
                         <a:lstStyle/>
                         <a:p>
                           <a:r>
-                            <a:rPr lang="en-US" sz="1100" b="1" dirty="0" smtClean="0">
+                            <a:rPr lang="en-US" sz="800" b="1" dirty="0" smtClean="0">
                               <a:latin typeface="Times New Roman" panose="02020603050405020304" pitchFamily="18" charset="0"/>
                               <a:cs typeface="Times New Roman" panose="02020603050405020304" pitchFamily="18" charset="0"/>
                             </a:rPr>
                             <a:t>MOTUs assigned to species</a:t>
                           </a:r>
-                          <a:endParaRPr lang="fr-FR" sz="1100" b="1" dirty="0">
+                          <a:endParaRPr lang="fr-FR" sz="800" b="1" dirty="0">
                             <a:solidFill>
                               <a:schemeClr val="tx1"/>
                             </a:solidFill>
                           </a:endParaRPr>
                         </a:p>
                       </a:txBody>
-                      <a:tcPr anchor="ctr">
+                      <a:tcPr marL="63305" marR="63305" marT="31652" marB="31652" anchor="ctr">
                         <a:lnL w="3175" cap="flat" cmpd="sng" algn="ctr">
                           <a:noFill/>
                           <a:prstDash val="solid"/>
@@ -8904,7 +8908,7 @@
                         <a:p>
                           <a:pPr algn="ctr"/>
                           <a:r>
-                            <a:rPr lang="fr-FR" sz="1100" b="0" kern="1200" dirty="0" smtClean="0">
+                            <a:rPr lang="fr-FR" sz="800" b="0" kern="1200" dirty="0" smtClean="0">
                               <a:solidFill>
                                 <a:schemeClr val="dk1"/>
                               </a:solidFill>
@@ -8914,7 +8918,7 @@
                             </a:rPr>
                             <a:t>68%</a:t>
                           </a:r>
-                          <a:endParaRPr lang="fr-FR" sz="1100" b="0" kern="1200" dirty="0">
+                          <a:endParaRPr lang="fr-FR" sz="800" b="0" kern="1200" dirty="0">
                             <a:solidFill>
                               <a:schemeClr val="dk1"/>
                             </a:solidFill>
@@ -8924,7 +8928,7 @@
                           </a:endParaRPr>
                         </a:p>
                       </a:txBody>
-                      <a:tcPr anchor="ctr">
+                      <a:tcPr marL="63305" marR="63305" marT="31652" marB="31652" anchor="ctr">
                         <a:lnL w="3175" cap="flat" cmpd="sng" algn="ctr">
                           <a:noFill/>
                           <a:prstDash val="solid"/>
@@ -8971,7 +8975,7 @@
                         <a:p>
                           <a:pPr algn="ctr"/>
                           <a:r>
-                            <a:rPr lang="fr-FR" sz="1100" b="0" kern="1200" dirty="0" smtClean="0">
+                            <a:rPr lang="fr-FR" sz="800" b="0" kern="1200" dirty="0" smtClean="0">
                               <a:solidFill>
                                 <a:schemeClr val="dk1"/>
                               </a:solidFill>
@@ -8981,7 +8985,7 @@
                             </a:rPr>
                             <a:t>15.7%</a:t>
                           </a:r>
-                          <a:endParaRPr lang="fr-FR" sz="1100" b="0" kern="1200" dirty="0">
+                          <a:endParaRPr lang="fr-FR" sz="800" b="0" kern="1200" dirty="0">
                             <a:solidFill>
                               <a:schemeClr val="dk1"/>
                             </a:solidFill>
@@ -8991,7 +8995,7 @@
                           </a:endParaRPr>
                         </a:p>
                       </a:txBody>
-                      <a:tcPr anchor="ctr">
+                      <a:tcPr marL="63305" marR="63305" marT="31652" marB="31652" anchor="ctr">
                         <a:lnL w="3175" cap="flat" cmpd="sng" algn="ctr">
                           <a:noFill/>
                           <a:prstDash val="solid"/>
@@ -9038,7 +9042,7 @@
                         <a:p>
                           <a:pPr algn="ctr"/>
                           <a:r>
-                            <a:rPr lang="fr-FR" sz="1100" b="0" kern="1200" dirty="0" smtClean="0">
+                            <a:rPr lang="fr-FR" sz="800" b="0" kern="1200" dirty="0" smtClean="0">
                               <a:solidFill>
                                 <a:schemeClr val="dk1"/>
                               </a:solidFill>
@@ -9048,7 +9052,7 @@
                             </a:rPr>
                             <a:t>8.3%</a:t>
                           </a:r>
-                          <a:endParaRPr lang="fr-FR" sz="1100" b="0" kern="1200" dirty="0">
+                          <a:endParaRPr lang="fr-FR" sz="800" b="0" kern="1200" dirty="0">
                             <a:solidFill>
                               <a:schemeClr val="dk1"/>
                             </a:solidFill>
@@ -9058,7 +9062,7 @@
                           </a:endParaRPr>
                         </a:p>
                       </a:txBody>
-                      <a:tcPr anchor="ctr">
+                      <a:tcPr marL="63305" marR="63305" marT="31652" marB="31652" anchor="ctr">
                         <a:lnL w="3175" cap="flat" cmpd="sng" algn="ctr">
                           <a:noFill/>
                           <a:prstDash val="solid"/>
@@ -9105,7 +9109,7 @@
                         <a:p>
                           <a:pPr algn="ctr"/>
                           <a:r>
-                            <a:rPr lang="fr-FR" sz="1100" b="0" kern="1200" dirty="0" smtClean="0">
+                            <a:rPr lang="fr-FR" sz="800" b="0" kern="1200" dirty="0" smtClean="0">
                               <a:solidFill>
                                 <a:schemeClr val="dk1"/>
                               </a:solidFill>
@@ -9115,7 +9119,7 @@
                             </a:rPr>
                             <a:t>8%</a:t>
                           </a:r>
-                          <a:endParaRPr lang="fr-FR" sz="1100" b="0" kern="1200" dirty="0">
+                          <a:endParaRPr lang="fr-FR" sz="800" b="0" kern="1200" dirty="0">
                             <a:solidFill>
                               <a:schemeClr val="dk1"/>
                             </a:solidFill>
@@ -9125,7 +9129,7 @@
                           </a:endParaRPr>
                         </a:p>
                       </a:txBody>
-                      <a:tcPr anchor="ctr">
+                      <a:tcPr marL="63305" marR="63305" marT="31652" marB="31652" anchor="ctr">
                         <a:lnL w="3175" cap="flat" cmpd="sng" algn="ctr">
                           <a:noFill/>
                           <a:prstDash val="solid"/>
@@ -9187,6 +9191,13 @@
   <p:clrMapOvr>
     <a:masterClrMapping/>
   </p:clrMapOvr>
+  <p:timing>
+    <p:tnLst>
+      <p:par>
+        <p:cTn id="1" dur="indefinite" restart="never" nodeType="tmRoot"/>
+      </p:par>
+    </p:tnLst>
+  </p:timing>
 </p:sld>
 </file>
 

--- a/outputs/06_diversity_partitioning/schema_partition.pptx
+++ b/outputs/06_diversity_partitioning/schema_partition.pptx
@@ -2971,3223 +2971,3108 @@
           <a:chExt cx="0" cy="0"/>
         </a:xfrm>
       </p:grpSpPr>
-      <p:grpSp>
-        <p:nvGrpSpPr>
-          <p:cNvPr id="243" name="Groupe 242"/>
-          <p:cNvGrpSpPr/>
+      <p:pic>
+        <p:nvPicPr>
+          <p:cNvPr id="221" name="Image 220"/>
+          <p:cNvPicPr>
+            <a:picLocks noChangeAspect="1"/>
+          </p:cNvPicPr>
           <p:nvPr/>
-        </p:nvGrpSpPr>
-        <p:grpSpPr>
+        </p:nvPicPr>
+        <p:blipFill>
+          <a:blip r:embed="rId2" cstate="print">
+            <a:extLst>
+              <a:ext uri="{28A0092B-C50C-407E-A947-70E740481C1C}">
+                <a14:useLocalDpi xmlns:a14="http://schemas.microsoft.com/office/drawing/2010/main" val="0"/>
+              </a:ext>
+            </a:extLst>
+          </a:blip>
+          <a:stretch>
+            <a:fillRect/>
+          </a:stretch>
+        </p:blipFill>
+        <p:spPr>
           <a:xfrm>
-            <a:off x="1447915" y="324518"/>
-            <a:ext cx="5847183" cy="3148391"/>
-            <a:chOff x="-1644787" y="468748"/>
-            <a:chExt cx="8445930" cy="4547676"/>
+            <a:off x="5418741" y="1252050"/>
+            <a:ext cx="869383" cy="618823"/>
           </a:xfrm>
-        </p:grpSpPr>
-        <p:pic>
-          <p:nvPicPr>
-            <p:cNvPr id="221" name="Image 220"/>
-            <p:cNvPicPr>
-              <a:picLocks noChangeAspect="1"/>
-            </p:cNvPicPr>
-            <p:nvPr/>
-          </p:nvPicPr>
-          <p:blipFill>
-            <a:blip r:embed="rId2" cstate="print">
-              <a:extLst>
-                <a:ext uri="{28A0092B-C50C-407E-A947-70E740481C1C}">
-                  <a14:useLocalDpi xmlns:a14="http://schemas.microsoft.com/office/drawing/2010/main" val="0"/>
-                </a:ext>
-              </a:extLst>
-            </a:blip>
-            <a:stretch>
-              <a:fillRect/>
-            </a:stretch>
-          </p:blipFill>
-          <p:spPr>
-            <a:xfrm>
-              <a:off x="4090850" y="1808517"/>
-              <a:ext cx="1255775" cy="893856"/>
-            </a:xfrm>
-            <a:prstGeom prst="rect">
-              <a:avLst/>
-            </a:prstGeom>
-            <a:ln w="12700">
+          <a:prstGeom prst="rect">
+            <a:avLst/>
+          </a:prstGeom>
+          <a:ln w="12700">
+            <a:noFill/>
+          </a:ln>
+        </p:spPr>
+      </p:pic>
+      <p:pic>
+        <p:nvPicPr>
+          <p:cNvPr id="216" name="Image 215"/>
+          <p:cNvPicPr>
+            <a:picLocks noChangeAspect="1"/>
+          </p:cNvPicPr>
+          <p:nvPr/>
+        </p:nvPicPr>
+        <p:blipFill>
+          <a:blip r:embed="rId3" cstate="print">
+            <a:extLst>
+              <a:ext uri="{28A0092B-C50C-407E-A947-70E740481C1C}">
+                <a14:useLocalDpi xmlns:a14="http://schemas.microsoft.com/office/drawing/2010/main" val="0"/>
+              </a:ext>
+            </a:extLst>
+          </a:blip>
+          <a:stretch>
+            <a:fillRect/>
+          </a:stretch>
+        </p:blipFill>
+        <p:spPr>
+          <a:xfrm>
+            <a:off x="4488032" y="1250786"/>
+            <a:ext cx="875215" cy="620479"/>
+          </a:xfrm>
+          <a:prstGeom prst="rect">
+            <a:avLst/>
+          </a:prstGeom>
+          <a:ln w="12700">
+            <a:noFill/>
+          </a:ln>
+        </p:spPr>
+      </p:pic>
+      <p:sp>
+        <p:nvSpPr>
+          <p:cNvPr id="77" name="Ellipse 76"/>
+          <p:cNvSpPr/>
+          <p:nvPr/>
+        </p:nvSpPr>
+        <p:spPr>
+          <a:xfrm>
+            <a:off x="3645654" y="2243316"/>
+            <a:ext cx="706004" cy="302647"/>
+          </a:xfrm>
+          <a:prstGeom prst="ellipse">
+            <a:avLst/>
+          </a:prstGeom>
+          <a:noFill/>
+          <a:ln w="12700">
+            <a:solidFill>
+              <a:srgbClr val="E6A727"/>
+            </a:solidFill>
+          </a:ln>
+        </p:spPr>
+        <p:style>
+          <a:lnRef idx="1">
+            <a:schemeClr val="accent2"/>
+          </a:lnRef>
+          <a:fillRef idx="2">
+            <a:schemeClr val="accent2"/>
+          </a:fillRef>
+          <a:effectRef idx="1">
+            <a:schemeClr val="accent2"/>
+          </a:effectRef>
+          <a:fontRef idx="minor">
+            <a:schemeClr val="dk1"/>
+          </a:fontRef>
+        </p:style>
+        <p:txBody>
+          <a:bodyPr rtlCol="0" anchor="ctr"/>
+          <a:lstStyle/>
+          <a:p>
+            <a:pPr algn="ctr"/>
+            <a:endParaRPr lang="fr-FR" sz="701"/>
+          </a:p>
+        </p:txBody>
+      </p:sp>
+      <p:sp>
+        <p:nvSpPr>
+          <p:cNvPr id="46" name="Ellipse 45"/>
+          <p:cNvSpPr/>
+          <p:nvPr/>
+        </p:nvSpPr>
+        <p:spPr>
+          <a:xfrm>
+            <a:off x="4577355" y="324518"/>
+            <a:ext cx="737883" cy="341686"/>
+          </a:xfrm>
+          <a:prstGeom prst="ellipse">
+            <a:avLst/>
+          </a:prstGeom>
+          <a:noFill/>
+          <a:ln>
+            <a:solidFill>
+              <a:schemeClr val="tx1"/>
+            </a:solidFill>
+          </a:ln>
+        </p:spPr>
+        <p:style>
+          <a:lnRef idx="1">
+            <a:schemeClr val="accent2"/>
+          </a:lnRef>
+          <a:fillRef idx="2">
+            <a:schemeClr val="accent2"/>
+          </a:fillRef>
+          <a:effectRef idx="1">
+            <a:schemeClr val="accent2"/>
+          </a:effectRef>
+          <a:fontRef idx="minor">
+            <a:schemeClr val="dk1"/>
+          </a:fontRef>
+        </p:style>
+        <p:txBody>
+          <a:bodyPr rtlCol="0" anchor="ctr"/>
+          <a:lstStyle/>
+          <a:p>
+            <a:pPr algn="ctr"/>
+            <a:endParaRPr lang="fr-FR" sz="701"/>
+          </a:p>
+        </p:txBody>
+      </p:sp>
+      <mc:AlternateContent xmlns:mc="http://schemas.openxmlformats.org/markup-compatibility/2006">
+        <mc:Choice xmlns:a14="http://schemas.microsoft.com/office/drawing/2010/main" Requires="a14">
+          <p:sp>
+            <p:nvSpPr>
+              <p:cNvPr id="4" name="ZoneTexte 3"/>
+              <p:cNvSpPr txBox="1"/>
+              <p:nvPr/>
+            </p:nvSpPr>
+            <p:spPr>
+              <a:xfrm>
+                <a:off x="4512839" y="359283"/>
+                <a:ext cx="883485" cy="318100"/>
+              </a:xfrm>
+              <a:prstGeom prst="rect">
+                <a:avLst/>
+              </a:prstGeom>
               <a:noFill/>
-            </a:ln>
-          </p:spPr>
-        </p:pic>
-        <p:pic>
-          <p:nvPicPr>
-            <p:cNvPr id="216" name="Image 215"/>
-            <p:cNvPicPr>
-              <a:picLocks noChangeAspect="1"/>
-            </p:cNvPicPr>
-            <p:nvPr/>
-          </p:nvPicPr>
-          <p:blipFill>
-            <a:blip r:embed="rId3" cstate="print">
-              <a:extLst>
-                <a:ext uri="{28A0092B-C50C-407E-A947-70E740481C1C}">
-                  <a14:useLocalDpi xmlns:a14="http://schemas.microsoft.com/office/drawing/2010/main" val="0"/>
-                </a:ext>
-              </a:extLst>
-            </a:blip>
-            <a:stretch>
-              <a:fillRect/>
-            </a:stretch>
-          </p:blipFill>
-          <p:spPr>
-            <a:xfrm>
-              <a:off x="2746492" y="1806690"/>
-              <a:ext cx="1264200" cy="896248"/>
-            </a:xfrm>
-            <a:prstGeom prst="rect">
-              <a:avLst/>
-            </a:prstGeom>
-            <a:ln w="12700">
-              <a:noFill/>
-            </a:ln>
-          </p:spPr>
-        </p:pic>
-        <p:sp>
-          <p:nvSpPr>
-            <p:cNvPr id="77" name="Ellipse 76"/>
-            <p:cNvSpPr/>
-            <p:nvPr/>
-          </p:nvSpPr>
-          <p:spPr>
-            <a:xfrm>
-              <a:off x="1529725" y="3182921"/>
-              <a:ext cx="1019783" cy="437157"/>
-            </a:xfrm>
-            <a:prstGeom prst="ellipse">
-              <a:avLst/>
-            </a:prstGeom>
-            <a:noFill/>
-            <a:ln w="12700">
-              <a:solidFill>
-                <a:srgbClr val="E6A727"/>
-              </a:solidFill>
-            </a:ln>
-          </p:spPr>
-          <p:style>
-            <a:lnRef idx="1">
-              <a:schemeClr val="accent2"/>
-            </a:lnRef>
-            <a:fillRef idx="2">
-              <a:schemeClr val="accent2"/>
-            </a:fillRef>
-            <a:effectRef idx="1">
-              <a:schemeClr val="accent2"/>
-            </a:effectRef>
-            <a:fontRef idx="minor">
-              <a:schemeClr val="dk1"/>
-            </a:fontRef>
-          </p:style>
-          <p:txBody>
-            <a:bodyPr rtlCol="0" anchor="ctr"/>
-            <a:lstStyle/>
-            <a:p>
-              <a:pPr algn="ctr"/>
-              <a:endParaRPr lang="fr-FR" sz="701"/>
-            </a:p>
-          </p:txBody>
-        </p:sp>
-        <p:sp>
-          <p:nvSpPr>
-            <p:cNvPr id="46" name="Ellipse 45"/>
-            <p:cNvSpPr/>
-            <p:nvPr/>
-          </p:nvSpPr>
-          <p:spPr>
-            <a:xfrm>
-              <a:off x="3518662" y="468748"/>
-              <a:ext cx="1065831" cy="493547"/>
-            </a:xfrm>
-            <a:prstGeom prst="ellipse">
-              <a:avLst/>
-            </a:prstGeom>
-            <a:noFill/>
-            <a:ln>
-              <a:solidFill>
-                <a:schemeClr val="tx1"/>
-              </a:solidFill>
-            </a:ln>
-          </p:spPr>
-          <p:style>
-            <a:lnRef idx="1">
-              <a:schemeClr val="accent2"/>
-            </a:lnRef>
-            <a:fillRef idx="2">
-              <a:schemeClr val="accent2"/>
-            </a:fillRef>
-            <a:effectRef idx="1">
-              <a:schemeClr val="accent2"/>
-            </a:effectRef>
-            <a:fontRef idx="minor">
-              <a:schemeClr val="dk1"/>
-            </a:fontRef>
-          </p:style>
-          <p:txBody>
-            <a:bodyPr rtlCol="0" anchor="ctr"/>
-            <a:lstStyle/>
-            <a:p>
-              <a:pPr algn="ctr"/>
-              <a:endParaRPr lang="fr-FR" sz="701"/>
-            </a:p>
-          </p:txBody>
-        </p:sp>
-        <mc:AlternateContent xmlns:mc="http://schemas.openxmlformats.org/markup-compatibility/2006">
-          <mc:Choice xmlns:a14="http://schemas.microsoft.com/office/drawing/2010/main" Requires="a14">
-            <p:sp>
-              <p:nvSpPr>
-                <p:cNvPr id="4" name="ZoneTexte 3"/>
-                <p:cNvSpPr txBox="1"/>
-                <p:nvPr/>
-              </p:nvSpPr>
-              <p:spPr>
-                <a:xfrm>
-                  <a:off x="3425472" y="518964"/>
-                  <a:ext cx="1276145" cy="459478"/>
-                </a:xfrm>
-                <a:prstGeom prst="rect">
-                  <a:avLst/>
-                </a:prstGeom>
-                <a:noFill/>
-              </p:spPr>
-              <p:txBody>
-                <a:bodyPr wrap="square" rtlCol="0">
-                  <a:spAutoFit/>
-                </a:bodyPr>
-                <a:lstStyle/>
-                <a:p>
-                  <a:pPr algn="ctr"/>
-                  <a14:m>
-                    <m:oMath xmlns:m="http://schemas.openxmlformats.org/officeDocument/2006/math">
-                      <m:sSub>
-                        <m:sSubPr>
-                          <m:ctrlPr>
-                            <a:rPr lang="fr-FR" sz="701" b="1" i="1">
-                              <a:solidFill>
-                                <a:srgbClr val="FF0000"/>
-                              </a:solidFill>
-                              <a:latin typeface="Cambria Math" panose="02040503050406030204" pitchFamily="18" charset="0"/>
-                            </a:rPr>
-                          </m:ctrlPr>
-                        </m:sSubPr>
-                        <m:e>
-                          <m:r>
-                            <m:rPr>
-                              <m:nor/>
-                            </m:rPr>
-                            <a:rPr lang="el-GR" sz="701" b="1" dirty="0">
-                              <a:solidFill>
-                                <a:srgbClr val="FF0000"/>
-                              </a:solidFill>
-                              <a:latin typeface="Sitka Text" panose="02000505000000020004" pitchFamily="2" charset="0"/>
-                            </a:rPr>
-                            <m:t>γ</m:t>
-                          </m:r>
-                        </m:e>
-                        <m:sub>
-                          <m:r>
-                            <a:rPr lang="fr-FR" sz="701" b="1" i="1">
-                              <a:solidFill>
-                                <a:srgbClr val="FF0000"/>
-                              </a:solidFill>
-                              <a:latin typeface="Cambria Math" panose="02040503050406030204" pitchFamily="18" charset="0"/>
-                            </a:rPr>
-                            <m:t>𝒈𝒍𝒐𝒃𝒂𝒍</m:t>
-                          </m:r>
-                        </m:sub>
-                      </m:sSub>
-                    </m:oMath>
-                  </a14:m>
-                  <a:r>
-                    <a:rPr lang="fr-FR" sz="701" b="1" dirty="0">
-                      <a:solidFill>
-                        <a:srgbClr val="FF0000"/>
-                      </a:solidFill>
-                    </a:rPr>
-                    <a:t> =100%</a:t>
-                  </a:r>
-                </a:p>
-                <a:p>
-                  <a:pPr algn="ctr"/>
-                  <a:r>
-                    <a:rPr lang="fr-FR" sz="701" dirty="0"/>
-                    <a:t>1713 </a:t>
-                  </a:r>
-                  <a:r>
-                    <a:rPr lang="en-US" sz="701" dirty="0"/>
-                    <a:t>MOTUs</a:t>
-                  </a:r>
-                </a:p>
-              </p:txBody>
-            </p:sp>
-          </mc:Choice>
-          <mc:Fallback>
-            <p:sp>
-              <p:nvSpPr>
-                <p:cNvPr id="4" name="ZoneTexte 3"/>
-                <p:cNvSpPr txBox="1">
-                  <a:spLocks noRot="1" noChangeAspect="1" noMove="1" noResize="1" noEditPoints="1" noAdjustHandles="1" noChangeArrowheads="1" noChangeShapeType="1" noTextEdit="1"/>
-                </p:cNvSpPr>
-                <p:nvPr/>
-              </p:nvSpPr>
-              <p:spPr>
-                <a:xfrm>
-                  <a:off x="3425472" y="518964"/>
-                  <a:ext cx="1276145" cy="459478"/>
-                </a:xfrm>
-                <a:prstGeom prst="rect">
-                  <a:avLst/>
-                </a:prstGeom>
-                <a:blipFill>
-                  <a:blip r:embed="rId4"/>
-                  <a:stretch>
-                    <a:fillRect b="-3846"/>
-                  </a:stretch>
-                </a:blipFill>
-              </p:spPr>
-              <p:txBody>
-                <a:bodyPr/>
-                <a:lstStyle/>
-                <a:p>
-                  <a:r>
-                    <a:rPr lang="fr-FR">
-                      <a:noFill/>
-                    </a:rPr>
-                    <a:t> </a:t>
-                  </a:r>
-                </a:p>
-              </p:txBody>
-            </p:sp>
-          </mc:Fallback>
-        </mc:AlternateContent>
-        <p:sp>
-          <p:nvSpPr>
-            <p:cNvPr id="5" name="ZoneTexte 4"/>
-            <p:cNvSpPr txBox="1"/>
-            <p:nvPr/>
-          </p:nvSpPr>
-          <p:spPr>
-            <a:xfrm>
-              <a:off x="1630462" y="1578245"/>
-              <a:ext cx="868027" cy="289153"/>
-            </a:xfrm>
-            <a:prstGeom prst="rect">
-              <a:avLst/>
-            </a:prstGeom>
-            <a:noFill/>
-          </p:spPr>
-          <p:txBody>
-            <a:bodyPr wrap="square" rtlCol="0">
-              <a:spAutoFit/>
-            </a:bodyPr>
-            <a:lstStyle/>
-            <a:p>
-              <a:r>
-                <a:rPr lang="fr-FR" sz="701" dirty="0"/>
-                <a:t>Caribbean</a:t>
-              </a:r>
-            </a:p>
-          </p:txBody>
-        </p:sp>
-        <p:sp>
-          <p:nvSpPr>
-            <p:cNvPr id="6" name="ZoneTexte 5"/>
-            <p:cNvSpPr txBox="1"/>
-            <p:nvPr/>
-          </p:nvSpPr>
-          <p:spPr>
-            <a:xfrm>
-              <a:off x="2868725" y="1578245"/>
-              <a:ext cx="1085503" cy="289153"/>
-            </a:xfrm>
-            <a:prstGeom prst="rect">
-              <a:avLst/>
-            </a:prstGeom>
-            <a:noFill/>
-          </p:spPr>
-          <p:txBody>
-            <a:bodyPr wrap="square" rtlCol="0">
-              <a:spAutoFit/>
-            </a:bodyPr>
-            <a:lstStyle/>
-            <a:p>
-              <a:r>
-                <a:rPr lang="fr-FR" sz="701" dirty="0"/>
-                <a:t>Central Pacific</a:t>
-              </a:r>
-            </a:p>
-          </p:txBody>
-        </p:sp>
-        <p:sp>
-          <p:nvSpPr>
-            <p:cNvPr id="7" name="ZoneTexte 6"/>
-            <p:cNvSpPr txBox="1"/>
-            <p:nvPr/>
-          </p:nvSpPr>
-          <p:spPr>
-            <a:xfrm>
-              <a:off x="4241246" y="1583651"/>
-              <a:ext cx="998102" cy="289153"/>
-            </a:xfrm>
-            <a:prstGeom prst="rect">
-              <a:avLst/>
-            </a:prstGeom>
-            <a:noFill/>
-          </p:spPr>
-          <p:txBody>
-            <a:bodyPr wrap="square" rtlCol="0">
-              <a:spAutoFit/>
-            </a:bodyPr>
-            <a:lstStyle/>
-            <a:p>
-              <a:r>
-                <a:rPr lang="fr-FR" sz="701" dirty="0"/>
-                <a:t>West </a:t>
-              </a:r>
-              <a:r>
-                <a:rPr lang="en-US" sz="701" dirty="0"/>
-                <a:t>Indian</a:t>
-              </a:r>
-            </a:p>
-          </p:txBody>
-        </p:sp>
-        <p:sp>
-          <p:nvSpPr>
-            <p:cNvPr id="8" name="ZoneTexte 7"/>
-            <p:cNvSpPr txBox="1"/>
-            <p:nvPr/>
-          </p:nvSpPr>
-          <p:spPr>
-            <a:xfrm>
-              <a:off x="5449332" y="1587567"/>
-              <a:ext cx="1260837" cy="289153"/>
-            </a:xfrm>
-            <a:prstGeom prst="rect">
-              <a:avLst/>
-            </a:prstGeom>
-            <a:noFill/>
-          </p:spPr>
-          <p:txBody>
-            <a:bodyPr wrap="square" rtlCol="0">
-              <a:spAutoFit/>
-            </a:bodyPr>
-            <a:lstStyle/>
-            <a:p>
-              <a:r>
-                <a:rPr lang="fr-FR" sz="701" dirty="0"/>
-                <a:t>Central </a:t>
-              </a:r>
-              <a:r>
-                <a:rPr lang="fr-FR" sz="701" dirty="0" err="1"/>
-                <a:t>IndoPacific</a:t>
-              </a:r>
-              <a:endParaRPr lang="fr-FR" sz="701" dirty="0"/>
-            </a:p>
-          </p:txBody>
-        </p:sp>
-        <mc:AlternateContent xmlns:mc="http://schemas.openxmlformats.org/markup-compatibility/2006">
-          <mc:Choice xmlns:a14="http://schemas.microsoft.com/office/drawing/2010/main" Requires="a14">
-            <p:sp>
-              <p:nvSpPr>
-                <p:cNvPr id="9" name="ZoneTexte 8"/>
-                <p:cNvSpPr txBox="1"/>
-                <p:nvPr/>
-              </p:nvSpPr>
-              <p:spPr>
-                <a:xfrm>
-                  <a:off x="1342163" y="3139754"/>
-                  <a:ext cx="1382124" cy="444937"/>
-                </a:xfrm>
-                <a:prstGeom prst="rect">
-                  <a:avLst/>
-                </a:prstGeom>
-                <a:noFill/>
-              </p:spPr>
-              <p:txBody>
-                <a:bodyPr wrap="square" rtlCol="0">
-                  <a:spAutoFit/>
-                </a:bodyPr>
-                <a:lstStyle/>
-                <a:p>
-                  <a:pPr algn="ctr"/>
-                  <a:r>
-                    <a:rPr lang="fr-FR" sz="701" dirty="0"/>
-                    <a:t>3 sites</a:t>
-                  </a:r>
-                </a:p>
-                <a:p>
-                  <a:pPr algn="ctr"/>
-                  <a14:m>
-                    <m:oMath xmlns:m="http://schemas.openxmlformats.org/officeDocument/2006/math">
-                      <m:sSub>
-                        <m:sSubPr>
-                          <m:ctrlPr>
-                            <a:rPr lang="fr-FR" sz="701" i="1">
-                              <a:latin typeface="Cambria Math" panose="02040503050406030204" pitchFamily="18" charset="0"/>
-                            </a:rPr>
-                          </m:ctrlPr>
-                        </m:sSubPr>
-                        <m:e>
-                          <m:r>
-                            <m:rPr>
-                              <m:nor/>
-                            </m:rPr>
-                            <a:rPr lang="el-GR" sz="701" dirty="0">
-                              <a:latin typeface="Cambria Math" panose="02040503050406030204" pitchFamily="18" charset="0"/>
-                              <a:ea typeface="Cambria Math" panose="02040503050406030204" pitchFamily="18" charset="0"/>
-                            </a:rPr>
-                            <m:t>β</m:t>
-                          </m:r>
-                        </m:e>
-                        <m:sub>
-                          <m:r>
-                            <a:rPr lang="fr-FR" sz="701" i="1" dirty="0">
-                              <a:latin typeface="Cambria Math" panose="02040503050406030204" pitchFamily="18" charset="0"/>
-                            </a:rPr>
-                            <m:t>𝑖𝑛𝑡𝑒𝑟</m:t>
-                          </m:r>
-                          <m:r>
-                            <a:rPr lang="fr-FR" sz="701" i="1" dirty="0">
-                              <a:latin typeface="Cambria Math" panose="02040503050406030204" pitchFamily="18" charset="0"/>
-                            </a:rPr>
-                            <m:t>−</m:t>
-                          </m:r>
-                          <m:r>
-                            <a:rPr lang="fr-FR" sz="701" i="1" dirty="0">
-                              <a:latin typeface="Cambria Math" panose="02040503050406030204" pitchFamily="18" charset="0"/>
-                            </a:rPr>
-                            <m:t>𝑠𝑖𝑡𝑒</m:t>
-                          </m:r>
-                        </m:sub>
-                      </m:sSub>
-                    </m:oMath>
-                  </a14:m>
-                  <a:r>
-                    <a:rPr lang="fr-FR" sz="701" dirty="0"/>
-                    <a:t>= </a:t>
-                  </a:r>
-                  <a:r>
-                    <a:rPr lang="fr-FR" sz="701" dirty="0"/>
-                    <a:t>11%</a:t>
-                  </a:r>
-                  <a:endParaRPr lang="fr-FR" sz="701" dirty="0"/>
-                </a:p>
-              </p:txBody>
-            </p:sp>
-          </mc:Choice>
-          <mc:Fallback>
-            <p:sp>
-              <p:nvSpPr>
-                <p:cNvPr id="9" name="ZoneTexte 8"/>
-                <p:cNvSpPr txBox="1">
-                  <a:spLocks noRot="1" noChangeAspect="1" noMove="1" noResize="1" noEditPoints="1" noAdjustHandles="1" noChangeArrowheads="1" noChangeShapeType="1" noTextEdit="1"/>
-                </p:cNvSpPr>
-                <p:nvPr/>
-              </p:nvSpPr>
-              <p:spPr>
-                <a:xfrm>
-                  <a:off x="1342163" y="3139754"/>
-                  <a:ext cx="1382124" cy="444937"/>
-                </a:xfrm>
-                <a:prstGeom prst="rect">
-                  <a:avLst/>
-                </a:prstGeom>
-                <a:blipFill>
-                  <a:blip r:embed="rId5"/>
-                  <a:stretch>
-                    <a:fillRect b="-4000"/>
-                  </a:stretch>
-                </a:blipFill>
-              </p:spPr>
-              <p:txBody>
-                <a:bodyPr/>
-                <a:lstStyle/>
-                <a:p>
-                  <a:r>
-                    <a:rPr lang="fr-FR">
-                      <a:noFill/>
-                    </a:rPr>
-                    <a:t> </a:t>
-                  </a:r>
-                </a:p>
-              </p:txBody>
-            </p:sp>
-          </mc:Fallback>
-        </mc:AlternateContent>
-        <mc:AlternateContent xmlns:mc="http://schemas.openxmlformats.org/markup-compatibility/2006">
-          <mc:Choice xmlns:a14="http://schemas.microsoft.com/office/drawing/2010/main" Requires="a14">
-            <p:sp>
-              <p:nvSpPr>
-                <p:cNvPr id="10" name="ZoneTexte 9"/>
-                <p:cNvSpPr txBox="1"/>
-                <p:nvPr/>
-              </p:nvSpPr>
-              <p:spPr>
-                <a:xfrm>
-                  <a:off x="2816149" y="3146498"/>
-                  <a:ext cx="1105042" cy="444937"/>
-                </a:xfrm>
-                <a:prstGeom prst="rect">
-                  <a:avLst/>
-                </a:prstGeom>
-                <a:noFill/>
-              </p:spPr>
-              <p:txBody>
-                <a:bodyPr wrap="square" rtlCol="0">
-                  <a:spAutoFit/>
-                </a:bodyPr>
-                <a:lstStyle/>
-                <a:p>
-                  <a:pPr algn="ctr"/>
-                  <a:r>
-                    <a:rPr lang="fr-FR" sz="701" dirty="0"/>
-                    <a:t>1 site</a:t>
-                  </a:r>
-                </a:p>
-                <a:p>
-                  <a:pPr algn="ctr"/>
-                  <a14:m>
-                    <m:oMath xmlns:m="http://schemas.openxmlformats.org/officeDocument/2006/math">
-                      <m:sSub>
-                        <m:sSubPr>
-                          <m:ctrlPr>
-                            <a:rPr lang="fr-FR" sz="701" i="1">
-                              <a:latin typeface="Cambria Math" panose="02040503050406030204" pitchFamily="18" charset="0"/>
-                            </a:rPr>
-                          </m:ctrlPr>
-                        </m:sSubPr>
-                        <m:e>
-                          <m:r>
-                            <m:rPr>
-                              <m:nor/>
-                            </m:rPr>
-                            <a:rPr lang="el-GR" sz="701" dirty="0">
-                              <a:latin typeface="Cambria Math" panose="02040503050406030204" pitchFamily="18" charset="0"/>
-                              <a:ea typeface="Cambria Math" panose="02040503050406030204" pitchFamily="18" charset="0"/>
-                            </a:rPr>
-                            <m:t>β</m:t>
-                          </m:r>
-                        </m:e>
-                        <m:sub>
-                          <m:r>
-                            <a:rPr lang="fr-FR" sz="701" i="1" dirty="0">
-                              <a:latin typeface="Cambria Math" panose="02040503050406030204" pitchFamily="18" charset="0"/>
-                            </a:rPr>
-                            <m:t>𝑖𝑛𝑡𝑒𝑟</m:t>
-                          </m:r>
-                          <m:r>
-                            <a:rPr lang="fr-FR" sz="701" i="1" dirty="0">
-                              <a:latin typeface="Cambria Math" panose="02040503050406030204" pitchFamily="18" charset="0"/>
-                            </a:rPr>
-                            <m:t>−</m:t>
-                          </m:r>
-                          <m:r>
-                            <a:rPr lang="fr-FR" sz="701" i="1" dirty="0">
-                              <a:latin typeface="Cambria Math" panose="02040503050406030204" pitchFamily="18" charset="0"/>
-                            </a:rPr>
-                            <m:t>𝑠𝑖𝑡𝑒</m:t>
-                          </m:r>
-                        </m:sub>
-                      </m:sSub>
-                    </m:oMath>
-                  </a14:m>
-                  <a:r>
-                    <a:rPr lang="fr-FR" sz="701" dirty="0"/>
-                    <a:t>= 0%</a:t>
-                  </a:r>
-                </a:p>
-              </p:txBody>
-            </p:sp>
-          </mc:Choice>
-          <mc:Fallback>
-            <p:sp>
-              <p:nvSpPr>
-                <p:cNvPr id="10" name="ZoneTexte 9"/>
-                <p:cNvSpPr txBox="1">
-                  <a:spLocks noRot="1" noChangeAspect="1" noMove="1" noResize="1" noEditPoints="1" noAdjustHandles="1" noChangeArrowheads="1" noChangeShapeType="1" noTextEdit="1"/>
-                </p:cNvSpPr>
-                <p:nvPr/>
-              </p:nvSpPr>
-              <p:spPr>
-                <a:xfrm>
-                  <a:off x="2816149" y="3146498"/>
-                  <a:ext cx="1105042" cy="444937"/>
-                </a:xfrm>
-                <a:prstGeom prst="rect">
-                  <a:avLst/>
-                </a:prstGeom>
-                <a:blipFill>
-                  <a:blip r:embed="rId6"/>
-                  <a:stretch>
-                    <a:fillRect b="-1961"/>
-                  </a:stretch>
-                </a:blipFill>
-              </p:spPr>
-              <p:txBody>
-                <a:bodyPr/>
-                <a:lstStyle/>
-                <a:p>
-                  <a:r>
-                    <a:rPr lang="fr-FR">
-                      <a:noFill/>
-                    </a:rPr>
-                    <a:t> </a:t>
-                  </a:r>
-                </a:p>
-              </p:txBody>
-            </p:sp>
-          </mc:Fallback>
-        </mc:AlternateContent>
-        <mc:AlternateContent xmlns:mc="http://schemas.openxmlformats.org/markup-compatibility/2006">
-          <mc:Choice xmlns:a14="http://schemas.microsoft.com/office/drawing/2010/main" Requires="a14">
-            <p:sp>
-              <p:nvSpPr>
-                <p:cNvPr id="11" name="ZoneTexte 10"/>
-                <p:cNvSpPr txBox="1"/>
-                <p:nvPr/>
-              </p:nvSpPr>
-              <p:spPr>
-                <a:xfrm>
-                  <a:off x="4152414" y="3141145"/>
-                  <a:ext cx="1141970" cy="444937"/>
-                </a:xfrm>
-                <a:prstGeom prst="rect">
-                  <a:avLst/>
-                </a:prstGeom>
-                <a:noFill/>
-              </p:spPr>
-              <p:txBody>
-                <a:bodyPr wrap="square" rtlCol="0">
-                  <a:spAutoFit/>
-                </a:bodyPr>
-                <a:lstStyle/>
-                <a:p>
-                  <a:pPr algn="ctr"/>
-                  <a:r>
-                    <a:rPr lang="fr-FR" sz="701" dirty="0"/>
-                    <a:t>4</a:t>
-                  </a:r>
-                  <a:r>
-                    <a:rPr lang="fr-FR" sz="701" dirty="0"/>
-                    <a:t> </a:t>
-                  </a:r>
-                  <a:r>
-                    <a:rPr lang="fr-FR" sz="701" dirty="0"/>
-                    <a:t>sites</a:t>
-                  </a:r>
-                </a:p>
-                <a:p>
-                  <a:pPr algn="ctr"/>
-                  <a14:m>
-                    <m:oMath xmlns:m="http://schemas.openxmlformats.org/officeDocument/2006/math">
-                      <m:sSub>
-                        <m:sSubPr>
-                          <m:ctrlPr>
-                            <a:rPr lang="fr-FR" sz="701" i="1">
-                              <a:latin typeface="Cambria Math" panose="02040503050406030204" pitchFamily="18" charset="0"/>
-                            </a:rPr>
-                          </m:ctrlPr>
-                        </m:sSubPr>
-                        <m:e>
-                          <m:r>
-                            <m:rPr>
-                              <m:nor/>
-                            </m:rPr>
-                            <a:rPr lang="el-GR" sz="701" dirty="0">
-                              <a:latin typeface="Cambria Math" panose="02040503050406030204" pitchFamily="18" charset="0"/>
-                              <a:ea typeface="Cambria Math" panose="02040503050406030204" pitchFamily="18" charset="0"/>
-                            </a:rPr>
-                            <m:t>β</m:t>
-                          </m:r>
-                        </m:e>
-                        <m:sub>
-                          <m:r>
-                            <a:rPr lang="fr-FR" sz="701" i="1" dirty="0">
-                              <a:latin typeface="Cambria Math" panose="02040503050406030204" pitchFamily="18" charset="0"/>
-                            </a:rPr>
-                            <m:t>𝑖𝑛𝑡𝑒𝑟</m:t>
-                          </m:r>
-                          <m:r>
-                            <a:rPr lang="fr-FR" sz="701" i="1" dirty="0">
-                              <a:latin typeface="Cambria Math" panose="02040503050406030204" pitchFamily="18" charset="0"/>
-                            </a:rPr>
-                            <m:t>−</m:t>
-                          </m:r>
-                          <m:r>
-                            <a:rPr lang="fr-FR" sz="701" i="1" dirty="0">
-                              <a:latin typeface="Cambria Math" panose="02040503050406030204" pitchFamily="18" charset="0"/>
-                            </a:rPr>
-                            <m:t>𝑠𝑖𝑡𝑒</m:t>
-                          </m:r>
-                        </m:sub>
-                      </m:sSub>
-                    </m:oMath>
-                  </a14:m>
-                  <a:r>
-                    <a:rPr lang="fr-FR" sz="701" dirty="0"/>
-                    <a:t>= </a:t>
-                  </a:r>
-                  <a:r>
-                    <a:rPr lang="fr-FR" sz="701" dirty="0"/>
-                    <a:t>11%</a:t>
-                  </a:r>
-                  <a:endParaRPr lang="fr-FR" sz="701" dirty="0"/>
-                </a:p>
-              </p:txBody>
-            </p:sp>
-          </mc:Choice>
-          <mc:Fallback>
-            <p:sp>
-              <p:nvSpPr>
-                <p:cNvPr id="11" name="ZoneTexte 10"/>
-                <p:cNvSpPr txBox="1">
-                  <a:spLocks noRot="1" noChangeAspect="1" noMove="1" noResize="1" noEditPoints="1" noAdjustHandles="1" noChangeArrowheads="1" noChangeShapeType="1" noTextEdit="1"/>
-                </p:cNvSpPr>
-                <p:nvPr/>
-              </p:nvSpPr>
-              <p:spPr>
-                <a:xfrm>
-                  <a:off x="4152414" y="3141145"/>
-                  <a:ext cx="1141970" cy="444937"/>
-                </a:xfrm>
-                <a:prstGeom prst="rect">
-                  <a:avLst/>
-                </a:prstGeom>
-                <a:blipFill>
-                  <a:blip r:embed="rId7"/>
-                  <a:stretch>
-                    <a:fillRect b="-4000"/>
-                  </a:stretch>
-                </a:blipFill>
-              </p:spPr>
-              <p:txBody>
-                <a:bodyPr/>
-                <a:lstStyle/>
-                <a:p>
-                  <a:r>
-                    <a:rPr lang="fr-FR">
-                      <a:noFill/>
-                    </a:rPr>
-                    <a:t> </a:t>
-                  </a:r>
-                </a:p>
-              </p:txBody>
-            </p:sp>
-          </mc:Fallback>
-        </mc:AlternateContent>
-        <mc:AlternateContent xmlns:mc="http://schemas.openxmlformats.org/markup-compatibility/2006">
-          <mc:Choice xmlns:a14="http://schemas.microsoft.com/office/drawing/2010/main" Requires="a14">
-            <p:sp>
-              <p:nvSpPr>
-                <p:cNvPr id="12" name="ZoneTexte 11"/>
-                <p:cNvSpPr txBox="1"/>
-                <p:nvPr/>
-              </p:nvSpPr>
-              <p:spPr>
-                <a:xfrm>
-                  <a:off x="5501427" y="3139754"/>
-                  <a:ext cx="1206289" cy="444937"/>
-                </a:xfrm>
-                <a:prstGeom prst="rect">
-                  <a:avLst/>
-                </a:prstGeom>
-                <a:noFill/>
-              </p:spPr>
-              <p:txBody>
-                <a:bodyPr wrap="square" rtlCol="0">
-                  <a:spAutoFit/>
-                </a:bodyPr>
-                <a:lstStyle/>
-                <a:p>
-                  <a:pPr algn="ctr"/>
-                  <a:r>
-                    <a:rPr lang="fr-FR" sz="701" dirty="0"/>
-                    <a:t>11 sites</a:t>
-                  </a:r>
-                </a:p>
-                <a:p>
-                  <a:pPr algn="ctr"/>
-                  <a14:m>
-                    <m:oMath xmlns:m="http://schemas.openxmlformats.org/officeDocument/2006/math">
-                      <m:sSub>
-                        <m:sSubPr>
-                          <m:ctrlPr>
-                            <a:rPr lang="fr-FR" sz="701" i="1">
-                              <a:latin typeface="Cambria Math" panose="02040503050406030204" pitchFamily="18" charset="0"/>
-                            </a:rPr>
-                          </m:ctrlPr>
-                        </m:sSubPr>
-                        <m:e>
-                          <m:r>
-                            <m:rPr>
-                              <m:nor/>
-                            </m:rPr>
-                            <a:rPr lang="el-GR" sz="701" dirty="0">
-                              <a:latin typeface="Cambria Math" panose="02040503050406030204" pitchFamily="18" charset="0"/>
-                              <a:ea typeface="Cambria Math" panose="02040503050406030204" pitchFamily="18" charset="0"/>
-                            </a:rPr>
-                            <m:t>β</m:t>
-                          </m:r>
-                        </m:e>
-                        <m:sub>
-                          <m:r>
-                            <a:rPr lang="fr-FR" sz="701" i="1" dirty="0">
-                              <a:latin typeface="Cambria Math" panose="02040503050406030204" pitchFamily="18" charset="0"/>
-                            </a:rPr>
-                            <m:t>𝑖𝑛𝑡𝑒𝑟</m:t>
-                          </m:r>
-                          <m:r>
-                            <a:rPr lang="fr-FR" sz="701" i="1" dirty="0">
-                              <a:latin typeface="Cambria Math" panose="02040503050406030204" pitchFamily="18" charset="0"/>
-                            </a:rPr>
-                            <m:t>−</m:t>
-                          </m:r>
-                          <m:r>
-                            <a:rPr lang="fr-FR" sz="701" i="1" dirty="0">
-                              <a:latin typeface="Cambria Math" panose="02040503050406030204" pitchFamily="18" charset="0"/>
-                            </a:rPr>
-                            <m:t>𝑠𝑖𝑡𝑒</m:t>
-                          </m:r>
-                        </m:sub>
-                      </m:sSub>
-                    </m:oMath>
-                  </a14:m>
-                  <a:r>
-                    <a:rPr lang="fr-FR" sz="701" dirty="0"/>
-                    <a:t>= </a:t>
-                  </a:r>
-                  <a:r>
-                    <a:rPr lang="fr-FR" sz="701" dirty="0"/>
-                    <a:t>46%</a:t>
-                  </a:r>
-                  <a:endParaRPr lang="fr-FR" sz="701" dirty="0"/>
-                </a:p>
-              </p:txBody>
-            </p:sp>
-          </mc:Choice>
-          <mc:Fallback>
-            <p:sp>
-              <p:nvSpPr>
-                <p:cNvPr id="12" name="ZoneTexte 11"/>
-                <p:cNvSpPr txBox="1">
-                  <a:spLocks noRot="1" noChangeAspect="1" noMove="1" noResize="1" noEditPoints="1" noAdjustHandles="1" noChangeArrowheads="1" noChangeShapeType="1" noTextEdit="1"/>
-                </p:cNvSpPr>
-                <p:nvPr/>
-              </p:nvSpPr>
-              <p:spPr>
-                <a:xfrm>
-                  <a:off x="5501427" y="3139754"/>
-                  <a:ext cx="1206289" cy="444937"/>
-                </a:xfrm>
-                <a:prstGeom prst="rect">
-                  <a:avLst/>
-                </a:prstGeom>
-                <a:blipFill>
-                  <a:blip r:embed="rId8"/>
-                  <a:stretch>
-                    <a:fillRect b="-4000"/>
-                  </a:stretch>
-                </a:blipFill>
-              </p:spPr>
-              <p:txBody>
-                <a:bodyPr/>
-                <a:lstStyle/>
-                <a:p>
-                  <a:r>
-                    <a:rPr lang="fr-FR">
-                      <a:noFill/>
-                    </a:rPr>
-                    <a:t> </a:t>
-                  </a:r>
-                </a:p>
-              </p:txBody>
-            </p:sp>
-          </mc:Fallback>
-        </mc:AlternateContent>
-        <mc:AlternateContent xmlns:mc="http://schemas.openxmlformats.org/markup-compatibility/2006">
-          <mc:Choice xmlns:a14="http://schemas.microsoft.com/office/drawing/2010/main" Requires="a14">
-            <p:sp>
-              <p:nvSpPr>
-                <p:cNvPr id="13" name="ZoneTexte 12"/>
-                <p:cNvSpPr txBox="1"/>
-                <p:nvPr/>
-              </p:nvSpPr>
-              <p:spPr>
-                <a:xfrm>
-                  <a:off x="1374911" y="4081026"/>
-                  <a:ext cx="1359336" cy="604332"/>
-                </a:xfrm>
-                <a:prstGeom prst="rect">
-                  <a:avLst/>
-                </a:prstGeom>
-                <a:noFill/>
-              </p:spPr>
-              <p:txBody>
-                <a:bodyPr wrap="square" rtlCol="0">
-                  <a:spAutoFit/>
-                </a:bodyPr>
-                <a:lstStyle/>
-                <a:p>
-                  <a:pPr algn="ctr"/>
-                  <a:r>
-                    <a:rPr lang="fr-FR" sz="701" dirty="0"/>
-                    <a:t>31 stations</a:t>
-                  </a:r>
-                </a:p>
-                <a:p>
-                  <a:pPr algn="ctr"/>
-                  <a14:m>
-                    <m:oMath xmlns:m="http://schemas.openxmlformats.org/officeDocument/2006/math">
-                      <m:sSub>
-                        <m:sSubPr>
-                          <m:ctrlPr>
-                            <a:rPr lang="fr-FR" sz="701" i="1">
-                              <a:latin typeface="Cambria Math" panose="02040503050406030204" pitchFamily="18" charset="0"/>
-                            </a:rPr>
-                          </m:ctrlPr>
-                        </m:sSubPr>
-                        <m:e>
-                          <m:acc>
-                            <m:accPr>
-                              <m:chr m:val="̅"/>
-                              <m:ctrlPr>
-                                <a:rPr lang="fr-FR" sz="701" i="1">
-                                  <a:latin typeface="Cambria Math" panose="02040503050406030204" pitchFamily="18" charset="0"/>
-                                </a:rPr>
-                              </m:ctrlPr>
-                            </m:accPr>
-                            <m:e>
-                              <m:r>
-                                <a:rPr lang="fr-FR" sz="701" i="1">
-                                  <a:latin typeface="Cambria Math" panose="02040503050406030204" pitchFamily="18" charset="0"/>
-                                  <a:ea typeface="Cambria Math" panose="02040503050406030204" pitchFamily="18" charset="0"/>
-                                </a:rPr>
-                                <m:t>𝛽</m:t>
-                              </m:r>
-                            </m:e>
-                          </m:acc>
-                        </m:e>
-                        <m:sub>
-                          <m:r>
-                            <a:rPr lang="fr-FR" sz="701" i="1" dirty="0">
-                              <a:latin typeface="Cambria Math" panose="02040503050406030204" pitchFamily="18" charset="0"/>
-                            </a:rPr>
-                            <m:t>𝑖𝑛𝑡𝑒𝑟</m:t>
-                          </m:r>
-                          <m:r>
-                            <a:rPr lang="fr-FR" sz="701" i="1" dirty="0">
-                              <a:latin typeface="Cambria Math" panose="02040503050406030204" pitchFamily="18" charset="0"/>
-                            </a:rPr>
-                            <m:t>−</m:t>
-                          </m:r>
-                          <m:r>
-                            <a:rPr lang="fr-FR" sz="701" i="1" dirty="0">
-                              <a:latin typeface="Cambria Math" panose="02040503050406030204" pitchFamily="18" charset="0"/>
-                            </a:rPr>
-                            <m:t>𝑠𝑡𝑎𝑡𝑖𝑜𝑛</m:t>
-                          </m:r>
-                        </m:sub>
-                      </m:sSub>
-                    </m:oMath>
-                  </a14:m>
-                  <a:r>
-                    <a:rPr lang="fr-FR" sz="701" dirty="0"/>
-                    <a:t>= 6.3%</a:t>
-                  </a:r>
-                  <a:endParaRPr lang="fr-FR" sz="701" dirty="0"/>
-                </a:p>
-                <a:p>
-                  <a:pPr algn="ctr"/>
-                  <a14:m>
-                    <m:oMath xmlns:m="http://schemas.openxmlformats.org/officeDocument/2006/math">
-                      <m:sSub>
-                        <m:sSubPr>
-                          <m:ctrlPr>
-                            <a:rPr lang="fr-FR" sz="701" i="1">
-                              <a:latin typeface="Cambria Math" panose="02040503050406030204" pitchFamily="18" charset="0"/>
-                            </a:rPr>
-                          </m:ctrlPr>
-                        </m:sSubPr>
-                        <m:e>
-                          <m:acc>
-                            <m:accPr>
-                              <m:chr m:val="̅"/>
-                              <m:ctrlPr>
-                                <a:rPr lang="fr-FR" sz="701" i="1">
-                                  <a:latin typeface="Cambria Math" panose="02040503050406030204" pitchFamily="18" charset="0"/>
-                                </a:rPr>
-                              </m:ctrlPr>
-                            </m:accPr>
-                            <m:e>
-                              <m:r>
-                                <a:rPr lang="fr-FR" sz="701" i="1">
-                                  <a:latin typeface="Cambria Math" panose="02040503050406030204" pitchFamily="18" charset="0"/>
-                                  <a:ea typeface="Cambria Math" panose="02040503050406030204" pitchFamily="18" charset="0"/>
-                                </a:rPr>
-                                <m:t>𝛼</m:t>
-                              </m:r>
-                            </m:e>
-                          </m:acc>
-                        </m:e>
-                        <m:sub>
-                          <m:r>
-                            <a:rPr lang="fr-FR" sz="701" i="1" dirty="0">
-                              <a:latin typeface="Cambria Math" panose="02040503050406030204" pitchFamily="18" charset="0"/>
-                            </a:rPr>
-                            <m:t>𝑠𝑡𝑎𝑡𝑖𝑜𝑛</m:t>
-                          </m:r>
-                        </m:sub>
-                      </m:sSub>
-                    </m:oMath>
-                  </a14:m>
-                  <a:r>
-                    <a:rPr lang="fr-FR" sz="701" dirty="0"/>
-                    <a:t>= </a:t>
-                  </a:r>
-                  <a:r>
-                    <a:rPr lang="fr-FR" sz="701" dirty="0"/>
-                    <a:t>4.1%</a:t>
-                  </a:r>
-                  <a:endParaRPr lang="fr-FR" sz="701" dirty="0"/>
-                </a:p>
-              </p:txBody>
-            </p:sp>
-          </mc:Choice>
-          <mc:Fallback>
-            <p:sp>
-              <p:nvSpPr>
-                <p:cNvPr id="13" name="ZoneTexte 12"/>
-                <p:cNvSpPr txBox="1">
-                  <a:spLocks noRot="1" noChangeAspect="1" noMove="1" noResize="1" noEditPoints="1" noAdjustHandles="1" noChangeArrowheads="1" noChangeShapeType="1" noTextEdit="1"/>
-                </p:cNvSpPr>
-                <p:nvPr/>
-              </p:nvSpPr>
-              <p:spPr>
-                <a:xfrm>
-                  <a:off x="1374911" y="4081026"/>
-                  <a:ext cx="1359336" cy="604332"/>
-                </a:xfrm>
-                <a:prstGeom prst="rect">
-                  <a:avLst/>
-                </a:prstGeom>
-                <a:blipFill>
-                  <a:blip r:embed="rId9"/>
-                  <a:stretch>
-                    <a:fillRect b="-1449"/>
-                  </a:stretch>
-                </a:blipFill>
-              </p:spPr>
-              <p:txBody>
-                <a:bodyPr/>
-                <a:lstStyle/>
-                <a:p>
-                  <a:r>
-                    <a:rPr lang="fr-FR">
-                      <a:noFill/>
-                    </a:rPr>
-                    <a:t> </a:t>
-                  </a:r>
-                </a:p>
-              </p:txBody>
-            </p:sp>
-          </mc:Fallback>
-        </mc:AlternateContent>
-        <mc:AlternateContent xmlns:mc="http://schemas.openxmlformats.org/markup-compatibility/2006">
-          <mc:Choice xmlns:a14="http://schemas.microsoft.com/office/drawing/2010/main" Requires="a14">
-            <p:sp>
-              <p:nvSpPr>
-                <p:cNvPr id="14" name="ZoneTexte 13"/>
-                <p:cNvSpPr txBox="1"/>
-                <p:nvPr/>
-              </p:nvSpPr>
-              <p:spPr>
-                <a:xfrm>
-                  <a:off x="2686664" y="4081026"/>
-                  <a:ext cx="1338177" cy="604332"/>
-                </a:xfrm>
-                <a:prstGeom prst="rect">
-                  <a:avLst/>
-                </a:prstGeom>
-                <a:noFill/>
-              </p:spPr>
-              <p:txBody>
-                <a:bodyPr wrap="square" rtlCol="0">
-                  <a:spAutoFit/>
-                </a:bodyPr>
-                <a:lstStyle/>
-                <a:p>
-                  <a:pPr algn="ctr"/>
-                  <a:r>
-                    <a:rPr lang="fr-FR" sz="701" dirty="0"/>
-                    <a:t>4 stations</a:t>
-                  </a:r>
-                </a:p>
-                <a:p>
-                  <a:pPr algn="ctr"/>
-                  <a14:m>
-                    <m:oMath xmlns:m="http://schemas.openxmlformats.org/officeDocument/2006/math">
-                      <m:sSub>
-                        <m:sSubPr>
-                          <m:ctrlPr>
-                            <a:rPr lang="fr-FR" sz="701" i="1">
-                              <a:latin typeface="Cambria Math" panose="02040503050406030204" pitchFamily="18" charset="0"/>
-                            </a:rPr>
-                          </m:ctrlPr>
-                        </m:sSubPr>
-                        <m:e>
-                          <m:acc>
-                            <m:accPr>
-                              <m:chr m:val="̅"/>
-                              <m:ctrlPr>
-                                <a:rPr lang="fr-FR" sz="701" i="1">
-                                  <a:latin typeface="Cambria Math" panose="02040503050406030204" pitchFamily="18" charset="0"/>
-                                </a:rPr>
-                              </m:ctrlPr>
-                            </m:accPr>
-                            <m:e>
-                              <m:r>
-                                <a:rPr lang="fr-FR" sz="701" i="1">
-                                  <a:latin typeface="Cambria Math" panose="02040503050406030204" pitchFamily="18" charset="0"/>
-                                  <a:ea typeface="Cambria Math" panose="02040503050406030204" pitchFamily="18" charset="0"/>
-                                </a:rPr>
-                                <m:t>𝛽</m:t>
-                              </m:r>
-                            </m:e>
-                          </m:acc>
-                        </m:e>
-                        <m:sub>
-                          <m:r>
-                            <a:rPr lang="fr-FR" sz="701" i="1" dirty="0">
-                              <a:latin typeface="Cambria Math" panose="02040503050406030204" pitchFamily="18" charset="0"/>
-                            </a:rPr>
-                            <m:t>𝑖𝑛𝑡𝑒𝑟</m:t>
-                          </m:r>
-                          <m:r>
-                            <a:rPr lang="fr-FR" sz="701" i="1" dirty="0">
-                              <a:latin typeface="Cambria Math" panose="02040503050406030204" pitchFamily="18" charset="0"/>
-                            </a:rPr>
-                            <m:t>−</m:t>
-                          </m:r>
-                          <m:r>
-                            <a:rPr lang="fr-FR" sz="701" i="1" dirty="0">
-                              <a:latin typeface="Cambria Math" panose="02040503050406030204" pitchFamily="18" charset="0"/>
-                            </a:rPr>
-                            <m:t>𝑠𝑡𝑎𝑡𝑖𝑜𝑛</m:t>
-                          </m:r>
-                        </m:sub>
-                      </m:sSub>
-                    </m:oMath>
-                  </a14:m>
-                  <a:r>
-                    <a:rPr lang="fr-FR" sz="701" dirty="0"/>
-                    <a:t>= 4.3%</a:t>
-                  </a:r>
-                  <a:endParaRPr lang="fr-FR" sz="701" dirty="0"/>
-                </a:p>
-                <a:p>
-                  <a:pPr algn="ctr"/>
-                  <a14:m>
-                    <m:oMath xmlns:m="http://schemas.openxmlformats.org/officeDocument/2006/math">
-                      <m:sSub>
-                        <m:sSubPr>
-                          <m:ctrlPr>
-                            <a:rPr lang="fr-FR" sz="701" i="1">
-                              <a:latin typeface="Cambria Math" panose="02040503050406030204" pitchFamily="18" charset="0"/>
-                            </a:rPr>
-                          </m:ctrlPr>
-                        </m:sSubPr>
-                        <m:e>
-                          <m:acc>
-                            <m:accPr>
-                              <m:chr m:val="̅"/>
-                              <m:ctrlPr>
-                                <a:rPr lang="fr-FR" sz="701" i="1">
-                                  <a:latin typeface="Cambria Math" panose="02040503050406030204" pitchFamily="18" charset="0"/>
-                                </a:rPr>
-                              </m:ctrlPr>
-                            </m:accPr>
-                            <m:e>
-                              <m:r>
-                                <a:rPr lang="fr-FR" sz="701" i="1">
-                                  <a:latin typeface="Cambria Math" panose="02040503050406030204" pitchFamily="18" charset="0"/>
-                                  <a:ea typeface="Cambria Math" panose="02040503050406030204" pitchFamily="18" charset="0"/>
-                                </a:rPr>
-                                <m:t>𝛼</m:t>
-                              </m:r>
-                            </m:e>
-                          </m:acc>
-                        </m:e>
-                        <m:sub>
-                          <m:r>
-                            <a:rPr lang="fr-FR" sz="701" i="1" dirty="0">
-                              <a:latin typeface="Cambria Math" panose="02040503050406030204" pitchFamily="18" charset="0"/>
-                            </a:rPr>
-                            <m:t>𝑠𝑡𝑎𝑡𝑖𝑜𝑛</m:t>
-                          </m:r>
-                        </m:sub>
-                      </m:sSub>
-                    </m:oMath>
-                  </a14:m>
-                  <a:r>
-                    <a:rPr lang="fr-FR" sz="701" dirty="0"/>
-                    <a:t>= </a:t>
-                  </a:r>
-                  <a:r>
-                    <a:rPr lang="fr-FR" sz="701" dirty="0"/>
-                    <a:t>4.3%</a:t>
-                  </a:r>
-                  <a:endParaRPr lang="fr-FR" sz="701" dirty="0"/>
-                </a:p>
-              </p:txBody>
-            </p:sp>
-          </mc:Choice>
-          <mc:Fallback>
-            <p:sp>
-              <p:nvSpPr>
-                <p:cNvPr id="14" name="ZoneTexte 13"/>
-                <p:cNvSpPr txBox="1">
-                  <a:spLocks noRot="1" noChangeAspect="1" noMove="1" noResize="1" noEditPoints="1" noAdjustHandles="1" noChangeArrowheads="1" noChangeShapeType="1" noTextEdit="1"/>
-                </p:cNvSpPr>
-                <p:nvPr/>
-              </p:nvSpPr>
-              <p:spPr>
-                <a:xfrm>
-                  <a:off x="2686664" y="4081026"/>
-                  <a:ext cx="1338177" cy="604332"/>
-                </a:xfrm>
-                <a:prstGeom prst="rect">
-                  <a:avLst/>
-                </a:prstGeom>
-                <a:blipFill>
-                  <a:blip r:embed="rId10"/>
-                  <a:stretch>
-                    <a:fillRect b="-1449"/>
-                  </a:stretch>
-                </a:blipFill>
-              </p:spPr>
-              <p:txBody>
-                <a:bodyPr/>
-                <a:lstStyle/>
-                <a:p>
-                  <a:r>
-                    <a:rPr lang="fr-FR">
-                      <a:noFill/>
-                    </a:rPr>
-                    <a:t> </a:t>
-                  </a:r>
-                </a:p>
-              </p:txBody>
-            </p:sp>
-          </mc:Fallback>
-        </mc:AlternateContent>
-        <mc:AlternateContent xmlns:mc="http://schemas.openxmlformats.org/markup-compatibility/2006">
-          <mc:Choice xmlns:a14="http://schemas.microsoft.com/office/drawing/2010/main" Requires="a14">
-            <p:sp>
-              <p:nvSpPr>
-                <p:cNvPr id="15" name="ZoneTexte 14"/>
-                <p:cNvSpPr txBox="1"/>
-                <p:nvPr/>
-              </p:nvSpPr>
-              <p:spPr>
-                <a:xfrm>
-                  <a:off x="4116823" y="4081026"/>
-                  <a:ext cx="1283101" cy="604332"/>
-                </a:xfrm>
-                <a:prstGeom prst="rect">
-                  <a:avLst/>
-                </a:prstGeom>
-                <a:noFill/>
-              </p:spPr>
-              <p:txBody>
-                <a:bodyPr wrap="square" rtlCol="0">
-                  <a:spAutoFit/>
-                </a:bodyPr>
-                <a:lstStyle/>
-                <a:p>
-                  <a:pPr algn="ctr"/>
-                  <a:r>
-                    <a:rPr lang="fr-FR" sz="701" dirty="0"/>
-                    <a:t>16 </a:t>
-                  </a:r>
-                  <a:r>
-                    <a:rPr lang="fr-FR" sz="701" dirty="0"/>
-                    <a:t>stations</a:t>
-                  </a:r>
-                </a:p>
-                <a:p>
-                  <a:pPr algn="ctr"/>
-                  <a14:m>
-                    <m:oMath xmlns:m="http://schemas.openxmlformats.org/officeDocument/2006/math">
-                      <m:sSub>
-                        <m:sSubPr>
-                          <m:ctrlPr>
-                            <a:rPr lang="fr-FR" sz="701" i="1">
-                              <a:latin typeface="Cambria Math" panose="02040503050406030204" pitchFamily="18" charset="0"/>
-                            </a:rPr>
-                          </m:ctrlPr>
-                        </m:sSubPr>
-                        <m:e>
-                          <m:acc>
-                            <m:accPr>
-                              <m:chr m:val="̅"/>
-                              <m:ctrlPr>
-                                <a:rPr lang="fr-FR" sz="701" i="1">
-                                  <a:latin typeface="Cambria Math" panose="02040503050406030204" pitchFamily="18" charset="0"/>
-                                </a:rPr>
-                              </m:ctrlPr>
-                            </m:accPr>
-                            <m:e>
-                              <m:r>
-                                <a:rPr lang="fr-FR" sz="701" i="1">
-                                  <a:latin typeface="Cambria Math" panose="02040503050406030204" pitchFamily="18" charset="0"/>
-                                  <a:ea typeface="Cambria Math" panose="02040503050406030204" pitchFamily="18" charset="0"/>
-                                </a:rPr>
-                                <m:t>𝛽</m:t>
-                              </m:r>
-                            </m:e>
-                          </m:acc>
-                        </m:e>
-                        <m:sub>
-                          <m:r>
-                            <a:rPr lang="fr-FR" sz="701" i="1" dirty="0">
-                              <a:latin typeface="Cambria Math" panose="02040503050406030204" pitchFamily="18" charset="0"/>
-                            </a:rPr>
-                            <m:t>𝑖𝑛𝑡𝑒𝑟</m:t>
-                          </m:r>
-                          <m:r>
-                            <a:rPr lang="fr-FR" sz="701" i="1" dirty="0">
-                              <a:latin typeface="Cambria Math" panose="02040503050406030204" pitchFamily="18" charset="0"/>
-                            </a:rPr>
-                            <m:t>−</m:t>
-                          </m:r>
-                          <m:r>
-                            <a:rPr lang="fr-FR" sz="701" i="1" dirty="0">
-                              <a:latin typeface="Cambria Math" panose="02040503050406030204" pitchFamily="18" charset="0"/>
-                            </a:rPr>
-                            <m:t>𝑠𝑡𝑎𝑡𝑖𝑜𝑛</m:t>
-                          </m:r>
-                        </m:sub>
-                      </m:sSub>
-                    </m:oMath>
-                  </a14:m>
-                  <a:r>
-                    <a:rPr lang="fr-FR" sz="701" dirty="0"/>
-                    <a:t>= 5%</a:t>
-                  </a:r>
-                  <a:endParaRPr lang="fr-FR" sz="701" dirty="0"/>
-                </a:p>
-                <a:p>
-                  <a:pPr algn="ctr"/>
-                  <a14:m>
-                    <m:oMath xmlns:m="http://schemas.openxmlformats.org/officeDocument/2006/math">
-                      <m:sSub>
-                        <m:sSubPr>
-                          <m:ctrlPr>
-                            <a:rPr lang="fr-FR" sz="701" i="1">
-                              <a:latin typeface="Cambria Math" panose="02040503050406030204" pitchFamily="18" charset="0"/>
-                            </a:rPr>
-                          </m:ctrlPr>
-                        </m:sSubPr>
-                        <m:e>
-                          <m:acc>
-                            <m:accPr>
-                              <m:chr m:val="̅"/>
-                              <m:ctrlPr>
-                                <a:rPr lang="fr-FR" sz="701" i="1">
-                                  <a:latin typeface="Cambria Math" panose="02040503050406030204" pitchFamily="18" charset="0"/>
-                                </a:rPr>
-                              </m:ctrlPr>
-                            </m:accPr>
-                            <m:e>
-                              <m:r>
-                                <a:rPr lang="fr-FR" sz="701" i="1">
-                                  <a:latin typeface="Cambria Math" panose="02040503050406030204" pitchFamily="18" charset="0"/>
-                                  <a:ea typeface="Cambria Math" panose="02040503050406030204" pitchFamily="18" charset="0"/>
-                                </a:rPr>
-                                <m:t>𝛼</m:t>
-                              </m:r>
-                            </m:e>
-                          </m:acc>
-                        </m:e>
-                        <m:sub>
-                          <m:r>
-                            <a:rPr lang="fr-FR" sz="701" i="1" dirty="0">
-                              <a:latin typeface="Cambria Math" panose="02040503050406030204" pitchFamily="18" charset="0"/>
-                            </a:rPr>
-                            <m:t>𝑠𝑡𝑎𝑡𝑖𝑜𝑛</m:t>
-                          </m:r>
-                        </m:sub>
-                      </m:sSub>
-                    </m:oMath>
-                  </a14:m>
-                  <a:r>
-                    <a:rPr lang="fr-FR" sz="701" dirty="0"/>
-                    <a:t>= </a:t>
-                  </a:r>
-                  <a:r>
-                    <a:rPr lang="fr-FR" sz="701" dirty="0"/>
-                    <a:t>5%</a:t>
-                  </a:r>
-                  <a:endParaRPr lang="fr-FR" sz="701" dirty="0"/>
-                </a:p>
-              </p:txBody>
-            </p:sp>
-          </mc:Choice>
-          <mc:Fallback>
-            <p:sp>
-              <p:nvSpPr>
-                <p:cNvPr id="15" name="ZoneTexte 14"/>
-                <p:cNvSpPr txBox="1">
-                  <a:spLocks noRot="1" noChangeAspect="1" noMove="1" noResize="1" noEditPoints="1" noAdjustHandles="1" noChangeArrowheads="1" noChangeShapeType="1" noTextEdit="1"/>
-                </p:cNvSpPr>
-                <p:nvPr/>
-              </p:nvSpPr>
-              <p:spPr>
-                <a:xfrm>
-                  <a:off x="4116823" y="4081026"/>
-                  <a:ext cx="1283101" cy="604332"/>
-                </a:xfrm>
-                <a:prstGeom prst="rect">
-                  <a:avLst/>
-                </a:prstGeom>
-                <a:blipFill>
-                  <a:blip r:embed="rId11"/>
-                  <a:stretch>
-                    <a:fillRect b="-1449"/>
-                  </a:stretch>
-                </a:blipFill>
-              </p:spPr>
-              <p:txBody>
-                <a:bodyPr/>
-                <a:lstStyle/>
-                <a:p>
-                  <a:r>
-                    <a:rPr lang="fr-FR">
-                      <a:noFill/>
-                    </a:rPr>
-                    <a:t> </a:t>
-                  </a:r>
-                </a:p>
-              </p:txBody>
-            </p:sp>
-          </mc:Fallback>
-        </mc:AlternateContent>
-        <mc:AlternateContent xmlns:mc="http://schemas.openxmlformats.org/markup-compatibility/2006">
-          <mc:Choice xmlns:a14="http://schemas.microsoft.com/office/drawing/2010/main" Requires="a14">
-            <p:sp>
-              <p:nvSpPr>
-                <p:cNvPr id="16" name="ZoneTexte 15"/>
-                <p:cNvSpPr txBox="1"/>
-                <p:nvPr/>
-              </p:nvSpPr>
-              <p:spPr>
-                <a:xfrm>
-                  <a:off x="5390054" y="4095953"/>
-                  <a:ext cx="1411089" cy="604332"/>
-                </a:xfrm>
-                <a:prstGeom prst="rect">
-                  <a:avLst/>
-                </a:prstGeom>
-                <a:noFill/>
-              </p:spPr>
-              <p:txBody>
-                <a:bodyPr wrap="square" rtlCol="0">
-                  <a:spAutoFit/>
-                </a:bodyPr>
-                <a:lstStyle/>
-                <a:p>
-                  <a:pPr algn="ctr"/>
-                  <a:r>
-                    <a:rPr lang="fr-FR" sz="701" dirty="0"/>
-                    <a:t>46 stations</a:t>
-                  </a:r>
-                </a:p>
-                <a:p>
-                  <a:pPr algn="ctr"/>
-                  <a14:m>
-                    <m:oMath xmlns:m="http://schemas.openxmlformats.org/officeDocument/2006/math">
-                      <m:sSub>
-                        <m:sSubPr>
-                          <m:ctrlPr>
-                            <a:rPr lang="fr-FR" sz="701" i="1">
-                              <a:latin typeface="Cambria Math" panose="02040503050406030204" pitchFamily="18" charset="0"/>
-                            </a:rPr>
-                          </m:ctrlPr>
-                        </m:sSubPr>
-                        <m:e>
-                          <m:acc>
-                            <m:accPr>
-                              <m:chr m:val="̅"/>
-                              <m:ctrlPr>
-                                <a:rPr lang="fr-FR" sz="701" i="1">
-                                  <a:latin typeface="Cambria Math" panose="02040503050406030204" pitchFamily="18" charset="0"/>
-                                </a:rPr>
-                              </m:ctrlPr>
-                            </m:accPr>
-                            <m:e>
-                              <m:r>
-                                <a:rPr lang="fr-FR" sz="701" i="1">
-                                  <a:latin typeface="Cambria Math" panose="02040503050406030204" pitchFamily="18" charset="0"/>
-                                  <a:ea typeface="Cambria Math" panose="02040503050406030204" pitchFamily="18" charset="0"/>
-                                </a:rPr>
-                                <m:t>𝛽</m:t>
-                              </m:r>
-                            </m:e>
-                          </m:acc>
-                        </m:e>
-                        <m:sub>
-                          <m:r>
-                            <a:rPr lang="fr-FR" sz="701" i="1" dirty="0">
-                              <a:latin typeface="Cambria Math" panose="02040503050406030204" pitchFamily="18" charset="0"/>
-                            </a:rPr>
-                            <m:t>𝑖𝑛𝑡𝑒𝑟</m:t>
-                          </m:r>
-                          <m:r>
-                            <a:rPr lang="fr-FR" sz="701" i="1" dirty="0">
-                              <a:latin typeface="Cambria Math" panose="02040503050406030204" pitchFamily="18" charset="0"/>
-                            </a:rPr>
-                            <m:t>−</m:t>
-                          </m:r>
-                          <m:r>
-                            <a:rPr lang="fr-FR" sz="701" i="1" dirty="0">
-                              <a:latin typeface="Cambria Math" panose="02040503050406030204" pitchFamily="18" charset="0"/>
-                            </a:rPr>
-                            <m:t>𝑠𝑡𝑎𝑡𝑖𝑜𝑛</m:t>
-                          </m:r>
-                        </m:sub>
-                      </m:sSub>
-                    </m:oMath>
-                  </a14:m>
-                  <a:r>
-                    <a:rPr lang="fr-FR" sz="701" dirty="0"/>
-                    <a:t>= 10.6%</a:t>
-                  </a:r>
-                  <a:endParaRPr lang="fr-FR" sz="701" dirty="0"/>
-                </a:p>
-                <a:p>
-                  <a:pPr algn="ctr"/>
-                  <a14:m>
-                    <m:oMath xmlns:m="http://schemas.openxmlformats.org/officeDocument/2006/math">
-                      <m:sSub>
-                        <m:sSubPr>
-                          <m:ctrlPr>
-                            <a:rPr lang="fr-FR" sz="701" i="1">
-                              <a:latin typeface="Cambria Math" panose="02040503050406030204" pitchFamily="18" charset="0"/>
-                            </a:rPr>
-                          </m:ctrlPr>
-                        </m:sSubPr>
-                        <m:e>
-                          <m:acc>
-                            <m:accPr>
-                              <m:chr m:val="̅"/>
-                              <m:ctrlPr>
-                                <a:rPr lang="fr-FR" sz="701" i="1">
-                                  <a:latin typeface="Cambria Math" panose="02040503050406030204" pitchFamily="18" charset="0"/>
-                                </a:rPr>
-                              </m:ctrlPr>
-                            </m:accPr>
-                            <m:e>
-                              <m:r>
-                                <a:rPr lang="fr-FR" sz="701" i="1">
-                                  <a:latin typeface="Cambria Math" panose="02040503050406030204" pitchFamily="18" charset="0"/>
-                                  <a:ea typeface="Cambria Math" panose="02040503050406030204" pitchFamily="18" charset="0"/>
-                                </a:rPr>
-                                <m:t>𝛼</m:t>
-                              </m:r>
-                            </m:e>
-                          </m:acc>
-                        </m:e>
-                        <m:sub>
-                          <m:r>
-                            <a:rPr lang="fr-FR" sz="701" i="1" dirty="0">
-                              <a:latin typeface="Cambria Math" panose="02040503050406030204" pitchFamily="18" charset="0"/>
-                            </a:rPr>
-                            <m:t>𝑠𝑡𝑎𝑡𝑖𝑜𝑛</m:t>
-                          </m:r>
-                        </m:sub>
-                      </m:sSub>
-                    </m:oMath>
-                  </a14:m>
-                  <a:r>
-                    <a:rPr lang="fr-FR" sz="701" dirty="0"/>
-                    <a:t>= </a:t>
-                  </a:r>
-                  <a:r>
-                    <a:rPr lang="fr-FR" sz="701" dirty="0"/>
-                    <a:t>7.3%</a:t>
-                  </a:r>
-                  <a:endParaRPr lang="fr-FR" sz="701" dirty="0"/>
-                </a:p>
-              </p:txBody>
-            </p:sp>
-          </mc:Choice>
-          <mc:Fallback>
-            <p:sp>
-              <p:nvSpPr>
-                <p:cNvPr id="16" name="ZoneTexte 15"/>
-                <p:cNvSpPr txBox="1">
-                  <a:spLocks noRot="1" noChangeAspect="1" noMove="1" noResize="1" noEditPoints="1" noAdjustHandles="1" noChangeArrowheads="1" noChangeShapeType="1" noTextEdit="1"/>
-                </p:cNvSpPr>
-                <p:nvPr/>
-              </p:nvSpPr>
-              <p:spPr>
-                <a:xfrm>
-                  <a:off x="5390054" y="4095953"/>
-                  <a:ext cx="1411089" cy="604332"/>
-                </a:xfrm>
-                <a:prstGeom prst="rect">
-                  <a:avLst/>
-                </a:prstGeom>
-                <a:blipFill>
-                  <a:blip r:embed="rId12"/>
-                  <a:stretch>
-                    <a:fillRect b="-1449"/>
-                  </a:stretch>
-                </a:blipFill>
-              </p:spPr>
-              <p:txBody>
-                <a:bodyPr/>
-                <a:lstStyle/>
-                <a:p>
-                  <a:r>
-                    <a:rPr lang="fr-FR">
-                      <a:noFill/>
-                    </a:rPr>
-                    <a:t> </a:t>
-                  </a:r>
-                </a:p>
-              </p:txBody>
-            </p:sp>
-          </mc:Fallback>
-        </mc:AlternateContent>
-        <mc:AlternateContent xmlns:mc="http://schemas.openxmlformats.org/markup-compatibility/2006">
-          <mc:Choice xmlns:a14="http://schemas.microsoft.com/office/drawing/2010/main" Requires="a14">
-            <p:sp>
-              <p:nvSpPr>
-                <p:cNvPr id="17" name="ZoneTexte 16"/>
-                <p:cNvSpPr txBox="1"/>
-                <p:nvPr/>
-              </p:nvSpPr>
-              <p:spPr>
-                <a:xfrm>
-                  <a:off x="3535976" y="4709858"/>
-                  <a:ext cx="1055136" cy="306566"/>
-                </a:xfrm>
-                <a:prstGeom prst="rect">
-                  <a:avLst/>
-                </a:prstGeom>
-                <a:noFill/>
-              </p:spPr>
-              <p:txBody>
-                <a:bodyPr wrap="square" rtlCol="0">
-                  <a:spAutoFit/>
-                </a:bodyPr>
-                <a:lstStyle/>
-                <a:p>
-                  <a14:m>
-                    <m:oMath xmlns:m="http://schemas.openxmlformats.org/officeDocument/2006/math">
-                      <m:sSub>
-                        <m:sSubPr>
-                          <m:ctrlPr>
-                            <a:rPr lang="fr-FR" sz="779" b="1" i="1">
-                              <a:solidFill>
-                                <a:srgbClr val="FF0000"/>
-                              </a:solidFill>
-                              <a:latin typeface="Cambria Math" panose="02040503050406030204" pitchFamily="18" charset="0"/>
-                            </a:rPr>
-                          </m:ctrlPr>
-                        </m:sSubPr>
-                        <m:e>
-                          <m:acc>
-                            <m:accPr>
-                              <m:chr m:val="̅"/>
-                              <m:ctrlPr>
-                                <a:rPr lang="fr-FR" sz="779" b="1" i="1">
-                                  <a:solidFill>
-                                    <a:srgbClr val="FF0000"/>
-                                  </a:solidFill>
-                                  <a:latin typeface="Cambria Math" panose="02040503050406030204" pitchFamily="18" charset="0"/>
-                                </a:rPr>
-                              </m:ctrlPr>
-                            </m:accPr>
-                            <m:e>
-                              <m:r>
-                                <a:rPr lang="fr-FR" sz="779" b="1" i="1">
-                                  <a:solidFill>
-                                    <a:srgbClr val="FF0000"/>
-                                  </a:solidFill>
-                                  <a:latin typeface="Cambria Math" panose="02040503050406030204" pitchFamily="18" charset="0"/>
-                                  <a:ea typeface="Cambria Math" panose="02040503050406030204" pitchFamily="18" charset="0"/>
-                                </a:rPr>
-                                <m:t>𝜶</m:t>
-                              </m:r>
-                            </m:e>
-                          </m:acc>
-                        </m:e>
-                        <m:sub>
-                          <m:r>
-                            <a:rPr lang="fr-FR" sz="779" b="1" i="1" dirty="0">
-                              <a:solidFill>
-                                <a:srgbClr val="FF0000"/>
-                              </a:solidFill>
-                              <a:latin typeface="Cambria Math" panose="02040503050406030204" pitchFamily="18" charset="0"/>
-                            </a:rPr>
-                            <m:t>𝒔𝒕𝒂𝒕𝒊𝒐𝒏</m:t>
-                          </m:r>
-                        </m:sub>
-                      </m:sSub>
-                    </m:oMath>
-                  </a14:m>
-                  <a:r>
-                    <a:rPr lang="fr-FR" sz="779" b="1" dirty="0">
-                      <a:solidFill>
-                        <a:srgbClr val="FF0000"/>
-                      </a:solidFill>
-                    </a:rPr>
-                    <a:t>= </a:t>
-                  </a:r>
-                  <a:r>
-                    <a:rPr lang="fr-FR" sz="779" b="1" dirty="0">
-                      <a:solidFill>
-                        <a:srgbClr val="FF0000"/>
-                      </a:solidFill>
-                    </a:rPr>
-                    <a:t>5%</a:t>
-                  </a:r>
-                  <a:endParaRPr lang="fr-FR" sz="779" b="1" dirty="0">
+            </p:spPr>
+            <p:txBody>
+              <a:bodyPr wrap="square" rtlCol="0">
+                <a:spAutoFit/>
+              </a:bodyPr>
+              <a:lstStyle/>
+              <a:p>
+                <a:pPr algn="ctr"/>
+                <a14:m>
+                  <m:oMath xmlns:m="http://schemas.openxmlformats.org/officeDocument/2006/math">
+                    <m:sSub>
+                      <m:sSubPr>
+                        <m:ctrlPr>
+                          <a:rPr lang="fr-FR" sz="701" b="1" i="1">
+                            <a:solidFill>
+                              <a:srgbClr val="FF0000"/>
+                            </a:solidFill>
+                            <a:latin typeface="Cambria Math" panose="02040503050406030204" pitchFamily="18" charset="0"/>
+                          </a:rPr>
+                        </m:ctrlPr>
+                      </m:sSubPr>
+                      <m:e>
+                        <m:r>
+                          <m:rPr>
+                            <m:nor/>
+                          </m:rPr>
+                          <a:rPr lang="el-GR" sz="701" b="1" dirty="0">
+                            <a:solidFill>
+                              <a:srgbClr val="FF0000"/>
+                            </a:solidFill>
+                            <a:latin typeface="Sitka Text" panose="02000505000000020004" pitchFamily="2" charset="0"/>
+                          </a:rPr>
+                          <m:t>γ</m:t>
+                        </m:r>
+                      </m:e>
+                      <m:sub>
+                        <m:r>
+                          <a:rPr lang="fr-FR" sz="701" b="1" i="1">
+                            <a:solidFill>
+                              <a:srgbClr val="FF0000"/>
+                            </a:solidFill>
+                            <a:latin typeface="Cambria Math" panose="02040503050406030204" pitchFamily="18" charset="0"/>
+                          </a:rPr>
+                          <m:t>𝒈𝒍𝒐𝒃𝒂𝒍</m:t>
+                        </m:r>
+                      </m:sub>
+                    </m:sSub>
+                  </m:oMath>
+                </a14:m>
+                <a:r>
+                  <a:rPr lang="fr-FR" sz="701" b="1" dirty="0">
                     <a:solidFill>
                       <a:srgbClr val="FF0000"/>
                     </a:solidFill>
-                  </a:endParaRPr>
-                </a:p>
-              </p:txBody>
-            </p:sp>
-          </mc:Choice>
-          <mc:Fallback>
-            <p:sp>
-              <p:nvSpPr>
-                <p:cNvPr id="17" name="ZoneTexte 16"/>
-                <p:cNvSpPr txBox="1">
-                  <a:spLocks noRot="1" noChangeAspect="1" noMove="1" noResize="1" noEditPoints="1" noAdjustHandles="1" noChangeArrowheads="1" noChangeShapeType="1" noTextEdit="1"/>
-                </p:cNvSpPr>
-                <p:nvPr/>
-              </p:nvSpPr>
-              <p:spPr>
-                <a:xfrm>
-                  <a:off x="3535976" y="4709858"/>
-                  <a:ext cx="1055136" cy="306566"/>
-                </a:xfrm>
-                <a:prstGeom prst="rect">
-                  <a:avLst/>
-                </a:prstGeom>
-                <a:blipFill>
-                  <a:blip r:embed="rId13"/>
-                  <a:stretch>
-                    <a:fillRect b="-2857"/>
-                  </a:stretch>
-                </a:blipFill>
-              </p:spPr>
-              <p:txBody>
-                <a:bodyPr/>
-                <a:lstStyle/>
-                <a:p>
-                  <a:r>
-                    <a:rPr lang="fr-FR">
-                      <a:noFill/>
-                    </a:rPr>
-                    <a:t> </a:t>
-                  </a:r>
-                </a:p>
-              </p:txBody>
-            </p:sp>
-          </mc:Fallback>
-        </mc:AlternateContent>
-        <mc:AlternateContent xmlns:mc="http://schemas.openxmlformats.org/markup-compatibility/2006">
-          <mc:Choice xmlns:a14="http://schemas.microsoft.com/office/drawing/2010/main" Requires="a14">
-            <p:sp>
-              <p:nvSpPr>
-                <p:cNvPr id="18" name="ZoneTexte 17"/>
-                <p:cNvSpPr txBox="1"/>
-                <p:nvPr/>
-              </p:nvSpPr>
-              <p:spPr>
-                <a:xfrm>
-                  <a:off x="3337489" y="3685425"/>
-                  <a:ext cx="1497152" cy="310548"/>
-                </a:xfrm>
-                <a:prstGeom prst="rect">
-                  <a:avLst/>
-                </a:prstGeom>
-                <a:noFill/>
-              </p:spPr>
-              <p:txBody>
-                <a:bodyPr wrap="square" rtlCol="0">
-                  <a:spAutoFit/>
-                </a:bodyPr>
-                <a:lstStyle/>
-                <a:p>
-                  <a14:m>
-                    <m:oMath xmlns:m="http://schemas.openxmlformats.org/officeDocument/2006/math">
-                      <m:sSub>
-                        <m:sSubPr>
-                          <m:ctrlPr>
-                            <a:rPr lang="fr-FR" sz="779" b="1" i="1">
-                              <a:solidFill>
-                                <a:srgbClr val="FF0000"/>
-                              </a:solidFill>
-                              <a:latin typeface="Cambria Math" panose="02040503050406030204" pitchFamily="18" charset="0"/>
-                            </a:rPr>
-                          </m:ctrlPr>
-                        </m:sSubPr>
-                        <m:e>
-                          <m:acc>
-                            <m:accPr>
-                              <m:chr m:val="̅"/>
-                              <m:ctrlPr>
-                                <a:rPr lang="fr-FR" sz="779" b="1" i="1">
-                                  <a:solidFill>
-                                    <a:srgbClr val="FF0000"/>
-                                  </a:solidFill>
-                                  <a:latin typeface="Cambria Math" panose="02040503050406030204" pitchFamily="18" charset="0"/>
-                                </a:rPr>
-                              </m:ctrlPr>
-                            </m:accPr>
-                            <m:e>
-                              <m:r>
-                                <a:rPr lang="fr-FR" sz="779" b="1" i="1">
-                                  <a:solidFill>
-                                    <a:srgbClr val="FF0000"/>
-                                  </a:solidFill>
-                                  <a:latin typeface="Cambria Math" panose="02040503050406030204" pitchFamily="18" charset="0"/>
-                                </a:rPr>
-                                <m:t>𝜷</m:t>
-                              </m:r>
-                            </m:e>
-                          </m:acc>
-                        </m:e>
-                        <m:sub>
-                          <m:r>
-                            <a:rPr lang="fr-FR" sz="779" b="1" i="1" dirty="0">
-                              <a:solidFill>
-                                <a:srgbClr val="FF0000"/>
-                              </a:solidFill>
-                              <a:latin typeface="Cambria Math" panose="02040503050406030204" pitchFamily="18" charset="0"/>
-                            </a:rPr>
-                            <m:t>𝒊𝒏𝒕𝒆𝒓</m:t>
-                          </m:r>
-                          <m:r>
-                            <a:rPr lang="fr-FR" sz="779" b="1" dirty="0">
-                              <a:solidFill>
-                                <a:srgbClr val="FF0000"/>
-                              </a:solidFill>
-                              <a:latin typeface="Cambria Math" panose="02040503050406030204" pitchFamily="18" charset="0"/>
-                            </a:rPr>
-                            <m:t>−</m:t>
-                          </m:r>
-                          <m:r>
-                            <a:rPr lang="fr-FR" sz="779" b="1" i="1" dirty="0">
-                              <a:solidFill>
-                                <a:srgbClr val="FF0000"/>
-                              </a:solidFill>
-                              <a:latin typeface="Cambria Math" panose="02040503050406030204" pitchFamily="18" charset="0"/>
-                            </a:rPr>
-                            <m:t>𝒔𝒕𝒂𝒕𝒊𝒐𝒏</m:t>
-                          </m:r>
-                        </m:sub>
-                      </m:sSub>
-                    </m:oMath>
-                  </a14:m>
-                  <a:r>
-                    <a:rPr lang="fr-FR" sz="779" b="1" dirty="0">
-                      <a:solidFill>
-                        <a:srgbClr val="FF0000"/>
-                      </a:solidFill>
-                    </a:rPr>
-                    <a:t>= </a:t>
-                  </a:r>
-                  <a:r>
-                    <a:rPr lang="fr-FR" sz="779" b="1" dirty="0">
-                      <a:solidFill>
-                        <a:srgbClr val="FF0000"/>
-                      </a:solidFill>
-                    </a:rPr>
-                    <a:t>6.5%</a:t>
-                  </a:r>
-                  <a:endParaRPr lang="fr-FR" sz="779" b="1" dirty="0">
+                  </a:rPr>
+                  <a:t> =100%</a:t>
+                </a:r>
+              </a:p>
+              <a:p>
+                <a:pPr algn="ctr"/>
+                <a:r>
+                  <a:rPr lang="fr-FR" sz="701" dirty="0"/>
+                  <a:t>1713 </a:t>
+                </a:r>
+                <a:r>
+                  <a:rPr lang="en-US" sz="701" dirty="0"/>
+                  <a:t>MOTUs</a:t>
+                </a:r>
+              </a:p>
+            </p:txBody>
+          </p:sp>
+        </mc:Choice>
+        <mc:Fallback>
+          <p:sp>
+            <p:nvSpPr>
+              <p:cNvPr id="4" name="ZoneTexte 3"/>
+              <p:cNvSpPr txBox="1">
+                <a:spLocks noRot="1" noChangeAspect="1" noMove="1" noResize="1" noEditPoints="1" noAdjustHandles="1" noChangeArrowheads="1" noChangeShapeType="1" noTextEdit="1"/>
+              </p:cNvSpPr>
+              <p:nvPr/>
+            </p:nvSpPr>
+            <p:spPr>
+              <a:xfrm>
+                <a:off x="4512839" y="359283"/>
+                <a:ext cx="883485" cy="318100"/>
+              </a:xfrm>
+              <a:prstGeom prst="rect">
+                <a:avLst/>
+              </a:prstGeom>
+              <a:blipFill>
+                <a:blip r:embed="rId4"/>
+                <a:stretch>
+                  <a:fillRect b="-3846"/>
+                </a:stretch>
+              </a:blipFill>
+            </p:spPr>
+            <p:txBody>
+              <a:bodyPr/>
+              <a:lstStyle/>
+              <a:p>
+                <a:r>
+                  <a:rPr lang="fr-FR">
+                    <a:noFill/>
+                  </a:rPr>
+                  <a:t> </a:t>
+                </a:r>
+              </a:p>
+            </p:txBody>
+          </p:sp>
+        </mc:Fallback>
+      </mc:AlternateContent>
+      <p:sp>
+        <p:nvSpPr>
+          <p:cNvPr id="5" name="ZoneTexte 4"/>
+          <p:cNvSpPr txBox="1"/>
+          <p:nvPr/>
+        </p:nvSpPr>
+        <p:spPr>
+          <a:xfrm>
+            <a:off x="3715395" y="1092631"/>
+            <a:ext cx="600942" cy="200183"/>
+          </a:xfrm>
+          <a:prstGeom prst="rect">
+            <a:avLst/>
+          </a:prstGeom>
+          <a:noFill/>
+        </p:spPr>
+        <p:txBody>
+          <a:bodyPr wrap="square" rtlCol="0">
+            <a:spAutoFit/>
+          </a:bodyPr>
+          <a:lstStyle/>
+          <a:p>
+            <a:r>
+              <a:rPr lang="fr-FR" sz="701" dirty="0"/>
+              <a:t>Caribbean</a:t>
+            </a:r>
+          </a:p>
+        </p:txBody>
+      </p:sp>
+      <p:sp>
+        <p:nvSpPr>
+          <p:cNvPr id="6" name="ZoneTexte 5"/>
+          <p:cNvSpPr txBox="1"/>
+          <p:nvPr/>
+        </p:nvSpPr>
+        <p:spPr>
+          <a:xfrm>
+            <a:off x="4572654" y="1092631"/>
+            <a:ext cx="751502" cy="200183"/>
+          </a:xfrm>
+          <a:prstGeom prst="rect">
+            <a:avLst/>
+          </a:prstGeom>
+          <a:noFill/>
+        </p:spPr>
+        <p:txBody>
+          <a:bodyPr wrap="square" rtlCol="0">
+            <a:spAutoFit/>
+          </a:bodyPr>
+          <a:lstStyle/>
+          <a:p>
+            <a:r>
+              <a:rPr lang="fr-FR" sz="701" dirty="0"/>
+              <a:t>Central Pacific</a:t>
+            </a:r>
+          </a:p>
+        </p:txBody>
+      </p:sp>
+      <p:sp>
+        <p:nvSpPr>
+          <p:cNvPr id="7" name="ZoneTexte 6"/>
+          <p:cNvSpPr txBox="1"/>
+          <p:nvPr/>
+        </p:nvSpPr>
+        <p:spPr>
+          <a:xfrm>
+            <a:off x="5522861" y="1096374"/>
+            <a:ext cx="690994" cy="200183"/>
+          </a:xfrm>
+          <a:prstGeom prst="rect">
+            <a:avLst/>
+          </a:prstGeom>
+          <a:noFill/>
+        </p:spPr>
+        <p:txBody>
+          <a:bodyPr wrap="square" rtlCol="0">
+            <a:spAutoFit/>
+          </a:bodyPr>
+          <a:lstStyle/>
+          <a:p>
+            <a:r>
+              <a:rPr lang="fr-FR" sz="701" dirty="0"/>
+              <a:t>West </a:t>
+            </a:r>
+            <a:r>
+              <a:rPr lang="en-US" sz="701" dirty="0"/>
+              <a:t>Indian</a:t>
+            </a:r>
+          </a:p>
+        </p:txBody>
+      </p:sp>
+      <p:sp>
+        <p:nvSpPr>
+          <p:cNvPr id="8" name="ZoneTexte 7"/>
+          <p:cNvSpPr txBox="1"/>
+          <p:nvPr/>
+        </p:nvSpPr>
+        <p:spPr>
+          <a:xfrm>
+            <a:off x="6335376" y="1099085"/>
+            <a:ext cx="931202" cy="200183"/>
+          </a:xfrm>
+          <a:prstGeom prst="rect">
+            <a:avLst/>
+          </a:prstGeom>
+          <a:noFill/>
+        </p:spPr>
+        <p:txBody>
+          <a:bodyPr wrap="square" rtlCol="0">
+            <a:spAutoFit/>
+          </a:bodyPr>
+          <a:lstStyle/>
+          <a:p>
+            <a:r>
+              <a:rPr lang="fr-FR" sz="701" dirty="0"/>
+              <a:t>Central </a:t>
+            </a:r>
+            <a:r>
+              <a:rPr lang="fr-FR" sz="701" dirty="0" smtClean="0"/>
+              <a:t>Indo Pacific</a:t>
+            </a:r>
+            <a:endParaRPr lang="fr-FR" sz="701" dirty="0"/>
+          </a:p>
+        </p:txBody>
+      </p:sp>
+      <mc:AlternateContent xmlns:mc="http://schemas.openxmlformats.org/markup-compatibility/2006">
+        <mc:Choice xmlns:a14="http://schemas.microsoft.com/office/drawing/2010/main" Requires="a14">
+          <p:sp>
+            <p:nvSpPr>
+              <p:cNvPr id="9" name="ZoneTexte 8"/>
+              <p:cNvSpPr txBox="1"/>
+              <p:nvPr/>
+            </p:nvSpPr>
+            <p:spPr>
+              <a:xfrm>
+                <a:off x="3515804" y="2213431"/>
+                <a:ext cx="956855" cy="308033"/>
+              </a:xfrm>
+              <a:prstGeom prst="rect">
+                <a:avLst/>
+              </a:prstGeom>
+              <a:noFill/>
+            </p:spPr>
+            <p:txBody>
+              <a:bodyPr wrap="square" rtlCol="0">
+                <a:spAutoFit/>
+              </a:bodyPr>
+              <a:lstStyle/>
+              <a:p>
+                <a:pPr algn="ctr"/>
+                <a:r>
+                  <a:rPr lang="fr-FR" sz="701" dirty="0"/>
+                  <a:t>3 sites</a:t>
+                </a:r>
+              </a:p>
+              <a:p>
+                <a:pPr algn="ctr"/>
+                <a14:m>
+                  <m:oMath xmlns:m="http://schemas.openxmlformats.org/officeDocument/2006/math">
+                    <m:sSub>
+                      <m:sSubPr>
+                        <m:ctrlPr>
+                          <a:rPr lang="fr-FR" sz="701" i="1">
+                            <a:latin typeface="Cambria Math" panose="02040503050406030204" pitchFamily="18" charset="0"/>
+                          </a:rPr>
+                        </m:ctrlPr>
+                      </m:sSubPr>
+                      <m:e>
+                        <m:r>
+                          <m:rPr>
+                            <m:nor/>
+                          </m:rPr>
+                          <a:rPr lang="el-GR" sz="701" dirty="0">
+                            <a:latin typeface="Cambria Math" panose="02040503050406030204" pitchFamily="18" charset="0"/>
+                            <a:ea typeface="Cambria Math" panose="02040503050406030204" pitchFamily="18" charset="0"/>
+                          </a:rPr>
+                          <m:t>β</m:t>
+                        </m:r>
+                      </m:e>
+                      <m:sub>
+                        <m:r>
+                          <a:rPr lang="fr-FR" sz="701" i="1" dirty="0">
+                            <a:latin typeface="Cambria Math" panose="02040503050406030204" pitchFamily="18" charset="0"/>
+                          </a:rPr>
+                          <m:t>𝑖𝑛𝑡𝑒𝑟</m:t>
+                        </m:r>
+                        <m:r>
+                          <a:rPr lang="fr-FR" sz="701" i="1" dirty="0">
+                            <a:latin typeface="Cambria Math" panose="02040503050406030204" pitchFamily="18" charset="0"/>
+                          </a:rPr>
+                          <m:t>−</m:t>
+                        </m:r>
+                        <m:r>
+                          <a:rPr lang="fr-FR" sz="701" i="1" dirty="0">
+                            <a:latin typeface="Cambria Math" panose="02040503050406030204" pitchFamily="18" charset="0"/>
+                          </a:rPr>
+                          <m:t>𝑠𝑖𝑡𝑒</m:t>
+                        </m:r>
+                      </m:sub>
+                    </m:sSub>
+                  </m:oMath>
+                </a14:m>
+                <a:r>
+                  <a:rPr lang="fr-FR" sz="701" dirty="0"/>
+                  <a:t>= 11%</a:t>
+                </a:r>
+              </a:p>
+            </p:txBody>
+          </p:sp>
+        </mc:Choice>
+        <mc:Fallback>
+          <p:sp>
+            <p:nvSpPr>
+              <p:cNvPr id="9" name="ZoneTexte 8"/>
+              <p:cNvSpPr txBox="1">
+                <a:spLocks noRot="1" noChangeAspect="1" noMove="1" noResize="1" noEditPoints="1" noAdjustHandles="1" noChangeArrowheads="1" noChangeShapeType="1" noTextEdit="1"/>
+              </p:cNvSpPr>
+              <p:nvPr/>
+            </p:nvSpPr>
+            <p:spPr>
+              <a:xfrm>
+                <a:off x="3515804" y="2213431"/>
+                <a:ext cx="956855" cy="308033"/>
+              </a:xfrm>
+              <a:prstGeom prst="rect">
+                <a:avLst/>
+              </a:prstGeom>
+              <a:blipFill>
+                <a:blip r:embed="rId5"/>
+                <a:stretch>
+                  <a:fillRect b="-1961"/>
+                </a:stretch>
+              </a:blipFill>
+            </p:spPr>
+            <p:txBody>
+              <a:bodyPr/>
+              <a:lstStyle/>
+              <a:p>
+                <a:r>
+                  <a:rPr lang="fr-FR">
+                    <a:noFill/>
+                  </a:rPr>
+                  <a:t> </a:t>
+                </a:r>
+              </a:p>
+            </p:txBody>
+          </p:sp>
+        </mc:Fallback>
+      </mc:AlternateContent>
+      <mc:AlternateContent xmlns:mc="http://schemas.openxmlformats.org/markup-compatibility/2006">
+        <mc:Choice xmlns:a14="http://schemas.microsoft.com/office/drawing/2010/main" Requires="a14">
+          <p:sp>
+            <p:nvSpPr>
+              <p:cNvPr id="10" name="ZoneTexte 9"/>
+              <p:cNvSpPr txBox="1"/>
+              <p:nvPr/>
+            </p:nvSpPr>
+            <p:spPr>
+              <a:xfrm>
+                <a:off x="4552158" y="2202198"/>
+                <a:ext cx="765029" cy="308033"/>
+              </a:xfrm>
+              <a:prstGeom prst="rect">
+                <a:avLst/>
+              </a:prstGeom>
+              <a:noFill/>
+            </p:spPr>
+            <p:txBody>
+              <a:bodyPr wrap="square" rtlCol="0">
+                <a:spAutoFit/>
+              </a:bodyPr>
+              <a:lstStyle/>
+              <a:p>
+                <a:pPr algn="ctr"/>
+                <a:r>
+                  <a:rPr lang="fr-FR" sz="701" dirty="0"/>
+                  <a:t>1 site</a:t>
+                </a:r>
+              </a:p>
+              <a:p>
+                <a:pPr algn="ctr"/>
+                <a14:m>
+                  <m:oMath xmlns:m="http://schemas.openxmlformats.org/officeDocument/2006/math">
+                    <m:sSub>
+                      <m:sSubPr>
+                        <m:ctrlPr>
+                          <a:rPr lang="fr-FR" sz="701" i="1">
+                            <a:latin typeface="Cambria Math" panose="02040503050406030204" pitchFamily="18" charset="0"/>
+                          </a:rPr>
+                        </m:ctrlPr>
+                      </m:sSubPr>
+                      <m:e>
+                        <m:r>
+                          <m:rPr>
+                            <m:nor/>
+                          </m:rPr>
+                          <a:rPr lang="el-GR" sz="701" dirty="0">
+                            <a:latin typeface="Cambria Math" panose="02040503050406030204" pitchFamily="18" charset="0"/>
+                            <a:ea typeface="Cambria Math" panose="02040503050406030204" pitchFamily="18" charset="0"/>
+                          </a:rPr>
+                          <m:t>β</m:t>
+                        </m:r>
+                      </m:e>
+                      <m:sub>
+                        <m:r>
+                          <a:rPr lang="fr-FR" sz="701" i="1" dirty="0">
+                            <a:latin typeface="Cambria Math" panose="02040503050406030204" pitchFamily="18" charset="0"/>
+                          </a:rPr>
+                          <m:t>𝑖𝑛𝑡𝑒𝑟</m:t>
+                        </m:r>
+                        <m:r>
+                          <a:rPr lang="fr-FR" sz="701" i="1" dirty="0">
+                            <a:latin typeface="Cambria Math" panose="02040503050406030204" pitchFamily="18" charset="0"/>
+                          </a:rPr>
+                          <m:t>−</m:t>
+                        </m:r>
+                        <m:r>
+                          <a:rPr lang="fr-FR" sz="701" i="1" dirty="0">
+                            <a:latin typeface="Cambria Math" panose="02040503050406030204" pitchFamily="18" charset="0"/>
+                          </a:rPr>
+                          <m:t>𝑠𝑖𝑡𝑒</m:t>
+                        </m:r>
+                      </m:sub>
+                    </m:sSub>
+                  </m:oMath>
+                </a14:m>
+                <a:r>
+                  <a:rPr lang="fr-FR" sz="701" dirty="0"/>
+                  <a:t>= 0%</a:t>
+                </a:r>
+              </a:p>
+            </p:txBody>
+          </p:sp>
+        </mc:Choice>
+        <mc:Fallback>
+          <p:sp>
+            <p:nvSpPr>
+              <p:cNvPr id="10" name="ZoneTexte 9"/>
+              <p:cNvSpPr txBox="1">
+                <a:spLocks noRot="1" noChangeAspect="1" noMove="1" noResize="1" noEditPoints="1" noAdjustHandles="1" noChangeArrowheads="1" noChangeShapeType="1" noTextEdit="1"/>
+              </p:cNvSpPr>
+              <p:nvPr/>
+            </p:nvSpPr>
+            <p:spPr>
+              <a:xfrm>
+                <a:off x="4552158" y="2202198"/>
+                <a:ext cx="765029" cy="308033"/>
+              </a:xfrm>
+              <a:prstGeom prst="rect">
+                <a:avLst/>
+              </a:prstGeom>
+              <a:blipFill>
+                <a:blip r:embed="rId6"/>
+                <a:stretch>
+                  <a:fillRect b="-1961"/>
+                </a:stretch>
+              </a:blipFill>
+            </p:spPr>
+            <p:txBody>
+              <a:bodyPr/>
+              <a:lstStyle/>
+              <a:p>
+                <a:r>
+                  <a:rPr lang="fr-FR">
+                    <a:noFill/>
+                  </a:rPr>
+                  <a:t> </a:t>
+                </a:r>
+              </a:p>
+            </p:txBody>
+          </p:sp>
+        </mc:Fallback>
+      </mc:AlternateContent>
+      <mc:AlternateContent xmlns:mc="http://schemas.openxmlformats.org/markup-compatibility/2006">
+        <mc:Choice xmlns:a14="http://schemas.microsoft.com/office/drawing/2010/main" Requires="a14">
+          <p:sp>
+            <p:nvSpPr>
+              <p:cNvPr id="11" name="ZoneTexte 10"/>
+              <p:cNvSpPr txBox="1"/>
+              <p:nvPr/>
+            </p:nvSpPr>
+            <p:spPr>
+              <a:xfrm>
+                <a:off x="5461362" y="2214394"/>
+                <a:ext cx="790595" cy="308033"/>
+              </a:xfrm>
+              <a:prstGeom prst="rect">
+                <a:avLst/>
+              </a:prstGeom>
+              <a:noFill/>
+            </p:spPr>
+            <p:txBody>
+              <a:bodyPr wrap="square" rtlCol="0">
+                <a:spAutoFit/>
+              </a:bodyPr>
+              <a:lstStyle/>
+              <a:p>
+                <a:pPr algn="ctr"/>
+                <a:r>
+                  <a:rPr lang="fr-FR" sz="701" dirty="0"/>
+                  <a:t>4 sites</a:t>
+                </a:r>
+              </a:p>
+              <a:p>
+                <a:pPr algn="ctr"/>
+                <a14:m>
+                  <m:oMath xmlns:m="http://schemas.openxmlformats.org/officeDocument/2006/math">
+                    <m:sSub>
+                      <m:sSubPr>
+                        <m:ctrlPr>
+                          <a:rPr lang="fr-FR" sz="701" i="1">
+                            <a:latin typeface="Cambria Math" panose="02040503050406030204" pitchFamily="18" charset="0"/>
+                          </a:rPr>
+                        </m:ctrlPr>
+                      </m:sSubPr>
+                      <m:e>
+                        <m:r>
+                          <m:rPr>
+                            <m:nor/>
+                          </m:rPr>
+                          <a:rPr lang="el-GR" sz="701" dirty="0">
+                            <a:latin typeface="Cambria Math" panose="02040503050406030204" pitchFamily="18" charset="0"/>
+                            <a:ea typeface="Cambria Math" panose="02040503050406030204" pitchFamily="18" charset="0"/>
+                          </a:rPr>
+                          <m:t>β</m:t>
+                        </m:r>
+                      </m:e>
+                      <m:sub>
+                        <m:r>
+                          <a:rPr lang="fr-FR" sz="701" i="1" dirty="0">
+                            <a:latin typeface="Cambria Math" panose="02040503050406030204" pitchFamily="18" charset="0"/>
+                          </a:rPr>
+                          <m:t>𝑖𝑛𝑡𝑒𝑟</m:t>
+                        </m:r>
+                        <m:r>
+                          <a:rPr lang="fr-FR" sz="701" i="1" dirty="0">
+                            <a:latin typeface="Cambria Math" panose="02040503050406030204" pitchFamily="18" charset="0"/>
+                          </a:rPr>
+                          <m:t>−</m:t>
+                        </m:r>
+                        <m:r>
+                          <a:rPr lang="fr-FR" sz="701" i="1" dirty="0">
+                            <a:latin typeface="Cambria Math" panose="02040503050406030204" pitchFamily="18" charset="0"/>
+                          </a:rPr>
+                          <m:t>𝑠𝑖𝑡𝑒</m:t>
+                        </m:r>
+                      </m:sub>
+                    </m:sSub>
+                  </m:oMath>
+                </a14:m>
+                <a:r>
+                  <a:rPr lang="fr-FR" sz="701" dirty="0"/>
+                  <a:t>= 11%</a:t>
+                </a:r>
+              </a:p>
+            </p:txBody>
+          </p:sp>
+        </mc:Choice>
+        <mc:Fallback>
+          <p:sp>
+            <p:nvSpPr>
+              <p:cNvPr id="11" name="ZoneTexte 10"/>
+              <p:cNvSpPr txBox="1">
+                <a:spLocks noRot="1" noChangeAspect="1" noMove="1" noResize="1" noEditPoints="1" noAdjustHandles="1" noChangeArrowheads="1" noChangeShapeType="1" noTextEdit="1"/>
+              </p:cNvSpPr>
+              <p:nvPr/>
+            </p:nvSpPr>
+            <p:spPr>
+              <a:xfrm>
+                <a:off x="5461362" y="2214394"/>
+                <a:ext cx="790595" cy="308033"/>
+              </a:xfrm>
+              <a:prstGeom prst="rect">
+                <a:avLst/>
+              </a:prstGeom>
+              <a:blipFill>
+                <a:blip r:embed="rId7"/>
+                <a:stretch>
+                  <a:fillRect b="-1961"/>
+                </a:stretch>
+              </a:blipFill>
+            </p:spPr>
+            <p:txBody>
+              <a:bodyPr/>
+              <a:lstStyle/>
+              <a:p>
+                <a:r>
+                  <a:rPr lang="fr-FR">
+                    <a:noFill/>
+                  </a:rPr>
+                  <a:t> </a:t>
+                </a:r>
+              </a:p>
+            </p:txBody>
+          </p:sp>
+        </mc:Fallback>
+      </mc:AlternateContent>
+      <mc:AlternateContent xmlns:mc="http://schemas.openxmlformats.org/markup-compatibility/2006">
+        <mc:Choice xmlns:a14="http://schemas.microsoft.com/office/drawing/2010/main" Requires="a14">
+          <p:sp>
+            <p:nvSpPr>
+              <p:cNvPr id="12" name="ZoneTexte 11"/>
+              <p:cNvSpPr txBox="1"/>
+              <p:nvPr/>
+            </p:nvSpPr>
+            <p:spPr>
+              <a:xfrm>
+                <a:off x="6395295" y="2213431"/>
+                <a:ext cx="835123" cy="308033"/>
+              </a:xfrm>
+              <a:prstGeom prst="rect">
+                <a:avLst/>
+              </a:prstGeom>
+              <a:noFill/>
+            </p:spPr>
+            <p:txBody>
+              <a:bodyPr wrap="square" rtlCol="0">
+                <a:spAutoFit/>
+              </a:bodyPr>
+              <a:lstStyle/>
+              <a:p>
+                <a:pPr algn="ctr"/>
+                <a:r>
+                  <a:rPr lang="fr-FR" sz="701" dirty="0"/>
+                  <a:t>11 sites</a:t>
+                </a:r>
+              </a:p>
+              <a:p>
+                <a:pPr algn="ctr"/>
+                <a14:m>
+                  <m:oMath xmlns:m="http://schemas.openxmlformats.org/officeDocument/2006/math">
+                    <m:sSub>
+                      <m:sSubPr>
+                        <m:ctrlPr>
+                          <a:rPr lang="fr-FR" sz="701" i="1">
+                            <a:latin typeface="Cambria Math" panose="02040503050406030204" pitchFamily="18" charset="0"/>
+                          </a:rPr>
+                        </m:ctrlPr>
+                      </m:sSubPr>
+                      <m:e>
+                        <m:r>
+                          <m:rPr>
+                            <m:nor/>
+                          </m:rPr>
+                          <a:rPr lang="el-GR" sz="701" dirty="0">
+                            <a:latin typeface="Cambria Math" panose="02040503050406030204" pitchFamily="18" charset="0"/>
+                            <a:ea typeface="Cambria Math" panose="02040503050406030204" pitchFamily="18" charset="0"/>
+                          </a:rPr>
+                          <m:t>β</m:t>
+                        </m:r>
+                      </m:e>
+                      <m:sub>
+                        <m:r>
+                          <a:rPr lang="fr-FR" sz="701" i="1" dirty="0">
+                            <a:latin typeface="Cambria Math" panose="02040503050406030204" pitchFamily="18" charset="0"/>
+                          </a:rPr>
+                          <m:t>𝑖𝑛𝑡𝑒𝑟</m:t>
+                        </m:r>
+                        <m:r>
+                          <a:rPr lang="fr-FR" sz="701" i="1" dirty="0">
+                            <a:latin typeface="Cambria Math" panose="02040503050406030204" pitchFamily="18" charset="0"/>
+                          </a:rPr>
+                          <m:t>−</m:t>
+                        </m:r>
+                        <m:r>
+                          <a:rPr lang="fr-FR" sz="701" i="1" dirty="0">
+                            <a:latin typeface="Cambria Math" panose="02040503050406030204" pitchFamily="18" charset="0"/>
+                          </a:rPr>
+                          <m:t>𝑠𝑖𝑡𝑒</m:t>
+                        </m:r>
+                      </m:sub>
+                    </m:sSub>
+                  </m:oMath>
+                </a14:m>
+                <a:r>
+                  <a:rPr lang="fr-FR" sz="701" dirty="0"/>
+                  <a:t>= 46%</a:t>
+                </a:r>
+              </a:p>
+            </p:txBody>
+          </p:sp>
+        </mc:Choice>
+        <mc:Fallback>
+          <p:sp>
+            <p:nvSpPr>
+              <p:cNvPr id="12" name="ZoneTexte 11"/>
+              <p:cNvSpPr txBox="1">
+                <a:spLocks noRot="1" noChangeAspect="1" noMove="1" noResize="1" noEditPoints="1" noAdjustHandles="1" noChangeArrowheads="1" noChangeShapeType="1" noTextEdit="1"/>
+              </p:cNvSpPr>
+              <p:nvPr/>
+            </p:nvSpPr>
+            <p:spPr>
+              <a:xfrm>
+                <a:off x="6395295" y="2213431"/>
+                <a:ext cx="835123" cy="308033"/>
+              </a:xfrm>
+              <a:prstGeom prst="rect">
+                <a:avLst/>
+              </a:prstGeom>
+              <a:blipFill>
+                <a:blip r:embed="rId8"/>
+                <a:stretch>
+                  <a:fillRect b="-1961"/>
+                </a:stretch>
+              </a:blipFill>
+            </p:spPr>
+            <p:txBody>
+              <a:bodyPr/>
+              <a:lstStyle/>
+              <a:p>
+                <a:r>
+                  <a:rPr lang="fr-FR">
+                    <a:noFill/>
+                  </a:rPr>
+                  <a:t> </a:t>
+                </a:r>
+              </a:p>
+            </p:txBody>
+          </p:sp>
+        </mc:Fallback>
+      </mc:AlternateContent>
+      <mc:AlternateContent xmlns:mc="http://schemas.openxmlformats.org/markup-compatibility/2006">
+        <mc:Choice xmlns:a14="http://schemas.microsoft.com/office/drawing/2010/main" Requires="a14">
+          <p:sp>
+            <p:nvSpPr>
+              <p:cNvPr id="13" name="ZoneTexte 12"/>
+              <p:cNvSpPr txBox="1"/>
+              <p:nvPr/>
+            </p:nvSpPr>
+            <p:spPr>
+              <a:xfrm>
+                <a:off x="3538475" y="2976395"/>
+                <a:ext cx="941079" cy="418384"/>
+              </a:xfrm>
+              <a:prstGeom prst="rect">
+                <a:avLst/>
+              </a:prstGeom>
+              <a:noFill/>
+            </p:spPr>
+            <p:txBody>
+              <a:bodyPr wrap="square" rtlCol="0">
+                <a:spAutoFit/>
+              </a:bodyPr>
+              <a:lstStyle/>
+              <a:p>
+                <a:pPr algn="ctr"/>
+                <a:r>
+                  <a:rPr lang="fr-FR" sz="701" dirty="0"/>
+                  <a:t>31 stations</a:t>
+                </a:r>
+              </a:p>
+              <a:p>
+                <a:pPr algn="ctr"/>
+                <a14:m>
+                  <m:oMath xmlns:m="http://schemas.openxmlformats.org/officeDocument/2006/math">
+                    <m:sSub>
+                      <m:sSubPr>
+                        <m:ctrlPr>
+                          <a:rPr lang="fr-FR" sz="701" i="1">
+                            <a:latin typeface="Cambria Math" panose="02040503050406030204" pitchFamily="18" charset="0"/>
+                          </a:rPr>
+                        </m:ctrlPr>
+                      </m:sSubPr>
+                      <m:e>
+                        <m:acc>
+                          <m:accPr>
+                            <m:chr m:val="̅"/>
+                            <m:ctrlPr>
+                              <a:rPr lang="fr-FR" sz="701" i="1">
+                                <a:latin typeface="Cambria Math" panose="02040503050406030204" pitchFamily="18" charset="0"/>
+                              </a:rPr>
+                            </m:ctrlPr>
+                          </m:accPr>
+                          <m:e>
+                            <m:r>
+                              <a:rPr lang="fr-FR" sz="701" i="1">
+                                <a:latin typeface="Cambria Math" panose="02040503050406030204" pitchFamily="18" charset="0"/>
+                                <a:ea typeface="Cambria Math" panose="02040503050406030204" pitchFamily="18" charset="0"/>
+                              </a:rPr>
+                              <m:t>𝛽</m:t>
+                            </m:r>
+                          </m:e>
+                        </m:acc>
+                      </m:e>
+                      <m:sub>
+                        <m:r>
+                          <a:rPr lang="fr-FR" sz="701" i="1" dirty="0">
+                            <a:latin typeface="Cambria Math" panose="02040503050406030204" pitchFamily="18" charset="0"/>
+                          </a:rPr>
+                          <m:t>𝑖𝑛𝑡𝑒𝑟</m:t>
+                        </m:r>
+                        <m:r>
+                          <a:rPr lang="fr-FR" sz="701" i="1" dirty="0">
+                            <a:latin typeface="Cambria Math" panose="02040503050406030204" pitchFamily="18" charset="0"/>
+                          </a:rPr>
+                          <m:t>−</m:t>
+                        </m:r>
+                        <m:r>
+                          <a:rPr lang="fr-FR" sz="701" i="1" dirty="0">
+                            <a:latin typeface="Cambria Math" panose="02040503050406030204" pitchFamily="18" charset="0"/>
+                          </a:rPr>
+                          <m:t>𝑠𝑡𝑎𝑡𝑖𝑜𝑛</m:t>
+                        </m:r>
+                      </m:sub>
+                    </m:sSub>
+                  </m:oMath>
+                </a14:m>
+                <a:r>
+                  <a:rPr lang="fr-FR" sz="701" dirty="0"/>
+                  <a:t>= 6.3%</a:t>
+                </a:r>
+              </a:p>
+              <a:p>
+                <a:pPr algn="ctr"/>
+                <a14:m>
+                  <m:oMath xmlns:m="http://schemas.openxmlformats.org/officeDocument/2006/math">
+                    <m:sSub>
+                      <m:sSubPr>
+                        <m:ctrlPr>
+                          <a:rPr lang="fr-FR" sz="701" i="1">
+                            <a:latin typeface="Cambria Math" panose="02040503050406030204" pitchFamily="18" charset="0"/>
+                          </a:rPr>
+                        </m:ctrlPr>
+                      </m:sSubPr>
+                      <m:e>
+                        <m:acc>
+                          <m:accPr>
+                            <m:chr m:val="̅"/>
+                            <m:ctrlPr>
+                              <a:rPr lang="fr-FR" sz="701" i="1">
+                                <a:latin typeface="Cambria Math" panose="02040503050406030204" pitchFamily="18" charset="0"/>
+                              </a:rPr>
+                            </m:ctrlPr>
+                          </m:accPr>
+                          <m:e>
+                            <m:r>
+                              <a:rPr lang="fr-FR" sz="701" i="1">
+                                <a:latin typeface="Cambria Math" panose="02040503050406030204" pitchFamily="18" charset="0"/>
+                                <a:ea typeface="Cambria Math" panose="02040503050406030204" pitchFamily="18" charset="0"/>
+                              </a:rPr>
+                              <m:t>𝛼</m:t>
+                            </m:r>
+                          </m:e>
+                        </m:acc>
+                      </m:e>
+                      <m:sub>
+                        <m:r>
+                          <a:rPr lang="fr-FR" sz="701" i="1" dirty="0">
+                            <a:latin typeface="Cambria Math" panose="02040503050406030204" pitchFamily="18" charset="0"/>
+                          </a:rPr>
+                          <m:t>𝑠𝑡𝑎𝑡𝑖𝑜𝑛</m:t>
+                        </m:r>
+                      </m:sub>
+                    </m:sSub>
+                  </m:oMath>
+                </a14:m>
+                <a:r>
+                  <a:rPr lang="fr-FR" sz="701" dirty="0"/>
+                  <a:t>= 4.1%</a:t>
+                </a:r>
+              </a:p>
+            </p:txBody>
+          </p:sp>
+        </mc:Choice>
+        <mc:Fallback>
+          <p:sp>
+            <p:nvSpPr>
+              <p:cNvPr id="13" name="ZoneTexte 12"/>
+              <p:cNvSpPr txBox="1">
+                <a:spLocks noRot="1" noChangeAspect="1" noMove="1" noResize="1" noEditPoints="1" noAdjustHandles="1" noChangeArrowheads="1" noChangeShapeType="1" noTextEdit="1"/>
+              </p:cNvSpPr>
+              <p:nvPr/>
+            </p:nvSpPr>
+            <p:spPr>
+              <a:xfrm>
+                <a:off x="3538475" y="2976395"/>
+                <a:ext cx="941079" cy="418384"/>
+              </a:xfrm>
+              <a:prstGeom prst="rect">
+                <a:avLst/>
+              </a:prstGeom>
+              <a:blipFill>
+                <a:blip r:embed="rId9"/>
+                <a:stretch>
+                  <a:fillRect b="-1449"/>
+                </a:stretch>
+              </a:blipFill>
+            </p:spPr>
+            <p:txBody>
+              <a:bodyPr/>
+              <a:lstStyle/>
+              <a:p>
+                <a:r>
+                  <a:rPr lang="fr-FR">
+                    <a:noFill/>
+                  </a:rPr>
+                  <a:t> </a:t>
+                </a:r>
+              </a:p>
+            </p:txBody>
+          </p:sp>
+        </mc:Fallback>
+      </mc:AlternateContent>
+      <mc:AlternateContent xmlns:mc="http://schemas.openxmlformats.org/markup-compatibility/2006">
+        <mc:Choice xmlns:a14="http://schemas.microsoft.com/office/drawing/2010/main" Requires="a14">
+          <p:sp>
+            <p:nvSpPr>
+              <p:cNvPr id="14" name="ZoneTexte 13"/>
+              <p:cNvSpPr txBox="1"/>
+              <p:nvPr/>
+            </p:nvSpPr>
+            <p:spPr>
+              <a:xfrm>
+                <a:off x="4462514" y="2976395"/>
+                <a:ext cx="926430" cy="418384"/>
+              </a:xfrm>
+              <a:prstGeom prst="rect">
+                <a:avLst/>
+              </a:prstGeom>
+              <a:noFill/>
+            </p:spPr>
+            <p:txBody>
+              <a:bodyPr wrap="square" rtlCol="0">
+                <a:spAutoFit/>
+              </a:bodyPr>
+              <a:lstStyle/>
+              <a:p>
+                <a:pPr algn="ctr"/>
+                <a:r>
+                  <a:rPr lang="fr-FR" sz="701" dirty="0"/>
+                  <a:t>4 stations</a:t>
+                </a:r>
+              </a:p>
+              <a:p>
+                <a:pPr algn="ctr"/>
+                <a14:m>
+                  <m:oMath xmlns:m="http://schemas.openxmlformats.org/officeDocument/2006/math">
+                    <m:sSub>
+                      <m:sSubPr>
+                        <m:ctrlPr>
+                          <a:rPr lang="fr-FR" sz="701" i="1">
+                            <a:latin typeface="Cambria Math" panose="02040503050406030204" pitchFamily="18" charset="0"/>
+                          </a:rPr>
+                        </m:ctrlPr>
+                      </m:sSubPr>
+                      <m:e>
+                        <m:acc>
+                          <m:accPr>
+                            <m:chr m:val="̅"/>
+                            <m:ctrlPr>
+                              <a:rPr lang="fr-FR" sz="701" i="1">
+                                <a:latin typeface="Cambria Math" panose="02040503050406030204" pitchFamily="18" charset="0"/>
+                              </a:rPr>
+                            </m:ctrlPr>
+                          </m:accPr>
+                          <m:e>
+                            <m:r>
+                              <a:rPr lang="fr-FR" sz="701" i="1">
+                                <a:latin typeface="Cambria Math" panose="02040503050406030204" pitchFamily="18" charset="0"/>
+                                <a:ea typeface="Cambria Math" panose="02040503050406030204" pitchFamily="18" charset="0"/>
+                              </a:rPr>
+                              <m:t>𝛽</m:t>
+                            </m:r>
+                          </m:e>
+                        </m:acc>
+                      </m:e>
+                      <m:sub>
+                        <m:r>
+                          <a:rPr lang="fr-FR" sz="701" i="1" dirty="0">
+                            <a:latin typeface="Cambria Math" panose="02040503050406030204" pitchFamily="18" charset="0"/>
+                          </a:rPr>
+                          <m:t>𝑖𝑛𝑡𝑒𝑟</m:t>
+                        </m:r>
+                        <m:r>
+                          <a:rPr lang="fr-FR" sz="701" i="1" dirty="0">
+                            <a:latin typeface="Cambria Math" panose="02040503050406030204" pitchFamily="18" charset="0"/>
+                          </a:rPr>
+                          <m:t>−</m:t>
+                        </m:r>
+                        <m:r>
+                          <a:rPr lang="fr-FR" sz="701" i="1" dirty="0">
+                            <a:latin typeface="Cambria Math" panose="02040503050406030204" pitchFamily="18" charset="0"/>
+                          </a:rPr>
+                          <m:t>𝑠𝑡𝑎𝑡𝑖𝑜𝑛</m:t>
+                        </m:r>
+                      </m:sub>
+                    </m:sSub>
+                  </m:oMath>
+                </a14:m>
+                <a:r>
+                  <a:rPr lang="fr-FR" sz="701" dirty="0"/>
+                  <a:t>= 4.3%</a:t>
+                </a:r>
+              </a:p>
+              <a:p>
+                <a:pPr algn="ctr"/>
+                <a14:m>
+                  <m:oMath xmlns:m="http://schemas.openxmlformats.org/officeDocument/2006/math">
+                    <m:sSub>
+                      <m:sSubPr>
+                        <m:ctrlPr>
+                          <a:rPr lang="fr-FR" sz="701" i="1">
+                            <a:latin typeface="Cambria Math" panose="02040503050406030204" pitchFamily="18" charset="0"/>
+                          </a:rPr>
+                        </m:ctrlPr>
+                      </m:sSubPr>
+                      <m:e>
+                        <m:acc>
+                          <m:accPr>
+                            <m:chr m:val="̅"/>
+                            <m:ctrlPr>
+                              <a:rPr lang="fr-FR" sz="701" i="1">
+                                <a:latin typeface="Cambria Math" panose="02040503050406030204" pitchFamily="18" charset="0"/>
+                              </a:rPr>
+                            </m:ctrlPr>
+                          </m:accPr>
+                          <m:e>
+                            <m:r>
+                              <a:rPr lang="fr-FR" sz="701" i="1">
+                                <a:latin typeface="Cambria Math" panose="02040503050406030204" pitchFamily="18" charset="0"/>
+                                <a:ea typeface="Cambria Math" panose="02040503050406030204" pitchFamily="18" charset="0"/>
+                              </a:rPr>
+                              <m:t>𝛼</m:t>
+                            </m:r>
+                          </m:e>
+                        </m:acc>
+                      </m:e>
+                      <m:sub>
+                        <m:r>
+                          <a:rPr lang="fr-FR" sz="701" i="1" dirty="0">
+                            <a:latin typeface="Cambria Math" panose="02040503050406030204" pitchFamily="18" charset="0"/>
+                          </a:rPr>
+                          <m:t>𝑠𝑡𝑎𝑡𝑖𝑜𝑛</m:t>
+                        </m:r>
+                      </m:sub>
+                    </m:sSub>
+                  </m:oMath>
+                </a14:m>
+                <a:r>
+                  <a:rPr lang="fr-FR" sz="701" dirty="0"/>
+                  <a:t>= 4.3%</a:t>
+                </a:r>
+              </a:p>
+            </p:txBody>
+          </p:sp>
+        </mc:Choice>
+        <mc:Fallback>
+          <p:sp>
+            <p:nvSpPr>
+              <p:cNvPr id="14" name="ZoneTexte 13"/>
+              <p:cNvSpPr txBox="1">
+                <a:spLocks noRot="1" noChangeAspect="1" noMove="1" noResize="1" noEditPoints="1" noAdjustHandles="1" noChangeArrowheads="1" noChangeShapeType="1" noTextEdit="1"/>
+              </p:cNvSpPr>
+              <p:nvPr/>
+            </p:nvSpPr>
+            <p:spPr>
+              <a:xfrm>
+                <a:off x="4462514" y="2976395"/>
+                <a:ext cx="926430" cy="418384"/>
+              </a:xfrm>
+              <a:prstGeom prst="rect">
+                <a:avLst/>
+              </a:prstGeom>
+              <a:blipFill>
+                <a:blip r:embed="rId10"/>
+                <a:stretch>
+                  <a:fillRect b="-1449"/>
+                </a:stretch>
+              </a:blipFill>
+            </p:spPr>
+            <p:txBody>
+              <a:bodyPr/>
+              <a:lstStyle/>
+              <a:p>
+                <a:r>
+                  <a:rPr lang="fr-FR">
+                    <a:noFill/>
+                  </a:rPr>
+                  <a:t> </a:t>
+                </a:r>
+              </a:p>
+            </p:txBody>
+          </p:sp>
+        </mc:Fallback>
+      </mc:AlternateContent>
+      <mc:AlternateContent xmlns:mc="http://schemas.openxmlformats.org/markup-compatibility/2006">
+        <mc:Choice xmlns:a14="http://schemas.microsoft.com/office/drawing/2010/main" Requires="a14">
+          <p:sp>
+            <p:nvSpPr>
+              <p:cNvPr id="15" name="ZoneTexte 14"/>
+              <p:cNvSpPr txBox="1"/>
+              <p:nvPr/>
+            </p:nvSpPr>
+            <p:spPr>
+              <a:xfrm>
+                <a:off x="5436722" y="2976395"/>
+                <a:ext cx="888301" cy="418384"/>
+              </a:xfrm>
+              <a:prstGeom prst="rect">
+                <a:avLst/>
+              </a:prstGeom>
+              <a:noFill/>
+            </p:spPr>
+            <p:txBody>
+              <a:bodyPr wrap="square" rtlCol="0">
+                <a:spAutoFit/>
+              </a:bodyPr>
+              <a:lstStyle/>
+              <a:p>
+                <a:pPr algn="ctr"/>
+                <a:r>
+                  <a:rPr lang="fr-FR" sz="701" dirty="0"/>
+                  <a:t>16 stations</a:t>
+                </a:r>
+              </a:p>
+              <a:p>
+                <a:pPr algn="ctr"/>
+                <a14:m>
+                  <m:oMath xmlns:m="http://schemas.openxmlformats.org/officeDocument/2006/math">
+                    <m:sSub>
+                      <m:sSubPr>
+                        <m:ctrlPr>
+                          <a:rPr lang="fr-FR" sz="701" i="1">
+                            <a:latin typeface="Cambria Math" panose="02040503050406030204" pitchFamily="18" charset="0"/>
+                          </a:rPr>
+                        </m:ctrlPr>
+                      </m:sSubPr>
+                      <m:e>
+                        <m:acc>
+                          <m:accPr>
+                            <m:chr m:val="̅"/>
+                            <m:ctrlPr>
+                              <a:rPr lang="fr-FR" sz="701" i="1">
+                                <a:latin typeface="Cambria Math" panose="02040503050406030204" pitchFamily="18" charset="0"/>
+                              </a:rPr>
+                            </m:ctrlPr>
+                          </m:accPr>
+                          <m:e>
+                            <m:r>
+                              <a:rPr lang="fr-FR" sz="701" i="1">
+                                <a:latin typeface="Cambria Math" panose="02040503050406030204" pitchFamily="18" charset="0"/>
+                                <a:ea typeface="Cambria Math" panose="02040503050406030204" pitchFamily="18" charset="0"/>
+                              </a:rPr>
+                              <m:t>𝛽</m:t>
+                            </m:r>
+                          </m:e>
+                        </m:acc>
+                      </m:e>
+                      <m:sub>
+                        <m:r>
+                          <a:rPr lang="fr-FR" sz="701" i="1" dirty="0">
+                            <a:latin typeface="Cambria Math" panose="02040503050406030204" pitchFamily="18" charset="0"/>
+                          </a:rPr>
+                          <m:t>𝑖𝑛𝑡𝑒𝑟</m:t>
+                        </m:r>
+                        <m:r>
+                          <a:rPr lang="fr-FR" sz="701" i="1" dirty="0">
+                            <a:latin typeface="Cambria Math" panose="02040503050406030204" pitchFamily="18" charset="0"/>
+                          </a:rPr>
+                          <m:t>−</m:t>
+                        </m:r>
+                        <m:r>
+                          <a:rPr lang="fr-FR" sz="701" i="1" dirty="0">
+                            <a:latin typeface="Cambria Math" panose="02040503050406030204" pitchFamily="18" charset="0"/>
+                          </a:rPr>
+                          <m:t>𝑠𝑡𝑎𝑡𝑖𝑜𝑛</m:t>
+                        </m:r>
+                      </m:sub>
+                    </m:sSub>
+                  </m:oMath>
+                </a14:m>
+                <a:r>
+                  <a:rPr lang="fr-FR" sz="701" dirty="0"/>
+                  <a:t>= 5%</a:t>
+                </a:r>
+              </a:p>
+              <a:p>
+                <a:pPr algn="ctr"/>
+                <a14:m>
+                  <m:oMath xmlns:m="http://schemas.openxmlformats.org/officeDocument/2006/math">
+                    <m:sSub>
+                      <m:sSubPr>
+                        <m:ctrlPr>
+                          <a:rPr lang="fr-FR" sz="701" i="1">
+                            <a:latin typeface="Cambria Math" panose="02040503050406030204" pitchFamily="18" charset="0"/>
+                          </a:rPr>
+                        </m:ctrlPr>
+                      </m:sSubPr>
+                      <m:e>
+                        <m:acc>
+                          <m:accPr>
+                            <m:chr m:val="̅"/>
+                            <m:ctrlPr>
+                              <a:rPr lang="fr-FR" sz="701" i="1">
+                                <a:latin typeface="Cambria Math" panose="02040503050406030204" pitchFamily="18" charset="0"/>
+                              </a:rPr>
+                            </m:ctrlPr>
+                          </m:accPr>
+                          <m:e>
+                            <m:r>
+                              <a:rPr lang="fr-FR" sz="701" i="1">
+                                <a:latin typeface="Cambria Math" panose="02040503050406030204" pitchFamily="18" charset="0"/>
+                                <a:ea typeface="Cambria Math" panose="02040503050406030204" pitchFamily="18" charset="0"/>
+                              </a:rPr>
+                              <m:t>𝛼</m:t>
+                            </m:r>
+                          </m:e>
+                        </m:acc>
+                      </m:e>
+                      <m:sub>
+                        <m:r>
+                          <a:rPr lang="fr-FR" sz="701" i="1" dirty="0">
+                            <a:latin typeface="Cambria Math" panose="02040503050406030204" pitchFamily="18" charset="0"/>
+                          </a:rPr>
+                          <m:t>𝑠𝑡𝑎𝑡𝑖𝑜𝑛</m:t>
+                        </m:r>
+                      </m:sub>
+                    </m:sSub>
+                  </m:oMath>
+                </a14:m>
+                <a:r>
+                  <a:rPr lang="fr-FR" sz="701" dirty="0"/>
+                  <a:t>= 5%</a:t>
+                </a:r>
+              </a:p>
+            </p:txBody>
+          </p:sp>
+        </mc:Choice>
+        <mc:Fallback>
+          <p:sp>
+            <p:nvSpPr>
+              <p:cNvPr id="15" name="ZoneTexte 14"/>
+              <p:cNvSpPr txBox="1">
+                <a:spLocks noRot="1" noChangeAspect="1" noMove="1" noResize="1" noEditPoints="1" noAdjustHandles="1" noChangeArrowheads="1" noChangeShapeType="1" noTextEdit="1"/>
+              </p:cNvSpPr>
+              <p:nvPr/>
+            </p:nvSpPr>
+            <p:spPr>
+              <a:xfrm>
+                <a:off x="5436722" y="2976395"/>
+                <a:ext cx="888301" cy="418384"/>
+              </a:xfrm>
+              <a:prstGeom prst="rect">
+                <a:avLst/>
+              </a:prstGeom>
+              <a:blipFill>
+                <a:blip r:embed="rId11"/>
+                <a:stretch>
+                  <a:fillRect b="-1449"/>
+                </a:stretch>
+              </a:blipFill>
+            </p:spPr>
+            <p:txBody>
+              <a:bodyPr/>
+              <a:lstStyle/>
+              <a:p>
+                <a:r>
+                  <a:rPr lang="fr-FR">
+                    <a:noFill/>
+                  </a:rPr>
+                  <a:t> </a:t>
+                </a:r>
+              </a:p>
+            </p:txBody>
+          </p:sp>
+        </mc:Fallback>
+      </mc:AlternateContent>
+      <mc:AlternateContent xmlns:mc="http://schemas.openxmlformats.org/markup-compatibility/2006">
+        <mc:Choice xmlns:a14="http://schemas.microsoft.com/office/drawing/2010/main" Requires="a14">
+          <p:sp>
+            <p:nvSpPr>
+              <p:cNvPr id="16" name="ZoneTexte 15"/>
+              <p:cNvSpPr txBox="1"/>
+              <p:nvPr/>
+            </p:nvSpPr>
+            <p:spPr>
+              <a:xfrm>
+                <a:off x="6318190" y="2986729"/>
+                <a:ext cx="976908" cy="418384"/>
+              </a:xfrm>
+              <a:prstGeom prst="rect">
+                <a:avLst/>
+              </a:prstGeom>
+              <a:noFill/>
+            </p:spPr>
+            <p:txBody>
+              <a:bodyPr wrap="square" rtlCol="0">
+                <a:spAutoFit/>
+              </a:bodyPr>
+              <a:lstStyle/>
+              <a:p>
+                <a:pPr algn="ctr"/>
+                <a:r>
+                  <a:rPr lang="fr-FR" sz="701" dirty="0"/>
+                  <a:t>46 stations</a:t>
+                </a:r>
+              </a:p>
+              <a:p>
+                <a:pPr algn="ctr"/>
+                <a14:m>
+                  <m:oMath xmlns:m="http://schemas.openxmlformats.org/officeDocument/2006/math">
+                    <m:sSub>
+                      <m:sSubPr>
+                        <m:ctrlPr>
+                          <a:rPr lang="fr-FR" sz="701" i="1">
+                            <a:latin typeface="Cambria Math" panose="02040503050406030204" pitchFamily="18" charset="0"/>
+                          </a:rPr>
+                        </m:ctrlPr>
+                      </m:sSubPr>
+                      <m:e>
+                        <m:acc>
+                          <m:accPr>
+                            <m:chr m:val="̅"/>
+                            <m:ctrlPr>
+                              <a:rPr lang="fr-FR" sz="701" i="1">
+                                <a:latin typeface="Cambria Math" panose="02040503050406030204" pitchFamily="18" charset="0"/>
+                              </a:rPr>
+                            </m:ctrlPr>
+                          </m:accPr>
+                          <m:e>
+                            <m:r>
+                              <a:rPr lang="fr-FR" sz="701" i="1">
+                                <a:latin typeface="Cambria Math" panose="02040503050406030204" pitchFamily="18" charset="0"/>
+                                <a:ea typeface="Cambria Math" panose="02040503050406030204" pitchFamily="18" charset="0"/>
+                              </a:rPr>
+                              <m:t>𝛽</m:t>
+                            </m:r>
+                          </m:e>
+                        </m:acc>
+                      </m:e>
+                      <m:sub>
+                        <m:r>
+                          <a:rPr lang="fr-FR" sz="701" i="1" dirty="0">
+                            <a:latin typeface="Cambria Math" panose="02040503050406030204" pitchFamily="18" charset="0"/>
+                          </a:rPr>
+                          <m:t>𝑖𝑛𝑡𝑒𝑟</m:t>
+                        </m:r>
+                        <m:r>
+                          <a:rPr lang="fr-FR" sz="701" i="1" dirty="0">
+                            <a:latin typeface="Cambria Math" panose="02040503050406030204" pitchFamily="18" charset="0"/>
+                          </a:rPr>
+                          <m:t>−</m:t>
+                        </m:r>
+                        <m:r>
+                          <a:rPr lang="fr-FR" sz="701" i="1" dirty="0">
+                            <a:latin typeface="Cambria Math" panose="02040503050406030204" pitchFamily="18" charset="0"/>
+                          </a:rPr>
+                          <m:t>𝑠𝑡𝑎𝑡𝑖𝑜𝑛</m:t>
+                        </m:r>
+                      </m:sub>
+                    </m:sSub>
+                  </m:oMath>
+                </a14:m>
+                <a:r>
+                  <a:rPr lang="fr-FR" sz="701" dirty="0"/>
+                  <a:t>= 10.6%</a:t>
+                </a:r>
+              </a:p>
+              <a:p>
+                <a:pPr algn="ctr"/>
+                <a14:m>
+                  <m:oMath xmlns:m="http://schemas.openxmlformats.org/officeDocument/2006/math">
+                    <m:sSub>
+                      <m:sSubPr>
+                        <m:ctrlPr>
+                          <a:rPr lang="fr-FR" sz="701" i="1">
+                            <a:latin typeface="Cambria Math" panose="02040503050406030204" pitchFamily="18" charset="0"/>
+                          </a:rPr>
+                        </m:ctrlPr>
+                      </m:sSubPr>
+                      <m:e>
+                        <m:acc>
+                          <m:accPr>
+                            <m:chr m:val="̅"/>
+                            <m:ctrlPr>
+                              <a:rPr lang="fr-FR" sz="701" i="1">
+                                <a:latin typeface="Cambria Math" panose="02040503050406030204" pitchFamily="18" charset="0"/>
+                              </a:rPr>
+                            </m:ctrlPr>
+                          </m:accPr>
+                          <m:e>
+                            <m:r>
+                              <a:rPr lang="fr-FR" sz="701" i="1">
+                                <a:latin typeface="Cambria Math" panose="02040503050406030204" pitchFamily="18" charset="0"/>
+                                <a:ea typeface="Cambria Math" panose="02040503050406030204" pitchFamily="18" charset="0"/>
+                              </a:rPr>
+                              <m:t>𝛼</m:t>
+                            </m:r>
+                          </m:e>
+                        </m:acc>
+                      </m:e>
+                      <m:sub>
+                        <m:r>
+                          <a:rPr lang="fr-FR" sz="701" i="1" dirty="0">
+                            <a:latin typeface="Cambria Math" panose="02040503050406030204" pitchFamily="18" charset="0"/>
+                          </a:rPr>
+                          <m:t>𝑠𝑡𝑎𝑡𝑖𝑜𝑛</m:t>
+                        </m:r>
+                      </m:sub>
+                    </m:sSub>
+                  </m:oMath>
+                </a14:m>
+                <a:r>
+                  <a:rPr lang="fr-FR" sz="701" dirty="0"/>
+                  <a:t>= 7.3%</a:t>
+                </a:r>
+              </a:p>
+            </p:txBody>
+          </p:sp>
+        </mc:Choice>
+        <mc:Fallback>
+          <p:sp>
+            <p:nvSpPr>
+              <p:cNvPr id="16" name="ZoneTexte 15"/>
+              <p:cNvSpPr txBox="1">
+                <a:spLocks noRot="1" noChangeAspect="1" noMove="1" noResize="1" noEditPoints="1" noAdjustHandles="1" noChangeArrowheads="1" noChangeShapeType="1" noTextEdit="1"/>
+              </p:cNvSpPr>
+              <p:nvPr/>
+            </p:nvSpPr>
+            <p:spPr>
+              <a:xfrm>
+                <a:off x="6318190" y="2986729"/>
+                <a:ext cx="976908" cy="418384"/>
+              </a:xfrm>
+              <a:prstGeom prst="rect">
+                <a:avLst/>
+              </a:prstGeom>
+              <a:blipFill>
+                <a:blip r:embed="rId12"/>
+                <a:stretch>
+                  <a:fillRect b="-1449"/>
+                </a:stretch>
+              </a:blipFill>
+            </p:spPr>
+            <p:txBody>
+              <a:bodyPr/>
+              <a:lstStyle/>
+              <a:p>
+                <a:r>
+                  <a:rPr lang="fr-FR">
+                    <a:noFill/>
+                  </a:rPr>
+                  <a:t> </a:t>
+                </a:r>
+              </a:p>
+            </p:txBody>
+          </p:sp>
+        </mc:Fallback>
+      </mc:AlternateContent>
+      <mc:AlternateContent xmlns:mc="http://schemas.openxmlformats.org/markup-compatibility/2006">
+        <mc:Choice xmlns:a14="http://schemas.microsoft.com/office/drawing/2010/main" Requires="a14">
+          <p:sp>
+            <p:nvSpPr>
+              <p:cNvPr id="17" name="ZoneTexte 16"/>
+              <p:cNvSpPr txBox="1"/>
+              <p:nvPr/>
+            </p:nvSpPr>
+            <p:spPr>
+              <a:xfrm>
+                <a:off x="4553530" y="3407904"/>
+                <a:ext cx="730479" cy="212238"/>
+              </a:xfrm>
+              <a:prstGeom prst="rect">
+                <a:avLst/>
+              </a:prstGeom>
+              <a:noFill/>
+            </p:spPr>
+            <p:txBody>
+              <a:bodyPr wrap="square" rtlCol="0">
+                <a:spAutoFit/>
+              </a:bodyPr>
+              <a:lstStyle/>
+              <a:p>
+                <a14:m>
+                  <m:oMath xmlns:m="http://schemas.openxmlformats.org/officeDocument/2006/math">
+                    <m:sSub>
+                      <m:sSubPr>
+                        <m:ctrlPr>
+                          <a:rPr lang="fr-FR" sz="779" b="1" i="1">
+                            <a:solidFill>
+                              <a:srgbClr val="FF0000"/>
+                            </a:solidFill>
+                            <a:latin typeface="Cambria Math" panose="02040503050406030204" pitchFamily="18" charset="0"/>
+                          </a:rPr>
+                        </m:ctrlPr>
+                      </m:sSubPr>
+                      <m:e>
+                        <m:acc>
+                          <m:accPr>
+                            <m:chr m:val="̅"/>
+                            <m:ctrlPr>
+                              <a:rPr lang="fr-FR" sz="779" b="1" i="1">
+                                <a:solidFill>
+                                  <a:srgbClr val="FF0000"/>
+                                </a:solidFill>
+                                <a:latin typeface="Cambria Math" panose="02040503050406030204" pitchFamily="18" charset="0"/>
+                              </a:rPr>
+                            </m:ctrlPr>
+                          </m:accPr>
+                          <m:e>
+                            <m:r>
+                              <a:rPr lang="fr-FR" sz="779" b="1" i="1">
+                                <a:solidFill>
+                                  <a:srgbClr val="FF0000"/>
+                                </a:solidFill>
+                                <a:latin typeface="Cambria Math" panose="02040503050406030204" pitchFamily="18" charset="0"/>
+                                <a:ea typeface="Cambria Math" panose="02040503050406030204" pitchFamily="18" charset="0"/>
+                              </a:rPr>
+                              <m:t>𝜶</m:t>
+                            </m:r>
+                          </m:e>
+                        </m:acc>
+                      </m:e>
+                      <m:sub>
+                        <m:r>
+                          <a:rPr lang="fr-FR" sz="779" b="1" i="1" dirty="0">
+                            <a:solidFill>
+                              <a:srgbClr val="FF0000"/>
+                            </a:solidFill>
+                            <a:latin typeface="Cambria Math" panose="02040503050406030204" pitchFamily="18" charset="0"/>
+                          </a:rPr>
+                          <m:t>𝒔𝒕𝒂𝒕𝒊𝒐𝒏</m:t>
+                        </m:r>
+                      </m:sub>
+                    </m:sSub>
+                  </m:oMath>
+                </a14:m>
+                <a:r>
+                  <a:rPr lang="fr-FR" sz="779" b="1" dirty="0">
                     <a:solidFill>
                       <a:srgbClr val="FF0000"/>
                     </a:solidFill>
-                  </a:endParaRPr>
-                </a:p>
-              </p:txBody>
-            </p:sp>
-          </mc:Choice>
-          <mc:Fallback>
-            <p:sp>
-              <p:nvSpPr>
-                <p:cNvPr id="18" name="ZoneTexte 17"/>
-                <p:cNvSpPr txBox="1">
-                  <a:spLocks noRot="1" noChangeAspect="1" noMove="1" noResize="1" noEditPoints="1" noAdjustHandles="1" noChangeArrowheads="1" noChangeShapeType="1" noTextEdit="1"/>
-                </p:cNvSpPr>
-                <p:nvPr/>
-              </p:nvSpPr>
-              <p:spPr>
-                <a:xfrm>
-                  <a:off x="3337489" y="3685425"/>
-                  <a:ext cx="1497152" cy="310548"/>
-                </a:xfrm>
-                <a:prstGeom prst="rect">
-                  <a:avLst/>
-                </a:prstGeom>
-                <a:blipFill>
-                  <a:blip r:embed="rId14"/>
-                  <a:stretch>
-                    <a:fillRect b="-5714"/>
-                  </a:stretch>
-                </a:blipFill>
-              </p:spPr>
-              <p:txBody>
-                <a:bodyPr/>
-                <a:lstStyle/>
-                <a:p>
-                  <a:r>
-                    <a:rPr lang="fr-FR">
-                      <a:noFill/>
-                    </a:rPr>
-                    <a:t> </a:t>
-                  </a:r>
-                </a:p>
-              </p:txBody>
-            </p:sp>
-          </mc:Fallback>
-        </mc:AlternateContent>
-        <mc:AlternateContent xmlns:mc="http://schemas.openxmlformats.org/markup-compatibility/2006">
-          <mc:Choice xmlns:a14="http://schemas.microsoft.com/office/drawing/2010/main" Requires="a14">
-            <p:sp>
-              <p:nvSpPr>
-                <p:cNvPr id="19" name="ZoneTexte 18"/>
-                <p:cNvSpPr txBox="1"/>
-                <p:nvPr/>
-              </p:nvSpPr>
-              <p:spPr>
-                <a:xfrm>
-                  <a:off x="3448671" y="2791930"/>
-                  <a:ext cx="1276143" cy="310548"/>
-                </a:xfrm>
-                <a:prstGeom prst="rect">
-                  <a:avLst/>
-                </a:prstGeom>
-                <a:noFill/>
-              </p:spPr>
-              <p:txBody>
-                <a:bodyPr wrap="square" rtlCol="0">
-                  <a:spAutoFit/>
-                </a:bodyPr>
-                <a:lstStyle/>
-                <a:p>
-                  <a14:m>
-                    <m:oMath xmlns:m="http://schemas.openxmlformats.org/officeDocument/2006/math">
-                      <m:sSub>
-                        <m:sSubPr>
-                          <m:ctrlPr>
-                            <a:rPr lang="fr-FR" sz="779" b="1" i="1">
-                              <a:solidFill>
-                                <a:srgbClr val="FF0000"/>
-                              </a:solidFill>
-                              <a:latin typeface="Cambria Math" panose="02040503050406030204" pitchFamily="18" charset="0"/>
-                            </a:rPr>
-                          </m:ctrlPr>
-                        </m:sSubPr>
-                        <m:e>
-                          <m:acc>
-                            <m:accPr>
-                              <m:chr m:val="̅"/>
-                              <m:ctrlPr>
-                                <a:rPr lang="fr-FR" sz="779" b="1" i="1">
-                                  <a:solidFill>
-                                    <a:srgbClr val="FF0000"/>
-                                  </a:solidFill>
-                                  <a:latin typeface="Cambria Math" panose="02040503050406030204" pitchFamily="18" charset="0"/>
-                                </a:rPr>
-                              </m:ctrlPr>
-                            </m:accPr>
-                            <m:e>
-                              <m:r>
-                                <a:rPr lang="fr-FR" sz="779" b="1" i="1">
-                                  <a:solidFill>
-                                    <a:srgbClr val="FF0000"/>
-                                  </a:solidFill>
-                                  <a:latin typeface="Cambria Math" panose="02040503050406030204" pitchFamily="18" charset="0"/>
-                                </a:rPr>
-                                <m:t>𝜷</m:t>
-                              </m:r>
-                            </m:e>
-                          </m:acc>
-                        </m:e>
-                        <m:sub>
-                          <m:r>
-                            <a:rPr lang="fr-FR" sz="779" b="1" i="1" dirty="0">
-                              <a:solidFill>
-                                <a:srgbClr val="FF0000"/>
-                              </a:solidFill>
-                              <a:latin typeface="Cambria Math" panose="02040503050406030204" pitchFamily="18" charset="0"/>
-                            </a:rPr>
-                            <m:t>𝒊𝒏𝒕𝒆𝒓</m:t>
-                          </m:r>
-                          <m:r>
-                            <a:rPr lang="fr-FR" sz="779" b="1" dirty="0">
-                              <a:solidFill>
-                                <a:srgbClr val="FF0000"/>
-                              </a:solidFill>
-                              <a:latin typeface="Cambria Math" panose="02040503050406030204" pitchFamily="18" charset="0"/>
-                            </a:rPr>
-                            <m:t>−</m:t>
-                          </m:r>
-                          <m:r>
-                            <a:rPr lang="fr-FR" sz="779" b="1" i="1" dirty="0">
-                              <a:solidFill>
-                                <a:srgbClr val="FF0000"/>
-                              </a:solidFill>
-                              <a:latin typeface="Cambria Math" panose="02040503050406030204" pitchFamily="18" charset="0"/>
-                            </a:rPr>
-                            <m:t>𝒔</m:t>
-                          </m:r>
-                          <m:r>
-                            <a:rPr lang="fr-FR" sz="779" b="1" dirty="0">
-                              <a:solidFill>
-                                <a:srgbClr val="FF0000"/>
-                              </a:solidFill>
-                              <a:latin typeface="Cambria Math" panose="02040503050406030204" pitchFamily="18" charset="0"/>
-                            </a:rPr>
-                            <m:t>𝐢𝐭𝐞</m:t>
-                          </m:r>
-                        </m:sub>
-                      </m:sSub>
-                    </m:oMath>
-                  </a14:m>
-                  <a:r>
-                    <a:rPr lang="fr-FR" sz="779" b="1" dirty="0">
-                      <a:solidFill>
-                        <a:srgbClr val="FF0000"/>
-                      </a:solidFill>
-                    </a:rPr>
-                    <a:t>= </a:t>
-                  </a:r>
-                  <a:r>
-                    <a:rPr lang="fr-FR" sz="779" b="1" dirty="0">
-                      <a:solidFill>
-                        <a:srgbClr val="FF0000"/>
-                      </a:solidFill>
-                    </a:rPr>
-                    <a:t>17%</a:t>
-                  </a:r>
-                  <a:endParaRPr lang="fr-FR" sz="779" b="1" dirty="0">
+                  </a:rPr>
+                  <a:t>= 5%</a:t>
+                </a:r>
+              </a:p>
+            </p:txBody>
+          </p:sp>
+        </mc:Choice>
+        <mc:Fallback>
+          <p:sp>
+            <p:nvSpPr>
+              <p:cNvPr id="17" name="ZoneTexte 16"/>
+              <p:cNvSpPr txBox="1">
+                <a:spLocks noRot="1" noChangeAspect="1" noMove="1" noResize="1" noEditPoints="1" noAdjustHandles="1" noChangeArrowheads="1" noChangeShapeType="1" noTextEdit="1"/>
+              </p:cNvSpPr>
+              <p:nvPr/>
+            </p:nvSpPr>
+            <p:spPr>
+              <a:xfrm>
+                <a:off x="4553530" y="3407904"/>
+                <a:ext cx="730479" cy="212238"/>
+              </a:xfrm>
+              <a:prstGeom prst="rect">
+                <a:avLst/>
+              </a:prstGeom>
+              <a:blipFill>
+                <a:blip r:embed="rId13"/>
+                <a:stretch>
+                  <a:fillRect b="-5714"/>
+                </a:stretch>
+              </a:blipFill>
+            </p:spPr>
+            <p:txBody>
+              <a:bodyPr/>
+              <a:lstStyle/>
+              <a:p>
+                <a:r>
+                  <a:rPr lang="fr-FR">
+                    <a:noFill/>
+                  </a:rPr>
+                  <a:t> </a:t>
+                </a:r>
+              </a:p>
+            </p:txBody>
+          </p:sp>
+        </mc:Fallback>
+      </mc:AlternateContent>
+      <p:cxnSp>
+        <p:nvCxnSpPr>
+          <p:cNvPr id="22" name="Connecteur droit avec flèche 21"/>
+          <p:cNvCxnSpPr>
+            <a:stCxn id="201" idx="2"/>
+            <a:endCxn id="9" idx="0"/>
+          </p:cNvCxnSpPr>
+          <p:nvPr/>
+        </p:nvCxnSpPr>
+        <p:spPr>
+          <a:xfrm flipH="1">
+            <a:off x="3994232" y="1865933"/>
+            <a:ext cx="5078" cy="347498"/>
+          </a:xfrm>
+          <a:prstGeom prst="straightConnector1">
+            <a:avLst/>
+          </a:prstGeom>
+          <a:ln>
+            <a:tailEnd type="triangle"/>
+          </a:ln>
+        </p:spPr>
+        <p:style>
+          <a:lnRef idx="1">
+            <a:schemeClr val="dk1"/>
+          </a:lnRef>
+          <a:fillRef idx="0">
+            <a:schemeClr val="dk1"/>
+          </a:fillRef>
+          <a:effectRef idx="0">
+            <a:schemeClr val="dk1"/>
+          </a:effectRef>
+          <a:fontRef idx="minor">
+            <a:schemeClr val="tx1"/>
+          </a:fontRef>
+        </p:style>
+      </p:cxnSp>
+      <p:cxnSp>
+        <p:nvCxnSpPr>
+          <p:cNvPr id="25" name="Connecteur droit avec flèche 24"/>
+          <p:cNvCxnSpPr>
+            <a:stCxn id="216" idx="2"/>
+            <a:endCxn id="83" idx="0"/>
+          </p:cNvCxnSpPr>
+          <p:nvPr/>
+        </p:nvCxnSpPr>
+        <p:spPr>
+          <a:xfrm>
+            <a:off x="4925640" y="1871265"/>
+            <a:ext cx="8896" cy="380514"/>
+          </a:xfrm>
+          <a:prstGeom prst="straightConnector1">
+            <a:avLst/>
+          </a:prstGeom>
+          <a:ln>
+            <a:tailEnd type="triangle"/>
+          </a:ln>
+        </p:spPr>
+        <p:style>
+          <a:lnRef idx="1">
+            <a:schemeClr val="dk1"/>
+          </a:lnRef>
+          <a:fillRef idx="0">
+            <a:schemeClr val="dk1"/>
+          </a:fillRef>
+          <a:effectRef idx="0">
+            <a:schemeClr val="dk1"/>
+          </a:effectRef>
+          <a:fontRef idx="minor">
+            <a:schemeClr val="tx1"/>
+          </a:fontRef>
+        </p:style>
+      </p:cxnSp>
+      <p:cxnSp>
+        <p:nvCxnSpPr>
+          <p:cNvPr id="27" name="Connecteur droit avec flèche 26"/>
+          <p:cNvCxnSpPr>
+            <a:stCxn id="221" idx="2"/>
+            <a:endCxn id="84" idx="0"/>
+          </p:cNvCxnSpPr>
+          <p:nvPr/>
+        </p:nvCxnSpPr>
+        <p:spPr>
+          <a:xfrm>
+            <a:off x="5853433" y="1870873"/>
+            <a:ext cx="7165" cy="368028"/>
+          </a:xfrm>
+          <a:prstGeom prst="straightConnector1">
+            <a:avLst/>
+          </a:prstGeom>
+          <a:ln>
+            <a:tailEnd type="triangle"/>
+          </a:ln>
+        </p:spPr>
+        <p:style>
+          <a:lnRef idx="1">
+            <a:schemeClr val="dk1"/>
+          </a:lnRef>
+          <a:fillRef idx="0">
+            <a:schemeClr val="dk1"/>
+          </a:fillRef>
+          <a:effectRef idx="0">
+            <a:schemeClr val="dk1"/>
+          </a:effectRef>
+          <a:fontRef idx="minor">
+            <a:schemeClr val="tx1"/>
+          </a:fontRef>
+        </p:style>
+      </p:cxnSp>
+      <p:cxnSp>
+        <p:nvCxnSpPr>
+          <p:cNvPr id="29" name="Connecteur droit avec flèche 28"/>
+          <p:cNvCxnSpPr>
+            <a:stCxn id="231" idx="2"/>
+            <a:endCxn id="85" idx="0"/>
+          </p:cNvCxnSpPr>
+          <p:nvPr/>
+        </p:nvCxnSpPr>
+        <p:spPr>
+          <a:xfrm>
+            <a:off x="6789278" y="1865933"/>
+            <a:ext cx="4073" cy="375705"/>
+          </a:xfrm>
+          <a:prstGeom prst="straightConnector1">
+            <a:avLst/>
+          </a:prstGeom>
+          <a:ln>
+            <a:tailEnd type="triangle"/>
+          </a:ln>
+        </p:spPr>
+        <p:style>
+          <a:lnRef idx="1">
+            <a:schemeClr val="dk1"/>
+          </a:lnRef>
+          <a:fillRef idx="0">
+            <a:schemeClr val="dk1"/>
+          </a:fillRef>
+          <a:effectRef idx="0">
+            <a:schemeClr val="dk1"/>
+          </a:effectRef>
+          <a:fontRef idx="minor">
+            <a:schemeClr val="tx1"/>
+          </a:fontRef>
+        </p:style>
+      </p:cxnSp>
+      <p:cxnSp>
+        <p:nvCxnSpPr>
+          <p:cNvPr id="31" name="Connecteur droit avec flèche 30"/>
+          <p:cNvCxnSpPr>
+            <a:endCxn id="100" idx="0"/>
+          </p:cNvCxnSpPr>
+          <p:nvPr/>
+        </p:nvCxnSpPr>
+        <p:spPr>
+          <a:xfrm>
+            <a:off x="3998656" y="2545963"/>
+            <a:ext cx="3565" cy="420209"/>
+          </a:xfrm>
+          <a:prstGeom prst="straightConnector1">
+            <a:avLst/>
+          </a:prstGeom>
+          <a:ln>
+            <a:tailEnd type="triangle"/>
+          </a:ln>
+        </p:spPr>
+        <p:style>
+          <a:lnRef idx="1">
+            <a:schemeClr val="dk1"/>
+          </a:lnRef>
+          <a:fillRef idx="0">
+            <a:schemeClr val="dk1"/>
+          </a:fillRef>
+          <a:effectRef idx="0">
+            <a:schemeClr val="dk1"/>
+          </a:effectRef>
+          <a:fontRef idx="minor">
+            <a:schemeClr val="tx1"/>
+          </a:fontRef>
+        </p:style>
+      </p:cxnSp>
+      <p:cxnSp>
+        <p:nvCxnSpPr>
+          <p:cNvPr id="33" name="Connecteur droit avec flèche 32"/>
+          <p:cNvCxnSpPr>
+            <a:stCxn id="83" idx="4"/>
+            <a:endCxn id="103" idx="0"/>
+          </p:cNvCxnSpPr>
+          <p:nvPr/>
+        </p:nvCxnSpPr>
+        <p:spPr>
+          <a:xfrm flipH="1">
+            <a:off x="4931798" y="2554426"/>
+            <a:ext cx="2738" cy="405303"/>
+          </a:xfrm>
+          <a:prstGeom prst="straightConnector1">
+            <a:avLst/>
+          </a:prstGeom>
+          <a:ln>
+            <a:tailEnd type="triangle"/>
+          </a:ln>
+        </p:spPr>
+        <p:style>
+          <a:lnRef idx="1">
+            <a:schemeClr val="dk1"/>
+          </a:lnRef>
+          <a:fillRef idx="0">
+            <a:schemeClr val="dk1"/>
+          </a:fillRef>
+          <a:effectRef idx="0">
+            <a:schemeClr val="dk1"/>
+          </a:effectRef>
+          <a:fontRef idx="minor">
+            <a:schemeClr val="tx1"/>
+          </a:fontRef>
+        </p:style>
+      </p:cxnSp>
+      <p:cxnSp>
+        <p:nvCxnSpPr>
+          <p:cNvPr id="35" name="Connecteur droit avec flèche 34"/>
+          <p:cNvCxnSpPr>
+            <a:stCxn id="84" idx="4"/>
+            <a:endCxn id="108" idx="0"/>
+          </p:cNvCxnSpPr>
+          <p:nvPr/>
+        </p:nvCxnSpPr>
+        <p:spPr>
+          <a:xfrm>
+            <a:off x="5860598" y="2541548"/>
+            <a:ext cx="825" cy="424624"/>
+          </a:xfrm>
+          <a:prstGeom prst="straightConnector1">
+            <a:avLst/>
+          </a:prstGeom>
+          <a:ln>
+            <a:tailEnd type="triangle"/>
+          </a:ln>
+        </p:spPr>
+        <p:style>
+          <a:lnRef idx="1">
+            <a:schemeClr val="dk1"/>
+          </a:lnRef>
+          <a:fillRef idx="0">
+            <a:schemeClr val="dk1"/>
+          </a:fillRef>
+          <a:effectRef idx="0">
+            <a:schemeClr val="dk1"/>
+          </a:effectRef>
+          <a:fontRef idx="minor">
+            <a:schemeClr val="tx1"/>
+          </a:fontRef>
+        </p:style>
+      </p:cxnSp>
+      <p:cxnSp>
+        <p:nvCxnSpPr>
+          <p:cNvPr id="37" name="Connecteur droit avec flèche 36"/>
+          <p:cNvCxnSpPr>
+            <a:stCxn id="85" idx="4"/>
+            <a:endCxn id="115" idx="0"/>
+          </p:cNvCxnSpPr>
+          <p:nvPr/>
+        </p:nvCxnSpPr>
+        <p:spPr>
+          <a:xfrm flipH="1">
+            <a:off x="6791338" y="2544285"/>
+            <a:ext cx="2013" cy="421887"/>
+          </a:xfrm>
+          <a:prstGeom prst="straightConnector1">
+            <a:avLst/>
+          </a:prstGeom>
+          <a:ln>
+            <a:tailEnd type="triangle"/>
+          </a:ln>
+        </p:spPr>
+        <p:style>
+          <a:lnRef idx="1">
+            <a:schemeClr val="dk1"/>
+          </a:lnRef>
+          <a:fillRef idx="0">
+            <a:schemeClr val="dk1"/>
+          </a:fillRef>
+          <a:effectRef idx="0">
+            <a:schemeClr val="dk1"/>
+          </a:effectRef>
+          <a:fontRef idx="minor">
+            <a:schemeClr val="tx1"/>
+          </a:fontRef>
+        </p:style>
+      </p:cxnSp>
+      <p:cxnSp>
+        <p:nvCxnSpPr>
+          <p:cNvPr id="41" name="Connecteur droit avec flèche 40"/>
+          <p:cNvCxnSpPr>
+            <a:stCxn id="46" idx="4"/>
+            <a:endCxn id="6" idx="0"/>
+          </p:cNvCxnSpPr>
+          <p:nvPr/>
+        </p:nvCxnSpPr>
+        <p:spPr>
+          <a:xfrm>
+            <a:off x="4946297" y="666204"/>
+            <a:ext cx="2108" cy="426427"/>
+          </a:xfrm>
+          <a:prstGeom prst="straightConnector1">
+            <a:avLst/>
+          </a:prstGeom>
+          <a:ln>
+            <a:tailEnd type="triangle"/>
+          </a:ln>
+        </p:spPr>
+        <p:style>
+          <a:lnRef idx="1">
+            <a:schemeClr val="dk1"/>
+          </a:lnRef>
+          <a:fillRef idx="0">
+            <a:schemeClr val="dk1"/>
+          </a:fillRef>
+          <a:effectRef idx="0">
+            <a:schemeClr val="dk1"/>
+          </a:effectRef>
+          <a:fontRef idx="minor">
+            <a:schemeClr val="tx1"/>
+          </a:fontRef>
+        </p:style>
+      </p:cxnSp>
+      <p:cxnSp>
+        <p:nvCxnSpPr>
+          <p:cNvPr id="43" name="Connecteur droit avec flèche 42"/>
+          <p:cNvCxnSpPr>
+            <a:stCxn id="46" idx="4"/>
+            <a:endCxn id="7" idx="0"/>
+          </p:cNvCxnSpPr>
+          <p:nvPr/>
+        </p:nvCxnSpPr>
+        <p:spPr>
+          <a:xfrm>
+            <a:off x="4946297" y="666204"/>
+            <a:ext cx="922061" cy="430170"/>
+          </a:xfrm>
+          <a:prstGeom prst="straightConnector1">
+            <a:avLst/>
+          </a:prstGeom>
+          <a:ln>
+            <a:tailEnd type="triangle"/>
+          </a:ln>
+        </p:spPr>
+        <p:style>
+          <a:lnRef idx="1">
+            <a:schemeClr val="dk1"/>
+          </a:lnRef>
+          <a:fillRef idx="0">
+            <a:schemeClr val="dk1"/>
+          </a:fillRef>
+          <a:effectRef idx="0">
+            <a:schemeClr val="dk1"/>
+          </a:effectRef>
+          <a:fontRef idx="minor">
+            <a:schemeClr val="tx1"/>
+          </a:fontRef>
+        </p:style>
+      </p:cxnSp>
+      <p:sp>
+        <p:nvSpPr>
+          <p:cNvPr id="83" name="Ellipse 82"/>
+          <p:cNvSpPr/>
+          <p:nvPr/>
+        </p:nvSpPr>
+        <p:spPr>
+          <a:xfrm>
+            <a:off x="4610016" y="2251779"/>
+            <a:ext cx="649039" cy="302647"/>
+          </a:xfrm>
+          <a:prstGeom prst="ellipse">
+            <a:avLst/>
+          </a:prstGeom>
+          <a:noFill/>
+          <a:ln>
+            <a:solidFill>
+              <a:srgbClr val="333300"/>
+            </a:solidFill>
+          </a:ln>
+        </p:spPr>
+        <p:style>
+          <a:lnRef idx="2">
+            <a:schemeClr val="accent4"/>
+          </a:lnRef>
+          <a:fillRef idx="1">
+            <a:schemeClr val="lt1"/>
+          </a:fillRef>
+          <a:effectRef idx="0">
+            <a:schemeClr val="accent4"/>
+          </a:effectRef>
+          <a:fontRef idx="minor">
+            <a:schemeClr val="dk1"/>
+          </a:fontRef>
+        </p:style>
+        <p:txBody>
+          <a:bodyPr rtlCol="0" anchor="ctr"/>
+          <a:lstStyle/>
+          <a:p>
+            <a:pPr algn="ctr"/>
+            <a:endParaRPr lang="fr-FR" sz="701"/>
+          </a:p>
+        </p:txBody>
+      </p:sp>
+      <p:sp>
+        <p:nvSpPr>
+          <p:cNvPr id="84" name="Ellipse 83"/>
+          <p:cNvSpPr/>
+          <p:nvPr/>
+        </p:nvSpPr>
+        <p:spPr>
+          <a:xfrm>
+            <a:off x="5490216" y="2238901"/>
+            <a:ext cx="740764" cy="302647"/>
+          </a:xfrm>
+          <a:prstGeom prst="ellipse">
+            <a:avLst/>
+          </a:prstGeom>
+          <a:noFill/>
+          <a:ln>
+            <a:solidFill>
+              <a:srgbClr val="EA907E"/>
+            </a:solidFill>
+          </a:ln>
+        </p:spPr>
+        <p:style>
+          <a:lnRef idx="2">
+            <a:schemeClr val="accent1"/>
+          </a:lnRef>
+          <a:fillRef idx="1">
+            <a:schemeClr val="lt1"/>
+          </a:fillRef>
+          <a:effectRef idx="0">
+            <a:schemeClr val="accent1"/>
+          </a:effectRef>
+          <a:fontRef idx="minor">
+            <a:schemeClr val="dk1"/>
+          </a:fontRef>
+        </p:style>
+        <p:txBody>
+          <a:bodyPr rtlCol="0" anchor="ctr"/>
+          <a:lstStyle/>
+          <a:p>
+            <a:pPr algn="ctr"/>
+            <a:endParaRPr lang="fr-FR" sz="701"/>
+          </a:p>
+        </p:txBody>
+      </p:sp>
+      <p:sp>
+        <p:nvSpPr>
+          <p:cNvPr id="85" name="Ellipse 84"/>
+          <p:cNvSpPr/>
+          <p:nvPr/>
+        </p:nvSpPr>
+        <p:spPr>
+          <a:xfrm>
+            <a:off x="6428068" y="2241638"/>
+            <a:ext cx="730566" cy="302647"/>
+          </a:xfrm>
+          <a:prstGeom prst="ellipse">
+            <a:avLst/>
+          </a:prstGeom>
+          <a:noFill/>
+          <a:ln>
+            <a:solidFill>
+              <a:srgbClr val="769376"/>
+            </a:solidFill>
+          </a:ln>
+        </p:spPr>
+        <p:style>
+          <a:lnRef idx="2">
+            <a:schemeClr val="accent4"/>
+          </a:lnRef>
+          <a:fillRef idx="1">
+            <a:schemeClr val="lt1"/>
+          </a:fillRef>
+          <a:effectRef idx="0">
+            <a:schemeClr val="accent4"/>
+          </a:effectRef>
+          <a:fontRef idx="minor">
+            <a:schemeClr val="dk1"/>
+          </a:fontRef>
+        </p:style>
+        <p:txBody>
+          <a:bodyPr rtlCol="0" anchor="ctr"/>
+          <a:lstStyle/>
+          <a:p>
+            <a:pPr algn="ctr"/>
+            <a:endParaRPr lang="fr-FR" sz="701"/>
+          </a:p>
+        </p:txBody>
+      </p:sp>
+      <p:sp>
+        <p:nvSpPr>
+          <p:cNvPr id="100" name="Ellipse 99"/>
+          <p:cNvSpPr/>
+          <p:nvPr/>
+        </p:nvSpPr>
+        <p:spPr>
+          <a:xfrm>
+            <a:off x="3628086" y="2966172"/>
+            <a:ext cx="748270" cy="460131"/>
+          </a:xfrm>
+          <a:prstGeom prst="ellipse">
+            <a:avLst/>
+          </a:prstGeom>
+          <a:noFill/>
+          <a:ln w="12700">
+            <a:solidFill>
+              <a:srgbClr val="E6A727"/>
+            </a:solidFill>
+          </a:ln>
+        </p:spPr>
+        <p:style>
+          <a:lnRef idx="1">
+            <a:schemeClr val="accent2"/>
+          </a:lnRef>
+          <a:fillRef idx="2">
+            <a:schemeClr val="accent2"/>
+          </a:fillRef>
+          <a:effectRef idx="1">
+            <a:schemeClr val="accent2"/>
+          </a:effectRef>
+          <a:fontRef idx="minor">
+            <a:schemeClr val="dk1"/>
+          </a:fontRef>
+        </p:style>
+        <p:txBody>
+          <a:bodyPr rtlCol="0" anchor="ctr"/>
+          <a:lstStyle/>
+          <a:p>
+            <a:pPr algn="ctr"/>
+            <a:endParaRPr lang="fr-FR" sz="701"/>
+          </a:p>
+        </p:txBody>
+      </p:sp>
+      <p:sp>
+        <p:nvSpPr>
+          <p:cNvPr id="103" name="Ellipse 102"/>
+          <p:cNvSpPr/>
+          <p:nvPr/>
+        </p:nvSpPr>
+        <p:spPr>
+          <a:xfrm>
+            <a:off x="4548668" y="2959729"/>
+            <a:ext cx="766259" cy="460131"/>
+          </a:xfrm>
+          <a:prstGeom prst="ellipse">
+            <a:avLst/>
+          </a:prstGeom>
+          <a:noFill/>
+          <a:ln>
+            <a:solidFill>
+              <a:srgbClr val="333300"/>
+            </a:solidFill>
+          </a:ln>
+        </p:spPr>
+        <p:style>
+          <a:lnRef idx="2">
+            <a:schemeClr val="accent4"/>
+          </a:lnRef>
+          <a:fillRef idx="1">
+            <a:schemeClr val="lt1"/>
+          </a:fillRef>
+          <a:effectRef idx="0">
+            <a:schemeClr val="accent4"/>
+          </a:effectRef>
+          <a:fontRef idx="minor">
+            <a:schemeClr val="dk1"/>
+          </a:fontRef>
+        </p:style>
+        <p:txBody>
+          <a:bodyPr rtlCol="0" anchor="ctr"/>
+          <a:lstStyle/>
+          <a:p>
+            <a:pPr algn="ctr"/>
+            <a:endParaRPr lang="fr-FR" sz="701"/>
+          </a:p>
+        </p:txBody>
+      </p:sp>
+      <p:sp>
+        <p:nvSpPr>
+          <p:cNvPr id="108" name="Ellipse 107"/>
+          <p:cNvSpPr/>
+          <p:nvPr/>
+        </p:nvSpPr>
+        <p:spPr>
+          <a:xfrm>
+            <a:off x="5491865" y="2966172"/>
+            <a:ext cx="739115" cy="460131"/>
+          </a:xfrm>
+          <a:prstGeom prst="ellipse">
+            <a:avLst/>
+          </a:prstGeom>
+          <a:noFill/>
+          <a:ln>
+            <a:solidFill>
+              <a:srgbClr val="EA907E"/>
+            </a:solidFill>
+          </a:ln>
+        </p:spPr>
+        <p:style>
+          <a:lnRef idx="2">
+            <a:schemeClr val="accent1"/>
+          </a:lnRef>
+          <a:fillRef idx="1">
+            <a:schemeClr val="lt1"/>
+          </a:fillRef>
+          <a:effectRef idx="0">
+            <a:schemeClr val="accent1"/>
+          </a:effectRef>
+          <a:fontRef idx="minor">
+            <a:schemeClr val="dk1"/>
+          </a:fontRef>
+        </p:style>
+        <p:txBody>
+          <a:bodyPr rtlCol="0" anchor="ctr"/>
+          <a:lstStyle/>
+          <a:p>
+            <a:pPr algn="ctr"/>
+            <a:endParaRPr lang="fr-FR" sz="701"/>
+          </a:p>
+        </p:txBody>
+      </p:sp>
+      <p:sp>
+        <p:nvSpPr>
+          <p:cNvPr id="115" name="Ellipse 114"/>
+          <p:cNvSpPr/>
+          <p:nvPr/>
+        </p:nvSpPr>
+        <p:spPr>
+          <a:xfrm>
+            <a:off x="6374957" y="2966172"/>
+            <a:ext cx="832762" cy="460131"/>
+          </a:xfrm>
+          <a:prstGeom prst="ellipse">
+            <a:avLst/>
+          </a:prstGeom>
+          <a:noFill/>
+          <a:ln>
+            <a:solidFill>
+              <a:srgbClr val="769376"/>
+            </a:solidFill>
+          </a:ln>
+        </p:spPr>
+        <p:style>
+          <a:lnRef idx="2">
+            <a:schemeClr val="accent4"/>
+          </a:lnRef>
+          <a:fillRef idx="1">
+            <a:schemeClr val="lt1"/>
+          </a:fillRef>
+          <a:effectRef idx="0">
+            <a:schemeClr val="accent4"/>
+          </a:effectRef>
+          <a:fontRef idx="minor">
+            <a:schemeClr val="dk1"/>
+          </a:fontRef>
+        </p:style>
+        <p:txBody>
+          <a:bodyPr rtlCol="0" anchor="ctr"/>
+          <a:lstStyle/>
+          <a:p>
+            <a:pPr algn="ctr"/>
+            <a:endParaRPr lang="fr-FR" sz="701"/>
+          </a:p>
+        </p:txBody>
+      </p:sp>
+      <p:sp>
+        <p:nvSpPr>
+          <p:cNvPr id="123" name="ZoneTexte 122"/>
+          <p:cNvSpPr txBox="1"/>
+          <p:nvPr/>
+        </p:nvSpPr>
+        <p:spPr>
+          <a:xfrm>
+            <a:off x="1836916" y="518333"/>
+            <a:ext cx="1949076" cy="212238"/>
+          </a:xfrm>
+          <a:prstGeom prst="rect">
+            <a:avLst/>
+          </a:prstGeom>
+          <a:noFill/>
+        </p:spPr>
+        <p:txBody>
+          <a:bodyPr wrap="square" rtlCol="0">
+            <a:spAutoFit/>
+          </a:bodyPr>
+          <a:lstStyle/>
+          <a:p>
+            <a:pPr marL="148369" indent="-148369">
+              <a:buFont typeface="Arial" panose="020B0604020202020204" pitchFamily="34" charset="0"/>
+              <a:buChar char="•"/>
+            </a:pPr>
+            <a:r>
+              <a:rPr lang="en-US" sz="779" b="1" dirty="0">
+                <a:latin typeface="Times New Roman" panose="02020603050405020304" pitchFamily="18" charset="0"/>
+                <a:cs typeface="Times New Roman" panose="02020603050405020304" pitchFamily="18" charset="0"/>
+              </a:rPr>
+              <a:t>Diversity partitioning of all MOTUs</a:t>
+            </a:r>
+          </a:p>
+        </p:txBody>
+      </p:sp>
+      <p:pic>
+        <p:nvPicPr>
+          <p:cNvPr id="201" name="Image 200"/>
+          <p:cNvPicPr>
+            <a:picLocks noChangeAspect="1"/>
+          </p:cNvPicPr>
+          <p:nvPr/>
+        </p:nvPicPr>
+        <p:blipFill>
+          <a:blip r:embed="rId14" cstate="print">
+            <a:extLst>
+              <a:ext uri="{28A0092B-C50C-407E-A947-70E740481C1C}">
+                <a14:useLocalDpi xmlns:a14="http://schemas.microsoft.com/office/drawing/2010/main" val="0"/>
+              </a:ext>
+            </a:extLst>
+          </a:blip>
+          <a:stretch>
+            <a:fillRect/>
+          </a:stretch>
+        </p:blipFill>
+        <p:spPr>
+          <a:xfrm>
+            <a:off x="3565900" y="1248440"/>
+            <a:ext cx="866820" cy="617493"/>
+          </a:xfrm>
+          <a:prstGeom prst="rect">
+            <a:avLst/>
+          </a:prstGeom>
+          <a:ln w="12700">
+            <a:noFill/>
+          </a:ln>
+        </p:spPr>
+      </p:pic>
+      <p:pic>
+        <p:nvPicPr>
+          <p:cNvPr id="202" name="Image 201"/>
+          <p:cNvPicPr>
+            <a:picLocks noChangeAspect="1"/>
+          </p:cNvPicPr>
+          <p:nvPr/>
+        </p:nvPicPr>
+        <p:blipFill>
+          <a:blip r:embed="rId15" cstate="print">
+            <a:extLst>
+              <a:ext uri="{28A0092B-C50C-407E-A947-70E740481C1C}">
+                <a14:useLocalDpi xmlns:a14="http://schemas.microsoft.com/office/drawing/2010/main" val="0"/>
+              </a:ext>
+            </a:extLst>
+          </a:blip>
+          <a:stretch>
+            <a:fillRect/>
+          </a:stretch>
+        </p:blipFill>
+        <p:spPr>
+          <a:xfrm>
+            <a:off x="1583083" y="2095296"/>
+            <a:ext cx="866326" cy="569202"/>
+          </a:xfrm>
+          <a:prstGeom prst="rect">
+            <a:avLst/>
+          </a:prstGeom>
+        </p:spPr>
+      </p:pic>
+      <p:pic>
+        <p:nvPicPr>
+          <p:cNvPr id="203" name="Image 202"/>
+          <p:cNvPicPr>
+            <a:picLocks noChangeAspect="1"/>
+          </p:cNvPicPr>
+          <p:nvPr/>
+        </p:nvPicPr>
+        <p:blipFill>
+          <a:blip r:embed="rId16" cstate="print">
+            <a:extLst>
+              <a:ext uri="{28A0092B-C50C-407E-A947-70E740481C1C}">
+                <a14:useLocalDpi xmlns:a14="http://schemas.microsoft.com/office/drawing/2010/main" val="0"/>
+              </a:ext>
+            </a:extLst>
+          </a:blip>
+          <a:stretch>
+            <a:fillRect/>
+          </a:stretch>
+        </p:blipFill>
+        <p:spPr>
+          <a:xfrm>
+            <a:off x="1586820" y="2742267"/>
+            <a:ext cx="866474" cy="649855"/>
+          </a:xfrm>
+          <a:prstGeom prst="rect">
+            <a:avLst/>
+          </a:prstGeom>
+        </p:spPr>
+      </p:pic>
+      <p:pic>
+        <p:nvPicPr>
+          <p:cNvPr id="231" name="Image 230"/>
+          <p:cNvPicPr>
+            <a:picLocks noChangeAspect="1"/>
+          </p:cNvPicPr>
+          <p:nvPr/>
+        </p:nvPicPr>
+        <p:blipFill>
+          <a:blip r:embed="rId17" cstate="print">
+            <a:extLst>
+              <a:ext uri="{28A0092B-C50C-407E-A947-70E740481C1C}">
+                <a14:useLocalDpi xmlns:a14="http://schemas.microsoft.com/office/drawing/2010/main" val="0"/>
+              </a:ext>
+            </a:extLst>
+          </a:blip>
+          <a:stretch>
+            <a:fillRect/>
+          </a:stretch>
+        </p:blipFill>
+        <p:spPr>
+          <a:xfrm>
+            <a:off x="6355521" y="1248440"/>
+            <a:ext cx="867513" cy="617493"/>
+          </a:xfrm>
+          <a:prstGeom prst="rect">
+            <a:avLst/>
+          </a:prstGeom>
+          <a:ln w="12700">
+            <a:noFill/>
+          </a:ln>
+        </p:spPr>
+      </p:pic>
+      <p:cxnSp>
+        <p:nvCxnSpPr>
+          <p:cNvPr id="39" name="Connecteur droit avec flèche 38"/>
+          <p:cNvCxnSpPr>
+            <a:stCxn id="46" idx="4"/>
+            <a:endCxn id="5" idx="0"/>
+          </p:cNvCxnSpPr>
+          <p:nvPr/>
+        </p:nvCxnSpPr>
+        <p:spPr>
+          <a:xfrm flipH="1">
+            <a:off x="4015866" y="666204"/>
+            <a:ext cx="930431" cy="426427"/>
+          </a:xfrm>
+          <a:prstGeom prst="straightConnector1">
+            <a:avLst/>
+          </a:prstGeom>
+          <a:ln>
+            <a:tailEnd type="triangle"/>
+          </a:ln>
+        </p:spPr>
+        <p:style>
+          <a:lnRef idx="1">
+            <a:schemeClr val="dk1"/>
+          </a:lnRef>
+          <a:fillRef idx="0">
+            <a:schemeClr val="dk1"/>
+          </a:fillRef>
+          <a:effectRef idx="0">
+            <a:schemeClr val="dk1"/>
+          </a:effectRef>
+          <a:fontRef idx="minor">
+            <a:schemeClr val="tx1"/>
+          </a:fontRef>
+        </p:style>
+      </p:cxnSp>
+      <mc:AlternateContent xmlns:mc="http://schemas.openxmlformats.org/markup-compatibility/2006">
+        <mc:Choice xmlns:a14="http://schemas.microsoft.com/office/drawing/2010/main" Requires="a14">
+          <p:sp>
+            <p:nvSpPr>
+              <p:cNvPr id="20" name="ZoneTexte 19"/>
+              <p:cNvSpPr txBox="1"/>
+              <p:nvPr/>
+            </p:nvSpPr>
+            <p:spPr>
+              <a:xfrm>
+                <a:off x="4406494" y="775330"/>
+                <a:ext cx="1054867" cy="223651"/>
+              </a:xfrm>
+              <a:prstGeom prst="rect">
+                <a:avLst/>
+              </a:prstGeom>
+              <a:solidFill>
+                <a:schemeClr val="bg1"/>
+              </a:solidFill>
+            </p:spPr>
+            <p:txBody>
+              <a:bodyPr wrap="square" rtlCol="0">
+                <a:spAutoFit/>
+              </a:bodyPr>
+              <a:lstStyle/>
+              <a:p>
+                <a14:m>
+                  <m:oMath xmlns:m="http://schemas.openxmlformats.org/officeDocument/2006/math">
+                    <m:sSub>
+                      <m:sSubPr>
+                        <m:ctrlPr>
+                          <a:rPr lang="fr-FR" sz="779" b="1" i="1">
+                            <a:solidFill>
+                              <a:srgbClr val="FF0000"/>
+                            </a:solidFill>
+                            <a:latin typeface="Cambria Math" panose="02040503050406030204" pitchFamily="18" charset="0"/>
+                          </a:rPr>
+                        </m:ctrlPr>
+                      </m:sSubPr>
+                      <m:e>
+                        <m:r>
+                          <a:rPr lang="fr-FR" sz="779" b="1" i="1">
+                            <a:solidFill>
+                              <a:srgbClr val="FF0000"/>
+                            </a:solidFill>
+                            <a:latin typeface="Cambria Math" panose="02040503050406030204" pitchFamily="18" charset="0"/>
+                            <a:ea typeface="Cambria Math" panose="02040503050406030204" pitchFamily="18" charset="0"/>
+                          </a:rPr>
+                          <m:t>𝛃</m:t>
+                        </m:r>
+                      </m:e>
+                      <m:sub>
+                        <m:r>
+                          <a:rPr lang="fr-FR" sz="779" b="1" i="1" dirty="0">
+                            <a:solidFill>
+                              <a:srgbClr val="FF0000"/>
+                            </a:solidFill>
+                            <a:latin typeface="Cambria Math" panose="02040503050406030204" pitchFamily="18" charset="0"/>
+                          </a:rPr>
+                          <m:t>𝒊𝒏𝒕𝒆𝒓</m:t>
+                        </m:r>
+                        <m:r>
+                          <a:rPr lang="fr-FR" sz="779" b="1" dirty="0">
+                            <a:solidFill>
+                              <a:srgbClr val="FF0000"/>
+                            </a:solidFill>
+                            <a:latin typeface="Cambria Math" panose="02040503050406030204" pitchFamily="18" charset="0"/>
+                          </a:rPr>
+                          <m:t>−</m:t>
+                        </m:r>
+                        <m:r>
+                          <a:rPr lang="fr-FR" sz="779" b="1" dirty="0">
+                            <a:solidFill>
+                              <a:srgbClr val="FF0000"/>
+                            </a:solidFill>
+                            <a:latin typeface="Cambria Math" panose="02040503050406030204" pitchFamily="18" charset="0"/>
+                          </a:rPr>
+                          <m:t>𝐫𝐞𝐠𝐢𝐨𝐧</m:t>
+                        </m:r>
+                      </m:sub>
+                    </m:sSub>
+                  </m:oMath>
+                </a14:m>
+                <a:r>
+                  <a:rPr lang="fr-FR" sz="779" b="1" dirty="0">
                     <a:solidFill>
                       <a:srgbClr val="FF0000"/>
                     </a:solidFill>
-                  </a:endParaRPr>
-                </a:p>
-              </p:txBody>
-            </p:sp>
-          </mc:Choice>
-          <mc:Fallback>
-            <p:sp>
-              <p:nvSpPr>
-                <p:cNvPr id="19" name="ZoneTexte 18"/>
-                <p:cNvSpPr txBox="1">
-                  <a:spLocks noRot="1" noChangeAspect="1" noMove="1" noResize="1" noEditPoints="1" noAdjustHandles="1" noChangeArrowheads="1" noChangeShapeType="1" noTextEdit="1"/>
-                </p:cNvSpPr>
-                <p:nvPr/>
-              </p:nvSpPr>
-              <p:spPr>
-                <a:xfrm>
-                  <a:off x="3448671" y="2791930"/>
-                  <a:ext cx="1276143" cy="310548"/>
-                </a:xfrm>
-                <a:prstGeom prst="rect">
-                  <a:avLst/>
-                </a:prstGeom>
-                <a:blipFill>
-                  <a:blip r:embed="rId15"/>
-                  <a:stretch>
-                    <a:fillRect b="-8571"/>
-                  </a:stretch>
-                </a:blipFill>
-              </p:spPr>
-              <p:txBody>
-                <a:bodyPr/>
-                <a:lstStyle/>
-                <a:p>
-                  <a:r>
-                    <a:rPr lang="fr-FR">
-                      <a:noFill/>
-                    </a:rPr>
-                    <a:t> </a:t>
-                  </a:r>
-                </a:p>
-              </p:txBody>
-            </p:sp>
-          </mc:Fallback>
-        </mc:AlternateContent>
-        <p:cxnSp>
-          <p:nvCxnSpPr>
-            <p:cNvPr id="22" name="Connecteur droit avec flèche 21"/>
-            <p:cNvCxnSpPr>
-              <a:stCxn id="201" idx="2"/>
-              <a:endCxn id="9" idx="0"/>
-            </p:cNvCxnSpPr>
-            <p:nvPr/>
-          </p:nvCxnSpPr>
-          <p:spPr>
-            <a:xfrm flipH="1">
-              <a:off x="2033226" y="2695236"/>
-              <a:ext cx="7335" cy="444518"/>
-            </a:xfrm>
-            <a:prstGeom prst="straightConnector1">
-              <a:avLst/>
-            </a:prstGeom>
-            <a:ln>
-              <a:tailEnd type="triangle"/>
-            </a:ln>
-          </p:spPr>
-          <p:style>
-            <a:lnRef idx="1">
-              <a:schemeClr val="dk1"/>
-            </a:lnRef>
-            <a:fillRef idx="0">
-              <a:schemeClr val="dk1"/>
-            </a:fillRef>
-            <a:effectRef idx="0">
-              <a:schemeClr val="dk1"/>
-            </a:effectRef>
-            <a:fontRef idx="minor">
-              <a:schemeClr val="tx1"/>
-            </a:fontRef>
-          </p:style>
-        </p:cxnSp>
-        <p:cxnSp>
-          <p:nvCxnSpPr>
-            <p:cNvPr id="25" name="Connecteur droit avec flèche 24"/>
-            <p:cNvCxnSpPr>
-              <a:stCxn id="216" idx="2"/>
-              <a:endCxn id="10" idx="0"/>
-            </p:cNvCxnSpPr>
-            <p:nvPr/>
-          </p:nvCxnSpPr>
-          <p:spPr>
-            <a:xfrm flipH="1">
-              <a:off x="3368670" y="2702938"/>
-              <a:ext cx="9922" cy="443560"/>
-            </a:xfrm>
-            <a:prstGeom prst="straightConnector1">
-              <a:avLst/>
-            </a:prstGeom>
-            <a:ln>
-              <a:tailEnd type="triangle"/>
-            </a:ln>
-          </p:spPr>
-          <p:style>
-            <a:lnRef idx="1">
-              <a:schemeClr val="dk1"/>
-            </a:lnRef>
-            <a:fillRef idx="0">
-              <a:schemeClr val="dk1"/>
-            </a:fillRef>
-            <a:effectRef idx="0">
-              <a:schemeClr val="dk1"/>
-            </a:effectRef>
-            <a:fontRef idx="minor">
-              <a:schemeClr val="tx1"/>
-            </a:fontRef>
-          </p:style>
-        </p:cxnSp>
-        <p:cxnSp>
-          <p:nvCxnSpPr>
-            <p:cNvPr id="27" name="Connecteur droit avec flèche 26"/>
-            <p:cNvCxnSpPr>
-              <a:stCxn id="221" idx="2"/>
-              <a:endCxn id="84" idx="0"/>
-            </p:cNvCxnSpPr>
-            <p:nvPr/>
-          </p:nvCxnSpPr>
-          <p:spPr>
-            <a:xfrm>
-              <a:off x="4718739" y="2702372"/>
-              <a:ext cx="10348" cy="474172"/>
-            </a:xfrm>
-            <a:prstGeom prst="straightConnector1">
-              <a:avLst/>
-            </a:prstGeom>
-            <a:ln>
-              <a:tailEnd type="triangle"/>
-            </a:ln>
-          </p:spPr>
-          <p:style>
-            <a:lnRef idx="1">
-              <a:schemeClr val="dk1"/>
-            </a:lnRef>
-            <a:fillRef idx="0">
-              <a:schemeClr val="dk1"/>
-            </a:fillRef>
-            <a:effectRef idx="0">
-              <a:schemeClr val="dk1"/>
-            </a:effectRef>
-            <a:fontRef idx="minor">
-              <a:schemeClr val="tx1"/>
-            </a:fontRef>
-          </p:style>
-        </p:cxnSp>
-        <p:cxnSp>
-          <p:nvCxnSpPr>
-            <p:cNvPr id="29" name="Connecteur droit avec flèche 28"/>
-            <p:cNvCxnSpPr>
-              <a:stCxn id="231" idx="2"/>
-              <a:endCxn id="85" idx="0"/>
-            </p:cNvCxnSpPr>
-            <p:nvPr/>
-          </p:nvCxnSpPr>
-          <p:spPr>
-            <a:xfrm>
-              <a:off x="6070513" y="2695236"/>
-              <a:ext cx="5885" cy="485261"/>
-            </a:xfrm>
-            <a:prstGeom prst="straightConnector1">
-              <a:avLst/>
-            </a:prstGeom>
-            <a:ln>
-              <a:tailEnd type="triangle"/>
-            </a:ln>
-          </p:spPr>
-          <p:style>
-            <a:lnRef idx="1">
-              <a:schemeClr val="dk1"/>
-            </a:lnRef>
-            <a:fillRef idx="0">
-              <a:schemeClr val="dk1"/>
-            </a:fillRef>
-            <a:effectRef idx="0">
-              <a:schemeClr val="dk1"/>
-            </a:effectRef>
-            <a:fontRef idx="minor">
-              <a:schemeClr val="tx1"/>
-            </a:fontRef>
-          </p:style>
-        </p:cxnSp>
-        <p:cxnSp>
-          <p:nvCxnSpPr>
-            <p:cNvPr id="31" name="Connecteur droit avec flèche 30"/>
-            <p:cNvCxnSpPr>
-              <a:stCxn id="77" idx="4"/>
-              <a:endCxn id="100" idx="0"/>
-            </p:cNvCxnSpPr>
-            <p:nvPr/>
-          </p:nvCxnSpPr>
-          <p:spPr>
-            <a:xfrm>
-              <a:off x="2039617" y="3620078"/>
-              <a:ext cx="5149" cy="446182"/>
-            </a:xfrm>
-            <a:prstGeom prst="straightConnector1">
-              <a:avLst/>
-            </a:prstGeom>
-            <a:ln>
-              <a:tailEnd type="triangle"/>
-            </a:ln>
-          </p:spPr>
-          <p:style>
-            <a:lnRef idx="1">
-              <a:schemeClr val="dk1"/>
-            </a:lnRef>
-            <a:fillRef idx="0">
-              <a:schemeClr val="dk1"/>
-            </a:fillRef>
-            <a:effectRef idx="0">
-              <a:schemeClr val="dk1"/>
-            </a:effectRef>
-            <a:fontRef idx="minor">
-              <a:schemeClr val="tx1"/>
-            </a:fontRef>
-          </p:style>
-        </p:cxnSp>
-        <p:cxnSp>
-          <p:nvCxnSpPr>
-            <p:cNvPr id="33" name="Connecteur droit avec flèche 32"/>
-            <p:cNvCxnSpPr>
-              <a:stCxn id="83" idx="4"/>
-              <a:endCxn id="103" idx="0"/>
-            </p:cNvCxnSpPr>
-            <p:nvPr/>
-          </p:nvCxnSpPr>
-          <p:spPr>
-            <a:xfrm>
-              <a:off x="3345504" y="3632303"/>
-              <a:ext cx="7529" cy="424650"/>
-            </a:xfrm>
-            <a:prstGeom prst="straightConnector1">
-              <a:avLst/>
-            </a:prstGeom>
-            <a:ln>
-              <a:tailEnd type="triangle"/>
-            </a:ln>
-          </p:spPr>
-          <p:style>
-            <a:lnRef idx="1">
-              <a:schemeClr val="dk1"/>
-            </a:lnRef>
-            <a:fillRef idx="0">
-              <a:schemeClr val="dk1"/>
-            </a:fillRef>
-            <a:effectRef idx="0">
-              <a:schemeClr val="dk1"/>
-            </a:effectRef>
-            <a:fontRef idx="minor">
-              <a:schemeClr val="tx1"/>
-            </a:fontRef>
-          </p:style>
-        </p:cxnSp>
-        <p:cxnSp>
-          <p:nvCxnSpPr>
-            <p:cNvPr id="35" name="Connecteur droit avec flèche 34"/>
-            <p:cNvCxnSpPr>
-              <a:stCxn id="84" idx="4"/>
-              <a:endCxn id="108" idx="0"/>
-            </p:cNvCxnSpPr>
-            <p:nvPr/>
-          </p:nvCxnSpPr>
-          <p:spPr>
-            <a:xfrm>
-              <a:off x="4729087" y="3613701"/>
-              <a:ext cx="1192" cy="452559"/>
-            </a:xfrm>
-            <a:prstGeom prst="straightConnector1">
-              <a:avLst/>
-            </a:prstGeom>
-            <a:ln>
-              <a:tailEnd type="triangle"/>
-            </a:ln>
-          </p:spPr>
-          <p:style>
-            <a:lnRef idx="1">
-              <a:schemeClr val="dk1"/>
-            </a:lnRef>
-            <a:fillRef idx="0">
-              <a:schemeClr val="dk1"/>
-            </a:fillRef>
-            <a:effectRef idx="0">
-              <a:schemeClr val="dk1"/>
-            </a:effectRef>
-            <a:fontRef idx="minor">
-              <a:schemeClr val="tx1"/>
-            </a:fontRef>
-          </p:style>
-        </p:cxnSp>
-        <p:cxnSp>
-          <p:nvCxnSpPr>
-            <p:cNvPr id="37" name="Connecteur droit avec flèche 36"/>
-            <p:cNvCxnSpPr>
-              <a:stCxn id="85" idx="4"/>
-              <a:endCxn id="115" idx="0"/>
-            </p:cNvCxnSpPr>
-            <p:nvPr/>
-          </p:nvCxnSpPr>
-          <p:spPr>
-            <a:xfrm flipH="1">
-              <a:off x="6073489" y="3617654"/>
-              <a:ext cx="2909" cy="448605"/>
-            </a:xfrm>
-            <a:prstGeom prst="straightConnector1">
-              <a:avLst/>
-            </a:prstGeom>
-            <a:ln>
-              <a:tailEnd type="triangle"/>
-            </a:ln>
-          </p:spPr>
-          <p:style>
-            <a:lnRef idx="1">
-              <a:schemeClr val="dk1"/>
-            </a:lnRef>
-            <a:fillRef idx="0">
-              <a:schemeClr val="dk1"/>
-            </a:fillRef>
-            <a:effectRef idx="0">
-              <a:schemeClr val="dk1"/>
-            </a:effectRef>
-            <a:fontRef idx="minor">
-              <a:schemeClr val="tx1"/>
-            </a:fontRef>
-          </p:style>
-        </p:cxnSp>
-        <p:cxnSp>
-          <p:nvCxnSpPr>
-            <p:cNvPr id="41" name="Connecteur droit avec flèche 40"/>
-            <p:cNvCxnSpPr>
-              <a:stCxn id="46" idx="4"/>
-              <a:endCxn id="6" idx="0"/>
-            </p:cNvCxnSpPr>
-            <p:nvPr/>
-          </p:nvCxnSpPr>
-          <p:spPr>
-            <a:xfrm flipH="1">
-              <a:off x="3411476" y="962294"/>
-              <a:ext cx="640101" cy="615950"/>
-            </a:xfrm>
-            <a:prstGeom prst="straightConnector1">
-              <a:avLst/>
-            </a:prstGeom>
-            <a:ln>
-              <a:tailEnd type="triangle"/>
-            </a:ln>
-          </p:spPr>
-          <p:style>
-            <a:lnRef idx="1">
-              <a:schemeClr val="dk1"/>
-            </a:lnRef>
-            <a:fillRef idx="0">
-              <a:schemeClr val="dk1"/>
-            </a:fillRef>
-            <a:effectRef idx="0">
-              <a:schemeClr val="dk1"/>
-            </a:effectRef>
-            <a:fontRef idx="minor">
-              <a:schemeClr val="tx1"/>
-            </a:fontRef>
-          </p:style>
-        </p:cxnSp>
-        <p:cxnSp>
-          <p:nvCxnSpPr>
-            <p:cNvPr id="43" name="Connecteur droit avec flèche 42"/>
-            <p:cNvCxnSpPr>
-              <a:stCxn id="46" idx="4"/>
-              <a:endCxn id="7" idx="0"/>
-            </p:cNvCxnSpPr>
-            <p:nvPr/>
-          </p:nvCxnSpPr>
-          <p:spPr>
-            <a:xfrm>
-              <a:off x="4051578" y="962294"/>
-              <a:ext cx="688720" cy="621357"/>
-            </a:xfrm>
-            <a:prstGeom prst="straightConnector1">
-              <a:avLst/>
-            </a:prstGeom>
-            <a:ln>
-              <a:tailEnd type="triangle"/>
-            </a:ln>
-          </p:spPr>
-          <p:style>
-            <a:lnRef idx="1">
-              <a:schemeClr val="dk1"/>
-            </a:lnRef>
-            <a:fillRef idx="0">
-              <a:schemeClr val="dk1"/>
-            </a:fillRef>
-            <a:effectRef idx="0">
-              <a:schemeClr val="dk1"/>
-            </a:effectRef>
-            <a:fontRef idx="minor">
-              <a:schemeClr val="tx1"/>
-            </a:fontRef>
-          </p:style>
-        </p:cxnSp>
-        <mc:AlternateContent xmlns:mc="http://schemas.openxmlformats.org/markup-compatibility/2006">
-          <mc:Choice xmlns:a14="http://schemas.microsoft.com/office/drawing/2010/main" Requires="a14">
-            <p:sp>
-              <p:nvSpPr>
-                <p:cNvPr id="20" name="ZoneTexte 19"/>
-                <p:cNvSpPr txBox="1"/>
-                <p:nvPr/>
-              </p:nvSpPr>
-              <p:spPr>
-                <a:xfrm>
-                  <a:off x="3281102" y="1131092"/>
-                  <a:ext cx="1497674" cy="323051"/>
-                </a:xfrm>
-                <a:prstGeom prst="rect">
-                  <a:avLst/>
-                </a:prstGeom>
-                <a:solidFill>
-                  <a:schemeClr val="bg1"/>
-                </a:solidFill>
-              </p:spPr>
-              <p:txBody>
-                <a:bodyPr wrap="square" rtlCol="0">
-                  <a:spAutoFit/>
-                </a:bodyPr>
-                <a:lstStyle/>
-                <a:p>
-                  <a14:m>
-                    <m:oMath xmlns:m="http://schemas.openxmlformats.org/officeDocument/2006/math">
-                      <m:sSub>
-                        <m:sSubPr>
-                          <m:ctrlPr>
-                            <a:rPr lang="fr-FR" sz="779" b="1" i="1">
-                              <a:solidFill>
-                                <a:srgbClr val="FF0000"/>
-                              </a:solidFill>
-                              <a:latin typeface="Cambria Math" panose="02040503050406030204" pitchFamily="18" charset="0"/>
-                            </a:rPr>
-                          </m:ctrlPr>
-                        </m:sSubPr>
-                        <m:e>
-                          <m:r>
-                            <a:rPr lang="fr-FR" sz="779" b="1" i="1">
-                              <a:solidFill>
-                                <a:srgbClr val="FF0000"/>
-                              </a:solidFill>
-                              <a:latin typeface="Cambria Math" panose="02040503050406030204" pitchFamily="18" charset="0"/>
-                              <a:ea typeface="Cambria Math" panose="02040503050406030204" pitchFamily="18" charset="0"/>
-                            </a:rPr>
-                            <m:t>𝛃</m:t>
-                          </m:r>
-                        </m:e>
-                        <m:sub>
-                          <m:r>
-                            <a:rPr lang="fr-FR" sz="779" b="1" i="1" dirty="0">
-                              <a:solidFill>
-                                <a:srgbClr val="FF0000"/>
-                              </a:solidFill>
-                              <a:latin typeface="Cambria Math" panose="02040503050406030204" pitchFamily="18" charset="0"/>
-                            </a:rPr>
-                            <m:t>𝒊𝒏𝒕𝒆𝒓</m:t>
-                          </m:r>
-                          <m:r>
-                            <a:rPr lang="fr-FR" sz="779" b="1" dirty="0">
-                              <a:solidFill>
-                                <a:srgbClr val="FF0000"/>
-                              </a:solidFill>
-                              <a:latin typeface="Cambria Math" panose="02040503050406030204" pitchFamily="18" charset="0"/>
-                            </a:rPr>
-                            <m:t>−</m:t>
-                          </m:r>
-                          <m:r>
-                            <a:rPr lang="fr-FR" sz="779" b="1" dirty="0">
-                              <a:solidFill>
-                                <a:srgbClr val="FF0000"/>
-                              </a:solidFill>
-                              <a:latin typeface="Cambria Math" panose="02040503050406030204" pitchFamily="18" charset="0"/>
-                            </a:rPr>
-                            <m:t>𝐫𝐞𝐠𝐢𝐨𝐧</m:t>
-                          </m:r>
-                        </m:sub>
-                      </m:sSub>
-                    </m:oMath>
-                  </a14:m>
-                  <a:r>
-                    <a:rPr lang="fr-FR" sz="779" b="1" dirty="0">
-                      <a:solidFill>
-                        <a:srgbClr val="FF0000"/>
-                      </a:solidFill>
-                    </a:rPr>
-                    <a:t>= </a:t>
-                  </a:r>
-                  <a:r>
-                    <a:rPr lang="fr-FR" sz="779" b="1" dirty="0">
-                      <a:solidFill>
-                        <a:srgbClr val="FF0000"/>
-                      </a:solidFill>
-                    </a:rPr>
-                    <a:t>71.5%</a:t>
-                  </a:r>
-                  <a:endParaRPr lang="fr-FR" sz="779" b="1" dirty="0">
+                  </a:rPr>
+                  <a:t>= 71.5%</a:t>
+                </a:r>
+              </a:p>
+            </p:txBody>
+          </p:sp>
+        </mc:Choice>
+        <mc:Fallback>
+          <p:sp>
+            <p:nvSpPr>
+              <p:cNvPr id="20" name="ZoneTexte 19"/>
+              <p:cNvSpPr txBox="1">
+                <a:spLocks noRot="1" noChangeAspect="1" noMove="1" noResize="1" noEditPoints="1" noAdjustHandles="1" noChangeArrowheads="1" noChangeShapeType="1" noTextEdit="1"/>
+              </p:cNvSpPr>
+              <p:nvPr/>
+            </p:nvSpPr>
+            <p:spPr>
+              <a:xfrm>
+                <a:off x="4406494" y="775330"/>
+                <a:ext cx="1054867" cy="223651"/>
+              </a:xfrm>
+              <a:prstGeom prst="rect">
+                <a:avLst/>
+              </a:prstGeom>
+              <a:blipFill>
+                <a:blip r:embed="rId18"/>
+                <a:stretch>
+                  <a:fillRect/>
+                </a:stretch>
+              </a:blipFill>
+            </p:spPr>
+            <p:txBody>
+              <a:bodyPr/>
+              <a:lstStyle/>
+              <a:p>
+                <a:r>
+                  <a:rPr lang="fr-FR">
+                    <a:noFill/>
+                  </a:rPr>
+                  <a:t> </a:t>
+                </a:r>
+              </a:p>
+            </p:txBody>
+          </p:sp>
+        </mc:Fallback>
+      </mc:AlternateContent>
+      <mc:AlternateContent xmlns:mc="http://schemas.openxmlformats.org/markup-compatibility/2006">
+        <mc:Choice xmlns:a14="http://schemas.microsoft.com/office/drawing/2010/main" Requires="a14">
+          <p:sp>
+            <p:nvSpPr>
+              <p:cNvPr id="19" name="ZoneTexte 18"/>
+              <p:cNvSpPr txBox="1"/>
+              <p:nvPr/>
+            </p:nvSpPr>
+            <p:spPr>
+              <a:xfrm>
+                <a:off x="4502360" y="1907581"/>
+                <a:ext cx="883484" cy="214995"/>
+              </a:xfrm>
+              <a:prstGeom prst="rect">
+                <a:avLst/>
+              </a:prstGeom>
+              <a:solidFill>
+                <a:schemeClr val="bg1"/>
+              </a:solidFill>
+            </p:spPr>
+            <p:txBody>
+              <a:bodyPr wrap="square" rtlCol="0">
+                <a:spAutoFit/>
+              </a:bodyPr>
+              <a:lstStyle/>
+              <a:p>
+                <a14:m>
+                  <m:oMath xmlns:m="http://schemas.openxmlformats.org/officeDocument/2006/math">
+                    <m:sSub>
+                      <m:sSubPr>
+                        <m:ctrlPr>
+                          <a:rPr lang="fr-FR" sz="779" b="1" i="1">
+                            <a:solidFill>
+                              <a:srgbClr val="FF0000"/>
+                            </a:solidFill>
+                            <a:latin typeface="Cambria Math" panose="02040503050406030204" pitchFamily="18" charset="0"/>
+                          </a:rPr>
+                        </m:ctrlPr>
+                      </m:sSubPr>
+                      <m:e>
+                        <m:acc>
+                          <m:accPr>
+                            <m:chr m:val="̅"/>
+                            <m:ctrlPr>
+                              <a:rPr lang="fr-FR" sz="779" b="1" i="1">
+                                <a:solidFill>
+                                  <a:srgbClr val="FF0000"/>
+                                </a:solidFill>
+                                <a:latin typeface="Cambria Math" panose="02040503050406030204" pitchFamily="18" charset="0"/>
+                              </a:rPr>
+                            </m:ctrlPr>
+                          </m:accPr>
+                          <m:e>
+                            <m:r>
+                              <a:rPr lang="fr-FR" sz="779" b="1" i="1">
+                                <a:solidFill>
+                                  <a:srgbClr val="FF0000"/>
+                                </a:solidFill>
+                                <a:latin typeface="Cambria Math" panose="02040503050406030204" pitchFamily="18" charset="0"/>
+                              </a:rPr>
+                              <m:t>𝜷</m:t>
+                            </m:r>
+                          </m:e>
+                        </m:acc>
+                      </m:e>
+                      <m:sub>
+                        <m:r>
+                          <a:rPr lang="fr-FR" sz="779" b="1" i="1" dirty="0">
+                            <a:solidFill>
+                              <a:srgbClr val="FF0000"/>
+                            </a:solidFill>
+                            <a:latin typeface="Cambria Math" panose="02040503050406030204" pitchFamily="18" charset="0"/>
+                          </a:rPr>
+                          <m:t>𝒊𝒏𝒕𝒆𝒓</m:t>
+                        </m:r>
+                        <m:r>
+                          <a:rPr lang="fr-FR" sz="779" b="1" dirty="0">
+                            <a:solidFill>
+                              <a:srgbClr val="FF0000"/>
+                            </a:solidFill>
+                            <a:latin typeface="Cambria Math" panose="02040503050406030204" pitchFamily="18" charset="0"/>
+                          </a:rPr>
+                          <m:t>−</m:t>
+                        </m:r>
+                        <m:r>
+                          <a:rPr lang="fr-FR" sz="779" b="1" i="1" dirty="0">
+                            <a:solidFill>
+                              <a:srgbClr val="FF0000"/>
+                            </a:solidFill>
+                            <a:latin typeface="Cambria Math" panose="02040503050406030204" pitchFamily="18" charset="0"/>
+                          </a:rPr>
+                          <m:t>𝒔</m:t>
+                        </m:r>
+                        <m:r>
+                          <a:rPr lang="fr-FR" sz="779" b="1" dirty="0">
+                            <a:solidFill>
+                              <a:srgbClr val="FF0000"/>
+                            </a:solidFill>
+                            <a:latin typeface="Cambria Math" panose="02040503050406030204" pitchFamily="18" charset="0"/>
+                          </a:rPr>
+                          <m:t>𝐢𝐭𝐞</m:t>
+                        </m:r>
+                      </m:sub>
+                    </m:sSub>
+                  </m:oMath>
+                </a14:m>
+                <a:r>
+                  <a:rPr lang="fr-FR" sz="779" b="1" dirty="0">
                     <a:solidFill>
                       <a:srgbClr val="FF0000"/>
                     </a:solidFill>
-                  </a:endParaRPr>
-                </a:p>
-              </p:txBody>
-            </p:sp>
-          </mc:Choice>
-          <mc:Fallback>
-            <p:sp>
-              <p:nvSpPr>
-                <p:cNvPr id="20" name="ZoneTexte 19"/>
-                <p:cNvSpPr txBox="1">
-                  <a:spLocks noRot="1" noChangeAspect="1" noMove="1" noResize="1" noEditPoints="1" noAdjustHandles="1" noChangeArrowheads="1" noChangeShapeType="1" noTextEdit="1"/>
-                </p:cNvSpPr>
-                <p:nvPr/>
-              </p:nvSpPr>
-              <p:spPr>
-                <a:xfrm>
-                  <a:off x="3281102" y="1131092"/>
-                  <a:ext cx="1497674" cy="323051"/>
-                </a:xfrm>
-                <a:prstGeom prst="rect">
-                  <a:avLst/>
-                </a:prstGeom>
-                <a:blipFill>
-                  <a:blip r:embed="rId16"/>
-                  <a:stretch>
-                    <a:fillRect/>
-                  </a:stretch>
-                </a:blipFill>
-              </p:spPr>
-              <p:txBody>
-                <a:bodyPr/>
-                <a:lstStyle/>
-                <a:p>
-                  <a:r>
-                    <a:rPr lang="fr-FR">
-                      <a:noFill/>
-                    </a:rPr>
-                    <a:t> </a:t>
-                  </a:r>
-                </a:p>
-              </p:txBody>
-            </p:sp>
-          </mc:Fallback>
-        </mc:AlternateContent>
-        <p:sp>
-          <p:nvSpPr>
-            <p:cNvPr id="83" name="Ellipse 82"/>
-            <p:cNvSpPr/>
-            <p:nvPr/>
-          </p:nvSpPr>
-          <p:spPr>
-            <a:xfrm>
-              <a:off x="2876753" y="3195146"/>
-              <a:ext cx="937501" cy="437157"/>
-            </a:xfrm>
-            <a:prstGeom prst="ellipse">
-              <a:avLst/>
-            </a:prstGeom>
-            <a:noFill/>
-            <a:ln>
-              <a:solidFill>
-                <a:srgbClr val="333300"/>
-              </a:solidFill>
-            </a:ln>
-          </p:spPr>
-          <p:style>
-            <a:lnRef idx="2">
-              <a:schemeClr val="accent4"/>
-            </a:lnRef>
-            <a:fillRef idx="1">
-              <a:schemeClr val="lt1"/>
-            </a:fillRef>
-            <a:effectRef idx="0">
-              <a:schemeClr val="accent4"/>
-            </a:effectRef>
-            <a:fontRef idx="minor">
-              <a:schemeClr val="dk1"/>
-            </a:fontRef>
-          </p:style>
-          <p:txBody>
-            <a:bodyPr rtlCol="0" anchor="ctr"/>
-            <a:lstStyle/>
-            <a:p>
-              <a:pPr algn="ctr"/>
-              <a:endParaRPr lang="fr-FR" sz="701"/>
-            </a:p>
-          </p:txBody>
-        </p:sp>
-        <p:sp>
-          <p:nvSpPr>
-            <p:cNvPr id="84" name="Ellipse 83"/>
-            <p:cNvSpPr/>
-            <p:nvPr/>
-          </p:nvSpPr>
-          <p:spPr>
-            <a:xfrm>
-              <a:off x="4194091" y="3176544"/>
-              <a:ext cx="1069992" cy="437157"/>
-            </a:xfrm>
-            <a:prstGeom prst="ellipse">
-              <a:avLst/>
-            </a:prstGeom>
-            <a:noFill/>
-            <a:ln>
-              <a:solidFill>
-                <a:srgbClr val="EA907E"/>
-              </a:solidFill>
-            </a:ln>
-          </p:spPr>
-          <p:style>
-            <a:lnRef idx="2">
-              <a:schemeClr val="accent1"/>
-            </a:lnRef>
-            <a:fillRef idx="1">
-              <a:schemeClr val="lt1"/>
-            </a:fillRef>
-            <a:effectRef idx="0">
-              <a:schemeClr val="accent1"/>
-            </a:effectRef>
-            <a:fontRef idx="minor">
-              <a:schemeClr val="dk1"/>
-            </a:fontRef>
-          </p:style>
-          <p:txBody>
-            <a:bodyPr rtlCol="0" anchor="ctr"/>
-            <a:lstStyle/>
-            <a:p>
-              <a:pPr algn="ctr"/>
-              <a:endParaRPr lang="fr-FR" sz="701"/>
-            </a:p>
-          </p:txBody>
-        </p:sp>
-        <p:sp>
-          <p:nvSpPr>
-            <p:cNvPr id="85" name="Ellipse 84"/>
-            <p:cNvSpPr/>
-            <p:nvPr/>
-          </p:nvSpPr>
-          <p:spPr>
-            <a:xfrm>
-              <a:off x="5548767" y="3180498"/>
-              <a:ext cx="1055262" cy="437157"/>
-            </a:xfrm>
-            <a:prstGeom prst="ellipse">
-              <a:avLst/>
-            </a:prstGeom>
-            <a:noFill/>
-            <a:ln>
-              <a:solidFill>
-                <a:srgbClr val="769376"/>
-              </a:solidFill>
-            </a:ln>
-          </p:spPr>
-          <p:style>
-            <a:lnRef idx="2">
-              <a:schemeClr val="accent4"/>
-            </a:lnRef>
-            <a:fillRef idx="1">
-              <a:schemeClr val="lt1"/>
-            </a:fillRef>
-            <a:effectRef idx="0">
-              <a:schemeClr val="accent4"/>
-            </a:effectRef>
-            <a:fontRef idx="minor">
-              <a:schemeClr val="dk1"/>
-            </a:fontRef>
-          </p:style>
-          <p:txBody>
-            <a:bodyPr rtlCol="0" anchor="ctr"/>
-            <a:lstStyle/>
-            <a:p>
-              <a:pPr algn="ctr"/>
-              <a:endParaRPr lang="fr-FR" sz="701"/>
-            </a:p>
-          </p:txBody>
-        </p:sp>
-        <p:sp>
-          <p:nvSpPr>
-            <p:cNvPr id="100" name="Ellipse 99"/>
-            <p:cNvSpPr/>
-            <p:nvPr/>
-          </p:nvSpPr>
-          <p:spPr>
-            <a:xfrm>
-              <a:off x="1504349" y="4066260"/>
-              <a:ext cx="1080834" cy="664633"/>
-            </a:xfrm>
-            <a:prstGeom prst="ellipse">
-              <a:avLst/>
-            </a:prstGeom>
-            <a:noFill/>
-            <a:ln w="12700">
-              <a:solidFill>
-                <a:srgbClr val="E6A727"/>
-              </a:solidFill>
-            </a:ln>
-          </p:spPr>
-          <p:style>
-            <a:lnRef idx="1">
-              <a:schemeClr val="accent2"/>
-            </a:lnRef>
-            <a:fillRef idx="2">
-              <a:schemeClr val="accent2"/>
-            </a:fillRef>
-            <a:effectRef idx="1">
-              <a:schemeClr val="accent2"/>
-            </a:effectRef>
-            <a:fontRef idx="minor">
-              <a:schemeClr val="dk1"/>
-            </a:fontRef>
-          </p:style>
-          <p:txBody>
-            <a:bodyPr rtlCol="0" anchor="ctr"/>
-            <a:lstStyle/>
-            <a:p>
-              <a:pPr algn="ctr"/>
-              <a:endParaRPr lang="fr-FR" sz="701"/>
-            </a:p>
-          </p:txBody>
-        </p:sp>
-        <p:sp>
-          <p:nvSpPr>
-            <p:cNvPr id="103" name="Ellipse 102"/>
-            <p:cNvSpPr/>
-            <p:nvPr/>
-          </p:nvSpPr>
-          <p:spPr>
-            <a:xfrm>
-              <a:off x="2799624" y="4056953"/>
-              <a:ext cx="1106818" cy="664633"/>
-            </a:xfrm>
-            <a:prstGeom prst="ellipse">
-              <a:avLst/>
-            </a:prstGeom>
-            <a:noFill/>
-            <a:ln>
-              <a:solidFill>
-                <a:srgbClr val="333300"/>
-              </a:solidFill>
-            </a:ln>
-          </p:spPr>
-          <p:style>
-            <a:lnRef idx="2">
-              <a:schemeClr val="accent4"/>
-            </a:lnRef>
-            <a:fillRef idx="1">
-              <a:schemeClr val="lt1"/>
-            </a:fillRef>
-            <a:effectRef idx="0">
-              <a:schemeClr val="accent4"/>
-            </a:effectRef>
-            <a:fontRef idx="minor">
-              <a:schemeClr val="dk1"/>
-            </a:fontRef>
-          </p:style>
-          <p:txBody>
-            <a:bodyPr rtlCol="0" anchor="ctr"/>
-            <a:lstStyle/>
-            <a:p>
-              <a:pPr algn="ctr"/>
-              <a:endParaRPr lang="fr-FR" sz="701"/>
-            </a:p>
-          </p:txBody>
-        </p:sp>
-        <p:sp>
-          <p:nvSpPr>
-            <p:cNvPr id="108" name="Ellipse 107"/>
-            <p:cNvSpPr/>
-            <p:nvPr/>
-          </p:nvSpPr>
-          <p:spPr>
-            <a:xfrm>
-              <a:off x="4196473" y="4066260"/>
-              <a:ext cx="1067611" cy="664633"/>
-            </a:xfrm>
-            <a:prstGeom prst="ellipse">
-              <a:avLst/>
-            </a:prstGeom>
-            <a:noFill/>
-            <a:ln>
-              <a:solidFill>
-                <a:srgbClr val="EA907E"/>
-              </a:solidFill>
-            </a:ln>
-          </p:spPr>
-          <p:style>
-            <a:lnRef idx="2">
-              <a:schemeClr val="accent1"/>
-            </a:lnRef>
-            <a:fillRef idx="1">
-              <a:schemeClr val="lt1"/>
-            </a:fillRef>
-            <a:effectRef idx="0">
-              <a:schemeClr val="accent1"/>
-            </a:effectRef>
-            <a:fontRef idx="minor">
-              <a:schemeClr val="dk1"/>
-            </a:fontRef>
-          </p:style>
-          <p:txBody>
-            <a:bodyPr rtlCol="0" anchor="ctr"/>
-            <a:lstStyle/>
-            <a:p>
-              <a:pPr algn="ctr"/>
-              <a:endParaRPr lang="fr-FR" sz="701"/>
-            </a:p>
-          </p:txBody>
-        </p:sp>
-        <p:sp>
-          <p:nvSpPr>
-            <p:cNvPr id="115" name="Ellipse 114"/>
-            <p:cNvSpPr/>
-            <p:nvPr/>
-          </p:nvSpPr>
-          <p:spPr>
-            <a:xfrm>
-              <a:off x="5472050" y="4066260"/>
-              <a:ext cx="1202878" cy="664633"/>
-            </a:xfrm>
-            <a:prstGeom prst="ellipse">
-              <a:avLst/>
-            </a:prstGeom>
-            <a:noFill/>
-            <a:ln>
-              <a:solidFill>
-                <a:srgbClr val="769376"/>
-              </a:solidFill>
-            </a:ln>
-          </p:spPr>
-          <p:style>
-            <a:lnRef idx="2">
-              <a:schemeClr val="accent4"/>
-            </a:lnRef>
-            <a:fillRef idx="1">
-              <a:schemeClr val="lt1"/>
-            </a:fillRef>
-            <a:effectRef idx="0">
-              <a:schemeClr val="accent4"/>
-            </a:effectRef>
-            <a:fontRef idx="minor">
-              <a:schemeClr val="dk1"/>
-            </a:fontRef>
-          </p:style>
-          <p:txBody>
-            <a:bodyPr rtlCol="0" anchor="ctr"/>
-            <a:lstStyle/>
-            <a:p>
-              <a:pPr algn="ctr"/>
-              <a:endParaRPr lang="fr-FR" sz="701"/>
-            </a:p>
-          </p:txBody>
-        </p:sp>
-        <p:sp>
-          <p:nvSpPr>
-            <p:cNvPr id="123" name="ZoneTexte 122"/>
-            <p:cNvSpPr txBox="1"/>
-            <p:nvPr/>
-          </p:nvSpPr>
-          <p:spPr>
-            <a:xfrm>
-              <a:off x="465771" y="714579"/>
-              <a:ext cx="2815332" cy="306566"/>
-            </a:xfrm>
-            <a:prstGeom prst="rect">
-              <a:avLst/>
-            </a:prstGeom>
-            <a:noFill/>
-          </p:spPr>
-          <p:txBody>
-            <a:bodyPr wrap="square" rtlCol="0">
-              <a:spAutoFit/>
-            </a:bodyPr>
-            <a:lstStyle/>
-            <a:p>
-              <a:pPr marL="148369" indent="-148369">
-                <a:buFont typeface="Arial" panose="020B0604020202020204" pitchFamily="34" charset="0"/>
-                <a:buChar char="•"/>
-              </a:pPr>
-              <a:r>
-                <a:rPr lang="en-US" sz="779" b="1" dirty="0">
-                  <a:latin typeface="Times New Roman" panose="02020603050405020304" pitchFamily="18" charset="0"/>
-                  <a:cs typeface="Times New Roman" panose="02020603050405020304" pitchFamily="18" charset="0"/>
-                </a:rPr>
-                <a:t>Diversity partitioning of all MOTUs</a:t>
-              </a:r>
-            </a:p>
-          </p:txBody>
-        </p:sp>
-        <p:pic>
-          <p:nvPicPr>
-            <p:cNvPr id="201" name="Image 200"/>
-            <p:cNvPicPr>
-              <a:picLocks noChangeAspect="1"/>
-            </p:cNvPicPr>
-            <p:nvPr/>
-          </p:nvPicPr>
-          <p:blipFill>
-            <a:blip r:embed="rId17" cstate="print">
-              <a:extLst>
-                <a:ext uri="{28A0092B-C50C-407E-A947-70E740481C1C}">
-                  <a14:useLocalDpi xmlns:a14="http://schemas.microsoft.com/office/drawing/2010/main" val="0"/>
-                </a:ext>
-              </a:extLst>
-            </a:blip>
-            <a:stretch>
-              <a:fillRect/>
-            </a:stretch>
-          </p:blipFill>
-          <p:spPr>
-            <a:xfrm>
-              <a:off x="1414525" y="1803302"/>
-              <a:ext cx="1252073" cy="891934"/>
-            </a:xfrm>
-            <a:prstGeom prst="rect">
-              <a:avLst/>
-            </a:prstGeom>
-            <a:ln w="12700">
-              <a:noFill/>
-            </a:ln>
-          </p:spPr>
-        </p:pic>
-        <p:pic>
-          <p:nvPicPr>
-            <p:cNvPr id="202" name="Image 201"/>
-            <p:cNvPicPr>
-              <a:picLocks noChangeAspect="1"/>
-            </p:cNvPicPr>
-            <p:nvPr/>
-          </p:nvPicPr>
-          <p:blipFill>
-            <a:blip r:embed="rId18" cstate="print">
-              <a:extLst>
-                <a:ext uri="{28A0092B-C50C-407E-A947-70E740481C1C}">
-                  <a14:useLocalDpi xmlns:a14="http://schemas.microsoft.com/office/drawing/2010/main" val="0"/>
-                </a:ext>
-              </a:extLst>
-            </a:blip>
-            <a:stretch>
-              <a:fillRect/>
-            </a:stretch>
-          </p:blipFill>
-          <p:spPr>
-            <a:xfrm>
-              <a:off x="-1644787" y="3026539"/>
-              <a:ext cx="1251360" cy="822181"/>
-            </a:xfrm>
-            <a:prstGeom prst="rect">
-              <a:avLst/>
-            </a:prstGeom>
-          </p:spPr>
-        </p:pic>
-        <p:pic>
-          <p:nvPicPr>
-            <p:cNvPr id="203" name="Image 202"/>
-            <p:cNvPicPr>
-              <a:picLocks noChangeAspect="1"/>
-            </p:cNvPicPr>
-            <p:nvPr/>
-          </p:nvPicPr>
-          <p:blipFill>
-            <a:blip r:embed="rId19" cstate="print">
-              <a:extLst>
-                <a:ext uri="{28A0092B-C50C-407E-A947-70E740481C1C}">
-                  <a14:useLocalDpi xmlns:a14="http://schemas.microsoft.com/office/drawing/2010/main" val="0"/>
-                </a:ext>
-              </a:extLst>
-            </a:blip>
-            <a:stretch>
-              <a:fillRect/>
-            </a:stretch>
-          </p:blipFill>
-          <p:spPr>
-            <a:xfrm>
-              <a:off x="-1639389" y="3961052"/>
-              <a:ext cx="1251573" cy="938679"/>
-            </a:xfrm>
-            <a:prstGeom prst="rect">
-              <a:avLst/>
-            </a:prstGeom>
-          </p:spPr>
-        </p:pic>
-        <p:pic>
-          <p:nvPicPr>
-            <p:cNvPr id="231" name="Image 230"/>
-            <p:cNvPicPr>
-              <a:picLocks noChangeAspect="1"/>
-            </p:cNvPicPr>
-            <p:nvPr/>
-          </p:nvPicPr>
-          <p:blipFill>
-            <a:blip r:embed="rId20" cstate="print">
-              <a:extLst>
-                <a:ext uri="{28A0092B-C50C-407E-A947-70E740481C1C}">
-                  <a14:useLocalDpi xmlns:a14="http://schemas.microsoft.com/office/drawing/2010/main" val="0"/>
-                </a:ext>
-              </a:extLst>
-            </a:blip>
-            <a:stretch>
-              <a:fillRect/>
-            </a:stretch>
-          </p:blipFill>
-          <p:spPr>
-            <a:xfrm>
-              <a:off x="5443976" y="1803302"/>
-              <a:ext cx="1253074" cy="891934"/>
-            </a:xfrm>
-            <a:prstGeom prst="rect">
-              <a:avLst/>
-            </a:prstGeom>
-            <a:ln w="12700">
-              <a:noFill/>
-            </a:ln>
-          </p:spPr>
-        </p:pic>
-        <p:cxnSp>
-          <p:nvCxnSpPr>
-            <p:cNvPr id="39" name="Connecteur droit avec flèche 38"/>
-            <p:cNvCxnSpPr>
-              <a:stCxn id="46" idx="4"/>
-              <a:endCxn id="5" idx="0"/>
-            </p:cNvCxnSpPr>
-            <p:nvPr/>
-          </p:nvCxnSpPr>
-          <p:spPr>
-            <a:xfrm flipH="1">
-              <a:off x="2064476" y="962294"/>
-              <a:ext cx="1987102" cy="615950"/>
-            </a:xfrm>
-            <a:prstGeom prst="straightConnector1">
-              <a:avLst/>
-            </a:prstGeom>
-            <a:ln>
-              <a:tailEnd type="triangle"/>
-            </a:ln>
-          </p:spPr>
-          <p:style>
-            <a:lnRef idx="1">
-              <a:schemeClr val="dk1"/>
-            </a:lnRef>
-            <a:fillRef idx="0">
-              <a:schemeClr val="dk1"/>
-            </a:fillRef>
-            <a:effectRef idx="0">
-              <a:schemeClr val="dk1"/>
-            </a:effectRef>
-            <a:fontRef idx="minor">
-              <a:schemeClr val="tx1"/>
-            </a:fontRef>
-          </p:style>
-        </p:cxnSp>
-        <p:cxnSp>
-          <p:nvCxnSpPr>
-            <p:cNvPr id="45" name="Connecteur droit avec flèche 44"/>
-            <p:cNvCxnSpPr>
-              <a:stCxn id="46" idx="4"/>
-              <a:endCxn id="8" idx="0"/>
-            </p:cNvCxnSpPr>
-            <p:nvPr/>
-          </p:nvCxnSpPr>
-          <p:spPr>
-            <a:xfrm>
-              <a:off x="4051578" y="962294"/>
-              <a:ext cx="2028173" cy="625273"/>
-            </a:xfrm>
-            <a:prstGeom prst="straightConnector1">
-              <a:avLst/>
-            </a:prstGeom>
-            <a:ln>
-              <a:tailEnd type="triangle"/>
-            </a:ln>
-          </p:spPr>
-          <p:style>
-            <a:lnRef idx="1">
-              <a:schemeClr val="dk1"/>
-            </a:lnRef>
-            <a:fillRef idx="0">
-              <a:schemeClr val="dk1"/>
-            </a:fillRef>
-            <a:effectRef idx="0">
-              <a:schemeClr val="dk1"/>
-            </a:effectRef>
-            <a:fontRef idx="minor">
-              <a:schemeClr val="tx1"/>
-            </a:fontRef>
-          </p:style>
-        </p:cxnSp>
-      </p:grpSp>
+                  </a:rPr>
+                  <a:t>= 17%</a:t>
+                </a:r>
+              </a:p>
+            </p:txBody>
+          </p:sp>
+        </mc:Choice>
+        <mc:Fallback>
+          <p:sp>
+            <p:nvSpPr>
+              <p:cNvPr id="19" name="ZoneTexte 18"/>
+              <p:cNvSpPr txBox="1">
+                <a:spLocks noRot="1" noChangeAspect="1" noMove="1" noResize="1" noEditPoints="1" noAdjustHandles="1" noChangeArrowheads="1" noChangeShapeType="1" noTextEdit="1"/>
+              </p:cNvSpPr>
+              <p:nvPr/>
+            </p:nvSpPr>
+            <p:spPr>
+              <a:xfrm>
+                <a:off x="4502360" y="1907581"/>
+                <a:ext cx="883484" cy="214995"/>
+              </a:xfrm>
+              <a:prstGeom prst="rect">
+                <a:avLst/>
+              </a:prstGeom>
+              <a:blipFill>
+                <a:blip r:embed="rId19"/>
+                <a:stretch>
+                  <a:fillRect b="-5714"/>
+                </a:stretch>
+              </a:blipFill>
+            </p:spPr>
+            <p:txBody>
+              <a:bodyPr/>
+              <a:lstStyle/>
+              <a:p>
+                <a:r>
+                  <a:rPr lang="fr-FR">
+                    <a:noFill/>
+                  </a:rPr>
+                  <a:t> </a:t>
+                </a:r>
+              </a:p>
+            </p:txBody>
+          </p:sp>
+        </mc:Fallback>
+      </mc:AlternateContent>
       <mc:AlternateContent xmlns:mc="http://schemas.openxmlformats.org/markup-compatibility/2006">
         <mc:Choice xmlns:a14="http://schemas.microsoft.com/office/drawing/2010/main" Requires="a14">
+          <p:sp>
+            <p:nvSpPr>
+              <p:cNvPr id="18" name="ZoneTexte 17"/>
+              <p:cNvSpPr txBox="1"/>
+              <p:nvPr/>
+            </p:nvSpPr>
+            <p:spPr>
+              <a:xfrm>
+                <a:off x="4392850" y="2591278"/>
+                <a:ext cx="1036490" cy="214995"/>
+              </a:xfrm>
+              <a:prstGeom prst="rect">
+                <a:avLst/>
+              </a:prstGeom>
+              <a:solidFill>
+                <a:schemeClr val="bg1"/>
+              </a:solidFill>
+            </p:spPr>
+            <p:txBody>
+              <a:bodyPr wrap="square" rtlCol="0">
+                <a:spAutoFit/>
+              </a:bodyPr>
+              <a:lstStyle/>
+              <a:p>
+                <a14:m>
+                  <m:oMath xmlns:m="http://schemas.openxmlformats.org/officeDocument/2006/math">
+                    <m:sSub>
+                      <m:sSubPr>
+                        <m:ctrlPr>
+                          <a:rPr lang="fr-FR" sz="779" b="1" i="1">
+                            <a:solidFill>
+                              <a:srgbClr val="FF0000"/>
+                            </a:solidFill>
+                            <a:latin typeface="Cambria Math" panose="02040503050406030204" pitchFamily="18" charset="0"/>
+                          </a:rPr>
+                        </m:ctrlPr>
+                      </m:sSubPr>
+                      <m:e>
+                        <m:acc>
+                          <m:accPr>
+                            <m:chr m:val="̅"/>
+                            <m:ctrlPr>
+                              <a:rPr lang="fr-FR" sz="779" b="1" i="1">
+                                <a:solidFill>
+                                  <a:srgbClr val="FF0000"/>
+                                </a:solidFill>
+                                <a:latin typeface="Cambria Math" panose="02040503050406030204" pitchFamily="18" charset="0"/>
+                              </a:rPr>
+                            </m:ctrlPr>
+                          </m:accPr>
+                          <m:e>
+                            <m:r>
+                              <a:rPr lang="fr-FR" sz="779" b="1" i="1">
+                                <a:solidFill>
+                                  <a:srgbClr val="FF0000"/>
+                                </a:solidFill>
+                                <a:latin typeface="Cambria Math" panose="02040503050406030204" pitchFamily="18" charset="0"/>
+                              </a:rPr>
+                              <m:t>𝜷</m:t>
+                            </m:r>
+                          </m:e>
+                        </m:acc>
+                      </m:e>
+                      <m:sub>
+                        <m:r>
+                          <a:rPr lang="fr-FR" sz="779" b="1" i="1" dirty="0">
+                            <a:solidFill>
+                              <a:srgbClr val="FF0000"/>
+                            </a:solidFill>
+                            <a:latin typeface="Cambria Math" panose="02040503050406030204" pitchFamily="18" charset="0"/>
+                          </a:rPr>
+                          <m:t>𝒊𝒏𝒕𝒆𝒓</m:t>
+                        </m:r>
+                        <m:r>
+                          <a:rPr lang="fr-FR" sz="779" b="1" dirty="0">
+                            <a:solidFill>
+                              <a:srgbClr val="FF0000"/>
+                            </a:solidFill>
+                            <a:latin typeface="Cambria Math" panose="02040503050406030204" pitchFamily="18" charset="0"/>
+                          </a:rPr>
+                          <m:t>−</m:t>
+                        </m:r>
+                        <m:r>
+                          <a:rPr lang="fr-FR" sz="779" b="1" i="1" dirty="0">
+                            <a:solidFill>
+                              <a:srgbClr val="FF0000"/>
+                            </a:solidFill>
+                            <a:latin typeface="Cambria Math" panose="02040503050406030204" pitchFamily="18" charset="0"/>
+                          </a:rPr>
+                          <m:t>𝒔𝒕𝒂𝒕𝒊𝒐𝒏</m:t>
+                        </m:r>
+                      </m:sub>
+                    </m:sSub>
+                  </m:oMath>
+                </a14:m>
+                <a:r>
+                  <a:rPr lang="fr-FR" sz="779" b="1" dirty="0">
+                    <a:solidFill>
+                      <a:srgbClr val="FF0000"/>
+                    </a:solidFill>
+                  </a:rPr>
+                  <a:t>= 6.5%</a:t>
+                </a:r>
+              </a:p>
+            </p:txBody>
+          </p:sp>
+        </mc:Choice>
+        <mc:Fallback>
+          <p:sp>
+            <p:nvSpPr>
+              <p:cNvPr id="18" name="ZoneTexte 17"/>
+              <p:cNvSpPr txBox="1">
+                <a:spLocks noRot="1" noChangeAspect="1" noMove="1" noResize="1" noEditPoints="1" noAdjustHandles="1" noChangeArrowheads="1" noChangeShapeType="1" noTextEdit="1"/>
+              </p:cNvSpPr>
+              <p:nvPr/>
+            </p:nvSpPr>
+            <p:spPr>
+              <a:xfrm>
+                <a:off x="4392850" y="2591278"/>
+                <a:ext cx="1036490" cy="214995"/>
+              </a:xfrm>
+              <a:prstGeom prst="rect">
+                <a:avLst/>
+              </a:prstGeom>
+              <a:blipFill>
+                <a:blip r:embed="rId20"/>
+                <a:stretch>
+                  <a:fillRect b="-8571"/>
+                </a:stretch>
+              </a:blipFill>
+            </p:spPr>
+            <p:txBody>
+              <a:bodyPr/>
+              <a:lstStyle/>
+              <a:p>
+                <a:r>
+                  <a:rPr lang="fr-FR">
+                    <a:noFill/>
+                  </a:rPr>
+                  <a:t> </a:t>
+                </a:r>
+              </a:p>
+            </p:txBody>
+          </p:sp>
+        </mc:Fallback>
+      </mc:AlternateContent>
+      <p:cxnSp>
+        <p:nvCxnSpPr>
+          <p:cNvPr id="45" name="Connecteur droit avec flèche 44"/>
+          <p:cNvCxnSpPr>
+            <a:stCxn id="46" idx="4"/>
+            <a:endCxn id="8" idx="0"/>
+          </p:cNvCxnSpPr>
+          <p:nvPr/>
+        </p:nvCxnSpPr>
+        <p:spPr>
+          <a:xfrm>
+            <a:off x="4946297" y="666204"/>
+            <a:ext cx="1854680" cy="432881"/>
+          </a:xfrm>
+          <a:prstGeom prst="straightConnector1">
+            <a:avLst/>
+          </a:prstGeom>
+          <a:ln>
+            <a:tailEnd type="triangle"/>
+          </a:ln>
+        </p:spPr>
+        <p:style>
+          <a:lnRef idx="1">
+            <a:schemeClr val="dk1"/>
+          </a:lnRef>
+          <a:fillRef idx="0">
+            <a:schemeClr val="dk1"/>
+          </a:fillRef>
+          <a:effectRef idx="0">
+            <a:schemeClr val="dk1"/>
+          </a:effectRef>
+          <a:fontRef idx="minor">
+            <a:schemeClr val="tx1"/>
+          </a:fontRef>
+        </p:style>
+      </p:cxnSp>
+      <mc:AlternateContent xmlns:mc="http://schemas.openxmlformats.org/markup-compatibility/2006" xmlns:a14="http://schemas.microsoft.com/office/drawing/2010/main">
+        <mc:Choice Requires="a14">
           <p:graphicFrame>
             <p:nvGraphicFramePr>
               <p:cNvPr id="2" name="Tableau 1"/>
@@ -7820,7 +7705,7 @@
             </a:graphic>
           </p:graphicFrame>
         </mc:Choice>
-        <mc:Fallback>
+        <mc:Fallback xmlns="">
           <p:graphicFrame>
             <p:nvGraphicFramePr>
               <p:cNvPr id="2" name="Tableau 1"/>
@@ -9181,6 +9066,602 @@
           </p:graphicFrame>
         </mc:Fallback>
       </mc:AlternateContent>
+      <p:pic>
+        <p:nvPicPr>
+          <p:cNvPr id="49" name="Image 48"/>
+          <p:cNvPicPr>
+            <a:picLocks noChangeAspect="1"/>
+          </p:cNvPicPr>
+          <p:nvPr/>
+        </p:nvPicPr>
+        <p:blipFill>
+          <a:blip r:embed="rId22" cstate="print">
+            <a:extLst>
+              <a:ext uri="{28A0092B-C50C-407E-A947-70E740481C1C}">
+                <a14:useLocalDpi xmlns:a14="http://schemas.microsoft.com/office/drawing/2010/main" val="0"/>
+              </a:ext>
+            </a:extLst>
+          </a:blip>
+          <a:stretch>
+            <a:fillRect/>
+          </a:stretch>
+        </p:blipFill>
+        <p:spPr>
+          <a:xfrm>
+            <a:off x="2558472" y="1248440"/>
+            <a:ext cx="906862" cy="617492"/>
+          </a:xfrm>
+          <a:prstGeom prst="rect">
+            <a:avLst/>
+          </a:prstGeom>
+          <a:ln w="12700">
+            <a:noFill/>
+          </a:ln>
+        </p:spPr>
+      </p:pic>
+      <p:sp>
+        <p:nvSpPr>
+          <p:cNvPr id="50" name="ZoneTexte 49"/>
+          <p:cNvSpPr txBox="1"/>
+          <p:nvPr/>
+        </p:nvSpPr>
+        <p:spPr>
+          <a:xfrm>
+            <a:off x="2577258" y="1099085"/>
+            <a:ext cx="870285" cy="200183"/>
+          </a:xfrm>
+          <a:prstGeom prst="rect">
+            <a:avLst/>
+          </a:prstGeom>
+          <a:noFill/>
+        </p:spPr>
+        <p:txBody>
+          <a:bodyPr wrap="square" rtlCol="0">
+            <a:spAutoFit/>
+          </a:bodyPr>
+          <a:lstStyle/>
+          <a:p>
+            <a:r>
+              <a:rPr lang="fr-FR" sz="701" dirty="0" smtClean="0"/>
+              <a:t>South West Pacific</a:t>
+            </a:r>
+            <a:endParaRPr lang="fr-FR" sz="701" dirty="0"/>
+          </a:p>
+        </p:txBody>
+      </p:sp>
+      <p:sp>
+        <p:nvSpPr>
+          <p:cNvPr id="52" name="Ellipse 51"/>
+          <p:cNvSpPr/>
+          <p:nvPr/>
+        </p:nvSpPr>
+        <p:spPr>
+          <a:xfrm>
+            <a:off x="2661019" y="2244647"/>
+            <a:ext cx="706004" cy="302647"/>
+          </a:xfrm>
+          <a:prstGeom prst="ellipse">
+            <a:avLst/>
+          </a:prstGeom>
+          <a:noFill/>
+          <a:ln w="12700">
+            <a:solidFill>
+              <a:srgbClr val="652D28"/>
+            </a:solidFill>
+          </a:ln>
+        </p:spPr>
+        <p:style>
+          <a:lnRef idx="1">
+            <a:schemeClr val="accent2"/>
+          </a:lnRef>
+          <a:fillRef idx="2">
+            <a:schemeClr val="accent2"/>
+          </a:fillRef>
+          <a:effectRef idx="1">
+            <a:schemeClr val="accent2"/>
+          </a:effectRef>
+          <a:fontRef idx="minor">
+            <a:schemeClr val="dk1"/>
+          </a:fontRef>
+        </p:style>
+        <p:txBody>
+          <a:bodyPr rtlCol="0" anchor="ctr"/>
+          <a:lstStyle/>
+          <a:p>
+            <a:pPr algn="ctr"/>
+            <a:endParaRPr lang="fr-FR" sz="701"/>
+          </a:p>
+        </p:txBody>
+      </p:sp>
+      <mc:AlternateContent xmlns:mc="http://schemas.openxmlformats.org/markup-compatibility/2006">
+        <mc:Choice xmlns:a14="http://schemas.microsoft.com/office/drawing/2010/main" Requires="a14">
+          <p:sp>
+            <p:nvSpPr>
+              <p:cNvPr id="53" name="ZoneTexte 52"/>
+              <p:cNvSpPr txBox="1"/>
+              <p:nvPr/>
+            </p:nvSpPr>
+            <p:spPr>
+              <a:xfrm>
+                <a:off x="2531169" y="2214762"/>
+                <a:ext cx="956855" cy="308033"/>
+              </a:xfrm>
+              <a:prstGeom prst="rect">
+                <a:avLst/>
+              </a:prstGeom>
+              <a:noFill/>
+            </p:spPr>
+            <p:txBody>
+              <a:bodyPr wrap="square" rtlCol="0">
+                <a:spAutoFit/>
+              </a:bodyPr>
+              <a:lstStyle/>
+              <a:p>
+                <a:pPr algn="ctr"/>
+                <a:r>
+                  <a:rPr lang="fr-FR" sz="701" dirty="0"/>
+                  <a:t>6</a:t>
+                </a:r>
+                <a:r>
+                  <a:rPr lang="fr-FR" sz="701" dirty="0" smtClean="0"/>
+                  <a:t> </a:t>
+                </a:r>
+                <a:r>
+                  <a:rPr lang="fr-FR" sz="701" dirty="0"/>
+                  <a:t>sites</a:t>
+                </a:r>
+              </a:p>
+              <a:p>
+                <a:pPr algn="ctr"/>
+                <a14:m>
+                  <m:oMath xmlns:m="http://schemas.openxmlformats.org/officeDocument/2006/math">
+                    <m:sSub>
+                      <m:sSubPr>
+                        <m:ctrlPr>
+                          <a:rPr lang="fr-FR" sz="701" i="1">
+                            <a:latin typeface="Cambria Math" panose="02040503050406030204" pitchFamily="18" charset="0"/>
+                          </a:rPr>
+                        </m:ctrlPr>
+                      </m:sSubPr>
+                      <m:e>
+                        <m:r>
+                          <m:rPr>
+                            <m:nor/>
+                          </m:rPr>
+                          <a:rPr lang="el-GR" sz="701" dirty="0">
+                            <a:latin typeface="Cambria Math" panose="02040503050406030204" pitchFamily="18" charset="0"/>
+                            <a:ea typeface="Cambria Math" panose="02040503050406030204" pitchFamily="18" charset="0"/>
+                          </a:rPr>
+                          <m:t>β</m:t>
+                        </m:r>
+                      </m:e>
+                      <m:sub>
+                        <m:r>
+                          <a:rPr lang="fr-FR" sz="701" i="1" dirty="0">
+                            <a:latin typeface="Cambria Math" panose="02040503050406030204" pitchFamily="18" charset="0"/>
+                          </a:rPr>
+                          <m:t>𝑖𝑛𝑡𝑒𝑟</m:t>
+                        </m:r>
+                        <m:r>
+                          <a:rPr lang="fr-FR" sz="701" i="1" dirty="0">
+                            <a:latin typeface="Cambria Math" panose="02040503050406030204" pitchFamily="18" charset="0"/>
+                          </a:rPr>
+                          <m:t>−</m:t>
+                        </m:r>
+                        <m:r>
+                          <a:rPr lang="fr-FR" sz="701" i="1" dirty="0">
+                            <a:latin typeface="Cambria Math" panose="02040503050406030204" pitchFamily="18" charset="0"/>
+                          </a:rPr>
+                          <m:t>𝑠𝑖𝑡𝑒</m:t>
+                        </m:r>
+                      </m:sub>
+                    </m:sSub>
+                  </m:oMath>
+                </a14:m>
+                <a:r>
+                  <a:rPr lang="fr-FR" sz="701" dirty="0"/>
+                  <a:t>= </a:t>
+                </a:r>
+                <a:r>
+                  <a:rPr lang="fr-FR" sz="701" dirty="0" smtClean="0"/>
+                  <a:t>%</a:t>
+                </a:r>
+                <a:endParaRPr lang="fr-FR" sz="701" dirty="0"/>
+              </a:p>
+            </p:txBody>
+          </p:sp>
+        </mc:Choice>
+        <mc:Fallback>
+          <p:sp>
+            <p:nvSpPr>
+              <p:cNvPr id="53" name="ZoneTexte 52"/>
+              <p:cNvSpPr txBox="1">
+                <a:spLocks noRot="1" noChangeAspect="1" noMove="1" noResize="1" noEditPoints="1" noAdjustHandles="1" noChangeArrowheads="1" noChangeShapeType="1" noTextEdit="1"/>
+              </p:cNvSpPr>
+              <p:nvPr/>
+            </p:nvSpPr>
+            <p:spPr>
+              <a:xfrm>
+                <a:off x="2531169" y="2214762"/>
+                <a:ext cx="956855" cy="308033"/>
+              </a:xfrm>
+              <a:prstGeom prst="rect">
+                <a:avLst/>
+              </a:prstGeom>
+              <a:blipFill>
+                <a:blip r:embed="rId23"/>
+                <a:stretch>
+                  <a:fillRect b="-1961"/>
+                </a:stretch>
+              </a:blipFill>
+            </p:spPr>
+            <p:txBody>
+              <a:bodyPr/>
+              <a:lstStyle/>
+              <a:p>
+                <a:r>
+                  <a:rPr lang="fr-FR">
+                    <a:noFill/>
+                  </a:rPr>
+                  <a:t> </a:t>
+                </a:r>
+              </a:p>
+            </p:txBody>
+          </p:sp>
+        </mc:Fallback>
+      </mc:AlternateContent>
+      <mc:AlternateContent xmlns:mc="http://schemas.openxmlformats.org/markup-compatibility/2006">
+        <mc:Choice xmlns:a14="http://schemas.microsoft.com/office/drawing/2010/main" Requires="a14">
+          <p:sp>
+            <p:nvSpPr>
+              <p:cNvPr id="54" name="ZoneTexte 53"/>
+              <p:cNvSpPr txBox="1"/>
+              <p:nvPr/>
+            </p:nvSpPr>
+            <p:spPr>
+              <a:xfrm>
+                <a:off x="2553840" y="2977726"/>
+                <a:ext cx="941079" cy="418384"/>
+              </a:xfrm>
+              <a:prstGeom prst="rect">
+                <a:avLst/>
+              </a:prstGeom>
+              <a:noFill/>
+            </p:spPr>
+            <p:txBody>
+              <a:bodyPr wrap="square" rtlCol="0">
+                <a:spAutoFit/>
+              </a:bodyPr>
+              <a:lstStyle/>
+              <a:p>
+                <a:pPr algn="ctr"/>
+                <a:r>
+                  <a:rPr lang="fr-FR" sz="701" dirty="0" smtClean="0"/>
+                  <a:t>18</a:t>
+                </a:r>
+                <a:r>
+                  <a:rPr lang="fr-FR" sz="701" dirty="0" smtClean="0"/>
+                  <a:t> </a:t>
+                </a:r>
+                <a:r>
+                  <a:rPr lang="fr-FR" sz="701" dirty="0"/>
+                  <a:t>stations</a:t>
+                </a:r>
+              </a:p>
+              <a:p>
+                <a:pPr algn="ctr"/>
+                <a14:m>
+                  <m:oMath xmlns:m="http://schemas.openxmlformats.org/officeDocument/2006/math">
+                    <m:sSub>
+                      <m:sSubPr>
+                        <m:ctrlPr>
+                          <a:rPr lang="fr-FR" sz="701" i="1">
+                            <a:latin typeface="Cambria Math" panose="02040503050406030204" pitchFamily="18" charset="0"/>
+                          </a:rPr>
+                        </m:ctrlPr>
+                      </m:sSubPr>
+                      <m:e>
+                        <m:acc>
+                          <m:accPr>
+                            <m:chr m:val="̅"/>
+                            <m:ctrlPr>
+                              <a:rPr lang="fr-FR" sz="701" i="1">
+                                <a:latin typeface="Cambria Math" panose="02040503050406030204" pitchFamily="18" charset="0"/>
+                              </a:rPr>
+                            </m:ctrlPr>
+                          </m:accPr>
+                          <m:e>
+                            <m:r>
+                              <a:rPr lang="fr-FR" sz="701" i="1">
+                                <a:latin typeface="Cambria Math" panose="02040503050406030204" pitchFamily="18" charset="0"/>
+                                <a:ea typeface="Cambria Math" panose="02040503050406030204" pitchFamily="18" charset="0"/>
+                              </a:rPr>
+                              <m:t>𝛽</m:t>
+                            </m:r>
+                          </m:e>
+                        </m:acc>
+                      </m:e>
+                      <m:sub>
+                        <m:r>
+                          <a:rPr lang="fr-FR" sz="701" i="1" dirty="0">
+                            <a:latin typeface="Cambria Math" panose="02040503050406030204" pitchFamily="18" charset="0"/>
+                          </a:rPr>
+                          <m:t>𝑖𝑛𝑡𝑒𝑟</m:t>
+                        </m:r>
+                        <m:r>
+                          <a:rPr lang="fr-FR" sz="701" i="1" dirty="0">
+                            <a:latin typeface="Cambria Math" panose="02040503050406030204" pitchFamily="18" charset="0"/>
+                          </a:rPr>
+                          <m:t>−</m:t>
+                        </m:r>
+                        <m:r>
+                          <a:rPr lang="fr-FR" sz="701" i="1" dirty="0">
+                            <a:latin typeface="Cambria Math" panose="02040503050406030204" pitchFamily="18" charset="0"/>
+                          </a:rPr>
+                          <m:t>𝑠𝑡𝑎𝑡𝑖𝑜𝑛</m:t>
+                        </m:r>
+                      </m:sub>
+                    </m:sSub>
+                  </m:oMath>
+                </a14:m>
+                <a:r>
+                  <a:rPr lang="fr-FR" sz="701" dirty="0"/>
+                  <a:t>= </a:t>
+                </a:r>
+                <a:r>
+                  <a:rPr lang="fr-FR" sz="701" dirty="0" smtClean="0"/>
+                  <a:t>%</a:t>
+                </a:r>
+                <a:endParaRPr lang="fr-FR" sz="701" dirty="0"/>
+              </a:p>
+              <a:p>
+                <a:pPr algn="ctr"/>
+                <a14:m>
+                  <m:oMath xmlns:m="http://schemas.openxmlformats.org/officeDocument/2006/math">
+                    <m:sSub>
+                      <m:sSubPr>
+                        <m:ctrlPr>
+                          <a:rPr lang="fr-FR" sz="701" i="1">
+                            <a:latin typeface="Cambria Math" panose="02040503050406030204" pitchFamily="18" charset="0"/>
+                          </a:rPr>
+                        </m:ctrlPr>
+                      </m:sSubPr>
+                      <m:e>
+                        <m:acc>
+                          <m:accPr>
+                            <m:chr m:val="̅"/>
+                            <m:ctrlPr>
+                              <a:rPr lang="fr-FR" sz="701" i="1">
+                                <a:latin typeface="Cambria Math" panose="02040503050406030204" pitchFamily="18" charset="0"/>
+                              </a:rPr>
+                            </m:ctrlPr>
+                          </m:accPr>
+                          <m:e>
+                            <m:r>
+                              <a:rPr lang="fr-FR" sz="701" i="1">
+                                <a:latin typeface="Cambria Math" panose="02040503050406030204" pitchFamily="18" charset="0"/>
+                                <a:ea typeface="Cambria Math" panose="02040503050406030204" pitchFamily="18" charset="0"/>
+                              </a:rPr>
+                              <m:t>𝛼</m:t>
+                            </m:r>
+                          </m:e>
+                        </m:acc>
+                      </m:e>
+                      <m:sub>
+                        <m:r>
+                          <a:rPr lang="fr-FR" sz="701" i="1" dirty="0">
+                            <a:latin typeface="Cambria Math" panose="02040503050406030204" pitchFamily="18" charset="0"/>
+                          </a:rPr>
+                          <m:t>𝑠𝑡𝑎𝑡𝑖𝑜𝑛</m:t>
+                        </m:r>
+                      </m:sub>
+                    </m:sSub>
+                  </m:oMath>
+                </a14:m>
+                <a:r>
+                  <a:rPr lang="fr-FR" sz="701" dirty="0"/>
+                  <a:t>= </a:t>
+                </a:r>
+                <a:r>
+                  <a:rPr lang="fr-FR" sz="701" dirty="0" smtClean="0"/>
+                  <a:t>%</a:t>
+                </a:r>
+                <a:endParaRPr lang="fr-FR" sz="701" dirty="0"/>
+              </a:p>
+            </p:txBody>
+          </p:sp>
+        </mc:Choice>
+        <mc:Fallback>
+          <p:sp>
+            <p:nvSpPr>
+              <p:cNvPr id="54" name="ZoneTexte 53"/>
+              <p:cNvSpPr txBox="1">
+                <a:spLocks noRot="1" noChangeAspect="1" noMove="1" noResize="1" noEditPoints="1" noAdjustHandles="1" noChangeArrowheads="1" noChangeShapeType="1" noTextEdit="1"/>
+              </p:cNvSpPr>
+              <p:nvPr/>
+            </p:nvSpPr>
+            <p:spPr>
+              <a:xfrm>
+                <a:off x="2553840" y="2977726"/>
+                <a:ext cx="941079" cy="418384"/>
+              </a:xfrm>
+              <a:prstGeom prst="rect">
+                <a:avLst/>
+              </a:prstGeom>
+              <a:blipFill>
+                <a:blip r:embed="rId24"/>
+                <a:stretch>
+                  <a:fillRect b="-1449"/>
+                </a:stretch>
+              </a:blipFill>
+            </p:spPr>
+            <p:txBody>
+              <a:bodyPr/>
+              <a:lstStyle/>
+              <a:p>
+                <a:r>
+                  <a:rPr lang="fr-FR">
+                    <a:noFill/>
+                  </a:rPr>
+                  <a:t> </a:t>
+                </a:r>
+              </a:p>
+            </p:txBody>
+          </p:sp>
+        </mc:Fallback>
+      </mc:AlternateContent>
+      <p:cxnSp>
+        <p:nvCxnSpPr>
+          <p:cNvPr id="55" name="Connecteur droit avec flèche 54"/>
+          <p:cNvCxnSpPr>
+            <a:stCxn id="49" idx="2"/>
+            <a:endCxn id="53" idx="0"/>
+          </p:cNvCxnSpPr>
+          <p:nvPr/>
+        </p:nvCxnSpPr>
+        <p:spPr>
+          <a:xfrm flipH="1">
+            <a:off x="3009597" y="1865932"/>
+            <a:ext cx="2306" cy="348830"/>
+          </a:xfrm>
+          <a:prstGeom prst="straightConnector1">
+            <a:avLst/>
+          </a:prstGeom>
+          <a:ln>
+            <a:tailEnd type="triangle"/>
+          </a:ln>
+        </p:spPr>
+        <p:style>
+          <a:lnRef idx="1">
+            <a:schemeClr val="dk1"/>
+          </a:lnRef>
+          <a:fillRef idx="0">
+            <a:schemeClr val="dk1"/>
+          </a:fillRef>
+          <a:effectRef idx="0">
+            <a:schemeClr val="dk1"/>
+          </a:effectRef>
+          <a:fontRef idx="minor">
+            <a:schemeClr val="tx1"/>
+          </a:fontRef>
+        </p:style>
+      </p:cxnSp>
+      <p:cxnSp>
+        <p:nvCxnSpPr>
+          <p:cNvPr id="56" name="Connecteur droit avec flèche 55"/>
+          <p:cNvCxnSpPr>
+            <a:stCxn id="52" idx="4"/>
+            <a:endCxn id="57" idx="0"/>
+          </p:cNvCxnSpPr>
+          <p:nvPr/>
+        </p:nvCxnSpPr>
+        <p:spPr>
+          <a:xfrm>
+            <a:off x="3014021" y="2547294"/>
+            <a:ext cx="3565" cy="420209"/>
+          </a:xfrm>
+          <a:prstGeom prst="straightConnector1">
+            <a:avLst/>
+          </a:prstGeom>
+          <a:ln>
+            <a:tailEnd type="triangle"/>
+          </a:ln>
+        </p:spPr>
+        <p:style>
+          <a:lnRef idx="1">
+            <a:schemeClr val="dk1"/>
+          </a:lnRef>
+          <a:fillRef idx="0">
+            <a:schemeClr val="dk1"/>
+          </a:fillRef>
+          <a:effectRef idx="0">
+            <a:schemeClr val="dk1"/>
+          </a:effectRef>
+          <a:fontRef idx="minor">
+            <a:schemeClr val="tx1"/>
+          </a:fontRef>
+        </p:style>
+      </p:cxnSp>
+      <p:sp>
+        <p:nvSpPr>
+          <p:cNvPr id="57" name="Ellipse 56"/>
+          <p:cNvSpPr/>
+          <p:nvPr/>
+        </p:nvSpPr>
+        <p:spPr>
+          <a:xfrm>
+            <a:off x="2643451" y="2967503"/>
+            <a:ext cx="748270" cy="460131"/>
+          </a:xfrm>
+          <a:prstGeom prst="ellipse">
+            <a:avLst/>
+          </a:prstGeom>
+          <a:noFill/>
+          <a:ln w="12700">
+            <a:solidFill>
+              <a:srgbClr val="652D28"/>
+            </a:solidFill>
+          </a:ln>
+        </p:spPr>
+        <p:style>
+          <a:lnRef idx="1">
+            <a:schemeClr val="accent2"/>
+          </a:lnRef>
+          <a:fillRef idx="2">
+            <a:schemeClr val="accent2"/>
+          </a:fillRef>
+          <a:effectRef idx="1">
+            <a:schemeClr val="accent2"/>
+          </a:effectRef>
+          <a:fontRef idx="minor">
+            <a:schemeClr val="dk1"/>
+          </a:fontRef>
+        </p:style>
+        <p:txBody>
+          <a:bodyPr rtlCol="0" anchor="ctr"/>
+          <a:lstStyle/>
+          <a:p>
+            <a:pPr algn="ctr"/>
+            <a:endParaRPr lang="fr-FR" sz="701"/>
+          </a:p>
+        </p:txBody>
+      </p:sp>
+      <p:cxnSp>
+        <p:nvCxnSpPr>
+          <p:cNvPr id="66" name="Connecteur droit avec flèche 65"/>
+          <p:cNvCxnSpPr>
+            <a:stCxn id="4" idx="2"/>
+            <a:endCxn id="50" idx="0"/>
+          </p:cNvCxnSpPr>
+          <p:nvPr/>
+        </p:nvCxnSpPr>
+        <p:spPr>
+          <a:xfrm flipH="1">
+            <a:off x="3012401" y="677383"/>
+            <a:ext cx="1942181" cy="421702"/>
+          </a:xfrm>
+          <a:prstGeom prst="straightConnector1">
+            <a:avLst/>
+          </a:prstGeom>
+          <a:ln>
+            <a:tailEnd type="triangle"/>
+          </a:ln>
+        </p:spPr>
+        <p:style>
+          <a:lnRef idx="1">
+            <a:schemeClr val="dk1"/>
+          </a:lnRef>
+          <a:fillRef idx="0">
+            <a:schemeClr val="dk1"/>
+          </a:fillRef>
+          <a:effectRef idx="0">
+            <a:schemeClr val="dk1"/>
+          </a:effectRef>
+          <a:fontRef idx="minor">
+            <a:schemeClr val="tx1"/>
+          </a:fontRef>
+        </p:style>
+      </p:cxnSp>
     </p:spTree>
     <p:extLst>
       <p:ext uri="{BB962C8B-B14F-4D97-AF65-F5344CB8AC3E}">

--- a/outputs/06_diversity_partitioning/schema_partition.pptx
+++ b/outputs/06_diversity_partitioning/schema_partition.pptx
@@ -243,7 +243,7 @@
           <a:p>
             <a:fld id="{1DD5E214-71AE-49E0-8511-3FE919ED9730}" type="datetimeFigureOut">
               <a:rPr lang="fr-FR" smtClean="0"/>
-              <a:t>20/05/2020</a:t>
+              <a:t>27/05/2020</a:t>
             </a:fld>
             <a:endParaRPr lang="fr-FR"/>
           </a:p>
@@ -413,7 +413,7 @@
           <a:p>
             <a:fld id="{1DD5E214-71AE-49E0-8511-3FE919ED9730}" type="datetimeFigureOut">
               <a:rPr lang="fr-FR" smtClean="0"/>
-              <a:t>20/05/2020</a:t>
+              <a:t>27/05/2020</a:t>
             </a:fld>
             <a:endParaRPr lang="fr-FR"/>
           </a:p>
@@ -593,7 +593,7 @@
           <a:p>
             <a:fld id="{1DD5E214-71AE-49E0-8511-3FE919ED9730}" type="datetimeFigureOut">
               <a:rPr lang="fr-FR" smtClean="0"/>
-              <a:t>20/05/2020</a:t>
+              <a:t>27/05/2020</a:t>
             </a:fld>
             <a:endParaRPr lang="fr-FR"/>
           </a:p>
@@ -763,7 +763,7 @@
           <a:p>
             <a:fld id="{1DD5E214-71AE-49E0-8511-3FE919ED9730}" type="datetimeFigureOut">
               <a:rPr lang="fr-FR" smtClean="0"/>
-              <a:t>20/05/2020</a:t>
+              <a:t>27/05/2020</a:t>
             </a:fld>
             <a:endParaRPr lang="fr-FR"/>
           </a:p>
@@ -1007,7 +1007,7 @@
           <a:p>
             <a:fld id="{1DD5E214-71AE-49E0-8511-3FE919ED9730}" type="datetimeFigureOut">
               <a:rPr lang="fr-FR" smtClean="0"/>
-              <a:t>20/05/2020</a:t>
+              <a:t>27/05/2020</a:t>
             </a:fld>
             <a:endParaRPr lang="fr-FR"/>
           </a:p>
@@ -1239,7 +1239,7 @@
           <a:p>
             <a:fld id="{1DD5E214-71AE-49E0-8511-3FE919ED9730}" type="datetimeFigureOut">
               <a:rPr lang="fr-FR" smtClean="0"/>
-              <a:t>20/05/2020</a:t>
+              <a:t>27/05/2020</a:t>
             </a:fld>
             <a:endParaRPr lang="fr-FR"/>
           </a:p>
@@ -1606,7 +1606,7 @@
           <a:p>
             <a:fld id="{1DD5E214-71AE-49E0-8511-3FE919ED9730}" type="datetimeFigureOut">
               <a:rPr lang="fr-FR" smtClean="0"/>
-              <a:t>20/05/2020</a:t>
+              <a:t>27/05/2020</a:t>
             </a:fld>
             <a:endParaRPr lang="fr-FR"/>
           </a:p>
@@ -1724,7 +1724,7 @@
           <a:p>
             <a:fld id="{1DD5E214-71AE-49E0-8511-3FE919ED9730}" type="datetimeFigureOut">
               <a:rPr lang="fr-FR" smtClean="0"/>
-              <a:t>20/05/2020</a:t>
+              <a:t>27/05/2020</a:t>
             </a:fld>
             <a:endParaRPr lang="fr-FR"/>
           </a:p>
@@ -1819,7 +1819,7 @@
           <a:p>
             <a:fld id="{1DD5E214-71AE-49E0-8511-3FE919ED9730}" type="datetimeFigureOut">
               <a:rPr lang="fr-FR" smtClean="0"/>
-              <a:t>20/05/2020</a:t>
+              <a:t>27/05/2020</a:t>
             </a:fld>
             <a:endParaRPr lang="fr-FR"/>
           </a:p>
@@ -2096,7 +2096,7 @@
           <a:p>
             <a:fld id="{1DD5E214-71AE-49E0-8511-3FE919ED9730}" type="datetimeFigureOut">
               <a:rPr lang="fr-FR" smtClean="0"/>
-              <a:t>20/05/2020</a:t>
+              <a:t>27/05/2020</a:t>
             </a:fld>
             <a:endParaRPr lang="fr-FR"/>
           </a:p>
@@ -2353,7 +2353,7 @@
           <a:p>
             <a:fld id="{1DD5E214-71AE-49E0-8511-3FE919ED9730}" type="datetimeFigureOut">
               <a:rPr lang="fr-FR" smtClean="0"/>
-              <a:t>20/05/2020</a:t>
+              <a:t>27/05/2020</a:t>
             </a:fld>
             <a:endParaRPr lang="fr-FR"/>
           </a:p>
@@ -2566,7 +2566,7 @@
           <a:p>
             <a:fld id="{1DD5E214-71AE-49E0-8511-3FE919ED9730}" type="datetimeFigureOut">
               <a:rPr lang="fr-FR" smtClean="0"/>
-              <a:t>20/05/2020</a:t>
+              <a:t>27/05/2020</a:t>
             </a:fld>
             <a:endParaRPr lang="fr-FR"/>
           </a:p>
@@ -3203,8 +3203,12 @@
               <a:p>
                 <a:pPr algn="ctr"/>
                 <a:r>
-                  <a:rPr lang="fr-FR" sz="701" dirty="0"/>
-                  <a:t>1713 </a:t>
+                  <a:rPr lang="fr-FR" sz="701" dirty="0" smtClean="0"/>
+                  <a:t>2175</a:t>
+                </a:r>
+                <a:r>
+                  <a:rPr lang="fr-FR" sz="701" dirty="0" smtClean="0"/>
+                  <a:t> </a:t>
                 </a:r>
                 <a:r>
                   <a:rPr lang="en-US" sz="701" dirty="0"/>
@@ -3457,8 +3461,13 @@
                 </a14:m>
                 <a:r>
                   <a:rPr lang="fr-FR" sz="701" dirty="0"/>
-                  <a:t>= 11%</a:t>
+                  <a:t>= </a:t>
                 </a:r>
+                <a:r>
+                  <a:rPr lang="fr-FR" sz="701" dirty="0" smtClean="0"/>
+                  <a:t>8.6%</a:t>
+                </a:r>
+                <a:endParaRPr lang="fr-FR" sz="701" dirty="0"/>
               </a:p>
             </p:txBody>
           </p:sp>
@@ -3502,8 +3511,8 @@
           </p:sp>
         </mc:Fallback>
       </mc:AlternateContent>
-      <mc:AlternateContent xmlns:mc="http://schemas.openxmlformats.org/markup-compatibility/2006">
-        <mc:Choice xmlns:a14="http://schemas.microsoft.com/office/drawing/2010/main" Requires="a14">
+      <mc:AlternateContent xmlns:mc="http://schemas.openxmlformats.org/markup-compatibility/2006" xmlns:a14="http://schemas.microsoft.com/office/drawing/2010/main">
+        <mc:Choice Requires="a14">
           <p:sp>
             <p:nvSpPr>
               <p:cNvPr id="10" name="ZoneTexte 9"/>
@@ -3587,7 +3596,7 @@
             </p:txBody>
           </p:sp>
         </mc:Choice>
-        <mc:Fallback>
+        <mc:Fallback xmlns="">
           <p:sp>
             <p:nvSpPr>
               <p:cNvPr id="10" name="ZoneTexte 9"/>
@@ -3636,8 +3645,8 @@
             </p:nvSpPr>
             <p:spPr>
               <a:xfrm>
-                <a:off x="5461362" y="2214394"/>
-                <a:ext cx="790595" cy="308033"/>
+                <a:off x="5444092" y="2207570"/>
+                <a:ext cx="855633" cy="308033"/>
               </a:xfrm>
               <a:prstGeom prst="rect">
                 <a:avLst/>
@@ -3705,8 +3714,13 @@
                 </a14:m>
                 <a:r>
                   <a:rPr lang="fr-FR" sz="701" dirty="0"/>
-                  <a:t>= 11%</a:t>
+                  <a:t>= </a:t>
                 </a:r>
+                <a:r>
+                  <a:rPr lang="fr-FR" sz="701" dirty="0" smtClean="0"/>
+                  <a:t>8.2%</a:t>
+                </a:r>
+                <a:endParaRPr lang="fr-FR" sz="701" dirty="0"/>
               </a:p>
             </p:txBody>
           </p:sp>
@@ -3722,8 +3736,8 @@
             </p:nvSpPr>
             <p:spPr>
               <a:xfrm>
-                <a:off x="5461362" y="2214394"/>
-                <a:ext cx="790595" cy="308033"/>
+                <a:off x="5444092" y="2207570"/>
+                <a:ext cx="855633" cy="308033"/>
               </a:xfrm>
               <a:prstGeom prst="rect">
                 <a:avLst/>
@@ -3760,8 +3774,8 @@
             </p:nvSpPr>
             <p:spPr>
               <a:xfrm>
-                <a:off x="6395295" y="2213431"/>
-                <a:ext cx="835123" cy="308033"/>
+                <a:off x="6354351" y="2206607"/>
+                <a:ext cx="899803" cy="308033"/>
               </a:xfrm>
               <a:prstGeom prst="rect">
                 <a:avLst/>
@@ -3829,8 +3843,17 @@
                 </a14:m>
                 <a:r>
                   <a:rPr lang="fr-FR" sz="701" dirty="0"/>
-                  <a:t>= 46%</a:t>
+                  <a:t>= </a:t>
                 </a:r>
+                <a:r>
+                  <a:rPr lang="fr-FR" sz="701" dirty="0" smtClean="0"/>
+                  <a:t>35.6</a:t>
+                </a:r>
+                <a:r>
+                  <a:rPr lang="fr-FR" sz="701" dirty="0" smtClean="0"/>
+                  <a:t>%</a:t>
+                </a:r>
+                <a:endParaRPr lang="fr-FR" sz="701" dirty="0"/>
               </a:p>
             </p:txBody>
           </p:sp>
@@ -3846,8 +3869,8 @@
             </p:nvSpPr>
             <p:spPr>
               <a:xfrm>
-                <a:off x="6395295" y="2213431"/>
-                <a:ext cx="835123" cy="308033"/>
+                <a:off x="6354351" y="2206607"/>
+                <a:ext cx="899803" cy="308033"/>
               </a:xfrm>
               <a:prstGeom prst="rect">
                 <a:avLst/>
@@ -3962,8 +3985,13 @@
                 </a14:m>
                 <a:r>
                   <a:rPr lang="fr-FR" sz="701" dirty="0"/>
-                  <a:t>= 6.3%</a:t>
+                  <a:t>= </a:t>
                 </a:r>
+                <a:r>
+                  <a:rPr lang="fr-FR" sz="701" dirty="0" smtClean="0"/>
+                  <a:t>5%</a:t>
+                </a:r>
+                <a:endParaRPr lang="fr-FR" sz="701" dirty="0"/>
               </a:p>
               <a:p>
                 <a:pPr algn="ctr"/>
@@ -4011,8 +4039,13 @@
                 </a14:m>
                 <a:r>
                   <a:rPr lang="fr-FR" sz="701" dirty="0"/>
-                  <a:t>= 4.1%</a:t>
+                  <a:t>= </a:t>
                 </a:r>
+                <a:r>
+                  <a:rPr lang="fr-FR" sz="701" dirty="0" smtClean="0"/>
+                  <a:t>4.2%</a:t>
+                </a:r>
+                <a:endParaRPr lang="fr-FR" sz="701" dirty="0"/>
               </a:p>
             </p:txBody>
           </p:sp>
@@ -4110,7 +4143,7 @@
                           </m:accPr>
                           <m:e>
                             <m:r>
-                              <a:rPr lang="fr-FR" sz="701" i="1">
+                              <a:rPr lang="fr-FR" sz="701" i="1" smtClean="0">
                                 <a:latin typeface="Cambria Math" panose="02040503050406030204" pitchFamily="18" charset="0"/>
                                 <a:ea typeface="Cambria Math" panose="02040503050406030204" pitchFamily="18" charset="0"/>
                               </a:rPr>
@@ -4144,8 +4177,13 @@
                 </a14:m>
                 <a:r>
                   <a:rPr lang="fr-FR" sz="701" dirty="0"/>
-                  <a:t>= 4.3%</a:t>
+                  <a:t>= </a:t>
                 </a:r>
+                <a:r>
+                  <a:rPr lang="fr-FR" sz="701" dirty="0" smtClean="0"/>
+                  <a:t>3.4%</a:t>
+                </a:r>
+                <a:endParaRPr lang="fr-FR" sz="701" dirty="0"/>
               </a:p>
               <a:p>
                 <a:pPr algn="ctr"/>
@@ -4193,8 +4231,17 @@
                 </a14:m>
                 <a:r>
                   <a:rPr lang="fr-FR" sz="701" dirty="0"/>
-                  <a:t>= 4.3%</a:t>
+                  <a:t>= </a:t>
                 </a:r>
+                <a:r>
+                  <a:rPr lang="fr-FR" sz="701" dirty="0" smtClean="0"/>
+                  <a:t>3.4</a:t>
+                </a:r>
+                <a:r>
+                  <a:rPr lang="fr-FR" sz="701" dirty="0" smtClean="0"/>
+                  <a:t>%</a:t>
+                </a:r>
+                <a:endParaRPr lang="fr-FR" sz="701" dirty="0"/>
               </a:p>
             </p:txBody>
           </p:sp>
@@ -4326,8 +4373,17 @@
                 </a14:m>
                 <a:r>
                   <a:rPr lang="fr-FR" sz="701" dirty="0"/>
-                  <a:t>= 5%</a:t>
+                  <a:t>= </a:t>
                 </a:r>
+                <a:r>
+                  <a:rPr lang="fr-FR" sz="701" dirty="0"/>
+                  <a:t>4</a:t>
+                </a:r>
+                <a:r>
+                  <a:rPr lang="fr-FR" sz="701" dirty="0" smtClean="0"/>
+                  <a:t>%</a:t>
+                </a:r>
+                <a:endParaRPr lang="fr-FR" sz="701" dirty="0"/>
               </a:p>
               <a:p>
                 <a:pPr algn="ctr"/>
@@ -4375,8 +4431,13 @@
                 </a14:m>
                 <a:r>
                   <a:rPr lang="fr-FR" sz="701" dirty="0"/>
-                  <a:t>= 5%</a:t>
+                  <a:t>= </a:t>
                 </a:r>
+                <a:r>
+                  <a:rPr lang="fr-FR" sz="701" dirty="0" smtClean="0"/>
+                  <a:t>4%</a:t>
+                </a:r>
+                <a:endParaRPr lang="fr-FR" sz="701" dirty="0"/>
               </a:p>
             </p:txBody>
           </p:sp>
@@ -4508,8 +4569,17 @@
                 </a14:m>
                 <a:r>
                   <a:rPr lang="fr-FR" sz="701" dirty="0"/>
-                  <a:t>= 10.6%</a:t>
+                  <a:t>= </a:t>
                 </a:r>
+                <a:r>
+                  <a:rPr lang="fr-FR" sz="701" dirty="0" smtClean="0"/>
+                  <a:t>8.4</a:t>
+                </a:r>
+                <a:r>
+                  <a:rPr lang="fr-FR" sz="701" dirty="0" smtClean="0"/>
+                  <a:t>%</a:t>
+                </a:r>
+                <a:endParaRPr lang="fr-FR" sz="701" dirty="0"/>
               </a:p>
               <a:p>
                 <a:pPr algn="ctr"/>
@@ -4557,8 +4627,17 @@
                 </a14:m>
                 <a:r>
                   <a:rPr lang="fr-FR" sz="701" dirty="0"/>
-                  <a:t>= 7.3%</a:t>
+                  <a:t>= </a:t>
                 </a:r>
+                <a:r>
+                  <a:rPr lang="fr-FR" sz="701" dirty="0"/>
+                  <a:t>5</a:t>
+                </a:r>
+                <a:r>
+                  <a:rPr lang="fr-FR" sz="701" dirty="0" smtClean="0"/>
+                  <a:t>%</a:t>
+                </a:r>
+                <a:endParaRPr lang="fr-FR" sz="701" dirty="0"/>
               </a:p>
             </p:txBody>
           </p:sp>
@@ -4612,8 +4691,8 @@
             </p:nvSpPr>
             <p:spPr>
               <a:xfrm>
-                <a:off x="4553530" y="3407904"/>
-                <a:ext cx="730479" cy="212238"/>
+                <a:off x="4583680" y="3420956"/>
+                <a:ext cx="811350" cy="212238"/>
               </a:xfrm>
               <a:prstGeom prst="rect">
                 <a:avLst/>
@@ -4686,8 +4765,21 @@
                       <a:srgbClr val="FF0000"/>
                     </a:solidFill>
                   </a:rPr>
-                  <a:t>= 5%</a:t>
+                  <a:t>= </a:t>
                 </a:r>
+                <a:r>
+                  <a:rPr lang="fr-FR" sz="779" b="1" dirty="0" smtClean="0">
+                    <a:solidFill>
+                      <a:srgbClr val="FF0000"/>
+                    </a:solidFill>
+                  </a:rPr>
+                  <a:t>4.5%</a:t>
+                </a:r>
+                <a:endParaRPr lang="fr-FR" sz="779" b="1" dirty="0">
+                  <a:solidFill>
+                    <a:srgbClr val="FF0000"/>
+                  </a:solidFill>
+                </a:endParaRPr>
               </a:p>
             </p:txBody>
           </p:sp>
@@ -4703,8 +4795,8 @@
             </p:nvSpPr>
             <p:spPr>
               <a:xfrm>
-                <a:off x="4553530" y="3407904"/>
-                <a:ext cx="730479" cy="212238"/>
+                <a:off x="4583680" y="3420956"/>
+                <a:ext cx="811350" cy="212238"/>
               </a:xfrm>
               <a:prstGeom prst="rect">
                 <a:avLst/>
@@ -5420,16 +5512,19 @@
           </a:bodyPr>
           <a:lstStyle/>
           <a:p>
-            <a:pPr marL="148369" indent="-148369">
-              <a:buFont typeface="Arial" panose="020B0604020202020204" pitchFamily="34" charset="0"/>
-              <a:buChar char="•"/>
-            </a:pPr>
+            <a:r>
+              <a:rPr lang="en-US" sz="779" b="1" dirty="0" smtClean="0">
+                <a:latin typeface="Times New Roman" panose="02020603050405020304" pitchFamily="18" charset="0"/>
+                <a:cs typeface="Times New Roman" panose="02020603050405020304" pitchFamily="18" charset="0"/>
+              </a:rPr>
+              <a:t>A - Diversity </a:t>
+            </a:r>
             <a:r>
               <a:rPr lang="en-US" sz="779" b="1" dirty="0">
                 <a:latin typeface="Times New Roman" panose="02020603050405020304" pitchFamily="18" charset="0"/>
                 <a:cs typeface="Times New Roman" panose="02020603050405020304" pitchFamily="18" charset="0"/>
               </a:rPr>
-              <a:t>Diversity partitioning of all MOTUs</a:t>
+              <a:t>partitioning of all MOTUs</a:t>
             </a:r>
           </a:p>
         </p:txBody>
@@ -5519,7 +5614,7 @@
         </p:blipFill>
         <p:spPr>
           <a:xfrm>
-            <a:off x="1586820" y="2742267"/>
+            <a:off x="1586820" y="2830979"/>
             <a:ext cx="866474" cy="649855"/>
           </a:xfrm>
           <a:prstGeom prst="rect">
@@ -5685,7 +5780,23 @@
                       <a:srgbClr val="FF0000"/>
                     </a:solidFill>
                   </a:rPr>
-                  <a:t>= 71.5%</a:t>
+                  <a:t>= </a:t>
+                </a:r>
+                <a:r>
+                  <a:rPr lang="fr-FR" sz="779" b="1" dirty="0" smtClean="0">
+                    <a:solidFill>
+                      <a:srgbClr val="FF0000"/>
+                    </a:solidFill>
+                  </a:rPr>
+                  <a:t>74.5</a:t>
+                </a:r>
+                <a:r>
+                  <a:rPr lang="fr-FR" sz="779" b="1" dirty="0">
+                    <a:solidFill>
+                      <a:srgbClr val="FF0000"/>
+                    </a:solidFill>
+                  </a:rPr>
+                  <a:t>%</a:t>
                 </a:r>
               </a:p>
             </p:txBody>
@@ -5842,8 +5953,21 @@
                       <a:srgbClr val="FF0000"/>
                     </a:solidFill>
                   </a:rPr>
-                  <a:t>= 17%</a:t>
+                  <a:t>= </a:t>
                 </a:r>
+                <a:r>
+                  <a:rPr lang="fr-FR" sz="779" b="1" dirty="0" smtClean="0">
+                    <a:solidFill>
+                      <a:srgbClr val="FF0000"/>
+                    </a:solidFill>
+                  </a:rPr>
+                  <a:t>14%</a:t>
+                </a:r>
+                <a:endParaRPr lang="fr-FR" sz="779" b="1" dirty="0">
+                  <a:solidFill>
+                    <a:srgbClr val="FF0000"/>
+                  </a:solidFill>
+                </a:endParaRPr>
               </a:p>
             </p:txBody>
           </p:sp>
@@ -5897,8 +6021,8 @@
             </p:nvSpPr>
             <p:spPr>
               <a:xfrm>
-                <a:off x="4392850" y="2591278"/>
-                <a:ext cx="1036490" cy="214995"/>
+                <a:off x="4468367" y="2624432"/>
+                <a:ext cx="992994" cy="214995"/>
               </a:xfrm>
               <a:prstGeom prst="rect">
                 <a:avLst/>
@@ -5990,8 +6114,29 @@
                       <a:srgbClr val="FF0000"/>
                     </a:solidFill>
                   </a:rPr>
-                  <a:t>= 6.5%</a:t>
+                  <a:t>= </a:t>
                 </a:r>
+                <a:r>
+                  <a:rPr lang="fr-FR" sz="779" b="1" dirty="0">
+                    <a:solidFill>
+                      <a:srgbClr val="FF0000"/>
+                    </a:solidFill>
+                  </a:rPr>
+                  <a:t>7</a:t>
+                </a:r>
+                <a:r>
+                  <a:rPr lang="fr-FR" sz="779" b="1" dirty="0" smtClean="0">
+                    <a:solidFill>
+                      <a:srgbClr val="FF0000"/>
+                    </a:solidFill>
+                  </a:rPr>
+                  <a:t>%</a:t>
+                </a:r>
+                <a:endParaRPr lang="fr-FR" sz="779" b="1" dirty="0">
+                  <a:solidFill>
+                    <a:srgbClr val="FF0000"/>
+                  </a:solidFill>
+                </a:endParaRPr>
               </a:p>
             </p:txBody>
           </p:sp>
@@ -6007,8 +6152,8 @@
             </p:nvSpPr>
             <p:spPr>
               <a:xfrm>
-                <a:off x="4392850" y="2591278"/>
-                <a:ext cx="1036490" cy="214995"/>
+                <a:off x="4468367" y="2624432"/>
+                <a:ext cx="992994" cy="214995"/>
               </a:xfrm>
               <a:prstGeom prst="rect">
                 <a:avLst/>
@@ -6016,7 +6161,7 @@
               <a:blipFill>
                 <a:blip r:embed="rId20"/>
                 <a:stretch>
-                  <a:fillRect b="-8571"/>
+                  <a:fillRect b="-5714"/>
                 </a:stretch>
               </a:blipFill>
             </p:spPr>
@@ -6071,8 +6216,8 @@
           </a:fontRef>
         </p:style>
       </p:cxnSp>
-      <mc:AlternateContent xmlns:mc="http://schemas.openxmlformats.org/markup-compatibility/2006" xmlns:a14="http://schemas.microsoft.com/office/drawing/2010/main">
-        <mc:Choice Requires="a14">
+      <mc:AlternateContent xmlns:mc="http://schemas.openxmlformats.org/markup-compatibility/2006">
+        <mc:Choice xmlns:a14="http://schemas.microsoft.com/office/drawing/2010/main" Requires="a14">
           <p:graphicFrame>
             <p:nvGraphicFramePr>
               <p:cNvPr id="2" name="Tableau 1"/>
@@ -6082,14 +6227,14 @@
               <p:nvPr>
                 <p:extLst>
                   <p:ext uri="{D42A27DB-BD31-4B8C-83A1-F6EECF244321}">
-                    <p14:modId xmlns:p14="http://schemas.microsoft.com/office/powerpoint/2010/main" val="2247587491"/>
+                    <p14:modId xmlns:p14="http://schemas.microsoft.com/office/powerpoint/2010/main" val="3529283879"/>
                   </p:ext>
                 </p:extLst>
               </p:nvPr>
             </p:nvGraphicFramePr>
             <p:xfrm>
-              <a:off x="2984031" y="3726210"/>
-              <a:ext cx="3980249" cy="897232"/>
+              <a:off x="2313299" y="3726210"/>
+              <a:ext cx="4650980" cy="976449"/>
             </p:xfrm>
             <a:graphic>
               <a:graphicData uri="http://schemas.openxmlformats.org/drawingml/2006/table">
@@ -6098,35 +6243,42 @@
                     <a:tableStyleId>{5C22544A-7EE6-4342-B048-85BDC9FD1C3A}</a:tableStyleId>
                   </a:tblPr>
                   <a:tblGrid>
-                    <a:gridCol w="1346305">
+                    <a:gridCol w="1349860">
                       <a:extLst>
                         <a:ext uri="{9D8B030D-6E8A-4147-A177-3AD203B41FA5}">
                           <a16:colId xmlns:a16="http://schemas.microsoft.com/office/drawing/2014/main" val="1067048240"/>
                         </a:ext>
                       </a:extLst>
                     </a:gridCol>
-                    <a:gridCol w="658486">
+                    <a:gridCol w="660224">
+                      <a:extLst>
+                        <a:ext uri="{9D8B030D-6E8A-4147-A177-3AD203B41FA5}">
+                          <a16:colId xmlns:a16="http://schemas.microsoft.com/office/drawing/2014/main" val="1671461065"/>
+                        </a:ext>
+                      </a:extLst>
+                    </a:gridCol>
+                    <a:gridCol w="660224">
                       <a:extLst>
                         <a:ext uri="{9D8B030D-6E8A-4147-A177-3AD203B41FA5}">
                           <a16:colId xmlns:a16="http://schemas.microsoft.com/office/drawing/2014/main" val="3084419488"/>
                         </a:ext>
                       </a:extLst>
                     </a:gridCol>
-                    <a:gridCol w="658486">
+                    <a:gridCol w="660224">
                       <a:extLst>
                         <a:ext uri="{9D8B030D-6E8A-4147-A177-3AD203B41FA5}">
                           <a16:colId xmlns:a16="http://schemas.microsoft.com/office/drawing/2014/main" val="3836093460"/>
                         </a:ext>
                       </a:extLst>
                     </a:gridCol>
-                    <a:gridCol w="658486">
+                    <a:gridCol w="660224">
                       <a:extLst>
                         <a:ext uri="{9D8B030D-6E8A-4147-A177-3AD203B41FA5}">
                           <a16:colId xmlns:a16="http://schemas.microsoft.com/office/drawing/2014/main" val="4109928961"/>
                         </a:ext>
                       </a:extLst>
                     </a:gridCol>
-                    <a:gridCol w="658486">
+                    <a:gridCol w="660224">
                       <a:extLst>
                         <a:ext uri="{9D8B030D-6E8A-4147-A177-3AD203B41FA5}">
                           <a16:colId xmlns:a16="http://schemas.microsoft.com/office/drawing/2014/main" val="2333253021"/>
@@ -6140,10 +6292,24 @@
                         <a:bodyPr/>
                         <a:lstStyle/>
                         <a:p>
-                          <a:endParaRPr lang="fr-FR" sz="800" b="0" dirty="0">
+                          <a:r>
+                            <a:rPr lang="fr-FR" sz="800" b="1" i="0" kern="1200" dirty="0" smtClean="0">
+                              <a:solidFill>
+                                <a:schemeClr val="tx1"/>
+                              </a:solidFill>
+                              <a:latin typeface="Cambria Math" panose="02040503050406030204" pitchFamily="18" charset="0"/>
+                              <a:ea typeface="+mn-ea"/>
+                              <a:cs typeface="+mn-cs"/>
+                            </a:rPr>
+                            <a:t>MOTUs assigned to…</a:t>
+                          </a:r>
+                          <a:endParaRPr lang="fr-FR" sz="800" b="1" i="0" kern="1200" dirty="0">
                             <a:solidFill>
                               <a:schemeClr val="tx1"/>
                             </a:solidFill>
+                            <a:latin typeface="Cambria Math" panose="02040503050406030204" pitchFamily="18" charset="0"/>
+                            <a:ea typeface="+mn-ea"/>
+                            <a:cs typeface="+mn-cs"/>
                           </a:endParaRPr>
                         </a:p>
                       </a:txBody>
@@ -6163,6 +6329,133 @@
                           <a:tailEnd type="none" w="med" len="med"/>
                         </a:lnR>
                         <a:lnT w="12700" cap="flat" cmpd="sng" algn="ctr">
+                          <a:noFill/>
+                          <a:prstDash val="solid"/>
+                          <a:round/>
+                          <a:headEnd type="none" w="med" len="med"/>
+                          <a:tailEnd type="none" w="med" len="med"/>
+                        </a:lnT>
+                        <a:lnB w="3175" cap="flat" cmpd="sng" algn="ctr">
+                          <a:solidFill>
+                            <a:schemeClr val="tx1"/>
+                          </a:solidFill>
+                          <a:prstDash val="solid"/>
+                          <a:round/>
+                          <a:headEnd type="none" w="med" len="med"/>
+                          <a:tailEnd type="none" w="med" len="med"/>
+                        </a:lnB>
+                        <a:lnTlToBr w="12700" cmpd="sng">
+                          <a:noFill/>
+                          <a:prstDash val="solid"/>
+                        </a:lnTlToBr>
+                        <a:lnBlToTr w="12700" cmpd="sng">
+                          <a:noFill/>
+                          <a:prstDash val="solid"/>
+                        </a:lnBlToTr>
+                        <a:noFill/>
+                      </a:tcPr>
+                    </a:tc>
+                    <a:tc>
+                      <a:txBody>
+                        <a:bodyPr/>
+                        <a:lstStyle/>
+                        <a:p>
+                          <a:pPr/>
+                          <a14:m>
+                            <m:oMath xmlns:m="http://schemas.openxmlformats.org/officeDocument/2006/math">
+                              <m:sSub>
+                                <m:sSubPr>
+                                  <m:ctrlPr>
+                                    <a:rPr lang="fr-FR" sz="800" b="1" i="1" kern="1200" smtClean="0">
+                                      <a:solidFill>
+                                        <a:schemeClr val="tx1"/>
+                                      </a:solidFill>
+                                      <a:latin typeface="Cambria Math" panose="02040503050406030204" pitchFamily="18" charset="0"/>
+                                      <a:ea typeface="+mn-ea"/>
+                                      <a:cs typeface="+mn-cs"/>
+                                    </a:rPr>
+                                  </m:ctrlPr>
+                                </m:sSubPr>
+                                <m:e>
+                                  <m:r>
+                                    <m:rPr>
+                                      <m:nor/>
+                                    </m:rPr>
+                                    <a:rPr lang="el-GR" sz="800" b="1" i="1" kern="1200" dirty="0">
+                                      <a:solidFill>
+                                        <a:schemeClr val="tx1"/>
+                                      </a:solidFill>
+                                      <a:latin typeface="Cambria Math" panose="02040503050406030204" pitchFamily="18" charset="0"/>
+                                      <a:ea typeface="+mn-ea"/>
+                                      <a:cs typeface="+mn-cs"/>
+                                    </a:rPr>
+                                    <m:t>γ</m:t>
+                                  </m:r>
+                                </m:e>
+                                <m:sub>
+                                  <m:r>
+                                    <a:rPr lang="fr-FR" sz="800" b="1" i="1" kern="1200">
+                                      <a:solidFill>
+                                        <a:schemeClr val="tx1"/>
+                                      </a:solidFill>
+                                      <a:latin typeface="Cambria Math" panose="02040503050406030204" pitchFamily="18" charset="0"/>
+                                      <a:ea typeface="+mn-ea"/>
+                                      <a:cs typeface="+mn-cs"/>
+                                    </a:rPr>
+                                    <m:t>𝒈𝒍𝒐𝒃𝒂𝒍</m:t>
+                                  </m:r>
+                                </m:sub>
+                              </m:sSub>
+                            </m:oMath>
+                          </a14:m>
+                          <a:r>
+                            <a:rPr lang="fr-FR" sz="800" b="1" i="1" kern="1200" dirty="0" smtClean="0">
+                              <a:solidFill>
+                                <a:schemeClr val="tx1"/>
+                              </a:solidFill>
+                              <a:latin typeface="Cambria Math" panose="02040503050406030204" pitchFamily="18" charset="0"/>
+                              <a:ea typeface="+mn-ea"/>
+                              <a:cs typeface="+mn-cs"/>
+                            </a:rPr>
+                            <a:t> </a:t>
+                          </a:r>
+                          <a:r>
+                            <a:rPr lang="fr-FR" sz="700" b="0" i="1" kern="1200" dirty="0" smtClean="0">
+                              <a:solidFill>
+                                <a:schemeClr val="tx1"/>
+                              </a:solidFill>
+                              <a:latin typeface="Cambria Math" panose="02040503050406030204" pitchFamily="18" charset="0"/>
+                              <a:ea typeface="+mn-ea"/>
+                              <a:cs typeface="+mn-cs"/>
+                            </a:rPr>
+                            <a:t>(MOTUs)</a:t>
+                          </a:r>
+                          <a:endParaRPr lang="fr-FR" sz="800" b="0" i="1" kern="1200" dirty="0">
+                            <a:solidFill>
+                              <a:schemeClr val="tx1"/>
+                            </a:solidFill>
+                            <a:latin typeface="Cambria Math" panose="02040503050406030204" pitchFamily="18" charset="0"/>
+                            <a:ea typeface="+mn-ea"/>
+                            <a:cs typeface="+mn-cs"/>
+                          </a:endParaRPr>
+                        </a:p>
+                      </a:txBody>
+                      <a:tcPr marL="63305" marR="63305" marT="31652" marB="31652" anchor="ctr">
+                        <a:lnL w="3175" cap="flat" cmpd="sng" algn="ctr">
+                          <a:noFill/>
+                          <a:prstDash val="solid"/>
+                          <a:round/>
+                          <a:headEnd type="none" w="med" len="med"/>
+                          <a:tailEnd type="none" w="med" len="med"/>
+                        </a:lnL>
+                        <a:lnR w="3175" cap="flat" cmpd="sng" algn="ctr">
+                          <a:noFill/>
+                          <a:prstDash val="solid"/>
+                          <a:round/>
+                          <a:headEnd type="none" w="med" len="med"/>
+                          <a:tailEnd type="none" w="med" len="med"/>
+                        </a:lnR>
+                        <a:lnT w="3175" cap="flat" cmpd="sng" algn="ctr">
                           <a:noFill/>
                           <a:prstDash val="solid"/>
                           <a:round/>
@@ -6765,7 +7058,7 @@
                               <a:ea typeface="+mn-ea"/>
                               <a:cs typeface="Times New Roman" panose="02020603050405020304" pitchFamily="18" charset="0"/>
                             </a:rPr>
-                            <a:t>74%</a:t>
+                            <a:t>275</a:t>
                           </a:r>
                           <a:endParaRPr lang="fr-FR" sz="800" b="0" kern="1200" dirty="0">
                             <a:solidFill>
@@ -6834,7 +7127,7 @@
                               <a:ea typeface="+mn-ea"/>
                               <a:cs typeface="Times New Roman" panose="02020603050405020304" pitchFamily="18" charset="0"/>
                             </a:rPr>
-                            <a:t>18%</a:t>
+                            <a:t>77%</a:t>
                           </a:r>
                           <a:endParaRPr lang="fr-FR" sz="800" b="0" kern="1200" dirty="0">
                             <a:solidFill>
@@ -6865,6 +7158,547 @@
                           <a:solidFill>
                             <a:schemeClr val="tx1"/>
                           </a:solidFill>
+                          <a:prstDash val="solid"/>
+                          <a:round/>
+                          <a:headEnd type="none" w="med" len="med"/>
+                          <a:tailEnd type="none" w="med" len="med"/>
+                        </a:lnT>
+                        <a:lnB w="3175" cap="flat" cmpd="sng" algn="ctr">
+                          <a:noFill/>
+                          <a:prstDash val="solid"/>
+                          <a:round/>
+                          <a:headEnd type="none" w="med" len="med"/>
+                          <a:tailEnd type="none" w="med" len="med"/>
+                        </a:lnB>
+                        <a:lnTlToBr w="12700" cmpd="sng">
+                          <a:noFill/>
+                          <a:prstDash val="solid"/>
+                        </a:lnTlToBr>
+                        <a:lnBlToTr w="12700" cmpd="sng">
+                          <a:noFill/>
+                          <a:prstDash val="solid"/>
+                        </a:lnBlToTr>
+                        <a:noFill/>
+                      </a:tcPr>
+                    </a:tc>
+                    <a:tc>
+                      <a:txBody>
+                        <a:bodyPr/>
+                        <a:lstStyle/>
+                        <a:p>
+                          <a:pPr algn="ctr"/>
+                          <a:r>
+                            <a:rPr lang="fr-FR" sz="800" b="0" kern="1200" dirty="0" smtClean="0">
+                              <a:solidFill>
+                                <a:schemeClr val="dk1"/>
+                              </a:solidFill>
+                              <a:latin typeface="Times New Roman" panose="02020603050405020304" pitchFamily="18" charset="0"/>
+                              <a:ea typeface="+mn-ea"/>
+                              <a:cs typeface="Times New Roman" panose="02020603050405020304" pitchFamily="18" charset="0"/>
+                            </a:rPr>
+                            <a:t>14.7%</a:t>
+                          </a:r>
+                          <a:endParaRPr lang="fr-FR" sz="800" b="0" kern="1200" dirty="0">
+                            <a:solidFill>
+                              <a:schemeClr val="dk1"/>
+                            </a:solidFill>
+                            <a:latin typeface="Times New Roman" panose="02020603050405020304" pitchFamily="18" charset="0"/>
+                            <a:ea typeface="+mn-ea"/>
+                            <a:cs typeface="Times New Roman" panose="02020603050405020304" pitchFamily="18" charset="0"/>
+                          </a:endParaRPr>
+                        </a:p>
+                      </a:txBody>
+                      <a:tcPr marL="63305" marR="63305" marT="31652" marB="31652" anchor="ctr">
+                        <a:lnL w="3175" cap="flat" cmpd="sng" algn="ctr">
+                          <a:noFill/>
+                          <a:prstDash val="solid"/>
+                          <a:round/>
+                          <a:headEnd type="none" w="med" len="med"/>
+                          <a:tailEnd type="none" w="med" len="med"/>
+                        </a:lnL>
+                        <a:lnR w="3175" cap="flat" cmpd="sng" algn="ctr">
+                          <a:noFill/>
+                          <a:prstDash val="solid"/>
+                          <a:round/>
+                          <a:headEnd type="none" w="med" len="med"/>
+                          <a:tailEnd type="none" w="med" len="med"/>
+                        </a:lnR>
+                        <a:lnT w="3175" cap="flat" cmpd="sng" algn="ctr">
+                          <a:solidFill>
+                            <a:schemeClr val="tx1"/>
+                          </a:solidFill>
+                          <a:prstDash val="solid"/>
+                          <a:round/>
+                          <a:headEnd type="none" w="med" len="med"/>
+                          <a:tailEnd type="none" w="med" len="med"/>
+                        </a:lnT>
+                        <a:lnB w="3175" cap="flat" cmpd="sng" algn="ctr">
+                          <a:noFill/>
+                          <a:prstDash val="solid"/>
+                          <a:round/>
+                          <a:headEnd type="none" w="med" len="med"/>
+                          <a:tailEnd type="none" w="med" len="med"/>
+                        </a:lnB>
+                        <a:lnTlToBr w="12700" cmpd="sng">
+                          <a:noFill/>
+                          <a:prstDash val="solid"/>
+                        </a:lnTlToBr>
+                        <a:lnBlToTr w="12700" cmpd="sng">
+                          <a:noFill/>
+                          <a:prstDash val="solid"/>
+                        </a:lnBlToTr>
+                        <a:noFill/>
+                      </a:tcPr>
+                    </a:tc>
+                    <a:tc>
+                      <a:txBody>
+                        <a:bodyPr/>
+                        <a:lstStyle/>
+                        <a:p>
+                          <a:pPr algn="ctr"/>
+                          <a:r>
+                            <a:rPr lang="fr-FR" sz="800" b="0" kern="1200" dirty="0" smtClean="0">
+                              <a:solidFill>
+                                <a:schemeClr val="dk1"/>
+                              </a:solidFill>
+                              <a:latin typeface="Times New Roman" panose="02020603050405020304" pitchFamily="18" charset="0"/>
+                              <a:ea typeface="+mn-ea"/>
+                              <a:cs typeface="Times New Roman" panose="02020603050405020304" pitchFamily="18" charset="0"/>
+                            </a:rPr>
+                            <a:t>5.5%</a:t>
+                          </a:r>
+                          <a:endParaRPr lang="fr-FR" sz="800" b="0" kern="1200" dirty="0">
+                            <a:solidFill>
+                              <a:schemeClr val="dk1"/>
+                            </a:solidFill>
+                            <a:latin typeface="Times New Roman" panose="02020603050405020304" pitchFamily="18" charset="0"/>
+                            <a:ea typeface="+mn-ea"/>
+                            <a:cs typeface="Times New Roman" panose="02020603050405020304" pitchFamily="18" charset="0"/>
+                          </a:endParaRPr>
+                        </a:p>
+                      </a:txBody>
+                      <a:tcPr marL="63305" marR="63305" marT="31652" marB="31652" anchor="ctr">
+                        <a:lnL w="3175" cap="flat" cmpd="sng" algn="ctr">
+                          <a:noFill/>
+                          <a:prstDash val="solid"/>
+                          <a:round/>
+                          <a:headEnd type="none" w="med" len="med"/>
+                          <a:tailEnd type="none" w="med" len="med"/>
+                        </a:lnL>
+                        <a:lnR w="3175" cap="flat" cmpd="sng" algn="ctr">
+                          <a:noFill/>
+                          <a:prstDash val="solid"/>
+                          <a:round/>
+                          <a:headEnd type="none" w="med" len="med"/>
+                          <a:tailEnd type="none" w="med" len="med"/>
+                        </a:lnR>
+                        <a:lnT w="3175" cap="flat" cmpd="sng" algn="ctr">
+                          <a:solidFill>
+                            <a:schemeClr val="tx1"/>
+                          </a:solidFill>
+                          <a:prstDash val="solid"/>
+                          <a:round/>
+                          <a:headEnd type="none" w="med" len="med"/>
+                          <a:tailEnd type="none" w="med" len="med"/>
+                        </a:lnT>
+                        <a:lnB w="3175" cap="flat" cmpd="sng" algn="ctr">
+                          <a:noFill/>
+                          <a:prstDash val="solid"/>
+                          <a:round/>
+                          <a:headEnd type="none" w="med" len="med"/>
+                          <a:tailEnd type="none" w="med" len="med"/>
+                        </a:lnB>
+                        <a:lnTlToBr w="12700" cmpd="sng">
+                          <a:noFill/>
+                          <a:prstDash val="solid"/>
+                        </a:lnTlToBr>
+                        <a:lnBlToTr w="12700" cmpd="sng">
+                          <a:noFill/>
+                          <a:prstDash val="solid"/>
+                        </a:lnBlToTr>
+                        <a:noFill/>
+                      </a:tcPr>
+                    </a:tc>
+                    <a:tc>
+                      <a:txBody>
+                        <a:bodyPr/>
+                        <a:lstStyle/>
+                        <a:p>
+                          <a:pPr algn="ctr"/>
+                          <a:r>
+                            <a:rPr lang="fr-FR" sz="800" b="0" kern="1200" dirty="0" smtClean="0">
+                              <a:solidFill>
+                                <a:schemeClr val="dk1"/>
+                              </a:solidFill>
+                              <a:latin typeface="Times New Roman" panose="02020603050405020304" pitchFamily="18" charset="0"/>
+                              <a:ea typeface="+mn-ea"/>
+                              <a:cs typeface="Times New Roman" panose="02020603050405020304" pitchFamily="18" charset="0"/>
+                            </a:rPr>
+                            <a:t>2.8%</a:t>
+                          </a:r>
+                          <a:endParaRPr lang="fr-FR" sz="800" b="0" kern="1200" dirty="0">
+                            <a:solidFill>
+                              <a:schemeClr val="dk1"/>
+                            </a:solidFill>
+                            <a:latin typeface="Times New Roman" panose="02020603050405020304" pitchFamily="18" charset="0"/>
+                            <a:ea typeface="+mn-ea"/>
+                            <a:cs typeface="Times New Roman" panose="02020603050405020304" pitchFamily="18" charset="0"/>
+                          </a:endParaRPr>
+                        </a:p>
+                      </a:txBody>
+                      <a:tcPr marL="63305" marR="63305" marT="31652" marB="31652" anchor="ctr">
+                        <a:lnL w="3175" cap="flat" cmpd="sng" algn="ctr">
+                          <a:noFill/>
+                          <a:prstDash val="solid"/>
+                          <a:round/>
+                          <a:headEnd type="none" w="med" len="med"/>
+                          <a:tailEnd type="none" w="med" len="med"/>
+                        </a:lnL>
+                        <a:lnR w="3175" cap="flat" cmpd="sng" algn="ctr">
+                          <a:noFill/>
+                          <a:prstDash val="solid"/>
+                          <a:round/>
+                          <a:headEnd type="none" w="med" len="med"/>
+                          <a:tailEnd type="none" w="med" len="med"/>
+                        </a:lnR>
+                        <a:lnT w="3175" cap="flat" cmpd="sng" algn="ctr">
+                          <a:solidFill>
+                            <a:schemeClr val="tx1"/>
+                          </a:solidFill>
+                          <a:prstDash val="solid"/>
+                          <a:round/>
+                          <a:headEnd type="none" w="med" len="med"/>
+                          <a:tailEnd type="none" w="med" len="med"/>
+                        </a:lnT>
+                        <a:lnB w="3175" cap="flat" cmpd="sng" algn="ctr">
+                          <a:noFill/>
+                          <a:prstDash val="solid"/>
+                          <a:round/>
+                          <a:headEnd type="none" w="med" len="med"/>
+                          <a:tailEnd type="none" w="med" len="med"/>
+                        </a:lnB>
+                        <a:lnTlToBr w="12700" cmpd="sng">
+                          <a:noFill/>
+                          <a:prstDash val="solid"/>
+                        </a:lnTlToBr>
+                        <a:lnBlToTr w="12700" cmpd="sng">
+                          <a:noFill/>
+                          <a:prstDash val="solid"/>
+                        </a:lnBlToTr>
+                        <a:noFill/>
+                      </a:tcPr>
+                    </a:tc>
+                    <a:extLst>
+                      <a:ext uri="{0D108BD9-81ED-4DB2-BD59-A6C34878D82A}">
+                        <a16:rowId xmlns:a16="http://schemas.microsoft.com/office/drawing/2014/main" val="901899567"/>
+                      </a:ext>
+                    </a:extLst>
+                  </a:tr>
+                  <a:tr h="224308">
+                    <a:tc>
+                      <a:txBody>
+                        <a:bodyPr/>
+                        <a:lstStyle/>
+                        <a:p>
+                          <a:r>
+                            <a:rPr lang="en-US" sz="800" b="1" dirty="0" smtClean="0">
+                              <a:latin typeface="Times New Roman" panose="02020603050405020304" pitchFamily="18" charset="0"/>
+                              <a:cs typeface="Times New Roman" panose="02020603050405020304" pitchFamily="18" charset="0"/>
+                            </a:rPr>
+                            <a:t>Pelagic families</a:t>
+                          </a:r>
+                          <a:endParaRPr lang="fr-FR" sz="800" b="1" dirty="0">
+                            <a:solidFill>
+                              <a:schemeClr val="tx1"/>
+                            </a:solidFill>
+                          </a:endParaRPr>
+                        </a:p>
+                      </a:txBody>
+                      <a:tcPr marL="63305" marR="63305" marT="31652" marB="31652" anchor="ctr">
+                        <a:lnL w="3175" cap="flat" cmpd="sng" algn="ctr">
+                          <a:noFill/>
+                          <a:prstDash val="solid"/>
+                          <a:round/>
+                          <a:headEnd type="none" w="med" len="med"/>
+                          <a:tailEnd type="none" w="med" len="med"/>
+                        </a:lnL>
+                        <a:lnR w="3175" cap="flat" cmpd="sng" algn="ctr">
+                          <a:noFill/>
+                          <a:prstDash val="solid"/>
+                          <a:round/>
+                          <a:headEnd type="none" w="med" len="med"/>
+                          <a:tailEnd type="none" w="med" len="med"/>
+                        </a:lnR>
+                        <a:lnT w="3175" cap="flat" cmpd="sng" algn="ctr">
+                          <a:noFill/>
+                          <a:prstDash val="solid"/>
+                          <a:round/>
+                          <a:headEnd type="none" w="med" len="med"/>
+                          <a:tailEnd type="none" w="med" len="med"/>
+                        </a:lnT>
+                        <a:lnB w="3175" cap="flat" cmpd="sng" algn="ctr">
+                          <a:noFill/>
+                          <a:prstDash val="solid"/>
+                          <a:round/>
+                          <a:headEnd type="none" w="med" len="med"/>
+                          <a:tailEnd type="none" w="med" len="med"/>
+                        </a:lnB>
+                        <a:lnTlToBr w="12700" cmpd="sng">
+                          <a:noFill/>
+                          <a:prstDash val="solid"/>
+                        </a:lnTlToBr>
+                        <a:lnBlToTr w="12700" cmpd="sng">
+                          <a:noFill/>
+                          <a:prstDash val="solid"/>
+                        </a:lnBlToTr>
+                        <a:noFill/>
+                      </a:tcPr>
+                    </a:tc>
+                    <a:tc>
+                      <a:txBody>
+                        <a:bodyPr/>
+                        <a:lstStyle/>
+                        <a:p>
+                          <a:pPr algn="ctr"/>
+                          <a:r>
+                            <a:rPr lang="fr-FR" sz="800" b="0" kern="1200" dirty="0" smtClean="0">
+                              <a:solidFill>
+                                <a:schemeClr val="dk1"/>
+                              </a:solidFill>
+                              <a:latin typeface="Times New Roman" panose="02020603050405020304" pitchFamily="18" charset="0"/>
+                              <a:ea typeface="+mn-ea"/>
+                              <a:cs typeface="Times New Roman" panose="02020603050405020304" pitchFamily="18" charset="0"/>
+                            </a:rPr>
+                            <a:t>171</a:t>
+                          </a:r>
+                          <a:endParaRPr lang="fr-FR" sz="800" b="0" kern="1200" dirty="0">
+                            <a:solidFill>
+                              <a:schemeClr val="dk1"/>
+                            </a:solidFill>
+                            <a:latin typeface="Times New Roman" panose="02020603050405020304" pitchFamily="18" charset="0"/>
+                            <a:ea typeface="+mn-ea"/>
+                            <a:cs typeface="Times New Roman" panose="02020603050405020304" pitchFamily="18" charset="0"/>
+                          </a:endParaRPr>
+                        </a:p>
+                      </a:txBody>
+                      <a:tcPr marL="63305" marR="63305" marT="31652" marB="31652" anchor="ctr">
+                        <a:lnL w="3175" cap="flat" cmpd="sng" algn="ctr">
+                          <a:noFill/>
+                          <a:prstDash val="solid"/>
+                          <a:round/>
+                          <a:headEnd type="none" w="med" len="med"/>
+                          <a:tailEnd type="none" w="med" len="med"/>
+                        </a:lnL>
+                        <a:lnR w="3175" cap="flat" cmpd="sng" algn="ctr">
+                          <a:noFill/>
+                          <a:prstDash val="solid"/>
+                          <a:round/>
+                          <a:headEnd type="none" w="med" len="med"/>
+                          <a:tailEnd type="none" w="med" len="med"/>
+                        </a:lnR>
+                        <a:lnT w="3175" cap="flat" cmpd="sng" algn="ctr">
+                          <a:noFill/>
+                          <a:prstDash val="solid"/>
+                          <a:round/>
+                          <a:headEnd type="none" w="med" len="med"/>
+                          <a:tailEnd type="none" w="med" len="med"/>
+                        </a:lnT>
+                        <a:lnB w="3175" cap="flat" cmpd="sng" algn="ctr">
+                          <a:noFill/>
+                          <a:prstDash val="solid"/>
+                          <a:round/>
+                          <a:headEnd type="none" w="med" len="med"/>
+                          <a:tailEnd type="none" w="med" len="med"/>
+                        </a:lnB>
+                        <a:lnTlToBr w="12700" cmpd="sng">
+                          <a:noFill/>
+                          <a:prstDash val="solid"/>
+                        </a:lnTlToBr>
+                        <a:lnBlToTr w="12700" cmpd="sng">
+                          <a:noFill/>
+                          <a:prstDash val="solid"/>
+                        </a:lnBlToTr>
+                        <a:noFill/>
+                      </a:tcPr>
+                    </a:tc>
+                    <a:tc>
+                      <a:txBody>
+                        <a:bodyPr/>
+                        <a:lstStyle/>
+                        <a:p>
+                          <a:pPr algn="ctr"/>
+                          <a:r>
+                            <a:rPr lang="fr-FR" sz="800" b="0" kern="1200" dirty="0" smtClean="0">
+                              <a:solidFill>
+                                <a:schemeClr val="dk1"/>
+                              </a:solidFill>
+                              <a:latin typeface="Times New Roman" panose="02020603050405020304" pitchFamily="18" charset="0"/>
+                              <a:ea typeface="+mn-ea"/>
+                              <a:cs typeface="Times New Roman" panose="02020603050405020304" pitchFamily="18" charset="0"/>
+                            </a:rPr>
+                            <a:t>74.3%</a:t>
+                          </a:r>
+                          <a:endParaRPr lang="fr-FR" sz="800" b="0" kern="1200" dirty="0">
+                            <a:solidFill>
+                              <a:schemeClr val="dk1"/>
+                            </a:solidFill>
+                            <a:latin typeface="Times New Roman" panose="02020603050405020304" pitchFamily="18" charset="0"/>
+                            <a:ea typeface="+mn-ea"/>
+                            <a:cs typeface="Times New Roman" panose="02020603050405020304" pitchFamily="18" charset="0"/>
+                          </a:endParaRPr>
+                        </a:p>
+                      </a:txBody>
+                      <a:tcPr marL="63305" marR="63305" marT="31652" marB="31652" anchor="ctr">
+                        <a:lnL w="3175" cap="flat" cmpd="sng" algn="ctr">
+                          <a:noFill/>
+                          <a:prstDash val="solid"/>
+                          <a:round/>
+                          <a:headEnd type="none" w="med" len="med"/>
+                          <a:tailEnd type="none" w="med" len="med"/>
+                        </a:lnL>
+                        <a:lnR w="3175" cap="flat" cmpd="sng" algn="ctr">
+                          <a:noFill/>
+                          <a:prstDash val="solid"/>
+                          <a:round/>
+                          <a:headEnd type="none" w="med" len="med"/>
+                          <a:tailEnd type="none" w="med" len="med"/>
+                        </a:lnR>
+                        <a:lnT w="3175" cap="flat" cmpd="sng" algn="ctr">
+                          <a:noFill/>
+                          <a:prstDash val="solid"/>
+                          <a:round/>
+                          <a:headEnd type="none" w="med" len="med"/>
+                          <a:tailEnd type="none" w="med" len="med"/>
+                        </a:lnT>
+                        <a:lnB w="3175" cap="flat" cmpd="sng" algn="ctr">
+                          <a:noFill/>
+                          <a:prstDash val="solid"/>
+                          <a:round/>
+                          <a:headEnd type="none" w="med" len="med"/>
+                          <a:tailEnd type="none" w="med" len="med"/>
+                        </a:lnB>
+                        <a:lnTlToBr w="12700" cmpd="sng">
+                          <a:noFill/>
+                          <a:prstDash val="solid"/>
+                        </a:lnTlToBr>
+                        <a:lnBlToTr w="12700" cmpd="sng">
+                          <a:noFill/>
+                          <a:prstDash val="solid"/>
+                        </a:lnBlToTr>
+                        <a:noFill/>
+                      </a:tcPr>
+                    </a:tc>
+                    <a:tc>
+                      <a:txBody>
+                        <a:bodyPr/>
+                        <a:lstStyle/>
+                        <a:p>
+                          <a:pPr algn="ctr"/>
+                          <a:r>
+                            <a:rPr lang="fr-FR" sz="800" b="0" kern="1200" dirty="0" smtClean="0">
+                              <a:solidFill>
+                                <a:schemeClr val="dk1"/>
+                              </a:solidFill>
+                              <a:latin typeface="Times New Roman" panose="02020603050405020304" pitchFamily="18" charset="0"/>
+                              <a:ea typeface="+mn-ea"/>
+                              <a:cs typeface="Times New Roman" panose="02020603050405020304" pitchFamily="18" charset="0"/>
+                            </a:rPr>
+                            <a:t>13.5%</a:t>
+                          </a:r>
+                          <a:endParaRPr lang="fr-FR" sz="800" b="0" kern="1200" dirty="0">
+                            <a:solidFill>
+                              <a:schemeClr val="dk1"/>
+                            </a:solidFill>
+                            <a:latin typeface="Times New Roman" panose="02020603050405020304" pitchFamily="18" charset="0"/>
+                            <a:ea typeface="+mn-ea"/>
+                            <a:cs typeface="Times New Roman" panose="02020603050405020304" pitchFamily="18" charset="0"/>
+                          </a:endParaRPr>
+                        </a:p>
+                      </a:txBody>
+                      <a:tcPr marL="63305" marR="63305" marT="31652" marB="31652" anchor="ctr">
+                        <a:lnL w="3175" cap="flat" cmpd="sng" algn="ctr">
+                          <a:noFill/>
+                          <a:prstDash val="solid"/>
+                          <a:round/>
+                          <a:headEnd type="none" w="med" len="med"/>
+                          <a:tailEnd type="none" w="med" len="med"/>
+                        </a:lnL>
+                        <a:lnR w="3175" cap="flat" cmpd="sng" algn="ctr">
+                          <a:noFill/>
+                          <a:prstDash val="solid"/>
+                          <a:round/>
+                          <a:headEnd type="none" w="med" len="med"/>
+                          <a:tailEnd type="none" w="med" len="med"/>
+                        </a:lnR>
+                        <a:lnT w="3175" cap="flat" cmpd="sng" algn="ctr">
+                          <a:noFill/>
+                          <a:prstDash val="solid"/>
+                          <a:round/>
+                          <a:headEnd type="none" w="med" len="med"/>
+                          <a:tailEnd type="none" w="med" len="med"/>
+                        </a:lnT>
+                        <a:lnB w="3175" cap="flat" cmpd="sng" algn="ctr">
+                          <a:noFill/>
+                          <a:prstDash val="solid"/>
+                          <a:round/>
+                          <a:headEnd type="none" w="med" len="med"/>
+                          <a:tailEnd type="none" w="med" len="med"/>
+                        </a:lnB>
+                        <a:lnTlToBr w="12700" cmpd="sng">
+                          <a:noFill/>
+                          <a:prstDash val="solid"/>
+                        </a:lnTlToBr>
+                        <a:lnBlToTr w="12700" cmpd="sng">
+                          <a:noFill/>
+                          <a:prstDash val="solid"/>
+                        </a:lnBlToTr>
+                        <a:noFill/>
+                      </a:tcPr>
+                    </a:tc>
+                    <a:tc>
+                      <a:txBody>
+                        <a:bodyPr/>
+                        <a:lstStyle/>
+                        <a:p>
+                          <a:pPr algn="ctr"/>
+                          <a:r>
+                            <a:rPr lang="fr-FR" sz="800" b="0" kern="1200" dirty="0" smtClean="0">
+                              <a:solidFill>
+                                <a:schemeClr val="dk1"/>
+                              </a:solidFill>
+                              <a:latin typeface="Times New Roman" panose="02020603050405020304" pitchFamily="18" charset="0"/>
+                              <a:ea typeface="+mn-ea"/>
+                              <a:cs typeface="Times New Roman" panose="02020603050405020304" pitchFamily="18" charset="0"/>
+                            </a:rPr>
+                            <a:t>7.7%</a:t>
+                          </a:r>
+                          <a:endParaRPr lang="fr-FR" sz="800" b="0" kern="1200" dirty="0">
+                            <a:solidFill>
+                              <a:schemeClr val="dk1"/>
+                            </a:solidFill>
+                            <a:latin typeface="Times New Roman" panose="02020603050405020304" pitchFamily="18" charset="0"/>
+                            <a:ea typeface="+mn-ea"/>
+                            <a:cs typeface="Times New Roman" panose="02020603050405020304" pitchFamily="18" charset="0"/>
+                          </a:endParaRPr>
+                        </a:p>
+                      </a:txBody>
+                      <a:tcPr marL="63305" marR="63305" marT="31652" marB="31652" anchor="ctr">
+                        <a:lnL w="3175" cap="flat" cmpd="sng" algn="ctr">
+                          <a:noFill/>
+                          <a:prstDash val="solid"/>
+                          <a:round/>
+                          <a:headEnd type="none" w="med" len="med"/>
+                          <a:tailEnd type="none" w="med" len="med"/>
+                        </a:lnL>
+                        <a:lnR w="3175" cap="flat" cmpd="sng" algn="ctr">
+                          <a:noFill/>
+                          <a:prstDash val="solid"/>
+                          <a:round/>
+                          <a:headEnd type="none" w="med" len="med"/>
+                          <a:tailEnd type="none" w="med" len="med"/>
+                        </a:lnR>
+                        <a:lnT w="3175" cap="flat" cmpd="sng" algn="ctr">
+                          <a:noFill/>
                           <a:prstDash val="solid"/>
                           <a:round/>
                           <a:headEnd type="none" w="med" len="med"/>
@@ -6931,9 +7765,73 @@
                           <a:tailEnd type="none" w="med" len="med"/>
                         </a:lnR>
                         <a:lnT w="3175" cap="flat" cmpd="sng" algn="ctr">
-                          <a:solidFill>
-                            <a:schemeClr val="tx1"/>
-                          </a:solidFill>
+                          <a:noFill/>
+                          <a:prstDash val="solid"/>
+                          <a:round/>
+                          <a:headEnd type="none" w="med" len="med"/>
+                          <a:tailEnd type="none" w="med" len="med"/>
+                        </a:lnT>
+                        <a:lnB w="3175" cap="flat" cmpd="sng" algn="ctr">
+                          <a:noFill/>
+                          <a:prstDash val="solid"/>
+                          <a:round/>
+                          <a:headEnd type="none" w="med" len="med"/>
+                          <a:tailEnd type="none" w="med" len="med"/>
+                        </a:lnB>
+                        <a:lnTlToBr w="12700" cmpd="sng">
+                          <a:noFill/>
+                          <a:prstDash val="solid"/>
+                        </a:lnTlToBr>
+                        <a:lnBlToTr w="12700" cmpd="sng">
+                          <a:noFill/>
+                          <a:prstDash val="solid"/>
+                        </a:lnBlToTr>
+                        <a:noFill/>
+                      </a:tcPr>
+                    </a:tc>
+                    <a:extLst>
+                      <a:ext uri="{0D108BD9-81ED-4DB2-BD59-A6C34878D82A}">
+                        <a16:rowId xmlns:a16="http://schemas.microsoft.com/office/drawing/2014/main" val="4105435536"/>
+                      </a:ext>
+                    </a:extLst>
+                  </a:tr>
+                  <a:tr h="224308">
+                    <a:tc>
+                      <a:txBody>
+                        <a:bodyPr/>
+                        <a:lstStyle/>
+                        <a:p>
+                          <a:r>
+                            <a:rPr lang="en-US" sz="800" b="1" dirty="0" smtClean="0">
+                              <a:latin typeface="Times New Roman" panose="02020603050405020304" pitchFamily="18" charset="0"/>
+                              <a:cs typeface="Times New Roman" panose="02020603050405020304" pitchFamily="18" charset="0"/>
+                            </a:rPr>
+                            <a:t>Species</a:t>
+                          </a:r>
+                          <a:endParaRPr lang="fr-FR" sz="800" b="1" dirty="0">
+                            <a:solidFill>
+                              <a:schemeClr val="tx1"/>
+                            </a:solidFill>
+                          </a:endParaRPr>
+                        </a:p>
+                      </a:txBody>
+                      <a:tcPr marL="63305" marR="63305" marT="31652" marB="31652" anchor="ctr">
+                        <a:lnL w="3175" cap="flat" cmpd="sng" algn="ctr">
+                          <a:noFill/>
+                          <a:prstDash val="solid"/>
+                          <a:round/>
+                          <a:headEnd type="none" w="med" len="med"/>
+                          <a:tailEnd type="none" w="med" len="med"/>
+                        </a:lnL>
+                        <a:lnR w="3175" cap="flat" cmpd="sng" algn="ctr">
+                          <a:noFill/>
+                          <a:prstDash val="solid"/>
+                          <a:round/>
+                          <a:headEnd type="none" w="med" len="med"/>
+                          <a:tailEnd type="none" w="med" len="med"/>
+                        </a:lnR>
+                        <a:lnT w="3175" cap="flat" cmpd="sng" algn="ctr">
+                          <a:noFill/>
                           <a:prstDash val="solid"/>
                           <a:round/>
                           <a:headEnd type="none" w="med" len="med"/>
@@ -6972,7 +7870,1110 @@
                               <a:ea typeface="+mn-ea"/>
                               <a:cs typeface="Times New Roman" panose="02020603050405020304" pitchFamily="18" charset="0"/>
                             </a:rPr>
-                            <a:t>3.5%</a:t>
+                            <a:t>393</a:t>
+                          </a:r>
+                          <a:endParaRPr lang="fr-FR" sz="800" b="0" kern="1200" dirty="0">
+                            <a:solidFill>
+                              <a:schemeClr val="dk1"/>
+                            </a:solidFill>
+                            <a:latin typeface="Times New Roman" panose="02020603050405020304" pitchFamily="18" charset="0"/>
+                            <a:ea typeface="+mn-ea"/>
+                            <a:cs typeface="Times New Roman" panose="02020603050405020304" pitchFamily="18" charset="0"/>
+                          </a:endParaRPr>
+                        </a:p>
+                      </a:txBody>
+                      <a:tcPr marL="63305" marR="63305" marT="31652" marB="31652" anchor="ctr">
+                        <a:lnL w="3175" cap="flat" cmpd="sng" algn="ctr">
+                          <a:noFill/>
+                          <a:prstDash val="solid"/>
+                          <a:round/>
+                          <a:headEnd type="none" w="med" len="med"/>
+                          <a:tailEnd type="none" w="med" len="med"/>
+                        </a:lnL>
+                        <a:lnR w="3175" cap="flat" cmpd="sng" algn="ctr">
+                          <a:noFill/>
+                          <a:prstDash val="solid"/>
+                          <a:round/>
+                          <a:headEnd type="none" w="med" len="med"/>
+                          <a:tailEnd type="none" w="med" len="med"/>
+                        </a:lnR>
+                        <a:lnT w="3175" cap="flat" cmpd="sng" algn="ctr">
+                          <a:noFill/>
+                          <a:prstDash val="solid"/>
+                          <a:round/>
+                          <a:headEnd type="none" w="med" len="med"/>
+                          <a:tailEnd type="none" w="med" len="med"/>
+                        </a:lnT>
+                        <a:lnB w="3175" cap="flat" cmpd="sng" algn="ctr">
+                          <a:noFill/>
+                          <a:prstDash val="solid"/>
+                          <a:round/>
+                          <a:headEnd type="none" w="med" len="med"/>
+                          <a:tailEnd type="none" w="med" len="med"/>
+                        </a:lnB>
+                        <a:lnTlToBr w="12700" cmpd="sng">
+                          <a:noFill/>
+                          <a:prstDash val="solid"/>
+                        </a:lnTlToBr>
+                        <a:lnBlToTr w="12700" cmpd="sng">
+                          <a:noFill/>
+                          <a:prstDash val="solid"/>
+                        </a:lnBlToTr>
+                        <a:noFill/>
+                      </a:tcPr>
+                    </a:tc>
+                    <a:tc>
+                      <a:txBody>
+                        <a:bodyPr/>
+                        <a:lstStyle/>
+                        <a:p>
+                          <a:pPr algn="ctr"/>
+                          <a:r>
+                            <a:rPr lang="fr-FR" sz="800" b="0" kern="1200" dirty="0" smtClean="0">
+                              <a:solidFill>
+                                <a:schemeClr val="dk1"/>
+                              </a:solidFill>
+                              <a:latin typeface="Times New Roman" panose="02020603050405020304" pitchFamily="18" charset="0"/>
+                              <a:ea typeface="+mn-ea"/>
+                              <a:cs typeface="Times New Roman" panose="02020603050405020304" pitchFamily="18" charset="0"/>
+                            </a:rPr>
+                            <a:t>69.5%</a:t>
+                          </a:r>
+                          <a:endParaRPr lang="fr-FR" sz="800" b="0" kern="1200" dirty="0">
+                            <a:solidFill>
+                              <a:schemeClr val="dk1"/>
+                            </a:solidFill>
+                            <a:latin typeface="Times New Roman" panose="02020603050405020304" pitchFamily="18" charset="0"/>
+                            <a:ea typeface="+mn-ea"/>
+                            <a:cs typeface="Times New Roman" panose="02020603050405020304" pitchFamily="18" charset="0"/>
+                          </a:endParaRPr>
+                        </a:p>
+                      </a:txBody>
+                      <a:tcPr marL="63305" marR="63305" marT="31652" marB="31652" anchor="ctr">
+                        <a:lnL w="3175" cap="flat" cmpd="sng" algn="ctr">
+                          <a:noFill/>
+                          <a:prstDash val="solid"/>
+                          <a:round/>
+                          <a:headEnd type="none" w="med" len="med"/>
+                          <a:tailEnd type="none" w="med" len="med"/>
+                        </a:lnL>
+                        <a:lnR w="3175" cap="flat" cmpd="sng" algn="ctr">
+                          <a:noFill/>
+                          <a:prstDash val="solid"/>
+                          <a:round/>
+                          <a:headEnd type="none" w="med" len="med"/>
+                          <a:tailEnd type="none" w="med" len="med"/>
+                        </a:lnR>
+                        <a:lnT w="3175" cap="flat" cmpd="sng" algn="ctr">
+                          <a:noFill/>
+                          <a:prstDash val="solid"/>
+                          <a:round/>
+                          <a:headEnd type="none" w="med" len="med"/>
+                          <a:tailEnd type="none" w="med" len="med"/>
+                        </a:lnT>
+                        <a:lnB w="3175" cap="flat" cmpd="sng" algn="ctr">
+                          <a:noFill/>
+                          <a:prstDash val="solid"/>
+                          <a:round/>
+                          <a:headEnd type="none" w="med" len="med"/>
+                          <a:tailEnd type="none" w="med" len="med"/>
+                        </a:lnB>
+                        <a:lnTlToBr w="12700" cmpd="sng">
+                          <a:noFill/>
+                          <a:prstDash val="solid"/>
+                        </a:lnTlToBr>
+                        <a:lnBlToTr w="12700" cmpd="sng">
+                          <a:noFill/>
+                          <a:prstDash val="solid"/>
+                        </a:lnBlToTr>
+                        <a:noFill/>
+                      </a:tcPr>
+                    </a:tc>
+                    <a:tc>
+                      <a:txBody>
+                        <a:bodyPr/>
+                        <a:lstStyle/>
+                        <a:p>
+                          <a:pPr algn="ctr"/>
+                          <a:r>
+                            <a:rPr lang="fr-FR" sz="800" b="0" kern="1200" dirty="0" smtClean="0">
+                              <a:solidFill>
+                                <a:schemeClr val="dk1"/>
+                              </a:solidFill>
+                              <a:latin typeface="Times New Roman" panose="02020603050405020304" pitchFamily="18" charset="0"/>
+                              <a:ea typeface="+mn-ea"/>
+                              <a:cs typeface="Times New Roman" panose="02020603050405020304" pitchFamily="18" charset="0"/>
+                            </a:rPr>
+                            <a:t>14.1%</a:t>
+                          </a:r>
+                          <a:endParaRPr lang="fr-FR" sz="800" b="0" kern="1200" dirty="0">
+                            <a:solidFill>
+                              <a:schemeClr val="dk1"/>
+                            </a:solidFill>
+                            <a:latin typeface="Times New Roman" panose="02020603050405020304" pitchFamily="18" charset="0"/>
+                            <a:ea typeface="+mn-ea"/>
+                            <a:cs typeface="Times New Roman" panose="02020603050405020304" pitchFamily="18" charset="0"/>
+                          </a:endParaRPr>
+                        </a:p>
+                      </a:txBody>
+                      <a:tcPr marL="63305" marR="63305" marT="31652" marB="31652" anchor="ctr">
+                        <a:lnL w="3175" cap="flat" cmpd="sng" algn="ctr">
+                          <a:noFill/>
+                          <a:prstDash val="solid"/>
+                          <a:round/>
+                          <a:headEnd type="none" w="med" len="med"/>
+                          <a:tailEnd type="none" w="med" len="med"/>
+                        </a:lnL>
+                        <a:lnR w="3175" cap="flat" cmpd="sng" algn="ctr">
+                          <a:noFill/>
+                          <a:prstDash val="solid"/>
+                          <a:round/>
+                          <a:headEnd type="none" w="med" len="med"/>
+                          <a:tailEnd type="none" w="med" len="med"/>
+                        </a:lnR>
+                        <a:lnT w="3175" cap="flat" cmpd="sng" algn="ctr">
+                          <a:noFill/>
+                          <a:prstDash val="solid"/>
+                          <a:round/>
+                          <a:headEnd type="none" w="med" len="med"/>
+                          <a:tailEnd type="none" w="med" len="med"/>
+                        </a:lnT>
+                        <a:lnB w="3175" cap="flat" cmpd="sng" algn="ctr">
+                          <a:noFill/>
+                          <a:prstDash val="solid"/>
+                          <a:round/>
+                          <a:headEnd type="none" w="med" len="med"/>
+                          <a:tailEnd type="none" w="med" len="med"/>
+                        </a:lnB>
+                        <a:lnTlToBr w="12700" cmpd="sng">
+                          <a:noFill/>
+                          <a:prstDash val="solid"/>
+                        </a:lnTlToBr>
+                        <a:lnBlToTr w="12700" cmpd="sng">
+                          <a:noFill/>
+                          <a:prstDash val="solid"/>
+                        </a:lnBlToTr>
+                        <a:noFill/>
+                      </a:tcPr>
+                    </a:tc>
+                    <a:tc>
+                      <a:txBody>
+                        <a:bodyPr/>
+                        <a:lstStyle/>
+                        <a:p>
+                          <a:pPr algn="ctr"/>
+                          <a:r>
+                            <a:rPr lang="fr-FR" sz="800" b="0" kern="1200" dirty="0" smtClean="0">
+                              <a:solidFill>
+                                <a:schemeClr val="dk1"/>
+                              </a:solidFill>
+                              <a:latin typeface="Times New Roman" panose="02020603050405020304" pitchFamily="18" charset="0"/>
+                              <a:ea typeface="+mn-ea"/>
+                              <a:cs typeface="Times New Roman" panose="02020603050405020304" pitchFamily="18" charset="0"/>
+                            </a:rPr>
+                            <a:t>9.4%</a:t>
+                          </a:r>
+                          <a:endParaRPr lang="fr-FR" sz="800" b="0" kern="1200" dirty="0">
+                            <a:solidFill>
+                              <a:schemeClr val="dk1"/>
+                            </a:solidFill>
+                            <a:latin typeface="Times New Roman" panose="02020603050405020304" pitchFamily="18" charset="0"/>
+                            <a:ea typeface="+mn-ea"/>
+                            <a:cs typeface="Times New Roman" panose="02020603050405020304" pitchFamily="18" charset="0"/>
+                          </a:endParaRPr>
+                        </a:p>
+                      </a:txBody>
+                      <a:tcPr marL="63305" marR="63305" marT="31652" marB="31652" anchor="ctr">
+                        <a:lnL w="3175" cap="flat" cmpd="sng" algn="ctr">
+                          <a:noFill/>
+                          <a:prstDash val="solid"/>
+                          <a:round/>
+                          <a:headEnd type="none" w="med" len="med"/>
+                          <a:tailEnd type="none" w="med" len="med"/>
+                        </a:lnL>
+                        <a:lnR w="3175" cap="flat" cmpd="sng" algn="ctr">
+                          <a:noFill/>
+                          <a:prstDash val="solid"/>
+                          <a:round/>
+                          <a:headEnd type="none" w="med" len="med"/>
+                          <a:tailEnd type="none" w="med" len="med"/>
+                        </a:lnR>
+                        <a:lnT w="3175" cap="flat" cmpd="sng" algn="ctr">
+                          <a:noFill/>
+                          <a:prstDash val="solid"/>
+                          <a:round/>
+                          <a:headEnd type="none" w="med" len="med"/>
+                          <a:tailEnd type="none" w="med" len="med"/>
+                        </a:lnT>
+                        <a:lnB w="3175" cap="flat" cmpd="sng" algn="ctr">
+                          <a:noFill/>
+                          <a:prstDash val="solid"/>
+                          <a:round/>
+                          <a:headEnd type="none" w="med" len="med"/>
+                          <a:tailEnd type="none" w="med" len="med"/>
+                        </a:lnB>
+                        <a:lnTlToBr w="12700" cmpd="sng">
+                          <a:noFill/>
+                          <a:prstDash val="solid"/>
+                        </a:lnTlToBr>
+                        <a:lnBlToTr w="12700" cmpd="sng">
+                          <a:noFill/>
+                          <a:prstDash val="solid"/>
+                        </a:lnBlToTr>
+                        <a:noFill/>
+                      </a:tcPr>
+                    </a:tc>
+                    <a:tc>
+                      <a:txBody>
+                        <a:bodyPr/>
+                        <a:lstStyle/>
+                        <a:p>
+                          <a:pPr algn="ctr"/>
+                          <a:r>
+                            <a:rPr lang="fr-FR" sz="800" b="0" kern="1200" dirty="0" smtClean="0">
+                              <a:solidFill>
+                                <a:schemeClr val="dk1"/>
+                              </a:solidFill>
+                              <a:latin typeface="Times New Roman" panose="02020603050405020304" pitchFamily="18" charset="0"/>
+                              <a:ea typeface="+mn-ea"/>
+                              <a:cs typeface="Times New Roman" panose="02020603050405020304" pitchFamily="18" charset="0"/>
+                            </a:rPr>
+                            <a:t>7%</a:t>
+                          </a:r>
+                          <a:endParaRPr lang="fr-FR" sz="800" b="0" kern="1200" dirty="0">
+                            <a:solidFill>
+                              <a:schemeClr val="dk1"/>
+                            </a:solidFill>
+                            <a:latin typeface="Times New Roman" panose="02020603050405020304" pitchFamily="18" charset="0"/>
+                            <a:ea typeface="+mn-ea"/>
+                            <a:cs typeface="Times New Roman" panose="02020603050405020304" pitchFamily="18" charset="0"/>
+                          </a:endParaRPr>
+                        </a:p>
+                      </a:txBody>
+                      <a:tcPr marL="63305" marR="63305" marT="31652" marB="31652" anchor="ctr">
+                        <a:lnL w="3175" cap="flat" cmpd="sng" algn="ctr">
+                          <a:noFill/>
+                          <a:prstDash val="solid"/>
+                          <a:round/>
+                          <a:headEnd type="none" w="med" len="med"/>
+                          <a:tailEnd type="none" w="med" len="med"/>
+                        </a:lnL>
+                        <a:lnR w="3175" cap="flat" cmpd="sng" algn="ctr">
+                          <a:noFill/>
+                          <a:prstDash val="solid"/>
+                          <a:round/>
+                          <a:headEnd type="none" w="med" len="med"/>
+                          <a:tailEnd type="none" w="med" len="med"/>
+                        </a:lnR>
+                        <a:lnT w="3175" cap="flat" cmpd="sng" algn="ctr">
+                          <a:noFill/>
+                          <a:prstDash val="solid"/>
+                          <a:round/>
+                          <a:headEnd type="none" w="med" len="med"/>
+                          <a:tailEnd type="none" w="med" len="med"/>
+                        </a:lnT>
+                        <a:lnB w="3175" cap="flat" cmpd="sng" algn="ctr">
+                          <a:noFill/>
+                          <a:prstDash val="solid"/>
+                          <a:round/>
+                          <a:headEnd type="none" w="med" len="med"/>
+                          <a:tailEnd type="none" w="med" len="med"/>
+                        </a:lnB>
+                        <a:lnTlToBr w="12700" cmpd="sng">
+                          <a:noFill/>
+                          <a:prstDash val="solid"/>
+                        </a:lnTlToBr>
+                        <a:lnBlToTr w="12700" cmpd="sng">
+                          <a:noFill/>
+                          <a:prstDash val="solid"/>
+                        </a:lnBlToTr>
+                        <a:noFill/>
+                      </a:tcPr>
+                    </a:tc>
+                    <a:extLst>
+                      <a:ext uri="{0D108BD9-81ED-4DB2-BD59-A6C34878D82A}">
+                        <a16:rowId xmlns:a16="http://schemas.microsoft.com/office/drawing/2014/main" val="3060182616"/>
+                      </a:ext>
+                    </a:extLst>
+                  </a:tr>
+                </a:tbl>
+              </a:graphicData>
+            </a:graphic>
+          </p:graphicFrame>
+        </mc:Choice>
+        <mc:Fallback>
+          <p:graphicFrame>
+            <p:nvGraphicFramePr>
+              <p:cNvPr id="2" name="Tableau 1"/>
+              <p:cNvGraphicFramePr>
+                <a:graphicFrameLocks noGrp="1"/>
+              </p:cNvGraphicFramePr>
+              <p:nvPr>
+                <p:extLst>
+                  <p:ext uri="{D42A27DB-BD31-4B8C-83A1-F6EECF244321}">
+                    <p14:modId xmlns:p14="http://schemas.microsoft.com/office/powerpoint/2010/main" val="3529283879"/>
+                  </p:ext>
+                </p:extLst>
+              </p:nvPr>
+            </p:nvGraphicFramePr>
+            <p:xfrm>
+              <a:off x="2313299" y="3726210"/>
+              <a:ext cx="4650980" cy="976449"/>
+            </p:xfrm>
+            <a:graphic>
+              <a:graphicData uri="http://schemas.openxmlformats.org/drawingml/2006/table">
+                <a:tbl>
+                  <a:tblPr firstRow="1" bandRow="1">
+                    <a:tableStyleId>{5C22544A-7EE6-4342-B048-85BDC9FD1C3A}</a:tableStyleId>
+                  </a:tblPr>
+                  <a:tblGrid>
+                    <a:gridCol w="1349860">
+                      <a:extLst>
+                        <a:ext uri="{9D8B030D-6E8A-4147-A177-3AD203B41FA5}">
+                          <a16:colId xmlns:a16="http://schemas.microsoft.com/office/drawing/2014/main" val="1067048240"/>
+                        </a:ext>
+                      </a:extLst>
+                    </a:gridCol>
+                    <a:gridCol w="660224">
+                      <a:extLst>
+                        <a:ext uri="{9D8B030D-6E8A-4147-A177-3AD203B41FA5}">
+                          <a16:colId xmlns:a16="http://schemas.microsoft.com/office/drawing/2014/main" val="1671461065"/>
+                        </a:ext>
+                      </a:extLst>
+                    </a:gridCol>
+                    <a:gridCol w="660224">
+                      <a:extLst>
+                        <a:ext uri="{9D8B030D-6E8A-4147-A177-3AD203B41FA5}">
+                          <a16:colId xmlns:a16="http://schemas.microsoft.com/office/drawing/2014/main" val="3084419488"/>
+                        </a:ext>
+                      </a:extLst>
+                    </a:gridCol>
+                    <a:gridCol w="660224">
+                      <a:extLst>
+                        <a:ext uri="{9D8B030D-6E8A-4147-A177-3AD203B41FA5}">
+                          <a16:colId xmlns:a16="http://schemas.microsoft.com/office/drawing/2014/main" val="3836093460"/>
+                        </a:ext>
+                      </a:extLst>
+                    </a:gridCol>
+                    <a:gridCol w="660224">
+                      <a:extLst>
+                        <a:ext uri="{9D8B030D-6E8A-4147-A177-3AD203B41FA5}">
+                          <a16:colId xmlns:a16="http://schemas.microsoft.com/office/drawing/2014/main" val="4109928961"/>
+                        </a:ext>
+                      </a:extLst>
+                    </a:gridCol>
+                    <a:gridCol w="660224">
+                      <a:extLst>
+                        <a:ext uri="{9D8B030D-6E8A-4147-A177-3AD203B41FA5}">
+                          <a16:colId xmlns:a16="http://schemas.microsoft.com/office/drawing/2014/main" val="2333253021"/>
+                        </a:ext>
+                      </a:extLst>
+                    </a:gridCol>
+                  </a:tblGrid>
+                  <a:tr h="303525">
+                    <a:tc>
+                      <a:txBody>
+                        <a:bodyPr/>
+                        <a:lstStyle/>
+                        <a:p>
+                          <a:r>
+                            <a:rPr lang="fr-FR" sz="800" b="1" i="0" kern="1200" dirty="0" smtClean="0">
+                              <a:solidFill>
+                                <a:schemeClr val="tx1"/>
+                              </a:solidFill>
+                              <a:latin typeface="Cambria Math" panose="02040503050406030204" pitchFamily="18" charset="0"/>
+                              <a:ea typeface="+mn-ea"/>
+                              <a:cs typeface="+mn-cs"/>
+                            </a:rPr>
+                            <a:t>MOTUs assigned to…</a:t>
+                          </a:r>
+                          <a:endParaRPr lang="fr-FR" sz="800" b="1" i="0" kern="1200" dirty="0">
+                            <a:solidFill>
+                              <a:schemeClr val="tx1"/>
+                            </a:solidFill>
+                            <a:latin typeface="Cambria Math" panose="02040503050406030204" pitchFamily="18" charset="0"/>
+                            <a:ea typeface="+mn-ea"/>
+                            <a:cs typeface="+mn-cs"/>
+                          </a:endParaRPr>
+                        </a:p>
+                      </a:txBody>
+                      <a:tcPr marL="63305" marR="63305" marT="31652" marB="31652" anchor="ctr">
+                        <a:lnL w="12700" cap="flat" cmpd="sng" algn="ctr">
+                          <a:noFill/>
+                          <a:prstDash val="solid"/>
+                          <a:round/>
+                          <a:headEnd type="none" w="med" len="med"/>
+                          <a:tailEnd type="none" w="med" len="med"/>
+                        </a:lnL>
+                        <a:lnR w="3175" cap="flat" cmpd="sng" algn="ctr">
+                          <a:noFill/>
+                          <a:prstDash val="solid"/>
+                          <a:round/>
+                          <a:headEnd type="none" w="med" len="med"/>
+                          <a:tailEnd type="none" w="med" len="med"/>
+                        </a:lnR>
+                        <a:lnT w="12700" cap="flat" cmpd="sng" algn="ctr">
+                          <a:noFill/>
+                          <a:prstDash val="solid"/>
+                          <a:round/>
+                          <a:headEnd type="none" w="med" len="med"/>
+                          <a:tailEnd type="none" w="med" len="med"/>
+                        </a:lnT>
+                        <a:lnB w="3175" cap="flat" cmpd="sng" algn="ctr">
+                          <a:solidFill>
+                            <a:schemeClr val="tx1"/>
+                          </a:solidFill>
+                          <a:prstDash val="solid"/>
+                          <a:round/>
+                          <a:headEnd type="none" w="med" len="med"/>
+                          <a:tailEnd type="none" w="med" len="med"/>
+                        </a:lnB>
+                        <a:lnTlToBr w="12700" cmpd="sng">
+                          <a:noFill/>
+                          <a:prstDash val="solid"/>
+                        </a:lnTlToBr>
+                        <a:lnBlToTr w="12700" cmpd="sng">
+                          <a:noFill/>
+                          <a:prstDash val="solid"/>
+                        </a:lnBlToTr>
+                        <a:noFill/>
+                      </a:tcPr>
+                    </a:tc>
+                    <a:tc>
+                      <a:txBody>
+                        <a:bodyPr/>
+                        <a:lstStyle/>
+                        <a:p>
+                          <a:endParaRPr lang="fr-FR"/>
+                        </a:p>
+                      </a:txBody>
+                      <a:tcPr marL="63305" marR="63305" marT="31652" marB="31652" anchor="ctr">
+                        <a:lnL w="3175" cap="flat" cmpd="sng" algn="ctr">
+                          <a:noFill/>
+                          <a:prstDash val="solid"/>
+                          <a:round/>
+                          <a:headEnd type="none" w="med" len="med"/>
+                          <a:tailEnd type="none" w="med" len="med"/>
+                        </a:lnL>
+                        <a:lnR w="3175" cap="flat" cmpd="sng" algn="ctr">
+                          <a:noFill/>
+                          <a:prstDash val="solid"/>
+                          <a:round/>
+                          <a:headEnd type="none" w="med" len="med"/>
+                          <a:tailEnd type="none" w="med" len="med"/>
+                        </a:lnR>
+                        <a:lnT w="3175" cap="flat" cmpd="sng" algn="ctr">
+                          <a:noFill/>
+                          <a:prstDash val="solid"/>
+                          <a:round/>
+                          <a:headEnd type="none" w="med" len="med"/>
+                          <a:tailEnd type="none" w="med" len="med"/>
+                        </a:lnT>
+                        <a:lnB w="3175" cap="flat" cmpd="sng" algn="ctr">
+                          <a:solidFill>
+                            <a:schemeClr val="tx1"/>
+                          </a:solidFill>
+                          <a:prstDash val="solid"/>
+                          <a:round/>
+                          <a:headEnd type="none" w="med" len="med"/>
+                          <a:tailEnd type="none" w="med" len="med"/>
+                        </a:lnB>
+                        <a:lnTlToBr w="12700" cmpd="sng">
+                          <a:noFill/>
+                          <a:prstDash val="solid"/>
+                        </a:lnTlToBr>
+                        <a:lnBlToTr w="12700" cmpd="sng">
+                          <a:noFill/>
+                          <a:prstDash val="solid"/>
+                        </a:lnBlToTr>
+                        <a:blipFill>
+                          <a:blip r:embed="rId21"/>
+                          <a:stretch>
+                            <a:fillRect l="-205556" r="-401852" b="-226000"/>
+                          </a:stretch>
+                        </a:blipFill>
+                      </a:tcPr>
+                    </a:tc>
+                    <a:tc>
+                      <a:txBody>
+                        <a:bodyPr/>
+                        <a:lstStyle/>
+                        <a:p>
+                          <a:endParaRPr lang="fr-FR"/>
+                        </a:p>
+                      </a:txBody>
+                      <a:tcPr marL="63305" marR="63305" marT="31652" marB="31652" anchor="ctr">
+                        <a:lnL w="3175" cap="flat" cmpd="sng" algn="ctr">
+                          <a:noFill/>
+                          <a:prstDash val="solid"/>
+                          <a:round/>
+                          <a:headEnd type="none" w="med" len="med"/>
+                          <a:tailEnd type="none" w="med" len="med"/>
+                        </a:lnL>
+                        <a:lnR w="3175" cap="flat" cmpd="sng" algn="ctr">
+                          <a:noFill/>
+                          <a:prstDash val="solid"/>
+                          <a:round/>
+                          <a:headEnd type="none" w="med" len="med"/>
+                          <a:tailEnd type="none" w="med" len="med"/>
+                        </a:lnR>
+                        <a:lnT w="3175" cap="flat" cmpd="sng" algn="ctr">
+                          <a:noFill/>
+                          <a:prstDash val="solid"/>
+                          <a:round/>
+                          <a:headEnd type="none" w="med" len="med"/>
+                          <a:tailEnd type="none" w="med" len="med"/>
+                        </a:lnT>
+                        <a:lnB w="3175" cap="flat" cmpd="sng" algn="ctr">
+                          <a:solidFill>
+                            <a:schemeClr val="tx1"/>
+                          </a:solidFill>
+                          <a:prstDash val="solid"/>
+                          <a:round/>
+                          <a:headEnd type="none" w="med" len="med"/>
+                          <a:tailEnd type="none" w="med" len="med"/>
+                        </a:lnB>
+                        <a:lnTlToBr w="12700" cmpd="sng">
+                          <a:noFill/>
+                          <a:prstDash val="solid"/>
+                        </a:lnTlToBr>
+                        <a:lnBlToTr w="12700" cmpd="sng">
+                          <a:noFill/>
+                          <a:prstDash val="solid"/>
+                        </a:lnBlToTr>
+                        <a:blipFill>
+                          <a:blip r:embed="rId21"/>
+                          <a:stretch>
+                            <a:fillRect l="-302752" r="-298165" b="-226000"/>
+                          </a:stretch>
+                        </a:blipFill>
+                      </a:tcPr>
+                    </a:tc>
+                    <a:tc>
+                      <a:txBody>
+                        <a:bodyPr/>
+                        <a:lstStyle/>
+                        <a:p>
+                          <a:endParaRPr lang="fr-FR"/>
+                        </a:p>
+                      </a:txBody>
+                      <a:tcPr marL="63305" marR="63305" marT="31652" marB="31652" anchor="ctr">
+                        <a:lnL w="3175" cap="flat" cmpd="sng" algn="ctr">
+                          <a:noFill/>
+                          <a:prstDash val="solid"/>
+                          <a:round/>
+                          <a:headEnd type="none" w="med" len="med"/>
+                          <a:tailEnd type="none" w="med" len="med"/>
+                        </a:lnL>
+                        <a:lnR w="3175" cap="flat" cmpd="sng" algn="ctr">
+                          <a:noFill/>
+                          <a:prstDash val="solid"/>
+                          <a:round/>
+                          <a:headEnd type="none" w="med" len="med"/>
+                          <a:tailEnd type="none" w="med" len="med"/>
+                        </a:lnR>
+                        <a:lnT w="3175" cap="flat" cmpd="sng" algn="ctr">
+                          <a:noFill/>
+                          <a:prstDash val="solid"/>
+                          <a:round/>
+                          <a:headEnd type="none" w="med" len="med"/>
+                          <a:tailEnd type="none" w="med" len="med"/>
+                        </a:lnT>
+                        <a:lnB w="3175" cap="flat" cmpd="sng" algn="ctr">
+                          <a:solidFill>
+                            <a:schemeClr val="tx1"/>
+                          </a:solidFill>
+                          <a:prstDash val="solid"/>
+                          <a:round/>
+                          <a:headEnd type="none" w="med" len="med"/>
+                          <a:tailEnd type="none" w="med" len="med"/>
+                        </a:lnB>
+                        <a:lnTlToBr w="12700" cmpd="sng">
+                          <a:noFill/>
+                          <a:prstDash val="solid"/>
+                        </a:lnTlToBr>
+                        <a:lnBlToTr w="12700" cmpd="sng">
+                          <a:noFill/>
+                          <a:prstDash val="solid"/>
+                        </a:lnBlToTr>
+                        <a:blipFill>
+                          <a:blip r:embed="rId21"/>
+                          <a:stretch>
+                            <a:fillRect l="-406481" r="-200926" b="-226000"/>
+                          </a:stretch>
+                        </a:blipFill>
+                      </a:tcPr>
+                    </a:tc>
+                    <a:tc>
+                      <a:txBody>
+                        <a:bodyPr/>
+                        <a:lstStyle/>
+                        <a:p>
+                          <a:endParaRPr lang="fr-FR"/>
+                        </a:p>
+                      </a:txBody>
+                      <a:tcPr marL="63305" marR="63305" marT="31652" marB="31652" anchor="ctr">
+                        <a:lnL w="3175" cap="flat" cmpd="sng" algn="ctr">
+                          <a:noFill/>
+                          <a:prstDash val="solid"/>
+                          <a:round/>
+                          <a:headEnd type="none" w="med" len="med"/>
+                          <a:tailEnd type="none" w="med" len="med"/>
+                        </a:lnL>
+                        <a:lnR w="3175" cap="flat" cmpd="sng" algn="ctr">
+                          <a:noFill/>
+                          <a:prstDash val="solid"/>
+                          <a:round/>
+                          <a:headEnd type="none" w="med" len="med"/>
+                          <a:tailEnd type="none" w="med" len="med"/>
+                        </a:lnR>
+                        <a:lnT w="3175" cap="flat" cmpd="sng" algn="ctr">
+                          <a:noFill/>
+                          <a:prstDash val="solid"/>
+                          <a:round/>
+                          <a:headEnd type="none" w="med" len="med"/>
+                          <a:tailEnd type="none" w="med" len="med"/>
+                        </a:lnT>
+                        <a:lnB w="3175" cap="flat" cmpd="sng" algn="ctr">
+                          <a:solidFill>
+                            <a:schemeClr val="tx1"/>
+                          </a:solidFill>
+                          <a:prstDash val="solid"/>
+                          <a:round/>
+                          <a:headEnd type="none" w="med" len="med"/>
+                          <a:tailEnd type="none" w="med" len="med"/>
+                        </a:lnB>
+                        <a:lnTlToBr w="12700" cmpd="sng">
+                          <a:noFill/>
+                          <a:prstDash val="solid"/>
+                        </a:lnTlToBr>
+                        <a:lnBlToTr w="12700" cmpd="sng">
+                          <a:noFill/>
+                          <a:prstDash val="solid"/>
+                        </a:lnBlToTr>
+                        <a:blipFill>
+                          <a:blip r:embed="rId21"/>
+                          <a:stretch>
+                            <a:fillRect l="-501835" r="-99083" b="-226000"/>
+                          </a:stretch>
+                        </a:blipFill>
+                      </a:tcPr>
+                    </a:tc>
+                    <a:tc>
+                      <a:txBody>
+                        <a:bodyPr/>
+                        <a:lstStyle/>
+                        <a:p>
+                          <a:endParaRPr lang="fr-FR"/>
+                        </a:p>
+                      </a:txBody>
+                      <a:tcPr marL="63305" marR="63305" marT="31652" marB="31652" anchor="ctr">
+                        <a:lnL w="3175" cap="flat" cmpd="sng" algn="ctr">
+                          <a:noFill/>
+                          <a:prstDash val="solid"/>
+                          <a:round/>
+                          <a:headEnd type="none" w="med" len="med"/>
+                          <a:tailEnd type="none" w="med" len="med"/>
+                        </a:lnL>
+                        <a:lnR w="3175" cap="flat" cmpd="sng" algn="ctr">
+                          <a:noFill/>
+                          <a:prstDash val="solid"/>
+                          <a:round/>
+                          <a:headEnd type="none" w="med" len="med"/>
+                          <a:tailEnd type="none" w="med" len="med"/>
+                        </a:lnR>
+                        <a:lnT w="3175" cap="flat" cmpd="sng" algn="ctr">
+                          <a:noFill/>
+                          <a:prstDash val="solid"/>
+                          <a:round/>
+                          <a:headEnd type="none" w="med" len="med"/>
+                          <a:tailEnd type="none" w="med" len="med"/>
+                        </a:lnT>
+                        <a:lnB w="3175" cap="flat" cmpd="sng" algn="ctr">
+                          <a:solidFill>
+                            <a:schemeClr val="tx1"/>
+                          </a:solidFill>
+                          <a:prstDash val="solid"/>
+                          <a:round/>
+                          <a:headEnd type="none" w="med" len="med"/>
+                          <a:tailEnd type="none" w="med" len="med"/>
+                        </a:lnB>
+                        <a:lnTlToBr w="12700" cmpd="sng">
+                          <a:noFill/>
+                          <a:prstDash val="solid"/>
+                        </a:lnTlToBr>
+                        <a:lnBlToTr w="12700" cmpd="sng">
+                          <a:noFill/>
+                          <a:prstDash val="solid"/>
+                        </a:lnBlToTr>
+                        <a:blipFill>
+                          <a:blip r:embed="rId21"/>
+                          <a:stretch>
+                            <a:fillRect l="-607407" b="-226000"/>
+                          </a:stretch>
+                        </a:blipFill>
+                      </a:tcPr>
+                    </a:tc>
+                    <a:extLst>
+                      <a:ext uri="{0D108BD9-81ED-4DB2-BD59-A6C34878D82A}">
+                        <a16:rowId xmlns:a16="http://schemas.microsoft.com/office/drawing/2014/main" val="3254895143"/>
+                      </a:ext>
+                    </a:extLst>
+                  </a:tr>
+                  <a:tr h="224308">
+                    <a:tc>
+                      <a:txBody>
+                        <a:bodyPr/>
+                        <a:lstStyle/>
+                        <a:p>
+                          <a:r>
+                            <a:rPr lang="en-US" sz="800" b="1" dirty="0" smtClean="0">
+                              <a:latin typeface="Times New Roman" panose="02020603050405020304" pitchFamily="18" charset="0"/>
+                              <a:cs typeface="Times New Roman" panose="02020603050405020304" pitchFamily="18" charset="0"/>
+                            </a:rPr>
+                            <a:t>Cryptobenthic families</a:t>
+                          </a:r>
+                          <a:endParaRPr lang="fr-FR" sz="800" b="1" dirty="0">
+                            <a:solidFill>
+                              <a:schemeClr val="tx1"/>
+                            </a:solidFill>
+                          </a:endParaRPr>
+                        </a:p>
+                      </a:txBody>
+                      <a:tcPr marL="63305" marR="63305" marT="31652" marB="31652" anchor="ctr">
+                        <a:lnL w="3175" cap="flat" cmpd="sng" algn="ctr">
+                          <a:noFill/>
+                          <a:prstDash val="solid"/>
+                          <a:round/>
+                          <a:headEnd type="none" w="med" len="med"/>
+                          <a:tailEnd type="none" w="med" len="med"/>
+                        </a:lnL>
+                        <a:lnR w="3175" cap="flat" cmpd="sng" algn="ctr">
+                          <a:noFill/>
+                          <a:prstDash val="solid"/>
+                          <a:round/>
+                          <a:headEnd type="none" w="med" len="med"/>
+                          <a:tailEnd type="none" w="med" len="med"/>
+                        </a:lnR>
+                        <a:lnT w="3175" cap="flat" cmpd="sng" algn="ctr">
+                          <a:solidFill>
+                            <a:schemeClr val="tx1"/>
+                          </a:solidFill>
+                          <a:prstDash val="solid"/>
+                          <a:round/>
+                          <a:headEnd type="none" w="med" len="med"/>
+                          <a:tailEnd type="none" w="med" len="med"/>
+                        </a:lnT>
+                        <a:lnB w="3175" cap="flat" cmpd="sng" algn="ctr">
+                          <a:noFill/>
+                          <a:prstDash val="solid"/>
+                          <a:round/>
+                          <a:headEnd type="none" w="med" len="med"/>
+                          <a:tailEnd type="none" w="med" len="med"/>
+                        </a:lnB>
+                        <a:lnTlToBr w="12700" cmpd="sng">
+                          <a:noFill/>
+                          <a:prstDash val="solid"/>
+                        </a:lnTlToBr>
+                        <a:lnBlToTr w="12700" cmpd="sng">
+                          <a:noFill/>
+                          <a:prstDash val="solid"/>
+                        </a:lnBlToTr>
+                        <a:noFill/>
+                      </a:tcPr>
+                    </a:tc>
+                    <a:tc>
+                      <a:txBody>
+                        <a:bodyPr/>
+                        <a:lstStyle/>
+                        <a:p>
+                          <a:pPr algn="ctr"/>
+                          <a:r>
+                            <a:rPr lang="fr-FR" sz="800" b="0" kern="1200" dirty="0" smtClean="0">
+                              <a:solidFill>
+                                <a:schemeClr val="dk1"/>
+                              </a:solidFill>
+                              <a:latin typeface="Times New Roman" panose="02020603050405020304" pitchFamily="18" charset="0"/>
+                              <a:ea typeface="+mn-ea"/>
+                              <a:cs typeface="Times New Roman" panose="02020603050405020304" pitchFamily="18" charset="0"/>
+                            </a:rPr>
+                            <a:t>275</a:t>
+                          </a:r>
+                          <a:endParaRPr lang="fr-FR" sz="800" b="0" kern="1200" dirty="0">
+                            <a:solidFill>
+                              <a:schemeClr val="dk1"/>
+                            </a:solidFill>
+                            <a:latin typeface="Times New Roman" panose="02020603050405020304" pitchFamily="18" charset="0"/>
+                            <a:ea typeface="+mn-ea"/>
+                            <a:cs typeface="Times New Roman" panose="02020603050405020304" pitchFamily="18" charset="0"/>
+                          </a:endParaRPr>
+                        </a:p>
+                      </a:txBody>
+                      <a:tcPr marL="63305" marR="63305" marT="31652" marB="31652" anchor="ctr">
+                        <a:lnL w="3175" cap="flat" cmpd="sng" algn="ctr">
+                          <a:noFill/>
+                          <a:prstDash val="solid"/>
+                          <a:round/>
+                          <a:headEnd type="none" w="med" len="med"/>
+                          <a:tailEnd type="none" w="med" len="med"/>
+                        </a:lnL>
+                        <a:lnR w="3175" cap="flat" cmpd="sng" algn="ctr">
+                          <a:noFill/>
+                          <a:prstDash val="solid"/>
+                          <a:round/>
+                          <a:headEnd type="none" w="med" len="med"/>
+                          <a:tailEnd type="none" w="med" len="med"/>
+                        </a:lnR>
+                        <a:lnT w="3175" cap="flat" cmpd="sng" algn="ctr">
+                          <a:solidFill>
+                            <a:schemeClr val="tx1"/>
+                          </a:solidFill>
+                          <a:prstDash val="solid"/>
+                          <a:round/>
+                          <a:headEnd type="none" w="med" len="med"/>
+                          <a:tailEnd type="none" w="med" len="med"/>
+                        </a:lnT>
+                        <a:lnB w="3175" cap="flat" cmpd="sng" algn="ctr">
+                          <a:noFill/>
+                          <a:prstDash val="solid"/>
+                          <a:round/>
+                          <a:headEnd type="none" w="med" len="med"/>
+                          <a:tailEnd type="none" w="med" len="med"/>
+                        </a:lnB>
+                        <a:lnTlToBr w="12700" cmpd="sng">
+                          <a:noFill/>
+                          <a:prstDash val="solid"/>
+                        </a:lnTlToBr>
+                        <a:lnBlToTr w="12700" cmpd="sng">
+                          <a:noFill/>
+                          <a:prstDash val="solid"/>
+                        </a:lnBlToTr>
+                        <a:noFill/>
+                      </a:tcPr>
+                    </a:tc>
+                    <a:tc>
+                      <a:txBody>
+                        <a:bodyPr/>
+                        <a:lstStyle/>
+                        <a:p>
+                          <a:pPr algn="ctr"/>
+                          <a:r>
+                            <a:rPr lang="fr-FR" sz="800" b="0" kern="1200" dirty="0" smtClean="0">
+                              <a:solidFill>
+                                <a:schemeClr val="dk1"/>
+                              </a:solidFill>
+                              <a:latin typeface="Times New Roman" panose="02020603050405020304" pitchFamily="18" charset="0"/>
+                              <a:ea typeface="+mn-ea"/>
+                              <a:cs typeface="Times New Roman" panose="02020603050405020304" pitchFamily="18" charset="0"/>
+                            </a:rPr>
+                            <a:t>77%</a:t>
+                          </a:r>
+                          <a:endParaRPr lang="fr-FR" sz="800" b="0" kern="1200" dirty="0">
+                            <a:solidFill>
+                              <a:schemeClr val="dk1"/>
+                            </a:solidFill>
+                            <a:latin typeface="Times New Roman" panose="02020603050405020304" pitchFamily="18" charset="0"/>
+                            <a:ea typeface="+mn-ea"/>
+                            <a:cs typeface="Times New Roman" panose="02020603050405020304" pitchFamily="18" charset="0"/>
+                          </a:endParaRPr>
+                        </a:p>
+                      </a:txBody>
+                      <a:tcPr marL="63305" marR="63305" marT="31652" marB="31652" anchor="ctr">
+                        <a:lnL w="3175" cap="flat" cmpd="sng" algn="ctr">
+                          <a:noFill/>
+                          <a:prstDash val="solid"/>
+                          <a:round/>
+                          <a:headEnd type="none" w="med" len="med"/>
+                          <a:tailEnd type="none" w="med" len="med"/>
+                        </a:lnL>
+                        <a:lnR w="3175" cap="flat" cmpd="sng" algn="ctr">
+                          <a:noFill/>
+                          <a:prstDash val="solid"/>
+                          <a:round/>
+                          <a:headEnd type="none" w="med" len="med"/>
+                          <a:tailEnd type="none" w="med" len="med"/>
+                        </a:lnR>
+                        <a:lnT w="3175" cap="flat" cmpd="sng" algn="ctr">
+                          <a:solidFill>
+                            <a:schemeClr val="tx1"/>
+                          </a:solidFill>
+                          <a:prstDash val="solid"/>
+                          <a:round/>
+                          <a:headEnd type="none" w="med" len="med"/>
+                          <a:tailEnd type="none" w="med" len="med"/>
+                        </a:lnT>
+                        <a:lnB w="3175" cap="flat" cmpd="sng" algn="ctr">
+                          <a:noFill/>
+                          <a:prstDash val="solid"/>
+                          <a:round/>
+                          <a:headEnd type="none" w="med" len="med"/>
+                          <a:tailEnd type="none" w="med" len="med"/>
+                        </a:lnB>
+                        <a:lnTlToBr w="12700" cmpd="sng">
+                          <a:noFill/>
+                          <a:prstDash val="solid"/>
+                        </a:lnTlToBr>
+                        <a:lnBlToTr w="12700" cmpd="sng">
+                          <a:noFill/>
+                          <a:prstDash val="solid"/>
+                        </a:lnBlToTr>
+                        <a:noFill/>
+                      </a:tcPr>
+                    </a:tc>
+                    <a:tc>
+                      <a:txBody>
+                        <a:bodyPr/>
+                        <a:lstStyle/>
+                        <a:p>
+                          <a:pPr algn="ctr"/>
+                          <a:r>
+                            <a:rPr lang="fr-FR" sz="800" b="0" kern="1200" dirty="0" smtClean="0">
+                              <a:solidFill>
+                                <a:schemeClr val="dk1"/>
+                              </a:solidFill>
+                              <a:latin typeface="Times New Roman" panose="02020603050405020304" pitchFamily="18" charset="0"/>
+                              <a:ea typeface="+mn-ea"/>
+                              <a:cs typeface="Times New Roman" panose="02020603050405020304" pitchFamily="18" charset="0"/>
+                            </a:rPr>
+                            <a:t>14.7%</a:t>
+                          </a:r>
+                          <a:endParaRPr lang="fr-FR" sz="800" b="0" kern="1200" dirty="0">
+                            <a:solidFill>
+                              <a:schemeClr val="dk1"/>
+                            </a:solidFill>
+                            <a:latin typeface="Times New Roman" panose="02020603050405020304" pitchFamily="18" charset="0"/>
+                            <a:ea typeface="+mn-ea"/>
+                            <a:cs typeface="Times New Roman" panose="02020603050405020304" pitchFamily="18" charset="0"/>
+                          </a:endParaRPr>
+                        </a:p>
+                      </a:txBody>
+                      <a:tcPr marL="63305" marR="63305" marT="31652" marB="31652" anchor="ctr">
+                        <a:lnL w="3175" cap="flat" cmpd="sng" algn="ctr">
+                          <a:noFill/>
+                          <a:prstDash val="solid"/>
+                          <a:round/>
+                          <a:headEnd type="none" w="med" len="med"/>
+                          <a:tailEnd type="none" w="med" len="med"/>
+                        </a:lnL>
+                        <a:lnR w="3175" cap="flat" cmpd="sng" algn="ctr">
+                          <a:noFill/>
+                          <a:prstDash val="solid"/>
+                          <a:round/>
+                          <a:headEnd type="none" w="med" len="med"/>
+                          <a:tailEnd type="none" w="med" len="med"/>
+                        </a:lnR>
+                        <a:lnT w="3175" cap="flat" cmpd="sng" algn="ctr">
+                          <a:solidFill>
+                            <a:schemeClr val="tx1"/>
+                          </a:solidFill>
+                          <a:prstDash val="solid"/>
+                          <a:round/>
+                          <a:headEnd type="none" w="med" len="med"/>
+                          <a:tailEnd type="none" w="med" len="med"/>
+                        </a:lnT>
+                        <a:lnB w="3175" cap="flat" cmpd="sng" algn="ctr">
+                          <a:noFill/>
+                          <a:prstDash val="solid"/>
+                          <a:round/>
+                          <a:headEnd type="none" w="med" len="med"/>
+                          <a:tailEnd type="none" w="med" len="med"/>
+                        </a:lnB>
+                        <a:lnTlToBr w="12700" cmpd="sng">
+                          <a:noFill/>
+                          <a:prstDash val="solid"/>
+                        </a:lnTlToBr>
+                        <a:lnBlToTr w="12700" cmpd="sng">
+                          <a:noFill/>
+                          <a:prstDash val="solid"/>
+                        </a:lnBlToTr>
+                        <a:noFill/>
+                      </a:tcPr>
+                    </a:tc>
+                    <a:tc>
+                      <a:txBody>
+                        <a:bodyPr/>
+                        <a:lstStyle/>
+                        <a:p>
+                          <a:pPr algn="ctr"/>
+                          <a:r>
+                            <a:rPr lang="fr-FR" sz="800" b="0" kern="1200" dirty="0" smtClean="0">
+                              <a:solidFill>
+                                <a:schemeClr val="dk1"/>
+                              </a:solidFill>
+                              <a:latin typeface="Times New Roman" panose="02020603050405020304" pitchFamily="18" charset="0"/>
+                              <a:ea typeface="+mn-ea"/>
+                              <a:cs typeface="Times New Roman" panose="02020603050405020304" pitchFamily="18" charset="0"/>
+                            </a:rPr>
+                            <a:t>5.5%</a:t>
+                          </a:r>
+                          <a:endParaRPr lang="fr-FR" sz="800" b="0" kern="1200" dirty="0">
+                            <a:solidFill>
+                              <a:schemeClr val="dk1"/>
+                            </a:solidFill>
+                            <a:latin typeface="Times New Roman" panose="02020603050405020304" pitchFamily="18" charset="0"/>
+                            <a:ea typeface="+mn-ea"/>
+                            <a:cs typeface="Times New Roman" panose="02020603050405020304" pitchFamily="18" charset="0"/>
+                          </a:endParaRPr>
+                        </a:p>
+                      </a:txBody>
+                      <a:tcPr marL="63305" marR="63305" marT="31652" marB="31652" anchor="ctr">
+                        <a:lnL w="3175" cap="flat" cmpd="sng" algn="ctr">
+                          <a:noFill/>
+                          <a:prstDash val="solid"/>
+                          <a:round/>
+                          <a:headEnd type="none" w="med" len="med"/>
+                          <a:tailEnd type="none" w="med" len="med"/>
+                        </a:lnL>
+                        <a:lnR w="3175" cap="flat" cmpd="sng" algn="ctr">
+                          <a:noFill/>
+                          <a:prstDash val="solid"/>
+                          <a:round/>
+                          <a:headEnd type="none" w="med" len="med"/>
+                          <a:tailEnd type="none" w="med" len="med"/>
+                        </a:lnR>
+                        <a:lnT w="3175" cap="flat" cmpd="sng" algn="ctr">
+                          <a:solidFill>
+                            <a:schemeClr val="tx1"/>
+                          </a:solidFill>
+                          <a:prstDash val="solid"/>
+                          <a:round/>
+                          <a:headEnd type="none" w="med" len="med"/>
+                          <a:tailEnd type="none" w="med" len="med"/>
+                        </a:lnT>
+                        <a:lnB w="3175" cap="flat" cmpd="sng" algn="ctr">
+                          <a:noFill/>
+                          <a:prstDash val="solid"/>
+                          <a:round/>
+                          <a:headEnd type="none" w="med" len="med"/>
+                          <a:tailEnd type="none" w="med" len="med"/>
+                        </a:lnB>
+                        <a:lnTlToBr w="12700" cmpd="sng">
+                          <a:noFill/>
+                          <a:prstDash val="solid"/>
+                        </a:lnTlToBr>
+                        <a:lnBlToTr w="12700" cmpd="sng">
+                          <a:noFill/>
+                          <a:prstDash val="solid"/>
+                        </a:lnBlToTr>
+                        <a:noFill/>
+                      </a:tcPr>
+                    </a:tc>
+                    <a:tc>
+                      <a:txBody>
+                        <a:bodyPr/>
+                        <a:lstStyle/>
+                        <a:p>
+                          <a:pPr algn="ctr"/>
+                          <a:r>
+                            <a:rPr lang="fr-FR" sz="800" b="0" kern="1200" dirty="0" smtClean="0">
+                              <a:solidFill>
+                                <a:schemeClr val="dk1"/>
+                              </a:solidFill>
+                              <a:latin typeface="Times New Roman" panose="02020603050405020304" pitchFamily="18" charset="0"/>
+                              <a:ea typeface="+mn-ea"/>
+                              <a:cs typeface="Times New Roman" panose="02020603050405020304" pitchFamily="18" charset="0"/>
+                            </a:rPr>
+                            <a:t>2.8%</a:t>
                           </a:r>
                           <a:endParaRPr lang="fr-FR" sz="800" b="0" kern="1200" dirty="0">
                             <a:solidFill>
@@ -7107,7 +9108,7 @@
                               <a:ea typeface="+mn-ea"/>
                               <a:cs typeface="Times New Roman" panose="02020603050405020304" pitchFamily="18" charset="0"/>
                             </a:rPr>
-                            <a:t>70.8%</a:t>
+                            <a:t>171</a:t>
                           </a:r>
                           <a:endParaRPr lang="fr-FR" sz="800" b="0" kern="1200" dirty="0">
                             <a:solidFill>
@@ -7174,7 +9175,7 @@
                               <a:ea typeface="+mn-ea"/>
                               <a:cs typeface="Times New Roman" panose="02020603050405020304" pitchFamily="18" charset="0"/>
                             </a:rPr>
-                            <a:t>15.8%</a:t>
+                            <a:t>74.3%</a:t>
                           </a:r>
                           <a:endParaRPr lang="fr-FR" sz="800" b="0" kern="1200" dirty="0">
                             <a:solidFill>
@@ -7241,7 +9242,7 @@
                               <a:ea typeface="+mn-ea"/>
                               <a:cs typeface="Times New Roman" panose="02020603050405020304" pitchFamily="18" charset="0"/>
                             </a:rPr>
-                            <a:t>7.8%</a:t>
+                            <a:t>13.5%</a:t>
                           </a:r>
                           <a:endParaRPr lang="fr-FR" sz="800" b="0" kern="1200" dirty="0">
                             <a:solidFill>
@@ -7308,7 +9309,7 @@
                               <a:ea typeface="+mn-ea"/>
                               <a:cs typeface="Times New Roman" panose="02020603050405020304" pitchFamily="18" charset="0"/>
                             </a:rPr>
-                            <a:t>5.6%</a:t>
+                            <a:t>7.7%</a:t>
                           </a:r>
                           <a:endParaRPr lang="fr-FR" sz="800" b="0" kern="1200" dirty="0">
                             <a:solidFill>
@@ -7337,894 +9338,6 @@
                         </a:lnR>
                         <a:lnT w="3175" cap="flat" cmpd="sng" algn="ctr">
                           <a:noFill/>
-                          <a:prstDash val="solid"/>
-                          <a:round/>
-                          <a:headEnd type="none" w="med" len="med"/>
-                          <a:tailEnd type="none" w="med" len="med"/>
-                        </a:lnT>
-                        <a:lnB w="3175" cap="flat" cmpd="sng" algn="ctr">
-                          <a:noFill/>
-                          <a:prstDash val="solid"/>
-                          <a:round/>
-                          <a:headEnd type="none" w="med" len="med"/>
-                          <a:tailEnd type="none" w="med" len="med"/>
-                        </a:lnB>
-                        <a:lnTlToBr w="12700" cmpd="sng">
-                          <a:noFill/>
-                          <a:prstDash val="solid"/>
-                        </a:lnTlToBr>
-                        <a:lnBlToTr w="12700" cmpd="sng">
-                          <a:noFill/>
-                          <a:prstDash val="solid"/>
-                        </a:lnBlToTr>
-                        <a:noFill/>
-                      </a:tcPr>
-                    </a:tc>
-                    <a:extLst>
-                      <a:ext uri="{0D108BD9-81ED-4DB2-BD59-A6C34878D82A}">
-                        <a16:rowId xmlns:a16="http://schemas.microsoft.com/office/drawing/2014/main" val="4105435536"/>
-                      </a:ext>
-                    </a:extLst>
-                  </a:tr>
-                  <a:tr h="224308">
-                    <a:tc>
-                      <a:txBody>
-                        <a:bodyPr/>
-                        <a:lstStyle/>
-                        <a:p>
-                          <a:r>
-                            <a:rPr lang="en-US" sz="800" b="1" dirty="0" smtClean="0">
-                              <a:latin typeface="Times New Roman" panose="02020603050405020304" pitchFamily="18" charset="0"/>
-                              <a:cs typeface="Times New Roman" panose="02020603050405020304" pitchFamily="18" charset="0"/>
-                            </a:rPr>
-                            <a:t>MOTUs assigned to species</a:t>
-                          </a:r>
-                          <a:endParaRPr lang="fr-FR" sz="800" b="1" dirty="0">
-                            <a:solidFill>
-                              <a:schemeClr val="tx1"/>
-                            </a:solidFill>
-                          </a:endParaRPr>
-                        </a:p>
-                      </a:txBody>
-                      <a:tcPr marL="63305" marR="63305" marT="31652" marB="31652" anchor="ctr">
-                        <a:lnL w="3175" cap="flat" cmpd="sng" algn="ctr">
-                          <a:noFill/>
-                          <a:prstDash val="solid"/>
-                          <a:round/>
-                          <a:headEnd type="none" w="med" len="med"/>
-                          <a:tailEnd type="none" w="med" len="med"/>
-                        </a:lnL>
-                        <a:lnR w="3175" cap="flat" cmpd="sng" algn="ctr">
-                          <a:noFill/>
-                          <a:prstDash val="solid"/>
-                          <a:round/>
-                          <a:headEnd type="none" w="med" len="med"/>
-                          <a:tailEnd type="none" w="med" len="med"/>
-                        </a:lnR>
-                        <a:lnT w="3175" cap="flat" cmpd="sng" algn="ctr">
-                          <a:noFill/>
-                          <a:prstDash val="solid"/>
-                          <a:round/>
-                          <a:headEnd type="none" w="med" len="med"/>
-                          <a:tailEnd type="none" w="med" len="med"/>
-                        </a:lnT>
-                        <a:lnB w="3175" cap="flat" cmpd="sng" algn="ctr">
-                          <a:noFill/>
-                          <a:prstDash val="solid"/>
-                          <a:round/>
-                          <a:headEnd type="none" w="med" len="med"/>
-                          <a:tailEnd type="none" w="med" len="med"/>
-                        </a:lnB>
-                        <a:lnTlToBr w="12700" cmpd="sng">
-                          <a:noFill/>
-                          <a:prstDash val="solid"/>
-                        </a:lnTlToBr>
-                        <a:lnBlToTr w="12700" cmpd="sng">
-                          <a:noFill/>
-                          <a:prstDash val="solid"/>
-                        </a:lnBlToTr>
-                        <a:noFill/>
-                      </a:tcPr>
-                    </a:tc>
-                    <a:tc>
-                      <a:txBody>
-                        <a:bodyPr/>
-                        <a:lstStyle/>
-                        <a:p>
-                          <a:pPr algn="ctr"/>
-                          <a:r>
-                            <a:rPr lang="fr-FR" sz="800" b="0" kern="1200" dirty="0" smtClean="0">
-                              <a:solidFill>
-                                <a:schemeClr val="dk1"/>
-                              </a:solidFill>
-                              <a:latin typeface="Times New Roman" panose="02020603050405020304" pitchFamily="18" charset="0"/>
-                              <a:ea typeface="+mn-ea"/>
-                              <a:cs typeface="Times New Roman" panose="02020603050405020304" pitchFamily="18" charset="0"/>
-                            </a:rPr>
-                            <a:t>68%</a:t>
-                          </a:r>
-                          <a:endParaRPr lang="fr-FR" sz="800" b="0" kern="1200" dirty="0">
-                            <a:solidFill>
-                              <a:schemeClr val="dk1"/>
-                            </a:solidFill>
-                            <a:latin typeface="Times New Roman" panose="02020603050405020304" pitchFamily="18" charset="0"/>
-                            <a:ea typeface="+mn-ea"/>
-                            <a:cs typeface="Times New Roman" panose="02020603050405020304" pitchFamily="18" charset="0"/>
-                          </a:endParaRPr>
-                        </a:p>
-                      </a:txBody>
-                      <a:tcPr marL="63305" marR="63305" marT="31652" marB="31652" anchor="ctr">
-                        <a:lnL w="3175" cap="flat" cmpd="sng" algn="ctr">
-                          <a:noFill/>
-                          <a:prstDash val="solid"/>
-                          <a:round/>
-                          <a:headEnd type="none" w="med" len="med"/>
-                          <a:tailEnd type="none" w="med" len="med"/>
-                        </a:lnL>
-                        <a:lnR w="3175" cap="flat" cmpd="sng" algn="ctr">
-                          <a:noFill/>
-                          <a:prstDash val="solid"/>
-                          <a:round/>
-                          <a:headEnd type="none" w="med" len="med"/>
-                          <a:tailEnd type="none" w="med" len="med"/>
-                        </a:lnR>
-                        <a:lnT w="3175" cap="flat" cmpd="sng" algn="ctr">
-                          <a:noFill/>
-                          <a:prstDash val="solid"/>
-                          <a:round/>
-                          <a:headEnd type="none" w="med" len="med"/>
-                          <a:tailEnd type="none" w="med" len="med"/>
-                        </a:lnT>
-                        <a:lnB w="3175" cap="flat" cmpd="sng" algn="ctr">
-                          <a:noFill/>
-                          <a:prstDash val="solid"/>
-                          <a:round/>
-                          <a:headEnd type="none" w="med" len="med"/>
-                          <a:tailEnd type="none" w="med" len="med"/>
-                        </a:lnB>
-                        <a:lnTlToBr w="12700" cmpd="sng">
-                          <a:noFill/>
-                          <a:prstDash val="solid"/>
-                        </a:lnTlToBr>
-                        <a:lnBlToTr w="12700" cmpd="sng">
-                          <a:noFill/>
-                          <a:prstDash val="solid"/>
-                        </a:lnBlToTr>
-                        <a:noFill/>
-                      </a:tcPr>
-                    </a:tc>
-                    <a:tc>
-                      <a:txBody>
-                        <a:bodyPr/>
-                        <a:lstStyle/>
-                        <a:p>
-                          <a:pPr algn="ctr"/>
-                          <a:r>
-                            <a:rPr lang="fr-FR" sz="800" b="0" kern="1200" dirty="0" smtClean="0">
-                              <a:solidFill>
-                                <a:schemeClr val="dk1"/>
-                              </a:solidFill>
-                              <a:latin typeface="Times New Roman" panose="02020603050405020304" pitchFamily="18" charset="0"/>
-                              <a:ea typeface="+mn-ea"/>
-                              <a:cs typeface="Times New Roman" panose="02020603050405020304" pitchFamily="18" charset="0"/>
-                            </a:rPr>
-                            <a:t>15.7%</a:t>
-                          </a:r>
-                          <a:endParaRPr lang="fr-FR" sz="800" b="0" kern="1200" dirty="0">
-                            <a:solidFill>
-                              <a:schemeClr val="dk1"/>
-                            </a:solidFill>
-                            <a:latin typeface="Times New Roman" panose="02020603050405020304" pitchFamily="18" charset="0"/>
-                            <a:ea typeface="+mn-ea"/>
-                            <a:cs typeface="Times New Roman" panose="02020603050405020304" pitchFamily="18" charset="0"/>
-                          </a:endParaRPr>
-                        </a:p>
-                      </a:txBody>
-                      <a:tcPr marL="63305" marR="63305" marT="31652" marB="31652" anchor="ctr">
-                        <a:lnL w="3175" cap="flat" cmpd="sng" algn="ctr">
-                          <a:noFill/>
-                          <a:prstDash val="solid"/>
-                          <a:round/>
-                          <a:headEnd type="none" w="med" len="med"/>
-                          <a:tailEnd type="none" w="med" len="med"/>
-                        </a:lnL>
-                        <a:lnR w="3175" cap="flat" cmpd="sng" algn="ctr">
-                          <a:noFill/>
-                          <a:prstDash val="solid"/>
-                          <a:round/>
-                          <a:headEnd type="none" w="med" len="med"/>
-                          <a:tailEnd type="none" w="med" len="med"/>
-                        </a:lnR>
-                        <a:lnT w="3175" cap="flat" cmpd="sng" algn="ctr">
-                          <a:noFill/>
-                          <a:prstDash val="solid"/>
-                          <a:round/>
-                          <a:headEnd type="none" w="med" len="med"/>
-                          <a:tailEnd type="none" w="med" len="med"/>
-                        </a:lnT>
-                        <a:lnB w="3175" cap="flat" cmpd="sng" algn="ctr">
-                          <a:noFill/>
-                          <a:prstDash val="solid"/>
-                          <a:round/>
-                          <a:headEnd type="none" w="med" len="med"/>
-                          <a:tailEnd type="none" w="med" len="med"/>
-                        </a:lnB>
-                        <a:lnTlToBr w="12700" cmpd="sng">
-                          <a:noFill/>
-                          <a:prstDash val="solid"/>
-                        </a:lnTlToBr>
-                        <a:lnBlToTr w="12700" cmpd="sng">
-                          <a:noFill/>
-                          <a:prstDash val="solid"/>
-                        </a:lnBlToTr>
-                        <a:noFill/>
-                      </a:tcPr>
-                    </a:tc>
-                    <a:tc>
-                      <a:txBody>
-                        <a:bodyPr/>
-                        <a:lstStyle/>
-                        <a:p>
-                          <a:pPr algn="ctr"/>
-                          <a:r>
-                            <a:rPr lang="fr-FR" sz="800" b="0" kern="1200" dirty="0" smtClean="0">
-                              <a:solidFill>
-                                <a:schemeClr val="dk1"/>
-                              </a:solidFill>
-                              <a:latin typeface="Times New Roman" panose="02020603050405020304" pitchFamily="18" charset="0"/>
-                              <a:ea typeface="+mn-ea"/>
-                              <a:cs typeface="Times New Roman" panose="02020603050405020304" pitchFamily="18" charset="0"/>
-                            </a:rPr>
-                            <a:t>8.3%</a:t>
-                          </a:r>
-                          <a:endParaRPr lang="fr-FR" sz="800" b="0" kern="1200" dirty="0">
-                            <a:solidFill>
-                              <a:schemeClr val="dk1"/>
-                            </a:solidFill>
-                            <a:latin typeface="Times New Roman" panose="02020603050405020304" pitchFamily="18" charset="0"/>
-                            <a:ea typeface="+mn-ea"/>
-                            <a:cs typeface="Times New Roman" panose="02020603050405020304" pitchFamily="18" charset="0"/>
-                          </a:endParaRPr>
-                        </a:p>
-                      </a:txBody>
-                      <a:tcPr marL="63305" marR="63305" marT="31652" marB="31652" anchor="ctr">
-                        <a:lnL w="3175" cap="flat" cmpd="sng" algn="ctr">
-                          <a:noFill/>
-                          <a:prstDash val="solid"/>
-                          <a:round/>
-                          <a:headEnd type="none" w="med" len="med"/>
-                          <a:tailEnd type="none" w="med" len="med"/>
-                        </a:lnL>
-                        <a:lnR w="3175" cap="flat" cmpd="sng" algn="ctr">
-                          <a:noFill/>
-                          <a:prstDash val="solid"/>
-                          <a:round/>
-                          <a:headEnd type="none" w="med" len="med"/>
-                          <a:tailEnd type="none" w="med" len="med"/>
-                        </a:lnR>
-                        <a:lnT w="3175" cap="flat" cmpd="sng" algn="ctr">
-                          <a:noFill/>
-                          <a:prstDash val="solid"/>
-                          <a:round/>
-                          <a:headEnd type="none" w="med" len="med"/>
-                          <a:tailEnd type="none" w="med" len="med"/>
-                        </a:lnT>
-                        <a:lnB w="3175" cap="flat" cmpd="sng" algn="ctr">
-                          <a:noFill/>
-                          <a:prstDash val="solid"/>
-                          <a:round/>
-                          <a:headEnd type="none" w="med" len="med"/>
-                          <a:tailEnd type="none" w="med" len="med"/>
-                        </a:lnB>
-                        <a:lnTlToBr w="12700" cmpd="sng">
-                          <a:noFill/>
-                          <a:prstDash val="solid"/>
-                        </a:lnTlToBr>
-                        <a:lnBlToTr w="12700" cmpd="sng">
-                          <a:noFill/>
-                          <a:prstDash val="solid"/>
-                        </a:lnBlToTr>
-                        <a:noFill/>
-                      </a:tcPr>
-                    </a:tc>
-                    <a:tc>
-                      <a:txBody>
-                        <a:bodyPr/>
-                        <a:lstStyle/>
-                        <a:p>
-                          <a:pPr algn="ctr"/>
-                          <a:r>
-                            <a:rPr lang="fr-FR" sz="800" b="0" kern="1200" dirty="0" smtClean="0">
-                              <a:solidFill>
-                                <a:schemeClr val="dk1"/>
-                              </a:solidFill>
-                              <a:latin typeface="Times New Roman" panose="02020603050405020304" pitchFamily="18" charset="0"/>
-                              <a:ea typeface="+mn-ea"/>
-                              <a:cs typeface="Times New Roman" panose="02020603050405020304" pitchFamily="18" charset="0"/>
-                            </a:rPr>
-                            <a:t>8%</a:t>
-                          </a:r>
-                          <a:endParaRPr lang="fr-FR" sz="800" b="0" kern="1200" dirty="0">
-                            <a:solidFill>
-                              <a:schemeClr val="dk1"/>
-                            </a:solidFill>
-                            <a:latin typeface="Times New Roman" panose="02020603050405020304" pitchFamily="18" charset="0"/>
-                            <a:ea typeface="+mn-ea"/>
-                            <a:cs typeface="Times New Roman" panose="02020603050405020304" pitchFamily="18" charset="0"/>
-                          </a:endParaRPr>
-                        </a:p>
-                      </a:txBody>
-                      <a:tcPr marL="63305" marR="63305" marT="31652" marB="31652" anchor="ctr">
-                        <a:lnL w="3175" cap="flat" cmpd="sng" algn="ctr">
-                          <a:noFill/>
-                          <a:prstDash val="solid"/>
-                          <a:round/>
-                          <a:headEnd type="none" w="med" len="med"/>
-                          <a:tailEnd type="none" w="med" len="med"/>
-                        </a:lnL>
-                        <a:lnR w="3175" cap="flat" cmpd="sng" algn="ctr">
-                          <a:noFill/>
-                          <a:prstDash val="solid"/>
-                          <a:round/>
-                          <a:headEnd type="none" w="med" len="med"/>
-                          <a:tailEnd type="none" w="med" len="med"/>
-                        </a:lnR>
-                        <a:lnT w="3175" cap="flat" cmpd="sng" algn="ctr">
-                          <a:noFill/>
-                          <a:prstDash val="solid"/>
-                          <a:round/>
-                          <a:headEnd type="none" w="med" len="med"/>
-                          <a:tailEnd type="none" w="med" len="med"/>
-                        </a:lnT>
-                        <a:lnB w="3175" cap="flat" cmpd="sng" algn="ctr">
-                          <a:noFill/>
-                          <a:prstDash val="solid"/>
-                          <a:round/>
-                          <a:headEnd type="none" w="med" len="med"/>
-                          <a:tailEnd type="none" w="med" len="med"/>
-                        </a:lnB>
-                        <a:lnTlToBr w="12700" cmpd="sng">
-                          <a:noFill/>
-                          <a:prstDash val="solid"/>
-                        </a:lnTlToBr>
-                        <a:lnBlToTr w="12700" cmpd="sng">
-                          <a:noFill/>
-                          <a:prstDash val="solid"/>
-                        </a:lnBlToTr>
-                        <a:noFill/>
-                      </a:tcPr>
-                    </a:tc>
-                    <a:extLst>
-                      <a:ext uri="{0D108BD9-81ED-4DB2-BD59-A6C34878D82A}">
-                        <a16:rowId xmlns:a16="http://schemas.microsoft.com/office/drawing/2014/main" val="3060182616"/>
-                      </a:ext>
-                    </a:extLst>
-                  </a:tr>
-                </a:tbl>
-              </a:graphicData>
-            </a:graphic>
-          </p:graphicFrame>
-        </mc:Choice>
-        <mc:Fallback xmlns="">
-          <p:graphicFrame>
-            <p:nvGraphicFramePr>
-              <p:cNvPr id="2" name="Tableau 1"/>
-              <p:cNvGraphicFramePr>
-                <a:graphicFrameLocks noGrp="1"/>
-              </p:cNvGraphicFramePr>
-              <p:nvPr>
-                <p:extLst>
-                  <p:ext uri="{D42A27DB-BD31-4B8C-83A1-F6EECF244321}">
-                    <p14:modId xmlns:p14="http://schemas.microsoft.com/office/powerpoint/2010/main" val="2247587491"/>
-                  </p:ext>
-                </p:extLst>
-              </p:nvPr>
-            </p:nvGraphicFramePr>
-            <p:xfrm>
-              <a:off x="2984031" y="3726210"/>
-              <a:ext cx="3980249" cy="897232"/>
-            </p:xfrm>
-            <a:graphic>
-              <a:graphicData uri="http://schemas.openxmlformats.org/drawingml/2006/table">
-                <a:tbl>
-                  <a:tblPr firstRow="1" bandRow="1">
-                    <a:tableStyleId>{5C22544A-7EE6-4342-B048-85BDC9FD1C3A}</a:tableStyleId>
-                  </a:tblPr>
-                  <a:tblGrid>
-                    <a:gridCol w="1346305">
-                      <a:extLst>
-                        <a:ext uri="{9D8B030D-6E8A-4147-A177-3AD203B41FA5}">
-                          <a16:colId xmlns:a16="http://schemas.microsoft.com/office/drawing/2014/main" val="1067048240"/>
-                        </a:ext>
-                      </a:extLst>
-                    </a:gridCol>
-                    <a:gridCol w="658486">
-                      <a:extLst>
-                        <a:ext uri="{9D8B030D-6E8A-4147-A177-3AD203B41FA5}">
-                          <a16:colId xmlns:a16="http://schemas.microsoft.com/office/drawing/2014/main" val="3084419488"/>
-                        </a:ext>
-                      </a:extLst>
-                    </a:gridCol>
-                    <a:gridCol w="658486">
-                      <a:extLst>
-                        <a:ext uri="{9D8B030D-6E8A-4147-A177-3AD203B41FA5}">
-                          <a16:colId xmlns:a16="http://schemas.microsoft.com/office/drawing/2014/main" val="3836093460"/>
-                        </a:ext>
-                      </a:extLst>
-                    </a:gridCol>
-                    <a:gridCol w="658486">
-                      <a:extLst>
-                        <a:ext uri="{9D8B030D-6E8A-4147-A177-3AD203B41FA5}">
-                          <a16:colId xmlns:a16="http://schemas.microsoft.com/office/drawing/2014/main" val="4109928961"/>
-                        </a:ext>
-                      </a:extLst>
-                    </a:gridCol>
-                    <a:gridCol w="658486">
-                      <a:extLst>
-                        <a:ext uri="{9D8B030D-6E8A-4147-A177-3AD203B41FA5}">
-                          <a16:colId xmlns:a16="http://schemas.microsoft.com/office/drawing/2014/main" val="2333253021"/>
-                        </a:ext>
-                      </a:extLst>
-                    </a:gridCol>
-                  </a:tblGrid>
-                  <a:tr h="224308">
-                    <a:tc>
-                      <a:txBody>
-                        <a:bodyPr/>
-                        <a:lstStyle/>
-                        <a:p>
-                          <a:endParaRPr lang="fr-FR" sz="800" b="0" dirty="0">
-                            <a:solidFill>
-                              <a:schemeClr val="tx1"/>
-                            </a:solidFill>
-                          </a:endParaRPr>
-                        </a:p>
-                      </a:txBody>
-                      <a:tcPr marL="63305" marR="63305" marT="31652" marB="31652" anchor="ctr">
-                        <a:lnL w="12700" cap="flat" cmpd="sng" algn="ctr">
-                          <a:noFill/>
-                          <a:prstDash val="solid"/>
-                          <a:round/>
-                          <a:headEnd type="none" w="med" len="med"/>
-                          <a:tailEnd type="none" w="med" len="med"/>
-                        </a:lnL>
-                        <a:lnR w="3175" cap="flat" cmpd="sng" algn="ctr">
-                          <a:noFill/>
-                          <a:prstDash val="solid"/>
-                          <a:round/>
-                          <a:headEnd type="none" w="med" len="med"/>
-                          <a:tailEnd type="none" w="med" len="med"/>
-                        </a:lnR>
-                        <a:lnT w="12700" cap="flat" cmpd="sng" algn="ctr">
-                          <a:noFill/>
-                          <a:prstDash val="solid"/>
-                          <a:round/>
-                          <a:headEnd type="none" w="med" len="med"/>
-                          <a:tailEnd type="none" w="med" len="med"/>
-                        </a:lnT>
-                        <a:lnB w="3175" cap="flat" cmpd="sng" algn="ctr">
-                          <a:solidFill>
-                            <a:schemeClr val="tx1"/>
-                          </a:solidFill>
-                          <a:prstDash val="solid"/>
-                          <a:round/>
-                          <a:headEnd type="none" w="med" len="med"/>
-                          <a:tailEnd type="none" w="med" len="med"/>
-                        </a:lnB>
-                        <a:lnTlToBr w="12700" cmpd="sng">
-                          <a:noFill/>
-                          <a:prstDash val="solid"/>
-                        </a:lnTlToBr>
-                        <a:lnBlToTr w="12700" cmpd="sng">
-                          <a:noFill/>
-                          <a:prstDash val="solid"/>
-                        </a:lnBlToTr>
-                        <a:noFill/>
-                      </a:tcPr>
-                    </a:tc>
-                    <a:tc>
-                      <a:txBody>
-                        <a:bodyPr/>
-                        <a:lstStyle/>
-                        <a:p>
-                          <a:endParaRPr lang="fr-FR"/>
-                        </a:p>
-                      </a:txBody>
-                      <a:tcPr marL="63305" marR="63305" marT="31652" marB="31652" anchor="ctr">
-                        <a:lnL w="3175" cap="flat" cmpd="sng" algn="ctr">
-                          <a:noFill/>
-                          <a:prstDash val="solid"/>
-                          <a:round/>
-                          <a:headEnd type="none" w="med" len="med"/>
-                          <a:tailEnd type="none" w="med" len="med"/>
-                        </a:lnL>
-                        <a:lnR w="3175" cap="flat" cmpd="sng" algn="ctr">
-                          <a:noFill/>
-                          <a:prstDash val="solid"/>
-                          <a:round/>
-                          <a:headEnd type="none" w="med" len="med"/>
-                          <a:tailEnd type="none" w="med" len="med"/>
-                        </a:lnR>
-                        <a:lnT w="3175" cap="flat" cmpd="sng" algn="ctr">
-                          <a:noFill/>
-                          <a:prstDash val="solid"/>
-                          <a:round/>
-                          <a:headEnd type="none" w="med" len="med"/>
-                          <a:tailEnd type="none" w="med" len="med"/>
-                        </a:lnT>
-                        <a:lnB w="3175" cap="flat" cmpd="sng" algn="ctr">
-                          <a:solidFill>
-                            <a:schemeClr val="tx1"/>
-                          </a:solidFill>
-                          <a:prstDash val="solid"/>
-                          <a:round/>
-                          <a:headEnd type="none" w="med" len="med"/>
-                          <a:tailEnd type="none" w="med" len="med"/>
-                        </a:lnB>
-                        <a:lnTlToBr w="12700" cmpd="sng">
-                          <a:noFill/>
-                          <a:prstDash val="solid"/>
-                        </a:lnTlToBr>
-                        <a:lnBlToTr w="12700" cmpd="sng">
-                          <a:noFill/>
-                          <a:prstDash val="solid"/>
-                        </a:lnBlToTr>
-                        <a:blipFill>
-                          <a:blip r:embed="rId21"/>
-                          <a:stretch>
-                            <a:fillRect l="-204630" r="-300926" b="-305405"/>
-                          </a:stretch>
-                        </a:blipFill>
-                      </a:tcPr>
-                    </a:tc>
-                    <a:tc>
-                      <a:txBody>
-                        <a:bodyPr/>
-                        <a:lstStyle/>
-                        <a:p>
-                          <a:endParaRPr lang="fr-FR"/>
-                        </a:p>
-                      </a:txBody>
-                      <a:tcPr marL="63305" marR="63305" marT="31652" marB="31652" anchor="ctr">
-                        <a:lnL w="3175" cap="flat" cmpd="sng" algn="ctr">
-                          <a:noFill/>
-                          <a:prstDash val="solid"/>
-                          <a:round/>
-                          <a:headEnd type="none" w="med" len="med"/>
-                          <a:tailEnd type="none" w="med" len="med"/>
-                        </a:lnL>
-                        <a:lnR w="3175" cap="flat" cmpd="sng" algn="ctr">
-                          <a:noFill/>
-                          <a:prstDash val="solid"/>
-                          <a:round/>
-                          <a:headEnd type="none" w="med" len="med"/>
-                          <a:tailEnd type="none" w="med" len="med"/>
-                        </a:lnR>
-                        <a:lnT w="3175" cap="flat" cmpd="sng" algn="ctr">
-                          <a:noFill/>
-                          <a:prstDash val="solid"/>
-                          <a:round/>
-                          <a:headEnd type="none" w="med" len="med"/>
-                          <a:tailEnd type="none" w="med" len="med"/>
-                        </a:lnT>
-                        <a:lnB w="3175" cap="flat" cmpd="sng" algn="ctr">
-                          <a:solidFill>
-                            <a:schemeClr val="tx1"/>
-                          </a:solidFill>
-                          <a:prstDash val="solid"/>
-                          <a:round/>
-                          <a:headEnd type="none" w="med" len="med"/>
-                          <a:tailEnd type="none" w="med" len="med"/>
-                        </a:lnB>
-                        <a:lnTlToBr w="12700" cmpd="sng">
-                          <a:noFill/>
-                          <a:prstDash val="solid"/>
-                        </a:lnTlToBr>
-                        <a:lnBlToTr w="12700" cmpd="sng">
-                          <a:noFill/>
-                          <a:prstDash val="solid"/>
-                        </a:lnBlToTr>
-                        <a:blipFill>
-                          <a:blip r:embed="rId21"/>
-                          <a:stretch>
-                            <a:fillRect l="-301835" r="-198165" b="-305405"/>
-                          </a:stretch>
-                        </a:blipFill>
-                      </a:tcPr>
-                    </a:tc>
-                    <a:tc>
-                      <a:txBody>
-                        <a:bodyPr/>
-                        <a:lstStyle/>
-                        <a:p>
-                          <a:endParaRPr lang="fr-FR"/>
-                        </a:p>
-                      </a:txBody>
-                      <a:tcPr marL="63305" marR="63305" marT="31652" marB="31652" anchor="ctr">
-                        <a:lnL w="3175" cap="flat" cmpd="sng" algn="ctr">
-                          <a:noFill/>
-                          <a:prstDash val="solid"/>
-                          <a:round/>
-                          <a:headEnd type="none" w="med" len="med"/>
-                          <a:tailEnd type="none" w="med" len="med"/>
-                        </a:lnL>
-                        <a:lnR w="3175" cap="flat" cmpd="sng" algn="ctr">
-                          <a:noFill/>
-                          <a:prstDash val="solid"/>
-                          <a:round/>
-                          <a:headEnd type="none" w="med" len="med"/>
-                          <a:tailEnd type="none" w="med" len="med"/>
-                        </a:lnR>
-                        <a:lnT w="3175" cap="flat" cmpd="sng" algn="ctr">
-                          <a:noFill/>
-                          <a:prstDash val="solid"/>
-                          <a:round/>
-                          <a:headEnd type="none" w="med" len="med"/>
-                          <a:tailEnd type="none" w="med" len="med"/>
-                        </a:lnT>
-                        <a:lnB w="3175" cap="flat" cmpd="sng" algn="ctr">
-                          <a:solidFill>
-                            <a:schemeClr val="tx1"/>
-                          </a:solidFill>
-                          <a:prstDash val="solid"/>
-                          <a:round/>
-                          <a:headEnd type="none" w="med" len="med"/>
-                          <a:tailEnd type="none" w="med" len="med"/>
-                        </a:lnB>
-                        <a:lnTlToBr w="12700" cmpd="sng">
-                          <a:noFill/>
-                          <a:prstDash val="solid"/>
-                        </a:lnTlToBr>
-                        <a:lnBlToTr w="12700" cmpd="sng">
-                          <a:noFill/>
-                          <a:prstDash val="solid"/>
-                        </a:lnBlToTr>
-                        <a:blipFill>
-                          <a:blip r:embed="rId21"/>
-                          <a:stretch>
-                            <a:fillRect l="-405556" r="-100000" b="-305405"/>
-                          </a:stretch>
-                        </a:blipFill>
-                      </a:tcPr>
-                    </a:tc>
-                    <a:tc>
-                      <a:txBody>
-                        <a:bodyPr/>
-                        <a:lstStyle/>
-                        <a:p>
-                          <a:endParaRPr lang="fr-FR"/>
-                        </a:p>
-                      </a:txBody>
-                      <a:tcPr marL="63305" marR="63305" marT="31652" marB="31652" anchor="ctr">
-                        <a:lnL w="3175" cap="flat" cmpd="sng" algn="ctr">
-                          <a:noFill/>
-                          <a:prstDash val="solid"/>
-                          <a:round/>
-                          <a:headEnd type="none" w="med" len="med"/>
-                          <a:tailEnd type="none" w="med" len="med"/>
-                        </a:lnL>
-                        <a:lnR w="3175" cap="flat" cmpd="sng" algn="ctr">
-                          <a:noFill/>
-                          <a:prstDash val="solid"/>
-                          <a:round/>
-                          <a:headEnd type="none" w="med" len="med"/>
-                          <a:tailEnd type="none" w="med" len="med"/>
-                        </a:lnR>
-                        <a:lnT w="3175" cap="flat" cmpd="sng" algn="ctr">
-                          <a:noFill/>
-                          <a:prstDash val="solid"/>
-                          <a:round/>
-                          <a:headEnd type="none" w="med" len="med"/>
-                          <a:tailEnd type="none" w="med" len="med"/>
-                        </a:lnT>
-                        <a:lnB w="3175" cap="flat" cmpd="sng" algn="ctr">
-                          <a:solidFill>
-                            <a:schemeClr val="tx1"/>
-                          </a:solidFill>
-                          <a:prstDash val="solid"/>
-                          <a:round/>
-                          <a:headEnd type="none" w="med" len="med"/>
-                          <a:tailEnd type="none" w="med" len="med"/>
-                        </a:lnB>
-                        <a:lnTlToBr w="12700" cmpd="sng">
-                          <a:noFill/>
-                          <a:prstDash val="solid"/>
-                        </a:lnTlToBr>
-                        <a:lnBlToTr w="12700" cmpd="sng">
-                          <a:noFill/>
-                          <a:prstDash val="solid"/>
-                        </a:lnBlToTr>
-                        <a:blipFill>
-                          <a:blip r:embed="rId21"/>
-                          <a:stretch>
-                            <a:fillRect l="-505556" b="-305405"/>
-                          </a:stretch>
-                        </a:blipFill>
-                      </a:tcPr>
-                    </a:tc>
-                    <a:extLst>
-                      <a:ext uri="{0D108BD9-81ED-4DB2-BD59-A6C34878D82A}">
-                        <a16:rowId xmlns:a16="http://schemas.microsoft.com/office/drawing/2014/main" val="3254895143"/>
-                      </a:ext>
-                    </a:extLst>
-                  </a:tr>
-                  <a:tr h="224308">
-                    <a:tc>
-                      <a:txBody>
-                        <a:bodyPr/>
-                        <a:lstStyle/>
-                        <a:p>
-                          <a:r>
-                            <a:rPr lang="en-US" sz="800" b="1" dirty="0" smtClean="0">
-                              <a:latin typeface="Times New Roman" panose="02020603050405020304" pitchFamily="18" charset="0"/>
-                              <a:cs typeface="Times New Roman" panose="02020603050405020304" pitchFamily="18" charset="0"/>
-                            </a:rPr>
-                            <a:t>Cryptobenthic families</a:t>
-                          </a:r>
-                          <a:endParaRPr lang="fr-FR" sz="800" b="1" dirty="0">
-                            <a:solidFill>
-                              <a:schemeClr val="tx1"/>
-                            </a:solidFill>
-                          </a:endParaRPr>
-                        </a:p>
-                      </a:txBody>
-                      <a:tcPr marL="63305" marR="63305" marT="31652" marB="31652" anchor="ctr">
-                        <a:lnL w="3175" cap="flat" cmpd="sng" algn="ctr">
-                          <a:noFill/>
-                          <a:prstDash val="solid"/>
-                          <a:round/>
-                          <a:headEnd type="none" w="med" len="med"/>
-                          <a:tailEnd type="none" w="med" len="med"/>
-                        </a:lnL>
-                        <a:lnR w="3175" cap="flat" cmpd="sng" algn="ctr">
-                          <a:noFill/>
-                          <a:prstDash val="solid"/>
-                          <a:round/>
-                          <a:headEnd type="none" w="med" len="med"/>
-                          <a:tailEnd type="none" w="med" len="med"/>
-                        </a:lnR>
-                        <a:lnT w="3175" cap="flat" cmpd="sng" algn="ctr">
-                          <a:solidFill>
-                            <a:schemeClr val="tx1"/>
-                          </a:solidFill>
-                          <a:prstDash val="solid"/>
-                          <a:round/>
-                          <a:headEnd type="none" w="med" len="med"/>
-                          <a:tailEnd type="none" w="med" len="med"/>
-                        </a:lnT>
-                        <a:lnB w="3175" cap="flat" cmpd="sng" algn="ctr">
-                          <a:noFill/>
-                          <a:prstDash val="solid"/>
-                          <a:round/>
-                          <a:headEnd type="none" w="med" len="med"/>
-                          <a:tailEnd type="none" w="med" len="med"/>
-                        </a:lnB>
-                        <a:lnTlToBr w="12700" cmpd="sng">
-                          <a:noFill/>
-                          <a:prstDash val="solid"/>
-                        </a:lnTlToBr>
-                        <a:lnBlToTr w="12700" cmpd="sng">
-                          <a:noFill/>
-                          <a:prstDash val="solid"/>
-                        </a:lnBlToTr>
-                        <a:noFill/>
-                      </a:tcPr>
-                    </a:tc>
-                    <a:tc>
-                      <a:txBody>
-                        <a:bodyPr/>
-                        <a:lstStyle/>
-                        <a:p>
-                          <a:pPr algn="ctr"/>
-                          <a:r>
-                            <a:rPr lang="fr-FR" sz="800" b="0" kern="1200" dirty="0" smtClean="0">
-                              <a:solidFill>
-                                <a:schemeClr val="dk1"/>
-                              </a:solidFill>
-                              <a:latin typeface="Times New Roman" panose="02020603050405020304" pitchFamily="18" charset="0"/>
-                              <a:ea typeface="+mn-ea"/>
-                              <a:cs typeface="Times New Roman" panose="02020603050405020304" pitchFamily="18" charset="0"/>
-                            </a:rPr>
-                            <a:t>74%</a:t>
-                          </a:r>
-                          <a:endParaRPr lang="fr-FR" sz="800" b="0" kern="1200" dirty="0">
-                            <a:solidFill>
-                              <a:schemeClr val="dk1"/>
-                            </a:solidFill>
-                            <a:latin typeface="Times New Roman" panose="02020603050405020304" pitchFamily="18" charset="0"/>
-                            <a:ea typeface="+mn-ea"/>
-                            <a:cs typeface="Times New Roman" panose="02020603050405020304" pitchFamily="18" charset="0"/>
-                          </a:endParaRPr>
-                        </a:p>
-                      </a:txBody>
-                      <a:tcPr marL="63305" marR="63305" marT="31652" marB="31652" anchor="ctr">
-                        <a:lnL w="3175" cap="flat" cmpd="sng" algn="ctr">
-                          <a:noFill/>
-                          <a:prstDash val="solid"/>
-                          <a:round/>
-                          <a:headEnd type="none" w="med" len="med"/>
-                          <a:tailEnd type="none" w="med" len="med"/>
-                        </a:lnL>
-                        <a:lnR w="3175" cap="flat" cmpd="sng" algn="ctr">
-                          <a:noFill/>
-                          <a:prstDash val="solid"/>
-                          <a:round/>
-                          <a:headEnd type="none" w="med" len="med"/>
-                          <a:tailEnd type="none" w="med" len="med"/>
-                        </a:lnR>
-                        <a:lnT w="3175" cap="flat" cmpd="sng" algn="ctr">
-                          <a:solidFill>
-                            <a:schemeClr val="tx1"/>
-                          </a:solidFill>
-                          <a:prstDash val="solid"/>
-                          <a:round/>
-                          <a:headEnd type="none" w="med" len="med"/>
-                          <a:tailEnd type="none" w="med" len="med"/>
-                        </a:lnT>
-                        <a:lnB w="3175" cap="flat" cmpd="sng" algn="ctr">
-                          <a:noFill/>
-                          <a:prstDash val="solid"/>
-                          <a:round/>
-                          <a:headEnd type="none" w="med" len="med"/>
-                          <a:tailEnd type="none" w="med" len="med"/>
-                        </a:lnB>
-                        <a:lnTlToBr w="12700" cmpd="sng">
-                          <a:noFill/>
-                          <a:prstDash val="solid"/>
-                        </a:lnTlToBr>
-                        <a:lnBlToTr w="12700" cmpd="sng">
-                          <a:noFill/>
-                          <a:prstDash val="solid"/>
-                        </a:lnBlToTr>
-                        <a:noFill/>
-                      </a:tcPr>
-                    </a:tc>
-                    <a:tc>
-                      <a:txBody>
-                        <a:bodyPr/>
-                        <a:lstStyle/>
-                        <a:p>
-                          <a:pPr algn="ctr"/>
-                          <a:r>
-                            <a:rPr lang="fr-FR" sz="800" b="0" kern="1200" dirty="0" smtClean="0">
-                              <a:solidFill>
-                                <a:schemeClr val="dk1"/>
-                              </a:solidFill>
-                              <a:latin typeface="Times New Roman" panose="02020603050405020304" pitchFamily="18" charset="0"/>
-                              <a:ea typeface="+mn-ea"/>
-                              <a:cs typeface="Times New Roman" panose="02020603050405020304" pitchFamily="18" charset="0"/>
-                            </a:rPr>
-                            <a:t>18%</a:t>
-                          </a:r>
-                          <a:endParaRPr lang="fr-FR" sz="800" b="0" kern="1200" dirty="0">
-                            <a:solidFill>
-                              <a:schemeClr val="dk1"/>
-                            </a:solidFill>
-                            <a:latin typeface="Times New Roman" panose="02020603050405020304" pitchFamily="18" charset="0"/>
-                            <a:ea typeface="+mn-ea"/>
-                            <a:cs typeface="Times New Roman" panose="02020603050405020304" pitchFamily="18" charset="0"/>
-                          </a:endParaRPr>
-                        </a:p>
-                      </a:txBody>
-                      <a:tcPr marL="63305" marR="63305" marT="31652" marB="31652" anchor="ctr">
-                        <a:lnL w="3175" cap="flat" cmpd="sng" algn="ctr">
-                          <a:noFill/>
-                          <a:prstDash val="solid"/>
-                          <a:round/>
-                          <a:headEnd type="none" w="med" len="med"/>
-                          <a:tailEnd type="none" w="med" len="med"/>
-                        </a:lnL>
-                        <a:lnR w="3175" cap="flat" cmpd="sng" algn="ctr">
-                          <a:noFill/>
-                          <a:prstDash val="solid"/>
-                          <a:round/>
-                          <a:headEnd type="none" w="med" len="med"/>
-                          <a:tailEnd type="none" w="med" len="med"/>
-                        </a:lnR>
-                        <a:lnT w="3175" cap="flat" cmpd="sng" algn="ctr">
-                          <a:solidFill>
-                            <a:schemeClr val="tx1"/>
-                          </a:solidFill>
                           <a:prstDash val="solid"/>
                           <a:round/>
                           <a:headEnd type="none" w="med" len="med"/>
@@ -8291,411 +9404,6 @@
                           <a:tailEnd type="none" w="med" len="med"/>
                         </a:lnR>
                         <a:lnT w="3175" cap="flat" cmpd="sng" algn="ctr">
-                          <a:solidFill>
-                            <a:schemeClr val="tx1"/>
-                          </a:solidFill>
-                          <a:prstDash val="solid"/>
-                          <a:round/>
-                          <a:headEnd type="none" w="med" len="med"/>
-                          <a:tailEnd type="none" w="med" len="med"/>
-                        </a:lnT>
-                        <a:lnB w="3175" cap="flat" cmpd="sng" algn="ctr">
-                          <a:noFill/>
-                          <a:prstDash val="solid"/>
-                          <a:round/>
-                          <a:headEnd type="none" w="med" len="med"/>
-                          <a:tailEnd type="none" w="med" len="med"/>
-                        </a:lnB>
-                        <a:lnTlToBr w="12700" cmpd="sng">
-                          <a:noFill/>
-                          <a:prstDash val="solid"/>
-                        </a:lnTlToBr>
-                        <a:lnBlToTr w="12700" cmpd="sng">
-                          <a:noFill/>
-                          <a:prstDash val="solid"/>
-                        </a:lnBlToTr>
-                        <a:noFill/>
-                      </a:tcPr>
-                    </a:tc>
-                    <a:tc>
-                      <a:txBody>
-                        <a:bodyPr/>
-                        <a:lstStyle/>
-                        <a:p>
-                          <a:pPr algn="ctr"/>
-                          <a:r>
-                            <a:rPr lang="fr-FR" sz="800" b="0" kern="1200" dirty="0" smtClean="0">
-                              <a:solidFill>
-                                <a:schemeClr val="dk1"/>
-                              </a:solidFill>
-                              <a:latin typeface="Times New Roman" panose="02020603050405020304" pitchFamily="18" charset="0"/>
-                              <a:ea typeface="+mn-ea"/>
-                              <a:cs typeface="Times New Roman" panose="02020603050405020304" pitchFamily="18" charset="0"/>
-                            </a:rPr>
-                            <a:t>3.5%</a:t>
-                          </a:r>
-                          <a:endParaRPr lang="fr-FR" sz="800" b="0" kern="1200" dirty="0">
-                            <a:solidFill>
-                              <a:schemeClr val="dk1"/>
-                            </a:solidFill>
-                            <a:latin typeface="Times New Roman" panose="02020603050405020304" pitchFamily="18" charset="0"/>
-                            <a:ea typeface="+mn-ea"/>
-                            <a:cs typeface="Times New Roman" panose="02020603050405020304" pitchFamily="18" charset="0"/>
-                          </a:endParaRPr>
-                        </a:p>
-                      </a:txBody>
-                      <a:tcPr marL="63305" marR="63305" marT="31652" marB="31652" anchor="ctr">
-                        <a:lnL w="3175" cap="flat" cmpd="sng" algn="ctr">
-                          <a:noFill/>
-                          <a:prstDash val="solid"/>
-                          <a:round/>
-                          <a:headEnd type="none" w="med" len="med"/>
-                          <a:tailEnd type="none" w="med" len="med"/>
-                        </a:lnL>
-                        <a:lnR w="3175" cap="flat" cmpd="sng" algn="ctr">
-                          <a:noFill/>
-                          <a:prstDash val="solid"/>
-                          <a:round/>
-                          <a:headEnd type="none" w="med" len="med"/>
-                          <a:tailEnd type="none" w="med" len="med"/>
-                        </a:lnR>
-                        <a:lnT w="3175" cap="flat" cmpd="sng" algn="ctr">
-                          <a:solidFill>
-                            <a:schemeClr val="tx1"/>
-                          </a:solidFill>
-                          <a:prstDash val="solid"/>
-                          <a:round/>
-                          <a:headEnd type="none" w="med" len="med"/>
-                          <a:tailEnd type="none" w="med" len="med"/>
-                        </a:lnT>
-                        <a:lnB w="3175" cap="flat" cmpd="sng" algn="ctr">
-                          <a:noFill/>
-                          <a:prstDash val="solid"/>
-                          <a:round/>
-                          <a:headEnd type="none" w="med" len="med"/>
-                          <a:tailEnd type="none" w="med" len="med"/>
-                        </a:lnB>
-                        <a:lnTlToBr w="12700" cmpd="sng">
-                          <a:noFill/>
-                          <a:prstDash val="solid"/>
-                        </a:lnTlToBr>
-                        <a:lnBlToTr w="12700" cmpd="sng">
-                          <a:noFill/>
-                          <a:prstDash val="solid"/>
-                        </a:lnBlToTr>
-                        <a:noFill/>
-                      </a:tcPr>
-                    </a:tc>
-                    <a:extLst>
-                      <a:ext uri="{0D108BD9-81ED-4DB2-BD59-A6C34878D82A}">
-                        <a16:rowId xmlns:a16="http://schemas.microsoft.com/office/drawing/2014/main" val="901899567"/>
-                      </a:ext>
-                    </a:extLst>
-                  </a:tr>
-                  <a:tr h="224308">
-                    <a:tc>
-                      <a:txBody>
-                        <a:bodyPr/>
-                        <a:lstStyle/>
-                        <a:p>
-                          <a:r>
-                            <a:rPr lang="en-US" sz="800" b="1" dirty="0" smtClean="0">
-                              <a:latin typeface="Times New Roman" panose="02020603050405020304" pitchFamily="18" charset="0"/>
-                              <a:cs typeface="Times New Roman" panose="02020603050405020304" pitchFamily="18" charset="0"/>
-                            </a:rPr>
-                            <a:t>Pelagic families</a:t>
-                          </a:r>
-                          <a:endParaRPr lang="fr-FR" sz="800" b="1" dirty="0">
-                            <a:solidFill>
-                              <a:schemeClr val="tx1"/>
-                            </a:solidFill>
-                          </a:endParaRPr>
-                        </a:p>
-                      </a:txBody>
-                      <a:tcPr marL="63305" marR="63305" marT="31652" marB="31652" anchor="ctr">
-                        <a:lnL w="3175" cap="flat" cmpd="sng" algn="ctr">
-                          <a:noFill/>
-                          <a:prstDash val="solid"/>
-                          <a:round/>
-                          <a:headEnd type="none" w="med" len="med"/>
-                          <a:tailEnd type="none" w="med" len="med"/>
-                        </a:lnL>
-                        <a:lnR w="3175" cap="flat" cmpd="sng" algn="ctr">
-                          <a:noFill/>
-                          <a:prstDash val="solid"/>
-                          <a:round/>
-                          <a:headEnd type="none" w="med" len="med"/>
-                          <a:tailEnd type="none" w="med" len="med"/>
-                        </a:lnR>
-                        <a:lnT w="3175" cap="flat" cmpd="sng" algn="ctr">
-                          <a:noFill/>
-                          <a:prstDash val="solid"/>
-                          <a:round/>
-                          <a:headEnd type="none" w="med" len="med"/>
-                          <a:tailEnd type="none" w="med" len="med"/>
-                        </a:lnT>
-                        <a:lnB w="3175" cap="flat" cmpd="sng" algn="ctr">
-                          <a:noFill/>
-                          <a:prstDash val="solid"/>
-                          <a:round/>
-                          <a:headEnd type="none" w="med" len="med"/>
-                          <a:tailEnd type="none" w="med" len="med"/>
-                        </a:lnB>
-                        <a:lnTlToBr w="12700" cmpd="sng">
-                          <a:noFill/>
-                          <a:prstDash val="solid"/>
-                        </a:lnTlToBr>
-                        <a:lnBlToTr w="12700" cmpd="sng">
-                          <a:noFill/>
-                          <a:prstDash val="solid"/>
-                        </a:lnBlToTr>
-                        <a:noFill/>
-                      </a:tcPr>
-                    </a:tc>
-                    <a:tc>
-                      <a:txBody>
-                        <a:bodyPr/>
-                        <a:lstStyle/>
-                        <a:p>
-                          <a:pPr algn="ctr"/>
-                          <a:r>
-                            <a:rPr lang="fr-FR" sz="800" b="0" kern="1200" dirty="0" smtClean="0">
-                              <a:solidFill>
-                                <a:schemeClr val="dk1"/>
-                              </a:solidFill>
-                              <a:latin typeface="Times New Roman" panose="02020603050405020304" pitchFamily="18" charset="0"/>
-                              <a:ea typeface="+mn-ea"/>
-                              <a:cs typeface="Times New Roman" panose="02020603050405020304" pitchFamily="18" charset="0"/>
-                            </a:rPr>
-                            <a:t>70.8%</a:t>
-                          </a:r>
-                          <a:endParaRPr lang="fr-FR" sz="800" b="0" kern="1200" dirty="0">
-                            <a:solidFill>
-                              <a:schemeClr val="dk1"/>
-                            </a:solidFill>
-                            <a:latin typeface="Times New Roman" panose="02020603050405020304" pitchFamily="18" charset="0"/>
-                            <a:ea typeface="+mn-ea"/>
-                            <a:cs typeface="Times New Roman" panose="02020603050405020304" pitchFamily="18" charset="0"/>
-                          </a:endParaRPr>
-                        </a:p>
-                      </a:txBody>
-                      <a:tcPr marL="63305" marR="63305" marT="31652" marB="31652" anchor="ctr">
-                        <a:lnL w="3175" cap="flat" cmpd="sng" algn="ctr">
-                          <a:noFill/>
-                          <a:prstDash val="solid"/>
-                          <a:round/>
-                          <a:headEnd type="none" w="med" len="med"/>
-                          <a:tailEnd type="none" w="med" len="med"/>
-                        </a:lnL>
-                        <a:lnR w="3175" cap="flat" cmpd="sng" algn="ctr">
-                          <a:noFill/>
-                          <a:prstDash val="solid"/>
-                          <a:round/>
-                          <a:headEnd type="none" w="med" len="med"/>
-                          <a:tailEnd type="none" w="med" len="med"/>
-                        </a:lnR>
-                        <a:lnT w="3175" cap="flat" cmpd="sng" algn="ctr">
-                          <a:noFill/>
-                          <a:prstDash val="solid"/>
-                          <a:round/>
-                          <a:headEnd type="none" w="med" len="med"/>
-                          <a:tailEnd type="none" w="med" len="med"/>
-                        </a:lnT>
-                        <a:lnB w="3175" cap="flat" cmpd="sng" algn="ctr">
-                          <a:noFill/>
-                          <a:prstDash val="solid"/>
-                          <a:round/>
-                          <a:headEnd type="none" w="med" len="med"/>
-                          <a:tailEnd type="none" w="med" len="med"/>
-                        </a:lnB>
-                        <a:lnTlToBr w="12700" cmpd="sng">
-                          <a:noFill/>
-                          <a:prstDash val="solid"/>
-                        </a:lnTlToBr>
-                        <a:lnBlToTr w="12700" cmpd="sng">
-                          <a:noFill/>
-                          <a:prstDash val="solid"/>
-                        </a:lnBlToTr>
-                        <a:noFill/>
-                      </a:tcPr>
-                    </a:tc>
-                    <a:tc>
-                      <a:txBody>
-                        <a:bodyPr/>
-                        <a:lstStyle/>
-                        <a:p>
-                          <a:pPr algn="ctr"/>
-                          <a:r>
-                            <a:rPr lang="fr-FR" sz="800" b="0" kern="1200" dirty="0" smtClean="0">
-                              <a:solidFill>
-                                <a:schemeClr val="dk1"/>
-                              </a:solidFill>
-                              <a:latin typeface="Times New Roman" panose="02020603050405020304" pitchFamily="18" charset="0"/>
-                              <a:ea typeface="+mn-ea"/>
-                              <a:cs typeface="Times New Roman" panose="02020603050405020304" pitchFamily="18" charset="0"/>
-                            </a:rPr>
-                            <a:t>15.8%</a:t>
-                          </a:r>
-                          <a:endParaRPr lang="fr-FR" sz="800" b="0" kern="1200" dirty="0">
-                            <a:solidFill>
-                              <a:schemeClr val="dk1"/>
-                            </a:solidFill>
-                            <a:latin typeface="Times New Roman" panose="02020603050405020304" pitchFamily="18" charset="0"/>
-                            <a:ea typeface="+mn-ea"/>
-                            <a:cs typeface="Times New Roman" panose="02020603050405020304" pitchFamily="18" charset="0"/>
-                          </a:endParaRPr>
-                        </a:p>
-                      </a:txBody>
-                      <a:tcPr marL="63305" marR="63305" marT="31652" marB="31652" anchor="ctr">
-                        <a:lnL w="3175" cap="flat" cmpd="sng" algn="ctr">
-                          <a:noFill/>
-                          <a:prstDash val="solid"/>
-                          <a:round/>
-                          <a:headEnd type="none" w="med" len="med"/>
-                          <a:tailEnd type="none" w="med" len="med"/>
-                        </a:lnL>
-                        <a:lnR w="3175" cap="flat" cmpd="sng" algn="ctr">
-                          <a:noFill/>
-                          <a:prstDash val="solid"/>
-                          <a:round/>
-                          <a:headEnd type="none" w="med" len="med"/>
-                          <a:tailEnd type="none" w="med" len="med"/>
-                        </a:lnR>
-                        <a:lnT w="3175" cap="flat" cmpd="sng" algn="ctr">
-                          <a:noFill/>
-                          <a:prstDash val="solid"/>
-                          <a:round/>
-                          <a:headEnd type="none" w="med" len="med"/>
-                          <a:tailEnd type="none" w="med" len="med"/>
-                        </a:lnT>
-                        <a:lnB w="3175" cap="flat" cmpd="sng" algn="ctr">
-                          <a:noFill/>
-                          <a:prstDash val="solid"/>
-                          <a:round/>
-                          <a:headEnd type="none" w="med" len="med"/>
-                          <a:tailEnd type="none" w="med" len="med"/>
-                        </a:lnB>
-                        <a:lnTlToBr w="12700" cmpd="sng">
-                          <a:noFill/>
-                          <a:prstDash val="solid"/>
-                        </a:lnTlToBr>
-                        <a:lnBlToTr w="12700" cmpd="sng">
-                          <a:noFill/>
-                          <a:prstDash val="solid"/>
-                        </a:lnBlToTr>
-                        <a:noFill/>
-                      </a:tcPr>
-                    </a:tc>
-                    <a:tc>
-                      <a:txBody>
-                        <a:bodyPr/>
-                        <a:lstStyle/>
-                        <a:p>
-                          <a:pPr algn="ctr"/>
-                          <a:r>
-                            <a:rPr lang="fr-FR" sz="800" b="0" kern="1200" dirty="0" smtClean="0">
-                              <a:solidFill>
-                                <a:schemeClr val="dk1"/>
-                              </a:solidFill>
-                              <a:latin typeface="Times New Roman" panose="02020603050405020304" pitchFamily="18" charset="0"/>
-                              <a:ea typeface="+mn-ea"/>
-                              <a:cs typeface="Times New Roman" panose="02020603050405020304" pitchFamily="18" charset="0"/>
-                            </a:rPr>
-                            <a:t>7.8%</a:t>
-                          </a:r>
-                          <a:endParaRPr lang="fr-FR" sz="800" b="0" kern="1200" dirty="0">
-                            <a:solidFill>
-                              <a:schemeClr val="dk1"/>
-                            </a:solidFill>
-                            <a:latin typeface="Times New Roman" panose="02020603050405020304" pitchFamily="18" charset="0"/>
-                            <a:ea typeface="+mn-ea"/>
-                            <a:cs typeface="Times New Roman" panose="02020603050405020304" pitchFamily="18" charset="0"/>
-                          </a:endParaRPr>
-                        </a:p>
-                      </a:txBody>
-                      <a:tcPr marL="63305" marR="63305" marT="31652" marB="31652" anchor="ctr">
-                        <a:lnL w="3175" cap="flat" cmpd="sng" algn="ctr">
-                          <a:noFill/>
-                          <a:prstDash val="solid"/>
-                          <a:round/>
-                          <a:headEnd type="none" w="med" len="med"/>
-                          <a:tailEnd type="none" w="med" len="med"/>
-                        </a:lnL>
-                        <a:lnR w="3175" cap="flat" cmpd="sng" algn="ctr">
-                          <a:noFill/>
-                          <a:prstDash val="solid"/>
-                          <a:round/>
-                          <a:headEnd type="none" w="med" len="med"/>
-                          <a:tailEnd type="none" w="med" len="med"/>
-                        </a:lnR>
-                        <a:lnT w="3175" cap="flat" cmpd="sng" algn="ctr">
-                          <a:noFill/>
-                          <a:prstDash val="solid"/>
-                          <a:round/>
-                          <a:headEnd type="none" w="med" len="med"/>
-                          <a:tailEnd type="none" w="med" len="med"/>
-                        </a:lnT>
-                        <a:lnB w="3175" cap="flat" cmpd="sng" algn="ctr">
-                          <a:noFill/>
-                          <a:prstDash val="solid"/>
-                          <a:round/>
-                          <a:headEnd type="none" w="med" len="med"/>
-                          <a:tailEnd type="none" w="med" len="med"/>
-                        </a:lnB>
-                        <a:lnTlToBr w="12700" cmpd="sng">
-                          <a:noFill/>
-                          <a:prstDash val="solid"/>
-                        </a:lnTlToBr>
-                        <a:lnBlToTr w="12700" cmpd="sng">
-                          <a:noFill/>
-                          <a:prstDash val="solid"/>
-                        </a:lnBlToTr>
-                        <a:noFill/>
-                      </a:tcPr>
-                    </a:tc>
-                    <a:tc>
-                      <a:txBody>
-                        <a:bodyPr/>
-                        <a:lstStyle/>
-                        <a:p>
-                          <a:pPr algn="ctr"/>
-                          <a:r>
-                            <a:rPr lang="fr-FR" sz="800" b="0" kern="1200" dirty="0" smtClean="0">
-                              <a:solidFill>
-                                <a:schemeClr val="dk1"/>
-                              </a:solidFill>
-                              <a:latin typeface="Times New Roman" panose="02020603050405020304" pitchFamily="18" charset="0"/>
-                              <a:ea typeface="+mn-ea"/>
-                              <a:cs typeface="Times New Roman" panose="02020603050405020304" pitchFamily="18" charset="0"/>
-                            </a:rPr>
-                            <a:t>5.6%</a:t>
-                          </a:r>
-                          <a:endParaRPr lang="fr-FR" sz="800" b="0" kern="1200" dirty="0">
-                            <a:solidFill>
-                              <a:schemeClr val="dk1"/>
-                            </a:solidFill>
-                            <a:latin typeface="Times New Roman" panose="02020603050405020304" pitchFamily="18" charset="0"/>
-                            <a:ea typeface="+mn-ea"/>
-                            <a:cs typeface="Times New Roman" panose="02020603050405020304" pitchFamily="18" charset="0"/>
-                          </a:endParaRPr>
-                        </a:p>
-                      </a:txBody>
-                      <a:tcPr marL="63305" marR="63305" marT="31652" marB="31652" anchor="ctr">
-                        <a:lnL w="3175" cap="flat" cmpd="sng" algn="ctr">
-                          <a:noFill/>
-                          <a:prstDash val="solid"/>
-                          <a:round/>
-                          <a:headEnd type="none" w="med" len="med"/>
-                          <a:tailEnd type="none" w="med" len="med"/>
-                        </a:lnL>
-                        <a:lnR w="3175" cap="flat" cmpd="sng" algn="ctr">
-                          <a:noFill/>
-                          <a:prstDash val="solid"/>
-                          <a:round/>
-                          <a:headEnd type="none" w="med" len="med"/>
-                          <a:tailEnd type="none" w="med" len="med"/>
-                        </a:lnR>
-                        <a:lnT w="3175" cap="flat" cmpd="sng" algn="ctr">
                           <a:noFill/>
                           <a:prstDash val="solid"/>
                           <a:round/>
@@ -8737,7 +9445,7 @@
                               <a:latin typeface="Times New Roman" panose="02020603050405020304" pitchFamily="18" charset="0"/>
                               <a:cs typeface="Times New Roman" panose="02020603050405020304" pitchFamily="18" charset="0"/>
                             </a:rPr>
-                            <a:t>MOTUs assigned to species</a:t>
+                            <a:t>Species</a:t>
                           </a:r>
                           <a:endParaRPr lang="fr-FR" sz="800" b="1" dirty="0">
                             <a:solidFill>
@@ -8801,7 +9509,7 @@
                               <a:ea typeface="+mn-ea"/>
                               <a:cs typeface="Times New Roman" panose="02020603050405020304" pitchFamily="18" charset="0"/>
                             </a:rPr>
-                            <a:t>68%</a:t>
+                            <a:t>393</a:t>
                           </a:r>
                           <a:endParaRPr lang="fr-FR" sz="800" b="0" kern="1200" dirty="0">
                             <a:solidFill>
@@ -8868,7 +9576,7 @@
                               <a:ea typeface="+mn-ea"/>
                               <a:cs typeface="Times New Roman" panose="02020603050405020304" pitchFamily="18" charset="0"/>
                             </a:rPr>
-                            <a:t>15.7%</a:t>
+                            <a:t>69.5%</a:t>
                           </a:r>
                           <a:endParaRPr lang="fr-FR" sz="800" b="0" kern="1200" dirty="0">
                             <a:solidFill>
@@ -8935,7 +9643,7 @@
                               <a:ea typeface="+mn-ea"/>
                               <a:cs typeface="Times New Roman" panose="02020603050405020304" pitchFamily="18" charset="0"/>
                             </a:rPr>
-                            <a:t>8.3%</a:t>
+                            <a:t>14.1%</a:t>
                           </a:r>
                           <a:endParaRPr lang="fr-FR" sz="800" b="0" kern="1200" dirty="0">
                             <a:solidFill>
@@ -9002,7 +9710,74 @@
                               <a:ea typeface="+mn-ea"/>
                               <a:cs typeface="Times New Roman" panose="02020603050405020304" pitchFamily="18" charset="0"/>
                             </a:rPr>
-                            <a:t>8%</a:t>
+                            <a:t>9.4%</a:t>
+                          </a:r>
+                          <a:endParaRPr lang="fr-FR" sz="800" b="0" kern="1200" dirty="0">
+                            <a:solidFill>
+                              <a:schemeClr val="dk1"/>
+                            </a:solidFill>
+                            <a:latin typeface="Times New Roman" panose="02020603050405020304" pitchFamily="18" charset="0"/>
+                            <a:ea typeface="+mn-ea"/>
+                            <a:cs typeface="Times New Roman" panose="02020603050405020304" pitchFamily="18" charset="0"/>
+                          </a:endParaRPr>
+                        </a:p>
+                      </a:txBody>
+                      <a:tcPr marL="63305" marR="63305" marT="31652" marB="31652" anchor="ctr">
+                        <a:lnL w="3175" cap="flat" cmpd="sng" algn="ctr">
+                          <a:noFill/>
+                          <a:prstDash val="solid"/>
+                          <a:round/>
+                          <a:headEnd type="none" w="med" len="med"/>
+                          <a:tailEnd type="none" w="med" len="med"/>
+                        </a:lnL>
+                        <a:lnR w="3175" cap="flat" cmpd="sng" algn="ctr">
+                          <a:noFill/>
+                          <a:prstDash val="solid"/>
+                          <a:round/>
+                          <a:headEnd type="none" w="med" len="med"/>
+                          <a:tailEnd type="none" w="med" len="med"/>
+                        </a:lnR>
+                        <a:lnT w="3175" cap="flat" cmpd="sng" algn="ctr">
+                          <a:noFill/>
+                          <a:prstDash val="solid"/>
+                          <a:round/>
+                          <a:headEnd type="none" w="med" len="med"/>
+                          <a:tailEnd type="none" w="med" len="med"/>
+                        </a:lnT>
+                        <a:lnB w="3175" cap="flat" cmpd="sng" algn="ctr">
+                          <a:noFill/>
+                          <a:prstDash val="solid"/>
+                          <a:round/>
+                          <a:headEnd type="none" w="med" len="med"/>
+                          <a:tailEnd type="none" w="med" len="med"/>
+                        </a:lnB>
+                        <a:lnTlToBr w="12700" cmpd="sng">
+                          <a:noFill/>
+                          <a:prstDash val="solid"/>
+                        </a:lnTlToBr>
+                        <a:lnBlToTr w="12700" cmpd="sng">
+                          <a:noFill/>
+                          <a:prstDash val="solid"/>
+                        </a:lnBlToTr>
+                        <a:noFill/>
+                      </a:tcPr>
+                    </a:tc>
+                    <a:tc>
+                      <a:txBody>
+                        <a:bodyPr/>
+                        <a:lstStyle/>
+                        <a:p>
+                          <a:pPr algn="ctr"/>
+                          <a:r>
+                            <a:rPr lang="fr-FR" sz="800" b="0" kern="1200" dirty="0" smtClean="0">
+                              <a:solidFill>
+                                <a:schemeClr val="dk1"/>
+                              </a:solidFill>
+                              <a:latin typeface="Times New Roman" panose="02020603050405020304" pitchFamily="18" charset="0"/>
+                              <a:ea typeface="+mn-ea"/>
+                              <a:cs typeface="Times New Roman" panose="02020603050405020304" pitchFamily="18" charset="0"/>
+                            </a:rPr>
+                            <a:t>7%</a:t>
                           </a:r>
                           <a:endParaRPr lang="fr-FR" sz="800" b="0" kern="1200" dirty="0">
                             <a:solidFill>
@@ -9137,8 +9912,8 @@
         </p:nvSpPr>
         <p:spPr>
           <a:xfrm>
-            <a:off x="2661019" y="2244647"/>
-            <a:ext cx="706004" cy="302647"/>
+            <a:off x="2631027" y="2244647"/>
+            <a:ext cx="770116" cy="302647"/>
           </a:xfrm>
           <a:prstGeom prst="ellipse">
             <a:avLst/>
@@ -9183,7 +9958,7 @@
             </p:nvSpPr>
             <p:spPr>
               <a:xfrm>
-                <a:off x="2531169" y="2214762"/>
+                <a:off x="2531169" y="2207938"/>
                 <a:ext cx="956855" cy="308033"/>
               </a:xfrm>
               <a:prstGeom prst="rect">
@@ -9264,7 +10039,7 @@
                 </a:r>
                 <a:r>
                   <a:rPr lang="fr-FR" sz="701" dirty="0" smtClean="0"/>
-                  <a:t>%</a:t>
+                  <a:t>18.3%</a:t>
                 </a:r>
                 <a:endParaRPr lang="fr-FR" sz="701" dirty="0"/>
               </a:p>
@@ -9282,7 +10057,7 @@
             </p:nvSpPr>
             <p:spPr>
               <a:xfrm>
-                <a:off x="2531169" y="2214762"/>
+                <a:off x="2531169" y="2207938"/>
                 <a:ext cx="956855" cy="308033"/>
               </a:xfrm>
               <a:prstGeom prst="rect">
@@ -9336,12 +10111,12 @@
               <a:p>
                 <a:pPr algn="ctr"/>
                 <a:r>
-                  <a:rPr lang="fr-FR" sz="701" dirty="0" smtClean="0"/>
-                  <a:t>18</a:t>
+                  <a:rPr lang="fr-FR" sz="701" dirty="0"/>
+                  <a:t>4</a:t>
                 </a:r>
                 <a:r>
                   <a:rPr lang="fr-FR" sz="701" dirty="0" smtClean="0"/>
-                  <a:t> </a:t>
+                  <a:t>8 </a:t>
                 </a:r>
                 <a:r>
                   <a:rPr lang="fr-FR" sz="701" dirty="0"/>
@@ -9410,7 +10185,7 @@
                 </a:r>
                 <a:r>
                   <a:rPr lang="fr-FR" sz="701" dirty="0" smtClean="0"/>
-                  <a:t>%</a:t>
+                  <a:t>14%</a:t>
                 </a:r>
                 <a:endParaRPr lang="fr-FR" sz="701" dirty="0"/>
               </a:p>
@@ -9464,7 +10239,7 @@
                 </a:r>
                 <a:r>
                   <a:rPr lang="fr-FR" sz="701" dirty="0" smtClean="0"/>
-                  <a:t>%</a:t>
+                  <a:t>5.4%</a:t>
                 </a:r>
                 <a:endParaRPr lang="fr-FR" sz="701" dirty="0"/>
               </a:p>
@@ -9522,7 +10297,7 @@
         <p:spPr>
           <a:xfrm flipH="1">
             <a:off x="3009597" y="1865932"/>
-            <a:ext cx="2306" cy="348830"/>
+            <a:ext cx="2306" cy="342006"/>
           </a:xfrm>
           <a:prstGeom prst="straightConnector1">
             <a:avLst/>
@@ -9557,8 +10332,8 @@
         </p:nvCxnSpPr>
         <p:spPr>
           <a:xfrm>
-            <a:off x="3014021" y="2547294"/>
-            <a:ext cx="3565" cy="420209"/>
+            <a:off x="3016085" y="2547294"/>
+            <a:ext cx="1501" cy="420209"/>
           </a:xfrm>
           <a:prstGeom prst="straightConnector1">
             <a:avLst/>
@@ -9662,6 +10437,42 @@
           </a:fontRef>
         </p:style>
       </p:cxnSp>
+      <p:sp>
+        <p:nvSpPr>
+          <p:cNvPr id="58" name="ZoneTexte 57"/>
+          <p:cNvSpPr txBox="1"/>
+          <p:nvPr/>
+        </p:nvSpPr>
+        <p:spPr>
+          <a:xfrm>
+            <a:off x="1836916" y="3767524"/>
+            <a:ext cx="269069" cy="212238"/>
+          </a:xfrm>
+          <a:prstGeom prst="rect">
+            <a:avLst/>
+          </a:prstGeom>
+          <a:noFill/>
+        </p:spPr>
+        <p:txBody>
+          <a:bodyPr wrap="square" rtlCol="0">
+            <a:spAutoFit/>
+          </a:bodyPr>
+          <a:lstStyle/>
+          <a:p>
+            <a:r>
+              <a:rPr lang="en-US" sz="779" b="1" dirty="0">
+                <a:latin typeface="Times New Roman" panose="02020603050405020304" pitchFamily="18" charset="0"/>
+                <a:cs typeface="Times New Roman" panose="02020603050405020304" pitchFamily="18" charset="0"/>
+              </a:rPr>
+              <a:t>B</a:t>
+            </a:r>
+            <a:endParaRPr lang="en-US" sz="779" b="1" dirty="0">
+              <a:latin typeface="Times New Roman" panose="02020603050405020304" pitchFamily="18" charset="0"/>
+              <a:cs typeface="Times New Roman" panose="02020603050405020304" pitchFamily="18" charset="0"/>
+            </a:endParaRPr>
+          </a:p>
+        </p:txBody>
+      </p:sp>
     </p:spTree>
     <p:extLst>
       <p:ext uri="{BB962C8B-B14F-4D97-AF65-F5344CB8AC3E}">

--- a/outputs/06_diversity_partitioning/schema_partition.pptx
+++ b/outputs/06_diversity_partitioning/schema_partition.pptx
@@ -243,7 +243,7 @@
           <a:p>
             <a:fld id="{1DD5E214-71AE-49E0-8511-3FE919ED9730}" type="datetimeFigureOut">
               <a:rPr lang="fr-FR" smtClean="0"/>
-              <a:t>27/05/2020</a:t>
+              <a:t>08/06/2020</a:t>
             </a:fld>
             <a:endParaRPr lang="fr-FR"/>
           </a:p>
@@ -413,7 +413,7 @@
           <a:p>
             <a:fld id="{1DD5E214-71AE-49E0-8511-3FE919ED9730}" type="datetimeFigureOut">
               <a:rPr lang="fr-FR" smtClean="0"/>
-              <a:t>27/05/2020</a:t>
+              <a:t>08/06/2020</a:t>
             </a:fld>
             <a:endParaRPr lang="fr-FR"/>
           </a:p>
@@ -593,7 +593,7 @@
           <a:p>
             <a:fld id="{1DD5E214-71AE-49E0-8511-3FE919ED9730}" type="datetimeFigureOut">
               <a:rPr lang="fr-FR" smtClean="0"/>
-              <a:t>27/05/2020</a:t>
+              <a:t>08/06/2020</a:t>
             </a:fld>
             <a:endParaRPr lang="fr-FR"/>
           </a:p>
@@ -763,7 +763,7 @@
           <a:p>
             <a:fld id="{1DD5E214-71AE-49E0-8511-3FE919ED9730}" type="datetimeFigureOut">
               <a:rPr lang="fr-FR" smtClean="0"/>
-              <a:t>27/05/2020</a:t>
+              <a:t>08/06/2020</a:t>
             </a:fld>
             <a:endParaRPr lang="fr-FR"/>
           </a:p>
@@ -1007,7 +1007,7 @@
           <a:p>
             <a:fld id="{1DD5E214-71AE-49E0-8511-3FE919ED9730}" type="datetimeFigureOut">
               <a:rPr lang="fr-FR" smtClean="0"/>
-              <a:t>27/05/2020</a:t>
+              <a:t>08/06/2020</a:t>
             </a:fld>
             <a:endParaRPr lang="fr-FR"/>
           </a:p>
@@ -1239,7 +1239,7 @@
           <a:p>
             <a:fld id="{1DD5E214-71AE-49E0-8511-3FE919ED9730}" type="datetimeFigureOut">
               <a:rPr lang="fr-FR" smtClean="0"/>
-              <a:t>27/05/2020</a:t>
+              <a:t>08/06/2020</a:t>
             </a:fld>
             <a:endParaRPr lang="fr-FR"/>
           </a:p>
@@ -1606,7 +1606,7 @@
           <a:p>
             <a:fld id="{1DD5E214-71AE-49E0-8511-3FE919ED9730}" type="datetimeFigureOut">
               <a:rPr lang="fr-FR" smtClean="0"/>
-              <a:t>27/05/2020</a:t>
+              <a:t>08/06/2020</a:t>
             </a:fld>
             <a:endParaRPr lang="fr-FR"/>
           </a:p>
@@ -1724,7 +1724,7 @@
           <a:p>
             <a:fld id="{1DD5E214-71AE-49E0-8511-3FE919ED9730}" type="datetimeFigureOut">
               <a:rPr lang="fr-FR" smtClean="0"/>
-              <a:t>27/05/2020</a:t>
+              <a:t>08/06/2020</a:t>
             </a:fld>
             <a:endParaRPr lang="fr-FR"/>
           </a:p>
@@ -1819,7 +1819,7 @@
           <a:p>
             <a:fld id="{1DD5E214-71AE-49E0-8511-3FE919ED9730}" type="datetimeFigureOut">
               <a:rPr lang="fr-FR" smtClean="0"/>
-              <a:t>27/05/2020</a:t>
+              <a:t>08/06/2020</a:t>
             </a:fld>
             <a:endParaRPr lang="fr-FR"/>
           </a:p>
@@ -2096,7 +2096,7 @@
           <a:p>
             <a:fld id="{1DD5E214-71AE-49E0-8511-3FE919ED9730}" type="datetimeFigureOut">
               <a:rPr lang="fr-FR" smtClean="0"/>
-              <a:t>27/05/2020</a:t>
+              <a:t>08/06/2020</a:t>
             </a:fld>
             <a:endParaRPr lang="fr-FR"/>
           </a:p>
@@ -2353,7 +2353,7 @@
           <a:p>
             <a:fld id="{1DD5E214-71AE-49E0-8511-3FE919ED9730}" type="datetimeFigureOut">
               <a:rPr lang="fr-FR" smtClean="0"/>
-              <a:t>27/05/2020</a:t>
+              <a:t>08/06/2020</a:t>
             </a:fld>
             <a:endParaRPr lang="fr-FR"/>
           </a:p>
@@ -2566,7 +2566,7 @@
           <a:p>
             <a:fld id="{1DD5E214-71AE-49E0-8511-3FE919ED9730}" type="datetimeFigureOut">
               <a:rPr lang="fr-FR" smtClean="0"/>
-              <a:t>27/05/2020</a:t>
+              <a:t>08/06/2020</a:t>
             </a:fld>
             <a:endParaRPr lang="fr-FR"/>
           </a:p>
@@ -3125,8 +3125,8 @@
           </a:p>
         </p:txBody>
       </p:sp>
-      <mc:AlternateContent xmlns:mc="http://schemas.openxmlformats.org/markup-compatibility/2006">
-        <mc:Choice xmlns:a14="http://schemas.microsoft.com/office/drawing/2010/main" Requires="a14">
+      <mc:AlternateContent xmlns:mc="http://schemas.openxmlformats.org/markup-compatibility/2006" xmlns:a14="http://schemas.microsoft.com/office/drawing/2010/main">
+        <mc:Choice Requires="a14">
           <p:sp>
             <p:nvSpPr>
               <p:cNvPr id="4" name="ZoneTexte 3"/>
@@ -3204,11 +3204,7 @@
                 <a:pPr algn="ctr"/>
                 <a:r>
                   <a:rPr lang="fr-FR" sz="701" dirty="0" smtClean="0"/>
-                  <a:t>2175</a:t>
-                </a:r>
-                <a:r>
-                  <a:rPr lang="fr-FR" sz="701" dirty="0" smtClean="0"/>
-                  <a:t> </a:t>
+                  <a:t>2175 </a:t>
                 </a:r>
                 <a:r>
                   <a:rPr lang="en-US" sz="701" dirty="0"/>
@@ -3218,7 +3214,7 @@
             </p:txBody>
           </p:sp>
         </mc:Choice>
-        <mc:Fallback>
+        <mc:Fallback xmlns="">
           <p:sp>
             <p:nvSpPr>
               <p:cNvPr id="4" name="ZoneTexte 3"/>
@@ -3382,8 +3378,8 @@
           </a:p>
         </p:txBody>
       </p:sp>
-      <mc:AlternateContent xmlns:mc="http://schemas.openxmlformats.org/markup-compatibility/2006">
-        <mc:Choice xmlns:a14="http://schemas.microsoft.com/office/drawing/2010/main" Requires="a14">
+      <mc:AlternateContent xmlns:mc="http://schemas.openxmlformats.org/markup-compatibility/2006" xmlns:a14="http://schemas.microsoft.com/office/drawing/2010/main">
+        <mc:Choice Requires="a14">
           <p:sp>
             <p:nvSpPr>
               <p:cNvPr id="9" name="ZoneTexte 8"/>
@@ -3472,7 +3468,7 @@
             </p:txBody>
           </p:sp>
         </mc:Choice>
-        <mc:Fallback>
+        <mc:Fallback xmlns="">
           <p:sp>
             <p:nvSpPr>
               <p:cNvPr id="9" name="ZoneTexte 8"/>
@@ -3635,8 +3631,8 @@
           </p:sp>
         </mc:Fallback>
       </mc:AlternateContent>
-      <mc:AlternateContent xmlns:mc="http://schemas.openxmlformats.org/markup-compatibility/2006">
-        <mc:Choice xmlns:a14="http://schemas.microsoft.com/office/drawing/2010/main" Requires="a14">
+      <mc:AlternateContent xmlns:mc="http://schemas.openxmlformats.org/markup-compatibility/2006" xmlns:a14="http://schemas.microsoft.com/office/drawing/2010/main">
+        <mc:Choice Requires="a14">
           <p:sp>
             <p:nvSpPr>
               <p:cNvPr id="11" name="ZoneTexte 10"/>
@@ -3725,7 +3721,7 @@
             </p:txBody>
           </p:sp>
         </mc:Choice>
-        <mc:Fallback>
+        <mc:Fallback xmlns="">
           <p:sp>
             <p:nvSpPr>
               <p:cNvPr id="11" name="ZoneTexte 10"/>
@@ -3764,8 +3760,8 @@
           </p:sp>
         </mc:Fallback>
       </mc:AlternateContent>
-      <mc:AlternateContent xmlns:mc="http://schemas.openxmlformats.org/markup-compatibility/2006">
-        <mc:Choice xmlns:a14="http://schemas.microsoft.com/office/drawing/2010/main" Requires="a14">
+      <mc:AlternateContent xmlns:mc="http://schemas.openxmlformats.org/markup-compatibility/2006" xmlns:a14="http://schemas.microsoft.com/office/drawing/2010/main">
+        <mc:Choice Requires="a14">
           <p:sp>
             <p:nvSpPr>
               <p:cNvPr id="12" name="ZoneTexte 11"/>
@@ -3847,18 +3843,14 @@
                 </a:r>
                 <a:r>
                   <a:rPr lang="fr-FR" sz="701" dirty="0" smtClean="0"/>
-                  <a:t>35.6</a:t>
-                </a:r>
-                <a:r>
-                  <a:rPr lang="fr-FR" sz="701" dirty="0" smtClean="0"/>
-                  <a:t>%</a:t>
+                  <a:t>35.6%</a:t>
                 </a:r>
                 <a:endParaRPr lang="fr-FR" sz="701" dirty="0"/>
               </a:p>
             </p:txBody>
           </p:sp>
         </mc:Choice>
-        <mc:Fallback>
+        <mc:Fallback xmlns="">
           <p:sp>
             <p:nvSpPr>
               <p:cNvPr id="12" name="ZoneTexte 11"/>
@@ -3897,8 +3889,8 @@
           </p:sp>
         </mc:Fallback>
       </mc:AlternateContent>
-      <mc:AlternateContent xmlns:mc="http://schemas.openxmlformats.org/markup-compatibility/2006">
-        <mc:Choice xmlns:a14="http://schemas.microsoft.com/office/drawing/2010/main" Requires="a14">
+      <mc:AlternateContent xmlns:mc="http://schemas.openxmlformats.org/markup-compatibility/2006" xmlns:a14="http://schemas.microsoft.com/office/drawing/2010/main">
+        <mc:Choice Requires="a14">
           <p:sp>
             <p:nvSpPr>
               <p:cNvPr id="13" name="ZoneTexte 12"/>
@@ -4050,7 +4042,7 @@
             </p:txBody>
           </p:sp>
         </mc:Choice>
-        <mc:Fallback>
+        <mc:Fallback xmlns="">
           <p:sp>
             <p:nvSpPr>
               <p:cNvPr id="13" name="ZoneTexte 12"/>
@@ -4089,8 +4081,8 @@
           </p:sp>
         </mc:Fallback>
       </mc:AlternateContent>
-      <mc:AlternateContent xmlns:mc="http://schemas.openxmlformats.org/markup-compatibility/2006">
-        <mc:Choice xmlns:a14="http://schemas.microsoft.com/office/drawing/2010/main" Requires="a14">
+      <mc:AlternateContent xmlns:mc="http://schemas.openxmlformats.org/markup-compatibility/2006" xmlns:a14="http://schemas.microsoft.com/office/drawing/2010/main">
+        <mc:Choice Requires="a14">
           <p:sp>
             <p:nvSpPr>
               <p:cNvPr id="14" name="ZoneTexte 13"/>
@@ -4235,18 +4227,14 @@
                 </a:r>
                 <a:r>
                   <a:rPr lang="fr-FR" sz="701" dirty="0" smtClean="0"/>
-                  <a:t>3.4</a:t>
-                </a:r>
-                <a:r>
-                  <a:rPr lang="fr-FR" sz="701" dirty="0" smtClean="0"/>
-                  <a:t>%</a:t>
+                  <a:t>3.4%</a:t>
                 </a:r>
                 <a:endParaRPr lang="fr-FR" sz="701" dirty="0"/>
               </a:p>
             </p:txBody>
           </p:sp>
         </mc:Choice>
-        <mc:Fallback>
+        <mc:Fallback xmlns="">
           <p:sp>
             <p:nvSpPr>
               <p:cNvPr id="14" name="ZoneTexte 13"/>
@@ -4285,8 +4273,8 @@
           </p:sp>
         </mc:Fallback>
       </mc:AlternateContent>
-      <mc:AlternateContent xmlns:mc="http://schemas.openxmlformats.org/markup-compatibility/2006">
-        <mc:Choice xmlns:a14="http://schemas.microsoft.com/office/drawing/2010/main" Requires="a14">
+      <mc:AlternateContent xmlns:mc="http://schemas.openxmlformats.org/markup-compatibility/2006" xmlns:a14="http://schemas.microsoft.com/office/drawing/2010/main">
+        <mc:Choice Requires="a14">
           <p:sp>
             <p:nvSpPr>
               <p:cNvPr id="15" name="ZoneTexte 14"/>
@@ -4373,11 +4361,7 @@
                 </a14:m>
                 <a:r>
                   <a:rPr lang="fr-FR" sz="701" dirty="0"/>
-                  <a:t>= </a:t>
-                </a:r>
-                <a:r>
-                  <a:rPr lang="fr-FR" sz="701" dirty="0"/>
-                  <a:t>4</a:t>
+                  <a:t>= 4</a:t>
                 </a:r>
                 <a:r>
                   <a:rPr lang="fr-FR" sz="701" dirty="0" smtClean="0"/>
@@ -4442,7 +4426,7 @@
             </p:txBody>
           </p:sp>
         </mc:Choice>
-        <mc:Fallback>
+        <mc:Fallback xmlns="">
           <p:sp>
             <p:nvSpPr>
               <p:cNvPr id="15" name="ZoneTexte 14"/>
@@ -4481,8 +4465,8 @@
           </p:sp>
         </mc:Fallback>
       </mc:AlternateContent>
-      <mc:AlternateContent xmlns:mc="http://schemas.openxmlformats.org/markup-compatibility/2006">
-        <mc:Choice xmlns:a14="http://schemas.microsoft.com/office/drawing/2010/main" Requires="a14">
+      <mc:AlternateContent xmlns:mc="http://schemas.openxmlformats.org/markup-compatibility/2006" xmlns:a14="http://schemas.microsoft.com/office/drawing/2010/main">
+        <mc:Choice Requires="a14">
           <p:sp>
             <p:nvSpPr>
               <p:cNvPr id="16" name="ZoneTexte 15"/>
@@ -4573,11 +4557,7 @@
                 </a:r>
                 <a:r>
                   <a:rPr lang="fr-FR" sz="701" dirty="0" smtClean="0"/>
-                  <a:t>8.4</a:t>
-                </a:r>
-                <a:r>
-                  <a:rPr lang="fr-FR" sz="701" dirty="0" smtClean="0"/>
-                  <a:t>%</a:t>
+                  <a:t>8.4%</a:t>
                 </a:r>
                 <a:endParaRPr lang="fr-FR" sz="701" dirty="0"/>
               </a:p>
@@ -4627,11 +4607,7 @@
                 </a14:m>
                 <a:r>
                   <a:rPr lang="fr-FR" sz="701" dirty="0"/>
-                  <a:t>= </a:t>
-                </a:r>
-                <a:r>
-                  <a:rPr lang="fr-FR" sz="701" dirty="0"/>
-                  <a:t>5</a:t>
+                  <a:t>= 5</a:t>
                 </a:r>
                 <a:r>
                   <a:rPr lang="fr-FR" sz="701" dirty="0" smtClean="0"/>
@@ -4642,7 +4618,7 @@
             </p:txBody>
           </p:sp>
         </mc:Choice>
-        <mc:Fallback>
+        <mc:Fallback xmlns="">
           <p:sp>
             <p:nvSpPr>
               <p:cNvPr id="16" name="ZoneTexte 15"/>
@@ -4681,8 +4657,8 @@
           </p:sp>
         </mc:Fallback>
       </mc:AlternateContent>
-      <mc:AlternateContent xmlns:mc="http://schemas.openxmlformats.org/markup-compatibility/2006">
-        <mc:Choice xmlns:a14="http://schemas.microsoft.com/office/drawing/2010/main" Requires="a14">
+      <mc:AlternateContent xmlns:mc="http://schemas.openxmlformats.org/markup-compatibility/2006" xmlns:a14="http://schemas.microsoft.com/office/drawing/2010/main">
+        <mc:Choice Requires="a14">
           <p:sp>
             <p:nvSpPr>
               <p:cNvPr id="17" name="ZoneTexte 16"/>
@@ -4784,7 +4760,7 @@
             </p:txBody>
           </p:sp>
         </mc:Choice>
-        <mc:Fallback>
+        <mc:Fallback xmlns="">
           <p:sp>
             <p:nvSpPr>
               <p:cNvPr id="17" name="ZoneTexte 16"/>
@@ -5691,8 +5667,8 @@
           </a:fontRef>
         </p:style>
       </p:cxnSp>
-      <mc:AlternateContent xmlns:mc="http://schemas.openxmlformats.org/markup-compatibility/2006">
-        <mc:Choice xmlns:a14="http://schemas.microsoft.com/office/drawing/2010/main" Requires="a14">
+      <mc:AlternateContent xmlns:mc="http://schemas.openxmlformats.org/markup-compatibility/2006" xmlns:a14="http://schemas.microsoft.com/office/drawing/2010/main">
+        <mc:Choice Requires="a14">
           <p:sp>
             <p:nvSpPr>
               <p:cNvPr id="20" name="ZoneTexte 19"/>
@@ -5802,7 +5778,7 @@
             </p:txBody>
           </p:sp>
         </mc:Choice>
-        <mc:Fallback>
+        <mc:Fallback xmlns="">
           <p:sp>
             <p:nvSpPr>
               <p:cNvPr id="20" name="ZoneTexte 19"/>
@@ -5841,8 +5817,8 @@
           </p:sp>
         </mc:Fallback>
       </mc:AlternateContent>
-      <mc:AlternateContent xmlns:mc="http://schemas.openxmlformats.org/markup-compatibility/2006">
-        <mc:Choice xmlns:a14="http://schemas.microsoft.com/office/drawing/2010/main" Requires="a14">
+      <mc:AlternateContent xmlns:mc="http://schemas.openxmlformats.org/markup-compatibility/2006" xmlns:a14="http://schemas.microsoft.com/office/drawing/2010/main">
+        <mc:Choice Requires="a14">
           <p:sp>
             <p:nvSpPr>
               <p:cNvPr id="19" name="ZoneTexte 18"/>
@@ -5972,7 +5948,7 @@
             </p:txBody>
           </p:sp>
         </mc:Choice>
-        <mc:Fallback>
+        <mc:Fallback xmlns="">
           <p:sp>
             <p:nvSpPr>
               <p:cNvPr id="19" name="ZoneTexte 18"/>
@@ -6011,8 +5987,8 @@
           </p:sp>
         </mc:Fallback>
       </mc:AlternateContent>
-      <mc:AlternateContent xmlns:mc="http://schemas.openxmlformats.org/markup-compatibility/2006">
-        <mc:Choice xmlns:a14="http://schemas.microsoft.com/office/drawing/2010/main" Requires="a14">
+      <mc:AlternateContent xmlns:mc="http://schemas.openxmlformats.org/markup-compatibility/2006" xmlns:a14="http://schemas.microsoft.com/office/drawing/2010/main">
+        <mc:Choice Requires="a14">
           <p:sp>
             <p:nvSpPr>
               <p:cNvPr id="18" name="ZoneTexte 17"/>
@@ -6114,15 +6090,7 @@
                       <a:srgbClr val="FF0000"/>
                     </a:solidFill>
                   </a:rPr>
-                  <a:t>= </a:t>
-                </a:r>
-                <a:r>
-                  <a:rPr lang="fr-FR" sz="779" b="1" dirty="0">
-                    <a:solidFill>
-                      <a:srgbClr val="FF0000"/>
-                    </a:solidFill>
-                  </a:rPr>
-                  <a:t>7</a:t>
+                  <a:t>= 7</a:t>
                 </a:r>
                 <a:r>
                   <a:rPr lang="fr-FR" sz="779" b="1" dirty="0" smtClean="0">
@@ -6141,7 +6109,7 @@
             </p:txBody>
           </p:sp>
         </mc:Choice>
-        <mc:Fallback>
+        <mc:Fallback xmlns="">
           <p:sp>
             <p:nvSpPr>
               <p:cNvPr id="18" name="ZoneTexte 17"/>
@@ -6216,8 +6184,8 @@
           </a:fontRef>
         </p:style>
       </p:cxnSp>
-      <mc:AlternateContent xmlns:mc="http://schemas.openxmlformats.org/markup-compatibility/2006">
-        <mc:Choice xmlns:a14="http://schemas.microsoft.com/office/drawing/2010/main" Requires="a14">
+      <mc:AlternateContent xmlns:mc="http://schemas.openxmlformats.org/markup-compatibility/2006" xmlns:a14="http://schemas.microsoft.com/office/drawing/2010/main">
+        <mc:Choice Requires="a14">
           <p:graphicFrame>
             <p:nvGraphicFramePr>
               <p:cNvPr id="2" name="Tableau 1"/>
@@ -6360,7 +6328,6 @@
                         <a:bodyPr/>
                         <a:lstStyle/>
                         <a:p>
-                          <a:pPr/>
                           <a14:m>
                             <m:oMath xmlns:m="http://schemas.openxmlformats.org/officeDocument/2006/math">
                               <m:sSub>
@@ -8201,7 +8168,7 @@
             </a:graphic>
           </p:graphicFrame>
         </mc:Choice>
-        <mc:Fallback>
+        <mc:Fallback xmlns="">
           <p:graphicFrame>
             <p:nvGraphicFramePr>
               <p:cNvPr id="2" name="Tableau 1"/>
@@ -9948,8 +9915,8 @@
           </a:p>
         </p:txBody>
       </p:sp>
-      <mc:AlternateContent xmlns:mc="http://schemas.openxmlformats.org/markup-compatibility/2006">
-        <mc:Choice xmlns:a14="http://schemas.microsoft.com/office/drawing/2010/main" Requires="a14">
+      <mc:AlternateContent xmlns:mc="http://schemas.openxmlformats.org/markup-compatibility/2006" xmlns:a14="http://schemas.microsoft.com/office/drawing/2010/main">
+        <mc:Choice Requires="a14">
           <p:sp>
             <p:nvSpPr>
               <p:cNvPr id="53" name="ZoneTexte 52"/>
@@ -10046,7 +10013,7 @@
             </p:txBody>
           </p:sp>
         </mc:Choice>
-        <mc:Fallback>
+        <mc:Fallback xmlns="">
           <p:sp>
             <p:nvSpPr>
               <p:cNvPr id="53" name="ZoneTexte 52"/>
@@ -10085,8 +10052,8 @@
           </p:sp>
         </mc:Fallback>
       </mc:AlternateContent>
-      <mc:AlternateContent xmlns:mc="http://schemas.openxmlformats.org/markup-compatibility/2006">
-        <mc:Choice xmlns:a14="http://schemas.microsoft.com/office/drawing/2010/main" Requires="a14">
+      <mc:AlternateContent xmlns:mc="http://schemas.openxmlformats.org/markup-compatibility/2006" xmlns:a14="http://schemas.microsoft.com/office/drawing/2010/main">
+        <mc:Choice Requires="a14">
           <p:sp>
             <p:nvSpPr>
               <p:cNvPr id="54" name="ZoneTexte 53"/>
@@ -10246,7 +10213,7 @@
             </p:txBody>
           </p:sp>
         </mc:Choice>
-        <mc:Fallback>
+        <mc:Fallback xmlns="">
           <p:sp>
             <p:nvSpPr>
               <p:cNvPr id="54" name="ZoneTexte 53"/>
@@ -10465,6 +10432,2020 @@
                 <a:cs typeface="Times New Roman" panose="02020603050405020304" pitchFamily="18" charset="0"/>
               </a:rPr>
               <a:t>B</a:t>
+            </a:r>
+          </a:p>
+        </p:txBody>
+      </p:sp>
+      <mc:AlternateContent xmlns:mc="http://schemas.openxmlformats.org/markup-compatibility/2006">
+        <mc:Choice xmlns:a14="http://schemas.microsoft.com/office/drawing/2010/main" Requires="a14">
+          <p:graphicFrame>
+            <p:nvGraphicFramePr>
+              <p:cNvPr id="59" name="Tableau 58"/>
+              <p:cNvGraphicFramePr>
+                <a:graphicFrameLocks noGrp="1"/>
+              </p:cNvGraphicFramePr>
+              <p:nvPr>
+                <p:extLst>
+                  <p:ext uri="{D42A27DB-BD31-4B8C-83A1-F6EECF244321}">
+                    <p14:modId xmlns:p14="http://schemas.microsoft.com/office/powerpoint/2010/main" val="3814146629"/>
+                  </p:ext>
+                </p:extLst>
+              </p:nvPr>
+            </p:nvGraphicFramePr>
+            <p:xfrm>
+              <a:off x="2313299" y="4861571"/>
+              <a:ext cx="4650980" cy="448616"/>
+            </p:xfrm>
+            <a:graphic>
+              <a:graphicData uri="http://schemas.openxmlformats.org/drawingml/2006/table">
+                <a:tbl>
+                  <a:tblPr firstRow="1" bandRow="1">
+                    <a:tableStyleId>{5C22544A-7EE6-4342-B048-85BDC9FD1C3A}</a:tableStyleId>
+                  </a:tblPr>
+                  <a:tblGrid>
+                    <a:gridCol w="1349860">
+                      <a:extLst>
+                        <a:ext uri="{9D8B030D-6E8A-4147-A177-3AD203B41FA5}">
+                          <a16:colId xmlns:a16="http://schemas.microsoft.com/office/drawing/2014/main" val="1067048240"/>
+                        </a:ext>
+                      </a:extLst>
+                    </a:gridCol>
+                    <a:gridCol w="660224">
+                      <a:extLst>
+                        <a:ext uri="{9D8B030D-6E8A-4147-A177-3AD203B41FA5}">
+                          <a16:colId xmlns:a16="http://schemas.microsoft.com/office/drawing/2014/main" val="1671461065"/>
+                        </a:ext>
+                      </a:extLst>
+                    </a:gridCol>
+                    <a:gridCol w="660224">
+                      <a:extLst>
+                        <a:ext uri="{9D8B030D-6E8A-4147-A177-3AD203B41FA5}">
+                          <a16:colId xmlns:a16="http://schemas.microsoft.com/office/drawing/2014/main" val="3084419488"/>
+                        </a:ext>
+                      </a:extLst>
+                    </a:gridCol>
+                    <a:gridCol w="660224">
+                      <a:extLst>
+                        <a:ext uri="{9D8B030D-6E8A-4147-A177-3AD203B41FA5}">
+                          <a16:colId xmlns:a16="http://schemas.microsoft.com/office/drawing/2014/main" val="3836093460"/>
+                        </a:ext>
+                      </a:extLst>
+                    </a:gridCol>
+                    <a:gridCol w="660224">
+                      <a:extLst>
+                        <a:ext uri="{9D8B030D-6E8A-4147-A177-3AD203B41FA5}">
+                          <a16:colId xmlns:a16="http://schemas.microsoft.com/office/drawing/2014/main" val="4109928961"/>
+                        </a:ext>
+                      </a:extLst>
+                    </a:gridCol>
+                    <a:gridCol w="660224">
+                      <a:extLst>
+                        <a:ext uri="{9D8B030D-6E8A-4147-A177-3AD203B41FA5}">
+                          <a16:colId xmlns:a16="http://schemas.microsoft.com/office/drawing/2014/main" val="2333253021"/>
+                        </a:ext>
+                      </a:extLst>
+                    </a:gridCol>
+                  </a:tblGrid>
+                  <a:tr h="224308">
+                    <a:tc>
+                      <a:txBody>
+                        <a:bodyPr/>
+                        <a:lstStyle/>
+                        <a:p>
+                          <a:endParaRPr lang="fr-FR" sz="800" b="1" i="0" kern="1200" dirty="0">
+                            <a:solidFill>
+                              <a:schemeClr val="tx1"/>
+                            </a:solidFill>
+                            <a:latin typeface="Cambria Math" panose="02040503050406030204" pitchFamily="18" charset="0"/>
+                            <a:ea typeface="+mn-ea"/>
+                            <a:cs typeface="+mn-cs"/>
+                          </a:endParaRPr>
+                        </a:p>
+                      </a:txBody>
+                      <a:tcPr marL="63305" marR="63305" marT="31652" marB="31652" anchor="ctr">
+                        <a:lnL w="12700" cap="flat" cmpd="sng" algn="ctr">
+                          <a:noFill/>
+                          <a:prstDash val="solid"/>
+                          <a:round/>
+                          <a:headEnd type="none" w="med" len="med"/>
+                          <a:tailEnd type="none" w="med" len="med"/>
+                        </a:lnL>
+                        <a:lnR w="3175" cap="flat" cmpd="sng" algn="ctr">
+                          <a:noFill/>
+                          <a:prstDash val="solid"/>
+                          <a:round/>
+                          <a:headEnd type="none" w="med" len="med"/>
+                          <a:tailEnd type="none" w="med" len="med"/>
+                        </a:lnR>
+                        <a:lnT w="12700" cap="flat" cmpd="sng" algn="ctr">
+                          <a:noFill/>
+                          <a:prstDash val="solid"/>
+                          <a:round/>
+                          <a:headEnd type="none" w="med" len="med"/>
+                          <a:tailEnd type="none" w="med" len="med"/>
+                        </a:lnT>
+                        <a:lnB w="3175" cap="flat" cmpd="sng" algn="ctr">
+                          <a:solidFill>
+                            <a:schemeClr val="tx1"/>
+                          </a:solidFill>
+                          <a:prstDash val="solid"/>
+                          <a:round/>
+                          <a:headEnd type="none" w="med" len="med"/>
+                          <a:tailEnd type="none" w="med" len="med"/>
+                        </a:lnB>
+                        <a:lnTlToBr w="12700" cmpd="sng">
+                          <a:noFill/>
+                          <a:prstDash val="solid"/>
+                        </a:lnTlToBr>
+                        <a:lnBlToTr w="12700" cmpd="sng">
+                          <a:noFill/>
+                          <a:prstDash val="solid"/>
+                        </a:lnBlToTr>
+                        <a:noFill/>
+                      </a:tcPr>
+                    </a:tc>
+                    <a:tc>
+                      <a:txBody>
+                        <a:bodyPr/>
+                        <a:lstStyle/>
+                        <a:p>
+                          <a14:m>
+                            <m:oMathPara xmlns:m="http://schemas.openxmlformats.org/officeDocument/2006/math">
+                              <m:oMathParaPr>
+                                <m:jc m:val="centerGroup"/>
+                              </m:oMathParaPr>
+                              <m:oMath xmlns:m="http://schemas.openxmlformats.org/officeDocument/2006/math">
+                                <m:sSub>
+                                  <m:sSubPr>
+                                    <m:ctrlPr>
+                                      <a:rPr lang="fr-FR" sz="800" b="1" i="1" kern="1200" smtClean="0">
+                                        <a:solidFill>
+                                          <a:schemeClr val="tx1"/>
+                                        </a:solidFill>
+                                        <a:latin typeface="Cambria Math" panose="02040503050406030204" pitchFamily="18" charset="0"/>
+                                        <a:ea typeface="+mn-ea"/>
+                                        <a:cs typeface="+mn-cs"/>
+                                      </a:rPr>
+                                    </m:ctrlPr>
+                                  </m:sSubPr>
+                                  <m:e>
+                                    <m:r>
+                                      <m:rPr>
+                                        <m:nor/>
+                                      </m:rPr>
+                                      <a:rPr lang="el-GR" sz="800" b="1" i="1" kern="1200" dirty="0">
+                                        <a:solidFill>
+                                          <a:schemeClr val="tx1"/>
+                                        </a:solidFill>
+                                        <a:latin typeface="Cambria Math" panose="02040503050406030204" pitchFamily="18" charset="0"/>
+                                        <a:ea typeface="+mn-ea"/>
+                                        <a:cs typeface="+mn-cs"/>
+                                      </a:rPr>
+                                      <m:t>γ</m:t>
+                                    </m:r>
+                                  </m:e>
+                                  <m:sub>
+                                    <m:r>
+                                      <a:rPr lang="fr-FR" sz="800" b="1" i="1" kern="1200">
+                                        <a:solidFill>
+                                          <a:schemeClr val="tx1"/>
+                                        </a:solidFill>
+                                        <a:latin typeface="Cambria Math" panose="02040503050406030204" pitchFamily="18" charset="0"/>
+                                        <a:ea typeface="+mn-ea"/>
+                                        <a:cs typeface="+mn-cs"/>
+                                      </a:rPr>
+                                      <m:t>𝒈𝒍𝒐𝒃𝒂𝒍</m:t>
+                                    </m:r>
+                                  </m:sub>
+                                </m:sSub>
+                              </m:oMath>
+                            </m:oMathPara>
+                          </a14:m>
+                          <a:endParaRPr lang="fr-FR" sz="800" b="0" i="1" kern="1200" dirty="0">
+                            <a:solidFill>
+                              <a:schemeClr val="tx1"/>
+                            </a:solidFill>
+                            <a:latin typeface="Cambria Math" panose="02040503050406030204" pitchFamily="18" charset="0"/>
+                            <a:ea typeface="+mn-ea"/>
+                            <a:cs typeface="+mn-cs"/>
+                          </a:endParaRPr>
+                        </a:p>
+                      </a:txBody>
+                      <a:tcPr marL="63305" marR="63305" marT="31652" marB="31652" anchor="ctr">
+                        <a:lnL w="3175" cap="flat" cmpd="sng" algn="ctr">
+                          <a:noFill/>
+                          <a:prstDash val="solid"/>
+                          <a:round/>
+                          <a:headEnd type="none" w="med" len="med"/>
+                          <a:tailEnd type="none" w="med" len="med"/>
+                        </a:lnL>
+                        <a:lnR w="3175" cap="flat" cmpd="sng" algn="ctr">
+                          <a:noFill/>
+                          <a:prstDash val="solid"/>
+                          <a:round/>
+                          <a:headEnd type="none" w="med" len="med"/>
+                          <a:tailEnd type="none" w="med" len="med"/>
+                        </a:lnR>
+                        <a:lnT w="3175" cap="flat" cmpd="sng" algn="ctr">
+                          <a:noFill/>
+                          <a:prstDash val="solid"/>
+                          <a:round/>
+                          <a:headEnd type="none" w="med" len="med"/>
+                          <a:tailEnd type="none" w="med" len="med"/>
+                        </a:lnT>
+                        <a:lnB w="3175" cap="flat" cmpd="sng" algn="ctr">
+                          <a:solidFill>
+                            <a:schemeClr val="tx1"/>
+                          </a:solidFill>
+                          <a:prstDash val="solid"/>
+                          <a:round/>
+                          <a:headEnd type="none" w="med" len="med"/>
+                          <a:tailEnd type="none" w="med" len="med"/>
+                        </a:lnB>
+                        <a:lnTlToBr w="12700" cmpd="sng">
+                          <a:noFill/>
+                          <a:prstDash val="solid"/>
+                        </a:lnTlToBr>
+                        <a:lnBlToTr w="12700" cmpd="sng">
+                          <a:noFill/>
+                          <a:prstDash val="solid"/>
+                        </a:lnBlToTr>
+                        <a:noFill/>
+                      </a:tcPr>
+                    </a:tc>
+                    <a:tc>
+                      <a:txBody>
+                        <a:bodyPr/>
+                        <a:lstStyle/>
+                        <a:p>
+                          <a:pPr/>
+                          <a14:m>
+                            <m:oMathPara xmlns:m="http://schemas.openxmlformats.org/officeDocument/2006/math">
+                              <m:oMathParaPr>
+                                <m:jc m:val="centerGroup"/>
+                              </m:oMathParaPr>
+                              <m:oMath xmlns:m="http://schemas.openxmlformats.org/officeDocument/2006/math">
+                                <m:sSub>
+                                  <m:sSubPr>
+                                    <m:ctrlPr>
+                                      <a:rPr lang="fr-FR" sz="800" b="1" i="1" smtClean="0">
+                                        <a:solidFill>
+                                          <a:schemeClr val="tx1"/>
+                                        </a:solidFill>
+                                        <a:latin typeface="Cambria Math" panose="02040503050406030204" pitchFamily="18" charset="0"/>
+                                      </a:rPr>
+                                    </m:ctrlPr>
+                                  </m:sSubPr>
+                                  <m:e>
+                                    <m:r>
+                                      <a:rPr lang="fr-FR" sz="800" b="1" i="1">
+                                        <a:solidFill>
+                                          <a:schemeClr val="tx1"/>
+                                        </a:solidFill>
+                                        <a:latin typeface="Cambria Math" panose="02040503050406030204" pitchFamily="18" charset="0"/>
+                                        <a:ea typeface="Cambria Math" panose="02040503050406030204" pitchFamily="18" charset="0"/>
+                                      </a:rPr>
+                                      <m:t>𝜷</m:t>
+                                    </m:r>
+                                  </m:e>
+                                  <m:sub>
+                                    <m:r>
+                                      <a:rPr lang="fr-FR" sz="800" b="1" i="1" dirty="0">
+                                        <a:solidFill>
+                                          <a:schemeClr val="tx1"/>
+                                        </a:solidFill>
+                                        <a:latin typeface="Cambria Math" panose="02040503050406030204" pitchFamily="18" charset="0"/>
+                                      </a:rPr>
+                                      <m:t>𝒊𝒏𝒕𝒆𝒓</m:t>
+                                    </m:r>
+                                    <m:r>
+                                      <a:rPr lang="fr-FR" sz="800" b="1" dirty="0">
+                                        <a:solidFill>
+                                          <a:schemeClr val="tx1"/>
+                                        </a:solidFill>
+                                        <a:latin typeface="Cambria Math" panose="02040503050406030204" pitchFamily="18" charset="0"/>
+                                      </a:rPr>
+                                      <m:t>−</m:t>
+                                    </m:r>
+                                    <m:r>
+                                      <a:rPr lang="fr-FR" sz="800" b="1" i="1" dirty="0">
+                                        <a:solidFill>
+                                          <a:schemeClr val="tx1"/>
+                                        </a:solidFill>
+                                        <a:latin typeface="Cambria Math" panose="02040503050406030204" pitchFamily="18" charset="0"/>
+                                      </a:rPr>
+                                      <m:t>𝒓𝒆𝒈𝒊𝒐𝒏</m:t>
+                                    </m:r>
+                                  </m:sub>
+                                </m:sSub>
+                              </m:oMath>
+                            </m:oMathPara>
+                          </a14:m>
+                          <a:endParaRPr lang="fr-FR" sz="800" b="1" dirty="0">
+                            <a:solidFill>
+                              <a:schemeClr val="tx1"/>
+                            </a:solidFill>
+                          </a:endParaRPr>
+                        </a:p>
+                      </a:txBody>
+                      <a:tcPr marL="63305" marR="63305" marT="31652" marB="31652" anchor="ctr">
+                        <a:lnL w="3175" cap="flat" cmpd="sng" algn="ctr">
+                          <a:noFill/>
+                          <a:prstDash val="solid"/>
+                          <a:round/>
+                          <a:headEnd type="none" w="med" len="med"/>
+                          <a:tailEnd type="none" w="med" len="med"/>
+                        </a:lnL>
+                        <a:lnR w="3175" cap="flat" cmpd="sng" algn="ctr">
+                          <a:noFill/>
+                          <a:prstDash val="solid"/>
+                          <a:round/>
+                          <a:headEnd type="none" w="med" len="med"/>
+                          <a:tailEnd type="none" w="med" len="med"/>
+                        </a:lnR>
+                        <a:lnT w="3175" cap="flat" cmpd="sng" algn="ctr">
+                          <a:noFill/>
+                          <a:prstDash val="solid"/>
+                          <a:round/>
+                          <a:headEnd type="none" w="med" len="med"/>
+                          <a:tailEnd type="none" w="med" len="med"/>
+                        </a:lnT>
+                        <a:lnB w="3175" cap="flat" cmpd="sng" algn="ctr">
+                          <a:solidFill>
+                            <a:schemeClr val="tx1"/>
+                          </a:solidFill>
+                          <a:prstDash val="solid"/>
+                          <a:round/>
+                          <a:headEnd type="none" w="med" len="med"/>
+                          <a:tailEnd type="none" w="med" len="med"/>
+                        </a:lnB>
+                        <a:lnTlToBr w="12700" cmpd="sng">
+                          <a:noFill/>
+                          <a:prstDash val="solid"/>
+                        </a:lnTlToBr>
+                        <a:lnBlToTr w="12700" cmpd="sng">
+                          <a:noFill/>
+                          <a:prstDash val="solid"/>
+                        </a:lnBlToTr>
+                        <a:noFill/>
+                      </a:tcPr>
+                    </a:tc>
+                    <a:tc>
+                      <a:txBody>
+                        <a:bodyPr/>
+                        <a:lstStyle/>
+                        <a:p>
+                          <a:pPr/>
+                          <a14:m>
+                            <m:oMathPara xmlns:m="http://schemas.openxmlformats.org/officeDocument/2006/math">
+                              <m:oMathParaPr>
+                                <m:jc m:val="centerGroup"/>
+                              </m:oMathParaPr>
+                              <m:oMath xmlns:m="http://schemas.openxmlformats.org/officeDocument/2006/math">
+                                <m:sSub>
+                                  <m:sSubPr>
+                                    <m:ctrlPr>
+                                      <a:rPr lang="fr-FR" sz="800" b="1" i="1" smtClean="0">
+                                        <a:solidFill>
+                                          <a:schemeClr val="tx1"/>
+                                        </a:solidFill>
+                                        <a:latin typeface="Cambria Math" panose="02040503050406030204" pitchFamily="18" charset="0"/>
+                                      </a:rPr>
+                                    </m:ctrlPr>
+                                  </m:sSubPr>
+                                  <m:e>
+                                    <m:acc>
+                                      <m:accPr>
+                                        <m:chr m:val="̅"/>
+                                        <m:ctrlPr>
+                                          <a:rPr lang="fr-FR" sz="800" b="1" i="1">
+                                            <a:solidFill>
+                                              <a:schemeClr val="tx1"/>
+                                            </a:solidFill>
+                                            <a:latin typeface="Cambria Math" panose="02040503050406030204" pitchFamily="18" charset="0"/>
+                                          </a:rPr>
+                                        </m:ctrlPr>
+                                      </m:accPr>
+                                      <m:e>
+                                        <m:r>
+                                          <a:rPr lang="fr-FR" sz="800" b="1" i="1">
+                                            <a:solidFill>
+                                              <a:schemeClr val="tx1"/>
+                                            </a:solidFill>
+                                            <a:latin typeface="Cambria Math" panose="02040503050406030204" pitchFamily="18" charset="0"/>
+                                          </a:rPr>
+                                          <m:t>𝜷</m:t>
+                                        </m:r>
+                                      </m:e>
+                                    </m:acc>
+                                  </m:e>
+                                  <m:sub>
+                                    <m:r>
+                                      <a:rPr lang="fr-FR" sz="800" b="1" i="1" dirty="0">
+                                        <a:solidFill>
+                                          <a:schemeClr val="tx1"/>
+                                        </a:solidFill>
+                                        <a:latin typeface="Cambria Math" panose="02040503050406030204" pitchFamily="18" charset="0"/>
+                                      </a:rPr>
+                                      <m:t>𝒊𝒏𝒕𝒆𝒓</m:t>
+                                    </m:r>
+                                    <m:r>
+                                      <a:rPr lang="fr-FR" sz="800" b="1" dirty="0">
+                                        <a:solidFill>
+                                          <a:schemeClr val="tx1"/>
+                                        </a:solidFill>
+                                        <a:latin typeface="Cambria Math" panose="02040503050406030204" pitchFamily="18" charset="0"/>
+                                      </a:rPr>
+                                      <m:t>−</m:t>
+                                    </m:r>
+                                    <m:r>
+                                      <a:rPr lang="fr-FR" sz="800" b="1" i="1" dirty="0">
+                                        <a:solidFill>
+                                          <a:schemeClr val="tx1"/>
+                                        </a:solidFill>
+                                        <a:latin typeface="Cambria Math" panose="02040503050406030204" pitchFamily="18" charset="0"/>
+                                      </a:rPr>
+                                      <m:t>𝒔𝒊𝒕𝒆</m:t>
+                                    </m:r>
+                                  </m:sub>
+                                </m:sSub>
+                              </m:oMath>
+                            </m:oMathPara>
+                          </a14:m>
+                          <a:endParaRPr lang="fr-FR" sz="800" b="1" dirty="0">
+                            <a:solidFill>
+                              <a:schemeClr val="tx1"/>
+                            </a:solidFill>
+                          </a:endParaRPr>
+                        </a:p>
+                      </a:txBody>
+                      <a:tcPr marL="63305" marR="63305" marT="31652" marB="31652" anchor="ctr">
+                        <a:lnL w="3175" cap="flat" cmpd="sng" algn="ctr">
+                          <a:noFill/>
+                          <a:prstDash val="solid"/>
+                          <a:round/>
+                          <a:headEnd type="none" w="med" len="med"/>
+                          <a:tailEnd type="none" w="med" len="med"/>
+                        </a:lnL>
+                        <a:lnR w="3175" cap="flat" cmpd="sng" algn="ctr">
+                          <a:noFill/>
+                          <a:prstDash val="solid"/>
+                          <a:round/>
+                          <a:headEnd type="none" w="med" len="med"/>
+                          <a:tailEnd type="none" w="med" len="med"/>
+                        </a:lnR>
+                        <a:lnT w="3175" cap="flat" cmpd="sng" algn="ctr">
+                          <a:noFill/>
+                          <a:prstDash val="solid"/>
+                          <a:round/>
+                          <a:headEnd type="none" w="med" len="med"/>
+                          <a:tailEnd type="none" w="med" len="med"/>
+                        </a:lnT>
+                        <a:lnB w="3175" cap="flat" cmpd="sng" algn="ctr">
+                          <a:solidFill>
+                            <a:schemeClr val="tx1"/>
+                          </a:solidFill>
+                          <a:prstDash val="solid"/>
+                          <a:round/>
+                          <a:headEnd type="none" w="med" len="med"/>
+                          <a:tailEnd type="none" w="med" len="med"/>
+                        </a:lnB>
+                        <a:lnTlToBr w="12700" cmpd="sng">
+                          <a:noFill/>
+                          <a:prstDash val="solid"/>
+                        </a:lnTlToBr>
+                        <a:lnBlToTr w="12700" cmpd="sng">
+                          <a:noFill/>
+                          <a:prstDash val="solid"/>
+                        </a:lnBlToTr>
+                        <a:noFill/>
+                      </a:tcPr>
+                    </a:tc>
+                    <a:tc>
+                      <a:txBody>
+                        <a:bodyPr/>
+                        <a:lstStyle/>
+                        <a:p>
+                          <a:pPr/>
+                          <a14:m>
+                            <m:oMathPara xmlns:m="http://schemas.openxmlformats.org/officeDocument/2006/math">
+                              <m:oMathParaPr>
+                                <m:jc m:val="centerGroup"/>
+                              </m:oMathParaPr>
+                              <m:oMath xmlns:m="http://schemas.openxmlformats.org/officeDocument/2006/math">
+                                <m:sSub>
+                                  <m:sSubPr>
+                                    <m:ctrlPr>
+                                      <a:rPr lang="fr-FR" sz="800" b="1" i="1" smtClean="0">
+                                        <a:solidFill>
+                                          <a:schemeClr val="tx1"/>
+                                        </a:solidFill>
+                                        <a:latin typeface="Cambria Math" panose="02040503050406030204" pitchFamily="18" charset="0"/>
+                                      </a:rPr>
+                                    </m:ctrlPr>
+                                  </m:sSubPr>
+                                  <m:e>
+                                    <m:acc>
+                                      <m:accPr>
+                                        <m:chr m:val="̅"/>
+                                        <m:ctrlPr>
+                                          <a:rPr lang="fr-FR" sz="800" b="1" i="1">
+                                            <a:solidFill>
+                                              <a:schemeClr val="tx1"/>
+                                            </a:solidFill>
+                                            <a:latin typeface="Cambria Math" panose="02040503050406030204" pitchFamily="18" charset="0"/>
+                                          </a:rPr>
+                                        </m:ctrlPr>
+                                      </m:accPr>
+                                      <m:e>
+                                        <m:r>
+                                          <a:rPr lang="fr-FR" sz="800" b="1" i="1">
+                                            <a:solidFill>
+                                              <a:schemeClr val="tx1"/>
+                                            </a:solidFill>
+                                            <a:latin typeface="Cambria Math" panose="02040503050406030204" pitchFamily="18" charset="0"/>
+                                          </a:rPr>
+                                          <m:t>𝜷</m:t>
+                                        </m:r>
+                                      </m:e>
+                                    </m:acc>
+                                  </m:e>
+                                  <m:sub>
+                                    <m:r>
+                                      <a:rPr lang="fr-FR" sz="800" b="1" i="1" dirty="0">
+                                        <a:solidFill>
+                                          <a:schemeClr val="tx1"/>
+                                        </a:solidFill>
+                                        <a:latin typeface="Cambria Math" panose="02040503050406030204" pitchFamily="18" charset="0"/>
+                                      </a:rPr>
+                                      <m:t>𝒊𝒏𝒕𝒆𝒓</m:t>
+                                    </m:r>
+                                    <m:r>
+                                      <a:rPr lang="fr-FR" sz="800" b="1" dirty="0">
+                                        <a:solidFill>
+                                          <a:schemeClr val="tx1"/>
+                                        </a:solidFill>
+                                        <a:latin typeface="Cambria Math" panose="02040503050406030204" pitchFamily="18" charset="0"/>
+                                      </a:rPr>
+                                      <m:t>−</m:t>
+                                    </m:r>
+                                    <m:r>
+                                      <a:rPr lang="fr-FR" sz="800" b="1" i="1" dirty="0" smtClean="0">
+                                        <a:solidFill>
+                                          <a:schemeClr val="tx1"/>
+                                        </a:solidFill>
+                                        <a:latin typeface="Cambria Math" panose="02040503050406030204" pitchFamily="18" charset="0"/>
+                                      </a:rPr>
+                                      <m:t>𝒕𝒓𝒂𝒏𝒔𝒆𝒄𝒕</m:t>
+                                    </m:r>
+                                  </m:sub>
+                                </m:sSub>
+                              </m:oMath>
+                            </m:oMathPara>
+                          </a14:m>
+                          <a:endParaRPr lang="fr-FR" sz="800" b="1" dirty="0">
+                            <a:solidFill>
+                              <a:schemeClr val="tx1"/>
+                            </a:solidFill>
+                          </a:endParaRPr>
+                        </a:p>
+                      </a:txBody>
+                      <a:tcPr marL="63305" marR="63305" marT="31652" marB="31652" anchor="ctr">
+                        <a:lnL w="3175" cap="flat" cmpd="sng" algn="ctr">
+                          <a:noFill/>
+                          <a:prstDash val="solid"/>
+                          <a:round/>
+                          <a:headEnd type="none" w="med" len="med"/>
+                          <a:tailEnd type="none" w="med" len="med"/>
+                        </a:lnL>
+                        <a:lnR w="3175" cap="flat" cmpd="sng" algn="ctr">
+                          <a:noFill/>
+                          <a:prstDash val="solid"/>
+                          <a:round/>
+                          <a:headEnd type="none" w="med" len="med"/>
+                          <a:tailEnd type="none" w="med" len="med"/>
+                        </a:lnR>
+                        <a:lnT w="3175" cap="flat" cmpd="sng" algn="ctr">
+                          <a:noFill/>
+                          <a:prstDash val="solid"/>
+                          <a:round/>
+                          <a:headEnd type="none" w="med" len="med"/>
+                          <a:tailEnd type="none" w="med" len="med"/>
+                        </a:lnT>
+                        <a:lnB w="3175" cap="flat" cmpd="sng" algn="ctr">
+                          <a:solidFill>
+                            <a:schemeClr val="tx1"/>
+                          </a:solidFill>
+                          <a:prstDash val="solid"/>
+                          <a:round/>
+                          <a:headEnd type="none" w="med" len="med"/>
+                          <a:tailEnd type="none" w="med" len="med"/>
+                        </a:lnB>
+                        <a:lnTlToBr w="12700" cmpd="sng">
+                          <a:noFill/>
+                          <a:prstDash val="solid"/>
+                        </a:lnTlToBr>
+                        <a:lnBlToTr w="12700" cmpd="sng">
+                          <a:noFill/>
+                          <a:prstDash val="solid"/>
+                        </a:lnBlToTr>
+                        <a:noFill/>
+                      </a:tcPr>
+                    </a:tc>
+                    <a:tc>
+                      <a:txBody>
+                        <a:bodyPr/>
+                        <a:lstStyle/>
+                        <a:p>
+                          <a:pPr/>
+                          <a14:m>
+                            <m:oMathPara xmlns:m="http://schemas.openxmlformats.org/officeDocument/2006/math">
+                              <m:oMathParaPr>
+                                <m:jc m:val="centerGroup"/>
+                              </m:oMathParaPr>
+                              <m:oMath xmlns:m="http://schemas.openxmlformats.org/officeDocument/2006/math">
+                                <m:sSub>
+                                  <m:sSubPr>
+                                    <m:ctrlPr>
+                                      <a:rPr lang="fr-FR" sz="800" b="1" i="1" smtClean="0">
+                                        <a:solidFill>
+                                          <a:schemeClr val="tx1"/>
+                                        </a:solidFill>
+                                        <a:latin typeface="Cambria Math" panose="02040503050406030204" pitchFamily="18" charset="0"/>
+                                      </a:rPr>
+                                    </m:ctrlPr>
+                                  </m:sSubPr>
+                                  <m:e>
+                                    <m:acc>
+                                      <m:accPr>
+                                        <m:chr m:val="̅"/>
+                                        <m:ctrlPr>
+                                          <a:rPr lang="fr-FR" sz="800" b="1" i="1">
+                                            <a:solidFill>
+                                              <a:schemeClr val="tx1"/>
+                                            </a:solidFill>
+                                            <a:latin typeface="Cambria Math" panose="02040503050406030204" pitchFamily="18" charset="0"/>
+                                          </a:rPr>
+                                        </m:ctrlPr>
+                                      </m:accPr>
+                                      <m:e>
+                                        <m:r>
+                                          <a:rPr lang="fr-FR" sz="800" b="1" i="1">
+                                            <a:solidFill>
+                                              <a:schemeClr val="tx1"/>
+                                            </a:solidFill>
+                                            <a:latin typeface="Cambria Math" panose="02040503050406030204" pitchFamily="18" charset="0"/>
+                                            <a:ea typeface="Cambria Math" panose="02040503050406030204" pitchFamily="18" charset="0"/>
+                                          </a:rPr>
+                                          <m:t>𝜶</m:t>
+                                        </m:r>
+                                      </m:e>
+                                    </m:acc>
+                                  </m:e>
+                                  <m:sub>
+                                    <m:r>
+                                      <a:rPr lang="fr-FR" sz="800" b="1" i="1" smtClean="0">
+                                        <a:solidFill>
+                                          <a:schemeClr val="tx1"/>
+                                        </a:solidFill>
+                                        <a:latin typeface="Cambria Math" panose="02040503050406030204" pitchFamily="18" charset="0"/>
+                                        <a:ea typeface="Cambria Math" panose="02040503050406030204" pitchFamily="18" charset="0"/>
+                                      </a:rPr>
+                                      <m:t>𝒕𝒓𝒂𝒏𝒔𝒆𝒄𝒕</m:t>
+                                    </m:r>
+                                  </m:sub>
+                                </m:sSub>
+                              </m:oMath>
+                            </m:oMathPara>
+                          </a14:m>
+                          <a:endParaRPr lang="fr-FR" sz="800" b="1" dirty="0">
+                            <a:solidFill>
+                              <a:schemeClr val="tx1"/>
+                            </a:solidFill>
+                          </a:endParaRPr>
+                        </a:p>
+                      </a:txBody>
+                      <a:tcPr marL="63305" marR="63305" marT="31652" marB="31652" anchor="ctr">
+                        <a:lnL w="3175" cap="flat" cmpd="sng" algn="ctr">
+                          <a:noFill/>
+                          <a:prstDash val="solid"/>
+                          <a:round/>
+                          <a:headEnd type="none" w="med" len="med"/>
+                          <a:tailEnd type="none" w="med" len="med"/>
+                        </a:lnL>
+                        <a:lnR w="3175" cap="flat" cmpd="sng" algn="ctr">
+                          <a:noFill/>
+                          <a:prstDash val="solid"/>
+                          <a:round/>
+                          <a:headEnd type="none" w="med" len="med"/>
+                          <a:tailEnd type="none" w="med" len="med"/>
+                        </a:lnR>
+                        <a:lnT w="3175" cap="flat" cmpd="sng" algn="ctr">
+                          <a:noFill/>
+                          <a:prstDash val="solid"/>
+                          <a:round/>
+                          <a:headEnd type="none" w="med" len="med"/>
+                          <a:tailEnd type="none" w="med" len="med"/>
+                        </a:lnT>
+                        <a:lnB w="3175" cap="flat" cmpd="sng" algn="ctr">
+                          <a:solidFill>
+                            <a:schemeClr val="tx1"/>
+                          </a:solidFill>
+                          <a:prstDash val="solid"/>
+                          <a:round/>
+                          <a:headEnd type="none" w="med" len="med"/>
+                          <a:tailEnd type="none" w="med" len="med"/>
+                        </a:lnB>
+                        <a:lnTlToBr w="12700" cmpd="sng">
+                          <a:noFill/>
+                          <a:prstDash val="solid"/>
+                        </a:lnTlToBr>
+                        <a:lnBlToTr w="12700" cmpd="sng">
+                          <a:noFill/>
+                          <a:prstDash val="solid"/>
+                        </a:lnBlToTr>
+                        <a:noFill/>
+                      </a:tcPr>
+                    </a:tc>
+                    <a:extLst>
+                      <a:ext uri="{0D108BD9-81ED-4DB2-BD59-A6C34878D82A}">
+                        <a16:rowId xmlns:a16="http://schemas.microsoft.com/office/drawing/2014/main" val="3254895143"/>
+                      </a:ext>
+                    </a:extLst>
+                  </a:tr>
+                  <a:tr h="224308">
+                    <a:tc>
+                      <a:txBody>
+                        <a:bodyPr/>
+                        <a:lstStyle/>
+                        <a:p>
+                          <a:r>
+                            <a:rPr lang="en-US" sz="800" b="1" dirty="0" smtClean="0">
+                              <a:latin typeface="Times New Roman" panose="02020603050405020304" pitchFamily="18" charset="0"/>
+                              <a:cs typeface="Times New Roman" panose="02020603050405020304" pitchFamily="18" charset="0"/>
+                            </a:rPr>
+                            <a:t>RLS species</a:t>
+                          </a:r>
+                          <a:endParaRPr lang="fr-FR" sz="800" b="1" dirty="0">
+                            <a:solidFill>
+                              <a:schemeClr val="tx1"/>
+                            </a:solidFill>
+                          </a:endParaRPr>
+                        </a:p>
+                      </a:txBody>
+                      <a:tcPr marL="63305" marR="63305" marT="31652" marB="31652" anchor="ctr">
+                        <a:lnL w="3175" cap="flat" cmpd="sng" algn="ctr">
+                          <a:noFill/>
+                          <a:prstDash val="solid"/>
+                          <a:round/>
+                          <a:headEnd type="none" w="med" len="med"/>
+                          <a:tailEnd type="none" w="med" len="med"/>
+                        </a:lnL>
+                        <a:lnR w="3175" cap="flat" cmpd="sng" algn="ctr">
+                          <a:noFill/>
+                          <a:prstDash val="solid"/>
+                          <a:round/>
+                          <a:headEnd type="none" w="med" len="med"/>
+                          <a:tailEnd type="none" w="med" len="med"/>
+                        </a:lnR>
+                        <a:lnT w="3175" cap="flat" cmpd="sng" algn="ctr">
+                          <a:solidFill>
+                            <a:schemeClr val="tx1"/>
+                          </a:solidFill>
+                          <a:prstDash val="solid"/>
+                          <a:round/>
+                          <a:headEnd type="none" w="med" len="med"/>
+                          <a:tailEnd type="none" w="med" len="med"/>
+                        </a:lnT>
+                        <a:lnB w="3175" cap="flat" cmpd="sng" algn="ctr">
+                          <a:noFill/>
+                          <a:prstDash val="solid"/>
+                          <a:round/>
+                          <a:headEnd type="none" w="med" len="med"/>
+                          <a:tailEnd type="none" w="med" len="med"/>
+                        </a:lnB>
+                        <a:lnTlToBr w="12700" cmpd="sng">
+                          <a:noFill/>
+                          <a:prstDash val="solid"/>
+                        </a:lnTlToBr>
+                        <a:lnBlToTr w="12700" cmpd="sng">
+                          <a:noFill/>
+                          <a:prstDash val="solid"/>
+                        </a:lnBlToTr>
+                        <a:noFill/>
+                      </a:tcPr>
+                    </a:tc>
+                    <a:tc>
+                      <a:txBody>
+                        <a:bodyPr/>
+                        <a:lstStyle/>
+                        <a:p>
+                          <a:pPr algn="ctr"/>
+                          <a:r>
+                            <a:rPr lang="fr-FR" sz="800" b="0" kern="1200" dirty="0" smtClean="0">
+                              <a:solidFill>
+                                <a:schemeClr val="dk1"/>
+                              </a:solidFill>
+                              <a:latin typeface="Times New Roman" panose="02020603050405020304" pitchFamily="18" charset="0"/>
+                              <a:ea typeface="+mn-ea"/>
+                              <a:cs typeface="Times New Roman" panose="02020603050405020304" pitchFamily="18" charset="0"/>
+                            </a:rPr>
+                            <a:t>1786</a:t>
+                          </a:r>
+                          <a:endParaRPr lang="fr-FR" sz="800" b="0" kern="1200" dirty="0">
+                            <a:solidFill>
+                              <a:schemeClr val="dk1"/>
+                            </a:solidFill>
+                            <a:latin typeface="Times New Roman" panose="02020603050405020304" pitchFamily="18" charset="0"/>
+                            <a:ea typeface="+mn-ea"/>
+                            <a:cs typeface="Times New Roman" panose="02020603050405020304" pitchFamily="18" charset="0"/>
+                          </a:endParaRPr>
+                        </a:p>
+                      </a:txBody>
+                      <a:tcPr marL="63305" marR="63305" marT="31652" marB="31652" anchor="ctr">
+                        <a:lnL w="3175" cap="flat" cmpd="sng" algn="ctr">
+                          <a:noFill/>
+                          <a:prstDash val="solid"/>
+                          <a:round/>
+                          <a:headEnd type="none" w="med" len="med"/>
+                          <a:tailEnd type="none" w="med" len="med"/>
+                        </a:lnL>
+                        <a:lnR w="3175" cap="flat" cmpd="sng" algn="ctr">
+                          <a:noFill/>
+                          <a:prstDash val="solid"/>
+                          <a:round/>
+                          <a:headEnd type="none" w="med" len="med"/>
+                          <a:tailEnd type="none" w="med" len="med"/>
+                        </a:lnR>
+                        <a:lnT w="3175" cap="flat" cmpd="sng" algn="ctr">
+                          <a:solidFill>
+                            <a:schemeClr val="tx1"/>
+                          </a:solidFill>
+                          <a:prstDash val="solid"/>
+                          <a:round/>
+                          <a:headEnd type="none" w="med" len="med"/>
+                          <a:tailEnd type="none" w="med" len="med"/>
+                        </a:lnT>
+                        <a:lnB w="3175" cap="flat" cmpd="sng" algn="ctr">
+                          <a:noFill/>
+                          <a:prstDash val="solid"/>
+                          <a:round/>
+                          <a:headEnd type="none" w="med" len="med"/>
+                          <a:tailEnd type="none" w="med" len="med"/>
+                        </a:lnB>
+                        <a:lnTlToBr w="12700" cmpd="sng">
+                          <a:noFill/>
+                          <a:prstDash val="solid"/>
+                        </a:lnTlToBr>
+                        <a:lnBlToTr w="12700" cmpd="sng">
+                          <a:noFill/>
+                          <a:prstDash val="solid"/>
+                        </a:lnBlToTr>
+                        <a:noFill/>
+                      </a:tcPr>
+                    </a:tc>
+                    <a:tc>
+                      <a:txBody>
+                        <a:bodyPr/>
+                        <a:lstStyle/>
+                        <a:p>
+                          <a:pPr algn="ctr"/>
+                          <a:r>
+                            <a:rPr lang="fr-FR" sz="800" b="0" kern="1200" dirty="0" smtClean="0">
+                              <a:solidFill>
+                                <a:schemeClr val="dk1"/>
+                              </a:solidFill>
+                              <a:latin typeface="Times New Roman" panose="02020603050405020304" pitchFamily="18" charset="0"/>
+                              <a:ea typeface="+mn-ea"/>
+                              <a:cs typeface="Times New Roman" panose="02020603050405020304" pitchFamily="18" charset="0"/>
+                            </a:rPr>
+                            <a:t>88.4%</a:t>
+                          </a:r>
+                          <a:endParaRPr lang="fr-FR" sz="800" b="0" kern="1200" dirty="0">
+                            <a:solidFill>
+                              <a:schemeClr val="dk1"/>
+                            </a:solidFill>
+                            <a:latin typeface="Times New Roman" panose="02020603050405020304" pitchFamily="18" charset="0"/>
+                            <a:ea typeface="+mn-ea"/>
+                            <a:cs typeface="Times New Roman" panose="02020603050405020304" pitchFamily="18" charset="0"/>
+                          </a:endParaRPr>
+                        </a:p>
+                      </a:txBody>
+                      <a:tcPr marL="63305" marR="63305" marT="31652" marB="31652" anchor="ctr">
+                        <a:lnL w="3175" cap="flat" cmpd="sng" algn="ctr">
+                          <a:noFill/>
+                          <a:prstDash val="solid"/>
+                          <a:round/>
+                          <a:headEnd type="none" w="med" len="med"/>
+                          <a:tailEnd type="none" w="med" len="med"/>
+                        </a:lnL>
+                        <a:lnR w="3175" cap="flat" cmpd="sng" algn="ctr">
+                          <a:noFill/>
+                          <a:prstDash val="solid"/>
+                          <a:round/>
+                          <a:headEnd type="none" w="med" len="med"/>
+                          <a:tailEnd type="none" w="med" len="med"/>
+                        </a:lnR>
+                        <a:lnT w="3175" cap="flat" cmpd="sng" algn="ctr">
+                          <a:solidFill>
+                            <a:schemeClr val="tx1"/>
+                          </a:solidFill>
+                          <a:prstDash val="solid"/>
+                          <a:round/>
+                          <a:headEnd type="none" w="med" len="med"/>
+                          <a:tailEnd type="none" w="med" len="med"/>
+                        </a:lnT>
+                        <a:lnB w="3175" cap="flat" cmpd="sng" algn="ctr">
+                          <a:noFill/>
+                          <a:prstDash val="solid"/>
+                          <a:round/>
+                          <a:headEnd type="none" w="med" len="med"/>
+                          <a:tailEnd type="none" w="med" len="med"/>
+                        </a:lnB>
+                        <a:lnTlToBr w="12700" cmpd="sng">
+                          <a:noFill/>
+                          <a:prstDash val="solid"/>
+                        </a:lnTlToBr>
+                        <a:lnBlToTr w="12700" cmpd="sng">
+                          <a:noFill/>
+                          <a:prstDash val="solid"/>
+                        </a:lnBlToTr>
+                        <a:noFill/>
+                      </a:tcPr>
+                    </a:tc>
+                    <a:tc>
+                      <a:txBody>
+                        <a:bodyPr/>
+                        <a:lstStyle/>
+                        <a:p>
+                          <a:pPr algn="ctr"/>
+                          <a:r>
+                            <a:rPr lang="fr-FR" sz="800" b="0" kern="1200" dirty="0" smtClean="0">
+                              <a:solidFill>
+                                <a:schemeClr val="dk1"/>
+                              </a:solidFill>
+                              <a:latin typeface="Times New Roman" panose="02020603050405020304" pitchFamily="18" charset="0"/>
+                              <a:ea typeface="+mn-ea"/>
+                              <a:cs typeface="Times New Roman" panose="02020603050405020304" pitchFamily="18" charset="0"/>
+                            </a:rPr>
+                            <a:t>8.5%</a:t>
+                          </a:r>
+                          <a:endParaRPr lang="fr-FR" sz="800" b="0" kern="1200" dirty="0">
+                            <a:solidFill>
+                              <a:schemeClr val="dk1"/>
+                            </a:solidFill>
+                            <a:latin typeface="Times New Roman" panose="02020603050405020304" pitchFamily="18" charset="0"/>
+                            <a:ea typeface="+mn-ea"/>
+                            <a:cs typeface="Times New Roman" panose="02020603050405020304" pitchFamily="18" charset="0"/>
+                          </a:endParaRPr>
+                        </a:p>
+                      </a:txBody>
+                      <a:tcPr marL="63305" marR="63305" marT="31652" marB="31652" anchor="ctr">
+                        <a:lnL w="3175" cap="flat" cmpd="sng" algn="ctr">
+                          <a:noFill/>
+                          <a:prstDash val="solid"/>
+                          <a:round/>
+                          <a:headEnd type="none" w="med" len="med"/>
+                          <a:tailEnd type="none" w="med" len="med"/>
+                        </a:lnL>
+                        <a:lnR w="3175" cap="flat" cmpd="sng" algn="ctr">
+                          <a:noFill/>
+                          <a:prstDash val="solid"/>
+                          <a:round/>
+                          <a:headEnd type="none" w="med" len="med"/>
+                          <a:tailEnd type="none" w="med" len="med"/>
+                        </a:lnR>
+                        <a:lnT w="3175" cap="flat" cmpd="sng" algn="ctr">
+                          <a:solidFill>
+                            <a:schemeClr val="tx1"/>
+                          </a:solidFill>
+                          <a:prstDash val="solid"/>
+                          <a:round/>
+                          <a:headEnd type="none" w="med" len="med"/>
+                          <a:tailEnd type="none" w="med" len="med"/>
+                        </a:lnT>
+                        <a:lnB w="3175" cap="flat" cmpd="sng" algn="ctr">
+                          <a:noFill/>
+                          <a:prstDash val="solid"/>
+                          <a:round/>
+                          <a:headEnd type="none" w="med" len="med"/>
+                          <a:tailEnd type="none" w="med" len="med"/>
+                        </a:lnB>
+                        <a:lnTlToBr w="12700" cmpd="sng">
+                          <a:noFill/>
+                          <a:prstDash val="solid"/>
+                        </a:lnTlToBr>
+                        <a:lnBlToTr w="12700" cmpd="sng">
+                          <a:noFill/>
+                          <a:prstDash val="solid"/>
+                        </a:lnBlToTr>
+                        <a:noFill/>
+                      </a:tcPr>
+                    </a:tc>
+                    <a:tc>
+                      <a:txBody>
+                        <a:bodyPr/>
+                        <a:lstStyle/>
+                        <a:p>
+                          <a:pPr algn="ctr"/>
+                          <a:r>
+                            <a:rPr lang="fr-FR" sz="800" b="0" kern="1200" dirty="0" smtClean="0">
+                              <a:solidFill>
+                                <a:schemeClr val="dk1"/>
+                              </a:solidFill>
+                              <a:latin typeface="Times New Roman" panose="02020603050405020304" pitchFamily="18" charset="0"/>
+                              <a:ea typeface="+mn-ea"/>
+                              <a:cs typeface="Times New Roman" panose="02020603050405020304" pitchFamily="18" charset="0"/>
+                            </a:rPr>
+                            <a:t>1%</a:t>
+                          </a:r>
+                          <a:endParaRPr lang="fr-FR" sz="800" b="0" kern="1200" dirty="0">
+                            <a:solidFill>
+                              <a:schemeClr val="dk1"/>
+                            </a:solidFill>
+                            <a:latin typeface="Times New Roman" panose="02020603050405020304" pitchFamily="18" charset="0"/>
+                            <a:ea typeface="+mn-ea"/>
+                            <a:cs typeface="Times New Roman" panose="02020603050405020304" pitchFamily="18" charset="0"/>
+                          </a:endParaRPr>
+                        </a:p>
+                      </a:txBody>
+                      <a:tcPr marL="63305" marR="63305" marT="31652" marB="31652" anchor="ctr">
+                        <a:lnL w="3175" cap="flat" cmpd="sng" algn="ctr">
+                          <a:noFill/>
+                          <a:prstDash val="solid"/>
+                          <a:round/>
+                          <a:headEnd type="none" w="med" len="med"/>
+                          <a:tailEnd type="none" w="med" len="med"/>
+                        </a:lnL>
+                        <a:lnR w="3175" cap="flat" cmpd="sng" algn="ctr">
+                          <a:noFill/>
+                          <a:prstDash val="solid"/>
+                          <a:round/>
+                          <a:headEnd type="none" w="med" len="med"/>
+                          <a:tailEnd type="none" w="med" len="med"/>
+                        </a:lnR>
+                        <a:lnT w="3175" cap="flat" cmpd="sng" algn="ctr">
+                          <a:solidFill>
+                            <a:schemeClr val="tx1"/>
+                          </a:solidFill>
+                          <a:prstDash val="solid"/>
+                          <a:round/>
+                          <a:headEnd type="none" w="med" len="med"/>
+                          <a:tailEnd type="none" w="med" len="med"/>
+                        </a:lnT>
+                        <a:lnB w="3175" cap="flat" cmpd="sng" algn="ctr">
+                          <a:noFill/>
+                          <a:prstDash val="solid"/>
+                          <a:round/>
+                          <a:headEnd type="none" w="med" len="med"/>
+                          <a:tailEnd type="none" w="med" len="med"/>
+                        </a:lnB>
+                        <a:lnTlToBr w="12700" cmpd="sng">
+                          <a:noFill/>
+                          <a:prstDash val="solid"/>
+                        </a:lnTlToBr>
+                        <a:lnBlToTr w="12700" cmpd="sng">
+                          <a:noFill/>
+                          <a:prstDash val="solid"/>
+                        </a:lnBlToTr>
+                        <a:noFill/>
+                      </a:tcPr>
+                    </a:tc>
+                    <a:tc>
+                      <a:txBody>
+                        <a:bodyPr/>
+                        <a:lstStyle/>
+                        <a:p>
+                          <a:pPr algn="ctr"/>
+                          <a:r>
+                            <a:rPr lang="fr-FR" sz="800" b="0" kern="1200" dirty="0" smtClean="0">
+                              <a:solidFill>
+                                <a:schemeClr val="dk1"/>
+                              </a:solidFill>
+                              <a:latin typeface="Times New Roman" panose="02020603050405020304" pitchFamily="18" charset="0"/>
+                              <a:ea typeface="+mn-ea"/>
+                              <a:cs typeface="Times New Roman" panose="02020603050405020304" pitchFamily="18" charset="0"/>
+                            </a:rPr>
+                            <a:t>2.8%</a:t>
+                          </a:r>
+                          <a:endParaRPr lang="fr-FR" sz="800" b="0" kern="1200" dirty="0">
+                            <a:solidFill>
+                              <a:schemeClr val="dk1"/>
+                            </a:solidFill>
+                            <a:latin typeface="Times New Roman" panose="02020603050405020304" pitchFamily="18" charset="0"/>
+                            <a:ea typeface="+mn-ea"/>
+                            <a:cs typeface="Times New Roman" panose="02020603050405020304" pitchFamily="18" charset="0"/>
+                          </a:endParaRPr>
+                        </a:p>
+                      </a:txBody>
+                      <a:tcPr marL="63305" marR="63305" marT="31652" marB="31652" anchor="ctr">
+                        <a:lnL w="3175" cap="flat" cmpd="sng" algn="ctr">
+                          <a:noFill/>
+                          <a:prstDash val="solid"/>
+                          <a:round/>
+                          <a:headEnd type="none" w="med" len="med"/>
+                          <a:tailEnd type="none" w="med" len="med"/>
+                        </a:lnL>
+                        <a:lnR w="3175" cap="flat" cmpd="sng" algn="ctr">
+                          <a:noFill/>
+                          <a:prstDash val="solid"/>
+                          <a:round/>
+                          <a:headEnd type="none" w="med" len="med"/>
+                          <a:tailEnd type="none" w="med" len="med"/>
+                        </a:lnR>
+                        <a:lnT w="3175" cap="flat" cmpd="sng" algn="ctr">
+                          <a:solidFill>
+                            <a:schemeClr val="tx1"/>
+                          </a:solidFill>
+                          <a:prstDash val="solid"/>
+                          <a:round/>
+                          <a:headEnd type="none" w="med" len="med"/>
+                          <a:tailEnd type="none" w="med" len="med"/>
+                        </a:lnT>
+                        <a:lnB w="3175" cap="flat" cmpd="sng" algn="ctr">
+                          <a:noFill/>
+                          <a:prstDash val="solid"/>
+                          <a:round/>
+                          <a:headEnd type="none" w="med" len="med"/>
+                          <a:tailEnd type="none" w="med" len="med"/>
+                        </a:lnB>
+                        <a:lnTlToBr w="12700" cmpd="sng">
+                          <a:noFill/>
+                          <a:prstDash val="solid"/>
+                        </a:lnTlToBr>
+                        <a:lnBlToTr w="12700" cmpd="sng">
+                          <a:noFill/>
+                          <a:prstDash val="solid"/>
+                        </a:lnBlToTr>
+                        <a:noFill/>
+                      </a:tcPr>
+                    </a:tc>
+                    <a:extLst>
+                      <a:ext uri="{0D108BD9-81ED-4DB2-BD59-A6C34878D82A}">
+                        <a16:rowId xmlns:a16="http://schemas.microsoft.com/office/drawing/2014/main" val="901899567"/>
+                      </a:ext>
+                    </a:extLst>
+                  </a:tr>
+                </a:tbl>
+              </a:graphicData>
+            </a:graphic>
+          </p:graphicFrame>
+        </mc:Choice>
+        <mc:Fallback>
+          <p:graphicFrame>
+            <p:nvGraphicFramePr>
+              <p:cNvPr id="59" name="Tableau 58"/>
+              <p:cNvGraphicFramePr>
+                <a:graphicFrameLocks noGrp="1"/>
+              </p:cNvGraphicFramePr>
+              <p:nvPr>
+                <p:extLst>
+                  <p:ext uri="{D42A27DB-BD31-4B8C-83A1-F6EECF244321}">
+                    <p14:modId xmlns:p14="http://schemas.microsoft.com/office/powerpoint/2010/main" val="3814146629"/>
+                  </p:ext>
+                </p:extLst>
+              </p:nvPr>
+            </p:nvGraphicFramePr>
+            <p:xfrm>
+              <a:off x="2313299" y="4861571"/>
+              <a:ext cx="4650980" cy="448616"/>
+            </p:xfrm>
+            <a:graphic>
+              <a:graphicData uri="http://schemas.openxmlformats.org/drawingml/2006/table">
+                <a:tbl>
+                  <a:tblPr firstRow="1" bandRow="1">
+                    <a:tableStyleId>{5C22544A-7EE6-4342-B048-85BDC9FD1C3A}</a:tableStyleId>
+                  </a:tblPr>
+                  <a:tblGrid>
+                    <a:gridCol w="1349860">
+                      <a:extLst>
+                        <a:ext uri="{9D8B030D-6E8A-4147-A177-3AD203B41FA5}">
+                          <a16:colId xmlns:a16="http://schemas.microsoft.com/office/drawing/2014/main" val="1067048240"/>
+                        </a:ext>
+                      </a:extLst>
+                    </a:gridCol>
+                    <a:gridCol w="660224">
+                      <a:extLst>
+                        <a:ext uri="{9D8B030D-6E8A-4147-A177-3AD203B41FA5}">
+                          <a16:colId xmlns:a16="http://schemas.microsoft.com/office/drawing/2014/main" val="1671461065"/>
+                        </a:ext>
+                      </a:extLst>
+                    </a:gridCol>
+                    <a:gridCol w="660224">
+                      <a:extLst>
+                        <a:ext uri="{9D8B030D-6E8A-4147-A177-3AD203B41FA5}">
+                          <a16:colId xmlns:a16="http://schemas.microsoft.com/office/drawing/2014/main" val="3084419488"/>
+                        </a:ext>
+                      </a:extLst>
+                    </a:gridCol>
+                    <a:gridCol w="660224">
+                      <a:extLst>
+                        <a:ext uri="{9D8B030D-6E8A-4147-A177-3AD203B41FA5}">
+                          <a16:colId xmlns:a16="http://schemas.microsoft.com/office/drawing/2014/main" val="3836093460"/>
+                        </a:ext>
+                      </a:extLst>
+                    </a:gridCol>
+                    <a:gridCol w="660224">
+                      <a:extLst>
+                        <a:ext uri="{9D8B030D-6E8A-4147-A177-3AD203B41FA5}">
+                          <a16:colId xmlns:a16="http://schemas.microsoft.com/office/drawing/2014/main" val="4109928961"/>
+                        </a:ext>
+                      </a:extLst>
+                    </a:gridCol>
+                    <a:gridCol w="660224">
+                      <a:extLst>
+                        <a:ext uri="{9D8B030D-6E8A-4147-A177-3AD203B41FA5}">
+                          <a16:colId xmlns:a16="http://schemas.microsoft.com/office/drawing/2014/main" val="2333253021"/>
+                        </a:ext>
+                      </a:extLst>
+                    </a:gridCol>
+                  </a:tblGrid>
+                  <a:tr h="224308">
+                    <a:tc>
+                      <a:txBody>
+                        <a:bodyPr/>
+                        <a:lstStyle/>
+                        <a:p>
+                          <a:endParaRPr lang="fr-FR" sz="800" b="1" i="0" kern="1200" dirty="0">
+                            <a:solidFill>
+                              <a:schemeClr val="tx1"/>
+                            </a:solidFill>
+                            <a:latin typeface="Cambria Math" panose="02040503050406030204" pitchFamily="18" charset="0"/>
+                            <a:ea typeface="+mn-ea"/>
+                            <a:cs typeface="+mn-cs"/>
+                          </a:endParaRPr>
+                        </a:p>
+                      </a:txBody>
+                      <a:tcPr marL="63305" marR="63305" marT="31652" marB="31652" anchor="ctr">
+                        <a:lnL w="12700" cap="flat" cmpd="sng" algn="ctr">
+                          <a:noFill/>
+                          <a:prstDash val="solid"/>
+                          <a:round/>
+                          <a:headEnd type="none" w="med" len="med"/>
+                          <a:tailEnd type="none" w="med" len="med"/>
+                        </a:lnL>
+                        <a:lnR w="3175" cap="flat" cmpd="sng" algn="ctr">
+                          <a:noFill/>
+                          <a:prstDash val="solid"/>
+                          <a:round/>
+                          <a:headEnd type="none" w="med" len="med"/>
+                          <a:tailEnd type="none" w="med" len="med"/>
+                        </a:lnR>
+                        <a:lnT w="12700" cap="flat" cmpd="sng" algn="ctr">
+                          <a:noFill/>
+                          <a:prstDash val="solid"/>
+                          <a:round/>
+                          <a:headEnd type="none" w="med" len="med"/>
+                          <a:tailEnd type="none" w="med" len="med"/>
+                        </a:lnT>
+                        <a:lnB w="3175" cap="flat" cmpd="sng" algn="ctr">
+                          <a:solidFill>
+                            <a:schemeClr val="tx1"/>
+                          </a:solidFill>
+                          <a:prstDash val="solid"/>
+                          <a:round/>
+                          <a:headEnd type="none" w="med" len="med"/>
+                          <a:tailEnd type="none" w="med" len="med"/>
+                        </a:lnB>
+                        <a:lnTlToBr w="12700" cmpd="sng">
+                          <a:noFill/>
+                          <a:prstDash val="solid"/>
+                        </a:lnTlToBr>
+                        <a:lnBlToTr w="12700" cmpd="sng">
+                          <a:noFill/>
+                          <a:prstDash val="solid"/>
+                        </a:lnBlToTr>
+                        <a:noFill/>
+                      </a:tcPr>
+                    </a:tc>
+                    <a:tc>
+                      <a:txBody>
+                        <a:bodyPr/>
+                        <a:lstStyle/>
+                        <a:p>
+                          <a:endParaRPr lang="fr-FR"/>
+                        </a:p>
+                      </a:txBody>
+                      <a:tcPr marL="63305" marR="63305" marT="31652" marB="31652" anchor="ctr">
+                        <a:lnL w="3175" cap="flat" cmpd="sng" algn="ctr">
+                          <a:noFill/>
+                          <a:prstDash val="solid"/>
+                          <a:round/>
+                          <a:headEnd type="none" w="med" len="med"/>
+                          <a:tailEnd type="none" w="med" len="med"/>
+                        </a:lnL>
+                        <a:lnR w="3175" cap="flat" cmpd="sng" algn="ctr">
+                          <a:noFill/>
+                          <a:prstDash val="solid"/>
+                          <a:round/>
+                          <a:headEnd type="none" w="med" len="med"/>
+                          <a:tailEnd type="none" w="med" len="med"/>
+                        </a:lnR>
+                        <a:lnT w="3175" cap="flat" cmpd="sng" algn="ctr">
+                          <a:noFill/>
+                          <a:prstDash val="solid"/>
+                          <a:round/>
+                          <a:headEnd type="none" w="med" len="med"/>
+                          <a:tailEnd type="none" w="med" len="med"/>
+                        </a:lnT>
+                        <a:lnB w="3175" cap="flat" cmpd="sng" algn="ctr">
+                          <a:solidFill>
+                            <a:schemeClr val="tx1"/>
+                          </a:solidFill>
+                          <a:prstDash val="solid"/>
+                          <a:round/>
+                          <a:headEnd type="none" w="med" len="med"/>
+                          <a:tailEnd type="none" w="med" len="med"/>
+                        </a:lnB>
+                        <a:lnTlToBr w="12700" cmpd="sng">
+                          <a:noFill/>
+                          <a:prstDash val="solid"/>
+                        </a:lnTlToBr>
+                        <a:lnBlToTr w="12700" cmpd="sng">
+                          <a:noFill/>
+                          <a:prstDash val="solid"/>
+                        </a:lnBlToTr>
+                        <a:blipFill>
+                          <a:blip r:embed="rId25"/>
+                          <a:stretch>
+                            <a:fillRect l="-205556" r="-401852" b="-100000"/>
+                          </a:stretch>
+                        </a:blipFill>
+                      </a:tcPr>
+                    </a:tc>
+                    <a:tc>
+                      <a:txBody>
+                        <a:bodyPr/>
+                        <a:lstStyle/>
+                        <a:p>
+                          <a:endParaRPr lang="fr-FR"/>
+                        </a:p>
+                      </a:txBody>
+                      <a:tcPr marL="63305" marR="63305" marT="31652" marB="31652" anchor="ctr">
+                        <a:lnL w="3175" cap="flat" cmpd="sng" algn="ctr">
+                          <a:noFill/>
+                          <a:prstDash val="solid"/>
+                          <a:round/>
+                          <a:headEnd type="none" w="med" len="med"/>
+                          <a:tailEnd type="none" w="med" len="med"/>
+                        </a:lnL>
+                        <a:lnR w="3175" cap="flat" cmpd="sng" algn="ctr">
+                          <a:noFill/>
+                          <a:prstDash val="solid"/>
+                          <a:round/>
+                          <a:headEnd type="none" w="med" len="med"/>
+                          <a:tailEnd type="none" w="med" len="med"/>
+                        </a:lnR>
+                        <a:lnT w="3175" cap="flat" cmpd="sng" algn="ctr">
+                          <a:noFill/>
+                          <a:prstDash val="solid"/>
+                          <a:round/>
+                          <a:headEnd type="none" w="med" len="med"/>
+                          <a:tailEnd type="none" w="med" len="med"/>
+                        </a:lnT>
+                        <a:lnB w="3175" cap="flat" cmpd="sng" algn="ctr">
+                          <a:solidFill>
+                            <a:schemeClr val="tx1"/>
+                          </a:solidFill>
+                          <a:prstDash val="solid"/>
+                          <a:round/>
+                          <a:headEnd type="none" w="med" len="med"/>
+                          <a:tailEnd type="none" w="med" len="med"/>
+                        </a:lnB>
+                        <a:lnTlToBr w="12700" cmpd="sng">
+                          <a:noFill/>
+                          <a:prstDash val="solid"/>
+                        </a:lnTlToBr>
+                        <a:lnBlToTr w="12700" cmpd="sng">
+                          <a:noFill/>
+                          <a:prstDash val="solid"/>
+                        </a:lnBlToTr>
+                        <a:blipFill>
+                          <a:blip r:embed="rId25"/>
+                          <a:stretch>
+                            <a:fillRect l="-302752" r="-298165" b="-100000"/>
+                          </a:stretch>
+                        </a:blipFill>
+                      </a:tcPr>
+                    </a:tc>
+                    <a:tc>
+                      <a:txBody>
+                        <a:bodyPr/>
+                        <a:lstStyle/>
+                        <a:p>
+                          <a:endParaRPr lang="fr-FR"/>
+                        </a:p>
+                      </a:txBody>
+                      <a:tcPr marL="63305" marR="63305" marT="31652" marB="31652" anchor="ctr">
+                        <a:lnL w="3175" cap="flat" cmpd="sng" algn="ctr">
+                          <a:noFill/>
+                          <a:prstDash val="solid"/>
+                          <a:round/>
+                          <a:headEnd type="none" w="med" len="med"/>
+                          <a:tailEnd type="none" w="med" len="med"/>
+                        </a:lnL>
+                        <a:lnR w="3175" cap="flat" cmpd="sng" algn="ctr">
+                          <a:noFill/>
+                          <a:prstDash val="solid"/>
+                          <a:round/>
+                          <a:headEnd type="none" w="med" len="med"/>
+                          <a:tailEnd type="none" w="med" len="med"/>
+                        </a:lnR>
+                        <a:lnT w="3175" cap="flat" cmpd="sng" algn="ctr">
+                          <a:noFill/>
+                          <a:prstDash val="solid"/>
+                          <a:round/>
+                          <a:headEnd type="none" w="med" len="med"/>
+                          <a:tailEnd type="none" w="med" len="med"/>
+                        </a:lnT>
+                        <a:lnB w="3175" cap="flat" cmpd="sng" algn="ctr">
+                          <a:solidFill>
+                            <a:schemeClr val="tx1"/>
+                          </a:solidFill>
+                          <a:prstDash val="solid"/>
+                          <a:round/>
+                          <a:headEnd type="none" w="med" len="med"/>
+                          <a:tailEnd type="none" w="med" len="med"/>
+                        </a:lnB>
+                        <a:lnTlToBr w="12700" cmpd="sng">
+                          <a:noFill/>
+                          <a:prstDash val="solid"/>
+                        </a:lnTlToBr>
+                        <a:lnBlToTr w="12700" cmpd="sng">
+                          <a:noFill/>
+                          <a:prstDash val="solid"/>
+                        </a:lnBlToTr>
+                        <a:blipFill>
+                          <a:blip r:embed="rId25"/>
+                          <a:stretch>
+                            <a:fillRect l="-406481" r="-200926" b="-100000"/>
+                          </a:stretch>
+                        </a:blipFill>
+                      </a:tcPr>
+                    </a:tc>
+                    <a:tc>
+                      <a:txBody>
+                        <a:bodyPr/>
+                        <a:lstStyle/>
+                        <a:p>
+                          <a:endParaRPr lang="fr-FR"/>
+                        </a:p>
+                      </a:txBody>
+                      <a:tcPr marL="63305" marR="63305" marT="31652" marB="31652" anchor="ctr">
+                        <a:lnL w="3175" cap="flat" cmpd="sng" algn="ctr">
+                          <a:noFill/>
+                          <a:prstDash val="solid"/>
+                          <a:round/>
+                          <a:headEnd type="none" w="med" len="med"/>
+                          <a:tailEnd type="none" w="med" len="med"/>
+                        </a:lnL>
+                        <a:lnR w="3175" cap="flat" cmpd="sng" algn="ctr">
+                          <a:noFill/>
+                          <a:prstDash val="solid"/>
+                          <a:round/>
+                          <a:headEnd type="none" w="med" len="med"/>
+                          <a:tailEnd type="none" w="med" len="med"/>
+                        </a:lnR>
+                        <a:lnT w="3175" cap="flat" cmpd="sng" algn="ctr">
+                          <a:noFill/>
+                          <a:prstDash val="solid"/>
+                          <a:round/>
+                          <a:headEnd type="none" w="med" len="med"/>
+                          <a:tailEnd type="none" w="med" len="med"/>
+                        </a:lnT>
+                        <a:lnB w="3175" cap="flat" cmpd="sng" algn="ctr">
+                          <a:solidFill>
+                            <a:schemeClr val="tx1"/>
+                          </a:solidFill>
+                          <a:prstDash val="solid"/>
+                          <a:round/>
+                          <a:headEnd type="none" w="med" len="med"/>
+                          <a:tailEnd type="none" w="med" len="med"/>
+                        </a:lnB>
+                        <a:lnTlToBr w="12700" cmpd="sng">
+                          <a:noFill/>
+                          <a:prstDash val="solid"/>
+                        </a:lnTlToBr>
+                        <a:lnBlToTr w="12700" cmpd="sng">
+                          <a:noFill/>
+                          <a:prstDash val="solid"/>
+                        </a:lnBlToTr>
+                        <a:blipFill>
+                          <a:blip r:embed="rId25"/>
+                          <a:stretch>
+                            <a:fillRect l="-501835" r="-99083" b="-100000"/>
+                          </a:stretch>
+                        </a:blipFill>
+                      </a:tcPr>
+                    </a:tc>
+                    <a:tc>
+                      <a:txBody>
+                        <a:bodyPr/>
+                        <a:lstStyle/>
+                        <a:p>
+                          <a:endParaRPr lang="fr-FR"/>
+                        </a:p>
+                      </a:txBody>
+                      <a:tcPr marL="63305" marR="63305" marT="31652" marB="31652" anchor="ctr">
+                        <a:lnL w="3175" cap="flat" cmpd="sng" algn="ctr">
+                          <a:noFill/>
+                          <a:prstDash val="solid"/>
+                          <a:round/>
+                          <a:headEnd type="none" w="med" len="med"/>
+                          <a:tailEnd type="none" w="med" len="med"/>
+                        </a:lnL>
+                        <a:lnR w="3175" cap="flat" cmpd="sng" algn="ctr">
+                          <a:noFill/>
+                          <a:prstDash val="solid"/>
+                          <a:round/>
+                          <a:headEnd type="none" w="med" len="med"/>
+                          <a:tailEnd type="none" w="med" len="med"/>
+                        </a:lnR>
+                        <a:lnT w="3175" cap="flat" cmpd="sng" algn="ctr">
+                          <a:noFill/>
+                          <a:prstDash val="solid"/>
+                          <a:round/>
+                          <a:headEnd type="none" w="med" len="med"/>
+                          <a:tailEnd type="none" w="med" len="med"/>
+                        </a:lnT>
+                        <a:lnB w="3175" cap="flat" cmpd="sng" algn="ctr">
+                          <a:solidFill>
+                            <a:schemeClr val="tx1"/>
+                          </a:solidFill>
+                          <a:prstDash val="solid"/>
+                          <a:round/>
+                          <a:headEnd type="none" w="med" len="med"/>
+                          <a:tailEnd type="none" w="med" len="med"/>
+                        </a:lnB>
+                        <a:lnTlToBr w="12700" cmpd="sng">
+                          <a:noFill/>
+                          <a:prstDash val="solid"/>
+                        </a:lnTlToBr>
+                        <a:lnBlToTr w="12700" cmpd="sng">
+                          <a:noFill/>
+                          <a:prstDash val="solid"/>
+                        </a:lnBlToTr>
+                        <a:blipFill>
+                          <a:blip r:embed="rId25"/>
+                          <a:stretch>
+                            <a:fillRect l="-607407" b="-100000"/>
+                          </a:stretch>
+                        </a:blipFill>
+                      </a:tcPr>
+                    </a:tc>
+                    <a:extLst>
+                      <a:ext uri="{0D108BD9-81ED-4DB2-BD59-A6C34878D82A}">
+                        <a16:rowId xmlns:a16="http://schemas.microsoft.com/office/drawing/2014/main" val="3254895143"/>
+                      </a:ext>
+                    </a:extLst>
+                  </a:tr>
+                  <a:tr h="224308">
+                    <a:tc>
+                      <a:txBody>
+                        <a:bodyPr/>
+                        <a:lstStyle/>
+                        <a:p>
+                          <a:r>
+                            <a:rPr lang="en-US" sz="800" b="1" dirty="0" smtClean="0">
+                              <a:latin typeface="Times New Roman" panose="02020603050405020304" pitchFamily="18" charset="0"/>
+                              <a:cs typeface="Times New Roman" panose="02020603050405020304" pitchFamily="18" charset="0"/>
+                            </a:rPr>
+                            <a:t>RLS species</a:t>
+                          </a:r>
+                          <a:endParaRPr lang="fr-FR" sz="800" b="1" dirty="0">
+                            <a:solidFill>
+                              <a:schemeClr val="tx1"/>
+                            </a:solidFill>
+                          </a:endParaRPr>
+                        </a:p>
+                      </a:txBody>
+                      <a:tcPr marL="63305" marR="63305" marT="31652" marB="31652" anchor="ctr">
+                        <a:lnL w="3175" cap="flat" cmpd="sng" algn="ctr">
+                          <a:noFill/>
+                          <a:prstDash val="solid"/>
+                          <a:round/>
+                          <a:headEnd type="none" w="med" len="med"/>
+                          <a:tailEnd type="none" w="med" len="med"/>
+                        </a:lnL>
+                        <a:lnR w="3175" cap="flat" cmpd="sng" algn="ctr">
+                          <a:noFill/>
+                          <a:prstDash val="solid"/>
+                          <a:round/>
+                          <a:headEnd type="none" w="med" len="med"/>
+                          <a:tailEnd type="none" w="med" len="med"/>
+                        </a:lnR>
+                        <a:lnT w="3175" cap="flat" cmpd="sng" algn="ctr">
+                          <a:solidFill>
+                            <a:schemeClr val="tx1"/>
+                          </a:solidFill>
+                          <a:prstDash val="solid"/>
+                          <a:round/>
+                          <a:headEnd type="none" w="med" len="med"/>
+                          <a:tailEnd type="none" w="med" len="med"/>
+                        </a:lnT>
+                        <a:lnB w="3175" cap="flat" cmpd="sng" algn="ctr">
+                          <a:noFill/>
+                          <a:prstDash val="solid"/>
+                          <a:round/>
+                          <a:headEnd type="none" w="med" len="med"/>
+                          <a:tailEnd type="none" w="med" len="med"/>
+                        </a:lnB>
+                        <a:lnTlToBr w="12700" cmpd="sng">
+                          <a:noFill/>
+                          <a:prstDash val="solid"/>
+                        </a:lnTlToBr>
+                        <a:lnBlToTr w="12700" cmpd="sng">
+                          <a:noFill/>
+                          <a:prstDash val="solid"/>
+                        </a:lnBlToTr>
+                        <a:noFill/>
+                      </a:tcPr>
+                    </a:tc>
+                    <a:tc>
+                      <a:txBody>
+                        <a:bodyPr/>
+                        <a:lstStyle/>
+                        <a:p>
+                          <a:pPr algn="ctr"/>
+                          <a:r>
+                            <a:rPr lang="fr-FR" sz="800" b="0" kern="1200" dirty="0" smtClean="0">
+                              <a:solidFill>
+                                <a:schemeClr val="dk1"/>
+                              </a:solidFill>
+                              <a:latin typeface="Times New Roman" panose="02020603050405020304" pitchFamily="18" charset="0"/>
+                              <a:ea typeface="+mn-ea"/>
+                              <a:cs typeface="Times New Roman" panose="02020603050405020304" pitchFamily="18" charset="0"/>
+                            </a:rPr>
+                            <a:t>1786</a:t>
+                          </a:r>
+                          <a:endParaRPr lang="fr-FR" sz="800" b="0" kern="1200" dirty="0">
+                            <a:solidFill>
+                              <a:schemeClr val="dk1"/>
+                            </a:solidFill>
+                            <a:latin typeface="Times New Roman" panose="02020603050405020304" pitchFamily="18" charset="0"/>
+                            <a:ea typeface="+mn-ea"/>
+                            <a:cs typeface="Times New Roman" panose="02020603050405020304" pitchFamily="18" charset="0"/>
+                          </a:endParaRPr>
+                        </a:p>
+                      </a:txBody>
+                      <a:tcPr marL="63305" marR="63305" marT="31652" marB="31652" anchor="ctr">
+                        <a:lnL w="3175" cap="flat" cmpd="sng" algn="ctr">
+                          <a:noFill/>
+                          <a:prstDash val="solid"/>
+                          <a:round/>
+                          <a:headEnd type="none" w="med" len="med"/>
+                          <a:tailEnd type="none" w="med" len="med"/>
+                        </a:lnL>
+                        <a:lnR w="3175" cap="flat" cmpd="sng" algn="ctr">
+                          <a:noFill/>
+                          <a:prstDash val="solid"/>
+                          <a:round/>
+                          <a:headEnd type="none" w="med" len="med"/>
+                          <a:tailEnd type="none" w="med" len="med"/>
+                        </a:lnR>
+                        <a:lnT w="3175" cap="flat" cmpd="sng" algn="ctr">
+                          <a:solidFill>
+                            <a:schemeClr val="tx1"/>
+                          </a:solidFill>
+                          <a:prstDash val="solid"/>
+                          <a:round/>
+                          <a:headEnd type="none" w="med" len="med"/>
+                          <a:tailEnd type="none" w="med" len="med"/>
+                        </a:lnT>
+                        <a:lnB w="3175" cap="flat" cmpd="sng" algn="ctr">
+                          <a:noFill/>
+                          <a:prstDash val="solid"/>
+                          <a:round/>
+                          <a:headEnd type="none" w="med" len="med"/>
+                          <a:tailEnd type="none" w="med" len="med"/>
+                        </a:lnB>
+                        <a:lnTlToBr w="12700" cmpd="sng">
+                          <a:noFill/>
+                          <a:prstDash val="solid"/>
+                        </a:lnTlToBr>
+                        <a:lnBlToTr w="12700" cmpd="sng">
+                          <a:noFill/>
+                          <a:prstDash val="solid"/>
+                        </a:lnBlToTr>
+                        <a:noFill/>
+                      </a:tcPr>
+                    </a:tc>
+                    <a:tc>
+                      <a:txBody>
+                        <a:bodyPr/>
+                        <a:lstStyle/>
+                        <a:p>
+                          <a:pPr algn="ctr"/>
+                          <a:r>
+                            <a:rPr lang="fr-FR" sz="800" b="0" kern="1200" dirty="0" smtClean="0">
+                              <a:solidFill>
+                                <a:schemeClr val="dk1"/>
+                              </a:solidFill>
+                              <a:latin typeface="Times New Roman" panose="02020603050405020304" pitchFamily="18" charset="0"/>
+                              <a:ea typeface="+mn-ea"/>
+                              <a:cs typeface="Times New Roman" panose="02020603050405020304" pitchFamily="18" charset="0"/>
+                            </a:rPr>
+                            <a:t>88.4%</a:t>
+                          </a:r>
+                          <a:endParaRPr lang="fr-FR" sz="800" b="0" kern="1200" dirty="0">
+                            <a:solidFill>
+                              <a:schemeClr val="dk1"/>
+                            </a:solidFill>
+                            <a:latin typeface="Times New Roman" panose="02020603050405020304" pitchFamily="18" charset="0"/>
+                            <a:ea typeface="+mn-ea"/>
+                            <a:cs typeface="Times New Roman" panose="02020603050405020304" pitchFamily="18" charset="0"/>
+                          </a:endParaRPr>
+                        </a:p>
+                      </a:txBody>
+                      <a:tcPr marL="63305" marR="63305" marT="31652" marB="31652" anchor="ctr">
+                        <a:lnL w="3175" cap="flat" cmpd="sng" algn="ctr">
+                          <a:noFill/>
+                          <a:prstDash val="solid"/>
+                          <a:round/>
+                          <a:headEnd type="none" w="med" len="med"/>
+                          <a:tailEnd type="none" w="med" len="med"/>
+                        </a:lnL>
+                        <a:lnR w="3175" cap="flat" cmpd="sng" algn="ctr">
+                          <a:noFill/>
+                          <a:prstDash val="solid"/>
+                          <a:round/>
+                          <a:headEnd type="none" w="med" len="med"/>
+                          <a:tailEnd type="none" w="med" len="med"/>
+                        </a:lnR>
+                        <a:lnT w="3175" cap="flat" cmpd="sng" algn="ctr">
+                          <a:solidFill>
+                            <a:schemeClr val="tx1"/>
+                          </a:solidFill>
+                          <a:prstDash val="solid"/>
+                          <a:round/>
+                          <a:headEnd type="none" w="med" len="med"/>
+                          <a:tailEnd type="none" w="med" len="med"/>
+                        </a:lnT>
+                        <a:lnB w="3175" cap="flat" cmpd="sng" algn="ctr">
+                          <a:noFill/>
+                          <a:prstDash val="solid"/>
+                          <a:round/>
+                          <a:headEnd type="none" w="med" len="med"/>
+                          <a:tailEnd type="none" w="med" len="med"/>
+                        </a:lnB>
+                        <a:lnTlToBr w="12700" cmpd="sng">
+                          <a:noFill/>
+                          <a:prstDash val="solid"/>
+                        </a:lnTlToBr>
+                        <a:lnBlToTr w="12700" cmpd="sng">
+                          <a:noFill/>
+                          <a:prstDash val="solid"/>
+                        </a:lnBlToTr>
+                        <a:noFill/>
+                      </a:tcPr>
+                    </a:tc>
+                    <a:tc>
+                      <a:txBody>
+                        <a:bodyPr/>
+                        <a:lstStyle/>
+                        <a:p>
+                          <a:pPr algn="ctr"/>
+                          <a:r>
+                            <a:rPr lang="fr-FR" sz="800" b="0" kern="1200" dirty="0" smtClean="0">
+                              <a:solidFill>
+                                <a:schemeClr val="dk1"/>
+                              </a:solidFill>
+                              <a:latin typeface="Times New Roman" panose="02020603050405020304" pitchFamily="18" charset="0"/>
+                              <a:ea typeface="+mn-ea"/>
+                              <a:cs typeface="Times New Roman" panose="02020603050405020304" pitchFamily="18" charset="0"/>
+                            </a:rPr>
+                            <a:t>8.5%</a:t>
+                          </a:r>
+                          <a:endParaRPr lang="fr-FR" sz="800" b="0" kern="1200" dirty="0">
+                            <a:solidFill>
+                              <a:schemeClr val="dk1"/>
+                            </a:solidFill>
+                            <a:latin typeface="Times New Roman" panose="02020603050405020304" pitchFamily="18" charset="0"/>
+                            <a:ea typeface="+mn-ea"/>
+                            <a:cs typeface="Times New Roman" panose="02020603050405020304" pitchFamily="18" charset="0"/>
+                          </a:endParaRPr>
+                        </a:p>
+                      </a:txBody>
+                      <a:tcPr marL="63305" marR="63305" marT="31652" marB="31652" anchor="ctr">
+                        <a:lnL w="3175" cap="flat" cmpd="sng" algn="ctr">
+                          <a:noFill/>
+                          <a:prstDash val="solid"/>
+                          <a:round/>
+                          <a:headEnd type="none" w="med" len="med"/>
+                          <a:tailEnd type="none" w="med" len="med"/>
+                        </a:lnL>
+                        <a:lnR w="3175" cap="flat" cmpd="sng" algn="ctr">
+                          <a:noFill/>
+                          <a:prstDash val="solid"/>
+                          <a:round/>
+                          <a:headEnd type="none" w="med" len="med"/>
+                          <a:tailEnd type="none" w="med" len="med"/>
+                        </a:lnR>
+                        <a:lnT w="3175" cap="flat" cmpd="sng" algn="ctr">
+                          <a:solidFill>
+                            <a:schemeClr val="tx1"/>
+                          </a:solidFill>
+                          <a:prstDash val="solid"/>
+                          <a:round/>
+                          <a:headEnd type="none" w="med" len="med"/>
+                          <a:tailEnd type="none" w="med" len="med"/>
+                        </a:lnT>
+                        <a:lnB w="3175" cap="flat" cmpd="sng" algn="ctr">
+                          <a:noFill/>
+                          <a:prstDash val="solid"/>
+                          <a:round/>
+                          <a:headEnd type="none" w="med" len="med"/>
+                          <a:tailEnd type="none" w="med" len="med"/>
+                        </a:lnB>
+                        <a:lnTlToBr w="12700" cmpd="sng">
+                          <a:noFill/>
+                          <a:prstDash val="solid"/>
+                        </a:lnTlToBr>
+                        <a:lnBlToTr w="12700" cmpd="sng">
+                          <a:noFill/>
+                          <a:prstDash val="solid"/>
+                        </a:lnBlToTr>
+                        <a:noFill/>
+                      </a:tcPr>
+                    </a:tc>
+                    <a:tc>
+                      <a:txBody>
+                        <a:bodyPr/>
+                        <a:lstStyle/>
+                        <a:p>
+                          <a:pPr algn="ctr"/>
+                          <a:r>
+                            <a:rPr lang="fr-FR" sz="800" b="0" kern="1200" dirty="0" smtClean="0">
+                              <a:solidFill>
+                                <a:schemeClr val="dk1"/>
+                              </a:solidFill>
+                              <a:latin typeface="Times New Roman" panose="02020603050405020304" pitchFamily="18" charset="0"/>
+                              <a:ea typeface="+mn-ea"/>
+                              <a:cs typeface="Times New Roman" panose="02020603050405020304" pitchFamily="18" charset="0"/>
+                            </a:rPr>
+                            <a:t>1%</a:t>
+                          </a:r>
+                          <a:endParaRPr lang="fr-FR" sz="800" b="0" kern="1200" dirty="0">
+                            <a:solidFill>
+                              <a:schemeClr val="dk1"/>
+                            </a:solidFill>
+                            <a:latin typeface="Times New Roman" panose="02020603050405020304" pitchFamily="18" charset="0"/>
+                            <a:ea typeface="+mn-ea"/>
+                            <a:cs typeface="Times New Roman" panose="02020603050405020304" pitchFamily="18" charset="0"/>
+                          </a:endParaRPr>
+                        </a:p>
+                      </a:txBody>
+                      <a:tcPr marL="63305" marR="63305" marT="31652" marB="31652" anchor="ctr">
+                        <a:lnL w="3175" cap="flat" cmpd="sng" algn="ctr">
+                          <a:noFill/>
+                          <a:prstDash val="solid"/>
+                          <a:round/>
+                          <a:headEnd type="none" w="med" len="med"/>
+                          <a:tailEnd type="none" w="med" len="med"/>
+                        </a:lnL>
+                        <a:lnR w="3175" cap="flat" cmpd="sng" algn="ctr">
+                          <a:noFill/>
+                          <a:prstDash val="solid"/>
+                          <a:round/>
+                          <a:headEnd type="none" w="med" len="med"/>
+                          <a:tailEnd type="none" w="med" len="med"/>
+                        </a:lnR>
+                        <a:lnT w="3175" cap="flat" cmpd="sng" algn="ctr">
+                          <a:solidFill>
+                            <a:schemeClr val="tx1"/>
+                          </a:solidFill>
+                          <a:prstDash val="solid"/>
+                          <a:round/>
+                          <a:headEnd type="none" w="med" len="med"/>
+                          <a:tailEnd type="none" w="med" len="med"/>
+                        </a:lnT>
+                        <a:lnB w="3175" cap="flat" cmpd="sng" algn="ctr">
+                          <a:noFill/>
+                          <a:prstDash val="solid"/>
+                          <a:round/>
+                          <a:headEnd type="none" w="med" len="med"/>
+                          <a:tailEnd type="none" w="med" len="med"/>
+                        </a:lnB>
+                        <a:lnTlToBr w="12700" cmpd="sng">
+                          <a:noFill/>
+                          <a:prstDash val="solid"/>
+                        </a:lnTlToBr>
+                        <a:lnBlToTr w="12700" cmpd="sng">
+                          <a:noFill/>
+                          <a:prstDash val="solid"/>
+                        </a:lnBlToTr>
+                        <a:noFill/>
+                      </a:tcPr>
+                    </a:tc>
+                    <a:tc>
+                      <a:txBody>
+                        <a:bodyPr/>
+                        <a:lstStyle/>
+                        <a:p>
+                          <a:pPr algn="ctr"/>
+                          <a:r>
+                            <a:rPr lang="fr-FR" sz="800" b="0" kern="1200" dirty="0" smtClean="0">
+                              <a:solidFill>
+                                <a:schemeClr val="dk1"/>
+                              </a:solidFill>
+                              <a:latin typeface="Times New Roman" panose="02020603050405020304" pitchFamily="18" charset="0"/>
+                              <a:ea typeface="+mn-ea"/>
+                              <a:cs typeface="Times New Roman" panose="02020603050405020304" pitchFamily="18" charset="0"/>
+                            </a:rPr>
+                            <a:t>2.8%</a:t>
+                          </a:r>
+                          <a:endParaRPr lang="fr-FR" sz="800" b="0" kern="1200" dirty="0">
+                            <a:solidFill>
+                              <a:schemeClr val="dk1"/>
+                            </a:solidFill>
+                            <a:latin typeface="Times New Roman" panose="02020603050405020304" pitchFamily="18" charset="0"/>
+                            <a:ea typeface="+mn-ea"/>
+                            <a:cs typeface="Times New Roman" panose="02020603050405020304" pitchFamily="18" charset="0"/>
+                          </a:endParaRPr>
+                        </a:p>
+                      </a:txBody>
+                      <a:tcPr marL="63305" marR="63305" marT="31652" marB="31652" anchor="ctr">
+                        <a:lnL w="3175" cap="flat" cmpd="sng" algn="ctr">
+                          <a:noFill/>
+                          <a:prstDash val="solid"/>
+                          <a:round/>
+                          <a:headEnd type="none" w="med" len="med"/>
+                          <a:tailEnd type="none" w="med" len="med"/>
+                        </a:lnL>
+                        <a:lnR w="3175" cap="flat" cmpd="sng" algn="ctr">
+                          <a:noFill/>
+                          <a:prstDash val="solid"/>
+                          <a:round/>
+                          <a:headEnd type="none" w="med" len="med"/>
+                          <a:tailEnd type="none" w="med" len="med"/>
+                        </a:lnR>
+                        <a:lnT w="3175" cap="flat" cmpd="sng" algn="ctr">
+                          <a:solidFill>
+                            <a:schemeClr val="tx1"/>
+                          </a:solidFill>
+                          <a:prstDash val="solid"/>
+                          <a:round/>
+                          <a:headEnd type="none" w="med" len="med"/>
+                          <a:tailEnd type="none" w="med" len="med"/>
+                        </a:lnT>
+                        <a:lnB w="3175" cap="flat" cmpd="sng" algn="ctr">
+                          <a:noFill/>
+                          <a:prstDash val="solid"/>
+                          <a:round/>
+                          <a:headEnd type="none" w="med" len="med"/>
+                          <a:tailEnd type="none" w="med" len="med"/>
+                        </a:lnB>
+                        <a:lnTlToBr w="12700" cmpd="sng">
+                          <a:noFill/>
+                          <a:prstDash val="solid"/>
+                        </a:lnTlToBr>
+                        <a:lnBlToTr w="12700" cmpd="sng">
+                          <a:noFill/>
+                          <a:prstDash val="solid"/>
+                        </a:lnBlToTr>
+                        <a:noFill/>
+                      </a:tcPr>
+                    </a:tc>
+                    <a:extLst>
+                      <a:ext uri="{0D108BD9-81ED-4DB2-BD59-A6C34878D82A}">
+                        <a16:rowId xmlns:a16="http://schemas.microsoft.com/office/drawing/2014/main" val="901899567"/>
+                      </a:ext>
+                    </a:extLst>
+                  </a:tr>
+                </a:tbl>
+              </a:graphicData>
+            </a:graphic>
+          </p:graphicFrame>
+        </mc:Fallback>
+      </mc:AlternateContent>
+      <p:sp>
+        <p:nvSpPr>
+          <p:cNvPr id="60" name="ZoneTexte 59"/>
+          <p:cNvSpPr txBox="1"/>
+          <p:nvPr/>
+        </p:nvSpPr>
+        <p:spPr>
+          <a:xfrm>
+            <a:off x="1836915" y="4873641"/>
+            <a:ext cx="269069" cy="212238"/>
+          </a:xfrm>
+          <a:prstGeom prst="rect">
+            <a:avLst/>
+          </a:prstGeom>
+          <a:noFill/>
+        </p:spPr>
+        <p:txBody>
+          <a:bodyPr wrap="square" rtlCol="0">
+            <a:spAutoFit/>
+          </a:bodyPr>
+          <a:lstStyle/>
+          <a:p>
+            <a:r>
+              <a:rPr lang="en-US" sz="779" b="1" dirty="0">
+                <a:latin typeface="Times New Roman" panose="02020603050405020304" pitchFamily="18" charset="0"/>
+                <a:cs typeface="Times New Roman" panose="02020603050405020304" pitchFamily="18" charset="0"/>
+              </a:rPr>
+              <a:t>C</a:t>
             </a:r>
             <a:endParaRPr lang="en-US" sz="779" b="1" dirty="0">
               <a:latin typeface="Times New Roman" panose="02020603050405020304" pitchFamily="18" charset="0"/>

--- a/outputs/06_diversity_partitioning/schema_partition.pptx
+++ b/outputs/06_diversity_partitioning/schema_partition.pptx
@@ -243,7 +243,7 @@
           <a:p>
             <a:fld id="{1DD5E214-71AE-49E0-8511-3FE919ED9730}" type="datetimeFigureOut">
               <a:rPr lang="fr-FR" smtClean="0"/>
-              <a:t>08/06/2020</a:t>
+              <a:t>10/06/2020</a:t>
             </a:fld>
             <a:endParaRPr lang="fr-FR"/>
           </a:p>
@@ -413,7 +413,7 @@
           <a:p>
             <a:fld id="{1DD5E214-71AE-49E0-8511-3FE919ED9730}" type="datetimeFigureOut">
               <a:rPr lang="fr-FR" smtClean="0"/>
-              <a:t>08/06/2020</a:t>
+              <a:t>10/06/2020</a:t>
             </a:fld>
             <a:endParaRPr lang="fr-FR"/>
           </a:p>
@@ -593,7 +593,7 @@
           <a:p>
             <a:fld id="{1DD5E214-71AE-49E0-8511-3FE919ED9730}" type="datetimeFigureOut">
               <a:rPr lang="fr-FR" smtClean="0"/>
-              <a:t>08/06/2020</a:t>
+              <a:t>10/06/2020</a:t>
             </a:fld>
             <a:endParaRPr lang="fr-FR"/>
           </a:p>
@@ -763,7 +763,7 @@
           <a:p>
             <a:fld id="{1DD5E214-71AE-49E0-8511-3FE919ED9730}" type="datetimeFigureOut">
               <a:rPr lang="fr-FR" smtClean="0"/>
-              <a:t>08/06/2020</a:t>
+              <a:t>10/06/2020</a:t>
             </a:fld>
             <a:endParaRPr lang="fr-FR"/>
           </a:p>
@@ -1007,7 +1007,7 @@
           <a:p>
             <a:fld id="{1DD5E214-71AE-49E0-8511-3FE919ED9730}" type="datetimeFigureOut">
               <a:rPr lang="fr-FR" smtClean="0"/>
-              <a:t>08/06/2020</a:t>
+              <a:t>10/06/2020</a:t>
             </a:fld>
             <a:endParaRPr lang="fr-FR"/>
           </a:p>
@@ -1239,7 +1239,7 @@
           <a:p>
             <a:fld id="{1DD5E214-71AE-49E0-8511-3FE919ED9730}" type="datetimeFigureOut">
               <a:rPr lang="fr-FR" smtClean="0"/>
-              <a:t>08/06/2020</a:t>
+              <a:t>10/06/2020</a:t>
             </a:fld>
             <a:endParaRPr lang="fr-FR"/>
           </a:p>
@@ -1606,7 +1606,7 @@
           <a:p>
             <a:fld id="{1DD5E214-71AE-49E0-8511-3FE919ED9730}" type="datetimeFigureOut">
               <a:rPr lang="fr-FR" smtClean="0"/>
-              <a:t>08/06/2020</a:t>
+              <a:t>10/06/2020</a:t>
             </a:fld>
             <a:endParaRPr lang="fr-FR"/>
           </a:p>
@@ -1724,7 +1724,7 @@
           <a:p>
             <a:fld id="{1DD5E214-71AE-49E0-8511-3FE919ED9730}" type="datetimeFigureOut">
               <a:rPr lang="fr-FR" smtClean="0"/>
-              <a:t>08/06/2020</a:t>
+              <a:t>10/06/2020</a:t>
             </a:fld>
             <a:endParaRPr lang="fr-FR"/>
           </a:p>
@@ -1819,7 +1819,7 @@
           <a:p>
             <a:fld id="{1DD5E214-71AE-49E0-8511-3FE919ED9730}" type="datetimeFigureOut">
               <a:rPr lang="fr-FR" smtClean="0"/>
-              <a:t>08/06/2020</a:t>
+              <a:t>10/06/2020</a:t>
             </a:fld>
             <a:endParaRPr lang="fr-FR"/>
           </a:p>
@@ -2096,7 +2096,7 @@
           <a:p>
             <a:fld id="{1DD5E214-71AE-49E0-8511-3FE919ED9730}" type="datetimeFigureOut">
               <a:rPr lang="fr-FR" smtClean="0"/>
-              <a:t>08/06/2020</a:t>
+              <a:t>10/06/2020</a:t>
             </a:fld>
             <a:endParaRPr lang="fr-FR"/>
           </a:p>
@@ -2353,7 +2353,7 @@
           <a:p>
             <a:fld id="{1DD5E214-71AE-49E0-8511-3FE919ED9730}" type="datetimeFigureOut">
               <a:rPr lang="fr-FR" smtClean="0"/>
-              <a:t>08/06/2020</a:t>
+              <a:t>10/06/2020</a:t>
             </a:fld>
             <a:endParaRPr lang="fr-FR"/>
           </a:p>
@@ -2566,7 +2566,7 @@
           <a:p>
             <a:fld id="{1DD5E214-71AE-49E0-8511-3FE919ED9730}" type="datetimeFigureOut">
               <a:rPr lang="fr-FR" smtClean="0"/>
-              <a:t>08/06/2020</a:t>
+              <a:t>10/06/2020</a:t>
             </a:fld>
             <a:endParaRPr lang="fr-FR"/>
           </a:p>
@@ -6184,8 +6184,8 @@
           </a:fontRef>
         </p:style>
       </p:cxnSp>
-      <mc:AlternateContent xmlns:mc="http://schemas.openxmlformats.org/markup-compatibility/2006" xmlns:a14="http://schemas.microsoft.com/office/drawing/2010/main">
-        <mc:Choice Requires="a14">
+      <mc:AlternateContent xmlns:mc="http://schemas.openxmlformats.org/markup-compatibility/2006">
+        <mc:Choice xmlns:a14="http://schemas.microsoft.com/office/drawing/2010/main" Requires="a14">
           <p:graphicFrame>
             <p:nvGraphicFramePr>
               <p:cNvPr id="2" name="Tableau 1"/>
@@ -6195,7 +6195,7 @@
               <p:nvPr>
                 <p:extLst>
                   <p:ext uri="{D42A27DB-BD31-4B8C-83A1-F6EECF244321}">
-                    <p14:modId xmlns:p14="http://schemas.microsoft.com/office/powerpoint/2010/main" val="3529283879"/>
+                    <p14:modId xmlns:p14="http://schemas.microsoft.com/office/powerpoint/2010/main" val="1619824515"/>
                   </p:ext>
                 </p:extLst>
               </p:nvPr>
@@ -7837,7 +7837,7 @@
                               <a:ea typeface="+mn-ea"/>
                               <a:cs typeface="Times New Roman" panose="02020603050405020304" pitchFamily="18" charset="0"/>
                             </a:rPr>
-                            <a:t>393</a:t>
+                            <a:t>388</a:t>
                           </a:r>
                           <a:endParaRPr lang="fr-FR" sz="800" b="0" kern="1200" dirty="0">
                             <a:solidFill>
@@ -8168,7 +8168,7 @@
             </a:graphic>
           </p:graphicFrame>
         </mc:Choice>
-        <mc:Fallback xmlns="">
+        <mc:Fallback>
           <p:graphicFrame>
             <p:nvGraphicFramePr>
               <p:cNvPr id="2" name="Tableau 1"/>
@@ -8178,7 +8178,7 @@
               <p:nvPr>
                 <p:extLst>
                   <p:ext uri="{D42A27DB-BD31-4B8C-83A1-F6EECF244321}">
-                    <p14:modId xmlns:p14="http://schemas.microsoft.com/office/powerpoint/2010/main" val="3529283879"/>
+                    <p14:modId xmlns:p14="http://schemas.microsoft.com/office/powerpoint/2010/main" val="1619824515"/>
                   </p:ext>
                 </p:extLst>
               </p:nvPr>
@@ -9476,7 +9476,7 @@
                               <a:ea typeface="+mn-ea"/>
                               <a:cs typeface="Times New Roman" panose="02020603050405020304" pitchFamily="18" charset="0"/>
                             </a:rPr>
-                            <a:t>393</a:t>
+                            <a:t>388</a:t>
                           </a:r>
                           <a:endParaRPr lang="fr-FR" sz="800" b="0" kern="1200" dirty="0">
                             <a:solidFill>
@@ -10436,8 +10436,8 @@
           </a:p>
         </p:txBody>
       </p:sp>
-      <mc:AlternateContent xmlns:mc="http://schemas.openxmlformats.org/markup-compatibility/2006">
-        <mc:Choice xmlns:a14="http://schemas.microsoft.com/office/drawing/2010/main" Requires="a14">
+      <mc:AlternateContent xmlns:mc="http://schemas.openxmlformats.org/markup-compatibility/2006" xmlns:a14="http://schemas.microsoft.com/office/drawing/2010/main">
+        <mc:Choice Requires="a14">
           <p:graphicFrame>
             <p:nvGraphicFramePr>
               <p:cNvPr id="59" name="Tableau 58"/>
@@ -10569,6 +10569,7 @@
                         <a:bodyPr/>
                         <a:lstStyle/>
                         <a:p>
+                          <a:pPr/>
                           <a14:m>
                             <m:oMathPara xmlns:m="http://schemas.openxmlformats.org/officeDocument/2006/math">
                               <m:oMathParaPr>
@@ -11591,7 +11592,7 @@
             </a:graphic>
           </p:graphicFrame>
         </mc:Choice>
-        <mc:Fallback>
+        <mc:Fallback xmlns="">
           <p:graphicFrame>
             <p:nvGraphicFramePr>
               <p:cNvPr id="59" name="Tableau 58"/>
@@ -12447,10 +12448,6 @@
               </a:rPr>
               <a:t>C</a:t>
             </a:r>
-            <a:endParaRPr lang="en-US" sz="779" b="1" dirty="0">
-              <a:latin typeface="Times New Roman" panose="02020603050405020304" pitchFamily="18" charset="0"/>
-              <a:cs typeface="Times New Roman" panose="02020603050405020304" pitchFamily="18" charset="0"/>
-            </a:endParaRPr>
           </a:p>
         </p:txBody>
       </p:sp>

--- a/outputs/06_diversity_partitioning/schema_partition.pptx
+++ b/outputs/06_diversity_partitioning/schema_partition.pptx
@@ -243,7 +243,7 @@
           <a:p>
             <a:fld id="{1DD5E214-71AE-49E0-8511-3FE919ED9730}" type="datetimeFigureOut">
               <a:rPr lang="fr-FR" smtClean="0"/>
-              <a:t>10/06/2020</a:t>
+              <a:t>19/06/2020</a:t>
             </a:fld>
             <a:endParaRPr lang="fr-FR"/>
           </a:p>
@@ -413,7 +413,7 @@
           <a:p>
             <a:fld id="{1DD5E214-71AE-49E0-8511-3FE919ED9730}" type="datetimeFigureOut">
               <a:rPr lang="fr-FR" smtClean="0"/>
-              <a:t>10/06/2020</a:t>
+              <a:t>19/06/2020</a:t>
             </a:fld>
             <a:endParaRPr lang="fr-FR"/>
           </a:p>
@@ -593,7 +593,7 @@
           <a:p>
             <a:fld id="{1DD5E214-71AE-49E0-8511-3FE919ED9730}" type="datetimeFigureOut">
               <a:rPr lang="fr-FR" smtClean="0"/>
-              <a:t>10/06/2020</a:t>
+              <a:t>19/06/2020</a:t>
             </a:fld>
             <a:endParaRPr lang="fr-FR"/>
           </a:p>
@@ -763,7 +763,7 @@
           <a:p>
             <a:fld id="{1DD5E214-71AE-49E0-8511-3FE919ED9730}" type="datetimeFigureOut">
               <a:rPr lang="fr-FR" smtClean="0"/>
-              <a:t>10/06/2020</a:t>
+              <a:t>19/06/2020</a:t>
             </a:fld>
             <a:endParaRPr lang="fr-FR"/>
           </a:p>
@@ -1007,7 +1007,7 @@
           <a:p>
             <a:fld id="{1DD5E214-71AE-49E0-8511-3FE919ED9730}" type="datetimeFigureOut">
               <a:rPr lang="fr-FR" smtClean="0"/>
-              <a:t>10/06/2020</a:t>
+              <a:t>19/06/2020</a:t>
             </a:fld>
             <a:endParaRPr lang="fr-FR"/>
           </a:p>
@@ -1239,7 +1239,7 @@
           <a:p>
             <a:fld id="{1DD5E214-71AE-49E0-8511-3FE919ED9730}" type="datetimeFigureOut">
               <a:rPr lang="fr-FR" smtClean="0"/>
-              <a:t>10/06/2020</a:t>
+              <a:t>19/06/2020</a:t>
             </a:fld>
             <a:endParaRPr lang="fr-FR"/>
           </a:p>
@@ -1606,7 +1606,7 @@
           <a:p>
             <a:fld id="{1DD5E214-71AE-49E0-8511-3FE919ED9730}" type="datetimeFigureOut">
               <a:rPr lang="fr-FR" smtClean="0"/>
-              <a:t>10/06/2020</a:t>
+              <a:t>19/06/2020</a:t>
             </a:fld>
             <a:endParaRPr lang="fr-FR"/>
           </a:p>
@@ -1724,7 +1724,7 @@
           <a:p>
             <a:fld id="{1DD5E214-71AE-49E0-8511-3FE919ED9730}" type="datetimeFigureOut">
               <a:rPr lang="fr-FR" smtClean="0"/>
-              <a:t>10/06/2020</a:t>
+              <a:t>19/06/2020</a:t>
             </a:fld>
             <a:endParaRPr lang="fr-FR"/>
           </a:p>
@@ -1819,7 +1819,7 @@
           <a:p>
             <a:fld id="{1DD5E214-71AE-49E0-8511-3FE919ED9730}" type="datetimeFigureOut">
               <a:rPr lang="fr-FR" smtClean="0"/>
-              <a:t>10/06/2020</a:t>
+              <a:t>19/06/2020</a:t>
             </a:fld>
             <a:endParaRPr lang="fr-FR"/>
           </a:p>
@@ -2096,7 +2096,7 @@
           <a:p>
             <a:fld id="{1DD5E214-71AE-49E0-8511-3FE919ED9730}" type="datetimeFigureOut">
               <a:rPr lang="fr-FR" smtClean="0"/>
-              <a:t>10/06/2020</a:t>
+              <a:t>19/06/2020</a:t>
             </a:fld>
             <a:endParaRPr lang="fr-FR"/>
           </a:p>
@@ -2353,7 +2353,7 @@
           <a:p>
             <a:fld id="{1DD5E214-71AE-49E0-8511-3FE919ED9730}" type="datetimeFigureOut">
               <a:rPr lang="fr-FR" smtClean="0"/>
-              <a:t>10/06/2020</a:t>
+              <a:t>19/06/2020</a:t>
             </a:fld>
             <a:endParaRPr lang="fr-FR"/>
           </a:p>
@@ -2566,7 +2566,7 @@
           <a:p>
             <a:fld id="{1DD5E214-71AE-49E0-8511-3FE919ED9730}" type="datetimeFigureOut">
               <a:rPr lang="fr-FR" smtClean="0"/>
-              <a:t>10/06/2020</a:t>
+              <a:t>19/06/2020</a:t>
             </a:fld>
             <a:endParaRPr lang="fr-FR"/>
           </a:p>
@@ -3204,7 +3204,7 @@
                 <a:pPr algn="ctr"/>
                 <a:r>
                   <a:rPr lang="fr-FR" sz="701" dirty="0" smtClean="0"/>
-                  <a:t>2175 </a:t>
+                  <a:t>2160 </a:t>
                 </a:r>
                 <a:r>
                   <a:rPr lang="en-US" sz="701" dirty="0"/>
@@ -5475,7 +5475,7 @@
         <p:spPr>
           <a:xfrm>
             <a:off x="1836916" y="518333"/>
-            <a:ext cx="1949076" cy="212238"/>
+            <a:ext cx="1949076" cy="246221"/>
           </a:xfrm>
           <a:prstGeom prst="rect">
             <a:avLst/>
@@ -5489,11 +5489,25 @@
           <a:lstStyle/>
           <a:p>
             <a:r>
+              <a:rPr lang="en-US" sz="1000" b="1" dirty="0">
+                <a:latin typeface="Times New Roman" panose="02020603050405020304" pitchFamily="18" charset="0"/>
+                <a:cs typeface="Times New Roman" panose="02020603050405020304" pitchFamily="18" charset="0"/>
+              </a:rPr>
+              <a:t>a</a:t>
+            </a:r>
+            <a:r>
               <a:rPr lang="en-US" sz="779" b="1" dirty="0" smtClean="0">
                 <a:latin typeface="Times New Roman" panose="02020603050405020304" pitchFamily="18" charset="0"/>
                 <a:cs typeface="Times New Roman" panose="02020603050405020304" pitchFamily="18" charset="0"/>
               </a:rPr>
-              <a:t>A - Diversity </a:t>
+              <a:t> </a:t>
+            </a:r>
+            <a:r>
+              <a:rPr lang="en-US" sz="779" b="1" dirty="0" smtClean="0">
+                <a:latin typeface="Times New Roman" panose="02020603050405020304" pitchFamily="18" charset="0"/>
+                <a:cs typeface="Times New Roman" panose="02020603050405020304" pitchFamily="18" charset="0"/>
+              </a:rPr>
+              <a:t>- Diversity </a:t>
             </a:r>
             <a:r>
               <a:rPr lang="en-US" sz="779" b="1" dirty="0">
@@ -6184,8 +6198,8 @@
           </a:fontRef>
         </p:style>
       </p:cxnSp>
-      <mc:AlternateContent xmlns:mc="http://schemas.openxmlformats.org/markup-compatibility/2006">
-        <mc:Choice xmlns:a14="http://schemas.microsoft.com/office/drawing/2010/main" Requires="a14">
+      <mc:AlternateContent xmlns:mc="http://schemas.openxmlformats.org/markup-compatibility/2006" xmlns:a14="http://schemas.microsoft.com/office/drawing/2010/main">
+        <mc:Choice Requires="a14">
           <p:graphicFrame>
             <p:nvGraphicFramePr>
               <p:cNvPr id="2" name="Tableau 1"/>
@@ -8168,7 +8182,7 @@
             </a:graphic>
           </p:graphicFrame>
         </mc:Choice>
-        <mc:Fallback>
+        <mc:Fallback xmlns="">
           <p:graphicFrame>
             <p:nvGraphicFramePr>
               <p:cNvPr id="2" name="Tableau 1"/>
@@ -10413,7 +10427,7 @@
         <p:spPr>
           <a:xfrm>
             <a:off x="1836916" y="3767524"/>
-            <a:ext cx="269069" cy="212238"/>
+            <a:ext cx="269069" cy="246221"/>
           </a:xfrm>
           <a:prstGeom prst="rect">
             <a:avLst/>
@@ -10427,12 +10441,16 @@
           <a:lstStyle/>
           <a:p>
             <a:r>
-              <a:rPr lang="en-US" sz="779" b="1" dirty="0">
+              <a:rPr lang="en-US" sz="1000" b="1" dirty="0">
                 <a:latin typeface="Times New Roman" panose="02020603050405020304" pitchFamily="18" charset="0"/>
                 <a:cs typeface="Times New Roman" panose="02020603050405020304" pitchFamily="18" charset="0"/>
               </a:rPr>
-              <a:t>B</a:t>
+              <a:t>b</a:t>
             </a:r>
+            <a:endParaRPr lang="en-US" sz="1000" b="1" dirty="0">
+              <a:latin typeface="Times New Roman" panose="02020603050405020304" pitchFamily="18" charset="0"/>
+              <a:cs typeface="Times New Roman" panose="02020603050405020304" pitchFamily="18" charset="0"/>
+            </a:endParaRPr>
           </a:p>
         </p:txBody>
       </p:sp>
@@ -12428,7 +12446,7 @@
         <p:spPr>
           <a:xfrm>
             <a:off x="1836915" y="4873641"/>
-            <a:ext cx="269069" cy="212238"/>
+            <a:ext cx="269069" cy="246221"/>
           </a:xfrm>
           <a:prstGeom prst="rect">
             <a:avLst/>
@@ -12442,12 +12460,16 @@
           <a:lstStyle/>
           <a:p>
             <a:r>
-              <a:rPr lang="en-US" sz="779" b="1" dirty="0">
+              <a:rPr lang="en-US" sz="1000" b="1" dirty="0">
                 <a:latin typeface="Times New Roman" panose="02020603050405020304" pitchFamily="18" charset="0"/>
                 <a:cs typeface="Times New Roman" panose="02020603050405020304" pitchFamily="18" charset="0"/>
               </a:rPr>
-              <a:t>C</a:t>
+              <a:t>c</a:t>
             </a:r>
+            <a:endParaRPr lang="en-US" sz="1000" b="1" dirty="0">
+              <a:latin typeface="Times New Roman" panose="02020603050405020304" pitchFamily="18" charset="0"/>
+              <a:cs typeface="Times New Roman" panose="02020603050405020304" pitchFamily="18" charset="0"/>
+            </a:endParaRPr>
           </a:p>
         </p:txBody>
       </p:sp>

--- a/outputs/06_diversity_partitioning/schema_partition.pptx
+++ b/outputs/06_diversity_partitioning/schema_partition.pptx
@@ -6,6 +6,7 @@
   </p:sldMasterIdLst>
   <p:sldIdLst>
     <p:sldId id="256" r:id="rId2"/>
+    <p:sldId id="257" r:id="rId3"/>
   </p:sldIdLst>
   <p:sldSz cx="9906000" cy="6858000" type="A4"/>
   <p:notesSz cx="9144000" cy="6858000"/>
@@ -243,7 +244,7 @@
           <a:p>
             <a:fld id="{1DD5E214-71AE-49E0-8511-3FE919ED9730}" type="datetimeFigureOut">
               <a:rPr lang="fr-FR" smtClean="0"/>
-              <a:t>19/06/2020</a:t>
+              <a:t>23/06/2020</a:t>
             </a:fld>
             <a:endParaRPr lang="fr-FR"/>
           </a:p>
@@ -413,7 +414,7 @@
           <a:p>
             <a:fld id="{1DD5E214-71AE-49E0-8511-3FE919ED9730}" type="datetimeFigureOut">
               <a:rPr lang="fr-FR" smtClean="0"/>
-              <a:t>19/06/2020</a:t>
+              <a:t>23/06/2020</a:t>
             </a:fld>
             <a:endParaRPr lang="fr-FR"/>
           </a:p>
@@ -593,7 +594,7 @@
           <a:p>
             <a:fld id="{1DD5E214-71AE-49E0-8511-3FE919ED9730}" type="datetimeFigureOut">
               <a:rPr lang="fr-FR" smtClean="0"/>
-              <a:t>19/06/2020</a:t>
+              <a:t>23/06/2020</a:t>
             </a:fld>
             <a:endParaRPr lang="fr-FR"/>
           </a:p>
@@ -763,7 +764,7 @@
           <a:p>
             <a:fld id="{1DD5E214-71AE-49E0-8511-3FE919ED9730}" type="datetimeFigureOut">
               <a:rPr lang="fr-FR" smtClean="0"/>
-              <a:t>19/06/2020</a:t>
+              <a:t>23/06/2020</a:t>
             </a:fld>
             <a:endParaRPr lang="fr-FR"/>
           </a:p>
@@ -1007,7 +1008,7 @@
           <a:p>
             <a:fld id="{1DD5E214-71AE-49E0-8511-3FE919ED9730}" type="datetimeFigureOut">
               <a:rPr lang="fr-FR" smtClean="0"/>
-              <a:t>19/06/2020</a:t>
+              <a:t>23/06/2020</a:t>
             </a:fld>
             <a:endParaRPr lang="fr-FR"/>
           </a:p>
@@ -1239,7 +1240,7 @@
           <a:p>
             <a:fld id="{1DD5E214-71AE-49E0-8511-3FE919ED9730}" type="datetimeFigureOut">
               <a:rPr lang="fr-FR" smtClean="0"/>
-              <a:t>19/06/2020</a:t>
+              <a:t>23/06/2020</a:t>
             </a:fld>
             <a:endParaRPr lang="fr-FR"/>
           </a:p>
@@ -1606,7 +1607,7 @@
           <a:p>
             <a:fld id="{1DD5E214-71AE-49E0-8511-3FE919ED9730}" type="datetimeFigureOut">
               <a:rPr lang="fr-FR" smtClean="0"/>
-              <a:t>19/06/2020</a:t>
+              <a:t>23/06/2020</a:t>
             </a:fld>
             <a:endParaRPr lang="fr-FR"/>
           </a:p>
@@ -1724,7 +1725,7 @@
           <a:p>
             <a:fld id="{1DD5E214-71AE-49E0-8511-3FE919ED9730}" type="datetimeFigureOut">
               <a:rPr lang="fr-FR" smtClean="0"/>
-              <a:t>19/06/2020</a:t>
+              <a:t>23/06/2020</a:t>
             </a:fld>
             <a:endParaRPr lang="fr-FR"/>
           </a:p>
@@ -1819,7 +1820,7 @@
           <a:p>
             <a:fld id="{1DD5E214-71AE-49E0-8511-3FE919ED9730}" type="datetimeFigureOut">
               <a:rPr lang="fr-FR" smtClean="0"/>
-              <a:t>19/06/2020</a:t>
+              <a:t>23/06/2020</a:t>
             </a:fld>
             <a:endParaRPr lang="fr-FR"/>
           </a:p>
@@ -2096,7 +2097,7 @@
           <a:p>
             <a:fld id="{1DD5E214-71AE-49E0-8511-3FE919ED9730}" type="datetimeFigureOut">
               <a:rPr lang="fr-FR" smtClean="0"/>
-              <a:t>19/06/2020</a:t>
+              <a:t>23/06/2020</a:t>
             </a:fld>
             <a:endParaRPr lang="fr-FR"/>
           </a:p>
@@ -2353,7 +2354,7 @@
           <a:p>
             <a:fld id="{1DD5E214-71AE-49E0-8511-3FE919ED9730}" type="datetimeFigureOut">
               <a:rPr lang="fr-FR" smtClean="0"/>
-              <a:t>19/06/2020</a:t>
+              <a:t>23/06/2020</a:t>
             </a:fld>
             <a:endParaRPr lang="fr-FR"/>
           </a:p>
@@ -2566,7 +2567,7 @@
           <a:p>
             <a:fld id="{1DD5E214-71AE-49E0-8511-3FE919ED9730}" type="datetimeFigureOut">
               <a:rPr lang="fr-FR" smtClean="0"/>
-              <a:t>19/06/2020</a:t>
+              <a:t>23/06/2020</a:t>
             </a:fld>
             <a:endParaRPr lang="fr-FR"/>
           </a:p>
@@ -5500,14 +5501,7 @@
                 <a:latin typeface="Times New Roman" panose="02020603050405020304" pitchFamily="18" charset="0"/>
                 <a:cs typeface="Times New Roman" panose="02020603050405020304" pitchFamily="18" charset="0"/>
               </a:rPr>
-              <a:t> </a:t>
-            </a:r>
-            <a:r>
-              <a:rPr lang="en-US" sz="779" b="1" dirty="0" smtClean="0">
-                <a:latin typeface="Times New Roman" panose="02020603050405020304" pitchFamily="18" charset="0"/>
-                <a:cs typeface="Times New Roman" panose="02020603050405020304" pitchFamily="18" charset="0"/>
-              </a:rPr>
-              <a:t>- Diversity </a:t>
+              <a:t> - Diversity </a:t>
             </a:r>
             <a:r>
               <a:rPr lang="en-US" sz="779" b="1" dirty="0">
@@ -10447,10 +10441,6 @@
               </a:rPr>
               <a:t>b</a:t>
             </a:r>
-            <a:endParaRPr lang="en-US" sz="1000" b="1" dirty="0">
-              <a:latin typeface="Times New Roman" panose="02020603050405020304" pitchFamily="18" charset="0"/>
-              <a:cs typeface="Times New Roman" panose="02020603050405020304" pitchFamily="18" charset="0"/>
-            </a:endParaRPr>
           </a:p>
         </p:txBody>
       </p:sp>
@@ -12466,10 +12456,6 @@
               </a:rPr>
               <a:t>c</a:t>
             </a:r>
-            <a:endParaRPr lang="en-US" sz="1000" b="1" dirty="0">
-              <a:latin typeface="Times New Roman" panose="02020603050405020304" pitchFamily="18" charset="0"/>
-              <a:cs typeface="Times New Roman" panose="02020603050405020304" pitchFamily="18" charset="0"/>
-            </a:endParaRPr>
           </a:p>
         </p:txBody>
       </p:sp>
@@ -12490,6 +12476,3665 @@
       </p:par>
     </p:tnLst>
   </p:timing>
+</p:sld>
+</file>
+
+<file path=ppt/slides/slide2.xml><?xml version="1.0" encoding="utf-8"?>
+<p:sld xmlns:a="http://schemas.openxmlformats.org/drawingml/2006/main" xmlns:r="http://schemas.openxmlformats.org/officeDocument/2006/relationships" xmlns:p="http://schemas.openxmlformats.org/presentationml/2006/main">
+  <p:cSld>
+    <p:spTree>
+      <p:nvGrpSpPr>
+        <p:cNvPr id="1" name=""/>
+        <p:cNvGrpSpPr/>
+        <p:nvPr/>
+      </p:nvGrpSpPr>
+      <p:grpSpPr>
+        <a:xfrm>
+          <a:off x="0" y="0"/>
+          <a:ext cx="0" cy="0"/>
+          <a:chOff x="0" y="0"/>
+          <a:chExt cx="0" cy="0"/>
+        </a:xfrm>
+      </p:grpSpPr>
+      <p:sp>
+        <p:nvSpPr>
+          <p:cNvPr id="80" name="Ellipse 79"/>
+          <p:cNvSpPr/>
+          <p:nvPr/>
+        </p:nvSpPr>
+        <p:spPr>
+          <a:xfrm>
+            <a:off x="931021" y="4018399"/>
+            <a:ext cx="72000" cy="72000"/>
+          </a:xfrm>
+          <a:prstGeom prst="ellipse">
+            <a:avLst/>
+          </a:prstGeom>
+          <a:solidFill>
+            <a:srgbClr val="8CB28C"/>
+          </a:solidFill>
+          <a:ln>
+            <a:solidFill>
+              <a:srgbClr val="8CB28C"/>
+            </a:solidFill>
+          </a:ln>
+        </p:spPr>
+        <p:style>
+          <a:lnRef idx="2">
+            <a:schemeClr val="accent1">
+              <a:shade val="50000"/>
+            </a:schemeClr>
+          </a:lnRef>
+          <a:fillRef idx="1">
+            <a:schemeClr val="accent1"/>
+          </a:fillRef>
+          <a:effectRef idx="0">
+            <a:schemeClr val="accent1"/>
+          </a:effectRef>
+          <a:fontRef idx="minor">
+            <a:schemeClr val="lt1"/>
+          </a:fontRef>
+        </p:style>
+        <p:txBody>
+          <a:bodyPr rtlCol="0" anchor="ctr"/>
+          <a:lstStyle/>
+          <a:p>
+            <a:pPr algn="ctr"/>
+            <a:endParaRPr lang="fr-FR"/>
+          </a:p>
+        </p:txBody>
+      </p:sp>
+      <p:sp>
+        <p:nvSpPr>
+          <p:cNvPr id="71" name="Ellipse 70"/>
+          <p:cNvSpPr/>
+          <p:nvPr/>
+        </p:nvSpPr>
+        <p:spPr>
+          <a:xfrm>
+            <a:off x="872819" y="4018399"/>
+            <a:ext cx="72000" cy="72000"/>
+          </a:xfrm>
+          <a:prstGeom prst="ellipse">
+            <a:avLst/>
+          </a:prstGeom>
+          <a:solidFill>
+            <a:srgbClr val="E6A829"/>
+          </a:solidFill>
+          <a:ln>
+            <a:solidFill>
+              <a:srgbClr val="E6A829"/>
+            </a:solidFill>
+          </a:ln>
+        </p:spPr>
+        <p:style>
+          <a:lnRef idx="2">
+            <a:schemeClr val="accent1">
+              <a:shade val="50000"/>
+            </a:schemeClr>
+          </a:lnRef>
+          <a:fillRef idx="1">
+            <a:schemeClr val="accent1"/>
+          </a:fillRef>
+          <a:effectRef idx="0">
+            <a:schemeClr val="accent1"/>
+          </a:effectRef>
+          <a:fontRef idx="minor">
+            <a:schemeClr val="lt1"/>
+          </a:fontRef>
+        </p:style>
+        <p:txBody>
+          <a:bodyPr rtlCol="0" anchor="ctr"/>
+          <a:lstStyle/>
+          <a:p>
+            <a:pPr algn="ctr"/>
+            <a:endParaRPr lang="fr-FR"/>
+          </a:p>
+        </p:txBody>
+      </p:sp>
+      <p:sp>
+        <p:nvSpPr>
+          <p:cNvPr id="66" name="Ellipse 65"/>
+          <p:cNvSpPr/>
+          <p:nvPr/>
+        </p:nvSpPr>
+        <p:spPr>
+          <a:xfrm>
+            <a:off x="1870353" y="3004246"/>
+            <a:ext cx="72000" cy="72000"/>
+          </a:xfrm>
+          <a:prstGeom prst="ellipse">
+            <a:avLst/>
+          </a:prstGeom>
+          <a:solidFill>
+            <a:srgbClr val="893C34"/>
+          </a:solidFill>
+          <a:ln>
+            <a:solidFill>
+              <a:srgbClr val="873B34"/>
+            </a:solidFill>
+          </a:ln>
+        </p:spPr>
+        <p:style>
+          <a:lnRef idx="2">
+            <a:schemeClr val="accent1">
+              <a:shade val="50000"/>
+            </a:schemeClr>
+          </a:lnRef>
+          <a:fillRef idx="1">
+            <a:schemeClr val="accent1"/>
+          </a:fillRef>
+          <a:effectRef idx="0">
+            <a:schemeClr val="accent1"/>
+          </a:effectRef>
+          <a:fontRef idx="minor">
+            <a:schemeClr val="lt1"/>
+          </a:fontRef>
+        </p:style>
+        <p:txBody>
+          <a:bodyPr rtlCol="0" anchor="ctr"/>
+          <a:lstStyle/>
+          <a:p>
+            <a:pPr algn="ctr"/>
+            <a:endParaRPr lang="fr-FR"/>
+          </a:p>
+        </p:txBody>
+      </p:sp>
+      <p:sp>
+        <p:nvSpPr>
+          <p:cNvPr id="67" name="Ellipse 66"/>
+          <p:cNvSpPr/>
+          <p:nvPr/>
+        </p:nvSpPr>
+        <p:spPr>
+          <a:xfrm>
+            <a:off x="1573865" y="3514095"/>
+            <a:ext cx="72000" cy="72000"/>
+          </a:xfrm>
+          <a:prstGeom prst="ellipse">
+            <a:avLst/>
+          </a:prstGeom>
+          <a:solidFill>
+            <a:srgbClr val="893C34"/>
+          </a:solidFill>
+          <a:ln>
+            <a:solidFill>
+              <a:srgbClr val="873B34"/>
+            </a:solidFill>
+          </a:ln>
+        </p:spPr>
+        <p:style>
+          <a:lnRef idx="2">
+            <a:schemeClr val="accent1">
+              <a:shade val="50000"/>
+            </a:schemeClr>
+          </a:lnRef>
+          <a:fillRef idx="1">
+            <a:schemeClr val="accent1"/>
+          </a:fillRef>
+          <a:effectRef idx="0">
+            <a:schemeClr val="accent1"/>
+          </a:effectRef>
+          <a:fontRef idx="minor">
+            <a:schemeClr val="lt1"/>
+          </a:fontRef>
+        </p:style>
+        <p:txBody>
+          <a:bodyPr rtlCol="0" anchor="ctr"/>
+          <a:lstStyle/>
+          <a:p>
+            <a:pPr algn="ctr"/>
+            <a:endParaRPr lang="fr-FR"/>
+          </a:p>
+        </p:txBody>
+      </p:sp>
+      <p:sp>
+        <p:nvSpPr>
+          <p:cNvPr id="68" name="Ellipse 67"/>
+          <p:cNvSpPr/>
+          <p:nvPr/>
+        </p:nvSpPr>
+        <p:spPr>
+          <a:xfrm>
+            <a:off x="991969" y="4012861"/>
+            <a:ext cx="72000" cy="72000"/>
+          </a:xfrm>
+          <a:prstGeom prst="ellipse">
+            <a:avLst/>
+          </a:prstGeom>
+          <a:solidFill>
+            <a:srgbClr val="893C34"/>
+          </a:solidFill>
+          <a:ln>
+            <a:solidFill>
+              <a:srgbClr val="873B34"/>
+            </a:solidFill>
+          </a:ln>
+        </p:spPr>
+        <p:style>
+          <a:lnRef idx="2">
+            <a:schemeClr val="accent1">
+              <a:shade val="50000"/>
+            </a:schemeClr>
+          </a:lnRef>
+          <a:fillRef idx="1">
+            <a:schemeClr val="accent1"/>
+          </a:fillRef>
+          <a:effectRef idx="0">
+            <a:schemeClr val="accent1"/>
+          </a:effectRef>
+          <a:fontRef idx="minor">
+            <a:schemeClr val="lt1"/>
+          </a:fontRef>
+        </p:style>
+        <p:txBody>
+          <a:bodyPr rtlCol="0" anchor="ctr"/>
+          <a:lstStyle/>
+          <a:p>
+            <a:pPr algn="ctr"/>
+            <a:endParaRPr lang="fr-FR"/>
+          </a:p>
+        </p:txBody>
+      </p:sp>
+      <p:sp>
+        <p:nvSpPr>
+          <p:cNvPr id="69" name="Ellipse 68"/>
+          <p:cNvSpPr/>
+          <p:nvPr/>
+        </p:nvSpPr>
+        <p:spPr>
+          <a:xfrm>
+            <a:off x="1183171" y="3007012"/>
+            <a:ext cx="72000" cy="72000"/>
+          </a:xfrm>
+          <a:prstGeom prst="ellipse">
+            <a:avLst/>
+          </a:prstGeom>
+          <a:solidFill>
+            <a:srgbClr val="E6A829"/>
+          </a:solidFill>
+          <a:ln>
+            <a:solidFill>
+              <a:srgbClr val="E6A829"/>
+            </a:solidFill>
+          </a:ln>
+        </p:spPr>
+        <p:style>
+          <a:lnRef idx="2">
+            <a:schemeClr val="accent1">
+              <a:shade val="50000"/>
+            </a:schemeClr>
+          </a:lnRef>
+          <a:fillRef idx="1">
+            <a:schemeClr val="accent1"/>
+          </a:fillRef>
+          <a:effectRef idx="0">
+            <a:schemeClr val="accent1"/>
+          </a:effectRef>
+          <a:fontRef idx="minor">
+            <a:schemeClr val="lt1"/>
+          </a:fontRef>
+        </p:style>
+        <p:txBody>
+          <a:bodyPr rtlCol="0" anchor="ctr"/>
+          <a:lstStyle/>
+          <a:p>
+            <a:pPr algn="ctr"/>
+            <a:endParaRPr lang="fr-FR"/>
+          </a:p>
+        </p:txBody>
+      </p:sp>
+      <p:sp>
+        <p:nvSpPr>
+          <p:cNvPr id="70" name="Ellipse 69"/>
+          <p:cNvSpPr/>
+          <p:nvPr/>
+        </p:nvSpPr>
+        <p:spPr>
+          <a:xfrm>
+            <a:off x="953180" y="3516865"/>
+            <a:ext cx="72000" cy="72000"/>
+          </a:xfrm>
+          <a:prstGeom prst="ellipse">
+            <a:avLst/>
+          </a:prstGeom>
+          <a:solidFill>
+            <a:srgbClr val="E6A829"/>
+          </a:solidFill>
+          <a:ln>
+            <a:solidFill>
+              <a:srgbClr val="E6A829"/>
+            </a:solidFill>
+          </a:ln>
+        </p:spPr>
+        <p:style>
+          <a:lnRef idx="2">
+            <a:schemeClr val="accent1">
+              <a:shade val="50000"/>
+            </a:schemeClr>
+          </a:lnRef>
+          <a:fillRef idx="1">
+            <a:schemeClr val="accent1"/>
+          </a:fillRef>
+          <a:effectRef idx="0">
+            <a:schemeClr val="accent1"/>
+          </a:effectRef>
+          <a:fontRef idx="minor">
+            <a:schemeClr val="lt1"/>
+          </a:fontRef>
+        </p:style>
+        <p:txBody>
+          <a:bodyPr rtlCol="0" anchor="ctr"/>
+          <a:lstStyle/>
+          <a:p>
+            <a:pPr algn="ctr"/>
+            <a:endParaRPr lang="fr-FR"/>
+          </a:p>
+        </p:txBody>
+      </p:sp>
+      <p:sp>
+        <p:nvSpPr>
+          <p:cNvPr id="73" name="Ellipse 72"/>
+          <p:cNvSpPr/>
+          <p:nvPr/>
+        </p:nvSpPr>
+        <p:spPr>
+          <a:xfrm>
+            <a:off x="786924" y="3516863"/>
+            <a:ext cx="72000" cy="72000"/>
+          </a:xfrm>
+          <a:prstGeom prst="ellipse">
+            <a:avLst/>
+          </a:prstGeom>
+          <a:solidFill>
+            <a:srgbClr val="49471D"/>
+          </a:solidFill>
+          <a:ln>
+            <a:solidFill>
+              <a:srgbClr val="49471D"/>
+            </a:solidFill>
+          </a:ln>
+        </p:spPr>
+        <p:style>
+          <a:lnRef idx="2">
+            <a:schemeClr val="accent1">
+              <a:shade val="50000"/>
+            </a:schemeClr>
+          </a:lnRef>
+          <a:fillRef idx="1">
+            <a:schemeClr val="accent1"/>
+          </a:fillRef>
+          <a:effectRef idx="0">
+            <a:schemeClr val="accent1"/>
+          </a:effectRef>
+          <a:fontRef idx="minor">
+            <a:schemeClr val="lt1"/>
+          </a:fontRef>
+        </p:style>
+        <p:txBody>
+          <a:bodyPr rtlCol="0" anchor="ctr"/>
+          <a:lstStyle/>
+          <a:p>
+            <a:pPr algn="ctr"/>
+            <a:endParaRPr lang="fr-FR"/>
+          </a:p>
+        </p:txBody>
+      </p:sp>
+      <p:sp>
+        <p:nvSpPr>
+          <p:cNvPr id="74" name="Ellipse 73"/>
+          <p:cNvSpPr/>
+          <p:nvPr/>
+        </p:nvSpPr>
+        <p:spPr>
+          <a:xfrm>
+            <a:off x="798003" y="4018399"/>
+            <a:ext cx="72000" cy="72000"/>
+          </a:xfrm>
+          <a:prstGeom prst="ellipse">
+            <a:avLst/>
+          </a:prstGeom>
+          <a:solidFill>
+            <a:srgbClr val="49471D"/>
+          </a:solidFill>
+          <a:ln>
+            <a:solidFill>
+              <a:srgbClr val="49471D"/>
+            </a:solidFill>
+          </a:ln>
+        </p:spPr>
+        <p:style>
+          <a:lnRef idx="2">
+            <a:schemeClr val="accent1">
+              <a:shade val="50000"/>
+            </a:schemeClr>
+          </a:lnRef>
+          <a:fillRef idx="1">
+            <a:schemeClr val="accent1"/>
+          </a:fillRef>
+          <a:effectRef idx="0">
+            <a:schemeClr val="accent1"/>
+          </a:effectRef>
+          <a:fontRef idx="minor">
+            <a:schemeClr val="lt1"/>
+          </a:fontRef>
+        </p:style>
+        <p:txBody>
+          <a:bodyPr rtlCol="0" anchor="ctr"/>
+          <a:lstStyle/>
+          <a:p>
+            <a:pPr algn="ctr"/>
+            <a:endParaRPr lang="fr-FR"/>
+          </a:p>
+        </p:txBody>
+      </p:sp>
+      <p:sp>
+        <p:nvSpPr>
+          <p:cNvPr id="75" name="Ellipse 74"/>
+          <p:cNvSpPr/>
+          <p:nvPr/>
+        </p:nvSpPr>
+        <p:spPr>
+          <a:xfrm>
+            <a:off x="1124979" y="3007012"/>
+            <a:ext cx="72000" cy="72000"/>
+          </a:xfrm>
+          <a:prstGeom prst="ellipse">
+            <a:avLst/>
+          </a:prstGeom>
+          <a:solidFill>
+            <a:srgbClr val="AE6348"/>
+          </a:solidFill>
+          <a:ln>
+            <a:solidFill>
+              <a:srgbClr val="AE6348"/>
+            </a:solidFill>
+          </a:ln>
+        </p:spPr>
+        <p:style>
+          <a:lnRef idx="2">
+            <a:schemeClr val="accent1">
+              <a:shade val="50000"/>
+            </a:schemeClr>
+          </a:lnRef>
+          <a:fillRef idx="1">
+            <a:schemeClr val="accent1"/>
+          </a:fillRef>
+          <a:effectRef idx="0">
+            <a:schemeClr val="accent1"/>
+          </a:effectRef>
+          <a:fontRef idx="minor">
+            <a:schemeClr val="lt1"/>
+          </a:fontRef>
+        </p:style>
+        <p:txBody>
+          <a:bodyPr rtlCol="0" anchor="ctr"/>
+          <a:lstStyle/>
+          <a:p>
+            <a:pPr algn="ctr"/>
+            <a:endParaRPr lang="fr-FR"/>
+          </a:p>
+        </p:txBody>
+      </p:sp>
+      <p:sp>
+        <p:nvSpPr>
+          <p:cNvPr id="76" name="Ellipse 75"/>
+          <p:cNvSpPr/>
+          <p:nvPr/>
+        </p:nvSpPr>
+        <p:spPr>
+          <a:xfrm>
+            <a:off x="836804" y="3516860"/>
+            <a:ext cx="72000" cy="72000"/>
+          </a:xfrm>
+          <a:prstGeom prst="ellipse">
+            <a:avLst/>
+          </a:prstGeom>
+          <a:solidFill>
+            <a:srgbClr val="AE6348"/>
+          </a:solidFill>
+          <a:ln>
+            <a:solidFill>
+              <a:srgbClr val="AE6348"/>
+            </a:solidFill>
+          </a:ln>
+        </p:spPr>
+        <p:style>
+          <a:lnRef idx="2">
+            <a:schemeClr val="accent1">
+              <a:shade val="50000"/>
+            </a:schemeClr>
+          </a:lnRef>
+          <a:fillRef idx="1">
+            <a:schemeClr val="accent1"/>
+          </a:fillRef>
+          <a:effectRef idx="0">
+            <a:schemeClr val="accent1"/>
+          </a:effectRef>
+          <a:fontRef idx="minor">
+            <a:schemeClr val="lt1"/>
+          </a:fontRef>
+        </p:style>
+        <p:txBody>
+          <a:bodyPr rtlCol="0" anchor="ctr"/>
+          <a:lstStyle/>
+          <a:p>
+            <a:pPr algn="ctr"/>
+            <a:endParaRPr lang="fr-FR"/>
+          </a:p>
+        </p:txBody>
+      </p:sp>
+      <p:sp>
+        <p:nvSpPr>
+          <p:cNvPr id="77" name="Ellipse 76"/>
+          <p:cNvSpPr/>
+          <p:nvPr/>
+        </p:nvSpPr>
+        <p:spPr>
+          <a:xfrm>
+            <a:off x="839570" y="4018396"/>
+            <a:ext cx="72000" cy="72000"/>
+          </a:xfrm>
+          <a:prstGeom prst="ellipse">
+            <a:avLst/>
+          </a:prstGeom>
+          <a:solidFill>
+            <a:srgbClr val="AE6348"/>
+          </a:solidFill>
+          <a:ln>
+            <a:solidFill>
+              <a:srgbClr val="AE6348"/>
+            </a:solidFill>
+          </a:ln>
+        </p:spPr>
+        <p:style>
+          <a:lnRef idx="2">
+            <a:schemeClr val="accent1">
+              <a:shade val="50000"/>
+            </a:schemeClr>
+          </a:lnRef>
+          <a:fillRef idx="1">
+            <a:schemeClr val="accent1"/>
+          </a:fillRef>
+          <a:effectRef idx="0">
+            <a:schemeClr val="accent1"/>
+          </a:effectRef>
+          <a:fontRef idx="minor">
+            <a:schemeClr val="lt1"/>
+          </a:fontRef>
+        </p:style>
+        <p:txBody>
+          <a:bodyPr rtlCol="0" anchor="ctr"/>
+          <a:lstStyle/>
+          <a:p>
+            <a:pPr algn="ctr"/>
+            <a:endParaRPr lang="fr-FR"/>
+          </a:p>
+        </p:txBody>
+      </p:sp>
+      <p:sp>
+        <p:nvSpPr>
+          <p:cNvPr id="78" name="Ellipse 77"/>
+          <p:cNvSpPr/>
+          <p:nvPr/>
+        </p:nvSpPr>
+        <p:spPr>
+          <a:xfrm>
+            <a:off x="3120038" y="3015328"/>
+            <a:ext cx="72000" cy="72000"/>
+          </a:xfrm>
+          <a:prstGeom prst="ellipse">
+            <a:avLst/>
+          </a:prstGeom>
+          <a:solidFill>
+            <a:srgbClr val="8CB28C"/>
+          </a:solidFill>
+          <a:ln>
+            <a:solidFill>
+              <a:srgbClr val="8CB28C"/>
+            </a:solidFill>
+          </a:ln>
+        </p:spPr>
+        <p:style>
+          <a:lnRef idx="2">
+            <a:schemeClr val="accent1">
+              <a:shade val="50000"/>
+            </a:schemeClr>
+          </a:lnRef>
+          <a:fillRef idx="1">
+            <a:schemeClr val="accent1"/>
+          </a:fillRef>
+          <a:effectRef idx="0">
+            <a:schemeClr val="accent1"/>
+          </a:effectRef>
+          <a:fontRef idx="minor">
+            <a:schemeClr val="lt1"/>
+          </a:fontRef>
+        </p:style>
+        <p:txBody>
+          <a:bodyPr rtlCol="0" anchor="ctr"/>
+          <a:lstStyle/>
+          <a:p>
+            <a:pPr algn="ctr"/>
+            <a:endParaRPr lang="fr-FR"/>
+          </a:p>
+        </p:txBody>
+      </p:sp>
+      <p:sp>
+        <p:nvSpPr>
+          <p:cNvPr id="79" name="Ellipse 78"/>
+          <p:cNvSpPr/>
+          <p:nvPr/>
+        </p:nvSpPr>
+        <p:spPr>
+          <a:xfrm>
+            <a:off x="1177631" y="3516862"/>
+            <a:ext cx="72000" cy="72000"/>
+          </a:xfrm>
+          <a:prstGeom prst="ellipse">
+            <a:avLst/>
+          </a:prstGeom>
+          <a:solidFill>
+            <a:srgbClr val="8CB28C"/>
+          </a:solidFill>
+          <a:ln>
+            <a:solidFill>
+              <a:srgbClr val="8CB28C"/>
+            </a:solidFill>
+          </a:ln>
+        </p:spPr>
+        <p:style>
+          <a:lnRef idx="2">
+            <a:schemeClr val="accent1">
+              <a:shade val="50000"/>
+            </a:schemeClr>
+          </a:lnRef>
+          <a:fillRef idx="1">
+            <a:schemeClr val="accent1"/>
+          </a:fillRef>
+          <a:effectRef idx="0">
+            <a:schemeClr val="accent1"/>
+          </a:effectRef>
+          <a:fontRef idx="minor">
+            <a:schemeClr val="lt1"/>
+          </a:fontRef>
+        </p:style>
+        <p:txBody>
+          <a:bodyPr rtlCol="0" anchor="ctr"/>
+          <a:lstStyle/>
+          <a:p>
+            <a:pPr algn="ctr"/>
+            <a:endParaRPr lang="fr-FR"/>
+          </a:p>
+        </p:txBody>
+      </p:sp>
+      <p:grpSp>
+        <p:nvGrpSpPr>
+          <p:cNvPr id="88" name="Groupe 87"/>
+          <p:cNvGrpSpPr/>
+          <p:nvPr/>
+        </p:nvGrpSpPr>
+        <p:grpSpPr>
+          <a:xfrm>
+            <a:off x="490444" y="139918"/>
+            <a:ext cx="8948165" cy="4322926"/>
+            <a:chOff x="490444" y="139918"/>
+            <a:chExt cx="8948165" cy="4322926"/>
+          </a:xfrm>
+        </p:grpSpPr>
+        <p:grpSp>
+          <p:nvGrpSpPr>
+            <p:cNvPr id="81" name="Groupe 80"/>
+            <p:cNvGrpSpPr/>
+            <p:nvPr/>
+          </p:nvGrpSpPr>
+          <p:grpSpPr>
+            <a:xfrm>
+              <a:off x="490444" y="139918"/>
+              <a:ext cx="8948165" cy="4322926"/>
+              <a:chOff x="490444" y="139918"/>
+              <a:chExt cx="8948165" cy="4322926"/>
+            </a:xfrm>
+          </p:grpSpPr>
+          <p:pic>
+            <p:nvPicPr>
+              <p:cNvPr id="4" name="Image 3"/>
+              <p:cNvPicPr>
+                <a:picLocks noChangeAspect="1"/>
+              </p:cNvPicPr>
+              <p:nvPr/>
+            </p:nvPicPr>
+            <p:blipFill>
+              <a:blip r:embed="rId2" cstate="print">
+                <a:extLst>
+                  <a:ext uri="{28A0092B-C50C-407E-A947-70E740481C1C}">
+                    <a14:useLocalDpi xmlns:a14="http://schemas.microsoft.com/office/drawing/2010/main" val="0"/>
+                  </a:ext>
+                </a:extLst>
+              </a:blip>
+              <a:stretch>
+                <a:fillRect/>
+              </a:stretch>
+            </p:blipFill>
+            <p:spPr>
+              <a:xfrm>
+                <a:off x="637272" y="435615"/>
+                <a:ext cx="1422394" cy="1012454"/>
+              </a:xfrm>
+              <a:prstGeom prst="rect">
+                <a:avLst/>
+              </a:prstGeom>
+              <a:ln w="12700">
+                <a:noFill/>
+              </a:ln>
+            </p:spPr>
+          </p:pic>
+          <p:pic>
+            <p:nvPicPr>
+              <p:cNvPr id="5" name="Image 4"/>
+              <p:cNvPicPr>
+                <a:picLocks noChangeAspect="1"/>
+              </p:cNvPicPr>
+              <p:nvPr/>
+            </p:nvPicPr>
+            <p:blipFill>
+              <a:blip r:embed="rId3" cstate="print">
+                <a:extLst>
+                  <a:ext uri="{28A0092B-C50C-407E-A947-70E740481C1C}">
+                    <a14:useLocalDpi xmlns:a14="http://schemas.microsoft.com/office/drawing/2010/main" val="0"/>
+                  </a:ext>
+                </a:extLst>
+              </a:blip>
+              <a:stretch>
+                <a:fillRect/>
+              </a:stretch>
+            </p:blipFill>
+            <p:spPr>
+              <a:xfrm>
+                <a:off x="5001836" y="432533"/>
+                <a:ext cx="1420176" cy="1006826"/>
+              </a:xfrm>
+              <a:prstGeom prst="rect">
+                <a:avLst/>
+              </a:prstGeom>
+              <a:ln w="12700">
+                <a:noFill/>
+              </a:ln>
+            </p:spPr>
+          </p:pic>
+          <p:sp>
+            <p:nvSpPr>
+              <p:cNvPr id="6" name="ZoneTexte 5"/>
+              <p:cNvSpPr txBox="1"/>
+              <p:nvPr/>
+            </p:nvSpPr>
+            <p:spPr>
+              <a:xfrm>
+                <a:off x="6688284" y="157420"/>
+                <a:ext cx="927149" cy="261610"/>
+              </a:xfrm>
+              <a:prstGeom prst="rect">
+                <a:avLst/>
+              </a:prstGeom>
+              <a:noFill/>
+            </p:spPr>
+            <p:txBody>
+              <a:bodyPr wrap="square" rtlCol="0">
+                <a:spAutoFit/>
+              </a:bodyPr>
+              <a:lstStyle/>
+              <a:p>
+                <a:r>
+                  <a:rPr lang="fr-FR" sz="1100" dirty="0">
+                    <a:latin typeface="Times New Roman" panose="02020603050405020304" pitchFamily="18" charset="0"/>
+                    <a:cs typeface="Times New Roman" panose="02020603050405020304" pitchFamily="18" charset="0"/>
+                  </a:rPr>
+                  <a:t>Caribbean</a:t>
+                </a:r>
+              </a:p>
+            </p:txBody>
+          </p:sp>
+          <p:sp>
+            <p:nvSpPr>
+              <p:cNvPr id="7" name="ZoneTexte 6"/>
+              <p:cNvSpPr txBox="1"/>
+              <p:nvPr/>
+            </p:nvSpPr>
+            <p:spPr>
+              <a:xfrm>
+                <a:off x="5175286" y="157420"/>
+                <a:ext cx="1159437" cy="261610"/>
+              </a:xfrm>
+              <a:prstGeom prst="rect">
+                <a:avLst/>
+              </a:prstGeom>
+              <a:noFill/>
+            </p:spPr>
+            <p:txBody>
+              <a:bodyPr wrap="square" rtlCol="0">
+                <a:spAutoFit/>
+              </a:bodyPr>
+              <a:lstStyle/>
+              <a:p>
+                <a:r>
+                  <a:rPr lang="fr-FR" sz="1100" dirty="0">
+                    <a:latin typeface="Times New Roman" panose="02020603050405020304" pitchFamily="18" charset="0"/>
+                    <a:cs typeface="Times New Roman" panose="02020603050405020304" pitchFamily="18" charset="0"/>
+                  </a:rPr>
+                  <a:t>Central Pacific</a:t>
+                </a:r>
+              </a:p>
+            </p:txBody>
+          </p:sp>
+          <p:sp>
+            <p:nvSpPr>
+              <p:cNvPr id="8" name="ZoneTexte 7"/>
+              <p:cNvSpPr txBox="1"/>
+              <p:nvPr/>
+            </p:nvSpPr>
+            <p:spPr>
+              <a:xfrm>
+                <a:off x="901647" y="139918"/>
+                <a:ext cx="942412" cy="261610"/>
+              </a:xfrm>
+              <a:prstGeom prst="rect">
+                <a:avLst/>
+              </a:prstGeom>
+              <a:noFill/>
+            </p:spPr>
+            <p:txBody>
+              <a:bodyPr wrap="square" rtlCol="0">
+                <a:spAutoFit/>
+              </a:bodyPr>
+              <a:lstStyle/>
+              <a:p>
+                <a:r>
+                  <a:rPr lang="fr-FR" sz="1100" dirty="0">
+                    <a:latin typeface="Times New Roman" panose="02020603050405020304" pitchFamily="18" charset="0"/>
+                    <a:cs typeface="Times New Roman" panose="02020603050405020304" pitchFamily="18" charset="0"/>
+                  </a:rPr>
+                  <a:t>West </a:t>
+                </a:r>
+                <a:r>
+                  <a:rPr lang="en-US" sz="1100" dirty="0">
+                    <a:latin typeface="Times New Roman" panose="02020603050405020304" pitchFamily="18" charset="0"/>
+                    <a:cs typeface="Times New Roman" panose="02020603050405020304" pitchFamily="18" charset="0"/>
+                  </a:rPr>
+                  <a:t>Indian</a:t>
+                </a:r>
+              </a:p>
+            </p:txBody>
+          </p:sp>
+          <p:sp>
+            <p:nvSpPr>
+              <p:cNvPr id="9" name="ZoneTexte 8"/>
+              <p:cNvSpPr txBox="1"/>
+              <p:nvPr/>
+            </p:nvSpPr>
+            <p:spPr>
+              <a:xfrm>
+                <a:off x="2117857" y="157420"/>
+                <a:ext cx="1379425" cy="261610"/>
+              </a:xfrm>
+              <a:prstGeom prst="rect">
+                <a:avLst/>
+              </a:prstGeom>
+              <a:noFill/>
+            </p:spPr>
+            <p:txBody>
+              <a:bodyPr wrap="square" rtlCol="0">
+                <a:spAutoFit/>
+              </a:bodyPr>
+              <a:lstStyle/>
+              <a:p>
+                <a:r>
+                  <a:rPr lang="fr-FR" sz="1100" dirty="0">
+                    <a:latin typeface="Times New Roman" panose="02020603050405020304" pitchFamily="18" charset="0"/>
+                    <a:cs typeface="Times New Roman" panose="02020603050405020304" pitchFamily="18" charset="0"/>
+                  </a:rPr>
+                  <a:t>Central </a:t>
+                </a:r>
+                <a:r>
+                  <a:rPr lang="fr-FR" sz="1100" dirty="0" smtClean="0">
+                    <a:latin typeface="Times New Roman" panose="02020603050405020304" pitchFamily="18" charset="0"/>
+                    <a:cs typeface="Times New Roman" panose="02020603050405020304" pitchFamily="18" charset="0"/>
+                  </a:rPr>
+                  <a:t>Indo Pacific</a:t>
+                </a:r>
+                <a:endParaRPr lang="fr-FR" sz="1100" dirty="0">
+                  <a:latin typeface="Times New Roman" panose="02020603050405020304" pitchFamily="18" charset="0"/>
+                  <a:cs typeface="Times New Roman" panose="02020603050405020304" pitchFamily="18" charset="0"/>
+                </a:endParaRPr>
+              </a:p>
+            </p:txBody>
+          </p:sp>
+          <p:pic>
+            <p:nvPicPr>
+              <p:cNvPr id="10" name="Image 9"/>
+              <p:cNvPicPr>
+                <a:picLocks noChangeAspect="1"/>
+              </p:cNvPicPr>
+              <p:nvPr/>
+            </p:nvPicPr>
+            <p:blipFill>
+              <a:blip r:embed="rId4" cstate="print">
+                <a:extLst>
+                  <a:ext uri="{28A0092B-C50C-407E-A947-70E740481C1C}">
+                    <a14:useLocalDpi xmlns:a14="http://schemas.microsoft.com/office/drawing/2010/main" val="0"/>
+                  </a:ext>
+                </a:extLst>
+              </a:blip>
+              <a:stretch>
+                <a:fillRect/>
+              </a:stretch>
+            </p:blipFill>
+            <p:spPr>
+              <a:xfrm>
+                <a:off x="6433328" y="429350"/>
+                <a:ext cx="1417822" cy="1010008"/>
+              </a:xfrm>
+              <a:prstGeom prst="rect">
+                <a:avLst/>
+              </a:prstGeom>
+              <a:ln w="12700">
+                <a:noFill/>
+              </a:ln>
+            </p:spPr>
+          </p:pic>
+          <p:pic>
+            <p:nvPicPr>
+              <p:cNvPr id="11" name="Image 10"/>
+              <p:cNvPicPr>
+                <a:picLocks noChangeAspect="1"/>
+              </p:cNvPicPr>
+              <p:nvPr/>
+            </p:nvPicPr>
+            <p:blipFill>
+              <a:blip r:embed="rId5" cstate="print">
+                <a:extLst>
+                  <a:ext uri="{28A0092B-C50C-407E-A947-70E740481C1C}">
+                    <a14:useLocalDpi xmlns:a14="http://schemas.microsoft.com/office/drawing/2010/main" val="0"/>
+                  </a:ext>
+                </a:extLst>
+              </a:blip>
+              <a:stretch>
+                <a:fillRect/>
+              </a:stretch>
+            </p:blipFill>
+            <p:spPr>
+              <a:xfrm>
+                <a:off x="2084125" y="435615"/>
+                <a:ext cx="1410154" cy="1003743"/>
+              </a:xfrm>
+              <a:prstGeom prst="rect">
+                <a:avLst/>
+              </a:prstGeom>
+              <a:ln w="12700">
+                <a:noFill/>
+              </a:ln>
+            </p:spPr>
+          </p:pic>
+          <p:pic>
+            <p:nvPicPr>
+              <p:cNvPr id="12" name="Image 11"/>
+              <p:cNvPicPr>
+                <a:picLocks noChangeAspect="1"/>
+              </p:cNvPicPr>
+              <p:nvPr/>
+            </p:nvPicPr>
+            <p:blipFill>
+              <a:blip r:embed="rId6" cstate="print">
+                <a:extLst>
+                  <a:ext uri="{28A0092B-C50C-407E-A947-70E740481C1C}">
+                    <a14:useLocalDpi xmlns:a14="http://schemas.microsoft.com/office/drawing/2010/main" val="0"/>
+                  </a:ext>
+                </a:extLst>
+              </a:blip>
+              <a:stretch>
+                <a:fillRect/>
+              </a:stretch>
+            </p:blipFill>
+            <p:spPr>
+              <a:xfrm>
+                <a:off x="3507175" y="432533"/>
+                <a:ext cx="1478644" cy="1006825"/>
+              </a:xfrm>
+              <a:prstGeom prst="rect">
+                <a:avLst/>
+              </a:prstGeom>
+              <a:ln w="12700">
+                <a:noFill/>
+              </a:ln>
+            </p:spPr>
+          </p:pic>
+          <p:sp>
+            <p:nvSpPr>
+              <p:cNvPr id="13" name="ZoneTexte 12"/>
+              <p:cNvSpPr txBox="1"/>
+              <p:nvPr/>
+            </p:nvSpPr>
+            <p:spPr>
+              <a:xfrm>
+                <a:off x="3614955" y="157420"/>
+                <a:ext cx="1342699" cy="261610"/>
+              </a:xfrm>
+              <a:prstGeom prst="rect">
+                <a:avLst/>
+              </a:prstGeom>
+              <a:noFill/>
+            </p:spPr>
+            <p:txBody>
+              <a:bodyPr wrap="square" rtlCol="0">
+                <a:spAutoFit/>
+              </a:bodyPr>
+              <a:lstStyle/>
+              <a:p>
+                <a:r>
+                  <a:rPr lang="fr-FR" sz="1100" dirty="0" smtClean="0">
+                    <a:latin typeface="Times New Roman" panose="02020603050405020304" pitchFamily="18" charset="0"/>
+                    <a:cs typeface="Times New Roman" panose="02020603050405020304" pitchFamily="18" charset="0"/>
+                  </a:rPr>
+                  <a:t>South West Pacific</a:t>
+                </a:r>
+                <a:endParaRPr lang="fr-FR" sz="1100" dirty="0">
+                  <a:latin typeface="Times New Roman" panose="02020603050405020304" pitchFamily="18" charset="0"/>
+                  <a:cs typeface="Times New Roman" panose="02020603050405020304" pitchFamily="18" charset="0"/>
+                </a:endParaRPr>
+              </a:p>
+            </p:txBody>
+          </p:sp>
+          <p:grpSp>
+            <p:nvGrpSpPr>
+              <p:cNvPr id="65" name="Groupe 64"/>
+              <p:cNvGrpSpPr/>
+              <p:nvPr/>
+            </p:nvGrpSpPr>
+            <p:grpSpPr>
+              <a:xfrm>
+                <a:off x="490444" y="1916191"/>
+                <a:ext cx="8948165" cy="2546653"/>
+                <a:chOff x="1230285" y="1916191"/>
+                <a:chExt cx="8948165" cy="2546653"/>
+              </a:xfrm>
+            </p:grpSpPr>
+            <mc:AlternateContent xmlns:mc="http://schemas.openxmlformats.org/markup-compatibility/2006">
+              <mc:Choice xmlns:a14="http://schemas.microsoft.com/office/drawing/2010/main" Requires="a14">
+                <p:sp>
+                  <p:nvSpPr>
+                    <p:cNvPr id="16" name="ZoneTexte 15"/>
+                    <p:cNvSpPr txBox="1"/>
+                    <p:nvPr/>
+                  </p:nvSpPr>
+                  <p:spPr>
+                    <a:xfrm>
+                      <a:off x="8666482" y="1916191"/>
+                      <a:ext cx="1141752" cy="446917"/>
+                    </a:xfrm>
+                    <a:prstGeom prst="rect">
+                      <a:avLst/>
+                    </a:prstGeom>
+                    <a:noFill/>
+                  </p:spPr>
+                  <p:txBody>
+                    <a:bodyPr wrap="square" rtlCol="0">
+                      <a:spAutoFit/>
+                    </a:bodyPr>
+                    <a:lstStyle/>
+                    <a:p>
+                      <a:pPr algn="ctr"/>
+                      <a14:m>
+                        <m:oMath xmlns:m="http://schemas.openxmlformats.org/officeDocument/2006/math">
+                          <m:sSub>
+                            <m:sSubPr>
+                              <m:ctrlPr>
+                                <a:rPr lang="fr-FR" sz="1100" b="1" i="1">
+                                  <a:solidFill>
+                                    <a:srgbClr val="FF0000"/>
+                                  </a:solidFill>
+                                  <a:latin typeface="Cambria Math" panose="02040503050406030204" pitchFamily="18" charset="0"/>
+                                </a:rPr>
+                              </m:ctrlPr>
+                            </m:sSubPr>
+                            <m:e>
+                              <m:r>
+                                <m:rPr>
+                                  <m:nor/>
+                                </m:rPr>
+                                <a:rPr lang="el-GR" sz="1100" b="1" i="1" dirty="0">
+                                  <a:solidFill>
+                                    <a:srgbClr val="FF0000"/>
+                                  </a:solidFill>
+                                  <a:latin typeface="Times New Roman" panose="02020603050405020304" pitchFamily="18" charset="0"/>
+                                  <a:cs typeface="Times New Roman" panose="02020603050405020304" pitchFamily="18" charset="0"/>
+                                </a:rPr>
+                                <m:t>γ</m:t>
+                              </m:r>
+                            </m:e>
+                            <m:sub>
+                              <m:r>
+                                <a:rPr lang="fr-FR" sz="1100" b="1" i="1">
+                                  <a:solidFill>
+                                    <a:srgbClr val="FF0000"/>
+                                  </a:solidFill>
+                                  <a:latin typeface="Cambria Math" panose="02040503050406030204" pitchFamily="18" charset="0"/>
+                                </a:rPr>
+                                <m:t>𝒈𝒍𝒐𝒃𝒂𝒍</m:t>
+                              </m:r>
+                            </m:sub>
+                          </m:sSub>
+                        </m:oMath>
+                      </a14:m>
+                      <a:r>
+                        <a:rPr lang="fr-FR" sz="1100" b="1" i="1" dirty="0">
+                          <a:solidFill>
+                            <a:srgbClr val="FF0000"/>
+                          </a:solidFill>
+                          <a:latin typeface="Times New Roman" panose="02020603050405020304" pitchFamily="18" charset="0"/>
+                          <a:cs typeface="Times New Roman" panose="02020603050405020304" pitchFamily="18" charset="0"/>
+                        </a:rPr>
+                        <a:t> =</a:t>
+                      </a:r>
+                      <a:r>
+                        <a:rPr lang="fr-FR" sz="1100" b="1" dirty="0">
+                          <a:solidFill>
+                            <a:srgbClr val="FF0000"/>
+                          </a:solidFill>
+                          <a:latin typeface="Times New Roman" panose="02020603050405020304" pitchFamily="18" charset="0"/>
+                          <a:cs typeface="Times New Roman" panose="02020603050405020304" pitchFamily="18" charset="0"/>
+                        </a:rPr>
+                        <a:t>100%</a:t>
+                      </a:r>
+                    </a:p>
+                    <a:p>
+                      <a:pPr algn="ctr"/>
+                      <a:r>
+                        <a:rPr lang="fr-FR" sz="1100" dirty="0" smtClean="0">
+                          <a:latin typeface="Times New Roman" panose="02020603050405020304" pitchFamily="18" charset="0"/>
+                          <a:cs typeface="Times New Roman" panose="02020603050405020304" pitchFamily="18" charset="0"/>
+                        </a:rPr>
+                        <a:t>2160 </a:t>
+                      </a:r>
+                      <a:r>
+                        <a:rPr lang="en-US" sz="1100" dirty="0">
+                          <a:latin typeface="Times New Roman" panose="02020603050405020304" pitchFamily="18" charset="0"/>
+                          <a:cs typeface="Times New Roman" panose="02020603050405020304" pitchFamily="18" charset="0"/>
+                        </a:rPr>
+                        <a:t>MOTUs</a:t>
+                      </a:r>
+                    </a:p>
+                  </p:txBody>
+                </p:sp>
+              </mc:Choice>
+              <mc:Fallback>
+                <p:sp>
+                  <p:nvSpPr>
+                    <p:cNvPr id="16" name="ZoneTexte 15"/>
+                    <p:cNvSpPr txBox="1">
+                      <a:spLocks noRot="1" noChangeAspect="1" noMove="1" noResize="1" noEditPoints="1" noAdjustHandles="1" noChangeArrowheads="1" noChangeShapeType="1" noTextEdit="1"/>
+                    </p:cNvSpPr>
+                    <p:nvPr/>
+                  </p:nvSpPr>
+                  <p:spPr>
+                    <a:xfrm>
+                      <a:off x="8666482" y="1916191"/>
+                      <a:ext cx="1141752" cy="446917"/>
+                    </a:xfrm>
+                    <a:prstGeom prst="rect">
+                      <a:avLst/>
+                    </a:prstGeom>
+                    <a:blipFill>
+                      <a:blip r:embed="rId7"/>
+                      <a:stretch>
+                        <a:fillRect b="-8108"/>
+                      </a:stretch>
+                    </a:blipFill>
+                  </p:spPr>
+                  <p:txBody>
+                    <a:bodyPr/>
+                    <a:lstStyle/>
+                    <a:p>
+                      <a:r>
+                        <a:rPr lang="fr-FR">
+                          <a:noFill/>
+                        </a:rPr>
+                        <a:t> </a:t>
+                      </a:r>
+                    </a:p>
+                  </p:txBody>
+                </p:sp>
+              </mc:Fallback>
+            </mc:AlternateContent>
+            <p:grpSp>
+              <p:nvGrpSpPr>
+                <p:cNvPr id="51" name="Groupe 50"/>
+                <p:cNvGrpSpPr/>
+                <p:nvPr/>
+              </p:nvGrpSpPr>
+              <p:grpSpPr>
+                <a:xfrm>
+                  <a:off x="1230285" y="2022514"/>
+                  <a:ext cx="7614457" cy="2440330"/>
+                  <a:chOff x="1230285" y="2022514"/>
+                  <a:chExt cx="7614457" cy="2440330"/>
+                </a:xfrm>
+              </p:grpSpPr>
+              <p:cxnSp>
+                <p:nvCxnSpPr>
+                  <p:cNvPr id="15" name="Connecteur droit 14"/>
+                  <p:cNvCxnSpPr/>
+                  <p:nvPr/>
+                </p:nvCxnSpPr>
+                <p:spPr>
+                  <a:xfrm flipV="1">
+                    <a:off x="1369493" y="2123523"/>
+                    <a:ext cx="7177502" cy="1"/>
+                  </a:xfrm>
+                  <a:prstGeom prst="line">
+                    <a:avLst/>
+                  </a:prstGeom>
+                  <a:ln w="12700"/>
+                </p:spPr>
+                <p:style>
+                  <a:lnRef idx="1">
+                    <a:schemeClr val="dk1"/>
+                  </a:lnRef>
+                  <a:fillRef idx="0">
+                    <a:schemeClr val="dk1"/>
+                  </a:fillRef>
+                  <a:effectRef idx="0">
+                    <a:schemeClr val="dk1"/>
+                  </a:effectRef>
+                  <a:fontRef idx="minor">
+                    <a:schemeClr val="tx1"/>
+                  </a:fontRef>
+                </p:style>
+              </p:cxnSp>
+              <p:cxnSp>
+                <p:nvCxnSpPr>
+                  <p:cNvPr id="26" name="Connecteur droit 25"/>
+                  <p:cNvCxnSpPr/>
+                  <p:nvPr/>
+                </p:nvCxnSpPr>
+                <p:spPr>
+                  <a:xfrm flipV="1">
+                    <a:off x="1369493" y="2623663"/>
+                    <a:ext cx="7177502" cy="1"/>
+                  </a:xfrm>
+                  <a:prstGeom prst="line">
+                    <a:avLst/>
+                  </a:prstGeom>
+                  <a:ln w="12700"/>
+                </p:spPr>
+                <p:style>
+                  <a:lnRef idx="1">
+                    <a:schemeClr val="dk1"/>
+                  </a:lnRef>
+                  <a:fillRef idx="0">
+                    <a:schemeClr val="dk1"/>
+                  </a:fillRef>
+                  <a:effectRef idx="0">
+                    <a:schemeClr val="dk1"/>
+                  </a:effectRef>
+                  <a:fontRef idx="minor">
+                    <a:schemeClr val="tx1"/>
+                  </a:fontRef>
+                </p:style>
+              </p:cxnSp>
+              <p:cxnSp>
+                <p:nvCxnSpPr>
+                  <p:cNvPr id="27" name="Connecteur droit 26"/>
+                  <p:cNvCxnSpPr/>
+                  <p:nvPr/>
+                </p:nvCxnSpPr>
+                <p:spPr>
+                  <a:xfrm flipV="1">
+                    <a:off x="1369493" y="3123803"/>
+                    <a:ext cx="7177502" cy="1"/>
+                  </a:xfrm>
+                  <a:prstGeom prst="line">
+                    <a:avLst/>
+                  </a:prstGeom>
+                  <a:ln w="12700"/>
+                </p:spPr>
+                <p:style>
+                  <a:lnRef idx="1">
+                    <a:schemeClr val="dk1"/>
+                  </a:lnRef>
+                  <a:fillRef idx="0">
+                    <a:schemeClr val="dk1"/>
+                  </a:fillRef>
+                  <a:effectRef idx="0">
+                    <a:schemeClr val="dk1"/>
+                  </a:effectRef>
+                  <a:fontRef idx="minor">
+                    <a:schemeClr val="tx1"/>
+                  </a:fontRef>
+                </p:style>
+              </p:cxnSp>
+              <p:cxnSp>
+                <p:nvCxnSpPr>
+                  <p:cNvPr id="28" name="Connecteur droit 27"/>
+                  <p:cNvCxnSpPr/>
+                  <p:nvPr/>
+                </p:nvCxnSpPr>
+                <p:spPr>
+                  <a:xfrm flipV="1">
+                    <a:off x="1369493" y="3623942"/>
+                    <a:ext cx="7177502" cy="1"/>
+                  </a:xfrm>
+                  <a:prstGeom prst="line">
+                    <a:avLst/>
+                  </a:prstGeom>
+                  <a:ln w="12700"/>
+                </p:spPr>
+                <p:style>
+                  <a:lnRef idx="1">
+                    <a:schemeClr val="dk1"/>
+                  </a:lnRef>
+                  <a:fillRef idx="0">
+                    <a:schemeClr val="dk1"/>
+                  </a:fillRef>
+                  <a:effectRef idx="0">
+                    <a:schemeClr val="dk1"/>
+                  </a:effectRef>
+                  <a:fontRef idx="minor">
+                    <a:schemeClr val="tx1"/>
+                  </a:fontRef>
+                </p:style>
+              </p:cxnSp>
+              <p:cxnSp>
+                <p:nvCxnSpPr>
+                  <p:cNvPr id="29" name="Connecteur droit 28"/>
+                  <p:cNvCxnSpPr/>
+                  <p:nvPr/>
+                </p:nvCxnSpPr>
+                <p:spPr>
+                  <a:xfrm flipV="1">
+                    <a:off x="1369493" y="4124080"/>
+                    <a:ext cx="7177502" cy="1"/>
+                  </a:xfrm>
+                  <a:prstGeom prst="line">
+                    <a:avLst/>
+                  </a:prstGeom>
+                  <a:ln w="12700"/>
+                </p:spPr>
+                <p:style>
+                  <a:lnRef idx="1">
+                    <a:schemeClr val="dk1"/>
+                  </a:lnRef>
+                  <a:fillRef idx="0">
+                    <a:schemeClr val="dk1"/>
+                  </a:fillRef>
+                  <a:effectRef idx="0">
+                    <a:schemeClr val="dk1"/>
+                  </a:effectRef>
+                  <a:fontRef idx="minor">
+                    <a:schemeClr val="tx1"/>
+                  </a:fontRef>
+                </p:style>
+              </p:cxnSp>
+              <p:cxnSp>
+                <p:nvCxnSpPr>
+                  <p:cNvPr id="31" name="Connecteur droit 30"/>
+                  <p:cNvCxnSpPr/>
+                  <p:nvPr/>
+                </p:nvCxnSpPr>
+                <p:spPr>
+                  <a:xfrm>
+                    <a:off x="1369493" y="2022514"/>
+                    <a:ext cx="0" cy="196985"/>
+                  </a:xfrm>
+                  <a:prstGeom prst="line">
+                    <a:avLst/>
+                  </a:prstGeom>
+                </p:spPr>
+                <p:style>
+                  <a:lnRef idx="1">
+                    <a:schemeClr val="dk1"/>
+                  </a:lnRef>
+                  <a:fillRef idx="0">
+                    <a:schemeClr val="dk1"/>
+                  </a:fillRef>
+                  <a:effectRef idx="0">
+                    <a:schemeClr val="dk1"/>
+                  </a:effectRef>
+                  <a:fontRef idx="minor">
+                    <a:schemeClr val="tx1"/>
+                  </a:fontRef>
+                </p:style>
+              </p:cxnSp>
+              <p:cxnSp>
+                <p:nvCxnSpPr>
+                  <p:cNvPr id="32" name="Connecteur droit 31"/>
+                  <p:cNvCxnSpPr/>
+                  <p:nvPr/>
+                </p:nvCxnSpPr>
+                <p:spPr>
+                  <a:xfrm>
+                    <a:off x="1370157" y="2525170"/>
+                    <a:ext cx="0" cy="196985"/>
+                  </a:xfrm>
+                  <a:prstGeom prst="line">
+                    <a:avLst/>
+                  </a:prstGeom>
+                </p:spPr>
+                <p:style>
+                  <a:lnRef idx="1">
+                    <a:schemeClr val="dk1"/>
+                  </a:lnRef>
+                  <a:fillRef idx="0">
+                    <a:schemeClr val="dk1"/>
+                  </a:fillRef>
+                  <a:effectRef idx="0">
+                    <a:schemeClr val="dk1"/>
+                  </a:effectRef>
+                  <a:fontRef idx="minor">
+                    <a:schemeClr val="tx1"/>
+                  </a:fontRef>
+                </p:style>
+              </p:cxnSp>
+              <p:cxnSp>
+                <p:nvCxnSpPr>
+                  <p:cNvPr id="33" name="Connecteur droit 32"/>
+                  <p:cNvCxnSpPr/>
+                  <p:nvPr/>
+                </p:nvCxnSpPr>
+                <p:spPr>
+                  <a:xfrm>
+                    <a:off x="1362508" y="3025310"/>
+                    <a:ext cx="0" cy="196985"/>
+                  </a:xfrm>
+                  <a:prstGeom prst="line">
+                    <a:avLst/>
+                  </a:prstGeom>
+                </p:spPr>
+                <p:style>
+                  <a:lnRef idx="1">
+                    <a:schemeClr val="dk1"/>
+                  </a:lnRef>
+                  <a:fillRef idx="0">
+                    <a:schemeClr val="dk1"/>
+                  </a:fillRef>
+                  <a:effectRef idx="0">
+                    <a:schemeClr val="dk1"/>
+                  </a:effectRef>
+                  <a:fontRef idx="minor">
+                    <a:schemeClr val="tx1"/>
+                  </a:fontRef>
+                </p:style>
+              </p:cxnSp>
+              <p:cxnSp>
+                <p:nvCxnSpPr>
+                  <p:cNvPr id="34" name="Connecteur droit 33"/>
+                  <p:cNvCxnSpPr/>
+                  <p:nvPr/>
+                </p:nvCxnSpPr>
+                <p:spPr>
+                  <a:xfrm>
+                    <a:off x="1371485" y="3525449"/>
+                    <a:ext cx="0" cy="196985"/>
+                  </a:xfrm>
+                  <a:prstGeom prst="line">
+                    <a:avLst/>
+                  </a:prstGeom>
+                </p:spPr>
+                <p:style>
+                  <a:lnRef idx="1">
+                    <a:schemeClr val="dk1"/>
+                  </a:lnRef>
+                  <a:fillRef idx="0">
+                    <a:schemeClr val="dk1"/>
+                  </a:fillRef>
+                  <a:effectRef idx="0">
+                    <a:schemeClr val="dk1"/>
+                  </a:effectRef>
+                  <a:fontRef idx="minor">
+                    <a:schemeClr val="tx1"/>
+                  </a:fontRef>
+                </p:style>
+              </p:cxnSp>
+              <p:cxnSp>
+                <p:nvCxnSpPr>
+                  <p:cNvPr id="35" name="Connecteur droit 34"/>
+                  <p:cNvCxnSpPr/>
+                  <p:nvPr/>
+                </p:nvCxnSpPr>
+                <p:spPr>
+                  <a:xfrm>
+                    <a:off x="1372149" y="4019638"/>
+                    <a:ext cx="0" cy="196985"/>
+                  </a:xfrm>
+                  <a:prstGeom prst="line">
+                    <a:avLst/>
+                  </a:prstGeom>
+                </p:spPr>
+                <p:style>
+                  <a:lnRef idx="1">
+                    <a:schemeClr val="dk1"/>
+                  </a:lnRef>
+                  <a:fillRef idx="0">
+                    <a:schemeClr val="dk1"/>
+                  </a:fillRef>
+                  <a:effectRef idx="0">
+                    <a:schemeClr val="dk1"/>
+                  </a:effectRef>
+                  <a:fontRef idx="minor">
+                    <a:schemeClr val="tx1"/>
+                  </a:fontRef>
+                </p:style>
+              </p:cxnSp>
+              <p:cxnSp>
+                <p:nvCxnSpPr>
+                  <p:cNvPr id="36" name="Connecteur droit 35"/>
+                  <p:cNvCxnSpPr/>
+                  <p:nvPr/>
+                </p:nvCxnSpPr>
+                <p:spPr>
+                  <a:xfrm>
+                    <a:off x="8546995" y="4025739"/>
+                    <a:ext cx="0" cy="196985"/>
+                  </a:xfrm>
+                  <a:prstGeom prst="line">
+                    <a:avLst/>
+                  </a:prstGeom>
+                </p:spPr>
+                <p:style>
+                  <a:lnRef idx="1">
+                    <a:schemeClr val="dk1"/>
+                  </a:lnRef>
+                  <a:fillRef idx="0">
+                    <a:schemeClr val="dk1"/>
+                  </a:fillRef>
+                  <a:effectRef idx="0">
+                    <a:schemeClr val="dk1"/>
+                  </a:effectRef>
+                  <a:fontRef idx="minor">
+                    <a:schemeClr val="tx1"/>
+                  </a:fontRef>
+                </p:style>
+              </p:cxnSp>
+              <p:cxnSp>
+                <p:nvCxnSpPr>
+                  <p:cNvPr id="37" name="Connecteur droit 36"/>
+                  <p:cNvCxnSpPr/>
+                  <p:nvPr/>
+                </p:nvCxnSpPr>
+                <p:spPr>
+                  <a:xfrm>
+                    <a:off x="8542965" y="3521025"/>
+                    <a:ext cx="0" cy="196985"/>
+                  </a:xfrm>
+                  <a:prstGeom prst="line">
+                    <a:avLst/>
+                  </a:prstGeom>
+                </p:spPr>
+                <p:style>
+                  <a:lnRef idx="1">
+                    <a:schemeClr val="dk1"/>
+                  </a:lnRef>
+                  <a:fillRef idx="0">
+                    <a:schemeClr val="dk1"/>
+                  </a:fillRef>
+                  <a:effectRef idx="0">
+                    <a:schemeClr val="dk1"/>
+                  </a:effectRef>
+                  <a:fontRef idx="minor">
+                    <a:schemeClr val="tx1"/>
+                  </a:fontRef>
+                </p:style>
+              </p:cxnSp>
+              <p:cxnSp>
+                <p:nvCxnSpPr>
+                  <p:cNvPr id="38" name="Connecteur droit 37"/>
+                  <p:cNvCxnSpPr/>
+                  <p:nvPr/>
+                </p:nvCxnSpPr>
+                <p:spPr>
+                  <a:xfrm>
+                    <a:off x="8542965" y="3031562"/>
+                    <a:ext cx="0" cy="196985"/>
+                  </a:xfrm>
+                  <a:prstGeom prst="line">
+                    <a:avLst/>
+                  </a:prstGeom>
+                </p:spPr>
+                <p:style>
+                  <a:lnRef idx="1">
+                    <a:schemeClr val="dk1"/>
+                  </a:lnRef>
+                  <a:fillRef idx="0">
+                    <a:schemeClr val="dk1"/>
+                  </a:fillRef>
+                  <a:effectRef idx="0">
+                    <a:schemeClr val="dk1"/>
+                  </a:effectRef>
+                  <a:fontRef idx="minor">
+                    <a:schemeClr val="tx1"/>
+                  </a:fontRef>
+                </p:style>
+              </p:cxnSp>
+              <p:cxnSp>
+                <p:nvCxnSpPr>
+                  <p:cNvPr id="39" name="Connecteur droit 38"/>
+                  <p:cNvCxnSpPr/>
+                  <p:nvPr/>
+                </p:nvCxnSpPr>
+                <p:spPr>
+                  <a:xfrm>
+                    <a:off x="8543217" y="2525170"/>
+                    <a:ext cx="0" cy="196985"/>
+                  </a:xfrm>
+                  <a:prstGeom prst="line">
+                    <a:avLst/>
+                  </a:prstGeom>
+                </p:spPr>
+                <p:style>
+                  <a:lnRef idx="1">
+                    <a:schemeClr val="dk1"/>
+                  </a:lnRef>
+                  <a:fillRef idx="0">
+                    <a:schemeClr val="dk1"/>
+                  </a:fillRef>
+                  <a:effectRef idx="0">
+                    <a:schemeClr val="dk1"/>
+                  </a:effectRef>
+                  <a:fontRef idx="minor">
+                    <a:schemeClr val="tx1"/>
+                  </a:fontRef>
+                </p:style>
+              </p:cxnSp>
+              <p:cxnSp>
+                <p:nvCxnSpPr>
+                  <p:cNvPr id="40" name="Connecteur droit 39"/>
+                  <p:cNvCxnSpPr/>
+                  <p:nvPr/>
+                </p:nvCxnSpPr>
+                <p:spPr>
+                  <a:xfrm>
+                    <a:off x="8543469" y="2022514"/>
+                    <a:ext cx="0" cy="196985"/>
+                  </a:xfrm>
+                  <a:prstGeom prst="line">
+                    <a:avLst/>
+                  </a:prstGeom>
+                  <a:ln w="12700">
+                    <a:solidFill>
+                      <a:srgbClr val="FF0000"/>
+                    </a:solidFill>
+                  </a:ln>
+                </p:spPr>
+                <p:style>
+                  <a:lnRef idx="1">
+                    <a:schemeClr val="accent2"/>
+                  </a:lnRef>
+                  <a:fillRef idx="0">
+                    <a:schemeClr val="accent2"/>
+                  </a:fillRef>
+                  <a:effectRef idx="0">
+                    <a:schemeClr val="accent2"/>
+                  </a:effectRef>
+                  <a:fontRef idx="minor">
+                    <a:schemeClr val="tx1"/>
+                  </a:fontRef>
+                </p:style>
+              </p:cxnSp>
+              <p:sp>
+                <p:nvSpPr>
+                  <p:cNvPr id="41" name="ZoneTexte 40"/>
+                  <p:cNvSpPr txBox="1"/>
+                  <p:nvPr/>
+                </p:nvSpPr>
+                <p:spPr>
+                  <a:xfrm>
+                    <a:off x="1230285" y="2145721"/>
+                    <a:ext cx="374072" cy="246221"/>
+                  </a:xfrm>
+                  <a:prstGeom prst="rect">
+                    <a:avLst/>
+                  </a:prstGeom>
+                  <a:noFill/>
+                </p:spPr>
+                <p:txBody>
+                  <a:bodyPr wrap="square" rtlCol="0">
+                    <a:spAutoFit/>
+                  </a:bodyPr>
+                  <a:lstStyle/>
+                  <a:p>
+                    <a:r>
+                      <a:rPr lang="fr-FR" sz="1000" dirty="0" smtClean="0"/>
+                      <a:t>0%</a:t>
+                    </a:r>
+                    <a:endParaRPr lang="fr-FR" sz="1000" dirty="0"/>
+                  </a:p>
+                </p:txBody>
+              </p:sp>
+              <p:sp>
+                <p:nvSpPr>
+                  <p:cNvPr id="42" name="ZoneTexte 41"/>
+                  <p:cNvSpPr txBox="1"/>
+                  <p:nvPr/>
+                </p:nvSpPr>
+                <p:spPr>
+                  <a:xfrm>
+                    <a:off x="1230285" y="2678071"/>
+                    <a:ext cx="374072" cy="246221"/>
+                  </a:xfrm>
+                  <a:prstGeom prst="rect">
+                    <a:avLst/>
+                  </a:prstGeom>
+                  <a:noFill/>
+                </p:spPr>
+                <p:txBody>
+                  <a:bodyPr wrap="square" rtlCol="0">
+                    <a:spAutoFit/>
+                  </a:bodyPr>
+                  <a:lstStyle/>
+                  <a:p>
+                    <a:r>
+                      <a:rPr lang="fr-FR" sz="1000" dirty="0" smtClean="0"/>
+                      <a:t>0%</a:t>
+                    </a:r>
+                    <a:endParaRPr lang="fr-FR" sz="1000" dirty="0"/>
+                  </a:p>
+                </p:txBody>
+              </p:sp>
+              <p:sp>
+                <p:nvSpPr>
+                  <p:cNvPr id="43" name="ZoneTexte 42"/>
+                  <p:cNvSpPr txBox="1"/>
+                  <p:nvPr/>
+                </p:nvSpPr>
+                <p:spPr>
+                  <a:xfrm>
+                    <a:off x="1230285" y="3171635"/>
+                    <a:ext cx="374072" cy="246221"/>
+                  </a:xfrm>
+                  <a:prstGeom prst="rect">
+                    <a:avLst/>
+                  </a:prstGeom>
+                  <a:noFill/>
+                </p:spPr>
+                <p:txBody>
+                  <a:bodyPr wrap="square" rtlCol="0">
+                    <a:spAutoFit/>
+                  </a:bodyPr>
+                  <a:lstStyle/>
+                  <a:p>
+                    <a:r>
+                      <a:rPr lang="fr-FR" sz="1000" dirty="0" smtClean="0"/>
+                      <a:t>0%</a:t>
+                    </a:r>
+                    <a:endParaRPr lang="fr-FR" sz="1000" dirty="0"/>
+                  </a:p>
+                </p:txBody>
+              </p:sp>
+              <p:sp>
+                <p:nvSpPr>
+                  <p:cNvPr id="44" name="ZoneTexte 43"/>
+                  <p:cNvSpPr txBox="1"/>
+                  <p:nvPr/>
+                </p:nvSpPr>
+                <p:spPr>
+                  <a:xfrm>
+                    <a:off x="1230285" y="3656041"/>
+                    <a:ext cx="374072" cy="246221"/>
+                  </a:xfrm>
+                  <a:prstGeom prst="rect">
+                    <a:avLst/>
+                  </a:prstGeom>
+                  <a:noFill/>
+                </p:spPr>
+                <p:txBody>
+                  <a:bodyPr wrap="square" rtlCol="0">
+                    <a:spAutoFit/>
+                  </a:bodyPr>
+                  <a:lstStyle/>
+                  <a:p>
+                    <a:r>
+                      <a:rPr lang="fr-FR" sz="1000" dirty="0" smtClean="0"/>
+                      <a:t>0%</a:t>
+                    </a:r>
+                    <a:endParaRPr lang="fr-FR" sz="1000" dirty="0"/>
+                  </a:p>
+                </p:txBody>
+              </p:sp>
+              <p:sp>
+                <p:nvSpPr>
+                  <p:cNvPr id="45" name="ZoneTexte 44"/>
+                  <p:cNvSpPr txBox="1"/>
+                  <p:nvPr/>
+                </p:nvSpPr>
+                <p:spPr>
+                  <a:xfrm>
+                    <a:off x="1230285" y="4176908"/>
+                    <a:ext cx="374072" cy="246221"/>
+                  </a:xfrm>
+                  <a:prstGeom prst="rect">
+                    <a:avLst/>
+                  </a:prstGeom>
+                  <a:noFill/>
+                </p:spPr>
+                <p:txBody>
+                  <a:bodyPr wrap="square" rtlCol="0">
+                    <a:spAutoFit/>
+                  </a:bodyPr>
+                  <a:lstStyle/>
+                  <a:p>
+                    <a:r>
+                      <a:rPr lang="fr-FR" sz="1000" dirty="0" smtClean="0"/>
+                      <a:t>0%</a:t>
+                    </a:r>
+                    <a:endParaRPr lang="fr-FR" sz="1000" dirty="0"/>
+                  </a:p>
+                </p:txBody>
+              </p:sp>
+              <p:sp>
+                <p:nvSpPr>
+                  <p:cNvPr id="46" name="ZoneTexte 45"/>
+                  <p:cNvSpPr txBox="1"/>
+                  <p:nvPr/>
+                </p:nvSpPr>
+                <p:spPr>
+                  <a:xfrm>
+                    <a:off x="8364242" y="4216623"/>
+                    <a:ext cx="480500" cy="246221"/>
+                  </a:xfrm>
+                  <a:prstGeom prst="rect">
+                    <a:avLst/>
+                  </a:prstGeom>
+                  <a:noFill/>
+                </p:spPr>
+                <p:txBody>
+                  <a:bodyPr wrap="square" rtlCol="0">
+                    <a:spAutoFit/>
+                  </a:bodyPr>
+                  <a:lstStyle/>
+                  <a:p>
+                    <a:r>
+                      <a:rPr lang="fr-FR" sz="1000" dirty="0" smtClean="0"/>
+                      <a:t>100%</a:t>
+                    </a:r>
+                    <a:endParaRPr lang="fr-FR" sz="1000" dirty="0"/>
+                  </a:p>
+                </p:txBody>
+              </p:sp>
+              <p:sp>
+                <p:nvSpPr>
+                  <p:cNvPr id="47" name="ZoneTexte 46"/>
+                  <p:cNvSpPr txBox="1"/>
+                  <p:nvPr/>
+                </p:nvSpPr>
+                <p:spPr>
+                  <a:xfrm>
+                    <a:off x="8364242" y="3721095"/>
+                    <a:ext cx="480500" cy="246221"/>
+                  </a:xfrm>
+                  <a:prstGeom prst="rect">
+                    <a:avLst/>
+                  </a:prstGeom>
+                  <a:noFill/>
+                </p:spPr>
+                <p:txBody>
+                  <a:bodyPr wrap="square" rtlCol="0">
+                    <a:spAutoFit/>
+                  </a:bodyPr>
+                  <a:lstStyle/>
+                  <a:p>
+                    <a:r>
+                      <a:rPr lang="fr-FR" sz="1000" dirty="0" smtClean="0"/>
+                      <a:t>100%</a:t>
+                    </a:r>
+                    <a:endParaRPr lang="fr-FR" sz="1000" dirty="0"/>
+                  </a:p>
+                </p:txBody>
+              </p:sp>
+              <p:sp>
+                <p:nvSpPr>
+                  <p:cNvPr id="48" name="ZoneTexte 47"/>
+                  <p:cNvSpPr txBox="1"/>
+                  <p:nvPr/>
+                </p:nvSpPr>
+                <p:spPr>
+                  <a:xfrm>
+                    <a:off x="8364242" y="3216381"/>
+                    <a:ext cx="480500" cy="246221"/>
+                  </a:xfrm>
+                  <a:prstGeom prst="rect">
+                    <a:avLst/>
+                  </a:prstGeom>
+                  <a:noFill/>
+                </p:spPr>
+                <p:txBody>
+                  <a:bodyPr wrap="square" rtlCol="0">
+                    <a:spAutoFit/>
+                  </a:bodyPr>
+                  <a:lstStyle/>
+                  <a:p>
+                    <a:r>
+                      <a:rPr lang="fr-FR" sz="1000" dirty="0" smtClean="0"/>
+                      <a:t>100%</a:t>
+                    </a:r>
+                    <a:endParaRPr lang="fr-FR" sz="1000" dirty="0"/>
+                  </a:p>
+                </p:txBody>
+              </p:sp>
+              <p:sp>
+                <p:nvSpPr>
+                  <p:cNvPr id="49" name="ZoneTexte 48"/>
+                  <p:cNvSpPr txBox="1"/>
+                  <p:nvPr/>
+                </p:nvSpPr>
+                <p:spPr>
+                  <a:xfrm>
+                    <a:off x="8360549" y="2678638"/>
+                    <a:ext cx="480500" cy="246221"/>
+                  </a:xfrm>
+                  <a:prstGeom prst="rect">
+                    <a:avLst/>
+                  </a:prstGeom>
+                  <a:noFill/>
+                </p:spPr>
+                <p:txBody>
+                  <a:bodyPr wrap="square" rtlCol="0">
+                    <a:spAutoFit/>
+                  </a:bodyPr>
+                  <a:lstStyle/>
+                  <a:p>
+                    <a:r>
+                      <a:rPr lang="fr-FR" sz="1000" dirty="0" smtClean="0"/>
+                      <a:t>100%</a:t>
+                    </a:r>
+                    <a:endParaRPr lang="fr-FR" sz="1000" dirty="0"/>
+                  </a:p>
+                </p:txBody>
+              </p:sp>
+              <p:sp>
+                <p:nvSpPr>
+                  <p:cNvPr id="50" name="ZoneTexte 49"/>
+                  <p:cNvSpPr txBox="1"/>
+                  <p:nvPr/>
+                </p:nvSpPr>
+                <p:spPr>
+                  <a:xfrm>
+                    <a:off x="8360549" y="2222833"/>
+                    <a:ext cx="480500" cy="246221"/>
+                  </a:xfrm>
+                  <a:prstGeom prst="rect">
+                    <a:avLst/>
+                  </a:prstGeom>
+                  <a:noFill/>
+                </p:spPr>
+                <p:txBody>
+                  <a:bodyPr wrap="square" rtlCol="0">
+                    <a:spAutoFit/>
+                  </a:bodyPr>
+                  <a:lstStyle/>
+                  <a:p>
+                    <a:r>
+                      <a:rPr lang="fr-FR" sz="1000" dirty="0" smtClean="0"/>
+                      <a:t>100%</a:t>
+                    </a:r>
+                    <a:endParaRPr lang="fr-FR" sz="1000" dirty="0"/>
+                  </a:p>
+                </p:txBody>
+              </p:sp>
+            </p:grpSp>
+            <p:cxnSp>
+              <p:nvCxnSpPr>
+                <p:cNvPr id="52" name="Connecteur droit 51"/>
+                <p:cNvCxnSpPr/>
+                <p:nvPr/>
+              </p:nvCxnSpPr>
+              <p:spPr>
+                <a:xfrm>
+                  <a:off x="6729093" y="2525170"/>
+                  <a:ext cx="0" cy="196985"/>
+                </a:xfrm>
+                <a:prstGeom prst="line">
+                  <a:avLst/>
+                </a:prstGeom>
+                <a:ln w="12700">
+                  <a:solidFill>
+                    <a:srgbClr val="FF0000"/>
+                  </a:solidFill>
+                </a:ln>
+              </p:spPr>
+              <p:style>
+                <a:lnRef idx="1">
+                  <a:schemeClr val="accent2"/>
+                </a:lnRef>
+                <a:fillRef idx="0">
+                  <a:schemeClr val="accent2"/>
+                </a:fillRef>
+                <a:effectRef idx="0">
+                  <a:schemeClr val="accent2"/>
+                </a:effectRef>
+                <a:fontRef idx="minor">
+                  <a:schemeClr val="tx1"/>
+                </a:fontRef>
+              </p:style>
+            </p:cxnSp>
+            <p:cxnSp>
+              <p:nvCxnSpPr>
+                <p:cNvPr id="53" name="Connecteur droit 52"/>
+                <p:cNvCxnSpPr/>
+                <p:nvPr/>
+              </p:nvCxnSpPr>
+              <p:spPr>
+                <a:xfrm>
+                  <a:off x="2359369" y="3019396"/>
+                  <a:ext cx="0" cy="196985"/>
+                </a:xfrm>
+                <a:prstGeom prst="line">
+                  <a:avLst/>
+                </a:prstGeom>
+                <a:ln w="12700">
+                  <a:solidFill>
+                    <a:srgbClr val="FF0000"/>
+                  </a:solidFill>
+                </a:ln>
+              </p:spPr>
+              <p:style>
+                <a:lnRef idx="1">
+                  <a:schemeClr val="accent2"/>
+                </a:lnRef>
+                <a:fillRef idx="0">
+                  <a:schemeClr val="accent2"/>
+                </a:fillRef>
+                <a:effectRef idx="0">
+                  <a:schemeClr val="accent2"/>
+                </a:effectRef>
+                <a:fontRef idx="minor">
+                  <a:schemeClr val="tx1"/>
+                </a:fontRef>
+              </p:style>
+            </p:cxnSp>
+            <p:cxnSp>
+              <p:nvCxnSpPr>
+                <p:cNvPr id="54" name="Connecteur droit 53"/>
+                <p:cNvCxnSpPr/>
+                <p:nvPr/>
+              </p:nvCxnSpPr>
+              <p:spPr>
+                <a:xfrm>
+                  <a:off x="1846751" y="3521025"/>
+                  <a:ext cx="0" cy="196985"/>
+                </a:xfrm>
+                <a:prstGeom prst="line">
+                  <a:avLst/>
+                </a:prstGeom>
+                <a:ln w="12700">
+                  <a:solidFill>
+                    <a:srgbClr val="FF0000"/>
+                  </a:solidFill>
+                </a:ln>
+              </p:spPr>
+              <p:style>
+                <a:lnRef idx="1">
+                  <a:schemeClr val="accent2"/>
+                </a:lnRef>
+                <a:fillRef idx="0">
+                  <a:schemeClr val="accent2"/>
+                </a:fillRef>
+                <a:effectRef idx="0">
+                  <a:schemeClr val="accent2"/>
+                </a:effectRef>
+                <a:fontRef idx="minor">
+                  <a:schemeClr val="tx1"/>
+                </a:fontRef>
+              </p:style>
+            </p:cxnSp>
+            <mc:AlternateContent xmlns:mc="http://schemas.openxmlformats.org/markup-compatibility/2006">
+              <mc:Choice xmlns:a14="http://schemas.microsoft.com/office/drawing/2010/main" Requires="a14">
+                <p:sp>
+                  <p:nvSpPr>
+                    <p:cNvPr id="57" name="ZoneTexte 56"/>
+                    <p:cNvSpPr txBox="1"/>
+                    <p:nvPr/>
+                  </p:nvSpPr>
+                  <p:spPr>
+                    <a:xfrm>
+                      <a:off x="8666482" y="2507077"/>
+                      <a:ext cx="1511968" cy="277640"/>
+                    </a:xfrm>
+                    <a:prstGeom prst="rect">
+                      <a:avLst/>
+                    </a:prstGeom>
+                    <a:solidFill>
+                      <a:schemeClr val="bg1"/>
+                    </a:solidFill>
+                  </p:spPr>
+                  <p:txBody>
+                    <a:bodyPr wrap="square" rtlCol="0">
+                      <a:spAutoFit/>
+                    </a:bodyPr>
+                    <a:lstStyle/>
+                    <a:p>
+                      <a14:m>
+                        <m:oMath xmlns:m="http://schemas.openxmlformats.org/officeDocument/2006/math">
+                          <m:sSub>
+                            <m:sSubPr>
+                              <m:ctrlPr>
+                                <a:rPr lang="fr-FR" sz="1100" b="1" i="1">
+                                  <a:solidFill>
+                                    <a:srgbClr val="FF0000"/>
+                                  </a:solidFill>
+                                  <a:latin typeface="Cambria Math" panose="02040503050406030204" pitchFamily="18" charset="0"/>
+                                </a:rPr>
+                              </m:ctrlPr>
+                            </m:sSubPr>
+                            <m:e>
+                              <m:r>
+                                <a:rPr lang="fr-FR" sz="1100" b="1" i="1">
+                                  <a:solidFill>
+                                    <a:srgbClr val="FF0000"/>
+                                  </a:solidFill>
+                                  <a:latin typeface="Cambria Math" panose="02040503050406030204" pitchFamily="18" charset="0"/>
+                                  <a:ea typeface="Cambria Math" panose="02040503050406030204" pitchFamily="18" charset="0"/>
+                                </a:rPr>
+                                <m:t>𝜷</m:t>
+                              </m:r>
+                            </m:e>
+                            <m:sub>
+                              <m:r>
+                                <a:rPr lang="fr-FR" sz="1100" b="1" i="1" dirty="0">
+                                  <a:solidFill>
+                                    <a:srgbClr val="FF0000"/>
+                                  </a:solidFill>
+                                  <a:latin typeface="Cambria Math" panose="02040503050406030204" pitchFamily="18" charset="0"/>
+                                </a:rPr>
+                                <m:t>𝒊𝒏𝒕𝒆𝒓</m:t>
+                              </m:r>
+                              <m:r>
+                                <a:rPr lang="fr-FR" sz="1100" b="1" i="1" dirty="0">
+                                  <a:solidFill>
+                                    <a:srgbClr val="FF0000"/>
+                                  </a:solidFill>
+                                  <a:latin typeface="Cambria Math" panose="02040503050406030204" pitchFamily="18" charset="0"/>
+                                </a:rPr>
+                                <m:t>−</m:t>
+                              </m:r>
+                              <m:r>
+                                <a:rPr lang="fr-FR" sz="1100" b="1" i="1" dirty="0">
+                                  <a:solidFill>
+                                    <a:srgbClr val="FF0000"/>
+                                  </a:solidFill>
+                                  <a:latin typeface="Cambria Math" panose="02040503050406030204" pitchFamily="18" charset="0"/>
+                                </a:rPr>
+                                <m:t>𝒓𝒆𝒈𝒊𝒐𝒏</m:t>
+                              </m:r>
+                            </m:sub>
+                          </m:sSub>
+                        </m:oMath>
+                      </a14:m>
+                      <a:r>
+                        <a:rPr lang="fr-FR" sz="1100" b="1" i="1" dirty="0">
+                          <a:solidFill>
+                            <a:srgbClr val="FF0000"/>
+                          </a:solidFill>
+                          <a:latin typeface="Times New Roman" panose="02020603050405020304" pitchFamily="18" charset="0"/>
+                          <a:cs typeface="Times New Roman" panose="02020603050405020304" pitchFamily="18" charset="0"/>
+                        </a:rPr>
+                        <a:t>= </a:t>
+                      </a:r>
+                      <a:r>
+                        <a:rPr lang="fr-FR" sz="1100" b="1" dirty="0" smtClean="0">
+                          <a:solidFill>
+                            <a:srgbClr val="FF0000"/>
+                          </a:solidFill>
+                          <a:latin typeface="Times New Roman" panose="02020603050405020304" pitchFamily="18" charset="0"/>
+                          <a:cs typeface="Times New Roman" panose="02020603050405020304" pitchFamily="18" charset="0"/>
+                        </a:rPr>
+                        <a:t>74.5</a:t>
+                      </a:r>
+                      <a:r>
+                        <a:rPr lang="fr-FR" sz="1100" b="1" dirty="0">
+                          <a:solidFill>
+                            <a:srgbClr val="FF0000"/>
+                          </a:solidFill>
+                          <a:latin typeface="Times New Roman" panose="02020603050405020304" pitchFamily="18" charset="0"/>
+                          <a:cs typeface="Times New Roman" panose="02020603050405020304" pitchFamily="18" charset="0"/>
+                        </a:rPr>
+                        <a:t>%</a:t>
+                      </a:r>
+                    </a:p>
+                  </p:txBody>
+                </p:sp>
+              </mc:Choice>
+              <mc:Fallback>
+                <p:sp>
+                  <p:nvSpPr>
+                    <p:cNvPr id="57" name="ZoneTexte 56"/>
+                    <p:cNvSpPr txBox="1">
+                      <a:spLocks noRot="1" noChangeAspect="1" noMove="1" noResize="1" noEditPoints="1" noAdjustHandles="1" noChangeArrowheads="1" noChangeShapeType="1" noTextEdit="1"/>
+                    </p:cNvSpPr>
+                    <p:nvPr/>
+                  </p:nvSpPr>
+                  <p:spPr>
+                    <a:xfrm>
+                      <a:off x="8666482" y="2507077"/>
+                      <a:ext cx="1511968" cy="277640"/>
+                    </a:xfrm>
+                    <a:prstGeom prst="rect">
+                      <a:avLst/>
+                    </a:prstGeom>
+                    <a:blipFill>
+                      <a:blip r:embed="rId8"/>
+                      <a:stretch>
+                        <a:fillRect b="-8696"/>
+                      </a:stretch>
+                    </a:blipFill>
+                  </p:spPr>
+                  <p:txBody>
+                    <a:bodyPr/>
+                    <a:lstStyle/>
+                    <a:p>
+                      <a:r>
+                        <a:rPr lang="fr-FR">
+                          <a:noFill/>
+                        </a:rPr>
+                        <a:t> </a:t>
+                      </a:r>
+                    </a:p>
+                  </p:txBody>
+                </p:sp>
+              </mc:Fallback>
+            </mc:AlternateContent>
+            <mc:AlternateContent xmlns:mc="http://schemas.openxmlformats.org/markup-compatibility/2006">
+              <mc:Choice xmlns:a14="http://schemas.microsoft.com/office/drawing/2010/main" Requires="a14">
+                <p:sp>
+                  <p:nvSpPr>
+                    <p:cNvPr id="58" name="ZoneTexte 57"/>
+                    <p:cNvSpPr txBox="1"/>
+                    <p:nvPr/>
+                  </p:nvSpPr>
+                  <p:spPr>
+                    <a:xfrm>
+                      <a:off x="8717802" y="3488944"/>
+                      <a:ext cx="1323981" cy="265457"/>
+                    </a:xfrm>
+                    <a:prstGeom prst="rect">
+                      <a:avLst/>
+                    </a:prstGeom>
+                    <a:solidFill>
+                      <a:schemeClr val="bg1"/>
+                    </a:solidFill>
+                  </p:spPr>
+                  <p:txBody>
+                    <a:bodyPr wrap="square" rtlCol="0">
+                      <a:spAutoFit/>
+                    </a:bodyPr>
+                    <a:lstStyle/>
+                    <a:p>
+                      <a14:m>
+                        <m:oMath xmlns:m="http://schemas.openxmlformats.org/officeDocument/2006/math">
+                          <m:sSub>
+                            <m:sSubPr>
+                              <m:ctrlPr>
+                                <a:rPr lang="fr-FR" sz="1100" b="1" i="1">
+                                  <a:solidFill>
+                                    <a:srgbClr val="FF0000"/>
+                                  </a:solidFill>
+                                  <a:latin typeface="Cambria Math" panose="02040503050406030204" pitchFamily="18" charset="0"/>
+                                </a:rPr>
+                              </m:ctrlPr>
+                            </m:sSubPr>
+                            <m:e>
+                              <m:acc>
+                                <m:accPr>
+                                  <m:chr m:val="̅"/>
+                                  <m:ctrlPr>
+                                    <a:rPr lang="fr-FR" sz="1100" b="1" i="1">
+                                      <a:solidFill>
+                                        <a:srgbClr val="FF0000"/>
+                                      </a:solidFill>
+                                      <a:latin typeface="Cambria Math" panose="02040503050406030204" pitchFamily="18" charset="0"/>
+                                    </a:rPr>
+                                  </m:ctrlPr>
+                                </m:accPr>
+                                <m:e>
+                                  <m:r>
+                                    <a:rPr lang="fr-FR" sz="1100" b="1" i="1">
+                                      <a:solidFill>
+                                        <a:srgbClr val="FF0000"/>
+                                      </a:solidFill>
+                                      <a:latin typeface="Cambria Math" panose="02040503050406030204" pitchFamily="18" charset="0"/>
+                                    </a:rPr>
+                                    <m:t>𝜷</m:t>
+                                  </m:r>
+                                </m:e>
+                              </m:acc>
+                            </m:e>
+                            <m:sub>
+                              <m:r>
+                                <a:rPr lang="fr-FR" sz="1100" b="1" i="1" dirty="0">
+                                  <a:solidFill>
+                                    <a:srgbClr val="FF0000"/>
+                                  </a:solidFill>
+                                  <a:latin typeface="Cambria Math" panose="02040503050406030204" pitchFamily="18" charset="0"/>
+                                </a:rPr>
+                                <m:t>𝒊𝒏𝒕𝒆𝒓</m:t>
+                              </m:r>
+                              <m:r>
+                                <a:rPr lang="fr-FR" sz="1100" b="1" i="1" dirty="0">
+                                  <a:solidFill>
+                                    <a:srgbClr val="FF0000"/>
+                                  </a:solidFill>
+                                  <a:latin typeface="Cambria Math" panose="02040503050406030204" pitchFamily="18" charset="0"/>
+                                </a:rPr>
+                                <m:t>−</m:t>
+                              </m:r>
+                              <m:r>
+                                <a:rPr lang="fr-FR" sz="1100" b="1" i="1" dirty="0">
+                                  <a:solidFill>
+                                    <a:srgbClr val="FF0000"/>
+                                  </a:solidFill>
+                                  <a:latin typeface="Cambria Math" panose="02040503050406030204" pitchFamily="18" charset="0"/>
+                                </a:rPr>
+                                <m:t>𝒔𝒕𝒂𝒕𝒊𝒐𝒏</m:t>
+                              </m:r>
+                            </m:sub>
+                          </m:sSub>
+                        </m:oMath>
+                      </a14:m>
+                      <a:r>
+                        <a:rPr lang="fr-FR" sz="1100" b="1" i="1" dirty="0">
+                          <a:solidFill>
+                            <a:srgbClr val="FF0000"/>
+                          </a:solidFill>
+                          <a:latin typeface="Times New Roman" panose="02020603050405020304" pitchFamily="18" charset="0"/>
+                          <a:cs typeface="Times New Roman" panose="02020603050405020304" pitchFamily="18" charset="0"/>
+                        </a:rPr>
+                        <a:t>= </a:t>
+                      </a:r>
+                      <a:r>
+                        <a:rPr lang="fr-FR" sz="1100" b="1" dirty="0">
+                          <a:solidFill>
+                            <a:srgbClr val="FF0000"/>
+                          </a:solidFill>
+                          <a:latin typeface="Times New Roman" panose="02020603050405020304" pitchFamily="18" charset="0"/>
+                          <a:cs typeface="Times New Roman" panose="02020603050405020304" pitchFamily="18" charset="0"/>
+                        </a:rPr>
+                        <a:t>7</a:t>
+                      </a:r>
+                      <a:r>
+                        <a:rPr lang="fr-FR" sz="1100" b="1" dirty="0" smtClean="0">
+                          <a:solidFill>
+                            <a:srgbClr val="FF0000"/>
+                          </a:solidFill>
+                          <a:latin typeface="Times New Roman" panose="02020603050405020304" pitchFamily="18" charset="0"/>
+                          <a:cs typeface="Times New Roman" panose="02020603050405020304" pitchFamily="18" charset="0"/>
+                        </a:rPr>
+                        <a:t>%</a:t>
+                      </a:r>
+                      <a:endParaRPr lang="fr-FR" sz="1100" b="1" dirty="0">
+                        <a:solidFill>
+                          <a:srgbClr val="FF0000"/>
+                        </a:solidFill>
+                        <a:latin typeface="Times New Roman" panose="02020603050405020304" pitchFamily="18" charset="0"/>
+                        <a:cs typeface="Times New Roman" panose="02020603050405020304" pitchFamily="18" charset="0"/>
+                      </a:endParaRPr>
+                    </a:p>
+                  </p:txBody>
+                </p:sp>
+              </mc:Choice>
+              <mc:Fallback>
+                <p:sp>
+                  <p:nvSpPr>
+                    <p:cNvPr id="58" name="ZoneTexte 57"/>
+                    <p:cNvSpPr txBox="1">
+                      <a:spLocks noRot="1" noChangeAspect="1" noMove="1" noResize="1" noEditPoints="1" noAdjustHandles="1" noChangeArrowheads="1" noChangeShapeType="1" noTextEdit="1"/>
+                    </p:cNvSpPr>
+                    <p:nvPr/>
+                  </p:nvSpPr>
+                  <p:spPr>
+                    <a:xfrm>
+                      <a:off x="8717802" y="3488944"/>
+                      <a:ext cx="1323981" cy="265457"/>
+                    </a:xfrm>
+                    <a:prstGeom prst="rect">
+                      <a:avLst/>
+                    </a:prstGeom>
+                    <a:blipFill>
+                      <a:blip r:embed="rId9"/>
+                      <a:stretch>
+                        <a:fillRect b="-15909"/>
+                      </a:stretch>
+                    </a:blipFill>
+                  </p:spPr>
+                  <p:txBody>
+                    <a:bodyPr/>
+                    <a:lstStyle/>
+                    <a:p>
+                      <a:r>
+                        <a:rPr lang="fr-FR">
+                          <a:noFill/>
+                        </a:rPr>
+                        <a:t> </a:t>
+                      </a:r>
+                    </a:p>
+                  </p:txBody>
+                </p:sp>
+              </mc:Fallback>
+            </mc:AlternateContent>
+            <mc:AlternateContent xmlns:mc="http://schemas.openxmlformats.org/markup-compatibility/2006">
+              <mc:Choice xmlns:a14="http://schemas.microsoft.com/office/drawing/2010/main" Requires="a14">
+                <p:sp>
+                  <p:nvSpPr>
+                    <p:cNvPr id="59" name="ZoneTexte 58"/>
+                    <p:cNvSpPr txBox="1"/>
+                    <p:nvPr/>
+                  </p:nvSpPr>
+                  <p:spPr>
+                    <a:xfrm>
+                      <a:off x="8717801" y="3004246"/>
+                      <a:ext cx="1218949" cy="265457"/>
+                    </a:xfrm>
+                    <a:prstGeom prst="rect">
+                      <a:avLst/>
+                    </a:prstGeom>
+                    <a:solidFill>
+                      <a:schemeClr val="bg1"/>
+                    </a:solidFill>
+                  </p:spPr>
+                  <p:txBody>
+                    <a:bodyPr wrap="square" rtlCol="0">
+                      <a:spAutoFit/>
+                    </a:bodyPr>
+                    <a:lstStyle/>
+                    <a:p>
+                      <a14:m>
+                        <m:oMath xmlns:m="http://schemas.openxmlformats.org/officeDocument/2006/math">
+                          <m:sSub>
+                            <m:sSubPr>
+                              <m:ctrlPr>
+                                <a:rPr lang="fr-FR" sz="1100" b="1" i="1">
+                                  <a:solidFill>
+                                    <a:srgbClr val="FF0000"/>
+                                  </a:solidFill>
+                                  <a:latin typeface="Cambria Math" panose="02040503050406030204" pitchFamily="18" charset="0"/>
+                                </a:rPr>
+                              </m:ctrlPr>
+                            </m:sSubPr>
+                            <m:e>
+                              <m:acc>
+                                <m:accPr>
+                                  <m:chr m:val="̅"/>
+                                  <m:ctrlPr>
+                                    <a:rPr lang="fr-FR" sz="1100" b="1" i="1">
+                                      <a:solidFill>
+                                        <a:srgbClr val="FF0000"/>
+                                      </a:solidFill>
+                                      <a:latin typeface="Cambria Math" panose="02040503050406030204" pitchFamily="18" charset="0"/>
+                                    </a:rPr>
+                                  </m:ctrlPr>
+                                </m:accPr>
+                                <m:e>
+                                  <m:r>
+                                    <a:rPr lang="fr-FR" sz="1100" b="1" i="1">
+                                      <a:solidFill>
+                                        <a:srgbClr val="FF0000"/>
+                                      </a:solidFill>
+                                      <a:latin typeface="Cambria Math" panose="02040503050406030204" pitchFamily="18" charset="0"/>
+                                    </a:rPr>
+                                    <m:t>𝜷</m:t>
+                                  </m:r>
+                                </m:e>
+                              </m:acc>
+                            </m:e>
+                            <m:sub>
+                              <m:r>
+                                <a:rPr lang="fr-FR" sz="1100" b="1" i="1" dirty="0">
+                                  <a:solidFill>
+                                    <a:srgbClr val="FF0000"/>
+                                  </a:solidFill>
+                                  <a:latin typeface="Cambria Math" panose="02040503050406030204" pitchFamily="18" charset="0"/>
+                                </a:rPr>
+                                <m:t>𝒊𝒏𝒕𝒆𝒓</m:t>
+                              </m:r>
+                              <m:r>
+                                <a:rPr lang="fr-FR" sz="1100" b="1" i="1" dirty="0">
+                                  <a:solidFill>
+                                    <a:srgbClr val="FF0000"/>
+                                  </a:solidFill>
+                                  <a:latin typeface="Cambria Math" panose="02040503050406030204" pitchFamily="18" charset="0"/>
+                                </a:rPr>
+                                <m:t>−</m:t>
+                              </m:r>
+                              <m:r>
+                                <a:rPr lang="fr-FR" sz="1100" b="1" i="1" dirty="0">
+                                  <a:solidFill>
+                                    <a:srgbClr val="FF0000"/>
+                                  </a:solidFill>
+                                  <a:latin typeface="Cambria Math" panose="02040503050406030204" pitchFamily="18" charset="0"/>
+                                </a:rPr>
+                                <m:t>𝒔𝒊𝒕𝒆</m:t>
+                              </m:r>
+                            </m:sub>
+                          </m:sSub>
+                        </m:oMath>
+                      </a14:m>
+                      <a:r>
+                        <a:rPr lang="fr-FR" sz="1100" b="1" i="1" dirty="0">
+                          <a:solidFill>
+                            <a:srgbClr val="FF0000"/>
+                          </a:solidFill>
+                          <a:latin typeface="Times New Roman" panose="02020603050405020304" pitchFamily="18" charset="0"/>
+                          <a:cs typeface="Times New Roman" panose="02020603050405020304" pitchFamily="18" charset="0"/>
+                        </a:rPr>
+                        <a:t>= </a:t>
+                      </a:r>
+                      <a:r>
+                        <a:rPr lang="fr-FR" sz="1100" b="1" dirty="0" smtClean="0">
+                          <a:solidFill>
+                            <a:srgbClr val="FF0000"/>
+                          </a:solidFill>
+                          <a:latin typeface="Times New Roman" panose="02020603050405020304" pitchFamily="18" charset="0"/>
+                          <a:cs typeface="Times New Roman" panose="02020603050405020304" pitchFamily="18" charset="0"/>
+                        </a:rPr>
+                        <a:t>14%</a:t>
+                      </a:r>
+                      <a:endParaRPr lang="fr-FR" sz="1100" b="1" dirty="0">
+                        <a:solidFill>
+                          <a:srgbClr val="FF0000"/>
+                        </a:solidFill>
+                        <a:latin typeface="Times New Roman" panose="02020603050405020304" pitchFamily="18" charset="0"/>
+                        <a:cs typeface="Times New Roman" panose="02020603050405020304" pitchFamily="18" charset="0"/>
+                      </a:endParaRPr>
+                    </a:p>
+                  </p:txBody>
+                </p:sp>
+              </mc:Choice>
+              <mc:Fallback>
+                <p:sp>
+                  <p:nvSpPr>
+                    <p:cNvPr id="59" name="ZoneTexte 58"/>
+                    <p:cNvSpPr txBox="1">
+                      <a:spLocks noRot="1" noChangeAspect="1" noMove="1" noResize="1" noEditPoints="1" noAdjustHandles="1" noChangeArrowheads="1" noChangeShapeType="1" noTextEdit="1"/>
+                    </p:cNvSpPr>
+                    <p:nvPr/>
+                  </p:nvSpPr>
+                  <p:spPr>
+                    <a:xfrm>
+                      <a:off x="8717801" y="3004246"/>
+                      <a:ext cx="1218949" cy="265457"/>
+                    </a:xfrm>
+                    <a:prstGeom prst="rect">
+                      <a:avLst/>
+                    </a:prstGeom>
+                    <a:blipFill>
+                      <a:blip r:embed="rId10"/>
+                      <a:stretch>
+                        <a:fillRect b="-18605"/>
+                      </a:stretch>
+                    </a:blipFill>
+                  </p:spPr>
+                  <p:txBody>
+                    <a:bodyPr/>
+                    <a:lstStyle/>
+                    <a:p>
+                      <a:r>
+                        <a:rPr lang="fr-FR">
+                          <a:noFill/>
+                        </a:rPr>
+                        <a:t> </a:t>
+                      </a:r>
+                    </a:p>
+                  </p:txBody>
+                </p:sp>
+              </mc:Fallback>
+            </mc:AlternateContent>
+            <mc:AlternateContent xmlns:mc="http://schemas.openxmlformats.org/markup-compatibility/2006">
+              <mc:Choice xmlns:a14="http://schemas.microsoft.com/office/drawing/2010/main" Requires="a14">
+                <p:sp>
+                  <p:nvSpPr>
+                    <p:cNvPr id="60" name="ZoneTexte 59"/>
+                    <p:cNvSpPr txBox="1"/>
+                    <p:nvPr/>
+                  </p:nvSpPr>
+                  <p:spPr>
+                    <a:xfrm>
+                      <a:off x="8717802" y="3979588"/>
+                      <a:ext cx="1090432" cy="261610"/>
+                    </a:xfrm>
+                    <a:prstGeom prst="rect">
+                      <a:avLst/>
+                    </a:prstGeom>
+                    <a:noFill/>
+                  </p:spPr>
+                  <p:txBody>
+                    <a:bodyPr wrap="square" rtlCol="0">
+                      <a:spAutoFit/>
+                    </a:bodyPr>
+                    <a:lstStyle/>
+                    <a:p>
+                      <a14:m>
+                        <m:oMath xmlns:m="http://schemas.openxmlformats.org/officeDocument/2006/math">
+                          <m:sSub>
+                            <m:sSubPr>
+                              <m:ctrlPr>
+                                <a:rPr lang="fr-FR" sz="1100" b="1" i="1">
+                                  <a:solidFill>
+                                    <a:srgbClr val="FF0000"/>
+                                  </a:solidFill>
+                                  <a:latin typeface="Cambria Math" panose="02040503050406030204" pitchFamily="18" charset="0"/>
+                                </a:rPr>
+                              </m:ctrlPr>
+                            </m:sSubPr>
+                            <m:e>
+                              <m:acc>
+                                <m:accPr>
+                                  <m:chr m:val="̅"/>
+                                  <m:ctrlPr>
+                                    <a:rPr lang="fr-FR" sz="1100" b="1" i="1">
+                                      <a:solidFill>
+                                        <a:srgbClr val="FF0000"/>
+                                      </a:solidFill>
+                                      <a:latin typeface="Cambria Math" panose="02040503050406030204" pitchFamily="18" charset="0"/>
+                                    </a:rPr>
+                                  </m:ctrlPr>
+                                </m:accPr>
+                                <m:e>
+                                  <m:r>
+                                    <a:rPr lang="fr-FR" sz="1100" b="1" i="1">
+                                      <a:solidFill>
+                                        <a:srgbClr val="FF0000"/>
+                                      </a:solidFill>
+                                      <a:latin typeface="Cambria Math" panose="02040503050406030204" pitchFamily="18" charset="0"/>
+                                      <a:ea typeface="Cambria Math" panose="02040503050406030204" pitchFamily="18" charset="0"/>
+                                    </a:rPr>
+                                    <m:t>𝜶</m:t>
+                                  </m:r>
+                                </m:e>
+                              </m:acc>
+                            </m:e>
+                            <m:sub>
+                              <m:r>
+                                <a:rPr lang="fr-FR" sz="1100" b="1" i="1" dirty="0">
+                                  <a:solidFill>
+                                    <a:srgbClr val="FF0000"/>
+                                  </a:solidFill>
+                                  <a:latin typeface="Cambria Math" panose="02040503050406030204" pitchFamily="18" charset="0"/>
+                                </a:rPr>
+                                <m:t>𝒔𝒕𝒂𝒕𝒊𝒐𝒏</m:t>
+                              </m:r>
+                            </m:sub>
+                          </m:sSub>
+                        </m:oMath>
+                      </a14:m>
+                      <a:r>
+                        <a:rPr lang="fr-FR" sz="1100" b="1" i="1" dirty="0">
+                          <a:solidFill>
+                            <a:srgbClr val="FF0000"/>
+                          </a:solidFill>
+                          <a:latin typeface="Times New Roman" panose="02020603050405020304" pitchFamily="18" charset="0"/>
+                          <a:cs typeface="Times New Roman" panose="02020603050405020304" pitchFamily="18" charset="0"/>
+                        </a:rPr>
+                        <a:t>= </a:t>
+                      </a:r>
+                      <a:r>
+                        <a:rPr lang="fr-FR" sz="1100" b="1" dirty="0" smtClean="0">
+                          <a:solidFill>
+                            <a:srgbClr val="FF0000"/>
+                          </a:solidFill>
+                          <a:latin typeface="Times New Roman" panose="02020603050405020304" pitchFamily="18" charset="0"/>
+                          <a:cs typeface="Times New Roman" panose="02020603050405020304" pitchFamily="18" charset="0"/>
+                        </a:rPr>
+                        <a:t>4.5%</a:t>
+                      </a:r>
+                      <a:endParaRPr lang="fr-FR" sz="1100" b="1" dirty="0">
+                        <a:solidFill>
+                          <a:srgbClr val="FF0000"/>
+                        </a:solidFill>
+                        <a:latin typeface="Times New Roman" panose="02020603050405020304" pitchFamily="18" charset="0"/>
+                        <a:cs typeface="Times New Roman" panose="02020603050405020304" pitchFamily="18" charset="0"/>
+                      </a:endParaRPr>
+                    </a:p>
+                  </p:txBody>
+                </p:sp>
+              </mc:Choice>
+              <mc:Fallback>
+                <p:sp>
+                  <p:nvSpPr>
+                    <p:cNvPr id="60" name="ZoneTexte 59"/>
+                    <p:cNvSpPr txBox="1">
+                      <a:spLocks noRot="1" noChangeAspect="1" noMove="1" noResize="1" noEditPoints="1" noAdjustHandles="1" noChangeArrowheads="1" noChangeShapeType="1" noTextEdit="1"/>
+                    </p:cNvSpPr>
+                    <p:nvPr/>
+                  </p:nvSpPr>
+                  <p:spPr>
+                    <a:xfrm>
+                      <a:off x="8717802" y="3979588"/>
+                      <a:ext cx="1090432" cy="261610"/>
+                    </a:xfrm>
+                    <a:prstGeom prst="rect">
+                      <a:avLst/>
+                    </a:prstGeom>
+                    <a:blipFill>
+                      <a:blip r:embed="rId11"/>
+                      <a:stretch>
+                        <a:fillRect b="-16279"/>
+                      </a:stretch>
+                    </a:blipFill>
+                  </p:spPr>
+                  <p:txBody>
+                    <a:bodyPr/>
+                    <a:lstStyle/>
+                    <a:p>
+                      <a:r>
+                        <a:rPr lang="fr-FR">
+                          <a:noFill/>
+                        </a:rPr>
+                        <a:t> </a:t>
+                      </a:r>
+                    </a:p>
+                  </p:txBody>
+                </p:sp>
+              </mc:Fallback>
+            </mc:AlternateContent>
+            <mc:AlternateContent xmlns:mc="http://schemas.openxmlformats.org/markup-compatibility/2006">
+              <mc:Choice xmlns:a14="http://schemas.microsoft.com/office/drawing/2010/main" Requires="a14">
+                <p:sp>
+                  <p:nvSpPr>
+                    <p:cNvPr id="61" name="ZoneTexte 60"/>
+                    <p:cNvSpPr txBox="1"/>
+                    <p:nvPr/>
+                  </p:nvSpPr>
+                  <p:spPr>
+                    <a:xfrm>
+                      <a:off x="1544694" y="3782027"/>
+                      <a:ext cx="238723" cy="276999"/>
+                    </a:xfrm>
+                    <a:prstGeom prst="rect">
+                      <a:avLst/>
+                    </a:prstGeom>
+                    <a:noFill/>
+                  </p:spPr>
+                  <p:txBody>
+                    <a:bodyPr wrap="square" rtlCol="0">
+                      <a:spAutoFit/>
+                    </a:bodyPr>
+                    <a:lstStyle/>
+                    <a:p>
+                      <a14:m>
+                        <m:oMathPara xmlns:m="http://schemas.openxmlformats.org/officeDocument/2006/math">
+                          <m:oMathParaPr>
+                            <m:jc m:val="centerGroup"/>
+                          </m:oMathParaPr>
+                          <m:oMath xmlns:m="http://schemas.openxmlformats.org/officeDocument/2006/math">
+                            <m:acc>
+                              <m:accPr>
+                                <m:chr m:val="̅"/>
+                                <m:ctrlPr>
+                                  <a:rPr lang="el-GR" sz="1200" b="1" i="1" dirty="0" smtClean="0">
+                                    <a:solidFill>
+                                      <a:srgbClr val="FF0000"/>
+                                    </a:solidFill>
+                                    <a:latin typeface="Cambria Math" panose="02040503050406030204" pitchFamily="18" charset="0"/>
+                                  </a:rPr>
+                                </m:ctrlPr>
+                              </m:accPr>
+                              <m:e>
+                                <m:r>
+                                  <a:rPr lang="el-GR" sz="1200" b="1" i="1" dirty="0">
+                                    <a:solidFill>
+                                      <a:srgbClr val="FF0000"/>
+                                    </a:solidFill>
+                                    <a:latin typeface="Cambria Math" panose="02040503050406030204" pitchFamily="18" charset="0"/>
+                                  </a:rPr>
+                                  <m:t>𝜶</m:t>
+                                </m:r>
+                              </m:e>
+                            </m:acc>
+                          </m:oMath>
+                        </m:oMathPara>
+                      </a14:m>
+                      <a:endParaRPr lang="fr-FR" sz="1200" b="1" dirty="0">
+                        <a:solidFill>
+                          <a:srgbClr val="FF0000"/>
+                        </a:solidFill>
+                      </a:endParaRPr>
+                    </a:p>
+                  </p:txBody>
+                </p:sp>
+              </mc:Choice>
+              <mc:Fallback>
+                <p:sp>
+                  <p:nvSpPr>
+                    <p:cNvPr id="61" name="ZoneTexte 60"/>
+                    <p:cNvSpPr txBox="1">
+                      <a:spLocks noRot="1" noChangeAspect="1" noMove="1" noResize="1" noEditPoints="1" noAdjustHandles="1" noChangeArrowheads="1" noChangeShapeType="1" noTextEdit="1"/>
+                    </p:cNvSpPr>
+                    <p:nvPr/>
+                  </p:nvSpPr>
+                  <p:spPr>
+                    <a:xfrm>
+                      <a:off x="1544694" y="3782027"/>
+                      <a:ext cx="238723" cy="276999"/>
+                    </a:xfrm>
+                    <a:prstGeom prst="rect">
+                      <a:avLst/>
+                    </a:prstGeom>
+                    <a:blipFill>
+                      <a:blip r:embed="rId12"/>
+                      <a:stretch>
+                        <a:fillRect/>
+                      </a:stretch>
+                    </a:blipFill>
+                  </p:spPr>
+                  <p:txBody>
+                    <a:bodyPr/>
+                    <a:lstStyle/>
+                    <a:p>
+                      <a:r>
+                        <a:rPr lang="fr-FR">
+                          <a:noFill/>
+                        </a:rPr>
+                        <a:t> </a:t>
+                      </a:r>
+                    </a:p>
+                  </p:txBody>
+                </p:sp>
+              </mc:Fallback>
+            </mc:AlternateContent>
+            <mc:AlternateContent xmlns:mc="http://schemas.openxmlformats.org/markup-compatibility/2006">
+              <mc:Choice xmlns:a14="http://schemas.microsoft.com/office/drawing/2010/main" Requires="a14">
+                <p:sp>
+                  <p:nvSpPr>
+                    <p:cNvPr id="62" name="ZoneTexte 61"/>
+                    <p:cNvSpPr txBox="1"/>
+                    <p:nvPr/>
+                  </p:nvSpPr>
+                  <p:spPr>
+                    <a:xfrm>
+                      <a:off x="1681853" y="3270780"/>
+                      <a:ext cx="238723" cy="281167"/>
+                    </a:xfrm>
+                    <a:prstGeom prst="rect">
+                      <a:avLst/>
+                    </a:prstGeom>
+                    <a:noFill/>
+                  </p:spPr>
+                  <p:txBody>
+                    <a:bodyPr wrap="square" rtlCol="0">
+                      <a:spAutoFit/>
+                    </a:bodyPr>
+                    <a:lstStyle/>
+                    <a:p>
+                      <a14:m>
+                        <m:oMathPara xmlns:m="http://schemas.openxmlformats.org/officeDocument/2006/math">
+                          <m:oMathParaPr>
+                            <m:jc m:val="centerGroup"/>
+                          </m:oMathParaPr>
+                          <m:oMath xmlns:m="http://schemas.openxmlformats.org/officeDocument/2006/math">
+                            <m:sSub>
+                              <m:sSubPr>
+                                <m:ctrlPr>
+                                  <a:rPr lang="fr-FR" sz="1200" b="1" i="1">
+                                    <a:solidFill>
+                                      <a:srgbClr val="FF0000"/>
+                                    </a:solidFill>
+                                    <a:latin typeface="Cambria Math" panose="02040503050406030204" pitchFamily="18" charset="0"/>
+                                  </a:rPr>
+                                </m:ctrlPr>
+                              </m:sSubPr>
+                              <m:e>
+                                <m:acc>
+                                  <m:accPr>
+                                    <m:chr m:val="̅"/>
+                                    <m:ctrlPr>
+                                      <a:rPr lang="fr-FR" sz="1200" b="1" i="1">
+                                        <a:solidFill>
+                                          <a:srgbClr val="FF0000"/>
+                                        </a:solidFill>
+                                        <a:latin typeface="Cambria Math" panose="02040503050406030204" pitchFamily="18" charset="0"/>
+                                      </a:rPr>
+                                    </m:ctrlPr>
+                                  </m:accPr>
+                                  <m:e>
+                                    <m:r>
+                                      <a:rPr lang="fr-FR" sz="1200" b="1" i="1">
+                                        <a:solidFill>
+                                          <a:srgbClr val="FF0000"/>
+                                        </a:solidFill>
+                                        <a:latin typeface="Cambria Math" panose="02040503050406030204" pitchFamily="18" charset="0"/>
+                                      </a:rPr>
+                                      <m:t>𝜷</m:t>
+                                    </m:r>
+                                  </m:e>
+                                </m:acc>
+                              </m:e>
+                              <m:sub>
+                                <m:r>
+                                  <a:rPr lang="fr-FR" sz="1200" b="1" i="1" dirty="0">
+                                    <a:solidFill>
+                                      <a:srgbClr val="FF0000"/>
+                                    </a:solidFill>
+                                    <a:latin typeface="Cambria Math" panose="02040503050406030204" pitchFamily="18" charset="0"/>
+                                  </a:rPr>
+                                  <m:t>𝒔𝒕</m:t>
+                                </m:r>
+                              </m:sub>
+                            </m:sSub>
+                          </m:oMath>
+                        </m:oMathPara>
+                      </a14:m>
+                      <a:endParaRPr lang="fr-FR" sz="1200" b="1" dirty="0">
+                        <a:solidFill>
+                          <a:srgbClr val="FF0000"/>
+                        </a:solidFill>
+                      </a:endParaRPr>
+                    </a:p>
+                  </p:txBody>
+                </p:sp>
+              </mc:Choice>
+              <mc:Fallback>
+                <p:sp>
+                  <p:nvSpPr>
+                    <p:cNvPr id="62" name="ZoneTexte 61"/>
+                    <p:cNvSpPr txBox="1">
+                      <a:spLocks noRot="1" noChangeAspect="1" noMove="1" noResize="1" noEditPoints="1" noAdjustHandles="1" noChangeArrowheads="1" noChangeShapeType="1" noTextEdit="1"/>
+                    </p:cNvSpPr>
+                    <p:nvPr/>
+                  </p:nvSpPr>
+                  <p:spPr>
+                    <a:xfrm>
+                      <a:off x="1681853" y="3270780"/>
+                      <a:ext cx="238723" cy="281167"/>
+                    </a:xfrm>
+                    <a:prstGeom prst="rect">
+                      <a:avLst/>
+                    </a:prstGeom>
+                    <a:blipFill>
+                      <a:blip r:embed="rId13"/>
+                      <a:stretch>
+                        <a:fillRect r="-41026" b="-4348"/>
+                      </a:stretch>
+                    </a:blipFill>
+                  </p:spPr>
+                  <p:txBody>
+                    <a:bodyPr/>
+                    <a:lstStyle/>
+                    <a:p>
+                      <a:r>
+                        <a:rPr lang="fr-FR">
+                          <a:noFill/>
+                        </a:rPr>
+                        <a:t> </a:t>
+                      </a:r>
+                    </a:p>
+                  </p:txBody>
+                </p:sp>
+              </mc:Fallback>
+            </mc:AlternateContent>
+            <mc:AlternateContent xmlns:mc="http://schemas.openxmlformats.org/markup-compatibility/2006">
+              <mc:Choice xmlns:a14="http://schemas.microsoft.com/office/drawing/2010/main" Requires="a14">
+                <p:sp>
+                  <p:nvSpPr>
+                    <p:cNvPr id="63" name="ZoneTexte 62"/>
+                    <p:cNvSpPr txBox="1"/>
+                    <p:nvPr/>
+                  </p:nvSpPr>
+                  <p:spPr>
+                    <a:xfrm>
+                      <a:off x="2180027" y="2733149"/>
+                      <a:ext cx="238723" cy="281167"/>
+                    </a:xfrm>
+                    <a:prstGeom prst="rect">
+                      <a:avLst/>
+                    </a:prstGeom>
+                    <a:noFill/>
+                  </p:spPr>
+                  <p:txBody>
+                    <a:bodyPr wrap="square" rtlCol="0">
+                      <a:spAutoFit/>
+                    </a:bodyPr>
+                    <a:lstStyle/>
+                    <a:p>
+                      <a14:m>
+                        <m:oMathPara xmlns:m="http://schemas.openxmlformats.org/officeDocument/2006/math">
+                          <m:oMathParaPr>
+                            <m:jc m:val="centerGroup"/>
+                          </m:oMathParaPr>
+                          <m:oMath xmlns:m="http://schemas.openxmlformats.org/officeDocument/2006/math">
+                            <m:sSub>
+                              <m:sSubPr>
+                                <m:ctrlPr>
+                                  <a:rPr lang="fr-FR" sz="1200" b="1" i="1">
+                                    <a:solidFill>
+                                      <a:srgbClr val="FF0000"/>
+                                    </a:solidFill>
+                                    <a:latin typeface="Cambria Math" panose="02040503050406030204" pitchFamily="18" charset="0"/>
+                                  </a:rPr>
+                                </m:ctrlPr>
+                              </m:sSubPr>
+                              <m:e>
+                                <m:acc>
+                                  <m:accPr>
+                                    <m:chr m:val="̅"/>
+                                    <m:ctrlPr>
+                                      <a:rPr lang="fr-FR" sz="1200" b="1" i="1">
+                                        <a:solidFill>
+                                          <a:srgbClr val="FF0000"/>
+                                        </a:solidFill>
+                                        <a:latin typeface="Cambria Math" panose="02040503050406030204" pitchFamily="18" charset="0"/>
+                                      </a:rPr>
+                                    </m:ctrlPr>
+                                  </m:accPr>
+                                  <m:e>
+                                    <m:r>
+                                      <a:rPr lang="fr-FR" sz="1200" b="1" i="1">
+                                        <a:solidFill>
+                                          <a:srgbClr val="FF0000"/>
+                                        </a:solidFill>
+                                        <a:latin typeface="Cambria Math" panose="02040503050406030204" pitchFamily="18" charset="0"/>
+                                      </a:rPr>
+                                      <m:t>𝜷</m:t>
+                                    </m:r>
+                                  </m:e>
+                                </m:acc>
+                              </m:e>
+                              <m:sub>
+                                <m:r>
+                                  <a:rPr lang="fr-FR" sz="1200" b="1" i="1" dirty="0">
+                                    <a:solidFill>
+                                      <a:srgbClr val="FF0000"/>
+                                    </a:solidFill>
+                                    <a:latin typeface="Cambria Math" panose="02040503050406030204" pitchFamily="18" charset="0"/>
+                                  </a:rPr>
+                                  <m:t>𝒔</m:t>
+                                </m:r>
+                              </m:sub>
+                            </m:sSub>
+                          </m:oMath>
+                        </m:oMathPara>
+                      </a14:m>
+                      <a:endParaRPr lang="fr-FR" sz="1200" b="1" dirty="0">
+                        <a:solidFill>
+                          <a:srgbClr val="FF0000"/>
+                        </a:solidFill>
+                      </a:endParaRPr>
+                    </a:p>
+                  </p:txBody>
+                </p:sp>
+              </mc:Choice>
+              <mc:Fallback>
+                <p:sp>
+                  <p:nvSpPr>
+                    <p:cNvPr id="63" name="ZoneTexte 62"/>
+                    <p:cNvSpPr txBox="1">
+                      <a:spLocks noRot="1" noChangeAspect="1" noMove="1" noResize="1" noEditPoints="1" noAdjustHandles="1" noChangeArrowheads="1" noChangeShapeType="1" noTextEdit="1"/>
+                    </p:cNvSpPr>
+                    <p:nvPr/>
+                  </p:nvSpPr>
+                  <p:spPr>
+                    <a:xfrm>
+                      <a:off x="2180027" y="2733149"/>
+                      <a:ext cx="238723" cy="281167"/>
+                    </a:xfrm>
+                    <a:prstGeom prst="rect">
+                      <a:avLst/>
+                    </a:prstGeom>
+                    <a:blipFill>
+                      <a:blip r:embed="rId14"/>
+                      <a:stretch>
+                        <a:fillRect r="-17949" b="-6522"/>
+                      </a:stretch>
+                    </a:blipFill>
+                  </p:spPr>
+                  <p:txBody>
+                    <a:bodyPr/>
+                    <a:lstStyle/>
+                    <a:p>
+                      <a:r>
+                        <a:rPr lang="fr-FR">
+                          <a:noFill/>
+                        </a:rPr>
+                        <a:t> </a:t>
+                      </a:r>
+                    </a:p>
+                  </p:txBody>
+                </p:sp>
+              </mc:Fallback>
+            </mc:AlternateContent>
+            <mc:AlternateContent xmlns:mc="http://schemas.openxmlformats.org/markup-compatibility/2006">
+              <mc:Choice xmlns:a14="http://schemas.microsoft.com/office/drawing/2010/main" Requires="a14">
+                <p:sp>
+                  <p:nvSpPr>
+                    <p:cNvPr id="64" name="ZoneTexte 63"/>
+                    <p:cNvSpPr txBox="1"/>
+                    <p:nvPr/>
+                  </p:nvSpPr>
+                  <p:spPr>
+                    <a:xfrm>
+                      <a:off x="6550369" y="2257785"/>
+                      <a:ext cx="357447" cy="294632"/>
+                    </a:xfrm>
+                    <a:prstGeom prst="rect">
+                      <a:avLst/>
+                    </a:prstGeom>
+                    <a:noFill/>
+                  </p:spPr>
+                  <p:txBody>
+                    <a:bodyPr wrap="square" rtlCol="0">
+                      <a:spAutoFit/>
+                    </a:bodyPr>
+                    <a:lstStyle/>
+                    <a:p>
+                      <a14:m>
+                        <m:oMathPara xmlns:m="http://schemas.openxmlformats.org/officeDocument/2006/math">
+                          <m:oMathParaPr>
+                            <m:jc m:val="centerGroup"/>
+                          </m:oMathParaPr>
+                          <m:oMath xmlns:m="http://schemas.openxmlformats.org/officeDocument/2006/math">
+                            <m:sSub>
+                              <m:sSubPr>
+                                <m:ctrlPr>
+                                  <a:rPr lang="fr-FR" sz="1200" b="1" i="1">
+                                    <a:solidFill>
+                                      <a:srgbClr val="FF0000"/>
+                                    </a:solidFill>
+                                    <a:latin typeface="Cambria Math" panose="02040503050406030204" pitchFamily="18" charset="0"/>
+                                  </a:rPr>
+                                </m:ctrlPr>
+                              </m:sSubPr>
+                              <m:e>
+                                <m:r>
+                                  <a:rPr lang="fr-FR" sz="1200" b="1" i="1">
+                                    <a:solidFill>
+                                      <a:srgbClr val="FF0000"/>
+                                    </a:solidFill>
+                                    <a:latin typeface="Cambria Math" panose="02040503050406030204" pitchFamily="18" charset="0"/>
+                                    <a:ea typeface="Cambria Math" panose="02040503050406030204" pitchFamily="18" charset="0"/>
+                                  </a:rPr>
+                                  <m:t>𝜷</m:t>
+                                </m:r>
+                              </m:e>
+                              <m:sub>
+                                <m:r>
+                                  <a:rPr lang="fr-FR" sz="1200" b="1" i="1" dirty="0">
+                                    <a:solidFill>
+                                      <a:srgbClr val="FF0000"/>
+                                    </a:solidFill>
+                                    <a:latin typeface="Cambria Math" panose="02040503050406030204" pitchFamily="18" charset="0"/>
+                                  </a:rPr>
+                                  <m:t>𝒓𝒆𝒈</m:t>
+                                </m:r>
+                              </m:sub>
+                            </m:sSub>
+                          </m:oMath>
+                        </m:oMathPara>
+                      </a14:m>
+                      <a:endParaRPr lang="fr-FR" sz="1200" i="1" dirty="0"/>
+                    </a:p>
+                  </p:txBody>
+                </p:sp>
+              </mc:Choice>
+              <mc:Fallback>
+                <p:sp>
+                  <p:nvSpPr>
+                    <p:cNvPr id="64" name="ZoneTexte 63"/>
+                    <p:cNvSpPr txBox="1">
+                      <a:spLocks noRot="1" noChangeAspect="1" noMove="1" noResize="1" noEditPoints="1" noAdjustHandles="1" noChangeArrowheads="1" noChangeShapeType="1" noTextEdit="1"/>
+                    </p:cNvSpPr>
+                    <p:nvPr/>
+                  </p:nvSpPr>
+                  <p:spPr>
+                    <a:xfrm>
+                      <a:off x="6550369" y="2257785"/>
+                      <a:ext cx="357447" cy="294632"/>
+                    </a:xfrm>
+                    <a:prstGeom prst="rect">
+                      <a:avLst/>
+                    </a:prstGeom>
+                    <a:blipFill>
+                      <a:blip r:embed="rId15"/>
+                      <a:stretch>
+                        <a:fillRect r="-20339"/>
+                      </a:stretch>
+                    </a:blipFill>
+                  </p:spPr>
+                  <p:txBody>
+                    <a:bodyPr/>
+                    <a:lstStyle/>
+                    <a:p>
+                      <a:r>
+                        <a:rPr lang="fr-FR">
+                          <a:noFill/>
+                        </a:rPr>
+                        <a:t> </a:t>
+                      </a:r>
+                    </a:p>
+                  </p:txBody>
+                </p:sp>
+              </mc:Fallback>
+            </mc:AlternateContent>
+            <p:cxnSp>
+              <p:nvCxnSpPr>
+                <p:cNvPr id="55" name="Connecteur droit 54"/>
+                <p:cNvCxnSpPr/>
+                <p:nvPr/>
+              </p:nvCxnSpPr>
+              <p:spPr>
+                <a:xfrm>
+                  <a:off x="1691579" y="4019638"/>
+                  <a:ext cx="0" cy="196985"/>
+                </a:xfrm>
+                <a:prstGeom prst="line">
+                  <a:avLst/>
+                </a:prstGeom>
+                <a:ln w="12700">
+                  <a:solidFill>
+                    <a:srgbClr val="FF0000"/>
+                  </a:solidFill>
+                </a:ln>
+              </p:spPr>
+              <p:style>
+                <a:lnRef idx="1">
+                  <a:schemeClr val="accent2"/>
+                </a:lnRef>
+                <a:fillRef idx="0">
+                  <a:schemeClr val="accent2"/>
+                </a:fillRef>
+                <a:effectRef idx="0">
+                  <a:schemeClr val="accent2"/>
+                </a:effectRef>
+                <a:fontRef idx="minor">
+                  <a:schemeClr val="tx1"/>
+                </a:fontRef>
+              </p:style>
+            </p:cxnSp>
+          </p:grpSp>
+        </p:grpSp>
+        <p:sp>
+          <p:nvSpPr>
+            <p:cNvPr id="82" name="ZoneTexte 81"/>
+            <p:cNvSpPr txBox="1"/>
+            <p:nvPr/>
+          </p:nvSpPr>
+          <p:spPr>
+            <a:xfrm>
+              <a:off x="7654313" y="1755876"/>
+              <a:ext cx="238723" cy="276999"/>
+            </a:xfrm>
+            <a:prstGeom prst="rect">
+              <a:avLst/>
+            </a:prstGeom>
+            <a:noFill/>
+          </p:spPr>
+          <p:txBody>
+            <a:bodyPr wrap="square" rtlCol="0">
+              <a:spAutoFit/>
+            </a:bodyPr>
+            <a:lstStyle/>
+            <a:p>
+              <a:r>
+                <a:rPr lang="el-GR" sz="1200" b="1" dirty="0" smtClean="0">
+                  <a:solidFill>
+                    <a:srgbClr val="FF0000"/>
+                  </a:solidFill>
+                  <a:latin typeface="Sitka Text" panose="02000505000000020004" pitchFamily="2" charset="0"/>
+                </a:rPr>
+                <a:t>γ</a:t>
+              </a:r>
+              <a:endParaRPr lang="fr-FR" sz="1200" b="1" dirty="0">
+                <a:solidFill>
+                  <a:srgbClr val="FF0000"/>
+                </a:solidFill>
+              </a:endParaRPr>
+            </a:p>
+          </p:txBody>
+        </p:sp>
+        <p:sp>
+          <p:nvSpPr>
+            <p:cNvPr id="83" name="ZoneTexte 82"/>
+            <p:cNvSpPr txBox="1"/>
+            <p:nvPr/>
+          </p:nvSpPr>
+          <p:spPr>
+            <a:xfrm>
+              <a:off x="901647" y="1394922"/>
+              <a:ext cx="942412" cy="430887"/>
+            </a:xfrm>
+            <a:prstGeom prst="rect">
+              <a:avLst/>
+            </a:prstGeom>
+            <a:noFill/>
+          </p:spPr>
+          <p:txBody>
+            <a:bodyPr wrap="square" rtlCol="0">
+              <a:spAutoFit/>
+            </a:bodyPr>
+            <a:lstStyle/>
+            <a:p>
+              <a:pPr algn="ctr"/>
+              <a:r>
+                <a:rPr lang="fr-FR" sz="1100" i="1" dirty="0" smtClean="0">
+                  <a:latin typeface="Times New Roman" panose="02020603050405020304" pitchFamily="18" charset="0"/>
+                  <a:cs typeface="Times New Roman" panose="02020603050405020304" pitchFamily="18" charset="0"/>
+                </a:rPr>
+                <a:t>4 sites</a:t>
+              </a:r>
+            </a:p>
+            <a:p>
+              <a:pPr algn="ctr"/>
+              <a:r>
+                <a:rPr lang="en-US" sz="1100" i="1" dirty="0" smtClean="0">
+                  <a:latin typeface="Times New Roman" panose="02020603050405020304" pitchFamily="18" charset="0"/>
+                  <a:cs typeface="Times New Roman" panose="02020603050405020304" pitchFamily="18" charset="0"/>
+                </a:rPr>
+                <a:t>16 stations</a:t>
+              </a:r>
+              <a:endParaRPr lang="en-US" sz="1100" i="1" dirty="0">
+                <a:latin typeface="Times New Roman" panose="02020603050405020304" pitchFamily="18" charset="0"/>
+                <a:cs typeface="Times New Roman" panose="02020603050405020304" pitchFamily="18" charset="0"/>
+              </a:endParaRPr>
+            </a:p>
+          </p:txBody>
+        </p:sp>
+        <p:sp>
+          <p:nvSpPr>
+            <p:cNvPr id="84" name="ZoneTexte 83"/>
+            <p:cNvSpPr txBox="1"/>
+            <p:nvPr/>
+          </p:nvSpPr>
+          <p:spPr>
+            <a:xfrm>
+              <a:off x="2282191" y="1395165"/>
+              <a:ext cx="942412" cy="430887"/>
+            </a:xfrm>
+            <a:prstGeom prst="rect">
+              <a:avLst/>
+            </a:prstGeom>
+            <a:noFill/>
+          </p:spPr>
+          <p:txBody>
+            <a:bodyPr wrap="square" rtlCol="0">
+              <a:spAutoFit/>
+            </a:bodyPr>
+            <a:lstStyle/>
+            <a:p>
+              <a:pPr algn="ctr"/>
+              <a:r>
+                <a:rPr lang="fr-FR" sz="1100" i="1" dirty="0" smtClean="0">
+                  <a:latin typeface="Times New Roman" panose="02020603050405020304" pitchFamily="18" charset="0"/>
+                  <a:cs typeface="Times New Roman" panose="02020603050405020304" pitchFamily="18" charset="0"/>
+                </a:rPr>
+                <a:t>11</a:t>
+              </a:r>
+              <a:r>
+                <a:rPr lang="fr-FR" sz="1100" i="1" dirty="0" smtClean="0">
+                  <a:latin typeface="Times New Roman" panose="02020603050405020304" pitchFamily="18" charset="0"/>
+                  <a:cs typeface="Times New Roman" panose="02020603050405020304" pitchFamily="18" charset="0"/>
+                </a:rPr>
+                <a:t> sites</a:t>
+              </a:r>
+            </a:p>
+            <a:p>
+              <a:pPr algn="ctr"/>
+              <a:r>
+                <a:rPr lang="en-US" sz="1100" i="1" dirty="0" smtClean="0">
+                  <a:latin typeface="Times New Roman" panose="02020603050405020304" pitchFamily="18" charset="0"/>
+                  <a:cs typeface="Times New Roman" panose="02020603050405020304" pitchFamily="18" charset="0"/>
+                </a:rPr>
+                <a:t>46</a:t>
+              </a:r>
+              <a:r>
+                <a:rPr lang="en-US" sz="1100" i="1" dirty="0" smtClean="0">
+                  <a:latin typeface="Times New Roman" panose="02020603050405020304" pitchFamily="18" charset="0"/>
+                  <a:cs typeface="Times New Roman" panose="02020603050405020304" pitchFamily="18" charset="0"/>
+                </a:rPr>
+                <a:t> stations</a:t>
+              </a:r>
+              <a:endParaRPr lang="en-US" sz="1100" i="1" dirty="0">
+                <a:latin typeface="Times New Roman" panose="02020603050405020304" pitchFamily="18" charset="0"/>
+                <a:cs typeface="Times New Roman" panose="02020603050405020304" pitchFamily="18" charset="0"/>
+              </a:endParaRPr>
+            </a:p>
+          </p:txBody>
+        </p:sp>
+        <p:sp>
+          <p:nvSpPr>
+            <p:cNvPr id="85" name="ZoneTexte 84"/>
+            <p:cNvSpPr txBox="1"/>
+            <p:nvPr/>
+          </p:nvSpPr>
+          <p:spPr>
+            <a:xfrm>
+              <a:off x="3775291" y="1394922"/>
+              <a:ext cx="942412" cy="430887"/>
+            </a:xfrm>
+            <a:prstGeom prst="rect">
+              <a:avLst/>
+            </a:prstGeom>
+            <a:noFill/>
+          </p:spPr>
+          <p:txBody>
+            <a:bodyPr wrap="square" rtlCol="0">
+              <a:spAutoFit/>
+            </a:bodyPr>
+            <a:lstStyle/>
+            <a:p>
+              <a:pPr algn="ctr"/>
+              <a:r>
+                <a:rPr lang="fr-FR" sz="1100" i="1" dirty="0">
+                  <a:latin typeface="Times New Roman" panose="02020603050405020304" pitchFamily="18" charset="0"/>
+                  <a:cs typeface="Times New Roman" panose="02020603050405020304" pitchFamily="18" charset="0"/>
+                </a:rPr>
+                <a:t>6</a:t>
+              </a:r>
+              <a:r>
+                <a:rPr lang="fr-FR" sz="1100" i="1" dirty="0" smtClean="0">
+                  <a:latin typeface="Times New Roman" panose="02020603050405020304" pitchFamily="18" charset="0"/>
+                  <a:cs typeface="Times New Roman" panose="02020603050405020304" pitchFamily="18" charset="0"/>
+                </a:rPr>
+                <a:t> sites</a:t>
+              </a:r>
+            </a:p>
+            <a:p>
+              <a:pPr algn="ctr"/>
+              <a:r>
+                <a:rPr lang="en-US" sz="1100" i="1" dirty="0" smtClean="0">
+                  <a:latin typeface="Times New Roman" panose="02020603050405020304" pitchFamily="18" charset="0"/>
+                  <a:cs typeface="Times New Roman" panose="02020603050405020304" pitchFamily="18" charset="0"/>
+                </a:rPr>
+                <a:t>48</a:t>
+              </a:r>
+              <a:r>
+                <a:rPr lang="en-US" sz="1100" i="1" dirty="0" smtClean="0">
+                  <a:latin typeface="Times New Roman" panose="02020603050405020304" pitchFamily="18" charset="0"/>
+                  <a:cs typeface="Times New Roman" panose="02020603050405020304" pitchFamily="18" charset="0"/>
+                </a:rPr>
+                <a:t> stations</a:t>
+              </a:r>
+              <a:endParaRPr lang="en-US" sz="1100" i="1" dirty="0">
+                <a:latin typeface="Times New Roman" panose="02020603050405020304" pitchFamily="18" charset="0"/>
+                <a:cs typeface="Times New Roman" panose="02020603050405020304" pitchFamily="18" charset="0"/>
+              </a:endParaRPr>
+            </a:p>
+          </p:txBody>
+        </p:sp>
+        <p:sp>
+          <p:nvSpPr>
+            <p:cNvPr id="86" name="ZoneTexte 85"/>
+            <p:cNvSpPr txBox="1"/>
+            <p:nvPr/>
+          </p:nvSpPr>
+          <p:spPr>
+            <a:xfrm>
+              <a:off x="5218801" y="1394922"/>
+              <a:ext cx="942412" cy="430887"/>
+            </a:xfrm>
+            <a:prstGeom prst="rect">
+              <a:avLst/>
+            </a:prstGeom>
+            <a:noFill/>
+          </p:spPr>
+          <p:txBody>
+            <a:bodyPr wrap="square" rtlCol="0">
+              <a:spAutoFit/>
+            </a:bodyPr>
+            <a:lstStyle/>
+            <a:p>
+              <a:pPr algn="ctr"/>
+              <a:r>
+                <a:rPr lang="fr-FR" sz="1100" i="1" dirty="0">
+                  <a:latin typeface="Times New Roman" panose="02020603050405020304" pitchFamily="18" charset="0"/>
+                  <a:cs typeface="Times New Roman" panose="02020603050405020304" pitchFamily="18" charset="0"/>
+                </a:rPr>
+                <a:t>1</a:t>
+              </a:r>
+              <a:r>
+                <a:rPr lang="fr-FR" sz="1100" i="1" dirty="0" smtClean="0">
+                  <a:latin typeface="Times New Roman" panose="02020603050405020304" pitchFamily="18" charset="0"/>
+                  <a:cs typeface="Times New Roman" panose="02020603050405020304" pitchFamily="18" charset="0"/>
+                </a:rPr>
+                <a:t> site</a:t>
+              </a:r>
+            </a:p>
+            <a:p>
+              <a:pPr algn="ctr"/>
+              <a:r>
+                <a:rPr lang="en-US" sz="1100" i="1" dirty="0">
+                  <a:latin typeface="Times New Roman" panose="02020603050405020304" pitchFamily="18" charset="0"/>
+                  <a:cs typeface="Times New Roman" panose="02020603050405020304" pitchFamily="18" charset="0"/>
+                </a:rPr>
+                <a:t>4</a:t>
+              </a:r>
+              <a:r>
+                <a:rPr lang="en-US" sz="1100" i="1" dirty="0" smtClean="0">
+                  <a:latin typeface="Times New Roman" panose="02020603050405020304" pitchFamily="18" charset="0"/>
+                  <a:cs typeface="Times New Roman" panose="02020603050405020304" pitchFamily="18" charset="0"/>
+                </a:rPr>
+                <a:t> stations</a:t>
+              </a:r>
+              <a:endParaRPr lang="en-US" sz="1100" i="1" dirty="0">
+                <a:latin typeface="Times New Roman" panose="02020603050405020304" pitchFamily="18" charset="0"/>
+                <a:cs typeface="Times New Roman" panose="02020603050405020304" pitchFamily="18" charset="0"/>
+              </a:endParaRPr>
+            </a:p>
+          </p:txBody>
+        </p:sp>
+        <p:sp>
+          <p:nvSpPr>
+            <p:cNvPr id="87" name="ZoneTexte 86"/>
+            <p:cNvSpPr txBox="1"/>
+            <p:nvPr/>
+          </p:nvSpPr>
+          <p:spPr>
+            <a:xfrm>
+              <a:off x="6659880" y="1397601"/>
+              <a:ext cx="942412" cy="430887"/>
+            </a:xfrm>
+            <a:prstGeom prst="rect">
+              <a:avLst/>
+            </a:prstGeom>
+            <a:noFill/>
+          </p:spPr>
+          <p:txBody>
+            <a:bodyPr wrap="square" rtlCol="0">
+              <a:spAutoFit/>
+            </a:bodyPr>
+            <a:lstStyle/>
+            <a:p>
+              <a:pPr algn="ctr"/>
+              <a:r>
+                <a:rPr lang="fr-FR" sz="1100" i="1" dirty="0">
+                  <a:latin typeface="Times New Roman" panose="02020603050405020304" pitchFamily="18" charset="0"/>
+                  <a:cs typeface="Times New Roman" panose="02020603050405020304" pitchFamily="18" charset="0"/>
+                </a:rPr>
+                <a:t>3</a:t>
+              </a:r>
+              <a:r>
+                <a:rPr lang="fr-FR" sz="1100" i="1" dirty="0" smtClean="0">
+                  <a:latin typeface="Times New Roman" panose="02020603050405020304" pitchFamily="18" charset="0"/>
+                  <a:cs typeface="Times New Roman" panose="02020603050405020304" pitchFamily="18" charset="0"/>
+                </a:rPr>
+                <a:t> sites</a:t>
+              </a:r>
+            </a:p>
+            <a:p>
+              <a:pPr algn="ctr"/>
+              <a:r>
+                <a:rPr lang="en-US" sz="1100" i="1" dirty="0" smtClean="0">
+                  <a:latin typeface="Times New Roman" panose="02020603050405020304" pitchFamily="18" charset="0"/>
+                  <a:cs typeface="Times New Roman" panose="02020603050405020304" pitchFamily="18" charset="0"/>
+                </a:rPr>
+                <a:t>31</a:t>
+              </a:r>
+              <a:r>
+                <a:rPr lang="en-US" sz="1100" i="1" dirty="0" smtClean="0">
+                  <a:latin typeface="Times New Roman" panose="02020603050405020304" pitchFamily="18" charset="0"/>
+                  <a:cs typeface="Times New Roman" panose="02020603050405020304" pitchFamily="18" charset="0"/>
+                </a:rPr>
+                <a:t> stations</a:t>
+              </a:r>
+              <a:endParaRPr lang="en-US" sz="1100" i="1" dirty="0">
+                <a:latin typeface="Times New Roman" panose="02020603050405020304" pitchFamily="18" charset="0"/>
+                <a:cs typeface="Times New Roman" panose="02020603050405020304" pitchFamily="18" charset="0"/>
+              </a:endParaRPr>
+            </a:p>
+          </p:txBody>
+        </p:sp>
+      </p:grpSp>
+      <p:sp>
+        <p:nvSpPr>
+          <p:cNvPr id="72" name="Ellipse 71"/>
+          <p:cNvSpPr/>
+          <p:nvPr/>
+        </p:nvSpPr>
+        <p:spPr>
+          <a:xfrm>
+            <a:off x="601272" y="3015327"/>
+            <a:ext cx="72000" cy="72000"/>
+          </a:xfrm>
+          <a:prstGeom prst="ellipse">
+            <a:avLst/>
+          </a:prstGeom>
+          <a:solidFill>
+            <a:srgbClr val="49471D"/>
+          </a:solidFill>
+          <a:ln>
+            <a:solidFill>
+              <a:srgbClr val="49471D"/>
+            </a:solidFill>
+          </a:ln>
+        </p:spPr>
+        <p:style>
+          <a:lnRef idx="2">
+            <a:schemeClr val="accent1">
+              <a:shade val="50000"/>
+            </a:schemeClr>
+          </a:lnRef>
+          <a:fillRef idx="1">
+            <a:schemeClr val="accent1"/>
+          </a:fillRef>
+          <a:effectRef idx="0">
+            <a:schemeClr val="accent1"/>
+          </a:effectRef>
+          <a:fontRef idx="minor">
+            <a:schemeClr val="lt1"/>
+          </a:fontRef>
+        </p:style>
+        <p:txBody>
+          <a:bodyPr rtlCol="0" anchor="ctr"/>
+          <a:lstStyle/>
+          <a:p>
+            <a:pPr algn="ctr"/>
+            <a:endParaRPr lang="fr-FR"/>
+          </a:p>
+        </p:txBody>
+      </p:sp>
+    </p:spTree>
+    <p:extLst>
+      <p:ext uri="{BB962C8B-B14F-4D97-AF65-F5344CB8AC3E}">
+        <p14:creationId xmlns:p14="http://schemas.microsoft.com/office/powerpoint/2010/main" val="3340098720"/>
+      </p:ext>
+    </p:extLst>
+  </p:cSld>
+  <p:clrMapOvr>
+    <a:masterClrMapping/>
+  </p:clrMapOvr>
 </p:sld>
 </file>
 

--- a/outputs/06_diversity_partitioning/schema_partition.pptx
+++ b/outputs/06_diversity_partitioning/schema_partition.pptx
@@ -13177,9 +13177,9 @@
         <p:grpSpPr>
           <a:xfrm>
             <a:off x="490444" y="139918"/>
-            <a:ext cx="8948165" cy="4322926"/>
+            <a:ext cx="8948165" cy="4283211"/>
             <a:chOff x="490444" y="139918"/>
-            <a:chExt cx="8948165" cy="4322926"/>
+            <a:chExt cx="8948165" cy="4283211"/>
           </a:xfrm>
         </p:grpSpPr>
         <p:grpSp>
@@ -13191,9 +13191,9 @@
           <p:grpSpPr>
             <a:xfrm>
               <a:off x="490444" y="139918"/>
-              <a:ext cx="8948165" cy="4322926"/>
+              <a:ext cx="8948165" cy="4283211"/>
               <a:chOff x="490444" y="139918"/>
-              <a:chExt cx="8948165" cy="4322926"/>
+              <a:chExt cx="8948165" cy="4283211"/>
             </a:xfrm>
           </p:grpSpPr>
           <p:pic>
@@ -13270,8 +13270,8 @@
             </p:nvSpPr>
             <p:spPr>
               <a:xfrm>
-                <a:off x="6688284" y="157420"/>
-                <a:ext cx="927149" cy="261610"/>
+                <a:off x="6673925" y="157420"/>
+                <a:ext cx="949821" cy="261610"/>
               </a:xfrm>
               <a:prstGeom prst="rect">
                 <a:avLst/>
@@ -13285,7 +13285,7 @@
               <a:lstStyle/>
               <a:p>
                 <a:r>
-                  <a:rPr lang="fr-FR" sz="1100" dirty="0">
+                  <a:rPr lang="fr-FR" sz="1100" b="1" dirty="0">
                     <a:latin typeface="Times New Roman" panose="02020603050405020304" pitchFamily="18" charset="0"/>
                     <a:cs typeface="Times New Roman" panose="02020603050405020304" pitchFamily="18" charset="0"/>
                   </a:rPr>
@@ -13302,8 +13302,8 @@
             </p:nvSpPr>
             <p:spPr>
               <a:xfrm>
-                <a:off x="5175286" y="157420"/>
-                <a:ext cx="1159437" cy="261610"/>
+                <a:off x="5155247" y="157420"/>
+                <a:ext cx="1187789" cy="261610"/>
               </a:xfrm>
               <a:prstGeom prst="rect">
                 <a:avLst/>
@@ -13317,7 +13317,7 @@
               <a:lstStyle/>
               <a:p>
                 <a:r>
-                  <a:rPr lang="fr-FR" sz="1100" dirty="0">
+                  <a:rPr lang="fr-FR" sz="1100" b="1" dirty="0">
                     <a:latin typeface="Times New Roman" panose="02020603050405020304" pitchFamily="18" charset="0"/>
                     <a:cs typeface="Times New Roman" panose="02020603050405020304" pitchFamily="18" charset="0"/>
                   </a:rPr>
@@ -13334,8 +13334,8 @@
             </p:nvSpPr>
             <p:spPr>
               <a:xfrm>
-                <a:off x="901647" y="139918"/>
-                <a:ext cx="942412" cy="261610"/>
+                <a:off x="886915" y="139918"/>
+                <a:ext cx="965457" cy="261610"/>
               </a:xfrm>
               <a:prstGeom prst="rect">
                 <a:avLst/>
@@ -13349,14 +13349,14 @@
               <a:lstStyle/>
               <a:p>
                 <a:r>
-                  <a:rPr lang="fr-FR" sz="1100" dirty="0">
+                  <a:rPr lang="fr-FR" sz="1100" b="1" dirty="0">
                     <a:latin typeface="Times New Roman" panose="02020603050405020304" pitchFamily="18" charset="0"/>
                     <a:cs typeface="Times New Roman" panose="02020603050405020304" pitchFamily="18" charset="0"/>
                   </a:rPr>
                   <a:t>West </a:t>
                 </a:r>
                 <a:r>
-                  <a:rPr lang="en-US" sz="1100" dirty="0">
+                  <a:rPr lang="en-US" sz="1100" b="1" dirty="0">
                     <a:latin typeface="Times New Roman" panose="02020603050405020304" pitchFamily="18" charset="0"/>
                     <a:cs typeface="Times New Roman" panose="02020603050405020304" pitchFamily="18" charset="0"/>
                   </a:rPr>
@@ -13373,8 +13373,8 @@
             </p:nvSpPr>
             <p:spPr>
               <a:xfrm>
-                <a:off x="2117857" y="157420"/>
-                <a:ext cx="1379425" cy="261610"/>
+                <a:off x="2092438" y="157420"/>
+                <a:ext cx="1413157" cy="261610"/>
               </a:xfrm>
               <a:prstGeom prst="rect">
                 <a:avLst/>
@@ -13388,20 +13388,20 @@
               <a:lstStyle/>
               <a:p>
                 <a:r>
-                  <a:rPr lang="fr-FR" sz="1100" dirty="0">
+                  <a:rPr lang="fr-FR" sz="1100" b="1" dirty="0">
                     <a:latin typeface="Times New Roman" panose="02020603050405020304" pitchFamily="18" charset="0"/>
                     <a:cs typeface="Times New Roman" panose="02020603050405020304" pitchFamily="18" charset="0"/>
                   </a:rPr>
                   <a:t>Central </a:t>
                 </a:r>
                 <a:r>
-                  <a:rPr lang="fr-FR" sz="1100" dirty="0" smtClean="0">
+                  <a:rPr lang="fr-FR" sz="1100" b="1" dirty="0" smtClean="0">
                     <a:latin typeface="Times New Roman" panose="02020603050405020304" pitchFamily="18" charset="0"/>
                     <a:cs typeface="Times New Roman" panose="02020603050405020304" pitchFamily="18" charset="0"/>
                   </a:rPr>
-                  <a:t>Indo Pacific</a:t>
+                  <a:t>Indo-Pacific</a:t>
                 </a:r>
-                <a:endParaRPr lang="fr-FR" sz="1100" dirty="0">
+                <a:endParaRPr lang="fr-FR" sz="1100" b="1" dirty="0">
                   <a:latin typeface="Times New Roman" panose="02020603050405020304" pitchFamily="18" charset="0"/>
                   <a:cs typeface="Times New Roman" panose="02020603050405020304" pitchFamily="18" charset="0"/>
                 </a:endParaRPr>
@@ -13515,8 +13515,8 @@
             </p:nvSpPr>
             <p:spPr>
               <a:xfrm>
-                <a:off x="3614955" y="157420"/>
-                <a:ext cx="1342699" cy="261610"/>
+                <a:off x="3590434" y="157420"/>
+                <a:ext cx="1375533" cy="261610"/>
               </a:xfrm>
               <a:prstGeom prst="rect">
                 <a:avLst/>
@@ -13530,13 +13530,20 @@
               <a:lstStyle/>
               <a:p>
                 <a:r>
-                  <a:rPr lang="fr-FR" sz="1100" dirty="0" smtClean="0">
+                  <a:rPr lang="fr-FR" sz="1100" b="1" dirty="0" smtClean="0">
                     <a:latin typeface="Times New Roman" panose="02020603050405020304" pitchFamily="18" charset="0"/>
                     <a:cs typeface="Times New Roman" panose="02020603050405020304" pitchFamily="18" charset="0"/>
                   </a:rPr>
-                  <a:t>South West Pacific</a:t>
+                  <a:t>South-West </a:t>
                 </a:r>
-                <a:endParaRPr lang="fr-FR" sz="1100" dirty="0">
+                <a:r>
+                  <a:rPr lang="fr-FR" sz="1100" b="1" dirty="0" smtClean="0">
+                    <a:latin typeface="Times New Roman" panose="02020603050405020304" pitchFamily="18" charset="0"/>
+                    <a:cs typeface="Times New Roman" panose="02020603050405020304" pitchFamily="18" charset="0"/>
+                  </a:rPr>
+                  <a:t>Pacific</a:t>
+                </a:r>
+                <a:endParaRPr lang="fr-FR" sz="1100" b="1" dirty="0">
                   <a:latin typeface="Times New Roman" panose="02020603050405020304" pitchFamily="18" charset="0"/>
                   <a:cs typeface="Times New Roman" panose="02020603050405020304" pitchFamily="18" charset="0"/>
                 </a:endParaRPr>
@@ -13552,13 +13559,13 @@
             <p:grpSpPr>
               <a:xfrm>
                 <a:off x="490444" y="1916191"/>
-                <a:ext cx="8948165" cy="2546653"/>
+                <a:ext cx="8948165" cy="2506938"/>
                 <a:chOff x="1230285" y="1916191"/>
-                <a:chExt cx="8948165" cy="2546653"/>
+                <a:chExt cx="8948165" cy="2506938"/>
               </a:xfrm>
             </p:grpSpPr>
-            <mc:AlternateContent xmlns:mc="http://schemas.openxmlformats.org/markup-compatibility/2006">
-              <mc:Choice xmlns:a14="http://schemas.microsoft.com/office/drawing/2010/main" Requires="a14">
+            <mc:AlternateContent xmlns:mc="http://schemas.openxmlformats.org/markup-compatibility/2006" xmlns:a14="http://schemas.microsoft.com/office/drawing/2010/main">
+              <mc:Choice Requires="a14">
                 <p:sp>
                   <p:nvSpPr>
                     <p:cNvPr id="16" name="ZoneTexte 15"/>
@@ -13665,7 +13672,7 @@
                   </p:txBody>
                 </p:sp>
               </mc:Choice>
-              <mc:Fallback>
+              <mc:Fallback xmlns="">
                 <p:sp>
                   <p:nvSpPr>
                     <p:cNvPr id="16" name="ZoneTexte 15"/>
@@ -13713,9 +13720,9 @@
               <p:grpSpPr>
                 <a:xfrm>
                   <a:off x="1230285" y="2022514"/>
-                  <a:ext cx="7614457" cy="2440330"/>
+                  <a:ext cx="7610764" cy="2400615"/>
                   <a:chOff x="1230285" y="2022514"/>
-                  <a:chExt cx="7614457" cy="2440330"/>
+                  <a:chExt cx="7610764" cy="2400615"/>
                 </a:xfrm>
               </p:grpSpPr>
               <p:cxnSp>
@@ -13727,130 +13734,6 @@
                 <p:spPr>
                   <a:xfrm flipV="1">
                     <a:off x="1369493" y="2123523"/>
-                    <a:ext cx="7177502" cy="1"/>
-                  </a:xfrm>
-                  <a:prstGeom prst="line">
-                    <a:avLst/>
-                  </a:prstGeom>
-                  <a:ln w="12700"/>
-                </p:spPr>
-                <p:style>
-                  <a:lnRef idx="1">
-                    <a:schemeClr val="dk1"/>
-                  </a:lnRef>
-                  <a:fillRef idx="0">
-                    <a:schemeClr val="dk1"/>
-                  </a:fillRef>
-                  <a:effectRef idx="0">
-                    <a:schemeClr val="dk1"/>
-                  </a:effectRef>
-                  <a:fontRef idx="minor">
-                    <a:schemeClr val="tx1"/>
-                  </a:fontRef>
-                </p:style>
-              </p:cxnSp>
-              <p:cxnSp>
-                <p:nvCxnSpPr>
-                  <p:cNvPr id="26" name="Connecteur droit 25"/>
-                  <p:cNvCxnSpPr/>
-                  <p:nvPr/>
-                </p:nvCxnSpPr>
-                <p:spPr>
-                  <a:xfrm flipV="1">
-                    <a:off x="1369493" y="2623663"/>
-                    <a:ext cx="7177502" cy="1"/>
-                  </a:xfrm>
-                  <a:prstGeom prst="line">
-                    <a:avLst/>
-                  </a:prstGeom>
-                  <a:ln w="12700"/>
-                </p:spPr>
-                <p:style>
-                  <a:lnRef idx="1">
-                    <a:schemeClr val="dk1"/>
-                  </a:lnRef>
-                  <a:fillRef idx="0">
-                    <a:schemeClr val="dk1"/>
-                  </a:fillRef>
-                  <a:effectRef idx="0">
-                    <a:schemeClr val="dk1"/>
-                  </a:effectRef>
-                  <a:fontRef idx="minor">
-                    <a:schemeClr val="tx1"/>
-                  </a:fontRef>
-                </p:style>
-              </p:cxnSp>
-              <p:cxnSp>
-                <p:nvCxnSpPr>
-                  <p:cNvPr id="27" name="Connecteur droit 26"/>
-                  <p:cNvCxnSpPr/>
-                  <p:nvPr/>
-                </p:nvCxnSpPr>
-                <p:spPr>
-                  <a:xfrm flipV="1">
-                    <a:off x="1369493" y="3123803"/>
-                    <a:ext cx="7177502" cy="1"/>
-                  </a:xfrm>
-                  <a:prstGeom prst="line">
-                    <a:avLst/>
-                  </a:prstGeom>
-                  <a:ln w="12700"/>
-                </p:spPr>
-                <p:style>
-                  <a:lnRef idx="1">
-                    <a:schemeClr val="dk1"/>
-                  </a:lnRef>
-                  <a:fillRef idx="0">
-                    <a:schemeClr val="dk1"/>
-                  </a:fillRef>
-                  <a:effectRef idx="0">
-                    <a:schemeClr val="dk1"/>
-                  </a:effectRef>
-                  <a:fontRef idx="minor">
-                    <a:schemeClr val="tx1"/>
-                  </a:fontRef>
-                </p:style>
-              </p:cxnSp>
-              <p:cxnSp>
-                <p:nvCxnSpPr>
-                  <p:cNvPr id="28" name="Connecteur droit 27"/>
-                  <p:cNvCxnSpPr/>
-                  <p:nvPr/>
-                </p:nvCxnSpPr>
-                <p:spPr>
-                  <a:xfrm flipV="1">
-                    <a:off x="1369493" y="3623942"/>
-                    <a:ext cx="7177502" cy="1"/>
-                  </a:xfrm>
-                  <a:prstGeom prst="line">
-                    <a:avLst/>
-                  </a:prstGeom>
-                  <a:ln w="12700"/>
-                </p:spPr>
-                <p:style>
-                  <a:lnRef idx="1">
-                    <a:schemeClr val="dk1"/>
-                  </a:lnRef>
-                  <a:fillRef idx="0">
-                    <a:schemeClr val="dk1"/>
-                  </a:fillRef>
-                  <a:effectRef idx="0">
-                    <a:schemeClr val="dk1"/>
-                  </a:effectRef>
-                  <a:fontRef idx="minor">
-                    <a:schemeClr val="tx1"/>
-                  </a:fontRef>
-                </p:style>
-              </p:cxnSp>
-              <p:cxnSp>
-                <p:nvCxnSpPr>
-                  <p:cNvPr id="29" name="Connecteur droit 28"/>
-                  <p:cNvCxnSpPr/>
-                  <p:nvPr/>
-                </p:nvCxnSpPr>
-                <p:spPr>
-                  <a:xfrm flipV="1">
-                    <a:off x="1369493" y="4124080"/>
                     <a:ext cx="7177502" cy="1"/>
                   </a:xfrm>
                   <a:prstGeom prst="line">
@@ -14031,7 +13914,7 @@
                 </p:nvCxnSpPr>
                 <p:spPr>
                   <a:xfrm>
-                    <a:off x="8546995" y="4025739"/>
+                    <a:off x="2088310" y="4019638"/>
                     <a:ext cx="0" cy="196985"/>
                   </a:xfrm>
                   <a:prstGeom prst="line">
@@ -14061,7 +13944,7 @@
                 </p:nvCxnSpPr>
                 <p:spPr>
                   <a:xfrm>
-                    <a:off x="8542965" y="3521025"/>
+                    <a:off x="2815455" y="3525451"/>
                     <a:ext cx="0" cy="196985"/>
                   </a:xfrm>
                   <a:prstGeom prst="line">
@@ -14091,7 +13974,7 @@
                 </p:nvCxnSpPr>
                 <p:spPr>
                   <a:xfrm>
-                    <a:off x="8542965" y="3031562"/>
+                    <a:off x="4251159" y="3029395"/>
                     <a:ext cx="0" cy="196985"/>
                   </a:xfrm>
                   <a:prstGeom prst="line">
@@ -14121,7 +14004,7 @@
                 </p:nvCxnSpPr>
                 <p:spPr>
                   <a:xfrm>
-                    <a:off x="8543217" y="2525170"/>
+                    <a:off x="7135273" y="2525170"/>
                     <a:ext cx="0" cy="196985"/>
                   </a:xfrm>
                   <a:prstGeom prst="line">
@@ -14336,7 +14219,7 @@
                 </p:nvSpPr>
                 <p:spPr>
                   <a:xfrm>
-                    <a:off x="8364242" y="4216623"/>
+                    <a:off x="1936820" y="4171759"/>
                     <a:ext cx="480500" cy="246221"/>
                   </a:xfrm>
                   <a:prstGeom prst="rect">
@@ -14352,7 +14235,7 @@
                   <a:p>
                     <a:r>
                       <a:rPr lang="fr-FR" sz="1000" dirty="0" smtClean="0"/>
-                      <a:t>100%</a:t>
+                      <a:t>10%</a:t>
                     </a:r>
                     <a:endParaRPr lang="fr-FR" sz="1000" dirty="0"/>
                   </a:p>
@@ -14366,8 +14249,8 @@
                 </p:nvSpPr>
                 <p:spPr>
                   <a:xfrm>
-                    <a:off x="8364242" y="3721095"/>
-                    <a:ext cx="480500" cy="246221"/>
+                    <a:off x="2646194" y="3656192"/>
+                    <a:ext cx="438126" cy="246221"/>
                   </a:xfrm>
                   <a:prstGeom prst="rect">
                     <a:avLst/>
@@ -14381,8 +14264,12 @@
                   <a:lstStyle/>
                   <a:p>
                     <a:r>
+                      <a:rPr lang="fr-FR" sz="1000" dirty="0"/>
+                      <a:t>2</a:t>
+                    </a:r>
+                    <a:r>
                       <a:rPr lang="fr-FR" sz="1000" dirty="0" smtClean="0"/>
-                      <a:t>100%</a:t>
+                      <a:t>0%</a:t>
                     </a:r>
                     <a:endParaRPr lang="fr-FR" sz="1000" dirty="0"/>
                   </a:p>
@@ -14396,8 +14283,8 @@
                 </p:nvSpPr>
                 <p:spPr>
                   <a:xfrm>
-                    <a:off x="8364242" y="3216381"/>
-                    <a:ext cx="480500" cy="246221"/>
+                    <a:off x="4077334" y="3177089"/>
+                    <a:ext cx="437798" cy="246221"/>
                   </a:xfrm>
                   <a:prstGeom prst="rect">
                     <a:avLst/>
@@ -14411,8 +14298,12 @@
                   <a:lstStyle/>
                   <a:p>
                     <a:r>
+                      <a:rPr lang="fr-FR" sz="1000" dirty="0"/>
+                      <a:t>4</a:t>
+                    </a:r>
+                    <a:r>
                       <a:rPr lang="fr-FR" sz="1000" dirty="0" smtClean="0"/>
-                      <a:t>100%</a:t>
+                      <a:t>0%</a:t>
                     </a:r>
                     <a:endParaRPr lang="fr-FR" sz="1000" dirty="0"/>
                   </a:p>
@@ -14426,8 +14317,8 @@
                 </p:nvSpPr>
                 <p:spPr>
                   <a:xfrm>
-                    <a:off x="8360549" y="2678638"/>
-                    <a:ext cx="480500" cy="246221"/>
+                    <a:off x="6970957" y="2678071"/>
+                    <a:ext cx="404424" cy="246221"/>
                   </a:xfrm>
                   <a:prstGeom prst="rect">
                     <a:avLst/>
@@ -14441,8 +14332,12 @@
                   <a:lstStyle/>
                   <a:p>
                     <a:r>
+                      <a:rPr lang="fr-FR" sz="1000" dirty="0"/>
+                      <a:t>8</a:t>
+                    </a:r>
+                    <a:r>
                       <a:rPr lang="fr-FR" sz="1000" dirty="0" smtClean="0"/>
-                      <a:t>100%</a:t>
+                      <a:t>0%</a:t>
                     </a:r>
                     <a:endParaRPr lang="fr-FR" sz="1000" dirty="0"/>
                   </a:p>
@@ -14584,8 +14479,8 @@
                 </a:fontRef>
               </p:style>
             </p:cxnSp>
-            <mc:AlternateContent xmlns:mc="http://schemas.openxmlformats.org/markup-compatibility/2006">
-              <mc:Choice xmlns:a14="http://schemas.microsoft.com/office/drawing/2010/main" Requires="a14">
+            <mc:AlternateContent xmlns:mc="http://schemas.openxmlformats.org/markup-compatibility/2006" xmlns:a14="http://schemas.microsoft.com/office/drawing/2010/main">
+              <mc:Choice Requires="a14">
                 <p:sp>
                   <p:nvSpPr>
                     <p:cNvPr id="57" name="ZoneTexte 56"/>
@@ -14701,7 +14596,7 @@
                   </p:txBody>
                 </p:sp>
               </mc:Choice>
-              <mc:Fallback>
+              <mc:Fallback xmlns="">
                 <p:sp>
                   <p:nvSpPr>
                     <p:cNvPr id="57" name="ZoneTexte 56"/>
@@ -14740,8 +14635,8 @@
                 </p:sp>
               </mc:Fallback>
             </mc:AlternateContent>
-            <mc:AlternateContent xmlns:mc="http://schemas.openxmlformats.org/markup-compatibility/2006">
-              <mc:Choice xmlns:a14="http://schemas.microsoft.com/office/drawing/2010/main" Requires="a14">
+            <mc:AlternateContent xmlns:mc="http://schemas.openxmlformats.org/markup-compatibility/2006" xmlns:a14="http://schemas.microsoft.com/office/drawing/2010/main">
+              <mc:Choice Requires="a14">
                 <p:sp>
                   <p:nvSpPr>
                     <p:cNvPr id="58" name="ZoneTexte 57"/>
@@ -14878,7 +14773,7 @@
                   </p:txBody>
                 </p:sp>
               </mc:Choice>
-              <mc:Fallback>
+              <mc:Fallback xmlns="">
                 <p:sp>
                   <p:nvSpPr>
                     <p:cNvPr id="58" name="ZoneTexte 57"/>
@@ -14917,8 +14812,8 @@
                 </p:sp>
               </mc:Fallback>
             </mc:AlternateContent>
-            <mc:AlternateContent xmlns:mc="http://schemas.openxmlformats.org/markup-compatibility/2006">
-              <mc:Choice xmlns:a14="http://schemas.microsoft.com/office/drawing/2010/main" Requires="a14">
+            <mc:AlternateContent xmlns:mc="http://schemas.openxmlformats.org/markup-compatibility/2006" xmlns:a14="http://schemas.microsoft.com/office/drawing/2010/main">
+              <mc:Choice Requires="a14">
                 <p:sp>
                   <p:nvSpPr>
                     <p:cNvPr id="59" name="ZoneTexte 58"/>
@@ -15045,7 +14940,7 @@
                   </p:txBody>
                 </p:sp>
               </mc:Choice>
-              <mc:Fallback>
+              <mc:Fallback xmlns="">
                 <p:sp>
                   <p:nvSpPr>
                     <p:cNvPr id="59" name="ZoneTexte 58"/>
@@ -15084,8 +14979,8 @@
                 </p:sp>
               </mc:Fallback>
             </mc:AlternateContent>
-            <mc:AlternateContent xmlns:mc="http://schemas.openxmlformats.org/markup-compatibility/2006">
-              <mc:Choice xmlns:a14="http://schemas.microsoft.com/office/drawing/2010/main" Requires="a14">
+            <mc:AlternateContent xmlns:mc="http://schemas.openxmlformats.org/markup-compatibility/2006" xmlns:a14="http://schemas.microsoft.com/office/drawing/2010/main">
+              <mc:Choice Requires="a14">
                 <p:sp>
                   <p:nvSpPr>
                     <p:cNvPr id="60" name="ZoneTexte 59"/>
@@ -15193,7 +15088,7 @@
                   </p:txBody>
                 </p:sp>
               </mc:Choice>
-              <mc:Fallback>
+              <mc:Fallback xmlns="">
                 <p:sp>
                   <p:nvSpPr>
                     <p:cNvPr id="60" name="ZoneTexte 59"/>
@@ -15232,8 +15127,8 @@
                 </p:sp>
               </mc:Fallback>
             </mc:AlternateContent>
-            <mc:AlternateContent xmlns:mc="http://schemas.openxmlformats.org/markup-compatibility/2006">
-              <mc:Choice xmlns:a14="http://schemas.microsoft.com/office/drawing/2010/main" Requires="a14">
+            <mc:AlternateContent xmlns:mc="http://schemas.openxmlformats.org/markup-compatibility/2006" xmlns:a14="http://schemas.microsoft.com/office/drawing/2010/main">
+              <mc:Choice Requires="a14">
                 <p:sp>
                   <p:nvSpPr>
                     <p:cNvPr id="61" name="ZoneTexte 60"/>
@@ -15256,6 +15151,7 @@
                     </a:bodyPr>
                     <a:lstStyle/>
                     <a:p>
+                      <a:pPr/>
                       <a14:m>
                         <m:oMathPara xmlns:m="http://schemas.openxmlformats.org/officeDocument/2006/math">
                           <m:oMathParaPr>
@@ -15298,7 +15194,7 @@
                   </p:txBody>
                 </p:sp>
               </mc:Choice>
-              <mc:Fallback>
+              <mc:Fallback xmlns="">
                 <p:sp>
                   <p:nvSpPr>
                     <p:cNvPr id="61" name="ZoneTexte 60"/>
@@ -15337,8 +15233,8 @@
                 </p:sp>
               </mc:Fallback>
             </mc:AlternateContent>
-            <mc:AlternateContent xmlns:mc="http://schemas.openxmlformats.org/markup-compatibility/2006">
-              <mc:Choice xmlns:a14="http://schemas.microsoft.com/office/drawing/2010/main" Requires="a14">
+            <mc:AlternateContent xmlns:mc="http://schemas.openxmlformats.org/markup-compatibility/2006" xmlns:a14="http://schemas.microsoft.com/office/drawing/2010/main">
+              <mc:Choice Requires="a14">
                 <p:sp>
                   <p:nvSpPr>
                     <p:cNvPr id="62" name="ZoneTexte 61"/>
@@ -15361,6 +15257,7 @@
                     </a:bodyPr>
                     <a:lstStyle/>
                     <a:p>
+                      <a:pPr/>
                       <a14:m>
                         <m:oMathPara xmlns:m="http://schemas.openxmlformats.org/officeDocument/2006/math">
                           <m:oMathParaPr>
@@ -15428,7 +15325,7 @@
                   </p:txBody>
                 </p:sp>
               </mc:Choice>
-              <mc:Fallback>
+              <mc:Fallback xmlns="">
                 <p:sp>
                   <p:nvSpPr>
                     <p:cNvPr id="62" name="ZoneTexte 61"/>
@@ -15467,8 +15364,8 @@
                 </p:sp>
               </mc:Fallback>
             </mc:AlternateContent>
-            <mc:AlternateContent xmlns:mc="http://schemas.openxmlformats.org/markup-compatibility/2006">
-              <mc:Choice xmlns:a14="http://schemas.microsoft.com/office/drawing/2010/main" Requires="a14">
+            <mc:AlternateContent xmlns:mc="http://schemas.openxmlformats.org/markup-compatibility/2006" xmlns:a14="http://schemas.microsoft.com/office/drawing/2010/main">
+              <mc:Choice Requires="a14">
                 <p:sp>
                   <p:nvSpPr>
                     <p:cNvPr id="63" name="ZoneTexte 62"/>
@@ -15491,6 +15388,7 @@
                     </a:bodyPr>
                     <a:lstStyle/>
                     <a:p>
+                      <a:pPr/>
                       <a14:m>
                         <m:oMathPara xmlns:m="http://schemas.openxmlformats.org/officeDocument/2006/math">
                           <m:oMathParaPr>
@@ -15558,7 +15456,7 @@
                   </p:txBody>
                 </p:sp>
               </mc:Choice>
-              <mc:Fallback>
+              <mc:Fallback xmlns="">
                 <p:sp>
                   <p:nvSpPr>
                     <p:cNvPr id="63" name="ZoneTexte 62"/>
@@ -15597,8 +15495,8 @@
                 </p:sp>
               </mc:Fallback>
             </mc:AlternateContent>
-            <mc:AlternateContent xmlns:mc="http://schemas.openxmlformats.org/markup-compatibility/2006">
-              <mc:Choice xmlns:a14="http://schemas.microsoft.com/office/drawing/2010/main" Requires="a14">
+            <mc:AlternateContent xmlns:mc="http://schemas.openxmlformats.org/markup-compatibility/2006" xmlns:a14="http://schemas.microsoft.com/office/drawing/2010/main">
+              <mc:Choice Requires="a14">
                 <p:sp>
                   <p:nvSpPr>
                     <p:cNvPr id="64" name="ZoneTexte 63"/>
@@ -15621,6 +15519,7 @@
                     </a:bodyPr>
                     <a:lstStyle/>
                     <a:p>
+                      <a:pPr/>
                       <a14:m>
                         <m:oMathPara xmlns:m="http://schemas.openxmlformats.org/officeDocument/2006/math">
                           <m:oMathParaPr>
@@ -15670,7 +15569,7 @@
                   </p:txBody>
                 </p:sp>
               </mc:Choice>
-              <mc:Fallback>
+              <mc:Fallback xmlns="">
                 <p:sp>
                   <p:nvSpPr>
                     <p:cNvPr id="64" name="ZoneTexte 63"/>
@@ -15809,7 +15708,7 @@
             <a:p>
               <a:pPr algn="ctr"/>
               <a:r>
-                <a:rPr lang="fr-FR" sz="1100" i="1" dirty="0" smtClean="0">
+                <a:rPr lang="fr-FR" sz="1050" i="1" dirty="0" smtClean="0">
                   <a:latin typeface="Times New Roman" panose="02020603050405020304" pitchFamily="18" charset="0"/>
                   <a:cs typeface="Times New Roman" panose="02020603050405020304" pitchFamily="18" charset="0"/>
                 </a:rPr>
@@ -15819,13 +15718,13 @@
             <a:p>
               <a:pPr algn="ctr"/>
               <a:r>
-                <a:rPr lang="en-US" sz="1100" i="1" dirty="0" smtClean="0">
+                <a:rPr lang="en-US" sz="1050" i="1" dirty="0" smtClean="0">
                   <a:latin typeface="Times New Roman" panose="02020603050405020304" pitchFamily="18" charset="0"/>
                   <a:cs typeface="Times New Roman" panose="02020603050405020304" pitchFamily="18" charset="0"/>
                 </a:rPr>
                 <a:t>16 stations</a:t>
               </a:r>
-              <a:endParaRPr lang="en-US" sz="1100" i="1" dirty="0">
+              <a:endParaRPr lang="en-US" sz="1050" i="1" dirty="0">
                 <a:latin typeface="Times New Roman" panose="02020603050405020304" pitchFamily="18" charset="0"/>
                 <a:cs typeface="Times New Roman" panose="02020603050405020304" pitchFamily="18" charset="0"/>
               </a:endParaRPr>
@@ -15856,37 +15755,23 @@
             <a:p>
               <a:pPr algn="ctr"/>
               <a:r>
-                <a:rPr lang="fr-FR" sz="1100" i="1" dirty="0" smtClean="0">
+                <a:rPr lang="fr-FR" sz="1050" i="1" dirty="0" smtClean="0">
                   <a:latin typeface="Times New Roman" panose="02020603050405020304" pitchFamily="18" charset="0"/>
                   <a:cs typeface="Times New Roman" panose="02020603050405020304" pitchFamily="18" charset="0"/>
                 </a:rPr>
-                <a:t>11</a:t>
-              </a:r>
-              <a:r>
-                <a:rPr lang="fr-FR" sz="1100" i="1" dirty="0" smtClean="0">
-                  <a:latin typeface="Times New Roman" panose="02020603050405020304" pitchFamily="18" charset="0"/>
-                  <a:cs typeface="Times New Roman" panose="02020603050405020304" pitchFamily="18" charset="0"/>
-                </a:rPr>
-                <a:t> sites</a:t>
+                <a:t>11 sites</a:t>
               </a:r>
             </a:p>
             <a:p>
               <a:pPr algn="ctr"/>
               <a:r>
-                <a:rPr lang="en-US" sz="1100" i="1" dirty="0" smtClean="0">
+                <a:rPr lang="en-US" sz="1050" i="1" dirty="0" smtClean="0">
                   <a:latin typeface="Times New Roman" panose="02020603050405020304" pitchFamily="18" charset="0"/>
                   <a:cs typeface="Times New Roman" panose="02020603050405020304" pitchFamily="18" charset="0"/>
                 </a:rPr>
-                <a:t>46</a:t>
+                <a:t>46 stations</a:t>
               </a:r>
-              <a:r>
-                <a:rPr lang="en-US" sz="1100" i="1" dirty="0" smtClean="0">
-                  <a:latin typeface="Times New Roman" panose="02020603050405020304" pitchFamily="18" charset="0"/>
-                  <a:cs typeface="Times New Roman" panose="02020603050405020304" pitchFamily="18" charset="0"/>
-                </a:rPr>
-                <a:t> stations</a:t>
-              </a:r>
-              <a:endParaRPr lang="en-US" sz="1100" i="1" dirty="0">
+              <a:endParaRPr lang="en-US" sz="1050" i="1" dirty="0">
                 <a:latin typeface="Times New Roman" panose="02020603050405020304" pitchFamily="18" charset="0"/>
                 <a:cs typeface="Times New Roman" panose="02020603050405020304" pitchFamily="18" charset="0"/>
               </a:endParaRPr>
@@ -15917,14 +15802,14 @@
             <a:p>
               <a:pPr algn="ctr"/>
               <a:r>
-                <a:rPr lang="fr-FR" sz="1100" i="1" dirty="0">
+                <a:rPr lang="fr-FR" sz="1050" i="1" dirty="0">
                   <a:latin typeface="Times New Roman" panose="02020603050405020304" pitchFamily="18" charset="0"/>
                   <a:cs typeface="Times New Roman" panose="02020603050405020304" pitchFamily="18" charset="0"/>
                 </a:rPr>
                 <a:t>6</a:t>
               </a:r>
               <a:r>
-                <a:rPr lang="fr-FR" sz="1100" i="1" dirty="0" smtClean="0">
+                <a:rPr lang="fr-FR" sz="1050" i="1" dirty="0" smtClean="0">
                   <a:latin typeface="Times New Roman" panose="02020603050405020304" pitchFamily="18" charset="0"/>
                   <a:cs typeface="Times New Roman" panose="02020603050405020304" pitchFamily="18" charset="0"/>
                 </a:rPr>
@@ -15934,20 +15819,13 @@
             <a:p>
               <a:pPr algn="ctr"/>
               <a:r>
-                <a:rPr lang="en-US" sz="1100" i="1" dirty="0" smtClean="0">
+                <a:rPr lang="en-US" sz="1050" i="1" dirty="0" smtClean="0">
                   <a:latin typeface="Times New Roman" panose="02020603050405020304" pitchFamily="18" charset="0"/>
                   <a:cs typeface="Times New Roman" panose="02020603050405020304" pitchFamily="18" charset="0"/>
                 </a:rPr>
-                <a:t>48</a:t>
+                <a:t>48 stations</a:t>
               </a:r>
-              <a:r>
-                <a:rPr lang="en-US" sz="1100" i="1" dirty="0" smtClean="0">
-                  <a:latin typeface="Times New Roman" panose="02020603050405020304" pitchFamily="18" charset="0"/>
-                  <a:cs typeface="Times New Roman" panose="02020603050405020304" pitchFamily="18" charset="0"/>
-                </a:rPr>
-                <a:t> stations</a:t>
-              </a:r>
-              <a:endParaRPr lang="en-US" sz="1100" i="1" dirty="0">
+              <a:endParaRPr lang="en-US" sz="1050" i="1" dirty="0">
                 <a:latin typeface="Times New Roman" panose="02020603050405020304" pitchFamily="18" charset="0"/>
                 <a:cs typeface="Times New Roman" panose="02020603050405020304" pitchFamily="18" charset="0"/>
               </a:endParaRPr>
@@ -15978,14 +15856,14 @@
             <a:p>
               <a:pPr algn="ctr"/>
               <a:r>
-                <a:rPr lang="fr-FR" sz="1100" i="1" dirty="0">
+                <a:rPr lang="fr-FR" sz="1050" i="1" dirty="0">
                   <a:latin typeface="Times New Roman" panose="02020603050405020304" pitchFamily="18" charset="0"/>
                   <a:cs typeface="Times New Roman" panose="02020603050405020304" pitchFamily="18" charset="0"/>
                 </a:rPr>
                 <a:t>1</a:t>
               </a:r>
               <a:r>
-                <a:rPr lang="fr-FR" sz="1100" i="1" dirty="0" smtClean="0">
+                <a:rPr lang="fr-FR" sz="1050" i="1" dirty="0" smtClean="0">
                   <a:latin typeface="Times New Roman" panose="02020603050405020304" pitchFamily="18" charset="0"/>
                   <a:cs typeface="Times New Roman" panose="02020603050405020304" pitchFamily="18" charset="0"/>
                 </a:rPr>
@@ -15995,20 +15873,20 @@
             <a:p>
               <a:pPr algn="ctr"/>
               <a:r>
-                <a:rPr lang="en-US" sz="1100" i="1" dirty="0">
+                <a:rPr lang="en-US" sz="1050" i="1" dirty="0">
                   <a:latin typeface="Times New Roman" panose="02020603050405020304" pitchFamily="18" charset="0"/>
                   <a:cs typeface="Times New Roman" panose="02020603050405020304" pitchFamily="18" charset="0"/>
                 </a:rPr>
                 <a:t>4</a:t>
               </a:r>
               <a:r>
-                <a:rPr lang="en-US" sz="1100" i="1" dirty="0" smtClean="0">
+                <a:rPr lang="en-US" sz="1050" i="1" dirty="0" smtClean="0">
                   <a:latin typeface="Times New Roman" panose="02020603050405020304" pitchFamily="18" charset="0"/>
                   <a:cs typeface="Times New Roman" panose="02020603050405020304" pitchFamily="18" charset="0"/>
                 </a:rPr>
                 <a:t> stations</a:t>
               </a:r>
-              <a:endParaRPr lang="en-US" sz="1100" i="1" dirty="0">
+              <a:endParaRPr lang="en-US" sz="1050" i="1" dirty="0">
                 <a:latin typeface="Times New Roman" panose="02020603050405020304" pitchFamily="18" charset="0"/>
                 <a:cs typeface="Times New Roman" panose="02020603050405020304" pitchFamily="18" charset="0"/>
               </a:endParaRPr>
@@ -16039,14 +15917,14 @@
             <a:p>
               <a:pPr algn="ctr"/>
               <a:r>
-                <a:rPr lang="fr-FR" sz="1100" i="1" dirty="0">
+                <a:rPr lang="fr-FR" sz="1050" i="1" dirty="0">
                   <a:latin typeface="Times New Roman" panose="02020603050405020304" pitchFamily="18" charset="0"/>
                   <a:cs typeface="Times New Roman" panose="02020603050405020304" pitchFamily="18" charset="0"/>
                 </a:rPr>
                 <a:t>3</a:t>
               </a:r>
               <a:r>
-                <a:rPr lang="fr-FR" sz="1100" i="1" dirty="0" smtClean="0">
+                <a:rPr lang="fr-FR" sz="1050" i="1" dirty="0" smtClean="0">
                   <a:latin typeface="Times New Roman" panose="02020603050405020304" pitchFamily="18" charset="0"/>
                   <a:cs typeface="Times New Roman" panose="02020603050405020304" pitchFamily="18" charset="0"/>
                 </a:rPr>
@@ -16056,20 +15934,13 @@
             <a:p>
               <a:pPr algn="ctr"/>
               <a:r>
-                <a:rPr lang="en-US" sz="1100" i="1" dirty="0" smtClean="0">
+                <a:rPr lang="en-US" sz="1050" i="1" dirty="0" smtClean="0">
                   <a:latin typeface="Times New Roman" panose="02020603050405020304" pitchFamily="18" charset="0"/>
                   <a:cs typeface="Times New Roman" panose="02020603050405020304" pitchFamily="18" charset="0"/>
                 </a:rPr>
-                <a:t>31</a:t>
+                <a:t>31 stations</a:t>
               </a:r>
-              <a:r>
-                <a:rPr lang="en-US" sz="1100" i="1" dirty="0" smtClean="0">
-                  <a:latin typeface="Times New Roman" panose="02020603050405020304" pitchFamily="18" charset="0"/>
-                  <a:cs typeface="Times New Roman" panose="02020603050405020304" pitchFamily="18" charset="0"/>
-                </a:rPr>
-                <a:t> stations</a:t>
-              </a:r>
-              <a:endParaRPr lang="en-US" sz="1100" i="1" dirty="0">
+              <a:endParaRPr lang="en-US" sz="1050" i="1" dirty="0">
                 <a:latin typeface="Times New Roman" panose="02020603050405020304" pitchFamily="18" charset="0"/>
                 <a:cs typeface="Times New Roman" panose="02020603050405020304" pitchFamily="18" charset="0"/>
               </a:endParaRPr>
@@ -16125,6 +15996,130 @@
           </a:p>
         </p:txBody>
       </p:sp>
+      <p:cxnSp>
+        <p:nvCxnSpPr>
+          <p:cNvPr id="19" name="Connecteur droit 18"/>
+          <p:cNvCxnSpPr/>
+          <p:nvPr/>
+        </p:nvCxnSpPr>
+        <p:spPr>
+          <a:xfrm>
+            <a:off x="633168" y="2615609"/>
+            <a:ext cx="5762264" cy="0"/>
+          </a:xfrm>
+          <a:prstGeom prst="line">
+            <a:avLst/>
+          </a:prstGeom>
+          <a:ln w="12700"/>
+        </p:spPr>
+        <p:style>
+          <a:lnRef idx="1">
+            <a:schemeClr val="dk1"/>
+          </a:lnRef>
+          <a:fillRef idx="0">
+            <a:schemeClr val="dk1"/>
+          </a:fillRef>
+          <a:effectRef idx="0">
+            <a:schemeClr val="dk1"/>
+          </a:effectRef>
+          <a:fontRef idx="minor">
+            <a:schemeClr val="tx1"/>
+          </a:fontRef>
+        </p:style>
+      </p:cxnSp>
+      <p:cxnSp>
+        <p:nvCxnSpPr>
+          <p:cNvPr id="25" name="Connecteur droit 24"/>
+          <p:cNvCxnSpPr/>
+          <p:nvPr/>
+        </p:nvCxnSpPr>
+        <p:spPr>
+          <a:xfrm>
+            <a:off x="627983" y="3125972"/>
+            <a:ext cx="2879192" cy="0"/>
+          </a:xfrm>
+          <a:prstGeom prst="line">
+            <a:avLst/>
+          </a:prstGeom>
+          <a:ln w="12700"/>
+        </p:spPr>
+        <p:style>
+          <a:lnRef idx="1">
+            <a:schemeClr val="dk1"/>
+          </a:lnRef>
+          <a:fillRef idx="0">
+            <a:schemeClr val="dk1"/>
+          </a:fillRef>
+          <a:effectRef idx="0">
+            <a:schemeClr val="dk1"/>
+          </a:effectRef>
+          <a:fontRef idx="minor">
+            <a:schemeClr val="tx1"/>
+          </a:fontRef>
+        </p:style>
+      </p:cxnSp>
+      <p:cxnSp>
+        <p:nvCxnSpPr>
+          <p:cNvPr id="92" name="Connecteur droit 91"/>
+          <p:cNvCxnSpPr/>
+          <p:nvPr/>
+        </p:nvCxnSpPr>
+        <p:spPr>
+          <a:xfrm>
+            <a:off x="638615" y="3617991"/>
+            <a:ext cx="1429417" cy="0"/>
+          </a:xfrm>
+          <a:prstGeom prst="line">
+            <a:avLst/>
+          </a:prstGeom>
+          <a:ln w="12700"/>
+        </p:spPr>
+        <p:style>
+          <a:lnRef idx="1">
+            <a:schemeClr val="dk1"/>
+          </a:lnRef>
+          <a:fillRef idx="0">
+            <a:schemeClr val="dk1"/>
+          </a:fillRef>
+          <a:effectRef idx="0">
+            <a:schemeClr val="dk1"/>
+          </a:effectRef>
+          <a:fontRef idx="minor">
+            <a:schemeClr val="tx1"/>
+          </a:fontRef>
+        </p:style>
+      </p:cxnSp>
+      <p:cxnSp>
+        <p:nvCxnSpPr>
+          <p:cNvPr id="95" name="Connecteur droit 94"/>
+          <p:cNvCxnSpPr/>
+          <p:nvPr/>
+        </p:nvCxnSpPr>
+        <p:spPr>
+          <a:xfrm>
+            <a:off x="637272" y="4138021"/>
+            <a:ext cx="716051" cy="0"/>
+          </a:xfrm>
+          <a:prstGeom prst="line">
+            <a:avLst/>
+          </a:prstGeom>
+          <a:ln w="12700"/>
+        </p:spPr>
+        <p:style>
+          <a:lnRef idx="1">
+            <a:schemeClr val="dk1"/>
+          </a:lnRef>
+          <a:fillRef idx="0">
+            <a:schemeClr val="dk1"/>
+          </a:fillRef>
+          <a:effectRef idx="0">
+            <a:schemeClr val="dk1"/>
+          </a:effectRef>
+          <a:fontRef idx="minor">
+            <a:schemeClr val="tx1"/>
+          </a:fontRef>
+        </p:style>
+      </p:cxnSp>
     </p:spTree>
     <p:extLst>
       <p:ext uri="{BB962C8B-B14F-4D97-AF65-F5344CB8AC3E}">
